--- a/slide/D17CQAT01_PhanDai_N17DCAT013.pptx
+++ b/slide/D17CQAT01_PhanDai_N17DCAT013.pptx
@@ -10,10 +10,10 @@
   <p:sldIdLst>
     <p:sldId id="256" r:id="rId2"/>
     <p:sldId id="257" r:id="rId3"/>
-    <p:sldId id="263" r:id="rId4"/>
-    <p:sldId id="261" r:id="rId5"/>
-    <p:sldId id="260" r:id="rId6"/>
-    <p:sldId id="264" r:id="rId7"/>
+    <p:sldId id="261" r:id="rId4"/>
+    <p:sldId id="260" r:id="rId5"/>
+    <p:sldId id="264" r:id="rId6"/>
+    <p:sldId id="266" r:id="rId7"/>
     <p:sldId id="265" r:id="rId8"/>
     <p:sldId id="262" r:id="rId9"/>
     <p:sldId id="259" r:id="rId10"/>
@@ -206,7 +206,7 @@
           <a:p>
             <a:fld id="{4D90CDED-DED5-4950-8D8A-00FFCAA83A1B}" type="datetimeFigureOut">
               <a:rPr lang="en-US" smtClean="0"/>
-              <a:t>12/7/2021</a:t>
+              <a:t>12/8/2021</a:t>
             </a:fld>
             <a:endParaRPr lang="en-US"/>
           </a:p>
@@ -877,7 +877,7 @@
           <a:p>
             <a:fld id="{9CC9E0FF-7D19-4510-9DCE-23D201D9E916}" type="datetime1">
               <a:rPr lang="en-US" smtClean="0"/>
-              <a:t>12/7/2021</a:t>
+              <a:t>12/8/2021</a:t>
             </a:fld>
             <a:endParaRPr lang="en-US"/>
           </a:p>
@@ -1056,7 +1056,7 @@
           <a:p>
             <a:fld id="{02BE6C0D-AE79-4D98-BA3B-E3751AE5331F}" type="datetime1">
               <a:rPr lang="en-US" smtClean="0"/>
-              <a:t>12/7/2021</a:t>
+              <a:t>12/8/2021</a:t>
             </a:fld>
             <a:endParaRPr lang="en-US"/>
           </a:p>
@@ -1236,7 +1236,7 @@
           <a:p>
             <a:fld id="{64794B53-B5A7-48E6-89FC-70BEF208D151}" type="datetime1">
               <a:rPr lang="en-US" smtClean="0"/>
-              <a:t>12/7/2021</a:t>
+              <a:t>12/8/2021</a:t>
             </a:fld>
             <a:endParaRPr lang="en-US"/>
           </a:p>
@@ -1406,7 +1406,7 @@
           <a:p>
             <a:fld id="{E4F4B884-B57B-462C-B739-9A72F1ADE961}" type="datetime1">
               <a:rPr lang="en-US" smtClean="0"/>
-              <a:t>12/7/2021</a:t>
+              <a:t>12/8/2021</a:t>
             </a:fld>
             <a:endParaRPr lang="en-US"/>
           </a:p>
@@ -1719,7 +1719,7 @@
           <a:p>
             <a:fld id="{B9C8D748-A08B-490E-87AA-BC3835B708B2}" type="datetime1">
               <a:rPr lang="en-US" smtClean="0"/>
-              <a:t>12/7/2021</a:t>
+              <a:t>12/8/2021</a:t>
             </a:fld>
             <a:endParaRPr lang="en-US"/>
           </a:p>
@@ -2105,7 +2105,7 @@
           <a:p>
             <a:fld id="{0FCBCAE6-D603-4735-B4B0-803AAA3FEC04}" type="datetime1">
               <a:rPr lang="en-US" smtClean="0"/>
-              <a:t>12/7/2021</a:t>
+              <a:t>12/8/2021</a:t>
             </a:fld>
             <a:endParaRPr lang="en-US"/>
           </a:p>
@@ -2539,7 +2539,7 @@
           <a:p>
             <a:fld id="{17C15CAB-E48F-495C-92CD-4CF2B2C1B0ED}" type="datetime1">
               <a:rPr lang="en-US" smtClean="0"/>
-              <a:t>12/7/2021</a:t>
+              <a:t>12/8/2021</a:t>
             </a:fld>
             <a:endParaRPr lang="en-US"/>
           </a:p>
@@ -2657,7 +2657,7 @@
           <a:p>
             <a:fld id="{5302AA14-F259-4723-9AF0-36DE127C0145}" type="datetime1">
               <a:rPr lang="en-US" smtClean="0"/>
-              <a:t>12/7/2021</a:t>
+              <a:t>12/8/2021</a:t>
             </a:fld>
             <a:endParaRPr lang="en-US"/>
           </a:p>
@@ -2752,7 +2752,7 @@
           <a:p>
             <a:fld id="{C9349F59-A2E8-4E73-9F17-B6C9798F4358}" type="datetime1">
               <a:rPr lang="en-US" smtClean="0"/>
-              <a:t>12/7/2021</a:t>
+              <a:t>12/8/2021</a:t>
             </a:fld>
             <a:endParaRPr lang="en-US"/>
           </a:p>
@@ -3102,7 +3102,7 @@
           <a:p>
             <a:fld id="{44F06C92-CE98-4B24-91B3-57666E0FED09}" type="datetime1">
               <a:rPr lang="en-US" smtClean="0"/>
-              <a:t>12/7/2021</a:t>
+              <a:t>12/8/2021</a:t>
             </a:fld>
             <a:endParaRPr lang="en-US"/>
           </a:p>
@@ -3527,7 +3527,7 @@
           <a:p>
             <a:fld id="{15CAC543-8889-4E95-B4AC-6EDFB98064E3}" type="datetime1">
               <a:rPr lang="en-US" smtClean="0"/>
-              <a:t>12/7/2021</a:t>
+              <a:t>12/8/2021</a:t>
             </a:fld>
             <a:endParaRPr lang="en-US"/>
           </a:p>
@@ -3808,7 +3808,7 @@
           <a:p>
             <a:fld id="{BDFF3CA4-504F-4AB7-961C-755BCE655230}" type="datetime1">
               <a:rPr lang="en-US" smtClean="0"/>
-              <a:t>12/7/2021</a:t>
+              <a:t>12/8/2021</a:t>
             </a:fld>
             <a:endParaRPr lang="en-US"/>
           </a:p>
@@ -5270,13 +5270,6 @@
                 </a:rPr>
                 <a:t>YOU</a:t>
               </a:r>
-              <a:endParaRPr lang="en-US" sz="7500" i="1" dirty="0">
-                <a:solidFill>
-                  <a:srgbClr val="A61A1D"/>
-                </a:solidFill>
-                <a:latin typeface="Roboto Black" panose="02000000000000000000" pitchFamily="2" charset="0"/>
-                <a:ea typeface="Roboto Black" panose="02000000000000000000" pitchFamily="2" charset="0"/>
-              </a:endParaRPr>
             </a:p>
           </p:txBody>
         </p:sp>
@@ -5447,7 +5440,7 @@
         </p:nvSpPr>
         <p:spPr>
           <a:xfrm>
-            <a:off x="1069848" y="484632"/>
+            <a:off x="1069848" y="445596"/>
             <a:ext cx="10058400" cy="677418"/>
           </a:xfrm>
         </p:spPr>
@@ -5458,15 +5451,15 @@
           <a:lstStyle/>
           <a:p>
             <a:r>
-              <a:rPr lang="en-US" sz="4000" dirty="0" smtClean="0">
-                <a:latin typeface="Arial" panose="020B0604020202020204" pitchFamily="34" charset="0"/>
-                <a:cs typeface="Arial" panose="020B0604020202020204" pitchFamily="34" charset="0"/>
+              <a:rPr lang="en-US" sz="4000" b="1" dirty="0" smtClean="0">
+                <a:latin typeface="Times New Roman" panose="02020603050405020304" pitchFamily="18" charset="0"/>
+                <a:cs typeface="Times New Roman" panose="02020603050405020304" pitchFamily="18" charset="0"/>
               </a:rPr>
               <a:t>Mục tiêu đạt được</a:t>
             </a:r>
-            <a:endParaRPr lang="en-US" sz="4000" dirty="0">
-              <a:latin typeface="Arial" panose="020B0604020202020204" pitchFamily="34" charset="0"/>
-              <a:cs typeface="Arial" panose="020B0604020202020204" pitchFamily="34" charset="0"/>
+            <a:endParaRPr lang="en-US" sz="4000" b="1" dirty="0">
+              <a:latin typeface="Times New Roman" panose="02020603050405020304" pitchFamily="18" charset="0"/>
+              <a:cs typeface="Times New Roman" panose="02020603050405020304" pitchFamily="18" charset="0"/>
             </a:endParaRPr>
           </a:p>
         </p:txBody>
@@ -5491,6 +5484,467 @@
               <a:t>2</a:t>
             </a:r>
             <a:endParaRPr lang="en-US" dirty="0"/>
+          </a:p>
+        </p:txBody>
+      </p:sp>
+      <p:sp>
+        <p:nvSpPr>
+          <p:cNvPr id="3" name="TextBox 2"/>
+          <p:cNvSpPr txBox="1"/>
+          <p:nvPr/>
+        </p:nvSpPr>
+        <p:spPr>
+          <a:xfrm>
+            <a:off x="1069848" y="1283516"/>
+            <a:ext cx="10058400" cy="2877711"/>
+          </a:xfrm>
+          <a:prstGeom prst="rect">
+            <a:avLst/>
+          </a:prstGeom>
+          <a:noFill/>
+        </p:spPr>
+        <p:txBody>
+          <a:bodyPr wrap="square" rtlCol="0">
+            <a:spAutoFit/>
+          </a:bodyPr>
+          <a:lstStyle/>
+          <a:p>
+            <a:pPr>
+              <a:lnSpc>
+                <a:spcPct val="150000"/>
+              </a:lnSpc>
+              <a:spcBef>
+                <a:spcPts val="600"/>
+              </a:spcBef>
+            </a:pPr>
+            <a:r>
+              <a:rPr lang="en-US" sz="2400" b="1" dirty="0" smtClean="0">
+                <a:solidFill>
+                  <a:schemeClr val="accent2">
+                    <a:lumMod val="50000"/>
+                  </a:schemeClr>
+                </a:solidFill>
+                <a:latin typeface="Roboto" panose="02000000000000000000" pitchFamily="2" charset="0"/>
+                <a:ea typeface="Roboto" panose="02000000000000000000" pitchFamily="2" charset="0"/>
+                <a:cs typeface="Arial" panose="020B0604020202020204" pitchFamily="34" charset="0"/>
+              </a:rPr>
+              <a:t>VỀ LÝ THUYẾT</a:t>
+            </a:r>
+          </a:p>
+          <a:p>
+            <a:pPr>
+              <a:lnSpc>
+                <a:spcPct val="150000"/>
+              </a:lnSpc>
+              <a:spcBef>
+                <a:spcPts val="600"/>
+              </a:spcBef>
+            </a:pPr>
+            <a:r>
+              <a:rPr lang="en-US" sz="1600" dirty="0" smtClean="0">
+                <a:latin typeface="Arial" panose="020B0604020202020204" pitchFamily="34" charset="0"/>
+                <a:cs typeface="Arial" panose="020B0604020202020204" pitchFamily="34" charset="0"/>
+              </a:rPr>
+              <a:t>- </a:t>
+            </a:r>
+            <a:r>
+              <a:rPr lang="en-US" sz="1600" dirty="0">
+                <a:latin typeface="Arial" panose="020B0604020202020204" pitchFamily="34" charset="0"/>
+                <a:cs typeface="Arial" panose="020B0604020202020204" pitchFamily="34" charset="0"/>
+              </a:rPr>
+              <a:t>Tìm hiểu cơ chế hoạt động của DNS truyền thống</a:t>
+            </a:r>
+            <a:r>
+              <a:rPr lang="en-US" sz="1600" dirty="0" smtClean="0">
+                <a:latin typeface="Arial" panose="020B0604020202020204" pitchFamily="34" charset="0"/>
+                <a:cs typeface="Arial" panose="020B0604020202020204" pitchFamily="34" charset="0"/>
+              </a:rPr>
+              <a:t>.</a:t>
+            </a:r>
+            <a:r>
+              <a:rPr lang="en-US" sz="1600" u="dotted" dirty="0" smtClean="0">
+                <a:latin typeface="Arial" panose="020B0604020202020204" pitchFamily="34" charset="0"/>
+                <a:cs typeface="Arial" panose="020B0604020202020204" pitchFamily="34" charset="0"/>
+              </a:rPr>
+              <a:t>					      </a:t>
+            </a:r>
+            <a:r>
+              <a:rPr lang="en-US" sz="1600" dirty="0" smtClean="0">
+                <a:latin typeface="Arial" panose="020B0604020202020204" pitchFamily="34" charset="0"/>
+                <a:cs typeface="Arial" panose="020B0604020202020204" pitchFamily="34" charset="0"/>
+              </a:rPr>
+              <a:t>3</a:t>
+            </a:r>
+            <a:endParaRPr lang="en-US" sz="1600" dirty="0">
+              <a:latin typeface="Arial" panose="020B0604020202020204" pitchFamily="34" charset="0"/>
+              <a:cs typeface="Arial" panose="020B0604020202020204" pitchFamily="34" charset="0"/>
+            </a:endParaRPr>
+          </a:p>
+          <a:p>
+            <a:pPr>
+              <a:lnSpc>
+                <a:spcPct val="150000"/>
+              </a:lnSpc>
+              <a:spcBef>
+                <a:spcPts val="600"/>
+              </a:spcBef>
+            </a:pPr>
+            <a:r>
+              <a:rPr lang="en-US" sz="1600" dirty="0">
+                <a:latin typeface="Arial" panose="020B0604020202020204" pitchFamily="34" charset="0"/>
+                <a:cs typeface="Arial" panose="020B0604020202020204" pitchFamily="34" charset="0"/>
+              </a:rPr>
+              <a:t>- Tìm hiểu các ưu và nhược điểm của DNS truyền thống</a:t>
+            </a:r>
+            <a:r>
+              <a:rPr lang="en-US" sz="1600" dirty="0" smtClean="0">
+                <a:latin typeface="Arial" panose="020B0604020202020204" pitchFamily="34" charset="0"/>
+                <a:cs typeface="Arial" panose="020B0604020202020204" pitchFamily="34" charset="0"/>
+              </a:rPr>
+              <a:t>.</a:t>
+            </a:r>
+            <a:r>
+              <a:rPr lang="en-US" sz="1600" u="dotted" dirty="0">
+                <a:latin typeface="Arial" panose="020B0604020202020204" pitchFamily="34" charset="0"/>
+                <a:cs typeface="Arial" panose="020B0604020202020204" pitchFamily="34" charset="0"/>
+              </a:rPr>
+              <a:t> 					      </a:t>
+            </a:r>
+            <a:r>
+              <a:rPr lang="en-US" sz="1600" dirty="0" smtClean="0">
+                <a:latin typeface="Arial" panose="020B0604020202020204" pitchFamily="34" charset="0"/>
+                <a:cs typeface="Arial" panose="020B0604020202020204" pitchFamily="34" charset="0"/>
+              </a:rPr>
+              <a:t>4</a:t>
+            </a:r>
+            <a:endParaRPr lang="en-US" sz="1600" dirty="0">
+              <a:latin typeface="Arial" panose="020B0604020202020204" pitchFamily="34" charset="0"/>
+              <a:cs typeface="Arial" panose="020B0604020202020204" pitchFamily="34" charset="0"/>
+            </a:endParaRPr>
+          </a:p>
+          <a:p>
+            <a:pPr>
+              <a:lnSpc>
+                <a:spcPct val="150000"/>
+              </a:lnSpc>
+              <a:spcBef>
+                <a:spcPts val="600"/>
+              </a:spcBef>
+            </a:pPr>
+            <a:r>
+              <a:rPr lang="en-US" sz="1600" dirty="0">
+                <a:latin typeface="Arial" panose="020B0604020202020204" pitchFamily="34" charset="0"/>
+                <a:cs typeface="Arial" panose="020B0604020202020204" pitchFamily="34" charset="0"/>
+              </a:rPr>
+              <a:t>- Tìm hiểu tổng quan về công nghệ Blockchain và giao thức đồng thuận PoW, </a:t>
+            </a:r>
+            <a:r>
+              <a:rPr lang="en-US" sz="1600" dirty="0" smtClean="0">
+                <a:latin typeface="Arial" panose="020B0604020202020204" pitchFamily="34" charset="0"/>
+                <a:cs typeface="Arial" panose="020B0604020202020204" pitchFamily="34" charset="0"/>
+              </a:rPr>
+              <a:t>PoS</a:t>
+            </a:r>
+            <a:r>
+              <a:rPr lang="en-US" sz="1600" u="dotted" dirty="0">
+                <a:latin typeface="Arial" panose="020B0604020202020204" pitchFamily="34" charset="0"/>
+                <a:cs typeface="Arial" panose="020B0604020202020204" pitchFamily="34" charset="0"/>
+              </a:rPr>
+              <a:t>. 		      </a:t>
+            </a:r>
+            <a:r>
+              <a:rPr lang="en-US" sz="1600" dirty="0" smtClean="0">
+                <a:latin typeface="Arial" panose="020B0604020202020204" pitchFamily="34" charset="0"/>
+                <a:cs typeface="Arial" panose="020B0604020202020204" pitchFamily="34" charset="0"/>
+              </a:rPr>
+              <a:t>5</a:t>
+            </a:r>
+            <a:endParaRPr lang="en-US" sz="1600" dirty="0">
+              <a:latin typeface="Arial" panose="020B0604020202020204" pitchFamily="34" charset="0"/>
+              <a:cs typeface="Arial" panose="020B0604020202020204" pitchFamily="34" charset="0"/>
+            </a:endParaRPr>
+          </a:p>
+          <a:p>
+            <a:pPr>
+              <a:lnSpc>
+                <a:spcPct val="150000"/>
+              </a:lnSpc>
+              <a:spcBef>
+                <a:spcPts val="600"/>
+              </a:spcBef>
+            </a:pPr>
+            <a:r>
+              <a:rPr lang="en-US" sz="1600" dirty="0">
+                <a:latin typeface="Arial" panose="020B0604020202020204" pitchFamily="34" charset="0"/>
+                <a:cs typeface="Arial" panose="020B0604020202020204" pitchFamily="34" charset="0"/>
+              </a:rPr>
+              <a:t>- Một số phần mềm DNS dựa trên blockchain hiện có</a:t>
+            </a:r>
+            <a:r>
+              <a:rPr lang="en-US" sz="1600" u="dotted" dirty="0" smtClean="0">
+                <a:latin typeface="Arial" panose="020B0604020202020204" pitchFamily="34" charset="0"/>
+                <a:cs typeface="Arial" panose="020B0604020202020204" pitchFamily="34" charset="0"/>
+              </a:rPr>
+              <a:t>.</a:t>
+            </a:r>
+            <a:r>
+              <a:rPr lang="en-US" sz="1600" u="dotted" dirty="0">
+                <a:latin typeface="Arial" panose="020B0604020202020204" pitchFamily="34" charset="0"/>
+                <a:cs typeface="Arial" panose="020B0604020202020204" pitchFamily="34" charset="0"/>
+              </a:rPr>
+              <a:t> 	      </a:t>
+            </a:r>
+            <a:r>
+              <a:rPr lang="en-US" sz="1600" u="dotted" dirty="0" smtClean="0">
+                <a:latin typeface="Arial" panose="020B0604020202020204" pitchFamily="34" charset="0"/>
+                <a:cs typeface="Arial" panose="020B0604020202020204" pitchFamily="34" charset="0"/>
+              </a:rPr>
+              <a:t>				      </a:t>
+            </a:r>
+            <a:r>
+              <a:rPr lang="en-US" sz="1600" dirty="0" smtClean="0">
+                <a:latin typeface="Arial" panose="020B0604020202020204" pitchFamily="34" charset="0"/>
+                <a:cs typeface="Arial" panose="020B0604020202020204" pitchFamily="34" charset="0"/>
+              </a:rPr>
+              <a:t>3</a:t>
+            </a:r>
+            <a:endParaRPr lang="en-US" sz="1600" dirty="0">
+              <a:latin typeface="Arial" panose="020B0604020202020204" pitchFamily="34" charset="0"/>
+              <a:cs typeface="Arial" panose="020B0604020202020204" pitchFamily="34" charset="0"/>
+            </a:endParaRPr>
+          </a:p>
+          <a:p>
+            <a:pPr>
+              <a:lnSpc>
+                <a:spcPct val="150000"/>
+              </a:lnSpc>
+              <a:spcBef>
+                <a:spcPts val="600"/>
+              </a:spcBef>
+            </a:pPr>
+            <a:r>
+              <a:rPr lang="en-US" sz="1600" dirty="0">
+                <a:latin typeface="Arial" panose="020B0604020202020204" pitchFamily="34" charset="0"/>
+                <a:cs typeface="Arial" panose="020B0604020202020204" pitchFamily="34" charset="0"/>
+              </a:rPr>
+              <a:t>- Xây dựng cơ chế hoạt động của DNS dựa trên blockchain</a:t>
+            </a:r>
+            <a:r>
+              <a:rPr lang="en-US" sz="1600" u="dotted" dirty="0" smtClean="0">
+                <a:latin typeface="Arial" panose="020B0604020202020204" pitchFamily="34" charset="0"/>
+                <a:cs typeface="Arial" panose="020B0604020202020204" pitchFamily="34" charset="0"/>
+              </a:rPr>
+              <a:t>.</a:t>
+            </a:r>
+            <a:r>
+              <a:rPr lang="en-US" sz="1600" u="dotted" dirty="0">
+                <a:latin typeface="Arial" panose="020B0604020202020204" pitchFamily="34" charset="0"/>
+                <a:cs typeface="Arial" panose="020B0604020202020204" pitchFamily="34" charset="0"/>
+              </a:rPr>
+              <a:t> 	      </a:t>
+            </a:r>
+            <a:r>
+              <a:rPr lang="en-US" sz="1600" u="dotted" dirty="0" smtClean="0">
+                <a:latin typeface="Arial" panose="020B0604020202020204" pitchFamily="34" charset="0"/>
+                <a:cs typeface="Arial" panose="020B0604020202020204" pitchFamily="34" charset="0"/>
+              </a:rPr>
+              <a:t>				      </a:t>
+            </a:r>
+            <a:r>
+              <a:rPr lang="en-US" sz="1600" dirty="0" smtClean="0">
+                <a:latin typeface="Arial" panose="020B0604020202020204" pitchFamily="34" charset="0"/>
+                <a:cs typeface="Arial" panose="020B0604020202020204" pitchFamily="34" charset="0"/>
+              </a:rPr>
+              <a:t>3</a:t>
+            </a:r>
+            <a:endParaRPr lang="en-US" sz="1600" dirty="0">
+              <a:latin typeface="Arial" panose="020B0604020202020204" pitchFamily="34" charset="0"/>
+              <a:cs typeface="Arial" panose="020B0604020202020204" pitchFamily="34" charset="0"/>
+            </a:endParaRPr>
+          </a:p>
+        </p:txBody>
+      </p:sp>
+      <p:sp>
+        <p:nvSpPr>
+          <p:cNvPr id="5" name="TextBox 4"/>
+          <p:cNvSpPr txBox="1"/>
+          <p:nvPr/>
+        </p:nvSpPr>
+        <p:spPr>
+          <a:xfrm>
+            <a:off x="1069848" y="4321729"/>
+            <a:ext cx="10058400" cy="1538883"/>
+          </a:xfrm>
+          <a:prstGeom prst="rect">
+            <a:avLst/>
+          </a:prstGeom>
+          <a:noFill/>
+        </p:spPr>
+        <p:txBody>
+          <a:bodyPr wrap="square" rtlCol="0">
+            <a:spAutoFit/>
+          </a:bodyPr>
+          <a:lstStyle/>
+          <a:p>
+            <a:pPr>
+              <a:lnSpc>
+                <a:spcPct val="150000"/>
+              </a:lnSpc>
+              <a:spcBef>
+                <a:spcPts val="600"/>
+              </a:spcBef>
+            </a:pPr>
+            <a:r>
+              <a:rPr lang="en-US" sz="2400" b="1" dirty="0" smtClean="0">
+                <a:solidFill>
+                  <a:schemeClr val="accent2">
+                    <a:lumMod val="50000"/>
+                  </a:schemeClr>
+                </a:solidFill>
+                <a:latin typeface="Roboto" panose="02000000000000000000" pitchFamily="2" charset="0"/>
+                <a:ea typeface="Roboto" panose="02000000000000000000" pitchFamily="2" charset="0"/>
+                <a:cs typeface="Arial" panose="020B0604020202020204" pitchFamily="34" charset="0"/>
+              </a:rPr>
+              <a:t>VỀ THỰC HÀNH</a:t>
+            </a:r>
+          </a:p>
+          <a:p>
+            <a:pPr>
+              <a:lnSpc>
+                <a:spcPct val="150000"/>
+              </a:lnSpc>
+              <a:spcBef>
+                <a:spcPts val="600"/>
+              </a:spcBef>
+            </a:pPr>
+            <a:r>
+              <a:rPr lang="en-US" sz="1600" dirty="0" smtClean="0">
+                <a:latin typeface="Arial" panose="020B0604020202020204" pitchFamily="34" charset="0"/>
+                <a:cs typeface="Arial" panose="020B0604020202020204" pitchFamily="34" charset="0"/>
+              </a:rPr>
+              <a:t>- </a:t>
+            </a:r>
+            <a:r>
+              <a:rPr lang="en-US" sz="1600" dirty="0">
+                <a:latin typeface="Arial" panose="020B0604020202020204" pitchFamily="34" charset="0"/>
+                <a:cs typeface="Arial" panose="020B0604020202020204" pitchFamily="34" charset="0"/>
+              </a:rPr>
+              <a:t>Xây dựng một hệ và triển khai DNS trên một private blockchain với giao thức đồng thuận PoW</a:t>
+            </a:r>
+            <a:r>
+              <a:rPr lang="en-US" sz="1600" dirty="0" smtClean="0">
+                <a:latin typeface="Arial" panose="020B0604020202020204" pitchFamily="34" charset="0"/>
+                <a:cs typeface="Arial" panose="020B0604020202020204" pitchFamily="34" charset="0"/>
+              </a:rPr>
+              <a:t>.</a:t>
+            </a:r>
+            <a:r>
+              <a:rPr lang="en-US" sz="1600" u="dotted" dirty="0" smtClean="0">
+                <a:latin typeface="Arial" panose="020B0604020202020204" pitchFamily="34" charset="0"/>
+                <a:cs typeface="Arial" panose="020B0604020202020204" pitchFamily="34" charset="0"/>
+              </a:rPr>
+              <a:t>	       </a:t>
+            </a:r>
+            <a:r>
+              <a:rPr lang="en-US" sz="1600" dirty="0" smtClean="0">
+                <a:latin typeface="Arial" panose="020B0604020202020204" pitchFamily="34" charset="0"/>
+                <a:cs typeface="Arial" panose="020B0604020202020204" pitchFamily="34" charset="0"/>
+              </a:rPr>
+              <a:t>3</a:t>
+            </a:r>
+            <a:endParaRPr lang="en-US" sz="1600" dirty="0">
+              <a:latin typeface="Arial" panose="020B0604020202020204" pitchFamily="34" charset="0"/>
+              <a:cs typeface="Arial" panose="020B0604020202020204" pitchFamily="34" charset="0"/>
+            </a:endParaRPr>
+          </a:p>
+          <a:p>
+            <a:pPr>
+              <a:lnSpc>
+                <a:spcPct val="150000"/>
+              </a:lnSpc>
+              <a:spcBef>
+                <a:spcPts val="600"/>
+              </a:spcBef>
+            </a:pPr>
+            <a:r>
+              <a:rPr lang="en-US" sz="1600" dirty="0">
+                <a:latin typeface="Arial" panose="020B0604020202020204" pitchFamily="34" charset="0"/>
+                <a:cs typeface="Arial" panose="020B0604020202020204" pitchFamily="34" charset="0"/>
+              </a:rPr>
+              <a:t>- Xây dựng các kịch bản thử nghiệm cho giải pháp</a:t>
+            </a:r>
+            <a:r>
+              <a:rPr lang="en-US" sz="1600" dirty="0" smtClean="0">
+                <a:latin typeface="Arial" panose="020B0604020202020204" pitchFamily="34" charset="0"/>
+                <a:cs typeface="Arial" panose="020B0604020202020204" pitchFamily="34" charset="0"/>
+              </a:rPr>
+              <a:t>.</a:t>
+            </a:r>
+            <a:r>
+              <a:rPr lang="en-US" sz="1600" u="dotted" dirty="0" smtClean="0">
+                <a:latin typeface="Arial" panose="020B0604020202020204" pitchFamily="34" charset="0"/>
+                <a:cs typeface="Arial" panose="020B0604020202020204" pitchFamily="34" charset="0"/>
+              </a:rPr>
+              <a:t>					       </a:t>
+            </a:r>
+            <a:r>
+              <a:rPr lang="en-US" sz="1600" dirty="0" smtClean="0">
+                <a:latin typeface="Arial" panose="020B0604020202020204" pitchFamily="34" charset="0"/>
+                <a:cs typeface="Arial" panose="020B0604020202020204" pitchFamily="34" charset="0"/>
+              </a:rPr>
+              <a:t>3</a:t>
+            </a:r>
+            <a:endParaRPr lang="en-US" sz="1600" dirty="0">
+              <a:latin typeface="Arial" panose="020B0604020202020204" pitchFamily="34" charset="0"/>
+              <a:cs typeface="Arial" panose="020B0604020202020204" pitchFamily="34" charset="0"/>
+            </a:endParaRPr>
+          </a:p>
+        </p:txBody>
+      </p:sp>
+      <p:sp>
+        <p:nvSpPr>
+          <p:cNvPr id="7" name="Rectangle 6"/>
+          <p:cNvSpPr/>
+          <p:nvPr/>
+        </p:nvSpPr>
+        <p:spPr>
+          <a:xfrm>
+            <a:off x="0" y="0"/>
+            <a:ext cx="427839" cy="6858000"/>
+          </a:xfrm>
+          <a:prstGeom prst="rect">
+            <a:avLst/>
+          </a:prstGeom>
+          <a:solidFill>
+            <a:srgbClr val="AA2100"/>
+          </a:solidFill>
+        </p:spPr>
+        <p:style>
+          <a:lnRef idx="2">
+            <a:schemeClr val="accent1">
+              <a:shade val="50000"/>
+            </a:schemeClr>
+          </a:lnRef>
+          <a:fillRef idx="1">
+            <a:schemeClr val="accent1"/>
+          </a:fillRef>
+          <a:effectRef idx="0">
+            <a:schemeClr val="accent1"/>
+          </a:effectRef>
+          <a:fontRef idx="minor">
+            <a:schemeClr val="lt1"/>
+          </a:fontRef>
+        </p:style>
+        <p:txBody>
+          <a:bodyPr rtlCol="0" anchor="ctr"/>
+          <a:lstStyle/>
+          <a:p>
+            <a:pPr algn="ctr"/>
+            <a:endParaRPr lang="en-US">
+              <a:solidFill>
+                <a:srgbClr val="FF0000"/>
+              </a:solidFill>
+            </a:endParaRPr>
           </a:p>
         </p:txBody>
       </p:sp>
@@ -5507,9 +5961,273 @@
   <p:timing>
     <p:tnLst>
       <p:par>
-        <p:cTn id="1" dur="indefinite" restart="never" nodeType="tmRoot"/>
+        <p:cTn id="1" dur="indefinite" restart="never" nodeType="tmRoot">
+          <p:childTnLst>
+            <p:seq concurrent="1" nextAc="seek">
+              <p:cTn id="2" dur="indefinite" nodeType="mainSeq">
+                <p:childTnLst>
+                  <p:par>
+                    <p:cTn id="3" fill="hold">
+                      <p:stCondLst>
+                        <p:cond delay="indefinite"/>
+                        <p:cond evt="onBegin" delay="0">
+                          <p:tn val="2"/>
+                        </p:cond>
+                      </p:stCondLst>
+                      <p:childTnLst>
+                        <p:par>
+                          <p:cTn id="4" fill="hold">
+                            <p:stCondLst>
+                              <p:cond delay="0"/>
+                            </p:stCondLst>
+                            <p:childTnLst>
+                              <p:par>
+                                <p:cTn id="5" presetID="10" presetClass="entr" presetSubtype="0" fill="hold" grpId="0" nodeType="withEffect">
+                                  <p:stCondLst>
+                                    <p:cond delay="0"/>
+                                  </p:stCondLst>
+                                  <p:childTnLst>
+                                    <p:set>
+                                      <p:cBhvr>
+                                        <p:cTn id="6" dur="1" fill="hold">
+                                          <p:stCondLst>
+                                            <p:cond delay="0"/>
+                                          </p:stCondLst>
+                                        </p:cTn>
+                                        <p:tgtEl>
+                                          <p:spTgt spid="2"/>
+                                        </p:tgtEl>
+                                        <p:attrNameLst>
+                                          <p:attrName>style.visibility</p:attrName>
+                                        </p:attrNameLst>
+                                      </p:cBhvr>
+                                      <p:to>
+                                        <p:strVal val="visible"/>
+                                      </p:to>
+                                    </p:set>
+                                    <p:animEffect transition="in" filter="fade">
+                                      <p:cBhvr>
+                                        <p:cTn id="7" dur="500"/>
+                                        <p:tgtEl>
+                                          <p:spTgt spid="2"/>
+                                        </p:tgtEl>
+                                      </p:cBhvr>
+                                    </p:animEffect>
+                                  </p:childTnLst>
+                                </p:cTn>
+                              </p:par>
+                              <p:par>
+                                <p:cTn id="8" presetID="42" presetClass="entr" presetSubtype="0" fill="hold" grpId="0" nodeType="withEffect">
+                                  <p:stCondLst>
+                                    <p:cond delay="300"/>
+                                  </p:stCondLst>
+                                  <p:childTnLst>
+                                    <p:set>
+                                      <p:cBhvr>
+                                        <p:cTn id="9" dur="1" fill="hold">
+                                          <p:stCondLst>
+                                            <p:cond delay="0"/>
+                                          </p:stCondLst>
+                                        </p:cTn>
+                                        <p:tgtEl>
+                                          <p:spTgt spid="3"/>
+                                        </p:tgtEl>
+                                        <p:attrNameLst>
+                                          <p:attrName>style.visibility</p:attrName>
+                                        </p:attrNameLst>
+                                      </p:cBhvr>
+                                      <p:to>
+                                        <p:strVal val="visible"/>
+                                      </p:to>
+                                    </p:set>
+                                    <p:animEffect transition="in" filter="fade">
+                                      <p:cBhvr>
+                                        <p:cTn id="10" dur="800"/>
+                                        <p:tgtEl>
+                                          <p:spTgt spid="3"/>
+                                        </p:tgtEl>
+                                      </p:cBhvr>
+                                    </p:animEffect>
+                                    <p:anim calcmode="lin" valueType="num">
+                                      <p:cBhvr>
+                                        <p:cTn id="11" dur="800" fill="hold"/>
+                                        <p:tgtEl>
+                                          <p:spTgt spid="3"/>
+                                        </p:tgtEl>
+                                        <p:attrNameLst>
+                                          <p:attrName>ppt_x</p:attrName>
+                                        </p:attrNameLst>
+                                      </p:cBhvr>
+                                      <p:tavLst>
+                                        <p:tav tm="0">
+                                          <p:val>
+                                            <p:strVal val="#ppt_x"/>
+                                          </p:val>
+                                        </p:tav>
+                                        <p:tav tm="100000">
+                                          <p:val>
+                                            <p:strVal val="#ppt_x"/>
+                                          </p:val>
+                                        </p:tav>
+                                      </p:tavLst>
+                                    </p:anim>
+                                    <p:anim calcmode="lin" valueType="num">
+                                      <p:cBhvr>
+                                        <p:cTn id="12" dur="800" fill="hold"/>
+                                        <p:tgtEl>
+                                          <p:spTgt spid="3"/>
+                                        </p:tgtEl>
+                                        <p:attrNameLst>
+                                          <p:attrName>ppt_y</p:attrName>
+                                        </p:attrNameLst>
+                                      </p:cBhvr>
+                                      <p:tavLst>
+                                        <p:tav tm="0">
+                                          <p:val>
+                                            <p:strVal val="#ppt_y+.1"/>
+                                          </p:val>
+                                        </p:tav>
+                                        <p:tav tm="100000">
+                                          <p:val>
+                                            <p:strVal val="#ppt_y"/>
+                                          </p:val>
+                                        </p:tav>
+                                      </p:tavLst>
+                                    </p:anim>
+                                  </p:childTnLst>
+                                </p:cTn>
+                              </p:par>
+                            </p:childTnLst>
+                          </p:cTn>
+                        </p:par>
+                      </p:childTnLst>
+                    </p:cTn>
+                  </p:par>
+                  <p:par>
+                    <p:cTn id="13" fill="hold">
+                      <p:stCondLst>
+                        <p:cond delay="indefinite"/>
+                      </p:stCondLst>
+                      <p:childTnLst>
+                        <p:par>
+                          <p:cTn id="14" fill="hold">
+                            <p:stCondLst>
+                              <p:cond delay="0"/>
+                            </p:stCondLst>
+                            <p:childTnLst>
+                              <p:par>
+                                <p:cTn id="15" presetID="42" presetClass="entr" presetSubtype="0" fill="hold" grpId="0" nodeType="clickEffect">
+                                  <p:stCondLst>
+                                    <p:cond delay="0"/>
+                                  </p:stCondLst>
+                                  <p:childTnLst>
+                                    <p:set>
+                                      <p:cBhvr>
+                                        <p:cTn id="16" dur="1" fill="hold">
+                                          <p:stCondLst>
+                                            <p:cond delay="0"/>
+                                          </p:stCondLst>
+                                        </p:cTn>
+                                        <p:tgtEl>
+                                          <p:spTgt spid="5"/>
+                                        </p:tgtEl>
+                                        <p:attrNameLst>
+                                          <p:attrName>style.visibility</p:attrName>
+                                        </p:attrNameLst>
+                                      </p:cBhvr>
+                                      <p:to>
+                                        <p:strVal val="visible"/>
+                                      </p:to>
+                                    </p:set>
+                                    <p:animEffect transition="in" filter="fade">
+                                      <p:cBhvr>
+                                        <p:cTn id="17" dur="1000"/>
+                                        <p:tgtEl>
+                                          <p:spTgt spid="5"/>
+                                        </p:tgtEl>
+                                      </p:cBhvr>
+                                    </p:animEffect>
+                                    <p:anim calcmode="lin" valueType="num">
+                                      <p:cBhvr>
+                                        <p:cTn id="18" dur="1000" fill="hold"/>
+                                        <p:tgtEl>
+                                          <p:spTgt spid="5"/>
+                                        </p:tgtEl>
+                                        <p:attrNameLst>
+                                          <p:attrName>ppt_x</p:attrName>
+                                        </p:attrNameLst>
+                                      </p:cBhvr>
+                                      <p:tavLst>
+                                        <p:tav tm="0">
+                                          <p:val>
+                                            <p:strVal val="#ppt_x"/>
+                                          </p:val>
+                                        </p:tav>
+                                        <p:tav tm="100000">
+                                          <p:val>
+                                            <p:strVal val="#ppt_x"/>
+                                          </p:val>
+                                        </p:tav>
+                                      </p:tavLst>
+                                    </p:anim>
+                                    <p:anim calcmode="lin" valueType="num">
+                                      <p:cBhvr>
+                                        <p:cTn id="19" dur="1000" fill="hold"/>
+                                        <p:tgtEl>
+                                          <p:spTgt spid="5"/>
+                                        </p:tgtEl>
+                                        <p:attrNameLst>
+                                          <p:attrName>ppt_y</p:attrName>
+                                        </p:attrNameLst>
+                                      </p:cBhvr>
+                                      <p:tavLst>
+                                        <p:tav tm="0">
+                                          <p:val>
+                                            <p:strVal val="#ppt_y+.1"/>
+                                          </p:val>
+                                        </p:tav>
+                                        <p:tav tm="100000">
+                                          <p:val>
+                                            <p:strVal val="#ppt_y"/>
+                                          </p:val>
+                                        </p:tav>
+                                      </p:tavLst>
+                                    </p:anim>
+                                  </p:childTnLst>
+                                </p:cTn>
+                              </p:par>
+                            </p:childTnLst>
+                          </p:cTn>
+                        </p:par>
+                      </p:childTnLst>
+                    </p:cTn>
+                  </p:par>
+                </p:childTnLst>
+              </p:cTn>
+              <p:prevCondLst>
+                <p:cond evt="onPrev" delay="0">
+                  <p:tgtEl>
+                    <p:sldTgt/>
+                  </p:tgtEl>
+                </p:cond>
+              </p:prevCondLst>
+              <p:nextCondLst>
+                <p:cond evt="onNext" delay="0">
+                  <p:tgtEl>
+                    <p:sldTgt/>
+                  </p:tgtEl>
+                </p:cond>
+              </p:nextCondLst>
+            </p:seq>
+          </p:childTnLst>
+        </p:cTn>
       </p:par>
     </p:tnLst>
+    <p:bldLst>
+      <p:bldP spid="2" grpId="0"/>
+      <p:bldP spid="3" grpId="0"/>
+      <p:bldP spid="5" grpId="0"/>
+    </p:bldLst>
   </p:timing>
 </p:sld>
 </file>
@@ -5533,42 +6251,6 @@
       </p:grpSpPr>
       <p:sp>
         <p:nvSpPr>
-          <p:cNvPr id="2" name="Title 1"/>
-          <p:cNvSpPr>
-            <a:spLocks noGrp="1"/>
-          </p:cNvSpPr>
-          <p:nvPr>
-            <p:ph type="title"/>
-          </p:nvPr>
-        </p:nvSpPr>
-        <p:spPr>
-          <a:xfrm>
-            <a:off x="1069848" y="484632"/>
-            <a:ext cx="10058400" cy="677418"/>
-          </a:xfrm>
-        </p:spPr>
-        <p:txBody>
-          <a:bodyPr>
-            <a:normAutofit/>
-          </a:bodyPr>
-          <a:lstStyle/>
-          <a:p>
-            <a:r>
-              <a:rPr lang="en-US" sz="4000" dirty="0" smtClean="0">
-                <a:latin typeface="Arial" panose="020B0604020202020204" pitchFamily="34" charset="0"/>
-                <a:cs typeface="Arial" panose="020B0604020202020204" pitchFamily="34" charset="0"/>
-              </a:rPr>
-              <a:t>Mục lục</a:t>
-            </a:r>
-            <a:endParaRPr lang="en-US" sz="4000" dirty="0">
-              <a:latin typeface="Arial" panose="020B0604020202020204" pitchFamily="34" charset="0"/>
-              <a:cs typeface="Arial" panose="020B0604020202020204" pitchFamily="34" charset="0"/>
-            </a:endParaRPr>
-          </a:p>
-        </p:txBody>
-      </p:sp>
-      <p:sp>
-        <p:nvSpPr>
           <p:cNvPr id="6" name="Slide Number Placeholder 5"/>
           <p:cNvSpPr>
             <a:spLocks noGrp="1"/>
@@ -5584,16 +6266,894 @@
           <a:p>
             <a:r>
               <a:rPr lang="en-US" dirty="0" smtClean="0"/>
-              <a:t>2</a:t>
+              <a:t>3</a:t>
             </a:r>
             <a:endParaRPr lang="en-US" dirty="0"/>
           </a:p>
         </p:txBody>
       </p:sp>
+      <p:sp>
+        <p:nvSpPr>
+          <p:cNvPr id="7" name="Title 1"/>
+          <p:cNvSpPr>
+            <a:spLocks noGrp="1"/>
+          </p:cNvSpPr>
+          <p:nvPr>
+            <p:ph type="title"/>
+          </p:nvPr>
+        </p:nvSpPr>
+        <p:spPr>
+          <a:xfrm>
+            <a:off x="898956" y="311992"/>
+            <a:ext cx="7763797" cy="646331"/>
+          </a:xfrm>
+        </p:spPr>
+        <p:txBody>
+          <a:bodyPr wrap="square">
+            <a:spAutoFit/>
+          </a:bodyPr>
+          <a:lstStyle/>
+          <a:p>
+            <a:r>
+              <a:rPr lang="en-US" sz="4000" b="1" dirty="0" smtClean="0">
+                <a:latin typeface="Times New Roman" panose="02020603050405020304" pitchFamily="18" charset="0"/>
+                <a:cs typeface="Times New Roman" panose="02020603050405020304" pitchFamily="18" charset="0"/>
+              </a:rPr>
+              <a:t>DNS - DOMAIN NAME SYSTEM</a:t>
+            </a:r>
+            <a:endParaRPr lang="en-US" sz="4000" b="1" dirty="0">
+              <a:latin typeface="Times New Roman" panose="02020603050405020304" pitchFamily="18" charset="0"/>
+              <a:cs typeface="Times New Roman" panose="02020603050405020304" pitchFamily="18" charset="0"/>
+            </a:endParaRPr>
+          </a:p>
+        </p:txBody>
+      </p:sp>
+      <p:sp>
+        <p:nvSpPr>
+          <p:cNvPr id="8" name="Rectangle 7"/>
+          <p:cNvSpPr/>
+          <p:nvPr/>
+        </p:nvSpPr>
+        <p:spPr>
+          <a:xfrm>
+            <a:off x="0" y="0"/>
+            <a:ext cx="427839" cy="6858000"/>
+          </a:xfrm>
+          <a:prstGeom prst="rect">
+            <a:avLst/>
+          </a:prstGeom>
+          <a:solidFill>
+            <a:srgbClr val="AA2100"/>
+          </a:solidFill>
+        </p:spPr>
+        <p:style>
+          <a:lnRef idx="2">
+            <a:schemeClr val="accent1">
+              <a:shade val="50000"/>
+            </a:schemeClr>
+          </a:lnRef>
+          <a:fillRef idx="1">
+            <a:schemeClr val="accent1"/>
+          </a:fillRef>
+          <a:effectRef idx="0">
+            <a:schemeClr val="accent1"/>
+          </a:effectRef>
+          <a:fontRef idx="minor">
+            <a:schemeClr val="lt1"/>
+          </a:fontRef>
+        </p:style>
+        <p:txBody>
+          <a:bodyPr rtlCol="0" anchor="ctr"/>
+          <a:lstStyle/>
+          <a:p>
+            <a:pPr algn="ctr"/>
+            <a:endParaRPr lang="en-US">
+              <a:solidFill>
+                <a:srgbClr val="FF0000"/>
+              </a:solidFill>
+            </a:endParaRPr>
+          </a:p>
+        </p:txBody>
+      </p:sp>
+      <p:sp>
+        <p:nvSpPr>
+          <p:cNvPr id="43" name="TextBox 42"/>
+          <p:cNvSpPr txBox="1"/>
+          <p:nvPr/>
+        </p:nvSpPr>
+        <p:spPr>
+          <a:xfrm>
+            <a:off x="1089343" y="1064742"/>
+            <a:ext cx="6064481" cy="646331"/>
+          </a:xfrm>
+          <a:prstGeom prst="rect">
+            <a:avLst/>
+          </a:prstGeom>
+          <a:noFill/>
+        </p:spPr>
+        <p:txBody>
+          <a:bodyPr wrap="none" rtlCol="0">
+            <a:spAutoFit/>
+          </a:bodyPr>
+          <a:lstStyle/>
+          <a:p>
+            <a:pPr>
+              <a:lnSpc>
+                <a:spcPct val="150000"/>
+              </a:lnSpc>
+              <a:spcBef>
+                <a:spcPts val="600"/>
+              </a:spcBef>
+            </a:pPr>
+            <a:r>
+              <a:rPr lang="en-US" sz="2400" b="1" dirty="0" smtClean="0">
+                <a:solidFill>
+                  <a:schemeClr val="accent2">
+                    <a:lumMod val="50000"/>
+                  </a:schemeClr>
+                </a:solidFill>
+                <a:latin typeface="Roboto" panose="02000000000000000000" pitchFamily="2" charset="0"/>
+                <a:ea typeface="Roboto" panose="02000000000000000000" pitchFamily="2" charset="0"/>
+                <a:cs typeface="Arial" panose="020B0604020202020204" pitchFamily="34" charset="0"/>
+              </a:rPr>
+              <a:t>DNS </a:t>
+            </a:r>
+            <a:r>
+              <a:rPr lang="en-US" sz="2400" b="1" dirty="0">
+                <a:solidFill>
+                  <a:schemeClr val="accent2">
+                    <a:lumMod val="50000"/>
+                  </a:schemeClr>
+                </a:solidFill>
+                <a:latin typeface="Roboto" panose="02000000000000000000" pitchFamily="2" charset="0"/>
+                <a:ea typeface="Roboto" panose="02000000000000000000" pitchFamily="2" charset="0"/>
+                <a:cs typeface="Arial" panose="020B0604020202020204" pitchFamily="34" charset="0"/>
+              </a:rPr>
+              <a:t>truyền </a:t>
+            </a:r>
+            <a:r>
+              <a:rPr lang="en-US" sz="2400" b="1" dirty="0" smtClean="0">
+                <a:solidFill>
+                  <a:schemeClr val="accent2">
+                    <a:lumMod val="50000"/>
+                  </a:schemeClr>
+                </a:solidFill>
+                <a:latin typeface="Roboto" panose="02000000000000000000" pitchFamily="2" charset="0"/>
+                <a:ea typeface="Roboto" panose="02000000000000000000" pitchFamily="2" charset="0"/>
+                <a:cs typeface="Arial" panose="020B0604020202020204" pitchFamily="34" charset="0"/>
+              </a:rPr>
+              <a:t>thống hoạt động như thế nào ?</a:t>
+            </a:r>
+            <a:endParaRPr lang="en-US" sz="2400" b="1" dirty="0">
+              <a:solidFill>
+                <a:schemeClr val="accent2">
+                  <a:lumMod val="50000"/>
+                </a:schemeClr>
+              </a:solidFill>
+              <a:latin typeface="Roboto" panose="02000000000000000000" pitchFamily="2" charset="0"/>
+              <a:ea typeface="Roboto" panose="02000000000000000000" pitchFamily="2" charset="0"/>
+              <a:cs typeface="Arial" panose="020B0604020202020204" pitchFamily="34" charset="0"/>
+            </a:endParaRPr>
+          </a:p>
+        </p:txBody>
+      </p:sp>
+      <p:pic>
+        <p:nvPicPr>
+          <p:cNvPr id="44" name="Picture 43" descr="DNS - DNS on Blockchain - Nameshield"/>
+          <p:cNvPicPr/>
+          <p:nvPr/>
+        </p:nvPicPr>
+        <p:blipFill>
+          <a:blip r:embed="rId2">
+            <a:extLst>
+              <a:ext uri="{28A0092B-C50C-407E-A947-70E740481C1C}">
+                <a14:useLocalDpi xmlns:a14="http://schemas.microsoft.com/office/drawing/2010/main" val="0"/>
+              </a:ext>
+            </a:extLst>
+          </a:blip>
+          <a:srcRect/>
+          <a:stretch>
+            <a:fillRect/>
+          </a:stretch>
+        </p:blipFill>
+        <p:spPr>
+          <a:xfrm>
+            <a:off x="1089343" y="1987452"/>
+            <a:ext cx="5257609" cy="3312142"/>
+          </a:xfrm>
+          <a:prstGeom prst="rect">
+            <a:avLst/>
+          </a:prstGeom>
+          <a:noFill/>
+          <a:ln w="12700">
+            <a:solidFill>
+              <a:schemeClr val="tx1"/>
+            </a:solidFill>
+          </a:ln>
+        </p:spPr>
+      </p:pic>
+      <p:sp>
+        <p:nvSpPr>
+          <p:cNvPr id="46" name="TextBox 45"/>
+          <p:cNvSpPr txBox="1"/>
+          <p:nvPr/>
+        </p:nvSpPr>
+        <p:spPr>
+          <a:xfrm>
+            <a:off x="6534816" y="1878809"/>
+            <a:ext cx="5238982" cy="4335033"/>
+          </a:xfrm>
+          <a:prstGeom prst="rect">
+            <a:avLst/>
+          </a:prstGeom>
+          <a:noFill/>
+        </p:spPr>
+        <p:txBody>
+          <a:bodyPr wrap="square" rtlCol="0">
+            <a:spAutoFit/>
+          </a:bodyPr>
+          <a:lstStyle/>
+          <a:p>
+            <a:pPr lvl="0">
+              <a:lnSpc>
+                <a:spcPct val="114000"/>
+              </a:lnSpc>
+              <a:spcAft>
+                <a:spcPts val="600"/>
+              </a:spcAft>
+            </a:pPr>
+            <a:r>
+              <a:rPr lang="en-US" sz="1600" dirty="0" smtClean="0">
+                <a:latin typeface="Arial" panose="020B0604020202020204" pitchFamily="34" charset="0"/>
+                <a:cs typeface="Arial" panose="020B0604020202020204" pitchFamily="34" charset="0"/>
+              </a:rPr>
+              <a:t>Máy tính tìm kiếm tên </a:t>
+            </a:r>
+            <a:r>
+              <a:rPr lang="en-US" sz="1600" dirty="0">
+                <a:latin typeface="Arial" panose="020B0604020202020204" pitchFamily="34" charset="0"/>
+                <a:cs typeface="Arial" panose="020B0604020202020204" pitchFamily="34" charset="0"/>
+              </a:rPr>
+              <a:t>miền </a:t>
+            </a:r>
+            <a:r>
+              <a:rPr lang="en-US" sz="1600" i="1" dirty="0" smtClean="0">
+                <a:latin typeface="Arial" panose="020B0604020202020204" pitchFamily="34" charset="0"/>
+                <a:cs typeface="Arial" panose="020B0604020202020204" pitchFamily="34" charset="0"/>
+              </a:rPr>
+              <a:t>cryptoms.fr </a:t>
+            </a:r>
+          </a:p>
+          <a:p>
+            <a:pPr marL="342900" indent="-342900" algn="just">
+              <a:lnSpc>
+                <a:spcPct val="114000"/>
+              </a:lnSpc>
+              <a:spcAft>
+                <a:spcPts val="1200"/>
+              </a:spcAft>
+              <a:buFont typeface="+mj-lt"/>
+              <a:buAutoNum type="arabicParenR"/>
+            </a:pPr>
+            <a:r>
+              <a:rPr lang="en-US" sz="1400" dirty="0" smtClean="0">
+                <a:solidFill>
+                  <a:srgbClr val="002060"/>
+                </a:solidFill>
+                <a:latin typeface="Arial" panose="020B0604020202020204" pitchFamily="34" charset="0"/>
+                <a:cs typeface="Arial" panose="020B0604020202020204" pitchFamily="34" charset="0"/>
+              </a:rPr>
+              <a:t>Máy tính trước khi gửi đi,DNS resolver sẽ kiểm tra domain trong Web cache hoặc DNS cache để trả lại kết quả.</a:t>
+            </a:r>
+          </a:p>
+          <a:p>
+            <a:pPr marL="342900" lvl="0" indent="-342900" algn="just">
+              <a:lnSpc>
+                <a:spcPct val="114000"/>
+              </a:lnSpc>
+              <a:spcAft>
+                <a:spcPts val="1200"/>
+              </a:spcAft>
+              <a:buFont typeface="+mj-lt"/>
+              <a:buAutoNum type="arabicParenR"/>
+            </a:pPr>
+            <a:r>
+              <a:rPr lang="en-US" sz="1400" dirty="0" smtClean="0">
+                <a:solidFill>
+                  <a:srgbClr val="002060"/>
+                </a:solidFill>
+                <a:latin typeface="Arial" panose="020B0604020202020204" pitchFamily="34" charset="0"/>
+                <a:cs typeface="Arial" panose="020B0604020202020204" pitchFamily="34" charset="0"/>
+              </a:rPr>
+              <a:t>Nếu không có kết quả, DR sẽ hỏi tên miền mức ROOT chỉ cho máy chủ tên miền cục bộ địa chỉ mà nó quản lý có đuôi “.fr”. </a:t>
+            </a:r>
+          </a:p>
+          <a:p>
+            <a:pPr marL="342900" lvl="0" indent="-342900" algn="just">
+              <a:lnSpc>
+                <a:spcPct val="114000"/>
+              </a:lnSpc>
+              <a:spcAft>
+                <a:spcPts val="1200"/>
+              </a:spcAft>
+              <a:buFont typeface="+mj-lt"/>
+              <a:buAutoNum type="arabicParenR"/>
+            </a:pPr>
+            <a:r>
+              <a:rPr lang="en-US" sz="1400" dirty="0" smtClean="0">
+                <a:solidFill>
+                  <a:srgbClr val="002060"/>
+                </a:solidFill>
+                <a:latin typeface="Arial" panose="020B0604020202020204" pitchFamily="34" charset="0"/>
+                <a:cs typeface="Arial" panose="020B0604020202020204" pitchFamily="34" charset="0"/>
+              </a:rPr>
+              <a:t>DR </a:t>
+            </a:r>
+            <a:r>
+              <a:rPr lang="en-US" sz="1400" dirty="0">
+                <a:solidFill>
+                  <a:srgbClr val="002060"/>
+                </a:solidFill>
+                <a:latin typeface="Arial" panose="020B0604020202020204" pitchFamily="34" charset="0"/>
+                <a:cs typeface="Arial" panose="020B0604020202020204" pitchFamily="34" charset="0"/>
+              </a:rPr>
+              <a:t>gửi yêu cầu đến máy chủ quản lý tên miền Pháp “.fr” tìm tên miền cryptoms.fr. </a:t>
+            </a:r>
+          </a:p>
+          <a:p>
+            <a:pPr marL="342900" lvl="0" indent="-342900" algn="just">
+              <a:lnSpc>
+                <a:spcPct val="114000"/>
+              </a:lnSpc>
+              <a:spcAft>
+                <a:spcPts val="1200"/>
+              </a:spcAft>
+              <a:buFont typeface="+mj-lt"/>
+              <a:buAutoNum type="arabicParenR"/>
+            </a:pPr>
+            <a:r>
+              <a:rPr lang="en-US" sz="1400" dirty="0" smtClean="0">
+                <a:solidFill>
+                  <a:srgbClr val="002060"/>
+                </a:solidFill>
+                <a:latin typeface="Arial" panose="020B0604020202020204" pitchFamily="34" charset="0"/>
+                <a:cs typeface="Arial" panose="020B0604020202020204" pitchFamily="34" charset="0"/>
+              </a:rPr>
+              <a:t>DR </a:t>
+            </a:r>
+            <a:r>
+              <a:rPr lang="en-US" sz="1400" dirty="0">
+                <a:solidFill>
+                  <a:srgbClr val="002060"/>
+                </a:solidFill>
+                <a:latin typeface="Arial" panose="020B0604020202020204" pitchFamily="34" charset="0"/>
+                <a:cs typeface="Arial" panose="020B0604020202020204" pitchFamily="34" charset="0"/>
+              </a:rPr>
+              <a:t>sẽ hỏi máy chủ quản lý tên miền “.fr” địa chỉ IP của tên miền “cryptoms.fr” và gửi trả lại cho </a:t>
+            </a:r>
+            <a:r>
+              <a:rPr lang="en-US" sz="1400" dirty="0" smtClean="0">
+                <a:solidFill>
+                  <a:srgbClr val="002060"/>
+                </a:solidFill>
+                <a:latin typeface="Arial" panose="020B0604020202020204" pitchFamily="34" charset="0"/>
+                <a:cs typeface="Arial" panose="020B0604020202020204" pitchFamily="34" charset="0"/>
+              </a:rPr>
+              <a:t>DR, sau đó chuyển đến </a:t>
+            </a:r>
+            <a:r>
+              <a:rPr lang="en-US" sz="1400" dirty="0">
+                <a:solidFill>
+                  <a:srgbClr val="002060"/>
+                </a:solidFill>
+                <a:latin typeface="Arial" panose="020B0604020202020204" pitchFamily="34" charset="0"/>
+                <a:cs typeface="Arial" panose="020B0604020202020204" pitchFamily="34" charset="0"/>
+              </a:rPr>
+              <a:t>máy của người dùng. </a:t>
+            </a:r>
+            <a:endParaRPr lang="en-US" sz="1400" dirty="0" smtClean="0">
+              <a:solidFill>
+                <a:srgbClr val="002060"/>
+              </a:solidFill>
+              <a:latin typeface="Arial" panose="020B0604020202020204" pitchFamily="34" charset="0"/>
+              <a:cs typeface="Arial" panose="020B0604020202020204" pitchFamily="34" charset="0"/>
+            </a:endParaRPr>
+          </a:p>
+          <a:p>
+            <a:pPr algn="just">
+              <a:lnSpc>
+                <a:spcPct val="114000"/>
+              </a:lnSpc>
+              <a:spcAft>
+                <a:spcPts val="600"/>
+              </a:spcAft>
+            </a:pPr>
+            <a:r>
+              <a:rPr lang="en-US" sz="1400" b="1" dirty="0" smtClean="0">
+                <a:solidFill>
+                  <a:srgbClr val="002060"/>
+                </a:solidFill>
+                <a:latin typeface="Arial" panose="020B0604020202020204" pitchFamily="34" charset="0"/>
+                <a:cs typeface="Arial" panose="020B0604020202020204" pitchFamily="34" charset="0"/>
+              </a:rPr>
+              <a:t>Người </a:t>
+            </a:r>
+            <a:r>
+              <a:rPr lang="en-US" sz="1400" b="1" dirty="0">
+                <a:solidFill>
+                  <a:srgbClr val="002060"/>
+                </a:solidFill>
+                <a:latin typeface="Arial" panose="020B0604020202020204" pitchFamily="34" charset="0"/>
+                <a:cs typeface="Arial" panose="020B0604020202020204" pitchFamily="34" charset="0"/>
+              </a:rPr>
+              <a:t>dùng sử dụng địa chỉ IP này kết nối đến server chứa website có địa chỉ “cryptoms.fr”.</a:t>
+            </a:r>
+          </a:p>
+          <a:p>
+            <a:pPr marL="342900" lvl="0" indent="-342900" algn="just">
+              <a:lnSpc>
+                <a:spcPct val="114000"/>
+              </a:lnSpc>
+              <a:spcAft>
+                <a:spcPts val="600"/>
+              </a:spcAft>
+              <a:buFont typeface="+mj-lt"/>
+              <a:buAutoNum type="arabicParenR"/>
+            </a:pPr>
+            <a:endParaRPr lang="en-US" sz="1400" dirty="0" smtClean="0">
+              <a:solidFill>
+                <a:srgbClr val="002060"/>
+              </a:solidFill>
+              <a:latin typeface="Arial" panose="020B0604020202020204" pitchFamily="34" charset="0"/>
+              <a:cs typeface="Arial" panose="020B0604020202020204" pitchFamily="34" charset="0"/>
+            </a:endParaRPr>
+          </a:p>
+        </p:txBody>
+      </p:sp>
+      <p:sp>
+        <p:nvSpPr>
+          <p:cNvPr id="47" name="TextBox 46"/>
+          <p:cNvSpPr txBox="1"/>
+          <p:nvPr/>
+        </p:nvSpPr>
+        <p:spPr>
+          <a:xfrm>
+            <a:off x="7153824" y="6361062"/>
+            <a:ext cx="4334841" cy="276999"/>
+          </a:xfrm>
+          <a:prstGeom prst="rect">
+            <a:avLst/>
+          </a:prstGeom>
+          <a:noFill/>
+        </p:spPr>
+        <p:txBody>
+          <a:bodyPr wrap="none" rtlCol="0">
+            <a:spAutoFit/>
+          </a:bodyPr>
+          <a:lstStyle/>
+          <a:p>
+            <a:pPr lvl="0"/>
+            <a:r>
+              <a:rPr lang="en-US" sz="1200" dirty="0" smtClean="0"/>
+              <a:t>* DNS </a:t>
+            </a:r>
+            <a:r>
+              <a:rPr lang="en-US" sz="1200" dirty="0"/>
+              <a:t>resolver – DR – Máy chủ phân giải tên miền cục bộ </a:t>
+            </a:r>
+          </a:p>
+        </p:txBody>
+      </p:sp>
+      <p:grpSp>
+        <p:nvGrpSpPr>
+          <p:cNvPr id="65" name="Group 64"/>
+          <p:cNvGrpSpPr/>
+          <p:nvPr/>
+        </p:nvGrpSpPr>
+        <p:grpSpPr>
+          <a:xfrm>
+            <a:off x="8387112" y="283957"/>
+            <a:ext cx="3386686" cy="1427116"/>
+            <a:chOff x="7134329" y="1186348"/>
+            <a:chExt cx="3386686" cy="1427116"/>
+          </a:xfrm>
+        </p:grpSpPr>
+        <p:grpSp>
+          <p:nvGrpSpPr>
+            <p:cNvPr id="55" name="Group 54"/>
+            <p:cNvGrpSpPr/>
+            <p:nvPr/>
+          </p:nvGrpSpPr>
+          <p:grpSpPr>
+            <a:xfrm>
+              <a:off x="7134329" y="1892225"/>
+              <a:ext cx="3386686" cy="721239"/>
+              <a:chOff x="6799292" y="1802892"/>
+              <a:chExt cx="3386686" cy="721239"/>
+            </a:xfrm>
+          </p:grpSpPr>
+          <p:pic>
+            <p:nvPicPr>
+              <p:cNvPr id="48" name="Picture 47"/>
+              <p:cNvPicPr>
+                <a:picLocks noChangeAspect="1"/>
+              </p:cNvPicPr>
+              <p:nvPr/>
+            </p:nvPicPr>
+            <p:blipFill>
+              <a:blip r:embed="rId3"/>
+              <a:stretch>
+                <a:fillRect/>
+              </a:stretch>
+            </p:blipFill>
+            <p:spPr>
+              <a:xfrm>
+                <a:off x="6799292" y="1802892"/>
+                <a:ext cx="3386686" cy="721239"/>
+              </a:xfrm>
+              <a:prstGeom prst="rect">
+                <a:avLst/>
+              </a:prstGeom>
+              <a:ln w="12700">
+                <a:solidFill>
+                  <a:schemeClr val="tx1"/>
+                </a:solidFill>
+              </a:ln>
+            </p:spPr>
+          </p:pic>
+          <p:sp>
+            <p:nvSpPr>
+              <p:cNvPr id="49" name="Rectangle 48"/>
+              <p:cNvSpPr/>
+              <p:nvPr/>
+            </p:nvSpPr>
+            <p:spPr>
+              <a:xfrm>
+                <a:off x="8602133" y="1905000"/>
+                <a:ext cx="778933" cy="203200"/>
+              </a:xfrm>
+              <a:prstGeom prst="rect">
+                <a:avLst/>
+              </a:prstGeom>
+              <a:noFill/>
+              <a:ln w="19050"/>
+            </p:spPr>
+            <p:style>
+              <a:lnRef idx="2">
+                <a:schemeClr val="accent1">
+                  <a:shade val="50000"/>
+                </a:schemeClr>
+              </a:lnRef>
+              <a:fillRef idx="1">
+                <a:schemeClr val="accent1"/>
+              </a:fillRef>
+              <a:effectRef idx="0">
+                <a:schemeClr val="accent1"/>
+              </a:effectRef>
+              <a:fontRef idx="minor">
+                <a:schemeClr val="lt1"/>
+              </a:fontRef>
+            </p:style>
+            <p:txBody>
+              <a:bodyPr rtlCol="0" anchor="ctr"/>
+              <a:lstStyle/>
+              <a:p>
+                <a:pPr algn="ctr"/>
+                <a:endParaRPr lang="en-US"/>
+              </a:p>
+            </p:txBody>
+          </p:sp>
+          <p:sp>
+            <p:nvSpPr>
+              <p:cNvPr id="50" name="Rectangle 49"/>
+              <p:cNvSpPr/>
+              <p:nvPr/>
+            </p:nvSpPr>
+            <p:spPr>
+              <a:xfrm>
+                <a:off x="7823200" y="1905000"/>
+                <a:ext cx="778933" cy="203200"/>
+              </a:xfrm>
+              <a:prstGeom prst="rect">
+                <a:avLst/>
+              </a:prstGeom>
+              <a:noFill/>
+              <a:ln w="19050"/>
+            </p:spPr>
+            <p:style>
+              <a:lnRef idx="2">
+                <a:schemeClr val="accent1">
+                  <a:shade val="50000"/>
+                </a:schemeClr>
+              </a:lnRef>
+              <a:fillRef idx="1">
+                <a:schemeClr val="accent1"/>
+              </a:fillRef>
+              <a:effectRef idx="0">
+                <a:schemeClr val="accent1"/>
+              </a:effectRef>
+              <a:fontRef idx="minor">
+                <a:schemeClr val="lt1"/>
+              </a:fontRef>
+            </p:style>
+            <p:txBody>
+              <a:bodyPr rtlCol="0" anchor="ctr"/>
+              <a:lstStyle/>
+              <a:p>
+                <a:pPr algn="ctr"/>
+                <a:endParaRPr lang="en-US"/>
+              </a:p>
+            </p:txBody>
+          </p:sp>
+          <p:sp>
+            <p:nvSpPr>
+              <p:cNvPr id="51" name="Rectangle 50"/>
+              <p:cNvSpPr/>
+              <p:nvPr/>
+            </p:nvSpPr>
+            <p:spPr>
+              <a:xfrm>
+                <a:off x="7044267" y="1905000"/>
+                <a:ext cx="778933" cy="203200"/>
+              </a:xfrm>
+              <a:prstGeom prst="rect">
+                <a:avLst/>
+              </a:prstGeom>
+              <a:noFill/>
+              <a:ln w="19050"/>
+            </p:spPr>
+            <p:style>
+              <a:lnRef idx="2">
+                <a:schemeClr val="accent1">
+                  <a:shade val="50000"/>
+                </a:schemeClr>
+              </a:lnRef>
+              <a:fillRef idx="1">
+                <a:schemeClr val="accent1"/>
+              </a:fillRef>
+              <a:effectRef idx="0">
+                <a:schemeClr val="accent1"/>
+              </a:effectRef>
+              <a:fontRef idx="minor">
+                <a:schemeClr val="lt1"/>
+              </a:fontRef>
+            </p:style>
+            <p:txBody>
+              <a:bodyPr rtlCol="0" anchor="ctr"/>
+              <a:lstStyle/>
+              <a:p>
+                <a:pPr algn="ctr"/>
+                <a:endParaRPr lang="en-US"/>
+              </a:p>
+            </p:txBody>
+          </p:sp>
+        </p:grpSp>
+        <p:cxnSp>
+          <p:nvCxnSpPr>
+            <p:cNvPr id="53" name="Straight Connector 52"/>
+            <p:cNvCxnSpPr/>
+            <p:nvPr/>
+          </p:nvCxnSpPr>
+          <p:spPr>
+            <a:xfrm flipH="1" flipV="1">
+              <a:off x="8729132" y="1494125"/>
+              <a:ext cx="1" cy="471486"/>
+            </a:xfrm>
+            <a:prstGeom prst="line">
+              <a:avLst/>
+            </a:prstGeom>
+            <a:ln w="12700"/>
+          </p:spPr>
+          <p:style>
+            <a:lnRef idx="1">
+              <a:schemeClr val="accent1"/>
+            </a:lnRef>
+            <a:fillRef idx="0">
+              <a:schemeClr val="accent1"/>
+            </a:fillRef>
+            <a:effectRef idx="0">
+              <a:schemeClr val="accent1"/>
+            </a:effectRef>
+            <a:fontRef idx="minor">
+              <a:schemeClr val="tx1"/>
+            </a:fontRef>
+          </p:style>
+        </p:cxnSp>
+        <p:cxnSp>
+          <p:nvCxnSpPr>
+            <p:cNvPr id="54" name="Straight Connector 53"/>
+            <p:cNvCxnSpPr>
+              <a:stCxn id="49" idx="0"/>
+            </p:cNvCxnSpPr>
+            <p:nvPr/>
+          </p:nvCxnSpPr>
+          <p:spPr>
+            <a:xfrm flipH="1" flipV="1">
+              <a:off x="9326635" y="1679388"/>
+              <a:ext cx="2" cy="314945"/>
+            </a:xfrm>
+            <a:prstGeom prst="line">
+              <a:avLst/>
+            </a:prstGeom>
+            <a:ln w="12700"/>
+          </p:spPr>
+          <p:style>
+            <a:lnRef idx="1">
+              <a:schemeClr val="accent1"/>
+            </a:lnRef>
+            <a:fillRef idx="0">
+              <a:schemeClr val="accent1"/>
+            </a:fillRef>
+            <a:effectRef idx="0">
+              <a:schemeClr val="accent1"/>
+            </a:effectRef>
+            <a:fontRef idx="minor">
+              <a:schemeClr val="tx1"/>
+            </a:fontRef>
+          </p:style>
+        </p:cxnSp>
+        <p:cxnSp>
+          <p:nvCxnSpPr>
+            <p:cNvPr id="56" name="Straight Connector 55"/>
+            <p:cNvCxnSpPr/>
+            <p:nvPr/>
+          </p:nvCxnSpPr>
+          <p:spPr>
+            <a:xfrm flipH="1" flipV="1">
+              <a:off x="8022445" y="1683564"/>
+              <a:ext cx="1" cy="295632"/>
+            </a:xfrm>
+            <a:prstGeom prst="line">
+              <a:avLst/>
+            </a:prstGeom>
+            <a:ln w="12700"/>
+          </p:spPr>
+          <p:style>
+            <a:lnRef idx="1">
+              <a:schemeClr val="accent1"/>
+            </a:lnRef>
+            <a:fillRef idx="0">
+              <a:schemeClr val="accent1"/>
+            </a:fillRef>
+            <a:effectRef idx="0">
+              <a:schemeClr val="accent1"/>
+            </a:effectRef>
+            <a:fontRef idx="minor">
+              <a:schemeClr val="tx1"/>
+            </a:fontRef>
+          </p:style>
+        </p:cxnSp>
+        <p:sp>
+          <p:nvSpPr>
+            <p:cNvPr id="62" name="TextBox 61"/>
+            <p:cNvSpPr txBox="1"/>
+            <p:nvPr/>
+          </p:nvSpPr>
+          <p:spPr>
+            <a:xfrm>
+              <a:off x="8348346" y="1186348"/>
+              <a:ext cx="742424" cy="307777"/>
+            </a:xfrm>
+            <a:prstGeom prst="rect">
+              <a:avLst/>
+            </a:prstGeom>
+            <a:noFill/>
+          </p:spPr>
+          <p:txBody>
+            <a:bodyPr wrap="square" rtlCol="0">
+              <a:spAutoFit/>
+            </a:bodyPr>
+            <a:lstStyle/>
+            <a:p>
+              <a:r>
+                <a:rPr lang="en-US" sz="1400" dirty="0" smtClean="0">
+                  <a:solidFill>
+                    <a:srgbClr val="A61A1D"/>
+                  </a:solidFill>
+                  <a:latin typeface="Times New Roman" panose="02020603050405020304" pitchFamily="18" charset="0"/>
+                  <a:cs typeface="Times New Roman" panose="02020603050405020304" pitchFamily="18" charset="0"/>
+                </a:rPr>
+                <a:t>domain</a:t>
+              </a:r>
+              <a:endParaRPr lang="en-US" sz="1400" dirty="0">
+                <a:solidFill>
+                  <a:srgbClr val="A61A1D"/>
+                </a:solidFill>
+                <a:latin typeface="Times New Roman" panose="02020603050405020304" pitchFamily="18" charset="0"/>
+                <a:cs typeface="Times New Roman" panose="02020603050405020304" pitchFamily="18" charset="0"/>
+              </a:endParaRPr>
+            </a:p>
+          </p:txBody>
+        </p:sp>
+        <p:sp>
+          <p:nvSpPr>
+            <p:cNvPr id="63" name="TextBox 62"/>
+            <p:cNvSpPr txBox="1"/>
+            <p:nvPr/>
+          </p:nvSpPr>
+          <p:spPr>
+            <a:xfrm>
+              <a:off x="9079612" y="1347398"/>
+              <a:ext cx="494046" cy="307777"/>
+            </a:xfrm>
+            <a:prstGeom prst="rect">
+              <a:avLst/>
+            </a:prstGeom>
+            <a:noFill/>
+          </p:spPr>
+          <p:txBody>
+            <a:bodyPr wrap="none" rtlCol="0">
+              <a:spAutoFit/>
+            </a:bodyPr>
+            <a:lstStyle/>
+            <a:p>
+              <a:r>
+                <a:rPr lang="en-US" sz="1400" dirty="0" smtClean="0">
+                  <a:solidFill>
+                    <a:srgbClr val="A61A1D"/>
+                  </a:solidFill>
+                  <a:latin typeface="Times New Roman" panose="02020603050405020304" pitchFamily="18" charset="0"/>
+                  <a:cs typeface="Times New Roman" panose="02020603050405020304" pitchFamily="18" charset="0"/>
+                </a:rPr>
+                <a:t>path</a:t>
+              </a:r>
+              <a:endParaRPr lang="en-US" sz="1400" dirty="0">
+                <a:solidFill>
+                  <a:srgbClr val="A61A1D"/>
+                </a:solidFill>
+                <a:latin typeface="Times New Roman" panose="02020603050405020304" pitchFamily="18" charset="0"/>
+                <a:cs typeface="Times New Roman" panose="02020603050405020304" pitchFamily="18" charset="0"/>
+              </a:endParaRPr>
+            </a:p>
+          </p:txBody>
+        </p:sp>
+        <p:sp>
+          <p:nvSpPr>
+            <p:cNvPr id="64" name="TextBox 63"/>
+            <p:cNvSpPr txBox="1"/>
+            <p:nvPr/>
+          </p:nvSpPr>
+          <p:spPr>
+            <a:xfrm>
+              <a:off x="7625883" y="1340236"/>
+              <a:ext cx="782587" cy="307777"/>
+            </a:xfrm>
+            <a:prstGeom prst="rect">
+              <a:avLst/>
+            </a:prstGeom>
+            <a:noFill/>
+          </p:spPr>
+          <p:txBody>
+            <a:bodyPr wrap="none" rtlCol="0">
+              <a:spAutoFit/>
+            </a:bodyPr>
+            <a:lstStyle/>
+            <a:p>
+              <a:r>
+                <a:rPr lang="en-US" sz="1400" dirty="0" smtClean="0">
+                  <a:solidFill>
+                    <a:srgbClr val="A61A1D"/>
+                  </a:solidFill>
+                  <a:latin typeface="Times New Roman" panose="02020603050405020304" pitchFamily="18" charset="0"/>
+                  <a:cs typeface="Times New Roman" panose="02020603050405020304" pitchFamily="18" charset="0"/>
+                </a:rPr>
+                <a:t>protocol</a:t>
+              </a:r>
+              <a:endParaRPr lang="en-US" sz="1400" dirty="0">
+                <a:solidFill>
+                  <a:srgbClr val="A61A1D"/>
+                </a:solidFill>
+                <a:latin typeface="Times New Roman" panose="02020603050405020304" pitchFamily="18" charset="0"/>
+                <a:cs typeface="Times New Roman" panose="02020603050405020304" pitchFamily="18" charset="0"/>
+              </a:endParaRPr>
+            </a:p>
+          </p:txBody>
+        </p:sp>
+      </p:grpSp>
     </p:spTree>
     <p:extLst>
       <p:ext uri="{BB962C8B-B14F-4D97-AF65-F5344CB8AC3E}">
-        <p14:creationId xmlns:p14="http://schemas.microsoft.com/office/powerpoint/2010/main" val="246030168"/>
+        <p14:creationId xmlns:p14="http://schemas.microsoft.com/office/powerpoint/2010/main" val="1037630341"/>
       </p:ext>
     </p:extLst>
   </p:cSld>
@@ -5603,9 +7163,91 @@
   <p:timing>
     <p:tnLst>
       <p:par>
-        <p:cTn id="1" dur="indefinite" restart="never" nodeType="tmRoot"/>
+        <p:cTn id="1" dur="indefinite" restart="never" nodeType="tmRoot">
+          <p:childTnLst>
+            <p:seq concurrent="1" nextAc="seek">
+              <p:cTn id="2" dur="indefinite" nodeType="mainSeq">
+                <p:childTnLst>
+                  <p:par>
+                    <p:cTn id="3" fill="hold">
+                      <p:stCondLst>
+                        <p:cond delay="indefinite"/>
+                        <p:cond evt="onBegin" delay="0">
+                          <p:tn val="2"/>
+                        </p:cond>
+                      </p:stCondLst>
+                      <p:childTnLst>
+                        <p:par>
+                          <p:cTn id="4" fill="hold">
+                            <p:stCondLst>
+                              <p:cond delay="0"/>
+                            </p:stCondLst>
+                            <p:childTnLst>
+                              <p:par>
+                                <p:cTn id="5" presetID="10" presetClass="entr" presetSubtype="0" fill="hold" grpId="0" nodeType="withEffect">
+                                  <p:stCondLst>
+                                    <p:cond delay="0"/>
+                                  </p:stCondLst>
+                                  <p:childTnLst>
+                                    <p:set>
+                                      <p:cBhvr>
+                                        <p:cTn id="6" dur="1" fill="hold">
+                                          <p:stCondLst>
+                                            <p:cond delay="0"/>
+                                          </p:stCondLst>
+                                        </p:cTn>
+                                        <p:tgtEl>
+                                          <p:spTgt spid="7"/>
+                                        </p:tgtEl>
+                                        <p:attrNameLst>
+                                          <p:attrName>style.visibility</p:attrName>
+                                        </p:attrNameLst>
+                                      </p:cBhvr>
+                                      <p:to>
+                                        <p:strVal val="visible"/>
+                                      </p:to>
+                                    </p:set>
+                                    <p:animEffect transition="in" filter="fade">
+                                      <p:cBhvr>
+                                        <p:cTn id="7" dur="500"/>
+                                        <p:tgtEl>
+                                          <p:spTgt spid="7"/>
+                                        </p:tgtEl>
+                                      </p:cBhvr>
+                                    </p:animEffect>
+                                  </p:childTnLst>
+                                </p:cTn>
+                              </p:par>
+                            </p:childTnLst>
+                          </p:cTn>
+                        </p:par>
+                      </p:childTnLst>
+                    </p:cTn>
+                  </p:par>
+                </p:childTnLst>
+              </p:cTn>
+              <p:prevCondLst>
+                <p:cond evt="onPrev" delay="0">
+                  <p:tgtEl>
+                    <p:sldTgt/>
+                  </p:tgtEl>
+                </p:cond>
+              </p:prevCondLst>
+              <p:nextCondLst>
+                <p:cond evt="onNext" delay="0">
+                  <p:tgtEl>
+                    <p:sldTgt/>
+                  </p:tgtEl>
+                </p:cond>
+              </p:nextCondLst>
+            </p:seq>
+          </p:childTnLst>
+        </p:cTn>
       </p:par>
     </p:tnLst>
+    <p:bldLst>
+      <p:bldP spid="7" grpId="0"/>
+    </p:bldLst>
   </p:timing>
 </p:sld>
 </file>
@@ -5629,7 +7271,30 @@
       </p:grpSpPr>
       <p:sp>
         <p:nvSpPr>
-          <p:cNvPr id="2" name="Title 1"/>
+          <p:cNvPr id="4" name="Slide Number Placeholder 3"/>
+          <p:cNvSpPr>
+            <a:spLocks noGrp="1"/>
+          </p:cNvSpPr>
+          <p:nvPr>
+            <p:ph type="sldNum" sz="quarter" idx="12"/>
+          </p:nvPr>
+        </p:nvSpPr>
+        <p:spPr/>
+        <p:txBody>
+          <a:bodyPr/>
+          <a:lstStyle/>
+          <a:p>
+            <a:fld id="{040DEF24-717E-4741-8753-F7E431A261E5}" type="slidenum">
+              <a:rPr lang="en-US" smtClean="0"/>
+              <a:t>4</a:t>
+            </a:fld>
+            <a:endParaRPr lang="en-US"/>
+          </a:p>
+        </p:txBody>
+      </p:sp>
+      <p:sp>
+        <p:nvSpPr>
+          <p:cNvPr id="6" name="Title 1"/>
           <p:cNvSpPr>
             <a:spLocks noGrp="1"/>
           </p:cNvSpPr>
@@ -5639,7 +7304,7 @@
         </p:nvSpPr>
         <p:spPr>
           <a:xfrm>
-            <a:off x="1069848" y="484632"/>
+            <a:off x="1069848" y="198491"/>
             <a:ext cx="10058400" cy="629793"/>
           </a:xfrm>
         </p:spPr>
@@ -5650,11 +7315,18 @@
           <a:lstStyle/>
           <a:p>
             <a:r>
-              <a:rPr lang="en-US" sz="4000" dirty="0" smtClean="0">
-                <a:latin typeface="Arial" panose="020B0604020202020204" pitchFamily="34" charset="0"/>
-                <a:cs typeface="Arial" panose="020B0604020202020204" pitchFamily="34" charset="0"/>
-              </a:rPr>
-              <a:t>DNS là gì ?</a:t>
+              <a:rPr lang="en-US" sz="4000" b="1" dirty="0">
+                <a:latin typeface="Times New Roman" panose="02020603050405020304" pitchFamily="18" charset="0"/>
+                <a:cs typeface="Times New Roman" panose="02020603050405020304" pitchFamily="18" charset="0"/>
+              </a:rPr>
+              <a:t>DNS - DOMAIN NAME </a:t>
+            </a:r>
+            <a:r>
+              <a:rPr lang="en-US" sz="4000" b="1" dirty="0" smtClean="0">
+                <a:latin typeface="Times New Roman" panose="02020603050405020304" pitchFamily="18" charset="0"/>
+                <a:cs typeface="Times New Roman" panose="02020603050405020304" pitchFamily="18" charset="0"/>
+              </a:rPr>
+              <a:t>SYSTEM </a:t>
             </a:r>
             <a:endParaRPr lang="en-US" sz="4000" dirty="0">
               <a:latin typeface="Arial" panose="020B0604020202020204" pitchFamily="34" charset="0"/>
@@ -5665,7 +7337,101 @@
       </p:sp>
       <p:sp>
         <p:nvSpPr>
-          <p:cNvPr id="4" name="Subtitle 2"/>
+          <p:cNvPr id="2" name="Rectangle 1"/>
+          <p:cNvSpPr/>
+          <p:nvPr/>
+        </p:nvSpPr>
+        <p:spPr>
+          <a:xfrm>
+            <a:off x="1069848" y="933021"/>
+            <a:ext cx="5769528" cy="461665"/>
+          </a:xfrm>
+          <a:prstGeom prst="rect">
+            <a:avLst/>
+          </a:prstGeom>
+        </p:spPr>
+        <p:txBody>
+          <a:bodyPr wrap="none">
+            <a:spAutoFit/>
+          </a:bodyPr>
+          <a:lstStyle/>
+          <a:p>
+            <a:r>
+              <a:rPr lang="en-US" sz="2400" b="1" dirty="0" smtClean="0">
+                <a:solidFill>
+                  <a:schemeClr val="accent2">
+                    <a:lumMod val="50000"/>
+                  </a:schemeClr>
+                </a:solidFill>
+                <a:latin typeface="Roboto" panose="02000000000000000000" pitchFamily="2" charset="0"/>
+                <a:ea typeface="Roboto" panose="02000000000000000000" pitchFamily="2" charset="0"/>
+                <a:cs typeface="Arial" panose="020B0604020202020204" pitchFamily="34" charset="0"/>
+              </a:rPr>
+              <a:t>Ưu và nhược điểm của DNS truyền thống</a:t>
+            </a:r>
+            <a:endParaRPr lang="en-US" sz="2400" b="1" dirty="0">
+              <a:solidFill>
+                <a:schemeClr val="accent2">
+                  <a:lumMod val="50000"/>
+                </a:schemeClr>
+              </a:solidFill>
+              <a:latin typeface="Roboto" panose="02000000000000000000" pitchFamily="2" charset="0"/>
+              <a:ea typeface="Roboto" panose="02000000000000000000" pitchFamily="2" charset="0"/>
+              <a:cs typeface="Arial" panose="020B0604020202020204" pitchFamily="34" charset="0"/>
+            </a:endParaRPr>
+          </a:p>
+        </p:txBody>
+      </p:sp>
+      <p:sp>
+        <p:nvSpPr>
+          <p:cNvPr id="7" name="Rectangle 6"/>
+          <p:cNvSpPr/>
+          <p:nvPr/>
+        </p:nvSpPr>
+        <p:spPr>
+          <a:xfrm>
+            <a:off x="0" y="0"/>
+            <a:ext cx="427839" cy="6858000"/>
+          </a:xfrm>
+          <a:prstGeom prst="rect">
+            <a:avLst/>
+          </a:prstGeom>
+          <a:solidFill>
+            <a:srgbClr val="AA2100"/>
+          </a:solidFill>
+        </p:spPr>
+        <p:style>
+          <a:lnRef idx="2">
+            <a:schemeClr val="accent1">
+              <a:shade val="50000"/>
+            </a:schemeClr>
+          </a:lnRef>
+          <a:fillRef idx="1">
+            <a:schemeClr val="accent1"/>
+          </a:fillRef>
+          <a:effectRef idx="0">
+            <a:schemeClr val="accent1"/>
+          </a:effectRef>
+          <a:fontRef idx="minor">
+            <a:schemeClr val="lt1"/>
+          </a:fontRef>
+        </p:style>
+        <p:txBody>
+          <a:bodyPr rtlCol="0" anchor="ctr"/>
+          <a:lstStyle/>
+          <a:p>
+            <a:pPr algn="ctr"/>
+            <a:endParaRPr lang="en-US">
+              <a:solidFill>
+                <a:srgbClr val="FF0000"/>
+              </a:solidFill>
+            </a:endParaRPr>
+          </a:p>
+        </p:txBody>
+      </p:sp>
+      <p:sp>
+        <p:nvSpPr>
+          <p:cNvPr id="5" name="Content Placeholder 4"/>
           <p:cNvSpPr>
             <a:spLocks noGrp="1"/>
           </p:cNvSpPr>
@@ -5675,50 +7441,276 @@
         </p:nvSpPr>
         <p:spPr>
           <a:xfrm>
-            <a:off x="1069848" y="1302258"/>
-            <a:ext cx="10058400" cy="4050792"/>
+            <a:off x="1172501" y="1499423"/>
+            <a:ext cx="3197352" cy="5023911"/>
           </a:xfrm>
         </p:spPr>
         <p:txBody>
           <a:bodyPr>
-            <a:normAutofit/>
+            <a:normAutofit fontScale="25000" lnSpcReduction="20000"/>
           </a:bodyPr>
           <a:lstStyle/>
           <a:p>
-            <a:r>
-              <a:rPr lang="en-US" dirty="0" smtClean="0"/>
-              <a:t>Domain name system </a:t>
-            </a:r>
-            <a:endParaRPr lang="vi-VN" dirty="0"/>
-          </a:p>
-        </p:txBody>
-      </p:sp>
-      <p:sp>
-        <p:nvSpPr>
-          <p:cNvPr id="6" name="Slide Number Placeholder 5"/>
-          <p:cNvSpPr>
-            <a:spLocks noGrp="1"/>
-          </p:cNvSpPr>
-          <p:nvPr>
-            <p:ph type="sldNum" sz="quarter" idx="12"/>
-          </p:nvPr>
-        </p:nvSpPr>
-        <p:spPr/>
-        <p:txBody>
-          <a:bodyPr/>
+            <a:pPr lvl="0" algn="just">
+              <a:spcAft>
+                <a:spcPts val="300"/>
+              </a:spcAft>
+            </a:pPr>
+            <a:r>
+              <a:rPr lang="en-US" sz="4000" b="1" dirty="0"/>
+              <a:t>Sự quan trọng với Internet: </a:t>
+            </a:r>
+            <a:r>
+              <a:rPr lang="en-US" sz="4000" dirty="0"/>
+              <a:t>DNS là một hệ thống toàn cầu giúp người dùng sử dụng Internet hiệu quả. Với tầm quan trọng của Internet đối với xã hội, điều này càng khiến DNS có vai trò không thể thiếu giúp Internet phát triển bền vững. Có thể nói nếu thiếu DNS, Internet không thể tồn tại lâu dài.</a:t>
+            </a:r>
+            <a:r>
+              <a:rPr lang="en-US" sz="4000" b="1" dirty="0"/>
+              <a:t>	</a:t>
+            </a:r>
+          </a:p>
+          <a:p>
+            <a:pPr lvl="0" algn="just">
+              <a:spcAft>
+                <a:spcPts val="300"/>
+              </a:spcAft>
+            </a:pPr>
+            <a:r>
+              <a:rPr lang="en-US" sz="4000" b="1" dirty="0"/>
+              <a:t>Không cần lưu trữ một dãy IP dài và khó nhớ: </a:t>
+            </a:r>
+            <a:r>
+              <a:rPr lang="en-US" sz="4000" dirty="0"/>
+              <a:t>DNS đưa ra một phương pháp tiện lợi hơn, chuyển đổi những tên domain, tên sub-domain thành IP. Việc tự nhớ một dãy số không có ý nghĩa gây cản trở giữa người dùng và trang web mà họ thường xuyên xem. DNS giúp được điều đó và mang tính hữu dụng cho các công cụ tìm kiếm.</a:t>
+            </a:r>
+          </a:p>
+          <a:p>
+            <a:pPr lvl="0" algn="just">
+              <a:spcAft>
+                <a:spcPts val="300"/>
+              </a:spcAft>
+            </a:pPr>
+            <a:r>
+              <a:rPr lang="en-US" sz="4000" b="1" dirty="0"/>
+              <a:t>Dễ truy cập hơn không có nghĩa là dễ bị tấn công hơn: </a:t>
+            </a:r>
+            <a:r>
+              <a:rPr lang="en-US" sz="4000" dirty="0"/>
+              <a:t>DNS Server được thiết kế cho mục đích bảo mật thường đảm bảo rằng sẽ cản trở những mục đích tấn công vào hệ thống. Tuy nhiên một điều quan trọng là cần phải được áp dụng những biện pháp bảo mật khác với tốc độ phát triển công nghệ hiện nay. </a:t>
+            </a:r>
+          </a:p>
+          <a:p>
+            <a:pPr lvl="0" algn="just">
+              <a:spcAft>
+                <a:spcPts val="300"/>
+              </a:spcAft>
+            </a:pPr>
+            <a:r>
+              <a:rPr lang="en-US" sz="4000" b="1" dirty="0"/>
+              <a:t>DNS có tốc độ truy cập Internet cao nhất: </a:t>
+            </a:r>
+            <a:r>
+              <a:rPr lang="en-US" sz="4000" dirty="0" smtClean="0"/>
+              <a:t>Doanh nghiệp hoặc cá nhân sử dụng DNS Server có thể tận dụng từ tốc độ truy cập đó để đảm bảo công việc của mình.</a:t>
+            </a:r>
+            <a:endParaRPr lang="en-US" sz="4000" dirty="0"/>
+          </a:p>
+          <a:p>
+            <a:pPr lvl="0" algn="just">
+              <a:spcAft>
+                <a:spcPts val="300"/>
+              </a:spcAft>
+            </a:pPr>
+            <a:r>
+              <a:rPr lang="en-US" sz="4000" b="1" dirty="0"/>
+              <a:t>Cập nhật danh sách IP dễ dàng: </a:t>
+            </a:r>
+            <a:r>
+              <a:rPr lang="en-US" sz="4000" dirty="0"/>
+              <a:t>Việc cập nhật IP xảy ra thường xuyên và về phía người dùng cũng vậy. Thông thường thì rất mất thời gian và công sức. Nhưng với cấu trúc của DNS thì có thể làm được việc này một cách dễ dàng.</a:t>
+            </a:r>
+          </a:p>
+          <a:p>
+            <a:pPr algn="just">
+              <a:lnSpc>
+                <a:spcPct val="134000"/>
+              </a:lnSpc>
+              <a:spcBef>
+                <a:spcPts val="300"/>
+              </a:spcBef>
+              <a:spcAft>
+                <a:spcPts val="300"/>
+              </a:spcAft>
+            </a:pPr>
+            <a:endParaRPr lang="en-US" dirty="0"/>
+          </a:p>
+        </p:txBody>
+      </p:sp>
+      <p:sp>
+        <p:nvSpPr>
+          <p:cNvPr id="10" name="TextBox 9"/>
+          <p:cNvSpPr txBox="1"/>
+          <p:nvPr/>
+        </p:nvSpPr>
+        <p:spPr>
+          <a:xfrm>
+            <a:off x="8355547" y="1499423"/>
+            <a:ext cx="3031067" cy="4154984"/>
+          </a:xfrm>
+          <a:prstGeom prst="rect">
+            <a:avLst/>
+          </a:prstGeom>
+          <a:noFill/>
+        </p:spPr>
+        <p:txBody>
+          <a:bodyPr wrap="square" rtlCol="0">
+            <a:spAutoFit/>
+          </a:bodyPr>
           <a:lstStyle/>
           <a:p>
-            <a:r>
-              <a:rPr lang="en-US" dirty="0" smtClean="0"/>
-              <a:t>2</a:t>
-            </a:r>
-            <a:endParaRPr lang="en-US" dirty="0"/>
+            <a:pPr marL="182880" indent="-182880" algn="just">
+              <a:lnSpc>
+                <a:spcPct val="70000"/>
+              </a:lnSpc>
+              <a:spcBef>
+                <a:spcPts val="1200"/>
+              </a:spcBef>
+              <a:buClr>
+                <a:schemeClr val="accent1">
+                  <a:lumMod val="75000"/>
+                </a:schemeClr>
+              </a:buClr>
+              <a:buSzPct val="85000"/>
+              <a:buFont typeface="Wingdings" pitchFamily="2" charset="2"/>
+              <a:buChar char="§"/>
+            </a:pPr>
+            <a:r>
+              <a:rPr lang="en-US" sz="1000" b="1" dirty="0"/>
+              <a:t>DNS phụ thuộc vào sự kiểm soát của Hoa Kỳ: </a:t>
+            </a:r>
+            <a:r>
+              <a:rPr lang="en-US" sz="1000" dirty="0"/>
+              <a:t>DNS Server được kiểm soát tập trung bởi một tổ chức phi lợi nhuận là ICANN có trụ sở tại Hoa Kỳ. Điều này gây khó khăn cho các nước không phụ thuộc vào Hoa Kỳ có thể sử dụng dịch vụ này.</a:t>
+            </a:r>
+          </a:p>
+          <a:p>
+            <a:pPr marL="182880" indent="-182880" algn="just">
+              <a:lnSpc>
+                <a:spcPct val="70000"/>
+              </a:lnSpc>
+              <a:spcBef>
+                <a:spcPts val="1200"/>
+              </a:spcBef>
+              <a:buClr>
+                <a:schemeClr val="accent1">
+                  <a:lumMod val="75000"/>
+                </a:schemeClr>
+              </a:buClr>
+              <a:buSzPct val="85000"/>
+              <a:buFont typeface="Wingdings" pitchFamily="2" charset="2"/>
+              <a:buChar char="§"/>
+            </a:pPr>
+            <a:r>
+              <a:rPr lang="en-US" sz="1000" b="1" dirty="0"/>
+              <a:t>DNS queries thường không mang bất kì thông tin về client khởi tạo nó: </a:t>
+            </a:r>
+            <a:r>
+              <a:rPr lang="en-US" sz="1000" dirty="0"/>
+              <a:t>Điều này lý giải cho việc hacker rất hay nhắm vào DNS. Bởi vì phía Server chỉ thấy địa chỉ IP từ nơi query tới và có thể bị điều khiển bởi các hacker. ( DNS request = DNS query ).</a:t>
+            </a:r>
+          </a:p>
+          <a:p>
+            <a:pPr marL="182880" indent="-182880" algn="just">
+              <a:lnSpc>
+                <a:spcPct val="70000"/>
+              </a:lnSpc>
+              <a:spcBef>
+                <a:spcPts val="1200"/>
+              </a:spcBef>
+              <a:buClr>
+                <a:schemeClr val="accent1">
+                  <a:lumMod val="75000"/>
+                </a:schemeClr>
+              </a:buClr>
+              <a:buSzPct val="85000"/>
+              <a:buFont typeface="Wingdings" pitchFamily="2" charset="2"/>
+              <a:buChar char="§"/>
+            </a:pPr>
+            <a:r>
+              <a:rPr lang="en-US" sz="1000" b="1" dirty="0"/>
+              <a:t>DNS dựa vào quan hệ chủ-tớ: </a:t>
+            </a:r>
+            <a:r>
+              <a:rPr lang="en-US" sz="1000" dirty="0"/>
+              <a:t>Điều này có nghĩa rằng nếu server ở máy chủ bị hỏng hoặc bị điều khiển bằng cách nào đó, sẽ khiến cho người dùng truy cập vào trang web hoặc database nằm trong server. Hacker có thể phát huy điểm mạnh của mình bằng cách nhắm vào các máy chủ và dẫn người dùng tới trang web khác, họ có thể tìm cách để lừa đảo thông tin.</a:t>
+            </a:r>
+          </a:p>
+          <a:p>
+            <a:pPr marL="182880" indent="-182880" algn="just">
+              <a:lnSpc>
+                <a:spcPct val="70000"/>
+              </a:lnSpc>
+              <a:spcBef>
+                <a:spcPts val="1200"/>
+              </a:spcBef>
+              <a:buClr>
+                <a:schemeClr val="accent1">
+                  <a:lumMod val="75000"/>
+                </a:schemeClr>
+              </a:buClr>
+              <a:buSzPct val="85000"/>
+              <a:buFont typeface="Wingdings" pitchFamily="2" charset="2"/>
+              <a:buChar char="§"/>
+            </a:pPr>
+            <a:r>
+              <a:rPr lang="en-US" sz="1000" b="1" dirty="0"/>
+              <a:t>Khi DNS Server sập, World Wide Web cũng vậy: </a:t>
+            </a:r>
+            <a:r>
+              <a:rPr lang="en-US" sz="1000" dirty="0"/>
+              <a:t>Mặc dù đã có back up của server và server gốc. Tại vì khi một server bị crash ( hư ) thì sẽ dẫn tới các local network lân cận sẽ không thể kết nối với client được.</a:t>
+            </a:r>
+          </a:p>
+          <a:p>
+            <a:pPr marL="182880" indent="-182880" algn="just">
+              <a:lnSpc>
+                <a:spcPct val="70000"/>
+              </a:lnSpc>
+              <a:spcBef>
+                <a:spcPts val="1200"/>
+              </a:spcBef>
+              <a:buClr>
+                <a:schemeClr val="accent1">
+                  <a:lumMod val="75000"/>
+                </a:schemeClr>
+              </a:buClr>
+              <a:buSzPct val="85000"/>
+              <a:buFont typeface="Wingdings" pitchFamily="2" charset="2"/>
+              <a:buChar char="§"/>
+            </a:pPr>
+            <a:r>
+              <a:rPr lang="en-US" sz="1000" b="1" dirty="0"/>
+              <a:t>DNS là nguyên nhân chính dẫn đến cuộc tấn công DNS: </a:t>
+            </a:r>
+            <a:r>
+              <a:rPr lang="en-US" sz="1000" dirty="0"/>
+              <a:t>Địa chỉ của DNS được thay đổi với địa chỉ giả mạo do đó người dùng sẽ bị dẫn đến các website khác. </a:t>
+            </a:r>
+            <a:r>
+              <a:rPr lang="en-US" sz="1000" dirty="0"/>
+              <a:t>Từ đó hacker có thể thu thập thông tin cá nhân của người dùng đó</a:t>
+            </a:r>
+            <a:r>
+              <a:rPr lang="en-US" sz="1000" dirty="0" smtClean="0"/>
+              <a:t>.</a:t>
+            </a:r>
+            <a:endParaRPr lang="en-US" sz="1000" dirty="0"/>
           </a:p>
         </p:txBody>
       </p:sp>
       <p:pic>
         <p:nvPicPr>
-          <p:cNvPr id="5" name="Picture 4" descr="https://cdn.kinhtedothi.vn/499/2020/11/25/25dol1.jpg"/>
+          <p:cNvPr id="11" name="Picture 10" descr="https://cdn.kinhtedothi.vn/499/2020/11/25/25dol1.jpg"/>
           <p:cNvPicPr/>
           <p:nvPr/>
         </p:nvPicPr>
@@ -5737,8 +7729,8 @@
         </p:blipFill>
         <p:spPr>
           <a:xfrm>
-            <a:off x="1346073" y="1755711"/>
-            <a:ext cx="5399405" cy="3143885"/>
+            <a:off x="4472506" y="2424550"/>
+            <a:ext cx="3780388" cy="2304730"/>
           </a:xfrm>
           <a:prstGeom prst="rect">
             <a:avLst/>
@@ -5754,7 +7746,7 @@
     </p:spTree>
     <p:extLst>
       <p:ext uri="{BB962C8B-B14F-4D97-AF65-F5344CB8AC3E}">
-        <p14:creationId xmlns:p14="http://schemas.microsoft.com/office/powerpoint/2010/main" val="1037630341"/>
+        <p14:creationId xmlns:p14="http://schemas.microsoft.com/office/powerpoint/2010/main" val="1784222693"/>
       </p:ext>
     </p:extLst>
   </p:cSld>
@@ -5798,23 +7790,93 @@
             <p:ph idx="1"/>
           </p:nvPr>
         </p:nvSpPr>
-        <p:spPr/>
-        <p:txBody>
-          <a:bodyPr/>
+        <p:spPr>
+          <a:xfrm>
+            <a:off x="1069848" y="1403604"/>
+            <a:ext cx="10058400" cy="3109129"/>
+          </a:xfrm>
+        </p:spPr>
+        <p:txBody>
+          <a:bodyPr>
+            <a:normAutofit fontScale="40000" lnSpcReduction="20000"/>
+          </a:bodyPr>
           <a:lstStyle/>
           <a:p>
-            <a:r>
-              <a:rPr lang="vi-VN" dirty="0"/>
-              <a:t>Giới thiệu nội dung từng phần của đề tài và những nội dung nhấn mạnh (mỗi</a:t>
-            </a:r>
-          </a:p>
-          <a:p>
-            <a:pPr marL="0" indent="0">
-              <a:buNone/>
+            <a:pPr>
+              <a:lnSpc>
+                <a:spcPct val="170000"/>
+              </a:lnSpc>
             </a:pPr>
             <a:r>
-              <a:rPr lang="vi-VN" dirty="0"/>
-              <a:t>chương mục từ 2-4 slide)</a:t>
+              <a:rPr lang="en-US" sz="2500" dirty="0"/>
+              <a:t>Blockchain là công nghệ chuỗi – khối, cho phép truyền tải dữ liệu một cách an toàn dựa trên hệ thống mã hóa vô cùng phức tạp, tương tự như cuốn sổ cái kế toán của một công ty, nơi mà tiền được giám sát chặt chẽ và ghi nhận mọi giao dịch trên mạng ngang hàng.</a:t>
+            </a:r>
+          </a:p>
+          <a:p>
+            <a:pPr>
+              <a:lnSpc>
+                <a:spcPct val="170000"/>
+              </a:lnSpc>
+            </a:pPr>
+            <a:r>
+              <a:rPr lang="en-US" sz="2500" dirty="0"/>
+              <a:t>Mỗi khối (block) đều chứa thông tin về thời gian khởi tạo và được liên kết với khối trước đó, kèm theo đó là một mã thời gian và dữ liệu giao dịch. Dữ liệu khi đã được mạng lưới chấp nhận thì sẽ không có cách nào thay đổi được. Blockchain được thiết kế để chống lại việc gian lận, thay đổi của dữ liệu.</a:t>
+            </a:r>
+          </a:p>
+          <a:p>
+            <a:pPr>
+              <a:lnSpc>
+                <a:spcPct val="170000"/>
+              </a:lnSpc>
+            </a:pPr>
+            <a:r>
+              <a:rPr lang="en-US" sz="2500" dirty="0"/>
+              <a:t>Công nghệ Blockchain là sự kết hợp giữa 3 loại công nghệ :</a:t>
+            </a:r>
+          </a:p>
+          <a:p>
+            <a:pPr lvl="0">
+              <a:lnSpc>
+                <a:spcPct val="170000"/>
+              </a:lnSpc>
+            </a:pPr>
+            <a:r>
+              <a:rPr lang="en-US" sz="2500" b="1" dirty="0"/>
+              <a:t>Mật mã học:</a:t>
+            </a:r>
+            <a:r>
+              <a:rPr lang="en-US" sz="2500" dirty="0"/>
+              <a:t> để đảm bảo tính minh bạch, toàn vẹn và riêng tư thì công nghệ Blockchain đã sử dụng public key hoặc hàm hash function.</a:t>
+            </a:r>
+          </a:p>
+          <a:p>
+            <a:pPr lvl="0">
+              <a:lnSpc>
+                <a:spcPct val="170000"/>
+              </a:lnSpc>
+            </a:pPr>
+            <a:r>
+              <a:rPr lang="en-US" sz="2500" b="1" dirty="0"/>
+              <a:t>Mạng ngang hàng:</a:t>
+            </a:r>
+            <a:r>
+              <a:rPr lang="en-US" sz="2500" dirty="0"/>
+              <a:t> Mỗi một nút trong mạng được xem như một client và cũng là server để lưu trữ bản sao ứng dụng.</a:t>
+            </a:r>
+          </a:p>
+          <a:p>
+            <a:pPr lvl="0">
+              <a:lnSpc>
+                <a:spcPct val="170000"/>
+              </a:lnSpc>
+            </a:pPr>
+            <a:r>
+              <a:rPr lang="en-US" sz="2500" b="1" dirty="0"/>
+              <a:t>Lý thuyết trò chơi:</a:t>
+            </a:r>
+            <a:r>
+              <a:rPr lang="en-US" sz="2500" dirty="0"/>
+              <a:t> Tất cả các nút tham gia vào hệ thống đều phải tuân thủ luật chơi đồng thuận (giao thức PoW, PoS,…) và được thúc đẩy bởi động lực kinh tế.</a:t>
             </a:r>
           </a:p>
           <a:p>
@@ -5872,7 +7934,7 @@
                 <a:latin typeface="Arial" panose="020B0604020202020204" pitchFamily="34" charset="0"/>
                 <a:cs typeface="Arial" panose="020B0604020202020204" pitchFamily="34" charset="0"/>
               </a:rPr>
-              <a:t>blockchain là gì ?</a:t>
+              <a:t>Blockchain VÀ DNS BLOCKCHAIN </a:t>
             </a:r>
             <a:endParaRPr lang="en-US" sz="4000" dirty="0">
               <a:latin typeface="Arial" panose="020B0604020202020204" pitchFamily="34" charset="0"/>
@@ -5881,16 +7943,264 @@
           </a:p>
         </p:txBody>
       </p:sp>
+      <p:sp>
+        <p:nvSpPr>
+          <p:cNvPr id="5" name="Rectangle 4"/>
+          <p:cNvSpPr/>
+          <p:nvPr/>
+        </p:nvSpPr>
+        <p:spPr>
+          <a:xfrm>
+            <a:off x="0" y="0"/>
+            <a:ext cx="427839" cy="6858000"/>
+          </a:xfrm>
+          <a:prstGeom prst="rect">
+            <a:avLst/>
+          </a:prstGeom>
+          <a:solidFill>
+            <a:srgbClr val="AA2100"/>
+          </a:solidFill>
+        </p:spPr>
+        <p:style>
+          <a:lnRef idx="2">
+            <a:schemeClr val="accent1">
+              <a:shade val="50000"/>
+            </a:schemeClr>
+          </a:lnRef>
+          <a:fillRef idx="1">
+            <a:schemeClr val="accent1"/>
+          </a:fillRef>
+          <a:effectRef idx="0">
+            <a:schemeClr val="accent1"/>
+          </a:effectRef>
+          <a:fontRef idx="minor">
+            <a:schemeClr val="lt1"/>
+          </a:fontRef>
+        </p:style>
+        <p:txBody>
+          <a:bodyPr rtlCol="0" anchor="ctr"/>
+          <a:lstStyle/>
+          <a:p>
+            <a:pPr algn="ctr"/>
+            <a:endParaRPr lang="en-US">
+              <a:solidFill>
+                <a:srgbClr val="FF0000"/>
+              </a:solidFill>
+            </a:endParaRPr>
+          </a:p>
+        </p:txBody>
+      </p:sp>
+      <p:sp>
+        <p:nvSpPr>
+          <p:cNvPr id="2" name="Rectangle 1"/>
+          <p:cNvSpPr/>
+          <p:nvPr/>
+        </p:nvSpPr>
+        <p:spPr>
+          <a:xfrm>
+            <a:off x="2379133" y="4315079"/>
+            <a:ext cx="1159933" cy="587121"/>
+          </a:xfrm>
+          <a:prstGeom prst="rect">
+            <a:avLst/>
+          </a:prstGeom>
+        </p:spPr>
+        <p:style>
+          <a:lnRef idx="2">
+            <a:schemeClr val="accent1">
+              <a:shade val="50000"/>
+            </a:schemeClr>
+          </a:lnRef>
+          <a:fillRef idx="1">
+            <a:schemeClr val="accent1"/>
+          </a:fillRef>
+          <a:effectRef idx="0">
+            <a:schemeClr val="accent1"/>
+          </a:effectRef>
+          <a:fontRef idx="minor">
+            <a:schemeClr val="lt1"/>
+          </a:fontRef>
+        </p:style>
+        <p:txBody>
+          <a:bodyPr rtlCol="0" anchor="ctr"/>
+          <a:lstStyle/>
+          <a:p>
+            <a:pPr algn="ctr"/>
+            <a:endParaRPr lang="en-US"/>
+          </a:p>
+        </p:txBody>
+      </p:sp>
+      <p:cxnSp>
+        <p:nvCxnSpPr>
+          <p:cNvPr id="8" name="Curved Connector 7"/>
+          <p:cNvCxnSpPr>
+            <a:stCxn id="2" idx="3"/>
+          </p:cNvCxnSpPr>
+          <p:nvPr/>
+        </p:nvCxnSpPr>
+        <p:spPr>
+          <a:xfrm>
+            <a:off x="3539066" y="4608640"/>
+            <a:ext cx="1117600" cy="299106"/>
+          </a:xfrm>
+          <a:prstGeom prst="curvedConnector3">
+            <a:avLst/>
+          </a:prstGeom>
+          <a:ln>
+            <a:headEnd type="triangle"/>
+            <a:tailEnd type="triangle"/>
+          </a:ln>
+        </p:spPr>
+        <p:style>
+          <a:lnRef idx="1">
+            <a:schemeClr val="accent1"/>
+          </a:lnRef>
+          <a:fillRef idx="0">
+            <a:schemeClr val="accent1"/>
+          </a:fillRef>
+          <a:effectRef idx="0">
+            <a:schemeClr val="accent1"/>
+          </a:effectRef>
+          <a:fontRef idx="minor">
+            <a:schemeClr val="tx1"/>
+          </a:fontRef>
+        </p:style>
+      </p:cxnSp>
+      <p:sp>
+        <p:nvSpPr>
+          <p:cNvPr id="9" name="Rectangle 8"/>
+          <p:cNvSpPr/>
+          <p:nvPr/>
+        </p:nvSpPr>
+        <p:spPr>
+          <a:xfrm>
+            <a:off x="4656666" y="4315079"/>
+            <a:ext cx="1159933" cy="587121"/>
+          </a:xfrm>
+          <a:prstGeom prst="rect">
+            <a:avLst/>
+          </a:prstGeom>
+        </p:spPr>
+        <p:style>
+          <a:lnRef idx="2">
+            <a:schemeClr val="accent1">
+              <a:shade val="50000"/>
+            </a:schemeClr>
+          </a:lnRef>
+          <a:fillRef idx="1">
+            <a:schemeClr val="accent1"/>
+          </a:fillRef>
+          <a:effectRef idx="0">
+            <a:schemeClr val="accent1"/>
+          </a:effectRef>
+          <a:fontRef idx="minor">
+            <a:schemeClr val="lt1"/>
+          </a:fontRef>
+        </p:style>
+        <p:txBody>
+          <a:bodyPr rtlCol="0" anchor="ctr"/>
+          <a:lstStyle/>
+          <a:p>
+            <a:pPr algn="ctr"/>
+            <a:endParaRPr lang="en-US"/>
+          </a:p>
+        </p:txBody>
+      </p:sp>
+      <p:cxnSp>
+        <p:nvCxnSpPr>
+          <p:cNvPr id="10" name="Curved Connector 9"/>
+          <p:cNvCxnSpPr>
+            <a:stCxn id="9" idx="3"/>
+          </p:cNvCxnSpPr>
+          <p:nvPr/>
+        </p:nvCxnSpPr>
+        <p:spPr>
+          <a:xfrm>
+            <a:off x="5816599" y="4608640"/>
+            <a:ext cx="1117600" cy="335893"/>
+          </a:xfrm>
+          <a:prstGeom prst="curvedConnector3">
+            <a:avLst>
+              <a:gd name="adj1" fmla="val 50000"/>
+            </a:avLst>
+          </a:prstGeom>
+          <a:ln>
+            <a:headEnd type="triangle"/>
+            <a:tailEnd type="triangle"/>
+          </a:ln>
+        </p:spPr>
+        <p:style>
+          <a:lnRef idx="1">
+            <a:schemeClr val="accent1"/>
+          </a:lnRef>
+          <a:fillRef idx="0">
+            <a:schemeClr val="accent1"/>
+          </a:fillRef>
+          <a:effectRef idx="0">
+            <a:schemeClr val="accent1"/>
+          </a:effectRef>
+          <a:fontRef idx="minor">
+            <a:schemeClr val="tx1"/>
+          </a:fontRef>
+        </p:style>
+      </p:cxnSp>
+      <p:sp>
+        <p:nvSpPr>
+          <p:cNvPr id="11" name="Rectangle 10"/>
+          <p:cNvSpPr/>
+          <p:nvPr/>
+        </p:nvSpPr>
+        <p:spPr>
+          <a:xfrm>
+            <a:off x="6934199" y="4357412"/>
+            <a:ext cx="1159933" cy="587121"/>
+          </a:xfrm>
+          <a:prstGeom prst="rect">
+            <a:avLst/>
+          </a:prstGeom>
+        </p:spPr>
+        <p:style>
+          <a:lnRef idx="2">
+            <a:schemeClr val="accent1">
+              <a:shade val="50000"/>
+            </a:schemeClr>
+          </a:lnRef>
+          <a:fillRef idx="1">
+            <a:schemeClr val="accent1"/>
+          </a:fillRef>
+          <a:effectRef idx="0">
+            <a:schemeClr val="accent1"/>
+          </a:effectRef>
+          <a:fontRef idx="minor">
+            <a:schemeClr val="lt1"/>
+          </a:fontRef>
+        </p:style>
+        <p:txBody>
+          <a:bodyPr rtlCol="0" anchor="ctr"/>
+          <a:lstStyle/>
+          <a:p>
+            <a:pPr algn="ctr"/>
+            <a:endParaRPr lang="en-US"/>
+          </a:p>
+        </p:txBody>
+      </p:sp>
     </p:spTree>
     <p:extLst>
       <p:ext uri="{BB962C8B-B14F-4D97-AF65-F5344CB8AC3E}">
-        <p14:creationId xmlns:p14="http://schemas.microsoft.com/office/powerpoint/2010/main" val="1784222693"/>
+        <p14:creationId xmlns:p14="http://schemas.microsoft.com/office/powerpoint/2010/main" val="3871431453"/>
       </p:ext>
     </p:extLst>
   </p:cSld>
   <p:clrMapOvr>
     <a:masterClrMapping/>
   </p:clrMapOvr>
+  <p:timing>
+    <p:tnLst>
+      <p:par>
+        <p:cTn id="1" dur="indefinite" restart="never" nodeType="tmRoot"/>
+      </p:par>
+    </p:tnLst>
+  </p:timing>
 </p:sld>
 </file>
 
@@ -5913,40 +8223,6 @@
       </p:grpSpPr>
       <p:sp>
         <p:nvSpPr>
-          <p:cNvPr id="3" name="Content Placeholder 2"/>
-          <p:cNvSpPr>
-            <a:spLocks noGrp="1"/>
-          </p:cNvSpPr>
-          <p:nvPr>
-            <p:ph idx="1"/>
-          </p:nvPr>
-        </p:nvSpPr>
-        <p:spPr/>
-        <p:txBody>
-          <a:bodyPr/>
-          <a:lstStyle/>
-          <a:p>
-            <a:r>
-              <a:rPr lang="vi-VN" dirty="0"/>
-              <a:t>Giới thiệu nội dung từng phần của đề tài và những nội dung nhấn mạnh (mỗi</a:t>
-            </a:r>
-          </a:p>
-          <a:p>
-            <a:pPr marL="0" indent="0">
-              <a:buNone/>
-            </a:pPr>
-            <a:r>
-              <a:rPr lang="vi-VN" dirty="0"/>
-              <a:t>chương mục từ 2-4 slide)</a:t>
-            </a:r>
-          </a:p>
-          <a:p>
-            <a:endParaRPr lang="en-US" dirty="0"/>
-          </a:p>
-        </p:txBody>
-      </p:sp>
-      <p:sp>
-        <p:nvSpPr>
           <p:cNvPr id="4" name="Slide Number Placeholder 3"/>
           <p:cNvSpPr>
             <a:spLocks noGrp="1"/>
@@ -5991,11 +8267,18 @@
           <a:lstStyle/>
           <a:p>
             <a:r>
-              <a:rPr lang="en-US" sz="4000" dirty="0" smtClean="0">
-                <a:latin typeface="Arial" panose="020B0604020202020204" pitchFamily="34" charset="0"/>
-                <a:cs typeface="Arial" panose="020B0604020202020204" pitchFamily="34" charset="0"/>
-              </a:rPr>
-              <a:t>Blockchain dns là gì ?</a:t>
+              <a:rPr lang="en-US" sz="4000" b="1" dirty="0">
+                <a:latin typeface="Times New Roman" panose="02020603050405020304" pitchFamily="18" charset="0"/>
+                <a:cs typeface="Times New Roman" panose="02020603050405020304" pitchFamily="18" charset="0"/>
+              </a:rPr>
+              <a:t>THUẬT </a:t>
+            </a:r>
+            <a:r>
+              <a:rPr lang="en-US" sz="4000" b="1" dirty="0">
+                <a:latin typeface="Times New Roman" panose="02020603050405020304" pitchFamily="18" charset="0"/>
+                <a:cs typeface="Times New Roman" panose="02020603050405020304" pitchFamily="18" charset="0"/>
+              </a:rPr>
+              <a:t>TOÁN ĐỒNG THUẬN </a:t>
             </a:r>
             <a:endParaRPr lang="en-US" sz="4000" dirty="0">
               <a:latin typeface="Arial" panose="020B0604020202020204" pitchFamily="34" charset="0"/>
@@ -6004,16 +8287,140 @@
           </a:p>
         </p:txBody>
       </p:sp>
+      <p:sp>
+        <p:nvSpPr>
+          <p:cNvPr id="5" name="Rectangle 4"/>
+          <p:cNvSpPr/>
+          <p:nvPr/>
+        </p:nvSpPr>
+        <p:spPr>
+          <a:xfrm>
+            <a:off x="0" y="0"/>
+            <a:ext cx="427839" cy="6858000"/>
+          </a:xfrm>
+          <a:prstGeom prst="rect">
+            <a:avLst/>
+          </a:prstGeom>
+          <a:solidFill>
+            <a:srgbClr val="AA2100"/>
+          </a:solidFill>
+        </p:spPr>
+        <p:style>
+          <a:lnRef idx="2">
+            <a:schemeClr val="accent1">
+              <a:shade val="50000"/>
+            </a:schemeClr>
+          </a:lnRef>
+          <a:fillRef idx="1">
+            <a:schemeClr val="accent1"/>
+          </a:fillRef>
+          <a:effectRef idx="0">
+            <a:schemeClr val="accent1"/>
+          </a:effectRef>
+          <a:fontRef idx="minor">
+            <a:schemeClr val="lt1"/>
+          </a:fontRef>
+        </p:style>
+        <p:txBody>
+          <a:bodyPr rtlCol="0" anchor="ctr"/>
+          <a:lstStyle/>
+          <a:p>
+            <a:pPr algn="ctr"/>
+            <a:endParaRPr lang="en-US">
+              <a:solidFill>
+                <a:srgbClr val="FF0000"/>
+              </a:solidFill>
+            </a:endParaRPr>
+          </a:p>
+        </p:txBody>
+      </p:sp>
+      <p:pic>
+        <p:nvPicPr>
+          <p:cNvPr id="7" name="Picture 6" descr="Thuật toán đồng thuận Blockchain là gì?"/>
+          <p:cNvPicPr/>
+          <p:nvPr/>
+        </p:nvPicPr>
+        <p:blipFill>
+          <a:blip r:embed="rId2" cstate="print">
+            <a:extLst>
+              <a:ext uri="{28A0092B-C50C-407E-A947-70E740481C1C}">
+                <a14:useLocalDpi xmlns:a14="http://schemas.microsoft.com/office/drawing/2010/main" val="0"/>
+              </a:ext>
+            </a:extLst>
+          </a:blip>
+          <a:srcRect/>
+          <a:stretch>
+            <a:fillRect/>
+          </a:stretch>
+        </p:blipFill>
+        <p:spPr>
+          <a:xfrm>
+            <a:off x="1069848" y="1247881"/>
+            <a:ext cx="4695952" cy="3239453"/>
+          </a:xfrm>
+          <a:prstGeom prst="rect">
+            <a:avLst/>
+          </a:prstGeom>
+          <a:noFill/>
+          <a:ln w="12700">
+            <a:solidFill>
+              <a:schemeClr val="tx1"/>
+            </a:solidFill>
+          </a:ln>
+        </p:spPr>
+      </p:pic>
+      <p:pic>
+        <p:nvPicPr>
+          <p:cNvPr id="8" name="Picture 7" descr="Thuật toán đồng thuận Blockchain là gì?"/>
+          <p:cNvPicPr/>
+          <p:nvPr/>
+        </p:nvPicPr>
+        <p:blipFill>
+          <a:blip r:embed="rId3" cstate="print">
+            <a:extLst>
+              <a:ext uri="{28A0092B-C50C-407E-A947-70E740481C1C}">
+                <a14:useLocalDpi xmlns:a14="http://schemas.microsoft.com/office/drawing/2010/main" val="0"/>
+              </a:ext>
+            </a:extLst>
+          </a:blip>
+          <a:srcRect/>
+          <a:stretch>
+            <a:fillRect/>
+          </a:stretch>
+        </p:blipFill>
+        <p:spPr>
+          <a:xfrm>
+            <a:off x="6099048" y="3348143"/>
+            <a:ext cx="5399405" cy="2837180"/>
+          </a:xfrm>
+          <a:prstGeom prst="rect">
+            <a:avLst/>
+          </a:prstGeom>
+          <a:noFill/>
+          <a:ln w="12700">
+            <a:solidFill>
+              <a:schemeClr val="tx1"/>
+            </a:solidFill>
+          </a:ln>
+        </p:spPr>
+      </p:pic>
     </p:spTree>
     <p:extLst>
       <p:ext uri="{BB962C8B-B14F-4D97-AF65-F5344CB8AC3E}">
-        <p14:creationId xmlns:p14="http://schemas.microsoft.com/office/powerpoint/2010/main" val="3871431453"/>
+        <p14:creationId xmlns:p14="http://schemas.microsoft.com/office/powerpoint/2010/main" val="827447603"/>
       </p:ext>
     </p:extLst>
   </p:cSld>
   <p:clrMapOvr>
     <a:masterClrMapping/>
   </p:clrMapOvr>
+  <p:timing>
+    <p:tnLst>
+      <p:par>
+        <p:cTn id="1" dur="indefinite" restart="never" nodeType="tmRoot"/>
+      </p:par>
+    </p:tnLst>
+  </p:timing>
 </p:sld>
 </file>
 
@@ -6112,6 +8519,53 @@
           </a:p>
         </p:txBody>
       </p:sp>
+      <p:sp>
+        <p:nvSpPr>
+          <p:cNvPr id="5" name="Rectangle 4"/>
+          <p:cNvSpPr/>
+          <p:nvPr/>
+        </p:nvSpPr>
+        <p:spPr>
+          <a:xfrm>
+            <a:off x="0" y="0"/>
+            <a:ext cx="427839" cy="6858000"/>
+          </a:xfrm>
+          <a:prstGeom prst="rect">
+            <a:avLst/>
+          </a:prstGeom>
+          <a:solidFill>
+            <a:srgbClr val="AA2100"/>
+          </a:solidFill>
+        </p:spPr>
+        <p:style>
+          <a:lnRef idx="2">
+            <a:schemeClr val="accent1">
+              <a:shade val="50000"/>
+            </a:schemeClr>
+          </a:lnRef>
+          <a:fillRef idx="1">
+            <a:schemeClr val="accent1"/>
+          </a:fillRef>
+          <a:effectRef idx="0">
+            <a:schemeClr val="accent1"/>
+          </a:effectRef>
+          <a:fontRef idx="minor">
+            <a:schemeClr val="lt1"/>
+          </a:fontRef>
+        </p:style>
+        <p:txBody>
+          <a:bodyPr rtlCol="0" anchor="ctr"/>
+          <a:lstStyle/>
+          <a:p>
+            <a:pPr algn="ctr"/>
+            <a:endParaRPr lang="en-US">
+              <a:solidFill>
+                <a:srgbClr val="FF0000"/>
+              </a:solidFill>
+            </a:endParaRPr>
+          </a:p>
+        </p:txBody>
+      </p:sp>
     </p:spTree>
     <p:extLst>
       <p:ext uri="{BB962C8B-B14F-4D97-AF65-F5344CB8AC3E}">
@@ -6122,6 +8576,13 @@
   <p:clrMapOvr>
     <a:masterClrMapping/>
   </p:clrMapOvr>
+  <p:timing>
+    <p:tnLst>
+      <p:par>
+        <p:cTn id="1" dur="indefinite" restart="never" nodeType="tmRoot"/>
+      </p:par>
+    </p:tnLst>
+  </p:timing>
 </p:sld>
 </file>
 
@@ -6165,22 +8626,22 @@
           <a:lstStyle/>
           <a:p>
             <a:r>
-              <a:rPr lang="vi-VN" sz="4000" dirty="0">
-                <a:latin typeface="Arial" panose="020B0604020202020204" pitchFamily="34" charset="0"/>
-                <a:cs typeface="Arial" panose="020B0604020202020204" pitchFamily="34" charset="0"/>
+              <a:rPr lang="vi-VN" sz="4000" b="1" dirty="0">
+                <a:latin typeface="Times New Roman" panose="02020603050405020304" pitchFamily="18" charset="0"/>
+                <a:cs typeface="Times New Roman" panose="02020603050405020304" pitchFamily="18" charset="0"/>
               </a:rPr>
               <a:t>Kết </a:t>
             </a:r>
             <a:r>
-              <a:rPr lang="vi-VN" sz="4000" dirty="0" smtClean="0">
-                <a:latin typeface="Arial" panose="020B0604020202020204" pitchFamily="34" charset="0"/>
-                <a:cs typeface="Arial" panose="020B0604020202020204" pitchFamily="34" charset="0"/>
+              <a:rPr lang="vi-VN" sz="4000" b="1" dirty="0">
+                <a:latin typeface="Times New Roman" panose="02020603050405020304" pitchFamily="18" charset="0"/>
+                <a:cs typeface="Times New Roman" panose="02020603050405020304" pitchFamily="18" charset="0"/>
               </a:rPr>
               <a:t>luận</a:t>
             </a:r>
-            <a:endParaRPr lang="en-US" sz="4000" dirty="0">
-              <a:latin typeface="Arial" panose="020B0604020202020204" pitchFamily="34" charset="0"/>
-              <a:cs typeface="Arial" panose="020B0604020202020204" pitchFamily="34" charset="0"/>
+            <a:endParaRPr lang="en-US" sz="4000" b="1" dirty="0">
+              <a:latin typeface="Times New Roman" panose="02020603050405020304" pitchFamily="18" charset="0"/>
+              <a:cs typeface="Times New Roman" panose="02020603050405020304" pitchFamily="18" charset="0"/>
             </a:endParaRPr>
           </a:p>
         </p:txBody>
@@ -6217,7 +8678,7 @@
         <p:spPr>
           <a:xfrm>
             <a:off x="1069848" y="5067300"/>
-            <a:ext cx="9883902" cy="872034"/>
+            <a:ext cx="9883902" cy="785343"/>
           </a:xfrm>
           <a:prstGeom prst="rect">
             <a:avLst/>
@@ -6242,23 +8703,19 @@
               </a:spcAft>
             </a:pPr>
             <a:r>
-              <a:rPr lang="en-US" dirty="0" smtClean="0">
+              <a:rPr lang="en-US" sz="1600" dirty="0" smtClean="0">
                 <a:latin typeface="Arial" panose="020B0604020202020204" pitchFamily="34" charset="0"/>
                 <a:cs typeface="Arial" panose="020B0604020202020204" pitchFamily="34" charset="0"/>
               </a:rPr>
               <a:t>=&gt; </a:t>
             </a:r>
             <a:r>
-              <a:rPr lang="en-US" dirty="0">
+              <a:rPr lang="en-US" sz="1600" dirty="0">
                 <a:latin typeface="Arial" panose="020B0604020202020204" pitchFamily="34" charset="0"/>
                 <a:cs typeface="Arial" panose="020B0604020202020204" pitchFamily="34" charset="0"/>
               </a:rPr>
               <a:t>DNS Blockchain là một giải pháp khả thi hiện nay, vừa phần nào giải quyết được bài toán bảo mật, vừa mang lại cơ hội khai thác phát triển triệt để giá trị của tên miền. </a:t>
             </a:r>
-            <a:endParaRPr lang="en-US" dirty="0">
-              <a:latin typeface="Arial" panose="020B0604020202020204" pitchFamily="34" charset="0"/>
-              <a:cs typeface="Arial" panose="020B0604020202020204" pitchFamily="34" charset="0"/>
-            </a:endParaRPr>
           </a:p>
         </p:txBody>
       </p:sp>
@@ -6271,7 +8728,7 @@
         <p:spPr>
           <a:xfrm>
             <a:off x="1069848" y="1408257"/>
-            <a:ext cx="10058400" cy="2841804"/>
+            <a:ext cx="10058400" cy="2800767"/>
           </a:xfrm>
           <a:prstGeom prst="rect">
             <a:avLst/>
@@ -6289,15 +8746,21 @@
                 <a:spcPct val="150000"/>
               </a:lnSpc>
               <a:spcBef>
-                <a:spcPts val="300"/>
+                <a:spcPts val="600"/>
               </a:spcBef>
               <a:spcAft>
                 <a:spcPts val="300"/>
               </a:spcAft>
             </a:pPr>
             <a:r>
-              <a:rPr lang="en-US" dirty="0">
-                <a:latin typeface="Arial" panose="020B0604020202020204" pitchFamily="34" charset="0"/>
+              <a:rPr lang="en-US" sz="2400" b="1" dirty="0">
+                <a:solidFill>
+                  <a:schemeClr val="accent2">
+                    <a:lumMod val="50000"/>
+                  </a:schemeClr>
+                </a:solidFill>
+                <a:latin typeface="Roboto" panose="02000000000000000000" pitchFamily="2" charset="0"/>
+                <a:ea typeface="Roboto" panose="02000000000000000000" pitchFamily="2" charset="0"/>
                 <a:cs typeface="Arial" panose="020B0604020202020204" pitchFamily="34" charset="0"/>
               </a:rPr>
               <a:t>Tóm tắt những điều mà đề tài đã đạt được:</a:t>
@@ -6318,7 +8781,7 @@
               <a:buChar char="v"/>
             </a:pPr>
             <a:r>
-              <a:rPr lang="en-US" dirty="0">
+              <a:rPr lang="en-US" sz="1600" dirty="0">
                 <a:latin typeface="Arial" panose="020B0604020202020204" pitchFamily="34" charset="0"/>
                 <a:cs typeface="Arial" panose="020B0604020202020204" pitchFamily="34" charset="0"/>
               </a:rPr>
@@ -6340,7 +8803,7 @@
               <a:buChar char="v"/>
             </a:pPr>
             <a:r>
-              <a:rPr lang="en-US" dirty="0">
+              <a:rPr lang="en-US" sz="1600" dirty="0">
                 <a:latin typeface="Arial" panose="020B0604020202020204" pitchFamily="34" charset="0"/>
                 <a:cs typeface="Arial" panose="020B0604020202020204" pitchFamily="34" charset="0"/>
               </a:rPr>
@@ -6362,7 +8825,7 @@
               <a:buChar char="v"/>
             </a:pPr>
             <a:r>
-              <a:rPr lang="en-US" dirty="0">
+              <a:rPr lang="en-US" sz="1600" dirty="0">
                 <a:latin typeface="Arial" panose="020B0604020202020204" pitchFamily="34" charset="0"/>
                 <a:cs typeface="Arial" panose="020B0604020202020204" pitchFamily="34" charset="0"/>
               </a:rPr>
@@ -6384,12 +8847,59 @@
               <a:buChar char="v"/>
             </a:pPr>
             <a:r>
-              <a:rPr lang="en-US" dirty="0">
+              <a:rPr lang="en-US" sz="1600" dirty="0">
                 <a:latin typeface="Arial" panose="020B0604020202020204" pitchFamily="34" charset="0"/>
                 <a:cs typeface="Arial" panose="020B0604020202020204" pitchFamily="34" charset="0"/>
               </a:rPr>
               <a:t>Phân giải tên miền và trả về kết quả thành công cho dù ở trên trình duyệt. </a:t>
             </a:r>
+          </a:p>
+        </p:txBody>
+      </p:sp>
+      <p:sp>
+        <p:nvSpPr>
+          <p:cNvPr id="6" name="Rectangle 5"/>
+          <p:cNvSpPr/>
+          <p:nvPr/>
+        </p:nvSpPr>
+        <p:spPr>
+          <a:xfrm>
+            <a:off x="0" y="0"/>
+            <a:ext cx="427839" cy="6858000"/>
+          </a:xfrm>
+          <a:prstGeom prst="rect">
+            <a:avLst/>
+          </a:prstGeom>
+          <a:solidFill>
+            <a:srgbClr val="AA2100"/>
+          </a:solidFill>
+        </p:spPr>
+        <p:style>
+          <a:lnRef idx="2">
+            <a:schemeClr val="accent1">
+              <a:shade val="50000"/>
+            </a:schemeClr>
+          </a:lnRef>
+          <a:fillRef idx="1">
+            <a:schemeClr val="accent1"/>
+          </a:fillRef>
+          <a:effectRef idx="0">
+            <a:schemeClr val="accent1"/>
+          </a:effectRef>
+          <a:fontRef idx="minor">
+            <a:schemeClr val="lt1"/>
+          </a:fontRef>
+        </p:style>
+        <p:txBody>
+          <a:bodyPr rtlCol="0" anchor="ctr"/>
+          <a:lstStyle/>
+          <a:p>
+            <a:pPr algn="ctr"/>
+            <a:endParaRPr lang="en-US">
+              <a:solidFill>
+                <a:srgbClr val="FF0000"/>
+              </a:solidFill>
+            </a:endParaRPr>
           </a:p>
         </p:txBody>
       </p:sp>
@@ -6403,6 +8913,13 @@
   <p:clrMapOvr>
     <a:masterClrMapping/>
   </p:clrMapOvr>
+  <p:timing>
+    <p:tnLst>
+      <p:par>
+        <p:cTn id="1" dur="indefinite" restart="never" nodeType="tmRoot"/>
+      </p:par>
+    </p:tnLst>
+  </p:timing>
 </p:sld>
 </file>
 
@@ -6446,29 +8963,29 @@
           <a:lstStyle/>
           <a:p>
             <a:r>
-              <a:rPr lang="vi-VN" sz="4000" dirty="0" smtClean="0">
-                <a:latin typeface="Arial" panose="020B0604020202020204" pitchFamily="34" charset="0"/>
-                <a:cs typeface="Arial" panose="020B0604020202020204" pitchFamily="34" charset="0"/>
+              <a:rPr lang="vi-VN" sz="4000" b="1" dirty="0">
+                <a:latin typeface="Times New Roman" panose="02020603050405020304" pitchFamily="18" charset="0"/>
+                <a:cs typeface="Times New Roman" panose="02020603050405020304" pitchFamily="18" charset="0"/>
               </a:rPr>
               <a:t>giải </a:t>
             </a:r>
             <a:r>
-              <a:rPr lang="vi-VN" sz="4000" dirty="0">
-                <a:latin typeface="Arial" panose="020B0604020202020204" pitchFamily="34" charset="0"/>
-                <a:cs typeface="Arial" panose="020B0604020202020204" pitchFamily="34" charset="0"/>
+              <a:rPr lang="vi-VN" sz="4000" b="1" dirty="0">
+                <a:latin typeface="Times New Roman" panose="02020603050405020304" pitchFamily="18" charset="0"/>
+                <a:cs typeface="Times New Roman" panose="02020603050405020304" pitchFamily="18" charset="0"/>
               </a:rPr>
               <a:t>pháp, đề </a:t>
             </a:r>
             <a:r>
-              <a:rPr lang="vi-VN" sz="4000" dirty="0" smtClean="0">
-                <a:latin typeface="Arial" panose="020B0604020202020204" pitchFamily="34" charset="0"/>
-                <a:cs typeface="Arial" panose="020B0604020202020204" pitchFamily="34" charset="0"/>
+              <a:rPr lang="vi-VN" sz="4000" b="1" dirty="0">
+                <a:latin typeface="Times New Roman" panose="02020603050405020304" pitchFamily="18" charset="0"/>
+                <a:cs typeface="Times New Roman" panose="02020603050405020304" pitchFamily="18" charset="0"/>
               </a:rPr>
               <a:t>xuất</a:t>
             </a:r>
-            <a:endParaRPr lang="en-US" sz="4000" dirty="0">
-              <a:latin typeface="Arial" panose="020B0604020202020204" pitchFamily="34" charset="0"/>
-              <a:cs typeface="Arial" panose="020B0604020202020204" pitchFamily="34" charset="0"/>
+            <a:endParaRPr lang="en-US" sz="4000" b="1" dirty="0">
+              <a:latin typeface="Times New Roman" panose="02020603050405020304" pitchFamily="18" charset="0"/>
+              <a:cs typeface="Times New Roman" panose="02020603050405020304" pitchFamily="18" charset="0"/>
             </a:endParaRPr>
           </a:p>
         </p:txBody>
@@ -6535,7 +9052,7 @@
         <p:spPr>
           <a:xfrm>
             <a:off x="1069848" y="1323975"/>
-            <a:ext cx="10744873" cy="4801314"/>
+            <a:ext cx="10744873" cy="4947508"/>
           </a:xfrm>
           <a:prstGeom prst="rect">
             <a:avLst/>
@@ -6549,8 +9066,14 @@
           <a:lstStyle/>
           <a:p>
             <a:r>
-              <a:rPr lang="en-US" dirty="0">
-                <a:latin typeface="Arial" panose="020B0604020202020204" pitchFamily="34" charset="0"/>
+              <a:rPr lang="en-US" sz="2400" b="1" dirty="0">
+                <a:solidFill>
+                  <a:schemeClr val="accent2">
+                    <a:lumMod val="50000"/>
+                  </a:schemeClr>
+                </a:solidFill>
+                <a:latin typeface="Roboto" panose="02000000000000000000" pitchFamily="2" charset="0"/>
+                <a:ea typeface="Roboto" panose="02000000000000000000" pitchFamily="2" charset="0"/>
                 <a:cs typeface="Arial" panose="020B0604020202020204" pitchFamily="34" charset="0"/>
               </a:rPr>
               <a:t>Trước khi nói về vấn đề chính, đề tài còn có những hạn chế nhất định sau đây:</a:t>
@@ -6558,35 +9081,41 @@
           </a:p>
           <a:p>
             <a:pPr marL="285750" lvl="0" indent="-285750">
+              <a:spcAft>
+                <a:spcPts val="300"/>
+              </a:spcAft>
               <a:buFont typeface="Wingdings" panose="05000000000000000000" pitchFamily="2" charset="2"/>
               <a:buChar char="§"/>
             </a:pPr>
             <a:r>
-              <a:rPr lang="en-US" dirty="0">
+              <a:rPr lang="en-US" sz="1600" dirty="0">
                 <a:latin typeface="Arial" panose="020B0604020202020204" pitchFamily="34" charset="0"/>
                 <a:cs typeface="Arial" panose="020B0604020202020204" pitchFamily="34" charset="0"/>
               </a:rPr>
               <a:t>Vì là máy tính cá nhân không thể làm việc ở thời gian liên tục và lâu dài cần phải bật tắt hàng ngày nên </a:t>
             </a:r>
             <a:r>
-              <a:rPr lang="en-US" dirty="0" smtClean="0">
+              <a:rPr lang="en-US" sz="1600" dirty="0" smtClean="0">
                 <a:latin typeface="Arial" panose="020B0604020202020204" pitchFamily="34" charset="0"/>
                 <a:cs typeface="Arial" panose="020B0604020202020204" pitchFamily="34" charset="0"/>
               </a:rPr>
               <a:t>phải dùng đến PostgreSQL.</a:t>
             </a:r>
-            <a:endParaRPr lang="en-US" dirty="0">
+            <a:endParaRPr lang="en-US" sz="1600" dirty="0">
               <a:latin typeface="Arial" panose="020B0604020202020204" pitchFamily="34" charset="0"/>
               <a:cs typeface="Arial" panose="020B0604020202020204" pitchFamily="34" charset="0"/>
             </a:endParaRPr>
           </a:p>
           <a:p>
             <a:pPr marL="285750" lvl="0" indent="-285750">
+              <a:spcAft>
+                <a:spcPts val="300"/>
+              </a:spcAft>
               <a:buFont typeface="Wingdings" panose="05000000000000000000" pitchFamily="2" charset="2"/>
               <a:buChar char="§"/>
             </a:pPr>
             <a:r>
-              <a:rPr lang="en-US" dirty="0">
+              <a:rPr lang="en-US" sz="1600" dirty="0">
                 <a:latin typeface="Arial" panose="020B0604020202020204" pitchFamily="34" charset="0"/>
                 <a:cs typeface="Arial" panose="020B0604020202020204" pitchFamily="34" charset="0"/>
               </a:rPr>
@@ -6595,49 +9124,55 @@
           </a:p>
           <a:p>
             <a:pPr marL="285750" lvl="0" indent="-285750">
+              <a:spcAft>
+                <a:spcPts val="300"/>
+              </a:spcAft>
               <a:buFont typeface="Wingdings" panose="05000000000000000000" pitchFamily="2" charset="2"/>
               <a:buChar char="§"/>
             </a:pPr>
             <a:r>
-              <a:rPr lang="en-US" dirty="0">
+              <a:rPr lang="en-US" sz="1600" dirty="0">
                 <a:latin typeface="Arial" panose="020B0604020202020204" pitchFamily="34" charset="0"/>
                 <a:cs typeface="Arial" panose="020B0604020202020204" pitchFamily="34" charset="0"/>
               </a:rPr>
               <a:t>Vì </a:t>
             </a:r>
             <a:r>
-              <a:rPr lang="en-US" dirty="0" smtClean="0">
+              <a:rPr lang="en-US" sz="1600" dirty="0" smtClean="0">
                 <a:latin typeface="Arial" panose="020B0604020202020204" pitchFamily="34" charset="0"/>
                 <a:cs typeface="Arial" panose="020B0604020202020204" pitchFamily="34" charset="0"/>
               </a:rPr>
               <a:t>không phải là một Server tiêu chuẩn nên hiệu </a:t>
             </a:r>
             <a:r>
-              <a:rPr lang="en-US" dirty="0">
+              <a:rPr lang="en-US" sz="1600" dirty="0">
                 <a:latin typeface="Arial" panose="020B0604020202020204" pitchFamily="34" charset="0"/>
                 <a:cs typeface="Arial" panose="020B0604020202020204" pitchFamily="34" charset="0"/>
               </a:rPr>
               <a:t>suất truyền dẫn có phần thấp hơn hệ thống DNS thông thường</a:t>
             </a:r>
             <a:r>
-              <a:rPr lang="en-US" dirty="0" smtClean="0">
+              <a:rPr lang="en-US" sz="1600" dirty="0" smtClean="0">
                 <a:latin typeface="Arial" panose="020B0604020202020204" pitchFamily="34" charset="0"/>
                 <a:cs typeface="Arial" panose="020B0604020202020204" pitchFamily="34" charset="0"/>
               </a:rPr>
               <a:t>.</a:t>
             </a:r>
-            <a:endParaRPr lang="en-US" dirty="0">
+            <a:endParaRPr lang="en-US" sz="1600" dirty="0">
               <a:latin typeface="Arial" panose="020B0604020202020204" pitchFamily="34" charset="0"/>
               <a:cs typeface="Arial" panose="020B0604020202020204" pitchFamily="34" charset="0"/>
             </a:endParaRPr>
           </a:p>
           <a:p>
             <a:pPr marL="285750" lvl="0" indent="-285750">
+              <a:spcAft>
+                <a:spcPts val="300"/>
+              </a:spcAft>
               <a:buFont typeface="Wingdings" panose="05000000000000000000" pitchFamily="2" charset="2"/>
               <a:buChar char="§"/>
             </a:pPr>
             <a:r>
-              <a:rPr lang="en-US" dirty="0">
+              <a:rPr lang="en-US" sz="1600" dirty="0">
                 <a:latin typeface="Arial" panose="020B0604020202020204" pitchFamily="34" charset="0"/>
                 <a:cs typeface="Arial" panose="020B0604020202020204" pitchFamily="34" charset="0"/>
               </a:rPr>
@@ -6646,18 +9181,21 @@
           </a:p>
           <a:p>
             <a:pPr marL="285750" lvl="0" indent="-285750">
+              <a:spcAft>
+                <a:spcPts val="300"/>
+              </a:spcAft>
               <a:buFont typeface="Wingdings" panose="05000000000000000000" pitchFamily="2" charset="2"/>
               <a:buChar char="§"/>
             </a:pPr>
             <a:r>
-              <a:rPr lang="en-US" dirty="0">
+              <a:rPr lang="en-US" sz="1600" dirty="0">
                 <a:latin typeface="Arial" panose="020B0604020202020204" pitchFamily="34" charset="0"/>
                 <a:cs typeface="Arial" panose="020B0604020202020204" pitchFamily="34" charset="0"/>
               </a:rPr>
               <a:t>Chưa thể ngăn được các loại tấn công nghe lén hay truyền tin</a:t>
             </a:r>
             <a:r>
-              <a:rPr lang="en-US" dirty="0" smtClean="0">
+              <a:rPr lang="en-US" sz="1600" dirty="0" smtClean="0">
                 <a:latin typeface="Arial" panose="020B0604020202020204" pitchFamily="34" charset="0"/>
                 <a:cs typeface="Arial" panose="020B0604020202020204" pitchFamily="34" charset="0"/>
               </a:rPr>
@@ -6676,8 +9214,14 @@
           </a:p>
           <a:p>
             <a:r>
-              <a:rPr lang="en-US" dirty="0">
-                <a:latin typeface="Arial" panose="020B0604020202020204" pitchFamily="34" charset="0"/>
+              <a:rPr lang="en-US" sz="2400" b="1" dirty="0">
+                <a:solidFill>
+                  <a:schemeClr val="accent2">
+                    <a:lumMod val="50000"/>
+                  </a:schemeClr>
+                </a:solidFill>
+                <a:latin typeface="Roboto" panose="02000000000000000000" pitchFamily="2" charset="0"/>
+                <a:ea typeface="Roboto" panose="02000000000000000000" pitchFamily="2" charset="0"/>
                 <a:cs typeface="Arial" panose="020B0604020202020204" pitchFamily="34" charset="0"/>
               </a:rPr>
               <a:t>Các hướng mở rộng sẽ phần lớn nhắm vào hạn chế đã nêu trên như sau :</a:t>
@@ -6685,11 +9229,14 @@
           </a:p>
           <a:p>
             <a:pPr marL="285750" lvl="0" indent="-285750">
+              <a:spcAft>
+                <a:spcPts val="300"/>
+              </a:spcAft>
               <a:buFont typeface="Wingdings" panose="05000000000000000000" pitchFamily="2" charset="2"/>
               <a:buChar char="§"/>
             </a:pPr>
             <a:r>
-              <a:rPr lang="en-US" dirty="0">
+              <a:rPr lang="en-US" sz="1600" dirty="0">
                 <a:latin typeface="Arial" panose="020B0604020202020204" pitchFamily="34" charset="0"/>
                 <a:cs typeface="Arial" panose="020B0604020202020204" pitchFamily="34" charset="0"/>
               </a:rPr>
@@ -6698,11 +9245,14 @@
           </a:p>
           <a:p>
             <a:pPr marL="285750" lvl="0" indent="-285750">
+              <a:spcAft>
+                <a:spcPts val="300"/>
+              </a:spcAft>
               <a:buFont typeface="Wingdings" panose="05000000000000000000" pitchFamily="2" charset="2"/>
               <a:buChar char="§"/>
             </a:pPr>
             <a:r>
-              <a:rPr lang="en-US" dirty="0">
+              <a:rPr lang="en-US" sz="1600" dirty="0">
                 <a:latin typeface="Arial" panose="020B0604020202020204" pitchFamily="34" charset="0"/>
                 <a:cs typeface="Arial" panose="020B0604020202020204" pitchFamily="34" charset="0"/>
               </a:rPr>
@@ -6711,16 +9261,66 @@
           </a:p>
           <a:p>
             <a:pPr marL="285750" lvl="0" indent="-285750">
+              <a:spcAft>
+                <a:spcPts val="300"/>
+              </a:spcAft>
               <a:buFont typeface="Wingdings" panose="05000000000000000000" pitchFamily="2" charset="2"/>
               <a:buChar char="§"/>
             </a:pPr>
             <a:r>
-              <a:rPr lang="en-US" dirty="0">
+              <a:rPr lang="en-US" sz="1600" dirty="0">
                 <a:latin typeface="Arial" panose="020B0604020202020204" pitchFamily="34" charset="0"/>
                 <a:cs typeface="Arial" panose="020B0604020202020204" pitchFamily="34" charset="0"/>
               </a:rPr>
               <a:t>Giao diện và ứng dụng được áp dụng ở nhiều môi trường khác nhau kể cả điện thoại. </a:t>
             </a:r>
+          </a:p>
+        </p:txBody>
+      </p:sp>
+      <p:sp>
+        <p:nvSpPr>
+          <p:cNvPr id="6" name="Rectangle 5"/>
+          <p:cNvSpPr/>
+          <p:nvPr/>
+        </p:nvSpPr>
+        <p:spPr>
+          <a:xfrm>
+            <a:off x="0" y="0"/>
+            <a:ext cx="427839" cy="6858000"/>
+          </a:xfrm>
+          <a:prstGeom prst="rect">
+            <a:avLst/>
+          </a:prstGeom>
+          <a:solidFill>
+            <a:srgbClr val="AA2100"/>
+          </a:solidFill>
+        </p:spPr>
+        <p:style>
+          <a:lnRef idx="2">
+            <a:schemeClr val="accent1">
+              <a:shade val="50000"/>
+            </a:schemeClr>
+          </a:lnRef>
+          <a:fillRef idx="1">
+            <a:schemeClr val="accent1"/>
+          </a:fillRef>
+          <a:effectRef idx="0">
+            <a:schemeClr val="accent1"/>
+          </a:effectRef>
+          <a:fontRef idx="minor">
+            <a:schemeClr val="lt1"/>
+          </a:fontRef>
+        </p:style>
+        <p:txBody>
+          <a:bodyPr rtlCol="0" anchor="ctr"/>
+          <a:lstStyle/>
+          <a:p>
+            <a:pPr algn="ctr"/>
+            <a:endParaRPr lang="en-US">
+              <a:solidFill>
+                <a:srgbClr val="FF0000"/>
+              </a:solidFill>
+            </a:endParaRPr>
           </a:p>
         </p:txBody>
       </p:sp>
@@ -6734,6 +9334,13 @@
   <p:clrMapOvr>
     <a:masterClrMapping/>
   </p:clrMapOvr>
+  <p:timing>
+    <p:tnLst>
+      <p:par>
+        <p:cTn id="1" dur="indefinite" restart="never" nodeType="tmRoot"/>
+      </p:par>
+    </p:tnLst>
+  </p:timing>
 </p:sld>
 </file>
 

--- a/slide/D17CQAT01_PhanDai_N17DCAT013.pptx
+++ b/slide/D17CQAT01_PhanDai_N17DCAT013.pptx
@@ -206,7 +206,7 @@
           <a:p>
             <a:fld id="{4D90CDED-DED5-4950-8D8A-00FFCAA83A1B}" type="datetimeFigureOut">
               <a:rPr lang="en-US" smtClean="0"/>
-              <a:t>12/8/2021</a:t>
+              <a:t>12/9/2021</a:t>
             </a:fld>
             <a:endParaRPr lang="en-US"/>
           </a:p>
@@ -877,7 +877,7 @@
           <a:p>
             <a:fld id="{9CC9E0FF-7D19-4510-9DCE-23D201D9E916}" type="datetime1">
               <a:rPr lang="en-US" smtClean="0"/>
-              <a:t>12/8/2021</a:t>
+              <a:t>12/9/2021</a:t>
             </a:fld>
             <a:endParaRPr lang="en-US"/>
           </a:p>
@@ -1056,7 +1056,7 @@
           <a:p>
             <a:fld id="{02BE6C0D-AE79-4D98-BA3B-E3751AE5331F}" type="datetime1">
               <a:rPr lang="en-US" smtClean="0"/>
-              <a:t>12/8/2021</a:t>
+              <a:t>12/9/2021</a:t>
             </a:fld>
             <a:endParaRPr lang="en-US"/>
           </a:p>
@@ -1236,7 +1236,7 @@
           <a:p>
             <a:fld id="{64794B53-B5A7-48E6-89FC-70BEF208D151}" type="datetime1">
               <a:rPr lang="en-US" smtClean="0"/>
-              <a:t>12/8/2021</a:t>
+              <a:t>12/9/2021</a:t>
             </a:fld>
             <a:endParaRPr lang="en-US"/>
           </a:p>
@@ -1406,7 +1406,7 @@
           <a:p>
             <a:fld id="{E4F4B884-B57B-462C-B739-9A72F1ADE961}" type="datetime1">
               <a:rPr lang="en-US" smtClean="0"/>
-              <a:t>12/8/2021</a:t>
+              <a:t>12/9/2021</a:t>
             </a:fld>
             <a:endParaRPr lang="en-US"/>
           </a:p>
@@ -1719,7 +1719,7 @@
           <a:p>
             <a:fld id="{B9C8D748-A08B-490E-87AA-BC3835B708B2}" type="datetime1">
               <a:rPr lang="en-US" smtClean="0"/>
-              <a:t>12/8/2021</a:t>
+              <a:t>12/9/2021</a:t>
             </a:fld>
             <a:endParaRPr lang="en-US"/>
           </a:p>
@@ -2105,7 +2105,7 @@
           <a:p>
             <a:fld id="{0FCBCAE6-D603-4735-B4B0-803AAA3FEC04}" type="datetime1">
               <a:rPr lang="en-US" smtClean="0"/>
-              <a:t>12/8/2021</a:t>
+              <a:t>12/9/2021</a:t>
             </a:fld>
             <a:endParaRPr lang="en-US"/>
           </a:p>
@@ -2539,7 +2539,7 @@
           <a:p>
             <a:fld id="{17C15CAB-E48F-495C-92CD-4CF2B2C1B0ED}" type="datetime1">
               <a:rPr lang="en-US" smtClean="0"/>
-              <a:t>12/8/2021</a:t>
+              <a:t>12/9/2021</a:t>
             </a:fld>
             <a:endParaRPr lang="en-US"/>
           </a:p>
@@ -2657,7 +2657,7 @@
           <a:p>
             <a:fld id="{5302AA14-F259-4723-9AF0-36DE127C0145}" type="datetime1">
               <a:rPr lang="en-US" smtClean="0"/>
-              <a:t>12/8/2021</a:t>
+              <a:t>12/9/2021</a:t>
             </a:fld>
             <a:endParaRPr lang="en-US"/>
           </a:p>
@@ -2752,7 +2752,7 @@
           <a:p>
             <a:fld id="{C9349F59-A2E8-4E73-9F17-B6C9798F4358}" type="datetime1">
               <a:rPr lang="en-US" smtClean="0"/>
-              <a:t>12/8/2021</a:t>
+              <a:t>12/9/2021</a:t>
             </a:fld>
             <a:endParaRPr lang="en-US"/>
           </a:p>
@@ -3102,7 +3102,7 @@
           <a:p>
             <a:fld id="{44F06C92-CE98-4B24-91B3-57666E0FED09}" type="datetime1">
               <a:rPr lang="en-US" smtClean="0"/>
-              <a:t>12/8/2021</a:t>
+              <a:t>12/9/2021</a:t>
             </a:fld>
             <a:endParaRPr lang="en-US"/>
           </a:p>
@@ -3527,7 +3527,7 @@
           <a:p>
             <a:fld id="{15CAC543-8889-4E95-B4AC-6EDFB98064E3}" type="datetime1">
               <a:rPr lang="en-US" smtClean="0"/>
-              <a:t>12/8/2021</a:t>
+              <a:t>12/9/2021</a:t>
             </a:fld>
             <a:endParaRPr lang="en-US"/>
           </a:p>
@@ -3808,7 +3808,7 @@
           <a:p>
             <a:fld id="{BDFF3CA4-504F-4AB7-961C-755BCE655230}" type="datetime1">
               <a:rPr lang="en-US" smtClean="0"/>
-              <a:t>12/8/2021</a:t>
+              <a:t>12/9/2021</a:t>
             </a:fld>
             <a:endParaRPr lang="en-US"/>
           </a:p>
@@ -4468,7 +4468,7 @@
               </a:spcAft>
             </a:pPr>
             <a:r>
-              <a:rPr lang="en-US" sz="1600" b="1" dirty="0" smtClean="0">
+              <a:rPr lang="en-US" sz="1600" b="1" spc="50" dirty="0" smtClean="0">
                 <a:solidFill>
                   <a:schemeClr val="tx1"/>
                 </a:solidFill>
@@ -4477,7 +4477,7 @@
               </a:rPr>
               <a:t>XÂY DỰNG HỆ THỐNG DNS DỰA TRÊN CÔNG NGHỆ BLOCKCHAIN</a:t>
             </a:r>
-            <a:endParaRPr lang="en-US" sz="1600" b="1" dirty="0">
+            <a:endParaRPr lang="en-US" sz="1600" b="1" spc="50" dirty="0">
               <a:solidFill>
                 <a:schemeClr val="tx1"/>
               </a:solidFill>
@@ -4529,7 +4529,7 @@
         <p:spPr>
           <a:xfrm>
             <a:off x="3209733" y="3359653"/>
-            <a:ext cx="813043" cy="338554"/>
+            <a:ext cx="744114" cy="338554"/>
           </a:xfrm>
           <a:prstGeom prst="rect">
             <a:avLst/>
@@ -4552,10 +4552,10 @@
                 <a:latin typeface="Arial" panose="020B0604020202020204" pitchFamily="34" charset="0"/>
                 <a:cs typeface="Arial" panose="020B0604020202020204" pitchFamily="34" charset="0"/>
               </a:rPr>
-              <a:t>Đề tài</a:t>
-            </a:r>
-            <a:r>
-              <a:rPr lang="en-US" sz="1600" b="1" dirty="0" smtClean="0">
+              <a:t>Đề </a:t>
+            </a:r>
+            <a:r>
+              <a:rPr lang="en-US" sz="1600" b="1" u="sng" dirty="0" smtClean="0">
                 <a:solidFill>
                   <a:schemeClr val="accent2">
                     <a:lumMod val="75000"/>
@@ -4564,7 +4564,7 @@
                 <a:latin typeface="Arial" panose="020B0604020202020204" pitchFamily="34" charset="0"/>
                 <a:cs typeface="Arial" panose="020B0604020202020204" pitchFamily="34" charset="0"/>
               </a:rPr>
-              <a:t>:</a:t>
+              <a:t>tài</a:t>
             </a:r>
             <a:endParaRPr lang="en-US" sz="1600" b="1" dirty="0">
               <a:solidFill>
@@ -4601,7 +4601,7 @@
           <a:p>
             <a:pPr algn="ctr"/>
             <a:r>
-              <a:rPr lang="en-US" sz="4400" b="1" dirty="0" smtClean="0">
+              <a:rPr lang="en-US" sz="4400" b="1" spc="100" dirty="0" smtClean="0">
                 <a:gradFill flip="none" rotWithShape="1">
                   <a:gsLst>
                     <a:gs pos="0">
@@ -4633,7 +4633,7 @@
               <a:t>TÓM TẮT ĐỒ </a:t>
             </a:r>
             <a:r>
-              <a:rPr lang="en-US" sz="4400" b="1" dirty="0">
+              <a:rPr lang="en-US" sz="4400" b="1" spc="100" dirty="0">
                 <a:gradFill flip="none" rotWithShape="1">
                   <a:gsLst>
                     <a:gs pos="0">
@@ -4664,7 +4664,7 @@
               </a:rPr>
               <a:t>ÁN</a:t>
             </a:r>
-            <a:endParaRPr lang="en-US" sz="1600" b="1" dirty="0" smtClean="0">
+            <a:endParaRPr lang="en-US" sz="1600" b="1" spc="100" dirty="0" smtClean="0">
               <a:gradFill flip="none" rotWithShape="1">
                 <a:gsLst>
                   <a:gs pos="0">
@@ -4698,7 +4698,7 @@
           <a:p>
             <a:pPr algn="ctr"/>
             <a:r>
-              <a:rPr lang="en-US" sz="4400" b="1" dirty="0">
+              <a:rPr lang="en-US" sz="4400" b="1" spc="100" dirty="0">
                 <a:gradFill flip="none" rotWithShape="1">
                   <a:gsLst>
                     <a:gs pos="0">
@@ -4729,7 +4729,7 @@
               </a:rPr>
               <a:t>TỐT NGHIỆP ĐẠI HỌC</a:t>
             </a:r>
-            <a:endParaRPr lang="en-US" sz="1600" b="1" dirty="0">
+            <a:endParaRPr lang="en-US" sz="1600" b="1" spc="100" dirty="0">
               <a:gradFill flip="none" rotWithShape="1">
                 <a:gsLst>
                   <a:gs pos="0">
@@ -5451,13 +5451,13 @@
           <a:lstStyle/>
           <a:p>
             <a:r>
-              <a:rPr lang="en-US" sz="4000" b="1" dirty="0" smtClean="0">
+              <a:rPr lang="en-US" sz="4000" b="1" spc="50" dirty="0" smtClean="0">
                 <a:latin typeface="Times New Roman" panose="02020603050405020304" pitchFamily="18" charset="0"/>
                 <a:cs typeface="Times New Roman" panose="02020603050405020304" pitchFamily="18" charset="0"/>
               </a:rPr>
               <a:t>Mục tiêu đạt được</a:t>
             </a:r>
-            <a:endParaRPr lang="en-US" sz="4000" b="1" dirty="0">
+            <a:endParaRPr lang="en-US" sz="4000" b="1" spc="50" dirty="0">
               <a:latin typeface="Times New Roman" panose="02020603050405020304" pitchFamily="18" charset="0"/>
               <a:cs typeface="Times New Roman" panose="02020603050405020304" pitchFamily="18" charset="0"/>
             </a:endParaRPr>
@@ -6285,7 +6285,7 @@
         <p:spPr>
           <a:xfrm>
             <a:off x="898956" y="311992"/>
-            <a:ext cx="7763797" cy="646331"/>
+            <a:ext cx="8122598" cy="646331"/>
           </a:xfrm>
         </p:spPr>
         <p:txBody>
@@ -6295,13 +6295,13 @@
           <a:lstStyle/>
           <a:p>
             <a:r>
-              <a:rPr lang="en-US" sz="4000" b="1" dirty="0" smtClean="0">
+              <a:rPr lang="en-US" sz="4000" b="1" spc="50" dirty="0" smtClean="0">
                 <a:latin typeface="Times New Roman" panose="02020603050405020304" pitchFamily="18" charset="0"/>
                 <a:cs typeface="Times New Roman" panose="02020603050405020304" pitchFamily="18" charset="0"/>
               </a:rPr>
               <a:t>DNS - DOMAIN NAME SYSTEM</a:t>
             </a:r>
-            <a:endParaRPr lang="en-US" sz="4000" b="1" dirty="0">
+            <a:endParaRPr lang="en-US" sz="4000" b="1" spc="50" dirty="0">
               <a:latin typeface="Times New Roman" panose="02020603050405020304" pitchFamily="18" charset="0"/>
               <a:cs typeface="Times New Roman" panose="02020603050405020304" pitchFamily="18" charset="0"/>
             </a:endParaRPr>
@@ -6363,7 +6363,7 @@
         </p:nvSpPr>
         <p:spPr>
           <a:xfrm>
-            <a:off x="1089343" y="1064742"/>
+            <a:off x="1025341" y="1090271"/>
             <a:ext cx="6064481" cy="646331"/>
           </a:xfrm>
           <a:prstGeom prst="rect">
@@ -6458,7 +6458,7 @@
         </p:blipFill>
         <p:spPr>
           <a:xfrm>
-            <a:off x="1089343" y="1987452"/>
+            <a:off x="1089343" y="1977194"/>
             <a:ext cx="5257609" cy="3312142"/>
           </a:xfrm>
           <a:prstGeom prst="rect">
@@ -6480,7 +6480,7 @@
         </p:nvSpPr>
         <p:spPr>
           <a:xfrm>
-            <a:off x="6534816" y="1878809"/>
+            <a:off x="6534816" y="1868551"/>
             <a:ext cx="5238982" cy="4335033"/>
           </a:xfrm>
           <a:prstGeom prst="rect">
@@ -7224,6 +7224,309 @@
                       </p:childTnLst>
                     </p:cTn>
                   </p:par>
+                  <p:par>
+                    <p:cTn id="8" fill="hold">
+                      <p:stCondLst>
+                        <p:cond delay="indefinite"/>
+                      </p:stCondLst>
+                      <p:childTnLst>
+                        <p:par>
+                          <p:cTn id="9" fill="hold">
+                            <p:stCondLst>
+                              <p:cond delay="0"/>
+                            </p:stCondLst>
+                            <p:childTnLst>
+                              <p:par>
+                                <p:cTn id="10" presetID="42" presetClass="entr" presetSubtype="0" fill="hold" grpId="0" nodeType="clickEffect">
+                                  <p:stCondLst>
+                                    <p:cond delay="0"/>
+                                  </p:stCondLst>
+                                  <p:childTnLst>
+                                    <p:set>
+                                      <p:cBhvr>
+                                        <p:cTn id="11" dur="1" fill="hold">
+                                          <p:stCondLst>
+                                            <p:cond delay="0"/>
+                                          </p:stCondLst>
+                                        </p:cTn>
+                                        <p:tgtEl>
+                                          <p:spTgt spid="43"/>
+                                        </p:tgtEl>
+                                        <p:attrNameLst>
+                                          <p:attrName>style.visibility</p:attrName>
+                                        </p:attrNameLst>
+                                      </p:cBhvr>
+                                      <p:to>
+                                        <p:strVal val="visible"/>
+                                      </p:to>
+                                    </p:set>
+                                    <p:animEffect transition="in" filter="fade">
+                                      <p:cBhvr>
+                                        <p:cTn id="12" dur="1000"/>
+                                        <p:tgtEl>
+                                          <p:spTgt spid="43"/>
+                                        </p:tgtEl>
+                                      </p:cBhvr>
+                                    </p:animEffect>
+                                    <p:anim calcmode="lin" valueType="num">
+                                      <p:cBhvr>
+                                        <p:cTn id="13" dur="1000" fill="hold"/>
+                                        <p:tgtEl>
+                                          <p:spTgt spid="43"/>
+                                        </p:tgtEl>
+                                        <p:attrNameLst>
+                                          <p:attrName>ppt_x</p:attrName>
+                                        </p:attrNameLst>
+                                      </p:cBhvr>
+                                      <p:tavLst>
+                                        <p:tav tm="0">
+                                          <p:val>
+                                            <p:strVal val="#ppt_x"/>
+                                          </p:val>
+                                        </p:tav>
+                                        <p:tav tm="100000">
+                                          <p:val>
+                                            <p:strVal val="#ppt_x"/>
+                                          </p:val>
+                                        </p:tav>
+                                      </p:tavLst>
+                                    </p:anim>
+                                    <p:anim calcmode="lin" valueType="num">
+                                      <p:cBhvr>
+                                        <p:cTn id="14" dur="1000" fill="hold"/>
+                                        <p:tgtEl>
+                                          <p:spTgt spid="43"/>
+                                        </p:tgtEl>
+                                        <p:attrNameLst>
+                                          <p:attrName>ppt_y</p:attrName>
+                                        </p:attrNameLst>
+                                      </p:cBhvr>
+                                      <p:tavLst>
+                                        <p:tav tm="0">
+                                          <p:val>
+                                            <p:strVal val="#ppt_y+.1"/>
+                                          </p:val>
+                                        </p:tav>
+                                        <p:tav tm="100000">
+                                          <p:val>
+                                            <p:strVal val="#ppt_y"/>
+                                          </p:val>
+                                        </p:tav>
+                                      </p:tavLst>
+                                    </p:anim>
+                                  </p:childTnLst>
+                                </p:cTn>
+                              </p:par>
+                              <p:par>
+                                <p:cTn id="15" presetID="42" presetClass="entr" presetSubtype="0" fill="hold" nodeType="withEffect">
+                                  <p:stCondLst>
+                                    <p:cond delay="0"/>
+                                  </p:stCondLst>
+                                  <p:childTnLst>
+                                    <p:set>
+                                      <p:cBhvr>
+                                        <p:cTn id="16" dur="1" fill="hold">
+                                          <p:stCondLst>
+                                            <p:cond delay="0"/>
+                                          </p:stCondLst>
+                                        </p:cTn>
+                                        <p:tgtEl>
+                                          <p:spTgt spid="65"/>
+                                        </p:tgtEl>
+                                        <p:attrNameLst>
+                                          <p:attrName>style.visibility</p:attrName>
+                                        </p:attrNameLst>
+                                      </p:cBhvr>
+                                      <p:to>
+                                        <p:strVal val="visible"/>
+                                      </p:to>
+                                    </p:set>
+                                    <p:animEffect transition="in" filter="fade">
+                                      <p:cBhvr>
+                                        <p:cTn id="17" dur="1000"/>
+                                        <p:tgtEl>
+                                          <p:spTgt spid="65"/>
+                                        </p:tgtEl>
+                                      </p:cBhvr>
+                                    </p:animEffect>
+                                    <p:anim calcmode="lin" valueType="num">
+                                      <p:cBhvr>
+                                        <p:cTn id="18" dur="1000" fill="hold"/>
+                                        <p:tgtEl>
+                                          <p:spTgt spid="65"/>
+                                        </p:tgtEl>
+                                        <p:attrNameLst>
+                                          <p:attrName>ppt_x</p:attrName>
+                                        </p:attrNameLst>
+                                      </p:cBhvr>
+                                      <p:tavLst>
+                                        <p:tav tm="0">
+                                          <p:val>
+                                            <p:strVal val="#ppt_x"/>
+                                          </p:val>
+                                        </p:tav>
+                                        <p:tav tm="100000">
+                                          <p:val>
+                                            <p:strVal val="#ppt_x"/>
+                                          </p:val>
+                                        </p:tav>
+                                      </p:tavLst>
+                                    </p:anim>
+                                    <p:anim calcmode="lin" valueType="num">
+                                      <p:cBhvr>
+                                        <p:cTn id="19" dur="1000" fill="hold"/>
+                                        <p:tgtEl>
+                                          <p:spTgt spid="65"/>
+                                        </p:tgtEl>
+                                        <p:attrNameLst>
+                                          <p:attrName>ppt_y</p:attrName>
+                                        </p:attrNameLst>
+                                      </p:cBhvr>
+                                      <p:tavLst>
+                                        <p:tav tm="0">
+                                          <p:val>
+                                            <p:strVal val="#ppt_y+.1"/>
+                                          </p:val>
+                                        </p:tav>
+                                        <p:tav tm="100000">
+                                          <p:val>
+                                            <p:strVal val="#ppt_y"/>
+                                          </p:val>
+                                        </p:tav>
+                                      </p:tavLst>
+                                    </p:anim>
+                                  </p:childTnLst>
+                                </p:cTn>
+                              </p:par>
+                            </p:childTnLst>
+                          </p:cTn>
+                        </p:par>
+                      </p:childTnLst>
+                    </p:cTn>
+                  </p:par>
+                  <p:par>
+                    <p:cTn id="20" fill="hold">
+                      <p:stCondLst>
+                        <p:cond delay="indefinite"/>
+                      </p:stCondLst>
+                      <p:childTnLst>
+                        <p:par>
+                          <p:cTn id="21" fill="hold">
+                            <p:stCondLst>
+                              <p:cond delay="0"/>
+                            </p:stCondLst>
+                            <p:childTnLst>
+                              <p:par>
+                                <p:cTn id="22" presetID="10" presetClass="entr" presetSubtype="0" fill="hold" nodeType="clickEffect">
+                                  <p:stCondLst>
+                                    <p:cond delay="0"/>
+                                  </p:stCondLst>
+                                  <p:childTnLst>
+                                    <p:set>
+                                      <p:cBhvr>
+                                        <p:cTn id="23" dur="1" fill="hold">
+                                          <p:stCondLst>
+                                            <p:cond delay="0"/>
+                                          </p:stCondLst>
+                                        </p:cTn>
+                                        <p:tgtEl>
+                                          <p:spTgt spid="44"/>
+                                        </p:tgtEl>
+                                        <p:attrNameLst>
+                                          <p:attrName>style.visibility</p:attrName>
+                                        </p:attrNameLst>
+                                      </p:cBhvr>
+                                      <p:to>
+                                        <p:strVal val="visible"/>
+                                      </p:to>
+                                    </p:set>
+                                    <p:animEffect transition="in" filter="fade">
+                                      <p:cBhvr>
+                                        <p:cTn id="24" dur="500"/>
+                                        <p:tgtEl>
+                                          <p:spTgt spid="44"/>
+                                        </p:tgtEl>
+                                      </p:cBhvr>
+                                    </p:animEffect>
+                                  </p:childTnLst>
+                                </p:cTn>
+                              </p:par>
+                              <p:par>
+                                <p:cTn id="25" presetID="10" presetClass="entr" presetSubtype="0" fill="hold" grpId="0" nodeType="withEffect">
+                                  <p:stCondLst>
+                                    <p:cond delay="0"/>
+                                  </p:stCondLst>
+                                  <p:childTnLst>
+                                    <p:set>
+                                      <p:cBhvr>
+                                        <p:cTn id="26" dur="1" fill="hold">
+                                          <p:stCondLst>
+                                            <p:cond delay="0"/>
+                                          </p:stCondLst>
+                                        </p:cTn>
+                                        <p:tgtEl>
+                                          <p:spTgt spid="46"/>
+                                        </p:tgtEl>
+                                        <p:attrNameLst>
+                                          <p:attrName>style.visibility</p:attrName>
+                                        </p:attrNameLst>
+                                      </p:cBhvr>
+                                      <p:to>
+                                        <p:strVal val="visible"/>
+                                      </p:to>
+                                    </p:set>
+                                    <p:animEffect transition="in" filter="fade">
+                                      <p:cBhvr>
+                                        <p:cTn id="27" dur="500"/>
+                                        <p:tgtEl>
+                                          <p:spTgt spid="46"/>
+                                        </p:tgtEl>
+                                      </p:cBhvr>
+                                    </p:animEffect>
+                                  </p:childTnLst>
+                                </p:cTn>
+                              </p:par>
+                              <p:par>
+                                <p:cTn id="28" presetID="22" presetClass="entr" presetSubtype="4" fill="hold" grpId="0" nodeType="withEffect">
+                                  <p:stCondLst>
+                                    <p:cond delay="0"/>
+                                  </p:stCondLst>
+                                  <p:childTnLst>
+                                    <p:set>
+                                      <p:cBhvr>
+                                        <p:cTn id="29" dur="1" fill="hold">
+                                          <p:stCondLst>
+                                            <p:cond delay="0"/>
+                                          </p:stCondLst>
+                                        </p:cTn>
+                                        <p:tgtEl>
+                                          <p:spTgt spid="47"/>
+                                        </p:tgtEl>
+                                        <p:attrNameLst>
+                                          <p:attrName>style.visibility</p:attrName>
+                                        </p:attrNameLst>
+                                      </p:cBhvr>
+                                      <p:to>
+                                        <p:strVal val="visible"/>
+                                      </p:to>
+                                    </p:set>
+                                    <p:animEffect transition="in" filter="wipe(down)">
+                                      <p:cBhvr>
+                                        <p:cTn id="30" dur="500"/>
+                                        <p:tgtEl>
+                                          <p:spTgt spid="47"/>
+                                        </p:tgtEl>
+                                      </p:cBhvr>
+                                    </p:animEffect>
+                                  </p:childTnLst>
+                                </p:cTn>
+                              </p:par>
+                            </p:childTnLst>
+                          </p:cTn>
+                        </p:par>
+                      </p:childTnLst>
+                    </p:cTn>
+                  </p:par>
                 </p:childTnLst>
               </p:cTn>
               <p:prevCondLst>
@@ -7247,6 +7550,9 @@
     </p:tnLst>
     <p:bldLst>
       <p:bldP spid="7" grpId="0"/>
+      <p:bldP spid="43" grpId="0"/>
+      <p:bldP spid="46" grpId="0"/>
+      <p:bldP spid="47" grpId="0"/>
     </p:bldLst>
   </p:timing>
 </p:sld>
@@ -7310,25 +7616,25 @@
         </p:spPr>
         <p:txBody>
           <a:bodyPr>
-            <a:normAutofit fontScale="90000"/>
+            <a:noAutofit/>
           </a:bodyPr>
           <a:lstStyle/>
           <a:p>
             <a:r>
-              <a:rPr lang="en-US" sz="4000" b="1" dirty="0">
+              <a:rPr lang="en-US" sz="4000" b="1" spc="50" dirty="0">
                 <a:latin typeface="Times New Roman" panose="02020603050405020304" pitchFamily="18" charset="0"/>
                 <a:cs typeface="Times New Roman" panose="02020603050405020304" pitchFamily="18" charset="0"/>
               </a:rPr>
               <a:t>DNS - DOMAIN NAME </a:t>
             </a:r>
             <a:r>
-              <a:rPr lang="en-US" sz="4000" b="1" dirty="0" smtClean="0">
+              <a:rPr lang="en-US" sz="4000" b="1" spc="50" dirty="0" smtClean="0">
                 <a:latin typeface="Times New Roman" panose="02020603050405020304" pitchFamily="18" charset="0"/>
                 <a:cs typeface="Times New Roman" panose="02020603050405020304" pitchFamily="18" charset="0"/>
               </a:rPr>
               <a:t>SYSTEM </a:t>
             </a:r>
-            <a:endParaRPr lang="en-US" sz="4000" dirty="0">
+            <a:endParaRPr lang="en-US" sz="4000" spc="50" dirty="0">
               <a:latin typeface="Arial" panose="020B0604020202020204" pitchFamily="34" charset="0"/>
               <a:cs typeface="Arial" panose="020B0604020202020204" pitchFamily="34" charset="0"/>
             </a:endParaRPr>
@@ -7429,285 +7735,6 @@
           </a:p>
         </p:txBody>
       </p:sp>
-      <p:sp>
-        <p:nvSpPr>
-          <p:cNvPr id="5" name="Content Placeholder 4"/>
-          <p:cNvSpPr>
-            <a:spLocks noGrp="1"/>
-          </p:cNvSpPr>
-          <p:nvPr>
-            <p:ph idx="1"/>
-          </p:nvPr>
-        </p:nvSpPr>
-        <p:spPr>
-          <a:xfrm>
-            <a:off x="1172501" y="1499423"/>
-            <a:ext cx="3197352" cy="5023911"/>
-          </a:xfrm>
-        </p:spPr>
-        <p:txBody>
-          <a:bodyPr>
-            <a:normAutofit fontScale="25000" lnSpcReduction="20000"/>
-          </a:bodyPr>
-          <a:lstStyle/>
-          <a:p>
-            <a:pPr lvl="0" algn="just">
-              <a:spcAft>
-                <a:spcPts val="300"/>
-              </a:spcAft>
-            </a:pPr>
-            <a:r>
-              <a:rPr lang="en-US" sz="4000" b="1" dirty="0"/>
-              <a:t>Sự quan trọng với Internet: </a:t>
-            </a:r>
-            <a:r>
-              <a:rPr lang="en-US" sz="4000" dirty="0"/>
-              <a:t>DNS là một hệ thống toàn cầu giúp người dùng sử dụng Internet hiệu quả. Với tầm quan trọng của Internet đối với xã hội, điều này càng khiến DNS có vai trò không thể thiếu giúp Internet phát triển bền vững. Có thể nói nếu thiếu DNS, Internet không thể tồn tại lâu dài.</a:t>
-            </a:r>
-            <a:r>
-              <a:rPr lang="en-US" sz="4000" b="1" dirty="0"/>
-              <a:t>	</a:t>
-            </a:r>
-          </a:p>
-          <a:p>
-            <a:pPr lvl="0" algn="just">
-              <a:spcAft>
-                <a:spcPts val="300"/>
-              </a:spcAft>
-            </a:pPr>
-            <a:r>
-              <a:rPr lang="en-US" sz="4000" b="1" dirty="0"/>
-              <a:t>Không cần lưu trữ một dãy IP dài và khó nhớ: </a:t>
-            </a:r>
-            <a:r>
-              <a:rPr lang="en-US" sz="4000" dirty="0"/>
-              <a:t>DNS đưa ra một phương pháp tiện lợi hơn, chuyển đổi những tên domain, tên sub-domain thành IP. Việc tự nhớ một dãy số không có ý nghĩa gây cản trở giữa người dùng và trang web mà họ thường xuyên xem. DNS giúp được điều đó và mang tính hữu dụng cho các công cụ tìm kiếm.</a:t>
-            </a:r>
-          </a:p>
-          <a:p>
-            <a:pPr lvl="0" algn="just">
-              <a:spcAft>
-                <a:spcPts val="300"/>
-              </a:spcAft>
-            </a:pPr>
-            <a:r>
-              <a:rPr lang="en-US" sz="4000" b="1" dirty="0"/>
-              <a:t>Dễ truy cập hơn không có nghĩa là dễ bị tấn công hơn: </a:t>
-            </a:r>
-            <a:r>
-              <a:rPr lang="en-US" sz="4000" dirty="0"/>
-              <a:t>DNS Server được thiết kế cho mục đích bảo mật thường đảm bảo rằng sẽ cản trở những mục đích tấn công vào hệ thống. Tuy nhiên một điều quan trọng là cần phải được áp dụng những biện pháp bảo mật khác với tốc độ phát triển công nghệ hiện nay. </a:t>
-            </a:r>
-          </a:p>
-          <a:p>
-            <a:pPr lvl="0" algn="just">
-              <a:spcAft>
-                <a:spcPts val="300"/>
-              </a:spcAft>
-            </a:pPr>
-            <a:r>
-              <a:rPr lang="en-US" sz="4000" b="1" dirty="0"/>
-              <a:t>DNS có tốc độ truy cập Internet cao nhất: </a:t>
-            </a:r>
-            <a:r>
-              <a:rPr lang="en-US" sz="4000" dirty="0" smtClean="0"/>
-              <a:t>Doanh nghiệp hoặc cá nhân sử dụng DNS Server có thể tận dụng từ tốc độ truy cập đó để đảm bảo công việc của mình.</a:t>
-            </a:r>
-            <a:endParaRPr lang="en-US" sz="4000" dirty="0"/>
-          </a:p>
-          <a:p>
-            <a:pPr lvl="0" algn="just">
-              <a:spcAft>
-                <a:spcPts val="300"/>
-              </a:spcAft>
-            </a:pPr>
-            <a:r>
-              <a:rPr lang="en-US" sz="4000" b="1" dirty="0"/>
-              <a:t>Cập nhật danh sách IP dễ dàng: </a:t>
-            </a:r>
-            <a:r>
-              <a:rPr lang="en-US" sz="4000" dirty="0"/>
-              <a:t>Việc cập nhật IP xảy ra thường xuyên và về phía người dùng cũng vậy. Thông thường thì rất mất thời gian và công sức. Nhưng với cấu trúc của DNS thì có thể làm được việc này một cách dễ dàng.</a:t>
-            </a:r>
-          </a:p>
-          <a:p>
-            <a:pPr algn="just">
-              <a:lnSpc>
-                <a:spcPct val="134000"/>
-              </a:lnSpc>
-              <a:spcBef>
-                <a:spcPts val="300"/>
-              </a:spcBef>
-              <a:spcAft>
-                <a:spcPts val="300"/>
-              </a:spcAft>
-            </a:pPr>
-            <a:endParaRPr lang="en-US" dirty="0"/>
-          </a:p>
-        </p:txBody>
-      </p:sp>
-      <p:sp>
-        <p:nvSpPr>
-          <p:cNvPr id="10" name="TextBox 9"/>
-          <p:cNvSpPr txBox="1"/>
-          <p:nvPr/>
-        </p:nvSpPr>
-        <p:spPr>
-          <a:xfrm>
-            <a:off x="8355547" y="1499423"/>
-            <a:ext cx="3031067" cy="4154984"/>
-          </a:xfrm>
-          <a:prstGeom prst="rect">
-            <a:avLst/>
-          </a:prstGeom>
-          <a:noFill/>
-        </p:spPr>
-        <p:txBody>
-          <a:bodyPr wrap="square" rtlCol="0">
-            <a:spAutoFit/>
-          </a:bodyPr>
-          <a:lstStyle/>
-          <a:p>
-            <a:pPr marL="182880" indent="-182880" algn="just">
-              <a:lnSpc>
-                <a:spcPct val="70000"/>
-              </a:lnSpc>
-              <a:spcBef>
-                <a:spcPts val="1200"/>
-              </a:spcBef>
-              <a:buClr>
-                <a:schemeClr val="accent1">
-                  <a:lumMod val="75000"/>
-                </a:schemeClr>
-              </a:buClr>
-              <a:buSzPct val="85000"/>
-              <a:buFont typeface="Wingdings" pitchFamily="2" charset="2"/>
-              <a:buChar char="§"/>
-            </a:pPr>
-            <a:r>
-              <a:rPr lang="en-US" sz="1000" b="1" dirty="0"/>
-              <a:t>DNS phụ thuộc vào sự kiểm soát của Hoa Kỳ: </a:t>
-            </a:r>
-            <a:r>
-              <a:rPr lang="en-US" sz="1000" dirty="0"/>
-              <a:t>DNS Server được kiểm soát tập trung bởi một tổ chức phi lợi nhuận là ICANN có trụ sở tại Hoa Kỳ. Điều này gây khó khăn cho các nước không phụ thuộc vào Hoa Kỳ có thể sử dụng dịch vụ này.</a:t>
-            </a:r>
-          </a:p>
-          <a:p>
-            <a:pPr marL="182880" indent="-182880" algn="just">
-              <a:lnSpc>
-                <a:spcPct val="70000"/>
-              </a:lnSpc>
-              <a:spcBef>
-                <a:spcPts val="1200"/>
-              </a:spcBef>
-              <a:buClr>
-                <a:schemeClr val="accent1">
-                  <a:lumMod val="75000"/>
-                </a:schemeClr>
-              </a:buClr>
-              <a:buSzPct val="85000"/>
-              <a:buFont typeface="Wingdings" pitchFamily="2" charset="2"/>
-              <a:buChar char="§"/>
-            </a:pPr>
-            <a:r>
-              <a:rPr lang="en-US" sz="1000" b="1" dirty="0"/>
-              <a:t>DNS queries thường không mang bất kì thông tin về client khởi tạo nó: </a:t>
-            </a:r>
-            <a:r>
-              <a:rPr lang="en-US" sz="1000" dirty="0"/>
-              <a:t>Điều này lý giải cho việc hacker rất hay nhắm vào DNS. Bởi vì phía Server chỉ thấy địa chỉ IP từ nơi query tới và có thể bị điều khiển bởi các hacker. ( DNS request = DNS query ).</a:t>
-            </a:r>
-          </a:p>
-          <a:p>
-            <a:pPr marL="182880" indent="-182880" algn="just">
-              <a:lnSpc>
-                <a:spcPct val="70000"/>
-              </a:lnSpc>
-              <a:spcBef>
-                <a:spcPts val="1200"/>
-              </a:spcBef>
-              <a:buClr>
-                <a:schemeClr val="accent1">
-                  <a:lumMod val="75000"/>
-                </a:schemeClr>
-              </a:buClr>
-              <a:buSzPct val="85000"/>
-              <a:buFont typeface="Wingdings" pitchFamily="2" charset="2"/>
-              <a:buChar char="§"/>
-            </a:pPr>
-            <a:r>
-              <a:rPr lang="en-US" sz="1000" b="1" dirty="0"/>
-              <a:t>DNS dựa vào quan hệ chủ-tớ: </a:t>
-            </a:r>
-            <a:r>
-              <a:rPr lang="en-US" sz="1000" dirty="0"/>
-              <a:t>Điều này có nghĩa rằng nếu server ở máy chủ bị hỏng hoặc bị điều khiển bằng cách nào đó, sẽ khiến cho người dùng truy cập vào trang web hoặc database nằm trong server. Hacker có thể phát huy điểm mạnh của mình bằng cách nhắm vào các máy chủ và dẫn người dùng tới trang web khác, họ có thể tìm cách để lừa đảo thông tin.</a:t>
-            </a:r>
-          </a:p>
-          <a:p>
-            <a:pPr marL="182880" indent="-182880" algn="just">
-              <a:lnSpc>
-                <a:spcPct val="70000"/>
-              </a:lnSpc>
-              <a:spcBef>
-                <a:spcPts val="1200"/>
-              </a:spcBef>
-              <a:buClr>
-                <a:schemeClr val="accent1">
-                  <a:lumMod val="75000"/>
-                </a:schemeClr>
-              </a:buClr>
-              <a:buSzPct val="85000"/>
-              <a:buFont typeface="Wingdings" pitchFamily="2" charset="2"/>
-              <a:buChar char="§"/>
-            </a:pPr>
-            <a:r>
-              <a:rPr lang="en-US" sz="1000" b="1" dirty="0"/>
-              <a:t>Khi DNS Server sập, World Wide Web cũng vậy: </a:t>
-            </a:r>
-            <a:r>
-              <a:rPr lang="en-US" sz="1000" dirty="0"/>
-              <a:t>Mặc dù đã có back up của server và server gốc. Tại vì khi một server bị crash ( hư ) thì sẽ dẫn tới các local network lân cận sẽ không thể kết nối với client được.</a:t>
-            </a:r>
-          </a:p>
-          <a:p>
-            <a:pPr marL="182880" indent="-182880" algn="just">
-              <a:lnSpc>
-                <a:spcPct val="70000"/>
-              </a:lnSpc>
-              <a:spcBef>
-                <a:spcPts val="1200"/>
-              </a:spcBef>
-              <a:buClr>
-                <a:schemeClr val="accent1">
-                  <a:lumMod val="75000"/>
-                </a:schemeClr>
-              </a:buClr>
-              <a:buSzPct val="85000"/>
-              <a:buFont typeface="Wingdings" pitchFamily="2" charset="2"/>
-              <a:buChar char="§"/>
-            </a:pPr>
-            <a:r>
-              <a:rPr lang="en-US" sz="1000" b="1" dirty="0"/>
-              <a:t>DNS là nguyên nhân chính dẫn đến cuộc tấn công DNS: </a:t>
-            </a:r>
-            <a:r>
-              <a:rPr lang="en-US" sz="1000" dirty="0"/>
-              <a:t>Địa chỉ của DNS được thay đổi với địa chỉ giả mạo do đó người dùng sẽ bị dẫn đến các website khác. </a:t>
-            </a:r>
-            <a:r>
-              <a:rPr lang="en-US" sz="1000" dirty="0"/>
-              <a:t>Từ đó hacker có thể thu thập thông tin cá nhân của người dùng đó</a:t>
-            </a:r>
-            <a:r>
-              <a:rPr lang="en-US" sz="1000" dirty="0" smtClean="0"/>
-              <a:t>.</a:t>
-            </a:r>
-            <a:endParaRPr lang="en-US" sz="1000" dirty="0"/>
-          </a:p>
-        </p:txBody>
-      </p:sp>
       <p:pic>
         <p:nvPicPr>
           <p:cNvPr id="11" name="Picture 10" descr="https://cdn.kinhtedothi.vn/499/2020/11/25/25dol1.jpg"/>
@@ -7729,20 +7756,707 @@
         </p:blipFill>
         <p:spPr>
           <a:xfrm>
-            <a:off x="4472506" y="2424550"/>
+            <a:off x="4208854" y="2729572"/>
             <a:ext cx="3780388" cy="2304730"/>
           </a:xfrm>
-          <a:prstGeom prst="rect">
+          <a:prstGeom prst="ellipse">
+            <a:avLst/>
+          </a:prstGeom>
+          <a:ln w="63500" cap="rnd">
+            <a:solidFill>
+              <a:srgbClr val="333333"/>
+            </a:solidFill>
+          </a:ln>
+          <a:effectLst/>
+          <a:scene3d>
+            <a:camera prst="orthographicFront"/>
+            <a:lightRig rig="contrasting" dir="t">
+              <a:rot lat="0" lon="0" rev="3000000"/>
+            </a:lightRig>
+          </a:scene3d>
+          <a:sp3d contourW="7620">
+            <a:bevelT w="95250" h="31750"/>
+            <a:contourClr>
+              <a:srgbClr val="333333"/>
+            </a:contourClr>
+          </a:sp3d>
+        </p:spPr>
+      </p:pic>
+      <p:sp>
+        <p:nvSpPr>
+          <p:cNvPr id="16" name="Oval 15"/>
+          <p:cNvSpPr/>
+          <p:nvPr/>
+        </p:nvSpPr>
+        <p:spPr>
+          <a:xfrm>
+            <a:off x="2343115" y="1556079"/>
+            <a:ext cx="2743200" cy="914400"/>
+          </a:xfrm>
+          <a:prstGeom prst="ellipse">
             <a:avLst/>
           </a:prstGeom>
           <a:noFill/>
-          <a:ln w="12700">
+          <a:ln>
             <a:solidFill>
-              <a:schemeClr val="tx1"/>
+              <a:srgbClr val="00B050"/>
             </a:solidFill>
           </a:ln>
         </p:spPr>
-      </p:pic>
+        <p:style>
+          <a:lnRef idx="2">
+            <a:schemeClr val="accent1">
+              <a:shade val="50000"/>
+            </a:schemeClr>
+          </a:lnRef>
+          <a:fillRef idx="1">
+            <a:schemeClr val="accent1"/>
+          </a:fillRef>
+          <a:effectRef idx="0">
+            <a:schemeClr val="accent1"/>
+          </a:effectRef>
+          <a:fontRef idx="minor">
+            <a:schemeClr val="lt1"/>
+          </a:fontRef>
+        </p:style>
+        <p:txBody>
+          <a:bodyPr rtlCol="0" anchor="ctr"/>
+          <a:lstStyle/>
+          <a:p>
+            <a:pPr algn="ctr"/>
+            <a:r>
+              <a:rPr lang="en-US" sz="1100" b="1" dirty="0">
+                <a:solidFill>
+                  <a:schemeClr val="tx1"/>
+                </a:solidFill>
+              </a:rPr>
+              <a:t>Sự quan trọng với </a:t>
+            </a:r>
+            <a:r>
+              <a:rPr lang="en-US" sz="1100" b="1" dirty="0" smtClean="0">
+                <a:solidFill>
+                  <a:schemeClr val="tx1"/>
+                </a:solidFill>
+              </a:rPr>
+              <a:t>Internet</a:t>
+            </a:r>
+            <a:endParaRPr lang="en-US" sz="1100" dirty="0">
+              <a:solidFill>
+                <a:schemeClr val="tx1"/>
+              </a:solidFill>
+            </a:endParaRPr>
+          </a:p>
+        </p:txBody>
+      </p:sp>
+      <p:sp>
+        <p:nvSpPr>
+          <p:cNvPr id="17" name="Oval 16"/>
+          <p:cNvSpPr/>
+          <p:nvPr/>
+        </p:nvSpPr>
+        <p:spPr>
+          <a:xfrm>
+            <a:off x="2343115" y="5525497"/>
+            <a:ext cx="2743200" cy="914400"/>
+          </a:xfrm>
+          <a:prstGeom prst="ellipse">
+            <a:avLst/>
+          </a:prstGeom>
+          <a:noFill/>
+          <a:ln>
+            <a:solidFill>
+              <a:srgbClr val="00B050"/>
+            </a:solidFill>
+          </a:ln>
+        </p:spPr>
+        <p:style>
+          <a:lnRef idx="2">
+            <a:schemeClr val="accent1">
+              <a:shade val="50000"/>
+            </a:schemeClr>
+          </a:lnRef>
+          <a:fillRef idx="1">
+            <a:schemeClr val="accent1"/>
+          </a:fillRef>
+          <a:effectRef idx="0">
+            <a:schemeClr val="accent1"/>
+          </a:effectRef>
+          <a:fontRef idx="minor">
+            <a:schemeClr val="lt1"/>
+          </a:fontRef>
+        </p:style>
+        <p:txBody>
+          <a:bodyPr rtlCol="0" anchor="ctr"/>
+          <a:lstStyle/>
+          <a:p>
+            <a:pPr lvl="0" algn="ctr"/>
+            <a:r>
+              <a:rPr lang="en-US" sz="1100" b="1" dirty="0">
+                <a:solidFill>
+                  <a:schemeClr val="tx1"/>
+                </a:solidFill>
+              </a:rPr>
+              <a:t>Dễ truy cập hơn không có nghĩa là dễ bị tấn công </a:t>
+            </a:r>
+            <a:r>
+              <a:rPr lang="en-US" sz="1100" b="1" dirty="0" smtClean="0">
+                <a:solidFill>
+                  <a:schemeClr val="tx1"/>
+                </a:solidFill>
+              </a:rPr>
+              <a:t>hơn</a:t>
+            </a:r>
+            <a:endParaRPr lang="en-US" sz="1100" dirty="0">
+              <a:solidFill>
+                <a:schemeClr val="tx1"/>
+              </a:solidFill>
+            </a:endParaRPr>
+          </a:p>
+        </p:txBody>
+      </p:sp>
+      <p:sp>
+        <p:nvSpPr>
+          <p:cNvPr id="18" name="Oval 17"/>
+          <p:cNvSpPr/>
+          <p:nvPr/>
+        </p:nvSpPr>
+        <p:spPr>
+          <a:xfrm>
+            <a:off x="1544660" y="2504716"/>
+            <a:ext cx="2743200" cy="914400"/>
+          </a:xfrm>
+          <a:prstGeom prst="ellipse">
+            <a:avLst/>
+          </a:prstGeom>
+          <a:noFill/>
+          <a:ln>
+            <a:solidFill>
+              <a:srgbClr val="00B050"/>
+            </a:solidFill>
+          </a:ln>
+        </p:spPr>
+        <p:style>
+          <a:lnRef idx="2">
+            <a:schemeClr val="accent1">
+              <a:shade val="50000"/>
+            </a:schemeClr>
+          </a:lnRef>
+          <a:fillRef idx="1">
+            <a:schemeClr val="accent1"/>
+          </a:fillRef>
+          <a:effectRef idx="0">
+            <a:schemeClr val="accent1"/>
+          </a:effectRef>
+          <a:fontRef idx="minor">
+            <a:schemeClr val="lt1"/>
+          </a:fontRef>
+        </p:style>
+        <p:txBody>
+          <a:bodyPr rtlCol="0" anchor="ctr"/>
+          <a:lstStyle/>
+          <a:p>
+            <a:pPr algn="ctr">
+              <a:spcAft>
+                <a:spcPts val="300"/>
+              </a:spcAft>
+            </a:pPr>
+            <a:r>
+              <a:rPr lang="en-US" sz="1100" b="1" dirty="0">
+                <a:solidFill>
+                  <a:schemeClr val="tx1"/>
+                </a:solidFill>
+              </a:rPr>
+              <a:t>Không cần lưu trữ một dãy IP dài và khó nhớ</a:t>
+            </a:r>
+            <a:endParaRPr lang="en-US" sz="1100" dirty="0">
+              <a:solidFill>
+                <a:schemeClr val="tx1"/>
+              </a:solidFill>
+            </a:endParaRPr>
+          </a:p>
+        </p:txBody>
+      </p:sp>
+      <p:sp>
+        <p:nvSpPr>
+          <p:cNvPr id="19" name="Oval 18"/>
+          <p:cNvSpPr/>
+          <p:nvPr/>
+        </p:nvSpPr>
+        <p:spPr>
+          <a:xfrm>
+            <a:off x="1069848" y="3501067"/>
+            <a:ext cx="2743200" cy="914400"/>
+          </a:xfrm>
+          <a:prstGeom prst="ellipse">
+            <a:avLst/>
+          </a:prstGeom>
+          <a:noFill/>
+          <a:ln>
+            <a:solidFill>
+              <a:srgbClr val="00B050"/>
+            </a:solidFill>
+          </a:ln>
+        </p:spPr>
+        <p:style>
+          <a:lnRef idx="2">
+            <a:schemeClr val="accent1">
+              <a:shade val="50000"/>
+            </a:schemeClr>
+          </a:lnRef>
+          <a:fillRef idx="1">
+            <a:schemeClr val="accent1"/>
+          </a:fillRef>
+          <a:effectRef idx="0">
+            <a:schemeClr val="accent1"/>
+          </a:effectRef>
+          <a:fontRef idx="minor">
+            <a:schemeClr val="lt1"/>
+          </a:fontRef>
+        </p:style>
+        <p:txBody>
+          <a:bodyPr rtlCol="0" anchor="ctr"/>
+          <a:lstStyle/>
+          <a:p>
+            <a:pPr lvl="0" algn="ctr">
+              <a:spcAft>
+                <a:spcPts val="300"/>
+              </a:spcAft>
+            </a:pPr>
+            <a:r>
+              <a:rPr lang="en-US" sz="1100" b="1" dirty="0">
+                <a:solidFill>
+                  <a:schemeClr val="tx1"/>
+                </a:solidFill>
+              </a:rPr>
+              <a:t>Cập nhật danh sách IP dễ dàng</a:t>
+            </a:r>
+            <a:endParaRPr lang="en-US" sz="1100" dirty="0">
+              <a:solidFill>
+                <a:schemeClr val="tx1"/>
+              </a:solidFill>
+            </a:endParaRPr>
+          </a:p>
+        </p:txBody>
+      </p:sp>
+      <p:sp>
+        <p:nvSpPr>
+          <p:cNvPr id="20" name="Oval 19"/>
+          <p:cNvSpPr/>
+          <p:nvPr/>
+        </p:nvSpPr>
+        <p:spPr>
+          <a:xfrm>
+            <a:off x="1544660" y="4529922"/>
+            <a:ext cx="2743200" cy="914400"/>
+          </a:xfrm>
+          <a:prstGeom prst="ellipse">
+            <a:avLst/>
+          </a:prstGeom>
+          <a:noFill/>
+          <a:ln>
+            <a:solidFill>
+              <a:srgbClr val="00B050"/>
+            </a:solidFill>
+          </a:ln>
+        </p:spPr>
+        <p:style>
+          <a:lnRef idx="2">
+            <a:schemeClr val="accent1">
+              <a:shade val="50000"/>
+            </a:schemeClr>
+          </a:lnRef>
+          <a:fillRef idx="1">
+            <a:schemeClr val="accent1"/>
+          </a:fillRef>
+          <a:effectRef idx="0">
+            <a:schemeClr val="accent1"/>
+          </a:effectRef>
+          <a:fontRef idx="minor">
+            <a:schemeClr val="lt1"/>
+          </a:fontRef>
+        </p:style>
+        <p:txBody>
+          <a:bodyPr rtlCol="0" anchor="ctr"/>
+          <a:lstStyle/>
+          <a:p>
+            <a:pPr lvl="0" algn="ctr">
+              <a:spcAft>
+                <a:spcPts val="300"/>
+              </a:spcAft>
+            </a:pPr>
+            <a:r>
+              <a:rPr lang="en-US" sz="1100" b="1" dirty="0">
+                <a:solidFill>
+                  <a:schemeClr val="tx1"/>
+                </a:solidFill>
+              </a:rPr>
+              <a:t>DNS có tốc độ truy cập Internet cao nhất</a:t>
+            </a:r>
+            <a:endParaRPr lang="en-US" sz="1100" dirty="0">
+              <a:solidFill>
+                <a:schemeClr val="tx1"/>
+              </a:solidFill>
+            </a:endParaRPr>
+          </a:p>
+        </p:txBody>
+      </p:sp>
+      <p:sp>
+        <p:nvSpPr>
+          <p:cNvPr id="21" name="Oval 20"/>
+          <p:cNvSpPr/>
+          <p:nvPr/>
+        </p:nvSpPr>
+        <p:spPr>
+          <a:xfrm>
+            <a:off x="7225115" y="1554291"/>
+            <a:ext cx="2743200" cy="914400"/>
+          </a:xfrm>
+          <a:prstGeom prst="ellipse">
+            <a:avLst/>
+          </a:prstGeom>
+          <a:noFill/>
+          <a:ln>
+            <a:solidFill>
+              <a:srgbClr val="C00000"/>
+            </a:solidFill>
+          </a:ln>
+        </p:spPr>
+        <p:style>
+          <a:lnRef idx="2">
+            <a:schemeClr val="accent1">
+              <a:shade val="50000"/>
+            </a:schemeClr>
+          </a:lnRef>
+          <a:fillRef idx="1">
+            <a:schemeClr val="accent1"/>
+          </a:fillRef>
+          <a:effectRef idx="0">
+            <a:schemeClr val="accent1"/>
+          </a:effectRef>
+          <a:fontRef idx="minor">
+            <a:schemeClr val="lt1"/>
+          </a:fontRef>
+        </p:style>
+        <p:txBody>
+          <a:bodyPr rtlCol="0" anchor="ctr"/>
+          <a:lstStyle/>
+          <a:p>
+            <a:pPr algn="ctr"/>
+            <a:r>
+              <a:rPr lang="en-US" sz="1100" b="1" dirty="0">
+                <a:solidFill>
+                  <a:schemeClr val="tx1"/>
+                </a:solidFill>
+              </a:rPr>
+              <a:t>DNS phụ thuộc vào sự kiểm soát của Hoa </a:t>
+            </a:r>
+            <a:r>
+              <a:rPr lang="en-US" sz="1100" b="1" dirty="0" smtClean="0">
+                <a:solidFill>
+                  <a:schemeClr val="tx1"/>
+                </a:solidFill>
+              </a:rPr>
+              <a:t>Kỳ </a:t>
+            </a:r>
+            <a:r>
+              <a:rPr lang="en-US" sz="1100" dirty="0" smtClean="0">
+                <a:solidFill>
+                  <a:schemeClr val="tx1"/>
+                </a:solidFill>
+              </a:rPr>
+              <a:t>( vd : ICANN )</a:t>
+            </a:r>
+            <a:endParaRPr lang="en-US" sz="1100" dirty="0">
+              <a:solidFill>
+                <a:schemeClr val="tx1"/>
+              </a:solidFill>
+            </a:endParaRPr>
+          </a:p>
+        </p:txBody>
+      </p:sp>
+      <p:sp>
+        <p:nvSpPr>
+          <p:cNvPr id="22" name="Oval 21"/>
+          <p:cNvSpPr/>
+          <p:nvPr/>
+        </p:nvSpPr>
+        <p:spPr>
+          <a:xfrm>
+            <a:off x="7013448" y="5528058"/>
+            <a:ext cx="2743200" cy="914400"/>
+          </a:xfrm>
+          <a:prstGeom prst="ellipse">
+            <a:avLst/>
+          </a:prstGeom>
+          <a:noFill/>
+          <a:ln>
+            <a:solidFill>
+              <a:srgbClr val="C00000"/>
+            </a:solidFill>
+          </a:ln>
+        </p:spPr>
+        <p:style>
+          <a:lnRef idx="2">
+            <a:schemeClr val="accent1">
+              <a:shade val="50000"/>
+            </a:schemeClr>
+          </a:lnRef>
+          <a:fillRef idx="1">
+            <a:schemeClr val="accent1"/>
+          </a:fillRef>
+          <a:effectRef idx="0">
+            <a:schemeClr val="accent1"/>
+          </a:effectRef>
+          <a:fontRef idx="minor">
+            <a:schemeClr val="lt1"/>
+          </a:fontRef>
+        </p:style>
+        <p:txBody>
+          <a:bodyPr rtlCol="0" anchor="ctr"/>
+          <a:lstStyle/>
+          <a:p>
+            <a:pPr algn="ctr">
+              <a:lnSpc>
+                <a:spcPct val="150000"/>
+              </a:lnSpc>
+              <a:spcBef>
+                <a:spcPts val="1200"/>
+              </a:spcBef>
+              <a:buClr>
+                <a:schemeClr val="accent1">
+                  <a:lumMod val="75000"/>
+                </a:schemeClr>
+              </a:buClr>
+              <a:buSzPct val="85000"/>
+            </a:pPr>
+            <a:r>
+              <a:rPr lang="en-US" sz="1100" b="1" dirty="0">
+                <a:solidFill>
+                  <a:schemeClr val="tx1"/>
+                </a:solidFill>
+              </a:rPr>
+              <a:t>Khi DNS Server sập, World Wide Web cũng vậy: </a:t>
+            </a:r>
+          </a:p>
+        </p:txBody>
+      </p:sp>
+      <p:sp>
+        <p:nvSpPr>
+          <p:cNvPr id="23" name="Oval 22"/>
+          <p:cNvSpPr/>
+          <p:nvPr/>
+        </p:nvSpPr>
+        <p:spPr>
+          <a:xfrm>
+            <a:off x="7989242" y="4529922"/>
+            <a:ext cx="2743200" cy="914400"/>
+          </a:xfrm>
+          <a:prstGeom prst="ellipse">
+            <a:avLst/>
+          </a:prstGeom>
+          <a:noFill/>
+          <a:ln>
+            <a:solidFill>
+              <a:srgbClr val="C00000"/>
+            </a:solidFill>
+          </a:ln>
+        </p:spPr>
+        <p:style>
+          <a:lnRef idx="2">
+            <a:schemeClr val="accent1">
+              <a:shade val="50000"/>
+            </a:schemeClr>
+          </a:lnRef>
+          <a:fillRef idx="1">
+            <a:schemeClr val="accent1"/>
+          </a:fillRef>
+          <a:effectRef idx="0">
+            <a:schemeClr val="accent1"/>
+          </a:effectRef>
+          <a:fontRef idx="minor">
+            <a:schemeClr val="lt1"/>
+          </a:fontRef>
+        </p:style>
+        <p:txBody>
+          <a:bodyPr rtlCol="0" anchor="ctr"/>
+          <a:lstStyle/>
+          <a:p>
+            <a:pPr algn="ctr">
+              <a:spcBef>
+                <a:spcPts val="600"/>
+              </a:spcBef>
+              <a:buClr>
+                <a:schemeClr val="accent1">
+                  <a:lumMod val="75000"/>
+                </a:schemeClr>
+              </a:buClr>
+              <a:buSzPct val="85000"/>
+            </a:pPr>
+            <a:r>
+              <a:rPr lang="en-US" sz="1100" b="1" dirty="0">
+                <a:solidFill>
+                  <a:schemeClr val="tx1"/>
+                </a:solidFill>
+              </a:rPr>
+              <a:t>DNS queries thường không mang bất kì thông tin về client khởi tạo </a:t>
+            </a:r>
+            <a:r>
+              <a:rPr lang="en-US" sz="1100" b="1" dirty="0" smtClean="0">
+                <a:solidFill>
+                  <a:schemeClr val="tx1"/>
+                </a:solidFill>
+              </a:rPr>
+              <a:t>nó</a:t>
+            </a:r>
+            <a:endParaRPr lang="en-US" sz="1100" dirty="0">
+              <a:solidFill>
+                <a:schemeClr val="tx1"/>
+              </a:solidFill>
+            </a:endParaRPr>
+          </a:p>
+        </p:txBody>
+      </p:sp>
+      <p:sp>
+        <p:nvSpPr>
+          <p:cNvPr id="24" name="Oval 23"/>
+          <p:cNvSpPr/>
+          <p:nvPr/>
+        </p:nvSpPr>
+        <p:spPr>
+          <a:xfrm>
+            <a:off x="8385048" y="3491715"/>
+            <a:ext cx="2743200" cy="914400"/>
+          </a:xfrm>
+          <a:prstGeom prst="ellipse">
+            <a:avLst/>
+          </a:prstGeom>
+          <a:noFill/>
+          <a:ln>
+            <a:solidFill>
+              <a:srgbClr val="C00000"/>
+            </a:solidFill>
+          </a:ln>
+        </p:spPr>
+        <p:style>
+          <a:lnRef idx="2">
+            <a:schemeClr val="accent1">
+              <a:shade val="50000"/>
+            </a:schemeClr>
+          </a:lnRef>
+          <a:fillRef idx="1">
+            <a:schemeClr val="accent1"/>
+          </a:fillRef>
+          <a:effectRef idx="0">
+            <a:schemeClr val="accent1"/>
+          </a:effectRef>
+          <a:fontRef idx="minor">
+            <a:schemeClr val="lt1"/>
+          </a:fontRef>
+        </p:style>
+        <p:txBody>
+          <a:bodyPr rtlCol="0" anchor="ctr"/>
+          <a:lstStyle/>
+          <a:p>
+            <a:pPr algn="ctr">
+              <a:spcBef>
+                <a:spcPts val="600"/>
+              </a:spcBef>
+              <a:buClr>
+                <a:schemeClr val="accent1">
+                  <a:lumMod val="75000"/>
+                </a:schemeClr>
+              </a:buClr>
+              <a:buSzPct val="85000"/>
+            </a:pPr>
+            <a:r>
+              <a:rPr lang="en-US" sz="1100" b="1" dirty="0">
+                <a:solidFill>
+                  <a:schemeClr val="tx1"/>
+                </a:solidFill>
+              </a:rPr>
+              <a:t>DNS </a:t>
+            </a:r>
+            <a:r>
+              <a:rPr lang="en-US" sz="1100" b="1" dirty="0" smtClean="0">
+                <a:solidFill>
+                  <a:schemeClr val="tx1"/>
+                </a:solidFill>
+              </a:rPr>
+              <a:t>phải liên kết với nhau </a:t>
+            </a:r>
+            <a:endParaRPr lang="en-US" sz="1100" dirty="0">
+              <a:solidFill>
+                <a:schemeClr val="tx1"/>
+              </a:solidFill>
+            </a:endParaRPr>
+          </a:p>
+        </p:txBody>
+      </p:sp>
+      <p:sp>
+        <p:nvSpPr>
+          <p:cNvPr id="25" name="Oval 24"/>
+          <p:cNvSpPr/>
+          <p:nvPr/>
+        </p:nvSpPr>
+        <p:spPr>
+          <a:xfrm>
+            <a:off x="7910236" y="2504652"/>
+            <a:ext cx="2743200" cy="914400"/>
+          </a:xfrm>
+          <a:prstGeom prst="ellipse">
+            <a:avLst/>
+          </a:prstGeom>
+          <a:noFill/>
+          <a:ln>
+            <a:solidFill>
+              <a:srgbClr val="C00000"/>
+            </a:solidFill>
+          </a:ln>
+        </p:spPr>
+        <p:style>
+          <a:lnRef idx="2">
+            <a:schemeClr val="accent1">
+              <a:shade val="50000"/>
+            </a:schemeClr>
+          </a:lnRef>
+          <a:fillRef idx="1">
+            <a:schemeClr val="accent1"/>
+          </a:fillRef>
+          <a:effectRef idx="0">
+            <a:schemeClr val="accent1"/>
+          </a:effectRef>
+          <a:fontRef idx="minor">
+            <a:schemeClr val="lt1"/>
+          </a:fontRef>
+        </p:style>
+        <p:txBody>
+          <a:bodyPr rtlCol="0" anchor="ctr"/>
+          <a:lstStyle/>
+          <a:p>
+            <a:pPr algn="ctr">
+              <a:buClr>
+                <a:schemeClr val="accent1">
+                  <a:lumMod val="75000"/>
+                </a:schemeClr>
+              </a:buClr>
+              <a:buSzPct val="85000"/>
+            </a:pPr>
+            <a:r>
+              <a:rPr lang="en-US" sz="1100" b="1" dirty="0">
+                <a:solidFill>
+                  <a:schemeClr val="tx1"/>
+                </a:solidFill>
+              </a:rPr>
+              <a:t>DNS là nguyên nhân chính dẫn đến cuộc tấn công DNS</a:t>
+            </a:r>
+            <a:endParaRPr lang="en-US" sz="1100" dirty="0">
+              <a:solidFill>
+                <a:schemeClr val="tx1"/>
+              </a:solidFill>
+            </a:endParaRPr>
+          </a:p>
+        </p:txBody>
+      </p:sp>
     </p:spTree>
     <p:extLst>
       <p:ext uri="{BB962C8B-B14F-4D97-AF65-F5344CB8AC3E}">
@@ -7756,9 +8470,983 @@
   <p:timing>
     <p:tnLst>
       <p:par>
-        <p:cTn id="1" dur="indefinite" restart="never" nodeType="tmRoot"/>
+        <p:cTn id="1" dur="indefinite" restart="never" nodeType="tmRoot">
+          <p:childTnLst>
+            <p:seq concurrent="1" nextAc="seek">
+              <p:cTn id="2" dur="indefinite" nodeType="mainSeq">
+                <p:childTnLst>
+                  <p:par>
+                    <p:cTn id="3" fill="hold">
+                      <p:stCondLst>
+                        <p:cond delay="indefinite"/>
+                        <p:cond evt="onBegin" delay="0">
+                          <p:tn val="2"/>
+                        </p:cond>
+                      </p:stCondLst>
+                      <p:childTnLst>
+                        <p:par>
+                          <p:cTn id="4" fill="hold">
+                            <p:stCondLst>
+                              <p:cond delay="0"/>
+                            </p:stCondLst>
+                            <p:childTnLst>
+                              <p:par>
+                                <p:cTn id="5" presetID="10" presetClass="entr" presetSubtype="0" fill="hold" grpId="0" nodeType="withEffect">
+                                  <p:stCondLst>
+                                    <p:cond delay="0"/>
+                                  </p:stCondLst>
+                                  <p:childTnLst>
+                                    <p:set>
+                                      <p:cBhvr>
+                                        <p:cTn id="6" dur="1" fill="hold">
+                                          <p:stCondLst>
+                                            <p:cond delay="0"/>
+                                          </p:stCondLst>
+                                        </p:cTn>
+                                        <p:tgtEl>
+                                          <p:spTgt spid="6"/>
+                                        </p:tgtEl>
+                                        <p:attrNameLst>
+                                          <p:attrName>style.visibility</p:attrName>
+                                        </p:attrNameLst>
+                                      </p:cBhvr>
+                                      <p:to>
+                                        <p:strVal val="visible"/>
+                                      </p:to>
+                                    </p:set>
+                                    <p:animEffect transition="in" filter="fade">
+                                      <p:cBhvr>
+                                        <p:cTn id="7" dur="500"/>
+                                        <p:tgtEl>
+                                          <p:spTgt spid="6"/>
+                                        </p:tgtEl>
+                                      </p:cBhvr>
+                                    </p:animEffect>
+                                  </p:childTnLst>
+                                </p:cTn>
+                              </p:par>
+                              <p:par>
+                                <p:cTn id="8" presetID="10" presetClass="entr" presetSubtype="0" fill="hold" grpId="0" nodeType="withEffect">
+                                  <p:stCondLst>
+                                    <p:cond delay="0"/>
+                                  </p:stCondLst>
+                                  <p:childTnLst>
+                                    <p:set>
+                                      <p:cBhvr>
+                                        <p:cTn id="9" dur="1" fill="hold">
+                                          <p:stCondLst>
+                                            <p:cond delay="0"/>
+                                          </p:stCondLst>
+                                        </p:cTn>
+                                        <p:tgtEl>
+                                          <p:spTgt spid="2"/>
+                                        </p:tgtEl>
+                                        <p:attrNameLst>
+                                          <p:attrName>style.visibility</p:attrName>
+                                        </p:attrNameLst>
+                                      </p:cBhvr>
+                                      <p:to>
+                                        <p:strVal val="visible"/>
+                                      </p:to>
+                                    </p:set>
+                                    <p:animEffect transition="in" filter="fade">
+                                      <p:cBhvr>
+                                        <p:cTn id="10" dur="500"/>
+                                        <p:tgtEl>
+                                          <p:spTgt spid="2"/>
+                                        </p:tgtEl>
+                                      </p:cBhvr>
+                                    </p:animEffect>
+                                  </p:childTnLst>
+                                </p:cTn>
+                              </p:par>
+                            </p:childTnLst>
+                          </p:cTn>
+                        </p:par>
+                      </p:childTnLst>
+                    </p:cTn>
+                  </p:par>
+                  <p:par>
+                    <p:cTn id="11" fill="hold">
+                      <p:stCondLst>
+                        <p:cond delay="indefinite"/>
+                      </p:stCondLst>
+                      <p:childTnLst>
+                        <p:par>
+                          <p:cTn id="12" fill="hold">
+                            <p:stCondLst>
+                              <p:cond delay="0"/>
+                            </p:stCondLst>
+                            <p:childTnLst>
+                              <p:par>
+                                <p:cTn id="13" presetID="53" presetClass="entr" presetSubtype="16" fill="hold" grpId="0" nodeType="clickEffect">
+                                  <p:stCondLst>
+                                    <p:cond delay="0"/>
+                                  </p:stCondLst>
+                                  <p:childTnLst>
+                                    <p:set>
+                                      <p:cBhvr>
+                                        <p:cTn id="14" dur="1" fill="hold">
+                                          <p:stCondLst>
+                                            <p:cond delay="0"/>
+                                          </p:stCondLst>
+                                        </p:cTn>
+                                        <p:tgtEl>
+                                          <p:spTgt spid="18"/>
+                                        </p:tgtEl>
+                                        <p:attrNameLst>
+                                          <p:attrName>style.visibility</p:attrName>
+                                        </p:attrNameLst>
+                                      </p:cBhvr>
+                                      <p:to>
+                                        <p:strVal val="visible"/>
+                                      </p:to>
+                                    </p:set>
+                                    <p:anim calcmode="lin" valueType="num">
+                                      <p:cBhvr>
+                                        <p:cTn id="15" dur="500" fill="hold"/>
+                                        <p:tgtEl>
+                                          <p:spTgt spid="18"/>
+                                        </p:tgtEl>
+                                        <p:attrNameLst>
+                                          <p:attrName>ppt_w</p:attrName>
+                                        </p:attrNameLst>
+                                      </p:cBhvr>
+                                      <p:tavLst>
+                                        <p:tav tm="0">
+                                          <p:val>
+                                            <p:fltVal val="0"/>
+                                          </p:val>
+                                        </p:tav>
+                                        <p:tav tm="100000">
+                                          <p:val>
+                                            <p:strVal val="#ppt_w"/>
+                                          </p:val>
+                                        </p:tav>
+                                      </p:tavLst>
+                                    </p:anim>
+                                    <p:anim calcmode="lin" valueType="num">
+                                      <p:cBhvr>
+                                        <p:cTn id="16" dur="500" fill="hold"/>
+                                        <p:tgtEl>
+                                          <p:spTgt spid="18"/>
+                                        </p:tgtEl>
+                                        <p:attrNameLst>
+                                          <p:attrName>ppt_h</p:attrName>
+                                        </p:attrNameLst>
+                                      </p:cBhvr>
+                                      <p:tavLst>
+                                        <p:tav tm="0">
+                                          <p:val>
+                                            <p:fltVal val="0"/>
+                                          </p:val>
+                                        </p:tav>
+                                        <p:tav tm="100000">
+                                          <p:val>
+                                            <p:strVal val="#ppt_h"/>
+                                          </p:val>
+                                        </p:tav>
+                                      </p:tavLst>
+                                    </p:anim>
+                                    <p:animEffect transition="in" filter="fade">
+                                      <p:cBhvr>
+                                        <p:cTn id="17" dur="500"/>
+                                        <p:tgtEl>
+                                          <p:spTgt spid="18"/>
+                                        </p:tgtEl>
+                                      </p:cBhvr>
+                                    </p:animEffect>
+                                  </p:childTnLst>
+                                </p:cTn>
+                              </p:par>
+                              <p:par>
+                                <p:cTn id="18" presetID="53" presetClass="entr" presetSubtype="16" fill="hold" grpId="0" nodeType="withEffect">
+                                  <p:stCondLst>
+                                    <p:cond delay="0"/>
+                                  </p:stCondLst>
+                                  <p:childTnLst>
+                                    <p:set>
+                                      <p:cBhvr>
+                                        <p:cTn id="19" dur="1" fill="hold">
+                                          <p:stCondLst>
+                                            <p:cond delay="0"/>
+                                          </p:stCondLst>
+                                        </p:cTn>
+                                        <p:tgtEl>
+                                          <p:spTgt spid="16"/>
+                                        </p:tgtEl>
+                                        <p:attrNameLst>
+                                          <p:attrName>style.visibility</p:attrName>
+                                        </p:attrNameLst>
+                                      </p:cBhvr>
+                                      <p:to>
+                                        <p:strVal val="visible"/>
+                                      </p:to>
+                                    </p:set>
+                                    <p:anim calcmode="lin" valueType="num">
+                                      <p:cBhvr>
+                                        <p:cTn id="20" dur="500" fill="hold"/>
+                                        <p:tgtEl>
+                                          <p:spTgt spid="16"/>
+                                        </p:tgtEl>
+                                        <p:attrNameLst>
+                                          <p:attrName>ppt_w</p:attrName>
+                                        </p:attrNameLst>
+                                      </p:cBhvr>
+                                      <p:tavLst>
+                                        <p:tav tm="0">
+                                          <p:val>
+                                            <p:fltVal val="0"/>
+                                          </p:val>
+                                        </p:tav>
+                                        <p:tav tm="100000">
+                                          <p:val>
+                                            <p:strVal val="#ppt_w"/>
+                                          </p:val>
+                                        </p:tav>
+                                      </p:tavLst>
+                                    </p:anim>
+                                    <p:anim calcmode="lin" valueType="num">
+                                      <p:cBhvr>
+                                        <p:cTn id="21" dur="500" fill="hold"/>
+                                        <p:tgtEl>
+                                          <p:spTgt spid="16"/>
+                                        </p:tgtEl>
+                                        <p:attrNameLst>
+                                          <p:attrName>ppt_h</p:attrName>
+                                        </p:attrNameLst>
+                                      </p:cBhvr>
+                                      <p:tavLst>
+                                        <p:tav tm="0">
+                                          <p:val>
+                                            <p:fltVal val="0"/>
+                                          </p:val>
+                                        </p:tav>
+                                        <p:tav tm="100000">
+                                          <p:val>
+                                            <p:strVal val="#ppt_h"/>
+                                          </p:val>
+                                        </p:tav>
+                                      </p:tavLst>
+                                    </p:anim>
+                                    <p:animEffect transition="in" filter="fade">
+                                      <p:cBhvr>
+                                        <p:cTn id="22" dur="500"/>
+                                        <p:tgtEl>
+                                          <p:spTgt spid="16"/>
+                                        </p:tgtEl>
+                                      </p:cBhvr>
+                                    </p:animEffect>
+                                  </p:childTnLst>
+                                </p:cTn>
+                              </p:par>
+                              <p:par>
+                                <p:cTn id="23" presetID="53" presetClass="entr" presetSubtype="16" fill="hold" grpId="0" nodeType="withEffect">
+                                  <p:stCondLst>
+                                    <p:cond delay="0"/>
+                                  </p:stCondLst>
+                                  <p:childTnLst>
+                                    <p:set>
+                                      <p:cBhvr>
+                                        <p:cTn id="24" dur="1" fill="hold">
+                                          <p:stCondLst>
+                                            <p:cond delay="0"/>
+                                          </p:stCondLst>
+                                        </p:cTn>
+                                        <p:tgtEl>
+                                          <p:spTgt spid="19"/>
+                                        </p:tgtEl>
+                                        <p:attrNameLst>
+                                          <p:attrName>style.visibility</p:attrName>
+                                        </p:attrNameLst>
+                                      </p:cBhvr>
+                                      <p:to>
+                                        <p:strVal val="visible"/>
+                                      </p:to>
+                                    </p:set>
+                                    <p:anim calcmode="lin" valueType="num">
+                                      <p:cBhvr>
+                                        <p:cTn id="25" dur="500" fill="hold"/>
+                                        <p:tgtEl>
+                                          <p:spTgt spid="19"/>
+                                        </p:tgtEl>
+                                        <p:attrNameLst>
+                                          <p:attrName>ppt_w</p:attrName>
+                                        </p:attrNameLst>
+                                      </p:cBhvr>
+                                      <p:tavLst>
+                                        <p:tav tm="0">
+                                          <p:val>
+                                            <p:fltVal val="0"/>
+                                          </p:val>
+                                        </p:tav>
+                                        <p:tav tm="100000">
+                                          <p:val>
+                                            <p:strVal val="#ppt_w"/>
+                                          </p:val>
+                                        </p:tav>
+                                      </p:tavLst>
+                                    </p:anim>
+                                    <p:anim calcmode="lin" valueType="num">
+                                      <p:cBhvr>
+                                        <p:cTn id="26" dur="500" fill="hold"/>
+                                        <p:tgtEl>
+                                          <p:spTgt spid="19"/>
+                                        </p:tgtEl>
+                                        <p:attrNameLst>
+                                          <p:attrName>ppt_h</p:attrName>
+                                        </p:attrNameLst>
+                                      </p:cBhvr>
+                                      <p:tavLst>
+                                        <p:tav tm="0">
+                                          <p:val>
+                                            <p:fltVal val="0"/>
+                                          </p:val>
+                                        </p:tav>
+                                        <p:tav tm="100000">
+                                          <p:val>
+                                            <p:strVal val="#ppt_h"/>
+                                          </p:val>
+                                        </p:tav>
+                                      </p:tavLst>
+                                    </p:anim>
+                                    <p:animEffect transition="in" filter="fade">
+                                      <p:cBhvr>
+                                        <p:cTn id="27" dur="500"/>
+                                        <p:tgtEl>
+                                          <p:spTgt spid="19"/>
+                                        </p:tgtEl>
+                                      </p:cBhvr>
+                                    </p:animEffect>
+                                  </p:childTnLst>
+                                </p:cTn>
+                              </p:par>
+                              <p:par>
+                                <p:cTn id="28" presetID="53" presetClass="entr" presetSubtype="16" fill="hold" grpId="0" nodeType="withEffect">
+                                  <p:stCondLst>
+                                    <p:cond delay="0"/>
+                                  </p:stCondLst>
+                                  <p:childTnLst>
+                                    <p:set>
+                                      <p:cBhvr>
+                                        <p:cTn id="29" dur="1" fill="hold">
+                                          <p:stCondLst>
+                                            <p:cond delay="0"/>
+                                          </p:stCondLst>
+                                        </p:cTn>
+                                        <p:tgtEl>
+                                          <p:spTgt spid="20"/>
+                                        </p:tgtEl>
+                                        <p:attrNameLst>
+                                          <p:attrName>style.visibility</p:attrName>
+                                        </p:attrNameLst>
+                                      </p:cBhvr>
+                                      <p:to>
+                                        <p:strVal val="visible"/>
+                                      </p:to>
+                                    </p:set>
+                                    <p:anim calcmode="lin" valueType="num">
+                                      <p:cBhvr>
+                                        <p:cTn id="30" dur="500" fill="hold"/>
+                                        <p:tgtEl>
+                                          <p:spTgt spid="20"/>
+                                        </p:tgtEl>
+                                        <p:attrNameLst>
+                                          <p:attrName>ppt_w</p:attrName>
+                                        </p:attrNameLst>
+                                      </p:cBhvr>
+                                      <p:tavLst>
+                                        <p:tav tm="0">
+                                          <p:val>
+                                            <p:fltVal val="0"/>
+                                          </p:val>
+                                        </p:tav>
+                                        <p:tav tm="100000">
+                                          <p:val>
+                                            <p:strVal val="#ppt_w"/>
+                                          </p:val>
+                                        </p:tav>
+                                      </p:tavLst>
+                                    </p:anim>
+                                    <p:anim calcmode="lin" valueType="num">
+                                      <p:cBhvr>
+                                        <p:cTn id="31" dur="500" fill="hold"/>
+                                        <p:tgtEl>
+                                          <p:spTgt spid="20"/>
+                                        </p:tgtEl>
+                                        <p:attrNameLst>
+                                          <p:attrName>ppt_h</p:attrName>
+                                        </p:attrNameLst>
+                                      </p:cBhvr>
+                                      <p:tavLst>
+                                        <p:tav tm="0">
+                                          <p:val>
+                                            <p:fltVal val="0"/>
+                                          </p:val>
+                                        </p:tav>
+                                        <p:tav tm="100000">
+                                          <p:val>
+                                            <p:strVal val="#ppt_h"/>
+                                          </p:val>
+                                        </p:tav>
+                                      </p:tavLst>
+                                    </p:anim>
+                                    <p:animEffect transition="in" filter="fade">
+                                      <p:cBhvr>
+                                        <p:cTn id="32" dur="500"/>
+                                        <p:tgtEl>
+                                          <p:spTgt spid="20"/>
+                                        </p:tgtEl>
+                                      </p:cBhvr>
+                                    </p:animEffect>
+                                  </p:childTnLst>
+                                </p:cTn>
+                              </p:par>
+                              <p:par>
+                                <p:cTn id="33" presetID="53" presetClass="entr" presetSubtype="16" fill="hold" grpId="0" nodeType="withEffect">
+                                  <p:stCondLst>
+                                    <p:cond delay="0"/>
+                                  </p:stCondLst>
+                                  <p:childTnLst>
+                                    <p:set>
+                                      <p:cBhvr>
+                                        <p:cTn id="34" dur="1" fill="hold">
+                                          <p:stCondLst>
+                                            <p:cond delay="0"/>
+                                          </p:stCondLst>
+                                        </p:cTn>
+                                        <p:tgtEl>
+                                          <p:spTgt spid="17"/>
+                                        </p:tgtEl>
+                                        <p:attrNameLst>
+                                          <p:attrName>style.visibility</p:attrName>
+                                        </p:attrNameLst>
+                                      </p:cBhvr>
+                                      <p:to>
+                                        <p:strVal val="visible"/>
+                                      </p:to>
+                                    </p:set>
+                                    <p:anim calcmode="lin" valueType="num">
+                                      <p:cBhvr>
+                                        <p:cTn id="35" dur="500" fill="hold"/>
+                                        <p:tgtEl>
+                                          <p:spTgt spid="17"/>
+                                        </p:tgtEl>
+                                        <p:attrNameLst>
+                                          <p:attrName>ppt_w</p:attrName>
+                                        </p:attrNameLst>
+                                      </p:cBhvr>
+                                      <p:tavLst>
+                                        <p:tav tm="0">
+                                          <p:val>
+                                            <p:fltVal val="0"/>
+                                          </p:val>
+                                        </p:tav>
+                                        <p:tav tm="100000">
+                                          <p:val>
+                                            <p:strVal val="#ppt_w"/>
+                                          </p:val>
+                                        </p:tav>
+                                      </p:tavLst>
+                                    </p:anim>
+                                    <p:anim calcmode="lin" valueType="num">
+                                      <p:cBhvr>
+                                        <p:cTn id="36" dur="500" fill="hold"/>
+                                        <p:tgtEl>
+                                          <p:spTgt spid="17"/>
+                                        </p:tgtEl>
+                                        <p:attrNameLst>
+                                          <p:attrName>ppt_h</p:attrName>
+                                        </p:attrNameLst>
+                                      </p:cBhvr>
+                                      <p:tavLst>
+                                        <p:tav tm="0">
+                                          <p:val>
+                                            <p:fltVal val="0"/>
+                                          </p:val>
+                                        </p:tav>
+                                        <p:tav tm="100000">
+                                          <p:val>
+                                            <p:strVal val="#ppt_h"/>
+                                          </p:val>
+                                        </p:tav>
+                                      </p:tavLst>
+                                    </p:anim>
+                                    <p:animEffect transition="in" filter="fade">
+                                      <p:cBhvr>
+                                        <p:cTn id="37" dur="500"/>
+                                        <p:tgtEl>
+                                          <p:spTgt spid="17"/>
+                                        </p:tgtEl>
+                                      </p:cBhvr>
+                                    </p:animEffect>
+                                  </p:childTnLst>
+                                </p:cTn>
+                              </p:par>
+                            </p:childTnLst>
+                          </p:cTn>
+                        </p:par>
+                      </p:childTnLst>
+                    </p:cTn>
+                  </p:par>
+                  <p:par>
+                    <p:cTn id="38" fill="hold">
+                      <p:stCondLst>
+                        <p:cond delay="indefinite"/>
+                      </p:stCondLst>
+                      <p:childTnLst>
+                        <p:par>
+                          <p:cTn id="39" fill="hold">
+                            <p:stCondLst>
+                              <p:cond delay="0"/>
+                            </p:stCondLst>
+                            <p:childTnLst>
+                              <p:par>
+                                <p:cTn id="40" presetID="53" presetClass="entr" presetSubtype="16" fill="hold" grpId="0" nodeType="clickEffect">
+                                  <p:stCondLst>
+                                    <p:cond delay="0"/>
+                                  </p:stCondLst>
+                                  <p:childTnLst>
+                                    <p:set>
+                                      <p:cBhvr>
+                                        <p:cTn id="41" dur="1" fill="hold">
+                                          <p:stCondLst>
+                                            <p:cond delay="0"/>
+                                          </p:stCondLst>
+                                        </p:cTn>
+                                        <p:tgtEl>
+                                          <p:spTgt spid="21"/>
+                                        </p:tgtEl>
+                                        <p:attrNameLst>
+                                          <p:attrName>style.visibility</p:attrName>
+                                        </p:attrNameLst>
+                                      </p:cBhvr>
+                                      <p:to>
+                                        <p:strVal val="visible"/>
+                                      </p:to>
+                                    </p:set>
+                                    <p:anim calcmode="lin" valueType="num">
+                                      <p:cBhvr>
+                                        <p:cTn id="42" dur="500" fill="hold"/>
+                                        <p:tgtEl>
+                                          <p:spTgt spid="21"/>
+                                        </p:tgtEl>
+                                        <p:attrNameLst>
+                                          <p:attrName>ppt_w</p:attrName>
+                                        </p:attrNameLst>
+                                      </p:cBhvr>
+                                      <p:tavLst>
+                                        <p:tav tm="0">
+                                          <p:val>
+                                            <p:fltVal val="0"/>
+                                          </p:val>
+                                        </p:tav>
+                                        <p:tav tm="100000">
+                                          <p:val>
+                                            <p:strVal val="#ppt_w"/>
+                                          </p:val>
+                                        </p:tav>
+                                      </p:tavLst>
+                                    </p:anim>
+                                    <p:anim calcmode="lin" valueType="num">
+                                      <p:cBhvr>
+                                        <p:cTn id="43" dur="500" fill="hold"/>
+                                        <p:tgtEl>
+                                          <p:spTgt spid="21"/>
+                                        </p:tgtEl>
+                                        <p:attrNameLst>
+                                          <p:attrName>ppt_h</p:attrName>
+                                        </p:attrNameLst>
+                                      </p:cBhvr>
+                                      <p:tavLst>
+                                        <p:tav tm="0">
+                                          <p:val>
+                                            <p:fltVal val="0"/>
+                                          </p:val>
+                                        </p:tav>
+                                        <p:tav tm="100000">
+                                          <p:val>
+                                            <p:strVal val="#ppt_h"/>
+                                          </p:val>
+                                        </p:tav>
+                                      </p:tavLst>
+                                    </p:anim>
+                                    <p:animEffect transition="in" filter="fade">
+                                      <p:cBhvr>
+                                        <p:cTn id="44" dur="500"/>
+                                        <p:tgtEl>
+                                          <p:spTgt spid="21"/>
+                                        </p:tgtEl>
+                                      </p:cBhvr>
+                                    </p:animEffect>
+                                  </p:childTnLst>
+                                </p:cTn>
+                              </p:par>
+                              <p:par>
+                                <p:cTn id="45" presetID="53" presetClass="entr" presetSubtype="16" fill="hold" grpId="0" nodeType="withEffect">
+                                  <p:stCondLst>
+                                    <p:cond delay="0"/>
+                                  </p:stCondLst>
+                                  <p:childTnLst>
+                                    <p:set>
+                                      <p:cBhvr>
+                                        <p:cTn id="46" dur="1" fill="hold">
+                                          <p:stCondLst>
+                                            <p:cond delay="0"/>
+                                          </p:stCondLst>
+                                        </p:cTn>
+                                        <p:tgtEl>
+                                          <p:spTgt spid="25"/>
+                                        </p:tgtEl>
+                                        <p:attrNameLst>
+                                          <p:attrName>style.visibility</p:attrName>
+                                        </p:attrNameLst>
+                                      </p:cBhvr>
+                                      <p:to>
+                                        <p:strVal val="visible"/>
+                                      </p:to>
+                                    </p:set>
+                                    <p:anim calcmode="lin" valueType="num">
+                                      <p:cBhvr>
+                                        <p:cTn id="47" dur="500" fill="hold"/>
+                                        <p:tgtEl>
+                                          <p:spTgt spid="25"/>
+                                        </p:tgtEl>
+                                        <p:attrNameLst>
+                                          <p:attrName>ppt_w</p:attrName>
+                                        </p:attrNameLst>
+                                      </p:cBhvr>
+                                      <p:tavLst>
+                                        <p:tav tm="0">
+                                          <p:val>
+                                            <p:fltVal val="0"/>
+                                          </p:val>
+                                        </p:tav>
+                                        <p:tav tm="100000">
+                                          <p:val>
+                                            <p:strVal val="#ppt_w"/>
+                                          </p:val>
+                                        </p:tav>
+                                      </p:tavLst>
+                                    </p:anim>
+                                    <p:anim calcmode="lin" valueType="num">
+                                      <p:cBhvr>
+                                        <p:cTn id="48" dur="500" fill="hold"/>
+                                        <p:tgtEl>
+                                          <p:spTgt spid="25"/>
+                                        </p:tgtEl>
+                                        <p:attrNameLst>
+                                          <p:attrName>ppt_h</p:attrName>
+                                        </p:attrNameLst>
+                                      </p:cBhvr>
+                                      <p:tavLst>
+                                        <p:tav tm="0">
+                                          <p:val>
+                                            <p:fltVal val="0"/>
+                                          </p:val>
+                                        </p:tav>
+                                        <p:tav tm="100000">
+                                          <p:val>
+                                            <p:strVal val="#ppt_h"/>
+                                          </p:val>
+                                        </p:tav>
+                                      </p:tavLst>
+                                    </p:anim>
+                                    <p:animEffect transition="in" filter="fade">
+                                      <p:cBhvr>
+                                        <p:cTn id="49" dur="500"/>
+                                        <p:tgtEl>
+                                          <p:spTgt spid="25"/>
+                                        </p:tgtEl>
+                                      </p:cBhvr>
+                                    </p:animEffect>
+                                  </p:childTnLst>
+                                </p:cTn>
+                              </p:par>
+                              <p:par>
+                                <p:cTn id="50" presetID="53" presetClass="entr" presetSubtype="16" fill="hold" grpId="0" nodeType="withEffect">
+                                  <p:stCondLst>
+                                    <p:cond delay="0"/>
+                                  </p:stCondLst>
+                                  <p:childTnLst>
+                                    <p:set>
+                                      <p:cBhvr>
+                                        <p:cTn id="51" dur="1" fill="hold">
+                                          <p:stCondLst>
+                                            <p:cond delay="0"/>
+                                          </p:stCondLst>
+                                        </p:cTn>
+                                        <p:tgtEl>
+                                          <p:spTgt spid="24"/>
+                                        </p:tgtEl>
+                                        <p:attrNameLst>
+                                          <p:attrName>style.visibility</p:attrName>
+                                        </p:attrNameLst>
+                                      </p:cBhvr>
+                                      <p:to>
+                                        <p:strVal val="visible"/>
+                                      </p:to>
+                                    </p:set>
+                                    <p:anim calcmode="lin" valueType="num">
+                                      <p:cBhvr>
+                                        <p:cTn id="52" dur="500" fill="hold"/>
+                                        <p:tgtEl>
+                                          <p:spTgt spid="24"/>
+                                        </p:tgtEl>
+                                        <p:attrNameLst>
+                                          <p:attrName>ppt_w</p:attrName>
+                                        </p:attrNameLst>
+                                      </p:cBhvr>
+                                      <p:tavLst>
+                                        <p:tav tm="0">
+                                          <p:val>
+                                            <p:fltVal val="0"/>
+                                          </p:val>
+                                        </p:tav>
+                                        <p:tav tm="100000">
+                                          <p:val>
+                                            <p:strVal val="#ppt_w"/>
+                                          </p:val>
+                                        </p:tav>
+                                      </p:tavLst>
+                                    </p:anim>
+                                    <p:anim calcmode="lin" valueType="num">
+                                      <p:cBhvr>
+                                        <p:cTn id="53" dur="500" fill="hold"/>
+                                        <p:tgtEl>
+                                          <p:spTgt spid="24"/>
+                                        </p:tgtEl>
+                                        <p:attrNameLst>
+                                          <p:attrName>ppt_h</p:attrName>
+                                        </p:attrNameLst>
+                                      </p:cBhvr>
+                                      <p:tavLst>
+                                        <p:tav tm="0">
+                                          <p:val>
+                                            <p:fltVal val="0"/>
+                                          </p:val>
+                                        </p:tav>
+                                        <p:tav tm="100000">
+                                          <p:val>
+                                            <p:strVal val="#ppt_h"/>
+                                          </p:val>
+                                        </p:tav>
+                                      </p:tavLst>
+                                    </p:anim>
+                                    <p:animEffect transition="in" filter="fade">
+                                      <p:cBhvr>
+                                        <p:cTn id="54" dur="500"/>
+                                        <p:tgtEl>
+                                          <p:spTgt spid="24"/>
+                                        </p:tgtEl>
+                                      </p:cBhvr>
+                                    </p:animEffect>
+                                  </p:childTnLst>
+                                </p:cTn>
+                              </p:par>
+                              <p:par>
+                                <p:cTn id="55" presetID="53" presetClass="entr" presetSubtype="16" fill="hold" grpId="0" nodeType="withEffect">
+                                  <p:stCondLst>
+                                    <p:cond delay="0"/>
+                                  </p:stCondLst>
+                                  <p:childTnLst>
+                                    <p:set>
+                                      <p:cBhvr>
+                                        <p:cTn id="56" dur="1" fill="hold">
+                                          <p:stCondLst>
+                                            <p:cond delay="0"/>
+                                          </p:stCondLst>
+                                        </p:cTn>
+                                        <p:tgtEl>
+                                          <p:spTgt spid="23"/>
+                                        </p:tgtEl>
+                                        <p:attrNameLst>
+                                          <p:attrName>style.visibility</p:attrName>
+                                        </p:attrNameLst>
+                                      </p:cBhvr>
+                                      <p:to>
+                                        <p:strVal val="visible"/>
+                                      </p:to>
+                                    </p:set>
+                                    <p:anim calcmode="lin" valueType="num">
+                                      <p:cBhvr>
+                                        <p:cTn id="57" dur="500" fill="hold"/>
+                                        <p:tgtEl>
+                                          <p:spTgt spid="23"/>
+                                        </p:tgtEl>
+                                        <p:attrNameLst>
+                                          <p:attrName>ppt_w</p:attrName>
+                                        </p:attrNameLst>
+                                      </p:cBhvr>
+                                      <p:tavLst>
+                                        <p:tav tm="0">
+                                          <p:val>
+                                            <p:fltVal val="0"/>
+                                          </p:val>
+                                        </p:tav>
+                                        <p:tav tm="100000">
+                                          <p:val>
+                                            <p:strVal val="#ppt_w"/>
+                                          </p:val>
+                                        </p:tav>
+                                      </p:tavLst>
+                                    </p:anim>
+                                    <p:anim calcmode="lin" valueType="num">
+                                      <p:cBhvr>
+                                        <p:cTn id="58" dur="500" fill="hold"/>
+                                        <p:tgtEl>
+                                          <p:spTgt spid="23"/>
+                                        </p:tgtEl>
+                                        <p:attrNameLst>
+                                          <p:attrName>ppt_h</p:attrName>
+                                        </p:attrNameLst>
+                                      </p:cBhvr>
+                                      <p:tavLst>
+                                        <p:tav tm="0">
+                                          <p:val>
+                                            <p:fltVal val="0"/>
+                                          </p:val>
+                                        </p:tav>
+                                        <p:tav tm="100000">
+                                          <p:val>
+                                            <p:strVal val="#ppt_h"/>
+                                          </p:val>
+                                        </p:tav>
+                                      </p:tavLst>
+                                    </p:anim>
+                                    <p:animEffect transition="in" filter="fade">
+                                      <p:cBhvr>
+                                        <p:cTn id="59" dur="500"/>
+                                        <p:tgtEl>
+                                          <p:spTgt spid="23"/>
+                                        </p:tgtEl>
+                                      </p:cBhvr>
+                                    </p:animEffect>
+                                  </p:childTnLst>
+                                </p:cTn>
+                              </p:par>
+                              <p:par>
+                                <p:cTn id="60" presetID="53" presetClass="entr" presetSubtype="16" fill="hold" grpId="0" nodeType="withEffect">
+                                  <p:stCondLst>
+                                    <p:cond delay="0"/>
+                                  </p:stCondLst>
+                                  <p:childTnLst>
+                                    <p:set>
+                                      <p:cBhvr>
+                                        <p:cTn id="61" dur="1" fill="hold">
+                                          <p:stCondLst>
+                                            <p:cond delay="0"/>
+                                          </p:stCondLst>
+                                        </p:cTn>
+                                        <p:tgtEl>
+                                          <p:spTgt spid="22"/>
+                                        </p:tgtEl>
+                                        <p:attrNameLst>
+                                          <p:attrName>style.visibility</p:attrName>
+                                        </p:attrNameLst>
+                                      </p:cBhvr>
+                                      <p:to>
+                                        <p:strVal val="visible"/>
+                                      </p:to>
+                                    </p:set>
+                                    <p:anim calcmode="lin" valueType="num">
+                                      <p:cBhvr>
+                                        <p:cTn id="62" dur="500" fill="hold"/>
+                                        <p:tgtEl>
+                                          <p:spTgt spid="22"/>
+                                        </p:tgtEl>
+                                        <p:attrNameLst>
+                                          <p:attrName>ppt_w</p:attrName>
+                                        </p:attrNameLst>
+                                      </p:cBhvr>
+                                      <p:tavLst>
+                                        <p:tav tm="0">
+                                          <p:val>
+                                            <p:fltVal val="0"/>
+                                          </p:val>
+                                        </p:tav>
+                                        <p:tav tm="100000">
+                                          <p:val>
+                                            <p:strVal val="#ppt_w"/>
+                                          </p:val>
+                                        </p:tav>
+                                      </p:tavLst>
+                                    </p:anim>
+                                    <p:anim calcmode="lin" valueType="num">
+                                      <p:cBhvr>
+                                        <p:cTn id="63" dur="500" fill="hold"/>
+                                        <p:tgtEl>
+                                          <p:spTgt spid="22"/>
+                                        </p:tgtEl>
+                                        <p:attrNameLst>
+                                          <p:attrName>ppt_h</p:attrName>
+                                        </p:attrNameLst>
+                                      </p:cBhvr>
+                                      <p:tavLst>
+                                        <p:tav tm="0">
+                                          <p:val>
+                                            <p:fltVal val="0"/>
+                                          </p:val>
+                                        </p:tav>
+                                        <p:tav tm="100000">
+                                          <p:val>
+                                            <p:strVal val="#ppt_h"/>
+                                          </p:val>
+                                        </p:tav>
+                                      </p:tavLst>
+                                    </p:anim>
+                                    <p:animEffect transition="in" filter="fade">
+                                      <p:cBhvr>
+                                        <p:cTn id="64" dur="500"/>
+                                        <p:tgtEl>
+                                          <p:spTgt spid="22"/>
+                                        </p:tgtEl>
+                                      </p:cBhvr>
+                                    </p:animEffect>
+                                  </p:childTnLst>
+                                </p:cTn>
+                              </p:par>
+                            </p:childTnLst>
+                          </p:cTn>
+                        </p:par>
+                      </p:childTnLst>
+                    </p:cTn>
+                  </p:par>
+                </p:childTnLst>
+              </p:cTn>
+              <p:prevCondLst>
+                <p:cond evt="onPrev" delay="0">
+                  <p:tgtEl>
+                    <p:sldTgt/>
+                  </p:tgtEl>
+                </p:cond>
+              </p:prevCondLst>
+              <p:nextCondLst>
+                <p:cond evt="onNext" delay="0">
+                  <p:tgtEl>
+                    <p:sldTgt/>
+                  </p:tgtEl>
+                </p:cond>
+              </p:nextCondLst>
+            </p:seq>
+          </p:childTnLst>
+        </p:cTn>
       </p:par>
     </p:tnLst>
+    <p:bldLst>
+      <p:bldP spid="6" grpId="0"/>
+      <p:bldP spid="2" grpId="0"/>
+      <p:bldP spid="16" grpId="0" animBg="1"/>
+      <p:bldP spid="17" grpId="0" animBg="1"/>
+      <p:bldP spid="18" grpId="0" animBg="1"/>
+      <p:bldP spid="19" grpId="0" animBg="1"/>
+      <p:bldP spid="20" grpId="0" animBg="1"/>
+      <p:bldP spid="21" grpId="0" animBg="1"/>
+      <p:bldP spid="22" grpId="0" animBg="1"/>
+      <p:bldP spid="23" grpId="0" animBg="1"/>
+      <p:bldP spid="24" grpId="0" animBg="1"/>
+      <p:bldP spid="25" grpId="0" animBg="1"/>
+    </p:bldLst>
   </p:timing>
 </p:sld>
 </file>
@@ -7782,110 +9470,6 @@
       </p:grpSpPr>
       <p:sp>
         <p:nvSpPr>
-          <p:cNvPr id="3" name="Content Placeholder 2"/>
-          <p:cNvSpPr>
-            <a:spLocks noGrp="1"/>
-          </p:cNvSpPr>
-          <p:nvPr>
-            <p:ph idx="1"/>
-          </p:nvPr>
-        </p:nvSpPr>
-        <p:spPr>
-          <a:xfrm>
-            <a:off x="1069848" y="1403604"/>
-            <a:ext cx="10058400" cy="3109129"/>
-          </a:xfrm>
-        </p:spPr>
-        <p:txBody>
-          <a:bodyPr>
-            <a:normAutofit fontScale="40000" lnSpcReduction="20000"/>
-          </a:bodyPr>
-          <a:lstStyle/>
-          <a:p>
-            <a:pPr>
-              <a:lnSpc>
-                <a:spcPct val="170000"/>
-              </a:lnSpc>
-            </a:pPr>
-            <a:r>
-              <a:rPr lang="en-US" sz="2500" dirty="0"/>
-              <a:t>Blockchain là công nghệ chuỗi – khối, cho phép truyền tải dữ liệu một cách an toàn dựa trên hệ thống mã hóa vô cùng phức tạp, tương tự như cuốn sổ cái kế toán của một công ty, nơi mà tiền được giám sát chặt chẽ và ghi nhận mọi giao dịch trên mạng ngang hàng.</a:t>
-            </a:r>
-          </a:p>
-          <a:p>
-            <a:pPr>
-              <a:lnSpc>
-                <a:spcPct val="170000"/>
-              </a:lnSpc>
-            </a:pPr>
-            <a:r>
-              <a:rPr lang="en-US" sz="2500" dirty="0"/>
-              <a:t>Mỗi khối (block) đều chứa thông tin về thời gian khởi tạo và được liên kết với khối trước đó, kèm theo đó là một mã thời gian và dữ liệu giao dịch. Dữ liệu khi đã được mạng lưới chấp nhận thì sẽ không có cách nào thay đổi được. Blockchain được thiết kế để chống lại việc gian lận, thay đổi của dữ liệu.</a:t>
-            </a:r>
-          </a:p>
-          <a:p>
-            <a:pPr>
-              <a:lnSpc>
-                <a:spcPct val="170000"/>
-              </a:lnSpc>
-            </a:pPr>
-            <a:r>
-              <a:rPr lang="en-US" sz="2500" dirty="0"/>
-              <a:t>Công nghệ Blockchain là sự kết hợp giữa 3 loại công nghệ :</a:t>
-            </a:r>
-          </a:p>
-          <a:p>
-            <a:pPr lvl="0">
-              <a:lnSpc>
-                <a:spcPct val="170000"/>
-              </a:lnSpc>
-            </a:pPr>
-            <a:r>
-              <a:rPr lang="en-US" sz="2500" b="1" dirty="0"/>
-              <a:t>Mật mã học:</a:t>
-            </a:r>
-            <a:r>
-              <a:rPr lang="en-US" sz="2500" dirty="0"/>
-              <a:t> để đảm bảo tính minh bạch, toàn vẹn và riêng tư thì công nghệ Blockchain đã sử dụng public key hoặc hàm hash function.</a:t>
-            </a:r>
-          </a:p>
-          <a:p>
-            <a:pPr lvl="0">
-              <a:lnSpc>
-                <a:spcPct val="170000"/>
-              </a:lnSpc>
-            </a:pPr>
-            <a:r>
-              <a:rPr lang="en-US" sz="2500" b="1" dirty="0"/>
-              <a:t>Mạng ngang hàng:</a:t>
-            </a:r>
-            <a:r>
-              <a:rPr lang="en-US" sz="2500" dirty="0"/>
-              <a:t> Mỗi một nút trong mạng được xem như một client và cũng là server để lưu trữ bản sao ứng dụng.</a:t>
-            </a:r>
-          </a:p>
-          <a:p>
-            <a:pPr lvl="0">
-              <a:lnSpc>
-                <a:spcPct val="170000"/>
-              </a:lnSpc>
-            </a:pPr>
-            <a:r>
-              <a:rPr lang="en-US" sz="2500" b="1" dirty="0"/>
-              <a:t>Lý thuyết trò chơi:</a:t>
-            </a:r>
-            <a:r>
-              <a:rPr lang="en-US" sz="2500" dirty="0"/>
-              <a:t> Tất cả các nút tham gia vào hệ thống đều phải tuân thủ luật chơi đồng thuận (giao thức PoW, PoS,…) và được thúc đẩy bởi động lực kinh tế.</a:t>
-            </a:r>
-          </a:p>
-          <a:p>
-            <a:endParaRPr lang="en-US" dirty="0"/>
-          </a:p>
-        </p:txBody>
-      </p:sp>
-      <p:sp>
-        <p:nvSpPr>
           <p:cNvPr id="4" name="Slide Number Placeholder 3"/>
           <p:cNvSpPr>
             <a:spLocks noGrp="1"/>
@@ -7904,42 +9488,6 @@
               <a:t>5</a:t>
             </a:fld>
             <a:endParaRPr lang="en-US"/>
-          </a:p>
-        </p:txBody>
-      </p:sp>
-      <p:sp>
-        <p:nvSpPr>
-          <p:cNvPr id="6" name="Title 1"/>
-          <p:cNvSpPr>
-            <a:spLocks noGrp="1"/>
-          </p:cNvSpPr>
-          <p:nvPr>
-            <p:ph type="title"/>
-          </p:nvPr>
-        </p:nvSpPr>
-        <p:spPr>
-          <a:xfrm>
-            <a:off x="1069848" y="484632"/>
-            <a:ext cx="10058400" cy="629793"/>
-          </a:xfrm>
-        </p:spPr>
-        <p:txBody>
-          <a:bodyPr>
-            <a:normAutofit fontScale="90000"/>
-          </a:bodyPr>
-          <a:lstStyle/>
-          <a:p>
-            <a:r>
-              <a:rPr lang="en-US" sz="4000" dirty="0" smtClean="0">
-                <a:latin typeface="Arial" panose="020B0604020202020204" pitchFamily="34" charset="0"/>
-                <a:cs typeface="Arial" panose="020B0604020202020204" pitchFamily="34" charset="0"/>
-              </a:rPr>
-              <a:t>Blockchain VÀ DNS BLOCKCHAIN </a:t>
-            </a:r>
-            <a:endParaRPr lang="en-US" sz="4000" dirty="0">
-              <a:latin typeface="Arial" panose="020B0604020202020204" pitchFamily="34" charset="0"/>
-              <a:cs typeface="Arial" panose="020B0604020202020204" pitchFamily="34" charset="0"/>
-            </a:endParaRPr>
           </a:p>
         </p:txBody>
       </p:sp>
@@ -8184,6 +9732,171 @@
           </a:p>
         </p:txBody>
       </p:sp>
+      <p:sp>
+        <p:nvSpPr>
+          <p:cNvPr id="12" name="Title 1"/>
+          <p:cNvSpPr txBox="1">
+            <a:spLocks/>
+          </p:cNvSpPr>
+          <p:nvPr/>
+        </p:nvSpPr>
+        <p:spPr>
+          <a:xfrm>
+            <a:off x="1069848" y="314325"/>
+            <a:ext cx="10058400" cy="629793"/>
+          </a:xfrm>
+          <a:prstGeom prst="rect">
+            <a:avLst/>
+          </a:prstGeom>
+        </p:spPr>
+        <p:txBody>
+          <a:bodyPr vert="horz" lIns="91440" tIns="45720" rIns="91440" bIns="45720" rtlCol="0" anchor="ctr">
+            <a:noAutofit/>
+          </a:bodyPr>
+          <a:lstStyle>
+            <a:lvl1pPr algn="l" defTabSz="914400" rtl="0" eaLnBrk="1" latinLnBrk="0" hangingPunct="1">
+              <a:lnSpc>
+                <a:spcPct val="90000"/>
+              </a:lnSpc>
+              <a:spcBef>
+                <a:spcPct val="0"/>
+              </a:spcBef>
+              <a:buNone/>
+              <a:defRPr sz="5400" kern="1200" cap="all" baseline="0">
+                <a:blipFill>
+                  <a:blip r:embed="rId2">
+                    <a:extLst>
+                      <a:ext uri="{28A0092B-C50C-407E-A947-70E740481C1C}">
+                        <a14:useLocalDpi xmlns:a14="http://schemas.microsoft.com/office/drawing/2010/main" val="0"/>
+                      </a:ext>
+                    </a:extLst>
+                  </a:blip>
+                  <a:tile tx="6350" ty="-127000" sx="65000" sy="64000" flip="none" algn="tl"/>
+                </a:blipFill>
+                <a:latin typeface="+mj-lt"/>
+                <a:ea typeface="+mj-ea"/>
+                <a:cs typeface="+mj-cs"/>
+              </a:defRPr>
+            </a:lvl1pPr>
+          </a:lstStyle>
+          <a:p>
+            <a:r>
+              <a:rPr lang="en-US" sz="4000" b="1" spc="50" dirty="0">
+                <a:latin typeface="Times New Roman" panose="02020603050405020304" pitchFamily="18" charset="0"/>
+                <a:cs typeface="Times New Roman" panose="02020603050405020304" pitchFamily="18" charset="0"/>
+              </a:rPr>
+              <a:t>Blockchain VÀ DNS BLOCKCHAIN </a:t>
+            </a:r>
+          </a:p>
+        </p:txBody>
+      </p:sp>
+      <p:sp>
+        <p:nvSpPr>
+          <p:cNvPr id="7" name="TextBox 6"/>
+          <p:cNvSpPr txBox="1"/>
+          <p:nvPr/>
+        </p:nvSpPr>
+        <p:spPr>
+          <a:xfrm>
+            <a:off x="1069848" y="1122080"/>
+            <a:ext cx="9751059" cy="3308598"/>
+          </a:xfrm>
+          <a:prstGeom prst="rect">
+            <a:avLst/>
+          </a:prstGeom>
+          <a:noFill/>
+        </p:spPr>
+        <p:txBody>
+          <a:bodyPr wrap="square" rtlCol="0">
+            <a:spAutoFit/>
+          </a:bodyPr>
+          <a:lstStyle/>
+          <a:p>
+            <a:pPr>
+              <a:lnSpc>
+                <a:spcPct val="170000"/>
+              </a:lnSpc>
+            </a:pPr>
+            <a:r>
+              <a:rPr lang="en-US" sz="1100" dirty="0"/>
+              <a:t>Blockchain là công nghệ chuỗi – khối, cho phép truyền tải dữ liệu một cách an toàn dựa trên hệ thống mã hóa vô cùng phức tạp, tương tự như cuốn sổ cái kế toán của một công ty, nơi mà tiền được giám sát chặt chẽ và ghi nhận mọi giao dịch trên mạng ngang hàng.</a:t>
+            </a:r>
+          </a:p>
+          <a:p>
+            <a:pPr>
+              <a:lnSpc>
+                <a:spcPct val="170000"/>
+              </a:lnSpc>
+            </a:pPr>
+            <a:r>
+              <a:rPr lang="en-US" sz="1100" dirty="0"/>
+              <a:t>Mỗi khối (block) đều chứa thông tin về thời gian khởi tạo và được liên kết với khối trước đó, kèm theo đó là một mã thời gian và dữ liệu giao dịch. Dữ liệu khi đã được mạng lưới chấp nhận thì sẽ không có cách nào thay đổi được. Blockchain được thiết kế để chống lại việc gian lận, thay đổi của dữ liệu.</a:t>
+            </a:r>
+          </a:p>
+          <a:p>
+            <a:pPr>
+              <a:lnSpc>
+                <a:spcPct val="170000"/>
+              </a:lnSpc>
+            </a:pPr>
+            <a:r>
+              <a:rPr lang="en-US" sz="1100" dirty="0"/>
+              <a:t>Công nghệ Blockchain là sự kết hợp giữa 3 loại công nghệ :</a:t>
+            </a:r>
+          </a:p>
+          <a:p>
+            <a:pPr lvl="0">
+              <a:lnSpc>
+                <a:spcPct val="170000"/>
+              </a:lnSpc>
+            </a:pPr>
+            <a:r>
+              <a:rPr lang="en-US" sz="1100" b="1" dirty="0"/>
+              <a:t>Mật mã học:</a:t>
+            </a:r>
+            <a:r>
+              <a:rPr lang="en-US" sz="1100" dirty="0"/>
+              <a:t> để đảm bảo tính minh bạch, toàn vẹn và riêng tư thì công nghệ Blockchain đã sử dụng public key hoặc hàm hash function.</a:t>
+            </a:r>
+          </a:p>
+          <a:p>
+            <a:pPr lvl="0">
+              <a:lnSpc>
+                <a:spcPct val="170000"/>
+              </a:lnSpc>
+            </a:pPr>
+            <a:r>
+              <a:rPr lang="en-US" sz="1100" b="1" dirty="0"/>
+              <a:t>Mạng ngang hàng:</a:t>
+            </a:r>
+            <a:r>
+              <a:rPr lang="en-US" sz="1100" dirty="0"/>
+              <a:t> Mỗi một nút trong mạng được xem như một client và cũng là server để lưu trữ bản sao ứng dụng.</a:t>
+            </a:r>
+          </a:p>
+          <a:p>
+            <a:pPr lvl="0">
+              <a:lnSpc>
+                <a:spcPct val="170000"/>
+              </a:lnSpc>
+            </a:pPr>
+            <a:r>
+              <a:rPr lang="en-US" sz="1100" b="1" dirty="0"/>
+              <a:t>Lý thuyết trò chơi:</a:t>
+            </a:r>
+            <a:r>
+              <a:rPr lang="en-US" sz="1100" dirty="0"/>
+              <a:t> Tất cả các nút tham gia vào hệ thống đều phải tuân thủ luật chơi đồng thuận (giao thức PoW, PoS,…) và được thúc đẩy bởi động lực kinh tế.</a:t>
+            </a:r>
+          </a:p>
+          <a:p>
+            <a:endParaRPr lang="en-US" sz="1100" dirty="0"/>
+          </a:p>
+          <a:p>
+            <a:endParaRPr lang="en-US" sz="1100" dirty="0"/>
+          </a:p>
+        </p:txBody>
+      </p:sp>
     </p:spTree>
     <p:extLst>
       <p:ext uri="{BB962C8B-B14F-4D97-AF65-F5344CB8AC3E}">
@@ -8197,9 +9910,91 @@
   <p:timing>
     <p:tnLst>
       <p:par>
-        <p:cTn id="1" dur="indefinite" restart="never" nodeType="tmRoot"/>
+        <p:cTn id="1" dur="indefinite" restart="never" nodeType="tmRoot">
+          <p:childTnLst>
+            <p:seq concurrent="1" nextAc="seek">
+              <p:cTn id="2" dur="indefinite" nodeType="mainSeq">
+                <p:childTnLst>
+                  <p:par>
+                    <p:cTn id="3" fill="hold">
+                      <p:stCondLst>
+                        <p:cond delay="indefinite"/>
+                        <p:cond evt="onBegin" delay="0">
+                          <p:tn val="2"/>
+                        </p:cond>
+                      </p:stCondLst>
+                      <p:childTnLst>
+                        <p:par>
+                          <p:cTn id="4" fill="hold">
+                            <p:stCondLst>
+                              <p:cond delay="0"/>
+                            </p:stCondLst>
+                            <p:childTnLst>
+                              <p:par>
+                                <p:cTn id="5" presetID="10" presetClass="entr" presetSubtype="0" fill="hold" grpId="0" nodeType="withEffect">
+                                  <p:stCondLst>
+                                    <p:cond delay="0"/>
+                                  </p:stCondLst>
+                                  <p:childTnLst>
+                                    <p:set>
+                                      <p:cBhvr>
+                                        <p:cTn id="6" dur="1" fill="hold">
+                                          <p:stCondLst>
+                                            <p:cond delay="0"/>
+                                          </p:stCondLst>
+                                        </p:cTn>
+                                        <p:tgtEl>
+                                          <p:spTgt spid="12"/>
+                                        </p:tgtEl>
+                                        <p:attrNameLst>
+                                          <p:attrName>style.visibility</p:attrName>
+                                        </p:attrNameLst>
+                                      </p:cBhvr>
+                                      <p:to>
+                                        <p:strVal val="visible"/>
+                                      </p:to>
+                                    </p:set>
+                                    <p:animEffect transition="in" filter="fade">
+                                      <p:cBhvr>
+                                        <p:cTn id="7" dur="500"/>
+                                        <p:tgtEl>
+                                          <p:spTgt spid="12"/>
+                                        </p:tgtEl>
+                                      </p:cBhvr>
+                                    </p:animEffect>
+                                  </p:childTnLst>
+                                </p:cTn>
+                              </p:par>
+                            </p:childTnLst>
+                          </p:cTn>
+                        </p:par>
+                      </p:childTnLst>
+                    </p:cTn>
+                  </p:par>
+                </p:childTnLst>
+              </p:cTn>
+              <p:prevCondLst>
+                <p:cond evt="onPrev" delay="0">
+                  <p:tgtEl>
+                    <p:sldTgt/>
+                  </p:tgtEl>
+                </p:cond>
+              </p:prevCondLst>
+              <p:nextCondLst>
+                <p:cond evt="onNext" delay="0">
+                  <p:tgtEl>
+                    <p:sldTgt/>
+                  </p:tgtEl>
+                </p:cond>
+              </p:nextCondLst>
+            </p:seq>
+          </p:childTnLst>
+        </p:cTn>
       </p:par>
     </p:tnLst>
+    <p:bldLst>
+      <p:bldP spid="12" grpId="0"/>
+    </p:bldLst>
   </p:timing>
 </p:sld>
 </file>
@@ -8262,25 +10057,18 @@
         </p:spPr>
         <p:txBody>
           <a:bodyPr>
-            <a:normAutofit fontScale="90000"/>
+            <a:noAutofit/>
           </a:bodyPr>
           <a:lstStyle/>
           <a:p>
             <a:r>
-              <a:rPr lang="en-US" sz="4000" b="1" dirty="0">
+              <a:rPr lang="en-US" sz="4000" b="1" spc="50" dirty="0">
                 <a:latin typeface="Times New Roman" panose="02020603050405020304" pitchFamily="18" charset="0"/>
                 <a:cs typeface="Times New Roman" panose="02020603050405020304" pitchFamily="18" charset="0"/>
               </a:rPr>
-              <a:t>THUẬT </a:t>
-            </a:r>
-            <a:r>
-              <a:rPr lang="en-US" sz="4000" b="1" dirty="0">
-                <a:latin typeface="Times New Roman" panose="02020603050405020304" pitchFamily="18" charset="0"/>
-                <a:cs typeface="Times New Roman" panose="02020603050405020304" pitchFamily="18" charset="0"/>
-              </a:rPr>
-              <a:t>TOÁN ĐỒNG THUẬN </a:t>
-            </a:r>
-            <a:endParaRPr lang="en-US" sz="4000" dirty="0">
+              <a:t>THUẬT TOÁN ĐỒNG THUẬN </a:t>
+            </a:r>
+            <a:endParaRPr lang="en-US" sz="4000" spc="50" dirty="0">
               <a:latin typeface="Arial" panose="020B0604020202020204" pitchFamily="34" charset="0"/>
               <a:cs typeface="Arial" panose="020B0604020202020204" pitchFamily="34" charset="0"/>
             </a:endParaRPr>
@@ -8630,14 +10418,7 @@
                 <a:latin typeface="Times New Roman" panose="02020603050405020304" pitchFamily="18" charset="0"/>
                 <a:cs typeface="Times New Roman" panose="02020603050405020304" pitchFamily="18" charset="0"/>
               </a:rPr>
-              <a:t>Kết </a:t>
-            </a:r>
-            <a:r>
-              <a:rPr lang="vi-VN" sz="4000" b="1" dirty="0">
-                <a:latin typeface="Times New Roman" panose="02020603050405020304" pitchFamily="18" charset="0"/>
-                <a:cs typeface="Times New Roman" panose="02020603050405020304" pitchFamily="18" charset="0"/>
-              </a:rPr>
-              <a:t>luận</a:t>
+              <a:t>Kết luận</a:t>
             </a:r>
             <a:endParaRPr lang="en-US" sz="4000" b="1" dirty="0">
               <a:latin typeface="Times New Roman" panose="02020603050405020304" pitchFamily="18" charset="0"/>
@@ -8703,14 +10484,14 @@
               </a:spcAft>
             </a:pPr>
             <a:r>
-              <a:rPr lang="en-US" sz="1600" dirty="0" smtClean="0">
+              <a:rPr lang="en-US" sz="1600" b="1" spc="50" dirty="0" smtClean="0">
                 <a:latin typeface="Arial" panose="020B0604020202020204" pitchFamily="34" charset="0"/>
                 <a:cs typeface="Arial" panose="020B0604020202020204" pitchFamily="34" charset="0"/>
               </a:rPr>
               <a:t>=&gt; </a:t>
             </a:r>
             <a:r>
-              <a:rPr lang="en-US" sz="1600" dirty="0">
+              <a:rPr lang="en-US" sz="1600" b="1" spc="50" dirty="0">
                 <a:latin typeface="Arial" panose="020B0604020202020204" pitchFamily="34" charset="0"/>
                 <a:cs typeface="Arial" panose="020B0604020202020204" pitchFamily="34" charset="0"/>
               </a:rPr>
@@ -8967,21 +10748,7 @@
                 <a:latin typeface="Times New Roman" panose="02020603050405020304" pitchFamily="18" charset="0"/>
                 <a:cs typeface="Times New Roman" panose="02020603050405020304" pitchFamily="18" charset="0"/>
               </a:rPr>
-              <a:t>giải </a:t>
-            </a:r>
-            <a:r>
-              <a:rPr lang="vi-VN" sz="4000" b="1" dirty="0">
-                <a:latin typeface="Times New Roman" panose="02020603050405020304" pitchFamily="18" charset="0"/>
-                <a:cs typeface="Times New Roman" panose="02020603050405020304" pitchFamily="18" charset="0"/>
-              </a:rPr>
-              <a:t>pháp, đề </a:t>
-            </a:r>
-            <a:r>
-              <a:rPr lang="vi-VN" sz="4000" b="1" dirty="0">
-                <a:latin typeface="Times New Roman" panose="02020603050405020304" pitchFamily="18" charset="0"/>
-                <a:cs typeface="Times New Roman" panose="02020603050405020304" pitchFamily="18" charset="0"/>
-              </a:rPr>
-              <a:t>xuất</a:t>
+              <a:t>giải pháp, đề xuất</a:t>
             </a:r>
             <a:endParaRPr lang="en-US" sz="4000" b="1" dirty="0">
               <a:latin typeface="Times New Roman" panose="02020603050405020304" pitchFamily="18" charset="0"/>

--- a/slide/D17CQAT01_PhanDai_N17DCAT013.pptx
+++ b/slide/D17CQAT01_PhanDai_N17DCAT013.pptx
@@ -1,23 +1,24 @@
 
 <file path=ppt/presentation.xml><?xml version="1.0" encoding="utf-8"?>
-<p:presentation xmlns:a="http://schemas.openxmlformats.org/drawingml/2006/main" xmlns:r="http://schemas.openxmlformats.org/officeDocument/2006/relationships" xmlns:p="http://schemas.openxmlformats.org/presentationml/2006/main" saveSubsetFonts="1">
+<p:presentation xmlns:a="http://schemas.openxmlformats.org/drawingml/2006/main" xmlns:r="http://schemas.openxmlformats.org/officeDocument/2006/relationships" xmlns:p="http://schemas.openxmlformats.org/presentationml/2006/main">
   <p:sldMasterIdLst>
-    <p:sldMasterId id="2147483689" r:id="rId1"/>
+    <p:sldMasterId id="2147483648" r:id="rId1"/>
   </p:sldMasterIdLst>
   <p:notesMasterIdLst>
-    <p:notesMasterId r:id="rId12"/>
+    <p:notesMasterId r:id="rId14"/>
   </p:notesMasterIdLst>
   <p:sldIdLst>
-    <p:sldId id="256" r:id="rId2"/>
-    <p:sldId id="257" r:id="rId3"/>
-    <p:sldId id="261" r:id="rId4"/>
-    <p:sldId id="260" r:id="rId5"/>
-    <p:sldId id="264" r:id="rId6"/>
-    <p:sldId id="266" r:id="rId7"/>
-    <p:sldId id="265" r:id="rId8"/>
-    <p:sldId id="262" r:id="rId9"/>
-    <p:sldId id="259" r:id="rId10"/>
-    <p:sldId id="258" r:id="rId11"/>
+    <p:sldId id="256" r:id="rId3"/>
+    <p:sldId id="257" r:id="rId4"/>
+    <p:sldId id="261" r:id="rId5"/>
+    <p:sldId id="260" r:id="rId6"/>
+    <p:sldId id="264" r:id="rId7"/>
+    <p:sldId id="266" r:id="rId8"/>
+    <p:sldId id="265" r:id="rId9"/>
+    <p:sldId id="271" r:id="rId10"/>
+    <p:sldId id="262" r:id="rId11"/>
+    <p:sldId id="259" r:id="rId12"/>
+    <p:sldId id="258" r:id="rId13"/>
   </p:sldIdLst>
   <p:sldSz cx="12192000" cy="6858000"/>
   <p:notesSz cx="6858000" cy="9144000"/>
@@ -116,11 +117,6 @@
       </a:defRPr>
     </a:lvl9pPr>
   </p:defaultTextStyle>
-  <p:extLst>
-    <p:ext uri="{EFAFB233-063F-42B5-8137-9DF3F51BA10A}">
-      <p15:sldGuideLst xmlns:p15="http://schemas.microsoft.com/office/powerpoint/2012/main"/>
-    </p:ext>
-  </p:extLst>
 </p:presentation>
 </file>
 
@@ -206,7 +202,6 @@
           <a:p>
             <a:fld id="{4D90CDED-DED5-4950-8D8A-00FFCAA83A1B}" type="datetimeFigureOut">
               <a:rPr lang="en-US" smtClean="0"/>
-              <a:t>12/9/2021</a:t>
             </a:fld>
             <a:endParaRPr lang="en-US"/>
           </a:p>
@@ -273,6 +268,7 @@
               <a:rPr lang="en-US" smtClean="0"/>
               <a:t>Edit Master text styles</a:t>
             </a:r>
+            <a:endParaRPr lang="en-US" smtClean="0"/>
           </a:p>
           <a:p>
             <a:pPr lvl="1"/>
@@ -280,6 +276,7 @@
               <a:rPr lang="en-US" smtClean="0"/>
               <a:t>Second level</a:t>
             </a:r>
+            <a:endParaRPr lang="en-US" smtClean="0"/>
           </a:p>
           <a:p>
             <a:pPr lvl="2"/>
@@ -287,6 +284,7 @@
               <a:rPr lang="en-US" smtClean="0"/>
               <a:t>Third level</a:t>
             </a:r>
+            <a:endParaRPr lang="en-US" smtClean="0"/>
           </a:p>
           <a:p>
             <a:pPr lvl="3"/>
@@ -294,6 +292,7 @@
               <a:rPr lang="en-US" smtClean="0"/>
               <a:t>Fourth level</a:t>
             </a:r>
+            <a:endParaRPr lang="en-US" smtClean="0"/>
           </a:p>
           <a:p>
             <a:pPr lvl="4"/>
@@ -365,18 +364,12 @@
           <a:p>
             <a:fld id="{FD20B253-7E6D-4FFF-A48B-C518ADBC2D7F}" type="slidenum">
               <a:rPr lang="en-US" smtClean="0"/>
-              <a:t>‹#›</a:t>
             </a:fld>
             <a:endParaRPr lang="en-US"/>
           </a:p>
         </p:txBody>
       </p:sp>
     </p:spTree>
-    <p:extLst>
-      <p:ext uri="{BB962C8B-B14F-4D97-AF65-F5344CB8AC3E}">
-        <p14:creationId xmlns:p14="http://schemas.microsoft.com/office/powerpoint/2010/main" val="3324873009"/>
-      </p:ext>
-    </p:extLst>
   </p:cSld>
   <p:clrMap bg1="lt1" tx1="dk1" bg2="lt2" tx2="dk2" accent1="accent1" accent2="accent2" accent3="accent3" accent4="accent4" accent5="accent5" accent6="accent6" hlink="hlink" folHlink="folHlink"/>
   <p:notesStyle>
@@ -475,7 +468,7 @@
 </file>
 
 <file path=ppt/slideLayouts/slideLayout1.xml><?xml version="1.0" encoding="utf-8"?>
-<p:sldLayout xmlns:a="http://schemas.openxmlformats.org/drawingml/2006/main" xmlns:r="http://schemas.openxmlformats.org/officeDocument/2006/relationships" xmlns:p="http://schemas.openxmlformats.org/presentationml/2006/main" showMasterSp="0" type="title" preserve="1">
+<p:sldLayout xmlns:a="http://schemas.openxmlformats.org/drawingml/2006/main" xmlns:r="http://schemas.openxmlformats.org/officeDocument/2006/relationships" xmlns:p="http://schemas.openxmlformats.org/presentationml/2006/main" type="title" preserve="1" showMasterSp="0">
   <p:cSld name="Title Slide">
     <p:spTree>
       <p:nvGrpSpPr>
@@ -877,7 +870,6 @@
           <a:p>
             <a:fld id="{9CC9E0FF-7D19-4510-9DCE-23D201D9E916}" type="datetime1">
               <a:rPr lang="en-US" smtClean="0"/>
-              <a:t>12/9/2021</a:t>
             </a:fld>
             <a:endParaRPr lang="en-US"/>
           </a:p>
@@ -928,18 +920,12 @@
           <a:p>
             <a:fld id="{040DEF24-717E-4741-8753-F7E431A261E5}" type="slidenum">
               <a:rPr lang="en-US" smtClean="0"/>
-              <a:t>‹#›</a:t>
             </a:fld>
             <a:endParaRPr lang="en-US"/>
           </a:p>
         </p:txBody>
       </p:sp>
     </p:spTree>
-    <p:extLst>
-      <p:ext uri="{BB962C8B-B14F-4D97-AF65-F5344CB8AC3E}">
-        <p14:creationId xmlns:p14="http://schemas.microsoft.com/office/powerpoint/2010/main" val="1812940138"/>
-      </p:ext>
-    </p:extLst>
   </p:cSld>
   <p:clrMapOvr>
     <a:masterClrMapping/>
@@ -1007,6 +993,7 @@
               <a:rPr lang="en-US" smtClean="0"/>
               <a:t>Edit Master text styles</a:t>
             </a:r>
+            <a:endParaRPr lang="en-US" smtClean="0"/>
           </a:p>
           <a:p>
             <a:pPr lvl="1"/>
@@ -1014,6 +1001,7 @@
               <a:rPr lang="en-US" smtClean="0"/>
               <a:t>Second level</a:t>
             </a:r>
+            <a:endParaRPr lang="en-US" smtClean="0"/>
           </a:p>
           <a:p>
             <a:pPr lvl="2"/>
@@ -1021,6 +1009,7 @@
               <a:rPr lang="en-US" smtClean="0"/>
               <a:t>Third level</a:t>
             </a:r>
+            <a:endParaRPr lang="en-US" smtClean="0"/>
           </a:p>
           <a:p>
             <a:pPr lvl="3"/>
@@ -1028,6 +1017,7 @@
               <a:rPr lang="en-US" smtClean="0"/>
               <a:t>Fourth level</a:t>
             </a:r>
+            <a:endParaRPr lang="en-US" smtClean="0"/>
           </a:p>
           <a:p>
             <a:pPr lvl="4"/>
@@ -1056,7 +1046,6 @@
           <a:p>
             <a:fld id="{02BE6C0D-AE79-4D98-BA3B-E3751AE5331F}" type="datetime1">
               <a:rPr lang="en-US" smtClean="0"/>
-              <a:t>12/9/2021</a:t>
             </a:fld>
             <a:endParaRPr lang="en-US"/>
           </a:p>
@@ -1098,18 +1087,12 @@
           <a:p>
             <a:fld id="{040DEF24-717E-4741-8753-F7E431A261E5}" type="slidenum">
               <a:rPr lang="en-US" smtClean="0"/>
-              <a:t>‹#›</a:t>
             </a:fld>
             <a:endParaRPr lang="en-US"/>
           </a:p>
         </p:txBody>
       </p:sp>
     </p:spTree>
-    <p:extLst>
-      <p:ext uri="{BB962C8B-B14F-4D97-AF65-F5344CB8AC3E}">
-        <p14:creationId xmlns:p14="http://schemas.microsoft.com/office/powerpoint/2010/main" val="1212381289"/>
-      </p:ext>
-    </p:extLst>
   </p:cSld>
   <p:clrMapOvr>
     <a:masterClrMapping/>
@@ -1187,6 +1170,7 @@
               <a:rPr lang="en-US" smtClean="0"/>
               <a:t>Edit Master text styles</a:t>
             </a:r>
+            <a:endParaRPr lang="en-US" smtClean="0"/>
           </a:p>
           <a:p>
             <a:pPr lvl="1"/>
@@ -1194,6 +1178,7 @@
               <a:rPr lang="en-US" smtClean="0"/>
               <a:t>Second level</a:t>
             </a:r>
+            <a:endParaRPr lang="en-US" smtClean="0"/>
           </a:p>
           <a:p>
             <a:pPr lvl="2"/>
@@ -1201,6 +1186,7 @@
               <a:rPr lang="en-US" smtClean="0"/>
               <a:t>Third level</a:t>
             </a:r>
+            <a:endParaRPr lang="en-US" smtClean="0"/>
           </a:p>
           <a:p>
             <a:pPr lvl="3"/>
@@ -1208,6 +1194,7 @@
               <a:rPr lang="en-US" smtClean="0"/>
               <a:t>Fourth level</a:t>
             </a:r>
+            <a:endParaRPr lang="en-US" smtClean="0"/>
           </a:p>
           <a:p>
             <a:pPr lvl="4"/>
@@ -1236,7 +1223,6 @@
           <a:p>
             <a:fld id="{64794B53-B5A7-48E6-89FC-70BEF208D151}" type="datetime1">
               <a:rPr lang="en-US" smtClean="0"/>
-              <a:t>12/9/2021</a:t>
             </a:fld>
             <a:endParaRPr lang="en-US"/>
           </a:p>
@@ -1278,18 +1264,12 @@
           <a:p>
             <a:fld id="{040DEF24-717E-4741-8753-F7E431A261E5}" type="slidenum">
               <a:rPr lang="en-US" smtClean="0"/>
-              <a:t>‹#›</a:t>
             </a:fld>
             <a:endParaRPr lang="en-US"/>
           </a:p>
         </p:txBody>
       </p:sp>
     </p:spTree>
-    <p:extLst>
-      <p:ext uri="{BB962C8B-B14F-4D97-AF65-F5344CB8AC3E}">
-        <p14:creationId xmlns:p14="http://schemas.microsoft.com/office/powerpoint/2010/main" val="1297180158"/>
-      </p:ext>
-    </p:extLst>
   </p:cSld>
   <p:clrMapOvr>
     <a:masterClrMapping/>
@@ -1357,6 +1337,7 @@
               <a:rPr lang="en-US" smtClean="0"/>
               <a:t>Edit Master text styles</a:t>
             </a:r>
+            <a:endParaRPr lang="en-US" smtClean="0"/>
           </a:p>
           <a:p>
             <a:pPr lvl="1"/>
@@ -1364,6 +1345,7 @@
               <a:rPr lang="en-US" smtClean="0"/>
               <a:t>Second level</a:t>
             </a:r>
+            <a:endParaRPr lang="en-US" smtClean="0"/>
           </a:p>
           <a:p>
             <a:pPr lvl="2"/>
@@ -1371,6 +1353,7 @@
               <a:rPr lang="en-US" smtClean="0"/>
               <a:t>Third level</a:t>
             </a:r>
+            <a:endParaRPr lang="en-US" smtClean="0"/>
           </a:p>
           <a:p>
             <a:pPr lvl="3"/>
@@ -1378,6 +1361,7 @@
               <a:rPr lang="en-US" smtClean="0"/>
               <a:t>Fourth level</a:t>
             </a:r>
+            <a:endParaRPr lang="en-US" smtClean="0"/>
           </a:p>
           <a:p>
             <a:pPr lvl="4"/>
@@ -1406,7 +1390,6 @@
           <a:p>
             <a:fld id="{E4F4B884-B57B-462C-B739-9A72F1ADE961}" type="datetime1">
               <a:rPr lang="en-US" smtClean="0"/>
-              <a:t>12/9/2021</a:t>
             </a:fld>
             <a:endParaRPr lang="en-US"/>
           </a:p>
@@ -1448,18 +1431,12 @@
           <a:p>
             <a:fld id="{040DEF24-717E-4741-8753-F7E431A261E5}" type="slidenum">
               <a:rPr lang="en-US" smtClean="0"/>
-              <a:t>‹#›</a:t>
             </a:fld>
             <a:endParaRPr lang="en-US"/>
           </a:p>
         </p:txBody>
       </p:sp>
     </p:spTree>
-    <p:extLst>
-      <p:ext uri="{BB962C8B-B14F-4D97-AF65-F5344CB8AC3E}">
-        <p14:creationId xmlns:p14="http://schemas.microsoft.com/office/powerpoint/2010/main" val="2406071737"/>
-      </p:ext>
-    </p:extLst>
   </p:cSld>
   <p:clrMapOvr>
     <a:masterClrMapping/>
@@ -1468,7 +1445,7 @@
 </file>
 
 <file path=ppt/slideLayouts/slideLayout3.xml><?xml version="1.0" encoding="utf-8"?>
-<p:sldLayout xmlns:a="http://schemas.openxmlformats.org/drawingml/2006/main" xmlns:r="http://schemas.openxmlformats.org/officeDocument/2006/relationships" xmlns:p="http://schemas.openxmlformats.org/presentationml/2006/main" showMasterSp="0" type="secHead" preserve="1">
+<p:sldLayout xmlns:a="http://schemas.openxmlformats.org/drawingml/2006/main" xmlns:r="http://schemas.openxmlformats.org/officeDocument/2006/relationships" xmlns:p="http://schemas.openxmlformats.org/presentationml/2006/main" type="secHead" preserve="1" showMasterSp="0">
   <p:cSld name="Section Header">
     <p:spTree>
       <p:nvGrpSpPr>
@@ -1694,6 +1671,7 @@
               <a:rPr lang="en-US" smtClean="0"/>
               <a:t>Edit Master text styles</a:t>
             </a:r>
+            <a:endParaRPr lang="en-US" smtClean="0"/>
           </a:p>
         </p:txBody>
       </p:sp>
@@ -1719,7 +1697,6 @@
           <a:p>
             <a:fld id="{B9C8D748-A08B-490E-87AA-BC3835B708B2}" type="datetime1">
               <a:rPr lang="en-US" smtClean="0"/>
-              <a:t>12/9/2021</a:t>
             </a:fld>
             <a:endParaRPr lang="en-US"/>
           </a:p>
@@ -1859,18 +1836,12 @@
           <a:p>
             <a:fld id="{040DEF24-717E-4741-8753-F7E431A261E5}" type="slidenum">
               <a:rPr lang="en-US" smtClean="0"/>
-              <a:t>‹#›</a:t>
             </a:fld>
             <a:endParaRPr lang="en-US"/>
           </a:p>
         </p:txBody>
       </p:sp>
     </p:spTree>
-    <p:extLst>
-      <p:ext uri="{BB962C8B-B14F-4D97-AF65-F5344CB8AC3E}">
-        <p14:creationId xmlns:p14="http://schemas.microsoft.com/office/powerpoint/2010/main" val="1330480892"/>
-      </p:ext>
-    </p:extLst>
   </p:cSld>
   <p:clrMapOvr>
     <a:masterClrMapping/>
@@ -1971,6 +1942,7 @@
               <a:rPr lang="en-US" smtClean="0"/>
               <a:t>Edit Master text styles</a:t>
             </a:r>
+            <a:endParaRPr lang="en-US" smtClean="0"/>
           </a:p>
           <a:p>
             <a:pPr lvl="1"/>
@@ -1978,6 +1950,7 @@
               <a:rPr lang="en-US" smtClean="0"/>
               <a:t>Second level</a:t>
             </a:r>
+            <a:endParaRPr lang="en-US" smtClean="0"/>
           </a:p>
           <a:p>
             <a:pPr lvl="2"/>
@@ -1985,6 +1958,7 @@
               <a:rPr lang="en-US" smtClean="0"/>
               <a:t>Third level</a:t>
             </a:r>
+            <a:endParaRPr lang="en-US" smtClean="0"/>
           </a:p>
           <a:p>
             <a:pPr lvl="3"/>
@@ -1992,6 +1966,7 @@
               <a:rPr lang="en-US" smtClean="0"/>
               <a:t>Fourth level</a:t>
             </a:r>
+            <a:endParaRPr lang="en-US" smtClean="0"/>
           </a:p>
           <a:p>
             <a:pPr lvl="4"/>
@@ -2056,6 +2031,7 @@
               <a:rPr lang="en-US" smtClean="0"/>
               <a:t>Edit Master text styles</a:t>
             </a:r>
+            <a:endParaRPr lang="en-US" smtClean="0"/>
           </a:p>
           <a:p>
             <a:pPr lvl="1"/>
@@ -2063,6 +2039,7 @@
               <a:rPr lang="en-US" smtClean="0"/>
               <a:t>Second level</a:t>
             </a:r>
+            <a:endParaRPr lang="en-US" smtClean="0"/>
           </a:p>
           <a:p>
             <a:pPr lvl="2"/>
@@ -2070,6 +2047,7 @@
               <a:rPr lang="en-US" smtClean="0"/>
               <a:t>Third level</a:t>
             </a:r>
+            <a:endParaRPr lang="en-US" smtClean="0"/>
           </a:p>
           <a:p>
             <a:pPr lvl="3"/>
@@ -2077,6 +2055,7 @@
               <a:rPr lang="en-US" smtClean="0"/>
               <a:t>Fourth level</a:t>
             </a:r>
+            <a:endParaRPr lang="en-US" smtClean="0"/>
           </a:p>
           <a:p>
             <a:pPr lvl="4"/>
@@ -2105,7 +2084,6 @@
           <a:p>
             <a:fld id="{0FCBCAE6-D603-4735-B4B0-803AAA3FEC04}" type="datetime1">
               <a:rPr lang="en-US" smtClean="0"/>
-              <a:t>12/9/2021</a:t>
             </a:fld>
             <a:endParaRPr lang="en-US"/>
           </a:p>
@@ -2147,18 +2125,12 @@
           <a:p>
             <a:fld id="{040DEF24-717E-4741-8753-F7E431A261E5}" type="slidenum">
               <a:rPr lang="en-US" smtClean="0"/>
-              <a:t>‹#›</a:t>
             </a:fld>
             <a:endParaRPr lang="en-US"/>
           </a:p>
         </p:txBody>
       </p:sp>
     </p:spTree>
-    <p:extLst>
-      <p:ext uri="{BB962C8B-B14F-4D97-AF65-F5344CB8AC3E}">
-        <p14:creationId xmlns:p14="http://schemas.microsoft.com/office/powerpoint/2010/main" val="659095119"/>
-      </p:ext>
-    </p:extLst>
   </p:cSld>
   <p:clrMapOvr>
     <a:masterClrMapping/>
@@ -2276,6 +2248,7 @@
               <a:rPr lang="en-US" smtClean="0"/>
               <a:t>Edit Master text styles</a:t>
             </a:r>
+            <a:endParaRPr lang="en-US" smtClean="0"/>
           </a:p>
         </p:txBody>
       </p:sp>
@@ -2332,6 +2305,7 @@
               <a:rPr lang="en-US" smtClean="0"/>
               <a:t>Edit Master text styles</a:t>
             </a:r>
+            <a:endParaRPr lang="en-US" smtClean="0"/>
           </a:p>
           <a:p>
             <a:pPr lvl="1"/>
@@ -2339,6 +2313,7 @@
               <a:rPr lang="en-US" smtClean="0"/>
               <a:t>Second level</a:t>
             </a:r>
+            <a:endParaRPr lang="en-US" smtClean="0"/>
           </a:p>
           <a:p>
             <a:pPr lvl="2"/>
@@ -2346,6 +2321,7 @@
               <a:rPr lang="en-US" smtClean="0"/>
               <a:t>Third level</a:t>
             </a:r>
+            <a:endParaRPr lang="en-US" smtClean="0"/>
           </a:p>
           <a:p>
             <a:pPr lvl="3"/>
@@ -2353,6 +2329,7 @@
               <a:rPr lang="en-US" smtClean="0"/>
               <a:t>Fourth level</a:t>
             </a:r>
+            <a:endParaRPr lang="en-US" smtClean="0"/>
           </a:p>
           <a:p>
             <a:pPr lvl="4"/>
@@ -2434,6 +2411,7 @@
               <a:rPr lang="en-US" smtClean="0"/>
               <a:t>Edit Master text styles</a:t>
             </a:r>
+            <a:endParaRPr lang="en-US" smtClean="0"/>
           </a:p>
         </p:txBody>
       </p:sp>
@@ -2490,6 +2468,7 @@
               <a:rPr lang="en-US" smtClean="0"/>
               <a:t>Edit Master text styles</a:t>
             </a:r>
+            <a:endParaRPr lang="en-US" smtClean="0"/>
           </a:p>
           <a:p>
             <a:pPr lvl="1"/>
@@ -2497,6 +2476,7 @@
               <a:rPr lang="en-US" smtClean="0"/>
               <a:t>Second level</a:t>
             </a:r>
+            <a:endParaRPr lang="en-US" smtClean="0"/>
           </a:p>
           <a:p>
             <a:pPr lvl="2"/>
@@ -2504,6 +2484,7 @@
               <a:rPr lang="en-US" smtClean="0"/>
               <a:t>Third level</a:t>
             </a:r>
+            <a:endParaRPr lang="en-US" smtClean="0"/>
           </a:p>
           <a:p>
             <a:pPr lvl="3"/>
@@ -2511,6 +2492,7 @@
               <a:rPr lang="en-US" smtClean="0"/>
               <a:t>Fourth level</a:t>
             </a:r>
+            <a:endParaRPr lang="en-US" smtClean="0"/>
           </a:p>
           <a:p>
             <a:pPr lvl="4"/>
@@ -2539,7 +2521,6 @@
           <a:p>
             <a:fld id="{17C15CAB-E48F-495C-92CD-4CF2B2C1B0ED}" type="datetime1">
               <a:rPr lang="en-US" smtClean="0"/>
-              <a:t>12/9/2021</a:t>
             </a:fld>
             <a:endParaRPr lang="en-US"/>
           </a:p>
@@ -2581,18 +2562,12 @@
           <a:p>
             <a:fld id="{040DEF24-717E-4741-8753-F7E431A261E5}" type="slidenum">
               <a:rPr lang="en-US" smtClean="0"/>
-              <a:t>‹#›</a:t>
             </a:fld>
             <a:endParaRPr lang="en-US"/>
           </a:p>
         </p:txBody>
       </p:sp>
     </p:spTree>
-    <p:extLst>
-      <p:ext uri="{BB962C8B-B14F-4D97-AF65-F5344CB8AC3E}">
-        <p14:creationId xmlns:p14="http://schemas.microsoft.com/office/powerpoint/2010/main" val="2143270365"/>
-      </p:ext>
-    </p:extLst>
   </p:cSld>
   <p:clrMapOvr>
     <a:masterClrMapping/>
@@ -2657,7 +2632,6 @@
           <a:p>
             <a:fld id="{5302AA14-F259-4723-9AF0-36DE127C0145}" type="datetime1">
               <a:rPr lang="en-US" smtClean="0"/>
-              <a:t>12/9/2021</a:t>
             </a:fld>
             <a:endParaRPr lang="en-US"/>
           </a:p>
@@ -2699,18 +2673,12 @@
           <a:p>
             <a:fld id="{040DEF24-717E-4741-8753-F7E431A261E5}" type="slidenum">
               <a:rPr lang="en-US" smtClean="0"/>
-              <a:t>‹#›</a:t>
             </a:fld>
             <a:endParaRPr lang="en-US"/>
           </a:p>
         </p:txBody>
       </p:sp>
     </p:spTree>
-    <p:extLst>
-      <p:ext uri="{BB962C8B-B14F-4D97-AF65-F5344CB8AC3E}">
-        <p14:creationId xmlns:p14="http://schemas.microsoft.com/office/powerpoint/2010/main" val="2257950198"/>
-      </p:ext>
-    </p:extLst>
   </p:cSld>
   <p:clrMapOvr>
     <a:masterClrMapping/>
@@ -2752,7 +2720,6 @@
           <a:p>
             <a:fld id="{C9349F59-A2E8-4E73-9F17-B6C9798F4358}" type="datetime1">
               <a:rPr lang="en-US" smtClean="0"/>
-              <a:t>12/9/2021</a:t>
             </a:fld>
             <a:endParaRPr lang="en-US"/>
           </a:p>
@@ -2794,18 +2761,12 @@
           <a:p>
             <a:fld id="{040DEF24-717E-4741-8753-F7E431A261E5}" type="slidenum">
               <a:rPr lang="en-US" smtClean="0"/>
-              <a:t>‹#›</a:t>
             </a:fld>
             <a:endParaRPr lang="en-US"/>
           </a:p>
         </p:txBody>
       </p:sp>
     </p:spTree>
-    <p:extLst>
-      <p:ext uri="{BB962C8B-B14F-4D97-AF65-F5344CB8AC3E}">
-        <p14:creationId xmlns:p14="http://schemas.microsoft.com/office/powerpoint/2010/main" val="1977536008"/>
-      </p:ext>
-    </p:extLst>
   </p:cSld>
   <p:clrMapOvr>
     <a:masterClrMapping/>
@@ -2814,7 +2775,7 @@
 </file>
 
 <file path=ppt/slideLayouts/slideLayout8.xml><?xml version="1.0" encoding="utf-8"?>
-<p:sldLayout xmlns:a="http://schemas.openxmlformats.org/drawingml/2006/main" xmlns:r="http://schemas.openxmlformats.org/officeDocument/2006/relationships" xmlns:p="http://schemas.openxmlformats.org/presentationml/2006/main" showMasterSp="0" type="objTx" preserve="1">
+<p:sldLayout xmlns:a="http://schemas.openxmlformats.org/drawingml/2006/main" xmlns:r="http://schemas.openxmlformats.org/officeDocument/2006/relationships" xmlns:p="http://schemas.openxmlformats.org/presentationml/2006/main" type="objTx" preserve="1" showMasterSp="0">
   <p:cSld name="Content with Caption">
     <p:spTree>
       <p:nvGrpSpPr>
@@ -2974,6 +2935,7 @@
               <a:rPr lang="en-US" smtClean="0"/>
               <a:t>Edit Master text styles</a:t>
             </a:r>
+            <a:endParaRPr lang="en-US" smtClean="0"/>
           </a:p>
           <a:p>
             <a:pPr lvl="1"/>
@@ -2981,6 +2943,7 @@
               <a:rPr lang="en-US" smtClean="0"/>
               <a:t>Second level</a:t>
             </a:r>
+            <a:endParaRPr lang="en-US" smtClean="0"/>
           </a:p>
           <a:p>
             <a:pPr lvl="2"/>
@@ -2988,6 +2951,7 @@
               <a:rPr lang="en-US" smtClean="0"/>
               <a:t>Third level</a:t>
             </a:r>
+            <a:endParaRPr lang="en-US" smtClean="0"/>
           </a:p>
           <a:p>
             <a:pPr lvl="3"/>
@@ -2995,6 +2959,7 @@
               <a:rPr lang="en-US" smtClean="0"/>
               <a:t>Fourth level</a:t>
             </a:r>
+            <a:endParaRPr lang="en-US" smtClean="0"/>
           </a:p>
           <a:p>
             <a:pPr lvl="4"/>
@@ -3082,6 +3047,7 @@
               <a:rPr lang="en-US" smtClean="0"/>
               <a:t>Edit Master text styles</a:t>
             </a:r>
+            <a:endParaRPr lang="en-US" smtClean="0"/>
           </a:p>
         </p:txBody>
       </p:sp>
@@ -3102,7 +3068,6 @@
           <a:p>
             <a:fld id="{44F06C92-CE98-4B24-91B3-57666E0FED09}" type="datetime1">
               <a:rPr lang="en-US" smtClean="0"/>
-              <a:t>12/9/2021</a:t>
             </a:fld>
             <a:endParaRPr lang="en-US"/>
           </a:p>
@@ -3171,10 +3136,10 @@
                     <a14:imgProps xmlns:a14="http://schemas.microsoft.com/office/drawing/2010/main">
                       <a14:imgLayer r:embed="rId5">
                         <a14:imgEffect>
-                          <a14:saturation sat="95000"/>
+                          <a14:brightnessContrast bright="-40000" contrast="20000"/>
                         </a14:imgEffect>
                         <a14:imgEffect>
-                          <a14:brightnessContrast bright="-40000" contrast="20000"/>
+                          <a14:saturation sat="95000"/>
                         </a14:imgEffect>
                       </a14:imgLayer>
                     </a14:imgProps>
@@ -3233,18 +3198,12 @@
           <a:p>
             <a:fld id="{040DEF24-717E-4741-8753-F7E431A261E5}" type="slidenum">
               <a:rPr lang="en-US" smtClean="0"/>
-              <a:t>‹#›</a:t>
             </a:fld>
             <a:endParaRPr lang="en-US"/>
           </a:p>
         </p:txBody>
       </p:sp>
     </p:spTree>
-    <p:extLst>
-      <p:ext uri="{BB962C8B-B14F-4D97-AF65-F5344CB8AC3E}">
-        <p14:creationId xmlns:p14="http://schemas.microsoft.com/office/powerpoint/2010/main" val="2815839771"/>
-      </p:ext>
-    </p:extLst>
   </p:cSld>
   <p:clrMapOvr>
     <a:masterClrMapping/>
@@ -3253,7 +3212,7 @@
 </file>
 
 <file path=ppt/slideLayouts/slideLayout9.xml><?xml version="1.0" encoding="utf-8"?>
-<p:sldLayout xmlns:a="http://schemas.openxmlformats.org/drawingml/2006/main" xmlns:r="http://schemas.openxmlformats.org/officeDocument/2006/relationships" xmlns:p="http://schemas.openxmlformats.org/presentationml/2006/main" showMasterSp="0" type="picTx" preserve="1">
+<p:sldLayout xmlns:a="http://schemas.openxmlformats.org/drawingml/2006/main" xmlns:r="http://schemas.openxmlformats.org/officeDocument/2006/relationships" xmlns:p="http://schemas.openxmlformats.org/presentationml/2006/main" type="picTx" preserve="1" showMasterSp="0">
   <p:cSld name="Picture with Caption">
     <p:spTree>
       <p:nvGrpSpPr>
@@ -3507,6 +3466,7 @@
               <a:rPr lang="en-US" smtClean="0"/>
               <a:t>Edit Master text styles</a:t>
             </a:r>
+            <a:endParaRPr lang="en-US" smtClean="0"/>
           </a:p>
         </p:txBody>
       </p:sp>
@@ -3527,7 +3487,6 @@
           <a:p>
             <a:fld id="{15CAC543-8889-4E95-B4AC-6EDFB98064E3}" type="datetime1">
               <a:rPr lang="en-US" smtClean="0"/>
-              <a:t>12/9/2021</a:t>
             </a:fld>
             <a:endParaRPr lang="en-US"/>
           </a:p>
@@ -3577,10 +3536,10 @@
                     <a14:imgProps xmlns:a14="http://schemas.microsoft.com/office/drawing/2010/main">
                       <a14:imgLayer r:embed="rId5">
                         <a14:imgEffect>
-                          <a14:saturation sat="95000"/>
+                          <a14:brightnessContrast bright="-40000" contrast="20000"/>
                         </a14:imgEffect>
                         <a14:imgEffect>
-                          <a14:brightnessContrast bright="-40000" contrast="20000"/>
+                          <a14:saturation sat="95000"/>
                         </a14:imgEffect>
                       </a14:imgLayer>
                     </a14:imgProps>
@@ -3639,18 +3598,12 @@
           <a:p>
             <a:fld id="{040DEF24-717E-4741-8753-F7E431A261E5}" type="slidenum">
               <a:rPr lang="en-US" smtClean="0"/>
-              <a:t>‹#›</a:t>
             </a:fld>
             <a:endParaRPr lang="en-US"/>
           </a:p>
         </p:txBody>
       </p:sp>
     </p:spTree>
-    <p:extLst>
-      <p:ext uri="{BB962C8B-B14F-4D97-AF65-F5344CB8AC3E}">
-        <p14:creationId xmlns:p14="http://schemas.microsoft.com/office/powerpoint/2010/main" val="3746290219"/>
-      </p:ext>
-    </p:extLst>
   </p:cSld>
   <p:clrMapOvr>
     <a:masterClrMapping/>
@@ -3743,6 +3696,7 @@
               <a:rPr lang="en-US" smtClean="0"/>
               <a:t>Edit Master text styles</a:t>
             </a:r>
+            <a:endParaRPr lang="en-US" smtClean="0"/>
           </a:p>
           <a:p>
             <a:pPr lvl="1"/>
@@ -3750,6 +3704,7 @@
               <a:rPr lang="en-US" smtClean="0"/>
               <a:t>Second level</a:t>
             </a:r>
+            <a:endParaRPr lang="en-US" smtClean="0"/>
           </a:p>
           <a:p>
             <a:pPr lvl="2"/>
@@ -3757,6 +3712,7 @@
               <a:rPr lang="en-US" smtClean="0"/>
               <a:t>Third level</a:t>
             </a:r>
+            <a:endParaRPr lang="en-US" smtClean="0"/>
           </a:p>
           <a:p>
             <a:pPr lvl="3"/>
@@ -3764,6 +3720,7 @@
               <a:rPr lang="en-US" smtClean="0"/>
               <a:t>Fourth level</a:t>
             </a:r>
+            <a:endParaRPr lang="en-US" smtClean="0"/>
           </a:p>
           <a:p>
             <a:pPr lvl="4"/>
@@ -3808,7 +3765,6 @@
           <a:p>
             <a:fld id="{BDFF3CA4-504F-4AB7-961C-755BCE655230}" type="datetime1">
               <a:rPr lang="en-US" smtClean="0"/>
-              <a:t>12/9/2021</a:t>
             </a:fld>
             <a:endParaRPr lang="en-US"/>
           </a:p>
@@ -3880,7 +3836,7 @@
               <a:avLst/>
             </a:prstGeom>
             <a:blipFill dpi="0" rotWithShape="1">
-              <a:blip r:embed="rId13">
+              <a:blip r:embed="rId12">
                 <a:duotone>
                   <a:schemeClr val="accent1">
                     <a:shade val="45000"/>
@@ -3891,12 +3847,12 @@
                 <a:extLst>
                   <a:ext uri="{BEBA8EAE-BF5A-486C-A8C5-ECC9F3942E4B}">
                     <a14:imgProps xmlns:a14="http://schemas.microsoft.com/office/drawing/2010/main">
-                      <a14:imgLayer r:embed="rId14">
+                      <a14:imgLayer r:embed="rId13">
+                        <a14:imgEffect>
+                          <a14:brightnessContrast bright="-40000" contrast="20000"/>
+                        </a14:imgEffect>
                         <a14:imgEffect>
                           <a14:saturation sat="95000"/>
-                        </a14:imgEffect>
-                        <a14:imgEffect>
-                          <a14:brightnessContrast bright="-40000" contrast="20000"/>
                         </a14:imgEffect>
                       </a14:imgLayer>
                     </a14:imgProps>
@@ -3972,32 +3928,26 @@
           <a:p>
             <a:fld id="{040DEF24-717E-4741-8753-F7E431A261E5}" type="slidenum">
               <a:rPr lang="en-US" smtClean="0"/>
-              <a:t>‹#›</a:t>
             </a:fld>
             <a:endParaRPr lang="en-US"/>
           </a:p>
         </p:txBody>
       </p:sp>
     </p:spTree>
-    <p:extLst>
-      <p:ext uri="{BB962C8B-B14F-4D97-AF65-F5344CB8AC3E}">
-        <p14:creationId xmlns:p14="http://schemas.microsoft.com/office/powerpoint/2010/main" val="2571687073"/>
-      </p:ext>
-    </p:extLst>
   </p:cSld>
   <p:clrMap bg1="lt1" tx1="dk1" bg2="lt2" tx2="dk2" accent1="accent1" accent2="accent2" accent3="accent3" accent4="accent4" accent5="accent5" accent6="accent6" hlink="hlink" folHlink="folHlink"/>
   <p:sldLayoutIdLst>
-    <p:sldLayoutId id="2147483690" r:id="rId1"/>
-    <p:sldLayoutId id="2147483691" r:id="rId2"/>
-    <p:sldLayoutId id="2147483692" r:id="rId3"/>
-    <p:sldLayoutId id="2147483693" r:id="rId4"/>
-    <p:sldLayoutId id="2147483694" r:id="rId5"/>
-    <p:sldLayoutId id="2147483695" r:id="rId6"/>
-    <p:sldLayoutId id="2147483696" r:id="rId7"/>
-    <p:sldLayoutId id="2147483697" r:id="rId8"/>
-    <p:sldLayoutId id="2147483698" r:id="rId9"/>
-    <p:sldLayoutId id="2147483699" r:id="rId10"/>
-    <p:sldLayoutId id="2147483700" r:id="rId11"/>
+    <p:sldLayoutId id="2147483649" r:id="rId1"/>
+    <p:sldLayoutId id="2147483650" r:id="rId2"/>
+    <p:sldLayoutId id="2147483651" r:id="rId3"/>
+    <p:sldLayoutId id="2147483652" r:id="rId4"/>
+    <p:sldLayoutId id="2147483653" r:id="rId5"/>
+    <p:sldLayoutId id="2147483654" r:id="rId6"/>
+    <p:sldLayoutId id="2147483655" r:id="rId7"/>
+    <p:sldLayoutId id="2147483656" r:id="rId8"/>
+    <p:sldLayoutId id="2147483657" r:id="rId9"/>
+    <p:sldLayoutId id="2147483658" r:id="rId10"/>
+    <p:sldLayoutId id="2147483659" r:id="rId11"/>
   </p:sldLayoutIdLst>
   <p:hf hdr="0" ftr="0" dt="0"/>
   <p:txStyles>
@@ -4012,7 +3962,7 @@
         <a:buNone/>
         <a:defRPr sz="5400" kern="1200" cap="all" baseline="0">
           <a:blipFill>
-            <a:blip r:embed="rId15">
+            <a:blip r:embed="rId14">
               <a:extLst>
                 <a:ext uri="{28A0092B-C50C-407E-A947-70E740481C1C}">
                   <a14:useLocalDpi xmlns:a14="http://schemas.microsoft.com/office/drawing/2010/main" val="0"/>
@@ -4041,7 +3991,7 @@
           </a:schemeClr>
         </a:buClr>
         <a:buSzPct val="85000"/>
-        <a:buFont typeface="Wingdings" pitchFamily="2" charset="2"/>
+        <a:buFont typeface="Wingdings" panose="05000000000000000000" pitchFamily="2" charset="2"/>
         <a:buChar char="§"/>
         <a:defRPr sz="2000" kern="1200">
           <a:solidFill>
@@ -4068,7 +4018,7 @@
           </a:schemeClr>
         </a:buClr>
         <a:buSzPct val="85000"/>
-        <a:buFont typeface="Wingdings" pitchFamily="2" charset="2"/>
+        <a:buFont typeface="Wingdings" panose="05000000000000000000" pitchFamily="2" charset="2"/>
         <a:buChar char="§"/>
         <a:defRPr sz="1800" kern="1200">
           <a:solidFill>
@@ -4095,7 +4045,7 @@
           </a:schemeClr>
         </a:buClr>
         <a:buSzPct val="85000"/>
-        <a:buFont typeface="Wingdings" pitchFamily="2" charset="2"/>
+        <a:buFont typeface="Wingdings" panose="05000000000000000000" pitchFamily="2" charset="2"/>
         <a:buChar char="§"/>
         <a:defRPr sz="1600" kern="1200">
           <a:solidFill>
@@ -4122,7 +4072,7 @@
           </a:schemeClr>
         </a:buClr>
         <a:buSzPct val="85000"/>
-        <a:buFont typeface="Wingdings" pitchFamily="2" charset="2"/>
+        <a:buFont typeface="Wingdings" panose="05000000000000000000" pitchFamily="2" charset="2"/>
         <a:buChar char="§"/>
         <a:defRPr sz="1600" kern="1200">
           <a:solidFill>
@@ -4149,7 +4099,7 @@
           </a:schemeClr>
         </a:buClr>
         <a:buSzPct val="85000"/>
-        <a:buFont typeface="Wingdings" pitchFamily="2" charset="2"/>
+        <a:buFont typeface="Wingdings" panose="05000000000000000000" pitchFamily="2" charset="2"/>
         <a:buChar char="§"/>
         <a:defRPr sz="1600" kern="1200">
           <a:solidFill>
@@ -4160,7 +4110,7 @@
           <a:cs typeface="+mn-cs"/>
         </a:defRPr>
       </a:lvl5pPr>
-      <a:lvl6pPr marL="1600000" indent="-228600" algn="l" defTabSz="914400" rtl="0" eaLnBrk="1" latinLnBrk="0" hangingPunct="1">
+      <a:lvl6pPr marL="1600200" indent="-228600" algn="l" defTabSz="914400" rtl="0" eaLnBrk="1" latinLnBrk="0" hangingPunct="1">
         <a:lnSpc>
           <a:spcPct val="90000"/>
         </a:lnSpc>
@@ -4176,7 +4126,7 @@
           </a:schemeClr>
         </a:buClr>
         <a:buSzPct val="85000"/>
-        <a:buFont typeface="Wingdings" pitchFamily="2" charset="2"/>
+        <a:buFont typeface="Wingdings" panose="05000000000000000000" pitchFamily="2" charset="2"/>
         <a:buChar char="§"/>
         <a:defRPr sz="1600" kern="1200">
           <a:solidFill>
@@ -4187,7 +4137,7 @@
           <a:cs typeface="+mn-cs"/>
         </a:defRPr>
       </a:lvl6pPr>
-      <a:lvl7pPr marL="1900000" indent="-228600" algn="l" defTabSz="914400" rtl="0" eaLnBrk="1" latinLnBrk="0" hangingPunct="1">
+      <a:lvl7pPr marL="1899920" indent="-228600" algn="l" defTabSz="914400" rtl="0" eaLnBrk="1" latinLnBrk="0" hangingPunct="1">
         <a:lnSpc>
           <a:spcPct val="90000"/>
         </a:lnSpc>
@@ -4203,7 +4153,7 @@
           </a:schemeClr>
         </a:buClr>
         <a:buSzPct val="85000"/>
-        <a:buFont typeface="Wingdings" pitchFamily="2" charset="2"/>
+        <a:buFont typeface="Wingdings" panose="05000000000000000000" pitchFamily="2" charset="2"/>
         <a:buChar char="§"/>
         <a:defRPr sz="1600" kern="1200">
           <a:solidFill>
@@ -4214,7 +4164,7 @@
           <a:cs typeface="+mn-cs"/>
         </a:defRPr>
       </a:lvl7pPr>
-      <a:lvl8pPr marL="2200000" indent="-228600" algn="l" defTabSz="914400" rtl="0" eaLnBrk="1" latinLnBrk="0" hangingPunct="1">
+      <a:lvl8pPr marL="2200275" indent="-228600" algn="l" defTabSz="914400" rtl="0" eaLnBrk="1" latinLnBrk="0" hangingPunct="1">
         <a:lnSpc>
           <a:spcPct val="90000"/>
         </a:lnSpc>
@@ -4230,7 +4180,7 @@
           </a:schemeClr>
         </a:buClr>
         <a:buSzPct val="85000"/>
-        <a:buFont typeface="Wingdings" pitchFamily="2" charset="2"/>
+        <a:buFont typeface="Wingdings" panose="05000000000000000000" pitchFamily="2" charset="2"/>
         <a:buChar char="§"/>
         <a:defRPr sz="1600" kern="1200">
           <a:solidFill>
@@ -4241,7 +4191,7 @@
           <a:cs typeface="+mn-cs"/>
         </a:defRPr>
       </a:lvl8pPr>
-      <a:lvl9pPr marL="2500000" indent="-228600" algn="l" defTabSz="914400" rtl="0" eaLnBrk="1" latinLnBrk="0" hangingPunct="1">
+      <a:lvl9pPr marL="2499995" indent="-228600" algn="l" defTabSz="914400" rtl="0" eaLnBrk="1" latinLnBrk="0" hangingPunct="1">
         <a:lnSpc>
           <a:spcPct val="90000"/>
         </a:lnSpc>
@@ -4257,7 +4207,7 @@
           </a:schemeClr>
         </a:buClr>
         <a:buSzPct val="85000"/>
-        <a:buFont typeface="Wingdings" pitchFamily="2" charset="2"/>
+        <a:buFont typeface="Wingdings" panose="05000000000000000000" pitchFamily="2" charset="2"/>
         <a:buChar char="§"/>
         <a:defRPr sz="1600" kern="1200">
           <a:solidFill>
@@ -4494,7 +4444,7 @@
           <p:nvPr/>
         </p:nvPicPr>
         <p:blipFill>
-          <a:blip r:embed="rId2" cstate="print">
+          <a:blip r:embed="rId1" cstate="print">
             <a:extLst>
               <a:ext uri="{28A0092B-C50C-407E-A947-70E740481C1C}">
                 <a14:useLocalDpi xmlns:a14="http://schemas.microsoft.com/office/drawing/2010/main" val="0"/>
@@ -4952,6 +4902,7 @@
               <a:rPr lang="en-US" sz="1600" b="1" dirty="0"/>
               <a:t>2</a:t>
             </a:r>
+            <a:endParaRPr lang="en-US" sz="1600" b="1" dirty="0"/>
           </a:p>
         </p:txBody>
       </p:sp>
@@ -5083,11 +5034,6 @@
         </p:txBody>
       </p:sp>
     </p:spTree>
-    <p:extLst>
-      <p:ext uri="{BB962C8B-B14F-4D97-AF65-F5344CB8AC3E}">
-        <p14:creationId xmlns:p14="http://schemas.microsoft.com/office/powerpoint/2010/main" val="3273069456"/>
-      </p:ext>
-    </p:extLst>
   </p:cSld>
   <p:clrMapOvr>
     <a:masterClrMapping/>
@@ -5103,6 +5049,451 @@
 </file>
 
 <file path=ppt/slides/slide10.xml><?xml version="1.0" encoding="utf-8"?>
+<p:sld xmlns:a="http://schemas.openxmlformats.org/drawingml/2006/main" xmlns:r="http://schemas.openxmlformats.org/officeDocument/2006/relationships" xmlns:p="http://schemas.openxmlformats.org/presentationml/2006/main">
+  <p:cSld>
+    <p:spTree>
+      <p:nvGrpSpPr>
+        <p:cNvPr id="1" name=""/>
+        <p:cNvGrpSpPr/>
+        <p:nvPr/>
+      </p:nvGrpSpPr>
+      <p:grpSpPr>
+        <a:xfrm>
+          <a:off x="0" y="0"/>
+          <a:ext cx="0" cy="0"/>
+          <a:chOff x="0" y="0"/>
+          <a:chExt cx="0" cy="0"/>
+        </a:xfrm>
+      </p:grpSpPr>
+      <p:sp>
+        <p:nvSpPr>
+          <p:cNvPr id="2" name="Title 1"/>
+          <p:cNvSpPr>
+            <a:spLocks noGrp="1"/>
+          </p:cNvSpPr>
+          <p:nvPr>
+            <p:ph type="title"/>
+          </p:nvPr>
+        </p:nvSpPr>
+        <p:spPr>
+          <a:xfrm>
+            <a:off x="1069848" y="484632"/>
+            <a:ext cx="10058400" cy="715518"/>
+          </a:xfrm>
+        </p:spPr>
+        <p:txBody>
+          <a:bodyPr>
+            <a:normAutofit/>
+          </a:bodyPr>
+          <a:lstStyle/>
+          <a:p>
+            <a:r>
+              <a:rPr lang="vi-VN" sz="4000" b="1" dirty="0">
+                <a:latin typeface="Times New Roman" panose="02020603050405020304" pitchFamily="18" charset="0"/>
+                <a:cs typeface="Times New Roman" panose="02020603050405020304" pitchFamily="18" charset="0"/>
+              </a:rPr>
+              <a:t>giải pháp, đề xuất</a:t>
+            </a:r>
+            <a:endParaRPr lang="en-US" sz="4000" b="1" dirty="0">
+              <a:latin typeface="Times New Roman" panose="02020603050405020304" pitchFamily="18" charset="0"/>
+              <a:cs typeface="Times New Roman" panose="02020603050405020304" pitchFamily="18" charset="0"/>
+            </a:endParaRPr>
+          </a:p>
+        </p:txBody>
+      </p:sp>
+      <p:sp>
+        <p:nvSpPr>
+          <p:cNvPr id="4" name="Slide Number Placeholder 3"/>
+          <p:cNvSpPr>
+            <a:spLocks noGrp="1"/>
+          </p:cNvSpPr>
+          <p:nvPr>
+            <p:ph type="sldNum" sz="quarter" idx="12"/>
+          </p:nvPr>
+        </p:nvSpPr>
+        <p:spPr/>
+        <p:txBody>
+          <a:bodyPr/>
+          <a:lstStyle/>
+          <a:p>
+            <a:fld id="{040DEF24-717E-4741-8753-F7E431A261E5}" type="slidenum">
+              <a:rPr lang="en-US" smtClean="0"/>
+            </a:fld>
+            <a:endParaRPr lang="en-US"/>
+          </a:p>
+        </p:txBody>
+      </p:sp>
+      <p:sp>
+        <p:nvSpPr>
+          <p:cNvPr id="8" name="TextBox 7"/>
+          <p:cNvSpPr txBox="1"/>
+          <p:nvPr/>
+        </p:nvSpPr>
+        <p:spPr>
+          <a:xfrm>
+            <a:off x="1069848" y="2409825"/>
+            <a:ext cx="9883902" cy="369332"/>
+          </a:xfrm>
+          <a:prstGeom prst="rect">
+            <a:avLst/>
+          </a:prstGeom>
+          <a:noFill/>
+        </p:spPr>
+        <p:txBody>
+          <a:bodyPr wrap="square" rtlCol="0">
+            <a:spAutoFit/>
+          </a:bodyPr>
+          <a:lstStyle/>
+          <a:p>
+            <a:r>
+              <a:rPr lang="en-US" dirty="0" smtClean="0"/>
+              <a:t>. </a:t>
+            </a:r>
+            <a:endParaRPr lang="en-US" dirty="0"/>
+          </a:p>
+        </p:txBody>
+      </p:sp>
+      <p:sp>
+        <p:nvSpPr>
+          <p:cNvPr id="9" name="TextBox 8"/>
+          <p:cNvSpPr txBox="1"/>
+          <p:nvPr/>
+        </p:nvSpPr>
+        <p:spPr>
+          <a:xfrm>
+            <a:off x="1069848" y="1323975"/>
+            <a:ext cx="10744873" cy="4947508"/>
+          </a:xfrm>
+          <a:prstGeom prst="rect">
+            <a:avLst/>
+          </a:prstGeom>
+          <a:noFill/>
+        </p:spPr>
+        <p:txBody>
+          <a:bodyPr wrap="square" rtlCol="0">
+            <a:spAutoFit/>
+          </a:bodyPr>
+          <a:lstStyle/>
+          <a:p>
+            <a:r>
+              <a:rPr lang="en-US" sz="2400" b="1" dirty="0">
+                <a:solidFill>
+                  <a:schemeClr val="accent2">
+                    <a:lumMod val="50000"/>
+                  </a:schemeClr>
+                </a:solidFill>
+                <a:latin typeface="Roboto" panose="02000000000000000000" pitchFamily="2" charset="0"/>
+                <a:ea typeface="Roboto" panose="02000000000000000000" pitchFamily="2" charset="0"/>
+                <a:cs typeface="Arial" panose="020B0604020202020204" pitchFamily="34" charset="0"/>
+              </a:rPr>
+              <a:t>Trước khi nói về vấn đề chính, đề tài còn có những hạn chế nhất định sau đây:</a:t>
+            </a:r>
+            <a:endParaRPr lang="en-US" sz="2400" b="1" dirty="0">
+              <a:solidFill>
+                <a:schemeClr val="accent2">
+                  <a:lumMod val="50000"/>
+                </a:schemeClr>
+              </a:solidFill>
+              <a:latin typeface="Roboto" panose="02000000000000000000" pitchFamily="2" charset="0"/>
+              <a:ea typeface="Roboto" panose="02000000000000000000" pitchFamily="2" charset="0"/>
+              <a:cs typeface="Arial" panose="020B0604020202020204" pitchFamily="34" charset="0"/>
+            </a:endParaRPr>
+          </a:p>
+          <a:p>
+            <a:pPr marL="285750" lvl="0" indent="-285750">
+              <a:spcAft>
+                <a:spcPts val="300"/>
+              </a:spcAft>
+              <a:buFont typeface="Wingdings" panose="05000000000000000000" pitchFamily="2" charset="2"/>
+              <a:buChar char="§"/>
+            </a:pPr>
+            <a:r>
+              <a:rPr lang="en-US" sz="1600" dirty="0">
+                <a:latin typeface="Arial" panose="020B0604020202020204" pitchFamily="34" charset="0"/>
+                <a:cs typeface="Arial" panose="020B0604020202020204" pitchFamily="34" charset="0"/>
+              </a:rPr>
+              <a:t>Vì là máy tính cá nhân không thể làm việc ở thời gian liên tục và lâu dài cần phải bật tắt hàng ngày nên </a:t>
+            </a:r>
+            <a:r>
+              <a:rPr lang="en-US" sz="1600" dirty="0" smtClean="0">
+                <a:latin typeface="Arial" panose="020B0604020202020204" pitchFamily="34" charset="0"/>
+                <a:cs typeface="Arial" panose="020B0604020202020204" pitchFamily="34" charset="0"/>
+              </a:rPr>
+              <a:t>phải dùng đến PostgreSQL.</a:t>
+            </a:r>
+            <a:endParaRPr lang="en-US" sz="1600" dirty="0">
+              <a:latin typeface="Arial" panose="020B0604020202020204" pitchFamily="34" charset="0"/>
+              <a:cs typeface="Arial" panose="020B0604020202020204" pitchFamily="34" charset="0"/>
+            </a:endParaRPr>
+          </a:p>
+          <a:p>
+            <a:pPr marL="285750" lvl="0" indent="-285750">
+              <a:spcAft>
+                <a:spcPts val="300"/>
+              </a:spcAft>
+              <a:buFont typeface="Wingdings" panose="05000000000000000000" pitchFamily="2" charset="2"/>
+              <a:buChar char="§"/>
+            </a:pPr>
+            <a:r>
+              <a:rPr lang="en-US" sz="1600" dirty="0">
+                <a:latin typeface="Arial" panose="020B0604020202020204" pitchFamily="34" charset="0"/>
+                <a:cs typeface="Arial" panose="020B0604020202020204" pitchFamily="34" charset="0"/>
+              </a:rPr>
+              <a:t>Môi trường cần mạng wifi, không thể dùng hotspot trên điện thoại để phát nên khó trong việc di chuyển đến những nơi xa hay thiếu wifi. </a:t>
+            </a:r>
+            <a:endParaRPr lang="en-US" sz="1600" dirty="0">
+              <a:latin typeface="Arial" panose="020B0604020202020204" pitchFamily="34" charset="0"/>
+              <a:cs typeface="Arial" panose="020B0604020202020204" pitchFamily="34" charset="0"/>
+            </a:endParaRPr>
+          </a:p>
+          <a:p>
+            <a:pPr marL="285750" lvl="0" indent="-285750">
+              <a:spcAft>
+                <a:spcPts val="300"/>
+              </a:spcAft>
+              <a:buFont typeface="Wingdings" panose="05000000000000000000" pitchFamily="2" charset="2"/>
+              <a:buChar char="§"/>
+            </a:pPr>
+            <a:r>
+              <a:rPr lang="en-US" sz="1600" dirty="0">
+                <a:latin typeface="Arial" panose="020B0604020202020204" pitchFamily="34" charset="0"/>
+                <a:cs typeface="Arial" panose="020B0604020202020204" pitchFamily="34" charset="0"/>
+              </a:rPr>
+              <a:t>Vì </a:t>
+            </a:r>
+            <a:r>
+              <a:rPr lang="en-US" sz="1600" dirty="0" smtClean="0">
+                <a:latin typeface="Arial" panose="020B0604020202020204" pitchFamily="34" charset="0"/>
+                <a:cs typeface="Arial" panose="020B0604020202020204" pitchFamily="34" charset="0"/>
+              </a:rPr>
+              <a:t>không phải là một Server tiêu chuẩn nên hiệu </a:t>
+            </a:r>
+            <a:r>
+              <a:rPr lang="en-US" sz="1600" dirty="0">
+                <a:latin typeface="Arial" panose="020B0604020202020204" pitchFamily="34" charset="0"/>
+                <a:cs typeface="Arial" panose="020B0604020202020204" pitchFamily="34" charset="0"/>
+              </a:rPr>
+              <a:t>suất truyền dẫn có phần thấp hơn hệ thống DNS thông thường</a:t>
+            </a:r>
+            <a:r>
+              <a:rPr lang="en-US" sz="1600" dirty="0" smtClean="0">
+                <a:latin typeface="Arial" panose="020B0604020202020204" pitchFamily="34" charset="0"/>
+                <a:cs typeface="Arial" panose="020B0604020202020204" pitchFamily="34" charset="0"/>
+              </a:rPr>
+              <a:t>.</a:t>
+            </a:r>
+            <a:endParaRPr lang="en-US" sz="1600" dirty="0">
+              <a:latin typeface="Arial" panose="020B0604020202020204" pitchFamily="34" charset="0"/>
+              <a:cs typeface="Arial" panose="020B0604020202020204" pitchFamily="34" charset="0"/>
+            </a:endParaRPr>
+          </a:p>
+          <a:p>
+            <a:pPr marL="285750" lvl="0" indent="-285750">
+              <a:spcAft>
+                <a:spcPts val="300"/>
+              </a:spcAft>
+              <a:buFont typeface="Wingdings" panose="05000000000000000000" pitchFamily="2" charset="2"/>
+              <a:buChar char="§"/>
+            </a:pPr>
+            <a:r>
+              <a:rPr lang="en-US" sz="1600" dirty="0">
+                <a:latin typeface="Arial" panose="020B0604020202020204" pitchFamily="34" charset="0"/>
+                <a:cs typeface="Arial" panose="020B0604020202020204" pitchFamily="34" charset="0"/>
+              </a:rPr>
+              <a:t>Ở đề tài, mô hình này đã đạt được những điều cơ bản của hệ thống Blockchain thông thường nhưng thiếu một số bước kiểm soát tính chất hợp lệ của giao dịch.</a:t>
+            </a:r>
+            <a:endParaRPr lang="en-US" sz="1600" dirty="0">
+              <a:latin typeface="Arial" panose="020B0604020202020204" pitchFamily="34" charset="0"/>
+              <a:cs typeface="Arial" panose="020B0604020202020204" pitchFamily="34" charset="0"/>
+            </a:endParaRPr>
+          </a:p>
+          <a:p>
+            <a:pPr marL="285750" lvl="0" indent="-285750">
+              <a:spcAft>
+                <a:spcPts val="300"/>
+              </a:spcAft>
+              <a:buFont typeface="Wingdings" panose="05000000000000000000" pitchFamily="2" charset="2"/>
+              <a:buChar char="§"/>
+            </a:pPr>
+            <a:r>
+              <a:rPr lang="en-US" sz="1600" dirty="0">
+                <a:latin typeface="Arial" panose="020B0604020202020204" pitchFamily="34" charset="0"/>
+                <a:cs typeface="Arial" panose="020B0604020202020204" pitchFamily="34" charset="0"/>
+              </a:rPr>
+              <a:t>Chưa thể ngăn được các loại tấn công nghe lén hay truyền tin</a:t>
+            </a:r>
+            <a:r>
+              <a:rPr lang="en-US" sz="1600" dirty="0" smtClean="0">
+                <a:latin typeface="Arial" panose="020B0604020202020204" pitchFamily="34" charset="0"/>
+                <a:cs typeface="Arial" panose="020B0604020202020204" pitchFamily="34" charset="0"/>
+              </a:rPr>
+              <a:t>.</a:t>
+            </a:r>
+            <a:endParaRPr lang="en-US" sz="1600" dirty="0" smtClean="0">
+              <a:latin typeface="Arial" panose="020B0604020202020204" pitchFamily="34" charset="0"/>
+              <a:cs typeface="Arial" panose="020B0604020202020204" pitchFamily="34" charset="0"/>
+            </a:endParaRPr>
+          </a:p>
+          <a:p>
+            <a:pPr marL="285750" lvl="0" indent="-285750">
+              <a:buFont typeface="Wingdings" panose="05000000000000000000" pitchFamily="2" charset="2"/>
+              <a:buChar char="§"/>
+            </a:pPr>
+            <a:endParaRPr lang="en-US" dirty="0">
+              <a:latin typeface="Arial" panose="020B0604020202020204" pitchFamily="34" charset="0"/>
+              <a:cs typeface="Arial" panose="020B0604020202020204" pitchFamily="34" charset="0"/>
+            </a:endParaRPr>
+          </a:p>
+          <a:p>
+            <a:r>
+              <a:rPr lang="en-US" sz="2400" b="1" dirty="0">
+                <a:solidFill>
+                  <a:schemeClr val="accent2">
+                    <a:lumMod val="50000"/>
+                  </a:schemeClr>
+                </a:solidFill>
+                <a:latin typeface="Roboto" panose="02000000000000000000" pitchFamily="2" charset="0"/>
+                <a:ea typeface="Roboto" panose="02000000000000000000" pitchFamily="2" charset="0"/>
+                <a:cs typeface="Arial" panose="020B0604020202020204" pitchFamily="34" charset="0"/>
+              </a:rPr>
+              <a:t>Các hướng mở rộng sẽ phần lớn nhắm vào hạn chế đã nêu trên như sau :</a:t>
+            </a:r>
+            <a:endParaRPr lang="en-US" sz="2400" b="1" dirty="0">
+              <a:solidFill>
+                <a:schemeClr val="accent2">
+                  <a:lumMod val="50000"/>
+                </a:schemeClr>
+              </a:solidFill>
+              <a:latin typeface="Roboto" panose="02000000000000000000" pitchFamily="2" charset="0"/>
+              <a:ea typeface="Roboto" panose="02000000000000000000" pitchFamily="2" charset="0"/>
+              <a:cs typeface="Arial" panose="020B0604020202020204" pitchFamily="34" charset="0"/>
+            </a:endParaRPr>
+          </a:p>
+          <a:p>
+            <a:pPr marL="285750" lvl="0" indent="-285750">
+              <a:spcAft>
+                <a:spcPts val="300"/>
+              </a:spcAft>
+              <a:buFont typeface="Wingdings" panose="05000000000000000000" pitchFamily="2" charset="2"/>
+              <a:buChar char="§"/>
+            </a:pPr>
+            <a:r>
+              <a:rPr lang="en-US" sz="1600" dirty="0">
+                <a:latin typeface="Arial" panose="020B0604020202020204" pitchFamily="34" charset="0"/>
+                <a:cs typeface="Arial" panose="020B0604020202020204" pitchFamily="34" charset="0"/>
+              </a:rPr>
+              <a:t>Phát triển thêm hệ thống Blockchain về mặt bảo mật giao dịch bằng chữ kí số hay các giải pháp bảo mật khác ở hiện tại.</a:t>
+            </a:r>
+            <a:endParaRPr lang="en-US" sz="1600" dirty="0">
+              <a:latin typeface="Arial" panose="020B0604020202020204" pitchFamily="34" charset="0"/>
+              <a:cs typeface="Arial" panose="020B0604020202020204" pitchFamily="34" charset="0"/>
+            </a:endParaRPr>
+          </a:p>
+          <a:p>
+            <a:pPr marL="285750" lvl="0" indent="-285750">
+              <a:spcAft>
+                <a:spcPts val="300"/>
+              </a:spcAft>
+              <a:buFont typeface="Wingdings" panose="05000000000000000000" pitchFamily="2" charset="2"/>
+              <a:buChar char="§"/>
+            </a:pPr>
+            <a:r>
+              <a:rPr lang="en-US" sz="1600" dirty="0">
+                <a:latin typeface="Arial" panose="020B0604020202020204" pitchFamily="34" charset="0"/>
+                <a:cs typeface="Arial" panose="020B0604020202020204" pitchFamily="34" charset="0"/>
+              </a:rPr>
+              <a:t>Đưa nhiều lựa chọn hơn trên giao diện giao tiếp người dùng, cho phép nhiều loại người dùng khác nhau trở thành Miner và trả công qua ví điện tử thật.</a:t>
+            </a:r>
+            <a:endParaRPr lang="en-US" sz="1600" dirty="0">
+              <a:latin typeface="Arial" panose="020B0604020202020204" pitchFamily="34" charset="0"/>
+              <a:cs typeface="Arial" panose="020B0604020202020204" pitchFamily="34" charset="0"/>
+            </a:endParaRPr>
+          </a:p>
+          <a:p>
+            <a:pPr marL="285750" lvl="0" indent="-285750">
+              <a:spcAft>
+                <a:spcPts val="300"/>
+              </a:spcAft>
+              <a:buFont typeface="Wingdings" panose="05000000000000000000" pitchFamily="2" charset="2"/>
+              <a:buChar char="§"/>
+            </a:pPr>
+            <a:r>
+              <a:rPr lang="en-US" sz="1600" dirty="0">
+                <a:latin typeface="Arial" panose="020B0604020202020204" pitchFamily="34" charset="0"/>
+                <a:cs typeface="Arial" panose="020B0604020202020204" pitchFamily="34" charset="0"/>
+              </a:rPr>
+              <a:t>Giao diện và ứng dụng được áp dụng ở nhiều môi trường khác nhau kể cả điện thoại. </a:t>
+            </a:r>
+            <a:endParaRPr lang="en-US" sz="1600" dirty="0">
+              <a:latin typeface="Arial" panose="020B0604020202020204" pitchFamily="34" charset="0"/>
+              <a:cs typeface="Arial" panose="020B0604020202020204" pitchFamily="34" charset="0"/>
+            </a:endParaRPr>
+          </a:p>
+        </p:txBody>
+      </p:sp>
+      <p:sp>
+        <p:nvSpPr>
+          <p:cNvPr id="6" name="Rectangle 5"/>
+          <p:cNvSpPr/>
+          <p:nvPr/>
+        </p:nvSpPr>
+        <p:spPr>
+          <a:xfrm>
+            <a:off x="0" y="0"/>
+            <a:ext cx="427839" cy="6858000"/>
+          </a:xfrm>
+          <a:prstGeom prst="rect">
+            <a:avLst/>
+          </a:prstGeom>
+          <a:solidFill>
+            <a:srgbClr val="AA2100"/>
+          </a:solidFill>
+        </p:spPr>
+        <p:style>
+          <a:lnRef idx="2">
+            <a:schemeClr val="accent1">
+              <a:shade val="50000"/>
+            </a:schemeClr>
+          </a:lnRef>
+          <a:fillRef idx="1">
+            <a:schemeClr val="accent1"/>
+          </a:fillRef>
+          <a:effectRef idx="0">
+            <a:schemeClr val="accent1"/>
+          </a:effectRef>
+          <a:fontRef idx="minor">
+            <a:schemeClr val="lt1"/>
+          </a:fontRef>
+        </p:style>
+        <p:txBody>
+          <a:bodyPr rtlCol="0" anchor="ctr"/>
+          <a:lstStyle/>
+          <a:p>
+            <a:pPr algn="ctr"/>
+            <a:endParaRPr lang="en-US">
+              <a:solidFill>
+                <a:srgbClr val="FF0000"/>
+              </a:solidFill>
+            </a:endParaRPr>
+          </a:p>
+        </p:txBody>
+      </p:sp>
+    </p:spTree>
+  </p:cSld>
+  <p:clrMapOvr>
+    <a:masterClrMapping/>
+  </p:clrMapOvr>
+  <p:timing>
+    <p:tnLst>
+      <p:par>
+        <p:cTn id="1" dur="indefinite" restart="never" nodeType="tmRoot"/>
+      </p:par>
+    </p:tnLst>
+  </p:timing>
+</p:sld>
+</file>
+
+<file path=ppt/slides/slide11.xml><?xml version="1.0" encoding="utf-8"?>
 <p:sld xmlns:a="http://schemas.openxmlformats.org/drawingml/2006/main" xmlns:r="http://schemas.openxmlformats.org/officeDocument/2006/relationships" xmlns:p="http://schemas.openxmlformats.org/presentationml/2006/main">
   <p:cSld>
     <p:spTree>
@@ -5270,6 +5661,13 @@
                 </a:rPr>
                 <a:t>YOU</a:t>
               </a:r>
+              <a:endParaRPr lang="en-US" sz="7500" i="1" dirty="0">
+                <a:solidFill>
+                  <a:srgbClr val="A61A1D"/>
+                </a:solidFill>
+                <a:latin typeface="Roboto Black" panose="02000000000000000000" pitchFamily="2" charset="0"/>
+                <a:ea typeface="Roboto Black" panose="02000000000000000000" pitchFamily="2" charset="0"/>
+              </a:endParaRPr>
             </a:p>
           </p:txBody>
         </p:sp>
@@ -5385,18 +5783,12 @@
           <a:p>
             <a:fld id="{040DEF24-717E-4741-8753-F7E431A261E5}" type="slidenum">
               <a:rPr lang="en-US" smtClean="0"/>
-              <a:t>10</a:t>
             </a:fld>
             <a:endParaRPr lang="en-US"/>
           </a:p>
         </p:txBody>
       </p:sp>
     </p:spTree>
-    <p:extLst>
-      <p:ext uri="{BB962C8B-B14F-4D97-AF65-F5344CB8AC3E}">
-        <p14:creationId xmlns:p14="http://schemas.microsoft.com/office/powerpoint/2010/main" val="3728646062"/>
-      </p:ext>
-    </p:extLst>
   </p:cSld>
   <p:clrMapOvr>
     <a:masterClrMapping/>
@@ -5530,6 +5922,16 @@
               </a:rPr>
               <a:t>VỀ LÝ THUYẾT</a:t>
             </a:r>
+            <a:endParaRPr lang="en-US" sz="2400" b="1" dirty="0" smtClean="0">
+              <a:solidFill>
+                <a:schemeClr val="accent2">
+                  <a:lumMod val="50000"/>
+                </a:schemeClr>
+              </a:solidFill>
+              <a:latin typeface="Roboto" panose="02000000000000000000" pitchFamily="2" charset="0"/>
+              <a:ea typeface="Roboto" panose="02000000000000000000" pitchFamily="2" charset="0"/>
+              <a:cs typeface="Arial" panose="020B0604020202020204" pitchFamily="34" charset="0"/>
+            </a:endParaRPr>
           </a:p>
           <a:p>
             <a:pPr>
@@ -5807,6 +6209,16 @@
               </a:rPr>
               <a:t>VỀ THỰC HÀNH</a:t>
             </a:r>
+            <a:endParaRPr lang="en-US" sz="2400" b="1" dirty="0" smtClean="0">
+              <a:solidFill>
+                <a:schemeClr val="accent2">
+                  <a:lumMod val="50000"/>
+                </a:schemeClr>
+              </a:solidFill>
+              <a:latin typeface="Roboto" panose="02000000000000000000" pitchFamily="2" charset="0"/>
+              <a:ea typeface="Roboto" panose="02000000000000000000" pitchFamily="2" charset="0"/>
+              <a:cs typeface="Arial" panose="020B0604020202020204" pitchFamily="34" charset="0"/>
+            </a:endParaRPr>
           </a:p>
           <a:p>
             <a:pPr>
@@ -5949,11 +6361,6 @@
         </p:txBody>
       </p:sp>
     </p:spTree>
-    <p:extLst>
-      <p:ext uri="{BB962C8B-B14F-4D97-AF65-F5344CB8AC3E}">
-        <p14:creationId xmlns:p14="http://schemas.microsoft.com/office/powerpoint/2010/main" val="2489808968"/>
-      </p:ext>
-    </p:extLst>
   </p:cSld>
   <p:clrMapOvr>
     <a:masterClrMapping/>
@@ -6284,8 +6691,8 @@
         </p:nvSpPr>
         <p:spPr>
           <a:xfrm>
-            <a:off x="898956" y="311992"/>
-            <a:ext cx="8122598" cy="646331"/>
+            <a:off x="898956" y="312578"/>
+            <a:ext cx="8122598" cy="645160"/>
           </a:xfrm>
         </p:spPr>
         <p:txBody>
@@ -6296,6 +6703,16 @@
           <a:p>
             <a:r>
               <a:rPr lang="en-US" sz="4000" b="1" spc="50" dirty="0" smtClean="0">
+                <a:blipFill>
+                  <a:blip r:embed="rId1">
+                    <a:extLst>
+                      <a:ext uri="{28A0092B-C50C-407E-A947-70E740481C1C}">
+                        <a14:useLocalDpi xmlns:a14="http://schemas.microsoft.com/office/drawing/2010/main" val="0"/>
+                      </a:ext>
+                    </a:extLst>
+                  </a:blip>
+                  <a:tile tx="6350" ty="-127000" sx="65000" sy="64000" flip="none" algn="tl"/>
+                </a:blipFill>
                 <a:latin typeface="Times New Roman" panose="02020603050405020304" pitchFamily="18" charset="0"/>
                 <a:cs typeface="Times New Roman" panose="02020603050405020304" pitchFamily="18" charset="0"/>
               </a:rPr>
@@ -6523,6 +6940,10 @@
               </a:rPr>
               <a:t>cryptoms.fr </a:t>
             </a:r>
+            <a:endParaRPr lang="en-US" sz="1600" i="1" dirty="0" smtClean="0">
+              <a:latin typeface="Arial" panose="020B0604020202020204" pitchFamily="34" charset="0"/>
+              <a:cs typeface="Arial" panose="020B0604020202020204" pitchFamily="34" charset="0"/>
+            </a:endParaRPr>
           </a:p>
           <a:p>
             <a:pPr marL="342900" indent="-342900" algn="just">
@@ -6545,6 +6966,13 @@
               </a:rPr>
               <a:t>Máy tính trước khi gửi đi,DNS resolver sẽ kiểm tra domain trong Web cache hoặc DNS cache để trả lại kết quả.</a:t>
             </a:r>
+            <a:endParaRPr lang="en-US" sz="1400" dirty="0" smtClean="0">
+              <a:solidFill>
+                <a:srgbClr val="002060"/>
+              </a:solidFill>
+              <a:latin typeface="Arial" panose="020B0604020202020204" pitchFamily="34" charset="0"/>
+              <a:cs typeface="Arial" panose="020B0604020202020204" pitchFamily="34" charset="0"/>
+            </a:endParaRPr>
           </a:p>
           <a:p>
             <a:pPr marL="342900" lvl="0" indent="-342900" algn="just">
@@ -6567,6 +6995,13 @@
               </a:rPr>
               <a:t>Nếu không có kết quả, DR sẽ hỏi tên miền mức ROOT chỉ cho máy chủ tên miền cục bộ địa chỉ mà nó quản lý có đuôi “.fr”. </a:t>
             </a:r>
+            <a:endParaRPr lang="en-US" sz="1400" dirty="0" smtClean="0">
+              <a:solidFill>
+                <a:srgbClr val="002060"/>
+              </a:solidFill>
+              <a:latin typeface="Arial" panose="020B0604020202020204" pitchFamily="34" charset="0"/>
+              <a:cs typeface="Arial" panose="020B0604020202020204" pitchFamily="34" charset="0"/>
+            </a:endParaRPr>
           </a:p>
           <a:p>
             <a:pPr marL="342900" lvl="0" indent="-342900" algn="just">
@@ -6599,6 +7034,13 @@
               </a:rPr>
               <a:t>gửi yêu cầu đến máy chủ quản lý tên miền Pháp “.fr” tìm tên miền cryptoms.fr. </a:t>
             </a:r>
+            <a:endParaRPr lang="en-US" sz="1400" dirty="0">
+              <a:solidFill>
+                <a:srgbClr val="002060"/>
+              </a:solidFill>
+              <a:latin typeface="Arial" panose="020B0604020202020204" pitchFamily="34" charset="0"/>
+              <a:cs typeface="Arial" panose="020B0604020202020204" pitchFamily="34" charset="0"/>
+            </a:endParaRPr>
           </a:p>
           <a:p>
             <a:pPr marL="342900" lvl="0" indent="-342900" algn="just">
@@ -6688,6 +7130,13 @@
               </a:rPr>
               <a:t>dùng sử dụng địa chỉ IP này kết nối đến server chứa website có địa chỉ “cryptoms.fr”.</a:t>
             </a:r>
+            <a:endParaRPr lang="en-US" sz="1400" b="1" dirty="0">
+              <a:solidFill>
+                <a:srgbClr val="002060"/>
+              </a:solidFill>
+              <a:latin typeface="Arial" panose="020B0604020202020204" pitchFamily="34" charset="0"/>
+              <a:cs typeface="Arial" panose="020B0604020202020204" pitchFamily="34" charset="0"/>
+            </a:endParaRPr>
           </a:p>
           <a:p>
             <a:pPr marL="342900" lvl="0" indent="-342900" algn="just">
@@ -6741,6 +7190,7 @@
               <a:rPr lang="en-US" sz="1200" dirty="0"/>
               <a:t>resolver – DR – Máy chủ phân giải tên miền cục bộ </a:t>
             </a:r>
+            <a:endParaRPr lang="en-US" sz="1200" dirty="0"/>
           </a:p>
         </p:txBody>
       </p:sp>
@@ -7151,11 +7601,6 @@
         </p:sp>
       </p:grpSp>
     </p:spTree>
-    <p:extLst>
-      <p:ext uri="{BB962C8B-B14F-4D97-AF65-F5344CB8AC3E}">
-        <p14:creationId xmlns:p14="http://schemas.microsoft.com/office/powerpoint/2010/main" val="1037630341"/>
-      </p:ext>
-    </p:extLst>
   </p:cSld>
   <p:clrMapOvr>
     <a:masterClrMapping/>
@@ -7592,7 +8037,6 @@
           <a:p>
             <a:fld id="{040DEF24-717E-4741-8753-F7E431A261E5}" type="slidenum">
               <a:rPr lang="en-US" smtClean="0"/>
-              <a:t>4</a:t>
             </a:fld>
             <a:endParaRPr lang="en-US"/>
           </a:p>
@@ -7621,22 +8065,35 @@
           <a:lstStyle/>
           <a:p>
             <a:r>
-              <a:rPr lang="en-US" sz="4000" b="1" spc="50" dirty="0">
+              <a:rPr lang="en-US" sz="4000" b="1" spc="50" dirty="0" smtClean="0">
+                <a:blipFill>
+                  <a:blip r:embed="rId1">
+                    <a:extLst>
+                      <a:ext uri="{28A0092B-C50C-407E-A947-70E740481C1C}">
+                        <a14:useLocalDpi xmlns:a14="http://schemas.microsoft.com/office/drawing/2010/main" val="0"/>
+                      </a:ext>
+                    </a:extLst>
+                  </a:blip>
+                  <a:tile tx="6350" ty="-127000" sx="65000" sy="64000" flip="none" algn="tl"/>
+                </a:blipFill>
                 <a:latin typeface="Times New Roman" panose="02020603050405020304" pitchFamily="18" charset="0"/>
                 <a:cs typeface="Times New Roman" panose="02020603050405020304" pitchFamily="18" charset="0"/>
               </a:rPr>
-              <a:t>DNS - DOMAIN NAME </a:t>
-            </a:r>
-            <a:r>
-              <a:rPr lang="en-US" sz="4000" b="1" spc="50" dirty="0" smtClean="0">
-                <a:latin typeface="Times New Roman" panose="02020603050405020304" pitchFamily="18" charset="0"/>
-                <a:cs typeface="Times New Roman" panose="02020603050405020304" pitchFamily="18" charset="0"/>
-              </a:rPr>
-              <a:t>SYSTEM </a:t>
-            </a:r>
-            <a:endParaRPr lang="en-US" sz="4000" spc="50" dirty="0">
-              <a:latin typeface="Arial" panose="020B0604020202020204" pitchFamily="34" charset="0"/>
-              <a:cs typeface="Arial" panose="020B0604020202020204" pitchFamily="34" charset="0"/>
+              <a:t>DNS - DOMAIN NAME SYSTEM </a:t>
+            </a:r>
+            <a:endParaRPr lang="en-US" sz="4000" b="1" spc="50" dirty="0" smtClean="0">
+              <a:blipFill>
+                <a:blip r:embed="rId1">
+                  <a:extLst>
+                    <a:ext uri="{28A0092B-C50C-407E-A947-70E740481C1C}">
+                      <a14:useLocalDpi xmlns:a14="http://schemas.microsoft.com/office/drawing/2010/main" val="0"/>
+                    </a:ext>
+                  </a:extLst>
+                </a:blip>
+                <a:tile tx="6350" ty="-127000" sx="65000" sy="64000" flip="none" algn="tl"/>
+              </a:blipFill>
+              <a:latin typeface="Times New Roman" panose="02020603050405020304" pitchFamily="18" charset="0"/>
+              <a:cs typeface="Times New Roman" panose="02020603050405020304" pitchFamily="18" charset="0"/>
             </a:endParaRPr>
           </a:p>
         </p:txBody>
@@ -7790,8 +8247,8 @@
         </p:nvSpPr>
         <p:spPr>
           <a:xfrm>
-            <a:off x="2343115" y="1556079"/>
-            <a:ext cx="2743200" cy="914400"/>
+            <a:off x="2051015" y="1585289"/>
+            <a:ext cx="3200400" cy="914400"/>
           </a:xfrm>
           <a:prstGeom prst="ellipse">
             <a:avLst/>
@@ -7825,25 +8282,31 @@
           <a:p>
             <a:pPr algn="ctr"/>
             <a:r>
-              <a:rPr lang="en-US" sz="1100" b="1" dirty="0">
+              <a:rPr lang="en-US" sz="1400" b="1" dirty="0">
                 <a:solidFill>
                   <a:schemeClr val="tx1"/>
                 </a:solidFill>
+                <a:latin typeface="Arial" panose="020B0604020202020204" pitchFamily="34" charset="0"/>
+                <a:cs typeface="Arial" panose="020B0604020202020204" pitchFamily="34" charset="0"/>
               </a:rPr>
               <a:t>Sự quan trọng với </a:t>
             </a:r>
             <a:r>
-              <a:rPr lang="en-US" sz="1100" b="1" dirty="0" smtClean="0">
+              <a:rPr lang="en-US" sz="1400" b="1" dirty="0" smtClean="0">
                 <a:solidFill>
                   <a:schemeClr val="tx1"/>
                 </a:solidFill>
+                <a:latin typeface="Arial" panose="020B0604020202020204" pitchFamily="34" charset="0"/>
+                <a:cs typeface="Arial" panose="020B0604020202020204" pitchFamily="34" charset="0"/>
               </a:rPr>
               <a:t>Internet</a:t>
             </a:r>
-            <a:endParaRPr lang="en-US" sz="1100" dirty="0">
+            <a:endParaRPr lang="en-US" sz="1400" dirty="0">
               <a:solidFill>
                 <a:schemeClr val="tx1"/>
               </a:solidFill>
+              <a:latin typeface="Arial" panose="020B0604020202020204" pitchFamily="34" charset="0"/>
+              <a:cs typeface="Arial" panose="020B0604020202020204" pitchFamily="34" charset="0"/>
             </a:endParaRPr>
           </a:p>
         </p:txBody>
@@ -7856,8 +8319,8 @@
         </p:nvSpPr>
         <p:spPr>
           <a:xfrm>
-            <a:off x="2343115" y="5525497"/>
-            <a:ext cx="2743200" cy="914400"/>
+            <a:off x="2051015" y="5554707"/>
+            <a:ext cx="3200400" cy="914400"/>
           </a:xfrm>
           <a:prstGeom prst="ellipse">
             <a:avLst/>
@@ -7891,25 +8354,31 @@
           <a:p>
             <a:pPr lvl="0" algn="ctr"/>
             <a:r>
-              <a:rPr lang="en-US" sz="1100" b="1" dirty="0">
+              <a:rPr lang="en-US" sz="1400" b="1" dirty="0">
                 <a:solidFill>
                   <a:schemeClr val="tx1"/>
                 </a:solidFill>
+                <a:latin typeface="Arial" panose="020B0604020202020204" pitchFamily="34" charset="0"/>
+                <a:cs typeface="Arial" panose="020B0604020202020204" pitchFamily="34" charset="0"/>
               </a:rPr>
               <a:t>Dễ truy cập hơn không có nghĩa là dễ bị tấn công </a:t>
             </a:r>
             <a:r>
-              <a:rPr lang="en-US" sz="1100" b="1" dirty="0" smtClean="0">
+              <a:rPr lang="en-US" sz="1400" b="1" dirty="0" smtClean="0">
                 <a:solidFill>
                   <a:schemeClr val="tx1"/>
                 </a:solidFill>
+                <a:latin typeface="Arial" panose="020B0604020202020204" pitchFamily="34" charset="0"/>
+                <a:cs typeface="Arial" panose="020B0604020202020204" pitchFamily="34" charset="0"/>
               </a:rPr>
               <a:t>hơn</a:t>
             </a:r>
-            <a:endParaRPr lang="en-US" sz="1100" dirty="0">
+            <a:endParaRPr lang="en-US" sz="1400" dirty="0">
               <a:solidFill>
                 <a:schemeClr val="tx1"/>
               </a:solidFill>
+              <a:latin typeface="Arial" panose="020B0604020202020204" pitchFamily="34" charset="0"/>
+              <a:cs typeface="Arial" panose="020B0604020202020204" pitchFamily="34" charset="0"/>
             </a:endParaRPr>
           </a:p>
         </p:txBody>
@@ -7922,8 +8391,8 @@
         </p:nvSpPr>
         <p:spPr>
           <a:xfrm>
-            <a:off x="1544660" y="2504716"/>
-            <a:ext cx="2743200" cy="914400"/>
+            <a:off x="1252560" y="2533926"/>
+            <a:ext cx="3200400" cy="914400"/>
           </a:xfrm>
           <a:prstGeom prst="ellipse">
             <a:avLst/>
@@ -7961,17 +8430,21 @@
               </a:spcAft>
             </a:pPr>
             <a:r>
-              <a:rPr lang="en-US" sz="1100" b="1" dirty="0">
+              <a:rPr lang="en-US" sz="1400" b="1" dirty="0">
                 <a:solidFill>
                   <a:schemeClr val="tx1"/>
                 </a:solidFill>
+                <a:latin typeface="Arial" panose="020B0604020202020204" pitchFamily="34" charset="0"/>
+                <a:cs typeface="Arial" panose="020B0604020202020204" pitchFamily="34" charset="0"/>
               </a:rPr>
               <a:t>Không cần lưu trữ một dãy IP dài và khó nhớ</a:t>
             </a:r>
-            <a:endParaRPr lang="en-US" sz="1100" dirty="0">
+            <a:endParaRPr lang="en-US" sz="1400" b="1" dirty="0">
               <a:solidFill>
                 <a:schemeClr val="tx1"/>
               </a:solidFill>
+              <a:latin typeface="Arial" panose="020B0604020202020204" pitchFamily="34" charset="0"/>
+              <a:cs typeface="Arial" panose="020B0604020202020204" pitchFamily="34" charset="0"/>
             </a:endParaRPr>
           </a:p>
         </p:txBody>
@@ -7984,8 +8457,8 @@
         </p:nvSpPr>
         <p:spPr>
           <a:xfrm>
-            <a:off x="1069848" y="3501067"/>
-            <a:ext cx="2743200" cy="914400"/>
+            <a:off x="777748" y="3530277"/>
+            <a:ext cx="3200400" cy="914400"/>
           </a:xfrm>
           <a:prstGeom prst="ellipse">
             <a:avLst/>
@@ -8023,17 +8496,21 @@
               </a:spcAft>
             </a:pPr>
             <a:r>
-              <a:rPr lang="en-US" sz="1100" b="1" dirty="0">
+              <a:rPr lang="en-US" sz="1400" b="1" dirty="0">
                 <a:solidFill>
                   <a:schemeClr val="tx1"/>
                 </a:solidFill>
+                <a:latin typeface="Arial" panose="020B0604020202020204" pitchFamily="34" charset="0"/>
+                <a:cs typeface="Arial" panose="020B0604020202020204" pitchFamily="34" charset="0"/>
               </a:rPr>
               <a:t>Cập nhật danh sách IP dễ dàng</a:t>
             </a:r>
-            <a:endParaRPr lang="en-US" sz="1100" dirty="0">
+            <a:endParaRPr lang="en-US" sz="1400" b="1" dirty="0">
               <a:solidFill>
                 <a:schemeClr val="tx1"/>
               </a:solidFill>
+              <a:latin typeface="Arial" panose="020B0604020202020204" pitchFamily="34" charset="0"/>
+              <a:cs typeface="Arial" panose="020B0604020202020204" pitchFamily="34" charset="0"/>
             </a:endParaRPr>
           </a:p>
         </p:txBody>
@@ -8046,8 +8523,8 @@
         </p:nvSpPr>
         <p:spPr>
           <a:xfrm>
-            <a:off x="1544660" y="4529922"/>
-            <a:ext cx="2743200" cy="914400"/>
+            <a:off x="1252560" y="4559132"/>
+            <a:ext cx="3200400" cy="914400"/>
           </a:xfrm>
           <a:prstGeom prst="ellipse">
             <a:avLst/>
@@ -8085,17 +8562,21 @@
               </a:spcAft>
             </a:pPr>
             <a:r>
-              <a:rPr lang="en-US" sz="1100" b="1" dirty="0">
+              <a:rPr lang="en-US" sz="1400" b="1" dirty="0">
                 <a:solidFill>
                   <a:schemeClr val="tx1"/>
                 </a:solidFill>
+                <a:latin typeface="Arial" panose="020B0604020202020204" pitchFamily="34" charset="0"/>
+                <a:cs typeface="Arial" panose="020B0604020202020204" pitchFamily="34" charset="0"/>
               </a:rPr>
               <a:t>DNS có tốc độ truy cập Internet cao nhất</a:t>
             </a:r>
-            <a:endParaRPr lang="en-US" sz="1100" dirty="0">
+            <a:endParaRPr lang="en-US" sz="1400" b="1" dirty="0">
               <a:solidFill>
                 <a:schemeClr val="tx1"/>
               </a:solidFill>
+              <a:latin typeface="Arial" panose="020B0604020202020204" pitchFamily="34" charset="0"/>
+              <a:cs typeface="Arial" panose="020B0604020202020204" pitchFamily="34" charset="0"/>
             </a:endParaRPr>
           </a:p>
         </p:txBody>
@@ -8108,8 +8589,8 @@
         </p:nvSpPr>
         <p:spPr>
           <a:xfrm>
-            <a:off x="7225115" y="1554291"/>
-            <a:ext cx="2743200" cy="914400"/>
+            <a:off x="6933015" y="1583501"/>
+            <a:ext cx="3200400" cy="914400"/>
           </a:xfrm>
           <a:prstGeom prst="ellipse">
             <a:avLst/>
@@ -8143,33 +8624,41 @@
           <a:p>
             <a:pPr algn="ctr"/>
             <a:r>
-              <a:rPr lang="en-US" sz="1100" b="1" dirty="0">
+              <a:rPr lang="en-US" sz="1400" b="1" dirty="0">
                 <a:solidFill>
                   <a:schemeClr val="tx1"/>
                 </a:solidFill>
+                <a:latin typeface="Arial" panose="020B0604020202020204" pitchFamily="34" charset="0"/>
+                <a:cs typeface="Arial" panose="020B0604020202020204" pitchFamily="34" charset="0"/>
               </a:rPr>
               <a:t>DNS phụ thuộc vào sự kiểm soát của Hoa </a:t>
             </a:r>
             <a:r>
-              <a:rPr lang="en-US" sz="1100" b="1" dirty="0" smtClean="0">
+              <a:rPr lang="en-US" sz="1400" b="1" dirty="0" smtClean="0">
                 <a:solidFill>
                   <a:schemeClr val="tx1"/>
                 </a:solidFill>
+                <a:latin typeface="Arial" panose="020B0604020202020204" pitchFamily="34" charset="0"/>
+                <a:cs typeface="Arial" panose="020B0604020202020204" pitchFamily="34" charset="0"/>
               </a:rPr>
               <a:t>Kỳ </a:t>
             </a:r>
             <a:r>
-              <a:rPr lang="en-US" sz="1100" dirty="0" smtClean="0">
+              <a:rPr lang="en-US" sz="1400" dirty="0" smtClean="0">
                 <a:solidFill>
                   <a:schemeClr val="tx1"/>
                 </a:solidFill>
+                <a:latin typeface="Arial" panose="020B0604020202020204" pitchFamily="34" charset="0"/>
+                <a:cs typeface="Arial" panose="020B0604020202020204" pitchFamily="34" charset="0"/>
               </a:rPr>
               <a:t>( vd : ICANN )</a:t>
             </a:r>
-            <a:endParaRPr lang="en-US" sz="1100" dirty="0">
+            <a:endParaRPr lang="en-US" sz="1400" dirty="0">
               <a:solidFill>
                 <a:schemeClr val="tx1"/>
               </a:solidFill>
+              <a:latin typeface="Arial" panose="020B0604020202020204" pitchFamily="34" charset="0"/>
+              <a:cs typeface="Arial" panose="020B0604020202020204" pitchFamily="34" charset="0"/>
             </a:endParaRPr>
           </a:p>
         </p:txBody>
@@ -8182,8 +8671,8 @@
         </p:nvSpPr>
         <p:spPr>
           <a:xfrm>
-            <a:off x="7013448" y="5528058"/>
-            <a:ext cx="2743200" cy="914400"/>
+            <a:off x="6721348" y="5557268"/>
+            <a:ext cx="3200400" cy="914400"/>
           </a:xfrm>
           <a:prstGeom prst="ellipse">
             <a:avLst/>
@@ -8230,13 +8719,22 @@
               <a:buSzPct val="85000"/>
             </a:pPr>
             <a:r>
-              <a:rPr lang="en-US" sz="1100" b="1" dirty="0">
+              <a:rPr lang="en-US" sz="1400" b="1" dirty="0">
                 <a:solidFill>
                   <a:schemeClr val="tx1"/>
                 </a:solidFill>
+                <a:latin typeface="Arial" panose="020B0604020202020204" pitchFamily="34" charset="0"/>
+                <a:cs typeface="Arial" panose="020B0604020202020204" pitchFamily="34" charset="0"/>
               </a:rPr>
               <a:t>Khi DNS Server sập, World Wide Web cũng vậy: </a:t>
             </a:r>
+            <a:endParaRPr lang="en-US" sz="1400" b="1" dirty="0">
+              <a:solidFill>
+                <a:schemeClr val="tx1"/>
+              </a:solidFill>
+              <a:latin typeface="Arial" panose="020B0604020202020204" pitchFamily="34" charset="0"/>
+              <a:cs typeface="Arial" panose="020B0604020202020204" pitchFamily="34" charset="0"/>
+            </a:endParaRPr>
           </a:p>
         </p:txBody>
       </p:sp>
@@ -8248,8 +8746,8 @@
         </p:nvSpPr>
         <p:spPr>
           <a:xfrm>
-            <a:off x="7989242" y="4529922"/>
-            <a:ext cx="2743200" cy="914400"/>
+            <a:off x="7696835" y="4559300"/>
+            <a:ext cx="3200400" cy="914400"/>
           </a:xfrm>
           <a:prstGeom prst="ellipse">
             <a:avLst/>
@@ -8293,25 +8791,31 @@
               <a:buSzPct val="85000"/>
             </a:pPr>
             <a:r>
-              <a:rPr lang="en-US" sz="1100" b="1" dirty="0">
+              <a:rPr lang="en-US" sz="1400" b="1" dirty="0">
                 <a:solidFill>
                   <a:schemeClr val="tx1"/>
                 </a:solidFill>
+                <a:latin typeface="Arial" panose="020B0604020202020204" pitchFamily="34" charset="0"/>
+                <a:cs typeface="Arial" panose="020B0604020202020204" pitchFamily="34" charset="0"/>
               </a:rPr>
               <a:t>DNS queries thường không mang bất kì thông tin về client khởi tạo </a:t>
             </a:r>
             <a:r>
-              <a:rPr lang="en-US" sz="1100" b="1" dirty="0" smtClean="0">
+              <a:rPr lang="en-US" sz="1400" b="1" dirty="0" smtClean="0">
                 <a:solidFill>
                   <a:schemeClr val="tx1"/>
                 </a:solidFill>
+                <a:latin typeface="Arial" panose="020B0604020202020204" pitchFamily="34" charset="0"/>
+                <a:cs typeface="Arial" panose="020B0604020202020204" pitchFamily="34" charset="0"/>
               </a:rPr>
               <a:t>nó</a:t>
             </a:r>
-            <a:endParaRPr lang="en-US" sz="1100" dirty="0">
+            <a:endParaRPr lang="en-US" sz="1400" dirty="0">
               <a:solidFill>
                 <a:schemeClr val="tx1"/>
               </a:solidFill>
+              <a:latin typeface="Arial" panose="020B0604020202020204" pitchFamily="34" charset="0"/>
+              <a:cs typeface="Arial" panose="020B0604020202020204" pitchFamily="34" charset="0"/>
             </a:endParaRPr>
           </a:p>
         </p:txBody>
@@ -8324,8 +8828,8 @@
         </p:nvSpPr>
         <p:spPr>
           <a:xfrm>
-            <a:off x="8385048" y="3491715"/>
-            <a:ext cx="2743200" cy="914400"/>
+            <a:off x="8092948" y="3520925"/>
+            <a:ext cx="3200400" cy="914400"/>
           </a:xfrm>
           <a:prstGeom prst="ellipse">
             <a:avLst/>
@@ -8369,25 +8873,31 @@
               <a:buSzPct val="85000"/>
             </a:pPr>
             <a:r>
-              <a:rPr lang="en-US" sz="1100" b="1" dirty="0">
+              <a:rPr lang="en-US" sz="1400" b="1" dirty="0">
                 <a:solidFill>
                   <a:schemeClr val="tx1"/>
                 </a:solidFill>
+                <a:latin typeface="Arial" panose="020B0604020202020204" pitchFamily="34" charset="0"/>
+                <a:cs typeface="Arial" panose="020B0604020202020204" pitchFamily="34" charset="0"/>
               </a:rPr>
               <a:t>DNS </a:t>
             </a:r>
             <a:r>
-              <a:rPr lang="en-US" sz="1100" b="1" dirty="0" smtClean="0">
+              <a:rPr lang="en-US" sz="1400" b="1" dirty="0" smtClean="0">
                 <a:solidFill>
                   <a:schemeClr val="tx1"/>
                 </a:solidFill>
+                <a:latin typeface="Arial" panose="020B0604020202020204" pitchFamily="34" charset="0"/>
+                <a:cs typeface="Arial" panose="020B0604020202020204" pitchFamily="34" charset="0"/>
               </a:rPr>
               <a:t>phải liên kết với nhau </a:t>
             </a:r>
-            <a:endParaRPr lang="en-US" sz="1100" dirty="0">
+            <a:endParaRPr lang="en-US" sz="1400" dirty="0">
               <a:solidFill>
                 <a:schemeClr val="tx1"/>
               </a:solidFill>
+              <a:latin typeface="Arial" panose="020B0604020202020204" pitchFamily="34" charset="0"/>
+              <a:cs typeface="Arial" panose="020B0604020202020204" pitchFamily="34" charset="0"/>
             </a:endParaRPr>
           </a:p>
         </p:txBody>
@@ -8400,8 +8910,8 @@
         </p:nvSpPr>
         <p:spPr>
           <a:xfrm>
-            <a:off x="7910236" y="2504652"/>
-            <a:ext cx="2743200" cy="914400"/>
+            <a:off x="7618136" y="2533862"/>
+            <a:ext cx="3200400" cy="914400"/>
           </a:xfrm>
           <a:prstGeom prst="ellipse">
             <a:avLst/>
@@ -8442,27 +8952,26 @@
               <a:buSzPct val="85000"/>
             </a:pPr>
             <a:r>
-              <a:rPr lang="en-US" sz="1100" b="1" dirty="0">
+              <a:rPr lang="en-US" sz="1400" b="1" dirty="0">
                 <a:solidFill>
                   <a:schemeClr val="tx1"/>
                 </a:solidFill>
+                <a:latin typeface="Arial" panose="020B0604020202020204" pitchFamily="34" charset="0"/>
+                <a:cs typeface="Arial" panose="020B0604020202020204" pitchFamily="34" charset="0"/>
               </a:rPr>
               <a:t>DNS là nguyên nhân chính dẫn đến cuộc tấn công DNS</a:t>
             </a:r>
-            <a:endParaRPr lang="en-US" sz="1100" dirty="0">
+            <a:endParaRPr lang="en-US" sz="1400" b="1" dirty="0">
               <a:solidFill>
                 <a:schemeClr val="tx1"/>
               </a:solidFill>
+              <a:latin typeface="Arial" panose="020B0604020202020204" pitchFamily="34" charset="0"/>
+              <a:cs typeface="Arial" panose="020B0604020202020204" pitchFamily="34" charset="0"/>
             </a:endParaRPr>
           </a:p>
         </p:txBody>
       </p:sp>
     </p:spTree>
-    <p:extLst>
-      <p:ext uri="{BB962C8B-B14F-4D97-AF65-F5344CB8AC3E}">
-        <p14:creationId xmlns:p14="http://schemas.microsoft.com/office/powerpoint/2010/main" val="1784222693"/>
-      </p:ext>
-    </p:extLst>
   </p:cSld>
   <p:clrMapOvr>
     <a:masterClrMapping/>
@@ -9436,16 +9945,16 @@
     <p:bldLst>
       <p:bldP spid="6" grpId="0"/>
       <p:bldP spid="2" grpId="0"/>
-      <p:bldP spid="16" grpId="0" animBg="1"/>
-      <p:bldP spid="17" grpId="0" animBg="1"/>
-      <p:bldP spid="18" grpId="0" animBg="1"/>
-      <p:bldP spid="19" grpId="0" animBg="1"/>
-      <p:bldP spid="20" grpId="0" animBg="1"/>
-      <p:bldP spid="21" grpId="0" animBg="1"/>
-      <p:bldP spid="22" grpId="0" animBg="1"/>
-      <p:bldP spid="23" grpId="0" animBg="1"/>
-      <p:bldP spid="24" grpId="0" animBg="1"/>
-      <p:bldP spid="25" grpId="0" animBg="1"/>
+      <p:bldP spid="16" grpId="0" bldLvl="0" animBg="1"/>
+      <p:bldP spid="17" grpId="0" bldLvl="0" animBg="1"/>
+      <p:bldP spid="18" grpId="0" bldLvl="0" animBg="1"/>
+      <p:bldP spid="19" grpId="0" bldLvl="0" animBg="1"/>
+      <p:bldP spid="20" grpId="0" bldLvl="0" animBg="1"/>
+      <p:bldP spid="21" grpId="0" bldLvl="0" animBg="1"/>
+      <p:bldP spid="22" grpId="0" bldLvl="0" animBg="1"/>
+      <p:bldP spid="23" grpId="0" bldLvl="0" animBg="1"/>
+      <p:bldP spid="24" grpId="0" bldLvl="0" animBg="1"/>
+      <p:bldP spid="25" grpId="0" bldLvl="0" animBg="1"/>
     </p:bldLst>
   </p:timing>
 </p:sld>
@@ -9485,7 +9994,6 @@
           <a:p>
             <a:fld id="{040DEF24-717E-4741-8753-F7E431A261E5}" type="slidenum">
               <a:rPr lang="en-US" smtClean="0"/>
-              <a:t>5</a:t>
             </a:fld>
             <a:endParaRPr lang="en-US"/>
           </a:p>
@@ -9540,204 +10048,8 @@
       </p:sp>
       <p:sp>
         <p:nvSpPr>
-          <p:cNvPr id="2" name="Rectangle 1"/>
-          <p:cNvSpPr/>
-          <p:nvPr/>
-        </p:nvSpPr>
-        <p:spPr>
-          <a:xfrm>
-            <a:off x="2379133" y="4315079"/>
-            <a:ext cx="1159933" cy="587121"/>
-          </a:xfrm>
-          <a:prstGeom prst="rect">
-            <a:avLst/>
-          </a:prstGeom>
-        </p:spPr>
-        <p:style>
-          <a:lnRef idx="2">
-            <a:schemeClr val="accent1">
-              <a:shade val="50000"/>
-            </a:schemeClr>
-          </a:lnRef>
-          <a:fillRef idx="1">
-            <a:schemeClr val="accent1"/>
-          </a:fillRef>
-          <a:effectRef idx="0">
-            <a:schemeClr val="accent1"/>
-          </a:effectRef>
-          <a:fontRef idx="minor">
-            <a:schemeClr val="lt1"/>
-          </a:fontRef>
-        </p:style>
-        <p:txBody>
-          <a:bodyPr rtlCol="0" anchor="ctr"/>
-          <a:lstStyle/>
-          <a:p>
-            <a:pPr algn="ctr"/>
-            <a:endParaRPr lang="en-US"/>
-          </a:p>
-        </p:txBody>
-      </p:sp>
-      <p:cxnSp>
-        <p:nvCxnSpPr>
-          <p:cNvPr id="8" name="Curved Connector 7"/>
-          <p:cNvCxnSpPr>
-            <a:stCxn id="2" idx="3"/>
-          </p:cNvCxnSpPr>
-          <p:nvPr/>
-        </p:nvCxnSpPr>
-        <p:spPr>
-          <a:xfrm>
-            <a:off x="3539066" y="4608640"/>
-            <a:ext cx="1117600" cy="299106"/>
-          </a:xfrm>
-          <a:prstGeom prst="curvedConnector3">
-            <a:avLst/>
-          </a:prstGeom>
-          <a:ln>
-            <a:headEnd type="triangle"/>
-            <a:tailEnd type="triangle"/>
-          </a:ln>
-        </p:spPr>
-        <p:style>
-          <a:lnRef idx="1">
-            <a:schemeClr val="accent1"/>
-          </a:lnRef>
-          <a:fillRef idx="0">
-            <a:schemeClr val="accent1"/>
-          </a:fillRef>
-          <a:effectRef idx="0">
-            <a:schemeClr val="accent1"/>
-          </a:effectRef>
-          <a:fontRef idx="minor">
-            <a:schemeClr val="tx1"/>
-          </a:fontRef>
-        </p:style>
-      </p:cxnSp>
-      <p:sp>
-        <p:nvSpPr>
-          <p:cNvPr id="9" name="Rectangle 8"/>
-          <p:cNvSpPr/>
-          <p:nvPr/>
-        </p:nvSpPr>
-        <p:spPr>
-          <a:xfrm>
-            <a:off x="4656666" y="4315079"/>
-            <a:ext cx="1159933" cy="587121"/>
-          </a:xfrm>
-          <a:prstGeom prst="rect">
-            <a:avLst/>
-          </a:prstGeom>
-        </p:spPr>
-        <p:style>
-          <a:lnRef idx="2">
-            <a:schemeClr val="accent1">
-              <a:shade val="50000"/>
-            </a:schemeClr>
-          </a:lnRef>
-          <a:fillRef idx="1">
-            <a:schemeClr val="accent1"/>
-          </a:fillRef>
-          <a:effectRef idx="0">
-            <a:schemeClr val="accent1"/>
-          </a:effectRef>
-          <a:fontRef idx="minor">
-            <a:schemeClr val="lt1"/>
-          </a:fontRef>
-        </p:style>
-        <p:txBody>
-          <a:bodyPr rtlCol="0" anchor="ctr"/>
-          <a:lstStyle/>
-          <a:p>
-            <a:pPr algn="ctr"/>
-            <a:endParaRPr lang="en-US"/>
-          </a:p>
-        </p:txBody>
-      </p:sp>
-      <p:cxnSp>
-        <p:nvCxnSpPr>
-          <p:cNvPr id="10" name="Curved Connector 9"/>
-          <p:cNvCxnSpPr>
-            <a:stCxn id="9" idx="3"/>
-          </p:cNvCxnSpPr>
-          <p:nvPr/>
-        </p:nvCxnSpPr>
-        <p:spPr>
-          <a:xfrm>
-            <a:off x="5816599" y="4608640"/>
-            <a:ext cx="1117600" cy="335893"/>
-          </a:xfrm>
-          <a:prstGeom prst="curvedConnector3">
-            <a:avLst>
-              <a:gd name="adj1" fmla="val 50000"/>
-            </a:avLst>
-          </a:prstGeom>
-          <a:ln>
-            <a:headEnd type="triangle"/>
-            <a:tailEnd type="triangle"/>
-          </a:ln>
-        </p:spPr>
-        <p:style>
-          <a:lnRef idx="1">
-            <a:schemeClr val="accent1"/>
-          </a:lnRef>
-          <a:fillRef idx="0">
-            <a:schemeClr val="accent1"/>
-          </a:fillRef>
-          <a:effectRef idx="0">
-            <a:schemeClr val="accent1"/>
-          </a:effectRef>
-          <a:fontRef idx="minor">
-            <a:schemeClr val="tx1"/>
-          </a:fontRef>
-        </p:style>
-      </p:cxnSp>
-      <p:sp>
-        <p:nvSpPr>
-          <p:cNvPr id="11" name="Rectangle 10"/>
-          <p:cNvSpPr/>
-          <p:nvPr/>
-        </p:nvSpPr>
-        <p:spPr>
-          <a:xfrm>
-            <a:off x="6934199" y="4357412"/>
-            <a:ext cx="1159933" cy="587121"/>
-          </a:xfrm>
-          <a:prstGeom prst="rect">
-            <a:avLst/>
-          </a:prstGeom>
-        </p:spPr>
-        <p:style>
-          <a:lnRef idx="2">
-            <a:schemeClr val="accent1">
-              <a:shade val="50000"/>
-            </a:schemeClr>
-          </a:lnRef>
-          <a:fillRef idx="1">
-            <a:schemeClr val="accent1"/>
-          </a:fillRef>
-          <a:effectRef idx="0">
-            <a:schemeClr val="accent1"/>
-          </a:effectRef>
-          <a:fontRef idx="minor">
-            <a:schemeClr val="lt1"/>
-          </a:fontRef>
-        </p:style>
-        <p:txBody>
-          <a:bodyPr rtlCol="0" anchor="ctr"/>
-          <a:lstStyle/>
-          <a:p>
-            <a:pPr algn="ctr"/>
-            <a:endParaRPr lang="en-US"/>
-          </a:p>
-        </p:txBody>
-      </p:sp>
-      <p:sp>
-        <p:nvSpPr>
           <p:cNvPr id="12" name="Title 1"/>
-          <p:cNvSpPr txBox="1">
-            <a:spLocks/>
-          </p:cNvSpPr>
+          <p:cNvSpPr txBox="1"/>
           <p:nvPr/>
         </p:nvSpPr>
         <p:spPr>
@@ -9764,7 +10076,7 @@
               <a:buNone/>
               <a:defRPr sz="5400" kern="1200" cap="all" baseline="0">
                 <a:blipFill>
-                  <a:blip r:embed="rId2">
+                  <a:blip r:embed="rId1">
                     <a:extLst>
                       <a:ext uri="{28A0092B-C50C-407E-A947-70E740481C1C}">
                         <a14:useLocalDpi xmlns:a14="http://schemas.microsoft.com/office/drawing/2010/main" val="0"/>
@@ -9780,26 +10092,101 @@
             </a:lvl1pPr>
           </a:lstStyle>
           <a:p>
-            <a:r>
-              <a:rPr lang="en-US" sz="4000" b="1" spc="50" dirty="0">
+            <a:pPr algn="l">
+              <a:buClrTx/>
+              <a:buSzTx/>
+              <a:buFontTx/>
+            </a:pPr>
+            <a:r>
+              <a:rPr lang="en-US" sz="4000" b="1" spc="50" dirty="0" smtClean="0">
+                <a:blipFill>
+                  <a:blip r:embed="rId1">
+                    <a:extLst>
+                      <a:ext uri="{28A0092B-C50C-407E-A947-70E740481C1C}">
+                        <a14:useLocalDpi xmlns:a14="http://schemas.microsoft.com/office/drawing/2010/main" val="0"/>
+                      </a:ext>
+                    </a:extLst>
+                  </a:blip>
+                  <a:tile tx="6350" ty="-127000" sx="65000" sy="64000" flip="none" algn="tl"/>
+                </a:blipFill>
                 <a:latin typeface="Times New Roman" panose="02020603050405020304" pitchFamily="18" charset="0"/>
                 <a:cs typeface="Times New Roman" panose="02020603050405020304" pitchFamily="18" charset="0"/>
               </a:rPr>
-              <a:t>Blockchain VÀ DNS BLOCKCHAIN </a:t>
-            </a:r>
-          </a:p>
-        </p:txBody>
-      </p:sp>
-      <p:sp>
-        <p:nvSpPr>
-          <p:cNvPr id="7" name="TextBox 6"/>
+              <a:t>Blockchain và DNS BLOCKCHAIN</a:t>
+            </a:r>
+            <a:endParaRPr lang="en-US" sz="4000" b="1" spc="50" dirty="0" smtClean="0">
+              <a:blipFill>
+                <a:blip r:embed="rId1">
+                  <a:extLst>
+                    <a:ext uri="{28A0092B-C50C-407E-A947-70E740481C1C}">
+                      <a14:useLocalDpi xmlns:a14="http://schemas.microsoft.com/office/drawing/2010/main" val="0"/>
+                    </a:ext>
+                  </a:extLst>
+                </a:blip>
+                <a:tile tx="6350" ty="-127000" sx="65000" sy="64000" flip="none" algn="tl"/>
+              </a:blipFill>
+              <a:latin typeface="Times New Roman" panose="02020603050405020304" pitchFamily="18" charset="0"/>
+              <a:cs typeface="Times New Roman" panose="02020603050405020304" pitchFamily="18" charset="0"/>
+            </a:endParaRPr>
+          </a:p>
+        </p:txBody>
+      </p:sp>
+      <p:sp>
+        <p:nvSpPr>
+          <p:cNvPr id="6" name="Rectangle 1"/>
+          <p:cNvSpPr/>
+          <p:nvPr/>
+        </p:nvSpPr>
+        <p:spPr>
+          <a:xfrm>
+            <a:off x="1069848" y="933021"/>
+            <a:ext cx="3244215" cy="460375"/>
+          </a:xfrm>
+          <a:prstGeom prst="rect">
+            <a:avLst/>
+          </a:prstGeom>
+        </p:spPr>
+        <p:txBody>
+          <a:bodyPr wrap="none">
+            <a:spAutoFit/>
+          </a:bodyPr>
+          <a:p>
+            <a:r>
+              <a:rPr lang="en-US" sz="2400" b="1" dirty="0" smtClean="0">
+                <a:solidFill>
+                  <a:schemeClr val="accent2">
+                    <a:lumMod val="50000"/>
+                  </a:schemeClr>
+                </a:solidFill>
+                <a:latin typeface="Roboto" panose="02000000000000000000" pitchFamily="2" charset="0"/>
+                <a:ea typeface="Roboto" panose="02000000000000000000" pitchFamily="2" charset="0"/>
+                <a:cs typeface="Arial" panose="020B0604020202020204" pitchFamily="34" charset="0"/>
+              </a:rPr>
+              <a:t>Công nghệ Blockchain</a:t>
+            </a:r>
+            <a:endParaRPr lang="en-US" sz="2400" b="1" dirty="0">
+              <a:solidFill>
+                <a:schemeClr val="accent2">
+                  <a:lumMod val="50000"/>
+                </a:schemeClr>
+              </a:solidFill>
+              <a:latin typeface="Roboto" panose="02000000000000000000" pitchFamily="2" charset="0"/>
+              <a:ea typeface="Roboto" panose="02000000000000000000" pitchFamily="2" charset="0"/>
+              <a:cs typeface="Arial" panose="020B0604020202020204" pitchFamily="34" charset="0"/>
+            </a:endParaRPr>
+          </a:p>
+        </p:txBody>
+      </p:sp>
+      <p:sp>
+        <p:nvSpPr>
+          <p:cNvPr id="21" name="Text Box 20"/>
           <p:cNvSpPr txBox="1"/>
           <p:nvPr/>
         </p:nvSpPr>
         <p:spPr>
           <a:xfrm>
-            <a:off x="1069848" y="1122080"/>
-            <a:ext cx="9751059" cy="3308598"/>
+            <a:off x="4695825" y="932815"/>
+            <a:ext cx="3967480" cy="368300"/>
           </a:xfrm>
           <a:prstGeom prst="rect">
             <a:avLst/>
@@ -9807,10 +10194,84 @@
           <a:noFill/>
         </p:spPr>
         <p:txBody>
+          <a:bodyPr wrap="none" rtlCol="0">
+            <a:spAutoFit/>
+          </a:bodyPr>
+          <a:p>
+            <a:r>
+              <a:rPr lang="en-US"/>
+              <a:t>Vẽ cái blockchain + genesis block</a:t>
+            </a:r>
+            <a:endParaRPr lang="en-US"/>
+          </a:p>
+        </p:txBody>
+      </p:sp>
+      <p:sp>
+        <p:nvSpPr>
+          <p:cNvPr id="22" name="Rectangle 1"/>
+          <p:cNvSpPr/>
+          <p:nvPr/>
+        </p:nvSpPr>
+        <p:spPr>
+          <a:xfrm>
+            <a:off x="1069848" y="3233626"/>
+            <a:ext cx="4074795" cy="460375"/>
+          </a:xfrm>
+          <a:prstGeom prst="rect">
+            <a:avLst/>
+          </a:prstGeom>
+        </p:spPr>
+        <p:txBody>
+          <a:bodyPr wrap="none">
+            <a:spAutoFit/>
+          </a:bodyPr>
+          <a:p>
+            <a:r>
+              <a:rPr lang="en-US" sz="2400" b="1" dirty="0" smtClean="0">
+                <a:solidFill>
+                  <a:schemeClr val="accent2">
+                    <a:lumMod val="50000"/>
+                  </a:schemeClr>
+                </a:solidFill>
+                <a:latin typeface="Arial" panose="020B0604020202020204" pitchFamily="34" charset="0"/>
+                <a:ea typeface="Roboto" panose="02000000000000000000" pitchFamily="2" charset="0"/>
+                <a:cs typeface="Arial" panose="020B0604020202020204" pitchFamily="34" charset="0"/>
+              </a:rPr>
+              <a:t>Ứng dụng DNS Blockchain</a:t>
+            </a:r>
+            <a:endParaRPr lang="en-US" sz="2400" b="1" dirty="0" smtClean="0">
+              <a:solidFill>
+                <a:schemeClr val="accent2">
+                  <a:lumMod val="50000"/>
+                </a:schemeClr>
+              </a:solidFill>
+              <a:latin typeface="Arial" panose="020B0604020202020204" pitchFamily="34" charset="0"/>
+              <a:ea typeface="Roboto" panose="02000000000000000000" pitchFamily="2" charset="0"/>
+              <a:cs typeface="Arial" panose="020B0604020202020204" pitchFamily="34" charset="0"/>
+            </a:endParaRPr>
+          </a:p>
+        </p:txBody>
+      </p:sp>
+      <p:sp>
+        <p:nvSpPr>
+          <p:cNvPr id="23" name="TextBox 6"/>
+          <p:cNvSpPr txBox="1"/>
+          <p:nvPr/>
+        </p:nvSpPr>
+        <p:spPr>
+          <a:xfrm>
+            <a:off x="978535" y="5626100"/>
+            <a:ext cx="10241280" cy="1658620"/>
+          </a:xfrm>
+          <a:prstGeom prst="rect">
+            <a:avLst/>
+          </a:prstGeom>
+          <a:noFill/>
+        </p:spPr>
+        <p:txBody>
           <a:bodyPr wrap="square" rtlCol="0">
             <a:spAutoFit/>
           </a:bodyPr>
-          <a:lstStyle/>
           <a:p>
             <a:pPr>
               <a:lnSpc>
@@ -9818,9 +10279,16 @@
               </a:lnSpc>
             </a:pPr>
             <a:r>
-              <a:rPr lang="en-US" sz="1100" dirty="0"/>
+              <a:rPr lang="en-US" sz="1200" dirty="0">
+                <a:latin typeface="Arial" panose="020B0604020202020204" pitchFamily="34" charset="0"/>
+                <a:cs typeface="Arial" panose="020B0604020202020204" pitchFamily="34" charset="0"/>
+              </a:rPr>
               <a:t>Blockchain là công nghệ chuỗi – khối, cho phép truyền tải dữ liệu một cách an toàn dựa trên hệ thống mã hóa vô cùng phức tạp, tương tự như cuốn sổ cái kế toán của một công ty, nơi mà tiền được giám sát chặt chẽ và ghi nhận mọi giao dịch trên mạng ngang hàng.</a:t>
             </a:r>
+            <a:endParaRPr lang="en-US" sz="1200" dirty="0">
+              <a:latin typeface="Arial" panose="020B0604020202020204" pitchFamily="34" charset="0"/>
+              <a:cs typeface="Arial" panose="020B0604020202020204" pitchFamily="34" charset="0"/>
+            </a:endParaRPr>
           </a:p>
           <a:p>
             <a:pPr>
@@ -9829,80 +10297,95 @@
               </a:lnSpc>
             </a:pPr>
             <a:r>
-              <a:rPr lang="en-US" sz="1100" dirty="0"/>
+              <a:rPr lang="en-US" sz="1200" dirty="0">
+                <a:latin typeface="Arial" panose="020B0604020202020204" pitchFamily="34" charset="0"/>
+                <a:cs typeface="Arial" panose="020B0604020202020204" pitchFamily="34" charset="0"/>
+              </a:rPr>
               <a:t>Mỗi khối (block) đều chứa thông tin về thời gian khởi tạo và được liên kết với khối trước đó, kèm theo đó là một mã thời gian và dữ liệu giao dịch. Dữ liệu khi đã được mạng lưới chấp nhận thì sẽ không có cách nào thay đổi được. Blockchain được thiết kế để chống lại việc gian lận, thay đổi của dữ liệu.</a:t>
             </a:r>
-          </a:p>
-          <a:p>
-            <a:pPr>
-              <a:lnSpc>
-                <a:spcPct val="170000"/>
-              </a:lnSpc>
-            </a:pPr>
-            <a:r>
-              <a:rPr lang="en-US" sz="1100" dirty="0"/>
-              <a:t>Công nghệ Blockchain là sự kết hợp giữa 3 loại công nghệ :</a:t>
-            </a:r>
-          </a:p>
-          <a:p>
-            <a:pPr lvl="0">
-              <a:lnSpc>
-                <a:spcPct val="170000"/>
-              </a:lnSpc>
-            </a:pPr>
-            <a:r>
-              <a:rPr lang="en-US" sz="1100" b="1" dirty="0"/>
-              <a:t>Mật mã học:</a:t>
-            </a:r>
-            <a:r>
-              <a:rPr lang="en-US" sz="1100" dirty="0"/>
-              <a:t> để đảm bảo tính minh bạch, toàn vẹn và riêng tư thì công nghệ Blockchain đã sử dụng public key hoặc hàm hash function.</a:t>
-            </a:r>
-          </a:p>
-          <a:p>
-            <a:pPr lvl="0">
-              <a:lnSpc>
-                <a:spcPct val="170000"/>
-              </a:lnSpc>
-            </a:pPr>
-            <a:r>
-              <a:rPr lang="en-US" sz="1100" b="1" dirty="0"/>
-              <a:t>Mạng ngang hàng:</a:t>
-            </a:r>
-            <a:r>
-              <a:rPr lang="en-US" sz="1100" dirty="0"/>
-              <a:t> Mỗi một nút trong mạng được xem như một client và cũng là server để lưu trữ bản sao ứng dụng.</a:t>
-            </a:r>
-          </a:p>
-          <a:p>
-            <a:pPr lvl="0">
-              <a:lnSpc>
-                <a:spcPct val="170000"/>
-              </a:lnSpc>
-            </a:pPr>
-            <a:r>
-              <a:rPr lang="en-US" sz="1100" b="1" dirty="0"/>
-              <a:t>Lý thuyết trò chơi:</a:t>
-            </a:r>
-            <a:r>
-              <a:rPr lang="en-US" sz="1100" dirty="0"/>
-              <a:t> Tất cả các nút tham gia vào hệ thống đều phải tuân thủ luật chơi đồng thuận (giao thức PoW, PoS,…) và được thúc đẩy bởi động lực kinh tế.</a:t>
-            </a:r>
-          </a:p>
-          <a:p>
-            <a:endParaRPr lang="en-US" sz="1100" dirty="0"/>
-          </a:p>
-          <a:p>
-            <a:endParaRPr lang="en-US" sz="1100" dirty="0"/>
+            <a:endParaRPr lang="en-US" sz="1200" dirty="0">
+              <a:latin typeface="Arial" panose="020B0604020202020204" pitchFamily="34" charset="0"/>
+              <a:cs typeface="Arial" panose="020B0604020202020204" pitchFamily="34" charset="0"/>
+            </a:endParaRPr>
+          </a:p>
+        </p:txBody>
+      </p:sp>
+      <p:sp>
+        <p:nvSpPr>
+          <p:cNvPr id="24" name="Rectangles 23"/>
+          <p:cNvSpPr/>
+          <p:nvPr/>
+        </p:nvSpPr>
+        <p:spPr>
+          <a:xfrm>
+            <a:off x="1206500" y="1986280"/>
+            <a:ext cx="1713865" cy="1071880"/>
+          </a:xfrm>
+          <a:prstGeom prst="rect">
+            <a:avLst/>
+          </a:prstGeom>
+        </p:spPr>
+        <p:style>
+          <a:lnRef idx="2">
+            <a:schemeClr val="accent6"/>
+          </a:lnRef>
+          <a:fillRef idx="1">
+            <a:schemeClr val="lt1"/>
+          </a:fillRef>
+          <a:effectRef idx="0">
+            <a:schemeClr val="accent6"/>
+          </a:effectRef>
+          <a:fontRef idx="minor">
+            <a:schemeClr val="dk1"/>
+          </a:fontRef>
+        </p:style>
+        <p:txBody>
+          <a:bodyPr rtlCol="0" anchor="ctr"/>
+          <a:p>
+            <a:pPr algn="ctr"/>
+            <a:endParaRPr lang="en-US">
+              <a:latin typeface="Arial" panose="020B0604020202020204" pitchFamily="34" charset="0"/>
+              <a:cs typeface="Arial" panose="020B0604020202020204" pitchFamily="34" charset="0"/>
+            </a:endParaRPr>
+          </a:p>
+        </p:txBody>
+      </p:sp>
+      <p:sp>
+        <p:nvSpPr>
+          <p:cNvPr id="26" name="Text Box 25"/>
+          <p:cNvSpPr txBox="1"/>
+          <p:nvPr/>
+        </p:nvSpPr>
+        <p:spPr>
+          <a:xfrm>
+            <a:off x="1113155" y="1490345"/>
+            <a:ext cx="7918450" cy="306705"/>
+          </a:xfrm>
+          <a:prstGeom prst="rect">
+            <a:avLst/>
+          </a:prstGeom>
+          <a:noFill/>
+        </p:spPr>
+        <p:txBody>
+          <a:bodyPr wrap="none" rtlCol="0">
+            <a:spAutoFit/>
+          </a:bodyPr>
+          <a:p>
+            <a:r>
+              <a:rPr lang="en-US" sz="1400">
+                <a:latin typeface="Arial" panose="020B0604020202020204" pitchFamily="34" charset="0"/>
+                <a:cs typeface="Arial" panose="020B0604020202020204" pitchFamily="34" charset="0"/>
+              </a:rPr>
+              <a:t>Blockchain là công nghệ chuỗi và khối, khi khởi tạo Blockchain sẽ cần 1 block gọi là genesis block</a:t>
+            </a:r>
+            <a:endParaRPr lang="en-US" sz="1400">
+              <a:latin typeface="Arial" panose="020B0604020202020204" pitchFamily="34" charset="0"/>
+              <a:cs typeface="Arial" panose="020B0604020202020204" pitchFamily="34" charset="0"/>
+            </a:endParaRPr>
           </a:p>
         </p:txBody>
       </p:sp>
     </p:spTree>
-    <p:extLst>
-      <p:ext uri="{BB962C8B-B14F-4D97-AF65-F5344CB8AC3E}">
-        <p14:creationId xmlns:p14="http://schemas.microsoft.com/office/powerpoint/2010/main" val="3871431453"/>
-      </p:ext>
-    </p:extLst>
   </p:cSld>
   <p:clrMapOvr>
     <a:masterClrMapping/>
@@ -9965,6 +10448,76 @@
                                   </p:childTnLst>
                                 </p:cTn>
                               </p:par>
+                              <p:par>
+                                <p:cTn id="8" presetID="10" presetClass="entr" presetSubtype="0" fill="hold" grpId="0" nodeType="withEffect">
+                                  <p:stCondLst>
+                                    <p:cond delay="0"/>
+                                  </p:stCondLst>
+                                  <p:childTnLst>
+                                    <p:set>
+                                      <p:cBhvr>
+                                        <p:cTn id="9" dur="1" fill="hold">
+                                          <p:stCondLst>
+                                            <p:cond delay="0"/>
+                                          </p:stCondLst>
+                                        </p:cTn>
+                                        <p:tgtEl>
+                                          <p:spTgt spid="6"/>
+                                        </p:tgtEl>
+                                        <p:attrNameLst>
+                                          <p:attrName>style.visibility</p:attrName>
+                                        </p:attrNameLst>
+                                      </p:cBhvr>
+                                      <p:to>
+                                        <p:strVal val="visible"/>
+                                      </p:to>
+                                    </p:set>
+                                    <p:animEffect transition="in" filter="fade">
+                                      <p:cBhvr>
+                                        <p:cTn id="10" dur="500"/>
+                                        <p:tgtEl>
+                                          <p:spTgt spid="6"/>
+                                        </p:tgtEl>
+                                      </p:cBhvr>
+                                    </p:animEffect>
+                                  </p:childTnLst>
+                                </p:cTn>
+                              </p:par>
+                              <p:par>
+                                <p:cTn id="11" presetID="10" presetClass="entr" presetSubtype="0" fill="hold" grpId="0" nodeType="withEffect">
+                                  <p:stCondLst>
+                                    <p:cond delay="0"/>
+                                  </p:stCondLst>
+                                  <p:childTnLst>
+                                    <p:set>
+                                      <p:cBhvr>
+                                        <p:cTn id="12" dur="1" fill="hold">
+                                          <p:stCondLst>
+                                            <p:cond delay="0"/>
+                                          </p:stCondLst>
+                                        </p:cTn>
+                                        <p:tgtEl>
+                                          <p:spTgt spid="22"/>
+                                        </p:tgtEl>
+                                        <p:attrNameLst>
+                                          <p:attrName>style.visibility</p:attrName>
+                                        </p:attrNameLst>
+                                      </p:cBhvr>
+                                      <p:to>
+                                        <p:strVal val="visible"/>
+                                      </p:to>
+                                    </p:set>
+                                    <p:animEffect transition="in" filter="fade">
+                                      <p:cBhvr>
+                                        <p:cTn id="13" dur="500"/>
+                                        <p:tgtEl>
+                                          <p:spTgt spid="22"/>
+                                        </p:tgtEl>
+                                      </p:cBhvr>
+                                    </p:animEffect>
+                                  </p:childTnLst>
+                                </p:cTn>
+                              </p:par>
                             </p:childTnLst>
                           </p:cTn>
                         </p:par>
@@ -9994,6 +10547,8 @@
     </p:tnLst>
     <p:bldLst>
       <p:bldP spid="12" grpId="0"/>
+      <p:bldP spid="6" grpId="0"/>
+      <p:bldP spid="22" grpId="0"/>
     </p:bldLst>
   </p:timing>
 </p:sld>
@@ -10033,7 +10588,6 @@
           <a:p>
             <a:fld id="{040DEF24-717E-4741-8753-F7E431A261E5}" type="slidenum">
               <a:rPr lang="en-US" smtClean="0"/>
-              <a:t>6</a:t>
             </a:fld>
             <a:endParaRPr lang="en-US"/>
           </a:p>
@@ -10129,7 +10683,7 @@
           <p:nvPr/>
         </p:nvPicPr>
         <p:blipFill>
-          <a:blip r:embed="rId2" cstate="print">
+          <a:blip r:embed="rId1" cstate="print">
             <a:extLst>
               <a:ext uri="{28A0092B-C50C-407E-A947-70E740481C1C}">
                 <a14:useLocalDpi xmlns:a14="http://schemas.microsoft.com/office/drawing/2010/main" val="0"/>
@@ -10143,8 +10697,8 @@
         </p:blipFill>
         <p:spPr>
           <a:xfrm>
-            <a:off x="1069848" y="1247881"/>
-            <a:ext cx="4695952" cy="3239453"/>
+            <a:off x="1069975" y="2211705"/>
+            <a:ext cx="4374515" cy="2827020"/>
           </a:xfrm>
           <a:prstGeom prst="rect">
             <a:avLst/>
@@ -10164,7 +10718,7 @@
           <p:nvPr/>
         </p:nvPicPr>
         <p:blipFill>
-          <a:blip r:embed="rId3" cstate="print">
+          <a:blip r:embed="rId2" cstate="print">
             <a:extLst>
               <a:ext uri="{28A0092B-C50C-407E-A947-70E740481C1C}">
                 <a14:useLocalDpi xmlns:a14="http://schemas.microsoft.com/office/drawing/2010/main" val="0"/>
@@ -10178,8 +10732,8 @@
         </p:blipFill>
         <p:spPr>
           <a:xfrm>
-            <a:off x="6099048" y="3348143"/>
-            <a:ext cx="5399405" cy="2837180"/>
+            <a:off x="6985635" y="2211705"/>
+            <a:ext cx="4707890" cy="2827655"/>
           </a:xfrm>
           <a:prstGeom prst="rect">
             <a:avLst/>
@@ -10193,11 +10747,6 @@
         </p:spPr>
       </p:pic>
     </p:spTree>
-    <p:extLst>
-      <p:ext uri="{BB962C8B-B14F-4D97-AF65-F5344CB8AC3E}">
-        <p14:creationId xmlns:p14="http://schemas.microsoft.com/office/powerpoint/2010/main" val="827447603"/>
-      </p:ext>
-    </p:extLst>
   </p:cSld>
   <p:clrMapOvr>
     <a:masterClrMapping/>
@@ -10231,25 +10780,6 @@
       </p:grpSpPr>
       <p:sp>
         <p:nvSpPr>
-          <p:cNvPr id="3" name="Content Placeholder 2"/>
-          <p:cNvSpPr>
-            <a:spLocks noGrp="1"/>
-          </p:cNvSpPr>
-          <p:nvPr>
-            <p:ph idx="1"/>
-          </p:nvPr>
-        </p:nvSpPr>
-        <p:spPr/>
-        <p:txBody>
-          <a:bodyPr/>
-          <a:lstStyle/>
-          <a:p>
-            <a:endParaRPr lang="en-US" dirty="0"/>
-          </a:p>
-        </p:txBody>
-      </p:sp>
-      <p:sp>
-        <p:nvSpPr>
           <p:cNvPr id="4" name="Slide Number Placeholder 3"/>
           <p:cNvSpPr>
             <a:spLocks noGrp="1"/>
@@ -10265,7 +10795,6 @@
           <a:p>
             <a:fld id="{040DEF24-717E-4741-8753-F7E431A261E5}" type="slidenum">
               <a:rPr lang="en-US" smtClean="0"/>
-              <a:t>7</a:t>
             </a:fld>
             <a:endParaRPr lang="en-US"/>
           </a:p>
@@ -10283,22 +10812,33 @@
         </p:nvSpPr>
         <p:spPr>
           <a:xfrm>
-            <a:off x="1069848" y="484632"/>
-            <a:ext cx="10058400" cy="629793"/>
+            <a:off x="1069975" y="484505"/>
+            <a:ext cx="10058400" cy="859790"/>
           </a:xfrm>
         </p:spPr>
         <p:txBody>
           <a:bodyPr>
-            <a:normAutofit fontScale="90000"/>
+            <a:normAutofit/>
           </a:bodyPr>
           <a:lstStyle/>
           <a:p>
             <a:r>
-              <a:rPr lang="en-US" sz="4000" dirty="0" smtClean="0">
-                <a:latin typeface="Arial" panose="020B0604020202020204" pitchFamily="34" charset="0"/>
-                <a:cs typeface="Arial" panose="020B0604020202020204" pitchFamily="34" charset="0"/>
-              </a:rPr>
-              <a:t>Kịch bản thực nghiệm</a:t>
+              <a:rPr lang="en-US" sz="4000" b="1" spc="50" dirty="0" smtClean="0">
+                <a:blipFill>
+                  <a:blip r:embed="rId1">
+                    <a:extLst>
+                      <a:ext uri="{28A0092B-C50C-407E-A947-70E740481C1C}">
+                        <a14:useLocalDpi xmlns:a14="http://schemas.microsoft.com/office/drawing/2010/main" val="0"/>
+                      </a:ext>
+                    </a:extLst>
+                  </a:blip>
+                  <a:tile tx="6350" ty="-127000" sx="65000" sy="64000" flip="none" algn="tl"/>
+                </a:blipFill>
+                <a:latin typeface="Times New Roman" panose="02020603050405020304" pitchFamily="18" charset="0"/>
+                <a:cs typeface="Times New Roman" panose="02020603050405020304" pitchFamily="18" charset="0"/>
+                <a:sym typeface="+mn-ea"/>
+              </a:rPr>
+              <a:t>DNS Blockchain</a:t>
             </a:r>
             <a:endParaRPr lang="en-US" sz="4000" dirty="0">
               <a:latin typeface="Arial" panose="020B0604020202020204" pitchFamily="34" charset="0"/>
@@ -10354,12 +10894,96 @@
           </a:p>
         </p:txBody>
       </p:sp>
+      <p:sp>
+        <p:nvSpPr>
+          <p:cNvPr id="7" name="TextBox 6"/>
+          <p:cNvSpPr txBox="1"/>
+          <p:nvPr/>
+        </p:nvSpPr>
+        <p:spPr>
+          <a:xfrm>
+            <a:off x="1069975" y="1420495"/>
+            <a:ext cx="10241280" cy="1658620"/>
+          </a:xfrm>
+          <a:prstGeom prst="rect">
+            <a:avLst/>
+          </a:prstGeom>
+          <a:noFill/>
+        </p:spPr>
+        <p:txBody>
+          <a:bodyPr wrap="square" rtlCol="0">
+            <a:spAutoFit/>
+          </a:bodyPr>
+          <a:p>
+            <a:pPr>
+              <a:lnSpc>
+                <a:spcPct val="170000"/>
+              </a:lnSpc>
+            </a:pPr>
+            <a:r>
+              <a:rPr lang="en-US" sz="1200" dirty="0">
+                <a:latin typeface="Arial" panose="020B0604020202020204" pitchFamily="34" charset="0"/>
+                <a:cs typeface="Arial" panose="020B0604020202020204" pitchFamily="34" charset="0"/>
+              </a:rPr>
+              <a:t>Blockchain là công nghệ chuỗi – khối, cho phép truyền tải dữ liệu một cách an toàn dựa trên hệ thống mã hóa vô cùng phức tạp, tương tự như cuốn sổ cái kế toán của một công ty, nơi mà tiền được giám sát chặt chẽ và ghi nhận mọi giao dịch trên mạng ngang hàng.</a:t>
+            </a:r>
+            <a:endParaRPr lang="en-US" sz="1200" dirty="0">
+              <a:latin typeface="Arial" panose="020B0604020202020204" pitchFamily="34" charset="0"/>
+              <a:cs typeface="Arial" panose="020B0604020202020204" pitchFamily="34" charset="0"/>
+            </a:endParaRPr>
+          </a:p>
+          <a:p>
+            <a:pPr>
+              <a:lnSpc>
+                <a:spcPct val="170000"/>
+              </a:lnSpc>
+            </a:pPr>
+            <a:r>
+              <a:rPr lang="en-US" sz="1200" dirty="0">
+                <a:latin typeface="Arial" panose="020B0604020202020204" pitchFamily="34" charset="0"/>
+                <a:cs typeface="Arial" panose="020B0604020202020204" pitchFamily="34" charset="0"/>
+              </a:rPr>
+              <a:t>Mỗi khối (block) đều chứa thông tin về thời gian khởi tạo và được liên kết với khối trước đó, kèm theo đó là một mã thời gian và dữ liệu giao dịch. Dữ liệu khi đã được mạng lưới chấp nhận thì sẽ không có cách nào thay đổi được. Blockchain được thiết kế để chống lại việc gian lận, thay đổi của dữ liệu.</a:t>
+            </a:r>
+            <a:endParaRPr lang="en-US" sz="1200" dirty="0">
+              <a:latin typeface="Arial" panose="020B0604020202020204" pitchFamily="34" charset="0"/>
+              <a:cs typeface="Arial" panose="020B0604020202020204" pitchFamily="34" charset="0"/>
+            </a:endParaRPr>
+          </a:p>
+        </p:txBody>
+      </p:sp>
+      <p:pic>
+        <p:nvPicPr>
+          <p:cNvPr id="19" name="Picture 19"/>
+          <p:cNvPicPr>
+            <a:picLocks noChangeAspect="1"/>
+          </p:cNvPicPr>
+          <p:nvPr>
+            <p:ph idx="1"/>
+          </p:nvPr>
+        </p:nvPicPr>
+        <p:blipFill>
+          <a:blip r:embed="rId2"/>
+          <a:stretch>
+            <a:fillRect/>
+          </a:stretch>
+        </p:blipFill>
+        <p:spPr>
+          <a:xfrm>
+            <a:off x="2359660" y="2798445"/>
+            <a:ext cx="7848600" cy="3962400"/>
+          </a:xfrm>
+          <a:prstGeom prst="rect">
+            <a:avLst/>
+          </a:prstGeom>
+          <a:ln w="12700">
+            <a:solidFill>
+              <a:schemeClr val="tx1"/>
+            </a:solidFill>
+          </a:ln>
+        </p:spPr>
+      </p:pic>
     </p:spTree>
-    <p:extLst>
-      <p:ext uri="{BB962C8B-B14F-4D97-AF65-F5344CB8AC3E}">
-        <p14:creationId xmlns:p14="http://schemas.microsoft.com/office/powerpoint/2010/main" val="3802234980"/>
-      </p:ext>
-    </p:extLst>
   </p:cSld>
   <p:clrMapOvr>
     <a:masterClrMapping/>
@@ -10383,6 +11007,91 @@
         <p:cNvGrpSpPr/>
         <p:nvPr/>
       </p:nvGrpSpPr>
+      <p:grpSpPr/>
+      <p:sp>
+        <p:nvSpPr>
+          <p:cNvPr id="4" name="Slide Number Placeholder 3"/>
+          <p:cNvSpPr>
+            <a:spLocks noGrp="1"/>
+          </p:cNvSpPr>
+          <p:nvPr>
+            <p:ph type="sldNum" sz="quarter" idx="12"/>
+          </p:nvPr>
+        </p:nvSpPr>
+        <p:spPr/>
+        <p:txBody>
+          <a:bodyPr/>
+          <a:p>
+            <a:fld id="{040DEF24-717E-4741-8753-F7E431A261E5}" type="slidenum">
+              <a:rPr lang="en-US" smtClean="0"/>
+            </a:fld>
+            <a:endParaRPr lang="en-US"/>
+          </a:p>
+        </p:txBody>
+      </p:sp>
+      <p:sp>
+        <p:nvSpPr>
+          <p:cNvPr id="6" name="Title 1"/>
+          <p:cNvSpPr>
+            <a:spLocks noGrp="1"/>
+          </p:cNvSpPr>
+          <p:nvPr>
+            <p:ph type="title"/>
+          </p:nvPr>
+        </p:nvSpPr>
+        <p:spPr>
+          <a:xfrm>
+            <a:off x="1069975" y="484505"/>
+            <a:ext cx="10058400" cy="859790"/>
+          </a:xfrm>
+        </p:spPr>
+        <p:txBody>
+          <a:bodyPr>
+            <a:normAutofit/>
+          </a:bodyPr>
+          <a:p>
+            <a:r>
+              <a:rPr lang="en-US" sz="4000" b="1" spc="50" dirty="0" smtClean="0">
+                <a:blipFill>
+                  <a:blip r:embed="rId1">
+                    <a:extLst>
+                      <a:ext uri="{28A0092B-C50C-407E-A947-70E740481C1C}">
+                        <a14:useLocalDpi xmlns:a14="http://schemas.microsoft.com/office/drawing/2010/main" val="0"/>
+                      </a:ext>
+                    </a:extLst>
+                  </a:blip>
+                  <a:tile tx="6350" ty="-127000" sx="65000" sy="64000" flip="none" algn="tl"/>
+                </a:blipFill>
+                <a:latin typeface="Times New Roman" panose="02020603050405020304" pitchFamily="18" charset="0"/>
+                <a:cs typeface="Times New Roman" panose="02020603050405020304" pitchFamily="18" charset="0"/>
+                <a:sym typeface="+mn-ea"/>
+              </a:rPr>
+              <a:t>DNS Blockchain</a:t>
+            </a:r>
+            <a:endParaRPr lang="en-US" sz="4000" dirty="0">
+              <a:latin typeface="Arial" panose="020B0604020202020204" pitchFamily="34" charset="0"/>
+              <a:cs typeface="Arial" panose="020B0604020202020204" pitchFamily="34" charset="0"/>
+            </a:endParaRPr>
+          </a:p>
+        </p:txBody>
+      </p:sp>
+    </p:spTree>
+  </p:cSld>
+  <p:clrMapOvr>
+    <a:masterClrMapping/>
+  </p:clrMapOvr>
+</p:sld>
+</file>
+
+<file path=ppt/slides/slide9.xml><?xml version="1.0" encoding="utf-8"?>
+<p:sld xmlns:a="http://schemas.openxmlformats.org/drawingml/2006/main" xmlns:r="http://schemas.openxmlformats.org/officeDocument/2006/relationships" xmlns:p="http://schemas.openxmlformats.org/presentationml/2006/main">
+  <p:cSld>
+    <p:spTree>
+      <p:nvGrpSpPr>
+        <p:cNvPr id="1" name=""/>
+        <p:cNvGrpSpPr/>
+        <p:nvPr/>
+      </p:nvGrpSpPr>
       <p:grpSpPr>
         <a:xfrm>
           <a:off x="0" y="0"/>
@@ -10444,7 +11153,6 @@
           <a:p>
             <a:fld id="{040DEF24-717E-4741-8753-F7E431A261E5}" type="slidenum">
               <a:rPr lang="en-US" smtClean="0"/>
-              <a:t>8</a:t>
             </a:fld>
             <a:endParaRPr lang="en-US"/>
           </a:p>
@@ -10497,6 +11205,10 @@
               </a:rPr>
               <a:t>DNS Blockchain là một giải pháp khả thi hiện nay, vừa phần nào giải quyết được bài toán bảo mật, vừa mang lại cơ hội khai thác phát triển triệt để giá trị của tên miền. </a:t>
             </a:r>
+            <a:endParaRPr lang="en-US" sz="1600" b="1" spc="50" dirty="0">
+              <a:latin typeface="Arial" panose="020B0604020202020204" pitchFamily="34" charset="0"/>
+              <a:cs typeface="Arial" panose="020B0604020202020204" pitchFamily="34" charset="0"/>
+            </a:endParaRPr>
           </a:p>
         </p:txBody>
       </p:sp>
@@ -10546,6 +11258,16 @@
               </a:rPr>
               <a:t>Tóm tắt những điều mà đề tài đã đạt được:</a:t>
             </a:r>
+            <a:endParaRPr lang="en-US" sz="2400" b="1" dirty="0">
+              <a:solidFill>
+                <a:schemeClr val="accent2">
+                  <a:lumMod val="50000"/>
+                </a:schemeClr>
+              </a:solidFill>
+              <a:latin typeface="Roboto" panose="02000000000000000000" pitchFamily="2" charset="0"/>
+              <a:ea typeface="Roboto" panose="02000000000000000000" pitchFamily="2" charset="0"/>
+              <a:cs typeface="Arial" panose="020B0604020202020204" pitchFamily="34" charset="0"/>
+            </a:endParaRPr>
           </a:p>
           <a:p>
             <a:pPr marL="285750" lvl="0" indent="-285750">
@@ -10568,6 +11290,10 @@
               </a:rPr>
               <a:t>Nêu rõ khái niệm, điểm mạnh và yếu của DNS server và cách DNS server hiện tại hoạt động.</a:t>
             </a:r>
+            <a:endParaRPr lang="en-US" sz="1600" dirty="0">
+              <a:latin typeface="Arial" panose="020B0604020202020204" pitchFamily="34" charset="0"/>
+              <a:cs typeface="Arial" panose="020B0604020202020204" pitchFamily="34" charset="0"/>
+            </a:endParaRPr>
           </a:p>
           <a:p>
             <a:pPr marL="285750" lvl="0" indent="-285750">
@@ -10590,6 +11316,10 @@
               </a:rPr>
               <a:t>Nêu rõ khái niệm, điểm mạnh và yếu của Blockchain và hiểu thêm về giải pháp DNS phát triển bằng công nghệ Blockchain.</a:t>
             </a:r>
+            <a:endParaRPr lang="en-US" sz="1600" dirty="0">
+              <a:latin typeface="Arial" panose="020B0604020202020204" pitchFamily="34" charset="0"/>
+              <a:cs typeface="Arial" panose="020B0604020202020204" pitchFamily="34" charset="0"/>
+            </a:endParaRPr>
           </a:p>
           <a:p>
             <a:pPr marL="285750" lvl="0" indent="-285750">
@@ -10612,6 +11342,10 @@
               </a:rPr>
               <a:t>Xây dựng được và tái hiện hệ thống Blockchain DNS trên máy tính cá nhân. </a:t>
             </a:r>
+            <a:endParaRPr lang="en-US" sz="1600" dirty="0">
+              <a:latin typeface="Arial" panose="020B0604020202020204" pitchFamily="34" charset="0"/>
+              <a:cs typeface="Arial" panose="020B0604020202020204" pitchFamily="34" charset="0"/>
+            </a:endParaRPr>
           </a:p>
           <a:p>
             <a:pPr marL="285750" lvl="0" indent="-285750">
@@ -10634,6 +11368,10 @@
               </a:rPr>
               <a:t>Phân giải tên miền và trả về kết quả thành công cho dù ở trên trình duyệt. </a:t>
             </a:r>
+            <a:endParaRPr lang="en-US" sz="1600" dirty="0">
+              <a:latin typeface="Arial" panose="020B0604020202020204" pitchFamily="34" charset="0"/>
+              <a:cs typeface="Arial" panose="020B0604020202020204" pitchFamily="34" charset="0"/>
+            </a:endParaRPr>
           </a:p>
         </p:txBody>
       </p:sp>
@@ -10685,418 +11423,6 @@
         </p:txBody>
       </p:sp>
     </p:spTree>
-    <p:extLst>
-      <p:ext uri="{BB962C8B-B14F-4D97-AF65-F5344CB8AC3E}">
-        <p14:creationId xmlns:p14="http://schemas.microsoft.com/office/powerpoint/2010/main" val="3483472495"/>
-      </p:ext>
-    </p:extLst>
-  </p:cSld>
-  <p:clrMapOvr>
-    <a:masterClrMapping/>
-  </p:clrMapOvr>
-  <p:timing>
-    <p:tnLst>
-      <p:par>
-        <p:cTn id="1" dur="indefinite" restart="never" nodeType="tmRoot"/>
-      </p:par>
-    </p:tnLst>
-  </p:timing>
-</p:sld>
-</file>
-
-<file path=ppt/slides/slide9.xml><?xml version="1.0" encoding="utf-8"?>
-<p:sld xmlns:a="http://schemas.openxmlformats.org/drawingml/2006/main" xmlns:r="http://schemas.openxmlformats.org/officeDocument/2006/relationships" xmlns:p="http://schemas.openxmlformats.org/presentationml/2006/main">
-  <p:cSld>
-    <p:spTree>
-      <p:nvGrpSpPr>
-        <p:cNvPr id="1" name=""/>
-        <p:cNvGrpSpPr/>
-        <p:nvPr/>
-      </p:nvGrpSpPr>
-      <p:grpSpPr>
-        <a:xfrm>
-          <a:off x="0" y="0"/>
-          <a:ext cx="0" cy="0"/>
-          <a:chOff x="0" y="0"/>
-          <a:chExt cx="0" cy="0"/>
-        </a:xfrm>
-      </p:grpSpPr>
-      <p:sp>
-        <p:nvSpPr>
-          <p:cNvPr id="2" name="Title 1"/>
-          <p:cNvSpPr>
-            <a:spLocks noGrp="1"/>
-          </p:cNvSpPr>
-          <p:nvPr>
-            <p:ph type="title"/>
-          </p:nvPr>
-        </p:nvSpPr>
-        <p:spPr>
-          <a:xfrm>
-            <a:off x="1069848" y="484632"/>
-            <a:ext cx="10058400" cy="715518"/>
-          </a:xfrm>
-        </p:spPr>
-        <p:txBody>
-          <a:bodyPr>
-            <a:normAutofit/>
-          </a:bodyPr>
-          <a:lstStyle/>
-          <a:p>
-            <a:r>
-              <a:rPr lang="vi-VN" sz="4000" b="1" dirty="0">
-                <a:latin typeface="Times New Roman" panose="02020603050405020304" pitchFamily="18" charset="0"/>
-                <a:cs typeface="Times New Roman" panose="02020603050405020304" pitchFamily="18" charset="0"/>
-              </a:rPr>
-              <a:t>giải pháp, đề xuất</a:t>
-            </a:r>
-            <a:endParaRPr lang="en-US" sz="4000" b="1" dirty="0">
-              <a:latin typeface="Times New Roman" panose="02020603050405020304" pitchFamily="18" charset="0"/>
-              <a:cs typeface="Times New Roman" panose="02020603050405020304" pitchFamily="18" charset="0"/>
-            </a:endParaRPr>
-          </a:p>
-        </p:txBody>
-      </p:sp>
-      <p:sp>
-        <p:nvSpPr>
-          <p:cNvPr id="4" name="Slide Number Placeholder 3"/>
-          <p:cNvSpPr>
-            <a:spLocks noGrp="1"/>
-          </p:cNvSpPr>
-          <p:nvPr>
-            <p:ph type="sldNum" sz="quarter" idx="12"/>
-          </p:nvPr>
-        </p:nvSpPr>
-        <p:spPr/>
-        <p:txBody>
-          <a:bodyPr/>
-          <a:lstStyle/>
-          <a:p>
-            <a:fld id="{040DEF24-717E-4741-8753-F7E431A261E5}" type="slidenum">
-              <a:rPr lang="en-US" smtClean="0"/>
-              <a:t>9</a:t>
-            </a:fld>
-            <a:endParaRPr lang="en-US"/>
-          </a:p>
-        </p:txBody>
-      </p:sp>
-      <p:sp>
-        <p:nvSpPr>
-          <p:cNvPr id="8" name="TextBox 7"/>
-          <p:cNvSpPr txBox="1"/>
-          <p:nvPr/>
-        </p:nvSpPr>
-        <p:spPr>
-          <a:xfrm>
-            <a:off x="1069848" y="2409825"/>
-            <a:ext cx="9883902" cy="369332"/>
-          </a:xfrm>
-          <a:prstGeom prst="rect">
-            <a:avLst/>
-          </a:prstGeom>
-          <a:noFill/>
-        </p:spPr>
-        <p:txBody>
-          <a:bodyPr wrap="square" rtlCol="0">
-            <a:spAutoFit/>
-          </a:bodyPr>
-          <a:lstStyle/>
-          <a:p>
-            <a:r>
-              <a:rPr lang="en-US" dirty="0" smtClean="0"/>
-              <a:t>. </a:t>
-            </a:r>
-            <a:endParaRPr lang="en-US" dirty="0"/>
-          </a:p>
-        </p:txBody>
-      </p:sp>
-      <p:sp>
-        <p:nvSpPr>
-          <p:cNvPr id="9" name="TextBox 8"/>
-          <p:cNvSpPr txBox="1"/>
-          <p:nvPr/>
-        </p:nvSpPr>
-        <p:spPr>
-          <a:xfrm>
-            <a:off x="1069848" y="1323975"/>
-            <a:ext cx="10744873" cy="4947508"/>
-          </a:xfrm>
-          <a:prstGeom prst="rect">
-            <a:avLst/>
-          </a:prstGeom>
-          <a:noFill/>
-        </p:spPr>
-        <p:txBody>
-          <a:bodyPr wrap="square" rtlCol="0">
-            <a:spAutoFit/>
-          </a:bodyPr>
-          <a:lstStyle/>
-          <a:p>
-            <a:r>
-              <a:rPr lang="en-US" sz="2400" b="1" dirty="0">
-                <a:solidFill>
-                  <a:schemeClr val="accent2">
-                    <a:lumMod val="50000"/>
-                  </a:schemeClr>
-                </a:solidFill>
-                <a:latin typeface="Roboto" panose="02000000000000000000" pitchFamily="2" charset="0"/>
-                <a:ea typeface="Roboto" panose="02000000000000000000" pitchFamily="2" charset="0"/>
-                <a:cs typeface="Arial" panose="020B0604020202020204" pitchFamily="34" charset="0"/>
-              </a:rPr>
-              <a:t>Trước khi nói về vấn đề chính, đề tài còn có những hạn chế nhất định sau đây:</a:t>
-            </a:r>
-          </a:p>
-          <a:p>
-            <a:pPr marL="285750" lvl="0" indent="-285750">
-              <a:spcAft>
-                <a:spcPts val="300"/>
-              </a:spcAft>
-              <a:buFont typeface="Wingdings" panose="05000000000000000000" pitchFamily="2" charset="2"/>
-              <a:buChar char="§"/>
-            </a:pPr>
-            <a:r>
-              <a:rPr lang="en-US" sz="1600" dirty="0">
-                <a:latin typeface="Arial" panose="020B0604020202020204" pitchFamily="34" charset="0"/>
-                <a:cs typeface="Arial" panose="020B0604020202020204" pitchFamily="34" charset="0"/>
-              </a:rPr>
-              <a:t>Vì là máy tính cá nhân không thể làm việc ở thời gian liên tục và lâu dài cần phải bật tắt hàng ngày nên </a:t>
-            </a:r>
-            <a:r>
-              <a:rPr lang="en-US" sz="1600" dirty="0" smtClean="0">
-                <a:latin typeface="Arial" panose="020B0604020202020204" pitchFamily="34" charset="0"/>
-                <a:cs typeface="Arial" panose="020B0604020202020204" pitchFamily="34" charset="0"/>
-              </a:rPr>
-              <a:t>phải dùng đến PostgreSQL.</a:t>
-            </a:r>
-            <a:endParaRPr lang="en-US" sz="1600" dirty="0">
-              <a:latin typeface="Arial" panose="020B0604020202020204" pitchFamily="34" charset="0"/>
-              <a:cs typeface="Arial" panose="020B0604020202020204" pitchFamily="34" charset="0"/>
-            </a:endParaRPr>
-          </a:p>
-          <a:p>
-            <a:pPr marL="285750" lvl="0" indent="-285750">
-              <a:spcAft>
-                <a:spcPts val="300"/>
-              </a:spcAft>
-              <a:buFont typeface="Wingdings" panose="05000000000000000000" pitchFamily="2" charset="2"/>
-              <a:buChar char="§"/>
-            </a:pPr>
-            <a:r>
-              <a:rPr lang="en-US" sz="1600" dirty="0">
-                <a:latin typeface="Arial" panose="020B0604020202020204" pitchFamily="34" charset="0"/>
-                <a:cs typeface="Arial" panose="020B0604020202020204" pitchFamily="34" charset="0"/>
-              </a:rPr>
-              <a:t>Môi trường cần mạng wifi, không thể dùng hotspot trên điện thoại để phát nên khó trong việc di chuyển đến những nơi xa hay thiếu wifi. </a:t>
-            </a:r>
-          </a:p>
-          <a:p>
-            <a:pPr marL="285750" lvl="0" indent="-285750">
-              <a:spcAft>
-                <a:spcPts val="300"/>
-              </a:spcAft>
-              <a:buFont typeface="Wingdings" panose="05000000000000000000" pitchFamily="2" charset="2"/>
-              <a:buChar char="§"/>
-            </a:pPr>
-            <a:r>
-              <a:rPr lang="en-US" sz="1600" dirty="0">
-                <a:latin typeface="Arial" panose="020B0604020202020204" pitchFamily="34" charset="0"/>
-                <a:cs typeface="Arial" panose="020B0604020202020204" pitchFamily="34" charset="0"/>
-              </a:rPr>
-              <a:t>Vì </a:t>
-            </a:r>
-            <a:r>
-              <a:rPr lang="en-US" sz="1600" dirty="0" smtClean="0">
-                <a:latin typeface="Arial" panose="020B0604020202020204" pitchFamily="34" charset="0"/>
-                <a:cs typeface="Arial" panose="020B0604020202020204" pitchFamily="34" charset="0"/>
-              </a:rPr>
-              <a:t>không phải là một Server tiêu chuẩn nên hiệu </a:t>
-            </a:r>
-            <a:r>
-              <a:rPr lang="en-US" sz="1600" dirty="0">
-                <a:latin typeface="Arial" panose="020B0604020202020204" pitchFamily="34" charset="0"/>
-                <a:cs typeface="Arial" panose="020B0604020202020204" pitchFamily="34" charset="0"/>
-              </a:rPr>
-              <a:t>suất truyền dẫn có phần thấp hơn hệ thống DNS thông thường</a:t>
-            </a:r>
-            <a:r>
-              <a:rPr lang="en-US" sz="1600" dirty="0" smtClean="0">
-                <a:latin typeface="Arial" panose="020B0604020202020204" pitchFamily="34" charset="0"/>
-                <a:cs typeface="Arial" panose="020B0604020202020204" pitchFamily="34" charset="0"/>
-              </a:rPr>
-              <a:t>.</a:t>
-            </a:r>
-            <a:endParaRPr lang="en-US" sz="1600" dirty="0">
-              <a:latin typeface="Arial" panose="020B0604020202020204" pitchFamily="34" charset="0"/>
-              <a:cs typeface="Arial" panose="020B0604020202020204" pitchFamily="34" charset="0"/>
-            </a:endParaRPr>
-          </a:p>
-          <a:p>
-            <a:pPr marL="285750" lvl="0" indent="-285750">
-              <a:spcAft>
-                <a:spcPts val="300"/>
-              </a:spcAft>
-              <a:buFont typeface="Wingdings" panose="05000000000000000000" pitchFamily="2" charset="2"/>
-              <a:buChar char="§"/>
-            </a:pPr>
-            <a:r>
-              <a:rPr lang="en-US" sz="1600" dirty="0">
-                <a:latin typeface="Arial" panose="020B0604020202020204" pitchFamily="34" charset="0"/>
-                <a:cs typeface="Arial" panose="020B0604020202020204" pitchFamily="34" charset="0"/>
-              </a:rPr>
-              <a:t>Ở đề tài, mô hình này đã đạt được những điều cơ bản của hệ thống Blockchain thông thường nhưng thiếu một số bước kiểm soát tính chất hợp lệ của giao dịch.</a:t>
-            </a:r>
-          </a:p>
-          <a:p>
-            <a:pPr marL="285750" lvl="0" indent="-285750">
-              <a:spcAft>
-                <a:spcPts val="300"/>
-              </a:spcAft>
-              <a:buFont typeface="Wingdings" panose="05000000000000000000" pitchFamily="2" charset="2"/>
-              <a:buChar char="§"/>
-            </a:pPr>
-            <a:r>
-              <a:rPr lang="en-US" sz="1600" dirty="0">
-                <a:latin typeface="Arial" panose="020B0604020202020204" pitchFamily="34" charset="0"/>
-                <a:cs typeface="Arial" panose="020B0604020202020204" pitchFamily="34" charset="0"/>
-              </a:rPr>
-              <a:t>Chưa thể ngăn được các loại tấn công nghe lén hay truyền tin</a:t>
-            </a:r>
-            <a:r>
-              <a:rPr lang="en-US" sz="1600" dirty="0" smtClean="0">
-                <a:latin typeface="Arial" panose="020B0604020202020204" pitchFamily="34" charset="0"/>
-                <a:cs typeface="Arial" panose="020B0604020202020204" pitchFamily="34" charset="0"/>
-              </a:rPr>
-              <a:t>.</a:t>
-            </a:r>
-          </a:p>
-          <a:p>
-            <a:pPr marL="285750" lvl="0" indent="-285750">
-              <a:buFont typeface="Wingdings" panose="05000000000000000000" pitchFamily="2" charset="2"/>
-              <a:buChar char="§"/>
-            </a:pPr>
-            <a:endParaRPr lang="en-US" dirty="0">
-              <a:latin typeface="Arial" panose="020B0604020202020204" pitchFamily="34" charset="0"/>
-              <a:cs typeface="Arial" panose="020B0604020202020204" pitchFamily="34" charset="0"/>
-            </a:endParaRPr>
-          </a:p>
-          <a:p>
-            <a:r>
-              <a:rPr lang="en-US" sz="2400" b="1" dirty="0">
-                <a:solidFill>
-                  <a:schemeClr val="accent2">
-                    <a:lumMod val="50000"/>
-                  </a:schemeClr>
-                </a:solidFill>
-                <a:latin typeface="Roboto" panose="02000000000000000000" pitchFamily="2" charset="0"/>
-                <a:ea typeface="Roboto" panose="02000000000000000000" pitchFamily="2" charset="0"/>
-                <a:cs typeface="Arial" panose="020B0604020202020204" pitchFamily="34" charset="0"/>
-              </a:rPr>
-              <a:t>Các hướng mở rộng sẽ phần lớn nhắm vào hạn chế đã nêu trên như sau :</a:t>
-            </a:r>
-          </a:p>
-          <a:p>
-            <a:pPr marL="285750" lvl="0" indent="-285750">
-              <a:spcAft>
-                <a:spcPts val="300"/>
-              </a:spcAft>
-              <a:buFont typeface="Wingdings" panose="05000000000000000000" pitchFamily="2" charset="2"/>
-              <a:buChar char="§"/>
-            </a:pPr>
-            <a:r>
-              <a:rPr lang="en-US" sz="1600" dirty="0">
-                <a:latin typeface="Arial" panose="020B0604020202020204" pitchFamily="34" charset="0"/>
-                <a:cs typeface="Arial" panose="020B0604020202020204" pitchFamily="34" charset="0"/>
-              </a:rPr>
-              <a:t>Phát triển thêm hệ thống Blockchain về mặt bảo mật giao dịch bằng chữ kí số hay các giải pháp bảo mật khác ở hiện tại.</a:t>
-            </a:r>
-          </a:p>
-          <a:p>
-            <a:pPr marL="285750" lvl="0" indent="-285750">
-              <a:spcAft>
-                <a:spcPts val="300"/>
-              </a:spcAft>
-              <a:buFont typeface="Wingdings" panose="05000000000000000000" pitchFamily="2" charset="2"/>
-              <a:buChar char="§"/>
-            </a:pPr>
-            <a:r>
-              <a:rPr lang="en-US" sz="1600" dirty="0">
-                <a:latin typeface="Arial" panose="020B0604020202020204" pitchFamily="34" charset="0"/>
-                <a:cs typeface="Arial" panose="020B0604020202020204" pitchFamily="34" charset="0"/>
-              </a:rPr>
-              <a:t>Đưa nhiều lựa chọn hơn trên giao diện giao tiếp người dùng, cho phép nhiều loại người dùng khác nhau trở thành Miner và trả công qua ví điện tử thật.</a:t>
-            </a:r>
-          </a:p>
-          <a:p>
-            <a:pPr marL="285750" lvl="0" indent="-285750">
-              <a:spcAft>
-                <a:spcPts val="300"/>
-              </a:spcAft>
-              <a:buFont typeface="Wingdings" panose="05000000000000000000" pitchFamily="2" charset="2"/>
-              <a:buChar char="§"/>
-            </a:pPr>
-            <a:r>
-              <a:rPr lang="en-US" sz="1600" dirty="0">
-                <a:latin typeface="Arial" panose="020B0604020202020204" pitchFamily="34" charset="0"/>
-                <a:cs typeface="Arial" panose="020B0604020202020204" pitchFamily="34" charset="0"/>
-              </a:rPr>
-              <a:t>Giao diện và ứng dụng được áp dụng ở nhiều môi trường khác nhau kể cả điện thoại. </a:t>
-            </a:r>
-          </a:p>
-        </p:txBody>
-      </p:sp>
-      <p:sp>
-        <p:nvSpPr>
-          <p:cNvPr id="6" name="Rectangle 5"/>
-          <p:cNvSpPr/>
-          <p:nvPr/>
-        </p:nvSpPr>
-        <p:spPr>
-          <a:xfrm>
-            <a:off x="0" y="0"/>
-            <a:ext cx="427839" cy="6858000"/>
-          </a:xfrm>
-          <a:prstGeom prst="rect">
-            <a:avLst/>
-          </a:prstGeom>
-          <a:solidFill>
-            <a:srgbClr val="AA2100"/>
-          </a:solidFill>
-        </p:spPr>
-        <p:style>
-          <a:lnRef idx="2">
-            <a:schemeClr val="accent1">
-              <a:shade val="50000"/>
-            </a:schemeClr>
-          </a:lnRef>
-          <a:fillRef idx="1">
-            <a:schemeClr val="accent1"/>
-          </a:fillRef>
-          <a:effectRef idx="0">
-            <a:schemeClr val="accent1"/>
-          </a:effectRef>
-          <a:fontRef idx="minor">
-            <a:schemeClr val="lt1"/>
-          </a:fontRef>
-        </p:style>
-        <p:txBody>
-          <a:bodyPr rtlCol="0" anchor="ctr"/>
-          <a:lstStyle/>
-          <a:p>
-            <a:pPr algn="ctr"/>
-            <a:endParaRPr lang="en-US">
-              <a:solidFill>
-                <a:srgbClr val="FF0000"/>
-              </a:solidFill>
-            </a:endParaRPr>
-          </a:p>
-        </p:txBody>
-      </p:sp>
-    </p:spTree>
-    <p:extLst>
-      <p:ext uri="{BB962C8B-B14F-4D97-AF65-F5344CB8AC3E}">
-        <p14:creationId xmlns:p14="http://schemas.microsoft.com/office/powerpoint/2010/main" val="2628273995"/>
-      </p:ext>
-    </p:extLst>
   </p:cSld>
   <p:clrMapOvr>
     <a:masterClrMapping/>
@@ -11154,7 +11480,7 @@
     </a:clrScheme>
     <a:fontScheme name="Wood Type">
       <a:majorFont>
-        <a:latin typeface="Rockwell Condensed" panose="02060603050405020104"/>
+        <a:latin typeface="Rockwell Condensed"/>
         <a:ea typeface=""/>
         <a:cs typeface=""/>
         <a:font script="Grek" typeface="Cambria"/>
@@ -11190,7 +11516,7 @@
         <a:font script="Uigh" typeface="Microsoft Uighur"/>
       </a:majorFont>
       <a:minorFont>
-        <a:latin typeface="Rockwell" panose="02060603020205020403"/>
+        <a:latin typeface="Rockwell"/>
         <a:ea typeface=""/>
         <a:cs typeface=""/>
         <a:font script="Grek" typeface="Cambria"/>
@@ -11330,11 +11656,9 @@
       </a:bgFillStyleLst>
     </a:fmtScheme>
   </a:themeElements>
-  <a:objectDefaults/>
-  <a:extraClrSchemeLst/>
   <a:extLst>
     <a:ext uri="{05A4C25C-085E-4340-85A3-A5531E510DB2}">
-      <thm15:themeFamily xmlns:thm15="http://schemas.microsoft.com/office/thememl/2012/main" name="Wood Type" id="{7ACABC62-BF99-48CF-A9DC-4DB89C7B13DC}" vid="{142A1326-48AB-42A9-8428-CB14AA30176D}"/>
+      <thm15:themeFamily xmlns:thm15="http://schemas.microsoft.com/office/thememl/2012/main" name="Office Theme" id="{62F939B6-93AF-4DB8-9C6B-D6C7DFDC589F}" vid="{4A3C46E8-61CC-4603-A589-7422A47A8E4A}"/>
     </a:ext>
   </a:extLst>
 </a:theme>
@@ -11383,7 +11707,7 @@
     </a:clrScheme>
     <a:fontScheme name="Office">
       <a:majorFont>
-        <a:latin typeface="Calibri Light" panose="020F0302020204030204"/>
+        <a:latin typeface="Calibri Light"/>
         <a:ea typeface=""/>
         <a:cs typeface=""/>
         <a:font script="Jpan" typeface="游ゴシック Light"/>
@@ -11418,7 +11742,7 @@
         <a:font script="Geor" typeface="Sylfaen"/>
       </a:majorFont>
       <a:minorFont>
-        <a:latin typeface="Calibri" panose="020F0502020204030204"/>
+        <a:latin typeface="Calibri"/>
         <a:ea typeface=""/>
         <a:cs typeface=""/>
         <a:font script="Jpan" typeface="游ゴシック"/>
@@ -11591,8 +11915,6 @@
       </a:bgFillStyleLst>
     </a:fmtScheme>
   </a:themeElements>
-  <a:objectDefaults/>
-  <a:extraClrSchemeLst/>
   <a:extLst>
     <a:ext uri="{05A4C25C-085E-4340-85A3-A5531E510DB2}">
       <thm15:themeFamily xmlns:thm15="http://schemas.microsoft.com/office/thememl/2012/main" name="Office Theme" id="{62F939B6-93AF-4DB8-9C6B-D6C7DFDC589F}" vid="{4A3C46E8-61CC-4603-A589-7422A47A8E4A}"/>

--- a/slide/D17CQAT01_PhanDai_N17DCAT013.pptx
+++ b/slide/D17CQAT01_PhanDai_N17DCAT013.pptx
@@ -5,20 +5,20 @@
     <p:sldMasterId id="2147483648" r:id="rId1"/>
   </p:sldMasterIdLst>
   <p:notesMasterIdLst>
-    <p:notesMasterId r:id="rId14"/>
+    <p:notesMasterId r:id="rId13"/>
   </p:notesMasterIdLst>
   <p:sldIdLst>
-    <p:sldId id="256" r:id="rId3"/>
-    <p:sldId id="257" r:id="rId4"/>
-    <p:sldId id="261" r:id="rId5"/>
-    <p:sldId id="260" r:id="rId6"/>
-    <p:sldId id="264" r:id="rId7"/>
-    <p:sldId id="266" r:id="rId8"/>
-    <p:sldId id="265" r:id="rId9"/>
-    <p:sldId id="271" r:id="rId10"/>
-    <p:sldId id="262" r:id="rId11"/>
-    <p:sldId id="259" r:id="rId12"/>
-    <p:sldId id="258" r:id="rId13"/>
+    <p:sldId id="256" r:id="rId2"/>
+    <p:sldId id="257" r:id="rId3"/>
+    <p:sldId id="261" r:id="rId4"/>
+    <p:sldId id="260" r:id="rId5"/>
+    <p:sldId id="272" r:id="rId6"/>
+    <p:sldId id="266" r:id="rId7"/>
+    <p:sldId id="273" r:id="rId8"/>
+    <p:sldId id="271" r:id="rId9"/>
+    <p:sldId id="262" r:id="rId10"/>
+    <p:sldId id="259" r:id="rId11"/>
+    <p:sldId id="258" r:id="rId12"/>
   </p:sldIdLst>
   <p:sldSz cx="12192000" cy="6858000"/>
   <p:notesSz cx="6858000" cy="9144000"/>
@@ -117,6 +117,11 @@
       </a:defRPr>
     </a:lvl9pPr>
   </p:defaultTextStyle>
+  <p:extLst>
+    <p:ext uri="{EFAFB233-063F-42B5-8137-9DF3F51BA10A}">
+      <p15:sldGuideLst xmlns:p15="http://schemas.microsoft.com/office/powerpoint/2012/main"/>
+    </p:ext>
+  </p:extLst>
 </p:presentation>
 </file>
 
@@ -202,6 +207,7 @@
           <a:p>
             <a:fld id="{4D90CDED-DED5-4950-8D8A-00FFCAA83A1B}" type="datetimeFigureOut">
               <a:rPr lang="en-US" smtClean="0"/>
+              <a:t>12/10/2021</a:t>
             </a:fld>
             <a:endParaRPr lang="en-US"/>
           </a:p>
@@ -268,7 +274,6 @@
               <a:rPr lang="en-US" smtClean="0"/>
               <a:t>Edit Master text styles</a:t>
             </a:r>
-            <a:endParaRPr lang="en-US" smtClean="0"/>
           </a:p>
           <a:p>
             <a:pPr lvl="1"/>
@@ -276,7 +281,6 @@
               <a:rPr lang="en-US" smtClean="0"/>
               <a:t>Second level</a:t>
             </a:r>
-            <a:endParaRPr lang="en-US" smtClean="0"/>
           </a:p>
           <a:p>
             <a:pPr lvl="2"/>
@@ -284,7 +288,6 @@
               <a:rPr lang="en-US" smtClean="0"/>
               <a:t>Third level</a:t>
             </a:r>
-            <a:endParaRPr lang="en-US" smtClean="0"/>
           </a:p>
           <a:p>
             <a:pPr lvl="3"/>
@@ -292,7 +295,6 @@
               <a:rPr lang="en-US" smtClean="0"/>
               <a:t>Fourth level</a:t>
             </a:r>
-            <a:endParaRPr lang="en-US" smtClean="0"/>
           </a:p>
           <a:p>
             <a:pPr lvl="4"/>
@@ -364,6 +366,7 @@
           <a:p>
             <a:fld id="{FD20B253-7E6D-4FFF-A48B-C518ADBC2D7F}" type="slidenum">
               <a:rPr lang="en-US" smtClean="0"/>
+              <a:t>‹#›</a:t>
             </a:fld>
             <a:endParaRPr lang="en-US"/>
           </a:p>
@@ -468,7 +471,7 @@
 </file>
 
 <file path=ppt/slideLayouts/slideLayout1.xml><?xml version="1.0" encoding="utf-8"?>
-<p:sldLayout xmlns:a="http://schemas.openxmlformats.org/drawingml/2006/main" xmlns:r="http://schemas.openxmlformats.org/officeDocument/2006/relationships" xmlns:p="http://schemas.openxmlformats.org/presentationml/2006/main" type="title" preserve="1" showMasterSp="0">
+<p:sldLayout xmlns:a="http://schemas.openxmlformats.org/drawingml/2006/main" xmlns:r="http://schemas.openxmlformats.org/officeDocument/2006/relationships" xmlns:p="http://schemas.openxmlformats.org/presentationml/2006/main" showMasterSp="0" type="title" preserve="1">
   <p:cSld name="Title Slide">
     <p:spTree>
       <p:nvGrpSpPr>
@@ -870,6 +873,7 @@
           <a:p>
             <a:fld id="{9CC9E0FF-7D19-4510-9DCE-23D201D9E916}" type="datetime1">
               <a:rPr lang="en-US" smtClean="0"/>
+              <a:t>12/10/2021</a:t>
             </a:fld>
             <a:endParaRPr lang="en-US"/>
           </a:p>
@@ -920,6 +924,7 @@
           <a:p>
             <a:fld id="{040DEF24-717E-4741-8753-F7E431A261E5}" type="slidenum">
               <a:rPr lang="en-US" smtClean="0"/>
+              <a:t>‹#›</a:t>
             </a:fld>
             <a:endParaRPr lang="en-US"/>
           </a:p>
@@ -993,7 +998,6 @@
               <a:rPr lang="en-US" smtClean="0"/>
               <a:t>Edit Master text styles</a:t>
             </a:r>
-            <a:endParaRPr lang="en-US" smtClean="0"/>
           </a:p>
           <a:p>
             <a:pPr lvl="1"/>
@@ -1001,7 +1005,6 @@
               <a:rPr lang="en-US" smtClean="0"/>
               <a:t>Second level</a:t>
             </a:r>
-            <a:endParaRPr lang="en-US" smtClean="0"/>
           </a:p>
           <a:p>
             <a:pPr lvl="2"/>
@@ -1009,7 +1012,6 @@
               <a:rPr lang="en-US" smtClean="0"/>
               <a:t>Third level</a:t>
             </a:r>
-            <a:endParaRPr lang="en-US" smtClean="0"/>
           </a:p>
           <a:p>
             <a:pPr lvl="3"/>
@@ -1017,7 +1019,6 @@
               <a:rPr lang="en-US" smtClean="0"/>
               <a:t>Fourth level</a:t>
             </a:r>
-            <a:endParaRPr lang="en-US" smtClean="0"/>
           </a:p>
           <a:p>
             <a:pPr lvl="4"/>
@@ -1046,6 +1047,7 @@
           <a:p>
             <a:fld id="{02BE6C0D-AE79-4D98-BA3B-E3751AE5331F}" type="datetime1">
               <a:rPr lang="en-US" smtClean="0"/>
+              <a:t>12/10/2021</a:t>
             </a:fld>
             <a:endParaRPr lang="en-US"/>
           </a:p>
@@ -1087,6 +1089,7 @@
           <a:p>
             <a:fld id="{040DEF24-717E-4741-8753-F7E431A261E5}" type="slidenum">
               <a:rPr lang="en-US" smtClean="0"/>
+              <a:t>‹#›</a:t>
             </a:fld>
             <a:endParaRPr lang="en-US"/>
           </a:p>
@@ -1170,7 +1173,6 @@
               <a:rPr lang="en-US" smtClean="0"/>
               <a:t>Edit Master text styles</a:t>
             </a:r>
-            <a:endParaRPr lang="en-US" smtClean="0"/>
           </a:p>
           <a:p>
             <a:pPr lvl="1"/>
@@ -1178,7 +1180,6 @@
               <a:rPr lang="en-US" smtClean="0"/>
               <a:t>Second level</a:t>
             </a:r>
-            <a:endParaRPr lang="en-US" smtClean="0"/>
           </a:p>
           <a:p>
             <a:pPr lvl="2"/>
@@ -1186,7 +1187,6 @@
               <a:rPr lang="en-US" smtClean="0"/>
               <a:t>Third level</a:t>
             </a:r>
-            <a:endParaRPr lang="en-US" smtClean="0"/>
           </a:p>
           <a:p>
             <a:pPr lvl="3"/>
@@ -1194,7 +1194,6 @@
               <a:rPr lang="en-US" smtClean="0"/>
               <a:t>Fourth level</a:t>
             </a:r>
-            <a:endParaRPr lang="en-US" smtClean="0"/>
           </a:p>
           <a:p>
             <a:pPr lvl="4"/>
@@ -1223,6 +1222,7 @@
           <a:p>
             <a:fld id="{64794B53-B5A7-48E6-89FC-70BEF208D151}" type="datetime1">
               <a:rPr lang="en-US" smtClean="0"/>
+              <a:t>12/10/2021</a:t>
             </a:fld>
             <a:endParaRPr lang="en-US"/>
           </a:p>
@@ -1264,6 +1264,7 @@
           <a:p>
             <a:fld id="{040DEF24-717E-4741-8753-F7E431A261E5}" type="slidenum">
               <a:rPr lang="en-US" smtClean="0"/>
+              <a:t>‹#›</a:t>
             </a:fld>
             <a:endParaRPr lang="en-US"/>
           </a:p>
@@ -1337,7 +1338,6 @@
               <a:rPr lang="en-US" smtClean="0"/>
               <a:t>Edit Master text styles</a:t>
             </a:r>
-            <a:endParaRPr lang="en-US" smtClean="0"/>
           </a:p>
           <a:p>
             <a:pPr lvl="1"/>
@@ -1345,7 +1345,6 @@
               <a:rPr lang="en-US" smtClean="0"/>
               <a:t>Second level</a:t>
             </a:r>
-            <a:endParaRPr lang="en-US" smtClean="0"/>
           </a:p>
           <a:p>
             <a:pPr lvl="2"/>
@@ -1353,7 +1352,6 @@
               <a:rPr lang="en-US" smtClean="0"/>
               <a:t>Third level</a:t>
             </a:r>
-            <a:endParaRPr lang="en-US" smtClean="0"/>
           </a:p>
           <a:p>
             <a:pPr lvl="3"/>
@@ -1361,7 +1359,6 @@
               <a:rPr lang="en-US" smtClean="0"/>
               <a:t>Fourth level</a:t>
             </a:r>
-            <a:endParaRPr lang="en-US" smtClean="0"/>
           </a:p>
           <a:p>
             <a:pPr lvl="4"/>
@@ -1390,6 +1387,7 @@
           <a:p>
             <a:fld id="{E4F4B884-B57B-462C-B739-9A72F1ADE961}" type="datetime1">
               <a:rPr lang="en-US" smtClean="0"/>
+              <a:t>12/10/2021</a:t>
             </a:fld>
             <a:endParaRPr lang="en-US"/>
           </a:p>
@@ -1431,6 +1429,7 @@
           <a:p>
             <a:fld id="{040DEF24-717E-4741-8753-F7E431A261E5}" type="slidenum">
               <a:rPr lang="en-US" smtClean="0"/>
+              <a:t>‹#›</a:t>
             </a:fld>
             <a:endParaRPr lang="en-US"/>
           </a:p>
@@ -1445,7 +1444,7 @@
 </file>
 
 <file path=ppt/slideLayouts/slideLayout3.xml><?xml version="1.0" encoding="utf-8"?>
-<p:sldLayout xmlns:a="http://schemas.openxmlformats.org/drawingml/2006/main" xmlns:r="http://schemas.openxmlformats.org/officeDocument/2006/relationships" xmlns:p="http://schemas.openxmlformats.org/presentationml/2006/main" type="secHead" preserve="1" showMasterSp="0">
+<p:sldLayout xmlns:a="http://schemas.openxmlformats.org/drawingml/2006/main" xmlns:r="http://schemas.openxmlformats.org/officeDocument/2006/relationships" xmlns:p="http://schemas.openxmlformats.org/presentationml/2006/main" showMasterSp="0" type="secHead" preserve="1">
   <p:cSld name="Section Header">
     <p:spTree>
       <p:nvGrpSpPr>
@@ -1671,7 +1670,6 @@
               <a:rPr lang="en-US" smtClean="0"/>
               <a:t>Edit Master text styles</a:t>
             </a:r>
-            <a:endParaRPr lang="en-US" smtClean="0"/>
           </a:p>
         </p:txBody>
       </p:sp>
@@ -1697,6 +1695,7 @@
           <a:p>
             <a:fld id="{B9C8D748-A08B-490E-87AA-BC3835B708B2}" type="datetime1">
               <a:rPr lang="en-US" smtClean="0"/>
+              <a:t>12/10/2021</a:t>
             </a:fld>
             <a:endParaRPr lang="en-US"/>
           </a:p>
@@ -1836,6 +1835,7 @@
           <a:p>
             <a:fld id="{040DEF24-717E-4741-8753-F7E431A261E5}" type="slidenum">
               <a:rPr lang="en-US" smtClean="0"/>
+              <a:t>‹#›</a:t>
             </a:fld>
             <a:endParaRPr lang="en-US"/>
           </a:p>
@@ -1942,7 +1942,6 @@
               <a:rPr lang="en-US" smtClean="0"/>
               <a:t>Edit Master text styles</a:t>
             </a:r>
-            <a:endParaRPr lang="en-US" smtClean="0"/>
           </a:p>
           <a:p>
             <a:pPr lvl="1"/>
@@ -1950,7 +1949,6 @@
               <a:rPr lang="en-US" smtClean="0"/>
               <a:t>Second level</a:t>
             </a:r>
-            <a:endParaRPr lang="en-US" smtClean="0"/>
           </a:p>
           <a:p>
             <a:pPr lvl="2"/>
@@ -1958,7 +1956,6 @@
               <a:rPr lang="en-US" smtClean="0"/>
               <a:t>Third level</a:t>
             </a:r>
-            <a:endParaRPr lang="en-US" smtClean="0"/>
           </a:p>
           <a:p>
             <a:pPr lvl="3"/>
@@ -1966,7 +1963,6 @@
               <a:rPr lang="en-US" smtClean="0"/>
               <a:t>Fourth level</a:t>
             </a:r>
-            <a:endParaRPr lang="en-US" smtClean="0"/>
           </a:p>
           <a:p>
             <a:pPr lvl="4"/>
@@ -2031,7 +2027,6 @@
               <a:rPr lang="en-US" smtClean="0"/>
               <a:t>Edit Master text styles</a:t>
             </a:r>
-            <a:endParaRPr lang="en-US" smtClean="0"/>
           </a:p>
           <a:p>
             <a:pPr lvl="1"/>
@@ -2039,7 +2034,6 @@
               <a:rPr lang="en-US" smtClean="0"/>
               <a:t>Second level</a:t>
             </a:r>
-            <a:endParaRPr lang="en-US" smtClean="0"/>
           </a:p>
           <a:p>
             <a:pPr lvl="2"/>
@@ -2047,7 +2041,6 @@
               <a:rPr lang="en-US" smtClean="0"/>
               <a:t>Third level</a:t>
             </a:r>
-            <a:endParaRPr lang="en-US" smtClean="0"/>
           </a:p>
           <a:p>
             <a:pPr lvl="3"/>
@@ -2055,7 +2048,6 @@
               <a:rPr lang="en-US" smtClean="0"/>
               <a:t>Fourth level</a:t>
             </a:r>
-            <a:endParaRPr lang="en-US" smtClean="0"/>
           </a:p>
           <a:p>
             <a:pPr lvl="4"/>
@@ -2084,6 +2076,7 @@
           <a:p>
             <a:fld id="{0FCBCAE6-D603-4735-B4B0-803AAA3FEC04}" type="datetime1">
               <a:rPr lang="en-US" smtClean="0"/>
+              <a:t>12/10/2021</a:t>
             </a:fld>
             <a:endParaRPr lang="en-US"/>
           </a:p>
@@ -2125,6 +2118,7 @@
           <a:p>
             <a:fld id="{040DEF24-717E-4741-8753-F7E431A261E5}" type="slidenum">
               <a:rPr lang="en-US" smtClean="0"/>
+              <a:t>‹#›</a:t>
             </a:fld>
             <a:endParaRPr lang="en-US"/>
           </a:p>
@@ -2248,7 +2242,6 @@
               <a:rPr lang="en-US" smtClean="0"/>
               <a:t>Edit Master text styles</a:t>
             </a:r>
-            <a:endParaRPr lang="en-US" smtClean="0"/>
           </a:p>
         </p:txBody>
       </p:sp>
@@ -2305,7 +2298,6 @@
               <a:rPr lang="en-US" smtClean="0"/>
               <a:t>Edit Master text styles</a:t>
             </a:r>
-            <a:endParaRPr lang="en-US" smtClean="0"/>
           </a:p>
           <a:p>
             <a:pPr lvl="1"/>
@@ -2313,7 +2305,6 @@
               <a:rPr lang="en-US" smtClean="0"/>
               <a:t>Second level</a:t>
             </a:r>
-            <a:endParaRPr lang="en-US" smtClean="0"/>
           </a:p>
           <a:p>
             <a:pPr lvl="2"/>
@@ -2321,7 +2312,6 @@
               <a:rPr lang="en-US" smtClean="0"/>
               <a:t>Third level</a:t>
             </a:r>
-            <a:endParaRPr lang="en-US" smtClean="0"/>
           </a:p>
           <a:p>
             <a:pPr lvl="3"/>
@@ -2329,7 +2319,6 @@
               <a:rPr lang="en-US" smtClean="0"/>
               <a:t>Fourth level</a:t>
             </a:r>
-            <a:endParaRPr lang="en-US" smtClean="0"/>
           </a:p>
           <a:p>
             <a:pPr lvl="4"/>
@@ -2411,7 +2400,6 @@
               <a:rPr lang="en-US" smtClean="0"/>
               <a:t>Edit Master text styles</a:t>
             </a:r>
-            <a:endParaRPr lang="en-US" smtClean="0"/>
           </a:p>
         </p:txBody>
       </p:sp>
@@ -2468,7 +2456,6 @@
               <a:rPr lang="en-US" smtClean="0"/>
               <a:t>Edit Master text styles</a:t>
             </a:r>
-            <a:endParaRPr lang="en-US" smtClean="0"/>
           </a:p>
           <a:p>
             <a:pPr lvl="1"/>
@@ -2476,7 +2463,6 @@
               <a:rPr lang="en-US" smtClean="0"/>
               <a:t>Second level</a:t>
             </a:r>
-            <a:endParaRPr lang="en-US" smtClean="0"/>
           </a:p>
           <a:p>
             <a:pPr lvl="2"/>
@@ -2484,7 +2470,6 @@
               <a:rPr lang="en-US" smtClean="0"/>
               <a:t>Third level</a:t>
             </a:r>
-            <a:endParaRPr lang="en-US" smtClean="0"/>
           </a:p>
           <a:p>
             <a:pPr lvl="3"/>
@@ -2492,7 +2477,6 @@
               <a:rPr lang="en-US" smtClean="0"/>
               <a:t>Fourth level</a:t>
             </a:r>
-            <a:endParaRPr lang="en-US" smtClean="0"/>
           </a:p>
           <a:p>
             <a:pPr lvl="4"/>
@@ -2521,6 +2505,7 @@
           <a:p>
             <a:fld id="{17C15CAB-E48F-495C-92CD-4CF2B2C1B0ED}" type="datetime1">
               <a:rPr lang="en-US" smtClean="0"/>
+              <a:t>12/10/2021</a:t>
             </a:fld>
             <a:endParaRPr lang="en-US"/>
           </a:p>
@@ -2562,6 +2547,7 @@
           <a:p>
             <a:fld id="{040DEF24-717E-4741-8753-F7E431A261E5}" type="slidenum">
               <a:rPr lang="en-US" smtClean="0"/>
+              <a:t>‹#›</a:t>
             </a:fld>
             <a:endParaRPr lang="en-US"/>
           </a:p>
@@ -2632,6 +2618,7 @@
           <a:p>
             <a:fld id="{5302AA14-F259-4723-9AF0-36DE127C0145}" type="datetime1">
               <a:rPr lang="en-US" smtClean="0"/>
+              <a:t>12/10/2021</a:t>
             </a:fld>
             <a:endParaRPr lang="en-US"/>
           </a:p>
@@ -2673,6 +2660,7 @@
           <a:p>
             <a:fld id="{040DEF24-717E-4741-8753-F7E431A261E5}" type="slidenum">
               <a:rPr lang="en-US" smtClean="0"/>
+              <a:t>‹#›</a:t>
             </a:fld>
             <a:endParaRPr lang="en-US"/>
           </a:p>
@@ -2720,6 +2708,7 @@
           <a:p>
             <a:fld id="{C9349F59-A2E8-4E73-9F17-B6C9798F4358}" type="datetime1">
               <a:rPr lang="en-US" smtClean="0"/>
+              <a:t>12/10/2021</a:t>
             </a:fld>
             <a:endParaRPr lang="en-US"/>
           </a:p>
@@ -2761,6 +2750,7 @@
           <a:p>
             <a:fld id="{040DEF24-717E-4741-8753-F7E431A261E5}" type="slidenum">
               <a:rPr lang="en-US" smtClean="0"/>
+              <a:t>‹#›</a:t>
             </a:fld>
             <a:endParaRPr lang="en-US"/>
           </a:p>
@@ -2775,7 +2765,7 @@
 </file>
 
 <file path=ppt/slideLayouts/slideLayout8.xml><?xml version="1.0" encoding="utf-8"?>
-<p:sldLayout xmlns:a="http://schemas.openxmlformats.org/drawingml/2006/main" xmlns:r="http://schemas.openxmlformats.org/officeDocument/2006/relationships" xmlns:p="http://schemas.openxmlformats.org/presentationml/2006/main" type="objTx" preserve="1" showMasterSp="0">
+<p:sldLayout xmlns:a="http://schemas.openxmlformats.org/drawingml/2006/main" xmlns:r="http://schemas.openxmlformats.org/officeDocument/2006/relationships" xmlns:p="http://schemas.openxmlformats.org/presentationml/2006/main" showMasterSp="0" type="objTx" preserve="1">
   <p:cSld name="Content with Caption">
     <p:spTree>
       <p:nvGrpSpPr>
@@ -2935,7 +2925,6 @@
               <a:rPr lang="en-US" smtClean="0"/>
               <a:t>Edit Master text styles</a:t>
             </a:r>
-            <a:endParaRPr lang="en-US" smtClean="0"/>
           </a:p>
           <a:p>
             <a:pPr lvl="1"/>
@@ -2943,7 +2932,6 @@
               <a:rPr lang="en-US" smtClean="0"/>
               <a:t>Second level</a:t>
             </a:r>
-            <a:endParaRPr lang="en-US" smtClean="0"/>
           </a:p>
           <a:p>
             <a:pPr lvl="2"/>
@@ -2951,7 +2939,6 @@
               <a:rPr lang="en-US" smtClean="0"/>
               <a:t>Third level</a:t>
             </a:r>
-            <a:endParaRPr lang="en-US" smtClean="0"/>
           </a:p>
           <a:p>
             <a:pPr lvl="3"/>
@@ -2959,7 +2946,6 @@
               <a:rPr lang="en-US" smtClean="0"/>
               <a:t>Fourth level</a:t>
             </a:r>
-            <a:endParaRPr lang="en-US" smtClean="0"/>
           </a:p>
           <a:p>
             <a:pPr lvl="4"/>
@@ -3047,7 +3033,6 @@
               <a:rPr lang="en-US" smtClean="0"/>
               <a:t>Edit Master text styles</a:t>
             </a:r>
-            <a:endParaRPr lang="en-US" smtClean="0"/>
           </a:p>
         </p:txBody>
       </p:sp>
@@ -3068,6 +3053,7 @@
           <a:p>
             <a:fld id="{44F06C92-CE98-4B24-91B3-57666E0FED09}" type="datetime1">
               <a:rPr lang="en-US" smtClean="0"/>
+              <a:t>12/10/2021</a:t>
             </a:fld>
             <a:endParaRPr lang="en-US"/>
           </a:p>
@@ -3198,6 +3184,7 @@
           <a:p>
             <a:fld id="{040DEF24-717E-4741-8753-F7E431A261E5}" type="slidenum">
               <a:rPr lang="en-US" smtClean="0"/>
+              <a:t>‹#›</a:t>
             </a:fld>
             <a:endParaRPr lang="en-US"/>
           </a:p>
@@ -3212,7 +3199,7 @@
 </file>
 
 <file path=ppt/slideLayouts/slideLayout9.xml><?xml version="1.0" encoding="utf-8"?>
-<p:sldLayout xmlns:a="http://schemas.openxmlformats.org/drawingml/2006/main" xmlns:r="http://schemas.openxmlformats.org/officeDocument/2006/relationships" xmlns:p="http://schemas.openxmlformats.org/presentationml/2006/main" type="picTx" preserve="1" showMasterSp="0">
+<p:sldLayout xmlns:a="http://schemas.openxmlformats.org/drawingml/2006/main" xmlns:r="http://schemas.openxmlformats.org/officeDocument/2006/relationships" xmlns:p="http://schemas.openxmlformats.org/presentationml/2006/main" showMasterSp="0" type="picTx" preserve="1">
   <p:cSld name="Picture with Caption">
     <p:spTree>
       <p:nvGrpSpPr>
@@ -3466,7 +3453,6 @@
               <a:rPr lang="en-US" smtClean="0"/>
               <a:t>Edit Master text styles</a:t>
             </a:r>
-            <a:endParaRPr lang="en-US" smtClean="0"/>
           </a:p>
         </p:txBody>
       </p:sp>
@@ -3487,6 +3473,7 @@
           <a:p>
             <a:fld id="{15CAC543-8889-4E95-B4AC-6EDFB98064E3}" type="datetime1">
               <a:rPr lang="en-US" smtClean="0"/>
+              <a:t>12/10/2021</a:t>
             </a:fld>
             <a:endParaRPr lang="en-US"/>
           </a:p>
@@ -3598,6 +3585,7 @@
           <a:p>
             <a:fld id="{040DEF24-717E-4741-8753-F7E431A261E5}" type="slidenum">
               <a:rPr lang="en-US" smtClean="0"/>
+              <a:t>‹#›</a:t>
             </a:fld>
             <a:endParaRPr lang="en-US"/>
           </a:p>
@@ -3696,7 +3684,6 @@
               <a:rPr lang="en-US" smtClean="0"/>
               <a:t>Edit Master text styles</a:t>
             </a:r>
-            <a:endParaRPr lang="en-US" smtClean="0"/>
           </a:p>
           <a:p>
             <a:pPr lvl="1"/>
@@ -3704,7 +3691,6 @@
               <a:rPr lang="en-US" smtClean="0"/>
               <a:t>Second level</a:t>
             </a:r>
-            <a:endParaRPr lang="en-US" smtClean="0"/>
           </a:p>
           <a:p>
             <a:pPr lvl="2"/>
@@ -3712,7 +3698,6 @@
               <a:rPr lang="en-US" smtClean="0"/>
               <a:t>Third level</a:t>
             </a:r>
-            <a:endParaRPr lang="en-US" smtClean="0"/>
           </a:p>
           <a:p>
             <a:pPr lvl="3"/>
@@ -3720,7 +3705,6 @@
               <a:rPr lang="en-US" smtClean="0"/>
               <a:t>Fourth level</a:t>
             </a:r>
-            <a:endParaRPr lang="en-US" smtClean="0"/>
           </a:p>
           <a:p>
             <a:pPr lvl="4"/>
@@ -3765,6 +3749,7 @@
           <a:p>
             <a:fld id="{BDFF3CA4-504F-4AB7-961C-755BCE655230}" type="datetime1">
               <a:rPr lang="en-US" smtClean="0"/>
+              <a:t>12/10/2021</a:t>
             </a:fld>
             <a:endParaRPr lang="en-US"/>
           </a:p>
@@ -3836,7 +3821,7 @@
               <a:avLst/>
             </a:prstGeom>
             <a:blipFill dpi="0" rotWithShape="1">
-              <a:blip r:embed="rId12">
+              <a:blip r:embed="rId13">
                 <a:duotone>
                   <a:schemeClr val="accent1">
                     <a:shade val="45000"/>
@@ -3847,7 +3832,7 @@
                 <a:extLst>
                   <a:ext uri="{BEBA8EAE-BF5A-486C-A8C5-ECC9F3942E4B}">
                     <a14:imgProps xmlns:a14="http://schemas.microsoft.com/office/drawing/2010/main">
-                      <a14:imgLayer r:embed="rId13">
+                      <a14:imgLayer r:embed="rId14">
                         <a14:imgEffect>
                           <a14:brightnessContrast bright="-40000" contrast="20000"/>
                         </a14:imgEffect>
@@ -3928,6 +3913,7 @@
           <a:p>
             <a:fld id="{040DEF24-717E-4741-8753-F7E431A261E5}" type="slidenum">
               <a:rPr lang="en-US" smtClean="0"/>
+              <a:t>‹#›</a:t>
             </a:fld>
             <a:endParaRPr lang="en-US"/>
           </a:p>
@@ -3962,7 +3948,7 @@
         <a:buNone/>
         <a:defRPr sz="5400" kern="1200" cap="all" baseline="0">
           <a:blipFill>
-            <a:blip r:embed="rId14">
+            <a:blip r:embed="rId15">
               <a:extLst>
                 <a:ext uri="{28A0092B-C50C-407E-A947-70E740481C1C}">
                   <a14:useLocalDpi xmlns:a14="http://schemas.microsoft.com/office/drawing/2010/main" val="0"/>
@@ -4444,7 +4430,7 @@
           <p:nvPr/>
         </p:nvPicPr>
         <p:blipFill>
-          <a:blip r:embed="rId1" cstate="print">
+          <a:blip r:embed="rId2" cstate="print">
             <a:extLst>
               <a:ext uri="{28A0092B-C50C-407E-A947-70E740481C1C}">
                 <a14:useLocalDpi xmlns:a14="http://schemas.microsoft.com/office/drawing/2010/main" val="0"/>
@@ -4502,19 +4488,7 @@
                 <a:latin typeface="Arial" panose="020B0604020202020204" pitchFamily="34" charset="0"/>
                 <a:cs typeface="Arial" panose="020B0604020202020204" pitchFamily="34" charset="0"/>
               </a:rPr>
-              <a:t>Đề </a:t>
-            </a:r>
-            <a:r>
-              <a:rPr lang="en-US" sz="1600" b="1" u="sng" dirty="0" smtClean="0">
-                <a:solidFill>
-                  <a:schemeClr val="accent2">
-                    <a:lumMod val="75000"/>
-                  </a:schemeClr>
-                </a:solidFill>
-                <a:latin typeface="Arial" panose="020B0604020202020204" pitchFamily="34" charset="0"/>
-                <a:cs typeface="Arial" panose="020B0604020202020204" pitchFamily="34" charset="0"/>
-              </a:rPr>
-              <a:t>tài</a:t>
+              <a:t>Đề tài</a:t>
             </a:r>
             <a:endParaRPr lang="en-US" sz="1600" b="1" dirty="0">
               <a:solidFill>
@@ -4902,7 +4876,6 @@
               <a:rPr lang="en-US" sz="1600" b="1" dirty="0"/>
               <a:t>2</a:t>
             </a:r>
-            <a:endParaRPr lang="en-US" sz="1600" b="1" dirty="0"/>
           </a:p>
         </p:txBody>
       </p:sp>
@@ -5118,6 +5091,7 @@
           <a:p>
             <a:fld id="{040DEF24-717E-4741-8753-F7E431A261E5}" type="slidenum">
               <a:rPr lang="en-US" smtClean="0"/>
+              <a:t>10</a:t>
             </a:fld>
             <a:endParaRPr lang="en-US"/>
           </a:p>
@@ -5188,16 +5162,6 @@
               </a:rPr>
               <a:t>Trước khi nói về vấn đề chính, đề tài còn có những hạn chế nhất định sau đây:</a:t>
             </a:r>
-            <a:endParaRPr lang="en-US" sz="2400" b="1" dirty="0">
-              <a:solidFill>
-                <a:schemeClr val="accent2">
-                  <a:lumMod val="50000"/>
-                </a:schemeClr>
-              </a:solidFill>
-              <a:latin typeface="Roboto" panose="02000000000000000000" pitchFamily="2" charset="0"/>
-              <a:ea typeface="Roboto" panose="02000000000000000000" pitchFamily="2" charset="0"/>
-              <a:cs typeface="Arial" panose="020B0604020202020204" pitchFamily="34" charset="0"/>
-            </a:endParaRPr>
           </a:p>
           <a:p>
             <a:pPr marL="285750" lvl="0" indent="-285750">
@@ -5241,10 +5205,6 @@
               </a:rPr>
               <a:t>Môi trường cần mạng wifi, không thể dùng hotspot trên điện thoại để phát nên khó trong việc di chuyển đến những nơi xa hay thiếu wifi. </a:t>
             </a:r>
-            <a:endParaRPr lang="en-US" sz="1600" dirty="0">
-              <a:latin typeface="Arial" panose="020B0604020202020204" pitchFamily="34" charset="0"/>
-              <a:cs typeface="Arial" panose="020B0604020202020204" pitchFamily="34" charset="0"/>
-            </a:endParaRPr>
           </a:p>
           <a:p>
             <a:pPr marL="285750" lvl="0" indent="-285750">
@@ -5302,10 +5262,6 @@
               </a:rPr>
               <a:t>Ở đề tài, mô hình này đã đạt được những điều cơ bản của hệ thống Blockchain thông thường nhưng thiếu một số bước kiểm soát tính chất hợp lệ của giao dịch.</a:t>
             </a:r>
-            <a:endParaRPr lang="en-US" sz="1600" dirty="0">
-              <a:latin typeface="Arial" panose="020B0604020202020204" pitchFamily="34" charset="0"/>
-              <a:cs typeface="Arial" panose="020B0604020202020204" pitchFamily="34" charset="0"/>
-            </a:endParaRPr>
           </a:p>
           <a:p>
             <a:pPr marL="285750" lvl="0" indent="-285750">
@@ -5329,10 +5285,6 @@
               </a:rPr>
               <a:t>.</a:t>
             </a:r>
-            <a:endParaRPr lang="en-US" sz="1600" dirty="0" smtClean="0">
-              <a:latin typeface="Arial" panose="020B0604020202020204" pitchFamily="34" charset="0"/>
-              <a:cs typeface="Arial" panose="020B0604020202020204" pitchFamily="34" charset="0"/>
-            </a:endParaRPr>
           </a:p>
           <a:p>
             <a:pPr marL="285750" lvl="0" indent="-285750">
@@ -5358,16 +5310,6 @@
               </a:rPr>
               <a:t>Các hướng mở rộng sẽ phần lớn nhắm vào hạn chế đã nêu trên như sau :</a:t>
             </a:r>
-            <a:endParaRPr lang="en-US" sz="2400" b="1" dirty="0">
-              <a:solidFill>
-                <a:schemeClr val="accent2">
-                  <a:lumMod val="50000"/>
-                </a:schemeClr>
-              </a:solidFill>
-              <a:latin typeface="Roboto" panose="02000000000000000000" pitchFamily="2" charset="0"/>
-              <a:ea typeface="Roboto" panose="02000000000000000000" pitchFamily="2" charset="0"/>
-              <a:cs typeface="Arial" panose="020B0604020202020204" pitchFamily="34" charset="0"/>
-            </a:endParaRPr>
           </a:p>
           <a:p>
             <a:pPr marL="285750" lvl="0" indent="-285750">
@@ -5384,10 +5326,6 @@
               </a:rPr>
               <a:t>Phát triển thêm hệ thống Blockchain về mặt bảo mật giao dịch bằng chữ kí số hay các giải pháp bảo mật khác ở hiện tại.</a:t>
             </a:r>
-            <a:endParaRPr lang="en-US" sz="1600" dirty="0">
-              <a:latin typeface="Arial" panose="020B0604020202020204" pitchFamily="34" charset="0"/>
-              <a:cs typeface="Arial" panose="020B0604020202020204" pitchFamily="34" charset="0"/>
-            </a:endParaRPr>
           </a:p>
           <a:p>
             <a:pPr marL="285750" lvl="0" indent="-285750">
@@ -5404,10 +5342,6 @@
               </a:rPr>
               <a:t>Đưa nhiều lựa chọn hơn trên giao diện giao tiếp người dùng, cho phép nhiều loại người dùng khác nhau trở thành Miner và trả công qua ví điện tử thật.</a:t>
             </a:r>
-            <a:endParaRPr lang="en-US" sz="1600" dirty="0">
-              <a:latin typeface="Arial" panose="020B0604020202020204" pitchFamily="34" charset="0"/>
-              <a:cs typeface="Arial" panose="020B0604020202020204" pitchFamily="34" charset="0"/>
-            </a:endParaRPr>
           </a:p>
           <a:p>
             <a:pPr marL="285750" lvl="0" indent="-285750">
@@ -5424,10 +5358,6 @@
               </a:rPr>
               <a:t>Giao diện và ứng dụng được áp dụng ở nhiều môi trường khác nhau kể cả điện thoại. </a:t>
             </a:r>
-            <a:endParaRPr lang="en-US" sz="1600" dirty="0">
-              <a:latin typeface="Arial" panose="020B0604020202020204" pitchFamily="34" charset="0"/>
-              <a:cs typeface="Arial" panose="020B0604020202020204" pitchFamily="34" charset="0"/>
-            </a:endParaRPr>
           </a:p>
         </p:txBody>
       </p:sp>
@@ -5661,13 +5591,6 @@
                 </a:rPr>
                 <a:t>YOU</a:t>
               </a:r>
-              <a:endParaRPr lang="en-US" sz="7500" i="1" dirty="0">
-                <a:solidFill>
-                  <a:srgbClr val="A61A1D"/>
-                </a:solidFill>
-                <a:latin typeface="Roboto Black" panose="02000000000000000000" pitchFamily="2" charset="0"/>
-                <a:ea typeface="Roboto Black" panose="02000000000000000000" pitchFamily="2" charset="0"/>
-              </a:endParaRPr>
             </a:p>
           </p:txBody>
         </p:sp>
@@ -5783,6 +5706,7 @@
           <a:p>
             <a:fld id="{040DEF24-717E-4741-8753-F7E431A261E5}" type="slidenum">
               <a:rPr lang="en-US" smtClean="0"/>
+              <a:t>11</a:t>
             </a:fld>
             <a:endParaRPr lang="en-US"/>
           </a:p>
@@ -5922,16 +5846,6 @@
               </a:rPr>
               <a:t>VỀ LÝ THUYẾT</a:t>
             </a:r>
-            <a:endParaRPr lang="en-US" sz="2400" b="1" dirty="0" smtClean="0">
-              <a:solidFill>
-                <a:schemeClr val="accent2">
-                  <a:lumMod val="50000"/>
-                </a:schemeClr>
-              </a:solidFill>
-              <a:latin typeface="Roboto" panose="02000000000000000000" pitchFamily="2" charset="0"/>
-              <a:ea typeface="Roboto" panose="02000000000000000000" pitchFamily="2" charset="0"/>
-              <a:cs typeface="Arial" panose="020B0604020202020204" pitchFamily="34" charset="0"/>
-            </a:endParaRPr>
           </a:p>
           <a:p>
             <a:pPr>
@@ -6209,16 +6123,6 @@
               </a:rPr>
               <a:t>VỀ THỰC HÀNH</a:t>
             </a:r>
-            <a:endParaRPr lang="en-US" sz="2400" b="1" dirty="0" smtClean="0">
-              <a:solidFill>
-                <a:schemeClr val="accent2">
-                  <a:lumMod val="50000"/>
-                </a:schemeClr>
-              </a:solidFill>
-              <a:latin typeface="Roboto" panose="02000000000000000000" pitchFamily="2" charset="0"/>
-              <a:ea typeface="Roboto" panose="02000000000000000000" pitchFamily="2" charset="0"/>
-              <a:cs typeface="Arial" panose="020B0604020202020204" pitchFamily="34" charset="0"/>
-            </a:endParaRPr>
           </a:p>
           <a:p>
             <a:pPr>
@@ -6704,7 +6608,7 @@
             <a:r>
               <a:rPr lang="en-US" sz="4000" b="1" spc="50" dirty="0" smtClean="0">
                 <a:blipFill>
-                  <a:blip r:embed="rId1">
+                  <a:blip r:embed="rId2">
                     <a:extLst>
                       <a:ext uri="{28A0092B-C50C-407E-A947-70E740481C1C}">
                         <a14:useLocalDpi xmlns:a14="http://schemas.microsoft.com/office/drawing/2010/main" val="0"/>
@@ -6861,7 +6765,7 @@
           <p:nvPr/>
         </p:nvPicPr>
         <p:blipFill>
-          <a:blip r:embed="rId2">
+          <a:blip r:embed="rId3">
             <a:extLst>
               <a:ext uri="{28A0092B-C50C-407E-A947-70E740481C1C}">
                 <a14:useLocalDpi xmlns:a14="http://schemas.microsoft.com/office/drawing/2010/main" val="0"/>
@@ -6940,10 +6844,6 @@
               </a:rPr>
               <a:t>cryptoms.fr </a:t>
             </a:r>
-            <a:endParaRPr lang="en-US" sz="1600" i="1" dirty="0" smtClean="0">
-              <a:latin typeface="Arial" panose="020B0604020202020204" pitchFamily="34" charset="0"/>
-              <a:cs typeface="Arial" panose="020B0604020202020204" pitchFamily="34" charset="0"/>
-            </a:endParaRPr>
           </a:p>
           <a:p>
             <a:pPr marL="342900" indent="-342900" algn="just">
@@ -6966,13 +6866,6 @@
               </a:rPr>
               <a:t>Máy tính trước khi gửi đi,DNS resolver sẽ kiểm tra domain trong Web cache hoặc DNS cache để trả lại kết quả.</a:t>
             </a:r>
-            <a:endParaRPr lang="en-US" sz="1400" dirty="0" smtClean="0">
-              <a:solidFill>
-                <a:srgbClr val="002060"/>
-              </a:solidFill>
-              <a:latin typeface="Arial" panose="020B0604020202020204" pitchFamily="34" charset="0"/>
-              <a:cs typeface="Arial" panose="020B0604020202020204" pitchFamily="34" charset="0"/>
-            </a:endParaRPr>
           </a:p>
           <a:p>
             <a:pPr marL="342900" lvl="0" indent="-342900" algn="just">
@@ -6995,13 +6888,6 @@
               </a:rPr>
               <a:t>Nếu không có kết quả, DR sẽ hỏi tên miền mức ROOT chỉ cho máy chủ tên miền cục bộ địa chỉ mà nó quản lý có đuôi “.fr”. </a:t>
             </a:r>
-            <a:endParaRPr lang="en-US" sz="1400" dirty="0" smtClean="0">
-              <a:solidFill>
-                <a:srgbClr val="002060"/>
-              </a:solidFill>
-              <a:latin typeface="Arial" panose="020B0604020202020204" pitchFamily="34" charset="0"/>
-              <a:cs typeface="Arial" panose="020B0604020202020204" pitchFamily="34" charset="0"/>
-            </a:endParaRPr>
           </a:p>
           <a:p>
             <a:pPr marL="342900" lvl="0" indent="-342900" algn="just">
@@ -7034,13 +6920,6 @@
               </a:rPr>
               <a:t>gửi yêu cầu đến máy chủ quản lý tên miền Pháp “.fr” tìm tên miền cryptoms.fr. </a:t>
             </a:r>
-            <a:endParaRPr lang="en-US" sz="1400" dirty="0">
-              <a:solidFill>
-                <a:srgbClr val="002060"/>
-              </a:solidFill>
-              <a:latin typeface="Arial" panose="020B0604020202020204" pitchFamily="34" charset="0"/>
-              <a:cs typeface="Arial" panose="020B0604020202020204" pitchFamily="34" charset="0"/>
-            </a:endParaRPr>
           </a:p>
           <a:p>
             <a:pPr marL="342900" lvl="0" indent="-342900" algn="just">
@@ -7130,13 +7009,6 @@
               </a:rPr>
               <a:t>dùng sử dụng địa chỉ IP này kết nối đến server chứa website có địa chỉ “cryptoms.fr”.</a:t>
             </a:r>
-            <a:endParaRPr lang="en-US" sz="1400" b="1" dirty="0">
-              <a:solidFill>
-                <a:srgbClr val="002060"/>
-              </a:solidFill>
-              <a:latin typeface="Arial" panose="020B0604020202020204" pitchFamily="34" charset="0"/>
-              <a:cs typeface="Arial" panose="020B0604020202020204" pitchFamily="34" charset="0"/>
-            </a:endParaRPr>
           </a:p>
           <a:p>
             <a:pPr marL="342900" lvl="0" indent="-342900" algn="just">
@@ -7190,7 +7062,6 @@
               <a:rPr lang="en-US" sz="1200" dirty="0"/>
               <a:t>resolver – DR – Máy chủ phân giải tên miền cục bộ </a:t>
             </a:r>
-            <a:endParaRPr lang="en-US" sz="1200" dirty="0"/>
           </a:p>
         </p:txBody>
       </p:sp>
@@ -7231,7 +7102,7 @@
               <p:nvPr/>
             </p:nvPicPr>
             <p:blipFill>
-              <a:blip r:embed="rId3"/>
+              <a:blip r:embed="rId4"/>
               <a:stretch>
                 <a:fillRect/>
               </a:stretch>
@@ -8037,6 +7908,7 @@
           <a:p>
             <a:fld id="{040DEF24-717E-4741-8753-F7E431A261E5}" type="slidenum">
               <a:rPr lang="en-US" smtClean="0"/>
+              <a:t>4</a:t>
             </a:fld>
             <a:endParaRPr lang="en-US"/>
           </a:p>
@@ -8067,7 +7939,7 @@
             <a:r>
               <a:rPr lang="en-US" sz="4000" b="1" spc="50" dirty="0" smtClean="0">
                 <a:blipFill>
-                  <a:blip r:embed="rId1">
+                  <a:blip r:embed="rId2">
                     <a:extLst>
                       <a:ext uri="{28A0092B-C50C-407E-A947-70E740481C1C}">
                         <a14:useLocalDpi xmlns:a14="http://schemas.microsoft.com/office/drawing/2010/main" val="0"/>
@@ -8081,20 +7953,6 @@
               </a:rPr>
               <a:t>DNS - DOMAIN NAME SYSTEM </a:t>
             </a:r>
-            <a:endParaRPr lang="en-US" sz="4000" b="1" spc="50" dirty="0" smtClean="0">
-              <a:blipFill>
-                <a:blip r:embed="rId1">
-                  <a:extLst>
-                    <a:ext uri="{28A0092B-C50C-407E-A947-70E740481C1C}">
-                      <a14:useLocalDpi xmlns:a14="http://schemas.microsoft.com/office/drawing/2010/main" val="0"/>
-                    </a:ext>
-                  </a:extLst>
-                </a:blip>
-                <a:tile tx="6350" ty="-127000" sx="65000" sy="64000" flip="none" algn="tl"/>
-              </a:blipFill>
-              <a:latin typeface="Times New Roman" panose="02020603050405020304" pitchFamily="18" charset="0"/>
-              <a:cs typeface="Times New Roman" panose="02020603050405020304" pitchFamily="18" charset="0"/>
-            </a:endParaRPr>
           </a:p>
         </p:txBody>
       </p:sp>
@@ -8199,7 +8057,7 @@
           <p:nvPr/>
         </p:nvPicPr>
         <p:blipFill>
-          <a:blip r:embed="rId2">
+          <a:blip r:embed="rId3">
             <a:extLst>
               <a:ext uri="{28A0092B-C50C-407E-A947-70E740481C1C}">
                 <a14:useLocalDpi xmlns:a14="http://schemas.microsoft.com/office/drawing/2010/main" val="0"/>
@@ -8439,13 +8297,6 @@
               </a:rPr>
               <a:t>Không cần lưu trữ một dãy IP dài và khó nhớ</a:t>
             </a:r>
-            <a:endParaRPr lang="en-US" sz="1400" b="1" dirty="0">
-              <a:solidFill>
-                <a:schemeClr val="tx1"/>
-              </a:solidFill>
-              <a:latin typeface="Arial" panose="020B0604020202020204" pitchFamily="34" charset="0"/>
-              <a:cs typeface="Arial" panose="020B0604020202020204" pitchFamily="34" charset="0"/>
-            </a:endParaRPr>
           </a:p>
         </p:txBody>
       </p:sp>
@@ -8505,13 +8356,6 @@
               </a:rPr>
               <a:t>Cập nhật danh sách IP dễ dàng</a:t>
             </a:r>
-            <a:endParaRPr lang="en-US" sz="1400" b="1" dirty="0">
-              <a:solidFill>
-                <a:schemeClr val="tx1"/>
-              </a:solidFill>
-              <a:latin typeface="Arial" panose="020B0604020202020204" pitchFamily="34" charset="0"/>
-              <a:cs typeface="Arial" panose="020B0604020202020204" pitchFamily="34" charset="0"/>
-            </a:endParaRPr>
           </a:p>
         </p:txBody>
       </p:sp>
@@ -8571,13 +8415,6 @@
               </a:rPr>
               <a:t>DNS có tốc độ truy cập Internet cao nhất</a:t>
             </a:r>
-            <a:endParaRPr lang="en-US" sz="1400" b="1" dirty="0">
-              <a:solidFill>
-                <a:schemeClr val="tx1"/>
-              </a:solidFill>
-              <a:latin typeface="Arial" panose="020B0604020202020204" pitchFamily="34" charset="0"/>
-              <a:cs typeface="Arial" panose="020B0604020202020204" pitchFamily="34" charset="0"/>
-            </a:endParaRPr>
           </a:p>
         </p:txBody>
       </p:sp>
@@ -8728,13 +8565,6 @@
               </a:rPr>
               <a:t>Khi DNS Server sập, World Wide Web cũng vậy: </a:t>
             </a:r>
-            <a:endParaRPr lang="en-US" sz="1400" b="1" dirty="0">
-              <a:solidFill>
-                <a:schemeClr val="tx1"/>
-              </a:solidFill>
-              <a:latin typeface="Arial" panose="020B0604020202020204" pitchFamily="34" charset="0"/>
-              <a:cs typeface="Arial" panose="020B0604020202020204" pitchFamily="34" charset="0"/>
-            </a:endParaRPr>
           </a:p>
         </p:txBody>
       </p:sp>
@@ -8961,13 +8791,6 @@
               </a:rPr>
               <a:t>DNS là nguyên nhân chính dẫn đến cuộc tấn công DNS</a:t>
             </a:r>
-            <a:endParaRPr lang="en-US" sz="1400" b="1" dirty="0">
-              <a:solidFill>
-                <a:schemeClr val="tx1"/>
-              </a:solidFill>
-              <a:latin typeface="Arial" panose="020B0604020202020204" pitchFamily="34" charset="0"/>
-              <a:cs typeface="Arial" panose="020B0604020202020204" pitchFamily="34" charset="0"/>
-            </a:endParaRPr>
           </a:p>
         </p:txBody>
       </p:sp>
@@ -9994,6 +9817,7 @@
           <a:p>
             <a:fld id="{040DEF24-717E-4741-8753-F7E431A261E5}" type="slidenum">
               <a:rPr lang="en-US" smtClean="0"/>
+              <a:t>5</a:t>
             </a:fld>
             <a:endParaRPr lang="en-US"/>
           </a:p>
@@ -10076,7 +9900,7 @@
               <a:buNone/>
               <a:defRPr sz="5400" kern="1200" cap="all" baseline="0">
                 <a:blipFill>
-                  <a:blip r:embed="rId1">
+                  <a:blip r:embed="rId2">
                     <a:extLst>
                       <a:ext uri="{28A0092B-C50C-407E-A947-70E740481C1C}">
                         <a14:useLocalDpi xmlns:a14="http://schemas.microsoft.com/office/drawing/2010/main" val="0"/>
@@ -10100,7 +9924,7 @@
             <a:r>
               <a:rPr lang="en-US" sz="4000" b="1" spc="50" dirty="0" smtClean="0">
                 <a:blipFill>
-                  <a:blip r:embed="rId1">
+                  <a:blip r:embed="rId2">
                     <a:extLst>
                       <a:ext uri="{28A0092B-C50C-407E-A947-70E740481C1C}">
                         <a14:useLocalDpi xmlns:a14="http://schemas.microsoft.com/office/drawing/2010/main" val="0"/>
@@ -10112,11 +9936,11 @@
                 <a:latin typeface="Times New Roman" panose="02020603050405020304" pitchFamily="18" charset="0"/>
                 <a:cs typeface="Times New Roman" panose="02020603050405020304" pitchFamily="18" charset="0"/>
               </a:rPr>
-              <a:t>Blockchain và DNS BLOCKCHAIN</a:t>
+              <a:t>Blockchain</a:t>
             </a:r>
             <a:endParaRPr lang="en-US" sz="4000" b="1" spc="50" dirty="0" smtClean="0">
               <a:blipFill>
-                <a:blip r:embed="rId1">
+                <a:blip r:embed="rId2">
                   <a:extLst>
                     <a:ext uri="{28A0092B-C50C-407E-A947-70E740481C1C}">
                       <a14:useLocalDpi xmlns:a14="http://schemas.microsoft.com/office/drawing/2010/main" val="0"/>
@@ -10150,6 +9974,7 @@
           <a:bodyPr wrap="none">
             <a:spAutoFit/>
           </a:bodyPr>
+          <a:lstStyle/>
           <a:p>
             <a:r>
               <a:rPr lang="en-US" sz="2400" b="1" dirty="0" smtClean="0">
@@ -10179,14 +10004,14 @@
       </p:sp>
       <p:sp>
         <p:nvSpPr>
-          <p:cNvPr id="21" name="Text Box 20"/>
+          <p:cNvPr id="26" name="Text Box 25"/>
           <p:cNvSpPr txBox="1"/>
           <p:nvPr/>
         </p:nvSpPr>
         <p:spPr>
           <a:xfrm>
-            <a:off x="4695825" y="932815"/>
-            <a:ext cx="3967480" cy="368300"/>
+            <a:off x="7609696" y="1231924"/>
+            <a:ext cx="3801851" cy="738664"/>
           </a:xfrm>
           <a:prstGeom prst="rect">
             <a:avLst/>
@@ -10194,74 +10019,94 @@
           <a:noFill/>
         </p:spPr>
         <p:txBody>
-          <a:bodyPr wrap="none" rtlCol="0">
+          <a:bodyPr wrap="square" rtlCol="0">
             <a:spAutoFit/>
           </a:bodyPr>
-          <a:p>
-            <a:r>
-              <a:rPr lang="en-US"/>
-              <a:t>Vẽ cái blockchain + genesis block</a:t>
-            </a:r>
-            <a:endParaRPr lang="en-US"/>
-          </a:p>
-        </p:txBody>
-      </p:sp>
-      <p:sp>
-        <p:nvSpPr>
-          <p:cNvPr id="22" name="Rectangle 1"/>
-          <p:cNvSpPr/>
+          <a:lstStyle/>
+          <a:p>
+            <a:pPr algn="just"/>
+            <a:r>
+              <a:rPr lang="en-US" sz="1400" dirty="0">
+                <a:latin typeface="Arial" panose="020B0604020202020204" pitchFamily="34" charset="0"/>
+                <a:cs typeface="Arial" panose="020B0604020202020204" pitchFamily="34" charset="0"/>
+              </a:rPr>
+              <a:t>K</a:t>
+            </a:r>
+            <a:r>
+              <a:rPr lang="en-US" sz="1400" dirty="0" smtClean="0">
+                <a:latin typeface="Arial" panose="020B0604020202020204" pitchFamily="34" charset="0"/>
+                <a:cs typeface="Arial" panose="020B0604020202020204" pitchFamily="34" charset="0"/>
+              </a:rPr>
+              <a:t>hi </a:t>
+            </a:r>
+            <a:r>
+              <a:rPr lang="en-US" sz="1400" dirty="0">
+                <a:latin typeface="Arial" panose="020B0604020202020204" pitchFamily="34" charset="0"/>
+                <a:cs typeface="Arial" panose="020B0604020202020204" pitchFamily="34" charset="0"/>
+              </a:rPr>
+              <a:t>khởi tạo Blockchain sẽ cần 1 block gọi là genesis </a:t>
+            </a:r>
+            <a:r>
+              <a:rPr lang="en-US" sz="1400" dirty="0" smtClean="0">
+                <a:latin typeface="Arial" panose="020B0604020202020204" pitchFamily="34" charset="0"/>
+                <a:cs typeface="Arial" panose="020B0604020202020204" pitchFamily="34" charset="0"/>
+              </a:rPr>
+              <a:t>block có hash khối hiện tại và khối trước là 0 và dữ liệu là null </a:t>
+            </a:r>
+          </a:p>
+        </p:txBody>
+      </p:sp>
+      <p:pic>
+        <p:nvPicPr>
+          <p:cNvPr id="1026" name="Picture 2" descr="https://o.remove.bg/downloads/4bd2b139-3621-4b9d-bbd3-710bcb4f9bba/image-removebg-preview.png"/>
+          <p:cNvPicPr>
+            <a:picLocks noChangeAspect="1" noChangeArrowheads="1"/>
+          </p:cNvPicPr>
           <p:nvPr/>
-        </p:nvSpPr>
-        <p:spPr>
+        </p:nvPicPr>
+        <p:blipFill>
+          <a:blip r:embed="rId3">
+            <a:extLst>
+              <a:ext uri="{28A0092B-C50C-407E-A947-70E740481C1C}">
+                <a14:useLocalDpi xmlns:a14="http://schemas.microsoft.com/office/drawing/2010/main" val="0"/>
+              </a:ext>
+            </a:extLst>
+          </a:blip>
+          <a:srcRect/>
+          <a:stretch>
+            <a:fillRect/>
+          </a:stretch>
+        </p:blipFill>
+        <p:spPr bwMode="auto">
           <a:xfrm>
-            <a:off x="1069848" y="3233626"/>
-            <a:ext cx="4074795" cy="460375"/>
+            <a:off x="4118231" y="933021"/>
+            <a:ext cx="3602924" cy="2241538"/>
           </a:xfrm>
           <a:prstGeom prst="rect">
             <a:avLst/>
           </a:prstGeom>
+          <a:noFill/>
+          <a:extLst>
+            <a:ext uri="{909E8E84-426E-40DD-AFC4-6F175D3DCCD1}">
+              <a14:hiddenFill xmlns:a14="http://schemas.microsoft.com/office/drawing/2010/main">
+                <a:solidFill>
+                  <a:srgbClr val="FFFFFF"/>
+                </a:solidFill>
+              </a14:hiddenFill>
+            </a:ext>
+          </a:extLst>
         </p:spPr>
-        <p:txBody>
-          <a:bodyPr wrap="none">
-            <a:spAutoFit/>
-          </a:bodyPr>
-          <a:p>
-            <a:r>
-              <a:rPr lang="en-US" sz="2400" b="1" dirty="0" smtClean="0">
-                <a:solidFill>
-                  <a:schemeClr val="accent2">
-                    <a:lumMod val="50000"/>
-                  </a:schemeClr>
-                </a:solidFill>
-                <a:latin typeface="Arial" panose="020B0604020202020204" pitchFamily="34" charset="0"/>
-                <a:ea typeface="Roboto" panose="02000000000000000000" pitchFamily="2" charset="0"/>
-                <a:cs typeface="Arial" panose="020B0604020202020204" pitchFamily="34" charset="0"/>
-              </a:rPr>
-              <a:t>Ứng dụng DNS Blockchain</a:t>
-            </a:r>
-            <a:endParaRPr lang="en-US" sz="2400" b="1" dirty="0" smtClean="0">
-              <a:solidFill>
-                <a:schemeClr val="accent2">
-                  <a:lumMod val="50000"/>
-                </a:schemeClr>
-              </a:solidFill>
-              <a:latin typeface="Arial" panose="020B0604020202020204" pitchFamily="34" charset="0"/>
-              <a:ea typeface="Roboto" panose="02000000000000000000" pitchFamily="2" charset="0"/>
-              <a:cs typeface="Arial" panose="020B0604020202020204" pitchFamily="34" charset="0"/>
-            </a:endParaRPr>
-          </a:p>
-        </p:txBody>
-      </p:sp>
-      <p:sp>
-        <p:nvSpPr>
-          <p:cNvPr id="23" name="TextBox 6"/>
+      </p:pic>
+      <p:sp>
+        <p:nvSpPr>
+          <p:cNvPr id="17" name="Text Box 25"/>
           <p:cNvSpPr txBox="1"/>
           <p:nvPr/>
         </p:nvSpPr>
         <p:spPr>
           <a:xfrm>
-            <a:off x="978535" y="5626100"/>
-            <a:ext cx="10241280" cy="1658620"/>
+            <a:off x="1194817" y="1390164"/>
+            <a:ext cx="2798445" cy="954107"/>
           </a:xfrm>
           <a:prstGeom prst="rect">
             <a:avLst/>
@@ -10272,94 +10117,32 @@
           <a:bodyPr wrap="square" rtlCol="0">
             <a:spAutoFit/>
           </a:bodyPr>
-          <a:p>
-            <a:pPr>
-              <a:lnSpc>
-                <a:spcPct val="170000"/>
-              </a:lnSpc>
-            </a:pPr>
-            <a:r>
-              <a:rPr lang="en-US" sz="1200" dirty="0">
+          <a:lstStyle/>
+          <a:p>
+            <a:r>
+              <a:rPr lang="en-US" sz="1400" dirty="0" smtClean="0">
                 <a:latin typeface="Arial" panose="020B0604020202020204" pitchFamily="34" charset="0"/>
                 <a:cs typeface="Arial" panose="020B0604020202020204" pitchFamily="34" charset="0"/>
               </a:rPr>
-              <a:t>Blockchain là công nghệ chuỗi – khối, cho phép truyền tải dữ liệu một cách an toàn dựa trên hệ thống mã hóa vô cùng phức tạp, tương tự như cuốn sổ cái kế toán của một công ty, nơi mà tiền được giám sát chặt chẽ và ghi nhận mọi giao dịch trên mạng ngang hàng.</a:t>
-            </a:r>
-            <a:endParaRPr lang="en-US" sz="1200" dirty="0">
+              <a:t>Blockchain sẽ bao gồm nhiều block như hình bên phải, các block liên kết với nhau qua “Hash khối trước”.</a:t>
+            </a:r>
+            <a:endParaRPr lang="en-US" sz="1400" dirty="0">
               <a:latin typeface="Arial" panose="020B0604020202020204" pitchFamily="34" charset="0"/>
               <a:cs typeface="Arial" panose="020B0604020202020204" pitchFamily="34" charset="0"/>
             </a:endParaRPr>
           </a:p>
-          <a:p>
-            <a:pPr>
-              <a:lnSpc>
-                <a:spcPct val="170000"/>
-              </a:lnSpc>
-            </a:pPr>
-            <a:r>
-              <a:rPr lang="en-US" sz="1200" dirty="0">
-                <a:latin typeface="Arial" panose="020B0604020202020204" pitchFamily="34" charset="0"/>
-                <a:cs typeface="Arial" panose="020B0604020202020204" pitchFamily="34" charset="0"/>
-              </a:rPr>
-              <a:t>Mỗi khối (block) đều chứa thông tin về thời gian khởi tạo và được liên kết với khối trước đó, kèm theo đó là một mã thời gian và dữ liệu giao dịch. Dữ liệu khi đã được mạng lưới chấp nhận thì sẽ không có cách nào thay đổi được. Blockchain được thiết kế để chống lại việc gian lận, thay đổi của dữ liệu.</a:t>
-            </a:r>
-            <a:endParaRPr lang="en-US" sz="1200" dirty="0">
-              <a:latin typeface="Arial" panose="020B0604020202020204" pitchFamily="34" charset="0"/>
-              <a:cs typeface="Arial" panose="020B0604020202020204" pitchFamily="34" charset="0"/>
-            </a:endParaRPr>
-          </a:p>
-        </p:txBody>
-      </p:sp>
-      <p:sp>
-        <p:nvSpPr>
-          <p:cNvPr id="24" name="Rectangles 23"/>
-          <p:cNvSpPr/>
+        </p:txBody>
+      </p:sp>
+      <p:sp>
+        <p:nvSpPr>
+          <p:cNvPr id="32" name="Text Box 25"/>
+          <p:cNvSpPr txBox="1"/>
           <p:nvPr/>
         </p:nvSpPr>
         <p:spPr>
           <a:xfrm>
-            <a:off x="1206500" y="1986280"/>
-            <a:ext cx="1713865" cy="1071880"/>
-          </a:xfrm>
-          <a:prstGeom prst="rect">
-            <a:avLst/>
-          </a:prstGeom>
-        </p:spPr>
-        <p:style>
-          <a:lnRef idx="2">
-            <a:schemeClr val="accent6"/>
-          </a:lnRef>
-          <a:fillRef idx="1">
-            <a:schemeClr val="lt1"/>
-          </a:fillRef>
-          <a:effectRef idx="0">
-            <a:schemeClr val="accent6"/>
-          </a:effectRef>
-          <a:fontRef idx="minor">
-            <a:schemeClr val="dk1"/>
-          </a:fontRef>
-        </p:style>
-        <p:txBody>
-          <a:bodyPr rtlCol="0" anchor="ctr"/>
-          <a:p>
-            <a:pPr algn="ctr"/>
-            <a:endParaRPr lang="en-US">
-              <a:latin typeface="Arial" panose="020B0604020202020204" pitchFamily="34" charset="0"/>
-              <a:cs typeface="Arial" panose="020B0604020202020204" pitchFamily="34" charset="0"/>
-            </a:endParaRPr>
-          </a:p>
-        </p:txBody>
-      </p:sp>
-      <p:sp>
-        <p:nvSpPr>
-          <p:cNvPr id="26" name="Text Box 25"/>
-          <p:cNvSpPr txBox="1"/>
-          <p:nvPr/>
-        </p:nvSpPr>
-        <p:spPr>
-          <a:xfrm>
-            <a:off x="1113155" y="1490345"/>
-            <a:ext cx="7918450" cy="306705"/>
+            <a:off x="3466347" y="3050086"/>
+            <a:ext cx="4906692" cy="523220"/>
           </a:xfrm>
           <a:prstGeom prst="rect">
             <a:avLst/>
@@ -10367,25 +10150,871 @@
           <a:noFill/>
         </p:spPr>
         <p:txBody>
+          <a:bodyPr wrap="square" rtlCol="0">
+            <a:spAutoFit/>
+          </a:bodyPr>
+          <a:lstStyle/>
+          <a:p>
+            <a:pPr algn="ctr"/>
+            <a:r>
+              <a:rPr lang="en-US" sz="1400" dirty="0" smtClean="0">
+                <a:latin typeface="Arial" panose="020B0604020202020204" pitchFamily="34" charset="0"/>
+                <a:cs typeface="Arial" panose="020B0604020202020204" pitchFamily="34" charset="0"/>
+              </a:rPr>
+              <a:t>Blockchain được tạo ra nhờ 3 loại công nghệ và từng loại công nghệ giúp Blockchain mang đặc điểm sau.</a:t>
+            </a:r>
+            <a:endParaRPr lang="en-US" sz="1400" dirty="0">
+              <a:latin typeface="Arial" panose="020B0604020202020204" pitchFamily="34" charset="0"/>
+              <a:cs typeface="Arial" panose="020B0604020202020204" pitchFamily="34" charset="0"/>
+            </a:endParaRPr>
+          </a:p>
+        </p:txBody>
+      </p:sp>
+      <p:sp>
+        <p:nvSpPr>
+          <p:cNvPr id="3" name="Rounded Rectangle 2"/>
+          <p:cNvSpPr/>
+          <p:nvPr/>
+        </p:nvSpPr>
+        <p:spPr>
+          <a:xfrm>
+            <a:off x="4976357" y="3669291"/>
+            <a:ext cx="2129830" cy="677333"/>
+          </a:xfrm>
+          <a:prstGeom prst="roundRect">
+            <a:avLst/>
+          </a:prstGeom>
+          <a:solidFill>
+            <a:schemeClr val="bg2">
+              <a:lumMod val="90000"/>
+            </a:schemeClr>
+          </a:solidFill>
+          <a:ln>
+            <a:noFill/>
+          </a:ln>
+        </p:spPr>
+        <p:style>
+          <a:lnRef idx="2">
+            <a:schemeClr val="accent1">
+              <a:shade val="50000"/>
+            </a:schemeClr>
+          </a:lnRef>
+          <a:fillRef idx="1">
+            <a:schemeClr val="accent1"/>
+          </a:fillRef>
+          <a:effectRef idx="0">
+            <a:schemeClr val="accent1"/>
+          </a:effectRef>
+          <a:fontRef idx="minor">
+            <a:schemeClr val="lt1"/>
+          </a:fontRef>
+        </p:style>
+        <p:txBody>
+          <a:bodyPr rtlCol="0" anchor="ctr"/>
+          <a:lstStyle/>
+          <a:p>
+            <a:pPr lvl="0" algn="ctr"/>
+            <a:r>
+              <a:rPr lang="en-US" sz="1400" b="1" dirty="0">
+                <a:solidFill>
+                  <a:schemeClr val="tx1"/>
+                </a:solidFill>
+                <a:latin typeface="Arial" panose="020B0604020202020204" pitchFamily="34" charset="0"/>
+                <a:ea typeface="Calibri" panose="020F0502020204030204" pitchFamily="34" charset="0"/>
+                <a:cs typeface="Arial" panose="020B0604020202020204" pitchFamily="34" charset="0"/>
+              </a:rPr>
+              <a:t>Mạng ngang </a:t>
+            </a:r>
+            <a:r>
+              <a:rPr lang="en-US" sz="1400" b="1" dirty="0" smtClean="0">
+                <a:solidFill>
+                  <a:schemeClr val="tx1"/>
+                </a:solidFill>
+                <a:latin typeface="Arial" panose="020B0604020202020204" pitchFamily="34" charset="0"/>
+                <a:ea typeface="Calibri" panose="020F0502020204030204" pitchFamily="34" charset="0"/>
+                <a:cs typeface="Arial" panose="020B0604020202020204" pitchFamily="34" charset="0"/>
+              </a:rPr>
+              <a:t>hàng</a:t>
+            </a:r>
+            <a:endParaRPr lang="en-US" sz="1400" b="1" dirty="0">
+              <a:solidFill>
+                <a:schemeClr val="tx1"/>
+              </a:solidFill>
+              <a:latin typeface="Arial" panose="020B0604020202020204" pitchFamily="34" charset="0"/>
+              <a:ea typeface="Calibri" panose="020F0502020204030204" pitchFamily="34" charset="0"/>
+              <a:cs typeface="Arial" panose="020B0604020202020204" pitchFamily="34" charset="0"/>
+            </a:endParaRPr>
+          </a:p>
+        </p:txBody>
+      </p:sp>
+      <p:sp>
+        <p:nvSpPr>
+          <p:cNvPr id="15" name="Rounded Rectangle 14"/>
+          <p:cNvSpPr/>
+          <p:nvPr/>
+        </p:nvSpPr>
+        <p:spPr>
+          <a:xfrm>
+            <a:off x="1811064" y="3669291"/>
+            <a:ext cx="1871133" cy="677333"/>
+          </a:xfrm>
+          <a:prstGeom prst="roundRect">
+            <a:avLst/>
+          </a:prstGeom>
+          <a:solidFill>
+            <a:schemeClr val="bg2">
+              <a:lumMod val="90000"/>
+            </a:schemeClr>
+          </a:solidFill>
+          <a:ln>
+            <a:noFill/>
+          </a:ln>
+        </p:spPr>
+        <p:style>
+          <a:lnRef idx="2">
+            <a:schemeClr val="accent1">
+              <a:shade val="50000"/>
+            </a:schemeClr>
+          </a:lnRef>
+          <a:fillRef idx="1">
+            <a:schemeClr val="accent1"/>
+          </a:fillRef>
+          <a:effectRef idx="0">
+            <a:schemeClr val="accent1"/>
+          </a:effectRef>
+          <a:fontRef idx="minor">
+            <a:schemeClr val="lt1"/>
+          </a:fontRef>
+        </p:style>
+        <p:txBody>
+          <a:bodyPr rtlCol="0" anchor="ctr"/>
+          <a:lstStyle/>
+          <a:p>
+            <a:pPr lvl="0" algn="ctr"/>
+            <a:r>
+              <a:rPr lang="en-US" sz="1400" b="1" dirty="0">
+                <a:solidFill>
+                  <a:schemeClr val="tx1"/>
+                </a:solidFill>
+                <a:latin typeface="Arial" panose="020B0604020202020204" pitchFamily="34" charset="0"/>
+                <a:ea typeface="Calibri" panose="020F0502020204030204" pitchFamily="34" charset="0"/>
+                <a:cs typeface="Arial" panose="020B0604020202020204" pitchFamily="34" charset="0"/>
+              </a:rPr>
+              <a:t>Mật mã học</a:t>
+            </a:r>
+            <a:r>
+              <a:rPr lang="en-US" sz="1400" dirty="0">
+                <a:solidFill>
+                  <a:schemeClr val="tx1"/>
+                </a:solidFill>
+                <a:latin typeface="Arial" panose="020B0604020202020204" pitchFamily="34" charset="0"/>
+                <a:ea typeface="Calibri" panose="020F0502020204030204" pitchFamily="34" charset="0"/>
+                <a:cs typeface="Arial" panose="020B0604020202020204" pitchFamily="34" charset="0"/>
+              </a:rPr>
+              <a:t> </a:t>
+            </a:r>
+          </a:p>
+        </p:txBody>
+      </p:sp>
+      <p:sp>
+        <p:nvSpPr>
+          <p:cNvPr id="16" name="Rounded Rectangle 15"/>
+          <p:cNvSpPr/>
+          <p:nvPr/>
+        </p:nvSpPr>
+        <p:spPr>
+          <a:xfrm>
+            <a:off x="8588537" y="3669291"/>
+            <a:ext cx="2206854" cy="677333"/>
+          </a:xfrm>
+          <a:prstGeom prst="roundRect">
+            <a:avLst/>
+          </a:prstGeom>
+          <a:solidFill>
+            <a:schemeClr val="bg2">
+              <a:lumMod val="90000"/>
+            </a:schemeClr>
+          </a:solidFill>
+          <a:ln>
+            <a:noFill/>
+          </a:ln>
+        </p:spPr>
+        <p:style>
+          <a:lnRef idx="2">
+            <a:schemeClr val="accent1">
+              <a:shade val="50000"/>
+            </a:schemeClr>
+          </a:lnRef>
+          <a:fillRef idx="1">
+            <a:schemeClr val="accent1"/>
+          </a:fillRef>
+          <a:effectRef idx="0">
+            <a:schemeClr val="accent1"/>
+          </a:effectRef>
+          <a:fontRef idx="minor">
+            <a:schemeClr val="lt1"/>
+          </a:fontRef>
+        </p:style>
+        <p:txBody>
+          <a:bodyPr rtlCol="0" anchor="ctr"/>
+          <a:lstStyle/>
+          <a:p>
+            <a:pPr lvl="0" algn="ctr"/>
+            <a:r>
+              <a:rPr lang="en-US" sz="1400" b="1" dirty="0">
+                <a:solidFill>
+                  <a:schemeClr val="tx1"/>
+                </a:solidFill>
+                <a:latin typeface="Arial" panose="020B0604020202020204" pitchFamily="34" charset="0"/>
+                <a:ea typeface="Calibri" panose="020F0502020204030204" pitchFamily="34" charset="0"/>
+                <a:cs typeface="Arial" panose="020B0604020202020204" pitchFamily="34" charset="0"/>
+              </a:rPr>
+              <a:t>Lý thuyết trò </a:t>
+            </a:r>
+            <a:r>
+              <a:rPr lang="en-US" sz="1400" b="1" dirty="0" smtClean="0">
+                <a:solidFill>
+                  <a:schemeClr val="tx1"/>
+                </a:solidFill>
+                <a:latin typeface="Arial" panose="020B0604020202020204" pitchFamily="34" charset="0"/>
+                <a:ea typeface="Calibri" panose="020F0502020204030204" pitchFamily="34" charset="0"/>
+                <a:cs typeface="Arial" panose="020B0604020202020204" pitchFamily="34" charset="0"/>
+              </a:rPr>
+              <a:t>chơi</a:t>
+            </a:r>
+          </a:p>
+          <a:p>
+            <a:pPr lvl="0" algn="ctr"/>
+            <a:r>
+              <a:rPr lang="en-US" sz="1400" b="1" dirty="0" smtClean="0">
+                <a:solidFill>
+                  <a:schemeClr val="tx1"/>
+                </a:solidFill>
+                <a:latin typeface="Arial" panose="020B0604020202020204" pitchFamily="34" charset="0"/>
+                <a:ea typeface="Calibri" panose="020F0502020204030204" pitchFamily="34" charset="0"/>
+                <a:cs typeface="Arial" panose="020B0604020202020204" pitchFamily="34" charset="0"/>
+              </a:rPr>
+              <a:t>Pow, PoS</a:t>
+            </a:r>
+            <a:endParaRPr lang="en-US" sz="1400" dirty="0">
+              <a:solidFill>
+                <a:schemeClr val="tx1"/>
+              </a:solidFill>
+              <a:latin typeface="Arial" panose="020B0604020202020204" pitchFamily="34" charset="0"/>
+              <a:ea typeface="Calibri" panose="020F0502020204030204" pitchFamily="34" charset="0"/>
+              <a:cs typeface="Arial" panose="020B0604020202020204" pitchFamily="34" charset="0"/>
+            </a:endParaRPr>
+          </a:p>
+        </p:txBody>
+      </p:sp>
+      <p:sp>
+        <p:nvSpPr>
+          <p:cNvPr id="9" name="Rectangle 8"/>
+          <p:cNvSpPr/>
+          <p:nvPr/>
+        </p:nvSpPr>
+        <p:spPr>
+          <a:xfrm>
+            <a:off x="2582667" y="5740902"/>
+            <a:ext cx="7862467" cy="340093"/>
+          </a:xfrm>
+          <a:prstGeom prst="rect">
+            <a:avLst/>
+          </a:prstGeom>
+          <a:ln>
+            <a:noFill/>
+          </a:ln>
+        </p:spPr>
+        <p:txBody>
+          <a:bodyPr wrap="square">
+            <a:spAutoFit/>
+          </a:bodyPr>
+          <a:lstStyle/>
+          <a:p>
+            <a:pPr lvl="0" algn="just">
+              <a:lnSpc>
+                <a:spcPct val="115000"/>
+              </a:lnSpc>
+              <a:spcAft>
+                <a:spcPts val="0"/>
+              </a:spcAft>
+            </a:pPr>
+            <a:r>
+              <a:rPr lang="en-US" sz="1400" b="1" dirty="0" smtClean="0">
+                <a:latin typeface="Times New Roman" panose="02020603050405020304" pitchFamily="18" charset="0"/>
+                <a:ea typeface="Calibri" panose="020F0502020204030204" pitchFamily="34" charset="0"/>
+                <a:cs typeface="Times New Roman" panose="02020603050405020304" pitchFamily="18" charset="0"/>
+              </a:rPr>
+              <a:t>Bảo </a:t>
+            </a:r>
+            <a:r>
+              <a:rPr lang="en-US" sz="1400" b="1" dirty="0">
+                <a:latin typeface="Times New Roman" panose="02020603050405020304" pitchFamily="18" charset="0"/>
+                <a:ea typeface="Calibri" panose="020F0502020204030204" pitchFamily="34" charset="0"/>
+                <a:cs typeface="Times New Roman" panose="02020603050405020304" pitchFamily="18" charset="0"/>
+              </a:rPr>
+              <a:t>mật:</a:t>
+            </a:r>
+            <a:r>
+              <a:rPr lang="en-US" sz="1400" dirty="0">
+                <a:latin typeface="Times New Roman" panose="02020603050405020304" pitchFamily="18" charset="0"/>
+                <a:ea typeface="Calibri" panose="020F0502020204030204" pitchFamily="34" charset="0"/>
+                <a:cs typeface="Times New Roman" panose="02020603050405020304" pitchFamily="18" charset="0"/>
+              </a:rPr>
+              <a:t> Các thông tin, dữ liệu trong Blockchain được phân tán và an toàn tuyệt đối.</a:t>
+            </a:r>
+            <a:endParaRPr lang="en-US" sz="1400" dirty="0">
+              <a:latin typeface="Times New Roman" panose="02020603050405020304" pitchFamily="18" charset="0"/>
+              <a:ea typeface="Calibri" panose="020F0502020204030204" pitchFamily="34" charset="0"/>
+              <a:cs typeface="Times New Roman" panose="02020603050405020304" pitchFamily="18" charset="0"/>
+            </a:endParaRPr>
+          </a:p>
+        </p:txBody>
+      </p:sp>
+      <p:sp>
+        <p:nvSpPr>
+          <p:cNvPr id="22" name="Rectangle 21"/>
+          <p:cNvSpPr/>
+          <p:nvPr/>
+        </p:nvSpPr>
+        <p:spPr>
+          <a:xfrm>
+            <a:off x="1375031" y="4477044"/>
+            <a:ext cx="2743200" cy="1063561"/>
+          </a:xfrm>
+          <a:prstGeom prst="rect">
+            <a:avLst/>
+          </a:prstGeom>
+          <a:ln>
+            <a:noFill/>
+          </a:ln>
+        </p:spPr>
+        <p:txBody>
+          <a:bodyPr wrap="square">
+            <a:spAutoFit/>
+          </a:bodyPr>
+          <a:lstStyle/>
+          <a:p>
+            <a:pPr lvl="0">
+              <a:lnSpc>
+                <a:spcPct val="115000"/>
+              </a:lnSpc>
+              <a:spcBef>
+                <a:spcPts val="300"/>
+              </a:spcBef>
+              <a:spcAft>
+                <a:spcPts val="0"/>
+              </a:spcAft>
+            </a:pPr>
+            <a:r>
+              <a:rPr lang="en-US" sz="1400" b="1" dirty="0">
+                <a:latin typeface="Times New Roman" panose="02020603050405020304" pitchFamily="18" charset="0"/>
+                <a:ea typeface="Calibri" panose="020F0502020204030204" pitchFamily="34" charset="0"/>
+                <a:cs typeface="Times New Roman" panose="02020603050405020304" pitchFamily="18" charset="0"/>
+              </a:rPr>
+              <a:t>Bất biến:</a:t>
+            </a:r>
+            <a:r>
+              <a:rPr lang="en-US" sz="1400" dirty="0">
+                <a:latin typeface="Times New Roman" panose="02020603050405020304" pitchFamily="18" charset="0"/>
+                <a:ea typeface="Calibri" panose="020F0502020204030204" pitchFamily="34" charset="0"/>
+                <a:cs typeface="Times New Roman" panose="02020603050405020304" pitchFamily="18" charset="0"/>
+              </a:rPr>
+              <a:t> dữ liệu trong Blockchain không thể sửa (có thể sửa nhưng sẽ để lại dấu vết) và sẽ lưu trữ mãi mãi.</a:t>
+            </a:r>
+            <a:endParaRPr lang="en-US" sz="1400" dirty="0">
+              <a:latin typeface="Times New Roman" panose="02020603050405020304" pitchFamily="18" charset="0"/>
+              <a:ea typeface="Calibri" panose="020F0502020204030204" pitchFamily="34" charset="0"/>
+              <a:cs typeface="Times New Roman" panose="02020603050405020304" pitchFamily="18" charset="0"/>
+            </a:endParaRPr>
+          </a:p>
+        </p:txBody>
+      </p:sp>
+      <p:sp>
+        <p:nvSpPr>
+          <p:cNvPr id="23" name="Rectangle 22"/>
+          <p:cNvSpPr/>
+          <p:nvPr/>
+        </p:nvSpPr>
+        <p:spPr>
+          <a:xfrm>
+            <a:off x="4704149" y="4459253"/>
+            <a:ext cx="2743200" cy="1063561"/>
+          </a:xfrm>
+          <a:prstGeom prst="rect">
+            <a:avLst/>
+          </a:prstGeom>
+          <a:ln>
+            <a:noFill/>
+          </a:ln>
+        </p:spPr>
+        <p:txBody>
+          <a:bodyPr wrap="square">
+            <a:spAutoFit/>
+          </a:bodyPr>
+          <a:lstStyle/>
+          <a:p>
+            <a:pPr lvl="0">
+              <a:lnSpc>
+                <a:spcPct val="115000"/>
+              </a:lnSpc>
+              <a:spcAft>
+                <a:spcPts val="0"/>
+              </a:spcAft>
+            </a:pPr>
+            <a:r>
+              <a:rPr lang="en-US" sz="1400" b="1" dirty="0">
+                <a:latin typeface="Times New Roman" panose="02020603050405020304" pitchFamily="18" charset="0"/>
+                <a:ea typeface="Calibri" panose="020F0502020204030204" pitchFamily="34" charset="0"/>
+                <a:cs typeface="Times New Roman" panose="02020603050405020304" pitchFamily="18" charset="0"/>
+              </a:rPr>
+              <a:t>Minh bạch:</a:t>
+            </a:r>
+            <a:r>
+              <a:rPr lang="en-US" sz="1400" dirty="0">
+                <a:latin typeface="Times New Roman" panose="02020603050405020304" pitchFamily="18" charset="0"/>
+                <a:ea typeface="Calibri" panose="020F0502020204030204" pitchFamily="34" charset="0"/>
+                <a:cs typeface="Times New Roman" panose="02020603050405020304" pitchFamily="18" charset="0"/>
+              </a:rPr>
+              <a:t> Ai cũng có thể theo dõi dữ liệu Blockchain đi từ địa chỉ này tới địa chỉ khác và có thể thống kê toàn bộ lịch sử trên địa chỉ đó.</a:t>
+            </a:r>
+            <a:endParaRPr lang="en-US" sz="1400" dirty="0">
+              <a:latin typeface="Times New Roman" panose="02020603050405020304" pitchFamily="18" charset="0"/>
+              <a:ea typeface="Calibri" panose="020F0502020204030204" pitchFamily="34" charset="0"/>
+              <a:cs typeface="Times New Roman" panose="02020603050405020304" pitchFamily="18" charset="0"/>
+            </a:endParaRPr>
+          </a:p>
+        </p:txBody>
+      </p:sp>
+      <p:sp>
+        <p:nvSpPr>
+          <p:cNvPr id="24" name="Rectangle 23"/>
+          <p:cNvSpPr/>
+          <p:nvPr/>
+        </p:nvSpPr>
+        <p:spPr>
+          <a:xfrm>
+            <a:off x="8235612" y="4419435"/>
+            <a:ext cx="3135122" cy="1083374"/>
+          </a:xfrm>
+          <a:prstGeom prst="rect">
+            <a:avLst/>
+          </a:prstGeom>
+          <a:ln>
+            <a:noFill/>
+          </a:ln>
+        </p:spPr>
+        <p:txBody>
+          <a:bodyPr wrap="square">
+            <a:spAutoFit/>
+          </a:bodyPr>
+          <a:lstStyle/>
+          <a:p>
+            <a:pPr lvl="0">
+              <a:lnSpc>
+                <a:spcPct val="115000"/>
+              </a:lnSpc>
+              <a:spcAft>
+                <a:spcPts val="300"/>
+              </a:spcAft>
+            </a:pPr>
+            <a:r>
+              <a:rPr lang="en-US" sz="1400" b="1" dirty="0">
+                <a:latin typeface="Times New Roman" panose="02020603050405020304" pitchFamily="18" charset="0"/>
+                <a:ea typeface="Calibri" panose="020F0502020204030204" pitchFamily="34" charset="0"/>
+                <a:cs typeface="Times New Roman" panose="02020603050405020304" pitchFamily="18" charset="0"/>
+              </a:rPr>
+              <a:t>Hợp đồng thông minh:</a:t>
+            </a:r>
+            <a:r>
+              <a:rPr lang="en-US" sz="1400" dirty="0">
+                <a:latin typeface="Times New Roman" panose="02020603050405020304" pitchFamily="18" charset="0"/>
+                <a:ea typeface="Calibri" panose="020F0502020204030204" pitchFamily="34" charset="0"/>
+                <a:cs typeface="Times New Roman" panose="02020603050405020304" pitchFamily="18" charset="0"/>
+              </a:rPr>
+              <a:t> là hợp đồng kỹ thuật số được nhúng vào đoạn code if-this-then-that (IFTTT), cho phép chúng tự thực thi mà không cần bên thứ ba.</a:t>
+            </a:r>
+            <a:endParaRPr lang="en-US" sz="1400" dirty="0">
+              <a:latin typeface="Times New Roman" panose="02020603050405020304" pitchFamily="18" charset="0"/>
+              <a:ea typeface="Calibri" panose="020F0502020204030204" pitchFamily="34" charset="0"/>
+              <a:cs typeface="Times New Roman" panose="02020603050405020304" pitchFamily="18" charset="0"/>
+            </a:endParaRPr>
+          </a:p>
+        </p:txBody>
+      </p:sp>
+      <p:sp>
+        <p:nvSpPr>
+          <p:cNvPr id="14" name="Right Arrow 13"/>
+          <p:cNvSpPr/>
+          <p:nvPr/>
+        </p:nvSpPr>
+        <p:spPr>
+          <a:xfrm>
+            <a:off x="2040467" y="5850467"/>
+            <a:ext cx="374154" cy="145504"/>
+          </a:xfrm>
+          <a:prstGeom prst="rightArrow">
+            <a:avLst/>
+          </a:prstGeom>
+        </p:spPr>
+        <p:style>
+          <a:lnRef idx="2">
+            <a:schemeClr val="accent1">
+              <a:shade val="50000"/>
+            </a:schemeClr>
+          </a:lnRef>
+          <a:fillRef idx="1">
+            <a:schemeClr val="accent1"/>
+          </a:fillRef>
+          <a:effectRef idx="0">
+            <a:schemeClr val="accent1"/>
+          </a:effectRef>
+          <a:fontRef idx="minor">
+            <a:schemeClr val="lt1"/>
+          </a:fontRef>
+        </p:style>
+        <p:txBody>
+          <a:bodyPr rtlCol="0" anchor="ctr"/>
+          <a:lstStyle/>
+          <a:p>
+            <a:pPr algn="ctr"/>
+            <a:endParaRPr lang="en-US"/>
+          </a:p>
+        </p:txBody>
+      </p:sp>
+      <p:grpSp>
+        <p:nvGrpSpPr>
+          <p:cNvPr id="27" name="Group 26"/>
+          <p:cNvGrpSpPr/>
+          <p:nvPr/>
+        </p:nvGrpSpPr>
+        <p:grpSpPr>
+          <a:xfrm>
+            <a:off x="8097602" y="2007611"/>
+            <a:ext cx="1202266" cy="891705"/>
+            <a:chOff x="8097602" y="2007611"/>
+            <a:chExt cx="1202266" cy="891705"/>
+          </a:xfrm>
+        </p:grpSpPr>
+        <p:sp>
+          <p:nvSpPr>
+            <p:cNvPr id="21" name="Rectangle 20"/>
+            <p:cNvSpPr/>
+            <p:nvPr/>
+          </p:nvSpPr>
+          <p:spPr>
+            <a:xfrm>
+              <a:off x="8097602" y="2023575"/>
+              <a:ext cx="1202266" cy="875741"/>
+            </a:xfrm>
+            <a:prstGeom prst="rect">
+              <a:avLst/>
+            </a:prstGeom>
+            <a:noFill/>
+            <a:ln>
+              <a:solidFill>
+                <a:srgbClr val="315786"/>
+              </a:solidFill>
+            </a:ln>
+          </p:spPr>
+          <p:style>
+            <a:lnRef idx="2">
+              <a:schemeClr val="accent1">
+                <a:shade val="50000"/>
+              </a:schemeClr>
+            </a:lnRef>
+            <a:fillRef idx="1">
+              <a:schemeClr val="accent1"/>
+            </a:fillRef>
+            <a:effectRef idx="0">
+              <a:schemeClr val="accent1"/>
+            </a:effectRef>
+            <a:fontRef idx="minor">
+              <a:schemeClr val="lt1"/>
+            </a:fontRef>
+          </p:style>
+          <p:txBody>
+            <a:bodyPr rtlCol="0" anchor="ctr"/>
+            <a:lstStyle/>
+            <a:p>
+              <a:pPr algn="ctr"/>
+              <a:endParaRPr lang="en-US">
+                <a:solidFill>
+                  <a:srgbClr val="2E5585"/>
+                </a:solidFill>
+              </a:endParaRPr>
+            </a:p>
+          </p:txBody>
+        </p:sp>
+        <p:sp>
+          <p:nvSpPr>
+            <p:cNvPr id="25" name="TextBox 24"/>
+            <p:cNvSpPr txBox="1"/>
+            <p:nvPr/>
+          </p:nvSpPr>
+          <p:spPr>
+            <a:xfrm>
+              <a:off x="8097602" y="2007611"/>
+              <a:ext cx="1202266" cy="461665"/>
+            </a:xfrm>
+            <a:prstGeom prst="rect">
+              <a:avLst/>
+            </a:prstGeom>
+            <a:noFill/>
+          </p:spPr>
+          <p:txBody>
+            <a:bodyPr wrap="square" rtlCol="0">
+              <a:spAutoFit/>
+            </a:bodyPr>
+            <a:lstStyle/>
+            <a:p>
+              <a:pPr algn="ctr"/>
+              <a:r>
+                <a:rPr lang="en-US" sz="1200" dirty="0" smtClean="0"/>
+                <a:t>Genesis</a:t>
+              </a:r>
+            </a:p>
+            <a:p>
+              <a:pPr algn="ctr"/>
+              <a:r>
+                <a:rPr lang="en-US" sz="1200" dirty="0" smtClean="0"/>
+                <a:t>block</a:t>
+              </a:r>
+              <a:endParaRPr lang="en-US" sz="1200" dirty="0"/>
+            </a:p>
+          </p:txBody>
+        </p:sp>
+        <p:sp>
+          <p:nvSpPr>
+            <p:cNvPr id="33" name="TextBox 32"/>
+            <p:cNvSpPr txBox="1"/>
+            <p:nvPr/>
+          </p:nvSpPr>
+          <p:spPr>
+            <a:xfrm>
+              <a:off x="8361429" y="2489241"/>
+              <a:ext cx="708848" cy="261610"/>
+            </a:xfrm>
+            <a:prstGeom prst="rect">
+              <a:avLst/>
+            </a:prstGeom>
+            <a:noFill/>
+          </p:spPr>
+          <p:txBody>
+            <a:bodyPr wrap="none" rtlCol="0">
+              <a:spAutoFit/>
+            </a:bodyPr>
+            <a:lstStyle/>
+            <a:p>
+              <a:r>
+                <a:rPr lang="en-US" sz="1100" dirty="0" smtClean="0"/>
+                <a:t>Hash:  0</a:t>
+              </a:r>
+              <a:endParaRPr lang="en-US" sz="1100" dirty="0"/>
+            </a:p>
+          </p:txBody>
+        </p:sp>
+      </p:grpSp>
+      <p:grpSp>
+        <p:nvGrpSpPr>
+          <p:cNvPr id="36" name="Group 35"/>
+          <p:cNvGrpSpPr/>
+          <p:nvPr/>
+        </p:nvGrpSpPr>
+        <p:grpSpPr>
+          <a:xfrm>
+            <a:off x="9755731" y="2015592"/>
+            <a:ext cx="1297150" cy="891705"/>
+            <a:chOff x="8050160" y="2007611"/>
+            <a:chExt cx="1297150" cy="891705"/>
+          </a:xfrm>
+        </p:grpSpPr>
+        <p:sp>
+          <p:nvSpPr>
+            <p:cNvPr id="37" name="Rectangle 36"/>
+            <p:cNvSpPr/>
+            <p:nvPr/>
+          </p:nvSpPr>
+          <p:spPr>
+            <a:xfrm>
+              <a:off x="8097602" y="2023575"/>
+              <a:ext cx="1202266" cy="875741"/>
+            </a:xfrm>
+            <a:prstGeom prst="rect">
+              <a:avLst/>
+            </a:prstGeom>
+            <a:noFill/>
+            <a:ln>
+              <a:solidFill>
+                <a:srgbClr val="315786"/>
+              </a:solidFill>
+            </a:ln>
+          </p:spPr>
+          <p:style>
+            <a:lnRef idx="2">
+              <a:schemeClr val="accent1">
+                <a:shade val="50000"/>
+              </a:schemeClr>
+            </a:lnRef>
+            <a:fillRef idx="1">
+              <a:schemeClr val="accent1"/>
+            </a:fillRef>
+            <a:effectRef idx="0">
+              <a:schemeClr val="accent1"/>
+            </a:effectRef>
+            <a:fontRef idx="minor">
+              <a:schemeClr val="lt1"/>
+            </a:fontRef>
+          </p:style>
+          <p:txBody>
+            <a:bodyPr rtlCol="0" anchor="ctr"/>
+            <a:lstStyle/>
+            <a:p>
+              <a:pPr algn="ctr"/>
+              <a:endParaRPr lang="en-US">
+                <a:solidFill>
+                  <a:srgbClr val="2E5585"/>
+                </a:solidFill>
+              </a:endParaRPr>
+            </a:p>
+          </p:txBody>
+        </p:sp>
+        <p:sp>
+          <p:nvSpPr>
+            <p:cNvPr id="38" name="TextBox 37"/>
+            <p:cNvSpPr txBox="1"/>
+            <p:nvPr/>
+          </p:nvSpPr>
+          <p:spPr>
+            <a:xfrm>
+              <a:off x="8097602" y="2007611"/>
+              <a:ext cx="1202266" cy="276999"/>
+            </a:xfrm>
+            <a:prstGeom prst="rect">
+              <a:avLst/>
+            </a:prstGeom>
+            <a:noFill/>
+          </p:spPr>
+          <p:txBody>
+            <a:bodyPr wrap="square" rtlCol="0">
+              <a:spAutoFit/>
+            </a:bodyPr>
+            <a:lstStyle/>
+            <a:p>
+              <a:pPr algn="ctr"/>
+              <a:r>
+                <a:rPr lang="en-US" sz="1200" dirty="0" smtClean="0"/>
+                <a:t>Block 1</a:t>
+              </a:r>
+              <a:endParaRPr lang="en-US" sz="1200" dirty="0"/>
+            </a:p>
+          </p:txBody>
+        </p:sp>
+        <p:sp>
+          <p:nvSpPr>
+            <p:cNvPr id="39" name="TextBox 38"/>
+            <p:cNvSpPr txBox="1"/>
+            <p:nvPr/>
+          </p:nvSpPr>
+          <p:spPr>
+            <a:xfrm>
+              <a:off x="8050160" y="2508174"/>
+              <a:ext cx="1297150" cy="261610"/>
+            </a:xfrm>
+            <a:prstGeom prst="rect">
+              <a:avLst/>
+            </a:prstGeom>
+            <a:noFill/>
+          </p:spPr>
+          <p:txBody>
+            <a:bodyPr wrap="none" rtlCol="0">
+              <a:spAutoFit/>
+            </a:bodyPr>
+            <a:lstStyle/>
+            <a:p>
+              <a:r>
+                <a:rPr lang="en-US" sz="1100" dirty="0" smtClean="0"/>
+                <a:t>Previous Hash:  0</a:t>
+              </a:r>
+              <a:endParaRPr lang="en-US" sz="1100" dirty="0"/>
+            </a:p>
+          </p:txBody>
+        </p:sp>
+      </p:grpSp>
+      <p:cxnSp>
+        <p:nvCxnSpPr>
+          <p:cNvPr id="29" name="Straight Arrow Connector 28"/>
+          <p:cNvCxnSpPr>
+            <a:endCxn id="39" idx="1"/>
+          </p:cNvCxnSpPr>
+          <p:nvPr/>
+        </p:nvCxnSpPr>
+        <p:spPr>
+          <a:xfrm>
+            <a:off x="9299868" y="2642821"/>
+            <a:ext cx="455863" cy="4139"/>
+          </a:xfrm>
+          <a:prstGeom prst="straightConnector1">
+            <a:avLst/>
+          </a:prstGeom>
+          <a:ln>
+            <a:solidFill>
+              <a:srgbClr val="315785"/>
+            </a:solidFill>
+            <a:tailEnd type="triangle"/>
+          </a:ln>
+        </p:spPr>
+        <p:style>
+          <a:lnRef idx="1">
+            <a:schemeClr val="accent1"/>
+          </a:lnRef>
+          <a:fillRef idx="0">
+            <a:schemeClr val="accent1"/>
+          </a:fillRef>
+          <a:effectRef idx="0">
+            <a:schemeClr val="accent1"/>
+          </a:effectRef>
+          <a:fontRef idx="minor">
+            <a:schemeClr val="tx1"/>
+          </a:fontRef>
+        </p:style>
+      </p:cxnSp>
+      <p:sp>
+        <p:nvSpPr>
+          <p:cNvPr id="45" name="TextBox 44"/>
+          <p:cNvSpPr txBox="1"/>
+          <p:nvPr/>
+        </p:nvSpPr>
+        <p:spPr>
+          <a:xfrm>
+            <a:off x="9779526" y="2328224"/>
+            <a:ext cx="1218603" cy="261610"/>
+          </a:xfrm>
+          <a:prstGeom prst="rect">
+            <a:avLst/>
+          </a:prstGeom>
+          <a:noFill/>
+        </p:spPr>
+        <p:txBody>
           <a:bodyPr wrap="none" rtlCol="0">
             <a:spAutoFit/>
           </a:bodyPr>
-          <a:p>
-            <a:r>
-              <a:rPr lang="en-US" sz="1400">
-                <a:latin typeface="Arial" panose="020B0604020202020204" pitchFamily="34" charset="0"/>
-                <a:cs typeface="Arial" panose="020B0604020202020204" pitchFamily="34" charset="0"/>
-              </a:rPr>
-              <a:t>Blockchain là công nghệ chuỗi và khối, khi khởi tạo Blockchain sẽ cần 1 block gọi là genesis block</a:t>
-            </a:r>
-            <a:endParaRPr lang="en-US" sz="1400">
-              <a:latin typeface="Arial" panose="020B0604020202020204" pitchFamily="34" charset="0"/>
-              <a:cs typeface="Arial" panose="020B0604020202020204" pitchFamily="34" charset="0"/>
-            </a:endParaRPr>
+          <a:lstStyle/>
+          <a:p>
+            <a:r>
+              <a:rPr lang="en-US" sz="1100" dirty="0" smtClean="0"/>
+              <a:t>Hash:  000xxxxx</a:t>
+            </a:r>
+            <a:endParaRPr lang="en-US" sz="1100" dirty="0"/>
           </a:p>
         </p:txBody>
       </p:sp>
     </p:spTree>
+    <p:extLst>
+      <p:ext uri="{BB962C8B-B14F-4D97-AF65-F5344CB8AC3E}">
+        <p14:creationId xmlns:p14="http://schemas.microsoft.com/office/powerpoint/2010/main" val="3514610611"/>
+      </p:ext>
+    </p:extLst>
   </p:cSld>
   <p:clrMapOvr>
     <a:masterClrMapping/>
@@ -10483,41 +11112,6 @@
                                   </p:childTnLst>
                                 </p:cTn>
                               </p:par>
-                              <p:par>
-                                <p:cTn id="11" presetID="10" presetClass="entr" presetSubtype="0" fill="hold" grpId="0" nodeType="withEffect">
-                                  <p:stCondLst>
-                                    <p:cond delay="0"/>
-                                  </p:stCondLst>
-                                  <p:childTnLst>
-                                    <p:set>
-                                      <p:cBhvr>
-                                        <p:cTn id="12" dur="1" fill="hold">
-                                          <p:stCondLst>
-                                            <p:cond delay="0"/>
-                                          </p:stCondLst>
-                                        </p:cTn>
-                                        <p:tgtEl>
-                                          <p:spTgt spid="22"/>
-                                        </p:tgtEl>
-                                        <p:attrNameLst>
-                                          <p:attrName>style.visibility</p:attrName>
-                                        </p:attrNameLst>
-                                      </p:cBhvr>
-                                      <p:to>
-                                        <p:strVal val="visible"/>
-                                      </p:to>
-                                    </p:set>
-                                    <p:animEffect transition="in" filter="fade">
-                                      <p:cBhvr>
-                                        <p:cTn id="13" dur="500"/>
-                                        <p:tgtEl>
-                                          <p:spTgt spid="22"/>
-                                        </p:tgtEl>
-                                      </p:cBhvr>
-                                    </p:animEffect>
-                                  </p:childTnLst>
-                                </p:cTn>
-                              </p:par>
                             </p:childTnLst>
                           </p:cTn>
                         </p:par>
@@ -10548,7 +11142,6 @@
     <p:bldLst>
       <p:bldP spid="12" grpId="0"/>
       <p:bldP spid="6" grpId="0"/>
-      <p:bldP spid="22" grpId="0"/>
     </p:bldLst>
   </p:timing>
 </p:sld>
@@ -10588,6 +11181,7 @@
           <a:p>
             <a:fld id="{040DEF24-717E-4741-8753-F7E431A261E5}" type="slidenum">
               <a:rPr lang="en-US" smtClean="0"/>
+              <a:t>6</a:t>
             </a:fld>
             <a:endParaRPr lang="en-US"/>
           </a:p>
@@ -10605,7 +11199,7 @@
         </p:nvSpPr>
         <p:spPr>
           <a:xfrm>
-            <a:off x="1069848" y="484632"/>
+            <a:off x="968248" y="484632"/>
             <a:ext cx="10058400" cy="629793"/>
           </a:xfrm>
         </p:spPr>
@@ -10683,7 +11277,7 @@
           <p:nvPr/>
         </p:nvPicPr>
         <p:blipFill>
-          <a:blip r:embed="rId1" cstate="print">
+          <a:blip r:embed="rId2" cstate="print">
             <a:extLst>
               <a:ext uri="{28A0092B-C50C-407E-A947-70E740481C1C}">
                 <a14:useLocalDpi xmlns:a14="http://schemas.microsoft.com/office/drawing/2010/main" val="0"/>
@@ -10697,8 +11291,8 @@
         </p:blipFill>
         <p:spPr>
           <a:xfrm>
-            <a:off x="1069975" y="2211705"/>
-            <a:ext cx="4374515" cy="2827020"/>
+            <a:off x="1141381" y="1744218"/>
+            <a:ext cx="3907229" cy="2559030"/>
           </a:xfrm>
           <a:prstGeom prst="rect">
             <a:avLst/>
@@ -10718,7 +11312,7 @@
           <p:nvPr/>
         </p:nvPicPr>
         <p:blipFill>
-          <a:blip r:embed="rId2" cstate="print">
+          <a:blip r:embed="rId3" cstate="print">
             <a:extLst>
               <a:ext uri="{28A0092B-C50C-407E-A947-70E740481C1C}">
                 <a14:useLocalDpi xmlns:a14="http://schemas.microsoft.com/office/drawing/2010/main" val="0"/>
@@ -10732,8 +11326,8 @@
         </p:blipFill>
         <p:spPr>
           <a:xfrm>
-            <a:off x="6985635" y="2211705"/>
-            <a:ext cx="4707890" cy="2827655"/>
+            <a:off x="7006674" y="1744218"/>
+            <a:ext cx="4234392" cy="2490111"/>
           </a:xfrm>
           <a:prstGeom prst="rect">
             <a:avLst/>
@@ -10746,6 +11340,168 @@
           </a:ln>
         </p:spPr>
       </p:pic>
+      <p:sp>
+        <p:nvSpPr>
+          <p:cNvPr id="2" name="TextBox 1"/>
+          <p:cNvSpPr txBox="1"/>
+          <p:nvPr/>
+        </p:nvSpPr>
+        <p:spPr>
+          <a:xfrm>
+            <a:off x="1069848" y="1114425"/>
+            <a:ext cx="4517583" cy="461665"/>
+          </a:xfrm>
+          <a:prstGeom prst="rect">
+            <a:avLst/>
+          </a:prstGeom>
+          <a:noFill/>
+        </p:spPr>
+        <p:txBody>
+          <a:bodyPr wrap="none" rtlCol="0">
+            <a:spAutoFit/>
+          </a:bodyPr>
+          <a:lstStyle/>
+          <a:p>
+            <a:r>
+              <a:rPr lang="en-US" sz="2400" b="1" dirty="0">
+                <a:solidFill>
+                  <a:schemeClr val="accent2">
+                    <a:lumMod val="50000"/>
+                  </a:schemeClr>
+                </a:solidFill>
+                <a:latin typeface="Roboto" panose="02000000000000000000" pitchFamily="2" charset="0"/>
+                <a:ea typeface="Roboto" panose="02000000000000000000" pitchFamily="2" charset="0"/>
+                <a:cs typeface="Arial" panose="020B0604020202020204" pitchFamily="34" charset="0"/>
+              </a:rPr>
+              <a:t>Proof of work và Proof of stake</a:t>
+            </a:r>
+            <a:endParaRPr lang="en-US" sz="2400" b="1" dirty="0">
+              <a:solidFill>
+                <a:schemeClr val="accent2">
+                  <a:lumMod val="50000"/>
+                </a:schemeClr>
+              </a:solidFill>
+              <a:latin typeface="Roboto" panose="02000000000000000000" pitchFamily="2" charset="0"/>
+              <a:ea typeface="Roboto" panose="02000000000000000000" pitchFamily="2" charset="0"/>
+              <a:cs typeface="Arial" panose="020B0604020202020204" pitchFamily="34" charset="0"/>
+            </a:endParaRPr>
+          </a:p>
+        </p:txBody>
+      </p:sp>
+      <p:sp>
+        <p:nvSpPr>
+          <p:cNvPr id="3" name="TextBox 2"/>
+          <p:cNvSpPr txBox="1"/>
+          <p:nvPr/>
+        </p:nvSpPr>
+        <p:spPr>
+          <a:xfrm>
+            <a:off x="1059253" y="4375100"/>
+            <a:ext cx="4374515" cy="1169551"/>
+          </a:xfrm>
+          <a:prstGeom prst="rect">
+            <a:avLst/>
+          </a:prstGeom>
+          <a:noFill/>
+        </p:spPr>
+        <p:txBody>
+          <a:bodyPr wrap="square" rtlCol="0">
+            <a:spAutoFit/>
+          </a:bodyPr>
+          <a:lstStyle/>
+          <a:p>
+            <a:r>
+              <a:rPr lang="en-US" sz="1400" dirty="0" smtClean="0">
+                <a:latin typeface="Arial" panose="020B0604020202020204" pitchFamily="34" charset="0"/>
+                <a:cs typeface="Arial" panose="020B0604020202020204" pitchFamily="34" charset="0"/>
+              </a:rPr>
+              <a:t>Mỗi node đóng vai trò như là miner ( thợ mỏ ) cạnh tranh với nhau làm công việc tìm ra số Nonce đầu tiên ( số sử dụng 1 lần ), sao cho sau khi có số nonce, hash của khối sẽ bắt đầu với 0 x difficulty ( độ khó )</a:t>
+            </a:r>
+            <a:endParaRPr lang="en-US" sz="1400" dirty="0">
+              <a:latin typeface="Arial" panose="020B0604020202020204" pitchFamily="34" charset="0"/>
+              <a:cs typeface="Arial" panose="020B0604020202020204" pitchFamily="34" charset="0"/>
+            </a:endParaRPr>
+          </a:p>
+        </p:txBody>
+      </p:sp>
+      <p:cxnSp>
+        <p:nvCxnSpPr>
+          <p:cNvPr id="11" name="Straight Connector 10"/>
+          <p:cNvCxnSpPr/>
+          <p:nvPr/>
+        </p:nvCxnSpPr>
+        <p:spPr>
+          <a:xfrm>
+            <a:off x="6065182" y="1744218"/>
+            <a:ext cx="0" cy="4655606"/>
+          </a:xfrm>
+          <a:prstGeom prst="line">
+            <a:avLst/>
+          </a:prstGeom>
+          <a:ln w="19050">
+            <a:solidFill>
+              <a:schemeClr val="tx1"/>
+            </a:solidFill>
+          </a:ln>
+        </p:spPr>
+        <p:style>
+          <a:lnRef idx="1">
+            <a:schemeClr val="accent1"/>
+          </a:lnRef>
+          <a:fillRef idx="0">
+            <a:schemeClr val="accent1"/>
+          </a:fillRef>
+          <a:effectRef idx="0">
+            <a:schemeClr val="accent1"/>
+          </a:effectRef>
+          <a:fontRef idx="minor">
+            <a:schemeClr val="tx1"/>
+          </a:fontRef>
+        </p:style>
+      </p:cxnSp>
+      <p:sp>
+        <p:nvSpPr>
+          <p:cNvPr id="12" name="TextBox 11"/>
+          <p:cNvSpPr txBox="1"/>
+          <p:nvPr/>
+        </p:nvSpPr>
+        <p:spPr>
+          <a:xfrm>
+            <a:off x="6936613" y="4375100"/>
+            <a:ext cx="4374515" cy="1600438"/>
+          </a:xfrm>
+          <a:prstGeom prst="rect">
+            <a:avLst/>
+          </a:prstGeom>
+          <a:noFill/>
+        </p:spPr>
+        <p:txBody>
+          <a:bodyPr wrap="square" rtlCol="0">
+            <a:spAutoFit/>
+          </a:bodyPr>
+          <a:lstStyle/>
+          <a:p>
+            <a:r>
+              <a:rPr lang="en-US" sz="1400" dirty="0" smtClean="0">
+                <a:latin typeface="Arial" panose="020B0604020202020204" pitchFamily="34" charset="0"/>
+                <a:cs typeface="Arial" panose="020B0604020202020204" pitchFamily="34" charset="0"/>
+              </a:rPr>
+              <a:t>Mỗi node sẽ đặt cọc một khoản tiền ảo nhất định vào lần giao dịch đó, hệ thống sẽ sử dụng thuật toán để đánh giá theo tiêu chí như </a:t>
+            </a:r>
+            <a:r>
+              <a:rPr lang="vi-VN" sz="1400" dirty="0">
+                <a:latin typeface="Arial" panose="020B0604020202020204" pitchFamily="34" charset="0"/>
+                <a:cs typeface="Arial" panose="020B0604020202020204" pitchFamily="34" charset="0"/>
+              </a:rPr>
+              <a:t>giá trị mà họ đặt vào mạng lưới so với tổng giá trị của mạng lưới hoặc thời gian mà khoản cryptocurrency sẽ bị khóa hoặc tiêu chí khác để đảm bảo rằng người thợ đào phù hợp với lợi ích lâu dài của cả mạng lưới.</a:t>
+            </a:r>
+            <a:endParaRPr lang="en-US" sz="1400" dirty="0">
+              <a:latin typeface="Arial" panose="020B0604020202020204" pitchFamily="34" charset="0"/>
+              <a:cs typeface="Arial" panose="020B0604020202020204" pitchFamily="34" charset="0"/>
+            </a:endParaRPr>
+          </a:p>
+        </p:txBody>
+      </p:sp>
     </p:spTree>
   </p:cSld>
   <p:clrMapOvr>
@@ -10795,6 +11551,7 @@
           <a:p>
             <a:fld id="{040DEF24-717E-4741-8753-F7E431A261E5}" type="slidenum">
               <a:rPr lang="en-US" smtClean="0"/>
+              <a:t>7</a:t>
             </a:fld>
             <a:endParaRPr lang="en-US"/>
           </a:p>
@@ -10812,37 +11569,26 @@
         </p:nvSpPr>
         <p:spPr>
           <a:xfrm>
-            <a:off x="1069975" y="484505"/>
-            <a:ext cx="10058400" cy="859790"/>
+            <a:off x="1019047" y="289899"/>
+            <a:ext cx="10504085" cy="1056301"/>
           </a:xfrm>
         </p:spPr>
         <p:txBody>
           <a:bodyPr>
-            <a:normAutofit/>
+            <a:noAutofit/>
           </a:bodyPr>
           <a:lstStyle/>
           <a:p>
             <a:r>
               <a:rPr lang="en-US" sz="4000" b="1" spc="50" dirty="0" smtClean="0">
-                <a:blipFill>
-                  <a:blip r:embed="rId1">
-                    <a:extLst>
-                      <a:ext uri="{28A0092B-C50C-407E-A947-70E740481C1C}">
-                        <a14:useLocalDpi xmlns:a14="http://schemas.microsoft.com/office/drawing/2010/main" val="0"/>
-                      </a:ext>
-                    </a:extLst>
-                  </a:blip>
-                  <a:tile tx="6350" ty="-127000" sx="65000" sy="64000" flip="none" algn="tl"/>
-                </a:blipFill>
                 <a:latin typeface="Times New Roman" panose="02020603050405020304" pitchFamily="18" charset="0"/>
                 <a:cs typeface="Times New Roman" panose="02020603050405020304" pitchFamily="18" charset="0"/>
-                <a:sym typeface="+mn-ea"/>
-              </a:rPr>
-              <a:t>DNS Blockchain</a:t>
-            </a:r>
-            <a:endParaRPr lang="en-US" sz="4000" dirty="0">
-              <a:latin typeface="Arial" panose="020B0604020202020204" pitchFamily="34" charset="0"/>
-              <a:cs typeface="Arial" panose="020B0604020202020204" pitchFamily="34" charset="0"/>
+              </a:rPr>
+              <a:t>13 phần mềm dns blockchain</a:t>
+            </a:r>
+            <a:endParaRPr lang="en-US" sz="4000" b="1" spc="50" dirty="0">
+              <a:latin typeface="Times New Roman" panose="02020603050405020304" pitchFamily="18" charset="0"/>
+              <a:cs typeface="Times New Roman" panose="02020603050405020304" pitchFamily="18" charset="0"/>
             </a:endParaRPr>
           </a:p>
         </p:txBody>
@@ -10896,94 +11642,357 @@
       </p:sp>
       <p:sp>
         <p:nvSpPr>
-          <p:cNvPr id="7" name="TextBox 6"/>
-          <p:cNvSpPr txBox="1"/>
+          <p:cNvPr id="3" name="Rectangle 2"/>
+          <p:cNvSpPr/>
           <p:nvPr/>
         </p:nvSpPr>
         <p:spPr>
           <a:xfrm>
-            <a:off x="1069975" y="1420495"/>
-            <a:ext cx="10241280" cy="1658620"/>
+            <a:off x="1019047" y="1185267"/>
+            <a:ext cx="6096000" cy="4233467"/>
           </a:xfrm>
           <a:prstGeom prst="rect">
             <a:avLst/>
           </a:prstGeom>
-          <a:noFill/>
         </p:spPr>
         <p:txBody>
-          <a:bodyPr wrap="square" rtlCol="0">
+          <a:bodyPr>
             <a:spAutoFit/>
           </a:bodyPr>
-          <a:p>
-            <a:pPr>
+          <a:lstStyle/>
+          <a:p>
+            <a:pPr marL="342900" lvl="0" indent="-342900">
               <a:lnSpc>
-                <a:spcPct val="170000"/>
+                <a:spcPct val="115000"/>
               </a:lnSpc>
+              <a:spcBef>
+                <a:spcPts val="300"/>
+              </a:spcBef>
+              <a:buFont typeface="Wingdings" panose="05000000000000000000" pitchFamily="2" charset="2"/>
+              <a:buChar char=""/>
             </a:pPr>
             <a:r>
-              <a:rPr lang="en-US" sz="1200" dirty="0">
-                <a:latin typeface="Arial" panose="020B0604020202020204" pitchFamily="34" charset="0"/>
-                <a:cs typeface="Arial" panose="020B0604020202020204" pitchFamily="34" charset="0"/>
-              </a:rPr>
-              <a:t>Blockchain là công nghệ chuỗi – khối, cho phép truyền tải dữ liệu một cách an toàn dựa trên hệ thống mã hóa vô cùng phức tạp, tương tự như cuốn sổ cái kế toán của một công ty, nơi mà tiền được giám sát chặt chẽ và ghi nhận mọi giao dịch trên mạng ngang hàng.</a:t>
-            </a:r>
-            <a:endParaRPr lang="en-US" sz="1200" dirty="0">
-              <a:latin typeface="Arial" panose="020B0604020202020204" pitchFamily="34" charset="0"/>
-              <a:cs typeface="Arial" panose="020B0604020202020204" pitchFamily="34" charset="0"/>
+              <a:rPr lang="en-US" b="1" dirty="0">
+                <a:latin typeface="Times New Roman" panose="02020603050405020304" pitchFamily="18" charset="0"/>
+                <a:ea typeface="Calibri" panose="020F0502020204030204" pitchFamily="34" charset="0"/>
+                <a:cs typeface="Times New Roman" panose="02020603050405020304" pitchFamily="18" charset="0"/>
+              </a:rPr>
+              <a:t>Namecoin</a:t>
+            </a:r>
+            <a:endParaRPr lang="en-US" dirty="0">
+              <a:latin typeface="Times New Roman" panose="02020603050405020304" pitchFamily="18" charset="0"/>
+              <a:ea typeface="Calibri" panose="020F0502020204030204" pitchFamily="34" charset="0"/>
+              <a:cs typeface="Times New Roman" panose="02020603050405020304" pitchFamily="18" charset="0"/>
             </a:endParaRPr>
           </a:p>
           <a:p>
-            <a:pPr>
+            <a:pPr marL="342900" lvl="0" indent="-342900" algn="just">
               <a:lnSpc>
-                <a:spcPct val="170000"/>
+                <a:spcPct val="115000"/>
               </a:lnSpc>
+              <a:spcAft>
+                <a:spcPts val="0"/>
+              </a:spcAft>
+              <a:buFont typeface="Wingdings" panose="05000000000000000000" pitchFamily="2" charset="2"/>
+              <a:buChar char=""/>
             </a:pPr>
             <a:r>
-              <a:rPr lang="en-US" sz="1200" dirty="0">
-                <a:latin typeface="Arial" panose="020B0604020202020204" pitchFamily="34" charset="0"/>
-                <a:cs typeface="Arial" panose="020B0604020202020204" pitchFamily="34" charset="0"/>
-              </a:rPr>
-              <a:t>Mỗi khối (block) đều chứa thông tin về thời gian khởi tạo và được liên kết với khối trước đó, kèm theo đó là một mã thời gian và dữ liệu giao dịch. Dữ liệu khi đã được mạng lưới chấp nhận thì sẽ không có cách nào thay đổi được. Blockchain được thiết kế để chống lại việc gian lận, thay đổi của dữ liệu.</a:t>
-            </a:r>
-            <a:endParaRPr lang="en-US" sz="1200" dirty="0">
-              <a:latin typeface="Arial" panose="020B0604020202020204" pitchFamily="34" charset="0"/>
-              <a:cs typeface="Arial" panose="020B0604020202020204" pitchFamily="34" charset="0"/>
+              <a:rPr lang="en-US" b="1" dirty="0">
+                <a:latin typeface="Times New Roman" panose="02020603050405020304" pitchFamily="18" charset="0"/>
+                <a:ea typeface="Calibri" panose="020F0502020204030204" pitchFamily="34" charset="0"/>
+                <a:cs typeface="Times New Roman" panose="02020603050405020304" pitchFamily="18" charset="0"/>
+              </a:rPr>
+              <a:t>Blockstack</a:t>
+            </a:r>
+            <a:endParaRPr lang="en-US" dirty="0">
+              <a:latin typeface="Times New Roman" panose="02020603050405020304" pitchFamily="18" charset="0"/>
+              <a:ea typeface="Calibri" panose="020F0502020204030204" pitchFamily="34" charset="0"/>
+              <a:cs typeface="Times New Roman" panose="02020603050405020304" pitchFamily="18" charset="0"/>
             </a:endParaRPr>
           </a:p>
-        </p:txBody>
-      </p:sp>
-      <p:pic>
-        <p:nvPicPr>
-          <p:cNvPr id="19" name="Picture 19"/>
-          <p:cNvPicPr>
-            <a:picLocks noChangeAspect="1"/>
-          </p:cNvPicPr>
-          <p:nvPr>
-            <p:ph idx="1"/>
-          </p:nvPr>
-        </p:nvPicPr>
-        <p:blipFill>
-          <a:blip r:embed="rId2"/>
-          <a:stretch>
-            <a:fillRect/>
-          </a:stretch>
-        </p:blipFill>
-        <p:spPr>
-          <a:xfrm>
-            <a:off x="2359660" y="2798445"/>
-            <a:ext cx="7848600" cy="3962400"/>
-          </a:xfrm>
-          <a:prstGeom prst="rect">
-            <a:avLst/>
-          </a:prstGeom>
-          <a:ln w="12700">
-            <a:solidFill>
-              <a:schemeClr val="tx1"/>
-            </a:solidFill>
-          </a:ln>
-        </p:spPr>
-      </p:pic>
+          <a:p>
+            <a:pPr marL="342900" lvl="0" indent="-342900" algn="just">
+              <a:lnSpc>
+                <a:spcPct val="115000"/>
+              </a:lnSpc>
+              <a:spcAft>
+                <a:spcPts val="0"/>
+              </a:spcAft>
+              <a:buFont typeface="Wingdings" panose="05000000000000000000" pitchFamily="2" charset="2"/>
+              <a:buChar char=""/>
+            </a:pPr>
+            <a:r>
+              <a:rPr lang="en-US" b="1" dirty="0">
+                <a:latin typeface="Times New Roman" panose="02020603050405020304" pitchFamily="18" charset="0"/>
+                <a:ea typeface="Calibri" panose="020F0502020204030204" pitchFamily="34" charset="0"/>
+                <a:cs typeface="Times New Roman" panose="02020603050405020304" pitchFamily="18" charset="0"/>
+              </a:rPr>
+              <a:t>Ethereum Name Service</a:t>
+            </a:r>
+            <a:endParaRPr lang="en-US" dirty="0">
+              <a:latin typeface="Times New Roman" panose="02020603050405020304" pitchFamily="18" charset="0"/>
+              <a:ea typeface="Calibri" panose="020F0502020204030204" pitchFamily="34" charset="0"/>
+              <a:cs typeface="Times New Roman" panose="02020603050405020304" pitchFamily="18" charset="0"/>
+            </a:endParaRPr>
+          </a:p>
+          <a:p>
+            <a:pPr marL="342900" lvl="0" indent="-342900" algn="just">
+              <a:lnSpc>
+                <a:spcPct val="115000"/>
+              </a:lnSpc>
+              <a:spcAft>
+                <a:spcPts val="0"/>
+              </a:spcAft>
+              <a:buFont typeface="Wingdings" panose="05000000000000000000" pitchFamily="2" charset="2"/>
+              <a:buChar char=""/>
+            </a:pPr>
+            <a:r>
+              <a:rPr lang="en-US" b="1" dirty="0">
+                <a:latin typeface="Times New Roman" panose="02020603050405020304" pitchFamily="18" charset="0"/>
+                <a:ea typeface="Calibri" panose="020F0502020204030204" pitchFamily="34" charset="0"/>
+                <a:cs typeface="Times New Roman" panose="02020603050405020304" pitchFamily="18" charset="0"/>
+              </a:rPr>
+              <a:t>Handshake</a:t>
+            </a:r>
+            <a:endParaRPr lang="en-US" dirty="0">
+              <a:latin typeface="Times New Roman" panose="02020603050405020304" pitchFamily="18" charset="0"/>
+              <a:ea typeface="Calibri" panose="020F0502020204030204" pitchFamily="34" charset="0"/>
+              <a:cs typeface="Times New Roman" panose="02020603050405020304" pitchFamily="18" charset="0"/>
+            </a:endParaRPr>
+          </a:p>
+          <a:p>
+            <a:pPr marL="342900" lvl="0" indent="-342900" algn="just">
+              <a:lnSpc>
+                <a:spcPct val="115000"/>
+              </a:lnSpc>
+              <a:spcAft>
+                <a:spcPts val="0"/>
+              </a:spcAft>
+              <a:buFont typeface="Wingdings" panose="05000000000000000000" pitchFamily="2" charset="2"/>
+              <a:buChar char=""/>
+            </a:pPr>
+            <a:r>
+              <a:rPr lang="en-US" b="1" dirty="0">
+                <a:latin typeface="Times New Roman" panose="02020603050405020304" pitchFamily="18" charset="0"/>
+                <a:ea typeface="Calibri" panose="020F0502020204030204" pitchFamily="34" charset="0"/>
+                <a:cs typeface="Times New Roman" panose="02020603050405020304" pitchFamily="18" charset="0"/>
+              </a:rPr>
+              <a:t>Nebulis</a:t>
+            </a:r>
+            <a:endParaRPr lang="en-US" dirty="0">
+              <a:latin typeface="Times New Roman" panose="02020603050405020304" pitchFamily="18" charset="0"/>
+              <a:ea typeface="Calibri" panose="020F0502020204030204" pitchFamily="34" charset="0"/>
+              <a:cs typeface="Times New Roman" panose="02020603050405020304" pitchFamily="18" charset="0"/>
+            </a:endParaRPr>
+          </a:p>
+          <a:p>
+            <a:pPr marL="342900" lvl="0" indent="-342900" algn="just">
+              <a:lnSpc>
+                <a:spcPct val="115000"/>
+              </a:lnSpc>
+              <a:spcAft>
+                <a:spcPts val="0"/>
+              </a:spcAft>
+              <a:buFont typeface="Wingdings" panose="05000000000000000000" pitchFamily="2" charset="2"/>
+              <a:buChar char=""/>
+            </a:pPr>
+            <a:r>
+              <a:rPr lang="en-US" b="1" dirty="0">
+                <a:latin typeface="Times New Roman" panose="02020603050405020304" pitchFamily="18" charset="0"/>
+                <a:ea typeface="Calibri" panose="020F0502020204030204" pitchFamily="34" charset="0"/>
+                <a:cs typeface="Times New Roman" panose="02020603050405020304" pitchFamily="18" charset="0"/>
+              </a:rPr>
+              <a:t>Dot BIT</a:t>
+            </a:r>
+            <a:endParaRPr lang="en-US" dirty="0">
+              <a:latin typeface="Times New Roman" panose="02020603050405020304" pitchFamily="18" charset="0"/>
+              <a:ea typeface="Calibri" panose="020F0502020204030204" pitchFamily="34" charset="0"/>
+              <a:cs typeface="Times New Roman" panose="02020603050405020304" pitchFamily="18" charset="0"/>
+            </a:endParaRPr>
+          </a:p>
+          <a:p>
+            <a:pPr marL="342900" lvl="0" indent="-342900" algn="just">
+              <a:lnSpc>
+                <a:spcPct val="115000"/>
+              </a:lnSpc>
+              <a:spcAft>
+                <a:spcPts val="0"/>
+              </a:spcAft>
+              <a:buFont typeface="Wingdings" panose="05000000000000000000" pitchFamily="2" charset="2"/>
+              <a:buChar char=""/>
+            </a:pPr>
+            <a:r>
+              <a:rPr lang="en-US" b="1" dirty="0">
+                <a:latin typeface="Times New Roman" panose="02020603050405020304" pitchFamily="18" charset="0"/>
+                <a:ea typeface="Calibri" panose="020F0502020204030204" pitchFamily="34" charset="0"/>
+                <a:cs typeface="Times New Roman" panose="02020603050405020304" pitchFamily="18" charset="0"/>
+              </a:rPr>
+              <a:t>Emercoin DNS</a:t>
+            </a:r>
+            <a:endParaRPr lang="en-US" dirty="0">
+              <a:latin typeface="Times New Roman" panose="02020603050405020304" pitchFamily="18" charset="0"/>
+              <a:ea typeface="Calibri" panose="020F0502020204030204" pitchFamily="34" charset="0"/>
+              <a:cs typeface="Times New Roman" panose="02020603050405020304" pitchFamily="18" charset="0"/>
+            </a:endParaRPr>
+          </a:p>
+          <a:p>
+            <a:pPr marL="342900" lvl="0" indent="-342900" algn="just">
+              <a:lnSpc>
+                <a:spcPct val="115000"/>
+              </a:lnSpc>
+              <a:spcAft>
+                <a:spcPts val="0"/>
+              </a:spcAft>
+              <a:buFont typeface="Wingdings" panose="05000000000000000000" pitchFamily="2" charset="2"/>
+              <a:buChar char=""/>
+            </a:pPr>
+            <a:r>
+              <a:rPr lang="en-US" b="1" dirty="0">
+                <a:latin typeface="Times New Roman" panose="02020603050405020304" pitchFamily="18" charset="0"/>
+                <a:ea typeface="Calibri" panose="020F0502020204030204" pitchFamily="34" charset="0"/>
+                <a:cs typeface="Times New Roman" panose="02020603050405020304" pitchFamily="18" charset="0"/>
+              </a:rPr>
+              <a:t>PeerName</a:t>
+            </a:r>
+            <a:endParaRPr lang="en-US" dirty="0">
+              <a:latin typeface="Times New Roman" panose="02020603050405020304" pitchFamily="18" charset="0"/>
+              <a:ea typeface="Calibri" panose="020F0502020204030204" pitchFamily="34" charset="0"/>
+              <a:cs typeface="Times New Roman" panose="02020603050405020304" pitchFamily="18" charset="0"/>
+            </a:endParaRPr>
+          </a:p>
+          <a:p>
+            <a:pPr marL="342900" lvl="0" indent="-342900" algn="just">
+              <a:lnSpc>
+                <a:spcPct val="115000"/>
+              </a:lnSpc>
+              <a:spcAft>
+                <a:spcPts val="0"/>
+              </a:spcAft>
+              <a:buFont typeface="Wingdings" panose="05000000000000000000" pitchFamily="2" charset="2"/>
+              <a:buChar char=""/>
+            </a:pPr>
+            <a:r>
+              <a:rPr lang="en-US" b="1" dirty="0">
+                <a:latin typeface="Times New Roman" panose="02020603050405020304" pitchFamily="18" charset="0"/>
+                <a:ea typeface="Calibri" panose="020F0502020204030204" pitchFamily="34" charset="0"/>
+                <a:cs typeface="Times New Roman" panose="02020603050405020304" pitchFamily="18" charset="0"/>
+              </a:rPr>
+              <a:t>Blockchain DNS for Firefox</a:t>
+            </a:r>
+            <a:endParaRPr lang="en-US" dirty="0">
+              <a:latin typeface="Times New Roman" panose="02020603050405020304" pitchFamily="18" charset="0"/>
+              <a:ea typeface="Calibri" panose="020F0502020204030204" pitchFamily="34" charset="0"/>
+              <a:cs typeface="Times New Roman" panose="02020603050405020304" pitchFamily="18" charset="0"/>
+            </a:endParaRPr>
+          </a:p>
+          <a:p>
+            <a:pPr marL="342900" lvl="0" indent="-342900" algn="just">
+              <a:lnSpc>
+                <a:spcPct val="115000"/>
+              </a:lnSpc>
+              <a:spcAft>
+                <a:spcPts val="0"/>
+              </a:spcAft>
+              <a:buFont typeface="Wingdings" panose="05000000000000000000" pitchFamily="2" charset="2"/>
+              <a:buChar char=""/>
+            </a:pPr>
+            <a:r>
+              <a:rPr lang="en-US" b="1" dirty="0">
+                <a:latin typeface="Times New Roman" panose="02020603050405020304" pitchFamily="18" charset="0"/>
+                <a:ea typeface="Calibri" panose="020F0502020204030204" pitchFamily="34" charset="0"/>
+                <a:cs typeface="Times New Roman" panose="02020603050405020304" pitchFamily="18" charset="0"/>
+              </a:rPr>
+              <a:t>FrigGate for Chrome and other browsers</a:t>
+            </a:r>
+            <a:endParaRPr lang="en-US" dirty="0">
+              <a:latin typeface="Times New Roman" panose="02020603050405020304" pitchFamily="18" charset="0"/>
+              <a:ea typeface="Calibri" panose="020F0502020204030204" pitchFamily="34" charset="0"/>
+              <a:cs typeface="Times New Roman" panose="02020603050405020304" pitchFamily="18" charset="0"/>
+            </a:endParaRPr>
+          </a:p>
+          <a:p>
+            <a:pPr marL="342900" lvl="0" indent="-342900" algn="just">
+              <a:lnSpc>
+                <a:spcPct val="115000"/>
+              </a:lnSpc>
+              <a:spcAft>
+                <a:spcPts val="0"/>
+              </a:spcAft>
+              <a:buFont typeface="Wingdings" panose="05000000000000000000" pitchFamily="2" charset="2"/>
+              <a:buChar char=""/>
+            </a:pPr>
+            <a:r>
+              <a:rPr lang="en-US" b="1" dirty="0">
+                <a:latin typeface="Times New Roman" panose="02020603050405020304" pitchFamily="18" charset="0"/>
+                <a:ea typeface="Calibri" panose="020F0502020204030204" pitchFamily="34" charset="0"/>
+                <a:cs typeface="Times New Roman" panose="02020603050405020304" pitchFamily="18" charset="0"/>
+              </a:rPr>
+              <a:t>NEM Blockchain DNS extension</a:t>
+            </a:r>
+            <a:endParaRPr lang="en-US" dirty="0">
+              <a:latin typeface="Times New Roman" panose="02020603050405020304" pitchFamily="18" charset="0"/>
+              <a:ea typeface="Calibri" panose="020F0502020204030204" pitchFamily="34" charset="0"/>
+              <a:cs typeface="Times New Roman" panose="02020603050405020304" pitchFamily="18" charset="0"/>
+            </a:endParaRPr>
+          </a:p>
+          <a:p>
+            <a:pPr marL="342900" lvl="0" indent="-342900" algn="just">
+              <a:lnSpc>
+                <a:spcPct val="115000"/>
+              </a:lnSpc>
+              <a:spcAft>
+                <a:spcPts val="0"/>
+              </a:spcAft>
+              <a:buFont typeface="Wingdings" panose="05000000000000000000" pitchFamily="2" charset="2"/>
+              <a:buChar char=""/>
+            </a:pPr>
+            <a:r>
+              <a:rPr lang="en-US" b="1" dirty="0">
+                <a:latin typeface="Times New Roman" panose="02020603050405020304" pitchFamily="18" charset="0"/>
+                <a:ea typeface="Calibri" panose="020F0502020204030204" pitchFamily="34" charset="0"/>
+                <a:cs typeface="Times New Roman" panose="02020603050405020304" pitchFamily="18" charset="0"/>
+              </a:rPr>
+              <a:t>Unstoppable Domains</a:t>
+            </a:r>
+            <a:endParaRPr lang="en-US" dirty="0">
+              <a:latin typeface="Times New Roman" panose="02020603050405020304" pitchFamily="18" charset="0"/>
+              <a:ea typeface="Calibri" panose="020F0502020204030204" pitchFamily="34" charset="0"/>
+              <a:cs typeface="Times New Roman" panose="02020603050405020304" pitchFamily="18" charset="0"/>
+            </a:endParaRPr>
+          </a:p>
+          <a:p>
+            <a:pPr marL="342900" lvl="0" indent="-342900" algn="just">
+              <a:lnSpc>
+                <a:spcPct val="115000"/>
+              </a:lnSpc>
+              <a:spcAft>
+                <a:spcPts val="300"/>
+              </a:spcAft>
+              <a:buFont typeface="Wingdings" panose="05000000000000000000" pitchFamily="2" charset="2"/>
+              <a:buChar char=""/>
+            </a:pPr>
+            <a:r>
+              <a:rPr lang="en-US" b="1" dirty="0">
+                <a:latin typeface="Times New Roman" panose="02020603050405020304" pitchFamily="18" charset="0"/>
+                <a:ea typeface="Calibri" panose="020F0502020204030204" pitchFamily="34" charset="0"/>
+                <a:cs typeface="Times New Roman" panose="02020603050405020304" pitchFamily="18" charset="0"/>
+              </a:rPr>
+              <a:t>Aloaha Blockchain DNS</a:t>
+            </a:r>
+            <a:endParaRPr lang="en-US" dirty="0">
+              <a:latin typeface="Times New Roman" panose="02020603050405020304" pitchFamily="18" charset="0"/>
+              <a:ea typeface="Calibri" panose="020F0502020204030204" pitchFamily="34" charset="0"/>
+              <a:cs typeface="Times New Roman" panose="02020603050405020304" pitchFamily="18" charset="0"/>
+            </a:endParaRPr>
+          </a:p>
+        </p:txBody>
+      </p:sp>
     </p:spTree>
+    <p:extLst>
+      <p:ext uri="{BB962C8B-B14F-4D97-AF65-F5344CB8AC3E}">
+        <p14:creationId xmlns:p14="http://schemas.microsoft.com/office/powerpoint/2010/main" val="2145206009"/>
+      </p:ext>
+    </p:extLst>
   </p:cSld>
   <p:clrMapOvr>
     <a:masterClrMapping/>
@@ -11007,7 +12016,14 @@
         <p:cNvGrpSpPr/>
         <p:nvPr/>
       </p:nvGrpSpPr>
-      <p:grpSpPr/>
+      <p:grpSpPr>
+        <a:xfrm>
+          <a:off x="0" y="0"/>
+          <a:ext cx="0" cy="0"/>
+          <a:chOff x="0" y="0"/>
+          <a:chExt cx="0" cy="0"/>
+        </a:xfrm>
+      </p:grpSpPr>
       <p:sp>
         <p:nvSpPr>
           <p:cNvPr id="4" name="Slide Number Placeholder 3"/>
@@ -11021,9 +12037,11 @@
         <p:spPr/>
         <p:txBody>
           <a:bodyPr/>
+          <a:lstStyle/>
           <a:p>
             <a:fld id="{040DEF24-717E-4741-8753-F7E431A261E5}" type="slidenum">
               <a:rPr lang="en-US" smtClean="0"/>
+              <a:t>8</a:t>
             </a:fld>
             <a:endParaRPr lang="en-US"/>
           </a:p>
@@ -11049,11 +12067,12 @@
           <a:bodyPr>
             <a:normAutofit/>
           </a:bodyPr>
+          <a:lstStyle/>
           <a:p>
             <a:r>
               <a:rPr lang="en-US" sz="4000" b="1" spc="50" dirty="0" smtClean="0">
                 <a:blipFill>
-                  <a:blip r:embed="rId1">
+                  <a:blip r:embed="rId2">
                     <a:extLst>
                       <a:ext uri="{28A0092B-C50C-407E-A947-70E740481C1C}">
                         <a14:useLocalDpi xmlns:a14="http://schemas.microsoft.com/office/drawing/2010/main" val="0"/>
@@ -11066,11 +12085,85 @@
                 <a:cs typeface="Times New Roman" panose="02020603050405020304" pitchFamily="18" charset="0"/>
                 <a:sym typeface="+mn-ea"/>
               </a:rPr>
-              <a:t>DNS Blockchain</a:t>
+              <a:t>Cơ chế của DNS BLOCKCHAIN</a:t>
             </a:r>
             <a:endParaRPr lang="en-US" sz="4000" dirty="0">
               <a:latin typeface="Arial" panose="020B0604020202020204" pitchFamily="34" charset="0"/>
               <a:cs typeface="Arial" panose="020B0604020202020204" pitchFamily="34" charset="0"/>
+            </a:endParaRPr>
+          </a:p>
+        </p:txBody>
+      </p:sp>
+      <p:pic>
+        <p:nvPicPr>
+          <p:cNvPr id="5" name="Picture 4"/>
+          <p:cNvPicPr/>
+          <p:nvPr/>
+        </p:nvPicPr>
+        <p:blipFill>
+          <a:blip r:embed="rId3"/>
+          <a:stretch>
+            <a:fillRect/>
+          </a:stretch>
+        </p:blipFill>
+        <p:spPr>
+          <a:xfrm>
+            <a:off x="1180041" y="1501033"/>
+            <a:ext cx="5760085" cy="2907665"/>
+          </a:xfrm>
+          <a:prstGeom prst="rect">
+            <a:avLst/>
+          </a:prstGeom>
+          <a:ln w="12700">
+            <a:solidFill>
+              <a:schemeClr val="tx1"/>
+            </a:solidFill>
+          </a:ln>
+        </p:spPr>
+      </p:pic>
+      <p:sp>
+        <p:nvSpPr>
+          <p:cNvPr id="7" name="Rectangle 6"/>
+          <p:cNvSpPr/>
+          <p:nvPr/>
+        </p:nvSpPr>
+        <p:spPr>
+          <a:xfrm>
+            <a:off x="0" y="0"/>
+            <a:ext cx="427839" cy="6858000"/>
+          </a:xfrm>
+          <a:prstGeom prst="rect">
+            <a:avLst/>
+          </a:prstGeom>
+          <a:solidFill>
+            <a:srgbClr val="AA2100"/>
+          </a:solidFill>
+        </p:spPr>
+        <p:style>
+          <a:lnRef idx="2">
+            <a:schemeClr val="accent1">
+              <a:shade val="50000"/>
+            </a:schemeClr>
+          </a:lnRef>
+          <a:fillRef idx="1">
+            <a:schemeClr val="accent1"/>
+          </a:fillRef>
+          <a:effectRef idx="0">
+            <a:schemeClr val="accent1"/>
+          </a:effectRef>
+          <a:fontRef idx="minor">
+            <a:schemeClr val="lt1"/>
+          </a:fontRef>
+        </p:style>
+        <p:txBody>
+          <a:bodyPr rtlCol="0" anchor="ctr"/>
+          <a:lstStyle/>
+          <a:p>
+            <a:pPr algn="ctr"/>
+            <a:endParaRPr lang="en-US">
+              <a:solidFill>
+                <a:srgbClr val="FF0000"/>
+              </a:solidFill>
             </a:endParaRPr>
           </a:p>
         </p:txBody>
@@ -11153,6 +12246,7 @@
           <a:p>
             <a:fld id="{040DEF24-717E-4741-8753-F7E431A261E5}" type="slidenum">
               <a:rPr lang="en-US" smtClean="0"/>
+              <a:t>9</a:t>
             </a:fld>
             <a:endParaRPr lang="en-US"/>
           </a:p>
@@ -11205,10 +12299,6 @@
               </a:rPr>
               <a:t>DNS Blockchain là một giải pháp khả thi hiện nay, vừa phần nào giải quyết được bài toán bảo mật, vừa mang lại cơ hội khai thác phát triển triệt để giá trị của tên miền. </a:t>
             </a:r>
-            <a:endParaRPr lang="en-US" sz="1600" b="1" spc="50" dirty="0">
-              <a:latin typeface="Arial" panose="020B0604020202020204" pitchFamily="34" charset="0"/>
-              <a:cs typeface="Arial" panose="020B0604020202020204" pitchFamily="34" charset="0"/>
-            </a:endParaRPr>
           </a:p>
         </p:txBody>
       </p:sp>
@@ -11258,16 +12348,6 @@
               </a:rPr>
               <a:t>Tóm tắt những điều mà đề tài đã đạt được:</a:t>
             </a:r>
-            <a:endParaRPr lang="en-US" sz="2400" b="1" dirty="0">
-              <a:solidFill>
-                <a:schemeClr val="accent2">
-                  <a:lumMod val="50000"/>
-                </a:schemeClr>
-              </a:solidFill>
-              <a:latin typeface="Roboto" panose="02000000000000000000" pitchFamily="2" charset="0"/>
-              <a:ea typeface="Roboto" panose="02000000000000000000" pitchFamily="2" charset="0"/>
-              <a:cs typeface="Arial" panose="020B0604020202020204" pitchFamily="34" charset="0"/>
-            </a:endParaRPr>
           </a:p>
           <a:p>
             <a:pPr marL="285750" lvl="0" indent="-285750">
@@ -11290,10 +12370,6 @@
               </a:rPr>
               <a:t>Nêu rõ khái niệm, điểm mạnh và yếu của DNS server và cách DNS server hiện tại hoạt động.</a:t>
             </a:r>
-            <a:endParaRPr lang="en-US" sz="1600" dirty="0">
-              <a:latin typeface="Arial" panose="020B0604020202020204" pitchFamily="34" charset="0"/>
-              <a:cs typeface="Arial" panose="020B0604020202020204" pitchFamily="34" charset="0"/>
-            </a:endParaRPr>
           </a:p>
           <a:p>
             <a:pPr marL="285750" lvl="0" indent="-285750">
@@ -11316,10 +12392,6 @@
               </a:rPr>
               <a:t>Nêu rõ khái niệm, điểm mạnh và yếu của Blockchain và hiểu thêm về giải pháp DNS phát triển bằng công nghệ Blockchain.</a:t>
             </a:r>
-            <a:endParaRPr lang="en-US" sz="1600" dirty="0">
-              <a:latin typeface="Arial" panose="020B0604020202020204" pitchFamily="34" charset="0"/>
-              <a:cs typeface="Arial" panose="020B0604020202020204" pitchFamily="34" charset="0"/>
-            </a:endParaRPr>
           </a:p>
           <a:p>
             <a:pPr marL="285750" lvl="0" indent="-285750">
@@ -11342,10 +12414,6 @@
               </a:rPr>
               <a:t>Xây dựng được và tái hiện hệ thống Blockchain DNS trên máy tính cá nhân. </a:t>
             </a:r>
-            <a:endParaRPr lang="en-US" sz="1600" dirty="0">
-              <a:latin typeface="Arial" panose="020B0604020202020204" pitchFamily="34" charset="0"/>
-              <a:cs typeface="Arial" panose="020B0604020202020204" pitchFamily="34" charset="0"/>
-            </a:endParaRPr>
           </a:p>
           <a:p>
             <a:pPr marL="285750" lvl="0" indent="-285750">
@@ -11368,10 +12436,6 @@
               </a:rPr>
               <a:t>Phân giải tên miền và trả về kết quả thành công cho dù ở trên trình duyệt. </a:t>
             </a:r>
-            <a:endParaRPr lang="en-US" sz="1600" dirty="0">
-              <a:latin typeface="Arial" panose="020B0604020202020204" pitchFamily="34" charset="0"/>
-              <a:cs typeface="Arial" panose="020B0604020202020204" pitchFamily="34" charset="0"/>
-            </a:endParaRPr>
           </a:p>
         </p:txBody>
       </p:sp>
@@ -11656,6 +12720,8 @@
       </a:bgFillStyleLst>
     </a:fmtScheme>
   </a:themeElements>
+  <a:objectDefaults/>
+  <a:extraClrSchemeLst/>
   <a:extLst>
     <a:ext uri="{05A4C25C-085E-4340-85A3-A5531E510DB2}">
       <thm15:themeFamily xmlns:thm15="http://schemas.microsoft.com/office/thememl/2012/main" name="Office Theme" id="{62F939B6-93AF-4DB8-9C6B-D6C7DFDC589F}" vid="{4A3C46E8-61CC-4603-A589-7422A47A8E4A}"/>
@@ -11915,6 +12981,8 @@
       </a:bgFillStyleLst>
     </a:fmtScheme>
   </a:themeElements>
+  <a:objectDefaults/>
+  <a:extraClrSchemeLst/>
   <a:extLst>
     <a:ext uri="{05A4C25C-085E-4340-85A3-A5531E510DB2}">
       <thm15:themeFamily xmlns:thm15="http://schemas.microsoft.com/office/thememl/2012/main" name="Office Theme" id="{62F939B6-93AF-4DB8-9C6B-D6C7DFDC589F}" vid="{4A3C46E8-61CC-4603-A589-7422A47A8E4A}"/>

--- a/slide/D17CQAT01_PhanDai_N17DCAT013.pptx
+++ b/slide/D17CQAT01_PhanDai_N17DCAT013.pptx
@@ -2,28 +2,28 @@
 <file path=ppt/presentation.xml><?xml version="1.0" encoding="utf-8"?>
 <p:presentation xmlns:a="http://schemas.openxmlformats.org/drawingml/2006/main" xmlns:r="http://schemas.openxmlformats.org/officeDocument/2006/relationships" xmlns:p="http://schemas.openxmlformats.org/presentationml/2006/main">
   <p:sldMasterIdLst>
-    <p:sldMasterId id="2147483660" r:id="rId1"/>
+    <p:sldMasterId id="2147483648" r:id="rId1"/>
   </p:sldMasterIdLst>
   <p:notesMasterIdLst>
-    <p:notesMasterId r:id="rId18"/>
+    <p:notesMasterId r:id="rId19"/>
   </p:notesMasterIdLst>
   <p:sldIdLst>
-    <p:sldId id="256" r:id="rId2"/>
-    <p:sldId id="257" r:id="rId3"/>
-    <p:sldId id="261" r:id="rId4"/>
-    <p:sldId id="260" r:id="rId5"/>
-    <p:sldId id="272" r:id="rId6"/>
-    <p:sldId id="266" r:id="rId7"/>
-    <p:sldId id="273" r:id="rId8"/>
-    <p:sldId id="271" r:id="rId9"/>
-    <p:sldId id="274" r:id="rId10"/>
-    <p:sldId id="275" r:id="rId11"/>
-    <p:sldId id="276" r:id="rId12"/>
-    <p:sldId id="277" r:id="rId13"/>
-    <p:sldId id="278" r:id="rId14"/>
-    <p:sldId id="262" r:id="rId15"/>
-    <p:sldId id="259" r:id="rId16"/>
-    <p:sldId id="258" r:id="rId17"/>
+    <p:sldId id="256" r:id="rId3"/>
+    <p:sldId id="257" r:id="rId4"/>
+    <p:sldId id="261" r:id="rId5"/>
+    <p:sldId id="260" r:id="rId6"/>
+    <p:sldId id="272" r:id="rId7"/>
+    <p:sldId id="266" r:id="rId8"/>
+    <p:sldId id="273" r:id="rId9"/>
+    <p:sldId id="271" r:id="rId10"/>
+    <p:sldId id="274" r:id="rId11"/>
+    <p:sldId id="275" r:id="rId12"/>
+    <p:sldId id="276" r:id="rId13"/>
+    <p:sldId id="277" r:id="rId14"/>
+    <p:sldId id="278" r:id="rId15"/>
+    <p:sldId id="262" r:id="rId16"/>
+    <p:sldId id="259" r:id="rId17"/>
+    <p:sldId id="258" r:id="rId18"/>
   </p:sldIdLst>
   <p:sldSz cx="12192000" cy="6858000"/>
   <p:notesSz cx="6858000" cy="9144000"/>
@@ -122,11 +122,6 @@
       </a:defRPr>
     </a:lvl9pPr>
   </p:defaultTextStyle>
-  <p:extLst>
-    <p:ext uri="{EFAFB233-063F-42B5-8137-9DF3F51BA10A}">
-      <p15:sldGuideLst xmlns:p15="http://schemas.microsoft.com/office/powerpoint/2012/main"/>
-    </p:ext>
-  </p:extLst>
 </p:presentation>
 </file>
 
@@ -212,7 +207,6 @@
           <a:p>
             <a:fld id="{4D90CDED-DED5-4950-8D8A-00FFCAA83A1B}" type="datetimeFigureOut">
               <a:rPr lang="en-US" smtClean="0"/>
-              <a:t>12/12/2021</a:t>
             </a:fld>
             <a:endParaRPr lang="en-US"/>
           </a:p>
@@ -279,6 +273,7 @@
               <a:rPr lang="en-US" smtClean="0"/>
               <a:t>Edit Master text styles</a:t>
             </a:r>
+            <a:endParaRPr lang="en-US" smtClean="0"/>
           </a:p>
           <a:p>
             <a:pPr lvl="1"/>
@@ -286,6 +281,7 @@
               <a:rPr lang="en-US" smtClean="0"/>
               <a:t>Second level</a:t>
             </a:r>
+            <a:endParaRPr lang="en-US" smtClean="0"/>
           </a:p>
           <a:p>
             <a:pPr lvl="2"/>
@@ -293,6 +289,7 @@
               <a:rPr lang="en-US" smtClean="0"/>
               <a:t>Third level</a:t>
             </a:r>
+            <a:endParaRPr lang="en-US" smtClean="0"/>
           </a:p>
           <a:p>
             <a:pPr lvl="3"/>
@@ -300,6 +297,7 @@
               <a:rPr lang="en-US" smtClean="0"/>
               <a:t>Fourth level</a:t>
             </a:r>
+            <a:endParaRPr lang="en-US" smtClean="0"/>
           </a:p>
           <a:p>
             <a:pPr lvl="4"/>
@@ -371,7 +369,6 @@
           <a:p>
             <a:fld id="{FD20B253-7E6D-4FFF-A48B-C518ADBC2D7F}" type="slidenum">
               <a:rPr lang="en-US" smtClean="0"/>
-              <a:t>‹#›</a:t>
             </a:fld>
             <a:endParaRPr lang="en-US"/>
           </a:p>
@@ -476,7 +473,7 @@
 </file>
 
 <file path=ppt/slideLayouts/slideLayout1.xml><?xml version="1.0" encoding="utf-8"?>
-<p:sldLayout xmlns:a="http://schemas.openxmlformats.org/drawingml/2006/main" xmlns:r="http://schemas.openxmlformats.org/officeDocument/2006/relationships" xmlns:p="http://schemas.openxmlformats.org/presentationml/2006/main" showMasterSp="0" type="title" preserve="1">
+<p:sldLayout xmlns:a="http://schemas.openxmlformats.org/drawingml/2006/main" xmlns:r="http://schemas.openxmlformats.org/officeDocument/2006/relationships" xmlns:p="http://schemas.openxmlformats.org/presentationml/2006/main" type="title" preserve="1" showMasterSp="0">
   <p:cSld name="Title Slide">
     <p:spTree>
       <p:nvGrpSpPr>
@@ -878,7 +875,6 @@
           <a:p>
             <a:fld id="{9CC9E0FF-7D19-4510-9DCE-23D201D9E916}" type="datetime1">
               <a:rPr lang="en-US" smtClean="0"/>
-              <a:t>12/12/2021</a:t>
             </a:fld>
             <a:endParaRPr lang="en-US"/>
           </a:p>
@@ -929,18 +925,12 @@
           <a:p>
             <a:fld id="{040DEF24-717E-4741-8753-F7E431A261E5}" type="slidenum">
               <a:rPr lang="en-US" smtClean="0"/>
-              <a:t>‹#›</a:t>
             </a:fld>
             <a:endParaRPr lang="en-US"/>
           </a:p>
         </p:txBody>
       </p:sp>
     </p:spTree>
-    <p:extLst>
-      <p:ext uri="{BB962C8B-B14F-4D97-AF65-F5344CB8AC3E}">
-        <p14:creationId xmlns:p14="http://schemas.microsoft.com/office/powerpoint/2010/main" val="2019267981"/>
-      </p:ext>
-    </p:extLst>
   </p:cSld>
   <p:clrMapOvr>
     <a:masterClrMapping/>
@@ -1008,6 +998,7 @@
               <a:rPr lang="en-US" smtClean="0"/>
               <a:t>Edit Master text styles</a:t>
             </a:r>
+            <a:endParaRPr lang="en-US" smtClean="0"/>
           </a:p>
           <a:p>
             <a:pPr lvl="1"/>
@@ -1015,6 +1006,7 @@
               <a:rPr lang="en-US" smtClean="0"/>
               <a:t>Second level</a:t>
             </a:r>
+            <a:endParaRPr lang="en-US" smtClean="0"/>
           </a:p>
           <a:p>
             <a:pPr lvl="2"/>
@@ -1022,6 +1014,7 @@
               <a:rPr lang="en-US" smtClean="0"/>
               <a:t>Third level</a:t>
             </a:r>
+            <a:endParaRPr lang="en-US" smtClean="0"/>
           </a:p>
           <a:p>
             <a:pPr lvl="3"/>
@@ -1029,6 +1022,7 @@
               <a:rPr lang="en-US" smtClean="0"/>
               <a:t>Fourth level</a:t>
             </a:r>
+            <a:endParaRPr lang="en-US" smtClean="0"/>
           </a:p>
           <a:p>
             <a:pPr lvl="4"/>
@@ -1057,7 +1051,6 @@
           <a:p>
             <a:fld id="{02BE6C0D-AE79-4D98-BA3B-E3751AE5331F}" type="datetime1">
               <a:rPr lang="en-US" smtClean="0"/>
-              <a:t>12/12/2021</a:t>
             </a:fld>
             <a:endParaRPr lang="en-US"/>
           </a:p>
@@ -1099,18 +1092,12 @@
           <a:p>
             <a:fld id="{040DEF24-717E-4741-8753-F7E431A261E5}" type="slidenum">
               <a:rPr lang="en-US" smtClean="0"/>
-              <a:t>‹#›</a:t>
             </a:fld>
             <a:endParaRPr lang="en-US"/>
           </a:p>
         </p:txBody>
       </p:sp>
     </p:spTree>
-    <p:extLst>
-      <p:ext uri="{BB962C8B-B14F-4D97-AF65-F5344CB8AC3E}">
-        <p14:creationId xmlns:p14="http://schemas.microsoft.com/office/powerpoint/2010/main" val="1273978564"/>
-      </p:ext>
-    </p:extLst>
   </p:cSld>
   <p:clrMapOvr>
     <a:masterClrMapping/>
@@ -1188,6 +1175,7 @@
               <a:rPr lang="en-US" smtClean="0"/>
               <a:t>Edit Master text styles</a:t>
             </a:r>
+            <a:endParaRPr lang="en-US" smtClean="0"/>
           </a:p>
           <a:p>
             <a:pPr lvl="1"/>
@@ -1195,6 +1183,7 @@
               <a:rPr lang="en-US" smtClean="0"/>
               <a:t>Second level</a:t>
             </a:r>
+            <a:endParaRPr lang="en-US" smtClean="0"/>
           </a:p>
           <a:p>
             <a:pPr lvl="2"/>
@@ -1202,6 +1191,7 @@
               <a:rPr lang="en-US" smtClean="0"/>
               <a:t>Third level</a:t>
             </a:r>
+            <a:endParaRPr lang="en-US" smtClean="0"/>
           </a:p>
           <a:p>
             <a:pPr lvl="3"/>
@@ -1209,6 +1199,7 @@
               <a:rPr lang="en-US" smtClean="0"/>
               <a:t>Fourth level</a:t>
             </a:r>
+            <a:endParaRPr lang="en-US" smtClean="0"/>
           </a:p>
           <a:p>
             <a:pPr lvl="4"/>
@@ -1237,7 +1228,6 @@
           <a:p>
             <a:fld id="{64794B53-B5A7-48E6-89FC-70BEF208D151}" type="datetime1">
               <a:rPr lang="en-US" smtClean="0"/>
-              <a:t>12/12/2021</a:t>
             </a:fld>
             <a:endParaRPr lang="en-US"/>
           </a:p>
@@ -1279,18 +1269,12 @@
           <a:p>
             <a:fld id="{040DEF24-717E-4741-8753-F7E431A261E5}" type="slidenum">
               <a:rPr lang="en-US" smtClean="0"/>
-              <a:t>‹#›</a:t>
             </a:fld>
             <a:endParaRPr lang="en-US"/>
           </a:p>
         </p:txBody>
       </p:sp>
     </p:spTree>
-    <p:extLst>
-      <p:ext uri="{BB962C8B-B14F-4D97-AF65-F5344CB8AC3E}">
-        <p14:creationId xmlns:p14="http://schemas.microsoft.com/office/powerpoint/2010/main" val="954411345"/>
-      </p:ext>
-    </p:extLst>
   </p:cSld>
   <p:clrMapOvr>
     <a:masterClrMapping/>
@@ -1358,6 +1342,7 @@
               <a:rPr lang="en-US" smtClean="0"/>
               <a:t>Edit Master text styles</a:t>
             </a:r>
+            <a:endParaRPr lang="en-US" smtClean="0"/>
           </a:p>
           <a:p>
             <a:pPr lvl="1"/>
@@ -1365,6 +1350,7 @@
               <a:rPr lang="en-US" smtClean="0"/>
               <a:t>Second level</a:t>
             </a:r>
+            <a:endParaRPr lang="en-US" smtClean="0"/>
           </a:p>
           <a:p>
             <a:pPr lvl="2"/>
@@ -1372,6 +1358,7 @@
               <a:rPr lang="en-US" smtClean="0"/>
               <a:t>Third level</a:t>
             </a:r>
+            <a:endParaRPr lang="en-US" smtClean="0"/>
           </a:p>
           <a:p>
             <a:pPr lvl="3"/>
@@ -1379,6 +1366,7 @@
               <a:rPr lang="en-US" smtClean="0"/>
               <a:t>Fourth level</a:t>
             </a:r>
+            <a:endParaRPr lang="en-US" smtClean="0"/>
           </a:p>
           <a:p>
             <a:pPr lvl="4"/>
@@ -1407,7 +1395,6 @@
           <a:p>
             <a:fld id="{E4F4B884-B57B-462C-B739-9A72F1ADE961}" type="datetime1">
               <a:rPr lang="en-US" smtClean="0"/>
-              <a:t>12/12/2021</a:t>
             </a:fld>
             <a:endParaRPr lang="en-US"/>
           </a:p>
@@ -1449,18 +1436,12 @@
           <a:p>
             <a:fld id="{040DEF24-717E-4741-8753-F7E431A261E5}" type="slidenum">
               <a:rPr lang="en-US" smtClean="0"/>
-              <a:t>‹#›</a:t>
             </a:fld>
             <a:endParaRPr lang="en-US"/>
           </a:p>
         </p:txBody>
       </p:sp>
     </p:spTree>
-    <p:extLst>
-      <p:ext uri="{BB962C8B-B14F-4D97-AF65-F5344CB8AC3E}">
-        <p14:creationId xmlns:p14="http://schemas.microsoft.com/office/powerpoint/2010/main" val="2316485866"/>
-      </p:ext>
-    </p:extLst>
   </p:cSld>
   <p:clrMapOvr>
     <a:masterClrMapping/>
@@ -1469,7 +1450,7 @@
 </file>
 
 <file path=ppt/slideLayouts/slideLayout3.xml><?xml version="1.0" encoding="utf-8"?>
-<p:sldLayout xmlns:a="http://schemas.openxmlformats.org/drawingml/2006/main" xmlns:r="http://schemas.openxmlformats.org/officeDocument/2006/relationships" xmlns:p="http://schemas.openxmlformats.org/presentationml/2006/main" showMasterSp="0" type="secHead" preserve="1">
+<p:sldLayout xmlns:a="http://schemas.openxmlformats.org/drawingml/2006/main" xmlns:r="http://schemas.openxmlformats.org/officeDocument/2006/relationships" xmlns:p="http://schemas.openxmlformats.org/presentationml/2006/main" type="secHead" preserve="1" showMasterSp="0">
   <p:cSld name="Section Header">
     <p:spTree>
       <p:nvGrpSpPr>
@@ -1695,6 +1676,7 @@
               <a:rPr lang="en-US" smtClean="0"/>
               <a:t>Edit Master text styles</a:t>
             </a:r>
+            <a:endParaRPr lang="en-US" smtClean="0"/>
           </a:p>
         </p:txBody>
       </p:sp>
@@ -1720,7 +1702,6 @@
           <a:p>
             <a:fld id="{B9C8D748-A08B-490E-87AA-BC3835B708B2}" type="datetime1">
               <a:rPr lang="en-US" smtClean="0"/>
-              <a:t>12/12/2021</a:t>
             </a:fld>
             <a:endParaRPr lang="en-US"/>
           </a:p>
@@ -1860,18 +1841,12 @@
           <a:p>
             <a:fld id="{040DEF24-717E-4741-8753-F7E431A261E5}" type="slidenum">
               <a:rPr lang="en-US" smtClean="0"/>
-              <a:t>‹#›</a:t>
             </a:fld>
             <a:endParaRPr lang="en-US"/>
           </a:p>
         </p:txBody>
       </p:sp>
     </p:spTree>
-    <p:extLst>
-      <p:ext uri="{BB962C8B-B14F-4D97-AF65-F5344CB8AC3E}">
-        <p14:creationId xmlns:p14="http://schemas.microsoft.com/office/powerpoint/2010/main" val="2532839539"/>
-      </p:ext>
-    </p:extLst>
   </p:cSld>
   <p:clrMapOvr>
     <a:masterClrMapping/>
@@ -1972,6 +1947,7 @@
               <a:rPr lang="en-US" smtClean="0"/>
               <a:t>Edit Master text styles</a:t>
             </a:r>
+            <a:endParaRPr lang="en-US" smtClean="0"/>
           </a:p>
           <a:p>
             <a:pPr lvl="1"/>
@@ -1979,6 +1955,7 @@
               <a:rPr lang="en-US" smtClean="0"/>
               <a:t>Second level</a:t>
             </a:r>
+            <a:endParaRPr lang="en-US" smtClean="0"/>
           </a:p>
           <a:p>
             <a:pPr lvl="2"/>
@@ -1986,6 +1963,7 @@
               <a:rPr lang="en-US" smtClean="0"/>
               <a:t>Third level</a:t>
             </a:r>
+            <a:endParaRPr lang="en-US" smtClean="0"/>
           </a:p>
           <a:p>
             <a:pPr lvl="3"/>
@@ -1993,6 +1971,7 @@
               <a:rPr lang="en-US" smtClean="0"/>
               <a:t>Fourth level</a:t>
             </a:r>
+            <a:endParaRPr lang="en-US" smtClean="0"/>
           </a:p>
           <a:p>
             <a:pPr lvl="4"/>
@@ -2057,6 +2036,7 @@
               <a:rPr lang="en-US" smtClean="0"/>
               <a:t>Edit Master text styles</a:t>
             </a:r>
+            <a:endParaRPr lang="en-US" smtClean="0"/>
           </a:p>
           <a:p>
             <a:pPr lvl="1"/>
@@ -2064,6 +2044,7 @@
               <a:rPr lang="en-US" smtClean="0"/>
               <a:t>Second level</a:t>
             </a:r>
+            <a:endParaRPr lang="en-US" smtClean="0"/>
           </a:p>
           <a:p>
             <a:pPr lvl="2"/>
@@ -2071,6 +2052,7 @@
               <a:rPr lang="en-US" smtClean="0"/>
               <a:t>Third level</a:t>
             </a:r>
+            <a:endParaRPr lang="en-US" smtClean="0"/>
           </a:p>
           <a:p>
             <a:pPr lvl="3"/>
@@ -2078,6 +2060,7 @@
               <a:rPr lang="en-US" smtClean="0"/>
               <a:t>Fourth level</a:t>
             </a:r>
+            <a:endParaRPr lang="en-US" smtClean="0"/>
           </a:p>
           <a:p>
             <a:pPr lvl="4"/>
@@ -2106,7 +2089,6 @@
           <a:p>
             <a:fld id="{0FCBCAE6-D603-4735-B4B0-803AAA3FEC04}" type="datetime1">
               <a:rPr lang="en-US" smtClean="0"/>
-              <a:t>12/12/2021</a:t>
             </a:fld>
             <a:endParaRPr lang="en-US"/>
           </a:p>
@@ -2148,18 +2130,12 @@
           <a:p>
             <a:fld id="{040DEF24-717E-4741-8753-F7E431A261E5}" type="slidenum">
               <a:rPr lang="en-US" smtClean="0"/>
-              <a:t>‹#›</a:t>
             </a:fld>
             <a:endParaRPr lang="en-US"/>
           </a:p>
         </p:txBody>
       </p:sp>
     </p:spTree>
-    <p:extLst>
-      <p:ext uri="{BB962C8B-B14F-4D97-AF65-F5344CB8AC3E}">
-        <p14:creationId xmlns:p14="http://schemas.microsoft.com/office/powerpoint/2010/main" val="3095659412"/>
-      </p:ext>
-    </p:extLst>
   </p:cSld>
   <p:clrMapOvr>
     <a:masterClrMapping/>
@@ -2277,6 +2253,7 @@
               <a:rPr lang="en-US" smtClean="0"/>
               <a:t>Edit Master text styles</a:t>
             </a:r>
+            <a:endParaRPr lang="en-US" smtClean="0"/>
           </a:p>
         </p:txBody>
       </p:sp>
@@ -2333,6 +2310,7 @@
               <a:rPr lang="en-US" smtClean="0"/>
               <a:t>Edit Master text styles</a:t>
             </a:r>
+            <a:endParaRPr lang="en-US" smtClean="0"/>
           </a:p>
           <a:p>
             <a:pPr lvl="1"/>
@@ -2340,6 +2318,7 @@
               <a:rPr lang="en-US" smtClean="0"/>
               <a:t>Second level</a:t>
             </a:r>
+            <a:endParaRPr lang="en-US" smtClean="0"/>
           </a:p>
           <a:p>
             <a:pPr lvl="2"/>
@@ -2347,6 +2326,7 @@
               <a:rPr lang="en-US" smtClean="0"/>
               <a:t>Third level</a:t>
             </a:r>
+            <a:endParaRPr lang="en-US" smtClean="0"/>
           </a:p>
           <a:p>
             <a:pPr lvl="3"/>
@@ -2354,6 +2334,7 @@
               <a:rPr lang="en-US" smtClean="0"/>
               <a:t>Fourth level</a:t>
             </a:r>
+            <a:endParaRPr lang="en-US" smtClean="0"/>
           </a:p>
           <a:p>
             <a:pPr lvl="4"/>
@@ -2435,6 +2416,7 @@
               <a:rPr lang="en-US" smtClean="0"/>
               <a:t>Edit Master text styles</a:t>
             </a:r>
+            <a:endParaRPr lang="en-US" smtClean="0"/>
           </a:p>
         </p:txBody>
       </p:sp>
@@ -2491,6 +2473,7 @@
               <a:rPr lang="en-US" smtClean="0"/>
               <a:t>Edit Master text styles</a:t>
             </a:r>
+            <a:endParaRPr lang="en-US" smtClean="0"/>
           </a:p>
           <a:p>
             <a:pPr lvl="1"/>
@@ -2498,6 +2481,7 @@
               <a:rPr lang="en-US" smtClean="0"/>
               <a:t>Second level</a:t>
             </a:r>
+            <a:endParaRPr lang="en-US" smtClean="0"/>
           </a:p>
           <a:p>
             <a:pPr lvl="2"/>
@@ -2505,6 +2489,7 @@
               <a:rPr lang="en-US" smtClean="0"/>
               <a:t>Third level</a:t>
             </a:r>
+            <a:endParaRPr lang="en-US" smtClean="0"/>
           </a:p>
           <a:p>
             <a:pPr lvl="3"/>
@@ -2512,6 +2497,7 @@
               <a:rPr lang="en-US" smtClean="0"/>
               <a:t>Fourth level</a:t>
             </a:r>
+            <a:endParaRPr lang="en-US" smtClean="0"/>
           </a:p>
           <a:p>
             <a:pPr lvl="4"/>
@@ -2540,7 +2526,6 @@
           <a:p>
             <a:fld id="{17C15CAB-E48F-495C-92CD-4CF2B2C1B0ED}" type="datetime1">
               <a:rPr lang="en-US" smtClean="0"/>
-              <a:t>12/12/2021</a:t>
             </a:fld>
             <a:endParaRPr lang="en-US"/>
           </a:p>
@@ -2582,18 +2567,12 @@
           <a:p>
             <a:fld id="{040DEF24-717E-4741-8753-F7E431A261E5}" type="slidenum">
               <a:rPr lang="en-US" smtClean="0"/>
-              <a:t>‹#›</a:t>
             </a:fld>
             <a:endParaRPr lang="en-US"/>
           </a:p>
         </p:txBody>
       </p:sp>
     </p:spTree>
-    <p:extLst>
-      <p:ext uri="{BB962C8B-B14F-4D97-AF65-F5344CB8AC3E}">
-        <p14:creationId xmlns:p14="http://schemas.microsoft.com/office/powerpoint/2010/main" val="895330449"/>
-      </p:ext>
-    </p:extLst>
   </p:cSld>
   <p:clrMapOvr>
     <a:masterClrMapping/>
@@ -2658,7 +2637,6 @@
           <a:p>
             <a:fld id="{5302AA14-F259-4723-9AF0-36DE127C0145}" type="datetime1">
               <a:rPr lang="en-US" smtClean="0"/>
-              <a:t>12/12/2021</a:t>
             </a:fld>
             <a:endParaRPr lang="en-US"/>
           </a:p>
@@ -2700,18 +2678,12 @@
           <a:p>
             <a:fld id="{040DEF24-717E-4741-8753-F7E431A261E5}" type="slidenum">
               <a:rPr lang="en-US" smtClean="0"/>
-              <a:t>‹#›</a:t>
             </a:fld>
             <a:endParaRPr lang="en-US"/>
           </a:p>
         </p:txBody>
       </p:sp>
     </p:spTree>
-    <p:extLst>
-      <p:ext uri="{BB962C8B-B14F-4D97-AF65-F5344CB8AC3E}">
-        <p14:creationId xmlns:p14="http://schemas.microsoft.com/office/powerpoint/2010/main" val="2849345578"/>
-      </p:ext>
-    </p:extLst>
   </p:cSld>
   <p:clrMapOvr>
     <a:masterClrMapping/>
@@ -2753,7 +2725,6 @@
           <a:p>
             <a:fld id="{C9349F59-A2E8-4E73-9F17-B6C9798F4358}" type="datetime1">
               <a:rPr lang="en-US" smtClean="0"/>
-              <a:t>12/12/2021</a:t>
             </a:fld>
             <a:endParaRPr lang="en-US"/>
           </a:p>
@@ -2795,18 +2766,12 @@
           <a:p>
             <a:fld id="{040DEF24-717E-4741-8753-F7E431A261E5}" type="slidenum">
               <a:rPr lang="en-US" smtClean="0"/>
-              <a:t>‹#›</a:t>
             </a:fld>
             <a:endParaRPr lang="en-US"/>
           </a:p>
         </p:txBody>
       </p:sp>
     </p:spTree>
-    <p:extLst>
-      <p:ext uri="{BB962C8B-B14F-4D97-AF65-F5344CB8AC3E}">
-        <p14:creationId xmlns:p14="http://schemas.microsoft.com/office/powerpoint/2010/main" val="3159153963"/>
-      </p:ext>
-    </p:extLst>
   </p:cSld>
   <p:clrMapOvr>
     <a:masterClrMapping/>
@@ -2815,7 +2780,7 @@
 </file>
 
 <file path=ppt/slideLayouts/slideLayout8.xml><?xml version="1.0" encoding="utf-8"?>
-<p:sldLayout xmlns:a="http://schemas.openxmlformats.org/drawingml/2006/main" xmlns:r="http://schemas.openxmlformats.org/officeDocument/2006/relationships" xmlns:p="http://schemas.openxmlformats.org/presentationml/2006/main" showMasterSp="0" type="objTx" preserve="1">
+<p:sldLayout xmlns:a="http://schemas.openxmlformats.org/drawingml/2006/main" xmlns:r="http://schemas.openxmlformats.org/officeDocument/2006/relationships" xmlns:p="http://schemas.openxmlformats.org/presentationml/2006/main" type="objTx" preserve="1" showMasterSp="0">
   <p:cSld name="Content with Caption">
     <p:spTree>
       <p:nvGrpSpPr>
@@ -2975,6 +2940,7 @@
               <a:rPr lang="en-US" smtClean="0"/>
               <a:t>Edit Master text styles</a:t>
             </a:r>
+            <a:endParaRPr lang="en-US" smtClean="0"/>
           </a:p>
           <a:p>
             <a:pPr lvl="1"/>
@@ -2982,6 +2948,7 @@
               <a:rPr lang="en-US" smtClean="0"/>
               <a:t>Second level</a:t>
             </a:r>
+            <a:endParaRPr lang="en-US" smtClean="0"/>
           </a:p>
           <a:p>
             <a:pPr lvl="2"/>
@@ -2989,6 +2956,7 @@
               <a:rPr lang="en-US" smtClean="0"/>
               <a:t>Third level</a:t>
             </a:r>
+            <a:endParaRPr lang="en-US" smtClean="0"/>
           </a:p>
           <a:p>
             <a:pPr lvl="3"/>
@@ -2996,6 +2964,7 @@
               <a:rPr lang="en-US" smtClean="0"/>
               <a:t>Fourth level</a:t>
             </a:r>
+            <a:endParaRPr lang="en-US" smtClean="0"/>
           </a:p>
           <a:p>
             <a:pPr lvl="4"/>
@@ -3083,6 +3052,7 @@
               <a:rPr lang="en-US" smtClean="0"/>
               <a:t>Edit Master text styles</a:t>
             </a:r>
+            <a:endParaRPr lang="en-US" smtClean="0"/>
           </a:p>
         </p:txBody>
       </p:sp>
@@ -3103,7 +3073,6 @@
           <a:p>
             <a:fld id="{44F06C92-CE98-4B24-91B3-57666E0FED09}" type="datetime1">
               <a:rPr lang="en-US" smtClean="0"/>
-              <a:t>12/12/2021</a:t>
             </a:fld>
             <a:endParaRPr lang="en-US"/>
           </a:p>
@@ -3172,10 +3141,10 @@
                     <a14:imgProps xmlns:a14="http://schemas.microsoft.com/office/drawing/2010/main">
                       <a14:imgLayer r:embed="rId5">
                         <a14:imgEffect>
-                          <a14:saturation sat="95000"/>
+                          <a14:brightnessContrast bright="-40000" contrast="20000"/>
                         </a14:imgEffect>
                         <a14:imgEffect>
-                          <a14:brightnessContrast bright="-40000" contrast="20000"/>
+                          <a14:saturation sat="95000"/>
                         </a14:imgEffect>
                       </a14:imgLayer>
                     </a14:imgProps>
@@ -3234,18 +3203,12 @@
           <a:p>
             <a:fld id="{040DEF24-717E-4741-8753-F7E431A261E5}" type="slidenum">
               <a:rPr lang="en-US" smtClean="0"/>
-              <a:t>‹#›</a:t>
             </a:fld>
             <a:endParaRPr lang="en-US"/>
           </a:p>
         </p:txBody>
       </p:sp>
     </p:spTree>
-    <p:extLst>
-      <p:ext uri="{BB962C8B-B14F-4D97-AF65-F5344CB8AC3E}">
-        <p14:creationId xmlns:p14="http://schemas.microsoft.com/office/powerpoint/2010/main" val="56002536"/>
-      </p:ext>
-    </p:extLst>
   </p:cSld>
   <p:clrMapOvr>
     <a:masterClrMapping/>
@@ -3254,7 +3217,7 @@
 </file>
 
 <file path=ppt/slideLayouts/slideLayout9.xml><?xml version="1.0" encoding="utf-8"?>
-<p:sldLayout xmlns:a="http://schemas.openxmlformats.org/drawingml/2006/main" xmlns:r="http://schemas.openxmlformats.org/officeDocument/2006/relationships" xmlns:p="http://schemas.openxmlformats.org/presentationml/2006/main" showMasterSp="0" type="picTx" preserve="1">
+<p:sldLayout xmlns:a="http://schemas.openxmlformats.org/drawingml/2006/main" xmlns:r="http://schemas.openxmlformats.org/officeDocument/2006/relationships" xmlns:p="http://schemas.openxmlformats.org/presentationml/2006/main" type="picTx" preserve="1" showMasterSp="0">
   <p:cSld name="Picture with Caption">
     <p:spTree>
       <p:nvGrpSpPr>
@@ -3508,6 +3471,7 @@
               <a:rPr lang="en-US" smtClean="0"/>
               <a:t>Edit Master text styles</a:t>
             </a:r>
+            <a:endParaRPr lang="en-US" smtClean="0"/>
           </a:p>
         </p:txBody>
       </p:sp>
@@ -3528,7 +3492,6 @@
           <a:p>
             <a:fld id="{15CAC543-8889-4E95-B4AC-6EDFB98064E3}" type="datetime1">
               <a:rPr lang="en-US" smtClean="0"/>
-              <a:t>12/12/2021</a:t>
             </a:fld>
             <a:endParaRPr lang="en-US"/>
           </a:p>
@@ -3578,10 +3541,10 @@
                     <a14:imgProps xmlns:a14="http://schemas.microsoft.com/office/drawing/2010/main">
                       <a14:imgLayer r:embed="rId5">
                         <a14:imgEffect>
-                          <a14:saturation sat="95000"/>
+                          <a14:brightnessContrast bright="-40000" contrast="20000"/>
                         </a14:imgEffect>
                         <a14:imgEffect>
-                          <a14:brightnessContrast bright="-40000" contrast="20000"/>
+                          <a14:saturation sat="95000"/>
                         </a14:imgEffect>
                       </a14:imgLayer>
                     </a14:imgProps>
@@ -3640,18 +3603,12 @@
           <a:p>
             <a:fld id="{040DEF24-717E-4741-8753-F7E431A261E5}" type="slidenum">
               <a:rPr lang="en-US" smtClean="0"/>
-              <a:t>‹#›</a:t>
             </a:fld>
             <a:endParaRPr lang="en-US"/>
           </a:p>
         </p:txBody>
       </p:sp>
     </p:spTree>
-    <p:extLst>
-      <p:ext uri="{BB962C8B-B14F-4D97-AF65-F5344CB8AC3E}">
-        <p14:creationId xmlns:p14="http://schemas.microsoft.com/office/powerpoint/2010/main" val="1127244914"/>
-      </p:ext>
-    </p:extLst>
   </p:cSld>
   <p:clrMapOvr>
     <a:masterClrMapping/>
@@ -3744,6 +3701,7 @@
               <a:rPr lang="en-US" smtClean="0"/>
               <a:t>Edit Master text styles</a:t>
             </a:r>
+            <a:endParaRPr lang="en-US" smtClean="0"/>
           </a:p>
           <a:p>
             <a:pPr lvl="1"/>
@@ -3751,6 +3709,7 @@
               <a:rPr lang="en-US" smtClean="0"/>
               <a:t>Second level</a:t>
             </a:r>
+            <a:endParaRPr lang="en-US" smtClean="0"/>
           </a:p>
           <a:p>
             <a:pPr lvl="2"/>
@@ -3758,6 +3717,7 @@
               <a:rPr lang="en-US" smtClean="0"/>
               <a:t>Third level</a:t>
             </a:r>
+            <a:endParaRPr lang="en-US" smtClean="0"/>
           </a:p>
           <a:p>
             <a:pPr lvl="3"/>
@@ -3765,6 +3725,7 @@
               <a:rPr lang="en-US" smtClean="0"/>
               <a:t>Fourth level</a:t>
             </a:r>
+            <a:endParaRPr lang="en-US" smtClean="0"/>
           </a:p>
           <a:p>
             <a:pPr lvl="4"/>
@@ -3809,7 +3770,6 @@
           <a:p>
             <a:fld id="{BDFF3CA4-504F-4AB7-961C-755BCE655230}" type="datetime1">
               <a:rPr lang="en-US" smtClean="0"/>
-              <a:t>12/12/2021</a:t>
             </a:fld>
             <a:endParaRPr lang="en-US"/>
           </a:p>
@@ -3881,7 +3841,7 @@
               <a:avLst/>
             </a:prstGeom>
             <a:blipFill dpi="0" rotWithShape="1">
-              <a:blip r:embed="rId13">
+              <a:blip r:embed="rId12">
                 <a:duotone>
                   <a:schemeClr val="accent1">
                     <a:shade val="45000"/>
@@ -3892,12 +3852,12 @@
                 <a:extLst>
                   <a:ext uri="{BEBA8EAE-BF5A-486C-A8C5-ECC9F3942E4B}">
                     <a14:imgProps xmlns:a14="http://schemas.microsoft.com/office/drawing/2010/main">
-                      <a14:imgLayer r:embed="rId14">
+                      <a14:imgLayer r:embed="rId13">
+                        <a14:imgEffect>
+                          <a14:brightnessContrast bright="-40000" contrast="20000"/>
+                        </a14:imgEffect>
                         <a14:imgEffect>
                           <a14:saturation sat="95000"/>
-                        </a14:imgEffect>
-                        <a14:imgEffect>
-                          <a14:brightnessContrast bright="-40000" contrast="20000"/>
                         </a14:imgEffect>
                       </a14:imgLayer>
                     </a14:imgProps>
@@ -3973,32 +3933,26 @@
           <a:p>
             <a:fld id="{040DEF24-717E-4741-8753-F7E431A261E5}" type="slidenum">
               <a:rPr lang="en-US" smtClean="0"/>
-              <a:t>‹#›</a:t>
             </a:fld>
             <a:endParaRPr lang="en-US"/>
           </a:p>
         </p:txBody>
       </p:sp>
     </p:spTree>
-    <p:extLst>
-      <p:ext uri="{BB962C8B-B14F-4D97-AF65-F5344CB8AC3E}">
-        <p14:creationId xmlns:p14="http://schemas.microsoft.com/office/powerpoint/2010/main" val="1963410978"/>
-      </p:ext>
-    </p:extLst>
   </p:cSld>
   <p:clrMap bg1="lt1" tx1="dk1" bg2="lt2" tx2="dk2" accent1="accent1" accent2="accent2" accent3="accent3" accent4="accent4" accent5="accent5" accent6="accent6" hlink="hlink" folHlink="folHlink"/>
   <p:sldLayoutIdLst>
-    <p:sldLayoutId id="2147483661" r:id="rId1"/>
-    <p:sldLayoutId id="2147483662" r:id="rId2"/>
-    <p:sldLayoutId id="2147483663" r:id="rId3"/>
-    <p:sldLayoutId id="2147483664" r:id="rId4"/>
-    <p:sldLayoutId id="2147483665" r:id="rId5"/>
-    <p:sldLayoutId id="2147483666" r:id="rId6"/>
-    <p:sldLayoutId id="2147483667" r:id="rId7"/>
-    <p:sldLayoutId id="2147483668" r:id="rId8"/>
-    <p:sldLayoutId id="2147483669" r:id="rId9"/>
-    <p:sldLayoutId id="2147483670" r:id="rId10"/>
-    <p:sldLayoutId id="2147483671" r:id="rId11"/>
+    <p:sldLayoutId id="2147483649" r:id="rId1"/>
+    <p:sldLayoutId id="2147483650" r:id="rId2"/>
+    <p:sldLayoutId id="2147483651" r:id="rId3"/>
+    <p:sldLayoutId id="2147483652" r:id="rId4"/>
+    <p:sldLayoutId id="2147483653" r:id="rId5"/>
+    <p:sldLayoutId id="2147483654" r:id="rId6"/>
+    <p:sldLayoutId id="2147483655" r:id="rId7"/>
+    <p:sldLayoutId id="2147483656" r:id="rId8"/>
+    <p:sldLayoutId id="2147483657" r:id="rId9"/>
+    <p:sldLayoutId id="2147483658" r:id="rId10"/>
+    <p:sldLayoutId id="2147483659" r:id="rId11"/>
   </p:sldLayoutIdLst>
   <p:hf hdr="0" ftr="0" dt="0"/>
   <p:txStyles>
@@ -4013,7 +3967,7 @@
         <a:buNone/>
         <a:defRPr sz="5400" kern="1200" cap="all" baseline="0">
           <a:blipFill>
-            <a:blip r:embed="rId15">
+            <a:blip r:embed="rId14">
               <a:extLst>
                 <a:ext uri="{28A0092B-C50C-407E-A947-70E740481C1C}">
                   <a14:useLocalDpi xmlns:a14="http://schemas.microsoft.com/office/drawing/2010/main" val="0"/>
@@ -4042,7 +3996,7 @@
           </a:schemeClr>
         </a:buClr>
         <a:buSzPct val="85000"/>
-        <a:buFont typeface="Wingdings" pitchFamily="2" charset="2"/>
+        <a:buFont typeface="Wingdings" panose="05000000000000000000" pitchFamily="2" charset="2"/>
         <a:buChar char="§"/>
         <a:defRPr sz="2000" kern="1200">
           <a:solidFill>
@@ -4069,7 +4023,7 @@
           </a:schemeClr>
         </a:buClr>
         <a:buSzPct val="85000"/>
-        <a:buFont typeface="Wingdings" pitchFamily="2" charset="2"/>
+        <a:buFont typeface="Wingdings" panose="05000000000000000000" pitchFamily="2" charset="2"/>
         <a:buChar char="§"/>
         <a:defRPr sz="1800" kern="1200">
           <a:solidFill>
@@ -4096,7 +4050,7 @@
           </a:schemeClr>
         </a:buClr>
         <a:buSzPct val="85000"/>
-        <a:buFont typeface="Wingdings" pitchFamily="2" charset="2"/>
+        <a:buFont typeface="Wingdings" panose="05000000000000000000" pitchFamily="2" charset="2"/>
         <a:buChar char="§"/>
         <a:defRPr sz="1600" kern="1200">
           <a:solidFill>
@@ -4123,7 +4077,7 @@
           </a:schemeClr>
         </a:buClr>
         <a:buSzPct val="85000"/>
-        <a:buFont typeface="Wingdings" pitchFamily="2" charset="2"/>
+        <a:buFont typeface="Wingdings" panose="05000000000000000000" pitchFamily="2" charset="2"/>
         <a:buChar char="§"/>
         <a:defRPr sz="1600" kern="1200">
           <a:solidFill>
@@ -4150,7 +4104,7 @@
           </a:schemeClr>
         </a:buClr>
         <a:buSzPct val="85000"/>
-        <a:buFont typeface="Wingdings" pitchFamily="2" charset="2"/>
+        <a:buFont typeface="Wingdings" panose="05000000000000000000" pitchFamily="2" charset="2"/>
         <a:buChar char="§"/>
         <a:defRPr sz="1600" kern="1200">
           <a:solidFill>
@@ -4161,7 +4115,7 @@
           <a:cs typeface="+mn-cs"/>
         </a:defRPr>
       </a:lvl5pPr>
-      <a:lvl6pPr marL="1600000" indent="-228600" algn="l" defTabSz="914400" rtl="0" eaLnBrk="1" latinLnBrk="0" hangingPunct="1">
+      <a:lvl6pPr marL="1600200" indent="-228600" algn="l" defTabSz="914400" rtl="0" eaLnBrk="1" latinLnBrk="0" hangingPunct="1">
         <a:lnSpc>
           <a:spcPct val="90000"/>
         </a:lnSpc>
@@ -4177,7 +4131,7 @@
           </a:schemeClr>
         </a:buClr>
         <a:buSzPct val="85000"/>
-        <a:buFont typeface="Wingdings" pitchFamily="2" charset="2"/>
+        <a:buFont typeface="Wingdings" panose="05000000000000000000" pitchFamily="2" charset="2"/>
         <a:buChar char="§"/>
         <a:defRPr sz="1600" kern="1200">
           <a:solidFill>
@@ -4188,7 +4142,7 @@
           <a:cs typeface="+mn-cs"/>
         </a:defRPr>
       </a:lvl6pPr>
-      <a:lvl7pPr marL="1900000" indent="-228600" algn="l" defTabSz="914400" rtl="0" eaLnBrk="1" latinLnBrk="0" hangingPunct="1">
+      <a:lvl7pPr marL="1899920" indent="-228600" algn="l" defTabSz="914400" rtl="0" eaLnBrk="1" latinLnBrk="0" hangingPunct="1">
         <a:lnSpc>
           <a:spcPct val="90000"/>
         </a:lnSpc>
@@ -4204,7 +4158,7 @@
           </a:schemeClr>
         </a:buClr>
         <a:buSzPct val="85000"/>
-        <a:buFont typeface="Wingdings" pitchFamily="2" charset="2"/>
+        <a:buFont typeface="Wingdings" panose="05000000000000000000" pitchFamily="2" charset="2"/>
         <a:buChar char="§"/>
         <a:defRPr sz="1600" kern="1200">
           <a:solidFill>
@@ -4215,7 +4169,7 @@
           <a:cs typeface="+mn-cs"/>
         </a:defRPr>
       </a:lvl7pPr>
-      <a:lvl8pPr marL="2200000" indent="-228600" algn="l" defTabSz="914400" rtl="0" eaLnBrk="1" latinLnBrk="0" hangingPunct="1">
+      <a:lvl8pPr marL="2200275" indent="-228600" algn="l" defTabSz="914400" rtl="0" eaLnBrk="1" latinLnBrk="0" hangingPunct="1">
         <a:lnSpc>
           <a:spcPct val="90000"/>
         </a:lnSpc>
@@ -4231,7 +4185,7 @@
           </a:schemeClr>
         </a:buClr>
         <a:buSzPct val="85000"/>
-        <a:buFont typeface="Wingdings" pitchFamily="2" charset="2"/>
+        <a:buFont typeface="Wingdings" panose="05000000000000000000" pitchFamily="2" charset="2"/>
         <a:buChar char="§"/>
         <a:defRPr sz="1600" kern="1200">
           <a:solidFill>
@@ -4242,7 +4196,7 @@
           <a:cs typeface="+mn-cs"/>
         </a:defRPr>
       </a:lvl8pPr>
-      <a:lvl9pPr marL="2500000" indent="-228600" algn="l" defTabSz="914400" rtl="0" eaLnBrk="1" latinLnBrk="0" hangingPunct="1">
+      <a:lvl9pPr marL="2499995" indent="-228600" algn="l" defTabSz="914400" rtl="0" eaLnBrk="1" latinLnBrk="0" hangingPunct="1">
         <a:lnSpc>
           <a:spcPct val="90000"/>
         </a:lnSpc>
@@ -4258,7 +4212,7 @@
           </a:schemeClr>
         </a:buClr>
         <a:buSzPct val="85000"/>
-        <a:buFont typeface="Wingdings" pitchFamily="2" charset="2"/>
+        <a:buFont typeface="Wingdings" panose="05000000000000000000" pitchFamily="2" charset="2"/>
         <a:buChar char="§"/>
         <a:defRPr sz="1600" kern="1200">
           <a:solidFill>
@@ -4495,7 +4449,7 @@
           <p:nvPr/>
         </p:nvPicPr>
         <p:blipFill>
-          <a:blip r:embed="rId2" cstate="print">
+          <a:blip r:embed="rId1" cstate="print">
             <a:extLst>
               <a:ext uri="{28A0092B-C50C-407E-A947-70E740481C1C}">
                 <a14:useLocalDpi xmlns:a14="http://schemas.microsoft.com/office/drawing/2010/main" val="0"/>
@@ -4951,6 +4905,10 @@
               </a:rPr>
               <a:t>2</a:t>
             </a:r>
+            <a:endParaRPr lang="en-US" sz="1600" b="1" dirty="0">
+              <a:latin typeface="Arial" panose="020B0604020202020204" pitchFamily="34" charset="0"/>
+              <a:cs typeface="Arial" panose="020B0604020202020204" pitchFamily="34" charset="0"/>
+            </a:endParaRPr>
           </a:p>
         </p:txBody>
       </p:sp>
@@ -4984,6 +4942,10 @@
               </a:rPr>
               <a:t>2017 - 2022 </a:t>
             </a:r>
+            <a:endParaRPr lang="en-US" sz="1600" b="1" dirty="0" smtClean="0">
+              <a:latin typeface="Arial" panose="020B0604020202020204" pitchFamily="34" charset="0"/>
+              <a:cs typeface="Arial" panose="020B0604020202020204" pitchFamily="34" charset="0"/>
+            </a:endParaRPr>
           </a:p>
         </p:txBody>
       </p:sp>
@@ -5225,7 +5187,7 @@
                         <p:par>
                           <p:cTn id="14" fill="hold">
                             <p:stCondLst>
-                              <p:cond delay="2000"/>
+                              <p:cond delay="500"/>
                             </p:stCondLst>
                             <p:childTnLst>
                               <p:par>
@@ -5339,7 +5301,7 @@
                         <p:par>
                           <p:cTn id="24" fill="hold">
                             <p:stCondLst>
-                              <p:cond delay="2600"/>
+                              <p:cond delay="1000"/>
                             </p:stCondLst>
                             <p:childTnLst>
                               <p:par>
@@ -5566,7 +5528,7 @@
             <a:r>
               <a:rPr lang="en-US" sz="4000" b="1" spc="50" dirty="0" smtClean="0">
                 <a:blipFill>
-                  <a:blip r:embed="rId2">
+                  <a:blip r:embed="rId1">
                     <a:extLst>
                       <a:ext uri="{28A0092B-C50C-407E-A947-70E740481C1C}">
                         <a14:useLocalDpi xmlns:a14="http://schemas.microsoft.com/office/drawing/2010/main" val="0"/>
@@ -5605,7 +5567,6 @@
           <a:p>
             <a:fld id="{040DEF24-717E-4741-8753-F7E431A261E5}" type="slidenum">
               <a:rPr lang="en-US" smtClean="0"/>
-              <a:t>10</a:t>
             </a:fld>
             <a:endParaRPr lang="en-US"/>
           </a:p>
@@ -5703,6 +5664,16 @@
               </a:rPr>
               <a:t>XÂY DỰNG ĐỊNH DẠNG LƯU TRỮ CHUNG TRONG HỆ THỐNG</a:t>
             </a:r>
+            <a:endParaRPr lang="en-US" b="1" dirty="0">
+              <a:solidFill>
+                <a:schemeClr val="accent2">
+                  <a:lumMod val="50000"/>
+                </a:schemeClr>
+              </a:solidFill>
+              <a:latin typeface="Arial" panose="020B0604020202020204" pitchFamily="34" charset="0"/>
+              <a:ea typeface="Roboto" panose="02000000000000000000" pitchFamily="2" charset="0"/>
+              <a:cs typeface="Arial" panose="020B0604020202020204" pitchFamily="34" charset="0"/>
+            </a:endParaRPr>
           </a:p>
         </p:txBody>
       </p:sp>
@@ -5751,6 +5722,16 @@
               </a:rPr>
               <a:t>XÂY DỰNG HỆ THỐNG DNS </a:t>
             </a:r>
+            <a:endParaRPr lang="en-US" b="1" dirty="0">
+              <a:solidFill>
+                <a:schemeClr val="accent2">
+                  <a:lumMod val="50000"/>
+                </a:schemeClr>
+              </a:solidFill>
+              <a:latin typeface="Arial" panose="020B0604020202020204" pitchFamily="34" charset="0"/>
+              <a:ea typeface="Roboto" panose="02000000000000000000" pitchFamily="2" charset="0"/>
+              <a:cs typeface="Arial" panose="020B0604020202020204" pitchFamily="34" charset="0"/>
+            </a:endParaRPr>
           </a:p>
         </p:txBody>
       </p:sp>
@@ -6060,6 +6041,10 @@
               </a:rPr>
               <a:t>Xây dựng quy trình xử lý thông tin đăng kí node và account admin tham gia vào hệ thống Blockchain.</a:t>
             </a:r>
+            <a:endParaRPr lang="en-US" sz="1400" dirty="0" smtClean="0">
+              <a:latin typeface="Arial" panose="020B0604020202020204" pitchFamily="34" charset="0"/>
+              <a:cs typeface="Arial" panose="020B0604020202020204" pitchFamily="34" charset="0"/>
+            </a:endParaRPr>
           </a:p>
         </p:txBody>
       </p:sp>
@@ -6176,6 +6161,10 @@
               </a:rPr>
               <a:t>Xây dựng xử lý phân quyền giữa các loại người dùng khác nhau ( Hoster,  Admin, Client ).</a:t>
             </a:r>
+            <a:endParaRPr lang="en-US" sz="1400" dirty="0" smtClean="0">
+              <a:latin typeface="Arial" panose="020B0604020202020204" pitchFamily="34" charset="0"/>
+              <a:cs typeface="Arial" panose="020B0604020202020204" pitchFamily="34" charset="0"/>
+            </a:endParaRPr>
           </a:p>
         </p:txBody>
       </p:sp>
@@ -6342,6 +6331,10 @@
               </a:rPr>
               <a:t>Viết bằng Python Flask</a:t>
             </a:r>
+            <a:endParaRPr lang="en-US" sz="1400" b="1" dirty="0" smtClean="0">
+              <a:latin typeface="Arial" panose="020B0604020202020204" pitchFamily="34" charset="0"/>
+              <a:cs typeface="Arial" panose="020B0604020202020204" pitchFamily="34" charset="0"/>
+            </a:endParaRPr>
           </a:p>
         </p:txBody>
       </p:sp>
@@ -6374,6 +6367,10 @@
               </a:rPr>
               <a:t>Viết bằng Python Socket</a:t>
             </a:r>
+            <a:endParaRPr lang="en-US" sz="1400" b="1" dirty="0" smtClean="0">
+              <a:latin typeface="Arial" panose="020B0604020202020204" pitchFamily="34" charset="0"/>
+              <a:cs typeface="Arial" panose="020B0604020202020204" pitchFamily="34" charset="0"/>
+            </a:endParaRPr>
           </a:p>
         </p:txBody>
       </p:sp>
@@ -6419,13 +6416,7 @@
           <p:cNvGraphicFramePr>
             <a:graphicFrameLocks noGrp="1"/>
           </p:cNvGraphicFramePr>
-          <p:nvPr>
-            <p:extLst>
-              <p:ext uri="{D42A27DB-BD31-4B8C-83A1-F6EECF244321}">
-                <p14:modId xmlns:p14="http://schemas.microsoft.com/office/powerpoint/2010/main" val="307060737"/>
-              </p:ext>
-            </p:extLst>
-          </p:nvPr>
+          <p:nvPr/>
         </p:nvGraphicFramePr>
         <p:xfrm>
           <a:off x="6005026" y="1510258"/>
@@ -6438,20 +6429,8 @@
                 <a:tableStyleId>{7DF18680-E054-41AD-8BC1-D1AEF772440D}</a:tableStyleId>
               </a:tblPr>
               <a:tblGrid>
-                <a:gridCol w="1666719">
-                  <a:extLst>
-                    <a:ext uri="{9D8B030D-6E8A-4147-A177-3AD203B41FA5}">
-                      <a16:colId xmlns:a16="http://schemas.microsoft.com/office/drawing/2014/main" val="4201263822"/>
-                    </a:ext>
-                  </a:extLst>
-                </a:gridCol>
-                <a:gridCol w="3791741">
-                  <a:extLst>
-                    <a:ext uri="{9D8B030D-6E8A-4147-A177-3AD203B41FA5}">
-                      <a16:colId xmlns:a16="http://schemas.microsoft.com/office/drawing/2014/main" val="3429088864"/>
-                    </a:ext>
-                  </a:extLst>
-                </a:gridCol>
+                <a:gridCol w="1666719"/>
+                <a:gridCol w="3791741"/>
               </a:tblGrid>
               <a:tr h="200025">
                 <a:tc>
@@ -6530,11 +6509,6 @@
                   </a:txBody>
                   <a:tcPr marL="28575" marR="28575" marT="19050" marB="19050" anchor="ctr"/>
                 </a:tc>
-                <a:extLst>
-                  <a:ext uri="{0D108BD9-81ED-4DB2-BD59-A6C34878D82A}">
-                    <a16:rowId xmlns:a16="http://schemas.microsoft.com/office/drawing/2014/main" val="2820633989"/>
-                  </a:ext>
-                </a:extLst>
               </a:tr>
               <a:tr h="200025">
                 <a:tc>
@@ -6629,11 +6603,6 @@
                   </a:txBody>
                   <a:tcPr marL="28575" marR="28575" marT="19050" marB="19050" anchor="ctr"/>
                 </a:tc>
-                <a:extLst>
-                  <a:ext uri="{0D108BD9-81ED-4DB2-BD59-A6C34878D82A}">
-                    <a16:rowId xmlns:a16="http://schemas.microsoft.com/office/drawing/2014/main" val="3929702570"/>
-                  </a:ext>
-                </a:extLst>
               </a:tr>
               <a:tr h="200025">
                 <a:tc>
@@ -6728,11 +6697,6 @@
                   </a:txBody>
                   <a:tcPr marL="28575" marR="28575" marT="19050" marB="19050" anchor="ctr"/>
                 </a:tc>
-                <a:extLst>
-                  <a:ext uri="{0D108BD9-81ED-4DB2-BD59-A6C34878D82A}">
-                    <a16:rowId xmlns:a16="http://schemas.microsoft.com/office/drawing/2014/main" val="3449451495"/>
-                  </a:ext>
-                </a:extLst>
               </a:tr>
               <a:tr h="200025">
                 <a:tc>
@@ -6803,11 +6767,6 @@
                   </a:txBody>
                   <a:tcPr marL="28575" marR="28575" marT="19050" marB="19050" anchor="ctr"/>
                 </a:tc>
-                <a:extLst>
-                  <a:ext uri="{0D108BD9-81ED-4DB2-BD59-A6C34878D82A}">
-                    <a16:rowId xmlns:a16="http://schemas.microsoft.com/office/drawing/2014/main" val="4062855595"/>
-                  </a:ext>
-                </a:extLst>
               </a:tr>
               <a:tr h="200025">
                 <a:tc>
@@ -6878,11 +6837,6 @@
                   </a:txBody>
                   <a:tcPr marL="28575" marR="28575" marT="19050" marB="19050" anchor="ctr"/>
                 </a:tc>
-                <a:extLst>
-                  <a:ext uri="{0D108BD9-81ED-4DB2-BD59-A6C34878D82A}">
-                    <a16:rowId xmlns:a16="http://schemas.microsoft.com/office/drawing/2014/main" val="188921536"/>
-                  </a:ext>
-                </a:extLst>
               </a:tr>
             </a:tbl>
           </a:graphicData>
@@ -6925,11 +6879,6 @@
         </p:txBody>
       </p:sp>
     </p:spTree>
-    <p:extLst>
-      <p:ext uri="{BB962C8B-B14F-4D97-AF65-F5344CB8AC3E}">
-        <p14:creationId xmlns:p14="http://schemas.microsoft.com/office/powerpoint/2010/main" val="1527823203"/>
-      </p:ext>
-    </p:extLst>
   </p:cSld>
   <p:clrMapOvr>
     <a:masterClrMapping/>
@@ -7819,7 +7768,6 @@
           <a:p>
             <a:fld id="{040DEF24-717E-4741-8753-F7E431A261E5}" type="slidenum">
               <a:rPr lang="en-US" smtClean="0"/>
-              <a:t>11</a:t>
             </a:fld>
             <a:endParaRPr lang="en-US"/>
           </a:p>
@@ -8003,6 +7951,11 @@
               </a:rPr>
               <a:t>node với port bất kì, thực hiện thêm 5 giao dịch tên miền khác và phân giải tên miền thông qua máy chính. </a:t>
             </a:r>
+            <a:endParaRPr lang="en-US" sz="1400" dirty="0">
+              <a:latin typeface="Arial" panose="020B0604020202020204" pitchFamily="34" charset="0"/>
+              <a:ea typeface="Calibri" panose="020F0502020204030204" pitchFamily="34" charset="0"/>
+              <a:cs typeface="Arial" panose="020B0604020202020204" pitchFamily="34" charset="0"/>
+            </a:endParaRPr>
           </a:p>
         </p:txBody>
       </p:sp>
@@ -8921,11 +8874,6 @@
         </p:sp>
       </p:grpSp>
     </p:spTree>
-    <p:extLst>
-      <p:ext uri="{BB962C8B-B14F-4D97-AF65-F5344CB8AC3E}">
-        <p14:creationId xmlns:p14="http://schemas.microsoft.com/office/powerpoint/2010/main" val="3835862738"/>
-      </p:ext>
-    </p:extLst>
   </p:cSld>
   <p:clrMapOvr>
     <a:masterClrMapping/>
@@ -9174,7 +9122,7 @@
             <a:r>
               <a:rPr lang="en-US" sz="4000" b="1" spc="50" dirty="0" smtClean="0">
                 <a:blipFill>
-                  <a:blip r:embed="rId2">
+                  <a:blip r:embed="rId1">
                     <a:extLst>
                       <a:ext uri="{28A0092B-C50C-407E-A947-70E740481C1C}">
                         <a14:useLocalDpi xmlns:a14="http://schemas.microsoft.com/office/drawing/2010/main" val="0"/>
@@ -9213,7 +9161,6 @@
           <a:p>
             <a:fld id="{040DEF24-717E-4741-8753-F7E431A261E5}" type="slidenum">
               <a:rPr lang="en-US" smtClean="0"/>
-              <a:t>12</a:t>
             </a:fld>
             <a:endParaRPr lang="en-US"/>
           </a:p>
@@ -9321,6 +9268,16 @@
               </a:rPr>
               <a:t>2 </a:t>
             </a:r>
+            <a:endParaRPr lang="en-US" sz="2400" b="1" dirty="0" smtClean="0">
+              <a:solidFill>
+                <a:schemeClr val="accent2">
+                  <a:lumMod val="50000"/>
+                </a:schemeClr>
+              </a:solidFill>
+              <a:latin typeface="Arial" panose="020B0604020202020204" pitchFamily="34" charset="0"/>
+              <a:ea typeface="Roboto" panose="02000000000000000000" pitchFamily="2" charset="0"/>
+              <a:cs typeface="Arial" panose="020B0604020202020204" pitchFamily="34" charset="0"/>
+            </a:endParaRPr>
           </a:p>
           <a:p>
             <a:pPr lvl="0" algn="just">
@@ -9355,6 +9312,11 @@
               </a:rPr>
               <a:t>)</a:t>
             </a:r>
+            <a:endParaRPr lang="en-US" sz="1400" dirty="0" smtClean="0">
+              <a:latin typeface="Arial" panose="020B0604020202020204" pitchFamily="34" charset="0"/>
+              <a:ea typeface="Calibri" panose="020F0502020204030204" pitchFamily="34" charset="0"/>
+              <a:cs typeface="Arial" panose="020B0604020202020204" pitchFamily="34" charset="0"/>
+            </a:endParaRPr>
           </a:p>
           <a:p>
             <a:pPr lvl="0" algn="just">
@@ -9389,6 +9351,11 @@
               </a:rPr>
               <a:t>ảo.</a:t>
             </a:r>
+            <a:endParaRPr lang="en-US" sz="1400" dirty="0" smtClean="0">
+              <a:latin typeface="Arial" panose="020B0604020202020204" pitchFamily="34" charset="0"/>
+              <a:ea typeface="Calibri" panose="020F0502020204030204" pitchFamily="34" charset="0"/>
+              <a:cs typeface="Arial" panose="020B0604020202020204" pitchFamily="34" charset="0"/>
+            </a:endParaRPr>
           </a:p>
           <a:p>
             <a:pPr lvl="0" algn="just">
@@ -9415,6 +9382,11 @@
               </a:rPr>
               <a:t>node với port bất kì, thực hiện thêm 5 giao dịch tên miền khác và phân giải tên miền thông qua một máy ảo. </a:t>
             </a:r>
+            <a:endParaRPr lang="en-US" sz="1400" dirty="0">
+              <a:latin typeface="Arial" panose="020B0604020202020204" pitchFamily="34" charset="0"/>
+              <a:ea typeface="Calibri" panose="020F0502020204030204" pitchFamily="34" charset="0"/>
+              <a:cs typeface="Arial" panose="020B0604020202020204" pitchFamily="34" charset="0"/>
+            </a:endParaRPr>
           </a:p>
         </p:txBody>
       </p:sp>
@@ -10413,11 +10385,6 @@
         </p:txBody>
       </p:sp>
     </p:spTree>
-    <p:extLst>
-      <p:ext uri="{BB962C8B-B14F-4D97-AF65-F5344CB8AC3E}">
-        <p14:creationId xmlns:p14="http://schemas.microsoft.com/office/powerpoint/2010/main" val="1409719431"/>
-      </p:ext>
-    </p:extLst>
   </p:cSld>
   <p:clrMapOvr>
     <a:masterClrMapping/>
@@ -10738,7 +10705,7 @@
             <a:r>
               <a:rPr lang="en-US" sz="4000" b="1" spc="50" dirty="0" smtClean="0">
                 <a:blipFill>
-                  <a:blip r:embed="rId2">
+                  <a:blip r:embed="rId1">
                     <a:extLst>
                       <a:ext uri="{28A0092B-C50C-407E-A947-70E740481C1C}">
                         <a14:useLocalDpi xmlns:a14="http://schemas.microsoft.com/office/drawing/2010/main" val="0"/>
@@ -10777,7 +10744,6 @@
           <a:p>
             <a:fld id="{040DEF24-717E-4741-8753-F7E431A261E5}" type="slidenum">
               <a:rPr lang="en-US" smtClean="0"/>
-              <a:t>13</a:t>
             </a:fld>
             <a:endParaRPr lang="en-US"/>
           </a:p>
@@ -10926,6 +10892,11 @@
               </a:rPr>
               <a:t>ảo.</a:t>
             </a:r>
+            <a:endParaRPr lang="en-US" sz="1400" dirty="0" smtClean="0">
+              <a:latin typeface="Arial" panose="020B0604020202020204" pitchFamily="34" charset="0"/>
+              <a:ea typeface="Calibri" panose="020F0502020204030204" pitchFamily="34" charset="0"/>
+              <a:cs typeface="Arial" panose="020B0604020202020204" pitchFamily="34" charset="0"/>
+            </a:endParaRPr>
           </a:p>
           <a:p>
             <a:pPr lvl="0" algn="just">
@@ -10952,6 +10923,11 @@
               </a:rPr>
               <a:t>node có port khác, đăng nhập với vai trò là admin, thực hiện thêm 5 giao dịch tên miền cộng 1 giao dịch có tên miền trỏ vào địa chỉ của web server máy ảo và tiến hành phân giải trên máy ảo.</a:t>
             </a:r>
+            <a:endParaRPr lang="en-US" sz="1400" dirty="0">
+              <a:latin typeface="Arial" panose="020B0604020202020204" pitchFamily="34" charset="0"/>
+              <a:ea typeface="Calibri" panose="020F0502020204030204" pitchFamily="34" charset="0"/>
+              <a:cs typeface="Arial" panose="020B0604020202020204" pitchFamily="34" charset="0"/>
+            </a:endParaRPr>
           </a:p>
         </p:txBody>
       </p:sp>
@@ -11950,11 +11926,6 @@
         </p:txBody>
       </p:sp>
     </p:spTree>
-    <p:extLst>
-      <p:ext uri="{BB962C8B-B14F-4D97-AF65-F5344CB8AC3E}">
-        <p14:creationId xmlns:p14="http://schemas.microsoft.com/office/powerpoint/2010/main" val="2607231508"/>
-      </p:ext>
-    </p:extLst>
   </p:cSld>
   <p:clrMapOvr>
     <a:masterClrMapping/>
@@ -12303,7 +12274,6 @@
           <a:p>
             <a:fld id="{040DEF24-717E-4741-8753-F7E431A261E5}" type="slidenum">
               <a:rPr lang="en-US" smtClean="0"/>
-              <a:t>14</a:t>
             </a:fld>
             <a:endParaRPr lang="en-US"/>
           </a:p>
@@ -12362,6 +12332,13 @@
               </a:rPr>
               <a:t>Blockchain là một giải pháp khả thi hiện nay, vừa phần nào giải quyết được bài toán bảo mật, vừa mang lại cơ hội khai thác phát triển triệt để giá trị của tên miền. </a:t>
             </a:r>
+            <a:endParaRPr lang="en-US" sz="1600" b="1" spc="50" dirty="0">
+              <a:solidFill>
+                <a:schemeClr val="accent2"/>
+              </a:solidFill>
+              <a:latin typeface="Arial" panose="020B0604020202020204" pitchFamily="34" charset="0"/>
+              <a:cs typeface="Arial" panose="020B0604020202020204" pitchFamily="34" charset="0"/>
+            </a:endParaRPr>
           </a:p>
         </p:txBody>
       </p:sp>
@@ -12411,6 +12388,16 @@
               </a:rPr>
               <a:t>Tóm tắt những điều mà đề tài đã đạt được:</a:t>
             </a:r>
+            <a:endParaRPr lang="en-US" sz="2400" b="1" dirty="0">
+              <a:solidFill>
+                <a:schemeClr val="accent2">
+                  <a:lumMod val="50000"/>
+                </a:schemeClr>
+              </a:solidFill>
+              <a:latin typeface="Roboto" panose="02000000000000000000" pitchFamily="2" charset="0"/>
+              <a:ea typeface="Roboto" panose="02000000000000000000" pitchFamily="2" charset="0"/>
+              <a:cs typeface="Arial" panose="020B0604020202020204" pitchFamily="34" charset="0"/>
+            </a:endParaRPr>
           </a:p>
           <a:p>
             <a:pPr marL="285750" lvl="0" indent="-285750">
@@ -12433,6 +12420,10 @@
               </a:rPr>
               <a:t>Nêu rõ khái niệm, điểm mạnh và yếu của DNS server và cách DNS server hiện tại hoạt động.</a:t>
             </a:r>
+            <a:endParaRPr lang="en-US" sz="1400" dirty="0">
+              <a:latin typeface="Arial" panose="020B0604020202020204" pitchFamily="34" charset="0"/>
+              <a:cs typeface="Arial" panose="020B0604020202020204" pitchFamily="34" charset="0"/>
+            </a:endParaRPr>
           </a:p>
           <a:p>
             <a:pPr marL="285750" lvl="0" indent="-285750">
@@ -12455,6 +12446,10 @@
               </a:rPr>
               <a:t>Nêu rõ khái niệm, điểm mạnh và yếu của Blockchain và hiểu thêm về giải pháp DNS phát triển bằng công nghệ Blockchain.</a:t>
             </a:r>
+            <a:endParaRPr lang="en-US" sz="1400" dirty="0">
+              <a:latin typeface="Arial" panose="020B0604020202020204" pitchFamily="34" charset="0"/>
+              <a:cs typeface="Arial" panose="020B0604020202020204" pitchFamily="34" charset="0"/>
+            </a:endParaRPr>
           </a:p>
           <a:p>
             <a:pPr marL="285750" lvl="0" indent="-285750">
@@ -12477,6 +12472,10 @@
               </a:rPr>
               <a:t>Xây dựng được và tái hiện hệ thống Blockchain DNS trên máy tính cá nhân. </a:t>
             </a:r>
+            <a:endParaRPr lang="en-US" sz="1400" dirty="0">
+              <a:latin typeface="Arial" panose="020B0604020202020204" pitchFamily="34" charset="0"/>
+              <a:cs typeface="Arial" panose="020B0604020202020204" pitchFamily="34" charset="0"/>
+            </a:endParaRPr>
           </a:p>
           <a:p>
             <a:pPr marL="285750" lvl="0" indent="-285750">
@@ -12525,6 +12524,10 @@
               </a:rPr>
               <a:t>Phần mềm tận dụng những DNS record kiểu cũ giúp việc kế thừa và chuyển hóa công nghệ dễ dàng.</a:t>
             </a:r>
+            <a:endParaRPr lang="en-US" sz="1400" dirty="0" smtClean="0">
+              <a:latin typeface="Arial" panose="020B0604020202020204" pitchFamily="34" charset="0"/>
+              <a:cs typeface="Arial" panose="020B0604020202020204" pitchFamily="34" charset="0"/>
+            </a:endParaRPr>
           </a:p>
           <a:p>
             <a:pPr marL="285750" lvl="0" indent="-285750">
@@ -12547,6 +12550,10 @@
               </a:rPr>
               <a:t>Áp dụng DNS Server cho máy tính cá nhân có hệ điều hành không phải Windows Server.</a:t>
             </a:r>
+            <a:endParaRPr lang="en-US" sz="1400" dirty="0" smtClean="0">
+              <a:latin typeface="Arial" panose="020B0604020202020204" pitchFamily="34" charset="0"/>
+              <a:cs typeface="Arial" panose="020B0604020202020204" pitchFamily="34" charset="0"/>
+            </a:endParaRPr>
           </a:p>
           <a:p>
             <a:pPr marL="285750" lvl="0" indent="-285750">
@@ -12979,7 +12986,6 @@
           <a:p>
             <a:fld id="{040DEF24-717E-4741-8753-F7E431A261E5}" type="slidenum">
               <a:rPr lang="en-US" smtClean="0"/>
-              <a:t>15</a:t>
             </a:fld>
             <a:endParaRPr lang="en-US"/>
           </a:p>
@@ -12994,7 +13000,7 @@
         <p:spPr>
           <a:xfrm>
             <a:off x="1069849" y="1200150"/>
-            <a:ext cx="10241280" cy="4660315"/>
+            <a:ext cx="10241280" cy="4656455"/>
           </a:xfrm>
           <a:prstGeom prst="rect">
             <a:avLst/>
@@ -13038,6 +13044,16 @@
               </a:rPr>
               <a:t>tài còn có những hạn chế nhất định sau đây:</a:t>
             </a:r>
+            <a:endParaRPr lang="en-US" sz="2400" b="1" dirty="0">
+              <a:solidFill>
+                <a:schemeClr val="accent2">
+                  <a:lumMod val="50000"/>
+                </a:schemeClr>
+              </a:solidFill>
+              <a:latin typeface="Roboto" panose="02000000000000000000" pitchFamily="2" charset="0"/>
+              <a:ea typeface="Roboto" panose="02000000000000000000" pitchFamily="2" charset="0"/>
+              <a:cs typeface="Arial" panose="020B0604020202020204" pitchFamily="34" charset="0"/>
+            </a:endParaRPr>
           </a:p>
           <a:p>
             <a:pPr marL="285750" lvl="0" indent="-285750">
@@ -13085,7 +13101,7 @@
                 <a:latin typeface="Arial" panose="020B0604020202020204" pitchFamily="34" charset="0"/>
                 <a:cs typeface="Arial" panose="020B0604020202020204" pitchFamily="34" charset="0"/>
               </a:rPr>
-              <a:t>Môi trường cần mạng wifi, không thể dùng hotspot trên điện thoại để phát nên khó trong việc di chuyển đến những nơi xa </a:t>
+              <a:t>Môi trường cần mạng wifi, không thể dùng hotspot trên điện thoại lâu dài để phát nên khó trong việc di chuyển đến những nơi xa </a:t>
             </a:r>
             <a:r>
               <a:rPr lang="en-US" sz="1400" dirty="0" smtClean="0">
@@ -13101,6 +13117,10 @@
               </a:rPr>
               <a:t>wifi. </a:t>
             </a:r>
+            <a:endParaRPr lang="en-US" sz="1400" dirty="0">
+              <a:latin typeface="Arial" panose="020B0604020202020204" pitchFamily="34" charset="0"/>
+              <a:cs typeface="Arial" panose="020B0604020202020204" pitchFamily="34" charset="0"/>
+            </a:endParaRPr>
           </a:p>
           <a:p>
             <a:pPr marL="285750" lvl="0" indent="-285750">
@@ -13164,6 +13184,10 @@
               </a:rPr>
               <a:t>Ở đề tài, mô hình này đã đạt được những điều cơ bản của hệ thống Blockchain thông thường nhưng thiếu một số bước kiểm soát tính chất hợp lệ của giao dịch.</a:t>
             </a:r>
+            <a:endParaRPr lang="en-US" sz="1400" dirty="0">
+              <a:latin typeface="Arial" panose="020B0604020202020204" pitchFamily="34" charset="0"/>
+              <a:cs typeface="Arial" panose="020B0604020202020204" pitchFamily="34" charset="0"/>
+            </a:endParaRPr>
           </a:p>
           <a:p>
             <a:pPr marL="285750" lvl="0" indent="-285750">
@@ -13190,6 +13214,10 @@
               </a:rPr>
               <a:t>.</a:t>
             </a:r>
+            <a:endParaRPr lang="en-US" sz="1400" dirty="0" smtClean="0">
+              <a:latin typeface="Arial" panose="020B0604020202020204" pitchFamily="34" charset="0"/>
+              <a:cs typeface="Arial" panose="020B0604020202020204" pitchFamily="34" charset="0"/>
+            </a:endParaRPr>
           </a:p>
           <a:p>
             <a:pPr lvl="0">
@@ -13224,6 +13252,16 @@
               </a:rPr>
               <a:t>Các hướng mở rộng sẽ phần lớn nhắm vào hạn chế đã nêu trên như sau :</a:t>
             </a:r>
+            <a:endParaRPr lang="en-US" sz="2400" b="1" dirty="0">
+              <a:solidFill>
+                <a:schemeClr val="accent2">
+                  <a:lumMod val="50000"/>
+                </a:schemeClr>
+              </a:solidFill>
+              <a:latin typeface="Roboto" panose="02000000000000000000" pitchFamily="2" charset="0"/>
+              <a:ea typeface="Roboto" panose="02000000000000000000" pitchFamily="2" charset="0"/>
+              <a:cs typeface="Arial" panose="020B0604020202020204" pitchFamily="34" charset="0"/>
+            </a:endParaRPr>
           </a:p>
           <a:p>
             <a:pPr marL="285750" lvl="0" indent="-285750">
@@ -13243,6 +13281,10 @@
               </a:rPr>
               <a:t>Phát triển thêm hệ thống Blockchain về mặt bảo mật giao dịch bằng chữ kí số hay các giải pháp bảo mật khác ở hiện tại.</a:t>
             </a:r>
+            <a:endParaRPr lang="en-US" sz="1400" dirty="0">
+              <a:latin typeface="Arial" panose="020B0604020202020204" pitchFamily="34" charset="0"/>
+              <a:cs typeface="Arial" panose="020B0604020202020204" pitchFamily="34" charset="0"/>
+            </a:endParaRPr>
           </a:p>
           <a:p>
             <a:pPr marL="285750" lvl="0" indent="-285750">
@@ -13262,6 +13304,10 @@
               </a:rPr>
               <a:t>Đưa nhiều lựa chọn hơn trên giao diện giao tiếp người dùng, cho phép nhiều loại người dùng khác nhau trở thành Miner và trả công qua ví điện tử thật.</a:t>
             </a:r>
+            <a:endParaRPr lang="en-US" sz="1400" dirty="0">
+              <a:latin typeface="Arial" panose="020B0604020202020204" pitchFamily="34" charset="0"/>
+              <a:cs typeface="Arial" panose="020B0604020202020204" pitchFamily="34" charset="0"/>
+            </a:endParaRPr>
           </a:p>
           <a:p>
             <a:pPr marL="285750" lvl="0" indent="-285750">
@@ -13281,6 +13327,10 @@
               </a:rPr>
               <a:t>Giao diện và ứng dụng được áp dụng ở nhiều môi trường khác nhau kể cả điện thoại. </a:t>
             </a:r>
+            <a:endParaRPr lang="en-US" sz="1400" dirty="0">
+              <a:latin typeface="Arial" panose="020B0604020202020204" pitchFamily="34" charset="0"/>
+              <a:cs typeface="Arial" panose="020B0604020202020204" pitchFamily="34" charset="0"/>
+            </a:endParaRPr>
           </a:p>
         </p:txBody>
       </p:sp>
@@ -13661,6 +13711,13 @@
                 </a:rPr>
                 <a:t>YOU</a:t>
               </a:r>
+              <a:endParaRPr lang="en-US" sz="7500" i="1" dirty="0">
+                <a:solidFill>
+                  <a:srgbClr val="CE2127"/>
+                </a:solidFill>
+                <a:latin typeface="Roboto Black" panose="02000000000000000000" pitchFamily="2" charset="0"/>
+                <a:ea typeface="Roboto Black" panose="02000000000000000000" pitchFamily="2" charset="0"/>
+              </a:endParaRPr>
             </a:p>
           </p:txBody>
         </p:sp>
@@ -13776,7 +13833,6 @@
           <a:p>
             <a:fld id="{040DEF24-717E-4741-8753-F7E431A261E5}" type="slidenum">
               <a:rPr lang="en-US" smtClean="0"/>
-              <a:t>16</a:t>
             </a:fld>
             <a:endParaRPr lang="en-US"/>
           </a:p>
@@ -14072,6 +14128,16 @@
               </a:rPr>
               <a:t>Lý thuyết</a:t>
             </a:r>
+            <a:endParaRPr lang="en-US" sz="2400" b="1" dirty="0" smtClean="0">
+              <a:solidFill>
+                <a:schemeClr val="accent2">
+                  <a:lumMod val="50000"/>
+                </a:schemeClr>
+              </a:solidFill>
+              <a:latin typeface="Arial" panose="020B0604020202020204" pitchFamily="34" charset="0"/>
+              <a:ea typeface="Roboto" panose="02000000000000000000" pitchFamily="2" charset="0"/>
+              <a:cs typeface="Arial" panose="020B0604020202020204" pitchFamily="34" charset="0"/>
+            </a:endParaRPr>
           </a:p>
           <a:p>
             <a:pPr>
@@ -14257,6 +14323,10 @@
               </a:rPr>
               <a:t>7</a:t>
             </a:r>
+            <a:endParaRPr lang="en-US" sz="1600" dirty="0">
+              <a:latin typeface="Arial" panose="020B0604020202020204" pitchFamily="34" charset="0"/>
+              <a:cs typeface="Arial" panose="020B0604020202020204" pitchFamily="34" charset="0"/>
+            </a:endParaRPr>
           </a:p>
           <a:p>
             <a:pPr>
@@ -14302,6 +14372,10 @@
               </a:rPr>
               <a:t>8</a:t>
             </a:r>
+            <a:endParaRPr lang="en-US" sz="1600" dirty="0">
+              <a:latin typeface="Arial" panose="020B0604020202020204" pitchFamily="34" charset="0"/>
+              <a:cs typeface="Arial" panose="020B0604020202020204" pitchFamily="34" charset="0"/>
+            </a:endParaRPr>
           </a:p>
         </p:txBody>
       </p:sp>
@@ -14348,6 +14422,16 @@
               </a:rPr>
               <a:t>Thực hành</a:t>
             </a:r>
+            <a:endParaRPr lang="en-US" sz="2400" b="1" dirty="0" smtClean="0">
+              <a:solidFill>
+                <a:schemeClr val="accent2">
+                  <a:lumMod val="50000"/>
+                </a:schemeClr>
+              </a:solidFill>
+              <a:latin typeface="Arial" panose="020B0604020202020204" pitchFamily="34" charset="0"/>
+              <a:ea typeface="Roboto" panose="02000000000000000000" pitchFamily="2" charset="0"/>
+              <a:cs typeface="Arial" panose="020B0604020202020204" pitchFamily="34" charset="0"/>
+            </a:endParaRPr>
           </a:p>
           <a:p>
             <a:pPr>
@@ -14393,6 +14477,10 @@
               </a:rPr>
               <a:t>9</a:t>
             </a:r>
+            <a:endParaRPr lang="en-US" sz="1600" dirty="0">
+              <a:latin typeface="Arial" panose="020B0604020202020204" pitchFamily="34" charset="0"/>
+              <a:cs typeface="Arial" panose="020B0604020202020204" pitchFamily="34" charset="0"/>
+            </a:endParaRPr>
           </a:p>
           <a:p>
             <a:pPr>
@@ -14673,7 +14761,7 @@
                         <p:par>
                           <p:cTn id="16" fill="hold">
                             <p:stCondLst>
-                              <p:cond delay="1100"/>
+                              <p:cond delay="500"/>
                             </p:stCondLst>
                             <p:childTnLst>
                               <p:par>
@@ -14836,7 +14924,7 @@
             <a:r>
               <a:rPr lang="en-US" sz="4000" b="1" spc="50" dirty="0" smtClean="0">
                 <a:blipFill>
-                  <a:blip r:embed="rId2">
+                  <a:blip r:embed="rId1">
                     <a:extLst>
                       <a:ext uri="{28A0092B-C50C-407E-A947-70E740481C1C}">
                         <a14:useLocalDpi xmlns:a14="http://schemas.microsoft.com/office/drawing/2010/main" val="0"/>
@@ -15016,7 +15104,7 @@
           <p:nvPr/>
         </p:nvPicPr>
         <p:blipFill>
-          <a:blip r:embed="rId3">
+          <a:blip r:embed="rId2">
             <a:extLst>
               <a:ext uri="{28A0092B-C50C-407E-A947-70E740481C1C}">
                 <a14:useLocalDpi xmlns:a14="http://schemas.microsoft.com/office/drawing/2010/main" val="0"/>
@@ -15095,6 +15183,10 @@
               </a:rPr>
               <a:t>cryptoms.fr </a:t>
             </a:r>
+            <a:endParaRPr lang="en-US" sz="1600" i="1" dirty="0" smtClean="0">
+              <a:latin typeface="Arial" panose="020B0604020202020204" pitchFamily="34" charset="0"/>
+              <a:cs typeface="Arial" panose="020B0604020202020204" pitchFamily="34" charset="0"/>
+            </a:endParaRPr>
           </a:p>
           <a:p>
             <a:pPr marL="342900" indent="-342900" algn="just">
@@ -15117,6 +15209,13 @@
               </a:rPr>
               <a:t>Máy tính trước khi gửi đi,DNS resolver sẽ kiểm tra domain trong Web cache hoặc DNS cache để trả lại kết quả.</a:t>
             </a:r>
+            <a:endParaRPr lang="en-US" sz="1400" dirty="0" smtClean="0">
+              <a:solidFill>
+                <a:srgbClr val="002060"/>
+              </a:solidFill>
+              <a:latin typeface="Arial" panose="020B0604020202020204" pitchFamily="34" charset="0"/>
+              <a:cs typeface="Arial" panose="020B0604020202020204" pitchFamily="34" charset="0"/>
+            </a:endParaRPr>
           </a:p>
           <a:p>
             <a:pPr marL="342900" lvl="0" indent="-342900" algn="just">
@@ -15139,6 +15238,13 @@
               </a:rPr>
               <a:t>Nếu không có kết quả, DR sẽ hỏi tên miền mức ROOT chỉ cho máy chủ tên miền cục bộ địa chỉ mà nó quản lý có đuôi “.fr”. </a:t>
             </a:r>
+            <a:endParaRPr lang="en-US" sz="1400" dirty="0" smtClean="0">
+              <a:solidFill>
+                <a:srgbClr val="002060"/>
+              </a:solidFill>
+              <a:latin typeface="Arial" panose="020B0604020202020204" pitchFamily="34" charset="0"/>
+              <a:cs typeface="Arial" panose="020B0604020202020204" pitchFamily="34" charset="0"/>
+            </a:endParaRPr>
           </a:p>
           <a:p>
             <a:pPr marL="342900" lvl="0" indent="-342900" algn="just">
@@ -15171,6 +15277,13 @@
               </a:rPr>
               <a:t>gửi yêu cầu đến máy chủ quản lý tên miền Pháp “.fr” tìm tên miền cryptoms.fr. </a:t>
             </a:r>
+            <a:endParaRPr lang="en-US" sz="1400" dirty="0">
+              <a:solidFill>
+                <a:srgbClr val="002060"/>
+              </a:solidFill>
+              <a:latin typeface="Arial" panose="020B0604020202020204" pitchFamily="34" charset="0"/>
+              <a:cs typeface="Arial" panose="020B0604020202020204" pitchFamily="34" charset="0"/>
+            </a:endParaRPr>
           </a:p>
           <a:p>
             <a:pPr marL="342900" lvl="0" indent="-342900" algn="just">
@@ -15260,6 +15373,13 @@
               </a:rPr>
               <a:t>dùng sử dụng địa chỉ IP này kết nối đến server chứa website có địa chỉ “cryptoms.fr”.</a:t>
             </a:r>
+            <a:endParaRPr lang="en-US" sz="1400" b="1" dirty="0">
+              <a:solidFill>
+                <a:srgbClr val="002060"/>
+              </a:solidFill>
+              <a:latin typeface="Arial" panose="020B0604020202020204" pitchFamily="34" charset="0"/>
+              <a:cs typeface="Arial" panose="020B0604020202020204" pitchFamily="34" charset="0"/>
+            </a:endParaRPr>
           </a:p>
           <a:p>
             <a:pPr marL="342900" lvl="0" indent="-342900" algn="just">
@@ -15290,8 +15410,8 @@
         </p:nvSpPr>
         <p:spPr>
           <a:xfrm>
-            <a:off x="7153824" y="6361062"/>
-            <a:ext cx="4334841" cy="276999"/>
+            <a:off x="6854104" y="6404242"/>
+            <a:ext cx="4142105" cy="275590"/>
           </a:xfrm>
           <a:prstGeom prst="rect">
             <a:avLst/>
@@ -15306,13 +15426,23 @@
           <a:p>
             <a:pPr lvl="0"/>
             <a:r>
-              <a:rPr lang="en-US" sz="1200" dirty="0" smtClean="0"/>
+              <a:rPr lang="en-US" sz="1200" dirty="0" smtClean="0">
+                <a:latin typeface="Arial" panose="020B0604020202020204" pitchFamily="34" charset="0"/>
+                <a:cs typeface="Arial" panose="020B0604020202020204" pitchFamily="34" charset="0"/>
+              </a:rPr>
               <a:t>* DNS </a:t>
             </a:r>
             <a:r>
-              <a:rPr lang="en-US" sz="1200" dirty="0"/>
+              <a:rPr lang="en-US" sz="1200" dirty="0">
+                <a:latin typeface="Arial" panose="020B0604020202020204" pitchFamily="34" charset="0"/>
+                <a:cs typeface="Arial" panose="020B0604020202020204" pitchFamily="34" charset="0"/>
+              </a:rPr>
               <a:t>resolver – DR – Máy chủ phân giải tên miền cục bộ </a:t>
             </a:r>
+            <a:endParaRPr lang="en-US" sz="1200" dirty="0">
+              <a:latin typeface="Arial" panose="020B0604020202020204" pitchFamily="34" charset="0"/>
+              <a:cs typeface="Arial" panose="020B0604020202020204" pitchFamily="34" charset="0"/>
+            </a:endParaRPr>
           </a:p>
         </p:txBody>
       </p:sp>
@@ -15353,7 +15483,7 @@
               <p:nvPr/>
             </p:nvPicPr>
             <p:blipFill>
-              <a:blip r:embed="rId4"/>
+              <a:blip r:embed="rId3"/>
               <a:stretch>
                 <a:fillRect/>
               </a:stretch>
@@ -16197,7 +16327,7 @@
             <a:r>
               <a:rPr lang="en-US" sz="4000" b="1" spc="50" dirty="0" smtClean="0">
                 <a:blipFill>
-                  <a:blip r:embed="rId2">
+                  <a:blip r:embed="rId1">
                     <a:extLst>
                       <a:ext uri="{28A0092B-C50C-407E-A947-70E740481C1C}">
                         <a14:useLocalDpi xmlns:a14="http://schemas.microsoft.com/office/drawing/2010/main" val="0"/>
@@ -16211,6 +16341,20 @@
               </a:rPr>
               <a:t>DNS - DOMAIN NAME SYSTEM </a:t>
             </a:r>
+            <a:endParaRPr lang="en-US" sz="4000" b="1" spc="50" dirty="0" smtClean="0">
+              <a:blipFill>
+                <a:blip r:embed="rId1">
+                  <a:extLst>
+                    <a:ext uri="{28A0092B-C50C-407E-A947-70E740481C1C}">
+                      <a14:useLocalDpi xmlns:a14="http://schemas.microsoft.com/office/drawing/2010/main" val="0"/>
+                    </a:ext>
+                  </a:extLst>
+                </a:blip>
+                <a:tile tx="6350" ty="-127000" sx="65000" sy="64000" flip="none" algn="tl"/>
+              </a:blipFill>
+              <a:latin typeface="Times New Roman" panose="02020603050405020304" pitchFamily="18" charset="0"/>
+              <a:cs typeface="Times New Roman" panose="02020603050405020304" pitchFamily="18" charset="0"/>
+            </a:endParaRPr>
           </a:p>
         </p:txBody>
       </p:sp>
@@ -16231,7 +16375,6 @@
           <a:p>
             <a:fld id="{040DEF24-717E-4741-8753-F7E431A261E5}" type="slidenum">
               <a:rPr lang="en-US" smtClean="0"/>
-              <a:t>4</a:t>
             </a:fld>
             <a:endParaRPr lang="en-US" dirty="0"/>
           </a:p>
@@ -16338,7 +16481,7 @@
           <p:nvPr/>
         </p:nvPicPr>
         <p:blipFill>
-          <a:blip r:embed="rId3">
+          <a:blip r:embed="rId2">
             <a:extLst>
               <a:ext uri="{28A0092B-C50C-407E-A947-70E740481C1C}">
                 <a14:useLocalDpi xmlns:a14="http://schemas.microsoft.com/office/drawing/2010/main" val="0"/>
@@ -16578,6 +16721,13 @@
               </a:rPr>
               <a:t>Không cần lưu trữ một dãy IP dài và khó nhớ</a:t>
             </a:r>
+            <a:endParaRPr lang="en-US" sz="1400" b="1" dirty="0">
+              <a:solidFill>
+                <a:schemeClr val="tx1"/>
+              </a:solidFill>
+              <a:latin typeface="Arial" panose="020B0604020202020204" pitchFamily="34" charset="0"/>
+              <a:cs typeface="Arial" panose="020B0604020202020204" pitchFamily="34" charset="0"/>
+            </a:endParaRPr>
           </a:p>
         </p:txBody>
       </p:sp>
@@ -16637,6 +16787,13 @@
               </a:rPr>
               <a:t>Cập nhật danh sách IP dễ dàng</a:t>
             </a:r>
+            <a:endParaRPr lang="en-US" sz="1400" b="1" dirty="0">
+              <a:solidFill>
+                <a:schemeClr val="tx1"/>
+              </a:solidFill>
+              <a:latin typeface="Arial" panose="020B0604020202020204" pitchFamily="34" charset="0"/>
+              <a:cs typeface="Arial" panose="020B0604020202020204" pitchFamily="34" charset="0"/>
+            </a:endParaRPr>
           </a:p>
         </p:txBody>
       </p:sp>
@@ -16696,6 +16853,13 @@
               </a:rPr>
               <a:t>DNS có tốc độ truy cập Internet cao nhất</a:t>
             </a:r>
+            <a:endParaRPr lang="en-US" sz="1400" b="1" dirty="0">
+              <a:solidFill>
+                <a:schemeClr val="tx1"/>
+              </a:solidFill>
+              <a:latin typeface="Arial" panose="020B0604020202020204" pitchFamily="34" charset="0"/>
+              <a:cs typeface="Arial" panose="020B0604020202020204" pitchFamily="34" charset="0"/>
+            </a:endParaRPr>
           </a:p>
         </p:txBody>
       </p:sp>
@@ -16761,6 +16925,13 @@
               </a:rPr>
               <a:t>Kỳ </a:t>
             </a:r>
+            <a:endParaRPr lang="en-US" sz="1400" b="1" dirty="0" smtClean="0">
+              <a:solidFill>
+                <a:schemeClr val="tx1"/>
+              </a:solidFill>
+              <a:latin typeface="Arial" panose="020B0604020202020204" pitchFamily="34" charset="0"/>
+              <a:cs typeface="Arial" panose="020B0604020202020204" pitchFamily="34" charset="0"/>
+            </a:endParaRPr>
           </a:p>
           <a:p>
             <a:pPr algn="ctr"/>
@@ -17092,6 +17263,13 @@
               </a:rPr>
               <a:t>DNS là nguyên nhân chính dẫn đến cuộc tấn công DNS</a:t>
             </a:r>
+            <a:endParaRPr lang="en-US" sz="1400" b="1" dirty="0">
+              <a:solidFill>
+                <a:schemeClr val="tx1"/>
+              </a:solidFill>
+              <a:latin typeface="Arial" panose="020B0604020202020204" pitchFamily="34" charset="0"/>
+              <a:cs typeface="Arial" panose="020B0604020202020204" pitchFamily="34" charset="0"/>
+            </a:endParaRPr>
           </a:p>
         </p:txBody>
       </p:sp>
@@ -18139,7 +18317,6 @@
           <a:p>
             <a:fld id="{040DEF24-717E-4741-8753-F7E431A261E5}" type="slidenum">
               <a:rPr lang="en-US" smtClean="0"/>
-              <a:t>5</a:t>
             </a:fld>
             <a:endParaRPr lang="en-US" dirty="0"/>
           </a:p>
@@ -18222,7 +18399,7 @@
               <a:buNone/>
               <a:defRPr sz="5400" kern="1200" cap="all" baseline="0">
                 <a:blipFill>
-                  <a:blip r:embed="rId2">
+                  <a:blip r:embed="rId1">
                     <a:extLst>
                       <a:ext uri="{28A0092B-C50C-407E-A947-70E740481C1C}">
                         <a14:useLocalDpi xmlns:a14="http://schemas.microsoft.com/office/drawing/2010/main" val="0"/>
@@ -18246,7 +18423,7 @@
             <a:r>
               <a:rPr lang="en-US" sz="4000" b="1" spc="50" dirty="0" smtClean="0">
                 <a:blipFill>
-                  <a:blip r:embed="rId2">
+                  <a:blip r:embed="rId1">
                     <a:extLst>
                       <a:ext uri="{28A0092B-C50C-407E-A947-70E740481C1C}">
                         <a14:useLocalDpi xmlns:a14="http://schemas.microsoft.com/office/drawing/2010/main" val="0"/>
@@ -18260,6 +18437,20 @@
               </a:rPr>
               <a:t>Blockchain</a:t>
             </a:r>
+            <a:endParaRPr lang="en-US" sz="4000" b="1" spc="50" dirty="0" smtClean="0">
+              <a:blipFill>
+                <a:blip r:embed="rId1">
+                  <a:extLst>
+                    <a:ext uri="{28A0092B-C50C-407E-A947-70E740481C1C}">
+                      <a14:useLocalDpi xmlns:a14="http://schemas.microsoft.com/office/drawing/2010/main" val="0"/>
+                    </a:ext>
+                  </a:extLst>
+                </a:blip>
+                <a:tile tx="6350" ty="-127000" sx="65000" sy="64000" flip="none" algn="tl"/>
+              </a:blipFill>
+              <a:latin typeface="Times New Roman" panose="02020603050405020304" pitchFamily="18" charset="0"/>
+              <a:cs typeface="Times New Roman" panose="02020603050405020304" pitchFamily="18" charset="0"/>
+            </a:endParaRPr>
           </a:p>
         </p:txBody>
       </p:sp>
@@ -18361,6 +18552,10 @@
               </a:rPr>
               <a:t>block có hash khối hiện tại và khối trước là 0 và dữ liệu là null </a:t>
             </a:r>
+            <a:endParaRPr lang="en-US" sz="1400" dirty="0" smtClean="0">
+              <a:latin typeface="Arial" panose="020B0604020202020204" pitchFamily="34" charset="0"/>
+              <a:cs typeface="Arial" panose="020B0604020202020204" pitchFamily="34" charset="0"/>
+            </a:endParaRPr>
           </a:p>
         </p:txBody>
       </p:sp>
@@ -18373,7 +18568,7 @@
           <p:nvPr/>
         </p:nvPicPr>
         <p:blipFill>
-          <a:blip r:embed="rId3">
+          <a:blip r:embed="rId2">
             <a:extLst>
               <a:ext uri="{28A0092B-C50C-407E-A947-70E740481C1C}">
                 <a14:useLocalDpi xmlns:a14="http://schemas.microsoft.com/office/drawing/2010/main" val="0"/>
@@ -18621,6 +18816,14 @@
               </a:rPr>
               <a:t> </a:t>
             </a:r>
+            <a:endParaRPr lang="en-US" sz="1400" dirty="0">
+              <a:solidFill>
+                <a:schemeClr val="tx1"/>
+              </a:solidFill>
+              <a:latin typeface="Arial" panose="020B0604020202020204" pitchFamily="34" charset="0"/>
+              <a:ea typeface="Calibri" panose="020F0502020204030204" pitchFamily="34" charset="0"/>
+              <a:cs typeface="Arial" panose="020B0604020202020204" pitchFamily="34" charset="0"/>
+            </a:endParaRPr>
           </a:p>
         </p:txBody>
       </p:sp>
@@ -18690,6 +18893,14 @@
               </a:rPr>
               <a:t>chơi</a:t>
             </a:r>
+            <a:endParaRPr lang="en-US" sz="1400" b="1" dirty="0" smtClean="0">
+              <a:solidFill>
+                <a:schemeClr val="tx1"/>
+              </a:solidFill>
+              <a:latin typeface="Arial" panose="020B0604020202020204" pitchFamily="34" charset="0"/>
+              <a:ea typeface="Calibri" panose="020F0502020204030204" pitchFamily="34" charset="0"/>
+              <a:cs typeface="Arial" panose="020B0604020202020204" pitchFamily="34" charset="0"/>
+            </a:endParaRPr>
           </a:p>
           <a:p>
             <a:pPr lvl="0" algn="ctr"/>
@@ -18771,6 +18982,11 @@
               </a:rPr>
               <a:t> Các thông tin, dữ liệu trong Blockchain được phân tán và an toàn tuyệt đối.</a:t>
             </a:r>
+            <a:endParaRPr lang="en-US" sz="1400" dirty="0">
+              <a:latin typeface="Times New Roman" panose="02020603050405020304" pitchFamily="18" charset="0"/>
+              <a:ea typeface="Calibri" panose="020F0502020204030204" pitchFamily="34" charset="0"/>
+              <a:cs typeface="Times New Roman" panose="02020603050405020304" pitchFamily="18" charset="0"/>
+            </a:endParaRPr>
           </a:p>
         </p:txBody>
       </p:sp>
@@ -18825,6 +19041,11 @@
               </a:rPr>
               <a:t> dữ liệu trong Blockchain không thể sửa (có thể sửa nhưng sẽ để lại dấu vết) và sẽ lưu trữ mãi mãi.</a:t>
             </a:r>
+            <a:endParaRPr lang="en-US" sz="1400" dirty="0">
+              <a:latin typeface="Times New Roman" panose="02020603050405020304" pitchFamily="18" charset="0"/>
+              <a:ea typeface="Calibri" panose="020F0502020204030204" pitchFamily="34" charset="0"/>
+              <a:cs typeface="Times New Roman" panose="02020603050405020304" pitchFamily="18" charset="0"/>
+            </a:endParaRPr>
           </a:p>
         </p:txBody>
       </p:sp>
@@ -18876,6 +19097,11 @@
               </a:rPr>
               <a:t> Ai cũng có thể theo dõi dữ liệu Blockchain đi từ địa chỉ này tới địa chỉ khác và có thể thống kê toàn bộ lịch sử trên địa chỉ đó.</a:t>
             </a:r>
+            <a:endParaRPr lang="en-US" sz="1400" dirty="0">
+              <a:latin typeface="Times New Roman" panose="02020603050405020304" pitchFamily="18" charset="0"/>
+              <a:ea typeface="Calibri" panose="020F0502020204030204" pitchFamily="34" charset="0"/>
+              <a:cs typeface="Times New Roman" panose="02020603050405020304" pitchFamily="18" charset="0"/>
+            </a:endParaRPr>
           </a:p>
         </p:txBody>
       </p:sp>
@@ -18927,6 +19153,11 @@
               </a:rPr>
               <a:t> là hợp đồng kỹ thuật số được nhúng vào đoạn code if-this-then-that (IFTTT), cho phép chúng tự thực thi mà không cần bên thứ ba.</a:t>
             </a:r>
+            <a:endParaRPr lang="en-US" sz="1400" dirty="0">
+              <a:latin typeface="Times New Roman" panose="02020603050405020304" pitchFamily="18" charset="0"/>
+              <a:ea typeface="Calibri" panose="020F0502020204030204" pitchFamily="34" charset="0"/>
+              <a:cs typeface="Times New Roman" panose="02020603050405020304" pitchFamily="18" charset="0"/>
+            </a:endParaRPr>
           </a:p>
         </p:txBody>
       </p:sp>
@@ -19061,6 +19292,7 @@
                 <a:rPr lang="en-US" sz="1200" dirty="0" smtClean="0"/>
                 <a:t>Genesis</a:t>
               </a:r>
+              <a:endParaRPr lang="en-US" sz="1200" dirty="0" smtClean="0"/>
             </a:p>
             <a:p>
               <a:pPr algn="ctr"/>
@@ -19658,11 +19890,6 @@
         </p:sp>
       </p:grpSp>
     </p:spTree>
-    <p:extLst>
-      <p:ext uri="{BB962C8B-B14F-4D97-AF65-F5344CB8AC3E}">
-        <p14:creationId xmlns:p14="http://schemas.microsoft.com/office/powerpoint/2010/main" val="3514610611"/>
-      </p:ext>
-    </p:extLst>
   </p:cSld>
   <p:clrMapOvr>
     <a:masterClrMapping/>
@@ -21165,7 +21392,6 @@
           <a:p>
             <a:fld id="{040DEF24-717E-4741-8753-F7E431A261E5}" type="slidenum">
               <a:rPr lang="en-US" smtClean="0"/>
-              <a:t>6</a:t>
             </a:fld>
             <a:endParaRPr lang="en-US"/>
           </a:p>
@@ -21225,7 +21451,7 @@
           <p:nvPr/>
         </p:nvPicPr>
         <p:blipFill rotWithShape="1">
-          <a:blip r:embed="rId2" cstate="print">
+          <a:blip r:embed="rId1" cstate="print">
             <a:extLst>
               <a:ext uri="{28A0092B-C50C-407E-A947-70E740481C1C}">
                 <a14:useLocalDpi xmlns:a14="http://schemas.microsoft.com/office/drawing/2010/main" val="0"/>
@@ -21233,7 +21459,9 @@
             </a:extLst>
           </a:blip>
           <a:srcRect l="-2540" t="1" r="-3003" b="619"/>
-          <a:stretch/>
+          <a:stretch>
+            <a:fillRect/>
+          </a:stretch>
         </p:blipFill>
         <p:spPr>
           <a:xfrm>
@@ -21258,7 +21486,7 @@
           <p:nvPr/>
         </p:nvPicPr>
         <p:blipFill>
-          <a:blip r:embed="rId3" cstate="print">
+          <a:blip r:embed="rId2" cstate="print">
             <a:extLst>
               <a:ext uri="{28A0092B-C50C-407E-A947-70E740481C1C}">
                 <a14:useLocalDpi xmlns:a14="http://schemas.microsoft.com/office/drawing/2010/main" val="0"/>
@@ -21321,6 +21549,16 @@
               </a:rPr>
               <a:t>Proof of work và Proof of stake</a:t>
             </a:r>
+            <a:endParaRPr lang="en-US" sz="2400" b="1" dirty="0">
+              <a:solidFill>
+                <a:schemeClr val="accent2">
+                  <a:lumMod val="50000"/>
+                </a:schemeClr>
+              </a:solidFill>
+              <a:latin typeface="Arial" panose="020B0604020202020204" pitchFamily="34" charset="0"/>
+              <a:ea typeface="Roboto" panose="02000000000000000000" pitchFamily="2" charset="0"/>
+              <a:cs typeface="Arial" panose="020B0604020202020204" pitchFamily="34" charset="0"/>
+            </a:endParaRPr>
           </a:p>
         </p:txBody>
       </p:sp>
@@ -21491,6 +21729,10 @@
               </a:rPr>
               <a:t>Khuyết điểm: </a:t>
             </a:r>
+            <a:endParaRPr lang="en-US" sz="1400" dirty="0" smtClean="0">
+              <a:latin typeface="Arial" panose="020B0604020202020204" pitchFamily="34" charset="0"/>
+              <a:cs typeface="Arial" panose="020B0604020202020204" pitchFamily="34" charset="0"/>
+            </a:endParaRPr>
           </a:p>
           <a:p>
             <a:pPr marL="285750" indent="-285750" algn="just">
@@ -21504,6 +21746,10 @@
               </a:rPr>
               <a:t>Dễ bị tấn công 51%</a:t>
             </a:r>
+            <a:endParaRPr lang="en-US" sz="1400" dirty="0" smtClean="0">
+              <a:latin typeface="Arial" panose="020B0604020202020204" pitchFamily="34" charset="0"/>
+              <a:cs typeface="Arial" panose="020B0604020202020204" pitchFamily="34" charset="0"/>
+            </a:endParaRPr>
           </a:p>
           <a:p>
             <a:pPr marL="285750" indent="-285750" algn="just">
@@ -21517,6 +21763,10 @@
               </a:rPr>
               <a:t>Hao tổn nhiều điện năng tiêu thụ</a:t>
             </a:r>
+            <a:endParaRPr lang="en-US" sz="1400" dirty="0" smtClean="0">
+              <a:latin typeface="Arial" panose="020B0604020202020204" pitchFamily="34" charset="0"/>
+              <a:cs typeface="Arial" panose="020B0604020202020204" pitchFamily="34" charset="0"/>
+            </a:endParaRPr>
           </a:p>
         </p:txBody>
       </p:sp>
@@ -21550,6 +21800,10 @@
               </a:rPr>
               <a:t>Khuyết điểm: </a:t>
             </a:r>
+            <a:endParaRPr lang="en-US" sz="1400" dirty="0" smtClean="0">
+              <a:latin typeface="Arial" panose="020B0604020202020204" pitchFamily="34" charset="0"/>
+              <a:cs typeface="Arial" panose="020B0604020202020204" pitchFamily="34" charset="0"/>
+            </a:endParaRPr>
           </a:p>
           <a:p>
             <a:pPr marL="285750" indent="-285750" algn="just">
@@ -21563,6 +21817,10 @@
               </a:rPr>
               <a:t>Khi gặp sự cố không mong muốn, sẽ mất phần đặt cọc ( Vd: mất wifi, cúp điện, ... )</a:t>
             </a:r>
+            <a:endParaRPr lang="en-US" sz="1400" dirty="0" smtClean="0">
+              <a:latin typeface="Arial" panose="020B0604020202020204" pitchFamily="34" charset="0"/>
+              <a:cs typeface="Arial" panose="020B0604020202020204" pitchFamily="34" charset="0"/>
+            </a:endParaRPr>
           </a:p>
         </p:txBody>
       </p:sp>
@@ -22057,7 +22315,6 @@
           <a:p>
             <a:fld id="{040DEF24-717E-4741-8753-F7E431A261E5}" type="slidenum">
               <a:rPr lang="en-US" smtClean="0"/>
-              <a:t>7</a:t>
             </a:fld>
             <a:endParaRPr lang="en-US"/>
           </a:p>
@@ -22149,6 +22406,11 @@
               </a:rPr>
               <a:t>Namecoin</a:t>
             </a:r>
+            <a:endParaRPr lang="en-US" sz="1600" b="1" dirty="0">
+              <a:latin typeface="Times New Roman" panose="02020603050405020304" pitchFamily="18" charset="0"/>
+              <a:ea typeface="Calibri" panose="020F0502020204030204" pitchFamily="34" charset="0"/>
+              <a:cs typeface="Times New Roman" panose="02020603050405020304" pitchFamily="18" charset="0"/>
+            </a:endParaRPr>
           </a:p>
           <a:p>
             <a:pPr marL="342900" lvl="0" indent="-342900" algn="just">
@@ -22169,6 +22431,11 @@
               </a:rPr>
               <a:t>Blockstack</a:t>
             </a:r>
+            <a:endParaRPr lang="en-US" sz="1600" b="1" dirty="0">
+              <a:latin typeface="Times New Roman" panose="02020603050405020304" pitchFamily="18" charset="0"/>
+              <a:ea typeface="Calibri" panose="020F0502020204030204" pitchFamily="34" charset="0"/>
+              <a:cs typeface="Times New Roman" panose="02020603050405020304" pitchFamily="18" charset="0"/>
+            </a:endParaRPr>
           </a:p>
           <a:p>
             <a:pPr marL="342900" lvl="0" indent="-342900" algn="just">
@@ -22222,6 +22489,11 @@
               </a:rPr>
               <a:t>Handshake</a:t>
             </a:r>
+            <a:endParaRPr lang="en-US" sz="1600" b="1" dirty="0">
+              <a:latin typeface="Times New Roman" panose="02020603050405020304" pitchFamily="18" charset="0"/>
+              <a:ea typeface="Calibri" panose="020F0502020204030204" pitchFamily="34" charset="0"/>
+              <a:cs typeface="Times New Roman" panose="02020603050405020304" pitchFamily="18" charset="0"/>
+            </a:endParaRPr>
           </a:p>
           <a:p>
             <a:pPr marL="342900" lvl="0" indent="-342900" algn="just">
@@ -22242,6 +22514,11 @@
               </a:rPr>
               <a:t>Nebulis</a:t>
             </a:r>
+            <a:endParaRPr lang="en-US" sz="1600" b="1" dirty="0">
+              <a:latin typeface="Times New Roman" panose="02020603050405020304" pitchFamily="18" charset="0"/>
+              <a:ea typeface="Calibri" panose="020F0502020204030204" pitchFamily="34" charset="0"/>
+              <a:cs typeface="Times New Roman" panose="02020603050405020304" pitchFamily="18" charset="0"/>
+            </a:endParaRPr>
           </a:p>
           <a:p>
             <a:pPr marL="342900" lvl="0" indent="-342900" algn="just">
@@ -22262,6 +22539,11 @@
               </a:rPr>
               <a:t>Dot BIT</a:t>
             </a:r>
+            <a:endParaRPr lang="en-US" sz="1600" b="1" dirty="0">
+              <a:latin typeface="Times New Roman" panose="02020603050405020304" pitchFamily="18" charset="0"/>
+              <a:ea typeface="Calibri" panose="020F0502020204030204" pitchFamily="34" charset="0"/>
+              <a:cs typeface="Times New Roman" panose="02020603050405020304" pitchFamily="18" charset="0"/>
+            </a:endParaRPr>
           </a:p>
           <a:p>
             <a:pPr marL="342900" lvl="0" indent="-342900" algn="just">
@@ -22282,6 +22564,11 @@
               </a:rPr>
               <a:t>Emercoin DNS</a:t>
             </a:r>
+            <a:endParaRPr lang="en-US" sz="1600" b="1" dirty="0">
+              <a:latin typeface="Times New Roman" panose="02020603050405020304" pitchFamily="18" charset="0"/>
+              <a:ea typeface="Calibri" panose="020F0502020204030204" pitchFamily="34" charset="0"/>
+              <a:cs typeface="Times New Roman" panose="02020603050405020304" pitchFamily="18" charset="0"/>
+            </a:endParaRPr>
           </a:p>
           <a:p>
             <a:pPr marL="342900" lvl="0" indent="-342900" algn="just">
@@ -22302,6 +22589,11 @@
               </a:rPr>
               <a:t>PeerName</a:t>
             </a:r>
+            <a:endParaRPr lang="en-US" sz="1600" b="1" dirty="0">
+              <a:latin typeface="Times New Roman" panose="02020603050405020304" pitchFamily="18" charset="0"/>
+              <a:ea typeface="Calibri" panose="020F0502020204030204" pitchFamily="34" charset="0"/>
+              <a:cs typeface="Times New Roman" panose="02020603050405020304" pitchFamily="18" charset="0"/>
+            </a:endParaRPr>
           </a:p>
           <a:p>
             <a:pPr marL="342900" lvl="0" indent="-342900" algn="just">
@@ -22322,6 +22614,11 @@
               </a:rPr>
               <a:t>Blockchain DNS for Firefox</a:t>
             </a:r>
+            <a:endParaRPr lang="en-US" sz="1600" b="1" dirty="0">
+              <a:latin typeface="Times New Roman" panose="02020603050405020304" pitchFamily="18" charset="0"/>
+              <a:ea typeface="Calibri" panose="020F0502020204030204" pitchFamily="34" charset="0"/>
+              <a:cs typeface="Times New Roman" panose="02020603050405020304" pitchFamily="18" charset="0"/>
+            </a:endParaRPr>
           </a:p>
           <a:p>
             <a:pPr marL="342900" lvl="0" indent="-342900" algn="just">
@@ -22342,6 +22639,11 @@
               </a:rPr>
               <a:t>FrigGate for Chrome and other browsers</a:t>
             </a:r>
+            <a:endParaRPr lang="en-US" sz="1600" b="1" dirty="0">
+              <a:latin typeface="Times New Roman" panose="02020603050405020304" pitchFamily="18" charset="0"/>
+              <a:ea typeface="Calibri" panose="020F0502020204030204" pitchFamily="34" charset="0"/>
+              <a:cs typeface="Times New Roman" panose="02020603050405020304" pitchFamily="18" charset="0"/>
+            </a:endParaRPr>
           </a:p>
           <a:p>
             <a:pPr marL="342900" lvl="0" indent="-342900" algn="just">
@@ -22362,6 +22664,11 @@
               </a:rPr>
               <a:t>NEM Blockchain DNS extension</a:t>
             </a:r>
+            <a:endParaRPr lang="en-US" sz="1600" b="1" dirty="0">
+              <a:latin typeface="Times New Roman" panose="02020603050405020304" pitchFamily="18" charset="0"/>
+              <a:ea typeface="Calibri" panose="020F0502020204030204" pitchFamily="34" charset="0"/>
+              <a:cs typeface="Times New Roman" panose="02020603050405020304" pitchFamily="18" charset="0"/>
+            </a:endParaRPr>
           </a:p>
           <a:p>
             <a:pPr marL="342900" lvl="0" indent="-342900" algn="just">
@@ -22382,6 +22689,11 @@
               </a:rPr>
               <a:t>Unstoppable Domains</a:t>
             </a:r>
+            <a:endParaRPr lang="en-US" sz="1600" b="1" dirty="0">
+              <a:latin typeface="Times New Roman" panose="02020603050405020304" pitchFamily="18" charset="0"/>
+              <a:ea typeface="Calibri" panose="020F0502020204030204" pitchFamily="34" charset="0"/>
+              <a:cs typeface="Times New Roman" panose="02020603050405020304" pitchFamily="18" charset="0"/>
+            </a:endParaRPr>
           </a:p>
           <a:p>
             <a:pPr marL="342900" lvl="0" indent="-342900" algn="just">
@@ -22402,6 +22714,11 @@
               </a:rPr>
               <a:t>Aloaha Blockchain DNS</a:t>
             </a:r>
+            <a:endParaRPr lang="en-US" sz="1600" b="1" dirty="0">
+              <a:latin typeface="Times New Roman" panose="02020603050405020304" pitchFamily="18" charset="0"/>
+              <a:ea typeface="Calibri" panose="020F0502020204030204" pitchFamily="34" charset="0"/>
+              <a:cs typeface="Times New Roman" panose="02020603050405020304" pitchFamily="18" charset="0"/>
+            </a:endParaRPr>
           </a:p>
         </p:txBody>
       </p:sp>
@@ -22433,11 +22750,7 @@
           </a:extLst>
         </p:spPr>
         <p:txBody>
-          <a:bodyPr vert="horz" wrap="square" lIns="91440" tIns="45720" rIns="91440" bIns="45720" numCol="1" anchor="t" anchorCtr="0" compatLnSpc="1">
-            <a:prstTxWarp prst="textNoShape">
-              <a:avLst/>
-            </a:prstTxWarp>
-          </a:bodyPr>
+          <a:bodyPr vert="horz" wrap="square" lIns="91440" tIns="45720" rIns="91440" bIns="45720" numCol="1" anchor="t" anchorCtr="0" compatLnSpc="1"/>
           <a:lstStyle/>
           <a:p>
             <a:endParaRPr lang="en-US"/>
@@ -22453,7 +22766,7 @@
           <p:nvPr/>
         </p:nvPicPr>
         <p:blipFill>
-          <a:blip r:embed="rId2">
+          <a:blip r:embed="rId1">
             <a:extLst>
               <a:ext uri="{28A0092B-C50C-407E-A947-70E740481C1C}">
                 <a14:useLocalDpi xmlns:a14="http://schemas.microsoft.com/office/drawing/2010/main" val="0"/>
@@ -22494,7 +22807,7 @@
           <p:nvPr/>
         </p:nvPicPr>
         <p:blipFill>
-          <a:blip r:embed="rId3" cstate="print">
+          <a:blip r:embed="rId2" cstate="print">
             <a:extLst>
               <a:ext uri="{28A0092B-C50C-407E-A947-70E740481C1C}">
                 <a14:useLocalDpi xmlns:a14="http://schemas.microsoft.com/office/drawing/2010/main" val="0"/>
@@ -22535,7 +22848,7 @@
           <p:nvPr/>
         </p:nvPicPr>
         <p:blipFill>
-          <a:blip r:embed="rId4" cstate="print">
+          <a:blip r:embed="rId3" cstate="print">
             <a:extLst>
               <a:ext uri="{28A0092B-C50C-407E-A947-70E740481C1C}">
                 <a14:useLocalDpi xmlns:a14="http://schemas.microsoft.com/office/drawing/2010/main" val="0"/>
@@ -22652,6 +22965,10 @@
               </a:rPr>
               <a:t>://www.softwaretestinghelp.com/best-blockchain-dns-software/</a:t>
             </a:r>
+            <a:endParaRPr lang="en-US" sz="1100" dirty="0">
+              <a:latin typeface="Arial" panose="020B0604020202020204" pitchFamily="34" charset="0"/>
+              <a:cs typeface="Arial" panose="020B0604020202020204" pitchFamily="34" charset="0"/>
+            </a:endParaRPr>
           </a:p>
         </p:txBody>
       </p:sp>
@@ -22690,15 +23007,20 @@
               </a:rPr>
               <a:t>Danh sách xếp hạng 13 phần mềm DNS Blockchain </a:t>
             </a:r>
+            <a:endParaRPr lang="en-US" sz="2400" b="1" dirty="0">
+              <a:solidFill>
+                <a:schemeClr val="accent2">
+                  <a:lumMod val="50000"/>
+                </a:schemeClr>
+              </a:solidFill>
+              <a:latin typeface="Arial" panose="020B0604020202020204" pitchFamily="34" charset="0"/>
+              <a:ea typeface="Roboto" panose="02000000000000000000" pitchFamily="2" charset="0"/>
+              <a:cs typeface="Arial" panose="020B0604020202020204" pitchFamily="34" charset="0"/>
+            </a:endParaRPr>
           </a:p>
         </p:txBody>
       </p:sp>
     </p:spTree>
-    <p:extLst>
-      <p:ext uri="{BB962C8B-B14F-4D97-AF65-F5344CB8AC3E}">
-        <p14:creationId xmlns:p14="http://schemas.microsoft.com/office/powerpoint/2010/main" val="2145206009"/>
-      </p:ext>
-    </p:extLst>
   </p:cSld>
   <p:clrMapOvr>
     <a:masterClrMapping/>
@@ -23125,7 +23447,7 @@
             <a:r>
               <a:rPr lang="en-US" sz="4000" b="1" spc="50" dirty="0" smtClean="0">
                 <a:blipFill>
-                  <a:blip r:embed="rId2">
+                  <a:blip r:embed="rId1">
                     <a:extLst>
                       <a:ext uri="{28A0092B-C50C-407E-A947-70E740481C1C}">
                         <a14:useLocalDpi xmlns:a14="http://schemas.microsoft.com/office/drawing/2010/main" val="0"/>
@@ -23164,7 +23486,6 @@
           <a:p>
             <a:fld id="{040DEF24-717E-4741-8753-F7E431A261E5}" type="slidenum">
               <a:rPr lang="en-US" smtClean="0"/>
-              <a:t>8</a:t>
             </a:fld>
             <a:endParaRPr lang="en-US"/>
           </a:p>
@@ -23177,7 +23498,7 @@
           <p:nvPr/>
         </p:nvPicPr>
         <p:blipFill>
-          <a:blip r:embed="rId3"/>
+          <a:blip r:embed="rId2"/>
           <a:stretch>
             <a:fillRect/>
           </a:stretch>
@@ -23329,6 +23650,11 @@
               </a:rPr>
               <a:t>Data Access: </a:t>
             </a:r>
+            <a:endParaRPr lang="en-US" sz="1400" b="1" dirty="0" smtClean="0">
+              <a:latin typeface="Arial" panose="020B0604020202020204" pitchFamily="34" charset="0"/>
+              <a:ea typeface="Calibri" panose="020F0502020204030204" pitchFamily="34" charset="0"/>
+              <a:cs typeface="Arial" panose="020B0604020202020204" pitchFamily="34" charset="0"/>
+            </a:endParaRPr>
           </a:p>
         </p:txBody>
       </p:sp>
@@ -23393,6 +23719,11 @@
               </a:rPr>
               <a:t>Center ( DSC ) đóng vai trò hạn chế kiểm tra dữ liệu đầu vào trùng lặp hoặc không hợp lệ</a:t>
             </a:r>
+            <a:endParaRPr lang="en-US" sz="1400" dirty="0" smtClean="0">
+              <a:latin typeface="Arial" panose="020B0604020202020204" pitchFamily="34" charset="0"/>
+              <a:ea typeface="Calibri" panose="020F0502020204030204" pitchFamily="34" charset="0"/>
+              <a:cs typeface="Arial" panose="020B0604020202020204" pitchFamily="34" charset="0"/>
+            </a:endParaRPr>
           </a:p>
           <a:p>
             <a:pPr marL="342900" lvl="0" indent="-342900" algn="just">
@@ -23453,6 +23784,11 @@
               </a:rPr>
               <a:t>sinh. </a:t>
             </a:r>
+            <a:endParaRPr lang="en-US" sz="1400" dirty="0" smtClean="0">
+              <a:latin typeface="Arial" panose="020B0604020202020204" pitchFamily="34" charset="0"/>
+              <a:ea typeface="Calibri" panose="020F0502020204030204" pitchFamily="34" charset="0"/>
+              <a:cs typeface="Arial" panose="020B0604020202020204" pitchFamily="34" charset="0"/>
+            </a:endParaRPr>
           </a:p>
         </p:txBody>
       </p:sp>
@@ -23544,6 +23880,11 @@
               </a:rPr>
               <a:t>Blockchain lưu trữ những dữ liệu tên miền đã được đồng bộ hóa. </a:t>
             </a:r>
+            <a:endParaRPr lang="en-US" sz="1400" dirty="0">
+              <a:latin typeface="Arial" panose="020B0604020202020204" pitchFamily="34" charset="0"/>
+              <a:ea typeface="Calibri" panose="020F0502020204030204" pitchFamily="34" charset="0"/>
+              <a:cs typeface="Arial" panose="020B0604020202020204" pitchFamily="34" charset="0"/>
+            </a:endParaRPr>
           </a:p>
         </p:txBody>
       </p:sp>
@@ -23701,6 +24042,16 @@
               </a:rPr>
               <a:t>Giai đoạn tương tác</a:t>
             </a:r>
+            <a:endParaRPr lang="en-US" sz="1400" b="1" dirty="0">
+              <a:solidFill>
+                <a:schemeClr val="accent2">
+                  <a:lumMod val="50000"/>
+                </a:schemeClr>
+              </a:solidFill>
+              <a:latin typeface="Arial" panose="020B0604020202020204" pitchFamily="34" charset="0"/>
+              <a:ea typeface="Roboto" panose="02000000000000000000" pitchFamily="2" charset="0"/>
+              <a:cs typeface="Arial" panose="020B0604020202020204" pitchFamily="34" charset="0"/>
+            </a:endParaRPr>
           </a:p>
         </p:txBody>
       </p:sp>
@@ -23784,6 +24135,11 @@
               </a:rPr>
               <a:t>chỉ định theo một lựa chọn nào đó ( ở ví dụ sẽ là quốc gia ) nhờ đó có thể áp dụng phân quyền tạo nên một Permissioned Blockchain ( kết hợp giữa Public và Private ).</a:t>
             </a:r>
+            <a:endParaRPr lang="en-US" sz="1400" dirty="0">
+              <a:latin typeface="Arial" panose="020B0604020202020204" pitchFamily="34" charset="0"/>
+              <a:ea typeface="Calibri" panose="020F0502020204030204" pitchFamily="34" charset="0"/>
+              <a:cs typeface="Arial" panose="020B0604020202020204" pitchFamily="34" charset="0"/>
+            </a:endParaRPr>
           </a:p>
           <a:p>
             <a:pPr marL="342900" lvl="0" indent="-342900" algn="just">
@@ -23804,6 +24160,11 @@
               </a:rPr>
               <a:t>Giai đoạn cuối cùng là Data Access, là nơi tiếp nhận thông tin của các người dùng và trực tiếp trả về kết quả thông qua việc xử lý thông tin ở TLDChain.</a:t>
             </a:r>
+            <a:endParaRPr lang="en-US" sz="1400" dirty="0">
+              <a:latin typeface="Arial" panose="020B0604020202020204" pitchFamily="34" charset="0"/>
+              <a:ea typeface="Calibri" panose="020F0502020204030204" pitchFamily="34" charset="0"/>
+              <a:cs typeface="Arial" panose="020B0604020202020204" pitchFamily="34" charset="0"/>
+            </a:endParaRPr>
           </a:p>
         </p:txBody>
       </p:sp>
@@ -23844,6 +24205,11 @@
               </a:rPr>
               <a:t>Data Publish:</a:t>
             </a:r>
+            <a:endParaRPr lang="en-US" sz="1400" b="1" dirty="0">
+              <a:latin typeface="Arial" panose="020B0604020202020204" pitchFamily="34" charset="0"/>
+              <a:ea typeface="Calibri" panose="020F0502020204030204" pitchFamily="34" charset="0"/>
+              <a:cs typeface="Arial" panose="020B0604020202020204" pitchFamily="34" charset="0"/>
+            </a:endParaRPr>
           </a:p>
         </p:txBody>
       </p:sp>
@@ -24503,7 +24869,7 @@
             <a:r>
               <a:rPr lang="en-US" sz="4000" b="1" spc="50" dirty="0" smtClean="0">
                 <a:blipFill>
-                  <a:blip r:embed="rId2">
+                  <a:blip r:embed="rId1">
                     <a:extLst>
                       <a:ext uri="{28A0092B-C50C-407E-A947-70E740481C1C}">
                         <a14:useLocalDpi xmlns:a14="http://schemas.microsoft.com/office/drawing/2010/main" val="0"/>
@@ -24542,7 +24908,6 @@
           <a:p>
             <a:fld id="{040DEF24-717E-4741-8753-F7E431A261E5}" type="slidenum">
               <a:rPr lang="en-US" smtClean="0"/>
-              <a:t>9</a:t>
             </a:fld>
             <a:endParaRPr lang="en-US"/>
           </a:p>
@@ -24602,7 +24967,7 @@
           <p:nvPr/>
         </p:nvPicPr>
         <p:blipFill>
-          <a:blip r:embed="rId3"/>
+          <a:blip r:embed="rId2"/>
           <a:stretch>
             <a:fillRect/>
           </a:stretch>
@@ -24648,7 +25013,7 @@
           </a:bodyPr>
           <a:lstStyle/>
           <a:p>
-            <a:pPr>
+            <a:pPr algn="l">
               <a:lnSpc>
                 <a:spcPct val="125000"/>
               </a:lnSpc>
@@ -24769,7 +25134,7 @@
           </a:bodyPr>
           <a:lstStyle/>
           <a:p>
-            <a:pPr algn="just">
+            <a:pPr algn="l">
               <a:lnSpc>
                 <a:spcPct val="114000"/>
               </a:lnSpc>
@@ -24795,9 +25160,13 @@
               </a:rPr>
               <a:t>thống DNS Blockchain trực tiếp kiểm tra dãy Blocks hiện tại có đáp ứng điều kiện hay không theo 2 trường hợp như sau: </a:t>
             </a:r>
-          </a:p>
-          <a:p>
-            <a:pPr marL="285750" indent="-285750">
+            <a:endParaRPr lang="vi-VN" sz="1400" dirty="0">
+              <a:latin typeface="Arial" panose="020B0604020202020204" pitchFamily="34" charset="0"/>
+              <a:cs typeface="Arial" panose="020B0604020202020204" pitchFamily="34" charset="0"/>
+            </a:endParaRPr>
+          </a:p>
+          <a:p>
+            <a:pPr marL="285750" indent="-285750" algn="l">
               <a:lnSpc>
                 <a:spcPct val="114000"/>
               </a:lnSpc>
@@ -24818,9 +25187,13 @@
               </a:rPr>
               <a:t>( Đ ): Sử dụng các khối Blocks đó để khởi tạo Blockchain và tiếp tục mở rộng nhằm tạo blockchain dài nhất.</a:t>
             </a:r>
-          </a:p>
-          <a:p>
-            <a:pPr marL="285750" indent="-285750">
+            <a:endParaRPr lang="vi-VN" sz="1400" dirty="0">
+              <a:latin typeface="Arial" panose="020B0604020202020204" pitchFamily="34" charset="0"/>
+              <a:cs typeface="Arial" panose="020B0604020202020204" pitchFamily="34" charset="0"/>
+            </a:endParaRPr>
+          </a:p>
+          <a:p>
+            <a:pPr marL="285750" indent="-285750" algn="l">
               <a:lnSpc>
                 <a:spcPct val="114000"/>
               </a:lnSpc>
@@ -24881,7 +25254,7 @@
           </a:bodyPr>
           <a:lstStyle/>
           <a:p>
-            <a:pPr>
+            <a:pPr algn="l">
               <a:lnSpc>
                 <a:spcPct val="114000"/>
               </a:lnSpc>
@@ -24924,7 +25297,7 @@
           </a:bodyPr>
           <a:lstStyle/>
           <a:p>
-            <a:pPr>
+            <a:pPr algn="l">
               <a:lnSpc>
                 <a:spcPct val="114000"/>
               </a:lnSpc>
@@ -24976,7 +25349,7 @@
           </a:bodyPr>
           <a:lstStyle/>
           <a:p>
-            <a:pPr algn="just">
+            <a:pPr algn="l">
               <a:lnSpc>
                 <a:spcPct val="114000"/>
               </a:lnSpc>
@@ -25037,9 +25410,13 @@
               </a:rPr>
               <a:t>sau: </a:t>
             </a:r>
-          </a:p>
-          <a:p>
-            <a:pPr marL="285750" indent="-285750">
+            <a:endParaRPr lang="vi-VN" sz="1400" dirty="0">
+              <a:latin typeface="Arial" panose="020B0604020202020204" pitchFamily="34" charset="0"/>
+              <a:cs typeface="Arial" panose="020B0604020202020204" pitchFamily="34" charset="0"/>
+            </a:endParaRPr>
+          </a:p>
+          <a:p>
+            <a:pPr marL="285750" indent="-285750" algn="l">
               <a:lnSpc>
                 <a:spcPct val="114000"/>
               </a:lnSpc>
@@ -25053,9 +25430,13 @@
               </a:rPr>
               <a:t>Đúng ( Đ ) : Thêm vào bộ nhớ đệm Transaction và phát động thuật toán Proof of Work cho các nodes tạo số Nonce cho Block mới. </a:t>
             </a:r>
-          </a:p>
-          <a:p>
-            <a:pPr marL="285750" indent="-285750">
+            <a:endParaRPr lang="vi-VN" sz="1400" dirty="0">
+              <a:latin typeface="Arial" panose="020B0604020202020204" pitchFamily="34" charset="0"/>
+              <a:cs typeface="Arial" panose="020B0604020202020204" pitchFamily="34" charset="0"/>
+            </a:endParaRPr>
+          </a:p>
+          <a:p>
+            <a:pPr marL="285750" indent="-285750" algn="l">
               <a:lnSpc>
                 <a:spcPct val="114000"/>
               </a:lnSpc>
@@ -25102,7 +25483,7 @@
           </a:bodyPr>
           <a:lstStyle/>
           <a:p>
-            <a:pPr>
+            <a:pPr algn="l">
               <a:lnSpc>
                 <a:spcPct val="125000"/>
               </a:lnSpc>
@@ -25154,7 +25535,7 @@
           </a:bodyPr>
           <a:lstStyle/>
           <a:p>
-            <a:pPr>
+            <a:pPr algn="l">
               <a:lnSpc>
                 <a:spcPct val="125000"/>
               </a:lnSpc>
@@ -25166,15 +25547,14 @@
               </a:rPr>
               <a:t>7. Hệ thống trước khi tắt sẽ tính toán blockchain dài nhất, xác thực blockchain và gửi lên cho các nodes để cập nhật. </a:t>
             </a:r>
+            <a:endParaRPr lang="vi-VN" sz="1400" dirty="0">
+              <a:latin typeface="Arial" panose="020B0604020202020204" pitchFamily="34" charset="0"/>
+              <a:cs typeface="Arial" panose="020B0604020202020204" pitchFamily="34" charset="0"/>
+            </a:endParaRPr>
           </a:p>
         </p:txBody>
       </p:sp>
     </p:spTree>
-    <p:extLst>
-      <p:ext uri="{BB962C8B-B14F-4D97-AF65-F5344CB8AC3E}">
-        <p14:creationId xmlns:p14="http://schemas.microsoft.com/office/powerpoint/2010/main" val="3128187166"/>
-      </p:ext>
-    </p:extLst>
   </p:cSld>
   <p:clrMapOvr>
     <a:masterClrMapping/>
@@ -25676,7 +26056,7 @@
     </a:clrScheme>
     <a:fontScheme name="Wood Type">
       <a:majorFont>
-        <a:latin typeface="Rockwell Condensed" panose="02060603050405020104"/>
+        <a:latin typeface="Rockwell Condensed"/>
         <a:ea typeface=""/>
         <a:cs typeface=""/>
         <a:font script="Grek" typeface="Cambria"/>
@@ -25712,7 +26092,7 @@
         <a:font script="Uigh" typeface="Microsoft Uighur"/>
       </a:majorFont>
       <a:minorFont>
-        <a:latin typeface="Rockwell" panose="02060603020205020403"/>
+        <a:latin typeface="Rockwell"/>
         <a:ea typeface=""/>
         <a:cs typeface=""/>
         <a:font script="Grek" typeface="Cambria"/>
@@ -25852,11 +26232,9 @@
       </a:bgFillStyleLst>
     </a:fmtScheme>
   </a:themeElements>
-  <a:objectDefaults/>
-  <a:extraClrSchemeLst/>
   <a:extLst>
     <a:ext uri="{05A4C25C-085E-4340-85A3-A5531E510DB2}">
-      <thm15:themeFamily xmlns:thm15="http://schemas.microsoft.com/office/thememl/2012/main" name="Wood Type" id="{7ACABC62-BF99-48CF-A9DC-4DB89C7B13DC}" vid="{142A1326-48AB-42A9-8428-CB14AA30176D}"/>
+      <thm15:themeFamily xmlns:thm15="http://schemas.microsoft.com/office/thememl/2012/main" name="Office Theme" id="{62F939B6-93AF-4DB8-9C6B-D6C7DFDC589F}" vid="{4A3C46E8-61CC-4603-A589-7422A47A8E4A}"/>
     </a:ext>
   </a:extLst>
 </a:theme>
@@ -26113,8 +26491,6 @@
       </a:bgFillStyleLst>
     </a:fmtScheme>
   </a:themeElements>
-  <a:objectDefaults/>
-  <a:extraClrSchemeLst/>
   <a:extLst>
     <a:ext uri="{05A4C25C-085E-4340-85A3-A5531E510DB2}">
       <thm15:themeFamily xmlns:thm15="http://schemas.microsoft.com/office/thememl/2012/main" name="Office Theme" id="{62F939B6-93AF-4DB8-9C6B-D6C7DFDC589F}" vid="{4A3C46E8-61CC-4603-A589-7422A47A8E4A}"/>

--- a/slide/D17CQAT01_PhanDai_N17DCAT013.pptx
+++ b/slide/D17CQAT01_PhanDai_N17DCAT013.pptx
@@ -5,25 +5,27 @@
     <p:sldMasterId id="2147483648" r:id="rId1"/>
   </p:sldMasterIdLst>
   <p:notesMasterIdLst>
-    <p:notesMasterId r:id="rId19"/>
+    <p:notesMasterId r:id="rId21"/>
   </p:notesMasterIdLst>
   <p:sldIdLst>
     <p:sldId id="256" r:id="rId3"/>
     <p:sldId id="257" r:id="rId4"/>
     <p:sldId id="261" r:id="rId5"/>
     <p:sldId id="260" r:id="rId6"/>
-    <p:sldId id="272" r:id="rId7"/>
-    <p:sldId id="266" r:id="rId8"/>
-    <p:sldId id="273" r:id="rId9"/>
-    <p:sldId id="271" r:id="rId10"/>
-    <p:sldId id="274" r:id="rId11"/>
-    <p:sldId id="275" r:id="rId12"/>
-    <p:sldId id="276" r:id="rId13"/>
-    <p:sldId id="277" r:id="rId14"/>
-    <p:sldId id="278" r:id="rId15"/>
-    <p:sldId id="262" r:id="rId16"/>
-    <p:sldId id="259" r:id="rId17"/>
-    <p:sldId id="258" r:id="rId18"/>
+    <p:sldId id="284" r:id="rId7"/>
+    <p:sldId id="285" r:id="rId8"/>
+    <p:sldId id="272" r:id="rId9"/>
+    <p:sldId id="266" r:id="rId10"/>
+    <p:sldId id="273" r:id="rId11"/>
+    <p:sldId id="271" r:id="rId12"/>
+    <p:sldId id="274" r:id="rId13"/>
+    <p:sldId id="275" r:id="rId14"/>
+    <p:sldId id="276" r:id="rId15"/>
+    <p:sldId id="277" r:id="rId16"/>
+    <p:sldId id="278" r:id="rId17"/>
+    <p:sldId id="262" r:id="rId18"/>
+    <p:sldId id="259" r:id="rId19"/>
+    <p:sldId id="258" r:id="rId20"/>
   </p:sldIdLst>
   <p:sldSz cx="12192000" cy="6858000"/>
   <p:notesSz cx="6858000" cy="9144000"/>
@@ -5487,6 +5489,2614 @@
 </file>
 
 <file path=ppt/slides/slide10.xml><?xml version="1.0" encoding="utf-8"?>
+<p:sld xmlns:a="http://schemas.openxmlformats.org/drawingml/2006/main" xmlns:r="http://schemas.openxmlformats.org/officeDocument/2006/relationships" xmlns:p="http://schemas.openxmlformats.org/presentationml/2006/main">
+  <p:cSld>
+    <p:spTree>
+      <p:nvGrpSpPr>
+        <p:cNvPr id="1" name=""/>
+        <p:cNvGrpSpPr/>
+        <p:nvPr/>
+      </p:nvGrpSpPr>
+      <p:grpSpPr>
+        <a:xfrm>
+          <a:off x="0" y="0"/>
+          <a:ext cx="0" cy="0"/>
+          <a:chOff x="0" y="0"/>
+          <a:chExt cx="0" cy="0"/>
+        </a:xfrm>
+      </p:grpSpPr>
+      <p:sp>
+        <p:nvSpPr>
+          <p:cNvPr id="6" name="Title 1"/>
+          <p:cNvSpPr>
+            <a:spLocks noGrp="1"/>
+          </p:cNvSpPr>
+          <p:nvPr>
+            <p:ph type="title"/>
+          </p:nvPr>
+        </p:nvSpPr>
+        <p:spPr>
+          <a:xfrm>
+            <a:off x="1019175" y="230505"/>
+            <a:ext cx="10058400" cy="657944"/>
+          </a:xfrm>
+        </p:spPr>
+        <p:txBody>
+          <a:bodyPr>
+            <a:normAutofit/>
+          </a:bodyPr>
+          <a:lstStyle/>
+          <a:p>
+            <a:r>
+              <a:rPr lang="en-US" sz="4000" b="1" spc="50" dirty="0" smtClean="0">
+                <a:blipFill>
+                  <a:blip r:embed="rId1">
+                    <a:extLst>
+                      <a:ext uri="{28A0092B-C50C-407E-A947-70E740481C1C}">
+                        <a14:useLocalDpi xmlns:a14="http://schemas.microsoft.com/office/drawing/2010/main" val="0"/>
+                      </a:ext>
+                    </a:extLst>
+                  </a:blip>
+                  <a:tile tx="6350" ty="-127000" sx="65000" sy="64000" flip="none" algn="tl"/>
+                </a:blipFill>
+                <a:latin typeface="Times New Roman" panose="02020603050405020304" pitchFamily="18" charset="0"/>
+                <a:cs typeface="Times New Roman" panose="02020603050405020304" pitchFamily="18" charset="0"/>
+                <a:sym typeface="+mn-ea"/>
+              </a:rPr>
+              <a:t>Cơ chế của DNS BLOCKCHAIN</a:t>
+            </a:r>
+            <a:endParaRPr lang="en-US" sz="4000" dirty="0">
+              <a:latin typeface="Arial" panose="020B0604020202020204" pitchFamily="34" charset="0"/>
+              <a:cs typeface="Arial" panose="020B0604020202020204" pitchFamily="34" charset="0"/>
+            </a:endParaRPr>
+          </a:p>
+        </p:txBody>
+      </p:sp>
+      <p:sp>
+        <p:nvSpPr>
+          <p:cNvPr id="4" name="Slide Number Placeholder 3"/>
+          <p:cNvSpPr>
+            <a:spLocks noGrp="1"/>
+          </p:cNvSpPr>
+          <p:nvPr>
+            <p:ph type="sldNum" sz="quarter" idx="12"/>
+          </p:nvPr>
+        </p:nvSpPr>
+        <p:spPr/>
+        <p:txBody>
+          <a:bodyPr/>
+          <a:lstStyle/>
+          <a:p>
+            <a:fld id="{040DEF24-717E-4741-8753-F7E431A261E5}" type="slidenum">
+              <a:rPr lang="en-US" smtClean="0"/>
+            </a:fld>
+            <a:endParaRPr lang="en-US"/>
+          </a:p>
+        </p:txBody>
+      </p:sp>
+      <p:pic>
+        <p:nvPicPr>
+          <p:cNvPr id="5" name="Picture 4"/>
+          <p:cNvPicPr/>
+          <p:nvPr/>
+        </p:nvPicPr>
+        <p:blipFill>
+          <a:blip r:embed="rId2"/>
+          <a:stretch>
+            <a:fillRect/>
+          </a:stretch>
+        </p:blipFill>
+        <p:spPr>
+          <a:xfrm>
+            <a:off x="6089044" y="1042812"/>
+            <a:ext cx="5243554" cy="2562867"/>
+          </a:xfrm>
+          <a:prstGeom prst="rect">
+            <a:avLst/>
+          </a:prstGeom>
+          <a:ln w="12700">
+            <a:solidFill>
+              <a:schemeClr val="tx1"/>
+            </a:solidFill>
+          </a:ln>
+        </p:spPr>
+      </p:pic>
+      <p:sp>
+        <p:nvSpPr>
+          <p:cNvPr id="7" name="Rectangle 6"/>
+          <p:cNvSpPr/>
+          <p:nvPr/>
+        </p:nvSpPr>
+        <p:spPr>
+          <a:xfrm>
+            <a:off x="0" y="0"/>
+            <a:ext cx="427839" cy="6858000"/>
+          </a:xfrm>
+          <a:prstGeom prst="rect">
+            <a:avLst/>
+          </a:prstGeom>
+          <a:solidFill>
+            <a:srgbClr val="CE2127"/>
+          </a:solidFill>
+        </p:spPr>
+        <p:style>
+          <a:lnRef idx="2">
+            <a:schemeClr val="accent1">
+              <a:shade val="50000"/>
+            </a:schemeClr>
+          </a:lnRef>
+          <a:fillRef idx="1">
+            <a:schemeClr val="accent1"/>
+          </a:fillRef>
+          <a:effectRef idx="0">
+            <a:schemeClr val="accent1"/>
+          </a:effectRef>
+          <a:fontRef idx="minor">
+            <a:schemeClr val="lt1"/>
+          </a:fontRef>
+        </p:style>
+        <p:txBody>
+          <a:bodyPr rtlCol="0" anchor="ctr"/>
+          <a:lstStyle/>
+          <a:p>
+            <a:pPr algn="ctr"/>
+            <a:endParaRPr lang="en-US">
+              <a:solidFill>
+                <a:srgbClr val="FF0000"/>
+              </a:solidFill>
+            </a:endParaRPr>
+          </a:p>
+        </p:txBody>
+      </p:sp>
+      <p:sp>
+        <p:nvSpPr>
+          <p:cNvPr id="8" name="TextBox 7"/>
+          <p:cNvSpPr txBox="1"/>
+          <p:nvPr/>
+        </p:nvSpPr>
+        <p:spPr>
+          <a:xfrm>
+            <a:off x="1044448" y="906044"/>
+            <a:ext cx="5019323" cy="461665"/>
+          </a:xfrm>
+          <a:prstGeom prst="rect">
+            <a:avLst/>
+          </a:prstGeom>
+          <a:noFill/>
+        </p:spPr>
+        <p:txBody>
+          <a:bodyPr wrap="none" rtlCol="0">
+            <a:spAutoFit/>
+          </a:bodyPr>
+          <a:lstStyle/>
+          <a:p>
+            <a:r>
+              <a:rPr lang="en-US" sz="2400" b="1" dirty="0" smtClean="0">
+                <a:solidFill>
+                  <a:schemeClr val="accent2">
+                    <a:lumMod val="50000"/>
+                  </a:schemeClr>
+                </a:solidFill>
+                <a:latin typeface="Arial" panose="020B0604020202020204" pitchFamily="34" charset="0"/>
+                <a:ea typeface="Roboto" panose="02000000000000000000" pitchFamily="2" charset="0"/>
+                <a:cs typeface="Arial" panose="020B0604020202020204" pitchFamily="34" charset="0"/>
+              </a:rPr>
+              <a:t>DNS Blockchain hoàn chỉnh gồm</a:t>
+            </a:r>
+            <a:endParaRPr lang="en-US" sz="2400" b="1" dirty="0">
+              <a:solidFill>
+                <a:schemeClr val="accent2">
+                  <a:lumMod val="50000"/>
+                </a:schemeClr>
+              </a:solidFill>
+              <a:latin typeface="Arial" panose="020B0604020202020204" pitchFamily="34" charset="0"/>
+              <a:ea typeface="Roboto" panose="02000000000000000000" pitchFamily="2" charset="0"/>
+              <a:cs typeface="Arial" panose="020B0604020202020204" pitchFamily="34" charset="0"/>
+            </a:endParaRPr>
+          </a:p>
+        </p:txBody>
+      </p:sp>
+      <p:sp>
+        <p:nvSpPr>
+          <p:cNvPr id="9" name="Rectangle 8"/>
+          <p:cNvSpPr/>
+          <p:nvPr/>
+        </p:nvSpPr>
+        <p:spPr>
+          <a:xfrm>
+            <a:off x="1076209" y="2815950"/>
+            <a:ext cx="1446397" cy="415498"/>
+          </a:xfrm>
+          <a:prstGeom prst="rect">
+            <a:avLst/>
+          </a:prstGeom>
+        </p:spPr>
+        <p:txBody>
+          <a:bodyPr wrap="square">
+            <a:spAutoFit/>
+          </a:bodyPr>
+          <a:lstStyle/>
+          <a:p>
+            <a:pPr lvl="0" algn="just">
+              <a:lnSpc>
+                <a:spcPct val="150000"/>
+              </a:lnSpc>
+              <a:spcAft>
+                <a:spcPts val="0"/>
+              </a:spcAft>
+            </a:pPr>
+            <a:r>
+              <a:rPr lang="en-US" sz="1400" b="1" dirty="0" smtClean="0">
+                <a:latin typeface="Arial" panose="020B0604020202020204" pitchFamily="34" charset="0"/>
+                <a:ea typeface="Calibri" panose="020F0502020204030204" pitchFamily="34" charset="0"/>
+                <a:cs typeface="Arial" panose="020B0604020202020204" pitchFamily="34" charset="0"/>
+              </a:rPr>
+              <a:t>Data Access: </a:t>
+            </a:r>
+            <a:endParaRPr lang="en-US" sz="1400" b="1" dirty="0" smtClean="0">
+              <a:latin typeface="Arial" panose="020B0604020202020204" pitchFamily="34" charset="0"/>
+              <a:ea typeface="Calibri" panose="020F0502020204030204" pitchFamily="34" charset="0"/>
+              <a:cs typeface="Arial" panose="020B0604020202020204" pitchFamily="34" charset="0"/>
+            </a:endParaRPr>
+          </a:p>
+        </p:txBody>
+      </p:sp>
+      <p:sp>
+        <p:nvSpPr>
+          <p:cNvPr id="2" name="Rectangle 1"/>
+          <p:cNvSpPr/>
+          <p:nvPr/>
+        </p:nvSpPr>
+        <p:spPr>
+          <a:xfrm>
+            <a:off x="1044448" y="4002387"/>
+            <a:ext cx="10288150" cy="808555"/>
+          </a:xfrm>
+          <a:prstGeom prst="rect">
+            <a:avLst/>
+          </a:prstGeom>
+          <a:solidFill>
+            <a:schemeClr val="tx2">
+              <a:lumMod val="20000"/>
+              <a:lumOff val="80000"/>
+            </a:schemeClr>
+          </a:solidFill>
+        </p:spPr>
+        <p:txBody>
+          <a:bodyPr wrap="square">
+            <a:spAutoFit/>
+          </a:bodyPr>
+          <a:lstStyle/>
+          <a:p>
+            <a:pPr marL="342900" lvl="0" indent="-342900" algn="just">
+              <a:lnSpc>
+                <a:spcPct val="114000"/>
+              </a:lnSpc>
+              <a:spcAft>
+                <a:spcPts val="0"/>
+              </a:spcAft>
+              <a:buFont typeface="Times New Roman" panose="02020603050405020304" pitchFamily="18" charset="0"/>
+              <a:buChar char="-"/>
+            </a:pPr>
+            <a:r>
+              <a:rPr lang="en-US" sz="1400" dirty="0" smtClean="0">
+                <a:latin typeface="Arial" panose="020B0604020202020204" pitchFamily="34" charset="0"/>
+                <a:ea typeface="Calibri" panose="020F0502020204030204" pitchFamily="34" charset="0"/>
+                <a:cs typeface="Arial" panose="020B0604020202020204" pitchFamily="34" charset="0"/>
+              </a:rPr>
+              <a:t>Domain </a:t>
+            </a:r>
+            <a:r>
+              <a:rPr lang="en-US" sz="1400" dirty="0">
+                <a:latin typeface="Arial" panose="020B0604020202020204" pitchFamily="34" charset="0"/>
+                <a:ea typeface="Calibri" panose="020F0502020204030204" pitchFamily="34" charset="0"/>
+                <a:cs typeface="Arial" panose="020B0604020202020204" pitchFamily="34" charset="0"/>
+              </a:rPr>
+              <a:t>Name Service </a:t>
+            </a:r>
+            <a:r>
+              <a:rPr lang="en-US" sz="1400" dirty="0" smtClean="0">
+                <a:latin typeface="Arial" panose="020B0604020202020204" pitchFamily="34" charset="0"/>
+                <a:ea typeface="Calibri" panose="020F0502020204030204" pitchFamily="34" charset="0"/>
+                <a:cs typeface="Arial" panose="020B0604020202020204" pitchFamily="34" charset="0"/>
+              </a:rPr>
+              <a:t>Center ( DSC ) đóng vai trò hạn chế kiểm tra dữ liệu đầu vào trùng lặp hoặc không hợp lệ</a:t>
+            </a:r>
+            <a:endParaRPr lang="en-US" sz="1400" dirty="0" smtClean="0">
+              <a:latin typeface="Arial" panose="020B0604020202020204" pitchFamily="34" charset="0"/>
+              <a:ea typeface="Calibri" panose="020F0502020204030204" pitchFamily="34" charset="0"/>
+              <a:cs typeface="Arial" panose="020B0604020202020204" pitchFamily="34" charset="0"/>
+            </a:endParaRPr>
+          </a:p>
+          <a:p>
+            <a:pPr marL="342900" lvl="0" indent="-342900" algn="just">
+              <a:lnSpc>
+                <a:spcPct val="114000"/>
+              </a:lnSpc>
+              <a:spcAft>
+                <a:spcPts val="0"/>
+              </a:spcAft>
+              <a:buFont typeface="Times New Roman" panose="02020603050405020304" pitchFamily="18" charset="0"/>
+              <a:buChar char="-"/>
+            </a:pPr>
+            <a:r>
+              <a:rPr lang="en-US" sz="1400" dirty="0">
+                <a:latin typeface="Arial" panose="020B0604020202020204" pitchFamily="34" charset="0"/>
+                <a:ea typeface="Calibri" panose="020F0502020204030204" pitchFamily="34" charset="0"/>
+                <a:cs typeface="Arial" panose="020B0604020202020204" pitchFamily="34" charset="0"/>
+              </a:rPr>
+              <a:t>TLD Service Centers</a:t>
+            </a:r>
+            <a:r>
+              <a:rPr lang="en-US" sz="1400" dirty="0" smtClean="0">
+                <a:latin typeface="Arial" panose="020B0604020202020204" pitchFamily="34" charset="0"/>
+                <a:ea typeface="Calibri" panose="020F0502020204030204" pitchFamily="34" charset="0"/>
+                <a:cs typeface="Arial" panose="020B0604020202020204" pitchFamily="34" charset="0"/>
+              </a:rPr>
+              <a:t> ( TSC ) tiếp nhận yêu cầu có </a:t>
+            </a:r>
+            <a:r>
+              <a:rPr lang="en-US" sz="1400" dirty="0">
+                <a:latin typeface="Arial" panose="020B0604020202020204" pitchFamily="34" charset="0"/>
+                <a:ea typeface="Calibri" panose="020F0502020204030204" pitchFamily="34" charset="0"/>
+                <a:cs typeface="Arial" panose="020B0604020202020204" pitchFamily="34" charset="0"/>
+              </a:rPr>
+              <a:t>chỉ định cần phải </a:t>
+            </a:r>
+            <a:r>
+              <a:rPr lang="en-US" sz="1400" dirty="0" smtClean="0">
+                <a:latin typeface="Arial" panose="020B0604020202020204" pitchFamily="34" charset="0"/>
+                <a:ea typeface="Calibri" panose="020F0502020204030204" pitchFamily="34" charset="0"/>
+                <a:cs typeface="Arial" panose="020B0604020202020204" pitchFamily="34" charset="0"/>
+              </a:rPr>
+              <a:t>thêm, sửa </a:t>
+            </a:r>
+            <a:r>
+              <a:rPr lang="en-US" sz="1400" dirty="0">
+                <a:latin typeface="Arial" panose="020B0604020202020204" pitchFamily="34" charset="0"/>
+                <a:ea typeface="Calibri" panose="020F0502020204030204" pitchFamily="34" charset="0"/>
+                <a:cs typeface="Arial" panose="020B0604020202020204" pitchFamily="34" charset="0"/>
+              </a:rPr>
+              <a:t>hoặc hủy bỏ, TSC sẽ tiến hành thực thi tùy theo trường hợp phát </a:t>
+            </a:r>
+            <a:r>
+              <a:rPr lang="en-US" sz="1400" dirty="0" smtClean="0">
+                <a:latin typeface="Arial" panose="020B0604020202020204" pitchFamily="34" charset="0"/>
+                <a:ea typeface="Calibri" panose="020F0502020204030204" pitchFamily="34" charset="0"/>
+                <a:cs typeface="Arial" panose="020B0604020202020204" pitchFamily="34" charset="0"/>
+              </a:rPr>
+              <a:t>sinh. </a:t>
+            </a:r>
+            <a:endParaRPr lang="en-US" sz="1400" dirty="0" smtClean="0">
+              <a:latin typeface="Arial" panose="020B0604020202020204" pitchFamily="34" charset="0"/>
+              <a:ea typeface="Calibri" panose="020F0502020204030204" pitchFamily="34" charset="0"/>
+              <a:cs typeface="Arial" panose="020B0604020202020204" pitchFamily="34" charset="0"/>
+            </a:endParaRPr>
+          </a:p>
+        </p:txBody>
+      </p:sp>
+      <p:sp>
+        <p:nvSpPr>
+          <p:cNvPr id="3" name="TextBox 2"/>
+          <p:cNvSpPr txBox="1"/>
+          <p:nvPr/>
+        </p:nvSpPr>
+        <p:spPr>
+          <a:xfrm>
+            <a:off x="2353041" y="1456100"/>
+            <a:ext cx="3431300" cy="738664"/>
+          </a:xfrm>
+          <a:prstGeom prst="rect">
+            <a:avLst/>
+          </a:prstGeom>
+          <a:noFill/>
+        </p:spPr>
+        <p:txBody>
+          <a:bodyPr wrap="square" rtlCol="0">
+            <a:spAutoFit/>
+          </a:bodyPr>
+          <a:lstStyle/>
+          <a:p>
+            <a:pPr lvl="0"/>
+            <a:r>
+              <a:rPr lang="en-US" sz="1400" dirty="0">
+                <a:latin typeface="Arial" panose="020B0604020202020204" pitchFamily="34" charset="0"/>
+                <a:ea typeface="Calibri" panose="020F0502020204030204" pitchFamily="34" charset="0"/>
+                <a:cs typeface="Arial" panose="020B0604020202020204" pitchFamily="34" charset="0"/>
+              </a:rPr>
+              <a:t>Chịu trách nhiệm cho việc upload dữ liệu tên miền và thực thi những yêu cầu với dữ liệu upload</a:t>
+            </a:r>
+            <a:r>
+              <a:rPr lang="en-US" sz="1400" dirty="0" smtClean="0">
+                <a:latin typeface="Arial" panose="020B0604020202020204" pitchFamily="34" charset="0"/>
+                <a:ea typeface="Calibri" panose="020F0502020204030204" pitchFamily="34" charset="0"/>
+                <a:cs typeface="Arial" panose="020B0604020202020204" pitchFamily="34" charset="0"/>
+              </a:rPr>
+              <a:t>.</a:t>
+            </a:r>
+            <a:endParaRPr lang="en-US" sz="1400" dirty="0">
+              <a:latin typeface="Arial" panose="020B0604020202020204" pitchFamily="34" charset="0"/>
+              <a:ea typeface="Calibri" panose="020F0502020204030204" pitchFamily="34" charset="0"/>
+              <a:cs typeface="Arial" panose="020B0604020202020204" pitchFamily="34" charset="0"/>
+            </a:endParaRPr>
+          </a:p>
+        </p:txBody>
+      </p:sp>
+      <p:sp>
+        <p:nvSpPr>
+          <p:cNvPr id="10" name="TextBox 9"/>
+          <p:cNvSpPr txBox="1"/>
+          <p:nvPr/>
+        </p:nvSpPr>
+        <p:spPr>
+          <a:xfrm>
+            <a:off x="2353041" y="2241385"/>
+            <a:ext cx="3431300" cy="587853"/>
+          </a:xfrm>
+          <a:prstGeom prst="rect">
+            <a:avLst/>
+          </a:prstGeom>
+          <a:noFill/>
+        </p:spPr>
+        <p:txBody>
+          <a:bodyPr wrap="square" rtlCol="0">
+            <a:spAutoFit/>
+          </a:bodyPr>
+          <a:lstStyle/>
+          <a:p>
+            <a:pPr lvl="0" algn="just">
+              <a:lnSpc>
+                <a:spcPct val="115000"/>
+              </a:lnSpc>
+              <a:spcBef>
+                <a:spcPts val="300"/>
+              </a:spcBef>
+              <a:spcAft>
+                <a:spcPts val="0"/>
+              </a:spcAft>
+            </a:pPr>
+            <a:r>
+              <a:rPr lang="en-US" sz="1400" dirty="0">
+                <a:latin typeface="Arial" panose="020B0604020202020204" pitchFamily="34" charset="0"/>
+                <a:ea typeface="Calibri" panose="020F0502020204030204" pitchFamily="34" charset="0"/>
+                <a:cs typeface="Arial" panose="020B0604020202020204" pitchFamily="34" charset="0"/>
+              </a:rPr>
+              <a:t>Blockchain lưu trữ những dữ liệu tên miền đã được đồng bộ hóa. </a:t>
+            </a:r>
+            <a:endParaRPr lang="en-US" sz="1400" dirty="0">
+              <a:latin typeface="Arial" panose="020B0604020202020204" pitchFamily="34" charset="0"/>
+              <a:ea typeface="Calibri" panose="020F0502020204030204" pitchFamily="34" charset="0"/>
+              <a:cs typeface="Arial" panose="020B0604020202020204" pitchFamily="34" charset="0"/>
+            </a:endParaRPr>
+          </a:p>
+        </p:txBody>
+      </p:sp>
+      <p:sp>
+        <p:nvSpPr>
+          <p:cNvPr id="12" name="TextBox 11"/>
+          <p:cNvSpPr txBox="1"/>
+          <p:nvPr/>
+        </p:nvSpPr>
+        <p:spPr>
+          <a:xfrm>
+            <a:off x="2353040" y="2890569"/>
+            <a:ext cx="3431301" cy="587853"/>
+          </a:xfrm>
+          <a:prstGeom prst="rect">
+            <a:avLst/>
+          </a:prstGeom>
+          <a:noFill/>
+        </p:spPr>
+        <p:txBody>
+          <a:bodyPr wrap="square" rtlCol="0">
+            <a:spAutoFit/>
+          </a:bodyPr>
+          <a:lstStyle/>
+          <a:p>
+            <a:pPr lvl="0" algn="just">
+              <a:lnSpc>
+                <a:spcPct val="115000"/>
+              </a:lnSpc>
+              <a:spcAft>
+                <a:spcPts val="300"/>
+              </a:spcAft>
+            </a:pPr>
+            <a:r>
+              <a:rPr lang="en-US" sz="1400" dirty="0">
+                <a:latin typeface="Arial" panose="020B0604020202020204" pitchFamily="34" charset="0"/>
+                <a:ea typeface="Calibri" panose="020F0502020204030204" pitchFamily="34" charset="0"/>
+                <a:cs typeface="Arial" panose="020B0604020202020204" pitchFamily="34" charset="0"/>
+              </a:rPr>
+              <a:t>Chịu trách nhiệm nhận yêu cầu và trả kết quả phân giải cho người yêu cầu</a:t>
+            </a:r>
+            <a:r>
+              <a:rPr lang="en-US" sz="1400" dirty="0" smtClean="0">
+                <a:latin typeface="Arial" panose="020B0604020202020204" pitchFamily="34" charset="0"/>
+                <a:ea typeface="Calibri" panose="020F0502020204030204" pitchFamily="34" charset="0"/>
+                <a:cs typeface="Arial" panose="020B0604020202020204" pitchFamily="34" charset="0"/>
+              </a:rPr>
+              <a:t>.</a:t>
+            </a:r>
+            <a:endParaRPr lang="en-US" sz="1400" dirty="0">
+              <a:latin typeface="Arial" panose="020B0604020202020204" pitchFamily="34" charset="0"/>
+              <a:ea typeface="Calibri" panose="020F0502020204030204" pitchFamily="34" charset="0"/>
+              <a:cs typeface="Arial" panose="020B0604020202020204" pitchFamily="34" charset="0"/>
+            </a:endParaRPr>
+          </a:p>
+        </p:txBody>
+      </p:sp>
+      <p:sp>
+        <p:nvSpPr>
+          <p:cNvPr id="13" name="Rectangle 12"/>
+          <p:cNvSpPr/>
+          <p:nvPr/>
+        </p:nvSpPr>
+        <p:spPr>
+          <a:xfrm>
+            <a:off x="1044448" y="3680533"/>
+            <a:ext cx="1782860" cy="318998"/>
+          </a:xfrm>
+          <a:prstGeom prst="rect">
+            <a:avLst/>
+          </a:prstGeom>
+        </p:spPr>
+        <p:txBody>
+          <a:bodyPr wrap="none">
+            <a:spAutoFit/>
+          </a:bodyPr>
+          <a:lstStyle/>
+          <a:p>
+            <a:pPr lvl="0" algn="just">
+              <a:lnSpc>
+                <a:spcPct val="115000"/>
+              </a:lnSpc>
+              <a:spcBef>
+                <a:spcPts val="300"/>
+              </a:spcBef>
+              <a:spcAft>
+                <a:spcPts val="0"/>
+              </a:spcAft>
+            </a:pPr>
+            <a:r>
+              <a:rPr lang="en-US" sz="1400" b="1" dirty="0" smtClean="0">
+                <a:solidFill>
+                  <a:schemeClr val="accent2">
+                    <a:lumMod val="50000"/>
+                  </a:schemeClr>
+                </a:solidFill>
+                <a:latin typeface="Arial" panose="020B0604020202020204" pitchFamily="34" charset="0"/>
+                <a:ea typeface="Roboto" panose="02000000000000000000" pitchFamily="2" charset="0"/>
+                <a:cs typeface="Arial" panose="020B0604020202020204" pitchFamily="34" charset="0"/>
+              </a:rPr>
+              <a:t>Giai đoạn chuẩn bị</a:t>
+            </a:r>
+            <a:endParaRPr lang="en-US" sz="1400" b="1" dirty="0">
+              <a:solidFill>
+                <a:schemeClr val="accent2">
+                  <a:lumMod val="50000"/>
+                </a:schemeClr>
+              </a:solidFill>
+              <a:latin typeface="Arial" panose="020B0604020202020204" pitchFamily="34" charset="0"/>
+              <a:ea typeface="Roboto" panose="02000000000000000000" pitchFamily="2" charset="0"/>
+              <a:cs typeface="Arial" panose="020B0604020202020204" pitchFamily="34" charset="0"/>
+            </a:endParaRPr>
+          </a:p>
+        </p:txBody>
+      </p:sp>
+      <p:sp>
+        <p:nvSpPr>
+          <p:cNvPr id="14" name="Rectangle 13"/>
+          <p:cNvSpPr/>
+          <p:nvPr/>
+        </p:nvSpPr>
+        <p:spPr>
+          <a:xfrm>
+            <a:off x="1044448" y="4878223"/>
+            <a:ext cx="1891865" cy="318998"/>
+          </a:xfrm>
+          <a:prstGeom prst="rect">
+            <a:avLst/>
+          </a:prstGeom>
+        </p:spPr>
+        <p:txBody>
+          <a:bodyPr wrap="none">
+            <a:spAutoFit/>
+          </a:bodyPr>
+          <a:lstStyle/>
+          <a:p>
+            <a:pPr algn="just">
+              <a:lnSpc>
+                <a:spcPct val="115000"/>
+              </a:lnSpc>
+              <a:spcBef>
+                <a:spcPts val="300"/>
+              </a:spcBef>
+            </a:pPr>
+            <a:r>
+              <a:rPr lang="en-US" sz="1400" b="1" dirty="0">
+                <a:solidFill>
+                  <a:schemeClr val="accent2">
+                    <a:lumMod val="50000"/>
+                  </a:schemeClr>
+                </a:solidFill>
+                <a:latin typeface="Arial" panose="020B0604020202020204" pitchFamily="34" charset="0"/>
+                <a:ea typeface="Roboto" panose="02000000000000000000" pitchFamily="2" charset="0"/>
+                <a:cs typeface="Arial" panose="020B0604020202020204" pitchFamily="34" charset="0"/>
+              </a:rPr>
+              <a:t>Giai đoạn tương tác</a:t>
+            </a:r>
+            <a:endParaRPr lang="en-US" sz="1400" b="1" dirty="0">
+              <a:solidFill>
+                <a:schemeClr val="accent2">
+                  <a:lumMod val="50000"/>
+                </a:schemeClr>
+              </a:solidFill>
+              <a:latin typeface="Arial" panose="020B0604020202020204" pitchFamily="34" charset="0"/>
+              <a:ea typeface="Roboto" panose="02000000000000000000" pitchFamily="2" charset="0"/>
+              <a:cs typeface="Arial" panose="020B0604020202020204" pitchFamily="34" charset="0"/>
+            </a:endParaRPr>
+          </a:p>
+        </p:txBody>
+      </p:sp>
+      <p:sp>
+        <p:nvSpPr>
+          <p:cNvPr id="16" name="Rectangle 15"/>
+          <p:cNvSpPr/>
+          <p:nvPr/>
+        </p:nvSpPr>
+        <p:spPr>
+          <a:xfrm>
+            <a:off x="1019175" y="5212969"/>
+            <a:ext cx="10313423" cy="1299715"/>
+          </a:xfrm>
+          <a:prstGeom prst="rect">
+            <a:avLst/>
+          </a:prstGeom>
+          <a:solidFill>
+            <a:schemeClr val="tx2">
+              <a:lumMod val="20000"/>
+              <a:lumOff val="80000"/>
+            </a:schemeClr>
+          </a:solidFill>
+        </p:spPr>
+        <p:txBody>
+          <a:bodyPr wrap="square">
+            <a:spAutoFit/>
+          </a:bodyPr>
+          <a:lstStyle/>
+          <a:p>
+            <a:pPr marL="342900" lvl="0" indent="-342900" algn="just">
+              <a:lnSpc>
+                <a:spcPct val="114000"/>
+              </a:lnSpc>
+              <a:spcBef>
+                <a:spcPts val="300"/>
+              </a:spcBef>
+              <a:spcAft>
+                <a:spcPts val="0"/>
+              </a:spcAft>
+              <a:buFont typeface="Times New Roman" panose="02020603050405020304" pitchFamily="18" charset="0"/>
+              <a:buChar char="-"/>
+            </a:pPr>
+            <a:r>
+              <a:rPr lang="en-US" sz="1400" dirty="0">
+                <a:latin typeface="Arial" panose="020B0604020202020204" pitchFamily="34" charset="0"/>
+                <a:ea typeface="Calibri" panose="020F0502020204030204" pitchFamily="34" charset="0"/>
+                <a:cs typeface="Arial" panose="020B0604020202020204" pitchFamily="34" charset="0"/>
+              </a:rPr>
+              <a:t>Sau khi được khởi tạo và đồng bộ dữ liệu, </a:t>
+            </a:r>
+            <a:r>
+              <a:rPr lang="en-US" sz="1400" dirty="0" smtClean="0">
+                <a:latin typeface="Arial" panose="020B0604020202020204" pitchFamily="34" charset="0"/>
+                <a:ea typeface="Calibri" panose="020F0502020204030204" pitchFamily="34" charset="0"/>
+                <a:cs typeface="Arial" panose="020B0604020202020204" pitchFamily="34" charset="0"/>
+              </a:rPr>
+              <a:t>TLDChain </a:t>
+            </a:r>
+            <a:r>
+              <a:rPr lang="en-US" sz="1400" dirty="0">
+                <a:latin typeface="Arial" panose="020B0604020202020204" pitchFamily="34" charset="0"/>
+                <a:ea typeface="Calibri" panose="020F0502020204030204" pitchFamily="34" charset="0"/>
+                <a:cs typeface="Arial" panose="020B0604020202020204" pitchFamily="34" charset="0"/>
+              </a:rPr>
+              <a:t>hoặc có thể gọi là Blockchain sẽ chia làm 2 chuyên mục : </a:t>
+            </a:r>
+            <a:r>
+              <a:rPr lang="en-US" sz="1400" dirty="0" smtClean="0">
+                <a:latin typeface="Arial" panose="020B0604020202020204" pitchFamily="34" charset="0"/>
+                <a:ea typeface="Calibri" panose="020F0502020204030204" pitchFamily="34" charset="0"/>
+                <a:cs typeface="Arial" panose="020B0604020202020204" pitchFamily="34" charset="0"/>
+              </a:rPr>
+              <a:t>thông thường hoặc </a:t>
+            </a:r>
+            <a:r>
+              <a:rPr lang="en-US" sz="1400" dirty="0">
+                <a:latin typeface="Arial" panose="020B0604020202020204" pitchFamily="34" charset="0"/>
+                <a:ea typeface="Calibri" panose="020F0502020204030204" pitchFamily="34" charset="0"/>
+                <a:cs typeface="Arial" panose="020B0604020202020204" pitchFamily="34" charset="0"/>
+              </a:rPr>
+              <a:t>chỉ định theo một lựa chọn nào đó ( ở ví dụ sẽ là quốc gia ) nhờ đó có thể áp dụng phân quyền tạo nên một Permissioned Blockchain ( kết hợp giữa Public và Private ).</a:t>
+            </a:r>
+            <a:endParaRPr lang="en-US" sz="1400" dirty="0">
+              <a:latin typeface="Arial" panose="020B0604020202020204" pitchFamily="34" charset="0"/>
+              <a:ea typeface="Calibri" panose="020F0502020204030204" pitchFamily="34" charset="0"/>
+              <a:cs typeface="Arial" panose="020B0604020202020204" pitchFamily="34" charset="0"/>
+            </a:endParaRPr>
+          </a:p>
+          <a:p>
+            <a:pPr marL="342900" lvl="0" indent="-342900" algn="just">
+              <a:lnSpc>
+                <a:spcPct val="114000"/>
+              </a:lnSpc>
+              <a:spcAft>
+                <a:spcPts val="300"/>
+              </a:spcAft>
+              <a:buFont typeface="Times New Roman" panose="02020603050405020304" pitchFamily="18" charset="0"/>
+              <a:buChar char="-"/>
+            </a:pPr>
+            <a:r>
+              <a:rPr lang="en-US" sz="1400" dirty="0">
+                <a:latin typeface="Arial" panose="020B0604020202020204" pitchFamily="34" charset="0"/>
+                <a:ea typeface="Calibri" panose="020F0502020204030204" pitchFamily="34" charset="0"/>
+                <a:cs typeface="Arial" panose="020B0604020202020204" pitchFamily="34" charset="0"/>
+              </a:rPr>
+              <a:t>Giai đoạn cuối cùng là Data Access, là nơi tiếp nhận thông tin của các người dùng và trực tiếp trả về kết quả thông qua việc xử lý thông tin ở TLDChain.</a:t>
+            </a:r>
+            <a:endParaRPr lang="en-US" sz="1400" dirty="0">
+              <a:latin typeface="Arial" panose="020B0604020202020204" pitchFamily="34" charset="0"/>
+              <a:ea typeface="Calibri" panose="020F0502020204030204" pitchFamily="34" charset="0"/>
+              <a:cs typeface="Arial" panose="020B0604020202020204" pitchFamily="34" charset="0"/>
+            </a:endParaRPr>
+          </a:p>
+        </p:txBody>
+      </p:sp>
+      <p:sp>
+        <p:nvSpPr>
+          <p:cNvPr id="17" name="Rectangle 16"/>
+          <p:cNvSpPr/>
+          <p:nvPr/>
+        </p:nvSpPr>
+        <p:spPr>
+          <a:xfrm>
+            <a:off x="1044448" y="1377141"/>
+            <a:ext cx="1327608" cy="375552"/>
+          </a:xfrm>
+          <a:prstGeom prst="rect">
+            <a:avLst/>
+          </a:prstGeom>
+        </p:spPr>
+        <p:txBody>
+          <a:bodyPr wrap="none">
+            <a:spAutoFit/>
+          </a:bodyPr>
+          <a:lstStyle/>
+          <a:p>
+            <a:pPr lvl="0">
+              <a:lnSpc>
+                <a:spcPct val="150000"/>
+              </a:lnSpc>
+              <a:spcBef>
+                <a:spcPts val="300"/>
+              </a:spcBef>
+            </a:pPr>
+            <a:r>
+              <a:rPr lang="en-US" sz="1400" b="1" dirty="0">
+                <a:latin typeface="Arial" panose="020B0604020202020204" pitchFamily="34" charset="0"/>
+                <a:ea typeface="Calibri" panose="020F0502020204030204" pitchFamily="34" charset="0"/>
+                <a:cs typeface="Arial" panose="020B0604020202020204" pitchFamily="34" charset="0"/>
+              </a:rPr>
+              <a:t>Data Publish:</a:t>
+            </a:r>
+            <a:endParaRPr lang="en-US" sz="1400" b="1" dirty="0">
+              <a:latin typeface="Arial" panose="020B0604020202020204" pitchFamily="34" charset="0"/>
+              <a:ea typeface="Calibri" panose="020F0502020204030204" pitchFamily="34" charset="0"/>
+              <a:cs typeface="Arial" panose="020B0604020202020204" pitchFamily="34" charset="0"/>
+            </a:endParaRPr>
+          </a:p>
+        </p:txBody>
+      </p:sp>
+      <p:sp>
+        <p:nvSpPr>
+          <p:cNvPr id="18" name="TextBox 17"/>
+          <p:cNvSpPr txBox="1"/>
+          <p:nvPr/>
+        </p:nvSpPr>
+        <p:spPr>
+          <a:xfrm>
+            <a:off x="1044448" y="2256321"/>
+            <a:ext cx="1138453" cy="307777"/>
+          </a:xfrm>
+          <a:prstGeom prst="rect">
+            <a:avLst/>
+          </a:prstGeom>
+          <a:noFill/>
+        </p:spPr>
+        <p:txBody>
+          <a:bodyPr wrap="none" rtlCol="0">
+            <a:spAutoFit/>
+          </a:bodyPr>
+          <a:lstStyle/>
+          <a:p>
+            <a:pPr lvl="0"/>
+            <a:r>
+              <a:rPr lang="en-US" sz="1400" b="1" dirty="0">
+                <a:latin typeface="Arial" panose="020B0604020202020204" pitchFamily="34" charset="0"/>
+                <a:ea typeface="Calibri" panose="020F0502020204030204" pitchFamily="34" charset="0"/>
+                <a:cs typeface="Arial" panose="020B0604020202020204" pitchFamily="34" charset="0"/>
+              </a:rPr>
+              <a:t>TLD </a:t>
+            </a:r>
+            <a:r>
+              <a:rPr lang="en-US" sz="1400" b="1" dirty="0" smtClean="0">
+                <a:latin typeface="Arial" panose="020B0604020202020204" pitchFamily="34" charset="0"/>
+                <a:ea typeface="Calibri" panose="020F0502020204030204" pitchFamily="34" charset="0"/>
+                <a:cs typeface="Arial" panose="020B0604020202020204" pitchFamily="34" charset="0"/>
+              </a:rPr>
+              <a:t>Chain:</a:t>
+            </a:r>
+            <a:endParaRPr lang="en-US" sz="1400" b="1" dirty="0">
+              <a:latin typeface="Arial" panose="020B0604020202020204" pitchFamily="34" charset="0"/>
+              <a:ea typeface="Calibri" panose="020F0502020204030204" pitchFamily="34" charset="0"/>
+              <a:cs typeface="Arial" panose="020B0604020202020204" pitchFamily="34" charset="0"/>
+            </a:endParaRPr>
+          </a:p>
+        </p:txBody>
+      </p:sp>
+    </p:spTree>
+  </p:cSld>
+  <p:clrMapOvr>
+    <a:masterClrMapping/>
+  </p:clrMapOvr>
+  <p:transition spd="slow">
+    <p:push dir="u"/>
+  </p:transition>
+  <p:timing>
+    <p:tnLst>
+      <p:par>
+        <p:cTn id="1" dur="indefinite" restart="never" nodeType="tmRoot">
+          <p:childTnLst>
+            <p:seq concurrent="1" nextAc="seek">
+              <p:cTn id="2" dur="indefinite" nodeType="mainSeq">
+                <p:childTnLst>
+                  <p:par>
+                    <p:cTn id="3" fill="hold">
+                      <p:stCondLst>
+                        <p:cond delay="indefinite"/>
+                        <p:cond evt="onBegin" delay="0">
+                          <p:tn val="2"/>
+                        </p:cond>
+                      </p:stCondLst>
+                      <p:childTnLst>
+                        <p:par>
+                          <p:cTn id="4" fill="hold">
+                            <p:stCondLst>
+                              <p:cond delay="0"/>
+                            </p:stCondLst>
+                            <p:childTnLst>
+                              <p:par>
+                                <p:cTn id="5" presetID="10" presetClass="entr" presetSubtype="0" fill="hold" grpId="0" nodeType="withEffect">
+                                  <p:stCondLst>
+                                    <p:cond delay="0"/>
+                                  </p:stCondLst>
+                                  <p:childTnLst>
+                                    <p:set>
+                                      <p:cBhvr>
+                                        <p:cTn id="6" dur="1" fill="hold">
+                                          <p:stCondLst>
+                                            <p:cond delay="0"/>
+                                          </p:stCondLst>
+                                        </p:cTn>
+                                        <p:tgtEl>
+                                          <p:spTgt spid="6"/>
+                                        </p:tgtEl>
+                                        <p:attrNameLst>
+                                          <p:attrName>style.visibility</p:attrName>
+                                        </p:attrNameLst>
+                                      </p:cBhvr>
+                                      <p:to>
+                                        <p:strVal val="visible"/>
+                                      </p:to>
+                                    </p:set>
+                                    <p:animEffect transition="in" filter="fade">
+                                      <p:cBhvr>
+                                        <p:cTn id="7" dur="500"/>
+                                        <p:tgtEl>
+                                          <p:spTgt spid="6"/>
+                                        </p:tgtEl>
+                                      </p:cBhvr>
+                                    </p:animEffect>
+                                  </p:childTnLst>
+                                </p:cTn>
+                              </p:par>
+                              <p:par>
+                                <p:cTn id="8" presetID="10" presetClass="entr" presetSubtype="0" fill="hold" grpId="0" nodeType="withEffect">
+                                  <p:stCondLst>
+                                    <p:cond delay="0"/>
+                                  </p:stCondLst>
+                                  <p:childTnLst>
+                                    <p:set>
+                                      <p:cBhvr>
+                                        <p:cTn id="9" dur="1" fill="hold">
+                                          <p:stCondLst>
+                                            <p:cond delay="0"/>
+                                          </p:stCondLst>
+                                        </p:cTn>
+                                        <p:tgtEl>
+                                          <p:spTgt spid="4"/>
+                                        </p:tgtEl>
+                                        <p:attrNameLst>
+                                          <p:attrName>style.visibility</p:attrName>
+                                        </p:attrNameLst>
+                                      </p:cBhvr>
+                                      <p:to>
+                                        <p:strVal val="visible"/>
+                                      </p:to>
+                                    </p:set>
+                                    <p:animEffect transition="in" filter="fade">
+                                      <p:cBhvr>
+                                        <p:cTn id="10" dur="500"/>
+                                        <p:tgtEl>
+                                          <p:spTgt spid="4"/>
+                                        </p:tgtEl>
+                                      </p:cBhvr>
+                                    </p:animEffect>
+                                  </p:childTnLst>
+                                </p:cTn>
+                              </p:par>
+                              <p:par>
+                                <p:cTn id="11" presetID="10" presetClass="entr" presetSubtype="0" fill="hold" nodeType="withEffect">
+                                  <p:stCondLst>
+                                    <p:cond delay="0"/>
+                                  </p:stCondLst>
+                                  <p:childTnLst>
+                                    <p:set>
+                                      <p:cBhvr>
+                                        <p:cTn id="12" dur="1" fill="hold">
+                                          <p:stCondLst>
+                                            <p:cond delay="0"/>
+                                          </p:stCondLst>
+                                        </p:cTn>
+                                        <p:tgtEl>
+                                          <p:spTgt spid="5"/>
+                                        </p:tgtEl>
+                                        <p:attrNameLst>
+                                          <p:attrName>style.visibility</p:attrName>
+                                        </p:attrNameLst>
+                                      </p:cBhvr>
+                                      <p:to>
+                                        <p:strVal val="visible"/>
+                                      </p:to>
+                                    </p:set>
+                                    <p:animEffect transition="in" filter="fade">
+                                      <p:cBhvr>
+                                        <p:cTn id="13" dur="500"/>
+                                        <p:tgtEl>
+                                          <p:spTgt spid="5"/>
+                                        </p:tgtEl>
+                                      </p:cBhvr>
+                                    </p:animEffect>
+                                  </p:childTnLst>
+                                </p:cTn>
+                              </p:par>
+                              <p:par>
+                                <p:cTn id="14" presetID="10" presetClass="entr" presetSubtype="0" fill="hold" grpId="0" nodeType="withEffect">
+                                  <p:stCondLst>
+                                    <p:cond delay="0"/>
+                                  </p:stCondLst>
+                                  <p:childTnLst>
+                                    <p:set>
+                                      <p:cBhvr>
+                                        <p:cTn id="15" dur="1" fill="hold">
+                                          <p:stCondLst>
+                                            <p:cond delay="0"/>
+                                          </p:stCondLst>
+                                        </p:cTn>
+                                        <p:tgtEl>
+                                          <p:spTgt spid="8"/>
+                                        </p:tgtEl>
+                                        <p:attrNameLst>
+                                          <p:attrName>style.visibility</p:attrName>
+                                        </p:attrNameLst>
+                                      </p:cBhvr>
+                                      <p:to>
+                                        <p:strVal val="visible"/>
+                                      </p:to>
+                                    </p:set>
+                                    <p:animEffect transition="in" filter="fade">
+                                      <p:cBhvr>
+                                        <p:cTn id="16" dur="500"/>
+                                        <p:tgtEl>
+                                          <p:spTgt spid="8"/>
+                                        </p:tgtEl>
+                                      </p:cBhvr>
+                                    </p:animEffect>
+                                  </p:childTnLst>
+                                </p:cTn>
+                              </p:par>
+                              <p:par>
+                                <p:cTn id="17" presetID="10" presetClass="entr" presetSubtype="0" fill="hold" grpId="0" nodeType="withEffect">
+                                  <p:stCondLst>
+                                    <p:cond delay="0"/>
+                                  </p:stCondLst>
+                                  <p:childTnLst>
+                                    <p:set>
+                                      <p:cBhvr>
+                                        <p:cTn id="18" dur="1" fill="hold">
+                                          <p:stCondLst>
+                                            <p:cond delay="0"/>
+                                          </p:stCondLst>
+                                        </p:cTn>
+                                        <p:tgtEl>
+                                          <p:spTgt spid="9"/>
+                                        </p:tgtEl>
+                                        <p:attrNameLst>
+                                          <p:attrName>style.visibility</p:attrName>
+                                        </p:attrNameLst>
+                                      </p:cBhvr>
+                                      <p:to>
+                                        <p:strVal val="visible"/>
+                                      </p:to>
+                                    </p:set>
+                                    <p:animEffect transition="in" filter="fade">
+                                      <p:cBhvr>
+                                        <p:cTn id="19" dur="500"/>
+                                        <p:tgtEl>
+                                          <p:spTgt spid="9"/>
+                                        </p:tgtEl>
+                                      </p:cBhvr>
+                                    </p:animEffect>
+                                  </p:childTnLst>
+                                </p:cTn>
+                              </p:par>
+                              <p:par>
+                                <p:cTn id="20" presetID="10" presetClass="entr" presetSubtype="0" fill="hold" grpId="0" nodeType="withEffect">
+                                  <p:stCondLst>
+                                    <p:cond delay="0"/>
+                                  </p:stCondLst>
+                                  <p:childTnLst>
+                                    <p:set>
+                                      <p:cBhvr>
+                                        <p:cTn id="21" dur="1" fill="hold">
+                                          <p:stCondLst>
+                                            <p:cond delay="0"/>
+                                          </p:stCondLst>
+                                        </p:cTn>
+                                        <p:tgtEl>
+                                          <p:spTgt spid="2"/>
+                                        </p:tgtEl>
+                                        <p:attrNameLst>
+                                          <p:attrName>style.visibility</p:attrName>
+                                        </p:attrNameLst>
+                                      </p:cBhvr>
+                                      <p:to>
+                                        <p:strVal val="visible"/>
+                                      </p:to>
+                                    </p:set>
+                                    <p:animEffect transition="in" filter="fade">
+                                      <p:cBhvr>
+                                        <p:cTn id="22" dur="500"/>
+                                        <p:tgtEl>
+                                          <p:spTgt spid="2"/>
+                                        </p:tgtEl>
+                                      </p:cBhvr>
+                                    </p:animEffect>
+                                  </p:childTnLst>
+                                </p:cTn>
+                              </p:par>
+                              <p:par>
+                                <p:cTn id="23" presetID="10" presetClass="entr" presetSubtype="0" fill="hold" grpId="0" nodeType="withEffect">
+                                  <p:stCondLst>
+                                    <p:cond delay="0"/>
+                                  </p:stCondLst>
+                                  <p:childTnLst>
+                                    <p:set>
+                                      <p:cBhvr>
+                                        <p:cTn id="24" dur="1" fill="hold">
+                                          <p:stCondLst>
+                                            <p:cond delay="0"/>
+                                          </p:stCondLst>
+                                        </p:cTn>
+                                        <p:tgtEl>
+                                          <p:spTgt spid="3"/>
+                                        </p:tgtEl>
+                                        <p:attrNameLst>
+                                          <p:attrName>style.visibility</p:attrName>
+                                        </p:attrNameLst>
+                                      </p:cBhvr>
+                                      <p:to>
+                                        <p:strVal val="visible"/>
+                                      </p:to>
+                                    </p:set>
+                                    <p:animEffect transition="in" filter="fade">
+                                      <p:cBhvr>
+                                        <p:cTn id="25" dur="500"/>
+                                        <p:tgtEl>
+                                          <p:spTgt spid="3"/>
+                                        </p:tgtEl>
+                                      </p:cBhvr>
+                                    </p:animEffect>
+                                  </p:childTnLst>
+                                </p:cTn>
+                              </p:par>
+                              <p:par>
+                                <p:cTn id="26" presetID="10" presetClass="entr" presetSubtype="0" fill="hold" grpId="0" nodeType="withEffect">
+                                  <p:stCondLst>
+                                    <p:cond delay="0"/>
+                                  </p:stCondLst>
+                                  <p:childTnLst>
+                                    <p:set>
+                                      <p:cBhvr>
+                                        <p:cTn id="27" dur="1" fill="hold">
+                                          <p:stCondLst>
+                                            <p:cond delay="0"/>
+                                          </p:stCondLst>
+                                        </p:cTn>
+                                        <p:tgtEl>
+                                          <p:spTgt spid="10"/>
+                                        </p:tgtEl>
+                                        <p:attrNameLst>
+                                          <p:attrName>style.visibility</p:attrName>
+                                        </p:attrNameLst>
+                                      </p:cBhvr>
+                                      <p:to>
+                                        <p:strVal val="visible"/>
+                                      </p:to>
+                                    </p:set>
+                                    <p:animEffect transition="in" filter="fade">
+                                      <p:cBhvr>
+                                        <p:cTn id="28" dur="500"/>
+                                        <p:tgtEl>
+                                          <p:spTgt spid="10"/>
+                                        </p:tgtEl>
+                                      </p:cBhvr>
+                                    </p:animEffect>
+                                  </p:childTnLst>
+                                </p:cTn>
+                              </p:par>
+                              <p:par>
+                                <p:cTn id="29" presetID="10" presetClass="entr" presetSubtype="0" fill="hold" grpId="0" nodeType="withEffect">
+                                  <p:stCondLst>
+                                    <p:cond delay="0"/>
+                                  </p:stCondLst>
+                                  <p:childTnLst>
+                                    <p:set>
+                                      <p:cBhvr>
+                                        <p:cTn id="30" dur="1" fill="hold">
+                                          <p:stCondLst>
+                                            <p:cond delay="0"/>
+                                          </p:stCondLst>
+                                        </p:cTn>
+                                        <p:tgtEl>
+                                          <p:spTgt spid="12"/>
+                                        </p:tgtEl>
+                                        <p:attrNameLst>
+                                          <p:attrName>style.visibility</p:attrName>
+                                        </p:attrNameLst>
+                                      </p:cBhvr>
+                                      <p:to>
+                                        <p:strVal val="visible"/>
+                                      </p:to>
+                                    </p:set>
+                                    <p:animEffect transition="in" filter="fade">
+                                      <p:cBhvr>
+                                        <p:cTn id="31" dur="500"/>
+                                        <p:tgtEl>
+                                          <p:spTgt spid="12"/>
+                                        </p:tgtEl>
+                                      </p:cBhvr>
+                                    </p:animEffect>
+                                  </p:childTnLst>
+                                </p:cTn>
+                              </p:par>
+                              <p:par>
+                                <p:cTn id="32" presetID="10" presetClass="entr" presetSubtype="0" fill="hold" grpId="0" nodeType="withEffect">
+                                  <p:stCondLst>
+                                    <p:cond delay="0"/>
+                                  </p:stCondLst>
+                                  <p:childTnLst>
+                                    <p:set>
+                                      <p:cBhvr>
+                                        <p:cTn id="33" dur="1" fill="hold">
+                                          <p:stCondLst>
+                                            <p:cond delay="0"/>
+                                          </p:stCondLst>
+                                        </p:cTn>
+                                        <p:tgtEl>
+                                          <p:spTgt spid="13"/>
+                                        </p:tgtEl>
+                                        <p:attrNameLst>
+                                          <p:attrName>style.visibility</p:attrName>
+                                        </p:attrNameLst>
+                                      </p:cBhvr>
+                                      <p:to>
+                                        <p:strVal val="visible"/>
+                                      </p:to>
+                                    </p:set>
+                                    <p:animEffect transition="in" filter="fade">
+                                      <p:cBhvr>
+                                        <p:cTn id="34" dur="500"/>
+                                        <p:tgtEl>
+                                          <p:spTgt spid="13"/>
+                                        </p:tgtEl>
+                                      </p:cBhvr>
+                                    </p:animEffect>
+                                  </p:childTnLst>
+                                </p:cTn>
+                              </p:par>
+                              <p:par>
+                                <p:cTn id="35" presetID="10" presetClass="entr" presetSubtype="0" fill="hold" grpId="0" nodeType="withEffect">
+                                  <p:stCondLst>
+                                    <p:cond delay="0"/>
+                                  </p:stCondLst>
+                                  <p:childTnLst>
+                                    <p:set>
+                                      <p:cBhvr>
+                                        <p:cTn id="36" dur="1" fill="hold">
+                                          <p:stCondLst>
+                                            <p:cond delay="0"/>
+                                          </p:stCondLst>
+                                        </p:cTn>
+                                        <p:tgtEl>
+                                          <p:spTgt spid="14"/>
+                                        </p:tgtEl>
+                                        <p:attrNameLst>
+                                          <p:attrName>style.visibility</p:attrName>
+                                        </p:attrNameLst>
+                                      </p:cBhvr>
+                                      <p:to>
+                                        <p:strVal val="visible"/>
+                                      </p:to>
+                                    </p:set>
+                                    <p:animEffect transition="in" filter="fade">
+                                      <p:cBhvr>
+                                        <p:cTn id="37" dur="500"/>
+                                        <p:tgtEl>
+                                          <p:spTgt spid="14"/>
+                                        </p:tgtEl>
+                                      </p:cBhvr>
+                                    </p:animEffect>
+                                  </p:childTnLst>
+                                </p:cTn>
+                              </p:par>
+                              <p:par>
+                                <p:cTn id="38" presetID="10" presetClass="entr" presetSubtype="0" fill="hold" grpId="0" nodeType="withEffect">
+                                  <p:stCondLst>
+                                    <p:cond delay="0"/>
+                                  </p:stCondLst>
+                                  <p:childTnLst>
+                                    <p:set>
+                                      <p:cBhvr>
+                                        <p:cTn id="39" dur="1" fill="hold">
+                                          <p:stCondLst>
+                                            <p:cond delay="0"/>
+                                          </p:stCondLst>
+                                        </p:cTn>
+                                        <p:tgtEl>
+                                          <p:spTgt spid="16"/>
+                                        </p:tgtEl>
+                                        <p:attrNameLst>
+                                          <p:attrName>style.visibility</p:attrName>
+                                        </p:attrNameLst>
+                                      </p:cBhvr>
+                                      <p:to>
+                                        <p:strVal val="visible"/>
+                                      </p:to>
+                                    </p:set>
+                                    <p:animEffect transition="in" filter="fade">
+                                      <p:cBhvr>
+                                        <p:cTn id="40" dur="500"/>
+                                        <p:tgtEl>
+                                          <p:spTgt spid="16"/>
+                                        </p:tgtEl>
+                                      </p:cBhvr>
+                                    </p:animEffect>
+                                  </p:childTnLst>
+                                </p:cTn>
+                              </p:par>
+                              <p:par>
+                                <p:cTn id="41" presetID="10" presetClass="entr" presetSubtype="0" fill="hold" grpId="0" nodeType="withEffect">
+                                  <p:stCondLst>
+                                    <p:cond delay="0"/>
+                                  </p:stCondLst>
+                                  <p:childTnLst>
+                                    <p:set>
+                                      <p:cBhvr>
+                                        <p:cTn id="42" dur="1" fill="hold">
+                                          <p:stCondLst>
+                                            <p:cond delay="0"/>
+                                          </p:stCondLst>
+                                        </p:cTn>
+                                        <p:tgtEl>
+                                          <p:spTgt spid="17"/>
+                                        </p:tgtEl>
+                                        <p:attrNameLst>
+                                          <p:attrName>style.visibility</p:attrName>
+                                        </p:attrNameLst>
+                                      </p:cBhvr>
+                                      <p:to>
+                                        <p:strVal val="visible"/>
+                                      </p:to>
+                                    </p:set>
+                                    <p:animEffect transition="in" filter="fade">
+                                      <p:cBhvr>
+                                        <p:cTn id="43" dur="500"/>
+                                        <p:tgtEl>
+                                          <p:spTgt spid="17"/>
+                                        </p:tgtEl>
+                                      </p:cBhvr>
+                                    </p:animEffect>
+                                  </p:childTnLst>
+                                </p:cTn>
+                              </p:par>
+                              <p:par>
+                                <p:cTn id="44" presetID="10" presetClass="entr" presetSubtype="0" fill="hold" grpId="0" nodeType="withEffect">
+                                  <p:stCondLst>
+                                    <p:cond delay="0"/>
+                                  </p:stCondLst>
+                                  <p:childTnLst>
+                                    <p:set>
+                                      <p:cBhvr>
+                                        <p:cTn id="45" dur="1" fill="hold">
+                                          <p:stCondLst>
+                                            <p:cond delay="0"/>
+                                          </p:stCondLst>
+                                        </p:cTn>
+                                        <p:tgtEl>
+                                          <p:spTgt spid="18"/>
+                                        </p:tgtEl>
+                                        <p:attrNameLst>
+                                          <p:attrName>style.visibility</p:attrName>
+                                        </p:attrNameLst>
+                                      </p:cBhvr>
+                                      <p:to>
+                                        <p:strVal val="visible"/>
+                                      </p:to>
+                                    </p:set>
+                                    <p:animEffect transition="in" filter="fade">
+                                      <p:cBhvr>
+                                        <p:cTn id="46" dur="500"/>
+                                        <p:tgtEl>
+                                          <p:spTgt spid="18"/>
+                                        </p:tgtEl>
+                                      </p:cBhvr>
+                                    </p:animEffect>
+                                  </p:childTnLst>
+                                </p:cTn>
+                              </p:par>
+                            </p:childTnLst>
+                          </p:cTn>
+                        </p:par>
+                      </p:childTnLst>
+                    </p:cTn>
+                  </p:par>
+                </p:childTnLst>
+              </p:cTn>
+              <p:prevCondLst>
+                <p:cond evt="onPrev" delay="0">
+                  <p:tgtEl>
+                    <p:sldTgt/>
+                  </p:tgtEl>
+                </p:cond>
+              </p:prevCondLst>
+              <p:nextCondLst>
+                <p:cond evt="onNext" delay="0">
+                  <p:tgtEl>
+                    <p:sldTgt/>
+                  </p:tgtEl>
+                </p:cond>
+              </p:nextCondLst>
+            </p:seq>
+          </p:childTnLst>
+        </p:cTn>
+      </p:par>
+    </p:tnLst>
+    <p:bldLst>
+      <p:bldP spid="6" grpId="0"/>
+      <p:bldP spid="4" grpId="0"/>
+      <p:bldP spid="8" grpId="0"/>
+      <p:bldP spid="9" grpId="0"/>
+      <p:bldP spid="2" grpId="0" animBg="1"/>
+      <p:bldP spid="3" grpId="0"/>
+      <p:bldP spid="10" grpId="0"/>
+      <p:bldP spid="12" grpId="0"/>
+      <p:bldP spid="13" grpId="0"/>
+      <p:bldP spid="14" grpId="0"/>
+      <p:bldP spid="16" grpId="0" animBg="1"/>
+      <p:bldP spid="17" grpId="0"/>
+      <p:bldP spid="18" grpId="0"/>
+    </p:bldLst>
+  </p:timing>
+</p:sld>
+</file>
+
+<file path=ppt/slides/slide11.xml><?xml version="1.0" encoding="utf-8"?>
+<p:sld xmlns:a="http://schemas.openxmlformats.org/drawingml/2006/main" xmlns:r="http://schemas.openxmlformats.org/officeDocument/2006/relationships" xmlns:p="http://schemas.openxmlformats.org/presentationml/2006/main">
+  <p:cSld>
+    <p:spTree>
+      <p:nvGrpSpPr>
+        <p:cNvPr id="1" name=""/>
+        <p:cNvGrpSpPr/>
+        <p:nvPr/>
+      </p:nvGrpSpPr>
+      <p:grpSpPr>
+        <a:xfrm>
+          <a:off x="0" y="0"/>
+          <a:ext cx="0" cy="0"/>
+          <a:chOff x="0" y="0"/>
+          <a:chExt cx="0" cy="0"/>
+        </a:xfrm>
+      </p:grpSpPr>
+      <p:sp>
+        <p:nvSpPr>
+          <p:cNvPr id="6" name="Title 1"/>
+          <p:cNvSpPr>
+            <a:spLocks noGrp="1"/>
+          </p:cNvSpPr>
+          <p:nvPr>
+            <p:ph type="title"/>
+          </p:nvPr>
+        </p:nvSpPr>
+        <p:spPr>
+          <a:xfrm>
+            <a:off x="1019175" y="230505"/>
+            <a:ext cx="10058400" cy="564254"/>
+          </a:xfrm>
+        </p:spPr>
+        <p:txBody>
+          <a:bodyPr>
+            <a:normAutofit fontScale="90000"/>
+          </a:bodyPr>
+          <a:lstStyle/>
+          <a:p>
+            <a:r>
+              <a:rPr lang="en-US" sz="4000" b="1" spc="50" dirty="0" smtClean="0">
+                <a:blipFill>
+                  <a:blip r:embed="rId1">
+                    <a:extLst>
+                      <a:ext uri="{28A0092B-C50C-407E-A947-70E740481C1C}">
+                        <a14:useLocalDpi xmlns:a14="http://schemas.microsoft.com/office/drawing/2010/main" val="0"/>
+                      </a:ext>
+                    </a:extLst>
+                  </a:blip>
+                  <a:tile tx="6350" ty="-127000" sx="65000" sy="64000" flip="none" algn="tl"/>
+                </a:blipFill>
+                <a:latin typeface="Times New Roman" panose="02020603050405020304" pitchFamily="18" charset="0"/>
+                <a:cs typeface="Times New Roman" panose="02020603050405020304" pitchFamily="18" charset="0"/>
+                <a:sym typeface="+mn-ea"/>
+              </a:rPr>
+              <a:t>Xây dựng DNS BLOCKCHAIN</a:t>
+            </a:r>
+            <a:endParaRPr lang="en-US" sz="4000" dirty="0">
+              <a:latin typeface="Arial" panose="020B0604020202020204" pitchFamily="34" charset="0"/>
+              <a:cs typeface="Arial" panose="020B0604020202020204" pitchFamily="34" charset="0"/>
+            </a:endParaRPr>
+          </a:p>
+        </p:txBody>
+      </p:sp>
+      <p:sp>
+        <p:nvSpPr>
+          <p:cNvPr id="4" name="Slide Number Placeholder 3"/>
+          <p:cNvSpPr>
+            <a:spLocks noGrp="1"/>
+          </p:cNvSpPr>
+          <p:nvPr>
+            <p:ph type="sldNum" sz="quarter" idx="12"/>
+          </p:nvPr>
+        </p:nvSpPr>
+        <p:spPr/>
+        <p:txBody>
+          <a:bodyPr/>
+          <a:lstStyle/>
+          <a:p>
+            <a:fld id="{040DEF24-717E-4741-8753-F7E431A261E5}" type="slidenum">
+              <a:rPr lang="en-US" smtClean="0"/>
+            </a:fld>
+            <a:endParaRPr lang="en-US"/>
+          </a:p>
+        </p:txBody>
+      </p:sp>
+      <p:sp>
+        <p:nvSpPr>
+          <p:cNvPr id="7" name="Rectangle 6"/>
+          <p:cNvSpPr/>
+          <p:nvPr/>
+        </p:nvSpPr>
+        <p:spPr>
+          <a:xfrm>
+            <a:off x="0" y="0"/>
+            <a:ext cx="427839" cy="6858000"/>
+          </a:xfrm>
+          <a:prstGeom prst="rect">
+            <a:avLst/>
+          </a:prstGeom>
+          <a:solidFill>
+            <a:srgbClr val="CE2127"/>
+          </a:solidFill>
+        </p:spPr>
+        <p:style>
+          <a:lnRef idx="2">
+            <a:schemeClr val="accent1">
+              <a:shade val="50000"/>
+            </a:schemeClr>
+          </a:lnRef>
+          <a:fillRef idx="1">
+            <a:schemeClr val="accent1"/>
+          </a:fillRef>
+          <a:effectRef idx="0">
+            <a:schemeClr val="accent1"/>
+          </a:effectRef>
+          <a:fontRef idx="minor">
+            <a:schemeClr val="lt1"/>
+          </a:fontRef>
+        </p:style>
+        <p:txBody>
+          <a:bodyPr rtlCol="0" anchor="ctr"/>
+          <a:lstStyle/>
+          <a:p>
+            <a:pPr algn="ctr"/>
+            <a:endParaRPr lang="en-US">
+              <a:solidFill>
+                <a:srgbClr val="FF0000"/>
+              </a:solidFill>
+            </a:endParaRPr>
+          </a:p>
+        </p:txBody>
+      </p:sp>
+      <p:pic>
+        <p:nvPicPr>
+          <p:cNvPr id="13" name="Picture 12"/>
+          <p:cNvPicPr/>
+          <p:nvPr/>
+        </p:nvPicPr>
+        <p:blipFill>
+          <a:blip r:embed="rId2"/>
+          <a:stretch>
+            <a:fillRect/>
+          </a:stretch>
+        </p:blipFill>
+        <p:spPr>
+          <a:xfrm>
+            <a:off x="4197010" y="1335497"/>
+            <a:ext cx="4396070" cy="3450670"/>
+          </a:xfrm>
+          <a:prstGeom prst="rect">
+            <a:avLst/>
+          </a:prstGeom>
+          <a:ln w="12700">
+            <a:solidFill>
+              <a:schemeClr val="tx1"/>
+            </a:solidFill>
+          </a:ln>
+        </p:spPr>
+      </p:pic>
+      <p:sp>
+        <p:nvSpPr>
+          <p:cNvPr id="17" name="Rectangle 16"/>
+          <p:cNvSpPr/>
+          <p:nvPr/>
+        </p:nvSpPr>
+        <p:spPr>
+          <a:xfrm>
+            <a:off x="8693351" y="3948428"/>
+            <a:ext cx="3326108" cy="900246"/>
+          </a:xfrm>
+          <a:prstGeom prst="rect">
+            <a:avLst/>
+          </a:prstGeom>
+          <a:solidFill>
+            <a:schemeClr val="bg1">
+              <a:lumMod val="95000"/>
+            </a:schemeClr>
+          </a:solidFill>
+        </p:spPr>
+        <p:txBody>
+          <a:bodyPr wrap="square">
+            <a:spAutoFit/>
+          </a:bodyPr>
+          <a:lstStyle/>
+          <a:p>
+            <a:pPr algn="l">
+              <a:lnSpc>
+                <a:spcPct val="125000"/>
+              </a:lnSpc>
+            </a:pPr>
+            <a:r>
+              <a:rPr lang="vi-VN" sz="1400" dirty="0" smtClean="0">
+                <a:latin typeface="Arial" panose="020B0604020202020204" pitchFamily="34" charset="0"/>
+                <a:cs typeface="Arial" panose="020B0604020202020204" pitchFamily="34" charset="0"/>
+              </a:rPr>
+              <a:t>5</a:t>
+            </a:r>
+            <a:r>
+              <a:rPr lang="vi-VN" sz="1400" dirty="0">
+                <a:latin typeface="Arial" panose="020B0604020202020204" pitchFamily="34" charset="0"/>
+                <a:cs typeface="Arial" panose="020B0604020202020204" pitchFamily="34" charset="0"/>
+              </a:rPr>
+              <a:t>. Hệ thống gửi kết quả sau khi phân giải cho người </a:t>
+            </a:r>
+            <a:r>
+              <a:rPr lang="vi-VN" sz="1400" dirty="0" smtClean="0">
+                <a:latin typeface="Arial" panose="020B0604020202020204" pitchFamily="34" charset="0"/>
+                <a:cs typeface="Arial" panose="020B0604020202020204" pitchFamily="34" charset="0"/>
+              </a:rPr>
+              <a:t>dùng</a:t>
+            </a:r>
+            <a:r>
+              <a:rPr lang="en-US" sz="1400" dirty="0" smtClean="0">
+                <a:latin typeface="Arial" panose="020B0604020202020204" pitchFamily="34" charset="0"/>
+                <a:cs typeface="Arial" panose="020B0604020202020204" pitchFamily="34" charset="0"/>
+              </a:rPr>
+              <a:t> thông qua hệ thống phân giải DNS</a:t>
+            </a:r>
+            <a:r>
+              <a:rPr lang="vi-VN" sz="1400" dirty="0" smtClean="0">
+                <a:latin typeface="Arial" panose="020B0604020202020204" pitchFamily="34" charset="0"/>
+                <a:cs typeface="Arial" panose="020B0604020202020204" pitchFamily="34" charset="0"/>
+              </a:rPr>
+              <a:t>. </a:t>
+            </a:r>
+            <a:endParaRPr lang="vi-VN" sz="1400" dirty="0">
+              <a:latin typeface="Arial" panose="020B0604020202020204" pitchFamily="34" charset="0"/>
+              <a:cs typeface="Arial" panose="020B0604020202020204" pitchFamily="34" charset="0"/>
+            </a:endParaRPr>
+          </a:p>
+        </p:txBody>
+      </p:sp>
+      <p:sp>
+        <p:nvSpPr>
+          <p:cNvPr id="18" name="TextBox 17"/>
+          <p:cNvSpPr txBox="1"/>
+          <p:nvPr/>
+        </p:nvSpPr>
+        <p:spPr>
+          <a:xfrm>
+            <a:off x="1019175" y="794759"/>
+            <a:ext cx="3015569" cy="461665"/>
+          </a:xfrm>
+          <a:prstGeom prst="rect">
+            <a:avLst/>
+          </a:prstGeom>
+          <a:noFill/>
+        </p:spPr>
+        <p:txBody>
+          <a:bodyPr wrap="none" rtlCol="0">
+            <a:spAutoFit/>
+          </a:bodyPr>
+          <a:lstStyle/>
+          <a:p>
+            <a:r>
+              <a:rPr lang="en-US" sz="2400" b="1" dirty="0" smtClean="0">
+                <a:solidFill>
+                  <a:schemeClr val="accent2">
+                    <a:lumMod val="50000"/>
+                  </a:schemeClr>
+                </a:solidFill>
+                <a:latin typeface="Arial" panose="020B0604020202020204" pitchFamily="34" charset="0"/>
+                <a:ea typeface="Roboto" panose="02000000000000000000" pitchFamily="2" charset="0"/>
+                <a:cs typeface="Arial" panose="020B0604020202020204" pitchFamily="34" charset="0"/>
+              </a:rPr>
+              <a:t>Mô hình hoạt động </a:t>
+            </a:r>
+            <a:endParaRPr lang="en-US" sz="2400" b="1" dirty="0">
+              <a:solidFill>
+                <a:schemeClr val="accent2">
+                  <a:lumMod val="50000"/>
+                </a:schemeClr>
+              </a:solidFill>
+              <a:latin typeface="Arial" panose="020B0604020202020204" pitchFamily="34" charset="0"/>
+              <a:ea typeface="Roboto" panose="02000000000000000000" pitchFamily="2" charset="0"/>
+              <a:cs typeface="Arial" panose="020B0604020202020204" pitchFamily="34" charset="0"/>
+            </a:endParaRPr>
+          </a:p>
+        </p:txBody>
+      </p:sp>
+      <p:sp>
+        <p:nvSpPr>
+          <p:cNvPr id="19" name="TextBox 18"/>
+          <p:cNvSpPr txBox="1"/>
+          <p:nvPr/>
+        </p:nvSpPr>
+        <p:spPr>
+          <a:xfrm>
+            <a:off x="954786" y="1335496"/>
+            <a:ext cx="3144346" cy="2548133"/>
+          </a:xfrm>
+          <a:prstGeom prst="rect">
+            <a:avLst/>
+          </a:prstGeom>
+          <a:solidFill>
+            <a:schemeClr val="bg1">
+              <a:lumMod val="95000"/>
+            </a:schemeClr>
+          </a:solidFill>
+        </p:spPr>
+        <p:txBody>
+          <a:bodyPr wrap="square" rtlCol="0">
+            <a:spAutoFit/>
+          </a:bodyPr>
+          <a:lstStyle/>
+          <a:p>
+            <a:pPr algn="l">
+              <a:lnSpc>
+                <a:spcPct val="114000"/>
+              </a:lnSpc>
+            </a:pPr>
+            <a:r>
+              <a:rPr lang="en-US" sz="1400" dirty="0" smtClean="0">
+                <a:latin typeface="Arial" panose="020B0604020202020204" pitchFamily="34" charset="0"/>
+                <a:cs typeface="Arial" panose="020B0604020202020204" pitchFamily="34" charset="0"/>
+              </a:rPr>
+              <a:t>1. </a:t>
+            </a:r>
+            <a:r>
+              <a:rPr lang="vi-VN" sz="1400" dirty="0" smtClean="0">
+                <a:latin typeface="Arial" panose="020B0604020202020204" pitchFamily="34" charset="0"/>
+                <a:cs typeface="Arial" panose="020B0604020202020204" pitchFamily="34" charset="0"/>
+              </a:rPr>
+              <a:t>Hệ </a:t>
+            </a:r>
+            <a:r>
+              <a:rPr lang="vi-VN" sz="1400" dirty="0">
+                <a:latin typeface="Arial" panose="020B0604020202020204" pitchFamily="34" charset="0"/>
+                <a:cs typeface="Arial" panose="020B0604020202020204" pitchFamily="34" charset="0"/>
+              </a:rPr>
+              <a:t>thống DNS Blockchain trực tiếp kiểm tra dãy Blocks hiện tại có đáp ứng điều kiện hay không theo 2 trường hợp như sau: </a:t>
+            </a:r>
+            <a:endParaRPr lang="vi-VN" sz="1400" dirty="0">
+              <a:latin typeface="Arial" panose="020B0604020202020204" pitchFamily="34" charset="0"/>
+              <a:cs typeface="Arial" panose="020B0604020202020204" pitchFamily="34" charset="0"/>
+            </a:endParaRPr>
+          </a:p>
+          <a:p>
+            <a:pPr marL="285750" indent="-285750" algn="l">
+              <a:lnSpc>
+                <a:spcPct val="114000"/>
+              </a:lnSpc>
+              <a:buFont typeface="Wingdings" panose="05000000000000000000" pitchFamily="2" charset="2"/>
+              <a:buChar char="§"/>
+            </a:pPr>
+            <a:r>
+              <a:rPr lang="vi-VN" sz="1400" dirty="0" smtClean="0">
+                <a:latin typeface="Arial" panose="020B0604020202020204" pitchFamily="34" charset="0"/>
+                <a:cs typeface="Arial" panose="020B0604020202020204" pitchFamily="34" charset="0"/>
+              </a:rPr>
+              <a:t>Đúng </a:t>
+            </a:r>
+            <a:r>
+              <a:rPr lang="vi-VN" sz="1400" dirty="0">
+                <a:latin typeface="Arial" panose="020B0604020202020204" pitchFamily="34" charset="0"/>
+                <a:cs typeface="Arial" panose="020B0604020202020204" pitchFamily="34" charset="0"/>
+              </a:rPr>
+              <a:t>( Đ ): Sử dụng các khối Blocks đó để khởi tạo Blockchain và tiếp tục mở rộng nhằm tạo blockchain dài nhất.</a:t>
+            </a:r>
+            <a:endParaRPr lang="vi-VN" sz="1400" dirty="0">
+              <a:latin typeface="Arial" panose="020B0604020202020204" pitchFamily="34" charset="0"/>
+              <a:cs typeface="Arial" panose="020B0604020202020204" pitchFamily="34" charset="0"/>
+            </a:endParaRPr>
+          </a:p>
+          <a:p>
+            <a:pPr marL="285750" indent="-285750" algn="l">
+              <a:lnSpc>
+                <a:spcPct val="114000"/>
+              </a:lnSpc>
+              <a:buFont typeface="Wingdings" panose="05000000000000000000" pitchFamily="2" charset="2"/>
+              <a:buChar char="§"/>
+            </a:pPr>
+            <a:r>
+              <a:rPr lang="vi-VN" sz="1400" dirty="0" smtClean="0">
+                <a:latin typeface="Arial" panose="020B0604020202020204" pitchFamily="34" charset="0"/>
+                <a:cs typeface="Arial" panose="020B0604020202020204" pitchFamily="34" charset="0"/>
+              </a:rPr>
+              <a:t>Sai </a:t>
+            </a:r>
+            <a:r>
+              <a:rPr lang="vi-VN" sz="1400" dirty="0">
+                <a:latin typeface="Arial" panose="020B0604020202020204" pitchFamily="34" charset="0"/>
+                <a:cs typeface="Arial" panose="020B0604020202020204" pitchFamily="34" charset="0"/>
+              </a:rPr>
+              <a:t>( S ):  Khởi tạo Blockchain rỗng</a:t>
+            </a:r>
+            <a:r>
+              <a:rPr lang="vi-VN" sz="1400" dirty="0" smtClean="0">
+                <a:latin typeface="Arial" panose="020B0604020202020204" pitchFamily="34" charset="0"/>
+                <a:cs typeface="Arial" panose="020B0604020202020204" pitchFamily="34" charset="0"/>
+              </a:rPr>
+              <a:t>.</a:t>
+            </a:r>
+            <a:endParaRPr lang="vi-VN" sz="1400" dirty="0">
+              <a:latin typeface="Arial" panose="020B0604020202020204" pitchFamily="34" charset="0"/>
+              <a:cs typeface="Arial" panose="020B0604020202020204" pitchFamily="34" charset="0"/>
+            </a:endParaRPr>
+          </a:p>
+        </p:txBody>
+      </p:sp>
+      <p:sp>
+        <p:nvSpPr>
+          <p:cNvPr id="20" name="TextBox 19"/>
+          <p:cNvSpPr txBox="1"/>
+          <p:nvPr/>
+        </p:nvSpPr>
+        <p:spPr>
+          <a:xfrm>
+            <a:off x="954786" y="3994274"/>
+            <a:ext cx="3138720" cy="808555"/>
+          </a:xfrm>
+          <a:prstGeom prst="rect">
+            <a:avLst/>
+          </a:prstGeom>
+          <a:solidFill>
+            <a:schemeClr val="bg1">
+              <a:lumMod val="95000"/>
+            </a:schemeClr>
+          </a:solidFill>
+        </p:spPr>
+        <p:txBody>
+          <a:bodyPr wrap="square" rtlCol="0">
+            <a:spAutoFit/>
+          </a:bodyPr>
+          <a:lstStyle/>
+          <a:p>
+            <a:pPr algn="l">
+              <a:lnSpc>
+                <a:spcPct val="114000"/>
+              </a:lnSpc>
+            </a:pPr>
+            <a:r>
+              <a:rPr lang="vi-VN" sz="1400" dirty="0">
+                <a:latin typeface="+mj-lt"/>
+              </a:rPr>
+              <a:t>2. Web Server hoặc PC có thể trở thành Node mới của hệ thống Blockchain</a:t>
+            </a:r>
+            <a:endParaRPr lang="en-US" sz="1400" dirty="0">
+              <a:latin typeface="+mj-lt"/>
+            </a:endParaRPr>
+          </a:p>
+        </p:txBody>
+      </p:sp>
+      <p:sp>
+        <p:nvSpPr>
+          <p:cNvPr id="21" name="TextBox 20"/>
+          <p:cNvSpPr txBox="1"/>
+          <p:nvPr/>
+        </p:nvSpPr>
+        <p:spPr>
+          <a:xfrm>
+            <a:off x="954786" y="4933673"/>
+            <a:ext cx="3138720" cy="1299715"/>
+          </a:xfrm>
+          <a:prstGeom prst="rect">
+            <a:avLst/>
+          </a:prstGeom>
+          <a:solidFill>
+            <a:schemeClr val="bg1">
+              <a:lumMod val="95000"/>
+            </a:schemeClr>
+          </a:solidFill>
+        </p:spPr>
+        <p:txBody>
+          <a:bodyPr wrap="square" rtlCol="0">
+            <a:spAutoFit/>
+          </a:bodyPr>
+          <a:lstStyle/>
+          <a:p>
+            <a:pPr algn="l">
+              <a:lnSpc>
+                <a:spcPct val="114000"/>
+              </a:lnSpc>
+            </a:pPr>
+            <a:r>
+              <a:rPr lang="vi-VN" sz="1400" dirty="0">
+                <a:latin typeface="Arial" panose="020B0604020202020204" pitchFamily="34" charset="0"/>
+                <a:cs typeface="Arial" panose="020B0604020202020204" pitchFamily="34" charset="0"/>
+              </a:rPr>
+              <a:t>3. Người dùng có thể gửi yêu cầu phân giải cho hệ thống Blockchain DNS kèm theo tên miền thông qua input của giao diện Python Flask Web</a:t>
+            </a:r>
+            <a:r>
+              <a:rPr lang="vi-VN" sz="1400" dirty="0" smtClean="0">
+                <a:latin typeface="Arial" panose="020B0604020202020204" pitchFamily="34" charset="0"/>
+                <a:cs typeface="Arial" panose="020B0604020202020204" pitchFamily="34" charset="0"/>
+              </a:rPr>
+              <a:t>.</a:t>
+            </a:r>
+            <a:endParaRPr lang="vi-VN" sz="1400" dirty="0">
+              <a:latin typeface="Arial" panose="020B0604020202020204" pitchFamily="34" charset="0"/>
+              <a:cs typeface="Arial" panose="020B0604020202020204" pitchFamily="34" charset="0"/>
+            </a:endParaRPr>
+          </a:p>
+        </p:txBody>
+      </p:sp>
+      <p:sp>
+        <p:nvSpPr>
+          <p:cNvPr id="22" name="Rectangle 21"/>
+          <p:cNvSpPr/>
+          <p:nvPr/>
+        </p:nvSpPr>
+        <p:spPr>
+          <a:xfrm>
+            <a:off x="8690958" y="1279478"/>
+            <a:ext cx="3328501" cy="2548133"/>
+          </a:xfrm>
+          <a:prstGeom prst="rect">
+            <a:avLst/>
+          </a:prstGeom>
+          <a:solidFill>
+            <a:schemeClr val="bg1">
+              <a:lumMod val="95000"/>
+            </a:schemeClr>
+          </a:solidFill>
+        </p:spPr>
+        <p:txBody>
+          <a:bodyPr wrap="square">
+            <a:spAutoFit/>
+          </a:bodyPr>
+          <a:lstStyle/>
+          <a:p>
+            <a:pPr algn="l">
+              <a:lnSpc>
+                <a:spcPct val="114000"/>
+              </a:lnSpc>
+            </a:pPr>
+            <a:r>
+              <a:rPr lang="vi-VN" sz="1400" dirty="0">
+                <a:latin typeface="Arial" panose="020B0604020202020204" pitchFamily="34" charset="0"/>
+                <a:cs typeface="Arial" panose="020B0604020202020204" pitchFamily="34" charset="0"/>
+              </a:rPr>
+              <a:t>4. </a:t>
+            </a:r>
+            <a:r>
+              <a:rPr lang="en-US" sz="1400" dirty="0" smtClean="0">
+                <a:latin typeface="Arial" panose="020B0604020202020204" pitchFamily="34" charset="0"/>
+                <a:cs typeface="Arial" panose="020B0604020202020204" pitchFamily="34" charset="0"/>
+              </a:rPr>
+              <a:t>Hệ thống </a:t>
+            </a:r>
+            <a:r>
+              <a:rPr lang="vi-VN" sz="1400" dirty="0" smtClean="0">
+                <a:latin typeface="Arial" panose="020B0604020202020204" pitchFamily="34" charset="0"/>
+                <a:cs typeface="Arial" panose="020B0604020202020204" pitchFamily="34" charset="0"/>
+              </a:rPr>
+              <a:t>kiểm </a:t>
+            </a:r>
+            <a:r>
+              <a:rPr lang="vi-VN" sz="1400" dirty="0">
+                <a:latin typeface="Arial" panose="020B0604020202020204" pitchFamily="34" charset="0"/>
+                <a:cs typeface="Arial" panose="020B0604020202020204" pitchFamily="34" charset="0"/>
+              </a:rPr>
+              <a:t>tra điều kiện tạo Block – số </a:t>
+            </a:r>
+            <a:r>
+              <a:rPr lang="vi-VN" sz="1400" dirty="0" smtClean="0">
+                <a:latin typeface="Arial" panose="020B0604020202020204" pitchFamily="34" charset="0"/>
+                <a:cs typeface="Arial" panose="020B0604020202020204" pitchFamily="34" charset="0"/>
+              </a:rPr>
+              <a:t>transaction ( giao dịch ) hiện </a:t>
+            </a:r>
+            <a:r>
+              <a:rPr lang="vi-VN" sz="1400" dirty="0">
+                <a:latin typeface="Arial" panose="020B0604020202020204" pitchFamily="34" charset="0"/>
+                <a:cs typeface="Arial" panose="020B0604020202020204" pitchFamily="34" charset="0"/>
+              </a:rPr>
+              <a:t>tại phải lớn hơn hoặc bằng số transaction được quy định trong block </a:t>
+            </a:r>
+            <a:r>
+              <a:rPr lang="vi-VN" sz="1400" dirty="0" smtClean="0">
+                <a:latin typeface="Arial" panose="020B0604020202020204" pitchFamily="34" charset="0"/>
+                <a:cs typeface="Arial" panose="020B0604020202020204" pitchFamily="34" charset="0"/>
+              </a:rPr>
+              <a:t>như </a:t>
+            </a:r>
+            <a:r>
+              <a:rPr lang="vi-VN" sz="1400" dirty="0">
+                <a:latin typeface="Arial" panose="020B0604020202020204" pitchFamily="34" charset="0"/>
+                <a:cs typeface="Arial" panose="020B0604020202020204" pitchFamily="34" charset="0"/>
+              </a:rPr>
+              <a:t>sau: </a:t>
+            </a:r>
+            <a:endParaRPr lang="vi-VN" sz="1400" dirty="0">
+              <a:latin typeface="Arial" panose="020B0604020202020204" pitchFamily="34" charset="0"/>
+              <a:cs typeface="Arial" panose="020B0604020202020204" pitchFamily="34" charset="0"/>
+            </a:endParaRPr>
+          </a:p>
+          <a:p>
+            <a:pPr marL="285750" indent="-285750" algn="l">
+              <a:lnSpc>
+                <a:spcPct val="114000"/>
+              </a:lnSpc>
+              <a:buFont typeface="Wingdings" panose="05000000000000000000" pitchFamily="2" charset="2"/>
+              <a:buChar char="§"/>
+            </a:pPr>
+            <a:r>
+              <a:rPr lang="vi-VN" sz="1400" dirty="0">
+                <a:latin typeface="Arial" panose="020B0604020202020204" pitchFamily="34" charset="0"/>
+                <a:cs typeface="Arial" panose="020B0604020202020204" pitchFamily="34" charset="0"/>
+              </a:rPr>
+              <a:t>Đúng ( Đ ) : Thêm vào bộ nhớ đệm Transaction và phát động thuật toán Proof of Work cho các nodes tạo số Nonce cho Block mới. </a:t>
+            </a:r>
+            <a:endParaRPr lang="vi-VN" sz="1400" dirty="0">
+              <a:latin typeface="Arial" panose="020B0604020202020204" pitchFamily="34" charset="0"/>
+              <a:cs typeface="Arial" panose="020B0604020202020204" pitchFamily="34" charset="0"/>
+            </a:endParaRPr>
+          </a:p>
+          <a:p>
+            <a:pPr marL="285750" indent="-285750" algn="l">
+              <a:lnSpc>
+                <a:spcPct val="114000"/>
+              </a:lnSpc>
+              <a:buFont typeface="Wingdings" panose="05000000000000000000" pitchFamily="2" charset="2"/>
+              <a:buChar char="§"/>
+            </a:pPr>
+            <a:r>
+              <a:rPr lang="vi-VN" sz="1400" dirty="0">
+                <a:latin typeface="Arial" panose="020B0604020202020204" pitchFamily="34" charset="0"/>
+                <a:cs typeface="Arial" panose="020B0604020202020204" pitchFamily="34" charset="0"/>
+              </a:rPr>
+              <a:t>Sai ( S ) : Chỉ thêm vào bộ nhớ đệm Transaction.</a:t>
+            </a:r>
+            <a:endParaRPr lang="en-US" sz="1400" dirty="0">
+              <a:latin typeface="Arial" panose="020B0604020202020204" pitchFamily="34" charset="0"/>
+              <a:cs typeface="Arial" panose="020B0604020202020204" pitchFamily="34" charset="0"/>
+            </a:endParaRPr>
+          </a:p>
+        </p:txBody>
+      </p:sp>
+      <p:sp>
+        <p:nvSpPr>
+          <p:cNvPr id="23" name="Rectangle 22"/>
+          <p:cNvSpPr/>
+          <p:nvPr/>
+        </p:nvSpPr>
+        <p:spPr>
+          <a:xfrm>
+            <a:off x="8690958" y="4933673"/>
+            <a:ext cx="3328501" cy="1169551"/>
+          </a:xfrm>
+          <a:prstGeom prst="rect">
+            <a:avLst/>
+          </a:prstGeom>
+          <a:solidFill>
+            <a:schemeClr val="bg1">
+              <a:lumMod val="95000"/>
+            </a:schemeClr>
+          </a:solidFill>
+        </p:spPr>
+        <p:txBody>
+          <a:bodyPr wrap="square">
+            <a:spAutoFit/>
+          </a:bodyPr>
+          <a:lstStyle/>
+          <a:p>
+            <a:pPr algn="l">
+              <a:lnSpc>
+                <a:spcPct val="125000"/>
+              </a:lnSpc>
+            </a:pPr>
+            <a:r>
+              <a:rPr lang="vi-VN" sz="1400" dirty="0">
+                <a:latin typeface="Arial" panose="020B0604020202020204" pitchFamily="34" charset="0"/>
+                <a:cs typeface="Arial" panose="020B0604020202020204" pitchFamily="34" charset="0"/>
+              </a:rPr>
+              <a:t>6. Hệ thống ghi nhận lần kiểm duyệt giao dịch và gửi cho node thực hiện thành công, giao dịch sẽ được thêm vào block trong Blockchain</a:t>
+            </a:r>
+            <a:r>
+              <a:rPr lang="vi-VN" sz="1400" dirty="0" smtClean="0">
+                <a:latin typeface="Arial" panose="020B0604020202020204" pitchFamily="34" charset="0"/>
+                <a:cs typeface="Arial" panose="020B0604020202020204" pitchFamily="34" charset="0"/>
+              </a:rPr>
+              <a:t>.</a:t>
+            </a:r>
+            <a:endParaRPr lang="vi-VN" sz="1400" dirty="0">
+              <a:latin typeface="Arial" panose="020B0604020202020204" pitchFamily="34" charset="0"/>
+              <a:cs typeface="Arial" panose="020B0604020202020204" pitchFamily="34" charset="0"/>
+            </a:endParaRPr>
+          </a:p>
+        </p:txBody>
+      </p:sp>
+      <p:sp>
+        <p:nvSpPr>
+          <p:cNvPr id="24" name="Rectangle 23"/>
+          <p:cNvSpPr/>
+          <p:nvPr/>
+        </p:nvSpPr>
+        <p:spPr>
+          <a:xfrm>
+            <a:off x="4197010" y="4933673"/>
+            <a:ext cx="4396070" cy="900246"/>
+          </a:xfrm>
+          <a:prstGeom prst="rect">
+            <a:avLst/>
+          </a:prstGeom>
+          <a:solidFill>
+            <a:schemeClr val="bg1">
+              <a:lumMod val="95000"/>
+            </a:schemeClr>
+          </a:solidFill>
+        </p:spPr>
+        <p:txBody>
+          <a:bodyPr wrap="square">
+            <a:spAutoFit/>
+          </a:bodyPr>
+          <a:lstStyle/>
+          <a:p>
+            <a:pPr algn="l">
+              <a:lnSpc>
+                <a:spcPct val="125000"/>
+              </a:lnSpc>
+            </a:pPr>
+            <a:r>
+              <a:rPr lang="vi-VN" sz="1400" dirty="0">
+                <a:latin typeface="Arial" panose="020B0604020202020204" pitchFamily="34" charset="0"/>
+                <a:cs typeface="Arial" panose="020B0604020202020204" pitchFamily="34" charset="0"/>
+              </a:rPr>
+              <a:t>7. Hệ thống trước khi tắt sẽ tính toán blockchain dài nhất, xác thực blockchain và gửi lên cho các nodes để cập nhật. </a:t>
+            </a:r>
+            <a:endParaRPr lang="vi-VN" sz="1400" dirty="0">
+              <a:latin typeface="Arial" panose="020B0604020202020204" pitchFamily="34" charset="0"/>
+              <a:cs typeface="Arial" panose="020B0604020202020204" pitchFamily="34" charset="0"/>
+            </a:endParaRPr>
+          </a:p>
+        </p:txBody>
+      </p:sp>
+    </p:spTree>
+  </p:cSld>
+  <p:clrMapOvr>
+    <a:masterClrMapping/>
+  </p:clrMapOvr>
+  <p:transition spd="slow">
+    <p:push dir="u"/>
+  </p:transition>
+  <p:timing>
+    <p:tnLst>
+      <p:par>
+        <p:cTn id="1" dur="indefinite" restart="never" nodeType="tmRoot">
+          <p:childTnLst>
+            <p:seq concurrent="1" nextAc="seek">
+              <p:cTn id="2" dur="indefinite" nodeType="mainSeq">
+                <p:childTnLst>
+                  <p:par>
+                    <p:cTn id="3" fill="hold">
+                      <p:stCondLst>
+                        <p:cond delay="indefinite"/>
+                        <p:cond evt="onBegin" delay="0">
+                          <p:tn val="2"/>
+                        </p:cond>
+                      </p:stCondLst>
+                      <p:childTnLst>
+                        <p:par>
+                          <p:cTn id="4" fill="hold">
+                            <p:stCondLst>
+                              <p:cond delay="0"/>
+                            </p:stCondLst>
+                            <p:childTnLst>
+                              <p:par>
+                                <p:cTn id="5" presetID="10" presetClass="entr" presetSubtype="0" fill="hold" grpId="0" nodeType="withEffect">
+                                  <p:stCondLst>
+                                    <p:cond delay="0"/>
+                                  </p:stCondLst>
+                                  <p:childTnLst>
+                                    <p:set>
+                                      <p:cBhvr>
+                                        <p:cTn id="6" dur="1" fill="hold">
+                                          <p:stCondLst>
+                                            <p:cond delay="0"/>
+                                          </p:stCondLst>
+                                        </p:cTn>
+                                        <p:tgtEl>
+                                          <p:spTgt spid="6"/>
+                                        </p:tgtEl>
+                                        <p:attrNameLst>
+                                          <p:attrName>style.visibility</p:attrName>
+                                        </p:attrNameLst>
+                                      </p:cBhvr>
+                                      <p:to>
+                                        <p:strVal val="visible"/>
+                                      </p:to>
+                                    </p:set>
+                                    <p:animEffect transition="in" filter="fade">
+                                      <p:cBhvr>
+                                        <p:cTn id="7" dur="500"/>
+                                        <p:tgtEl>
+                                          <p:spTgt spid="6"/>
+                                        </p:tgtEl>
+                                      </p:cBhvr>
+                                    </p:animEffect>
+                                  </p:childTnLst>
+                                </p:cTn>
+                              </p:par>
+                              <p:par>
+                                <p:cTn id="8" presetID="10" presetClass="entr" presetSubtype="0" fill="hold" grpId="0" nodeType="withEffect">
+                                  <p:stCondLst>
+                                    <p:cond delay="0"/>
+                                  </p:stCondLst>
+                                  <p:childTnLst>
+                                    <p:set>
+                                      <p:cBhvr>
+                                        <p:cTn id="9" dur="1" fill="hold">
+                                          <p:stCondLst>
+                                            <p:cond delay="0"/>
+                                          </p:stCondLst>
+                                        </p:cTn>
+                                        <p:tgtEl>
+                                          <p:spTgt spid="4"/>
+                                        </p:tgtEl>
+                                        <p:attrNameLst>
+                                          <p:attrName>style.visibility</p:attrName>
+                                        </p:attrNameLst>
+                                      </p:cBhvr>
+                                      <p:to>
+                                        <p:strVal val="visible"/>
+                                      </p:to>
+                                    </p:set>
+                                    <p:animEffect transition="in" filter="fade">
+                                      <p:cBhvr>
+                                        <p:cTn id="10" dur="500"/>
+                                        <p:tgtEl>
+                                          <p:spTgt spid="4"/>
+                                        </p:tgtEl>
+                                      </p:cBhvr>
+                                    </p:animEffect>
+                                  </p:childTnLst>
+                                </p:cTn>
+                              </p:par>
+                              <p:par>
+                                <p:cTn id="11" presetID="10" presetClass="entr" presetSubtype="0" fill="hold" nodeType="withEffect">
+                                  <p:stCondLst>
+                                    <p:cond delay="0"/>
+                                  </p:stCondLst>
+                                  <p:childTnLst>
+                                    <p:set>
+                                      <p:cBhvr>
+                                        <p:cTn id="12" dur="1" fill="hold">
+                                          <p:stCondLst>
+                                            <p:cond delay="0"/>
+                                          </p:stCondLst>
+                                        </p:cTn>
+                                        <p:tgtEl>
+                                          <p:spTgt spid="13"/>
+                                        </p:tgtEl>
+                                        <p:attrNameLst>
+                                          <p:attrName>style.visibility</p:attrName>
+                                        </p:attrNameLst>
+                                      </p:cBhvr>
+                                      <p:to>
+                                        <p:strVal val="visible"/>
+                                      </p:to>
+                                    </p:set>
+                                    <p:animEffect transition="in" filter="fade">
+                                      <p:cBhvr>
+                                        <p:cTn id="13" dur="500"/>
+                                        <p:tgtEl>
+                                          <p:spTgt spid="13"/>
+                                        </p:tgtEl>
+                                      </p:cBhvr>
+                                    </p:animEffect>
+                                  </p:childTnLst>
+                                </p:cTn>
+                              </p:par>
+                              <p:par>
+                                <p:cTn id="14" presetID="10" presetClass="entr" presetSubtype="0" fill="hold" grpId="0" nodeType="withEffect">
+                                  <p:stCondLst>
+                                    <p:cond delay="0"/>
+                                  </p:stCondLst>
+                                  <p:childTnLst>
+                                    <p:set>
+                                      <p:cBhvr>
+                                        <p:cTn id="15" dur="1" fill="hold">
+                                          <p:stCondLst>
+                                            <p:cond delay="0"/>
+                                          </p:stCondLst>
+                                        </p:cTn>
+                                        <p:tgtEl>
+                                          <p:spTgt spid="17"/>
+                                        </p:tgtEl>
+                                        <p:attrNameLst>
+                                          <p:attrName>style.visibility</p:attrName>
+                                        </p:attrNameLst>
+                                      </p:cBhvr>
+                                      <p:to>
+                                        <p:strVal val="visible"/>
+                                      </p:to>
+                                    </p:set>
+                                    <p:animEffect transition="in" filter="fade">
+                                      <p:cBhvr>
+                                        <p:cTn id="16" dur="500"/>
+                                        <p:tgtEl>
+                                          <p:spTgt spid="17"/>
+                                        </p:tgtEl>
+                                      </p:cBhvr>
+                                    </p:animEffect>
+                                  </p:childTnLst>
+                                </p:cTn>
+                              </p:par>
+                              <p:par>
+                                <p:cTn id="17" presetID="10" presetClass="entr" presetSubtype="0" fill="hold" grpId="0" nodeType="withEffect">
+                                  <p:stCondLst>
+                                    <p:cond delay="0"/>
+                                  </p:stCondLst>
+                                  <p:childTnLst>
+                                    <p:set>
+                                      <p:cBhvr>
+                                        <p:cTn id="18" dur="1" fill="hold">
+                                          <p:stCondLst>
+                                            <p:cond delay="0"/>
+                                          </p:stCondLst>
+                                        </p:cTn>
+                                        <p:tgtEl>
+                                          <p:spTgt spid="18"/>
+                                        </p:tgtEl>
+                                        <p:attrNameLst>
+                                          <p:attrName>style.visibility</p:attrName>
+                                        </p:attrNameLst>
+                                      </p:cBhvr>
+                                      <p:to>
+                                        <p:strVal val="visible"/>
+                                      </p:to>
+                                    </p:set>
+                                    <p:animEffect transition="in" filter="fade">
+                                      <p:cBhvr>
+                                        <p:cTn id="19" dur="500"/>
+                                        <p:tgtEl>
+                                          <p:spTgt spid="18"/>
+                                        </p:tgtEl>
+                                      </p:cBhvr>
+                                    </p:animEffect>
+                                  </p:childTnLst>
+                                </p:cTn>
+                              </p:par>
+                              <p:par>
+                                <p:cTn id="20" presetID="10" presetClass="entr" presetSubtype="0" fill="hold" grpId="0" nodeType="withEffect">
+                                  <p:stCondLst>
+                                    <p:cond delay="0"/>
+                                  </p:stCondLst>
+                                  <p:childTnLst>
+                                    <p:set>
+                                      <p:cBhvr>
+                                        <p:cTn id="21" dur="1" fill="hold">
+                                          <p:stCondLst>
+                                            <p:cond delay="0"/>
+                                          </p:stCondLst>
+                                        </p:cTn>
+                                        <p:tgtEl>
+                                          <p:spTgt spid="19"/>
+                                        </p:tgtEl>
+                                        <p:attrNameLst>
+                                          <p:attrName>style.visibility</p:attrName>
+                                        </p:attrNameLst>
+                                      </p:cBhvr>
+                                      <p:to>
+                                        <p:strVal val="visible"/>
+                                      </p:to>
+                                    </p:set>
+                                    <p:animEffect transition="in" filter="fade">
+                                      <p:cBhvr>
+                                        <p:cTn id="22" dur="500"/>
+                                        <p:tgtEl>
+                                          <p:spTgt spid="19"/>
+                                        </p:tgtEl>
+                                      </p:cBhvr>
+                                    </p:animEffect>
+                                  </p:childTnLst>
+                                </p:cTn>
+                              </p:par>
+                              <p:par>
+                                <p:cTn id="23" presetID="10" presetClass="entr" presetSubtype="0" fill="hold" grpId="0" nodeType="withEffect">
+                                  <p:stCondLst>
+                                    <p:cond delay="0"/>
+                                  </p:stCondLst>
+                                  <p:childTnLst>
+                                    <p:set>
+                                      <p:cBhvr>
+                                        <p:cTn id="24" dur="1" fill="hold">
+                                          <p:stCondLst>
+                                            <p:cond delay="0"/>
+                                          </p:stCondLst>
+                                        </p:cTn>
+                                        <p:tgtEl>
+                                          <p:spTgt spid="20"/>
+                                        </p:tgtEl>
+                                        <p:attrNameLst>
+                                          <p:attrName>style.visibility</p:attrName>
+                                        </p:attrNameLst>
+                                      </p:cBhvr>
+                                      <p:to>
+                                        <p:strVal val="visible"/>
+                                      </p:to>
+                                    </p:set>
+                                    <p:animEffect transition="in" filter="fade">
+                                      <p:cBhvr>
+                                        <p:cTn id="25" dur="500"/>
+                                        <p:tgtEl>
+                                          <p:spTgt spid="20"/>
+                                        </p:tgtEl>
+                                      </p:cBhvr>
+                                    </p:animEffect>
+                                  </p:childTnLst>
+                                </p:cTn>
+                              </p:par>
+                              <p:par>
+                                <p:cTn id="26" presetID="10" presetClass="entr" presetSubtype="0" fill="hold" grpId="0" nodeType="withEffect">
+                                  <p:stCondLst>
+                                    <p:cond delay="0"/>
+                                  </p:stCondLst>
+                                  <p:childTnLst>
+                                    <p:set>
+                                      <p:cBhvr>
+                                        <p:cTn id="27" dur="1" fill="hold">
+                                          <p:stCondLst>
+                                            <p:cond delay="0"/>
+                                          </p:stCondLst>
+                                        </p:cTn>
+                                        <p:tgtEl>
+                                          <p:spTgt spid="21"/>
+                                        </p:tgtEl>
+                                        <p:attrNameLst>
+                                          <p:attrName>style.visibility</p:attrName>
+                                        </p:attrNameLst>
+                                      </p:cBhvr>
+                                      <p:to>
+                                        <p:strVal val="visible"/>
+                                      </p:to>
+                                    </p:set>
+                                    <p:animEffect transition="in" filter="fade">
+                                      <p:cBhvr>
+                                        <p:cTn id="28" dur="500"/>
+                                        <p:tgtEl>
+                                          <p:spTgt spid="21"/>
+                                        </p:tgtEl>
+                                      </p:cBhvr>
+                                    </p:animEffect>
+                                  </p:childTnLst>
+                                </p:cTn>
+                              </p:par>
+                              <p:par>
+                                <p:cTn id="29" presetID="10" presetClass="entr" presetSubtype="0" fill="hold" grpId="0" nodeType="withEffect">
+                                  <p:stCondLst>
+                                    <p:cond delay="0"/>
+                                  </p:stCondLst>
+                                  <p:childTnLst>
+                                    <p:set>
+                                      <p:cBhvr>
+                                        <p:cTn id="30" dur="1" fill="hold">
+                                          <p:stCondLst>
+                                            <p:cond delay="0"/>
+                                          </p:stCondLst>
+                                        </p:cTn>
+                                        <p:tgtEl>
+                                          <p:spTgt spid="22"/>
+                                        </p:tgtEl>
+                                        <p:attrNameLst>
+                                          <p:attrName>style.visibility</p:attrName>
+                                        </p:attrNameLst>
+                                      </p:cBhvr>
+                                      <p:to>
+                                        <p:strVal val="visible"/>
+                                      </p:to>
+                                    </p:set>
+                                    <p:animEffect transition="in" filter="fade">
+                                      <p:cBhvr>
+                                        <p:cTn id="31" dur="500"/>
+                                        <p:tgtEl>
+                                          <p:spTgt spid="22"/>
+                                        </p:tgtEl>
+                                      </p:cBhvr>
+                                    </p:animEffect>
+                                  </p:childTnLst>
+                                </p:cTn>
+                              </p:par>
+                              <p:par>
+                                <p:cTn id="32" presetID="10" presetClass="entr" presetSubtype="0" fill="hold" grpId="0" nodeType="withEffect">
+                                  <p:stCondLst>
+                                    <p:cond delay="0"/>
+                                  </p:stCondLst>
+                                  <p:childTnLst>
+                                    <p:set>
+                                      <p:cBhvr>
+                                        <p:cTn id="33" dur="1" fill="hold">
+                                          <p:stCondLst>
+                                            <p:cond delay="0"/>
+                                          </p:stCondLst>
+                                        </p:cTn>
+                                        <p:tgtEl>
+                                          <p:spTgt spid="23"/>
+                                        </p:tgtEl>
+                                        <p:attrNameLst>
+                                          <p:attrName>style.visibility</p:attrName>
+                                        </p:attrNameLst>
+                                      </p:cBhvr>
+                                      <p:to>
+                                        <p:strVal val="visible"/>
+                                      </p:to>
+                                    </p:set>
+                                    <p:animEffect transition="in" filter="fade">
+                                      <p:cBhvr>
+                                        <p:cTn id="34" dur="500"/>
+                                        <p:tgtEl>
+                                          <p:spTgt spid="23"/>
+                                        </p:tgtEl>
+                                      </p:cBhvr>
+                                    </p:animEffect>
+                                  </p:childTnLst>
+                                </p:cTn>
+                              </p:par>
+                              <p:par>
+                                <p:cTn id="35" presetID="10" presetClass="entr" presetSubtype="0" fill="hold" grpId="0" nodeType="withEffect">
+                                  <p:stCondLst>
+                                    <p:cond delay="0"/>
+                                  </p:stCondLst>
+                                  <p:childTnLst>
+                                    <p:set>
+                                      <p:cBhvr>
+                                        <p:cTn id="36" dur="1" fill="hold">
+                                          <p:stCondLst>
+                                            <p:cond delay="0"/>
+                                          </p:stCondLst>
+                                        </p:cTn>
+                                        <p:tgtEl>
+                                          <p:spTgt spid="24"/>
+                                        </p:tgtEl>
+                                        <p:attrNameLst>
+                                          <p:attrName>style.visibility</p:attrName>
+                                        </p:attrNameLst>
+                                      </p:cBhvr>
+                                      <p:to>
+                                        <p:strVal val="visible"/>
+                                      </p:to>
+                                    </p:set>
+                                    <p:animEffect transition="in" filter="fade">
+                                      <p:cBhvr>
+                                        <p:cTn id="37" dur="500"/>
+                                        <p:tgtEl>
+                                          <p:spTgt spid="24"/>
+                                        </p:tgtEl>
+                                      </p:cBhvr>
+                                    </p:animEffect>
+                                  </p:childTnLst>
+                                </p:cTn>
+                              </p:par>
+                            </p:childTnLst>
+                          </p:cTn>
+                        </p:par>
+                      </p:childTnLst>
+                    </p:cTn>
+                  </p:par>
+                </p:childTnLst>
+              </p:cTn>
+              <p:prevCondLst>
+                <p:cond evt="onPrev" delay="0">
+                  <p:tgtEl>
+                    <p:sldTgt/>
+                  </p:tgtEl>
+                </p:cond>
+              </p:prevCondLst>
+              <p:nextCondLst>
+                <p:cond evt="onNext" delay="0">
+                  <p:tgtEl>
+                    <p:sldTgt/>
+                  </p:tgtEl>
+                </p:cond>
+              </p:nextCondLst>
+            </p:seq>
+          </p:childTnLst>
+        </p:cTn>
+      </p:par>
+    </p:tnLst>
+    <p:bldLst>
+      <p:bldP spid="6" grpId="0"/>
+      <p:bldP spid="4" grpId="0"/>
+      <p:bldP spid="17" grpId="0" animBg="1"/>
+      <p:bldP spid="18" grpId="0"/>
+      <p:bldP spid="19" grpId="0" animBg="1"/>
+      <p:bldP spid="20" grpId="0" animBg="1"/>
+      <p:bldP spid="21" grpId="0" animBg="1"/>
+      <p:bldP spid="22" grpId="0" animBg="1"/>
+      <p:bldP spid="23" grpId="0" animBg="1"/>
+      <p:bldP spid="24" grpId="0" animBg="1"/>
+    </p:bldLst>
+  </p:timing>
+</p:sld>
+</file>
+
+<file path=ppt/slides/slide12.xml><?xml version="1.0" encoding="utf-8"?>
 <p:sld xmlns:a="http://schemas.openxmlformats.org/drawingml/2006/main" xmlns:r="http://schemas.openxmlformats.org/officeDocument/2006/relationships" xmlns:p="http://schemas.openxmlformats.org/presentationml/2006/main">
   <p:cSld>
     <p:spTree>
@@ -7697,7 +10307,7 @@
 </p:sld>
 </file>
 
-<file path=ppt/slides/slide11.xml><?xml version="1.0" encoding="utf-8"?>
+<file path=ppt/slides/slide13.xml><?xml version="1.0" encoding="utf-8"?>
 <p:sld xmlns:a="http://schemas.openxmlformats.org/drawingml/2006/main" xmlns:r="http://schemas.openxmlformats.org/officeDocument/2006/relationships" xmlns:p="http://schemas.openxmlformats.org/presentationml/2006/main">
   <p:cSld>
     <p:spTree>
@@ -9080,7 +11690,7 @@
 </p:sld>
 </file>
 
-<file path=ppt/slides/slide12.xml><?xml version="1.0" encoding="utf-8"?>
+<file path=ppt/slides/slide14.xml><?xml version="1.0" encoding="utf-8"?>
 <p:sld xmlns:a="http://schemas.openxmlformats.org/drawingml/2006/main" xmlns:r="http://schemas.openxmlformats.org/officeDocument/2006/relationships" xmlns:p="http://schemas.openxmlformats.org/presentationml/2006/main">
   <p:cSld>
     <p:spTree>
@@ -10663,7 +13273,7 @@
 </p:sld>
 </file>
 
-<file path=ppt/slides/slide13.xml><?xml version="1.0" encoding="utf-8"?>
+<file path=ppt/slides/slide15.xml><?xml version="1.0" encoding="utf-8"?>
 <p:sld xmlns:a="http://schemas.openxmlformats.org/drawingml/2006/main" xmlns:r="http://schemas.openxmlformats.org/officeDocument/2006/relationships" xmlns:p="http://schemas.openxmlformats.org/presentationml/2006/main">
   <p:cSld>
     <p:spTree>
@@ -12204,7 +14814,7 @@
 </p:sld>
 </file>
 
-<file path=ppt/slides/slide14.xml><?xml version="1.0" encoding="utf-8"?>
+<file path=ppt/slides/slide16.xml><?xml version="1.0" encoding="utf-8"?>
 <p:sld xmlns:a="http://schemas.openxmlformats.org/drawingml/2006/main" xmlns:r="http://schemas.openxmlformats.org/officeDocument/2006/relationships" xmlns:p="http://schemas.openxmlformats.org/presentationml/2006/main">
   <p:cSld>
     <p:spTree>
@@ -12916,7 +15526,7 @@
 </p:sld>
 </file>
 
-<file path=ppt/slides/slide15.xml><?xml version="1.0" encoding="utf-8"?>
+<file path=ppt/slides/slide17.xml><?xml version="1.0" encoding="utf-8"?>
 <p:sld xmlns:a="http://schemas.openxmlformats.org/drawingml/2006/main" xmlns:r="http://schemas.openxmlformats.org/officeDocument/2006/relationships" xmlns:p="http://schemas.openxmlformats.org/presentationml/2006/main">
   <p:cSld>
     <p:spTree>
@@ -13553,7 +16163,7 @@
 </p:sld>
 </file>
 
-<file path=ppt/slides/slide16.xml><?xml version="1.0" encoding="utf-8"?>
+<file path=ppt/slides/slide18.xml><?xml version="1.0" encoding="utf-8"?>
 <p:sld xmlns:a="http://schemas.openxmlformats.org/drawingml/2006/main" xmlns:r="http://schemas.openxmlformats.org/officeDocument/2006/relationships" xmlns:p="http://schemas.openxmlformats.org/presentationml/2006/main">
   <p:cSld>
     <p:spTree>
@@ -18284,6 +20894,727 @@
 </file>
 
 <file path=ppt/slides/slide5.xml><?xml version="1.0" encoding="utf-8"?>
+<p:sld xmlns:a="http://schemas.openxmlformats.org/drawingml/2006/main" xmlns:r="http://schemas.openxmlformats.org/officeDocument/2006/relationships" xmlns:p="http://schemas.openxmlformats.org/presentationml/2006/main">
+  <p:cSld>
+    <p:spTree>
+      <p:nvGrpSpPr>
+        <p:cNvPr id="1" name=""/>
+        <p:cNvGrpSpPr/>
+        <p:nvPr/>
+      </p:nvGrpSpPr>
+      <p:grpSpPr>
+        <a:xfrm>
+          <a:off x="0" y="0"/>
+          <a:ext cx="0" cy="0"/>
+          <a:chOff x="0" y="0"/>
+          <a:chExt cx="0" cy="0"/>
+        </a:xfrm>
+      </p:grpSpPr>
+      <p:sp>
+        <p:nvSpPr>
+          <p:cNvPr id="2" name="Title 1"/>
+          <p:cNvSpPr>
+            <a:spLocks noGrp="1"/>
+          </p:cNvSpPr>
+          <p:nvPr>
+            <p:ph type="title"/>
+          </p:nvPr>
+        </p:nvSpPr>
+        <p:spPr>
+          <a:xfrm>
+            <a:off x="1069848" y="445596"/>
+            <a:ext cx="10058400" cy="677418"/>
+          </a:xfrm>
+        </p:spPr>
+        <p:txBody>
+          <a:bodyPr>
+            <a:normAutofit/>
+          </a:bodyPr>
+          <a:lstStyle/>
+          <a:p>
+            <a:r>
+              <a:rPr lang="en-US" sz="4000" b="1" spc="50" dirty="0" smtClean="0">
+                <a:latin typeface="Times New Roman" panose="02020603050405020304" pitchFamily="18" charset="0"/>
+                <a:cs typeface="Times New Roman" panose="02020603050405020304" pitchFamily="18" charset="0"/>
+              </a:rPr>
+              <a:t>TẠI SAO LÀ BLOCKCHAIN DNS ?</a:t>
+            </a:r>
+            <a:endParaRPr lang="en-US" sz="4000" b="1" spc="50" dirty="0">
+              <a:latin typeface="Times New Roman" panose="02020603050405020304" pitchFamily="18" charset="0"/>
+              <a:cs typeface="Times New Roman" panose="02020603050405020304" pitchFamily="18" charset="0"/>
+            </a:endParaRPr>
+          </a:p>
+        </p:txBody>
+      </p:sp>
+      <p:sp>
+        <p:nvSpPr>
+          <p:cNvPr id="6" name="Slide Number Placeholder 5"/>
+          <p:cNvSpPr>
+            <a:spLocks noGrp="1"/>
+          </p:cNvSpPr>
+          <p:nvPr>
+            <p:ph type="sldNum" sz="quarter" idx="12"/>
+          </p:nvPr>
+        </p:nvSpPr>
+        <p:spPr/>
+        <p:txBody>
+          <a:bodyPr/>
+          <a:lstStyle/>
+          <a:p>
+            <a:r>
+              <a:rPr lang="en-US" dirty="0" smtClean="0"/>
+              <a:t>2</a:t>
+            </a:r>
+            <a:endParaRPr lang="en-US" dirty="0"/>
+          </a:p>
+        </p:txBody>
+      </p:sp>
+      <p:sp>
+        <p:nvSpPr>
+          <p:cNvPr id="7" name="Rectangle 6"/>
+          <p:cNvSpPr/>
+          <p:nvPr/>
+        </p:nvSpPr>
+        <p:spPr>
+          <a:xfrm>
+            <a:off x="0" y="0"/>
+            <a:ext cx="427839" cy="6858000"/>
+          </a:xfrm>
+          <a:prstGeom prst="rect">
+            <a:avLst/>
+          </a:prstGeom>
+          <a:solidFill>
+            <a:srgbClr val="CE2127"/>
+          </a:solidFill>
+        </p:spPr>
+        <p:style>
+          <a:lnRef idx="2">
+            <a:schemeClr val="accent1">
+              <a:shade val="50000"/>
+            </a:schemeClr>
+          </a:lnRef>
+          <a:fillRef idx="1">
+            <a:schemeClr val="accent1"/>
+          </a:fillRef>
+          <a:effectRef idx="0">
+            <a:schemeClr val="accent1"/>
+          </a:effectRef>
+          <a:fontRef idx="minor">
+            <a:schemeClr val="lt1"/>
+          </a:fontRef>
+        </p:style>
+        <p:txBody>
+          <a:bodyPr rtlCol="0" anchor="ctr"/>
+          <a:lstStyle/>
+          <a:p>
+            <a:pPr algn="ctr"/>
+            <a:endParaRPr lang="en-US">
+              <a:solidFill>
+                <a:srgbClr val="FF0000"/>
+              </a:solidFill>
+            </a:endParaRPr>
+          </a:p>
+        </p:txBody>
+      </p:sp>
+      <p:sp>
+        <p:nvSpPr>
+          <p:cNvPr id="4" name="Text Box 3"/>
+          <p:cNvSpPr txBox="1"/>
+          <p:nvPr/>
+        </p:nvSpPr>
+        <p:spPr>
+          <a:xfrm>
+            <a:off x="1478915" y="1511935"/>
+            <a:ext cx="10143490" cy="1383665"/>
+          </a:xfrm>
+          <a:prstGeom prst="rect">
+            <a:avLst/>
+          </a:prstGeom>
+          <a:noFill/>
+        </p:spPr>
+        <p:txBody>
+          <a:bodyPr wrap="square" rtlCol="0">
+            <a:spAutoFit/>
+          </a:bodyPr>
+          <a:p>
+            <a:pPr algn="l">
+              <a:lnSpc>
+                <a:spcPct val="150000"/>
+              </a:lnSpc>
+            </a:pPr>
+            <a:r>
+              <a:rPr lang="en-US" sz="1400" dirty="0">
+                <a:highlight>
+                  <a:srgbClr val="FFFF00"/>
+                </a:highlight>
+                <a:latin typeface="Arial" panose="020B0604020202020204" pitchFamily="34" charset="0"/>
+                <a:cs typeface="Arial" panose="020B0604020202020204" pitchFamily="34" charset="0"/>
+                <a:sym typeface="+mn-ea"/>
+              </a:rPr>
+              <a:t>DNS phụ thuộc vào sự kiểm soát của tổ chức phi lợi nhuận ICANN</a:t>
+            </a:r>
+            <a:r>
+              <a:rPr lang="en-US" sz="1400" dirty="0" smtClean="0">
+                <a:highlight>
+                  <a:srgbClr val="FFFF00"/>
+                </a:highlight>
+                <a:latin typeface="Arial" panose="020B0604020202020204" pitchFamily="34" charset="0"/>
+                <a:cs typeface="Arial" panose="020B0604020202020204" pitchFamily="34" charset="0"/>
+                <a:sym typeface="+mn-ea"/>
+              </a:rPr>
+              <a:t> từ năm 1998.</a:t>
+            </a:r>
+            <a:endParaRPr lang="en-US" sz="1400" dirty="0" smtClean="0">
+              <a:highlight>
+                <a:srgbClr val="FFFF00"/>
+              </a:highlight>
+              <a:latin typeface="Arial" panose="020B0604020202020204" pitchFamily="34" charset="0"/>
+              <a:cs typeface="Arial" panose="020B0604020202020204" pitchFamily="34" charset="0"/>
+              <a:sym typeface="+mn-ea"/>
+            </a:endParaRPr>
+          </a:p>
+          <a:p>
+            <a:pPr algn="l">
+              <a:lnSpc>
+                <a:spcPct val="150000"/>
+              </a:lnSpc>
+            </a:pPr>
+            <a:r>
+              <a:rPr lang="en-US" sz="1400">
+                <a:latin typeface="Arial" panose="020B0604020202020204" pitchFamily="34" charset="0"/>
+                <a:cs typeface="Arial" panose="020B0604020202020204" pitchFamily="34" charset="0"/>
+                <a:sym typeface="+mn-ea"/>
+              </a:rPr>
+              <a:t>DNS sập khi nào ? </a:t>
+            </a:r>
+            <a:r>
+              <a:rPr lang="en-US" sz="1400">
+                <a:highlight>
+                  <a:srgbClr val="FFFF00"/>
+                </a:highlight>
+                <a:latin typeface="Arial" panose="020B0604020202020204" pitchFamily="34" charset="0"/>
+                <a:cs typeface="Arial" panose="020B0604020202020204" pitchFamily="34" charset="0"/>
+                <a:sym typeface="+mn-ea"/>
+              </a:rPr>
+              <a:t>DNS là hệ thống lớn nhưng được quản lí bởi các tổ chức nên nó vẫn sẽ Decentralized.</a:t>
+            </a:r>
+            <a:r>
+              <a:rPr lang="en-US" sz="1400">
+                <a:latin typeface="Arial" panose="020B0604020202020204" pitchFamily="34" charset="0"/>
+                <a:cs typeface="Arial" panose="020B0604020202020204" pitchFamily="34" charset="0"/>
+                <a:sym typeface="+mn-ea"/>
+              </a:rPr>
+              <a:t> </a:t>
+            </a:r>
+            <a:endParaRPr lang="en-US" sz="1400" dirty="0" smtClean="0">
+              <a:latin typeface="Arial" panose="020B0604020202020204" pitchFamily="34" charset="0"/>
+              <a:cs typeface="Arial" panose="020B0604020202020204" pitchFamily="34" charset="0"/>
+              <a:sym typeface="+mn-ea"/>
+            </a:endParaRPr>
+          </a:p>
+          <a:p>
+            <a:pPr algn="l">
+              <a:lnSpc>
+                <a:spcPct val="150000"/>
+              </a:lnSpc>
+            </a:pPr>
+            <a:r>
+              <a:rPr lang="en-US" sz="1400" dirty="0">
+                <a:latin typeface="Arial" panose="020B0604020202020204" pitchFamily="34" charset="0"/>
+                <a:cs typeface="Arial" panose="020B0604020202020204" pitchFamily="34" charset="0"/>
+                <a:sym typeface="+mn-ea"/>
+              </a:rPr>
+              <a:t>DNS là nguyên nhân chính dẫn đến cuộc tấn công DNS</a:t>
+            </a:r>
+            <a:endParaRPr lang="en-US" sz="1400" dirty="0">
+              <a:latin typeface="Arial" panose="020B0604020202020204" pitchFamily="34" charset="0"/>
+              <a:cs typeface="Arial" panose="020B0604020202020204" pitchFamily="34" charset="0"/>
+              <a:sym typeface="+mn-ea"/>
+            </a:endParaRPr>
+          </a:p>
+          <a:p>
+            <a:pPr algn="l">
+              <a:lnSpc>
+                <a:spcPct val="150000"/>
+              </a:lnSpc>
+            </a:pPr>
+            <a:r>
+              <a:rPr lang="en-US" sz="1400" dirty="0">
+                <a:latin typeface="Arial" panose="020B0604020202020204" pitchFamily="34" charset="0"/>
+                <a:cs typeface="Arial" panose="020B0604020202020204" pitchFamily="34" charset="0"/>
+                <a:sym typeface="+mn-ea"/>
+              </a:rPr>
+              <a:t>DNS queries thường không mang bất kì thông tin về client khởi tạo </a:t>
+            </a:r>
+            <a:r>
+              <a:rPr lang="en-US" sz="1400" dirty="0" smtClean="0">
+                <a:latin typeface="Arial" panose="020B0604020202020204" pitchFamily="34" charset="0"/>
+                <a:cs typeface="Arial" panose="020B0604020202020204" pitchFamily="34" charset="0"/>
+                <a:sym typeface="+mn-ea"/>
+              </a:rPr>
+              <a:t>nó</a:t>
+            </a:r>
+            <a:endParaRPr lang="en-US" sz="1400">
+              <a:latin typeface="Arial" panose="020B0604020202020204" pitchFamily="34" charset="0"/>
+              <a:cs typeface="Arial" panose="020B0604020202020204" pitchFamily="34" charset="0"/>
+            </a:endParaRPr>
+          </a:p>
+        </p:txBody>
+      </p:sp>
+      <p:sp>
+        <p:nvSpPr>
+          <p:cNvPr id="8" name="Text Box 7"/>
+          <p:cNvSpPr txBox="1"/>
+          <p:nvPr/>
+        </p:nvSpPr>
+        <p:spPr>
+          <a:xfrm>
+            <a:off x="1235710" y="977900"/>
+            <a:ext cx="9433560" cy="534035"/>
+          </a:xfrm>
+          <a:prstGeom prst="rect">
+            <a:avLst/>
+          </a:prstGeom>
+          <a:noFill/>
+        </p:spPr>
+        <p:txBody>
+          <a:bodyPr wrap="square" rtlCol="0">
+            <a:spAutoFit/>
+          </a:bodyPr>
+          <a:p>
+            <a:pPr algn="l" fontAlgn="auto">
+              <a:lnSpc>
+                <a:spcPct val="120000"/>
+              </a:lnSpc>
+              <a:spcBef>
+                <a:spcPts val="0"/>
+              </a:spcBef>
+              <a:buClrTx/>
+              <a:buSzTx/>
+              <a:buFontTx/>
+            </a:pPr>
+            <a:r>
+              <a:rPr lang="en-US" sz="2400" b="1" dirty="0" smtClean="0">
+                <a:solidFill>
+                  <a:schemeClr val="accent2">
+                    <a:lumMod val="50000"/>
+                  </a:schemeClr>
+                </a:solidFill>
+                <a:latin typeface="Arial" panose="020B0604020202020204" pitchFamily="34" charset="0"/>
+                <a:ea typeface="Roboto" panose="02000000000000000000" pitchFamily="2" charset="0"/>
+                <a:cs typeface="Arial" panose="020B0604020202020204" pitchFamily="34" charset="0"/>
+              </a:rPr>
+              <a:t>Những vấn đề tồn tại ở hệ thống DNS hiện tại</a:t>
+            </a:r>
+            <a:endParaRPr lang="en-US" sz="2400" b="1" dirty="0" smtClean="0">
+              <a:solidFill>
+                <a:schemeClr val="accent2">
+                  <a:lumMod val="50000"/>
+                </a:schemeClr>
+              </a:solidFill>
+              <a:latin typeface="Arial" panose="020B0604020202020204" pitchFamily="34" charset="0"/>
+              <a:ea typeface="Roboto" panose="02000000000000000000" pitchFamily="2" charset="0"/>
+              <a:cs typeface="Arial" panose="020B0604020202020204" pitchFamily="34" charset="0"/>
+            </a:endParaRPr>
+          </a:p>
+        </p:txBody>
+      </p:sp>
+    </p:spTree>
+  </p:cSld>
+  <p:clrMapOvr>
+    <a:masterClrMapping/>
+  </p:clrMapOvr>
+  <p:transition spd="slow">
+    <p:push dir="u"/>
+  </p:transition>
+  <p:timing>
+    <p:tnLst>
+      <p:par>
+        <p:cTn id="1" dur="indefinite" restart="never" nodeType="tmRoot">
+          <p:childTnLst>
+            <p:seq concurrent="1" nextAc="seek">
+              <p:cTn id="2" dur="indefinite" nodeType="mainSeq">
+                <p:childTnLst>
+                  <p:par>
+                    <p:cTn id="3" fill="hold">
+                      <p:stCondLst>
+                        <p:cond delay="indefinite"/>
+                        <p:cond evt="onBegin" delay="0">
+                          <p:tn val="2"/>
+                        </p:cond>
+                      </p:stCondLst>
+                      <p:childTnLst>
+                        <p:par>
+                          <p:cTn id="4" fill="hold">
+                            <p:stCondLst>
+                              <p:cond delay="0"/>
+                            </p:stCondLst>
+                            <p:childTnLst>
+                              <p:par>
+                                <p:cTn id="5" presetID="10" presetClass="entr" presetSubtype="0" fill="hold" grpId="0" nodeType="withEffect">
+                                  <p:stCondLst>
+                                    <p:cond delay="0"/>
+                                  </p:stCondLst>
+                                  <p:childTnLst>
+                                    <p:set>
+                                      <p:cBhvr>
+                                        <p:cTn id="6" dur="1" fill="hold">
+                                          <p:stCondLst>
+                                            <p:cond delay="0"/>
+                                          </p:stCondLst>
+                                        </p:cTn>
+                                        <p:tgtEl>
+                                          <p:spTgt spid="2"/>
+                                        </p:tgtEl>
+                                        <p:attrNameLst>
+                                          <p:attrName>style.visibility</p:attrName>
+                                        </p:attrNameLst>
+                                      </p:cBhvr>
+                                      <p:to>
+                                        <p:strVal val="visible"/>
+                                      </p:to>
+                                    </p:set>
+                                    <p:animEffect transition="in" filter="fade">
+                                      <p:cBhvr>
+                                        <p:cTn id="7" dur="500"/>
+                                        <p:tgtEl>
+                                          <p:spTgt spid="2"/>
+                                        </p:tgtEl>
+                                      </p:cBhvr>
+                                    </p:animEffect>
+                                  </p:childTnLst>
+                                </p:cTn>
+                              </p:par>
+                              <p:par>
+                                <p:cTn id="8" presetID="10" presetClass="entr" presetSubtype="0" fill="hold" grpId="0" nodeType="withEffect">
+                                  <p:stCondLst>
+                                    <p:cond delay="0"/>
+                                  </p:stCondLst>
+                                  <p:childTnLst>
+                                    <p:set>
+                                      <p:cBhvr>
+                                        <p:cTn id="9" dur="1" fill="hold">
+                                          <p:stCondLst>
+                                            <p:cond delay="0"/>
+                                          </p:stCondLst>
+                                        </p:cTn>
+                                        <p:tgtEl>
+                                          <p:spTgt spid="6"/>
+                                        </p:tgtEl>
+                                        <p:attrNameLst>
+                                          <p:attrName>style.visibility</p:attrName>
+                                        </p:attrNameLst>
+                                      </p:cBhvr>
+                                      <p:to>
+                                        <p:strVal val="visible"/>
+                                      </p:to>
+                                    </p:set>
+                                    <p:animEffect transition="in" filter="fade">
+                                      <p:cBhvr>
+                                        <p:cTn id="10" dur="500"/>
+                                        <p:tgtEl>
+                                          <p:spTgt spid="6"/>
+                                        </p:tgtEl>
+                                      </p:cBhvr>
+                                    </p:animEffect>
+                                  </p:childTnLst>
+                                </p:cTn>
+                              </p:par>
+                            </p:childTnLst>
+                          </p:cTn>
+                        </p:par>
+                      </p:childTnLst>
+                    </p:cTn>
+                  </p:par>
+                </p:childTnLst>
+              </p:cTn>
+              <p:prevCondLst>
+                <p:cond evt="onPrev" delay="0">
+                  <p:tgtEl>
+                    <p:sldTgt/>
+                  </p:tgtEl>
+                </p:cond>
+              </p:prevCondLst>
+              <p:nextCondLst>
+                <p:cond evt="onNext" delay="0">
+                  <p:tgtEl>
+                    <p:sldTgt/>
+                  </p:tgtEl>
+                </p:cond>
+              </p:nextCondLst>
+            </p:seq>
+          </p:childTnLst>
+        </p:cTn>
+      </p:par>
+    </p:tnLst>
+    <p:bldLst>
+      <p:bldP spid="2" grpId="0"/>
+      <p:bldP spid="6" grpId="0"/>
+    </p:bldLst>
+  </p:timing>
+</p:sld>
+</file>
+
+<file path=ppt/slides/slide6.xml><?xml version="1.0" encoding="utf-8"?>
+<p:sld xmlns:a="http://schemas.openxmlformats.org/drawingml/2006/main" xmlns:r="http://schemas.openxmlformats.org/officeDocument/2006/relationships" xmlns:p="http://schemas.openxmlformats.org/presentationml/2006/main">
+  <p:cSld>
+    <p:spTree>
+      <p:nvGrpSpPr>
+        <p:cNvPr id="1" name=""/>
+        <p:cNvGrpSpPr/>
+        <p:nvPr/>
+      </p:nvGrpSpPr>
+      <p:grpSpPr>
+        <a:xfrm>
+          <a:off x="0" y="0"/>
+          <a:ext cx="0" cy="0"/>
+          <a:chOff x="0" y="0"/>
+          <a:chExt cx="0" cy="0"/>
+        </a:xfrm>
+      </p:grpSpPr>
+      <p:sp>
+        <p:nvSpPr>
+          <p:cNvPr id="2" name="Title 1"/>
+          <p:cNvSpPr>
+            <a:spLocks noGrp="1"/>
+          </p:cNvSpPr>
+          <p:nvPr>
+            <p:ph type="title"/>
+          </p:nvPr>
+        </p:nvSpPr>
+        <p:spPr>
+          <a:xfrm>
+            <a:off x="1069848" y="445596"/>
+            <a:ext cx="10058400" cy="677418"/>
+          </a:xfrm>
+        </p:spPr>
+        <p:txBody>
+          <a:bodyPr>
+            <a:normAutofit/>
+          </a:bodyPr>
+          <a:lstStyle/>
+          <a:p>
+            <a:r>
+              <a:rPr lang="en-US" sz="4000" b="1" spc="50" dirty="0">
+                <a:latin typeface="Times New Roman" panose="02020603050405020304" pitchFamily="18" charset="0"/>
+                <a:cs typeface="Times New Roman" panose="02020603050405020304" pitchFamily="18" charset="0"/>
+              </a:rPr>
+              <a:t>so sánh 2 mô hình</a:t>
+            </a:r>
+            <a:endParaRPr lang="en-US" sz="4000" b="1" spc="50" dirty="0">
+              <a:latin typeface="Times New Roman" panose="02020603050405020304" pitchFamily="18" charset="0"/>
+              <a:cs typeface="Times New Roman" panose="02020603050405020304" pitchFamily="18" charset="0"/>
+            </a:endParaRPr>
+          </a:p>
+        </p:txBody>
+      </p:sp>
+      <p:sp>
+        <p:nvSpPr>
+          <p:cNvPr id="6" name="Slide Number Placeholder 5"/>
+          <p:cNvSpPr>
+            <a:spLocks noGrp="1"/>
+          </p:cNvSpPr>
+          <p:nvPr>
+            <p:ph type="sldNum" sz="quarter" idx="12"/>
+          </p:nvPr>
+        </p:nvSpPr>
+        <p:spPr/>
+        <p:txBody>
+          <a:bodyPr/>
+          <a:lstStyle/>
+          <a:p>
+            <a:r>
+              <a:rPr lang="en-US" dirty="0" smtClean="0"/>
+              <a:t>2</a:t>
+            </a:r>
+            <a:endParaRPr lang="en-US" dirty="0"/>
+          </a:p>
+        </p:txBody>
+      </p:sp>
+      <p:sp>
+        <p:nvSpPr>
+          <p:cNvPr id="7" name="Rectangle 6"/>
+          <p:cNvSpPr/>
+          <p:nvPr/>
+        </p:nvSpPr>
+        <p:spPr>
+          <a:xfrm>
+            <a:off x="0" y="0"/>
+            <a:ext cx="427839" cy="6858000"/>
+          </a:xfrm>
+          <a:prstGeom prst="rect">
+            <a:avLst/>
+          </a:prstGeom>
+          <a:solidFill>
+            <a:srgbClr val="CE2127"/>
+          </a:solidFill>
+        </p:spPr>
+        <p:style>
+          <a:lnRef idx="2">
+            <a:schemeClr val="accent1">
+              <a:shade val="50000"/>
+            </a:schemeClr>
+          </a:lnRef>
+          <a:fillRef idx="1">
+            <a:schemeClr val="accent1"/>
+          </a:fillRef>
+          <a:effectRef idx="0">
+            <a:schemeClr val="accent1"/>
+          </a:effectRef>
+          <a:fontRef idx="minor">
+            <a:schemeClr val="lt1"/>
+          </a:fontRef>
+        </p:style>
+        <p:txBody>
+          <a:bodyPr rtlCol="0" anchor="ctr"/>
+          <a:lstStyle/>
+          <a:p>
+            <a:pPr algn="ctr"/>
+            <a:endParaRPr lang="en-US">
+              <a:solidFill>
+                <a:srgbClr val="FF0000"/>
+              </a:solidFill>
+            </a:endParaRPr>
+          </a:p>
+        </p:txBody>
+      </p:sp>
+    </p:spTree>
+  </p:cSld>
+  <p:clrMapOvr>
+    <a:masterClrMapping/>
+  </p:clrMapOvr>
+  <p:transition spd="slow">
+    <p:push dir="u"/>
+  </p:transition>
+  <p:timing>
+    <p:tnLst>
+      <p:par>
+        <p:cTn id="1" dur="indefinite" restart="never" nodeType="tmRoot">
+          <p:childTnLst>
+            <p:seq concurrent="1" nextAc="seek">
+              <p:cTn id="2" dur="indefinite" nodeType="mainSeq">
+                <p:childTnLst>
+                  <p:par>
+                    <p:cTn id="3" fill="hold">
+                      <p:stCondLst>
+                        <p:cond delay="indefinite"/>
+                        <p:cond evt="onBegin" delay="0">
+                          <p:tn val="2"/>
+                        </p:cond>
+                      </p:stCondLst>
+                      <p:childTnLst>
+                        <p:par>
+                          <p:cTn id="4" fill="hold">
+                            <p:stCondLst>
+                              <p:cond delay="0"/>
+                            </p:stCondLst>
+                            <p:childTnLst>
+                              <p:par>
+                                <p:cTn id="5" presetID="10" presetClass="entr" presetSubtype="0" fill="hold" grpId="0" nodeType="withEffect">
+                                  <p:stCondLst>
+                                    <p:cond delay="0"/>
+                                  </p:stCondLst>
+                                  <p:childTnLst>
+                                    <p:set>
+                                      <p:cBhvr>
+                                        <p:cTn id="6" dur="1" fill="hold">
+                                          <p:stCondLst>
+                                            <p:cond delay="0"/>
+                                          </p:stCondLst>
+                                        </p:cTn>
+                                        <p:tgtEl>
+                                          <p:spTgt spid="2"/>
+                                        </p:tgtEl>
+                                        <p:attrNameLst>
+                                          <p:attrName>style.visibility</p:attrName>
+                                        </p:attrNameLst>
+                                      </p:cBhvr>
+                                      <p:to>
+                                        <p:strVal val="visible"/>
+                                      </p:to>
+                                    </p:set>
+                                    <p:animEffect transition="in" filter="fade">
+                                      <p:cBhvr>
+                                        <p:cTn id="7" dur="500"/>
+                                        <p:tgtEl>
+                                          <p:spTgt spid="2"/>
+                                        </p:tgtEl>
+                                      </p:cBhvr>
+                                    </p:animEffect>
+                                  </p:childTnLst>
+                                </p:cTn>
+                              </p:par>
+                              <p:par>
+                                <p:cTn id="8" presetID="10" presetClass="entr" presetSubtype="0" fill="hold" grpId="0" nodeType="withEffect">
+                                  <p:stCondLst>
+                                    <p:cond delay="0"/>
+                                  </p:stCondLst>
+                                  <p:childTnLst>
+                                    <p:set>
+                                      <p:cBhvr>
+                                        <p:cTn id="9" dur="1" fill="hold">
+                                          <p:stCondLst>
+                                            <p:cond delay="0"/>
+                                          </p:stCondLst>
+                                        </p:cTn>
+                                        <p:tgtEl>
+                                          <p:spTgt spid="6"/>
+                                        </p:tgtEl>
+                                        <p:attrNameLst>
+                                          <p:attrName>style.visibility</p:attrName>
+                                        </p:attrNameLst>
+                                      </p:cBhvr>
+                                      <p:to>
+                                        <p:strVal val="visible"/>
+                                      </p:to>
+                                    </p:set>
+                                    <p:animEffect transition="in" filter="fade">
+                                      <p:cBhvr>
+                                        <p:cTn id="10" dur="500"/>
+                                        <p:tgtEl>
+                                          <p:spTgt spid="6"/>
+                                        </p:tgtEl>
+                                      </p:cBhvr>
+                                    </p:animEffect>
+                                  </p:childTnLst>
+                                </p:cTn>
+                              </p:par>
+                            </p:childTnLst>
+                          </p:cTn>
+                        </p:par>
+                      </p:childTnLst>
+                    </p:cTn>
+                  </p:par>
+                </p:childTnLst>
+              </p:cTn>
+              <p:prevCondLst>
+                <p:cond evt="onPrev" delay="0">
+                  <p:tgtEl>
+                    <p:sldTgt/>
+                  </p:tgtEl>
+                </p:cond>
+              </p:prevCondLst>
+              <p:nextCondLst>
+                <p:cond evt="onNext" delay="0">
+                  <p:tgtEl>
+                    <p:sldTgt/>
+                  </p:tgtEl>
+                </p:cond>
+              </p:nextCondLst>
+            </p:seq>
+          </p:childTnLst>
+        </p:cTn>
+      </p:par>
+    </p:tnLst>
+    <p:bldLst>
+      <p:bldP spid="2" grpId="0"/>
+      <p:bldP spid="6" grpId="0"/>
+    </p:bldLst>
+  </p:timing>
+</p:sld>
+</file>
+
+<file path=ppt/slides/slide7.xml><?xml version="1.0" encoding="utf-8"?>
 <p:sld xmlns:a="http://schemas.openxmlformats.org/drawingml/2006/main" xmlns:r="http://schemas.openxmlformats.org/officeDocument/2006/relationships" xmlns:p="http://schemas.openxmlformats.org/presentationml/2006/main">
   <p:cSld>
     <p:spTree>
@@ -21322,7 +24653,7 @@
 </p:sld>
 </file>
 
-<file path=ppt/slides/slide6.xml><?xml version="1.0" encoding="utf-8"?>
+<file path=ppt/slides/slide8.xml><?xml version="1.0" encoding="utf-8"?>
 <p:sld xmlns:a="http://schemas.openxmlformats.org/drawingml/2006/main" xmlns:r="http://schemas.openxmlformats.org/officeDocument/2006/relationships" xmlns:p="http://schemas.openxmlformats.org/presentationml/2006/main">
   <p:cSld>
     <p:spTree>
@@ -22245,7 +25576,7 @@
 </p:sld>
 </file>
 
-<file path=ppt/slides/slide7.xml><?xml version="1.0" encoding="utf-8"?>
+<file path=ppt/slides/slide9.xml><?xml version="1.0" encoding="utf-8"?>
 <p:sld xmlns:a="http://schemas.openxmlformats.org/drawingml/2006/main" xmlns:r="http://schemas.openxmlformats.org/officeDocument/2006/relationships" xmlns:p="http://schemas.openxmlformats.org/presentationml/2006/main">
   <p:cSld>
     <p:spTree>
@@ -23400,2614 +26731,6 @@
       <p:bldP spid="9" grpId="0"/>
       <p:bldP spid="12" grpId="0"/>
       <p:bldP spid="13" grpId="0"/>
-    </p:bldLst>
-  </p:timing>
-</p:sld>
-</file>
-
-<file path=ppt/slides/slide8.xml><?xml version="1.0" encoding="utf-8"?>
-<p:sld xmlns:a="http://schemas.openxmlformats.org/drawingml/2006/main" xmlns:r="http://schemas.openxmlformats.org/officeDocument/2006/relationships" xmlns:p="http://schemas.openxmlformats.org/presentationml/2006/main">
-  <p:cSld>
-    <p:spTree>
-      <p:nvGrpSpPr>
-        <p:cNvPr id="1" name=""/>
-        <p:cNvGrpSpPr/>
-        <p:nvPr/>
-      </p:nvGrpSpPr>
-      <p:grpSpPr>
-        <a:xfrm>
-          <a:off x="0" y="0"/>
-          <a:ext cx="0" cy="0"/>
-          <a:chOff x="0" y="0"/>
-          <a:chExt cx="0" cy="0"/>
-        </a:xfrm>
-      </p:grpSpPr>
-      <p:sp>
-        <p:nvSpPr>
-          <p:cNvPr id="6" name="Title 1"/>
-          <p:cNvSpPr>
-            <a:spLocks noGrp="1"/>
-          </p:cNvSpPr>
-          <p:nvPr>
-            <p:ph type="title"/>
-          </p:nvPr>
-        </p:nvSpPr>
-        <p:spPr>
-          <a:xfrm>
-            <a:off x="1019175" y="230505"/>
-            <a:ext cx="10058400" cy="657944"/>
-          </a:xfrm>
-        </p:spPr>
-        <p:txBody>
-          <a:bodyPr>
-            <a:normAutofit/>
-          </a:bodyPr>
-          <a:lstStyle/>
-          <a:p>
-            <a:r>
-              <a:rPr lang="en-US" sz="4000" b="1" spc="50" dirty="0" smtClean="0">
-                <a:blipFill>
-                  <a:blip r:embed="rId1">
-                    <a:extLst>
-                      <a:ext uri="{28A0092B-C50C-407E-A947-70E740481C1C}">
-                        <a14:useLocalDpi xmlns:a14="http://schemas.microsoft.com/office/drawing/2010/main" val="0"/>
-                      </a:ext>
-                    </a:extLst>
-                  </a:blip>
-                  <a:tile tx="6350" ty="-127000" sx="65000" sy="64000" flip="none" algn="tl"/>
-                </a:blipFill>
-                <a:latin typeface="Times New Roman" panose="02020603050405020304" pitchFamily="18" charset="0"/>
-                <a:cs typeface="Times New Roman" panose="02020603050405020304" pitchFamily="18" charset="0"/>
-                <a:sym typeface="+mn-ea"/>
-              </a:rPr>
-              <a:t>Cơ chế của DNS BLOCKCHAIN</a:t>
-            </a:r>
-            <a:endParaRPr lang="en-US" sz="4000" dirty="0">
-              <a:latin typeface="Arial" panose="020B0604020202020204" pitchFamily="34" charset="0"/>
-              <a:cs typeface="Arial" panose="020B0604020202020204" pitchFamily="34" charset="0"/>
-            </a:endParaRPr>
-          </a:p>
-        </p:txBody>
-      </p:sp>
-      <p:sp>
-        <p:nvSpPr>
-          <p:cNvPr id="4" name="Slide Number Placeholder 3"/>
-          <p:cNvSpPr>
-            <a:spLocks noGrp="1"/>
-          </p:cNvSpPr>
-          <p:nvPr>
-            <p:ph type="sldNum" sz="quarter" idx="12"/>
-          </p:nvPr>
-        </p:nvSpPr>
-        <p:spPr/>
-        <p:txBody>
-          <a:bodyPr/>
-          <a:lstStyle/>
-          <a:p>
-            <a:fld id="{040DEF24-717E-4741-8753-F7E431A261E5}" type="slidenum">
-              <a:rPr lang="en-US" smtClean="0"/>
-            </a:fld>
-            <a:endParaRPr lang="en-US"/>
-          </a:p>
-        </p:txBody>
-      </p:sp>
-      <p:pic>
-        <p:nvPicPr>
-          <p:cNvPr id="5" name="Picture 4"/>
-          <p:cNvPicPr/>
-          <p:nvPr/>
-        </p:nvPicPr>
-        <p:blipFill>
-          <a:blip r:embed="rId2"/>
-          <a:stretch>
-            <a:fillRect/>
-          </a:stretch>
-        </p:blipFill>
-        <p:spPr>
-          <a:xfrm>
-            <a:off x="6089044" y="1042812"/>
-            <a:ext cx="5243554" cy="2562867"/>
-          </a:xfrm>
-          <a:prstGeom prst="rect">
-            <a:avLst/>
-          </a:prstGeom>
-          <a:ln w="12700">
-            <a:solidFill>
-              <a:schemeClr val="tx1"/>
-            </a:solidFill>
-          </a:ln>
-        </p:spPr>
-      </p:pic>
-      <p:sp>
-        <p:nvSpPr>
-          <p:cNvPr id="7" name="Rectangle 6"/>
-          <p:cNvSpPr/>
-          <p:nvPr/>
-        </p:nvSpPr>
-        <p:spPr>
-          <a:xfrm>
-            <a:off x="0" y="0"/>
-            <a:ext cx="427839" cy="6858000"/>
-          </a:xfrm>
-          <a:prstGeom prst="rect">
-            <a:avLst/>
-          </a:prstGeom>
-          <a:solidFill>
-            <a:srgbClr val="CE2127"/>
-          </a:solidFill>
-        </p:spPr>
-        <p:style>
-          <a:lnRef idx="2">
-            <a:schemeClr val="accent1">
-              <a:shade val="50000"/>
-            </a:schemeClr>
-          </a:lnRef>
-          <a:fillRef idx="1">
-            <a:schemeClr val="accent1"/>
-          </a:fillRef>
-          <a:effectRef idx="0">
-            <a:schemeClr val="accent1"/>
-          </a:effectRef>
-          <a:fontRef idx="minor">
-            <a:schemeClr val="lt1"/>
-          </a:fontRef>
-        </p:style>
-        <p:txBody>
-          <a:bodyPr rtlCol="0" anchor="ctr"/>
-          <a:lstStyle/>
-          <a:p>
-            <a:pPr algn="ctr"/>
-            <a:endParaRPr lang="en-US">
-              <a:solidFill>
-                <a:srgbClr val="FF0000"/>
-              </a:solidFill>
-            </a:endParaRPr>
-          </a:p>
-        </p:txBody>
-      </p:sp>
-      <p:sp>
-        <p:nvSpPr>
-          <p:cNvPr id="8" name="TextBox 7"/>
-          <p:cNvSpPr txBox="1"/>
-          <p:nvPr/>
-        </p:nvSpPr>
-        <p:spPr>
-          <a:xfrm>
-            <a:off x="1044448" y="906044"/>
-            <a:ext cx="5019323" cy="461665"/>
-          </a:xfrm>
-          <a:prstGeom prst="rect">
-            <a:avLst/>
-          </a:prstGeom>
-          <a:noFill/>
-        </p:spPr>
-        <p:txBody>
-          <a:bodyPr wrap="none" rtlCol="0">
-            <a:spAutoFit/>
-          </a:bodyPr>
-          <a:lstStyle/>
-          <a:p>
-            <a:r>
-              <a:rPr lang="en-US" sz="2400" b="1" dirty="0" smtClean="0">
-                <a:solidFill>
-                  <a:schemeClr val="accent2">
-                    <a:lumMod val="50000"/>
-                  </a:schemeClr>
-                </a:solidFill>
-                <a:latin typeface="Arial" panose="020B0604020202020204" pitchFamily="34" charset="0"/>
-                <a:ea typeface="Roboto" panose="02000000000000000000" pitchFamily="2" charset="0"/>
-                <a:cs typeface="Arial" panose="020B0604020202020204" pitchFamily="34" charset="0"/>
-              </a:rPr>
-              <a:t>DNS Blockchain hoàn chỉnh gồm</a:t>
-            </a:r>
-            <a:endParaRPr lang="en-US" sz="2400" b="1" dirty="0">
-              <a:solidFill>
-                <a:schemeClr val="accent2">
-                  <a:lumMod val="50000"/>
-                </a:schemeClr>
-              </a:solidFill>
-              <a:latin typeface="Arial" panose="020B0604020202020204" pitchFamily="34" charset="0"/>
-              <a:ea typeface="Roboto" panose="02000000000000000000" pitchFamily="2" charset="0"/>
-              <a:cs typeface="Arial" panose="020B0604020202020204" pitchFamily="34" charset="0"/>
-            </a:endParaRPr>
-          </a:p>
-        </p:txBody>
-      </p:sp>
-      <p:sp>
-        <p:nvSpPr>
-          <p:cNvPr id="9" name="Rectangle 8"/>
-          <p:cNvSpPr/>
-          <p:nvPr/>
-        </p:nvSpPr>
-        <p:spPr>
-          <a:xfrm>
-            <a:off x="1076209" y="2815950"/>
-            <a:ext cx="1446397" cy="415498"/>
-          </a:xfrm>
-          <a:prstGeom prst="rect">
-            <a:avLst/>
-          </a:prstGeom>
-        </p:spPr>
-        <p:txBody>
-          <a:bodyPr wrap="square">
-            <a:spAutoFit/>
-          </a:bodyPr>
-          <a:lstStyle/>
-          <a:p>
-            <a:pPr lvl="0" algn="just">
-              <a:lnSpc>
-                <a:spcPct val="150000"/>
-              </a:lnSpc>
-              <a:spcAft>
-                <a:spcPts val="0"/>
-              </a:spcAft>
-            </a:pPr>
-            <a:r>
-              <a:rPr lang="en-US" sz="1400" b="1" dirty="0" smtClean="0">
-                <a:latin typeface="Arial" panose="020B0604020202020204" pitchFamily="34" charset="0"/>
-                <a:ea typeface="Calibri" panose="020F0502020204030204" pitchFamily="34" charset="0"/>
-                <a:cs typeface="Arial" panose="020B0604020202020204" pitchFamily="34" charset="0"/>
-              </a:rPr>
-              <a:t>Data Access: </a:t>
-            </a:r>
-            <a:endParaRPr lang="en-US" sz="1400" b="1" dirty="0" smtClean="0">
-              <a:latin typeface="Arial" panose="020B0604020202020204" pitchFamily="34" charset="0"/>
-              <a:ea typeface="Calibri" panose="020F0502020204030204" pitchFamily="34" charset="0"/>
-              <a:cs typeface="Arial" panose="020B0604020202020204" pitchFamily="34" charset="0"/>
-            </a:endParaRPr>
-          </a:p>
-        </p:txBody>
-      </p:sp>
-      <p:sp>
-        <p:nvSpPr>
-          <p:cNvPr id="2" name="Rectangle 1"/>
-          <p:cNvSpPr/>
-          <p:nvPr/>
-        </p:nvSpPr>
-        <p:spPr>
-          <a:xfrm>
-            <a:off x="1044448" y="4002387"/>
-            <a:ext cx="10288150" cy="808555"/>
-          </a:xfrm>
-          <a:prstGeom prst="rect">
-            <a:avLst/>
-          </a:prstGeom>
-          <a:solidFill>
-            <a:schemeClr val="tx2">
-              <a:lumMod val="20000"/>
-              <a:lumOff val="80000"/>
-            </a:schemeClr>
-          </a:solidFill>
-        </p:spPr>
-        <p:txBody>
-          <a:bodyPr wrap="square">
-            <a:spAutoFit/>
-          </a:bodyPr>
-          <a:lstStyle/>
-          <a:p>
-            <a:pPr marL="342900" lvl="0" indent="-342900" algn="just">
-              <a:lnSpc>
-                <a:spcPct val="114000"/>
-              </a:lnSpc>
-              <a:spcAft>
-                <a:spcPts val="0"/>
-              </a:spcAft>
-              <a:buFont typeface="Times New Roman" panose="02020603050405020304" pitchFamily="18" charset="0"/>
-              <a:buChar char="-"/>
-            </a:pPr>
-            <a:r>
-              <a:rPr lang="en-US" sz="1400" dirty="0" smtClean="0">
-                <a:latin typeface="Arial" panose="020B0604020202020204" pitchFamily="34" charset="0"/>
-                <a:ea typeface="Calibri" panose="020F0502020204030204" pitchFamily="34" charset="0"/>
-                <a:cs typeface="Arial" panose="020B0604020202020204" pitchFamily="34" charset="0"/>
-              </a:rPr>
-              <a:t>Domain </a:t>
-            </a:r>
-            <a:r>
-              <a:rPr lang="en-US" sz="1400" dirty="0">
-                <a:latin typeface="Arial" panose="020B0604020202020204" pitchFamily="34" charset="0"/>
-                <a:ea typeface="Calibri" panose="020F0502020204030204" pitchFamily="34" charset="0"/>
-                <a:cs typeface="Arial" panose="020B0604020202020204" pitchFamily="34" charset="0"/>
-              </a:rPr>
-              <a:t>Name Service </a:t>
-            </a:r>
-            <a:r>
-              <a:rPr lang="en-US" sz="1400" dirty="0" smtClean="0">
-                <a:latin typeface="Arial" panose="020B0604020202020204" pitchFamily="34" charset="0"/>
-                <a:ea typeface="Calibri" panose="020F0502020204030204" pitchFamily="34" charset="0"/>
-                <a:cs typeface="Arial" panose="020B0604020202020204" pitchFamily="34" charset="0"/>
-              </a:rPr>
-              <a:t>Center ( DSC ) đóng vai trò hạn chế kiểm tra dữ liệu đầu vào trùng lặp hoặc không hợp lệ</a:t>
-            </a:r>
-            <a:endParaRPr lang="en-US" sz="1400" dirty="0" smtClean="0">
-              <a:latin typeface="Arial" panose="020B0604020202020204" pitchFamily="34" charset="0"/>
-              <a:ea typeface="Calibri" panose="020F0502020204030204" pitchFamily="34" charset="0"/>
-              <a:cs typeface="Arial" panose="020B0604020202020204" pitchFamily="34" charset="0"/>
-            </a:endParaRPr>
-          </a:p>
-          <a:p>
-            <a:pPr marL="342900" lvl="0" indent="-342900" algn="just">
-              <a:lnSpc>
-                <a:spcPct val="114000"/>
-              </a:lnSpc>
-              <a:spcAft>
-                <a:spcPts val="0"/>
-              </a:spcAft>
-              <a:buFont typeface="Times New Roman" panose="02020603050405020304" pitchFamily="18" charset="0"/>
-              <a:buChar char="-"/>
-            </a:pPr>
-            <a:r>
-              <a:rPr lang="en-US" sz="1400" dirty="0">
-                <a:latin typeface="Arial" panose="020B0604020202020204" pitchFamily="34" charset="0"/>
-                <a:ea typeface="Calibri" panose="020F0502020204030204" pitchFamily="34" charset="0"/>
-                <a:cs typeface="Arial" panose="020B0604020202020204" pitchFamily="34" charset="0"/>
-              </a:rPr>
-              <a:t>TLD Service Centers</a:t>
-            </a:r>
-            <a:r>
-              <a:rPr lang="en-US" sz="1400" dirty="0" smtClean="0">
-                <a:latin typeface="Arial" panose="020B0604020202020204" pitchFamily="34" charset="0"/>
-                <a:ea typeface="Calibri" panose="020F0502020204030204" pitchFamily="34" charset="0"/>
-                <a:cs typeface="Arial" panose="020B0604020202020204" pitchFamily="34" charset="0"/>
-              </a:rPr>
-              <a:t> ( TSC ) tiếp nhận yêu cầu có </a:t>
-            </a:r>
-            <a:r>
-              <a:rPr lang="en-US" sz="1400" dirty="0">
-                <a:latin typeface="Arial" panose="020B0604020202020204" pitchFamily="34" charset="0"/>
-                <a:ea typeface="Calibri" panose="020F0502020204030204" pitchFamily="34" charset="0"/>
-                <a:cs typeface="Arial" panose="020B0604020202020204" pitchFamily="34" charset="0"/>
-              </a:rPr>
-              <a:t>chỉ định cần phải </a:t>
-            </a:r>
-            <a:r>
-              <a:rPr lang="en-US" sz="1400" dirty="0" smtClean="0">
-                <a:latin typeface="Arial" panose="020B0604020202020204" pitchFamily="34" charset="0"/>
-                <a:ea typeface="Calibri" panose="020F0502020204030204" pitchFamily="34" charset="0"/>
-                <a:cs typeface="Arial" panose="020B0604020202020204" pitchFamily="34" charset="0"/>
-              </a:rPr>
-              <a:t>thêm, sửa </a:t>
-            </a:r>
-            <a:r>
-              <a:rPr lang="en-US" sz="1400" dirty="0">
-                <a:latin typeface="Arial" panose="020B0604020202020204" pitchFamily="34" charset="0"/>
-                <a:ea typeface="Calibri" panose="020F0502020204030204" pitchFamily="34" charset="0"/>
-                <a:cs typeface="Arial" panose="020B0604020202020204" pitchFamily="34" charset="0"/>
-              </a:rPr>
-              <a:t>hoặc hủy bỏ, TSC sẽ tiến hành thực thi tùy theo trường hợp phát </a:t>
-            </a:r>
-            <a:r>
-              <a:rPr lang="en-US" sz="1400" dirty="0" smtClean="0">
-                <a:latin typeface="Arial" panose="020B0604020202020204" pitchFamily="34" charset="0"/>
-                <a:ea typeface="Calibri" panose="020F0502020204030204" pitchFamily="34" charset="0"/>
-                <a:cs typeface="Arial" panose="020B0604020202020204" pitchFamily="34" charset="0"/>
-              </a:rPr>
-              <a:t>sinh. </a:t>
-            </a:r>
-            <a:endParaRPr lang="en-US" sz="1400" dirty="0" smtClean="0">
-              <a:latin typeface="Arial" panose="020B0604020202020204" pitchFamily="34" charset="0"/>
-              <a:ea typeface="Calibri" panose="020F0502020204030204" pitchFamily="34" charset="0"/>
-              <a:cs typeface="Arial" panose="020B0604020202020204" pitchFamily="34" charset="0"/>
-            </a:endParaRPr>
-          </a:p>
-        </p:txBody>
-      </p:sp>
-      <p:sp>
-        <p:nvSpPr>
-          <p:cNvPr id="3" name="TextBox 2"/>
-          <p:cNvSpPr txBox="1"/>
-          <p:nvPr/>
-        </p:nvSpPr>
-        <p:spPr>
-          <a:xfrm>
-            <a:off x="2353041" y="1456100"/>
-            <a:ext cx="3431300" cy="738664"/>
-          </a:xfrm>
-          <a:prstGeom prst="rect">
-            <a:avLst/>
-          </a:prstGeom>
-          <a:noFill/>
-        </p:spPr>
-        <p:txBody>
-          <a:bodyPr wrap="square" rtlCol="0">
-            <a:spAutoFit/>
-          </a:bodyPr>
-          <a:lstStyle/>
-          <a:p>
-            <a:pPr lvl="0"/>
-            <a:r>
-              <a:rPr lang="en-US" sz="1400" dirty="0">
-                <a:latin typeface="Arial" panose="020B0604020202020204" pitchFamily="34" charset="0"/>
-                <a:ea typeface="Calibri" panose="020F0502020204030204" pitchFamily="34" charset="0"/>
-                <a:cs typeface="Arial" panose="020B0604020202020204" pitchFamily="34" charset="0"/>
-              </a:rPr>
-              <a:t>Chịu trách nhiệm cho việc upload dữ liệu tên miền và thực thi những yêu cầu với dữ liệu upload</a:t>
-            </a:r>
-            <a:r>
-              <a:rPr lang="en-US" sz="1400" dirty="0" smtClean="0">
-                <a:latin typeface="Arial" panose="020B0604020202020204" pitchFamily="34" charset="0"/>
-                <a:ea typeface="Calibri" panose="020F0502020204030204" pitchFamily="34" charset="0"/>
-                <a:cs typeface="Arial" panose="020B0604020202020204" pitchFamily="34" charset="0"/>
-              </a:rPr>
-              <a:t>.</a:t>
-            </a:r>
-            <a:endParaRPr lang="en-US" sz="1400" dirty="0">
-              <a:latin typeface="Arial" panose="020B0604020202020204" pitchFamily="34" charset="0"/>
-              <a:ea typeface="Calibri" panose="020F0502020204030204" pitchFamily="34" charset="0"/>
-              <a:cs typeface="Arial" panose="020B0604020202020204" pitchFamily="34" charset="0"/>
-            </a:endParaRPr>
-          </a:p>
-        </p:txBody>
-      </p:sp>
-      <p:sp>
-        <p:nvSpPr>
-          <p:cNvPr id="10" name="TextBox 9"/>
-          <p:cNvSpPr txBox="1"/>
-          <p:nvPr/>
-        </p:nvSpPr>
-        <p:spPr>
-          <a:xfrm>
-            <a:off x="2353041" y="2241385"/>
-            <a:ext cx="3431300" cy="587853"/>
-          </a:xfrm>
-          <a:prstGeom prst="rect">
-            <a:avLst/>
-          </a:prstGeom>
-          <a:noFill/>
-        </p:spPr>
-        <p:txBody>
-          <a:bodyPr wrap="square" rtlCol="0">
-            <a:spAutoFit/>
-          </a:bodyPr>
-          <a:lstStyle/>
-          <a:p>
-            <a:pPr lvl="0" algn="just">
-              <a:lnSpc>
-                <a:spcPct val="115000"/>
-              </a:lnSpc>
-              <a:spcBef>
-                <a:spcPts val="300"/>
-              </a:spcBef>
-              <a:spcAft>
-                <a:spcPts val="0"/>
-              </a:spcAft>
-            </a:pPr>
-            <a:r>
-              <a:rPr lang="en-US" sz="1400" dirty="0">
-                <a:latin typeface="Arial" panose="020B0604020202020204" pitchFamily="34" charset="0"/>
-                <a:ea typeface="Calibri" panose="020F0502020204030204" pitchFamily="34" charset="0"/>
-                <a:cs typeface="Arial" panose="020B0604020202020204" pitchFamily="34" charset="0"/>
-              </a:rPr>
-              <a:t>Blockchain lưu trữ những dữ liệu tên miền đã được đồng bộ hóa. </a:t>
-            </a:r>
-            <a:endParaRPr lang="en-US" sz="1400" dirty="0">
-              <a:latin typeface="Arial" panose="020B0604020202020204" pitchFamily="34" charset="0"/>
-              <a:ea typeface="Calibri" panose="020F0502020204030204" pitchFamily="34" charset="0"/>
-              <a:cs typeface="Arial" panose="020B0604020202020204" pitchFamily="34" charset="0"/>
-            </a:endParaRPr>
-          </a:p>
-        </p:txBody>
-      </p:sp>
-      <p:sp>
-        <p:nvSpPr>
-          <p:cNvPr id="12" name="TextBox 11"/>
-          <p:cNvSpPr txBox="1"/>
-          <p:nvPr/>
-        </p:nvSpPr>
-        <p:spPr>
-          <a:xfrm>
-            <a:off x="2353040" y="2890569"/>
-            <a:ext cx="3431301" cy="587853"/>
-          </a:xfrm>
-          <a:prstGeom prst="rect">
-            <a:avLst/>
-          </a:prstGeom>
-          <a:noFill/>
-        </p:spPr>
-        <p:txBody>
-          <a:bodyPr wrap="square" rtlCol="0">
-            <a:spAutoFit/>
-          </a:bodyPr>
-          <a:lstStyle/>
-          <a:p>
-            <a:pPr lvl="0" algn="just">
-              <a:lnSpc>
-                <a:spcPct val="115000"/>
-              </a:lnSpc>
-              <a:spcAft>
-                <a:spcPts val="300"/>
-              </a:spcAft>
-            </a:pPr>
-            <a:r>
-              <a:rPr lang="en-US" sz="1400" dirty="0">
-                <a:latin typeface="Arial" panose="020B0604020202020204" pitchFamily="34" charset="0"/>
-                <a:ea typeface="Calibri" panose="020F0502020204030204" pitchFamily="34" charset="0"/>
-                <a:cs typeface="Arial" panose="020B0604020202020204" pitchFamily="34" charset="0"/>
-              </a:rPr>
-              <a:t>Chịu trách nhiệm nhận yêu cầu và trả kết quả phân giải cho người yêu cầu</a:t>
-            </a:r>
-            <a:r>
-              <a:rPr lang="en-US" sz="1400" dirty="0" smtClean="0">
-                <a:latin typeface="Arial" panose="020B0604020202020204" pitchFamily="34" charset="0"/>
-                <a:ea typeface="Calibri" panose="020F0502020204030204" pitchFamily="34" charset="0"/>
-                <a:cs typeface="Arial" panose="020B0604020202020204" pitchFamily="34" charset="0"/>
-              </a:rPr>
-              <a:t>.</a:t>
-            </a:r>
-            <a:endParaRPr lang="en-US" sz="1400" dirty="0">
-              <a:latin typeface="Arial" panose="020B0604020202020204" pitchFamily="34" charset="0"/>
-              <a:ea typeface="Calibri" panose="020F0502020204030204" pitchFamily="34" charset="0"/>
-              <a:cs typeface="Arial" panose="020B0604020202020204" pitchFamily="34" charset="0"/>
-            </a:endParaRPr>
-          </a:p>
-        </p:txBody>
-      </p:sp>
-      <p:sp>
-        <p:nvSpPr>
-          <p:cNvPr id="13" name="Rectangle 12"/>
-          <p:cNvSpPr/>
-          <p:nvPr/>
-        </p:nvSpPr>
-        <p:spPr>
-          <a:xfrm>
-            <a:off x="1044448" y="3680533"/>
-            <a:ext cx="1782860" cy="318998"/>
-          </a:xfrm>
-          <a:prstGeom prst="rect">
-            <a:avLst/>
-          </a:prstGeom>
-        </p:spPr>
-        <p:txBody>
-          <a:bodyPr wrap="none">
-            <a:spAutoFit/>
-          </a:bodyPr>
-          <a:lstStyle/>
-          <a:p>
-            <a:pPr lvl="0" algn="just">
-              <a:lnSpc>
-                <a:spcPct val="115000"/>
-              </a:lnSpc>
-              <a:spcBef>
-                <a:spcPts val="300"/>
-              </a:spcBef>
-              <a:spcAft>
-                <a:spcPts val="0"/>
-              </a:spcAft>
-            </a:pPr>
-            <a:r>
-              <a:rPr lang="en-US" sz="1400" b="1" dirty="0" smtClean="0">
-                <a:solidFill>
-                  <a:schemeClr val="accent2">
-                    <a:lumMod val="50000"/>
-                  </a:schemeClr>
-                </a:solidFill>
-                <a:latin typeface="Arial" panose="020B0604020202020204" pitchFamily="34" charset="0"/>
-                <a:ea typeface="Roboto" panose="02000000000000000000" pitchFamily="2" charset="0"/>
-                <a:cs typeface="Arial" panose="020B0604020202020204" pitchFamily="34" charset="0"/>
-              </a:rPr>
-              <a:t>Giai đoạn chuẩn bị</a:t>
-            </a:r>
-            <a:endParaRPr lang="en-US" sz="1400" b="1" dirty="0">
-              <a:solidFill>
-                <a:schemeClr val="accent2">
-                  <a:lumMod val="50000"/>
-                </a:schemeClr>
-              </a:solidFill>
-              <a:latin typeface="Arial" panose="020B0604020202020204" pitchFamily="34" charset="0"/>
-              <a:ea typeface="Roboto" panose="02000000000000000000" pitchFamily="2" charset="0"/>
-              <a:cs typeface="Arial" panose="020B0604020202020204" pitchFamily="34" charset="0"/>
-            </a:endParaRPr>
-          </a:p>
-        </p:txBody>
-      </p:sp>
-      <p:sp>
-        <p:nvSpPr>
-          <p:cNvPr id="14" name="Rectangle 13"/>
-          <p:cNvSpPr/>
-          <p:nvPr/>
-        </p:nvSpPr>
-        <p:spPr>
-          <a:xfrm>
-            <a:off x="1044448" y="4878223"/>
-            <a:ext cx="1891865" cy="318998"/>
-          </a:xfrm>
-          <a:prstGeom prst="rect">
-            <a:avLst/>
-          </a:prstGeom>
-        </p:spPr>
-        <p:txBody>
-          <a:bodyPr wrap="none">
-            <a:spAutoFit/>
-          </a:bodyPr>
-          <a:lstStyle/>
-          <a:p>
-            <a:pPr algn="just">
-              <a:lnSpc>
-                <a:spcPct val="115000"/>
-              </a:lnSpc>
-              <a:spcBef>
-                <a:spcPts val="300"/>
-              </a:spcBef>
-            </a:pPr>
-            <a:r>
-              <a:rPr lang="en-US" sz="1400" b="1" dirty="0">
-                <a:solidFill>
-                  <a:schemeClr val="accent2">
-                    <a:lumMod val="50000"/>
-                  </a:schemeClr>
-                </a:solidFill>
-                <a:latin typeface="Arial" panose="020B0604020202020204" pitchFamily="34" charset="0"/>
-                <a:ea typeface="Roboto" panose="02000000000000000000" pitchFamily="2" charset="0"/>
-                <a:cs typeface="Arial" panose="020B0604020202020204" pitchFamily="34" charset="0"/>
-              </a:rPr>
-              <a:t>Giai đoạn tương tác</a:t>
-            </a:r>
-            <a:endParaRPr lang="en-US" sz="1400" b="1" dirty="0">
-              <a:solidFill>
-                <a:schemeClr val="accent2">
-                  <a:lumMod val="50000"/>
-                </a:schemeClr>
-              </a:solidFill>
-              <a:latin typeface="Arial" panose="020B0604020202020204" pitchFamily="34" charset="0"/>
-              <a:ea typeface="Roboto" panose="02000000000000000000" pitchFamily="2" charset="0"/>
-              <a:cs typeface="Arial" panose="020B0604020202020204" pitchFamily="34" charset="0"/>
-            </a:endParaRPr>
-          </a:p>
-        </p:txBody>
-      </p:sp>
-      <p:sp>
-        <p:nvSpPr>
-          <p:cNvPr id="16" name="Rectangle 15"/>
-          <p:cNvSpPr/>
-          <p:nvPr/>
-        </p:nvSpPr>
-        <p:spPr>
-          <a:xfrm>
-            <a:off x="1019175" y="5212969"/>
-            <a:ext cx="10313423" cy="1299715"/>
-          </a:xfrm>
-          <a:prstGeom prst="rect">
-            <a:avLst/>
-          </a:prstGeom>
-          <a:solidFill>
-            <a:schemeClr val="tx2">
-              <a:lumMod val="20000"/>
-              <a:lumOff val="80000"/>
-            </a:schemeClr>
-          </a:solidFill>
-        </p:spPr>
-        <p:txBody>
-          <a:bodyPr wrap="square">
-            <a:spAutoFit/>
-          </a:bodyPr>
-          <a:lstStyle/>
-          <a:p>
-            <a:pPr marL="342900" lvl="0" indent="-342900" algn="just">
-              <a:lnSpc>
-                <a:spcPct val="114000"/>
-              </a:lnSpc>
-              <a:spcBef>
-                <a:spcPts val="300"/>
-              </a:spcBef>
-              <a:spcAft>
-                <a:spcPts val="0"/>
-              </a:spcAft>
-              <a:buFont typeface="Times New Roman" panose="02020603050405020304" pitchFamily="18" charset="0"/>
-              <a:buChar char="-"/>
-            </a:pPr>
-            <a:r>
-              <a:rPr lang="en-US" sz="1400" dirty="0">
-                <a:latin typeface="Arial" panose="020B0604020202020204" pitchFamily="34" charset="0"/>
-                <a:ea typeface="Calibri" panose="020F0502020204030204" pitchFamily="34" charset="0"/>
-                <a:cs typeface="Arial" panose="020B0604020202020204" pitchFamily="34" charset="0"/>
-              </a:rPr>
-              <a:t>Sau khi được khởi tạo và đồng bộ dữ liệu, </a:t>
-            </a:r>
-            <a:r>
-              <a:rPr lang="en-US" sz="1400" dirty="0" smtClean="0">
-                <a:latin typeface="Arial" panose="020B0604020202020204" pitchFamily="34" charset="0"/>
-                <a:ea typeface="Calibri" panose="020F0502020204030204" pitchFamily="34" charset="0"/>
-                <a:cs typeface="Arial" panose="020B0604020202020204" pitchFamily="34" charset="0"/>
-              </a:rPr>
-              <a:t>TLDChain </a:t>
-            </a:r>
-            <a:r>
-              <a:rPr lang="en-US" sz="1400" dirty="0">
-                <a:latin typeface="Arial" panose="020B0604020202020204" pitchFamily="34" charset="0"/>
-                <a:ea typeface="Calibri" panose="020F0502020204030204" pitchFamily="34" charset="0"/>
-                <a:cs typeface="Arial" panose="020B0604020202020204" pitchFamily="34" charset="0"/>
-              </a:rPr>
-              <a:t>hoặc có thể gọi là Blockchain sẽ chia làm 2 chuyên mục : </a:t>
-            </a:r>
-            <a:r>
-              <a:rPr lang="en-US" sz="1400" dirty="0" smtClean="0">
-                <a:latin typeface="Arial" panose="020B0604020202020204" pitchFamily="34" charset="0"/>
-                <a:ea typeface="Calibri" panose="020F0502020204030204" pitchFamily="34" charset="0"/>
-                <a:cs typeface="Arial" panose="020B0604020202020204" pitchFamily="34" charset="0"/>
-              </a:rPr>
-              <a:t>thông thường hoặc </a:t>
-            </a:r>
-            <a:r>
-              <a:rPr lang="en-US" sz="1400" dirty="0">
-                <a:latin typeface="Arial" panose="020B0604020202020204" pitchFamily="34" charset="0"/>
-                <a:ea typeface="Calibri" panose="020F0502020204030204" pitchFamily="34" charset="0"/>
-                <a:cs typeface="Arial" panose="020B0604020202020204" pitchFamily="34" charset="0"/>
-              </a:rPr>
-              <a:t>chỉ định theo một lựa chọn nào đó ( ở ví dụ sẽ là quốc gia ) nhờ đó có thể áp dụng phân quyền tạo nên một Permissioned Blockchain ( kết hợp giữa Public và Private ).</a:t>
-            </a:r>
-            <a:endParaRPr lang="en-US" sz="1400" dirty="0">
-              <a:latin typeface="Arial" panose="020B0604020202020204" pitchFamily="34" charset="0"/>
-              <a:ea typeface="Calibri" panose="020F0502020204030204" pitchFamily="34" charset="0"/>
-              <a:cs typeface="Arial" panose="020B0604020202020204" pitchFamily="34" charset="0"/>
-            </a:endParaRPr>
-          </a:p>
-          <a:p>
-            <a:pPr marL="342900" lvl="0" indent="-342900" algn="just">
-              <a:lnSpc>
-                <a:spcPct val="114000"/>
-              </a:lnSpc>
-              <a:spcAft>
-                <a:spcPts val="300"/>
-              </a:spcAft>
-              <a:buFont typeface="Times New Roman" panose="02020603050405020304" pitchFamily="18" charset="0"/>
-              <a:buChar char="-"/>
-            </a:pPr>
-            <a:r>
-              <a:rPr lang="en-US" sz="1400" dirty="0">
-                <a:latin typeface="Arial" panose="020B0604020202020204" pitchFamily="34" charset="0"/>
-                <a:ea typeface="Calibri" panose="020F0502020204030204" pitchFamily="34" charset="0"/>
-                <a:cs typeface="Arial" panose="020B0604020202020204" pitchFamily="34" charset="0"/>
-              </a:rPr>
-              <a:t>Giai đoạn cuối cùng là Data Access, là nơi tiếp nhận thông tin của các người dùng và trực tiếp trả về kết quả thông qua việc xử lý thông tin ở TLDChain.</a:t>
-            </a:r>
-            <a:endParaRPr lang="en-US" sz="1400" dirty="0">
-              <a:latin typeface="Arial" panose="020B0604020202020204" pitchFamily="34" charset="0"/>
-              <a:ea typeface="Calibri" panose="020F0502020204030204" pitchFamily="34" charset="0"/>
-              <a:cs typeface="Arial" panose="020B0604020202020204" pitchFamily="34" charset="0"/>
-            </a:endParaRPr>
-          </a:p>
-        </p:txBody>
-      </p:sp>
-      <p:sp>
-        <p:nvSpPr>
-          <p:cNvPr id="17" name="Rectangle 16"/>
-          <p:cNvSpPr/>
-          <p:nvPr/>
-        </p:nvSpPr>
-        <p:spPr>
-          <a:xfrm>
-            <a:off x="1044448" y="1377141"/>
-            <a:ext cx="1327608" cy="375552"/>
-          </a:xfrm>
-          <a:prstGeom prst="rect">
-            <a:avLst/>
-          </a:prstGeom>
-        </p:spPr>
-        <p:txBody>
-          <a:bodyPr wrap="none">
-            <a:spAutoFit/>
-          </a:bodyPr>
-          <a:lstStyle/>
-          <a:p>
-            <a:pPr lvl="0">
-              <a:lnSpc>
-                <a:spcPct val="150000"/>
-              </a:lnSpc>
-              <a:spcBef>
-                <a:spcPts val="300"/>
-              </a:spcBef>
-            </a:pPr>
-            <a:r>
-              <a:rPr lang="en-US" sz="1400" b="1" dirty="0">
-                <a:latin typeface="Arial" panose="020B0604020202020204" pitchFamily="34" charset="0"/>
-                <a:ea typeface="Calibri" panose="020F0502020204030204" pitchFamily="34" charset="0"/>
-                <a:cs typeface="Arial" panose="020B0604020202020204" pitchFamily="34" charset="0"/>
-              </a:rPr>
-              <a:t>Data Publish:</a:t>
-            </a:r>
-            <a:endParaRPr lang="en-US" sz="1400" b="1" dirty="0">
-              <a:latin typeface="Arial" panose="020B0604020202020204" pitchFamily="34" charset="0"/>
-              <a:ea typeface="Calibri" panose="020F0502020204030204" pitchFamily="34" charset="0"/>
-              <a:cs typeface="Arial" panose="020B0604020202020204" pitchFamily="34" charset="0"/>
-            </a:endParaRPr>
-          </a:p>
-        </p:txBody>
-      </p:sp>
-      <p:sp>
-        <p:nvSpPr>
-          <p:cNvPr id="18" name="TextBox 17"/>
-          <p:cNvSpPr txBox="1"/>
-          <p:nvPr/>
-        </p:nvSpPr>
-        <p:spPr>
-          <a:xfrm>
-            <a:off x="1044448" y="2256321"/>
-            <a:ext cx="1138453" cy="307777"/>
-          </a:xfrm>
-          <a:prstGeom prst="rect">
-            <a:avLst/>
-          </a:prstGeom>
-          <a:noFill/>
-        </p:spPr>
-        <p:txBody>
-          <a:bodyPr wrap="none" rtlCol="0">
-            <a:spAutoFit/>
-          </a:bodyPr>
-          <a:lstStyle/>
-          <a:p>
-            <a:pPr lvl="0"/>
-            <a:r>
-              <a:rPr lang="en-US" sz="1400" b="1" dirty="0">
-                <a:latin typeface="Arial" panose="020B0604020202020204" pitchFamily="34" charset="0"/>
-                <a:ea typeface="Calibri" panose="020F0502020204030204" pitchFamily="34" charset="0"/>
-                <a:cs typeface="Arial" panose="020B0604020202020204" pitchFamily="34" charset="0"/>
-              </a:rPr>
-              <a:t>TLD </a:t>
-            </a:r>
-            <a:r>
-              <a:rPr lang="en-US" sz="1400" b="1" dirty="0" smtClean="0">
-                <a:latin typeface="Arial" panose="020B0604020202020204" pitchFamily="34" charset="0"/>
-                <a:ea typeface="Calibri" panose="020F0502020204030204" pitchFamily="34" charset="0"/>
-                <a:cs typeface="Arial" panose="020B0604020202020204" pitchFamily="34" charset="0"/>
-              </a:rPr>
-              <a:t>Chain:</a:t>
-            </a:r>
-            <a:endParaRPr lang="en-US" sz="1400" b="1" dirty="0">
-              <a:latin typeface="Arial" panose="020B0604020202020204" pitchFamily="34" charset="0"/>
-              <a:ea typeface="Calibri" panose="020F0502020204030204" pitchFamily="34" charset="0"/>
-              <a:cs typeface="Arial" panose="020B0604020202020204" pitchFamily="34" charset="0"/>
-            </a:endParaRPr>
-          </a:p>
-        </p:txBody>
-      </p:sp>
-    </p:spTree>
-  </p:cSld>
-  <p:clrMapOvr>
-    <a:masterClrMapping/>
-  </p:clrMapOvr>
-  <p:transition spd="slow">
-    <p:push dir="u"/>
-  </p:transition>
-  <p:timing>
-    <p:tnLst>
-      <p:par>
-        <p:cTn id="1" dur="indefinite" restart="never" nodeType="tmRoot">
-          <p:childTnLst>
-            <p:seq concurrent="1" nextAc="seek">
-              <p:cTn id="2" dur="indefinite" nodeType="mainSeq">
-                <p:childTnLst>
-                  <p:par>
-                    <p:cTn id="3" fill="hold">
-                      <p:stCondLst>
-                        <p:cond delay="indefinite"/>
-                        <p:cond evt="onBegin" delay="0">
-                          <p:tn val="2"/>
-                        </p:cond>
-                      </p:stCondLst>
-                      <p:childTnLst>
-                        <p:par>
-                          <p:cTn id="4" fill="hold">
-                            <p:stCondLst>
-                              <p:cond delay="0"/>
-                            </p:stCondLst>
-                            <p:childTnLst>
-                              <p:par>
-                                <p:cTn id="5" presetID="10" presetClass="entr" presetSubtype="0" fill="hold" grpId="0" nodeType="withEffect">
-                                  <p:stCondLst>
-                                    <p:cond delay="0"/>
-                                  </p:stCondLst>
-                                  <p:childTnLst>
-                                    <p:set>
-                                      <p:cBhvr>
-                                        <p:cTn id="6" dur="1" fill="hold">
-                                          <p:stCondLst>
-                                            <p:cond delay="0"/>
-                                          </p:stCondLst>
-                                        </p:cTn>
-                                        <p:tgtEl>
-                                          <p:spTgt spid="6"/>
-                                        </p:tgtEl>
-                                        <p:attrNameLst>
-                                          <p:attrName>style.visibility</p:attrName>
-                                        </p:attrNameLst>
-                                      </p:cBhvr>
-                                      <p:to>
-                                        <p:strVal val="visible"/>
-                                      </p:to>
-                                    </p:set>
-                                    <p:animEffect transition="in" filter="fade">
-                                      <p:cBhvr>
-                                        <p:cTn id="7" dur="500"/>
-                                        <p:tgtEl>
-                                          <p:spTgt spid="6"/>
-                                        </p:tgtEl>
-                                      </p:cBhvr>
-                                    </p:animEffect>
-                                  </p:childTnLst>
-                                </p:cTn>
-                              </p:par>
-                              <p:par>
-                                <p:cTn id="8" presetID="10" presetClass="entr" presetSubtype="0" fill="hold" grpId="0" nodeType="withEffect">
-                                  <p:stCondLst>
-                                    <p:cond delay="0"/>
-                                  </p:stCondLst>
-                                  <p:childTnLst>
-                                    <p:set>
-                                      <p:cBhvr>
-                                        <p:cTn id="9" dur="1" fill="hold">
-                                          <p:stCondLst>
-                                            <p:cond delay="0"/>
-                                          </p:stCondLst>
-                                        </p:cTn>
-                                        <p:tgtEl>
-                                          <p:spTgt spid="4"/>
-                                        </p:tgtEl>
-                                        <p:attrNameLst>
-                                          <p:attrName>style.visibility</p:attrName>
-                                        </p:attrNameLst>
-                                      </p:cBhvr>
-                                      <p:to>
-                                        <p:strVal val="visible"/>
-                                      </p:to>
-                                    </p:set>
-                                    <p:animEffect transition="in" filter="fade">
-                                      <p:cBhvr>
-                                        <p:cTn id="10" dur="500"/>
-                                        <p:tgtEl>
-                                          <p:spTgt spid="4"/>
-                                        </p:tgtEl>
-                                      </p:cBhvr>
-                                    </p:animEffect>
-                                  </p:childTnLst>
-                                </p:cTn>
-                              </p:par>
-                              <p:par>
-                                <p:cTn id="11" presetID="10" presetClass="entr" presetSubtype="0" fill="hold" nodeType="withEffect">
-                                  <p:stCondLst>
-                                    <p:cond delay="0"/>
-                                  </p:stCondLst>
-                                  <p:childTnLst>
-                                    <p:set>
-                                      <p:cBhvr>
-                                        <p:cTn id="12" dur="1" fill="hold">
-                                          <p:stCondLst>
-                                            <p:cond delay="0"/>
-                                          </p:stCondLst>
-                                        </p:cTn>
-                                        <p:tgtEl>
-                                          <p:spTgt spid="5"/>
-                                        </p:tgtEl>
-                                        <p:attrNameLst>
-                                          <p:attrName>style.visibility</p:attrName>
-                                        </p:attrNameLst>
-                                      </p:cBhvr>
-                                      <p:to>
-                                        <p:strVal val="visible"/>
-                                      </p:to>
-                                    </p:set>
-                                    <p:animEffect transition="in" filter="fade">
-                                      <p:cBhvr>
-                                        <p:cTn id="13" dur="500"/>
-                                        <p:tgtEl>
-                                          <p:spTgt spid="5"/>
-                                        </p:tgtEl>
-                                      </p:cBhvr>
-                                    </p:animEffect>
-                                  </p:childTnLst>
-                                </p:cTn>
-                              </p:par>
-                              <p:par>
-                                <p:cTn id="14" presetID="10" presetClass="entr" presetSubtype="0" fill="hold" grpId="0" nodeType="withEffect">
-                                  <p:stCondLst>
-                                    <p:cond delay="0"/>
-                                  </p:stCondLst>
-                                  <p:childTnLst>
-                                    <p:set>
-                                      <p:cBhvr>
-                                        <p:cTn id="15" dur="1" fill="hold">
-                                          <p:stCondLst>
-                                            <p:cond delay="0"/>
-                                          </p:stCondLst>
-                                        </p:cTn>
-                                        <p:tgtEl>
-                                          <p:spTgt spid="8"/>
-                                        </p:tgtEl>
-                                        <p:attrNameLst>
-                                          <p:attrName>style.visibility</p:attrName>
-                                        </p:attrNameLst>
-                                      </p:cBhvr>
-                                      <p:to>
-                                        <p:strVal val="visible"/>
-                                      </p:to>
-                                    </p:set>
-                                    <p:animEffect transition="in" filter="fade">
-                                      <p:cBhvr>
-                                        <p:cTn id="16" dur="500"/>
-                                        <p:tgtEl>
-                                          <p:spTgt spid="8"/>
-                                        </p:tgtEl>
-                                      </p:cBhvr>
-                                    </p:animEffect>
-                                  </p:childTnLst>
-                                </p:cTn>
-                              </p:par>
-                              <p:par>
-                                <p:cTn id="17" presetID="10" presetClass="entr" presetSubtype="0" fill="hold" grpId="0" nodeType="withEffect">
-                                  <p:stCondLst>
-                                    <p:cond delay="0"/>
-                                  </p:stCondLst>
-                                  <p:childTnLst>
-                                    <p:set>
-                                      <p:cBhvr>
-                                        <p:cTn id="18" dur="1" fill="hold">
-                                          <p:stCondLst>
-                                            <p:cond delay="0"/>
-                                          </p:stCondLst>
-                                        </p:cTn>
-                                        <p:tgtEl>
-                                          <p:spTgt spid="9"/>
-                                        </p:tgtEl>
-                                        <p:attrNameLst>
-                                          <p:attrName>style.visibility</p:attrName>
-                                        </p:attrNameLst>
-                                      </p:cBhvr>
-                                      <p:to>
-                                        <p:strVal val="visible"/>
-                                      </p:to>
-                                    </p:set>
-                                    <p:animEffect transition="in" filter="fade">
-                                      <p:cBhvr>
-                                        <p:cTn id="19" dur="500"/>
-                                        <p:tgtEl>
-                                          <p:spTgt spid="9"/>
-                                        </p:tgtEl>
-                                      </p:cBhvr>
-                                    </p:animEffect>
-                                  </p:childTnLst>
-                                </p:cTn>
-                              </p:par>
-                              <p:par>
-                                <p:cTn id="20" presetID="10" presetClass="entr" presetSubtype="0" fill="hold" grpId="0" nodeType="withEffect">
-                                  <p:stCondLst>
-                                    <p:cond delay="0"/>
-                                  </p:stCondLst>
-                                  <p:childTnLst>
-                                    <p:set>
-                                      <p:cBhvr>
-                                        <p:cTn id="21" dur="1" fill="hold">
-                                          <p:stCondLst>
-                                            <p:cond delay="0"/>
-                                          </p:stCondLst>
-                                        </p:cTn>
-                                        <p:tgtEl>
-                                          <p:spTgt spid="2"/>
-                                        </p:tgtEl>
-                                        <p:attrNameLst>
-                                          <p:attrName>style.visibility</p:attrName>
-                                        </p:attrNameLst>
-                                      </p:cBhvr>
-                                      <p:to>
-                                        <p:strVal val="visible"/>
-                                      </p:to>
-                                    </p:set>
-                                    <p:animEffect transition="in" filter="fade">
-                                      <p:cBhvr>
-                                        <p:cTn id="22" dur="500"/>
-                                        <p:tgtEl>
-                                          <p:spTgt spid="2"/>
-                                        </p:tgtEl>
-                                      </p:cBhvr>
-                                    </p:animEffect>
-                                  </p:childTnLst>
-                                </p:cTn>
-                              </p:par>
-                              <p:par>
-                                <p:cTn id="23" presetID="10" presetClass="entr" presetSubtype="0" fill="hold" grpId="0" nodeType="withEffect">
-                                  <p:stCondLst>
-                                    <p:cond delay="0"/>
-                                  </p:stCondLst>
-                                  <p:childTnLst>
-                                    <p:set>
-                                      <p:cBhvr>
-                                        <p:cTn id="24" dur="1" fill="hold">
-                                          <p:stCondLst>
-                                            <p:cond delay="0"/>
-                                          </p:stCondLst>
-                                        </p:cTn>
-                                        <p:tgtEl>
-                                          <p:spTgt spid="3"/>
-                                        </p:tgtEl>
-                                        <p:attrNameLst>
-                                          <p:attrName>style.visibility</p:attrName>
-                                        </p:attrNameLst>
-                                      </p:cBhvr>
-                                      <p:to>
-                                        <p:strVal val="visible"/>
-                                      </p:to>
-                                    </p:set>
-                                    <p:animEffect transition="in" filter="fade">
-                                      <p:cBhvr>
-                                        <p:cTn id="25" dur="500"/>
-                                        <p:tgtEl>
-                                          <p:spTgt spid="3"/>
-                                        </p:tgtEl>
-                                      </p:cBhvr>
-                                    </p:animEffect>
-                                  </p:childTnLst>
-                                </p:cTn>
-                              </p:par>
-                              <p:par>
-                                <p:cTn id="26" presetID="10" presetClass="entr" presetSubtype="0" fill="hold" grpId="0" nodeType="withEffect">
-                                  <p:stCondLst>
-                                    <p:cond delay="0"/>
-                                  </p:stCondLst>
-                                  <p:childTnLst>
-                                    <p:set>
-                                      <p:cBhvr>
-                                        <p:cTn id="27" dur="1" fill="hold">
-                                          <p:stCondLst>
-                                            <p:cond delay="0"/>
-                                          </p:stCondLst>
-                                        </p:cTn>
-                                        <p:tgtEl>
-                                          <p:spTgt spid="10"/>
-                                        </p:tgtEl>
-                                        <p:attrNameLst>
-                                          <p:attrName>style.visibility</p:attrName>
-                                        </p:attrNameLst>
-                                      </p:cBhvr>
-                                      <p:to>
-                                        <p:strVal val="visible"/>
-                                      </p:to>
-                                    </p:set>
-                                    <p:animEffect transition="in" filter="fade">
-                                      <p:cBhvr>
-                                        <p:cTn id="28" dur="500"/>
-                                        <p:tgtEl>
-                                          <p:spTgt spid="10"/>
-                                        </p:tgtEl>
-                                      </p:cBhvr>
-                                    </p:animEffect>
-                                  </p:childTnLst>
-                                </p:cTn>
-                              </p:par>
-                              <p:par>
-                                <p:cTn id="29" presetID="10" presetClass="entr" presetSubtype="0" fill="hold" grpId="0" nodeType="withEffect">
-                                  <p:stCondLst>
-                                    <p:cond delay="0"/>
-                                  </p:stCondLst>
-                                  <p:childTnLst>
-                                    <p:set>
-                                      <p:cBhvr>
-                                        <p:cTn id="30" dur="1" fill="hold">
-                                          <p:stCondLst>
-                                            <p:cond delay="0"/>
-                                          </p:stCondLst>
-                                        </p:cTn>
-                                        <p:tgtEl>
-                                          <p:spTgt spid="12"/>
-                                        </p:tgtEl>
-                                        <p:attrNameLst>
-                                          <p:attrName>style.visibility</p:attrName>
-                                        </p:attrNameLst>
-                                      </p:cBhvr>
-                                      <p:to>
-                                        <p:strVal val="visible"/>
-                                      </p:to>
-                                    </p:set>
-                                    <p:animEffect transition="in" filter="fade">
-                                      <p:cBhvr>
-                                        <p:cTn id="31" dur="500"/>
-                                        <p:tgtEl>
-                                          <p:spTgt spid="12"/>
-                                        </p:tgtEl>
-                                      </p:cBhvr>
-                                    </p:animEffect>
-                                  </p:childTnLst>
-                                </p:cTn>
-                              </p:par>
-                              <p:par>
-                                <p:cTn id="32" presetID="10" presetClass="entr" presetSubtype="0" fill="hold" grpId="0" nodeType="withEffect">
-                                  <p:stCondLst>
-                                    <p:cond delay="0"/>
-                                  </p:stCondLst>
-                                  <p:childTnLst>
-                                    <p:set>
-                                      <p:cBhvr>
-                                        <p:cTn id="33" dur="1" fill="hold">
-                                          <p:stCondLst>
-                                            <p:cond delay="0"/>
-                                          </p:stCondLst>
-                                        </p:cTn>
-                                        <p:tgtEl>
-                                          <p:spTgt spid="13"/>
-                                        </p:tgtEl>
-                                        <p:attrNameLst>
-                                          <p:attrName>style.visibility</p:attrName>
-                                        </p:attrNameLst>
-                                      </p:cBhvr>
-                                      <p:to>
-                                        <p:strVal val="visible"/>
-                                      </p:to>
-                                    </p:set>
-                                    <p:animEffect transition="in" filter="fade">
-                                      <p:cBhvr>
-                                        <p:cTn id="34" dur="500"/>
-                                        <p:tgtEl>
-                                          <p:spTgt spid="13"/>
-                                        </p:tgtEl>
-                                      </p:cBhvr>
-                                    </p:animEffect>
-                                  </p:childTnLst>
-                                </p:cTn>
-                              </p:par>
-                              <p:par>
-                                <p:cTn id="35" presetID="10" presetClass="entr" presetSubtype="0" fill="hold" grpId="0" nodeType="withEffect">
-                                  <p:stCondLst>
-                                    <p:cond delay="0"/>
-                                  </p:stCondLst>
-                                  <p:childTnLst>
-                                    <p:set>
-                                      <p:cBhvr>
-                                        <p:cTn id="36" dur="1" fill="hold">
-                                          <p:stCondLst>
-                                            <p:cond delay="0"/>
-                                          </p:stCondLst>
-                                        </p:cTn>
-                                        <p:tgtEl>
-                                          <p:spTgt spid="14"/>
-                                        </p:tgtEl>
-                                        <p:attrNameLst>
-                                          <p:attrName>style.visibility</p:attrName>
-                                        </p:attrNameLst>
-                                      </p:cBhvr>
-                                      <p:to>
-                                        <p:strVal val="visible"/>
-                                      </p:to>
-                                    </p:set>
-                                    <p:animEffect transition="in" filter="fade">
-                                      <p:cBhvr>
-                                        <p:cTn id="37" dur="500"/>
-                                        <p:tgtEl>
-                                          <p:spTgt spid="14"/>
-                                        </p:tgtEl>
-                                      </p:cBhvr>
-                                    </p:animEffect>
-                                  </p:childTnLst>
-                                </p:cTn>
-                              </p:par>
-                              <p:par>
-                                <p:cTn id="38" presetID="10" presetClass="entr" presetSubtype="0" fill="hold" grpId="0" nodeType="withEffect">
-                                  <p:stCondLst>
-                                    <p:cond delay="0"/>
-                                  </p:stCondLst>
-                                  <p:childTnLst>
-                                    <p:set>
-                                      <p:cBhvr>
-                                        <p:cTn id="39" dur="1" fill="hold">
-                                          <p:stCondLst>
-                                            <p:cond delay="0"/>
-                                          </p:stCondLst>
-                                        </p:cTn>
-                                        <p:tgtEl>
-                                          <p:spTgt spid="16"/>
-                                        </p:tgtEl>
-                                        <p:attrNameLst>
-                                          <p:attrName>style.visibility</p:attrName>
-                                        </p:attrNameLst>
-                                      </p:cBhvr>
-                                      <p:to>
-                                        <p:strVal val="visible"/>
-                                      </p:to>
-                                    </p:set>
-                                    <p:animEffect transition="in" filter="fade">
-                                      <p:cBhvr>
-                                        <p:cTn id="40" dur="500"/>
-                                        <p:tgtEl>
-                                          <p:spTgt spid="16"/>
-                                        </p:tgtEl>
-                                      </p:cBhvr>
-                                    </p:animEffect>
-                                  </p:childTnLst>
-                                </p:cTn>
-                              </p:par>
-                              <p:par>
-                                <p:cTn id="41" presetID="10" presetClass="entr" presetSubtype="0" fill="hold" grpId="0" nodeType="withEffect">
-                                  <p:stCondLst>
-                                    <p:cond delay="0"/>
-                                  </p:stCondLst>
-                                  <p:childTnLst>
-                                    <p:set>
-                                      <p:cBhvr>
-                                        <p:cTn id="42" dur="1" fill="hold">
-                                          <p:stCondLst>
-                                            <p:cond delay="0"/>
-                                          </p:stCondLst>
-                                        </p:cTn>
-                                        <p:tgtEl>
-                                          <p:spTgt spid="17"/>
-                                        </p:tgtEl>
-                                        <p:attrNameLst>
-                                          <p:attrName>style.visibility</p:attrName>
-                                        </p:attrNameLst>
-                                      </p:cBhvr>
-                                      <p:to>
-                                        <p:strVal val="visible"/>
-                                      </p:to>
-                                    </p:set>
-                                    <p:animEffect transition="in" filter="fade">
-                                      <p:cBhvr>
-                                        <p:cTn id="43" dur="500"/>
-                                        <p:tgtEl>
-                                          <p:spTgt spid="17"/>
-                                        </p:tgtEl>
-                                      </p:cBhvr>
-                                    </p:animEffect>
-                                  </p:childTnLst>
-                                </p:cTn>
-                              </p:par>
-                              <p:par>
-                                <p:cTn id="44" presetID="10" presetClass="entr" presetSubtype="0" fill="hold" grpId="0" nodeType="withEffect">
-                                  <p:stCondLst>
-                                    <p:cond delay="0"/>
-                                  </p:stCondLst>
-                                  <p:childTnLst>
-                                    <p:set>
-                                      <p:cBhvr>
-                                        <p:cTn id="45" dur="1" fill="hold">
-                                          <p:stCondLst>
-                                            <p:cond delay="0"/>
-                                          </p:stCondLst>
-                                        </p:cTn>
-                                        <p:tgtEl>
-                                          <p:spTgt spid="18"/>
-                                        </p:tgtEl>
-                                        <p:attrNameLst>
-                                          <p:attrName>style.visibility</p:attrName>
-                                        </p:attrNameLst>
-                                      </p:cBhvr>
-                                      <p:to>
-                                        <p:strVal val="visible"/>
-                                      </p:to>
-                                    </p:set>
-                                    <p:animEffect transition="in" filter="fade">
-                                      <p:cBhvr>
-                                        <p:cTn id="46" dur="500"/>
-                                        <p:tgtEl>
-                                          <p:spTgt spid="18"/>
-                                        </p:tgtEl>
-                                      </p:cBhvr>
-                                    </p:animEffect>
-                                  </p:childTnLst>
-                                </p:cTn>
-                              </p:par>
-                            </p:childTnLst>
-                          </p:cTn>
-                        </p:par>
-                      </p:childTnLst>
-                    </p:cTn>
-                  </p:par>
-                </p:childTnLst>
-              </p:cTn>
-              <p:prevCondLst>
-                <p:cond evt="onPrev" delay="0">
-                  <p:tgtEl>
-                    <p:sldTgt/>
-                  </p:tgtEl>
-                </p:cond>
-              </p:prevCondLst>
-              <p:nextCondLst>
-                <p:cond evt="onNext" delay="0">
-                  <p:tgtEl>
-                    <p:sldTgt/>
-                  </p:tgtEl>
-                </p:cond>
-              </p:nextCondLst>
-            </p:seq>
-          </p:childTnLst>
-        </p:cTn>
-      </p:par>
-    </p:tnLst>
-    <p:bldLst>
-      <p:bldP spid="6" grpId="0"/>
-      <p:bldP spid="4" grpId="0"/>
-      <p:bldP spid="8" grpId="0"/>
-      <p:bldP spid="9" grpId="0"/>
-      <p:bldP spid="2" grpId="0" animBg="1"/>
-      <p:bldP spid="3" grpId="0"/>
-      <p:bldP spid="10" grpId="0"/>
-      <p:bldP spid="12" grpId="0"/>
-      <p:bldP spid="13" grpId="0"/>
-      <p:bldP spid="14" grpId="0"/>
-      <p:bldP spid="16" grpId="0" animBg="1"/>
-      <p:bldP spid="17" grpId="0"/>
-      <p:bldP spid="18" grpId="0"/>
-    </p:bldLst>
-  </p:timing>
-</p:sld>
-</file>
-
-<file path=ppt/slides/slide9.xml><?xml version="1.0" encoding="utf-8"?>
-<p:sld xmlns:a="http://schemas.openxmlformats.org/drawingml/2006/main" xmlns:r="http://schemas.openxmlformats.org/officeDocument/2006/relationships" xmlns:p="http://schemas.openxmlformats.org/presentationml/2006/main">
-  <p:cSld>
-    <p:spTree>
-      <p:nvGrpSpPr>
-        <p:cNvPr id="1" name=""/>
-        <p:cNvGrpSpPr/>
-        <p:nvPr/>
-      </p:nvGrpSpPr>
-      <p:grpSpPr>
-        <a:xfrm>
-          <a:off x="0" y="0"/>
-          <a:ext cx="0" cy="0"/>
-          <a:chOff x="0" y="0"/>
-          <a:chExt cx="0" cy="0"/>
-        </a:xfrm>
-      </p:grpSpPr>
-      <p:sp>
-        <p:nvSpPr>
-          <p:cNvPr id="6" name="Title 1"/>
-          <p:cNvSpPr>
-            <a:spLocks noGrp="1"/>
-          </p:cNvSpPr>
-          <p:nvPr>
-            <p:ph type="title"/>
-          </p:nvPr>
-        </p:nvSpPr>
-        <p:spPr>
-          <a:xfrm>
-            <a:off x="1019175" y="230505"/>
-            <a:ext cx="10058400" cy="564254"/>
-          </a:xfrm>
-        </p:spPr>
-        <p:txBody>
-          <a:bodyPr>
-            <a:normAutofit fontScale="90000"/>
-          </a:bodyPr>
-          <a:lstStyle/>
-          <a:p>
-            <a:r>
-              <a:rPr lang="en-US" sz="4000" b="1" spc="50" dirty="0" smtClean="0">
-                <a:blipFill>
-                  <a:blip r:embed="rId1">
-                    <a:extLst>
-                      <a:ext uri="{28A0092B-C50C-407E-A947-70E740481C1C}">
-                        <a14:useLocalDpi xmlns:a14="http://schemas.microsoft.com/office/drawing/2010/main" val="0"/>
-                      </a:ext>
-                    </a:extLst>
-                  </a:blip>
-                  <a:tile tx="6350" ty="-127000" sx="65000" sy="64000" flip="none" algn="tl"/>
-                </a:blipFill>
-                <a:latin typeface="Times New Roman" panose="02020603050405020304" pitchFamily="18" charset="0"/>
-                <a:cs typeface="Times New Roman" panose="02020603050405020304" pitchFamily="18" charset="0"/>
-                <a:sym typeface="+mn-ea"/>
-              </a:rPr>
-              <a:t>Xây dựng DNS BLOCKCHAIN</a:t>
-            </a:r>
-            <a:endParaRPr lang="en-US" sz="4000" dirty="0">
-              <a:latin typeface="Arial" panose="020B0604020202020204" pitchFamily="34" charset="0"/>
-              <a:cs typeface="Arial" panose="020B0604020202020204" pitchFamily="34" charset="0"/>
-            </a:endParaRPr>
-          </a:p>
-        </p:txBody>
-      </p:sp>
-      <p:sp>
-        <p:nvSpPr>
-          <p:cNvPr id="4" name="Slide Number Placeholder 3"/>
-          <p:cNvSpPr>
-            <a:spLocks noGrp="1"/>
-          </p:cNvSpPr>
-          <p:nvPr>
-            <p:ph type="sldNum" sz="quarter" idx="12"/>
-          </p:nvPr>
-        </p:nvSpPr>
-        <p:spPr/>
-        <p:txBody>
-          <a:bodyPr/>
-          <a:lstStyle/>
-          <a:p>
-            <a:fld id="{040DEF24-717E-4741-8753-F7E431A261E5}" type="slidenum">
-              <a:rPr lang="en-US" smtClean="0"/>
-            </a:fld>
-            <a:endParaRPr lang="en-US"/>
-          </a:p>
-        </p:txBody>
-      </p:sp>
-      <p:sp>
-        <p:nvSpPr>
-          <p:cNvPr id="7" name="Rectangle 6"/>
-          <p:cNvSpPr/>
-          <p:nvPr/>
-        </p:nvSpPr>
-        <p:spPr>
-          <a:xfrm>
-            <a:off x="0" y="0"/>
-            <a:ext cx="427839" cy="6858000"/>
-          </a:xfrm>
-          <a:prstGeom prst="rect">
-            <a:avLst/>
-          </a:prstGeom>
-          <a:solidFill>
-            <a:srgbClr val="CE2127"/>
-          </a:solidFill>
-        </p:spPr>
-        <p:style>
-          <a:lnRef idx="2">
-            <a:schemeClr val="accent1">
-              <a:shade val="50000"/>
-            </a:schemeClr>
-          </a:lnRef>
-          <a:fillRef idx="1">
-            <a:schemeClr val="accent1"/>
-          </a:fillRef>
-          <a:effectRef idx="0">
-            <a:schemeClr val="accent1"/>
-          </a:effectRef>
-          <a:fontRef idx="minor">
-            <a:schemeClr val="lt1"/>
-          </a:fontRef>
-        </p:style>
-        <p:txBody>
-          <a:bodyPr rtlCol="0" anchor="ctr"/>
-          <a:lstStyle/>
-          <a:p>
-            <a:pPr algn="ctr"/>
-            <a:endParaRPr lang="en-US">
-              <a:solidFill>
-                <a:srgbClr val="FF0000"/>
-              </a:solidFill>
-            </a:endParaRPr>
-          </a:p>
-        </p:txBody>
-      </p:sp>
-      <p:pic>
-        <p:nvPicPr>
-          <p:cNvPr id="13" name="Picture 12"/>
-          <p:cNvPicPr/>
-          <p:nvPr/>
-        </p:nvPicPr>
-        <p:blipFill>
-          <a:blip r:embed="rId2"/>
-          <a:stretch>
-            <a:fillRect/>
-          </a:stretch>
-        </p:blipFill>
-        <p:spPr>
-          <a:xfrm>
-            <a:off x="4197010" y="1335497"/>
-            <a:ext cx="4396070" cy="3450670"/>
-          </a:xfrm>
-          <a:prstGeom prst="rect">
-            <a:avLst/>
-          </a:prstGeom>
-          <a:ln w="12700">
-            <a:solidFill>
-              <a:schemeClr val="tx1"/>
-            </a:solidFill>
-          </a:ln>
-        </p:spPr>
-      </p:pic>
-      <p:sp>
-        <p:nvSpPr>
-          <p:cNvPr id="17" name="Rectangle 16"/>
-          <p:cNvSpPr/>
-          <p:nvPr/>
-        </p:nvSpPr>
-        <p:spPr>
-          <a:xfrm>
-            <a:off x="8693351" y="3948428"/>
-            <a:ext cx="3326108" cy="900246"/>
-          </a:xfrm>
-          <a:prstGeom prst="rect">
-            <a:avLst/>
-          </a:prstGeom>
-          <a:solidFill>
-            <a:schemeClr val="bg1">
-              <a:lumMod val="95000"/>
-            </a:schemeClr>
-          </a:solidFill>
-        </p:spPr>
-        <p:txBody>
-          <a:bodyPr wrap="square">
-            <a:spAutoFit/>
-          </a:bodyPr>
-          <a:lstStyle/>
-          <a:p>
-            <a:pPr algn="l">
-              <a:lnSpc>
-                <a:spcPct val="125000"/>
-              </a:lnSpc>
-            </a:pPr>
-            <a:r>
-              <a:rPr lang="vi-VN" sz="1400" dirty="0" smtClean="0">
-                <a:latin typeface="Arial" panose="020B0604020202020204" pitchFamily="34" charset="0"/>
-                <a:cs typeface="Arial" panose="020B0604020202020204" pitchFamily="34" charset="0"/>
-              </a:rPr>
-              <a:t>5</a:t>
-            </a:r>
-            <a:r>
-              <a:rPr lang="vi-VN" sz="1400" dirty="0">
-                <a:latin typeface="Arial" panose="020B0604020202020204" pitchFamily="34" charset="0"/>
-                <a:cs typeface="Arial" panose="020B0604020202020204" pitchFamily="34" charset="0"/>
-              </a:rPr>
-              <a:t>. Hệ thống gửi kết quả sau khi phân giải cho người </a:t>
-            </a:r>
-            <a:r>
-              <a:rPr lang="vi-VN" sz="1400" dirty="0" smtClean="0">
-                <a:latin typeface="Arial" panose="020B0604020202020204" pitchFamily="34" charset="0"/>
-                <a:cs typeface="Arial" panose="020B0604020202020204" pitchFamily="34" charset="0"/>
-              </a:rPr>
-              <a:t>dùng</a:t>
-            </a:r>
-            <a:r>
-              <a:rPr lang="en-US" sz="1400" dirty="0" smtClean="0">
-                <a:latin typeface="Arial" panose="020B0604020202020204" pitchFamily="34" charset="0"/>
-                <a:cs typeface="Arial" panose="020B0604020202020204" pitchFamily="34" charset="0"/>
-              </a:rPr>
-              <a:t> thông qua hệ thống phân giải DNS</a:t>
-            </a:r>
-            <a:r>
-              <a:rPr lang="vi-VN" sz="1400" dirty="0" smtClean="0">
-                <a:latin typeface="Arial" panose="020B0604020202020204" pitchFamily="34" charset="0"/>
-                <a:cs typeface="Arial" panose="020B0604020202020204" pitchFamily="34" charset="0"/>
-              </a:rPr>
-              <a:t>. </a:t>
-            </a:r>
-            <a:endParaRPr lang="vi-VN" sz="1400" dirty="0">
-              <a:latin typeface="Arial" panose="020B0604020202020204" pitchFamily="34" charset="0"/>
-              <a:cs typeface="Arial" panose="020B0604020202020204" pitchFamily="34" charset="0"/>
-            </a:endParaRPr>
-          </a:p>
-        </p:txBody>
-      </p:sp>
-      <p:sp>
-        <p:nvSpPr>
-          <p:cNvPr id="18" name="TextBox 17"/>
-          <p:cNvSpPr txBox="1"/>
-          <p:nvPr/>
-        </p:nvSpPr>
-        <p:spPr>
-          <a:xfrm>
-            <a:off x="1019175" y="794759"/>
-            <a:ext cx="3015569" cy="461665"/>
-          </a:xfrm>
-          <a:prstGeom prst="rect">
-            <a:avLst/>
-          </a:prstGeom>
-          <a:noFill/>
-        </p:spPr>
-        <p:txBody>
-          <a:bodyPr wrap="none" rtlCol="0">
-            <a:spAutoFit/>
-          </a:bodyPr>
-          <a:lstStyle/>
-          <a:p>
-            <a:r>
-              <a:rPr lang="en-US" sz="2400" b="1" dirty="0" smtClean="0">
-                <a:solidFill>
-                  <a:schemeClr val="accent2">
-                    <a:lumMod val="50000"/>
-                  </a:schemeClr>
-                </a:solidFill>
-                <a:latin typeface="Arial" panose="020B0604020202020204" pitchFamily="34" charset="0"/>
-                <a:ea typeface="Roboto" panose="02000000000000000000" pitchFamily="2" charset="0"/>
-                <a:cs typeface="Arial" panose="020B0604020202020204" pitchFamily="34" charset="0"/>
-              </a:rPr>
-              <a:t>Mô hình hoạt động </a:t>
-            </a:r>
-            <a:endParaRPr lang="en-US" sz="2400" b="1" dirty="0">
-              <a:solidFill>
-                <a:schemeClr val="accent2">
-                  <a:lumMod val="50000"/>
-                </a:schemeClr>
-              </a:solidFill>
-              <a:latin typeface="Arial" panose="020B0604020202020204" pitchFamily="34" charset="0"/>
-              <a:ea typeface="Roboto" panose="02000000000000000000" pitchFamily="2" charset="0"/>
-              <a:cs typeface="Arial" panose="020B0604020202020204" pitchFamily="34" charset="0"/>
-            </a:endParaRPr>
-          </a:p>
-        </p:txBody>
-      </p:sp>
-      <p:sp>
-        <p:nvSpPr>
-          <p:cNvPr id="19" name="TextBox 18"/>
-          <p:cNvSpPr txBox="1"/>
-          <p:nvPr/>
-        </p:nvSpPr>
-        <p:spPr>
-          <a:xfrm>
-            <a:off x="954786" y="1335496"/>
-            <a:ext cx="3144346" cy="2548133"/>
-          </a:xfrm>
-          <a:prstGeom prst="rect">
-            <a:avLst/>
-          </a:prstGeom>
-          <a:solidFill>
-            <a:schemeClr val="bg1">
-              <a:lumMod val="95000"/>
-            </a:schemeClr>
-          </a:solidFill>
-        </p:spPr>
-        <p:txBody>
-          <a:bodyPr wrap="square" rtlCol="0">
-            <a:spAutoFit/>
-          </a:bodyPr>
-          <a:lstStyle/>
-          <a:p>
-            <a:pPr algn="l">
-              <a:lnSpc>
-                <a:spcPct val="114000"/>
-              </a:lnSpc>
-            </a:pPr>
-            <a:r>
-              <a:rPr lang="en-US" sz="1400" dirty="0" smtClean="0">
-                <a:latin typeface="Arial" panose="020B0604020202020204" pitchFamily="34" charset="0"/>
-                <a:cs typeface="Arial" panose="020B0604020202020204" pitchFamily="34" charset="0"/>
-              </a:rPr>
-              <a:t>1. </a:t>
-            </a:r>
-            <a:r>
-              <a:rPr lang="vi-VN" sz="1400" dirty="0" smtClean="0">
-                <a:latin typeface="Arial" panose="020B0604020202020204" pitchFamily="34" charset="0"/>
-                <a:cs typeface="Arial" panose="020B0604020202020204" pitchFamily="34" charset="0"/>
-              </a:rPr>
-              <a:t>Hệ </a:t>
-            </a:r>
-            <a:r>
-              <a:rPr lang="vi-VN" sz="1400" dirty="0">
-                <a:latin typeface="Arial" panose="020B0604020202020204" pitchFamily="34" charset="0"/>
-                <a:cs typeface="Arial" panose="020B0604020202020204" pitchFamily="34" charset="0"/>
-              </a:rPr>
-              <a:t>thống DNS Blockchain trực tiếp kiểm tra dãy Blocks hiện tại có đáp ứng điều kiện hay không theo 2 trường hợp như sau: </a:t>
-            </a:r>
-            <a:endParaRPr lang="vi-VN" sz="1400" dirty="0">
-              <a:latin typeface="Arial" panose="020B0604020202020204" pitchFamily="34" charset="0"/>
-              <a:cs typeface="Arial" panose="020B0604020202020204" pitchFamily="34" charset="0"/>
-            </a:endParaRPr>
-          </a:p>
-          <a:p>
-            <a:pPr marL="285750" indent="-285750" algn="l">
-              <a:lnSpc>
-                <a:spcPct val="114000"/>
-              </a:lnSpc>
-              <a:buFont typeface="Wingdings" panose="05000000000000000000" pitchFamily="2" charset="2"/>
-              <a:buChar char="§"/>
-            </a:pPr>
-            <a:r>
-              <a:rPr lang="vi-VN" sz="1400" dirty="0" smtClean="0">
-                <a:latin typeface="Arial" panose="020B0604020202020204" pitchFamily="34" charset="0"/>
-                <a:cs typeface="Arial" panose="020B0604020202020204" pitchFamily="34" charset="0"/>
-              </a:rPr>
-              <a:t>Đúng </a:t>
-            </a:r>
-            <a:r>
-              <a:rPr lang="vi-VN" sz="1400" dirty="0">
-                <a:latin typeface="Arial" panose="020B0604020202020204" pitchFamily="34" charset="0"/>
-                <a:cs typeface="Arial" panose="020B0604020202020204" pitchFamily="34" charset="0"/>
-              </a:rPr>
-              <a:t>( Đ ): Sử dụng các khối Blocks đó để khởi tạo Blockchain và tiếp tục mở rộng nhằm tạo blockchain dài nhất.</a:t>
-            </a:r>
-            <a:endParaRPr lang="vi-VN" sz="1400" dirty="0">
-              <a:latin typeface="Arial" panose="020B0604020202020204" pitchFamily="34" charset="0"/>
-              <a:cs typeface="Arial" panose="020B0604020202020204" pitchFamily="34" charset="0"/>
-            </a:endParaRPr>
-          </a:p>
-          <a:p>
-            <a:pPr marL="285750" indent="-285750" algn="l">
-              <a:lnSpc>
-                <a:spcPct val="114000"/>
-              </a:lnSpc>
-              <a:buFont typeface="Wingdings" panose="05000000000000000000" pitchFamily="2" charset="2"/>
-              <a:buChar char="§"/>
-            </a:pPr>
-            <a:r>
-              <a:rPr lang="vi-VN" sz="1400" dirty="0" smtClean="0">
-                <a:latin typeface="Arial" panose="020B0604020202020204" pitchFamily="34" charset="0"/>
-                <a:cs typeface="Arial" panose="020B0604020202020204" pitchFamily="34" charset="0"/>
-              </a:rPr>
-              <a:t>Sai </a:t>
-            </a:r>
-            <a:r>
-              <a:rPr lang="vi-VN" sz="1400" dirty="0">
-                <a:latin typeface="Arial" panose="020B0604020202020204" pitchFamily="34" charset="0"/>
-                <a:cs typeface="Arial" panose="020B0604020202020204" pitchFamily="34" charset="0"/>
-              </a:rPr>
-              <a:t>( S ):  Khởi tạo Blockchain rỗng</a:t>
-            </a:r>
-            <a:r>
-              <a:rPr lang="vi-VN" sz="1400" dirty="0" smtClean="0">
-                <a:latin typeface="Arial" panose="020B0604020202020204" pitchFamily="34" charset="0"/>
-                <a:cs typeface="Arial" panose="020B0604020202020204" pitchFamily="34" charset="0"/>
-              </a:rPr>
-              <a:t>.</a:t>
-            </a:r>
-            <a:endParaRPr lang="vi-VN" sz="1400" dirty="0">
-              <a:latin typeface="Arial" panose="020B0604020202020204" pitchFamily="34" charset="0"/>
-              <a:cs typeface="Arial" panose="020B0604020202020204" pitchFamily="34" charset="0"/>
-            </a:endParaRPr>
-          </a:p>
-        </p:txBody>
-      </p:sp>
-      <p:sp>
-        <p:nvSpPr>
-          <p:cNvPr id="20" name="TextBox 19"/>
-          <p:cNvSpPr txBox="1"/>
-          <p:nvPr/>
-        </p:nvSpPr>
-        <p:spPr>
-          <a:xfrm>
-            <a:off x="954786" y="3994274"/>
-            <a:ext cx="3138720" cy="808555"/>
-          </a:xfrm>
-          <a:prstGeom prst="rect">
-            <a:avLst/>
-          </a:prstGeom>
-          <a:solidFill>
-            <a:schemeClr val="bg1">
-              <a:lumMod val="95000"/>
-            </a:schemeClr>
-          </a:solidFill>
-        </p:spPr>
-        <p:txBody>
-          <a:bodyPr wrap="square" rtlCol="0">
-            <a:spAutoFit/>
-          </a:bodyPr>
-          <a:lstStyle/>
-          <a:p>
-            <a:pPr algn="l">
-              <a:lnSpc>
-                <a:spcPct val="114000"/>
-              </a:lnSpc>
-            </a:pPr>
-            <a:r>
-              <a:rPr lang="vi-VN" sz="1400" dirty="0">
-                <a:latin typeface="+mj-lt"/>
-              </a:rPr>
-              <a:t>2. Web Server hoặc PC có thể trở thành Node mới của hệ thống Blockchain</a:t>
-            </a:r>
-            <a:endParaRPr lang="en-US" sz="1400" dirty="0">
-              <a:latin typeface="+mj-lt"/>
-            </a:endParaRPr>
-          </a:p>
-        </p:txBody>
-      </p:sp>
-      <p:sp>
-        <p:nvSpPr>
-          <p:cNvPr id="21" name="TextBox 20"/>
-          <p:cNvSpPr txBox="1"/>
-          <p:nvPr/>
-        </p:nvSpPr>
-        <p:spPr>
-          <a:xfrm>
-            <a:off x="954786" y="4933673"/>
-            <a:ext cx="3138720" cy="1299715"/>
-          </a:xfrm>
-          <a:prstGeom prst="rect">
-            <a:avLst/>
-          </a:prstGeom>
-          <a:solidFill>
-            <a:schemeClr val="bg1">
-              <a:lumMod val="95000"/>
-            </a:schemeClr>
-          </a:solidFill>
-        </p:spPr>
-        <p:txBody>
-          <a:bodyPr wrap="square" rtlCol="0">
-            <a:spAutoFit/>
-          </a:bodyPr>
-          <a:lstStyle/>
-          <a:p>
-            <a:pPr algn="l">
-              <a:lnSpc>
-                <a:spcPct val="114000"/>
-              </a:lnSpc>
-            </a:pPr>
-            <a:r>
-              <a:rPr lang="vi-VN" sz="1400" dirty="0">
-                <a:latin typeface="Arial" panose="020B0604020202020204" pitchFamily="34" charset="0"/>
-                <a:cs typeface="Arial" panose="020B0604020202020204" pitchFamily="34" charset="0"/>
-              </a:rPr>
-              <a:t>3. Người dùng có thể gửi yêu cầu phân giải cho hệ thống Blockchain DNS kèm theo tên miền thông qua input của giao diện Python Flask Web</a:t>
-            </a:r>
-            <a:r>
-              <a:rPr lang="vi-VN" sz="1400" dirty="0" smtClean="0">
-                <a:latin typeface="Arial" panose="020B0604020202020204" pitchFamily="34" charset="0"/>
-                <a:cs typeface="Arial" panose="020B0604020202020204" pitchFamily="34" charset="0"/>
-              </a:rPr>
-              <a:t>.</a:t>
-            </a:r>
-            <a:endParaRPr lang="vi-VN" sz="1400" dirty="0">
-              <a:latin typeface="Arial" panose="020B0604020202020204" pitchFamily="34" charset="0"/>
-              <a:cs typeface="Arial" panose="020B0604020202020204" pitchFamily="34" charset="0"/>
-            </a:endParaRPr>
-          </a:p>
-        </p:txBody>
-      </p:sp>
-      <p:sp>
-        <p:nvSpPr>
-          <p:cNvPr id="22" name="Rectangle 21"/>
-          <p:cNvSpPr/>
-          <p:nvPr/>
-        </p:nvSpPr>
-        <p:spPr>
-          <a:xfrm>
-            <a:off x="8690958" y="1279478"/>
-            <a:ext cx="3328501" cy="2548133"/>
-          </a:xfrm>
-          <a:prstGeom prst="rect">
-            <a:avLst/>
-          </a:prstGeom>
-          <a:solidFill>
-            <a:schemeClr val="bg1">
-              <a:lumMod val="95000"/>
-            </a:schemeClr>
-          </a:solidFill>
-        </p:spPr>
-        <p:txBody>
-          <a:bodyPr wrap="square">
-            <a:spAutoFit/>
-          </a:bodyPr>
-          <a:lstStyle/>
-          <a:p>
-            <a:pPr algn="l">
-              <a:lnSpc>
-                <a:spcPct val="114000"/>
-              </a:lnSpc>
-            </a:pPr>
-            <a:r>
-              <a:rPr lang="vi-VN" sz="1400" dirty="0">
-                <a:latin typeface="Arial" panose="020B0604020202020204" pitchFamily="34" charset="0"/>
-                <a:cs typeface="Arial" panose="020B0604020202020204" pitchFamily="34" charset="0"/>
-              </a:rPr>
-              <a:t>4. </a:t>
-            </a:r>
-            <a:r>
-              <a:rPr lang="en-US" sz="1400" dirty="0" smtClean="0">
-                <a:latin typeface="Arial" panose="020B0604020202020204" pitchFamily="34" charset="0"/>
-                <a:cs typeface="Arial" panose="020B0604020202020204" pitchFamily="34" charset="0"/>
-              </a:rPr>
-              <a:t>Hệ thống </a:t>
-            </a:r>
-            <a:r>
-              <a:rPr lang="vi-VN" sz="1400" dirty="0" smtClean="0">
-                <a:latin typeface="Arial" panose="020B0604020202020204" pitchFamily="34" charset="0"/>
-                <a:cs typeface="Arial" panose="020B0604020202020204" pitchFamily="34" charset="0"/>
-              </a:rPr>
-              <a:t>kiểm </a:t>
-            </a:r>
-            <a:r>
-              <a:rPr lang="vi-VN" sz="1400" dirty="0">
-                <a:latin typeface="Arial" panose="020B0604020202020204" pitchFamily="34" charset="0"/>
-                <a:cs typeface="Arial" panose="020B0604020202020204" pitchFamily="34" charset="0"/>
-              </a:rPr>
-              <a:t>tra điều kiện tạo Block – số </a:t>
-            </a:r>
-            <a:r>
-              <a:rPr lang="vi-VN" sz="1400" dirty="0" smtClean="0">
-                <a:latin typeface="Arial" panose="020B0604020202020204" pitchFamily="34" charset="0"/>
-                <a:cs typeface="Arial" panose="020B0604020202020204" pitchFamily="34" charset="0"/>
-              </a:rPr>
-              <a:t>transaction ( giao dịch ) hiện </a:t>
-            </a:r>
-            <a:r>
-              <a:rPr lang="vi-VN" sz="1400" dirty="0">
-                <a:latin typeface="Arial" panose="020B0604020202020204" pitchFamily="34" charset="0"/>
-                <a:cs typeface="Arial" panose="020B0604020202020204" pitchFamily="34" charset="0"/>
-              </a:rPr>
-              <a:t>tại phải lớn hơn hoặc bằng số transaction được quy định trong block </a:t>
-            </a:r>
-            <a:r>
-              <a:rPr lang="vi-VN" sz="1400" dirty="0" smtClean="0">
-                <a:latin typeface="Arial" panose="020B0604020202020204" pitchFamily="34" charset="0"/>
-                <a:cs typeface="Arial" panose="020B0604020202020204" pitchFamily="34" charset="0"/>
-              </a:rPr>
-              <a:t>như </a:t>
-            </a:r>
-            <a:r>
-              <a:rPr lang="vi-VN" sz="1400" dirty="0">
-                <a:latin typeface="Arial" panose="020B0604020202020204" pitchFamily="34" charset="0"/>
-                <a:cs typeface="Arial" panose="020B0604020202020204" pitchFamily="34" charset="0"/>
-              </a:rPr>
-              <a:t>sau: </a:t>
-            </a:r>
-            <a:endParaRPr lang="vi-VN" sz="1400" dirty="0">
-              <a:latin typeface="Arial" panose="020B0604020202020204" pitchFamily="34" charset="0"/>
-              <a:cs typeface="Arial" panose="020B0604020202020204" pitchFamily="34" charset="0"/>
-            </a:endParaRPr>
-          </a:p>
-          <a:p>
-            <a:pPr marL="285750" indent="-285750" algn="l">
-              <a:lnSpc>
-                <a:spcPct val="114000"/>
-              </a:lnSpc>
-              <a:buFont typeface="Wingdings" panose="05000000000000000000" pitchFamily="2" charset="2"/>
-              <a:buChar char="§"/>
-            </a:pPr>
-            <a:r>
-              <a:rPr lang="vi-VN" sz="1400" dirty="0">
-                <a:latin typeface="Arial" panose="020B0604020202020204" pitchFamily="34" charset="0"/>
-                <a:cs typeface="Arial" panose="020B0604020202020204" pitchFamily="34" charset="0"/>
-              </a:rPr>
-              <a:t>Đúng ( Đ ) : Thêm vào bộ nhớ đệm Transaction và phát động thuật toán Proof of Work cho các nodes tạo số Nonce cho Block mới. </a:t>
-            </a:r>
-            <a:endParaRPr lang="vi-VN" sz="1400" dirty="0">
-              <a:latin typeface="Arial" panose="020B0604020202020204" pitchFamily="34" charset="0"/>
-              <a:cs typeface="Arial" panose="020B0604020202020204" pitchFamily="34" charset="0"/>
-            </a:endParaRPr>
-          </a:p>
-          <a:p>
-            <a:pPr marL="285750" indent="-285750" algn="l">
-              <a:lnSpc>
-                <a:spcPct val="114000"/>
-              </a:lnSpc>
-              <a:buFont typeface="Wingdings" panose="05000000000000000000" pitchFamily="2" charset="2"/>
-              <a:buChar char="§"/>
-            </a:pPr>
-            <a:r>
-              <a:rPr lang="vi-VN" sz="1400" dirty="0">
-                <a:latin typeface="Arial" panose="020B0604020202020204" pitchFamily="34" charset="0"/>
-                <a:cs typeface="Arial" panose="020B0604020202020204" pitchFamily="34" charset="0"/>
-              </a:rPr>
-              <a:t>Sai ( S ) : Chỉ thêm vào bộ nhớ đệm Transaction.</a:t>
-            </a:r>
-            <a:endParaRPr lang="en-US" sz="1400" dirty="0">
-              <a:latin typeface="Arial" panose="020B0604020202020204" pitchFamily="34" charset="0"/>
-              <a:cs typeface="Arial" panose="020B0604020202020204" pitchFamily="34" charset="0"/>
-            </a:endParaRPr>
-          </a:p>
-        </p:txBody>
-      </p:sp>
-      <p:sp>
-        <p:nvSpPr>
-          <p:cNvPr id="23" name="Rectangle 22"/>
-          <p:cNvSpPr/>
-          <p:nvPr/>
-        </p:nvSpPr>
-        <p:spPr>
-          <a:xfrm>
-            <a:off x="8690958" y="4933673"/>
-            <a:ext cx="3328501" cy="1169551"/>
-          </a:xfrm>
-          <a:prstGeom prst="rect">
-            <a:avLst/>
-          </a:prstGeom>
-          <a:solidFill>
-            <a:schemeClr val="bg1">
-              <a:lumMod val="95000"/>
-            </a:schemeClr>
-          </a:solidFill>
-        </p:spPr>
-        <p:txBody>
-          <a:bodyPr wrap="square">
-            <a:spAutoFit/>
-          </a:bodyPr>
-          <a:lstStyle/>
-          <a:p>
-            <a:pPr algn="l">
-              <a:lnSpc>
-                <a:spcPct val="125000"/>
-              </a:lnSpc>
-            </a:pPr>
-            <a:r>
-              <a:rPr lang="vi-VN" sz="1400" dirty="0">
-                <a:latin typeface="Arial" panose="020B0604020202020204" pitchFamily="34" charset="0"/>
-                <a:cs typeface="Arial" panose="020B0604020202020204" pitchFamily="34" charset="0"/>
-              </a:rPr>
-              <a:t>6. Hệ thống ghi nhận lần kiểm duyệt giao dịch và gửi cho node thực hiện thành công, giao dịch sẽ được thêm vào block trong Blockchain</a:t>
-            </a:r>
-            <a:r>
-              <a:rPr lang="vi-VN" sz="1400" dirty="0" smtClean="0">
-                <a:latin typeface="Arial" panose="020B0604020202020204" pitchFamily="34" charset="0"/>
-                <a:cs typeface="Arial" panose="020B0604020202020204" pitchFamily="34" charset="0"/>
-              </a:rPr>
-              <a:t>.</a:t>
-            </a:r>
-            <a:endParaRPr lang="vi-VN" sz="1400" dirty="0">
-              <a:latin typeface="Arial" panose="020B0604020202020204" pitchFamily="34" charset="0"/>
-              <a:cs typeface="Arial" panose="020B0604020202020204" pitchFamily="34" charset="0"/>
-            </a:endParaRPr>
-          </a:p>
-        </p:txBody>
-      </p:sp>
-      <p:sp>
-        <p:nvSpPr>
-          <p:cNvPr id="24" name="Rectangle 23"/>
-          <p:cNvSpPr/>
-          <p:nvPr/>
-        </p:nvSpPr>
-        <p:spPr>
-          <a:xfrm>
-            <a:off x="4197010" y="4933673"/>
-            <a:ext cx="4396070" cy="900246"/>
-          </a:xfrm>
-          <a:prstGeom prst="rect">
-            <a:avLst/>
-          </a:prstGeom>
-          <a:solidFill>
-            <a:schemeClr val="bg1">
-              <a:lumMod val="95000"/>
-            </a:schemeClr>
-          </a:solidFill>
-        </p:spPr>
-        <p:txBody>
-          <a:bodyPr wrap="square">
-            <a:spAutoFit/>
-          </a:bodyPr>
-          <a:lstStyle/>
-          <a:p>
-            <a:pPr algn="l">
-              <a:lnSpc>
-                <a:spcPct val="125000"/>
-              </a:lnSpc>
-            </a:pPr>
-            <a:r>
-              <a:rPr lang="vi-VN" sz="1400" dirty="0">
-                <a:latin typeface="Arial" panose="020B0604020202020204" pitchFamily="34" charset="0"/>
-                <a:cs typeface="Arial" panose="020B0604020202020204" pitchFamily="34" charset="0"/>
-              </a:rPr>
-              <a:t>7. Hệ thống trước khi tắt sẽ tính toán blockchain dài nhất, xác thực blockchain và gửi lên cho các nodes để cập nhật. </a:t>
-            </a:r>
-            <a:endParaRPr lang="vi-VN" sz="1400" dirty="0">
-              <a:latin typeface="Arial" panose="020B0604020202020204" pitchFamily="34" charset="0"/>
-              <a:cs typeface="Arial" panose="020B0604020202020204" pitchFamily="34" charset="0"/>
-            </a:endParaRPr>
-          </a:p>
-        </p:txBody>
-      </p:sp>
-    </p:spTree>
-  </p:cSld>
-  <p:clrMapOvr>
-    <a:masterClrMapping/>
-  </p:clrMapOvr>
-  <p:transition spd="slow">
-    <p:push dir="u"/>
-  </p:transition>
-  <p:timing>
-    <p:tnLst>
-      <p:par>
-        <p:cTn id="1" dur="indefinite" restart="never" nodeType="tmRoot">
-          <p:childTnLst>
-            <p:seq concurrent="1" nextAc="seek">
-              <p:cTn id="2" dur="indefinite" nodeType="mainSeq">
-                <p:childTnLst>
-                  <p:par>
-                    <p:cTn id="3" fill="hold">
-                      <p:stCondLst>
-                        <p:cond delay="indefinite"/>
-                        <p:cond evt="onBegin" delay="0">
-                          <p:tn val="2"/>
-                        </p:cond>
-                      </p:stCondLst>
-                      <p:childTnLst>
-                        <p:par>
-                          <p:cTn id="4" fill="hold">
-                            <p:stCondLst>
-                              <p:cond delay="0"/>
-                            </p:stCondLst>
-                            <p:childTnLst>
-                              <p:par>
-                                <p:cTn id="5" presetID="10" presetClass="entr" presetSubtype="0" fill="hold" grpId="0" nodeType="withEffect">
-                                  <p:stCondLst>
-                                    <p:cond delay="0"/>
-                                  </p:stCondLst>
-                                  <p:childTnLst>
-                                    <p:set>
-                                      <p:cBhvr>
-                                        <p:cTn id="6" dur="1" fill="hold">
-                                          <p:stCondLst>
-                                            <p:cond delay="0"/>
-                                          </p:stCondLst>
-                                        </p:cTn>
-                                        <p:tgtEl>
-                                          <p:spTgt spid="6"/>
-                                        </p:tgtEl>
-                                        <p:attrNameLst>
-                                          <p:attrName>style.visibility</p:attrName>
-                                        </p:attrNameLst>
-                                      </p:cBhvr>
-                                      <p:to>
-                                        <p:strVal val="visible"/>
-                                      </p:to>
-                                    </p:set>
-                                    <p:animEffect transition="in" filter="fade">
-                                      <p:cBhvr>
-                                        <p:cTn id="7" dur="500"/>
-                                        <p:tgtEl>
-                                          <p:spTgt spid="6"/>
-                                        </p:tgtEl>
-                                      </p:cBhvr>
-                                    </p:animEffect>
-                                  </p:childTnLst>
-                                </p:cTn>
-                              </p:par>
-                              <p:par>
-                                <p:cTn id="8" presetID="10" presetClass="entr" presetSubtype="0" fill="hold" grpId="0" nodeType="withEffect">
-                                  <p:stCondLst>
-                                    <p:cond delay="0"/>
-                                  </p:stCondLst>
-                                  <p:childTnLst>
-                                    <p:set>
-                                      <p:cBhvr>
-                                        <p:cTn id="9" dur="1" fill="hold">
-                                          <p:stCondLst>
-                                            <p:cond delay="0"/>
-                                          </p:stCondLst>
-                                        </p:cTn>
-                                        <p:tgtEl>
-                                          <p:spTgt spid="4"/>
-                                        </p:tgtEl>
-                                        <p:attrNameLst>
-                                          <p:attrName>style.visibility</p:attrName>
-                                        </p:attrNameLst>
-                                      </p:cBhvr>
-                                      <p:to>
-                                        <p:strVal val="visible"/>
-                                      </p:to>
-                                    </p:set>
-                                    <p:animEffect transition="in" filter="fade">
-                                      <p:cBhvr>
-                                        <p:cTn id="10" dur="500"/>
-                                        <p:tgtEl>
-                                          <p:spTgt spid="4"/>
-                                        </p:tgtEl>
-                                      </p:cBhvr>
-                                    </p:animEffect>
-                                  </p:childTnLst>
-                                </p:cTn>
-                              </p:par>
-                              <p:par>
-                                <p:cTn id="11" presetID="10" presetClass="entr" presetSubtype="0" fill="hold" nodeType="withEffect">
-                                  <p:stCondLst>
-                                    <p:cond delay="0"/>
-                                  </p:stCondLst>
-                                  <p:childTnLst>
-                                    <p:set>
-                                      <p:cBhvr>
-                                        <p:cTn id="12" dur="1" fill="hold">
-                                          <p:stCondLst>
-                                            <p:cond delay="0"/>
-                                          </p:stCondLst>
-                                        </p:cTn>
-                                        <p:tgtEl>
-                                          <p:spTgt spid="13"/>
-                                        </p:tgtEl>
-                                        <p:attrNameLst>
-                                          <p:attrName>style.visibility</p:attrName>
-                                        </p:attrNameLst>
-                                      </p:cBhvr>
-                                      <p:to>
-                                        <p:strVal val="visible"/>
-                                      </p:to>
-                                    </p:set>
-                                    <p:animEffect transition="in" filter="fade">
-                                      <p:cBhvr>
-                                        <p:cTn id="13" dur="500"/>
-                                        <p:tgtEl>
-                                          <p:spTgt spid="13"/>
-                                        </p:tgtEl>
-                                      </p:cBhvr>
-                                    </p:animEffect>
-                                  </p:childTnLst>
-                                </p:cTn>
-                              </p:par>
-                              <p:par>
-                                <p:cTn id="14" presetID="10" presetClass="entr" presetSubtype="0" fill="hold" grpId="0" nodeType="withEffect">
-                                  <p:stCondLst>
-                                    <p:cond delay="0"/>
-                                  </p:stCondLst>
-                                  <p:childTnLst>
-                                    <p:set>
-                                      <p:cBhvr>
-                                        <p:cTn id="15" dur="1" fill="hold">
-                                          <p:stCondLst>
-                                            <p:cond delay="0"/>
-                                          </p:stCondLst>
-                                        </p:cTn>
-                                        <p:tgtEl>
-                                          <p:spTgt spid="17"/>
-                                        </p:tgtEl>
-                                        <p:attrNameLst>
-                                          <p:attrName>style.visibility</p:attrName>
-                                        </p:attrNameLst>
-                                      </p:cBhvr>
-                                      <p:to>
-                                        <p:strVal val="visible"/>
-                                      </p:to>
-                                    </p:set>
-                                    <p:animEffect transition="in" filter="fade">
-                                      <p:cBhvr>
-                                        <p:cTn id="16" dur="500"/>
-                                        <p:tgtEl>
-                                          <p:spTgt spid="17"/>
-                                        </p:tgtEl>
-                                      </p:cBhvr>
-                                    </p:animEffect>
-                                  </p:childTnLst>
-                                </p:cTn>
-                              </p:par>
-                              <p:par>
-                                <p:cTn id="17" presetID="10" presetClass="entr" presetSubtype="0" fill="hold" grpId="0" nodeType="withEffect">
-                                  <p:stCondLst>
-                                    <p:cond delay="0"/>
-                                  </p:stCondLst>
-                                  <p:childTnLst>
-                                    <p:set>
-                                      <p:cBhvr>
-                                        <p:cTn id="18" dur="1" fill="hold">
-                                          <p:stCondLst>
-                                            <p:cond delay="0"/>
-                                          </p:stCondLst>
-                                        </p:cTn>
-                                        <p:tgtEl>
-                                          <p:spTgt spid="18"/>
-                                        </p:tgtEl>
-                                        <p:attrNameLst>
-                                          <p:attrName>style.visibility</p:attrName>
-                                        </p:attrNameLst>
-                                      </p:cBhvr>
-                                      <p:to>
-                                        <p:strVal val="visible"/>
-                                      </p:to>
-                                    </p:set>
-                                    <p:animEffect transition="in" filter="fade">
-                                      <p:cBhvr>
-                                        <p:cTn id="19" dur="500"/>
-                                        <p:tgtEl>
-                                          <p:spTgt spid="18"/>
-                                        </p:tgtEl>
-                                      </p:cBhvr>
-                                    </p:animEffect>
-                                  </p:childTnLst>
-                                </p:cTn>
-                              </p:par>
-                              <p:par>
-                                <p:cTn id="20" presetID="10" presetClass="entr" presetSubtype="0" fill="hold" grpId="0" nodeType="withEffect">
-                                  <p:stCondLst>
-                                    <p:cond delay="0"/>
-                                  </p:stCondLst>
-                                  <p:childTnLst>
-                                    <p:set>
-                                      <p:cBhvr>
-                                        <p:cTn id="21" dur="1" fill="hold">
-                                          <p:stCondLst>
-                                            <p:cond delay="0"/>
-                                          </p:stCondLst>
-                                        </p:cTn>
-                                        <p:tgtEl>
-                                          <p:spTgt spid="19"/>
-                                        </p:tgtEl>
-                                        <p:attrNameLst>
-                                          <p:attrName>style.visibility</p:attrName>
-                                        </p:attrNameLst>
-                                      </p:cBhvr>
-                                      <p:to>
-                                        <p:strVal val="visible"/>
-                                      </p:to>
-                                    </p:set>
-                                    <p:animEffect transition="in" filter="fade">
-                                      <p:cBhvr>
-                                        <p:cTn id="22" dur="500"/>
-                                        <p:tgtEl>
-                                          <p:spTgt spid="19"/>
-                                        </p:tgtEl>
-                                      </p:cBhvr>
-                                    </p:animEffect>
-                                  </p:childTnLst>
-                                </p:cTn>
-                              </p:par>
-                              <p:par>
-                                <p:cTn id="23" presetID="10" presetClass="entr" presetSubtype="0" fill="hold" grpId="0" nodeType="withEffect">
-                                  <p:stCondLst>
-                                    <p:cond delay="0"/>
-                                  </p:stCondLst>
-                                  <p:childTnLst>
-                                    <p:set>
-                                      <p:cBhvr>
-                                        <p:cTn id="24" dur="1" fill="hold">
-                                          <p:stCondLst>
-                                            <p:cond delay="0"/>
-                                          </p:stCondLst>
-                                        </p:cTn>
-                                        <p:tgtEl>
-                                          <p:spTgt spid="20"/>
-                                        </p:tgtEl>
-                                        <p:attrNameLst>
-                                          <p:attrName>style.visibility</p:attrName>
-                                        </p:attrNameLst>
-                                      </p:cBhvr>
-                                      <p:to>
-                                        <p:strVal val="visible"/>
-                                      </p:to>
-                                    </p:set>
-                                    <p:animEffect transition="in" filter="fade">
-                                      <p:cBhvr>
-                                        <p:cTn id="25" dur="500"/>
-                                        <p:tgtEl>
-                                          <p:spTgt spid="20"/>
-                                        </p:tgtEl>
-                                      </p:cBhvr>
-                                    </p:animEffect>
-                                  </p:childTnLst>
-                                </p:cTn>
-                              </p:par>
-                              <p:par>
-                                <p:cTn id="26" presetID="10" presetClass="entr" presetSubtype="0" fill="hold" grpId="0" nodeType="withEffect">
-                                  <p:stCondLst>
-                                    <p:cond delay="0"/>
-                                  </p:stCondLst>
-                                  <p:childTnLst>
-                                    <p:set>
-                                      <p:cBhvr>
-                                        <p:cTn id="27" dur="1" fill="hold">
-                                          <p:stCondLst>
-                                            <p:cond delay="0"/>
-                                          </p:stCondLst>
-                                        </p:cTn>
-                                        <p:tgtEl>
-                                          <p:spTgt spid="21"/>
-                                        </p:tgtEl>
-                                        <p:attrNameLst>
-                                          <p:attrName>style.visibility</p:attrName>
-                                        </p:attrNameLst>
-                                      </p:cBhvr>
-                                      <p:to>
-                                        <p:strVal val="visible"/>
-                                      </p:to>
-                                    </p:set>
-                                    <p:animEffect transition="in" filter="fade">
-                                      <p:cBhvr>
-                                        <p:cTn id="28" dur="500"/>
-                                        <p:tgtEl>
-                                          <p:spTgt spid="21"/>
-                                        </p:tgtEl>
-                                      </p:cBhvr>
-                                    </p:animEffect>
-                                  </p:childTnLst>
-                                </p:cTn>
-                              </p:par>
-                              <p:par>
-                                <p:cTn id="29" presetID="10" presetClass="entr" presetSubtype="0" fill="hold" grpId="0" nodeType="withEffect">
-                                  <p:stCondLst>
-                                    <p:cond delay="0"/>
-                                  </p:stCondLst>
-                                  <p:childTnLst>
-                                    <p:set>
-                                      <p:cBhvr>
-                                        <p:cTn id="30" dur="1" fill="hold">
-                                          <p:stCondLst>
-                                            <p:cond delay="0"/>
-                                          </p:stCondLst>
-                                        </p:cTn>
-                                        <p:tgtEl>
-                                          <p:spTgt spid="22"/>
-                                        </p:tgtEl>
-                                        <p:attrNameLst>
-                                          <p:attrName>style.visibility</p:attrName>
-                                        </p:attrNameLst>
-                                      </p:cBhvr>
-                                      <p:to>
-                                        <p:strVal val="visible"/>
-                                      </p:to>
-                                    </p:set>
-                                    <p:animEffect transition="in" filter="fade">
-                                      <p:cBhvr>
-                                        <p:cTn id="31" dur="500"/>
-                                        <p:tgtEl>
-                                          <p:spTgt spid="22"/>
-                                        </p:tgtEl>
-                                      </p:cBhvr>
-                                    </p:animEffect>
-                                  </p:childTnLst>
-                                </p:cTn>
-                              </p:par>
-                              <p:par>
-                                <p:cTn id="32" presetID="10" presetClass="entr" presetSubtype="0" fill="hold" grpId="0" nodeType="withEffect">
-                                  <p:stCondLst>
-                                    <p:cond delay="0"/>
-                                  </p:stCondLst>
-                                  <p:childTnLst>
-                                    <p:set>
-                                      <p:cBhvr>
-                                        <p:cTn id="33" dur="1" fill="hold">
-                                          <p:stCondLst>
-                                            <p:cond delay="0"/>
-                                          </p:stCondLst>
-                                        </p:cTn>
-                                        <p:tgtEl>
-                                          <p:spTgt spid="23"/>
-                                        </p:tgtEl>
-                                        <p:attrNameLst>
-                                          <p:attrName>style.visibility</p:attrName>
-                                        </p:attrNameLst>
-                                      </p:cBhvr>
-                                      <p:to>
-                                        <p:strVal val="visible"/>
-                                      </p:to>
-                                    </p:set>
-                                    <p:animEffect transition="in" filter="fade">
-                                      <p:cBhvr>
-                                        <p:cTn id="34" dur="500"/>
-                                        <p:tgtEl>
-                                          <p:spTgt spid="23"/>
-                                        </p:tgtEl>
-                                      </p:cBhvr>
-                                    </p:animEffect>
-                                  </p:childTnLst>
-                                </p:cTn>
-                              </p:par>
-                              <p:par>
-                                <p:cTn id="35" presetID="10" presetClass="entr" presetSubtype="0" fill="hold" grpId="0" nodeType="withEffect">
-                                  <p:stCondLst>
-                                    <p:cond delay="0"/>
-                                  </p:stCondLst>
-                                  <p:childTnLst>
-                                    <p:set>
-                                      <p:cBhvr>
-                                        <p:cTn id="36" dur="1" fill="hold">
-                                          <p:stCondLst>
-                                            <p:cond delay="0"/>
-                                          </p:stCondLst>
-                                        </p:cTn>
-                                        <p:tgtEl>
-                                          <p:spTgt spid="24"/>
-                                        </p:tgtEl>
-                                        <p:attrNameLst>
-                                          <p:attrName>style.visibility</p:attrName>
-                                        </p:attrNameLst>
-                                      </p:cBhvr>
-                                      <p:to>
-                                        <p:strVal val="visible"/>
-                                      </p:to>
-                                    </p:set>
-                                    <p:animEffect transition="in" filter="fade">
-                                      <p:cBhvr>
-                                        <p:cTn id="37" dur="500"/>
-                                        <p:tgtEl>
-                                          <p:spTgt spid="24"/>
-                                        </p:tgtEl>
-                                      </p:cBhvr>
-                                    </p:animEffect>
-                                  </p:childTnLst>
-                                </p:cTn>
-                              </p:par>
-                            </p:childTnLst>
-                          </p:cTn>
-                        </p:par>
-                      </p:childTnLst>
-                    </p:cTn>
-                  </p:par>
-                </p:childTnLst>
-              </p:cTn>
-              <p:prevCondLst>
-                <p:cond evt="onPrev" delay="0">
-                  <p:tgtEl>
-                    <p:sldTgt/>
-                  </p:tgtEl>
-                </p:cond>
-              </p:prevCondLst>
-              <p:nextCondLst>
-                <p:cond evt="onNext" delay="0">
-                  <p:tgtEl>
-                    <p:sldTgt/>
-                  </p:tgtEl>
-                </p:cond>
-              </p:nextCondLst>
-            </p:seq>
-          </p:childTnLst>
-        </p:cTn>
-      </p:par>
-    </p:tnLst>
-    <p:bldLst>
-      <p:bldP spid="6" grpId="0"/>
-      <p:bldP spid="4" grpId="0"/>
-      <p:bldP spid="17" grpId="0" animBg="1"/>
-      <p:bldP spid="18" grpId="0"/>
-      <p:bldP spid="19" grpId="0" animBg="1"/>
-      <p:bldP spid="20" grpId="0" animBg="1"/>
-      <p:bldP spid="21" grpId="0" animBg="1"/>
-      <p:bldP spid="22" grpId="0" animBg="1"/>
-      <p:bldP spid="23" grpId="0" animBg="1"/>
-      <p:bldP spid="24" grpId="0" animBg="1"/>
     </p:bldLst>
   </p:timing>
 </p:sld>

--- a/slide/D17CQAT01_PhanDai_N17DCAT013.pptx
+++ b/slide/D17CQAT01_PhanDai_N17DCAT013.pptx
@@ -5,27 +5,26 @@
     <p:sldMasterId id="2147483648" r:id="rId1"/>
   </p:sldMasterIdLst>
   <p:notesMasterIdLst>
-    <p:notesMasterId r:id="rId21"/>
+    <p:notesMasterId r:id="rId19"/>
   </p:notesMasterIdLst>
   <p:sldIdLst>
-    <p:sldId id="256" r:id="rId3"/>
-    <p:sldId id="257" r:id="rId4"/>
-    <p:sldId id="261" r:id="rId5"/>
-    <p:sldId id="260" r:id="rId6"/>
-    <p:sldId id="284" r:id="rId7"/>
-    <p:sldId id="285" r:id="rId8"/>
-    <p:sldId id="272" r:id="rId9"/>
-    <p:sldId id="266" r:id="rId10"/>
-    <p:sldId id="273" r:id="rId11"/>
-    <p:sldId id="271" r:id="rId12"/>
-    <p:sldId id="274" r:id="rId13"/>
-    <p:sldId id="275" r:id="rId14"/>
-    <p:sldId id="276" r:id="rId15"/>
-    <p:sldId id="277" r:id="rId16"/>
-    <p:sldId id="278" r:id="rId17"/>
-    <p:sldId id="262" r:id="rId18"/>
-    <p:sldId id="259" r:id="rId19"/>
-    <p:sldId id="258" r:id="rId20"/>
+    <p:sldId id="256" r:id="rId2"/>
+    <p:sldId id="257" r:id="rId3"/>
+    <p:sldId id="261" r:id="rId4"/>
+    <p:sldId id="272" r:id="rId5"/>
+    <p:sldId id="284" r:id="rId6"/>
+    <p:sldId id="285" r:id="rId7"/>
+    <p:sldId id="266" r:id="rId8"/>
+    <p:sldId id="273" r:id="rId9"/>
+    <p:sldId id="271" r:id="rId10"/>
+    <p:sldId id="274" r:id="rId11"/>
+    <p:sldId id="275" r:id="rId12"/>
+    <p:sldId id="276" r:id="rId13"/>
+    <p:sldId id="277" r:id="rId14"/>
+    <p:sldId id="278" r:id="rId15"/>
+    <p:sldId id="262" r:id="rId16"/>
+    <p:sldId id="259" r:id="rId17"/>
+    <p:sldId id="258" r:id="rId18"/>
   </p:sldIdLst>
   <p:sldSz cx="12192000" cy="6858000"/>
   <p:notesSz cx="6858000" cy="9144000"/>
@@ -124,6 +123,11 @@
       </a:defRPr>
     </a:lvl9pPr>
   </p:defaultTextStyle>
+  <p:extLst>
+    <p:ext uri="{EFAFB233-063F-42B5-8137-9DF3F51BA10A}">
+      <p15:sldGuideLst xmlns:p15="http://schemas.microsoft.com/office/powerpoint/2012/main"/>
+    </p:ext>
+  </p:extLst>
 </p:presentation>
 </file>
 
@@ -209,6 +213,7 @@
           <a:p>
             <a:fld id="{4D90CDED-DED5-4950-8D8A-00FFCAA83A1B}" type="datetimeFigureOut">
               <a:rPr lang="en-US" smtClean="0"/>
+              <a:t>12/20/2021</a:t>
             </a:fld>
             <a:endParaRPr lang="en-US"/>
           </a:p>
@@ -275,7 +280,6 @@
               <a:rPr lang="en-US" smtClean="0"/>
               <a:t>Edit Master text styles</a:t>
             </a:r>
-            <a:endParaRPr lang="en-US" smtClean="0"/>
           </a:p>
           <a:p>
             <a:pPr lvl="1"/>
@@ -283,7 +287,6 @@
               <a:rPr lang="en-US" smtClean="0"/>
               <a:t>Second level</a:t>
             </a:r>
-            <a:endParaRPr lang="en-US" smtClean="0"/>
           </a:p>
           <a:p>
             <a:pPr lvl="2"/>
@@ -291,7 +294,6 @@
               <a:rPr lang="en-US" smtClean="0"/>
               <a:t>Third level</a:t>
             </a:r>
-            <a:endParaRPr lang="en-US" smtClean="0"/>
           </a:p>
           <a:p>
             <a:pPr lvl="3"/>
@@ -299,7 +301,6 @@
               <a:rPr lang="en-US" smtClean="0"/>
               <a:t>Fourth level</a:t>
             </a:r>
-            <a:endParaRPr lang="en-US" smtClean="0"/>
           </a:p>
           <a:p>
             <a:pPr lvl="4"/>
@@ -371,6 +372,7 @@
           <a:p>
             <a:fld id="{FD20B253-7E6D-4FFF-A48B-C518ADBC2D7F}" type="slidenum">
               <a:rPr lang="en-US" smtClean="0"/>
+              <a:t>‹#›</a:t>
             </a:fld>
             <a:endParaRPr lang="en-US"/>
           </a:p>
@@ -475,7 +477,7 @@
 </file>
 
 <file path=ppt/slideLayouts/slideLayout1.xml><?xml version="1.0" encoding="utf-8"?>
-<p:sldLayout xmlns:a="http://schemas.openxmlformats.org/drawingml/2006/main" xmlns:r="http://schemas.openxmlformats.org/officeDocument/2006/relationships" xmlns:p="http://schemas.openxmlformats.org/presentationml/2006/main" type="title" preserve="1" showMasterSp="0">
+<p:sldLayout xmlns:a="http://schemas.openxmlformats.org/drawingml/2006/main" xmlns:r="http://schemas.openxmlformats.org/officeDocument/2006/relationships" xmlns:p="http://schemas.openxmlformats.org/presentationml/2006/main" showMasterSp="0" type="title" preserve="1">
   <p:cSld name="Title Slide">
     <p:spTree>
       <p:nvGrpSpPr>
@@ -877,6 +879,7 @@
           <a:p>
             <a:fld id="{9CC9E0FF-7D19-4510-9DCE-23D201D9E916}" type="datetime1">
               <a:rPr lang="en-US" smtClean="0"/>
+              <a:t>12/20/2021</a:t>
             </a:fld>
             <a:endParaRPr lang="en-US"/>
           </a:p>
@@ -927,6 +930,7 @@
           <a:p>
             <a:fld id="{040DEF24-717E-4741-8753-F7E431A261E5}" type="slidenum">
               <a:rPr lang="en-US" smtClean="0"/>
+              <a:t>‹#›</a:t>
             </a:fld>
             <a:endParaRPr lang="en-US"/>
           </a:p>
@@ -1000,7 +1004,6 @@
               <a:rPr lang="en-US" smtClean="0"/>
               <a:t>Edit Master text styles</a:t>
             </a:r>
-            <a:endParaRPr lang="en-US" smtClean="0"/>
           </a:p>
           <a:p>
             <a:pPr lvl="1"/>
@@ -1008,7 +1011,6 @@
               <a:rPr lang="en-US" smtClean="0"/>
               <a:t>Second level</a:t>
             </a:r>
-            <a:endParaRPr lang="en-US" smtClean="0"/>
           </a:p>
           <a:p>
             <a:pPr lvl="2"/>
@@ -1016,7 +1018,6 @@
               <a:rPr lang="en-US" smtClean="0"/>
               <a:t>Third level</a:t>
             </a:r>
-            <a:endParaRPr lang="en-US" smtClean="0"/>
           </a:p>
           <a:p>
             <a:pPr lvl="3"/>
@@ -1024,7 +1025,6 @@
               <a:rPr lang="en-US" smtClean="0"/>
               <a:t>Fourth level</a:t>
             </a:r>
-            <a:endParaRPr lang="en-US" smtClean="0"/>
           </a:p>
           <a:p>
             <a:pPr lvl="4"/>
@@ -1053,6 +1053,7 @@
           <a:p>
             <a:fld id="{02BE6C0D-AE79-4D98-BA3B-E3751AE5331F}" type="datetime1">
               <a:rPr lang="en-US" smtClean="0"/>
+              <a:t>12/20/2021</a:t>
             </a:fld>
             <a:endParaRPr lang="en-US"/>
           </a:p>
@@ -1094,6 +1095,7 @@
           <a:p>
             <a:fld id="{040DEF24-717E-4741-8753-F7E431A261E5}" type="slidenum">
               <a:rPr lang="en-US" smtClean="0"/>
+              <a:t>‹#›</a:t>
             </a:fld>
             <a:endParaRPr lang="en-US"/>
           </a:p>
@@ -1177,7 +1179,6 @@
               <a:rPr lang="en-US" smtClean="0"/>
               <a:t>Edit Master text styles</a:t>
             </a:r>
-            <a:endParaRPr lang="en-US" smtClean="0"/>
           </a:p>
           <a:p>
             <a:pPr lvl="1"/>
@@ -1185,7 +1186,6 @@
               <a:rPr lang="en-US" smtClean="0"/>
               <a:t>Second level</a:t>
             </a:r>
-            <a:endParaRPr lang="en-US" smtClean="0"/>
           </a:p>
           <a:p>
             <a:pPr lvl="2"/>
@@ -1193,7 +1193,6 @@
               <a:rPr lang="en-US" smtClean="0"/>
               <a:t>Third level</a:t>
             </a:r>
-            <a:endParaRPr lang="en-US" smtClean="0"/>
           </a:p>
           <a:p>
             <a:pPr lvl="3"/>
@@ -1201,7 +1200,6 @@
               <a:rPr lang="en-US" smtClean="0"/>
               <a:t>Fourth level</a:t>
             </a:r>
-            <a:endParaRPr lang="en-US" smtClean="0"/>
           </a:p>
           <a:p>
             <a:pPr lvl="4"/>
@@ -1230,6 +1228,7 @@
           <a:p>
             <a:fld id="{64794B53-B5A7-48E6-89FC-70BEF208D151}" type="datetime1">
               <a:rPr lang="en-US" smtClean="0"/>
+              <a:t>12/20/2021</a:t>
             </a:fld>
             <a:endParaRPr lang="en-US"/>
           </a:p>
@@ -1271,6 +1270,7 @@
           <a:p>
             <a:fld id="{040DEF24-717E-4741-8753-F7E431A261E5}" type="slidenum">
               <a:rPr lang="en-US" smtClean="0"/>
+              <a:t>‹#›</a:t>
             </a:fld>
             <a:endParaRPr lang="en-US"/>
           </a:p>
@@ -1344,7 +1344,6 @@
               <a:rPr lang="en-US" smtClean="0"/>
               <a:t>Edit Master text styles</a:t>
             </a:r>
-            <a:endParaRPr lang="en-US" smtClean="0"/>
           </a:p>
           <a:p>
             <a:pPr lvl="1"/>
@@ -1352,7 +1351,6 @@
               <a:rPr lang="en-US" smtClean="0"/>
               <a:t>Second level</a:t>
             </a:r>
-            <a:endParaRPr lang="en-US" smtClean="0"/>
           </a:p>
           <a:p>
             <a:pPr lvl="2"/>
@@ -1360,7 +1358,6 @@
               <a:rPr lang="en-US" smtClean="0"/>
               <a:t>Third level</a:t>
             </a:r>
-            <a:endParaRPr lang="en-US" smtClean="0"/>
           </a:p>
           <a:p>
             <a:pPr lvl="3"/>
@@ -1368,7 +1365,6 @@
               <a:rPr lang="en-US" smtClean="0"/>
               <a:t>Fourth level</a:t>
             </a:r>
-            <a:endParaRPr lang="en-US" smtClean="0"/>
           </a:p>
           <a:p>
             <a:pPr lvl="4"/>
@@ -1397,6 +1393,7 @@
           <a:p>
             <a:fld id="{E4F4B884-B57B-462C-B739-9A72F1ADE961}" type="datetime1">
               <a:rPr lang="en-US" smtClean="0"/>
+              <a:t>12/20/2021</a:t>
             </a:fld>
             <a:endParaRPr lang="en-US"/>
           </a:p>
@@ -1438,6 +1435,7 @@
           <a:p>
             <a:fld id="{040DEF24-717E-4741-8753-F7E431A261E5}" type="slidenum">
               <a:rPr lang="en-US" smtClean="0"/>
+              <a:t>‹#›</a:t>
             </a:fld>
             <a:endParaRPr lang="en-US"/>
           </a:p>
@@ -1452,7 +1450,7 @@
 </file>
 
 <file path=ppt/slideLayouts/slideLayout3.xml><?xml version="1.0" encoding="utf-8"?>
-<p:sldLayout xmlns:a="http://schemas.openxmlformats.org/drawingml/2006/main" xmlns:r="http://schemas.openxmlformats.org/officeDocument/2006/relationships" xmlns:p="http://schemas.openxmlformats.org/presentationml/2006/main" type="secHead" preserve="1" showMasterSp="0">
+<p:sldLayout xmlns:a="http://schemas.openxmlformats.org/drawingml/2006/main" xmlns:r="http://schemas.openxmlformats.org/officeDocument/2006/relationships" xmlns:p="http://schemas.openxmlformats.org/presentationml/2006/main" showMasterSp="0" type="secHead" preserve="1">
   <p:cSld name="Section Header">
     <p:spTree>
       <p:nvGrpSpPr>
@@ -1678,7 +1676,6 @@
               <a:rPr lang="en-US" smtClean="0"/>
               <a:t>Edit Master text styles</a:t>
             </a:r>
-            <a:endParaRPr lang="en-US" smtClean="0"/>
           </a:p>
         </p:txBody>
       </p:sp>
@@ -1704,6 +1701,7 @@
           <a:p>
             <a:fld id="{B9C8D748-A08B-490E-87AA-BC3835B708B2}" type="datetime1">
               <a:rPr lang="en-US" smtClean="0"/>
+              <a:t>12/20/2021</a:t>
             </a:fld>
             <a:endParaRPr lang="en-US"/>
           </a:p>
@@ -1843,6 +1841,7 @@
           <a:p>
             <a:fld id="{040DEF24-717E-4741-8753-F7E431A261E5}" type="slidenum">
               <a:rPr lang="en-US" smtClean="0"/>
+              <a:t>‹#›</a:t>
             </a:fld>
             <a:endParaRPr lang="en-US"/>
           </a:p>
@@ -1949,7 +1948,6 @@
               <a:rPr lang="en-US" smtClean="0"/>
               <a:t>Edit Master text styles</a:t>
             </a:r>
-            <a:endParaRPr lang="en-US" smtClean="0"/>
           </a:p>
           <a:p>
             <a:pPr lvl="1"/>
@@ -1957,7 +1955,6 @@
               <a:rPr lang="en-US" smtClean="0"/>
               <a:t>Second level</a:t>
             </a:r>
-            <a:endParaRPr lang="en-US" smtClean="0"/>
           </a:p>
           <a:p>
             <a:pPr lvl="2"/>
@@ -1965,7 +1962,6 @@
               <a:rPr lang="en-US" smtClean="0"/>
               <a:t>Third level</a:t>
             </a:r>
-            <a:endParaRPr lang="en-US" smtClean="0"/>
           </a:p>
           <a:p>
             <a:pPr lvl="3"/>
@@ -1973,7 +1969,6 @@
               <a:rPr lang="en-US" smtClean="0"/>
               <a:t>Fourth level</a:t>
             </a:r>
-            <a:endParaRPr lang="en-US" smtClean="0"/>
           </a:p>
           <a:p>
             <a:pPr lvl="4"/>
@@ -2038,7 +2033,6 @@
               <a:rPr lang="en-US" smtClean="0"/>
               <a:t>Edit Master text styles</a:t>
             </a:r>
-            <a:endParaRPr lang="en-US" smtClean="0"/>
           </a:p>
           <a:p>
             <a:pPr lvl="1"/>
@@ -2046,7 +2040,6 @@
               <a:rPr lang="en-US" smtClean="0"/>
               <a:t>Second level</a:t>
             </a:r>
-            <a:endParaRPr lang="en-US" smtClean="0"/>
           </a:p>
           <a:p>
             <a:pPr lvl="2"/>
@@ -2054,7 +2047,6 @@
               <a:rPr lang="en-US" smtClean="0"/>
               <a:t>Third level</a:t>
             </a:r>
-            <a:endParaRPr lang="en-US" smtClean="0"/>
           </a:p>
           <a:p>
             <a:pPr lvl="3"/>
@@ -2062,7 +2054,6 @@
               <a:rPr lang="en-US" smtClean="0"/>
               <a:t>Fourth level</a:t>
             </a:r>
-            <a:endParaRPr lang="en-US" smtClean="0"/>
           </a:p>
           <a:p>
             <a:pPr lvl="4"/>
@@ -2091,6 +2082,7 @@
           <a:p>
             <a:fld id="{0FCBCAE6-D603-4735-B4B0-803AAA3FEC04}" type="datetime1">
               <a:rPr lang="en-US" smtClean="0"/>
+              <a:t>12/20/2021</a:t>
             </a:fld>
             <a:endParaRPr lang="en-US"/>
           </a:p>
@@ -2132,6 +2124,7 @@
           <a:p>
             <a:fld id="{040DEF24-717E-4741-8753-F7E431A261E5}" type="slidenum">
               <a:rPr lang="en-US" smtClean="0"/>
+              <a:t>‹#›</a:t>
             </a:fld>
             <a:endParaRPr lang="en-US"/>
           </a:p>
@@ -2255,7 +2248,6 @@
               <a:rPr lang="en-US" smtClean="0"/>
               <a:t>Edit Master text styles</a:t>
             </a:r>
-            <a:endParaRPr lang="en-US" smtClean="0"/>
           </a:p>
         </p:txBody>
       </p:sp>
@@ -2312,7 +2304,6 @@
               <a:rPr lang="en-US" smtClean="0"/>
               <a:t>Edit Master text styles</a:t>
             </a:r>
-            <a:endParaRPr lang="en-US" smtClean="0"/>
           </a:p>
           <a:p>
             <a:pPr lvl="1"/>
@@ -2320,7 +2311,6 @@
               <a:rPr lang="en-US" smtClean="0"/>
               <a:t>Second level</a:t>
             </a:r>
-            <a:endParaRPr lang="en-US" smtClean="0"/>
           </a:p>
           <a:p>
             <a:pPr lvl="2"/>
@@ -2328,7 +2318,6 @@
               <a:rPr lang="en-US" smtClean="0"/>
               <a:t>Third level</a:t>
             </a:r>
-            <a:endParaRPr lang="en-US" smtClean="0"/>
           </a:p>
           <a:p>
             <a:pPr lvl="3"/>
@@ -2336,7 +2325,6 @@
               <a:rPr lang="en-US" smtClean="0"/>
               <a:t>Fourth level</a:t>
             </a:r>
-            <a:endParaRPr lang="en-US" smtClean="0"/>
           </a:p>
           <a:p>
             <a:pPr lvl="4"/>
@@ -2418,7 +2406,6 @@
               <a:rPr lang="en-US" smtClean="0"/>
               <a:t>Edit Master text styles</a:t>
             </a:r>
-            <a:endParaRPr lang="en-US" smtClean="0"/>
           </a:p>
         </p:txBody>
       </p:sp>
@@ -2475,7 +2462,6 @@
               <a:rPr lang="en-US" smtClean="0"/>
               <a:t>Edit Master text styles</a:t>
             </a:r>
-            <a:endParaRPr lang="en-US" smtClean="0"/>
           </a:p>
           <a:p>
             <a:pPr lvl="1"/>
@@ -2483,7 +2469,6 @@
               <a:rPr lang="en-US" smtClean="0"/>
               <a:t>Second level</a:t>
             </a:r>
-            <a:endParaRPr lang="en-US" smtClean="0"/>
           </a:p>
           <a:p>
             <a:pPr lvl="2"/>
@@ -2491,7 +2476,6 @@
               <a:rPr lang="en-US" smtClean="0"/>
               <a:t>Third level</a:t>
             </a:r>
-            <a:endParaRPr lang="en-US" smtClean="0"/>
           </a:p>
           <a:p>
             <a:pPr lvl="3"/>
@@ -2499,7 +2483,6 @@
               <a:rPr lang="en-US" smtClean="0"/>
               <a:t>Fourth level</a:t>
             </a:r>
-            <a:endParaRPr lang="en-US" smtClean="0"/>
           </a:p>
           <a:p>
             <a:pPr lvl="4"/>
@@ -2528,6 +2511,7 @@
           <a:p>
             <a:fld id="{17C15CAB-E48F-495C-92CD-4CF2B2C1B0ED}" type="datetime1">
               <a:rPr lang="en-US" smtClean="0"/>
+              <a:t>12/20/2021</a:t>
             </a:fld>
             <a:endParaRPr lang="en-US"/>
           </a:p>
@@ -2569,6 +2553,7 @@
           <a:p>
             <a:fld id="{040DEF24-717E-4741-8753-F7E431A261E5}" type="slidenum">
               <a:rPr lang="en-US" smtClean="0"/>
+              <a:t>‹#›</a:t>
             </a:fld>
             <a:endParaRPr lang="en-US"/>
           </a:p>
@@ -2639,6 +2624,7 @@
           <a:p>
             <a:fld id="{5302AA14-F259-4723-9AF0-36DE127C0145}" type="datetime1">
               <a:rPr lang="en-US" smtClean="0"/>
+              <a:t>12/20/2021</a:t>
             </a:fld>
             <a:endParaRPr lang="en-US"/>
           </a:p>
@@ -2680,6 +2666,7 @@
           <a:p>
             <a:fld id="{040DEF24-717E-4741-8753-F7E431A261E5}" type="slidenum">
               <a:rPr lang="en-US" smtClean="0"/>
+              <a:t>‹#›</a:t>
             </a:fld>
             <a:endParaRPr lang="en-US"/>
           </a:p>
@@ -2727,6 +2714,7 @@
           <a:p>
             <a:fld id="{C9349F59-A2E8-4E73-9F17-B6C9798F4358}" type="datetime1">
               <a:rPr lang="en-US" smtClean="0"/>
+              <a:t>12/20/2021</a:t>
             </a:fld>
             <a:endParaRPr lang="en-US"/>
           </a:p>
@@ -2768,6 +2756,7 @@
           <a:p>
             <a:fld id="{040DEF24-717E-4741-8753-F7E431A261E5}" type="slidenum">
               <a:rPr lang="en-US" smtClean="0"/>
+              <a:t>‹#›</a:t>
             </a:fld>
             <a:endParaRPr lang="en-US"/>
           </a:p>
@@ -2782,7 +2771,7 @@
 </file>
 
 <file path=ppt/slideLayouts/slideLayout8.xml><?xml version="1.0" encoding="utf-8"?>
-<p:sldLayout xmlns:a="http://schemas.openxmlformats.org/drawingml/2006/main" xmlns:r="http://schemas.openxmlformats.org/officeDocument/2006/relationships" xmlns:p="http://schemas.openxmlformats.org/presentationml/2006/main" type="objTx" preserve="1" showMasterSp="0">
+<p:sldLayout xmlns:a="http://schemas.openxmlformats.org/drawingml/2006/main" xmlns:r="http://schemas.openxmlformats.org/officeDocument/2006/relationships" xmlns:p="http://schemas.openxmlformats.org/presentationml/2006/main" showMasterSp="0" type="objTx" preserve="1">
   <p:cSld name="Content with Caption">
     <p:spTree>
       <p:nvGrpSpPr>
@@ -2942,7 +2931,6 @@
               <a:rPr lang="en-US" smtClean="0"/>
               <a:t>Edit Master text styles</a:t>
             </a:r>
-            <a:endParaRPr lang="en-US" smtClean="0"/>
           </a:p>
           <a:p>
             <a:pPr lvl="1"/>
@@ -2950,7 +2938,6 @@
               <a:rPr lang="en-US" smtClean="0"/>
               <a:t>Second level</a:t>
             </a:r>
-            <a:endParaRPr lang="en-US" smtClean="0"/>
           </a:p>
           <a:p>
             <a:pPr lvl="2"/>
@@ -2958,7 +2945,6 @@
               <a:rPr lang="en-US" smtClean="0"/>
               <a:t>Third level</a:t>
             </a:r>
-            <a:endParaRPr lang="en-US" smtClean="0"/>
           </a:p>
           <a:p>
             <a:pPr lvl="3"/>
@@ -2966,7 +2952,6 @@
               <a:rPr lang="en-US" smtClean="0"/>
               <a:t>Fourth level</a:t>
             </a:r>
-            <a:endParaRPr lang="en-US" smtClean="0"/>
           </a:p>
           <a:p>
             <a:pPr lvl="4"/>
@@ -3054,7 +3039,6 @@
               <a:rPr lang="en-US" smtClean="0"/>
               <a:t>Edit Master text styles</a:t>
             </a:r>
-            <a:endParaRPr lang="en-US" smtClean="0"/>
           </a:p>
         </p:txBody>
       </p:sp>
@@ -3075,6 +3059,7 @@
           <a:p>
             <a:fld id="{44F06C92-CE98-4B24-91B3-57666E0FED09}" type="datetime1">
               <a:rPr lang="en-US" smtClean="0"/>
+              <a:t>12/20/2021</a:t>
             </a:fld>
             <a:endParaRPr lang="en-US"/>
           </a:p>
@@ -3205,6 +3190,7 @@
           <a:p>
             <a:fld id="{040DEF24-717E-4741-8753-F7E431A261E5}" type="slidenum">
               <a:rPr lang="en-US" smtClean="0"/>
+              <a:t>‹#›</a:t>
             </a:fld>
             <a:endParaRPr lang="en-US"/>
           </a:p>
@@ -3219,7 +3205,7 @@
 </file>
 
 <file path=ppt/slideLayouts/slideLayout9.xml><?xml version="1.0" encoding="utf-8"?>
-<p:sldLayout xmlns:a="http://schemas.openxmlformats.org/drawingml/2006/main" xmlns:r="http://schemas.openxmlformats.org/officeDocument/2006/relationships" xmlns:p="http://schemas.openxmlformats.org/presentationml/2006/main" type="picTx" preserve="1" showMasterSp="0">
+<p:sldLayout xmlns:a="http://schemas.openxmlformats.org/drawingml/2006/main" xmlns:r="http://schemas.openxmlformats.org/officeDocument/2006/relationships" xmlns:p="http://schemas.openxmlformats.org/presentationml/2006/main" showMasterSp="0" type="picTx" preserve="1">
   <p:cSld name="Picture with Caption">
     <p:spTree>
       <p:nvGrpSpPr>
@@ -3473,7 +3459,6 @@
               <a:rPr lang="en-US" smtClean="0"/>
               <a:t>Edit Master text styles</a:t>
             </a:r>
-            <a:endParaRPr lang="en-US" smtClean="0"/>
           </a:p>
         </p:txBody>
       </p:sp>
@@ -3494,6 +3479,7 @@
           <a:p>
             <a:fld id="{15CAC543-8889-4E95-B4AC-6EDFB98064E3}" type="datetime1">
               <a:rPr lang="en-US" smtClean="0"/>
+              <a:t>12/20/2021</a:t>
             </a:fld>
             <a:endParaRPr lang="en-US"/>
           </a:p>
@@ -3605,6 +3591,7 @@
           <a:p>
             <a:fld id="{040DEF24-717E-4741-8753-F7E431A261E5}" type="slidenum">
               <a:rPr lang="en-US" smtClean="0"/>
+              <a:t>‹#›</a:t>
             </a:fld>
             <a:endParaRPr lang="en-US"/>
           </a:p>
@@ -3703,7 +3690,6 @@
               <a:rPr lang="en-US" smtClean="0"/>
               <a:t>Edit Master text styles</a:t>
             </a:r>
-            <a:endParaRPr lang="en-US" smtClean="0"/>
           </a:p>
           <a:p>
             <a:pPr lvl="1"/>
@@ -3711,7 +3697,6 @@
               <a:rPr lang="en-US" smtClean="0"/>
               <a:t>Second level</a:t>
             </a:r>
-            <a:endParaRPr lang="en-US" smtClean="0"/>
           </a:p>
           <a:p>
             <a:pPr lvl="2"/>
@@ -3719,7 +3704,6 @@
               <a:rPr lang="en-US" smtClean="0"/>
               <a:t>Third level</a:t>
             </a:r>
-            <a:endParaRPr lang="en-US" smtClean="0"/>
           </a:p>
           <a:p>
             <a:pPr lvl="3"/>
@@ -3727,7 +3711,6 @@
               <a:rPr lang="en-US" smtClean="0"/>
               <a:t>Fourth level</a:t>
             </a:r>
-            <a:endParaRPr lang="en-US" smtClean="0"/>
           </a:p>
           <a:p>
             <a:pPr lvl="4"/>
@@ -3772,6 +3755,7 @@
           <a:p>
             <a:fld id="{BDFF3CA4-504F-4AB7-961C-755BCE655230}" type="datetime1">
               <a:rPr lang="en-US" smtClean="0"/>
+              <a:t>12/20/2021</a:t>
             </a:fld>
             <a:endParaRPr lang="en-US"/>
           </a:p>
@@ -3843,7 +3827,7 @@
               <a:avLst/>
             </a:prstGeom>
             <a:blipFill dpi="0" rotWithShape="1">
-              <a:blip r:embed="rId12">
+              <a:blip r:embed="rId13">
                 <a:duotone>
                   <a:schemeClr val="accent1">
                     <a:shade val="45000"/>
@@ -3854,7 +3838,7 @@
                 <a:extLst>
                   <a:ext uri="{BEBA8EAE-BF5A-486C-A8C5-ECC9F3942E4B}">
                     <a14:imgProps xmlns:a14="http://schemas.microsoft.com/office/drawing/2010/main">
-                      <a14:imgLayer r:embed="rId13">
+                      <a14:imgLayer r:embed="rId14">
                         <a14:imgEffect>
                           <a14:brightnessContrast bright="-40000" contrast="20000"/>
                         </a14:imgEffect>
@@ -3935,6 +3919,7 @@
           <a:p>
             <a:fld id="{040DEF24-717E-4741-8753-F7E431A261E5}" type="slidenum">
               <a:rPr lang="en-US" smtClean="0"/>
+              <a:t>‹#›</a:t>
             </a:fld>
             <a:endParaRPr lang="en-US"/>
           </a:p>
@@ -3969,7 +3954,7 @@
         <a:buNone/>
         <a:defRPr sz="5400" kern="1200" cap="all" baseline="0">
           <a:blipFill>
-            <a:blip r:embed="rId14">
+            <a:blip r:embed="rId15">
               <a:extLst>
                 <a:ext uri="{28A0092B-C50C-407E-A947-70E740481C1C}">
                   <a14:useLocalDpi xmlns:a14="http://schemas.microsoft.com/office/drawing/2010/main" val="0"/>
@@ -4451,7 +4436,7 @@
           <p:nvPr/>
         </p:nvPicPr>
         <p:blipFill>
-          <a:blip r:embed="rId1" cstate="print">
+          <a:blip r:embed="rId2" cstate="print">
             <a:extLst>
               <a:ext uri="{28A0092B-C50C-407E-A947-70E740481C1C}">
                 <a14:useLocalDpi xmlns:a14="http://schemas.microsoft.com/office/drawing/2010/main" val="0"/>
@@ -4907,10 +4892,6 @@
               </a:rPr>
               <a:t>2</a:t>
             </a:r>
-            <a:endParaRPr lang="en-US" sz="1600" b="1" dirty="0">
-              <a:latin typeface="Arial" panose="020B0604020202020204" pitchFamily="34" charset="0"/>
-              <a:cs typeface="Arial" panose="020B0604020202020204" pitchFamily="34" charset="0"/>
-            </a:endParaRPr>
           </a:p>
         </p:txBody>
       </p:sp>
@@ -4944,10 +4925,6 @@
               </a:rPr>
               <a:t>2017 - 2022 </a:t>
             </a:r>
-            <a:endParaRPr lang="en-US" sz="1600" b="1" dirty="0" smtClean="0">
-              <a:latin typeface="Arial" panose="020B0604020202020204" pitchFamily="34" charset="0"/>
-              <a:cs typeface="Arial" panose="020B0604020202020204" pitchFamily="34" charset="0"/>
-            </a:endParaRPr>
           </a:p>
         </p:txBody>
       </p:sp>
@@ -5518,19 +5495,19 @@
         <p:spPr>
           <a:xfrm>
             <a:off x="1019175" y="230505"/>
-            <a:ext cx="10058400" cy="657944"/>
+            <a:ext cx="10058400" cy="564254"/>
           </a:xfrm>
         </p:spPr>
         <p:txBody>
           <a:bodyPr>
-            <a:normAutofit/>
+            <a:normAutofit fontScale="90000"/>
           </a:bodyPr>
           <a:lstStyle/>
           <a:p>
             <a:r>
               <a:rPr lang="en-US" sz="4000" b="1" spc="50" dirty="0" smtClean="0">
                 <a:blipFill>
-                  <a:blip r:embed="rId1">
+                  <a:blip r:embed="rId2">
                     <a:extLst>
                       <a:ext uri="{28A0092B-C50C-407E-A947-70E740481C1C}">
                         <a14:useLocalDpi xmlns:a14="http://schemas.microsoft.com/office/drawing/2010/main" val="0"/>
@@ -5543,7 +5520,7 @@
                 <a:cs typeface="Times New Roman" panose="02020603050405020304" pitchFamily="18" charset="0"/>
                 <a:sym typeface="+mn-ea"/>
               </a:rPr>
-              <a:t>Cơ chế của DNS BLOCKCHAIN</a:t>
+              <a:t>Xây dựng DNS BLOCKCHAIN</a:t>
             </a:r>
             <a:endParaRPr lang="en-US" sz="4000" dirty="0">
               <a:latin typeface="Arial" panose="020B0604020202020204" pitchFamily="34" charset="0"/>
@@ -5569,1428 +5546,7 @@
           <a:p>
             <a:fld id="{040DEF24-717E-4741-8753-F7E431A261E5}" type="slidenum">
               <a:rPr lang="en-US" smtClean="0"/>
-            </a:fld>
-            <a:endParaRPr lang="en-US"/>
-          </a:p>
-        </p:txBody>
-      </p:sp>
-      <p:pic>
-        <p:nvPicPr>
-          <p:cNvPr id="5" name="Picture 4"/>
-          <p:cNvPicPr/>
-          <p:nvPr/>
-        </p:nvPicPr>
-        <p:blipFill>
-          <a:blip r:embed="rId2"/>
-          <a:stretch>
-            <a:fillRect/>
-          </a:stretch>
-        </p:blipFill>
-        <p:spPr>
-          <a:xfrm>
-            <a:off x="6089044" y="1042812"/>
-            <a:ext cx="5243554" cy="2562867"/>
-          </a:xfrm>
-          <a:prstGeom prst="rect">
-            <a:avLst/>
-          </a:prstGeom>
-          <a:ln w="12700">
-            <a:solidFill>
-              <a:schemeClr val="tx1"/>
-            </a:solidFill>
-          </a:ln>
-        </p:spPr>
-      </p:pic>
-      <p:sp>
-        <p:nvSpPr>
-          <p:cNvPr id="7" name="Rectangle 6"/>
-          <p:cNvSpPr/>
-          <p:nvPr/>
-        </p:nvSpPr>
-        <p:spPr>
-          <a:xfrm>
-            <a:off x="0" y="0"/>
-            <a:ext cx="427839" cy="6858000"/>
-          </a:xfrm>
-          <a:prstGeom prst="rect">
-            <a:avLst/>
-          </a:prstGeom>
-          <a:solidFill>
-            <a:srgbClr val="CE2127"/>
-          </a:solidFill>
-        </p:spPr>
-        <p:style>
-          <a:lnRef idx="2">
-            <a:schemeClr val="accent1">
-              <a:shade val="50000"/>
-            </a:schemeClr>
-          </a:lnRef>
-          <a:fillRef idx="1">
-            <a:schemeClr val="accent1"/>
-          </a:fillRef>
-          <a:effectRef idx="0">
-            <a:schemeClr val="accent1"/>
-          </a:effectRef>
-          <a:fontRef idx="minor">
-            <a:schemeClr val="lt1"/>
-          </a:fontRef>
-        </p:style>
-        <p:txBody>
-          <a:bodyPr rtlCol="0" anchor="ctr"/>
-          <a:lstStyle/>
-          <a:p>
-            <a:pPr algn="ctr"/>
-            <a:endParaRPr lang="en-US">
-              <a:solidFill>
-                <a:srgbClr val="FF0000"/>
-              </a:solidFill>
-            </a:endParaRPr>
-          </a:p>
-        </p:txBody>
-      </p:sp>
-      <p:sp>
-        <p:nvSpPr>
-          <p:cNvPr id="8" name="TextBox 7"/>
-          <p:cNvSpPr txBox="1"/>
-          <p:nvPr/>
-        </p:nvSpPr>
-        <p:spPr>
-          <a:xfrm>
-            <a:off x="1044448" y="906044"/>
-            <a:ext cx="5019323" cy="461665"/>
-          </a:xfrm>
-          <a:prstGeom prst="rect">
-            <a:avLst/>
-          </a:prstGeom>
-          <a:noFill/>
-        </p:spPr>
-        <p:txBody>
-          <a:bodyPr wrap="none" rtlCol="0">
-            <a:spAutoFit/>
-          </a:bodyPr>
-          <a:lstStyle/>
-          <a:p>
-            <a:r>
-              <a:rPr lang="en-US" sz="2400" b="1" dirty="0" smtClean="0">
-                <a:solidFill>
-                  <a:schemeClr val="accent2">
-                    <a:lumMod val="50000"/>
-                  </a:schemeClr>
-                </a:solidFill>
-                <a:latin typeface="Arial" panose="020B0604020202020204" pitchFamily="34" charset="0"/>
-                <a:ea typeface="Roboto" panose="02000000000000000000" pitchFamily="2" charset="0"/>
-                <a:cs typeface="Arial" panose="020B0604020202020204" pitchFamily="34" charset="0"/>
-              </a:rPr>
-              <a:t>DNS Blockchain hoàn chỉnh gồm</a:t>
-            </a:r>
-            <a:endParaRPr lang="en-US" sz="2400" b="1" dirty="0">
-              <a:solidFill>
-                <a:schemeClr val="accent2">
-                  <a:lumMod val="50000"/>
-                </a:schemeClr>
-              </a:solidFill>
-              <a:latin typeface="Arial" panose="020B0604020202020204" pitchFamily="34" charset="0"/>
-              <a:ea typeface="Roboto" panose="02000000000000000000" pitchFamily="2" charset="0"/>
-              <a:cs typeface="Arial" panose="020B0604020202020204" pitchFamily="34" charset="0"/>
-            </a:endParaRPr>
-          </a:p>
-        </p:txBody>
-      </p:sp>
-      <p:sp>
-        <p:nvSpPr>
-          <p:cNvPr id="9" name="Rectangle 8"/>
-          <p:cNvSpPr/>
-          <p:nvPr/>
-        </p:nvSpPr>
-        <p:spPr>
-          <a:xfrm>
-            <a:off x="1076209" y="2815950"/>
-            <a:ext cx="1446397" cy="415498"/>
-          </a:xfrm>
-          <a:prstGeom prst="rect">
-            <a:avLst/>
-          </a:prstGeom>
-        </p:spPr>
-        <p:txBody>
-          <a:bodyPr wrap="square">
-            <a:spAutoFit/>
-          </a:bodyPr>
-          <a:lstStyle/>
-          <a:p>
-            <a:pPr lvl="0" algn="just">
-              <a:lnSpc>
-                <a:spcPct val="150000"/>
-              </a:lnSpc>
-              <a:spcAft>
-                <a:spcPts val="0"/>
-              </a:spcAft>
-            </a:pPr>
-            <a:r>
-              <a:rPr lang="en-US" sz="1400" b="1" dirty="0" smtClean="0">
-                <a:latin typeface="Arial" panose="020B0604020202020204" pitchFamily="34" charset="0"/>
-                <a:ea typeface="Calibri" panose="020F0502020204030204" pitchFamily="34" charset="0"/>
-                <a:cs typeface="Arial" panose="020B0604020202020204" pitchFamily="34" charset="0"/>
-              </a:rPr>
-              <a:t>Data Access: </a:t>
-            </a:r>
-            <a:endParaRPr lang="en-US" sz="1400" b="1" dirty="0" smtClean="0">
-              <a:latin typeface="Arial" panose="020B0604020202020204" pitchFamily="34" charset="0"/>
-              <a:ea typeface="Calibri" panose="020F0502020204030204" pitchFamily="34" charset="0"/>
-              <a:cs typeface="Arial" panose="020B0604020202020204" pitchFamily="34" charset="0"/>
-            </a:endParaRPr>
-          </a:p>
-        </p:txBody>
-      </p:sp>
-      <p:sp>
-        <p:nvSpPr>
-          <p:cNvPr id="2" name="Rectangle 1"/>
-          <p:cNvSpPr/>
-          <p:nvPr/>
-        </p:nvSpPr>
-        <p:spPr>
-          <a:xfrm>
-            <a:off x="1044448" y="4002387"/>
-            <a:ext cx="10288150" cy="808555"/>
-          </a:xfrm>
-          <a:prstGeom prst="rect">
-            <a:avLst/>
-          </a:prstGeom>
-          <a:solidFill>
-            <a:schemeClr val="tx2">
-              <a:lumMod val="20000"/>
-              <a:lumOff val="80000"/>
-            </a:schemeClr>
-          </a:solidFill>
-        </p:spPr>
-        <p:txBody>
-          <a:bodyPr wrap="square">
-            <a:spAutoFit/>
-          </a:bodyPr>
-          <a:lstStyle/>
-          <a:p>
-            <a:pPr marL="342900" lvl="0" indent="-342900" algn="just">
-              <a:lnSpc>
-                <a:spcPct val="114000"/>
-              </a:lnSpc>
-              <a:spcAft>
-                <a:spcPts val="0"/>
-              </a:spcAft>
-              <a:buFont typeface="Times New Roman" panose="02020603050405020304" pitchFamily="18" charset="0"/>
-              <a:buChar char="-"/>
-            </a:pPr>
-            <a:r>
-              <a:rPr lang="en-US" sz="1400" dirty="0" smtClean="0">
-                <a:latin typeface="Arial" panose="020B0604020202020204" pitchFamily="34" charset="0"/>
-                <a:ea typeface="Calibri" panose="020F0502020204030204" pitchFamily="34" charset="0"/>
-                <a:cs typeface="Arial" panose="020B0604020202020204" pitchFamily="34" charset="0"/>
-              </a:rPr>
-              <a:t>Domain </a:t>
-            </a:r>
-            <a:r>
-              <a:rPr lang="en-US" sz="1400" dirty="0">
-                <a:latin typeface="Arial" panose="020B0604020202020204" pitchFamily="34" charset="0"/>
-                <a:ea typeface="Calibri" panose="020F0502020204030204" pitchFamily="34" charset="0"/>
-                <a:cs typeface="Arial" panose="020B0604020202020204" pitchFamily="34" charset="0"/>
-              </a:rPr>
-              <a:t>Name Service </a:t>
-            </a:r>
-            <a:r>
-              <a:rPr lang="en-US" sz="1400" dirty="0" smtClean="0">
-                <a:latin typeface="Arial" panose="020B0604020202020204" pitchFamily="34" charset="0"/>
-                <a:ea typeface="Calibri" panose="020F0502020204030204" pitchFamily="34" charset="0"/>
-                <a:cs typeface="Arial" panose="020B0604020202020204" pitchFamily="34" charset="0"/>
-              </a:rPr>
-              <a:t>Center ( DSC ) đóng vai trò hạn chế kiểm tra dữ liệu đầu vào trùng lặp hoặc không hợp lệ</a:t>
-            </a:r>
-            <a:endParaRPr lang="en-US" sz="1400" dirty="0" smtClean="0">
-              <a:latin typeface="Arial" panose="020B0604020202020204" pitchFamily="34" charset="0"/>
-              <a:ea typeface="Calibri" panose="020F0502020204030204" pitchFamily="34" charset="0"/>
-              <a:cs typeface="Arial" panose="020B0604020202020204" pitchFamily="34" charset="0"/>
-            </a:endParaRPr>
-          </a:p>
-          <a:p>
-            <a:pPr marL="342900" lvl="0" indent="-342900" algn="just">
-              <a:lnSpc>
-                <a:spcPct val="114000"/>
-              </a:lnSpc>
-              <a:spcAft>
-                <a:spcPts val="0"/>
-              </a:spcAft>
-              <a:buFont typeface="Times New Roman" panose="02020603050405020304" pitchFamily="18" charset="0"/>
-              <a:buChar char="-"/>
-            </a:pPr>
-            <a:r>
-              <a:rPr lang="en-US" sz="1400" dirty="0">
-                <a:latin typeface="Arial" panose="020B0604020202020204" pitchFamily="34" charset="0"/>
-                <a:ea typeface="Calibri" panose="020F0502020204030204" pitchFamily="34" charset="0"/>
-                <a:cs typeface="Arial" panose="020B0604020202020204" pitchFamily="34" charset="0"/>
-              </a:rPr>
-              <a:t>TLD Service Centers</a:t>
-            </a:r>
-            <a:r>
-              <a:rPr lang="en-US" sz="1400" dirty="0" smtClean="0">
-                <a:latin typeface="Arial" panose="020B0604020202020204" pitchFamily="34" charset="0"/>
-                <a:ea typeface="Calibri" panose="020F0502020204030204" pitchFamily="34" charset="0"/>
-                <a:cs typeface="Arial" panose="020B0604020202020204" pitchFamily="34" charset="0"/>
-              </a:rPr>
-              <a:t> ( TSC ) tiếp nhận yêu cầu có </a:t>
-            </a:r>
-            <a:r>
-              <a:rPr lang="en-US" sz="1400" dirty="0">
-                <a:latin typeface="Arial" panose="020B0604020202020204" pitchFamily="34" charset="0"/>
-                <a:ea typeface="Calibri" panose="020F0502020204030204" pitchFamily="34" charset="0"/>
-                <a:cs typeface="Arial" panose="020B0604020202020204" pitchFamily="34" charset="0"/>
-              </a:rPr>
-              <a:t>chỉ định cần phải </a:t>
-            </a:r>
-            <a:r>
-              <a:rPr lang="en-US" sz="1400" dirty="0" smtClean="0">
-                <a:latin typeface="Arial" panose="020B0604020202020204" pitchFamily="34" charset="0"/>
-                <a:ea typeface="Calibri" panose="020F0502020204030204" pitchFamily="34" charset="0"/>
-                <a:cs typeface="Arial" panose="020B0604020202020204" pitchFamily="34" charset="0"/>
-              </a:rPr>
-              <a:t>thêm, sửa </a:t>
-            </a:r>
-            <a:r>
-              <a:rPr lang="en-US" sz="1400" dirty="0">
-                <a:latin typeface="Arial" panose="020B0604020202020204" pitchFamily="34" charset="0"/>
-                <a:ea typeface="Calibri" panose="020F0502020204030204" pitchFamily="34" charset="0"/>
-                <a:cs typeface="Arial" panose="020B0604020202020204" pitchFamily="34" charset="0"/>
-              </a:rPr>
-              <a:t>hoặc hủy bỏ, TSC sẽ tiến hành thực thi tùy theo trường hợp phát </a:t>
-            </a:r>
-            <a:r>
-              <a:rPr lang="en-US" sz="1400" dirty="0" smtClean="0">
-                <a:latin typeface="Arial" panose="020B0604020202020204" pitchFamily="34" charset="0"/>
-                <a:ea typeface="Calibri" panose="020F0502020204030204" pitchFamily="34" charset="0"/>
-                <a:cs typeface="Arial" panose="020B0604020202020204" pitchFamily="34" charset="0"/>
-              </a:rPr>
-              <a:t>sinh. </a:t>
-            </a:r>
-            <a:endParaRPr lang="en-US" sz="1400" dirty="0" smtClean="0">
-              <a:latin typeface="Arial" panose="020B0604020202020204" pitchFamily="34" charset="0"/>
-              <a:ea typeface="Calibri" panose="020F0502020204030204" pitchFamily="34" charset="0"/>
-              <a:cs typeface="Arial" panose="020B0604020202020204" pitchFamily="34" charset="0"/>
-            </a:endParaRPr>
-          </a:p>
-        </p:txBody>
-      </p:sp>
-      <p:sp>
-        <p:nvSpPr>
-          <p:cNvPr id="3" name="TextBox 2"/>
-          <p:cNvSpPr txBox="1"/>
-          <p:nvPr/>
-        </p:nvSpPr>
-        <p:spPr>
-          <a:xfrm>
-            <a:off x="2353041" y="1456100"/>
-            <a:ext cx="3431300" cy="738664"/>
-          </a:xfrm>
-          <a:prstGeom prst="rect">
-            <a:avLst/>
-          </a:prstGeom>
-          <a:noFill/>
-        </p:spPr>
-        <p:txBody>
-          <a:bodyPr wrap="square" rtlCol="0">
-            <a:spAutoFit/>
-          </a:bodyPr>
-          <a:lstStyle/>
-          <a:p>
-            <a:pPr lvl="0"/>
-            <a:r>
-              <a:rPr lang="en-US" sz="1400" dirty="0">
-                <a:latin typeface="Arial" panose="020B0604020202020204" pitchFamily="34" charset="0"/>
-                <a:ea typeface="Calibri" panose="020F0502020204030204" pitchFamily="34" charset="0"/>
-                <a:cs typeface="Arial" panose="020B0604020202020204" pitchFamily="34" charset="0"/>
-              </a:rPr>
-              <a:t>Chịu trách nhiệm cho việc upload dữ liệu tên miền và thực thi những yêu cầu với dữ liệu upload</a:t>
-            </a:r>
-            <a:r>
-              <a:rPr lang="en-US" sz="1400" dirty="0" smtClean="0">
-                <a:latin typeface="Arial" panose="020B0604020202020204" pitchFamily="34" charset="0"/>
-                <a:ea typeface="Calibri" panose="020F0502020204030204" pitchFamily="34" charset="0"/>
-                <a:cs typeface="Arial" panose="020B0604020202020204" pitchFamily="34" charset="0"/>
-              </a:rPr>
-              <a:t>.</a:t>
-            </a:r>
-            <a:endParaRPr lang="en-US" sz="1400" dirty="0">
-              <a:latin typeface="Arial" panose="020B0604020202020204" pitchFamily="34" charset="0"/>
-              <a:ea typeface="Calibri" panose="020F0502020204030204" pitchFamily="34" charset="0"/>
-              <a:cs typeface="Arial" panose="020B0604020202020204" pitchFamily="34" charset="0"/>
-            </a:endParaRPr>
-          </a:p>
-        </p:txBody>
-      </p:sp>
-      <p:sp>
-        <p:nvSpPr>
-          <p:cNvPr id="10" name="TextBox 9"/>
-          <p:cNvSpPr txBox="1"/>
-          <p:nvPr/>
-        </p:nvSpPr>
-        <p:spPr>
-          <a:xfrm>
-            <a:off x="2353041" y="2241385"/>
-            <a:ext cx="3431300" cy="587853"/>
-          </a:xfrm>
-          <a:prstGeom prst="rect">
-            <a:avLst/>
-          </a:prstGeom>
-          <a:noFill/>
-        </p:spPr>
-        <p:txBody>
-          <a:bodyPr wrap="square" rtlCol="0">
-            <a:spAutoFit/>
-          </a:bodyPr>
-          <a:lstStyle/>
-          <a:p>
-            <a:pPr lvl="0" algn="just">
-              <a:lnSpc>
-                <a:spcPct val="115000"/>
-              </a:lnSpc>
-              <a:spcBef>
-                <a:spcPts val="300"/>
-              </a:spcBef>
-              <a:spcAft>
-                <a:spcPts val="0"/>
-              </a:spcAft>
-            </a:pPr>
-            <a:r>
-              <a:rPr lang="en-US" sz="1400" dirty="0">
-                <a:latin typeface="Arial" panose="020B0604020202020204" pitchFamily="34" charset="0"/>
-                <a:ea typeface="Calibri" panose="020F0502020204030204" pitchFamily="34" charset="0"/>
-                <a:cs typeface="Arial" panose="020B0604020202020204" pitchFamily="34" charset="0"/>
-              </a:rPr>
-              <a:t>Blockchain lưu trữ những dữ liệu tên miền đã được đồng bộ hóa. </a:t>
-            </a:r>
-            <a:endParaRPr lang="en-US" sz="1400" dirty="0">
-              <a:latin typeface="Arial" panose="020B0604020202020204" pitchFamily="34" charset="0"/>
-              <a:ea typeface="Calibri" panose="020F0502020204030204" pitchFamily="34" charset="0"/>
-              <a:cs typeface="Arial" panose="020B0604020202020204" pitchFamily="34" charset="0"/>
-            </a:endParaRPr>
-          </a:p>
-        </p:txBody>
-      </p:sp>
-      <p:sp>
-        <p:nvSpPr>
-          <p:cNvPr id="12" name="TextBox 11"/>
-          <p:cNvSpPr txBox="1"/>
-          <p:nvPr/>
-        </p:nvSpPr>
-        <p:spPr>
-          <a:xfrm>
-            <a:off x="2353040" y="2890569"/>
-            <a:ext cx="3431301" cy="587853"/>
-          </a:xfrm>
-          <a:prstGeom prst="rect">
-            <a:avLst/>
-          </a:prstGeom>
-          <a:noFill/>
-        </p:spPr>
-        <p:txBody>
-          <a:bodyPr wrap="square" rtlCol="0">
-            <a:spAutoFit/>
-          </a:bodyPr>
-          <a:lstStyle/>
-          <a:p>
-            <a:pPr lvl="0" algn="just">
-              <a:lnSpc>
-                <a:spcPct val="115000"/>
-              </a:lnSpc>
-              <a:spcAft>
-                <a:spcPts val="300"/>
-              </a:spcAft>
-            </a:pPr>
-            <a:r>
-              <a:rPr lang="en-US" sz="1400" dirty="0">
-                <a:latin typeface="Arial" panose="020B0604020202020204" pitchFamily="34" charset="0"/>
-                <a:ea typeface="Calibri" panose="020F0502020204030204" pitchFamily="34" charset="0"/>
-                <a:cs typeface="Arial" panose="020B0604020202020204" pitchFamily="34" charset="0"/>
-              </a:rPr>
-              <a:t>Chịu trách nhiệm nhận yêu cầu và trả kết quả phân giải cho người yêu cầu</a:t>
-            </a:r>
-            <a:r>
-              <a:rPr lang="en-US" sz="1400" dirty="0" smtClean="0">
-                <a:latin typeface="Arial" panose="020B0604020202020204" pitchFamily="34" charset="0"/>
-                <a:ea typeface="Calibri" panose="020F0502020204030204" pitchFamily="34" charset="0"/>
-                <a:cs typeface="Arial" panose="020B0604020202020204" pitchFamily="34" charset="0"/>
-              </a:rPr>
-              <a:t>.</a:t>
-            </a:r>
-            <a:endParaRPr lang="en-US" sz="1400" dirty="0">
-              <a:latin typeface="Arial" panose="020B0604020202020204" pitchFamily="34" charset="0"/>
-              <a:ea typeface="Calibri" panose="020F0502020204030204" pitchFamily="34" charset="0"/>
-              <a:cs typeface="Arial" panose="020B0604020202020204" pitchFamily="34" charset="0"/>
-            </a:endParaRPr>
-          </a:p>
-        </p:txBody>
-      </p:sp>
-      <p:sp>
-        <p:nvSpPr>
-          <p:cNvPr id="13" name="Rectangle 12"/>
-          <p:cNvSpPr/>
-          <p:nvPr/>
-        </p:nvSpPr>
-        <p:spPr>
-          <a:xfrm>
-            <a:off x="1044448" y="3680533"/>
-            <a:ext cx="1782860" cy="318998"/>
-          </a:xfrm>
-          <a:prstGeom prst="rect">
-            <a:avLst/>
-          </a:prstGeom>
-        </p:spPr>
-        <p:txBody>
-          <a:bodyPr wrap="none">
-            <a:spAutoFit/>
-          </a:bodyPr>
-          <a:lstStyle/>
-          <a:p>
-            <a:pPr lvl="0" algn="just">
-              <a:lnSpc>
-                <a:spcPct val="115000"/>
-              </a:lnSpc>
-              <a:spcBef>
-                <a:spcPts val="300"/>
-              </a:spcBef>
-              <a:spcAft>
-                <a:spcPts val="0"/>
-              </a:spcAft>
-            </a:pPr>
-            <a:r>
-              <a:rPr lang="en-US" sz="1400" b="1" dirty="0" smtClean="0">
-                <a:solidFill>
-                  <a:schemeClr val="accent2">
-                    <a:lumMod val="50000"/>
-                  </a:schemeClr>
-                </a:solidFill>
-                <a:latin typeface="Arial" panose="020B0604020202020204" pitchFamily="34" charset="0"/>
-                <a:ea typeface="Roboto" panose="02000000000000000000" pitchFamily="2" charset="0"/>
-                <a:cs typeface="Arial" panose="020B0604020202020204" pitchFamily="34" charset="0"/>
-              </a:rPr>
-              <a:t>Giai đoạn chuẩn bị</a:t>
-            </a:r>
-            <a:endParaRPr lang="en-US" sz="1400" b="1" dirty="0">
-              <a:solidFill>
-                <a:schemeClr val="accent2">
-                  <a:lumMod val="50000"/>
-                </a:schemeClr>
-              </a:solidFill>
-              <a:latin typeface="Arial" panose="020B0604020202020204" pitchFamily="34" charset="0"/>
-              <a:ea typeface="Roboto" panose="02000000000000000000" pitchFamily="2" charset="0"/>
-              <a:cs typeface="Arial" panose="020B0604020202020204" pitchFamily="34" charset="0"/>
-            </a:endParaRPr>
-          </a:p>
-        </p:txBody>
-      </p:sp>
-      <p:sp>
-        <p:nvSpPr>
-          <p:cNvPr id="14" name="Rectangle 13"/>
-          <p:cNvSpPr/>
-          <p:nvPr/>
-        </p:nvSpPr>
-        <p:spPr>
-          <a:xfrm>
-            <a:off x="1044448" y="4878223"/>
-            <a:ext cx="1891865" cy="318998"/>
-          </a:xfrm>
-          <a:prstGeom prst="rect">
-            <a:avLst/>
-          </a:prstGeom>
-        </p:spPr>
-        <p:txBody>
-          <a:bodyPr wrap="none">
-            <a:spAutoFit/>
-          </a:bodyPr>
-          <a:lstStyle/>
-          <a:p>
-            <a:pPr algn="just">
-              <a:lnSpc>
-                <a:spcPct val="115000"/>
-              </a:lnSpc>
-              <a:spcBef>
-                <a:spcPts val="300"/>
-              </a:spcBef>
-            </a:pPr>
-            <a:r>
-              <a:rPr lang="en-US" sz="1400" b="1" dirty="0">
-                <a:solidFill>
-                  <a:schemeClr val="accent2">
-                    <a:lumMod val="50000"/>
-                  </a:schemeClr>
-                </a:solidFill>
-                <a:latin typeface="Arial" panose="020B0604020202020204" pitchFamily="34" charset="0"/>
-                <a:ea typeface="Roboto" panose="02000000000000000000" pitchFamily="2" charset="0"/>
-                <a:cs typeface="Arial" panose="020B0604020202020204" pitchFamily="34" charset="0"/>
-              </a:rPr>
-              <a:t>Giai đoạn tương tác</a:t>
-            </a:r>
-            <a:endParaRPr lang="en-US" sz="1400" b="1" dirty="0">
-              <a:solidFill>
-                <a:schemeClr val="accent2">
-                  <a:lumMod val="50000"/>
-                </a:schemeClr>
-              </a:solidFill>
-              <a:latin typeface="Arial" panose="020B0604020202020204" pitchFamily="34" charset="0"/>
-              <a:ea typeface="Roboto" panose="02000000000000000000" pitchFamily="2" charset="0"/>
-              <a:cs typeface="Arial" panose="020B0604020202020204" pitchFamily="34" charset="0"/>
-            </a:endParaRPr>
-          </a:p>
-        </p:txBody>
-      </p:sp>
-      <p:sp>
-        <p:nvSpPr>
-          <p:cNvPr id="16" name="Rectangle 15"/>
-          <p:cNvSpPr/>
-          <p:nvPr/>
-        </p:nvSpPr>
-        <p:spPr>
-          <a:xfrm>
-            <a:off x="1019175" y="5212969"/>
-            <a:ext cx="10313423" cy="1299715"/>
-          </a:xfrm>
-          <a:prstGeom prst="rect">
-            <a:avLst/>
-          </a:prstGeom>
-          <a:solidFill>
-            <a:schemeClr val="tx2">
-              <a:lumMod val="20000"/>
-              <a:lumOff val="80000"/>
-            </a:schemeClr>
-          </a:solidFill>
-        </p:spPr>
-        <p:txBody>
-          <a:bodyPr wrap="square">
-            <a:spAutoFit/>
-          </a:bodyPr>
-          <a:lstStyle/>
-          <a:p>
-            <a:pPr marL="342900" lvl="0" indent="-342900" algn="just">
-              <a:lnSpc>
-                <a:spcPct val="114000"/>
-              </a:lnSpc>
-              <a:spcBef>
-                <a:spcPts val="300"/>
-              </a:spcBef>
-              <a:spcAft>
-                <a:spcPts val="0"/>
-              </a:spcAft>
-              <a:buFont typeface="Times New Roman" panose="02020603050405020304" pitchFamily="18" charset="0"/>
-              <a:buChar char="-"/>
-            </a:pPr>
-            <a:r>
-              <a:rPr lang="en-US" sz="1400" dirty="0">
-                <a:latin typeface="Arial" panose="020B0604020202020204" pitchFamily="34" charset="0"/>
-                <a:ea typeface="Calibri" panose="020F0502020204030204" pitchFamily="34" charset="0"/>
-                <a:cs typeface="Arial" panose="020B0604020202020204" pitchFamily="34" charset="0"/>
-              </a:rPr>
-              <a:t>Sau khi được khởi tạo và đồng bộ dữ liệu, </a:t>
-            </a:r>
-            <a:r>
-              <a:rPr lang="en-US" sz="1400" dirty="0" smtClean="0">
-                <a:latin typeface="Arial" panose="020B0604020202020204" pitchFamily="34" charset="0"/>
-                <a:ea typeface="Calibri" panose="020F0502020204030204" pitchFamily="34" charset="0"/>
-                <a:cs typeface="Arial" panose="020B0604020202020204" pitchFamily="34" charset="0"/>
-              </a:rPr>
-              <a:t>TLDChain </a:t>
-            </a:r>
-            <a:r>
-              <a:rPr lang="en-US" sz="1400" dirty="0">
-                <a:latin typeface="Arial" panose="020B0604020202020204" pitchFamily="34" charset="0"/>
-                <a:ea typeface="Calibri" panose="020F0502020204030204" pitchFamily="34" charset="0"/>
-                <a:cs typeface="Arial" panose="020B0604020202020204" pitchFamily="34" charset="0"/>
-              </a:rPr>
-              <a:t>hoặc có thể gọi là Blockchain sẽ chia làm 2 chuyên mục : </a:t>
-            </a:r>
-            <a:r>
-              <a:rPr lang="en-US" sz="1400" dirty="0" smtClean="0">
-                <a:latin typeface="Arial" panose="020B0604020202020204" pitchFamily="34" charset="0"/>
-                <a:ea typeface="Calibri" panose="020F0502020204030204" pitchFamily="34" charset="0"/>
-                <a:cs typeface="Arial" panose="020B0604020202020204" pitchFamily="34" charset="0"/>
-              </a:rPr>
-              <a:t>thông thường hoặc </a:t>
-            </a:r>
-            <a:r>
-              <a:rPr lang="en-US" sz="1400" dirty="0">
-                <a:latin typeface="Arial" panose="020B0604020202020204" pitchFamily="34" charset="0"/>
-                <a:ea typeface="Calibri" panose="020F0502020204030204" pitchFamily="34" charset="0"/>
-                <a:cs typeface="Arial" panose="020B0604020202020204" pitchFamily="34" charset="0"/>
-              </a:rPr>
-              <a:t>chỉ định theo một lựa chọn nào đó ( ở ví dụ sẽ là quốc gia ) nhờ đó có thể áp dụng phân quyền tạo nên một Permissioned Blockchain ( kết hợp giữa Public và Private ).</a:t>
-            </a:r>
-            <a:endParaRPr lang="en-US" sz="1400" dirty="0">
-              <a:latin typeface="Arial" panose="020B0604020202020204" pitchFamily="34" charset="0"/>
-              <a:ea typeface="Calibri" panose="020F0502020204030204" pitchFamily="34" charset="0"/>
-              <a:cs typeface="Arial" panose="020B0604020202020204" pitchFamily="34" charset="0"/>
-            </a:endParaRPr>
-          </a:p>
-          <a:p>
-            <a:pPr marL="342900" lvl="0" indent="-342900" algn="just">
-              <a:lnSpc>
-                <a:spcPct val="114000"/>
-              </a:lnSpc>
-              <a:spcAft>
-                <a:spcPts val="300"/>
-              </a:spcAft>
-              <a:buFont typeface="Times New Roman" panose="02020603050405020304" pitchFamily="18" charset="0"/>
-              <a:buChar char="-"/>
-            </a:pPr>
-            <a:r>
-              <a:rPr lang="en-US" sz="1400" dirty="0">
-                <a:latin typeface="Arial" panose="020B0604020202020204" pitchFamily="34" charset="0"/>
-                <a:ea typeface="Calibri" panose="020F0502020204030204" pitchFamily="34" charset="0"/>
-                <a:cs typeface="Arial" panose="020B0604020202020204" pitchFamily="34" charset="0"/>
-              </a:rPr>
-              <a:t>Giai đoạn cuối cùng là Data Access, là nơi tiếp nhận thông tin của các người dùng và trực tiếp trả về kết quả thông qua việc xử lý thông tin ở TLDChain.</a:t>
-            </a:r>
-            <a:endParaRPr lang="en-US" sz="1400" dirty="0">
-              <a:latin typeface="Arial" panose="020B0604020202020204" pitchFamily="34" charset="0"/>
-              <a:ea typeface="Calibri" panose="020F0502020204030204" pitchFamily="34" charset="0"/>
-              <a:cs typeface="Arial" panose="020B0604020202020204" pitchFamily="34" charset="0"/>
-            </a:endParaRPr>
-          </a:p>
-        </p:txBody>
-      </p:sp>
-      <p:sp>
-        <p:nvSpPr>
-          <p:cNvPr id="17" name="Rectangle 16"/>
-          <p:cNvSpPr/>
-          <p:nvPr/>
-        </p:nvSpPr>
-        <p:spPr>
-          <a:xfrm>
-            <a:off x="1044448" y="1377141"/>
-            <a:ext cx="1327608" cy="375552"/>
-          </a:xfrm>
-          <a:prstGeom prst="rect">
-            <a:avLst/>
-          </a:prstGeom>
-        </p:spPr>
-        <p:txBody>
-          <a:bodyPr wrap="none">
-            <a:spAutoFit/>
-          </a:bodyPr>
-          <a:lstStyle/>
-          <a:p>
-            <a:pPr lvl="0">
-              <a:lnSpc>
-                <a:spcPct val="150000"/>
-              </a:lnSpc>
-              <a:spcBef>
-                <a:spcPts val="300"/>
-              </a:spcBef>
-            </a:pPr>
-            <a:r>
-              <a:rPr lang="en-US" sz="1400" b="1" dirty="0">
-                <a:latin typeface="Arial" panose="020B0604020202020204" pitchFamily="34" charset="0"/>
-                <a:ea typeface="Calibri" panose="020F0502020204030204" pitchFamily="34" charset="0"/>
-                <a:cs typeface="Arial" panose="020B0604020202020204" pitchFamily="34" charset="0"/>
-              </a:rPr>
-              <a:t>Data Publish:</a:t>
-            </a:r>
-            <a:endParaRPr lang="en-US" sz="1400" b="1" dirty="0">
-              <a:latin typeface="Arial" panose="020B0604020202020204" pitchFamily="34" charset="0"/>
-              <a:ea typeface="Calibri" panose="020F0502020204030204" pitchFamily="34" charset="0"/>
-              <a:cs typeface="Arial" panose="020B0604020202020204" pitchFamily="34" charset="0"/>
-            </a:endParaRPr>
-          </a:p>
-        </p:txBody>
-      </p:sp>
-      <p:sp>
-        <p:nvSpPr>
-          <p:cNvPr id="18" name="TextBox 17"/>
-          <p:cNvSpPr txBox="1"/>
-          <p:nvPr/>
-        </p:nvSpPr>
-        <p:spPr>
-          <a:xfrm>
-            <a:off x="1044448" y="2256321"/>
-            <a:ext cx="1138453" cy="307777"/>
-          </a:xfrm>
-          <a:prstGeom prst="rect">
-            <a:avLst/>
-          </a:prstGeom>
-          <a:noFill/>
-        </p:spPr>
-        <p:txBody>
-          <a:bodyPr wrap="none" rtlCol="0">
-            <a:spAutoFit/>
-          </a:bodyPr>
-          <a:lstStyle/>
-          <a:p>
-            <a:pPr lvl="0"/>
-            <a:r>
-              <a:rPr lang="en-US" sz="1400" b="1" dirty="0">
-                <a:latin typeface="Arial" panose="020B0604020202020204" pitchFamily="34" charset="0"/>
-                <a:ea typeface="Calibri" panose="020F0502020204030204" pitchFamily="34" charset="0"/>
-                <a:cs typeface="Arial" panose="020B0604020202020204" pitchFamily="34" charset="0"/>
-              </a:rPr>
-              <a:t>TLD </a:t>
-            </a:r>
-            <a:r>
-              <a:rPr lang="en-US" sz="1400" b="1" dirty="0" smtClean="0">
-                <a:latin typeface="Arial" panose="020B0604020202020204" pitchFamily="34" charset="0"/>
-                <a:ea typeface="Calibri" panose="020F0502020204030204" pitchFamily="34" charset="0"/>
-                <a:cs typeface="Arial" panose="020B0604020202020204" pitchFamily="34" charset="0"/>
-              </a:rPr>
-              <a:t>Chain:</a:t>
-            </a:r>
-            <a:endParaRPr lang="en-US" sz="1400" b="1" dirty="0">
-              <a:latin typeface="Arial" panose="020B0604020202020204" pitchFamily="34" charset="0"/>
-              <a:ea typeface="Calibri" panose="020F0502020204030204" pitchFamily="34" charset="0"/>
-              <a:cs typeface="Arial" panose="020B0604020202020204" pitchFamily="34" charset="0"/>
-            </a:endParaRPr>
-          </a:p>
-        </p:txBody>
-      </p:sp>
-    </p:spTree>
-  </p:cSld>
-  <p:clrMapOvr>
-    <a:masterClrMapping/>
-  </p:clrMapOvr>
-  <p:transition spd="slow">
-    <p:push dir="u"/>
-  </p:transition>
-  <p:timing>
-    <p:tnLst>
-      <p:par>
-        <p:cTn id="1" dur="indefinite" restart="never" nodeType="tmRoot">
-          <p:childTnLst>
-            <p:seq concurrent="1" nextAc="seek">
-              <p:cTn id="2" dur="indefinite" nodeType="mainSeq">
-                <p:childTnLst>
-                  <p:par>
-                    <p:cTn id="3" fill="hold">
-                      <p:stCondLst>
-                        <p:cond delay="indefinite"/>
-                        <p:cond evt="onBegin" delay="0">
-                          <p:tn val="2"/>
-                        </p:cond>
-                      </p:stCondLst>
-                      <p:childTnLst>
-                        <p:par>
-                          <p:cTn id="4" fill="hold">
-                            <p:stCondLst>
-                              <p:cond delay="0"/>
-                            </p:stCondLst>
-                            <p:childTnLst>
-                              <p:par>
-                                <p:cTn id="5" presetID="10" presetClass="entr" presetSubtype="0" fill="hold" grpId="0" nodeType="withEffect">
-                                  <p:stCondLst>
-                                    <p:cond delay="0"/>
-                                  </p:stCondLst>
-                                  <p:childTnLst>
-                                    <p:set>
-                                      <p:cBhvr>
-                                        <p:cTn id="6" dur="1" fill="hold">
-                                          <p:stCondLst>
-                                            <p:cond delay="0"/>
-                                          </p:stCondLst>
-                                        </p:cTn>
-                                        <p:tgtEl>
-                                          <p:spTgt spid="6"/>
-                                        </p:tgtEl>
-                                        <p:attrNameLst>
-                                          <p:attrName>style.visibility</p:attrName>
-                                        </p:attrNameLst>
-                                      </p:cBhvr>
-                                      <p:to>
-                                        <p:strVal val="visible"/>
-                                      </p:to>
-                                    </p:set>
-                                    <p:animEffect transition="in" filter="fade">
-                                      <p:cBhvr>
-                                        <p:cTn id="7" dur="500"/>
-                                        <p:tgtEl>
-                                          <p:spTgt spid="6"/>
-                                        </p:tgtEl>
-                                      </p:cBhvr>
-                                    </p:animEffect>
-                                  </p:childTnLst>
-                                </p:cTn>
-                              </p:par>
-                              <p:par>
-                                <p:cTn id="8" presetID="10" presetClass="entr" presetSubtype="0" fill="hold" grpId="0" nodeType="withEffect">
-                                  <p:stCondLst>
-                                    <p:cond delay="0"/>
-                                  </p:stCondLst>
-                                  <p:childTnLst>
-                                    <p:set>
-                                      <p:cBhvr>
-                                        <p:cTn id="9" dur="1" fill="hold">
-                                          <p:stCondLst>
-                                            <p:cond delay="0"/>
-                                          </p:stCondLst>
-                                        </p:cTn>
-                                        <p:tgtEl>
-                                          <p:spTgt spid="4"/>
-                                        </p:tgtEl>
-                                        <p:attrNameLst>
-                                          <p:attrName>style.visibility</p:attrName>
-                                        </p:attrNameLst>
-                                      </p:cBhvr>
-                                      <p:to>
-                                        <p:strVal val="visible"/>
-                                      </p:to>
-                                    </p:set>
-                                    <p:animEffect transition="in" filter="fade">
-                                      <p:cBhvr>
-                                        <p:cTn id="10" dur="500"/>
-                                        <p:tgtEl>
-                                          <p:spTgt spid="4"/>
-                                        </p:tgtEl>
-                                      </p:cBhvr>
-                                    </p:animEffect>
-                                  </p:childTnLst>
-                                </p:cTn>
-                              </p:par>
-                              <p:par>
-                                <p:cTn id="11" presetID="10" presetClass="entr" presetSubtype="0" fill="hold" nodeType="withEffect">
-                                  <p:stCondLst>
-                                    <p:cond delay="0"/>
-                                  </p:stCondLst>
-                                  <p:childTnLst>
-                                    <p:set>
-                                      <p:cBhvr>
-                                        <p:cTn id="12" dur="1" fill="hold">
-                                          <p:stCondLst>
-                                            <p:cond delay="0"/>
-                                          </p:stCondLst>
-                                        </p:cTn>
-                                        <p:tgtEl>
-                                          <p:spTgt spid="5"/>
-                                        </p:tgtEl>
-                                        <p:attrNameLst>
-                                          <p:attrName>style.visibility</p:attrName>
-                                        </p:attrNameLst>
-                                      </p:cBhvr>
-                                      <p:to>
-                                        <p:strVal val="visible"/>
-                                      </p:to>
-                                    </p:set>
-                                    <p:animEffect transition="in" filter="fade">
-                                      <p:cBhvr>
-                                        <p:cTn id="13" dur="500"/>
-                                        <p:tgtEl>
-                                          <p:spTgt spid="5"/>
-                                        </p:tgtEl>
-                                      </p:cBhvr>
-                                    </p:animEffect>
-                                  </p:childTnLst>
-                                </p:cTn>
-                              </p:par>
-                              <p:par>
-                                <p:cTn id="14" presetID="10" presetClass="entr" presetSubtype="0" fill="hold" grpId="0" nodeType="withEffect">
-                                  <p:stCondLst>
-                                    <p:cond delay="0"/>
-                                  </p:stCondLst>
-                                  <p:childTnLst>
-                                    <p:set>
-                                      <p:cBhvr>
-                                        <p:cTn id="15" dur="1" fill="hold">
-                                          <p:stCondLst>
-                                            <p:cond delay="0"/>
-                                          </p:stCondLst>
-                                        </p:cTn>
-                                        <p:tgtEl>
-                                          <p:spTgt spid="8"/>
-                                        </p:tgtEl>
-                                        <p:attrNameLst>
-                                          <p:attrName>style.visibility</p:attrName>
-                                        </p:attrNameLst>
-                                      </p:cBhvr>
-                                      <p:to>
-                                        <p:strVal val="visible"/>
-                                      </p:to>
-                                    </p:set>
-                                    <p:animEffect transition="in" filter="fade">
-                                      <p:cBhvr>
-                                        <p:cTn id="16" dur="500"/>
-                                        <p:tgtEl>
-                                          <p:spTgt spid="8"/>
-                                        </p:tgtEl>
-                                      </p:cBhvr>
-                                    </p:animEffect>
-                                  </p:childTnLst>
-                                </p:cTn>
-                              </p:par>
-                              <p:par>
-                                <p:cTn id="17" presetID="10" presetClass="entr" presetSubtype="0" fill="hold" grpId="0" nodeType="withEffect">
-                                  <p:stCondLst>
-                                    <p:cond delay="0"/>
-                                  </p:stCondLst>
-                                  <p:childTnLst>
-                                    <p:set>
-                                      <p:cBhvr>
-                                        <p:cTn id="18" dur="1" fill="hold">
-                                          <p:stCondLst>
-                                            <p:cond delay="0"/>
-                                          </p:stCondLst>
-                                        </p:cTn>
-                                        <p:tgtEl>
-                                          <p:spTgt spid="9"/>
-                                        </p:tgtEl>
-                                        <p:attrNameLst>
-                                          <p:attrName>style.visibility</p:attrName>
-                                        </p:attrNameLst>
-                                      </p:cBhvr>
-                                      <p:to>
-                                        <p:strVal val="visible"/>
-                                      </p:to>
-                                    </p:set>
-                                    <p:animEffect transition="in" filter="fade">
-                                      <p:cBhvr>
-                                        <p:cTn id="19" dur="500"/>
-                                        <p:tgtEl>
-                                          <p:spTgt spid="9"/>
-                                        </p:tgtEl>
-                                      </p:cBhvr>
-                                    </p:animEffect>
-                                  </p:childTnLst>
-                                </p:cTn>
-                              </p:par>
-                              <p:par>
-                                <p:cTn id="20" presetID="10" presetClass="entr" presetSubtype="0" fill="hold" grpId="0" nodeType="withEffect">
-                                  <p:stCondLst>
-                                    <p:cond delay="0"/>
-                                  </p:stCondLst>
-                                  <p:childTnLst>
-                                    <p:set>
-                                      <p:cBhvr>
-                                        <p:cTn id="21" dur="1" fill="hold">
-                                          <p:stCondLst>
-                                            <p:cond delay="0"/>
-                                          </p:stCondLst>
-                                        </p:cTn>
-                                        <p:tgtEl>
-                                          <p:spTgt spid="2"/>
-                                        </p:tgtEl>
-                                        <p:attrNameLst>
-                                          <p:attrName>style.visibility</p:attrName>
-                                        </p:attrNameLst>
-                                      </p:cBhvr>
-                                      <p:to>
-                                        <p:strVal val="visible"/>
-                                      </p:to>
-                                    </p:set>
-                                    <p:animEffect transition="in" filter="fade">
-                                      <p:cBhvr>
-                                        <p:cTn id="22" dur="500"/>
-                                        <p:tgtEl>
-                                          <p:spTgt spid="2"/>
-                                        </p:tgtEl>
-                                      </p:cBhvr>
-                                    </p:animEffect>
-                                  </p:childTnLst>
-                                </p:cTn>
-                              </p:par>
-                              <p:par>
-                                <p:cTn id="23" presetID="10" presetClass="entr" presetSubtype="0" fill="hold" grpId="0" nodeType="withEffect">
-                                  <p:stCondLst>
-                                    <p:cond delay="0"/>
-                                  </p:stCondLst>
-                                  <p:childTnLst>
-                                    <p:set>
-                                      <p:cBhvr>
-                                        <p:cTn id="24" dur="1" fill="hold">
-                                          <p:stCondLst>
-                                            <p:cond delay="0"/>
-                                          </p:stCondLst>
-                                        </p:cTn>
-                                        <p:tgtEl>
-                                          <p:spTgt spid="3"/>
-                                        </p:tgtEl>
-                                        <p:attrNameLst>
-                                          <p:attrName>style.visibility</p:attrName>
-                                        </p:attrNameLst>
-                                      </p:cBhvr>
-                                      <p:to>
-                                        <p:strVal val="visible"/>
-                                      </p:to>
-                                    </p:set>
-                                    <p:animEffect transition="in" filter="fade">
-                                      <p:cBhvr>
-                                        <p:cTn id="25" dur="500"/>
-                                        <p:tgtEl>
-                                          <p:spTgt spid="3"/>
-                                        </p:tgtEl>
-                                      </p:cBhvr>
-                                    </p:animEffect>
-                                  </p:childTnLst>
-                                </p:cTn>
-                              </p:par>
-                              <p:par>
-                                <p:cTn id="26" presetID="10" presetClass="entr" presetSubtype="0" fill="hold" grpId="0" nodeType="withEffect">
-                                  <p:stCondLst>
-                                    <p:cond delay="0"/>
-                                  </p:stCondLst>
-                                  <p:childTnLst>
-                                    <p:set>
-                                      <p:cBhvr>
-                                        <p:cTn id="27" dur="1" fill="hold">
-                                          <p:stCondLst>
-                                            <p:cond delay="0"/>
-                                          </p:stCondLst>
-                                        </p:cTn>
-                                        <p:tgtEl>
-                                          <p:spTgt spid="10"/>
-                                        </p:tgtEl>
-                                        <p:attrNameLst>
-                                          <p:attrName>style.visibility</p:attrName>
-                                        </p:attrNameLst>
-                                      </p:cBhvr>
-                                      <p:to>
-                                        <p:strVal val="visible"/>
-                                      </p:to>
-                                    </p:set>
-                                    <p:animEffect transition="in" filter="fade">
-                                      <p:cBhvr>
-                                        <p:cTn id="28" dur="500"/>
-                                        <p:tgtEl>
-                                          <p:spTgt spid="10"/>
-                                        </p:tgtEl>
-                                      </p:cBhvr>
-                                    </p:animEffect>
-                                  </p:childTnLst>
-                                </p:cTn>
-                              </p:par>
-                              <p:par>
-                                <p:cTn id="29" presetID="10" presetClass="entr" presetSubtype="0" fill="hold" grpId="0" nodeType="withEffect">
-                                  <p:stCondLst>
-                                    <p:cond delay="0"/>
-                                  </p:stCondLst>
-                                  <p:childTnLst>
-                                    <p:set>
-                                      <p:cBhvr>
-                                        <p:cTn id="30" dur="1" fill="hold">
-                                          <p:stCondLst>
-                                            <p:cond delay="0"/>
-                                          </p:stCondLst>
-                                        </p:cTn>
-                                        <p:tgtEl>
-                                          <p:spTgt spid="12"/>
-                                        </p:tgtEl>
-                                        <p:attrNameLst>
-                                          <p:attrName>style.visibility</p:attrName>
-                                        </p:attrNameLst>
-                                      </p:cBhvr>
-                                      <p:to>
-                                        <p:strVal val="visible"/>
-                                      </p:to>
-                                    </p:set>
-                                    <p:animEffect transition="in" filter="fade">
-                                      <p:cBhvr>
-                                        <p:cTn id="31" dur="500"/>
-                                        <p:tgtEl>
-                                          <p:spTgt spid="12"/>
-                                        </p:tgtEl>
-                                      </p:cBhvr>
-                                    </p:animEffect>
-                                  </p:childTnLst>
-                                </p:cTn>
-                              </p:par>
-                              <p:par>
-                                <p:cTn id="32" presetID="10" presetClass="entr" presetSubtype="0" fill="hold" grpId="0" nodeType="withEffect">
-                                  <p:stCondLst>
-                                    <p:cond delay="0"/>
-                                  </p:stCondLst>
-                                  <p:childTnLst>
-                                    <p:set>
-                                      <p:cBhvr>
-                                        <p:cTn id="33" dur="1" fill="hold">
-                                          <p:stCondLst>
-                                            <p:cond delay="0"/>
-                                          </p:stCondLst>
-                                        </p:cTn>
-                                        <p:tgtEl>
-                                          <p:spTgt spid="13"/>
-                                        </p:tgtEl>
-                                        <p:attrNameLst>
-                                          <p:attrName>style.visibility</p:attrName>
-                                        </p:attrNameLst>
-                                      </p:cBhvr>
-                                      <p:to>
-                                        <p:strVal val="visible"/>
-                                      </p:to>
-                                    </p:set>
-                                    <p:animEffect transition="in" filter="fade">
-                                      <p:cBhvr>
-                                        <p:cTn id="34" dur="500"/>
-                                        <p:tgtEl>
-                                          <p:spTgt spid="13"/>
-                                        </p:tgtEl>
-                                      </p:cBhvr>
-                                    </p:animEffect>
-                                  </p:childTnLst>
-                                </p:cTn>
-                              </p:par>
-                              <p:par>
-                                <p:cTn id="35" presetID="10" presetClass="entr" presetSubtype="0" fill="hold" grpId="0" nodeType="withEffect">
-                                  <p:stCondLst>
-                                    <p:cond delay="0"/>
-                                  </p:stCondLst>
-                                  <p:childTnLst>
-                                    <p:set>
-                                      <p:cBhvr>
-                                        <p:cTn id="36" dur="1" fill="hold">
-                                          <p:stCondLst>
-                                            <p:cond delay="0"/>
-                                          </p:stCondLst>
-                                        </p:cTn>
-                                        <p:tgtEl>
-                                          <p:spTgt spid="14"/>
-                                        </p:tgtEl>
-                                        <p:attrNameLst>
-                                          <p:attrName>style.visibility</p:attrName>
-                                        </p:attrNameLst>
-                                      </p:cBhvr>
-                                      <p:to>
-                                        <p:strVal val="visible"/>
-                                      </p:to>
-                                    </p:set>
-                                    <p:animEffect transition="in" filter="fade">
-                                      <p:cBhvr>
-                                        <p:cTn id="37" dur="500"/>
-                                        <p:tgtEl>
-                                          <p:spTgt spid="14"/>
-                                        </p:tgtEl>
-                                      </p:cBhvr>
-                                    </p:animEffect>
-                                  </p:childTnLst>
-                                </p:cTn>
-                              </p:par>
-                              <p:par>
-                                <p:cTn id="38" presetID="10" presetClass="entr" presetSubtype="0" fill="hold" grpId="0" nodeType="withEffect">
-                                  <p:stCondLst>
-                                    <p:cond delay="0"/>
-                                  </p:stCondLst>
-                                  <p:childTnLst>
-                                    <p:set>
-                                      <p:cBhvr>
-                                        <p:cTn id="39" dur="1" fill="hold">
-                                          <p:stCondLst>
-                                            <p:cond delay="0"/>
-                                          </p:stCondLst>
-                                        </p:cTn>
-                                        <p:tgtEl>
-                                          <p:spTgt spid="16"/>
-                                        </p:tgtEl>
-                                        <p:attrNameLst>
-                                          <p:attrName>style.visibility</p:attrName>
-                                        </p:attrNameLst>
-                                      </p:cBhvr>
-                                      <p:to>
-                                        <p:strVal val="visible"/>
-                                      </p:to>
-                                    </p:set>
-                                    <p:animEffect transition="in" filter="fade">
-                                      <p:cBhvr>
-                                        <p:cTn id="40" dur="500"/>
-                                        <p:tgtEl>
-                                          <p:spTgt spid="16"/>
-                                        </p:tgtEl>
-                                      </p:cBhvr>
-                                    </p:animEffect>
-                                  </p:childTnLst>
-                                </p:cTn>
-                              </p:par>
-                              <p:par>
-                                <p:cTn id="41" presetID="10" presetClass="entr" presetSubtype="0" fill="hold" grpId="0" nodeType="withEffect">
-                                  <p:stCondLst>
-                                    <p:cond delay="0"/>
-                                  </p:stCondLst>
-                                  <p:childTnLst>
-                                    <p:set>
-                                      <p:cBhvr>
-                                        <p:cTn id="42" dur="1" fill="hold">
-                                          <p:stCondLst>
-                                            <p:cond delay="0"/>
-                                          </p:stCondLst>
-                                        </p:cTn>
-                                        <p:tgtEl>
-                                          <p:spTgt spid="17"/>
-                                        </p:tgtEl>
-                                        <p:attrNameLst>
-                                          <p:attrName>style.visibility</p:attrName>
-                                        </p:attrNameLst>
-                                      </p:cBhvr>
-                                      <p:to>
-                                        <p:strVal val="visible"/>
-                                      </p:to>
-                                    </p:set>
-                                    <p:animEffect transition="in" filter="fade">
-                                      <p:cBhvr>
-                                        <p:cTn id="43" dur="500"/>
-                                        <p:tgtEl>
-                                          <p:spTgt spid="17"/>
-                                        </p:tgtEl>
-                                      </p:cBhvr>
-                                    </p:animEffect>
-                                  </p:childTnLst>
-                                </p:cTn>
-                              </p:par>
-                              <p:par>
-                                <p:cTn id="44" presetID="10" presetClass="entr" presetSubtype="0" fill="hold" grpId="0" nodeType="withEffect">
-                                  <p:stCondLst>
-                                    <p:cond delay="0"/>
-                                  </p:stCondLst>
-                                  <p:childTnLst>
-                                    <p:set>
-                                      <p:cBhvr>
-                                        <p:cTn id="45" dur="1" fill="hold">
-                                          <p:stCondLst>
-                                            <p:cond delay="0"/>
-                                          </p:stCondLst>
-                                        </p:cTn>
-                                        <p:tgtEl>
-                                          <p:spTgt spid="18"/>
-                                        </p:tgtEl>
-                                        <p:attrNameLst>
-                                          <p:attrName>style.visibility</p:attrName>
-                                        </p:attrNameLst>
-                                      </p:cBhvr>
-                                      <p:to>
-                                        <p:strVal val="visible"/>
-                                      </p:to>
-                                    </p:set>
-                                    <p:animEffect transition="in" filter="fade">
-                                      <p:cBhvr>
-                                        <p:cTn id="46" dur="500"/>
-                                        <p:tgtEl>
-                                          <p:spTgt spid="18"/>
-                                        </p:tgtEl>
-                                      </p:cBhvr>
-                                    </p:animEffect>
-                                  </p:childTnLst>
-                                </p:cTn>
-                              </p:par>
-                            </p:childTnLst>
-                          </p:cTn>
-                        </p:par>
-                      </p:childTnLst>
-                    </p:cTn>
-                  </p:par>
-                </p:childTnLst>
-              </p:cTn>
-              <p:prevCondLst>
-                <p:cond evt="onPrev" delay="0">
-                  <p:tgtEl>
-                    <p:sldTgt/>
-                  </p:tgtEl>
-                </p:cond>
-              </p:prevCondLst>
-              <p:nextCondLst>
-                <p:cond evt="onNext" delay="0">
-                  <p:tgtEl>
-                    <p:sldTgt/>
-                  </p:tgtEl>
-                </p:cond>
-              </p:nextCondLst>
-            </p:seq>
-          </p:childTnLst>
-        </p:cTn>
-      </p:par>
-    </p:tnLst>
-    <p:bldLst>
-      <p:bldP spid="6" grpId="0"/>
-      <p:bldP spid="4" grpId="0"/>
-      <p:bldP spid="8" grpId="0"/>
-      <p:bldP spid="9" grpId="0"/>
-      <p:bldP spid="2" grpId="0" animBg="1"/>
-      <p:bldP spid="3" grpId="0"/>
-      <p:bldP spid="10" grpId="0"/>
-      <p:bldP spid="12" grpId="0"/>
-      <p:bldP spid="13" grpId="0"/>
-      <p:bldP spid="14" grpId="0"/>
-      <p:bldP spid="16" grpId="0" animBg="1"/>
-      <p:bldP spid="17" grpId="0"/>
-      <p:bldP spid="18" grpId="0"/>
-    </p:bldLst>
-  </p:timing>
-</p:sld>
-</file>
-
-<file path=ppt/slides/slide11.xml><?xml version="1.0" encoding="utf-8"?>
-<p:sld xmlns:a="http://schemas.openxmlformats.org/drawingml/2006/main" xmlns:r="http://schemas.openxmlformats.org/officeDocument/2006/relationships" xmlns:p="http://schemas.openxmlformats.org/presentationml/2006/main">
-  <p:cSld>
-    <p:spTree>
-      <p:nvGrpSpPr>
-        <p:cNvPr id="1" name=""/>
-        <p:cNvGrpSpPr/>
-        <p:nvPr/>
-      </p:nvGrpSpPr>
-      <p:grpSpPr>
-        <a:xfrm>
-          <a:off x="0" y="0"/>
-          <a:ext cx="0" cy="0"/>
-          <a:chOff x="0" y="0"/>
-          <a:chExt cx="0" cy="0"/>
-        </a:xfrm>
-      </p:grpSpPr>
-      <p:sp>
-        <p:nvSpPr>
-          <p:cNvPr id="6" name="Title 1"/>
-          <p:cNvSpPr>
-            <a:spLocks noGrp="1"/>
-          </p:cNvSpPr>
-          <p:nvPr>
-            <p:ph type="title"/>
-          </p:nvPr>
-        </p:nvSpPr>
-        <p:spPr>
-          <a:xfrm>
-            <a:off x="1019175" y="230505"/>
-            <a:ext cx="10058400" cy="564254"/>
-          </a:xfrm>
-        </p:spPr>
-        <p:txBody>
-          <a:bodyPr>
-            <a:normAutofit fontScale="90000"/>
-          </a:bodyPr>
-          <a:lstStyle/>
-          <a:p>
-            <a:r>
-              <a:rPr lang="en-US" sz="4000" b="1" spc="50" dirty="0" smtClean="0">
-                <a:blipFill>
-                  <a:blip r:embed="rId1">
-                    <a:extLst>
-                      <a:ext uri="{28A0092B-C50C-407E-A947-70E740481C1C}">
-                        <a14:useLocalDpi xmlns:a14="http://schemas.microsoft.com/office/drawing/2010/main" val="0"/>
-                      </a:ext>
-                    </a:extLst>
-                  </a:blip>
-                  <a:tile tx="6350" ty="-127000" sx="65000" sy="64000" flip="none" algn="tl"/>
-                </a:blipFill>
-                <a:latin typeface="Times New Roman" panose="02020603050405020304" pitchFamily="18" charset="0"/>
-                <a:cs typeface="Times New Roman" panose="02020603050405020304" pitchFamily="18" charset="0"/>
-                <a:sym typeface="+mn-ea"/>
-              </a:rPr>
-              <a:t>Xây dựng DNS BLOCKCHAIN</a:t>
-            </a:r>
-            <a:endParaRPr lang="en-US" sz="4000" dirty="0">
-              <a:latin typeface="Arial" panose="020B0604020202020204" pitchFamily="34" charset="0"/>
-              <a:cs typeface="Arial" panose="020B0604020202020204" pitchFamily="34" charset="0"/>
-            </a:endParaRPr>
-          </a:p>
-        </p:txBody>
-      </p:sp>
-      <p:sp>
-        <p:nvSpPr>
-          <p:cNvPr id="4" name="Slide Number Placeholder 3"/>
-          <p:cNvSpPr>
-            <a:spLocks noGrp="1"/>
-          </p:cNvSpPr>
-          <p:nvPr>
-            <p:ph type="sldNum" sz="quarter" idx="12"/>
-          </p:nvPr>
-        </p:nvSpPr>
-        <p:spPr/>
-        <p:txBody>
-          <a:bodyPr/>
-          <a:lstStyle/>
-          <a:p>
-            <a:fld id="{040DEF24-717E-4741-8753-F7E431A261E5}" type="slidenum">
-              <a:rPr lang="en-US" smtClean="0"/>
+              <a:t>10</a:t>
             </a:fld>
             <a:endParaRPr lang="en-US"/>
           </a:p>
@@ -7050,7 +5606,7 @@
           <p:nvPr/>
         </p:nvPicPr>
         <p:blipFill>
-          <a:blip r:embed="rId2"/>
+          <a:blip r:embed="rId3"/>
           <a:stretch>
             <a:fillRect/>
           </a:stretch>
@@ -7243,10 +5799,6 @@
               </a:rPr>
               <a:t>thống DNS Blockchain trực tiếp kiểm tra dãy Blocks hiện tại có đáp ứng điều kiện hay không theo 2 trường hợp như sau: </a:t>
             </a:r>
-            <a:endParaRPr lang="vi-VN" sz="1400" dirty="0">
-              <a:latin typeface="Arial" panose="020B0604020202020204" pitchFamily="34" charset="0"/>
-              <a:cs typeface="Arial" panose="020B0604020202020204" pitchFamily="34" charset="0"/>
-            </a:endParaRPr>
           </a:p>
           <a:p>
             <a:pPr marL="285750" indent="-285750" algn="l">
@@ -7270,10 +5822,6 @@
               </a:rPr>
               <a:t>( Đ ): Sử dụng các khối Blocks đó để khởi tạo Blockchain và tiếp tục mở rộng nhằm tạo blockchain dài nhất.</a:t>
             </a:r>
-            <a:endParaRPr lang="vi-VN" sz="1400" dirty="0">
-              <a:latin typeface="Arial" panose="020B0604020202020204" pitchFamily="34" charset="0"/>
-              <a:cs typeface="Arial" panose="020B0604020202020204" pitchFamily="34" charset="0"/>
-            </a:endParaRPr>
           </a:p>
           <a:p>
             <a:pPr marL="285750" indent="-285750" algn="l">
@@ -7493,10 +6041,6 @@
               </a:rPr>
               <a:t>sau: </a:t>
             </a:r>
-            <a:endParaRPr lang="vi-VN" sz="1400" dirty="0">
-              <a:latin typeface="Arial" panose="020B0604020202020204" pitchFamily="34" charset="0"/>
-              <a:cs typeface="Arial" panose="020B0604020202020204" pitchFamily="34" charset="0"/>
-            </a:endParaRPr>
           </a:p>
           <a:p>
             <a:pPr marL="285750" indent="-285750" algn="l">
@@ -7513,10 +6057,6 @@
               </a:rPr>
               <a:t>Đúng ( Đ ) : Thêm vào bộ nhớ đệm Transaction và phát động thuật toán Proof of Work cho các nodes tạo số Nonce cho Block mới. </a:t>
             </a:r>
-            <a:endParaRPr lang="vi-VN" sz="1400" dirty="0">
-              <a:latin typeface="Arial" panose="020B0604020202020204" pitchFamily="34" charset="0"/>
-              <a:cs typeface="Arial" panose="020B0604020202020204" pitchFamily="34" charset="0"/>
-            </a:endParaRPr>
           </a:p>
           <a:p>
             <a:pPr marL="285750" indent="-285750" algn="l">
@@ -7630,10 +6170,6 @@
               </a:rPr>
               <a:t>7. Hệ thống trước khi tắt sẽ tính toán blockchain dài nhất, xác thực blockchain và gửi lên cho các nodes để cập nhật. </a:t>
             </a:r>
-            <a:endParaRPr lang="vi-VN" sz="1400" dirty="0">
-              <a:latin typeface="Arial" panose="020B0604020202020204" pitchFamily="34" charset="0"/>
-              <a:cs typeface="Arial" panose="020B0604020202020204" pitchFamily="34" charset="0"/>
-            </a:endParaRPr>
           </a:p>
         </p:txBody>
       </p:sp>
@@ -8096,7 +6632,7 @@
 </p:sld>
 </file>
 
-<file path=ppt/slides/slide12.xml><?xml version="1.0" encoding="utf-8"?>
+<file path=ppt/slides/slide11.xml><?xml version="1.0" encoding="utf-8"?>
 <p:sld xmlns:a="http://schemas.openxmlformats.org/drawingml/2006/main" xmlns:r="http://schemas.openxmlformats.org/officeDocument/2006/relationships" xmlns:p="http://schemas.openxmlformats.org/presentationml/2006/main">
   <p:cSld>
     <p:spTree>
@@ -8138,7 +6674,7 @@
             <a:r>
               <a:rPr lang="en-US" sz="4000" b="1" spc="50" dirty="0" smtClean="0">
                 <a:blipFill>
-                  <a:blip r:embed="rId1">
+                  <a:blip r:embed="rId2">
                     <a:extLst>
                       <a:ext uri="{28A0092B-C50C-407E-A947-70E740481C1C}">
                         <a14:useLocalDpi xmlns:a14="http://schemas.microsoft.com/office/drawing/2010/main" val="0"/>
@@ -8177,6 +6713,7 @@
           <a:p>
             <a:fld id="{040DEF24-717E-4741-8753-F7E431A261E5}" type="slidenum">
               <a:rPr lang="en-US" smtClean="0"/>
+              <a:t>11</a:t>
             </a:fld>
             <a:endParaRPr lang="en-US"/>
           </a:p>
@@ -8274,16 +6811,6 @@
               </a:rPr>
               <a:t>XÂY DỰNG ĐỊNH DẠNG LƯU TRỮ CHUNG TRONG HỆ THỐNG</a:t>
             </a:r>
-            <a:endParaRPr lang="en-US" b="1" dirty="0">
-              <a:solidFill>
-                <a:schemeClr val="accent2">
-                  <a:lumMod val="50000"/>
-                </a:schemeClr>
-              </a:solidFill>
-              <a:latin typeface="Arial" panose="020B0604020202020204" pitchFamily="34" charset="0"/>
-              <a:ea typeface="Roboto" panose="02000000000000000000" pitchFamily="2" charset="0"/>
-              <a:cs typeface="Arial" panose="020B0604020202020204" pitchFamily="34" charset="0"/>
-            </a:endParaRPr>
           </a:p>
         </p:txBody>
       </p:sp>
@@ -8332,16 +6859,6 @@
               </a:rPr>
               <a:t>XÂY DỰNG HỆ THỐNG DNS </a:t>
             </a:r>
-            <a:endParaRPr lang="en-US" b="1" dirty="0">
-              <a:solidFill>
-                <a:schemeClr val="accent2">
-                  <a:lumMod val="50000"/>
-                </a:schemeClr>
-              </a:solidFill>
-              <a:latin typeface="Arial" panose="020B0604020202020204" pitchFamily="34" charset="0"/>
-              <a:ea typeface="Roboto" panose="02000000000000000000" pitchFamily="2" charset="0"/>
-              <a:cs typeface="Arial" panose="020B0604020202020204" pitchFamily="34" charset="0"/>
-            </a:endParaRPr>
           </a:p>
         </p:txBody>
       </p:sp>
@@ -8651,10 +7168,6 @@
               </a:rPr>
               <a:t>Xây dựng quy trình xử lý thông tin đăng kí node và account admin tham gia vào hệ thống Blockchain.</a:t>
             </a:r>
-            <a:endParaRPr lang="en-US" sz="1400" dirty="0" smtClean="0">
-              <a:latin typeface="Arial" panose="020B0604020202020204" pitchFamily="34" charset="0"/>
-              <a:cs typeface="Arial" panose="020B0604020202020204" pitchFamily="34" charset="0"/>
-            </a:endParaRPr>
           </a:p>
         </p:txBody>
       </p:sp>
@@ -8771,10 +7284,6 @@
               </a:rPr>
               <a:t>Xây dựng xử lý phân quyền giữa các loại người dùng khác nhau ( Hoster,  Admin, Client ).</a:t>
             </a:r>
-            <a:endParaRPr lang="en-US" sz="1400" dirty="0" smtClean="0">
-              <a:latin typeface="Arial" panose="020B0604020202020204" pitchFamily="34" charset="0"/>
-              <a:cs typeface="Arial" panose="020B0604020202020204" pitchFamily="34" charset="0"/>
-            </a:endParaRPr>
           </a:p>
         </p:txBody>
       </p:sp>
@@ -8941,10 +7450,6 @@
               </a:rPr>
               <a:t>Viết bằng Python Flask</a:t>
             </a:r>
-            <a:endParaRPr lang="en-US" sz="1400" b="1" dirty="0" smtClean="0">
-              <a:latin typeface="Arial" panose="020B0604020202020204" pitchFamily="34" charset="0"/>
-              <a:cs typeface="Arial" panose="020B0604020202020204" pitchFamily="34" charset="0"/>
-            </a:endParaRPr>
           </a:p>
         </p:txBody>
       </p:sp>
@@ -8977,10 +7482,6 @@
               </a:rPr>
               <a:t>Viết bằng Python Socket</a:t>
             </a:r>
-            <a:endParaRPr lang="en-US" sz="1400" b="1" dirty="0" smtClean="0">
-              <a:latin typeface="Arial" panose="020B0604020202020204" pitchFamily="34" charset="0"/>
-              <a:cs typeface="Arial" panose="020B0604020202020204" pitchFamily="34" charset="0"/>
-            </a:endParaRPr>
           </a:p>
         </p:txBody>
       </p:sp>
@@ -9030,7 +7531,7 @@
         </p:nvGraphicFramePr>
         <p:xfrm>
           <a:off x="6005026" y="1510258"/>
-          <a:ext cx="5458460" cy="1363157"/>
+          <a:ext cx="5458460" cy="1452372"/>
         </p:xfrm>
         <a:graphic>
           <a:graphicData uri="http://schemas.openxmlformats.org/drawingml/2006/table">
@@ -9039,8 +7540,20 @@
                 <a:tableStyleId>{7DF18680-E054-41AD-8BC1-D1AEF772440D}</a:tableStyleId>
               </a:tblPr>
               <a:tblGrid>
-                <a:gridCol w="1666719"/>
-                <a:gridCol w="3791741"/>
+                <a:gridCol w="1666719">
+                  <a:extLst>
+                    <a:ext uri="{9D8B030D-6E8A-4147-A177-3AD203B41FA5}">
+                      <a16:colId xmlns:a16="http://schemas.microsoft.com/office/drawing/2014/main" val="20000"/>
+                    </a:ext>
+                  </a:extLst>
+                </a:gridCol>
+                <a:gridCol w="3791741">
+                  <a:extLst>
+                    <a:ext uri="{9D8B030D-6E8A-4147-A177-3AD203B41FA5}">
+                      <a16:colId xmlns:a16="http://schemas.microsoft.com/office/drawing/2014/main" val="20001"/>
+                    </a:ext>
+                  </a:extLst>
+                </a:gridCol>
               </a:tblGrid>
               <a:tr h="200025">
                 <a:tc>
@@ -9119,6 +7632,11 @@
                   </a:txBody>
                   <a:tcPr marL="28575" marR="28575" marT="19050" marB="19050" anchor="ctr"/>
                 </a:tc>
+                <a:extLst>
+                  <a:ext uri="{0D108BD9-81ED-4DB2-BD59-A6C34878D82A}">
+                    <a16:rowId xmlns:a16="http://schemas.microsoft.com/office/drawing/2014/main" val="10000"/>
+                  </a:ext>
+                </a:extLst>
               </a:tr>
               <a:tr h="200025">
                 <a:tc>
@@ -9213,6 +7731,11 @@
                   </a:txBody>
                   <a:tcPr marL="28575" marR="28575" marT="19050" marB="19050" anchor="ctr"/>
                 </a:tc>
+                <a:extLst>
+                  <a:ext uri="{0D108BD9-81ED-4DB2-BD59-A6C34878D82A}">
+                    <a16:rowId xmlns:a16="http://schemas.microsoft.com/office/drawing/2014/main" val="10001"/>
+                  </a:ext>
+                </a:extLst>
               </a:tr>
               <a:tr h="200025">
                 <a:tc>
@@ -9307,6 +7830,11 @@
                   </a:txBody>
                   <a:tcPr marL="28575" marR="28575" marT="19050" marB="19050" anchor="ctr"/>
                 </a:tc>
+                <a:extLst>
+                  <a:ext uri="{0D108BD9-81ED-4DB2-BD59-A6C34878D82A}">
+                    <a16:rowId xmlns:a16="http://schemas.microsoft.com/office/drawing/2014/main" val="10002"/>
+                  </a:ext>
+                </a:extLst>
               </a:tr>
               <a:tr h="200025">
                 <a:tc>
@@ -9377,6 +7905,11 @@
                   </a:txBody>
                   <a:tcPr marL="28575" marR="28575" marT="19050" marB="19050" anchor="ctr"/>
                 </a:tc>
+                <a:extLst>
+                  <a:ext uri="{0D108BD9-81ED-4DB2-BD59-A6C34878D82A}">
+                    <a16:rowId xmlns:a16="http://schemas.microsoft.com/office/drawing/2014/main" val="10003"/>
+                  </a:ext>
+                </a:extLst>
               </a:tr>
               <a:tr h="200025">
                 <a:tc>
@@ -9447,6 +7980,11 @@
                   </a:txBody>
                   <a:tcPr marL="28575" marR="28575" marT="19050" marB="19050" anchor="ctr"/>
                 </a:tc>
+                <a:extLst>
+                  <a:ext uri="{0D108BD9-81ED-4DB2-BD59-A6C34878D82A}">
+                    <a16:rowId xmlns:a16="http://schemas.microsoft.com/office/drawing/2014/main" val="10004"/>
+                  </a:ext>
+                </a:extLst>
               </a:tr>
             </a:tbl>
           </a:graphicData>
@@ -10307,7 +8845,7 @@
 </p:sld>
 </file>
 
-<file path=ppt/slides/slide13.xml><?xml version="1.0" encoding="utf-8"?>
+<file path=ppt/slides/slide12.xml><?xml version="1.0" encoding="utf-8"?>
 <p:sld xmlns:a="http://schemas.openxmlformats.org/drawingml/2006/main" xmlns:r="http://schemas.openxmlformats.org/officeDocument/2006/relationships" xmlns:p="http://schemas.openxmlformats.org/presentationml/2006/main">
   <p:cSld>
     <p:spTree>
@@ -10378,6 +8916,7 @@
           <a:p>
             <a:fld id="{040DEF24-717E-4741-8753-F7E431A261E5}" type="slidenum">
               <a:rPr lang="en-US" smtClean="0"/>
+              <a:t>12</a:t>
             </a:fld>
             <a:endParaRPr lang="en-US"/>
           </a:p>
@@ -10561,11 +9100,6 @@
               </a:rPr>
               <a:t>node với port bất kì, thực hiện thêm 5 giao dịch tên miền khác và phân giải tên miền thông qua máy chính. </a:t>
             </a:r>
-            <a:endParaRPr lang="en-US" sz="1400" dirty="0">
-              <a:latin typeface="Arial" panose="020B0604020202020204" pitchFamily="34" charset="0"/>
-              <a:ea typeface="Calibri" panose="020F0502020204030204" pitchFamily="34" charset="0"/>
-              <a:cs typeface="Arial" panose="020B0604020202020204" pitchFamily="34" charset="0"/>
-            </a:endParaRPr>
           </a:p>
         </p:txBody>
       </p:sp>
@@ -11690,7 +10224,7 @@
 </p:sld>
 </file>
 
-<file path=ppt/slides/slide14.xml><?xml version="1.0" encoding="utf-8"?>
+<file path=ppt/slides/slide13.xml><?xml version="1.0" encoding="utf-8"?>
 <p:sld xmlns:a="http://schemas.openxmlformats.org/drawingml/2006/main" xmlns:r="http://schemas.openxmlformats.org/officeDocument/2006/relationships" xmlns:p="http://schemas.openxmlformats.org/presentationml/2006/main">
   <p:cSld>
     <p:spTree>
@@ -11732,7 +10266,7 @@
             <a:r>
               <a:rPr lang="en-US" sz="4000" b="1" spc="50" dirty="0" smtClean="0">
                 <a:blipFill>
-                  <a:blip r:embed="rId1">
+                  <a:blip r:embed="rId2">
                     <a:extLst>
                       <a:ext uri="{28A0092B-C50C-407E-A947-70E740481C1C}">
                         <a14:useLocalDpi xmlns:a14="http://schemas.microsoft.com/office/drawing/2010/main" val="0"/>
@@ -11771,6 +10305,7 @@
           <a:p>
             <a:fld id="{040DEF24-717E-4741-8753-F7E431A261E5}" type="slidenum">
               <a:rPr lang="en-US" smtClean="0"/>
+              <a:t>13</a:t>
             </a:fld>
             <a:endParaRPr lang="en-US"/>
           </a:p>
@@ -11878,16 +10413,6 @@
               </a:rPr>
               <a:t>2 </a:t>
             </a:r>
-            <a:endParaRPr lang="en-US" sz="2400" b="1" dirty="0" smtClean="0">
-              <a:solidFill>
-                <a:schemeClr val="accent2">
-                  <a:lumMod val="50000"/>
-                </a:schemeClr>
-              </a:solidFill>
-              <a:latin typeface="Arial" panose="020B0604020202020204" pitchFamily="34" charset="0"/>
-              <a:ea typeface="Roboto" panose="02000000000000000000" pitchFamily="2" charset="0"/>
-              <a:cs typeface="Arial" panose="020B0604020202020204" pitchFamily="34" charset="0"/>
-            </a:endParaRPr>
           </a:p>
           <a:p>
             <a:pPr lvl="0" algn="just">
@@ -11922,11 +10447,6 @@
               </a:rPr>
               <a:t>)</a:t>
             </a:r>
-            <a:endParaRPr lang="en-US" sz="1400" dirty="0" smtClean="0">
-              <a:latin typeface="Arial" panose="020B0604020202020204" pitchFamily="34" charset="0"/>
-              <a:ea typeface="Calibri" panose="020F0502020204030204" pitchFamily="34" charset="0"/>
-              <a:cs typeface="Arial" panose="020B0604020202020204" pitchFamily="34" charset="0"/>
-            </a:endParaRPr>
           </a:p>
           <a:p>
             <a:pPr lvl="0" algn="just">
@@ -11961,11 +10481,6 @@
               </a:rPr>
               <a:t>ảo.</a:t>
             </a:r>
-            <a:endParaRPr lang="en-US" sz="1400" dirty="0" smtClean="0">
-              <a:latin typeface="Arial" panose="020B0604020202020204" pitchFamily="34" charset="0"/>
-              <a:ea typeface="Calibri" panose="020F0502020204030204" pitchFamily="34" charset="0"/>
-              <a:cs typeface="Arial" panose="020B0604020202020204" pitchFamily="34" charset="0"/>
-            </a:endParaRPr>
           </a:p>
           <a:p>
             <a:pPr lvl="0" algn="just">
@@ -11992,11 +10507,6 @@
               </a:rPr>
               <a:t>node với port bất kì, thực hiện thêm 5 giao dịch tên miền khác và phân giải tên miền thông qua một máy ảo. </a:t>
             </a:r>
-            <a:endParaRPr lang="en-US" sz="1400" dirty="0">
-              <a:latin typeface="Arial" panose="020B0604020202020204" pitchFamily="34" charset="0"/>
-              <a:ea typeface="Calibri" panose="020F0502020204030204" pitchFamily="34" charset="0"/>
-              <a:cs typeface="Arial" panose="020B0604020202020204" pitchFamily="34" charset="0"/>
-            </a:endParaRPr>
           </a:p>
         </p:txBody>
       </p:sp>
@@ -13273,7 +11783,7 @@
 </p:sld>
 </file>
 
-<file path=ppt/slides/slide15.xml><?xml version="1.0" encoding="utf-8"?>
+<file path=ppt/slides/slide14.xml><?xml version="1.0" encoding="utf-8"?>
 <p:sld xmlns:a="http://schemas.openxmlformats.org/drawingml/2006/main" xmlns:r="http://schemas.openxmlformats.org/officeDocument/2006/relationships" xmlns:p="http://schemas.openxmlformats.org/presentationml/2006/main">
   <p:cSld>
     <p:spTree>
@@ -13315,7 +11825,7 @@
             <a:r>
               <a:rPr lang="en-US" sz="4000" b="1" spc="50" dirty="0" smtClean="0">
                 <a:blipFill>
-                  <a:blip r:embed="rId1">
+                  <a:blip r:embed="rId2">
                     <a:extLst>
                       <a:ext uri="{28A0092B-C50C-407E-A947-70E740481C1C}">
                         <a14:useLocalDpi xmlns:a14="http://schemas.microsoft.com/office/drawing/2010/main" val="0"/>
@@ -13354,6 +11864,7 @@
           <a:p>
             <a:fld id="{040DEF24-717E-4741-8753-F7E431A261E5}" type="slidenum">
               <a:rPr lang="en-US" smtClean="0"/>
+              <a:t>14</a:t>
             </a:fld>
             <a:endParaRPr lang="en-US"/>
           </a:p>
@@ -13502,11 +12013,6 @@
               </a:rPr>
               <a:t>ảo.</a:t>
             </a:r>
-            <a:endParaRPr lang="en-US" sz="1400" dirty="0" smtClean="0">
-              <a:latin typeface="Arial" panose="020B0604020202020204" pitchFamily="34" charset="0"/>
-              <a:ea typeface="Calibri" panose="020F0502020204030204" pitchFamily="34" charset="0"/>
-              <a:cs typeface="Arial" panose="020B0604020202020204" pitchFamily="34" charset="0"/>
-            </a:endParaRPr>
           </a:p>
           <a:p>
             <a:pPr lvl="0" algn="just">
@@ -13533,11 +12039,6 @@
               </a:rPr>
               <a:t>node có port khác, đăng nhập với vai trò là admin, thực hiện thêm 5 giao dịch tên miền cộng 1 giao dịch có tên miền trỏ vào địa chỉ của web server máy ảo và tiến hành phân giải trên máy ảo.</a:t>
             </a:r>
-            <a:endParaRPr lang="en-US" sz="1400" dirty="0">
-              <a:latin typeface="Arial" panose="020B0604020202020204" pitchFamily="34" charset="0"/>
-              <a:ea typeface="Calibri" panose="020F0502020204030204" pitchFamily="34" charset="0"/>
-              <a:cs typeface="Arial" panose="020B0604020202020204" pitchFamily="34" charset="0"/>
-            </a:endParaRPr>
           </a:p>
         </p:txBody>
       </p:sp>
@@ -14814,7 +13315,7 @@
 </p:sld>
 </file>
 
-<file path=ppt/slides/slide16.xml><?xml version="1.0" encoding="utf-8"?>
+<file path=ppt/slides/slide15.xml><?xml version="1.0" encoding="utf-8"?>
 <p:sld xmlns:a="http://schemas.openxmlformats.org/drawingml/2006/main" xmlns:r="http://schemas.openxmlformats.org/officeDocument/2006/relationships" xmlns:p="http://schemas.openxmlformats.org/presentationml/2006/main">
   <p:cSld>
     <p:spTree>
@@ -14884,6 +13385,7 @@
           <a:p>
             <a:fld id="{040DEF24-717E-4741-8753-F7E431A261E5}" type="slidenum">
               <a:rPr lang="en-US" smtClean="0"/>
+              <a:t>15</a:t>
             </a:fld>
             <a:endParaRPr lang="en-US"/>
           </a:p>
@@ -14942,13 +13444,6 @@
               </a:rPr>
               <a:t>Blockchain là một giải pháp khả thi hiện nay, vừa phần nào giải quyết được bài toán bảo mật, vừa mang lại cơ hội khai thác phát triển triệt để giá trị của tên miền. </a:t>
             </a:r>
-            <a:endParaRPr lang="en-US" sz="1600" b="1" spc="50" dirty="0">
-              <a:solidFill>
-                <a:schemeClr val="accent2"/>
-              </a:solidFill>
-              <a:latin typeface="Arial" panose="020B0604020202020204" pitchFamily="34" charset="0"/>
-              <a:cs typeface="Arial" panose="020B0604020202020204" pitchFamily="34" charset="0"/>
-            </a:endParaRPr>
           </a:p>
         </p:txBody>
       </p:sp>
@@ -14998,16 +13493,6 @@
               </a:rPr>
               <a:t>Tóm tắt những điều mà đề tài đã đạt được:</a:t>
             </a:r>
-            <a:endParaRPr lang="en-US" sz="2400" b="1" dirty="0">
-              <a:solidFill>
-                <a:schemeClr val="accent2">
-                  <a:lumMod val="50000"/>
-                </a:schemeClr>
-              </a:solidFill>
-              <a:latin typeface="Roboto" panose="02000000000000000000" pitchFamily="2" charset="0"/>
-              <a:ea typeface="Roboto" panose="02000000000000000000" pitchFamily="2" charset="0"/>
-              <a:cs typeface="Arial" panose="020B0604020202020204" pitchFamily="34" charset="0"/>
-            </a:endParaRPr>
           </a:p>
           <a:p>
             <a:pPr marL="285750" lvl="0" indent="-285750">
@@ -15030,10 +13515,6 @@
               </a:rPr>
               <a:t>Nêu rõ khái niệm, điểm mạnh và yếu của DNS server và cách DNS server hiện tại hoạt động.</a:t>
             </a:r>
-            <a:endParaRPr lang="en-US" sz="1400" dirty="0">
-              <a:latin typeface="Arial" panose="020B0604020202020204" pitchFamily="34" charset="0"/>
-              <a:cs typeface="Arial" panose="020B0604020202020204" pitchFamily="34" charset="0"/>
-            </a:endParaRPr>
           </a:p>
           <a:p>
             <a:pPr marL="285750" lvl="0" indent="-285750">
@@ -15056,10 +13537,6 @@
               </a:rPr>
               <a:t>Nêu rõ khái niệm, điểm mạnh và yếu của Blockchain và hiểu thêm về giải pháp DNS phát triển bằng công nghệ Blockchain.</a:t>
             </a:r>
-            <a:endParaRPr lang="en-US" sz="1400" dirty="0">
-              <a:latin typeface="Arial" panose="020B0604020202020204" pitchFamily="34" charset="0"/>
-              <a:cs typeface="Arial" panose="020B0604020202020204" pitchFamily="34" charset="0"/>
-            </a:endParaRPr>
           </a:p>
           <a:p>
             <a:pPr marL="285750" lvl="0" indent="-285750">
@@ -15082,10 +13559,6 @@
               </a:rPr>
               <a:t>Xây dựng được và tái hiện hệ thống Blockchain DNS trên máy tính cá nhân. </a:t>
             </a:r>
-            <a:endParaRPr lang="en-US" sz="1400" dirty="0">
-              <a:latin typeface="Arial" panose="020B0604020202020204" pitchFamily="34" charset="0"/>
-              <a:cs typeface="Arial" panose="020B0604020202020204" pitchFamily="34" charset="0"/>
-            </a:endParaRPr>
           </a:p>
           <a:p>
             <a:pPr marL="285750" lvl="0" indent="-285750">
@@ -15134,10 +13607,6 @@
               </a:rPr>
               <a:t>Phần mềm tận dụng những DNS record kiểu cũ giúp việc kế thừa và chuyển hóa công nghệ dễ dàng.</a:t>
             </a:r>
-            <a:endParaRPr lang="en-US" sz="1400" dirty="0" smtClean="0">
-              <a:latin typeface="Arial" panose="020B0604020202020204" pitchFamily="34" charset="0"/>
-              <a:cs typeface="Arial" panose="020B0604020202020204" pitchFamily="34" charset="0"/>
-            </a:endParaRPr>
           </a:p>
           <a:p>
             <a:pPr marL="285750" lvl="0" indent="-285750">
@@ -15160,10 +13629,6 @@
               </a:rPr>
               <a:t>Áp dụng DNS Server cho máy tính cá nhân có hệ điều hành không phải Windows Server.</a:t>
             </a:r>
-            <a:endParaRPr lang="en-US" sz="1400" dirty="0" smtClean="0">
-              <a:latin typeface="Arial" panose="020B0604020202020204" pitchFamily="34" charset="0"/>
-              <a:cs typeface="Arial" panose="020B0604020202020204" pitchFamily="34" charset="0"/>
-            </a:endParaRPr>
           </a:p>
           <a:p>
             <a:pPr marL="285750" lvl="0" indent="-285750">
@@ -15526,7 +13991,7 @@
 </p:sld>
 </file>
 
-<file path=ppt/slides/slide17.xml><?xml version="1.0" encoding="utf-8"?>
+<file path=ppt/slides/slide16.xml><?xml version="1.0" encoding="utf-8"?>
 <p:sld xmlns:a="http://schemas.openxmlformats.org/drawingml/2006/main" xmlns:r="http://schemas.openxmlformats.org/officeDocument/2006/relationships" xmlns:p="http://schemas.openxmlformats.org/presentationml/2006/main">
   <p:cSld>
     <p:spTree>
@@ -15596,6 +14061,7 @@
           <a:p>
             <a:fld id="{040DEF24-717E-4741-8753-F7E431A261E5}" type="slidenum">
               <a:rPr lang="en-US" smtClean="0"/>
+              <a:t>16</a:t>
             </a:fld>
             <a:endParaRPr lang="en-US"/>
           </a:p>
@@ -15654,16 +14120,6 @@
               </a:rPr>
               <a:t>tài còn có những hạn chế nhất định sau đây:</a:t>
             </a:r>
-            <a:endParaRPr lang="en-US" sz="2400" b="1" dirty="0">
-              <a:solidFill>
-                <a:schemeClr val="accent2">
-                  <a:lumMod val="50000"/>
-                </a:schemeClr>
-              </a:solidFill>
-              <a:latin typeface="Roboto" panose="02000000000000000000" pitchFamily="2" charset="0"/>
-              <a:ea typeface="Roboto" panose="02000000000000000000" pitchFamily="2" charset="0"/>
-              <a:cs typeface="Arial" panose="020B0604020202020204" pitchFamily="34" charset="0"/>
-            </a:endParaRPr>
           </a:p>
           <a:p>
             <a:pPr marL="285750" lvl="0" indent="-285750">
@@ -15727,10 +14183,6 @@
               </a:rPr>
               <a:t>wifi. </a:t>
             </a:r>
-            <a:endParaRPr lang="en-US" sz="1400" dirty="0">
-              <a:latin typeface="Arial" panose="020B0604020202020204" pitchFamily="34" charset="0"/>
-              <a:cs typeface="Arial" panose="020B0604020202020204" pitchFamily="34" charset="0"/>
-            </a:endParaRPr>
           </a:p>
           <a:p>
             <a:pPr marL="285750" lvl="0" indent="-285750">
@@ -15794,10 +14246,6 @@
               </a:rPr>
               <a:t>Ở đề tài, mô hình này đã đạt được những điều cơ bản của hệ thống Blockchain thông thường nhưng thiếu một số bước kiểm soát tính chất hợp lệ của giao dịch.</a:t>
             </a:r>
-            <a:endParaRPr lang="en-US" sz="1400" dirty="0">
-              <a:latin typeface="Arial" panose="020B0604020202020204" pitchFamily="34" charset="0"/>
-              <a:cs typeface="Arial" panose="020B0604020202020204" pitchFamily="34" charset="0"/>
-            </a:endParaRPr>
           </a:p>
           <a:p>
             <a:pPr marL="285750" lvl="0" indent="-285750">
@@ -15824,10 +14272,6 @@
               </a:rPr>
               <a:t>.</a:t>
             </a:r>
-            <a:endParaRPr lang="en-US" sz="1400" dirty="0" smtClean="0">
-              <a:latin typeface="Arial" panose="020B0604020202020204" pitchFamily="34" charset="0"/>
-              <a:cs typeface="Arial" panose="020B0604020202020204" pitchFamily="34" charset="0"/>
-            </a:endParaRPr>
           </a:p>
           <a:p>
             <a:pPr lvl="0">
@@ -15862,16 +14306,6 @@
               </a:rPr>
               <a:t>Các hướng mở rộng sẽ phần lớn nhắm vào hạn chế đã nêu trên như sau :</a:t>
             </a:r>
-            <a:endParaRPr lang="en-US" sz="2400" b="1" dirty="0">
-              <a:solidFill>
-                <a:schemeClr val="accent2">
-                  <a:lumMod val="50000"/>
-                </a:schemeClr>
-              </a:solidFill>
-              <a:latin typeface="Roboto" panose="02000000000000000000" pitchFamily="2" charset="0"/>
-              <a:ea typeface="Roboto" panose="02000000000000000000" pitchFamily="2" charset="0"/>
-              <a:cs typeface="Arial" panose="020B0604020202020204" pitchFamily="34" charset="0"/>
-            </a:endParaRPr>
           </a:p>
           <a:p>
             <a:pPr marL="285750" lvl="0" indent="-285750">
@@ -15891,10 +14325,6 @@
               </a:rPr>
               <a:t>Phát triển thêm hệ thống Blockchain về mặt bảo mật giao dịch bằng chữ kí số hay các giải pháp bảo mật khác ở hiện tại.</a:t>
             </a:r>
-            <a:endParaRPr lang="en-US" sz="1400" dirty="0">
-              <a:latin typeface="Arial" panose="020B0604020202020204" pitchFamily="34" charset="0"/>
-              <a:cs typeface="Arial" panose="020B0604020202020204" pitchFamily="34" charset="0"/>
-            </a:endParaRPr>
           </a:p>
           <a:p>
             <a:pPr marL="285750" lvl="0" indent="-285750">
@@ -15914,10 +14344,6 @@
               </a:rPr>
               <a:t>Đưa nhiều lựa chọn hơn trên giao diện giao tiếp người dùng, cho phép nhiều loại người dùng khác nhau trở thành Miner và trả công qua ví điện tử thật.</a:t>
             </a:r>
-            <a:endParaRPr lang="en-US" sz="1400" dirty="0">
-              <a:latin typeface="Arial" panose="020B0604020202020204" pitchFamily="34" charset="0"/>
-              <a:cs typeface="Arial" panose="020B0604020202020204" pitchFamily="34" charset="0"/>
-            </a:endParaRPr>
           </a:p>
           <a:p>
             <a:pPr marL="285750" lvl="0" indent="-285750">
@@ -15937,10 +14363,6 @@
               </a:rPr>
               <a:t>Giao diện và ứng dụng được áp dụng ở nhiều môi trường khác nhau kể cả điện thoại. </a:t>
             </a:r>
-            <a:endParaRPr lang="en-US" sz="1400" dirty="0">
-              <a:latin typeface="Arial" panose="020B0604020202020204" pitchFamily="34" charset="0"/>
-              <a:cs typeface="Arial" panose="020B0604020202020204" pitchFamily="34" charset="0"/>
-            </a:endParaRPr>
           </a:p>
         </p:txBody>
       </p:sp>
@@ -16163,7 +14585,7 @@
 </p:sld>
 </file>
 
-<file path=ppt/slides/slide18.xml><?xml version="1.0" encoding="utf-8"?>
+<file path=ppt/slides/slide17.xml><?xml version="1.0" encoding="utf-8"?>
 <p:sld xmlns:a="http://schemas.openxmlformats.org/drawingml/2006/main" xmlns:r="http://schemas.openxmlformats.org/officeDocument/2006/relationships" xmlns:p="http://schemas.openxmlformats.org/presentationml/2006/main">
   <p:cSld>
     <p:spTree>
@@ -16321,13 +14743,6 @@
                 </a:rPr>
                 <a:t>YOU</a:t>
               </a:r>
-              <a:endParaRPr lang="en-US" sz="7500" i="1" dirty="0">
-                <a:solidFill>
-                  <a:srgbClr val="CE2127"/>
-                </a:solidFill>
-                <a:latin typeface="Roboto Black" panose="02000000000000000000" pitchFamily="2" charset="0"/>
-                <a:ea typeface="Roboto Black" panose="02000000000000000000" pitchFamily="2" charset="0"/>
-              </a:endParaRPr>
             </a:p>
           </p:txBody>
         </p:sp>
@@ -16443,6 +14858,7 @@
           <a:p>
             <a:fld id="{040DEF24-717E-4741-8753-F7E431A261E5}" type="slidenum">
               <a:rPr lang="en-US" smtClean="0"/>
+              <a:t>17</a:t>
             </a:fld>
             <a:endParaRPr lang="en-US"/>
           </a:p>
@@ -16738,16 +15154,6 @@
               </a:rPr>
               <a:t>Lý thuyết</a:t>
             </a:r>
-            <a:endParaRPr lang="en-US" sz="2400" b="1" dirty="0" smtClean="0">
-              <a:solidFill>
-                <a:schemeClr val="accent2">
-                  <a:lumMod val="50000"/>
-                </a:schemeClr>
-              </a:solidFill>
-              <a:latin typeface="Arial" panose="020B0604020202020204" pitchFamily="34" charset="0"/>
-              <a:ea typeface="Roboto" panose="02000000000000000000" pitchFamily="2" charset="0"/>
-              <a:cs typeface="Arial" panose="020B0604020202020204" pitchFamily="34" charset="0"/>
-            </a:endParaRPr>
           </a:p>
           <a:p>
             <a:pPr>
@@ -16833,7 +15239,7 @@
                 <a:latin typeface="Arial" panose="020B0604020202020204" pitchFamily="34" charset="0"/>
                 <a:cs typeface="Arial" panose="020B0604020202020204" pitchFamily="34" charset="0"/>
               </a:rPr>
-              <a:t>4</a:t>
+              <a:t>5</a:t>
             </a:r>
             <a:endParaRPr lang="en-US" sz="1600" dirty="0">
               <a:latin typeface="Arial" panose="020B0604020202020204" pitchFamily="34" charset="0"/>
@@ -16882,7 +15288,7 @@
                 <a:latin typeface="Arial" panose="020B0604020202020204" pitchFamily="34" charset="0"/>
                 <a:cs typeface="Arial" panose="020B0604020202020204" pitchFamily="34" charset="0"/>
               </a:rPr>
-              <a:t>5</a:t>
+              <a:t>7</a:t>
             </a:r>
             <a:endParaRPr lang="en-US" sz="1600" dirty="0">
               <a:latin typeface="Arial" panose="020B0604020202020204" pitchFamily="34" charset="0"/>
@@ -16927,11 +15333,11 @@
               <a:t>				      </a:t>
             </a:r>
             <a:r>
-              <a:rPr lang="en-US" sz="1600" dirty="0">
-                <a:latin typeface="Arial" panose="020B0604020202020204" pitchFamily="34" charset="0"/>
-                <a:cs typeface="Arial" panose="020B0604020202020204" pitchFamily="34" charset="0"/>
-              </a:rPr>
-              <a:t>7</a:t>
+              <a:rPr lang="en-US" sz="1600" dirty="0" smtClean="0">
+                <a:latin typeface="Arial" panose="020B0604020202020204" pitchFamily="34" charset="0"/>
+                <a:cs typeface="Arial" panose="020B0604020202020204" pitchFamily="34" charset="0"/>
+              </a:rPr>
+              <a:t>8</a:t>
             </a:r>
             <a:endParaRPr lang="en-US" sz="1600" dirty="0">
               <a:latin typeface="Arial" panose="020B0604020202020204" pitchFamily="34" charset="0"/>
@@ -16976,11 +15382,11 @@
               <a:t>				      </a:t>
             </a:r>
             <a:r>
-              <a:rPr lang="en-US" sz="1600" dirty="0">
-                <a:latin typeface="Arial" panose="020B0604020202020204" pitchFamily="34" charset="0"/>
-                <a:cs typeface="Arial" panose="020B0604020202020204" pitchFamily="34" charset="0"/>
-              </a:rPr>
-              <a:t>8</a:t>
+              <a:rPr lang="en-US" sz="1600" dirty="0" smtClean="0">
+                <a:latin typeface="Arial" panose="020B0604020202020204" pitchFamily="34" charset="0"/>
+                <a:cs typeface="Arial" panose="020B0604020202020204" pitchFamily="34" charset="0"/>
+              </a:rPr>
+              <a:t>9</a:t>
             </a:r>
             <a:endParaRPr lang="en-US" sz="1600" dirty="0">
               <a:latin typeface="Arial" panose="020B0604020202020204" pitchFamily="34" charset="0"/>
@@ -17032,16 +15438,6 @@
               </a:rPr>
               <a:t>Thực hành</a:t>
             </a:r>
-            <a:endParaRPr lang="en-US" sz="2400" b="1" dirty="0" smtClean="0">
-              <a:solidFill>
-                <a:schemeClr val="accent2">
-                  <a:lumMod val="50000"/>
-                </a:schemeClr>
-              </a:solidFill>
-              <a:latin typeface="Arial" panose="020B0604020202020204" pitchFamily="34" charset="0"/>
-              <a:ea typeface="Roboto" panose="02000000000000000000" pitchFamily="2" charset="0"/>
-              <a:cs typeface="Arial" panose="020B0604020202020204" pitchFamily="34" charset="0"/>
-            </a:endParaRPr>
           </a:p>
           <a:p>
             <a:pPr>
@@ -17081,11 +15477,11 @@
               <a:t>	       </a:t>
             </a:r>
             <a:r>
-              <a:rPr lang="en-US" sz="1600" dirty="0">
-                <a:latin typeface="Arial" panose="020B0604020202020204" pitchFamily="34" charset="0"/>
-                <a:cs typeface="Arial" panose="020B0604020202020204" pitchFamily="34" charset="0"/>
-              </a:rPr>
-              <a:t>9</a:t>
+              <a:rPr lang="en-US" sz="1600" dirty="0" smtClean="0">
+                <a:latin typeface="Arial" panose="020B0604020202020204" pitchFamily="34" charset="0"/>
+                <a:cs typeface="Arial" panose="020B0604020202020204" pitchFamily="34" charset="0"/>
+              </a:rPr>
+              <a:t>10</a:t>
             </a:r>
             <a:endParaRPr lang="en-US" sz="1600" dirty="0">
               <a:latin typeface="Arial" panose="020B0604020202020204" pitchFamily="34" charset="0"/>
@@ -17534,7 +15930,7 @@
             <a:r>
               <a:rPr lang="en-US" sz="4000" b="1" spc="50" dirty="0" smtClean="0">
                 <a:blipFill>
-                  <a:blip r:embed="rId1">
+                  <a:blip r:embed="rId2">
                     <a:extLst>
                       <a:ext uri="{28A0092B-C50C-407E-A947-70E740481C1C}">
                         <a14:useLocalDpi xmlns:a14="http://schemas.microsoft.com/office/drawing/2010/main" val="0"/>
@@ -17714,7 +16110,7 @@
           <p:nvPr/>
         </p:nvPicPr>
         <p:blipFill>
-          <a:blip r:embed="rId2">
+          <a:blip r:embed="rId3">
             <a:extLst>
               <a:ext uri="{28A0092B-C50C-407E-A947-70E740481C1C}">
                 <a14:useLocalDpi xmlns:a14="http://schemas.microsoft.com/office/drawing/2010/main" val="0"/>
@@ -17793,10 +16189,6 @@
               </a:rPr>
               <a:t>cryptoms.fr </a:t>
             </a:r>
-            <a:endParaRPr lang="en-US" sz="1600" i="1" dirty="0" smtClean="0">
-              <a:latin typeface="Arial" panose="020B0604020202020204" pitchFamily="34" charset="0"/>
-              <a:cs typeface="Arial" panose="020B0604020202020204" pitchFamily="34" charset="0"/>
-            </a:endParaRPr>
           </a:p>
           <a:p>
             <a:pPr marL="342900" indent="-342900" algn="just">
@@ -17819,13 +16211,6 @@
               </a:rPr>
               <a:t>Máy tính trước khi gửi đi,DNS resolver sẽ kiểm tra domain trong Web cache hoặc DNS cache để trả lại kết quả.</a:t>
             </a:r>
-            <a:endParaRPr lang="en-US" sz="1400" dirty="0" smtClean="0">
-              <a:solidFill>
-                <a:srgbClr val="002060"/>
-              </a:solidFill>
-              <a:latin typeface="Arial" panose="020B0604020202020204" pitchFamily="34" charset="0"/>
-              <a:cs typeface="Arial" panose="020B0604020202020204" pitchFamily="34" charset="0"/>
-            </a:endParaRPr>
           </a:p>
           <a:p>
             <a:pPr marL="342900" lvl="0" indent="-342900" algn="just">
@@ -17848,13 +16233,6 @@
               </a:rPr>
               <a:t>Nếu không có kết quả, DR sẽ hỏi tên miền mức ROOT chỉ cho máy chủ tên miền cục bộ địa chỉ mà nó quản lý có đuôi “.fr”. </a:t>
             </a:r>
-            <a:endParaRPr lang="en-US" sz="1400" dirty="0" smtClean="0">
-              <a:solidFill>
-                <a:srgbClr val="002060"/>
-              </a:solidFill>
-              <a:latin typeface="Arial" panose="020B0604020202020204" pitchFamily="34" charset="0"/>
-              <a:cs typeface="Arial" panose="020B0604020202020204" pitchFamily="34" charset="0"/>
-            </a:endParaRPr>
           </a:p>
           <a:p>
             <a:pPr marL="342900" lvl="0" indent="-342900" algn="just">
@@ -17887,13 +16265,6 @@
               </a:rPr>
               <a:t>gửi yêu cầu đến máy chủ quản lý tên miền Pháp “.fr” tìm tên miền cryptoms.fr. </a:t>
             </a:r>
-            <a:endParaRPr lang="en-US" sz="1400" dirty="0">
-              <a:solidFill>
-                <a:srgbClr val="002060"/>
-              </a:solidFill>
-              <a:latin typeface="Arial" panose="020B0604020202020204" pitchFamily="34" charset="0"/>
-              <a:cs typeface="Arial" panose="020B0604020202020204" pitchFamily="34" charset="0"/>
-            </a:endParaRPr>
           </a:p>
           <a:p>
             <a:pPr marL="342900" lvl="0" indent="-342900" algn="just">
@@ -17983,13 +16354,6 @@
               </a:rPr>
               <a:t>dùng sử dụng địa chỉ IP này kết nối đến server chứa website có địa chỉ “cryptoms.fr”.</a:t>
             </a:r>
-            <a:endParaRPr lang="en-US" sz="1400" b="1" dirty="0">
-              <a:solidFill>
-                <a:srgbClr val="002060"/>
-              </a:solidFill>
-              <a:latin typeface="Arial" panose="020B0604020202020204" pitchFamily="34" charset="0"/>
-              <a:cs typeface="Arial" panose="020B0604020202020204" pitchFamily="34" charset="0"/>
-            </a:endParaRPr>
           </a:p>
           <a:p>
             <a:pPr marL="342900" lvl="0" indent="-342900" algn="just">
@@ -18049,10 +16413,6 @@
               </a:rPr>
               <a:t>resolver – DR – Máy chủ phân giải tên miền cục bộ </a:t>
             </a:r>
-            <a:endParaRPr lang="en-US" sz="1200" dirty="0">
-              <a:latin typeface="Arial" panose="020B0604020202020204" pitchFamily="34" charset="0"/>
-              <a:cs typeface="Arial" panose="020B0604020202020204" pitchFamily="34" charset="0"/>
-            </a:endParaRPr>
           </a:p>
         </p:txBody>
       </p:sp>
@@ -18093,7 +16453,7 @@
               <p:nvPr/>
             </p:nvPicPr>
             <p:blipFill>
-              <a:blip r:embed="rId3"/>
+              <a:blip r:embed="rId4"/>
               <a:stretch>
                 <a:fillRect/>
               </a:stretch>
@@ -18914,62 +17274,6 @@
       </p:grpSpPr>
       <p:sp>
         <p:nvSpPr>
-          <p:cNvPr id="6" name="Title 1"/>
-          <p:cNvSpPr>
-            <a:spLocks noGrp="1"/>
-          </p:cNvSpPr>
-          <p:nvPr>
-            <p:ph type="title"/>
-          </p:nvPr>
-        </p:nvSpPr>
-        <p:spPr>
-          <a:xfrm>
-            <a:off x="1069848" y="198491"/>
-            <a:ext cx="10058400" cy="629793"/>
-          </a:xfrm>
-        </p:spPr>
-        <p:txBody>
-          <a:bodyPr>
-            <a:noAutofit/>
-          </a:bodyPr>
-          <a:lstStyle/>
-          <a:p>
-            <a:r>
-              <a:rPr lang="en-US" sz="4000" b="1" spc="50" dirty="0" smtClean="0">
-                <a:blipFill>
-                  <a:blip r:embed="rId1">
-                    <a:extLst>
-                      <a:ext uri="{28A0092B-C50C-407E-A947-70E740481C1C}">
-                        <a14:useLocalDpi xmlns:a14="http://schemas.microsoft.com/office/drawing/2010/main" val="0"/>
-                      </a:ext>
-                    </a:extLst>
-                  </a:blip>
-                  <a:tile tx="6350" ty="-127000" sx="65000" sy="64000" flip="none" algn="tl"/>
-                </a:blipFill>
-                <a:latin typeface="Times New Roman" panose="02020603050405020304" pitchFamily="18" charset="0"/>
-                <a:cs typeface="Times New Roman" panose="02020603050405020304" pitchFamily="18" charset="0"/>
-              </a:rPr>
-              <a:t>DNS - DOMAIN NAME SYSTEM </a:t>
-            </a:r>
-            <a:endParaRPr lang="en-US" sz="4000" b="1" spc="50" dirty="0" smtClean="0">
-              <a:blipFill>
-                <a:blip r:embed="rId1">
-                  <a:extLst>
-                    <a:ext uri="{28A0092B-C50C-407E-A947-70E740481C1C}">
-                      <a14:useLocalDpi xmlns:a14="http://schemas.microsoft.com/office/drawing/2010/main" val="0"/>
-                    </a:ext>
-                  </a:extLst>
-                </a:blip>
-                <a:tile tx="6350" ty="-127000" sx="65000" sy="64000" flip="none" algn="tl"/>
-              </a:blipFill>
-              <a:latin typeface="Times New Roman" panose="02020603050405020304" pitchFamily="18" charset="0"/>
-              <a:cs typeface="Times New Roman" panose="02020603050405020304" pitchFamily="18" charset="0"/>
-            </a:endParaRPr>
-          </a:p>
-        </p:txBody>
-      </p:sp>
-      <p:sp>
-        <p:nvSpPr>
           <p:cNvPr id="4" name="Slide Number Placeholder 3"/>
           <p:cNvSpPr>
             <a:spLocks noGrp="1"/>
@@ -18985,2669 +17289,7 @@
           <a:p>
             <a:fld id="{040DEF24-717E-4741-8753-F7E431A261E5}" type="slidenum">
               <a:rPr lang="en-US" smtClean="0"/>
-            </a:fld>
-            <a:endParaRPr lang="en-US" dirty="0"/>
-          </a:p>
-        </p:txBody>
-      </p:sp>
-      <p:sp>
-        <p:nvSpPr>
-          <p:cNvPr id="2" name="Rectangle 1"/>
-          <p:cNvSpPr/>
-          <p:nvPr/>
-        </p:nvSpPr>
-        <p:spPr>
-          <a:xfrm>
-            <a:off x="1069848" y="933021"/>
-            <a:ext cx="6247223" cy="461665"/>
-          </a:xfrm>
-          <a:prstGeom prst="rect">
-            <a:avLst/>
-          </a:prstGeom>
-        </p:spPr>
-        <p:txBody>
-          <a:bodyPr wrap="none">
-            <a:spAutoFit/>
-          </a:bodyPr>
-          <a:lstStyle/>
-          <a:p>
-            <a:r>
-              <a:rPr lang="en-US" sz="2400" b="1" dirty="0" smtClean="0">
-                <a:solidFill>
-                  <a:schemeClr val="accent2">
-                    <a:lumMod val="50000"/>
-                  </a:schemeClr>
-                </a:solidFill>
-                <a:latin typeface="Arial" panose="020B0604020202020204" pitchFamily="34" charset="0"/>
-                <a:ea typeface="Roboto" panose="02000000000000000000" pitchFamily="2" charset="0"/>
-                <a:cs typeface="Arial" panose="020B0604020202020204" pitchFamily="34" charset="0"/>
-              </a:rPr>
-              <a:t>Ưu và nhược điểm của DNS truyền thống</a:t>
-            </a:r>
-            <a:endParaRPr lang="en-US" sz="2400" b="1" dirty="0">
-              <a:solidFill>
-                <a:schemeClr val="accent2">
-                  <a:lumMod val="50000"/>
-                </a:schemeClr>
-              </a:solidFill>
-              <a:latin typeface="Arial" panose="020B0604020202020204" pitchFamily="34" charset="0"/>
-              <a:ea typeface="Roboto" panose="02000000000000000000" pitchFamily="2" charset="0"/>
-              <a:cs typeface="Arial" panose="020B0604020202020204" pitchFamily="34" charset="0"/>
-            </a:endParaRPr>
-          </a:p>
-        </p:txBody>
-      </p:sp>
-      <p:sp>
-        <p:nvSpPr>
-          <p:cNvPr id="7" name="Rectangle 6"/>
-          <p:cNvSpPr/>
-          <p:nvPr/>
-        </p:nvSpPr>
-        <p:spPr>
-          <a:xfrm>
-            <a:off x="0" y="0"/>
-            <a:ext cx="427839" cy="6858000"/>
-          </a:xfrm>
-          <a:prstGeom prst="rect">
-            <a:avLst/>
-          </a:prstGeom>
-          <a:solidFill>
-            <a:srgbClr val="CE2127"/>
-          </a:solidFill>
-        </p:spPr>
-        <p:style>
-          <a:lnRef idx="2">
-            <a:schemeClr val="accent1">
-              <a:shade val="50000"/>
-            </a:schemeClr>
-          </a:lnRef>
-          <a:fillRef idx="1">
-            <a:schemeClr val="accent1"/>
-          </a:fillRef>
-          <a:effectRef idx="0">
-            <a:schemeClr val="accent1"/>
-          </a:effectRef>
-          <a:fontRef idx="minor">
-            <a:schemeClr val="lt1"/>
-          </a:fontRef>
-        </p:style>
-        <p:txBody>
-          <a:bodyPr rtlCol="0" anchor="ctr"/>
-          <a:lstStyle/>
-          <a:p>
-            <a:pPr algn="ctr"/>
-            <a:endParaRPr lang="en-US">
-              <a:solidFill>
-                <a:srgbClr val="FF0000"/>
-              </a:solidFill>
-            </a:endParaRPr>
-          </a:p>
-        </p:txBody>
-      </p:sp>
-      <p:pic>
-        <p:nvPicPr>
-          <p:cNvPr id="11" name="Picture 10" descr="https://cdn.kinhtedothi.vn/499/2020/11/25/25dol1.jpg"/>
-          <p:cNvPicPr/>
-          <p:nvPr/>
-        </p:nvPicPr>
-        <p:blipFill>
-          <a:blip r:embed="rId2">
-            <a:extLst>
-              <a:ext uri="{28A0092B-C50C-407E-A947-70E740481C1C}">
-                <a14:useLocalDpi xmlns:a14="http://schemas.microsoft.com/office/drawing/2010/main" val="0"/>
-              </a:ext>
-            </a:extLst>
-          </a:blip>
-          <a:srcRect/>
-          <a:stretch>
-            <a:fillRect/>
-          </a:stretch>
-        </p:blipFill>
-        <p:spPr>
-          <a:xfrm>
-            <a:off x="4310454" y="2729572"/>
-            <a:ext cx="3614346" cy="2424268"/>
-          </a:xfrm>
-          <a:prstGeom prst="ellipse">
-            <a:avLst/>
-          </a:prstGeom>
-          <a:ln w="63500" cap="rnd">
-            <a:solidFill>
-              <a:srgbClr val="333333"/>
-            </a:solidFill>
-          </a:ln>
-          <a:effectLst/>
-          <a:scene3d>
-            <a:camera prst="orthographicFront"/>
-            <a:lightRig rig="contrasting" dir="t">
-              <a:rot lat="0" lon="0" rev="3000000"/>
-            </a:lightRig>
-          </a:scene3d>
-          <a:sp3d contourW="7620">
-            <a:bevelT w="95250" h="31750"/>
-            <a:contourClr>
-              <a:srgbClr val="333333"/>
-            </a:contourClr>
-          </a:sp3d>
-        </p:spPr>
-      </p:pic>
-      <p:sp>
-        <p:nvSpPr>
-          <p:cNvPr id="16" name="Oval 15"/>
-          <p:cNvSpPr/>
-          <p:nvPr/>
-        </p:nvSpPr>
-        <p:spPr>
-          <a:xfrm>
-            <a:off x="2162633" y="1585225"/>
-            <a:ext cx="3200400" cy="914400"/>
-          </a:xfrm>
-          <a:prstGeom prst="ellipse">
-            <a:avLst/>
-          </a:prstGeom>
-          <a:noFill/>
-          <a:ln>
-            <a:solidFill>
-              <a:srgbClr val="00B050"/>
-            </a:solidFill>
-          </a:ln>
-        </p:spPr>
-        <p:style>
-          <a:lnRef idx="2">
-            <a:schemeClr val="accent1">
-              <a:shade val="50000"/>
-            </a:schemeClr>
-          </a:lnRef>
-          <a:fillRef idx="1">
-            <a:schemeClr val="accent1"/>
-          </a:fillRef>
-          <a:effectRef idx="0">
-            <a:schemeClr val="accent1"/>
-          </a:effectRef>
-          <a:fontRef idx="minor">
-            <a:schemeClr val="lt1"/>
-          </a:fontRef>
-        </p:style>
-        <p:txBody>
-          <a:bodyPr rtlCol="0" anchor="ctr"/>
-          <a:lstStyle/>
-          <a:p>
-            <a:pPr algn="ctr"/>
-            <a:r>
-              <a:rPr lang="en-US" sz="1400" b="1" dirty="0">
-                <a:solidFill>
-                  <a:schemeClr val="tx1"/>
-                </a:solidFill>
-                <a:latin typeface="Arial" panose="020B0604020202020204" pitchFamily="34" charset="0"/>
-                <a:cs typeface="Arial" panose="020B0604020202020204" pitchFamily="34" charset="0"/>
-              </a:rPr>
-              <a:t>Sự quan trọng với </a:t>
-            </a:r>
-            <a:r>
-              <a:rPr lang="en-US" sz="1400" b="1" dirty="0" smtClean="0">
-                <a:solidFill>
-                  <a:schemeClr val="tx1"/>
-                </a:solidFill>
-                <a:latin typeface="Arial" panose="020B0604020202020204" pitchFamily="34" charset="0"/>
-                <a:cs typeface="Arial" panose="020B0604020202020204" pitchFamily="34" charset="0"/>
-              </a:rPr>
-              <a:t>Internet</a:t>
-            </a:r>
-            <a:endParaRPr lang="en-US" sz="1400" dirty="0">
-              <a:solidFill>
-                <a:schemeClr val="tx1"/>
-              </a:solidFill>
-              <a:latin typeface="Arial" panose="020B0604020202020204" pitchFamily="34" charset="0"/>
-              <a:cs typeface="Arial" panose="020B0604020202020204" pitchFamily="34" charset="0"/>
-            </a:endParaRPr>
-          </a:p>
-        </p:txBody>
-      </p:sp>
-      <p:sp>
-        <p:nvSpPr>
-          <p:cNvPr id="17" name="Oval 16"/>
-          <p:cNvSpPr/>
-          <p:nvPr/>
-        </p:nvSpPr>
-        <p:spPr>
-          <a:xfrm>
-            <a:off x="2162633" y="5554643"/>
-            <a:ext cx="3200400" cy="914400"/>
-          </a:xfrm>
-          <a:prstGeom prst="ellipse">
-            <a:avLst/>
-          </a:prstGeom>
-          <a:noFill/>
-          <a:ln>
-            <a:solidFill>
-              <a:srgbClr val="00B050"/>
-            </a:solidFill>
-          </a:ln>
-        </p:spPr>
-        <p:style>
-          <a:lnRef idx="2">
-            <a:schemeClr val="accent1">
-              <a:shade val="50000"/>
-            </a:schemeClr>
-          </a:lnRef>
-          <a:fillRef idx="1">
-            <a:schemeClr val="accent1"/>
-          </a:fillRef>
-          <a:effectRef idx="0">
-            <a:schemeClr val="accent1"/>
-          </a:effectRef>
-          <a:fontRef idx="minor">
-            <a:schemeClr val="lt1"/>
-          </a:fontRef>
-        </p:style>
-        <p:txBody>
-          <a:bodyPr rtlCol="0" anchor="ctr"/>
-          <a:lstStyle/>
-          <a:p>
-            <a:pPr lvl="0" algn="ctr"/>
-            <a:r>
-              <a:rPr lang="en-US" sz="1400" b="1" dirty="0">
-                <a:solidFill>
-                  <a:schemeClr val="tx1"/>
-                </a:solidFill>
-                <a:latin typeface="Arial" panose="020B0604020202020204" pitchFamily="34" charset="0"/>
-                <a:cs typeface="Arial" panose="020B0604020202020204" pitchFamily="34" charset="0"/>
-              </a:rPr>
-              <a:t>Dễ truy cập hơn không có nghĩa là dễ bị tấn công </a:t>
-            </a:r>
-            <a:r>
-              <a:rPr lang="en-US" sz="1400" b="1" dirty="0" smtClean="0">
-                <a:solidFill>
-                  <a:schemeClr val="tx1"/>
-                </a:solidFill>
-                <a:latin typeface="Arial" panose="020B0604020202020204" pitchFamily="34" charset="0"/>
-                <a:cs typeface="Arial" panose="020B0604020202020204" pitchFamily="34" charset="0"/>
-              </a:rPr>
-              <a:t>hơn</a:t>
-            </a:r>
-            <a:endParaRPr lang="en-US" sz="1400" dirty="0">
-              <a:solidFill>
-                <a:schemeClr val="tx1"/>
-              </a:solidFill>
-              <a:latin typeface="Arial" panose="020B0604020202020204" pitchFamily="34" charset="0"/>
-              <a:cs typeface="Arial" panose="020B0604020202020204" pitchFamily="34" charset="0"/>
-            </a:endParaRPr>
-          </a:p>
-        </p:txBody>
-      </p:sp>
-      <p:sp>
-        <p:nvSpPr>
-          <p:cNvPr id="18" name="Oval 17"/>
-          <p:cNvSpPr/>
-          <p:nvPr/>
-        </p:nvSpPr>
-        <p:spPr>
-          <a:xfrm>
-            <a:off x="1364178" y="2533862"/>
-            <a:ext cx="3200400" cy="914400"/>
-          </a:xfrm>
-          <a:prstGeom prst="ellipse">
-            <a:avLst/>
-          </a:prstGeom>
-          <a:noFill/>
-          <a:ln>
-            <a:solidFill>
-              <a:srgbClr val="00B050"/>
-            </a:solidFill>
-          </a:ln>
-        </p:spPr>
-        <p:style>
-          <a:lnRef idx="2">
-            <a:schemeClr val="accent1">
-              <a:shade val="50000"/>
-            </a:schemeClr>
-          </a:lnRef>
-          <a:fillRef idx="1">
-            <a:schemeClr val="accent1"/>
-          </a:fillRef>
-          <a:effectRef idx="0">
-            <a:schemeClr val="accent1"/>
-          </a:effectRef>
-          <a:fontRef idx="minor">
-            <a:schemeClr val="lt1"/>
-          </a:fontRef>
-        </p:style>
-        <p:txBody>
-          <a:bodyPr rtlCol="0" anchor="ctr"/>
-          <a:lstStyle/>
-          <a:p>
-            <a:pPr algn="ctr">
-              <a:spcAft>
-                <a:spcPts val="300"/>
-              </a:spcAft>
-            </a:pPr>
-            <a:r>
-              <a:rPr lang="en-US" sz="1400" b="1" dirty="0">
-                <a:solidFill>
-                  <a:schemeClr val="tx1"/>
-                </a:solidFill>
-                <a:latin typeface="Arial" panose="020B0604020202020204" pitchFamily="34" charset="0"/>
-                <a:cs typeface="Arial" panose="020B0604020202020204" pitchFamily="34" charset="0"/>
-              </a:rPr>
-              <a:t>Không cần lưu trữ một dãy IP dài và khó nhớ</a:t>
-            </a:r>
-            <a:endParaRPr lang="en-US" sz="1400" b="1" dirty="0">
-              <a:solidFill>
-                <a:schemeClr val="tx1"/>
-              </a:solidFill>
-              <a:latin typeface="Arial" panose="020B0604020202020204" pitchFamily="34" charset="0"/>
-              <a:cs typeface="Arial" panose="020B0604020202020204" pitchFamily="34" charset="0"/>
-            </a:endParaRPr>
-          </a:p>
-        </p:txBody>
-      </p:sp>
-      <p:sp>
-        <p:nvSpPr>
-          <p:cNvPr id="19" name="Oval 18"/>
-          <p:cNvSpPr/>
-          <p:nvPr/>
-        </p:nvSpPr>
-        <p:spPr>
-          <a:xfrm>
-            <a:off x="889366" y="3530213"/>
-            <a:ext cx="3200400" cy="914400"/>
-          </a:xfrm>
-          <a:prstGeom prst="ellipse">
-            <a:avLst/>
-          </a:prstGeom>
-          <a:noFill/>
-          <a:ln>
-            <a:solidFill>
-              <a:srgbClr val="00B050"/>
-            </a:solidFill>
-          </a:ln>
-        </p:spPr>
-        <p:style>
-          <a:lnRef idx="2">
-            <a:schemeClr val="accent1">
-              <a:shade val="50000"/>
-            </a:schemeClr>
-          </a:lnRef>
-          <a:fillRef idx="1">
-            <a:schemeClr val="accent1"/>
-          </a:fillRef>
-          <a:effectRef idx="0">
-            <a:schemeClr val="accent1"/>
-          </a:effectRef>
-          <a:fontRef idx="minor">
-            <a:schemeClr val="lt1"/>
-          </a:fontRef>
-        </p:style>
-        <p:txBody>
-          <a:bodyPr rtlCol="0" anchor="ctr"/>
-          <a:lstStyle/>
-          <a:p>
-            <a:pPr lvl="0" algn="ctr">
-              <a:spcAft>
-                <a:spcPts val="300"/>
-              </a:spcAft>
-            </a:pPr>
-            <a:r>
-              <a:rPr lang="en-US" sz="1400" b="1" dirty="0">
-                <a:solidFill>
-                  <a:schemeClr val="tx1"/>
-                </a:solidFill>
-                <a:latin typeface="Arial" panose="020B0604020202020204" pitchFamily="34" charset="0"/>
-                <a:cs typeface="Arial" panose="020B0604020202020204" pitchFamily="34" charset="0"/>
-              </a:rPr>
-              <a:t>Cập nhật danh sách IP dễ dàng</a:t>
-            </a:r>
-            <a:endParaRPr lang="en-US" sz="1400" b="1" dirty="0">
-              <a:solidFill>
-                <a:schemeClr val="tx1"/>
-              </a:solidFill>
-              <a:latin typeface="Arial" panose="020B0604020202020204" pitchFamily="34" charset="0"/>
-              <a:cs typeface="Arial" panose="020B0604020202020204" pitchFamily="34" charset="0"/>
-            </a:endParaRPr>
-          </a:p>
-        </p:txBody>
-      </p:sp>
-      <p:sp>
-        <p:nvSpPr>
-          <p:cNvPr id="20" name="Oval 19"/>
-          <p:cNvSpPr/>
-          <p:nvPr/>
-        </p:nvSpPr>
-        <p:spPr>
-          <a:xfrm>
-            <a:off x="1364178" y="4559068"/>
-            <a:ext cx="3200400" cy="914400"/>
-          </a:xfrm>
-          <a:prstGeom prst="ellipse">
-            <a:avLst/>
-          </a:prstGeom>
-          <a:noFill/>
-          <a:ln>
-            <a:solidFill>
-              <a:srgbClr val="00B050"/>
-            </a:solidFill>
-          </a:ln>
-        </p:spPr>
-        <p:style>
-          <a:lnRef idx="2">
-            <a:schemeClr val="accent1">
-              <a:shade val="50000"/>
-            </a:schemeClr>
-          </a:lnRef>
-          <a:fillRef idx="1">
-            <a:schemeClr val="accent1"/>
-          </a:fillRef>
-          <a:effectRef idx="0">
-            <a:schemeClr val="accent1"/>
-          </a:effectRef>
-          <a:fontRef idx="minor">
-            <a:schemeClr val="lt1"/>
-          </a:fontRef>
-        </p:style>
-        <p:txBody>
-          <a:bodyPr rtlCol="0" anchor="ctr"/>
-          <a:lstStyle/>
-          <a:p>
-            <a:pPr lvl="0" algn="ctr">
-              <a:spcAft>
-                <a:spcPts val="300"/>
-              </a:spcAft>
-            </a:pPr>
-            <a:r>
-              <a:rPr lang="en-US" sz="1400" b="1" dirty="0">
-                <a:solidFill>
-                  <a:schemeClr val="tx1"/>
-                </a:solidFill>
-                <a:latin typeface="Arial" panose="020B0604020202020204" pitchFamily="34" charset="0"/>
-                <a:cs typeface="Arial" panose="020B0604020202020204" pitchFamily="34" charset="0"/>
-              </a:rPr>
-              <a:t>DNS có tốc độ truy cập Internet cao nhất</a:t>
-            </a:r>
-            <a:endParaRPr lang="en-US" sz="1400" b="1" dirty="0">
-              <a:solidFill>
-                <a:schemeClr val="tx1"/>
-              </a:solidFill>
-              <a:latin typeface="Arial" panose="020B0604020202020204" pitchFamily="34" charset="0"/>
-              <a:cs typeface="Arial" panose="020B0604020202020204" pitchFamily="34" charset="0"/>
-            </a:endParaRPr>
-          </a:p>
-        </p:txBody>
-      </p:sp>
-      <p:sp>
-        <p:nvSpPr>
-          <p:cNvPr id="21" name="Oval 20"/>
-          <p:cNvSpPr/>
-          <p:nvPr/>
-        </p:nvSpPr>
-        <p:spPr>
-          <a:xfrm>
-            <a:off x="6933015" y="1583501"/>
-            <a:ext cx="3200400" cy="914400"/>
-          </a:xfrm>
-          <a:prstGeom prst="ellipse">
-            <a:avLst/>
-          </a:prstGeom>
-          <a:noFill/>
-          <a:ln>
-            <a:solidFill>
-              <a:srgbClr val="C00000"/>
-            </a:solidFill>
-          </a:ln>
-        </p:spPr>
-        <p:style>
-          <a:lnRef idx="2">
-            <a:schemeClr val="accent1">
-              <a:shade val="50000"/>
-            </a:schemeClr>
-          </a:lnRef>
-          <a:fillRef idx="1">
-            <a:schemeClr val="accent1"/>
-          </a:fillRef>
-          <a:effectRef idx="0">
-            <a:schemeClr val="accent1"/>
-          </a:effectRef>
-          <a:fontRef idx="minor">
-            <a:schemeClr val="lt1"/>
-          </a:fontRef>
-        </p:style>
-        <p:txBody>
-          <a:bodyPr rtlCol="0" anchor="ctr"/>
-          <a:lstStyle/>
-          <a:p>
-            <a:pPr algn="ctr"/>
-            <a:r>
-              <a:rPr lang="en-US" sz="1400" b="1" dirty="0">
-                <a:solidFill>
-                  <a:schemeClr val="tx1"/>
-                </a:solidFill>
-                <a:latin typeface="Arial" panose="020B0604020202020204" pitchFamily="34" charset="0"/>
-                <a:cs typeface="Arial" panose="020B0604020202020204" pitchFamily="34" charset="0"/>
-              </a:rPr>
-              <a:t>DNS phụ thuộc vào sự kiểm soát của Hoa </a:t>
-            </a:r>
-            <a:r>
-              <a:rPr lang="en-US" sz="1400" b="1" dirty="0" smtClean="0">
-                <a:solidFill>
-                  <a:schemeClr val="tx1"/>
-                </a:solidFill>
-                <a:latin typeface="Arial" panose="020B0604020202020204" pitchFamily="34" charset="0"/>
-                <a:cs typeface="Arial" panose="020B0604020202020204" pitchFamily="34" charset="0"/>
-              </a:rPr>
-              <a:t>Kỳ </a:t>
-            </a:r>
-            <a:endParaRPr lang="en-US" sz="1400" b="1" dirty="0" smtClean="0">
-              <a:solidFill>
-                <a:schemeClr val="tx1"/>
-              </a:solidFill>
-              <a:latin typeface="Arial" panose="020B0604020202020204" pitchFamily="34" charset="0"/>
-              <a:cs typeface="Arial" panose="020B0604020202020204" pitchFamily="34" charset="0"/>
-            </a:endParaRPr>
-          </a:p>
-          <a:p>
-            <a:pPr algn="ctr"/>
-            <a:r>
-              <a:rPr lang="en-US" sz="1400" dirty="0" smtClean="0">
-                <a:solidFill>
-                  <a:schemeClr val="tx1"/>
-                </a:solidFill>
-                <a:latin typeface="Arial" panose="020B0604020202020204" pitchFamily="34" charset="0"/>
-                <a:cs typeface="Arial" panose="020B0604020202020204" pitchFamily="34" charset="0"/>
-              </a:rPr>
-              <a:t>( VD : ICANN )</a:t>
-            </a:r>
-            <a:endParaRPr lang="en-US" sz="1400" dirty="0">
-              <a:solidFill>
-                <a:schemeClr val="tx1"/>
-              </a:solidFill>
-              <a:latin typeface="Arial" panose="020B0604020202020204" pitchFamily="34" charset="0"/>
-              <a:cs typeface="Arial" panose="020B0604020202020204" pitchFamily="34" charset="0"/>
-            </a:endParaRPr>
-          </a:p>
-        </p:txBody>
-      </p:sp>
-      <p:sp>
-        <p:nvSpPr>
-          <p:cNvPr id="22" name="Oval 21"/>
-          <p:cNvSpPr/>
-          <p:nvPr/>
-        </p:nvSpPr>
-        <p:spPr>
-          <a:xfrm>
-            <a:off x="6477712" y="5557268"/>
-            <a:ext cx="3444036" cy="914400"/>
-          </a:xfrm>
-          <a:prstGeom prst="ellipse">
-            <a:avLst/>
-          </a:prstGeom>
-          <a:noFill/>
-          <a:ln>
-            <a:solidFill>
-              <a:srgbClr val="C00000"/>
-            </a:solidFill>
-          </a:ln>
-        </p:spPr>
-        <p:style>
-          <a:lnRef idx="2">
-            <a:schemeClr val="accent1">
-              <a:shade val="50000"/>
-            </a:schemeClr>
-          </a:lnRef>
-          <a:fillRef idx="1">
-            <a:schemeClr val="accent1"/>
-          </a:fillRef>
-          <a:effectRef idx="0">
-            <a:schemeClr val="accent1"/>
-          </a:effectRef>
-          <a:fontRef idx="minor">
-            <a:schemeClr val="lt1"/>
-          </a:fontRef>
-        </p:style>
-        <p:txBody>
-          <a:bodyPr rtlCol="0" anchor="ctr"/>
-          <a:lstStyle/>
-          <a:p>
-            <a:pPr algn="ctr">
-              <a:lnSpc>
-                <a:spcPct val="150000"/>
-              </a:lnSpc>
-              <a:spcBef>
-                <a:spcPts val="1200"/>
-              </a:spcBef>
-              <a:buClr>
-                <a:schemeClr val="accent1">
-                  <a:lumMod val="75000"/>
-                </a:schemeClr>
-              </a:buClr>
-              <a:buSzPct val="85000"/>
-            </a:pPr>
-            <a:r>
-              <a:rPr lang="en-US" sz="1400" b="1" dirty="0">
-                <a:solidFill>
-                  <a:schemeClr val="tx1"/>
-                </a:solidFill>
-                <a:latin typeface="Arial" panose="020B0604020202020204" pitchFamily="34" charset="0"/>
-                <a:cs typeface="Arial" panose="020B0604020202020204" pitchFamily="34" charset="0"/>
-              </a:rPr>
-              <a:t>Khi DNS Server sập, World Wide Web </a:t>
-            </a:r>
-            <a:r>
-              <a:rPr lang="en-US" sz="1400" b="1" dirty="0" smtClean="0">
-                <a:solidFill>
-                  <a:schemeClr val="tx1"/>
-                </a:solidFill>
-                <a:latin typeface="Arial" panose="020B0604020202020204" pitchFamily="34" charset="0"/>
-                <a:cs typeface="Arial" panose="020B0604020202020204" pitchFamily="34" charset="0"/>
-              </a:rPr>
-              <a:t>cũng sập</a:t>
-            </a:r>
-            <a:endParaRPr lang="en-US" sz="1400" b="1" dirty="0">
-              <a:solidFill>
-                <a:schemeClr val="tx1"/>
-              </a:solidFill>
-              <a:latin typeface="Arial" panose="020B0604020202020204" pitchFamily="34" charset="0"/>
-              <a:cs typeface="Arial" panose="020B0604020202020204" pitchFamily="34" charset="0"/>
-            </a:endParaRPr>
-          </a:p>
-        </p:txBody>
-      </p:sp>
-      <p:sp>
-        <p:nvSpPr>
-          <p:cNvPr id="23" name="Oval 22"/>
-          <p:cNvSpPr/>
-          <p:nvPr/>
-        </p:nvSpPr>
-        <p:spPr>
-          <a:xfrm>
-            <a:off x="7696834" y="4559300"/>
-            <a:ext cx="3284433" cy="914400"/>
-          </a:xfrm>
-          <a:prstGeom prst="ellipse">
-            <a:avLst/>
-          </a:prstGeom>
-          <a:noFill/>
-          <a:ln>
-            <a:solidFill>
-              <a:srgbClr val="C00000"/>
-            </a:solidFill>
-          </a:ln>
-        </p:spPr>
-        <p:style>
-          <a:lnRef idx="2">
-            <a:schemeClr val="accent1">
-              <a:shade val="50000"/>
-            </a:schemeClr>
-          </a:lnRef>
-          <a:fillRef idx="1">
-            <a:schemeClr val="accent1"/>
-          </a:fillRef>
-          <a:effectRef idx="0">
-            <a:schemeClr val="accent1"/>
-          </a:effectRef>
-          <a:fontRef idx="minor">
-            <a:schemeClr val="lt1"/>
-          </a:fontRef>
-        </p:style>
-        <p:txBody>
-          <a:bodyPr rtlCol="0" anchor="ctr"/>
-          <a:lstStyle/>
-          <a:p>
-            <a:pPr algn="ctr">
-              <a:spcBef>
-                <a:spcPts val="600"/>
-              </a:spcBef>
-              <a:buClr>
-                <a:schemeClr val="accent1">
-                  <a:lumMod val="75000"/>
-                </a:schemeClr>
-              </a:buClr>
-              <a:buSzPct val="85000"/>
-            </a:pPr>
-            <a:r>
-              <a:rPr lang="en-US" sz="1400" b="1" dirty="0">
-                <a:solidFill>
-                  <a:schemeClr val="tx1"/>
-                </a:solidFill>
-                <a:latin typeface="Arial" panose="020B0604020202020204" pitchFamily="34" charset="0"/>
-                <a:cs typeface="Arial" panose="020B0604020202020204" pitchFamily="34" charset="0"/>
-              </a:rPr>
-              <a:t>DNS queries thường không mang bất kì thông tin về client khởi tạo </a:t>
-            </a:r>
-            <a:r>
-              <a:rPr lang="en-US" sz="1400" b="1" dirty="0" smtClean="0">
-                <a:solidFill>
-                  <a:schemeClr val="tx1"/>
-                </a:solidFill>
-                <a:latin typeface="Arial" panose="020B0604020202020204" pitchFamily="34" charset="0"/>
-                <a:cs typeface="Arial" panose="020B0604020202020204" pitchFamily="34" charset="0"/>
-              </a:rPr>
-              <a:t>nó</a:t>
-            </a:r>
-            <a:endParaRPr lang="en-US" sz="1400" dirty="0">
-              <a:solidFill>
-                <a:schemeClr val="tx1"/>
-              </a:solidFill>
-              <a:latin typeface="Arial" panose="020B0604020202020204" pitchFamily="34" charset="0"/>
-              <a:cs typeface="Arial" panose="020B0604020202020204" pitchFamily="34" charset="0"/>
-            </a:endParaRPr>
-          </a:p>
-        </p:txBody>
-      </p:sp>
-      <p:sp>
-        <p:nvSpPr>
-          <p:cNvPr id="24" name="Oval 23"/>
-          <p:cNvSpPr/>
-          <p:nvPr/>
-        </p:nvSpPr>
-        <p:spPr>
-          <a:xfrm>
-            <a:off x="8092948" y="3520925"/>
-            <a:ext cx="3200400" cy="914400"/>
-          </a:xfrm>
-          <a:prstGeom prst="ellipse">
-            <a:avLst/>
-          </a:prstGeom>
-          <a:noFill/>
-          <a:ln>
-            <a:solidFill>
-              <a:srgbClr val="C00000"/>
-            </a:solidFill>
-          </a:ln>
-        </p:spPr>
-        <p:style>
-          <a:lnRef idx="2">
-            <a:schemeClr val="accent1">
-              <a:shade val="50000"/>
-            </a:schemeClr>
-          </a:lnRef>
-          <a:fillRef idx="1">
-            <a:schemeClr val="accent1"/>
-          </a:fillRef>
-          <a:effectRef idx="0">
-            <a:schemeClr val="accent1"/>
-          </a:effectRef>
-          <a:fontRef idx="minor">
-            <a:schemeClr val="lt1"/>
-          </a:fontRef>
-        </p:style>
-        <p:txBody>
-          <a:bodyPr rtlCol="0" anchor="ctr"/>
-          <a:lstStyle/>
-          <a:p>
-            <a:pPr algn="ctr">
-              <a:spcBef>
-                <a:spcPts val="600"/>
-              </a:spcBef>
-              <a:buClr>
-                <a:schemeClr val="accent1">
-                  <a:lumMod val="75000"/>
-                </a:schemeClr>
-              </a:buClr>
-              <a:buSzPct val="85000"/>
-            </a:pPr>
-            <a:r>
-              <a:rPr lang="en-US" sz="1400" b="1" dirty="0">
-                <a:solidFill>
-                  <a:schemeClr val="tx1"/>
-                </a:solidFill>
-                <a:latin typeface="Arial" panose="020B0604020202020204" pitchFamily="34" charset="0"/>
-                <a:cs typeface="Arial" panose="020B0604020202020204" pitchFamily="34" charset="0"/>
-              </a:rPr>
-              <a:t>DNS </a:t>
-            </a:r>
-            <a:r>
-              <a:rPr lang="en-US" sz="1400" b="1" dirty="0" smtClean="0">
-                <a:solidFill>
-                  <a:schemeClr val="tx1"/>
-                </a:solidFill>
-                <a:latin typeface="Arial" panose="020B0604020202020204" pitchFamily="34" charset="0"/>
-                <a:cs typeface="Arial" panose="020B0604020202020204" pitchFamily="34" charset="0"/>
-              </a:rPr>
-              <a:t>dựa vào server ở máy chủ</a:t>
-            </a:r>
-            <a:endParaRPr lang="en-US" sz="1400" dirty="0">
-              <a:solidFill>
-                <a:schemeClr val="tx1"/>
-              </a:solidFill>
-              <a:latin typeface="Arial" panose="020B0604020202020204" pitchFamily="34" charset="0"/>
-              <a:cs typeface="Arial" panose="020B0604020202020204" pitchFamily="34" charset="0"/>
-            </a:endParaRPr>
-          </a:p>
-        </p:txBody>
-      </p:sp>
-      <p:sp>
-        <p:nvSpPr>
-          <p:cNvPr id="25" name="Oval 24"/>
-          <p:cNvSpPr/>
-          <p:nvPr/>
-        </p:nvSpPr>
-        <p:spPr>
-          <a:xfrm>
-            <a:off x="7618136" y="2533862"/>
-            <a:ext cx="3200400" cy="914400"/>
-          </a:xfrm>
-          <a:prstGeom prst="ellipse">
-            <a:avLst/>
-          </a:prstGeom>
-          <a:noFill/>
-          <a:ln>
-            <a:solidFill>
-              <a:srgbClr val="C00000"/>
-            </a:solidFill>
-          </a:ln>
-        </p:spPr>
-        <p:style>
-          <a:lnRef idx="2">
-            <a:schemeClr val="accent1">
-              <a:shade val="50000"/>
-            </a:schemeClr>
-          </a:lnRef>
-          <a:fillRef idx="1">
-            <a:schemeClr val="accent1"/>
-          </a:fillRef>
-          <a:effectRef idx="0">
-            <a:schemeClr val="accent1"/>
-          </a:effectRef>
-          <a:fontRef idx="minor">
-            <a:schemeClr val="lt1"/>
-          </a:fontRef>
-        </p:style>
-        <p:txBody>
-          <a:bodyPr rtlCol="0" anchor="ctr"/>
-          <a:lstStyle/>
-          <a:p>
-            <a:pPr algn="ctr">
-              <a:buClr>
-                <a:schemeClr val="accent1">
-                  <a:lumMod val="75000"/>
-                </a:schemeClr>
-              </a:buClr>
-              <a:buSzPct val="85000"/>
-            </a:pPr>
-            <a:r>
-              <a:rPr lang="en-US" sz="1400" b="1" dirty="0">
-                <a:solidFill>
-                  <a:schemeClr val="tx1"/>
-                </a:solidFill>
-                <a:latin typeface="Arial" panose="020B0604020202020204" pitchFamily="34" charset="0"/>
-                <a:cs typeface="Arial" panose="020B0604020202020204" pitchFamily="34" charset="0"/>
-              </a:rPr>
-              <a:t>DNS là nguyên nhân chính dẫn đến cuộc tấn công DNS</a:t>
-            </a:r>
-            <a:endParaRPr lang="en-US" sz="1400" b="1" dirty="0">
-              <a:solidFill>
-                <a:schemeClr val="tx1"/>
-              </a:solidFill>
-              <a:latin typeface="Arial" panose="020B0604020202020204" pitchFamily="34" charset="0"/>
-              <a:cs typeface="Arial" panose="020B0604020202020204" pitchFamily="34" charset="0"/>
-            </a:endParaRPr>
-          </a:p>
-        </p:txBody>
-      </p:sp>
-    </p:spTree>
-  </p:cSld>
-  <p:clrMapOvr>
-    <a:masterClrMapping/>
-  </p:clrMapOvr>
-  <p:transition spd="slow">
-    <p:push dir="u"/>
-  </p:transition>
-  <p:timing>
-    <p:tnLst>
-      <p:par>
-        <p:cTn id="1" dur="indefinite" restart="never" nodeType="tmRoot">
-          <p:childTnLst>
-            <p:seq concurrent="1" nextAc="seek">
-              <p:cTn id="2" dur="indefinite" nodeType="mainSeq">
-                <p:childTnLst>
-                  <p:par>
-                    <p:cTn id="3" fill="hold">
-                      <p:stCondLst>
-                        <p:cond delay="indefinite"/>
-                        <p:cond evt="onBegin" delay="0">
-                          <p:tn val="2"/>
-                        </p:cond>
-                      </p:stCondLst>
-                      <p:childTnLst>
-                        <p:par>
-                          <p:cTn id="4" fill="hold">
-                            <p:stCondLst>
-                              <p:cond delay="0"/>
-                            </p:stCondLst>
-                            <p:childTnLst>
-                              <p:par>
-                                <p:cTn id="5" presetID="10" presetClass="entr" presetSubtype="0" fill="hold" grpId="0" nodeType="withEffect">
-                                  <p:stCondLst>
-                                    <p:cond delay="0"/>
-                                  </p:stCondLst>
-                                  <p:childTnLst>
-                                    <p:set>
-                                      <p:cBhvr>
-                                        <p:cTn id="6" dur="1" fill="hold">
-                                          <p:stCondLst>
-                                            <p:cond delay="0"/>
-                                          </p:stCondLst>
-                                        </p:cTn>
-                                        <p:tgtEl>
-                                          <p:spTgt spid="6"/>
-                                        </p:tgtEl>
-                                        <p:attrNameLst>
-                                          <p:attrName>style.visibility</p:attrName>
-                                        </p:attrNameLst>
-                                      </p:cBhvr>
-                                      <p:to>
-                                        <p:strVal val="visible"/>
-                                      </p:to>
-                                    </p:set>
-                                    <p:animEffect transition="in" filter="fade">
-                                      <p:cBhvr>
-                                        <p:cTn id="7" dur="500"/>
-                                        <p:tgtEl>
-                                          <p:spTgt spid="6"/>
-                                        </p:tgtEl>
-                                      </p:cBhvr>
-                                    </p:animEffect>
-                                  </p:childTnLst>
-                                </p:cTn>
-                              </p:par>
-                              <p:par>
-                                <p:cTn id="8" presetID="10" presetClass="entr" presetSubtype="0" fill="hold" grpId="0" nodeType="withEffect">
-                                  <p:stCondLst>
-                                    <p:cond delay="0"/>
-                                  </p:stCondLst>
-                                  <p:childTnLst>
-                                    <p:set>
-                                      <p:cBhvr>
-                                        <p:cTn id="9" dur="1" fill="hold">
-                                          <p:stCondLst>
-                                            <p:cond delay="0"/>
-                                          </p:stCondLst>
-                                        </p:cTn>
-                                        <p:tgtEl>
-                                          <p:spTgt spid="4"/>
-                                        </p:tgtEl>
-                                        <p:attrNameLst>
-                                          <p:attrName>style.visibility</p:attrName>
-                                        </p:attrNameLst>
-                                      </p:cBhvr>
-                                      <p:to>
-                                        <p:strVal val="visible"/>
-                                      </p:to>
-                                    </p:set>
-                                    <p:animEffect transition="in" filter="fade">
-                                      <p:cBhvr>
-                                        <p:cTn id="10" dur="500"/>
-                                        <p:tgtEl>
-                                          <p:spTgt spid="4"/>
-                                        </p:tgtEl>
-                                      </p:cBhvr>
-                                    </p:animEffect>
-                                  </p:childTnLst>
-                                </p:cTn>
-                              </p:par>
-                              <p:par>
-                                <p:cTn id="11" presetID="10" presetClass="entr" presetSubtype="0" fill="hold" grpId="0" nodeType="withEffect">
-                                  <p:stCondLst>
-                                    <p:cond delay="0"/>
-                                  </p:stCondLst>
-                                  <p:childTnLst>
-                                    <p:set>
-                                      <p:cBhvr>
-                                        <p:cTn id="12" dur="1" fill="hold">
-                                          <p:stCondLst>
-                                            <p:cond delay="0"/>
-                                          </p:stCondLst>
-                                        </p:cTn>
-                                        <p:tgtEl>
-                                          <p:spTgt spid="2"/>
-                                        </p:tgtEl>
-                                        <p:attrNameLst>
-                                          <p:attrName>style.visibility</p:attrName>
-                                        </p:attrNameLst>
-                                      </p:cBhvr>
-                                      <p:to>
-                                        <p:strVal val="visible"/>
-                                      </p:to>
-                                    </p:set>
-                                    <p:animEffect transition="in" filter="fade">
-                                      <p:cBhvr>
-                                        <p:cTn id="13" dur="500"/>
-                                        <p:tgtEl>
-                                          <p:spTgt spid="2"/>
-                                        </p:tgtEl>
-                                      </p:cBhvr>
-                                    </p:animEffect>
-                                  </p:childTnLst>
-                                </p:cTn>
-                              </p:par>
-                            </p:childTnLst>
-                          </p:cTn>
-                        </p:par>
-                        <p:par>
-                          <p:cTn id="14" fill="hold">
-                            <p:stCondLst>
-                              <p:cond delay="500"/>
-                            </p:stCondLst>
-                            <p:childTnLst>
-                              <p:par>
-                                <p:cTn id="15" presetID="53" presetClass="entr" presetSubtype="16" fill="hold" grpId="0" nodeType="afterEffect">
-                                  <p:stCondLst>
-                                    <p:cond delay="0"/>
-                                  </p:stCondLst>
-                                  <p:childTnLst>
-                                    <p:set>
-                                      <p:cBhvr>
-                                        <p:cTn id="16" dur="1" fill="hold">
-                                          <p:stCondLst>
-                                            <p:cond delay="0"/>
-                                          </p:stCondLst>
-                                        </p:cTn>
-                                        <p:tgtEl>
-                                          <p:spTgt spid="18"/>
-                                        </p:tgtEl>
-                                        <p:attrNameLst>
-                                          <p:attrName>style.visibility</p:attrName>
-                                        </p:attrNameLst>
-                                      </p:cBhvr>
-                                      <p:to>
-                                        <p:strVal val="visible"/>
-                                      </p:to>
-                                    </p:set>
-                                    <p:anim calcmode="lin" valueType="num">
-                                      <p:cBhvr>
-                                        <p:cTn id="17" dur="500" fill="hold"/>
-                                        <p:tgtEl>
-                                          <p:spTgt spid="18"/>
-                                        </p:tgtEl>
-                                        <p:attrNameLst>
-                                          <p:attrName>ppt_w</p:attrName>
-                                        </p:attrNameLst>
-                                      </p:cBhvr>
-                                      <p:tavLst>
-                                        <p:tav tm="0">
-                                          <p:val>
-                                            <p:fltVal val="0"/>
-                                          </p:val>
-                                        </p:tav>
-                                        <p:tav tm="100000">
-                                          <p:val>
-                                            <p:strVal val="#ppt_w"/>
-                                          </p:val>
-                                        </p:tav>
-                                      </p:tavLst>
-                                    </p:anim>
-                                    <p:anim calcmode="lin" valueType="num">
-                                      <p:cBhvr>
-                                        <p:cTn id="18" dur="500" fill="hold"/>
-                                        <p:tgtEl>
-                                          <p:spTgt spid="18"/>
-                                        </p:tgtEl>
-                                        <p:attrNameLst>
-                                          <p:attrName>ppt_h</p:attrName>
-                                        </p:attrNameLst>
-                                      </p:cBhvr>
-                                      <p:tavLst>
-                                        <p:tav tm="0">
-                                          <p:val>
-                                            <p:fltVal val="0"/>
-                                          </p:val>
-                                        </p:tav>
-                                        <p:tav tm="100000">
-                                          <p:val>
-                                            <p:strVal val="#ppt_h"/>
-                                          </p:val>
-                                        </p:tav>
-                                      </p:tavLst>
-                                    </p:anim>
-                                    <p:animEffect transition="in" filter="fade">
-                                      <p:cBhvr>
-                                        <p:cTn id="19" dur="500"/>
-                                        <p:tgtEl>
-                                          <p:spTgt spid="18"/>
-                                        </p:tgtEl>
-                                      </p:cBhvr>
-                                    </p:animEffect>
-                                  </p:childTnLst>
-                                </p:cTn>
-                              </p:par>
-                              <p:par>
-                                <p:cTn id="20" presetID="53" presetClass="entr" presetSubtype="16" fill="hold" grpId="0" nodeType="withEffect">
-                                  <p:stCondLst>
-                                    <p:cond delay="0"/>
-                                  </p:stCondLst>
-                                  <p:childTnLst>
-                                    <p:set>
-                                      <p:cBhvr>
-                                        <p:cTn id="21" dur="1" fill="hold">
-                                          <p:stCondLst>
-                                            <p:cond delay="0"/>
-                                          </p:stCondLst>
-                                        </p:cTn>
-                                        <p:tgtEl>
-                                          <p:spTgt spid="16"/>
-                                        </p:tgtEl>
-                                        <p:attrNameLst>
-                                          <p:attrName>style.visibility</p:attrName>
-                                        </p:attrNameLst>
-                                      </p:cBhvr>
-                                      <p:to>
-                                        <p:strVal val="visible"/>
-                                      </p:to>
-                                    </p:set>
-                                    <p:anim calcmode="lin" valueType="num">
-                                      <p:cBhvr>
-                                        <p:cTn id="22" dur="500" fill="hold"/>
-                                        <p:tgtEl>
-                                          <p:spTgt spid="16"/>
-                                        </p:tgtEl>
-                                        <p:attrNameLst>
-                                          <p:attrName>ppt_w</p:attrName>
-                                        </p:attrNameLst>
-                                      </p:cBhvr>
-                                      <p:tavLst>
-                                        <p:tav tm="0">
-                                          <p:val>
-                                            <p:fltVal val="0"/>
-                                          </p:val>
-                                        </p:tav>
-                                        <p:tav tm="100000">
-                                          <p:val>
-                                            <p:strVal val="#ppt_w"/>
-                                          </p:val>
-                                        </p:tav>
-                                      </p:tavLst>
-                                    </p:anim>
-                                    <p:anim calcmode="lin" valueType="num">
-                                      <p:cBhvr>
-                                        <p:cTn id="23" dur="500" fill="hold"/>
-                                        <p:tgtEl>
-                                          <p:spTgt spid="16"/>
-                                        </p:tgtEl>
-                                        <p:attrNameLst>
-                                          <p:attrName>ppt_h</p:attrName>
-                                        </p:attrNameLst>
-                                      </p:cBhvr>
-                                      <p:tavLst>
-                                        <p:tav tm="0">
-                                          <p:val>
-                                            <p:fltVal val="0"/>
-                                          </p:val>
-                                        </p:tav>
-                                        <p:tav tm="100000">
-                                          <p:val>
-                                            <p:strVal val="#ppt_h"/>
-                                          </p:val>
-                                        </p:tav>
-                                      </p:tavLst>
-                                    </p:anim>
-                                    <p:animEffect transition="in" filter="fade">
-                                      <p:cBhvr>
-                                        <p:cTn id="24" dur="500"/>
-                                        <p:tgtEl>
-                                          <p:spTgt spid="16"/>
-                                        </p:tgtEl>
-                                      </p:cBhvr>
-                                    </p:animEffect>
-                                  </p:childTnLst>
-                                </p:cTn>
-                              </p:par>
-                              <p:par>
-                                <p:cTn id="25" presetID="53" presetClass="entr" presetSubtype="16" fill="hold" grpId="0" nodeType="withEffect">
-                                  <p:stCondLst>
-                                    <p:cond delay="0"/>
-                                  </p:stCondLst>
-                                  <p:childTnLst>
-                                    <p:set>
-                                      <p:cBhvr>
-                                        <p:cTn id="26" dur="1" fill="hold">
-                                          <p:stCondLst>
-                                            <p:cond delay="0"/>
-                                          </p:stCondLst>
-                                        </p:cTn>
-                                        <p:tgtEl>
-                                          <p:spTgt spid="19"/>
-                                        </p:tgtEl>
-                                        <p:attrNameLst>
-                                          <p:attrName>style.visibility</p:attrName>
-                                        </p:attrNameLst>
-                                      </p:cBhvr>
-                                      <p:to>
-                                        <p:strVal val="visible"/>
-                                      </p:to>
-                                    </p:set>
-                                    <p:anim calcmode="lin" valueType="num">
-                                      <p:cBhvr>
-                                        <p:cTn id="27" dur="500" fill="hold"/>
-                                        <p:tgtEl>
-                                          <p:spTgt spid="19"/>
-                                        </p:tgtEl>
-                                        <p:attrNameLst>
-                                          <p:attrName>ppt_w</p:attrName>
-                                        </p:attrNameLst>
-                                      </p:cBhvr>
-                                      <p:tavLst>
-                                        <p:tav tm="0">
-                                          <p:val>
-                                            <p:fltVal val="0"/>
-                                          </p:val>
-                                        </p:tav>
-                                        <p:tav tm="100000">
-                                          <p:val>
-                                            <p:strVal val="#ppt_w"/>
-                                          </p:val>
-                                        </p:tav>
-                                      </p:tavLst>
-                                    </p:anim>
-                                    <p:anim calcmode="lin" valueType="num">
-                                      <p:cBhvr>
-                                        <p:cTn id="28" dur="500" fill="hold"/>
-                                        <p:tgtEl>
-                                          <p:spTgt spid="19"/>
-                                        </p:tgtEl>
-                                        <p:attrNameLst>
-                                          <p:attrName>ppt_h</p:attrName>
-                                        </p:attrNameLst>
-                                      </p:cBhvr>
-                                      <p:tavLst>
-                                        <p:tav tm="0">
-                                          <p:val>
-                                            <p:fltVal val="0"/>
-                                          </p:val>
-                                        </p:tav>
-                                        <p:tav tm="100000">
-                                          <p:val>
-                                            <p:strVal val="#ppt_h"/>
-                                          </p:val>
-                                        </p:tav>
-                                      </p:tavLst>
-                                    </p:anim>
-                                    <p:animEffect transition="in" filter="fade">
-                                      <p:cBhvr>
-                                        <p:cTn id="29" dur="500"/>
-                                        <p:tgtEl>
-                                          <p:spTgt spid="19"/>
-                                        </p:tgtEl>
-                                      </p:cBhvr>
-                                    </p:animEffect>
-                                  </p:childTnLst>
-                                </p:cTn>
-                              </p:par>
-                              <p:par>
-                                <p:cTn id="30" presetID="53" presetClass="entr" presetSubtype="16" fill="hold" grpId="0" nodeType="withEffect">
-                                  <p:stCondLst>
-                                    <p:cond delay="0"/>
-                                  </p:stCondLst>
-                                  <p:childTnLst>
-                                    <p:set>
-                                      <p:cBhvr>
-                                        <p:cTn id="31" dur="1" fill="hold">
-                                          <p:stCondLst>
-                                            <p:cond delay="0"/>
-                                          </p:stCondLst>
-                                        </p:cTn>
-                                        <p:tgtEl>
-                                          <p:spTgt spid="20"/>
-                                        </p:tgtEl>
-                                        <p:attrNameLst>
-                                          <p:attrName>style.visibility</p:attrName>
-                                        </p:attrNameLst>
-                                      </p:cBhvr>
-                                      <p:to>
-                                        <p:strVal val="visible"/>
-                                      </p:to>
-                                    </p:set>
-                                    <p:anim calcmode="lin" valueType="num">
-                                      <p:cBhvr>
-                                        <p:cTn id="32" dur="500" fill="hold"/>
-                                        <p:tgtEl>
-                                          <p:spTgt spid="20"/>
-                                        </p:tgtEl>
-                                        <p:attrNameLst>
-                                          <p:attrName>ppt_w</p:attrName>
-                                        </p:attrNameLst>
-                                      </p:cBhvr>
-                                      <p:tavLst>
-                                        <p:tav tm="0">
-                                          <p:val>
-                                            <p:fltVal val="0"/>
-                                          </p:val>
-                                        </p:tav>
-                                        <p:tav tm="100000">
-                                          <p:val>
-                                            <p:strVal val="#ppt_w"/>
-                                          </p:val>
-                                        </p:tav>
-                                      </p:tavLst>
-                                    </p:anim>
-                                    <p:anim calcmode="lin" valueType="num">
-                                      <p:cBhvr>
-                                        <p:cTn id="33" dur="500" fill="hold"/>
-                                        <p:tgtEl>
-                                          <p:spTgt spid="20"/>
-                                        </p:tgtEl>
-                                        <p:attrNameLst>
-                                          <p:attrName>ppt_h</p:attrName>
-                                        </p:attrNameLst>
-                                      </p:cBhvr>
-                                      <p:tavLst>
-                                        <p:tav tm="0">
-                                          <p:val>
-                                            <p:fltVal val="0"/>
-                                          </p:val>
-                                        </p:tav>
-                                        <p:tav tm="100000">
-                                          <p:val>
-                                            <p:strVal val="#ppt_h"/>
-                                          </p:val>
-                                        </p:tav>
-                                      </p:tavLst>
-                                    </p:anim>
-                                    <p:animEffect transition="in" filter="fade">
-                                      <p:cBhvr>
-                                        <p:cTn id="34" dur="500"/>
-                                        <p:tgtEl>
-                                          <p:spTgt spid="20"/>
-                                        </p:tgtEl>
-                                      </p:cBhvr>
-                                    </p:animEffect>
-                                  </p:childTnLst>
-                                </p:cTn>
-                              </p:par>
-                              <p:par>
-                                <p:cTn id="35" presetID="53" presetClass="entr" presetSubtype="16" fill="hold" grpId="0" nodeType="withEffect">
-                                  <p:stCondLst>
-                                    <p:cond delay="0"/>
-                                  </p:stCondLst>
-                                  <p:childTnLst>
-                                    <p:set>
-                                      <p:cBhvr>
-                                        <p:cTn id="36" dur="1" fill="hold">
-                                          <p:stCondLst>
-                                            <p:cond delay="0"/>
-                                          </p:stCondLst>
-                                        </p:cTn>
-                                        <p:tgtEl>
-                                          <p:spTgt spid="17"/>
-                                        </p:tgtEl>
-                                        <p:attrNameLst>
-                                          <p:attrName>style.visibility</p:attrName>
-                                        </p:attrNameLst>
-                                      </p:cBhvr>
-                                      <p:to>
-                                        <p:strVal val="visible"/>
-                                      </p:to>
-                                    </p:set>
-                                    <p:anim calcmode="lin" valueType="num">
-                                      <p:cBhvr>
-                                        <p:cTn id="37" dur="500" fill="hold"/>
-                                        <p:tgtEl>
-                                          <p:spTgt spid="17"/>
-                                        </p:tgtEl>
-                                        <p:attrNameLst>
-                                          <p:attrName>ppt_w</p:attrName>
-                                        </p:attrNameLst>
-                                      </p:cBhvr>
-                                      <p:tavLst>
-                                        <p:tav tm="0">
-                                          <p:val>
-                                            <p:fltVal val="0"/>
-                                          </p:val>
-                                        </p:tav>
-                                        <p:tav tm="100000">
-                                          <p:val>
-                                            <p:strVal val="#ppt_w"/>
-                                          </p:val>
-                                        </p:tav>
-                                      </p:tavLst>
-                                    </p:anim>
-                                    <p:anim calcmode="lin" valueType="num">
-                                      <p:cBhvr>
-                                        <p:cTn id="38" dur="500" fill="hold"/>
-                                        <p:tgtEl>
-                                          <p:spTgt spid="17"/>
-                                        </p:tgtEl>
-                                        <p:attrNameLst>
-                                          <p:attrName>ppt_h</p:attrName>
-                                        </p:attrNameLst>
-                                      </p:cBhvr>
-                                      <p:tavLst>
-                                        <p:tav tm="0">
-                                          <p:val>
-                                            <p:fltVal val="0"/>
-                                          </p:val>
-                                        </p:tav>
-                                        <p:tav tm="100000">
-                                          <p:val>
-                                            <p:strVal val="#ppt_h"/>
-                                          </p:val>
-                                        </p:tav>
-                                      </p:tavLst>
-                                    </p:anim>
-                                    <p:animEffect transition="in" filter="fade">
-                                      <p:cBhvr>
-                                        <p:cTn id="39" dur="500"/>
-                                        <p:tgtEl>
-                                          <p:spTgt spid="17"/>
-                                        </p:tgtEl>
-                                      </p:cBhvr>
-                                    </p:animEffect>
-                                  </p:childTnLst>
-                                </p:cTn>
-                              </p:par>
-                            </p:childTnLst>
-                          </p:cTn>
-                        </p:par>
-                        <p:par>
-                          <p:cTn id="40" fill="hold">
-                            <p:stCondLst>
-                              <p:cond delay="1000"/>
-                            </p:stCondLst>
-                            <p:childTnLst>
-                              <p:par>
-                                <p:cTn id="41" presetID="53" presetClass="entr" presetSubtype="16" fill="hold" grpId="0" nodeType="afterEffect">
-                                  <p:stCondLst>
-                                    <p:cond delay="0"/>
-                                  </p:stCondLst>
-                                  <p:childTnLst>
-                                    <p:set>
-                                      <p:cBhvr>
-                                        <p:cTn id="42" dur="1" fill="hold">
-                                          <p:stCondLst>
-                                            <p:cond delay="0"/>
-                                          </p:stCondLst>
-                                        </p:cTn>
-                                        <p:tgtEl>
-                                          <p:spTgt spid="21"/>
-                                        </p:tgtEl>
-                                        <p:attrNameLst>
-                                          <p:attrName>style.visibility</p:attrName>
-                                        </p:attrNameLst>
-                                      </p:cBhvr>
-                                      <p:to>
-                                        <p:strVal val="visible"/>
-                                      </p:to>
-                                    </p:set>
-                                    <p:anim calcmode="lin" valueType="num">
-                                      <p:cBhvr>
-                                        <p:cTn id="43" dur="500" fill="hold"/>
-                                        <p:tgtEl>
-                                          <p:spTgt spid="21"/>
-                                        </p:tgtEl>
-                                        <p:attrNameLst>
-                                          <p:attrName>ppt_w</p:attrName>
-                                        </p:attrNameLst>
-                                      </p:cBhvr>
-                                      <p:tavLst>
-                                        <p:tav tm="0">
-                                          <p:val>
-                                            <p:fltVal val="0"/>
-                                          </p:val>
-                                        </p:tav>
-                                        <p:tav tm="100000">
-                                          <p:val>
-                                            <p:strVal val="#ppt_w"/>
-                                          </p:val>
-                                        </p:tav>
-                                      </p:tavLst>
-                                    </p:anim>
-                                    <p:anim calcmode="lin" valueType="num">
-                                      <p:cBhvr>
-                                        <p:cTn id="44" dur="500" fill="hold"/>
-                                        <p:tgtEl>
-                                          <p:spTgt spid="21"/>
-                                        </p:tgtEl>
-                                        <p:attrNameLst>
-                                          <p:attrName>ppt_h</p:attrName>
-                                        </p:attrNameLst>
-                                      </p:cBhvr>
-                                      <p:tavLst>
-                                        <p:tav tm="0">
-                                          <p:val>
-                                            <p:fltVal val="0"/>
-                                          </p:val>
-                                        </p:tav>
-                                        <p:tav tm="100000">
-                                          <p:val>
-                                            <p:strVal val="#ppt_h"/>
-                                          </p:val>
-                                        </p:tav>
-                                      </p:tavLst>
-                                    </p:anim>
-                                    <p:animEffect transition="in" filter="fade">
-                                      <p:cBhvr>
-                                        <p:cTn id="45" dur="500"/>
-                                        <p:tgtEl>
-                                          <p:spTgt spid="21"/>
-                                        </p:tgtEl>
-                                      </p:cBhvr>
-                                    </p:animEffect>
-                                  </p:childTnLst>
-                                </p:cTn>
-                              </p:par>
-                              <p:par>
-                                <p:cTn id="46" presetID="53" presetClass="entr" presetSubtype="16" fill="hold" grpId="0" nodeType="withEffect">
-                                  <p:stCondLst>
-                                    <p:cond delay="0"/>
-                                  </p:stCondLst>
-                                  <p:childTnLst>
-                                    <p:set>
-                                      <p:cBhvr>
-                                        <p:cTn id="47" dur="1" fill="hold">
-                                          <p:stCondLst>
-                                            <p:cond delay="0"/>
-                                          </p:stCondLst>
-                                        </p:cTn>
-                                        <p:tgtEl>
-                                          <p:spTgt spid="25"/>
-                                        </p:tgtEl>
-                                        <p:attrNameLst>
-                                          <p:attrName>style.visibility</p:attrName>
-                                        </p:attrNameLst>
-                                      </p:cBhvr>
-                                      <p:to>
-                                        <p:strVal val="visible"/>
-                                      </p:to>
-                                    </p:set>
-                                    <p:anim calcmode="lin" valueType="num">
-                                      <p:cBhvr>
-                                        <p:cTn id="48" dur="500" fill="hold"/>
-                                        <p:tgtEl>
-                                          <p:spTgt spid="25"/>
-                                        </p:tgtEl>
-                                        <p:attrNameLst>
-                                          <p:attrName>ppt_w</p:attrName>
-                                        </p:attrNameLst>
-                                      </p:cBhvr>
-                                      <p:tavLst>
-                                        <p:tav tm="0">
-                                          <p:val>
-                                            <p:fltVal val="0"/>
-                                          </p:val>
-                                        </p:tav>
-                                        <p:tav tm="100000">
-                                          <p:val>
-                                            <p:strVal val="#ppt_w"/>
-                                          </p:val>
-                                        </p:tav>
-                                      </p:tavLst>
-                                    </p:anim>
-                                    <p:anim calcmode="lin" valueType="num">
-                                      <p:cBhvr>
-                                        <p:cTn id="49" dur="500" fill="hold"/>
-                                        <p:tgtEl>
-                                          <p:spTgt spid="25"/>
-                                        </p:tgtEl>
-                                        <p:attrNameLst>
-                                          <p:attrName>ppt_h</p:attrName>
-                                        </p:attrNameLst>
-                                      </p:cBhvr>
-                                      <p:tavLst>
-                                        <p:tav tm="0">
-                                          <p:val>
-                                            <p:fltVal val="0"/>
-                                          </p:val>
-                                        </p:tav>
-                                        <p:tav tm="100000">
-                                          <p:val>
-                                            <p:strVal val="#ppt_h"/>
-                                          </p:val>
-                                        </p:tav>
-                                      </p:tavLst>
-                                    </p:anim>
-                                    <p:animEffect transition="in" filter="fade">
-                                      <p:cBhvr>
-                                        <p:cTn id="50" dur="500"/>
-                                        <p:tgtEl>
-                                          <p:spTgt spid="25"/>
-                                        </p:tgtEl>
-                                      </p:cBhvr>
-                                    </p:animEffect>
-                                  </p:childTnLst>
-                                </p:cTn>
-                              </p:par>
-                              <p:par>
-                                <p:cTn id="51" presetID="53" presetClass="entr" presetSubtype="16" fill="hold" grpId="0" nodeType="withEffect">
-                                  <p:stCondLst>
-                                    <p:cond delay="0"/>
-                                  </p:stCondLst>
-                                  <p:childTnLst>
-                                    <p:set>
-                                      <p:cBhvr>
-                                        <p:cTn id="52" dur="1" fill="hold">
-                                          <p:stCondLst>
-                                            <p:cond delay="0"/>
-                                          </p:stCondLst>
-                                        </p:cTn>
-                                        <p:tgtEl>
-                                          <p:spTgt spid="24"/>
-                                        </p:tgtEl>
-                                        <p:attrNameLst>
-                                          <p:attrName>style.visibility</p:attrName>
-                                        </p:attrNameLst>
-                                      </p:cBhvr>
-                                      <p:to>
-                                        <p:strVal val="visible"/>
-                                      </p:to>
-                                    </p:set>
-                                    <p:anim calcmode="lin" valueType="num">
-                                      <p:cBhvr>
-                                        <p:cTn id="53" dur="500" fill="hold"/>
-                                        <p:tgtEl>
-                                          <p:spTgt spid="24"/>
-                                        </p:tgtEl>
-                                        <p:attrNameLst>
-                                          <p:attrName>ppt_w</p:attrName>
-                                        </p:attrNameLst>
-                                      </p:cBhvr>
-                                      <p:tavLst>
-                                        <p:tav tm="0">
-                                          <p:val>
-                                            <p:fltVal val="0"/>
-                                          </p:val>
-                                        </p:tav>
-                                        <p:tav tm="100000">
-                                          <p:val>
-                                            <p:strVal val="#ppt_w"/>
-                                          </p:val>
-                                        </p:tav>
-                                      </p:tavLst>
-                                    </p:anim>
-                                    <p:anim calcmode="lin" valueType="num">
-                                      <p:cBhvr>
-                                        <p:cTn id="54" dur="500" fill="hold"/>
-                                        <p:tgtEl>
-                                          <p:spTgt spid="24"/>
-                                        </p:tgtEl>
-                                        <p:attrNameLst>
-                                          <p:attrName>ppt_h</p:attrName>
-                                        </p:attrNameLst>
-                                      </p:cBhvr>
-                                      <p:tavLst>
-                                        <p:tav tm="0">
-                                          <p:val>
-                                            <p:fltVal val="0"/>
-                                          </p:val>
-                                        </p:tav>
-                                        <p:tav tm="100000">
-                                          <p:val>
-                                            <p:strVal val="#ppt_h"/>
-                                          </p:val>
-                                        </p:tav>
-                                      </p:tavLst>
-                                    </p:anim>
-                                    <p:animEffect transition="in" filter="fade">
-                                      <p:cBhvr>
-                                        <p:cTn id="55" dur="500"/>
-                                        <p:tgtEl>
-                                          <p:spTgt spid="24"/>
-                                        </p:tgtEl>
-                                      </p:cBhvr>
-                                    </p:animEffect>
-                                  </p:childTnLst>
-                                </p:cTn>
-                              </p:par>
-                              <p:par>
-                                <p:cTn id="56" presetID="53" presetClass="entr" presetSubtype="16" fill="hold" grpId="0" nodeType="withEffect">
-                                  <p:stCondLst>
-                                    <p:cond delay="0"/>
-                                  </p:stCondLst>
-                                  <p:childTnLst>
-                                    <p:set>
-                                      <p:cBhvr>
-                                        <p:cTn id="57" dur="1" fill="hold">
-                                          <p:stCondLst>
-                                            <p:cond delay="0"/>
-                                          </p:stCondLst>
-                                        </p:cTn>
-                                        <p:tgtEl>
-                                          <p:spTgt spid="23"/>
-                                        </p:tgtEl>
-                                        <p:attrNameLst>
-                                          <p:attrName>style.visibility</p:attrName>
-                                        </p:attrNameLst>
-                                      </p:cBhvr>
-                                      <p:to>
-                                        <p:strVal val="visible"/>
-                                      </p:to>
-                                    </p:set>
-                                    <p:anim calcmode="lin" valueType="num">
-                                      <p:cBhvr>
-                                        <p:cTn id="58" dur="500" fill="hold"/>
-                                        <p:tgtEl>
-                                          <p:spTgt spid="23"/>
-                                        </p:tgtEl>
-                                        <p:attrNameLst>
-                                          <p:attrName>ppt_w</p:attrName>
-                                        </p:attrNameLst>
-                                      </p:cBhvr>
-                                      <p:tavLst>
-                                        <p:tav tm="0">
-                                          <p:val>
-                                            <p:fltVal val="0"/>
-                                          </p:val>
-                                        </p:tav>
-                                        <p:tav tm="100000">
-                                          <p:val>
-                                            <p:strVal val="#ppt_w"/>
-                                          </p:val>
-                                        </p:tav>
-                                      </p:tavLst>
-                                    </p:anim>
-                                    <p:anim calcmode="lin" valueType="num">
-                                      <p:cBhvr>
-                                        <p:cTn id="59" dur="500" fill="hold"/>
-                                        <p:tgtEl>
-                                          <p:spTgt spid="23"/>
-                                        </p:tgtEl>
-                                        <p:attrNameLst>
-                                          <p:attrName>ppt_h</p:attrName>
-                                        </p:attrNameLst>
-                                      </p:cBhvr>
-                                      <p:tavLst>
-                                        <p:tav tm="0">
-                                          <p:val>
-                                            <p:fltVal val="0"/>
-                                          </p:val>
-                                        </p:tav>
-                                        <p:tav tm="100000">
-                                          <p:val>
-                                            <p:strVal val="#ppt_h"/>
-                                          </p:val>
-                                        </p:tav>
-                                      </p:tavLst>
-                                    </p:anim>
-                                    <p:animEffect transition="in" filter="fade">
-                                      <p:cBhvr>
-                                        <p:cTn id="60" dur="500"/>
-                                        <p:tgtEl>
-                                          <p:spTgt spid="23"/>
-                                        </p:tgtEl>
-                                      </p:cBhvr>
-                                    </p:animEffect>
-                                  </p:childTnLst>
-                                </p:cTn>
-                              </p:par>
-                              <p:par>
-                                <p:cTn id="61" presetID="53" presetClass="entr" presetSubtype="16" fill="hold" grpId="0" nodeType="withEffect">
-                                  <p:stCondLst>
-                                    <p:cond delay="0"/>
-                                  </p:stCondLst>
-                                  <p:childTnLst>
-                                    <p:set>
-                                      <p:cBhvr>
-                                        <p:cTn id="62" dur="1" fill="hold">
-                                          <p:stCondLst>
-                                            <p:cond delay="0"/>
-                                          </p:stCondLst>
-                                        </p:cTn>
-                                        <p:tgtEl>
-                                          <p:spTgt spid="22"/>
-                                        </p:tgtEl>
-                                        <p:attrNameLst>
-                                          <p:attrName>style.visibility</p:attrName>
-                                        </p:attrNameLst>
-                                      </p:cBhvr>
-                                      <p:to>
-                                        <p:strVal val="visible"/>
-                                      </p:to>
-                                    </p:set>
-                                    <p:anim calcmode="lin" valueType="num">
-                                      <p:cBhvr>
-                                        <p:cTn id="63" dur="500" fill="hold"/>
-                                        <p:tgtEl>
-                                          <p:spTgt spid="22"/>
-                                        </p:tgtEl>
-                                        <p:attrNameLst>
-                                          <p:attrName>ppt_w</p:attrName>
-                                        </p:attrNameLst>
-                                      </p:cBhvr>
-                                      <p:tavLst>
-                                        <p:tav tm="0">
-                                          <p:val>
-                                            <p:fltVal val="0"/>
-                                          </p:val>
-                                        </p:tav>
-                                        <p:tav tm="100000">
-                                          <p:val>
-                                            <p:strVal val="#ppt_w"/>
-                                          </p:val>
-                                        </p:tav>
-                                      </p:tavLst>
-                                    </p:anim>
-                                    <p:anim calcmode="lin" valueType="num">
-                                      <p:cBhvr>
-                                        <p:cTn id="64" dur="500" fill="hold"/>
-                                        <p:tgtEl>
-                                          <p:spTgt spid="22"/>
-                                        </p:tgtEl>
-                                        <p:attrNameLst>
-                                          <p:attrName>ppt_h</p:attrName>
-                                        </p:attrNameLst>
-                                      </p:cBhvr>
-                                      <p:tavLst>
-                                        <p:tav tm="0">
-                                          <p:val>
-                                            <p:fltVal val="0"/>
-                                          </p:val>
-                                        </p:tav>
-                                        <p:tav tm="100000">
-                                          <p:val>
-                                            <p:strVal val="#ppt_h"/>
-                                          </p:val>
-                                        </p:tav>
-                                      </p:tavLst>
-                                    </p:anim>
-                                    <p:animEffect transition="in" filter="fade">
-                                      <p:cBhvr>
-                                        <p:cTn id="65" dur="500"/>
-                                        <p:tgtEl>
-                                          <p:spTgt spid="22"/>
-                                        </p:tgtEl>
-                                      </p:cBhvr>
-                                    </p:animEffect>
-                                  </p:childTnLst>
-                                </p:cTn>
-                              </p:par>
-                            </p:childTnLst>
-                          </p:cTn>
-                        </p:par>
-                      </p:childTnLst>
-                    </p:cTn>
-                  </p:par>
-                </p:childTnLst>
-              </p:cTn>
-              <p:prevCondLst>
-                <p:cond evt="onPrev" delay="0">
-                  <p:tgtEl>
-                    <p:sldTgt/>
-                  </p:tgtEl>
-                </p:cond>
-              </p:prevCondLst>
-              <p:nextCondLst>
-                <p:cond evt="onNext" delay="0">
-                  <p:tgtEl>
-                    <p:sldTgt/>
-                  </p:tgtEl>
-                </p:cond>
-              </p:nextCondLst>
-            </p:seq>
-          </p:childTnLst>
-        </p:cTn>
-      </p:par>
-    </p:tnLst>
-    <p:bldLst>
-      <p:bldP spid="6" grpId="0"/>
-      <p:bldP spid="4" grpId="0"/>
-      <p:bldP spid="2" grpId="0"/>
-      <p:bldP spid="16" grpId="0" bldLvl="0" animBg="1"/>
-      <p:bldP spid="17" grpId="0" bldLvl="0" animBg="1"/>
-      <p:bldP spid="18" grpId="0" bldLvl="0" animBg="1"/>
-      <p:bldP spid="19" grpId="0" bldLvl="0" animBg="1"/>
-      <p:bldP spid="20" grpId="0" bldLvl="0" animBg="1"/>
-      <p:bldP spid="21" grpId="0" bldLvl="0" animBg="1"/>
-      <p:bldP spid="22" grpId="0" bldLvl="0" animBg="1"/>
-      <p:bldP spid="23" grpId="0" bldLvl="0" animBg="1"/>
-      <p:bldP spid="24" grpId="0" bldLvl="0" animBg="1"/>
-      <p:bldP spid="25" grpId="0" bldLvl="0" animBg="1"/>
-    </p:bldLst>
-  </p:timing>
-</p:sld>
-</file>
-
-<file path=ppt/slides/slide5.xml><?xml version="1.0" encoding="utf-8"?>
-<p:sld xmlns:a="http://schemas.openxmlformats.org/drawingml/2006/main" xmlns:r="http://schemas.openxmlformats.org/officeDocument/2006/relationships" xmlns:p="http://schemas.openxmlformats.org/presentationml/2006/main">
-  <p:cSld>
-    <p:spTree>
-      <p:nvGrpSpPr>
-        <p:cNvPr id="1" name=""/>
-        <p:cNvGrpSpPr/>
-        <p:nvPr/>
-      </p:nvGrpSpPr>
-      <p:grpSpPr>
-        <a:xfrm>
-          <a:off x="0" y="0"/>
-          <a:ext cx="0" cy="0"/>
-          <a:chOff x="0" y="0"/>
-          <a:chExt cx="0" cy="0"/>
-        </a:xfrm>
-      </p:grpSpPr>
-      <p:sp>
-        <p:nvSpPr>
-          <p:cNvPr id="2" name="Title 1"/>
-          <p:cNvSpPr>
-            <a:spLocks noGrp="1"/>
-          </p:cNvSpPr>
-          <p:nvPr>
-            <p:ph type="title"/>
-          </p:nvPr>
-        </p:nvSpPr>
-        <p:spPr>
-          <a:xfrm>
-            <a:off x="1069848" y="445596"/>
-            <a:ext cx="10058400" cy="677418"/>
-          </a:xfrm>
-        </p:spPr>
-        <p:txBody>
-          <a:bodyPr>
-            <a:normAutofit/>
-          </a:bodyPr>
-          <a:lstStyle/>
-          <a:p>
-            <a:r>
-              <a:rPr lang="en-US" sz="4000" b="1" spc="50" dirty="0" smtClean="0">
-                <a:latin typeface="Times New Roman" panose="02020603050405020304" pitchFamily="18" charset="0"/>
-                <a:cs typeface="Times New Roman" panose="02020603050405020304" pitchFamily="18" charset="0"/>
-              </a:rPr>
-              <a:t>TẠI SAO LÀ BLOCKCHAIN DNS ?</a:t>
-            </a:r>
-            <a:endParaRPr lang="en-US" sz="4000" b="1" spc="50" dirty="0">
-              <a:latin typeface="Times New Roman" panose="02020603050405020304" pitchFamily="18" charset="0"/>
-              <a:cs typeface="Times New Roman" panose="02020603050405020304" pitchFamily="18" charset="0"/>
-            </a:endParaRPr>
-          </a:p>
-        </p:txBody>
-      </p:sp>
-      <p:sp>
-        <p:nvSpPr>
-          <p:cNvPr id="6" name="Slide Number Placeholder 5"/>
-          <p:cNvSpPr>
-            <a:spLocks noGrp="1"/>
-          </p:cNvSpPr>
-          <p:nvPr>
-            <p:ph type="sldNum" sz="quarter" idx="12"/>
-          </p:nvPr>
-        </p:nvSpPr>
-        <p:spPr/>
-        <p:txBody>
-          <a:bodyPr/>
-          <a:lstStyle/>
-          <a:p>
-            <a:r>
-              <a:rPr lang="en-US" dirty="0" smtClean="0"/>
-              <a:t>2</a:t>
-            </a:r>
-            <a:endParaRPr lang="en-US" dirty="0"/>
-          </a:p>
-        </p:txBody>
-      </p:sp>
-      <p:sp>
-        <p:nvSpPr>
-          <p:cNvPr id="7" name="Rectangle 6"/>
-          <p:cNvSpPr/>
-          <p:nvPr/>
-        </p:nvSpPr>
-        <p:spPr>
-          <a:xfrm>
-            <a:off x="0" y="0"/>
-            <a:ext cx="427839" cy="6858000"/>
-          </a:xfrm>
-          <a:prstGeom prst="rect">
-            <a:avLst/>
-          </a:prstGeom>
-          <a:solidFill>
-            <a:srgbClr val="CE2127"/>
-          </a:solidFill>
-        </p:spPr>
-        <p:style>
-          <a:lnRef idx="2">
-            <a:schemeClr val="accent1">
-              <a:shade val="50000"/>
-            </a:schemeClr>
-          </a:lnRef>
-          <a:fillRef idx="1">
-            <a:schemeClr val="accent1"/>
-          </a:fillRef>
-          <a:effectRef idx="0">
-            <a:schemeClr val="accent1"/>
-          </a:effectRef>
-          <a:fontRef idx="minor">
-            <a:schemeClr val="lt1"/>
-          </a:fontRef>
-        </p:style>
-        <p:txBody>
-          <a:bodyPr rtlCol="0" anchor="ctr"/>
-          <a:lstStyle/>
-          <a:p>
-            <a:pPr algn="ctr"/>
-            <a:endParaRPr lang="en-US">
-              <a:solidFill>
-                <a:srgbClr val="FF0000"/>
-              </a:solidFill>
-            </a:endParaRPr>
-          </a:p>
-        </p:txBody>
-      </p:sp>
-      <p:sp>
-        <p:nvSpPr>
-          <p:cNvPr id="4" name="Text Box 3"/>
-          <p:cNvSpPr txBox="1"/>
-          <p:nvPr/>
-        </p:nvSpPr>
-        <p:spPr>
-          <a:xfrm>
-            <a:off x="1478915" y="1511935"/>
-            <a:ext cx="10143490" cy="1383665"/>
-          </a:xfrm>
-          <a:prstGeom prst="rect">
-            <a:avLst/>
-          </a:prstGeom>
-          <a:noFill/>
-        </p:spPr>
-        <p:txBody>
-          <a:bodyPr wrap="square" rtlCol="0">
-            <a:spAutoFit/>
-          </a:bodyPr>
-          <a:p>
-            <a:pPr algn="l">
-              <a:lnSpc>
-                <a:spcPct val="150000"/>
-              </a:lnSpc>
-            </a:pPr>
-            <a:r>
-              <a:rPr lang="en-US" sz="1400" dirty="0">
-                <a:highlight>
-                  <a:srgbClr val="FFFF00"/>
-                </a:highlight>
-                <a:latin typeface="Arial" panose="020B0604020202020204" pitchFamily="34" charset="0"/>
-                <a:cs typeface="Arial" panose="020B0604020202020204" pitchFamily="34" charset="0"/>
-                <a:sym typeface="+mn-ea"/>
-              </a:rPr>
-              <a:t>DNS phụ thuộc vào sự kiểm soát của tổ chức phi lợi nhuận ICANN</a:t>
-            </a:r>
-            <a:r>
-              <a:rPr lang="en-US" sz="1400" dirty="0" smtClean="0">
-                <a:highlight>
-                  <a:srgbClr val="FFFF00"/>
-                </a:highlight>
-                <a:latin typeface="Arial" panose="020B0604020202020204" pitchFamily="34" charset="0"/>
-                <a:cs typeface="Arial" panose="020B0604020202020204" pitchFamily="34" charset="0"/>
-                <a:sym typeface="+mn-ea"/>
-              </a:rPr>
-              <a:t> từ năm 1998.</a:t>
-            </a:r>
-            <a:endParaRPr lang="en-US" sz="1400" dirty="0" smtClean="0">
-              <a:highlight>
-                <a:srgbClr val="FFFF00"/>
-              </a:highlight>
-              <a:latin typeface="Arial" panose="020B0604020202020204" pitchFamily="34" charset="0"/>
-              <a:cs typeface="Arial" panose="020B0604020202020204" pitchFamily="34" charset="0"/>
-              <a:sym typeface="+mn-ea"/>
-            </a:endParaRPr>
-          </a:p>
-          <a:p>
-            <a:pPr algn="l">
-              <a:lnSpc>
-                <a:spcPct val="150000"/>
-              </a:lnSpc>
-            </a:pPr>
-            <a:r>
-              <a:rPr lang="en-US" sz="1400">
-                <a:latin typeface="Arial" panose="020B0604020202020204" pitchFamily="34" charset="0"/>
-                <a:cs typeface="Arial" panose="020B0604020202020204" pitchFamily="34" charset="0"/>
-                <a:sym typeface="+mn-ea"/>
-              </a:rPr>
-              <a:t>DNS sập khi nào ? </a:t>
-            </a:r>
-            <a:r>
-              <a:rPr lang="en-US" sz="1400">
-                <a:highlight>
-                  <a:srgbClr val="FFFF00"/>
-                </a:highlight>
-                <a:latin typeface="Arial" panose="020B0604020202020204" pitchFamily="34" charset="0"/>
-                <a:cs typeface="Arial" panose="020B0604020202020204" pitchFamily="34" charset="0"/>
-                <a:sym typeface="+mn-ea"/>
-              </a:rPr>
-              <a:t>DNS là hệ thống lớn nhưng được quản lí bởi các tổ chức nên nó vẫn sẽ Decentralized.</a:t>
-            </a:r>
-            <a:r>
-              <a:rPr lang="en-US" sz="1400">
-                <a:latin typeface="Arial" panose="020B0604020202020204" pitchFamily="34" charset="0"/>
-                <a:cs typeface="Arial" panose="020B0604020202020204" pitchFamily="34" charset="0"/>
-                <a:sym typeface="+mn-ea"/>
-              </a:rPr>
-              <a:t> </a:t>
-            </a:r>
-            <a:endParaRPr lang="en-US" sz="1400" dirty="0" smtClean="0">
-              <a:latin typeface="Arial" panose="020B0604020202020204" pitchFamily="34" charset="0"/>
-              <a:cs typeface="Arial" panose="020B0604020202020204" pitchFamily="34" charset="0"/>
-              <a:sym typeface="+mn-ea"/>
-            </a:endParaRPr>
-          </a:p>
-          <a:p>
-            <a:pPr algn="l">
-              <a:lnSpc>
-                <a:spcPct val="150000"/>
-              </a:lnSpc>
-            </a:pPr>
-            <a:r>
-              <a:rPr lang="en-US" sz="1400" dirty="0">
-                <a:latin typeface="Arial" panose="020B0604020202020204" pitchFamily="34" charset="0"/>
-                <a:cs typeface="Arial" panose="020B0604020202020204" pitchFamily="34" charset="0"/>
-                <a:sym typeface="+mn-ea"/>
-              </a:rPr>
-              <a:t>DNS là nguyên nhân chính dẫn đến cuộc tấn công DNS</a:t>
-            </a:r>
-            <a:endParaRPr lang="en-US" sz="1400" dirty="0">
-              <a:latin typeface="Arial" panose="020B0604020202020204" pitchFamily="34" charset="0"/>
-              <a:cs typeface="Arial" panose="020B0604020202020204" pitchFamily="34" charset="0"/>
-              <a:sym typeface="+mn-ea"/>
-            </a:endParaRPr>
-          </a:p>
-          <a:p>
-            <a:pPr algn="l">
-              <a:lnSpc>
-                <a:spcPct val="150000"/>
-              </a:lnSpc>
-            </a:pPr>
-            <a:r>
-              <a:rPr lang="en-US" sz="1400" dirty="0">
-                <a:latin typeface="Arial" panose="020B0604020202020204" pitchFamily="34" charset="0"/>
-                <a:cs typeface="Arial" panose="020B0604020202020204" pitchFamily="34" charset="0"/>
-                <a:sym typeface="+mn-ea"/>
-              </a:rPr>
-              <a:t>DNS queries thường không mang bất kì thông tin về client khởi tạo </a:t>
-            </a:r>
-            <a:r>
-              <a:rPr lang="en-US" sz="1400" dirty="0" smtClean="0">
-                <a:latin typeface="Arial" panose="020B0604020202020204" pitchFamily="34" charset="0"/>
-                <a:cs typeface="Arial" panose="020B0604020202020204" pitchFamily="34" charset="0"/>
-                <a:sym typeface="+mn-ea"/>
-              </a:rPr>
-              <a:t>nó</a:t>
-            </a:r>
-            <a:endParaRPr lang="en-US" sz="1400">
-              <a:latin typeface="Arial" panose="020B0604020202020204" pitchFamily="34" charset="0"/>
-              <a:cs typeface="Arial" panose="020B0604020202020204" pitchFamily="34" charset="0"/>
-            </a:endParaRPr>
-          </a:p>
-        </p:txBody>
-      </p:sp>
-      <p:sp>
-        <p:nvSpPr>
-          <p:cNvPr id="8" name="Text Box 7"/>
-          <p:cNvSpPr txBox="1"/>
-          <p:nvPr/>
-        </p:nvSpPr>
-        <p:spPr>
-          <a:xfrm>
-            <a:off x="1235710" y="977900"/>
-            <a:ext cx="9433560" cy="534035"/>
-          </a:xfrm>
-          <a:prstGeom prst="rect">
-            <a:avLst/>
-          </a:prstGeom>
-          <a:noFill/>
-        </p:spPr>
-        <p:txBody>
-          <a:bodyPr wrap="square" rtlCol="0">
-            <a:spAutoFit/>
-          </a:bodyPr>
-          <a:p>
-            <a:pPr algn="l" fontAlgn="auto">
-              <a:lnSpc>
-                <a:spcPct val="120000"/>
-              </a:lnSpc>
-              <a:spcBef>
-                <a:spcPts val="0"/>
-              </a:spcBef>
-              <a:buClrTx/>
-              <a:buSzTx/>
-              <a:buFontTx/>
-            </a:pPr>
-            <a:r>
-              <a:rPr lang="en-US" sz="2400" b="1" dirty="0" smtClean="0">
-                <a:solidFill>
-                  <a:schemeClr val="accent2">
-                    <a:lumMod val="50000"/>
-                  </a:schemeClr>
-                </a:solidFill>
-                <a:latin typeface="Arial" panose="020B0604020202020204" pitchFamily="34" charset="0"/>
-                <a:ea typeface="Roboto" panose="02000000000000000000" pitchFamily="2" charset="0"/>
-                <a:cs typeface="Arial" panose="020B0604020202020204" pitchFamily="34" charset="0"/>
-              </a:rPr>
-              <a:t>Những vấn đề tồn tại ở hệ thống DNS hiện tại</a:t>
-            </a:r>
-            <a:endParaRPr lang="en-US" sz="2400" b="1" dirty="0" smtClean="0">
-              <a:solidFill>
-                <a:schemeClr val="accent2">
-                  <a:lumMod val="50000"/>
-                </a:schemeClr>
-              </a:solidFill>
-              <a:latin typeface="Arial" panose="020B0604020202020204" pitchFamily="34" charset="0"/>
-              <a:ea typeface="Roboto" panose="02000000000000000000" pitchFamily="2" charset="0"/>
-              <a:cs typeface="Arial" panose="020B0604020202020204" pitchFamily="34" charset="0"/>
-            </a:endParaRPr>
-          </a:p>
-        </p:txBody>
-      </p:sp>
-    </p:spTree>
-  </p:cSld>
-  <p:clrMapOvr>
-    <a:masterClrMapping/>
-  </p:clrMapOvr>
-  <p:transition spd="slow">
-    <p:push dir="u"/>
-  </p:transition>
-  <p:timing>
-    <p:tnLst>
-      <p:par>
-        <p:cTn id="1" dur="indefinite" restart="never" nodeType="tmRoot">
-          <p:childTnLst>
-            <p:seq concurrent="1" nextAc="seek">
-              <p:cTn id="2" dur="indefinite" nodeType="mainSeq">
-                <p:childTnLst>
-                  <p:par>
-                    <p:cTn id="3" fill="hold">
-                      <p:stCondLst>
-                        <p:cond delay="indefinite"/>
-                        <p:cond evt="onBegin" delay="0">
-                          <p:tn val="2"/>
-                        </p:cond>
-                      </p:stCondLst>
-                      <p:childTnLst>
-                        <p:par>
-                          <p:cTn id="4" fill="hold">
-                            <p:stCondLst>
-                              <p:cond delay="0"/>
-                            </p:stCondLst>
-                            <p:childTnLst>
-                              <p:par>
-                                <p:cTn id="5" presetID="10" presetClass="entr" presetSubtype="0" fill="hold" grpId="0" nodeType="withEffect">
-                                  <p:stCondLst>
-                                    <p:cond delay="0"/>
-                                  </p:stCondLst>
-                                  <p:childTnLst>
-                                    <p:set>
-                                      <p:cBhvr>
-                                        <p:cTn id="6" dur="1" fill="hold">
-                                          <p:stCondLst>
-                                            <p:cond delay="0"/>
-                                          </p:stCondLst>
-                                        </p:cTn>
-                                        <p:tgtEl>
-                                          <p:spTgt spid="2"/>
-                                        </p:tgtEl>
-                                        <p:attrNameLst>
-                                          <p:attrName>style.visibility</p:attrName>
-                                        </p:attrNameLst>
-                                      </p:cBhvr>
-                                      <p:to>
-                                        <p:strVal val="visible"/>
-                                      </p:to>
-                                    </p:set>
-                                    <p:animEffect transition="in" filter="fade">
-                                      <p:cBhvr>
-                                        <p:cTn id="7" dur="500"/>
-                                        <p:tgtEl>
-                                          <p:spTgt spid="2"/>
-                                        </p:tgtEl>
-                                      </p:cBhvr>
-                                    </p:animEffect>
-                                  </p:childTnLst>
-                                </p:cTn>
-                              </p:par>
-                              <p:par>
-                                <p:cTn id="8" presetID="10" presetClass="entr" presetSubtype="0" fill="hold" grpId="0" nodeType="withEffect">
-                                  <p:stCondLst>
-                                    <p:cond delay="0"/>
-                                  </p:stCondLst>
-                                  <p:childTnLst>
-                                    <p:set>
-                                      <p:cBhvr>
-                                        <p:cTn id="9" dur="1" fill="hold">
-                                          <p:stCondLst>
-                                            <p:cond delay="0"/>
-                                          </p:stCondLst>
-                                        </p:cTn>
-                                        <p:tgtEl>
-                                          <p:spTgt spid="6"/>
-                                        </p:tgtEl>
-                                        <p:attrNameLst>
-                                          <p:attrName>style.visibility</p:attrName>
-                                        </p:attrNameLst>
-                                      </p:cBhvr>
-                                      <p:to>
-                                        <p:strVal val="visible"/>
-                                      </p:to>
-                                    </p:set>
-                                    <p:animEffect transition="in" filter="fade">
-                                      <p:cBhvr>
-                                        <p:cTn id="10" dur="500"/>
-                                        <p:tgtEl>
-                                          <p:spTgt spid="6"/>
-                                        </p:tgtEl>
-                                      </p:cBhvr>
-                                    </p:animEffect>
-                                  </p:childTnLst>
-                                </p:cTn>
-                              </p:par>
-                            </p:childTnLst>
-                          </p:cTn>
-                        </p:par>
-                      </p:childTnLst>
-                    </p:cTn>
-                  </p:par>
-                </p:childTnLst>
-              </p:cTn>
-              <p:prevCondLst>
-                <p:cond evt="onPrev" delay="0">
-                  <p:tgtEl>
-                    <p:sldTgt/>
-                  </p:tgtEl>
-                </p:cond>
-              </p:prevCondLst>
-              <p:nextCondLst>
-                <p:cond evt="onNext" delay="0">
-                  <p:tgtEl>
-                    <p:sldTgt/>
-                  </p:tgtEl>
-                </p:cond>
-              </p:nextCondLst>
-            </p:seq>
-          </p:childTnLst>
-        </p:cTn>
-      </p:par>
-    </p:tnLst>
-    <p:bldLst>
-      <p:bldP spid="2" grpId="0"/>
-      <p:bldP spid="6" grpId="0"/>
-    </p:bldLst>
-  </p:timing>
-</p:sld>
-</file>
-
-<file path=ppt/slides/slide6.xml><?xml version="1.0" encoding="utf-8"?>
-<p:sld xmlns:a="http://schemas.openxmlformats.org/drawingml/2006/main" xmlns:r="http://schemas.openxmlformats.org/officeDocument/2006/relationships" xmlns:p="http://schemas.openxmlformats.org/presentationml/2006/main">
-  <p:cSld>
-    <p:spTree>
-      <p:nvGrpSpPr>
-        <p:cNvPr id="1" name=""/>
-        <p:cNvGrpSpPr/>
-        <p:nvPr/>
-      </p:nvGrpSpPr>
-      <p:grpSpPr>
-        <a:xfrm>
-          <a:off x="0" y="0"/>
-          <a:ext cx="0" cy="0"/>
-          <a:chOff x="0" y="0"/>
-          <a:chExt cx="0" cy="0"/>
-        </a:xfrm>
-      </p:grpSpPr>
-      <p:sp>
-        <p:nvSpPr>
-          <p:cNvPr id="2" name="Title 1"/>
-          <p:cNvSpPr>
-            <a:spLocks noGrp="1"/>
-          </p:cNvSpPr>
-          <p:nvPr>
-            <p:ph type="title"/>
-          </p:nvPr>
-        </p:nvSpPr>
-        <p:spPr>
-          <a:xfrm>
-            <a:off x="1069848" y="445596"/>
-            <a:ext cx="10058400" cy="677418"/>
-          </a:xfrm>
-        </p:spPr>
-        <p:txBody>
-          <a:bodyPr>
-            <a:normAutofit/>
-          </a:bodyPr>
-          <a:lstStyle/>
-          <a:p>
-            <a:r>
-              <a:rPr lang="en-US" sz="4000" b="1" spc="50" dirty="0">
-                <a:latin typeface="Times New Roman" panose="02020603050405020304" pitchFamily="18" charset="0"/>
-                <a:cs typeface="Times New Roman" panose="02020603050405020304" pitchFamily="18" charset="0"/>
-              </a:rPr>
-              <a:t>so sánh 2 mô hình</a:t>
-            </a:r>
-            <a:endParaRPr lang="en-US" sz="4000" b="1" spc="50" dirty="0">
-              <a:latin typeface="Times New Roman" panose="02020603050405020304" pitchFamily="18" charset="0"/>
-              <a:cs typeface="Times New Roman" panose="02020603050405020304" pitchFamily="18" charset="0"/>
-            </a:endParaRPr>
-          </a:p>
-        </p:txBody>
-      </p:sp>
-      <p:sp>
-        <p:nvSpPr>
-          <p:cNvPr id="6" name="Slide Number Placeholder 5"/>
-          <p:cNvSpPr>
-            <a:spLocks noGrp="1"/>
-          </p:cNvSpPr>
-          <p:nvPr>
-            <p:ph type="sldNum" sz="quarter" idx="12"/>
-          </p:nvPr>
-        </p:nvSpPr>
-        <p:spPr/>
-        <p:txBody>
-          <a:bodyPr/>
-          <a:lstStyle/>
-          <a:p>
-            <a:r>
-              <a:rPr lang="en-US" dirty="0" smtClean="0"/>
-              <a:t>2</a:t>
-            </a:r>
-            <a:endParaRPr lang="en-US" dirty="0"/>
-          </a:p>
-        </p:txBody>
-      </p:sp>
-      <p:sp>
-        <p:nvSpPr>
-          <p:cNvPr id="7" name="Rectangle 6"/>
-          <p:cNvSpPr/>
-          <p:nvPr/>
-        </p:nvSpPr>
-        <p:spPr>
-          <a:xfrm>
-            <a:off x="0" y="0"/>
-            <a:ext cx="427839" cy="6858000"/>
-          </a:xfrm>
-          <a:prstGeom prst="rect">
-            <a:avLst/>
-          </a:prstGeom>
-          <a:solidFill>
-            <a:srgbClr val="CE2127"/>
-          </a:solidFill>
-        </p:spPr>
-        <p:style>
-          <a:lnRef idx="2">
-            <a:schemeClr val="accent1">
-              <a:shade val="50000"/>
-            </a:schemeClr>
-          </a:lnRef>
-          <a:fillRef idx="1">
-            <a:schemeClr val="accent1"/>
-          </a:fillRef>
-          <a:effectRef idx="0">
-            <a:schemeClr val="accent1"/>
-          </a:effectRef>
-          <a:fontRef idx="minor">
-            <a:schemeClr val="lt1"/>
-          </a:fontRef>
-        </p:style>
-        <p:txBody>
-          <a:bodyPr rtlCol="0" anchor="ctr"/>
-          <a:lstStyle/>
-          <a:p>
-            <a:pPr algn="ctr"/>
-            <a:endParaRPr lang="en-US">
-              <a:solidFill>
-                <a:srgbClr val="FF0000"/>
-              </a:solidFill>
-            </a:endParaRPr>
-          </a:p>
-        </p:txBody>
-      </p:sp>
-    </p:spTree>
-  </p:cSld>
-  <p:clrMapOvr>
-    <a:masterClrMapping/>
-  </p:clrMapOvr>
-  <p:transition spd="slow">
-    <p:push dir="u"/>
-  </p:transition>
-  <p:timing>
-    <p:tnLst>
-      <p:par>
-        <p:cTn id="1" dur="indefinite" restart="never" nodeType="tmRoot">
-          <p:childTnLst>
-            <p:seq concurrent="1" nextAc="seek">
-              <p:cTn id="2" dur="indefinite" nodeType="mainSeq">
-                <p:childTnLst>
-                  <p:par>
-                    <p:cTn id="3" fill="hold">
-                      <p:stCondLst>
-                        <p:cond delay="indefinite"/>
-                        <p:cond evt="onBegin" delay="0">
-                          <p:tn val="2"/>
-                        </p:cond>
-                      </p:stCondLst>
-                      <p:childTnLst>
-                        <p:par>
-                          <p:cTn id="4" fill="hold">
-                            <p:stCondLst>
-                              <p:cond delay="0"/>
-                            </p:stCondLst>
-                            <p:childTnLst>
-                              <p:par>
-                                <p:cTn id="5" presetID="10" presetClass="entr" presetSubtype="0" fill="hold" grpId="0" nodeType="withEffect">
-                                  <p:stCondLst>
-                                    <p:cond delay="0"/>
-                                  </p:stCondLst>
-                                  <p:childTnLst>
-                                    <p:set>
-                                      <p:cBhvr>
-                                        <p:cTn id="6" dur="1" fill="hold">
-                                          <p:stCondLst>
-                                            <p:cond delay="0"/>
-                                          </p:stCondLst>
-                                        </p:cTn>
-                                        <p:tgtEl>
-                                          <p:spTgt spid="2"/>
-                                        </p:tgtEl>
-                                        <p:attrNameLst>
-                                          <p:attrName>style.visibility</p:attrName>
-                                        </p:attrNameLst>
-                                      </p:cBhvr>
-                                      <p:to>
-                                        <p:strVal val="visible"/>
-                                      </p:to>
-                                    </p:set>
-                                    <p:animEffect transition="in" filter="fade">
-                                      <p:cBhvr>
-                                        <p:cTn id="7" dur="500"/>
-                                        <p:tgtEl>
-                                          <p:spTgt spid="2"/>
-                                        </p:tgtEl>
-                                      </p:cBhvr>
-                                    </p:animEffect>
-                                  </p:childTnLst>
-                                </p:cTn>
-                              </p:par>
-                              <p:par>
-                                <p:cTn id="8" presetID="10" presetClass="entr" presetSubtype="0" fill="hold" grpId="0" nodeType="withEffect">
-                                  <p:stCondLst>
-                                    <p:cond delay="0"/>
-                                  </p:stCondLst>
-                                  <p:childTnLst>
-                                    <p:set>
-                                      <p:cBhvr>
-                                        <p:cTn id="9" dur="1" fill="hold">
-                                          <p:stCondLst>
-                                            <p:cond delay="0"/>
-                                          </p:stCondLst>
-                                        </p:cTn>
-                                        <p:tgtEl>
-                                          <p:spTgt spid="6"/>
-                                        </p:tgtEl>
-                                        <p:attrNameLst>
-                                          <p:attrName>style.visibility</p:attrName>
-                                        </p:attrNameLst>
-                                      </p:cBhvr>
-                                      <p:to>
-                                        <p:strVal val="visible"/>
-                                      </p:to>
-                                    </p:set>
-                                    <p:animEffect transition="in" filter="fade">
-                                      <p:cBhvr>
-                                        <p:cTn id="10" dur="500"/>
-                                        <p:tgtEl>
-                                          <p:spTgt spid="6"/>
-                                        </p:tgtEl>
-                                      </p:cBhvr>
-                                    </p:animEffect>
-                                  </p:childTnLst>
-                                </p:cTn>
-                              </p:par>
-                            </p:childTnLst>
-                          </p:cTn>
-                        </p:par>
-                      </p:childTnLst>
-                    </p:cTn>
-                  </p:par>
-                </p:childTnLst>
-              </p:cTn>
-              <p:prevCondLst>
-                <p:cond evt="onPrev" delay="0">
-                  <p:tgtEl>
-                    <p:sldTgt/>
-                  </p:tgtEl>
-                </p:cond>
-              </p:prevCondLst>
-              <p:nextCondLst>
-                <p:cond evt="onNext" delay="0">
-                  <p:tgtEl>
-                    <p:sldTgt/>
-                  </p:tgtEl>
-                </p:cond>
-              </p:nextCondLst>
-            </p:seq>
-          </p:childTnLst>
-        </p:cTn>
-      </p:par>
-    </p:tnLst>
-    <p:bldLst>
-      <p:bldP spid="2" grpId="0"/>
-      <p:bldP spid="6" grpId="0"/>
-    </p:bldLst>
-  </p:timing>
-</p:sld>
-</file>
-
-<file path=ppt/slides/slide7.xml><?xml version="1.0" encoding="utf-8"?>
-<p:sld xmlns:a="http://schemas.openxmlformats.org/drawingml/2006/main" xmlns:r="http://schemas.openxmlformats.org/officeDocument/2006/relationships" xmlns:p="http://schemas.openxmlformats.org/presentationml/2006/main">
-  <p:cSld>
-    <p:spTree>
-      <p:nvGrpSpPr>
-        <p:cNvPr id="1" name=""/>
-        <p:cNvGrpSpPr/>
-        <p:nvPr/>
-      </p:nvGrpSpPr>
-      <p:grpSpPr>
-        <a:xfrm>
-          <a:off x="0" y="0"/>
-          <a:ext cx="0" cy="0"/>
-          <a:chOff x="0" y="0"/>
-          <a:chExt cx="0" cy="0"/>
-        </a:xfrm>
-      </p:grpSpPr>
-      <p:sp>
-        <p:nvSpPr>
-          <p:cNvPr id="4" name="Slide Number Placeholder 3"/>
-          <p:cNvSpPr>
-            <a:spLocks noGrp="1"/>
-          </p:cNvSpPr>
-          <p:nvPr>
-            <p:ph type="sldNum" sz="quarter" idx="12"/>
-          </p:nvPr>
-        </p:nvSpPr>
-        <p:spPr/>
-        <p:txBody>
-          <a:bodyPr/>
-          <a:lstStyle/>
-          <a:p>
-            <a:fld id="{040DEF24-717E-4741-8753-F7E431A261E5}" type="slidenum">
-              <a:rPr lang="en-US" smtClean="0"/>
+              <a:t>4</a:t>
             </a:fld>
             <a:endParaRPr lang="en-US" dirty="0"/>
           </a:p>
@@ -21730,7 +17372,7 @@
               <a:buNone/>
               <a:defRPr sz="5400" kern="1200" cap="all" baseline="0">
                 <a:blipFill>
-                  <a:blip r:embed="rId1">
+                  <a:blip r:embed="rId2">
                     <a:extLst>
                       <a:ext uri="{28A0092B-C50C-407E-A947-70E740481C1C}">
                         <a14:useLocalDpi xmlns:a14="http://schemas.microsoft.com/office/drawing/2010/main" val="0"/>
@@ -21754,7 +17396,7 @@
             <a:r>
               <a:rPr lang="en-US" sz="4000" b="1" spc="50" dirty="0" smtClean="0">
                 <a:blipFill>
-                  <a:blip r:embed="rId1">
+                  <a:blip r:embed="rId2">
                     <a:extLst>
                       <a:ext uri="{28A0092B-C50C-407E-A947-70E740481C1C}">
                         <a14:useLocalDpi xmlns:a14="http://schemas.microsoft.com/office/drawing/2010/main" val="0"/>
@@ -21768,20 +17410,6 @@
               </a:rPr>
               <a:t>Blockchain</a:t>
             </a:r>
-            <a:endParaRPr lang="en-US" sz="4000" b="1" spc="50" dirty="0" smtClean="0">
-              <a:blipFill>
-                <a:blip r:embed="rId1">
-                  <a:extLst>
-                    <a:ext uri="{28A0092B-C50C-407E-A947-70E740481C1C}">
-                      <a14:useLocalDpi xmlns:a14="http://schemas.microsoft.com/office/drawing/2010/main" val="0"/>
-                    </a:ext>
-                  </a:extLst>
-                </a:blip>
-                <a:tile tx="6350" ty="-127000" sx="65000" sy="64000" flip="none" algn="tl"/>
-              </a:blipFill>
-              <a:latin typeface="Times New Roman" panose="02020603050405020304" pitchFamily="18" charset="0"/>
-              <a:cs typeface="Times New Roman" panose="02020603050405020304" pitchFamily="18" charset="0"/>
-            </a:endParaRPr>
           </a:p>
         </p:txBody>
       </p:sp>
@@ -21883,10 +17511,6 @@
               </a:rPr>
               <a:t>block có hash khối hiện tại và khối trước là 0 và dữ liệu là null </a:t>
             </a:r>
-            <a:endParaRPr lang="en-US" sz="1400" dirty="0" smtClean="0">
-              <a:latin typeface="Arial" panose="020B0604020202020204" pitchFamily="34" charset="0"/>
-              <a:cs typeface="Arial" panose="020B0604020202020204" pitchFamily="34" charset="0"/>
-            </a:endParaRPr>
           </a:p>
         </p:txBody>
       </p:sp>
@@ -21899,7 +17523,7 @@
           <p:nvPr/>
         </p:nvPicPr>
         <p:blipFill>
-          <a:blip r:embed="rId2">
+          <a:blip r:embed="rId3">
             <a:extLst>
               <a:ext uri="{28A0092B-C50C-407E-A947-70E740481C1C}">
                 <a14:useLocalDpi xmlns:a14="http://schemas.microsoft.com/office/drawing/2010/main" val="0"/>
@@ -22147,14 +17771,6 @@
               </a:rPr>
               <a:t> </a:t>
             </a:r>
-            <a:endParaRPr lang="en-US" sz="1400" dirty="0">
-              <a:solidFill>
-                <a:schemeClr val="tx1"/>
-              </a:solidFill>
-              <a:latin typeface="Arial" panose="020B0604020202020204" pitchFamily="34" charset="0"/>
-              <a:ea typeface="Calibri" panose="020F0502020204030204" pitchFamily="34" charset="0"/>
-              <a:cs typeface="Arial" panose="020B0604020202020204" pitchFamily="34" charset="0"/>
-            </a:endParaRPr>
           </a:p>
         </p:txBody>
       </p:sp>
@@ -22224,14 +17840,6 @@
               </a:rPr>
               <a:t>chơi</a:t>
             </a:r>
-            <a:endParaRPr lang="en-US" sz="1400" b="1" dirty="0" smtClean="0">
-              <a:solidFill>
-                <a:schemeClr val="tx1"/>
-              </a:solidFill>
-              <a:latin typeface="Arial" panose="020B0604020202020204" pitchFamily="34" charset="0"/>
-              <a:ea typeface="Calibri" panose="020F0502020204030204" pitchFamily="34" charset="0"/>
-              <a:cs typeface="Arial" panose="020B0604020202020204" pitchFamily="34" charset="0"/>
-            </a:endParaRPr>
           </a:p>
           <a:p>
             <a:pPr lvl="0" algn="ctr"/>
@@ -22313,11 +17921,6 @@
               </a:rPr>
               <a:t> Các thông tin, dữ liệu trong Blockchain được phân tán và an toàn tuyệt đối.</a:t>
             </a:r>
-            <a:endParaRPr lang="en-US" sz="1400" dirty="0">
-              <a:latin typeface="Times New Roman" panose="02020603050405020304" pitchFamily="18" charset="0"/>
-              <a:ea typeface="Calibri" panose="020F0502020204030204" pitchFamily="34" charset="0"/>
-              <a:cs typeface="Times New Roman" panose="02020603050405020304" pitchFamily="18" charset="0"/>
-            </a:endParaRPr>
           </a:p>
         </p:txBody>
       </p:sp>
@@ -22372,11 +17975,6 @@
               </a:rPr>
               <a:t> dữ liệu trong Blockchain không thể sửa (có thể sửa nhưng sẽ để lại dấu vết) và sẽ lưu trữ mãi mãi.</a:t>
             </a:r>
-            <a:endParaRPr lang="en-US" sz="1400" dirty="0">
-              <a:latin typeface="Times New Roman" panose="02020603050405020304" pitchFamily="18" charset="0"/>
-              <a:ea typeface="Calibri" panose="020F0502020204030204" pitchFamily="34" charset="0"/>
-              <a:cs typeface="Times New Roman" panose="02020603050405020304" pitchFamily="18" charset="0"/>
-            </a:endParaRPr>
           </a:p>
         </p:txBody>
       </p:sp>
@@ -22428,11 +18026,6 @@
               </a:rPr>
               <a:t> Ai cũng có thể theo dõi dữ liệu Blockchain đi từ địa chỉ này tới địa chỉ khác và có thể thống kê toàn bộ lịch sử trên địa chỉ đó.</a:t>
             </a:r>
-            <a:endParaRPr lang="en-US" sz="1400" dirty="0">
-              <a:latin typeface="Times New Roman" panose="02020603050405020304" pitchFamily="18" charset="0"/>
-              <a:ea typeface="Calibri" panose="020F0502020204030204" pitchFamily="34" charset="0"/>
-              <a:cs typeface="Times New Roman" panose="02020603050405020304" pitchFamily="18" charset="0"/>
-            </a:endParaRPr>
           </a:p>
         </p:txBody>
       </p:sp>
@@ -22484,11 +18077,6 @@
               </a:rPr>
               <a:t> là hợp đồng kỹ thuật số được nhúng vào đoạn code if-this-then-that (IFTTT), cho phép chúng tự thực thi mà không cần bên thứ ba.</a:t>
             </a:r>
-            <a:endParaRPr lang="en-US" sz="1400" dirty="0">
-              <a:latin typeface="Times New Roman" panose="02020603050405020304" pitchFamily="18" charset="0"/>
-              <a:ea typeface="Calibri" panose="020F0502020204030204" pitchFamily="34" charset="0"/>
-              <a:cs typeface="Times New Roman" panose="02020603050405020304" pitchFamily="18" charset="0"/>
-            </a:endParaRPr>
           </a:p>
         </p:txBody>
       </p:sp>
@@ -22623,7 +18211,6 @@
                 <a:rPr lang="en-US" sz="1200" dirty="0" smtClean="0"/>
                 <a:t>Genesis</a:t>
               </a:r>
-              <a:endParaRPr lang="en-US" sz="1200" dirty="0" smtClean="0"/>
             </a:p>
             <a:p>
               <a:pPr algn="ctr"/>
@@ -24653,7 +20240,864 @@
 </p:sld>
 </file>
 
-<file path=ppt/slides/slide8.xml><?xml version="1.0" encoding="utf-8"?>
+<file path=ppt/slides/slide5.xml><?xml version="1.0" encoding="utf-8"?>
+<p:sld xmlns:a="http://schemas.openxmlformats.org/drawingml/2006/main" xmlns:r="http://schemas.openxmlformats.org/officeDocument/2006/relationships" xmlns:p="http://schemas.openxmlformats.org/presentationml/2006/main">
+  <p:cSld>
+    <p:spTree>
+      <p:nvGrpSpPr>
+        <p:cNvPr id="1" name=""/>
+        <p:cNvGrpSpPr/>
+        <p:nvPr/>
+      </p:nvGrpSpPr>
+      <p:grpSpPr>
+        <a:xfrm>
+          <a:off x="0" y="0"/>
+          <a:ext cx="0" cy="0"/>
+          <a:chOff x="0" y="0"/>
+          <a:chExt cx="0" cy="0"/>
+        </a:xfrm>
+      </p:grpSpPr>
+      <p:sp>
+        <p:nvSpPr>
+          <p:cNvPr id="2" name="Title 1"/>
+          <p:cNvSpPr>
+            <a:spLocks noGrp="1"/>
+          </p:cNvSpPr>
+          <p:nvPr>
+            <p:ph type="title"/>
+          </p:nvPr>
+        </p:nvSpPr>
+        <p:spPr>
+          <a:xfrm>
+            <a:off x="923290" y="283616"/>
+            <a:ext cx="10058400" cy="677418"/>
+          </a:xfrm>
+        </p:spPr>
+        <p:txBody>
+          <a:bodyPr>
+            <a:normAutofit/>
+          </a:bodyPr>
+          <a:lstStyle/>
+          <a:p>
+            <a:r>
+              <a:rPr lang="en-US" sz="4000" b="1" spc="50" dirty="0" smtClean="0">
+                <a:latin typeface="Times New Roman" panose="02020603050405020304" pitchFamily="18" charset="0"/>
+                <a:cs typeface="Times New Roman" panose="02020603050405020304" pitchFamily="18" charset="0"/>
+              </a:rPr>
+              <a:t>TẠI SAO LÀ BLOCKCHAIN DNS ?</a:t>
+            </a:r>
+            <a:endParaRPr lang="en-US" sz="4000" b="1" spc="50" dirty="0">
+              <a:latin typeface="Times New Roman" panose="02020603050405020304" pitchFamily="18" charset="0"/>
+              <a:cs typeface="Times New Roman" panose="02020603050405020304" pitchFamily="18" charset="0"/>
+            </a:endParaRPr>
+          </a:p>
+        </p:txBody>
+      </p:sp>
+      <p:sp>
+        <p:nvSpPr>
+          <p:cNvPr id="6" name="Slide Number Placeholder 5"/>
+          <p:cNvSpPr>
+            <a:spLocks noGrp="1"/>
+          </p:cNvSpPr>
+          <p:nvPr>
+            <p:ph type="sldNum" sz="quarter" idx="12"/>
+          </p:nvPr>
+        </p:nvSpPr>
+        <p:spPr/>
+        <p:txBody>
+          <a:bodyPr/>
+          <a:lstStyle/>
+          <a:p>
+            <a:r>
+              <a:rPr lang="en-US" dirty="0" smtClean="0"/>
+              <a:t>2</a:t>
+            </a:r>
+            <a:endParaRPr lang="en-US" dirty="0"/>
+          </a:p>
+        </p:txBody>
+      </p:sp>
+      <p:sp>
+        <p:nvSpPr>
+          <p:cNvPr id="7" name="Rectangle 6"/>
+          <p:cNvSpPr/>
+          <p:nvPr/>
+        </p:nvSpPr>
+        <p:spPr>
+          <a:xfrm>
+            <a:off x="0" y="0"/>
+            <a:ext cx="427839" cy="6858000"/>
+          </a:xfrm>
+          <a:prstGeom prst="rect">
+            <a:avLst/>
+          </a:prstGeom>
+          <a:solidFill>
+            <a:srgbClr val="CE2127"/>
+          </a:solidFill>
+        </p:spPr>
+        <p:style>
+          <a:lnRef idx="2">
+            <a:schemeClr val="accent1">
+              <a:shade val="50000"/>
+            </a:schemeClr>
+          </a:lnRef>
+          <a:fillRef idx="1">
+            <a:schemeClr val="accent1"/>
+          </a:fillRef>
+          <a:effectRef idx="0">
+            <a:schemeClr val="accent1"/>
+          </a:effectRef>
+          <a:fontRef idx="minor">
+            <a:schemeClr val="lt1"/>
+          </a:fontRef>
+        </p:style>
+        <p:txBody>
+          <a:bodyPr rtlCol="0" anchor="ctr"/>
+          <a:lstStyle/>
+          <a:p>
+            <a:pPr algn="ctr"/>
+            <a:endParaRPr lang="en-US">
+              <a:solidFill>
+                <a:srgbClr val="FF0000"/>
+              </a:solidFill>
+            </a:endParaRPr>
+          </a:p>
+        </p:txBody>
+      </p:sp>
+      <p:sp>
+        <p:nvSpPr>
+          <p:cNvPr id="4" name="Text Box 3"/>
+          <p:cNvSpPr txBox="1"/>
+          <p:nvPr/>
+        </p:nvSpPr>
+        <p:spPr>
+          <a:xfrm>
+            <a:off x="1235710" y="1585972"/>
+            <a:ext cx="10075418" cy="2031325"/>
+          </a:xfrm>
+          <a:prstGeom prst="rect">
+            <a:avLst/>
+          </a:prstGeom>
+          <a:noFill/>
+        </p:spPr>
+        <p:txBody>
+          <a:bodyPr wrap="square" rtlCol="0">
+            <a:spAutoFit/>
+          </a:bodyPr>
+          <a:lstStyle/>
+          <a:p>
+            <a:pPr algn="l">
+              <a:lnSpc>
+                <a:spcPct val="150000"/>
+              </a:lnSpc>
+            </a:pPr>
+            <a:r>
+              <a:rPr lang="en-US" sz="1400" dirty="0" smtClean="0">
+                <a:latin typeface="Arial" panose="020B0604020202020204" pitchFamily="34" charset="0"/>
+                <a:cs typeface="Arial" panose="020B0604020202020204" pitchFamily="34" charset="0"/>
+                <a:sym typeface="+mn-ea"/>
+              </a:rPr>
+              <a:t>DNS phụ thuộc vào sự kiểm soát của nhiều tổ chức nên người dùng có thể bị giới hạn quyền hạn do tổ chức đó quy định.</a:t>
+            </a:r>
+          </a:p>
+          <a:p>
+            <a:pPr algn="l">
+              <a:lnSpc>
+                <a:spcPct val="150000"/>
+              </a:lnSpc>
+            </a:pPr>
+            <a:r>
+              <a:rPr lang="en-US" sz="1400" dirty="0" smtClean="0">
+                <a:latin typeface="Arial" panose="020B0604020202020204" pitchFamily="34" charset="0"/>
+                <a:cs typeface="Arial" panose="020B0604020202020204" pitchFamily="34" charset="0"/>
+                <a:sym typeface="+mn-ea"/>
+              </a:rPr>
+              <a:t>DNS là ‘bước đệm’ của Internet. Có nhiều hacker nhắm vào DNS nên vấn đề bảo mật phải đáp ứng với công nghệ hiện tại.</a:t>
+            </a:r>
+          </a:p>
+          <a:p>
+            <a:pPr algn="l">
+              <a:lnSpc>
+                <a:spcPct val="150000"/>
+              </a:lnSpc>
+            </a:pPr>
+            <a:r>
+              <a:rPr lang="en-US" sz="1400" dirty="0" smtClean="0">
+                <a:latin typeface="Arial" panose="020B0604020202020204" pitchFamily="34" charset="0"/>
+                <a:cs typeface="Arial" panose="020B0604020202020204" pitchFamily="34" charset="0"/>
+                <a:sym typeface="+mn-ea"/>
+              </a:rPr>
+              <a:t>DNS queries thường không mang bất kì thông tin về client khởi tạo nó.</a:t>
+            </a:r>
+          </a:p>
+          <a:p>
+            <a:pPr algn="l">
+              <a:lnSpc>
+                <a:spcPct val="150000"/>
+              </a:lnSpc>
+            </a:pPr>
+            <a:r>
+              <a:rPr lang="en-US" sz="1400" dirty="0" smtClean="0">
+                <a:latin typeface="Arial" panose="020B0604020202020204" pitchFamily="34" charset="0"/>
+                <a:cs typeface="Arial" panose="020B0604020202020204" pitchFamily="34" charset="0"/>
+                <a:sym typeface="+mn-ea"/>
+              </a:rPr>
+              <a:t>Root Server tự chủ nhưng muốn cập nhật phải được chấp thuận bởi tổ chức phi lợi nhuận ICANN - </a:t>
+            </a:r>
+            <a:r>
+              <a:rPr lang="en-US" sz="1400" dirty="0">
+                <a:latin typeface="Arial" panose="020B0604020202020204" pitchFamily="34" charset="0"/>
+                <a:cs typeface="Arial" panose="020B0604020202020204" pitchFamily="34" charset="0"/>
+              </a:rPr>
+              <a:t>Internet </a:t>
+            </a:r>
+            <a:r>
+              <a:rPr lang="en-US" sz="1400" dirty="0">
+                <a:latin typeface="Arial" panose="020B0604020202020204" pitchFamily="34" charset="0"/>
+                <a:cs typeface="Arial" panose="020B0604020202020204" pitchFamily="34" charset="0"/>
+              </a:rPr>
+              <a:t>Corporation for Assigned Names and </a:t>
+            </a:r>
+            <a:r>
+              <a:rPr lang="en-US" sz="1400" dirty="0" smtClean="0">
+                <a:latin typeface="Arial" panose="020B0604020202020204" pitchFamily="34" charset="0"/>
+                <a:cs typeface="Arial" panose="020B0604020202020204" pitchFamily="34" charset="0"/>
+              </a:rPr>
+              <a:t>Numbers, thông qua nhiều bước nhiều thủ tục và chịu nhiều mức phí.</a:t>
+            </a:r>
+          </a:p>
+          <a:p>
+            <a:pPr>
+              <a:lnSpc>
+                <a:spcPct val="150000"/>
+              </a:lnSpc>
+            </a:pPr>
+            <a:r>
+              <a:rPr lang="en-US" sz="1400" dirty="0" smtClean="0">
+                <a:latin typeface="Arial" panose="020B0604020202020204" pitchFamily="34" charset="0"/>
+                <a:cs typeface="Arial" panose="020B0604020202020204" pitchFamily="34" charset="0"/>
+              </a:rPr>
+              <a:t>Khi một Root Server hư hại, kĩ thuật anycast sẽ được áp dụng để duy trì kết nối nhưng sẽ ảnh hưởng đến quyền lợi truy cập.</a:t>
+            </a:r>
+            <a:endParaRPr lang="en-US" sz="1400" dirty="0">
+              <a:latin typeface="Arial" panose="020B0604020202020204" pitchFamily="34" charset="0"/>
+              <a:cs typeface="Arial" panose="020B0604020202020204" pitchFamily="34" charset="0"/>
+            </a:endParaRPr>
+          </a:p>
+        </p:txBody>
+      </p:sp>
+      <p:sp>
+        <p:nvSpPr>
+          <p:cNvPr id="8" name="Text Box 7"/>
+          <p:cNvSpPr txBox="1"/>
+          <p:nvPr/>
+        </p:nvSpPr>
+        <p:spPr>
+          <a:xfrm>
+            <a:off x="1235710" y="1118829"/>
+            <a:ext cx="9433560" cy="534035"/>
+          </a:xfrm>
+          <a:prstGeom prst="rect">
+            <a:avLst/>
+          </a:prstGeom>
+          <a:noFill/>
+        </p:spPr>
+        <p:txBody>
+          <a:bodyPr wrap="square" rtlCol="0">
+            <a:spAutoFit/>
+          </a:bodyPr>
+          <a:lstStyle/>
+          <a:p>
+            <a:pPr algn="l" fontAlgn="auto">
+              <a:lnSpc>
+                <a:spcPct val="120000"/>
+              </a:lnSpc>
+              <a:spcBef>
+                <a:spcPts val="0"/>
+              </a:spcBef>
+              <a:buClrTx/>
+              <a:buSzTx/>
+              <a:buFontTx/>
+            </a:pPr>
+            <a:r>
+              <a:rPr lang="en-US" sz="2400" b="1" dirty="0" smtClean="0">
+                <a:solidFill>
+                  <a:schemeClr val="accent2">
+                    <a:lumMod val="50000"/>
+                  </a:schemeClr>
+                </a:solidFill>
+                <a:latin typeface="Arial" panose="020B0604020202020204" pitchFamily="34" charset="0"/>
+                <a:ea typeface="Roboto" panose="02000000000000000000" pitchFamily="2" charset="0"/>
+                <a:cs typeface="Arial" panose="020B0604020202020204" pitchFamily="34" charset="0"/>
+              </a:rPr>
+              <a:t>Những vấn đề tồn tại ở hệ thống DNS hiện tại</a:t>
+            </a:r>
+          </a:p>
+        </p:txBody>
+      </p:sp>
+      <p:sp>
+        <p:nvSpPr>
+          <p:cNvPr id="9" name="Text Box 7"/>
+          <p:cNvSpPr txBox="1"/>
+          <p:nvPr/>
+        </p:nvSpPr>
+        <p:spPr>
+          <a:xfrm>
+            <a:off x="1235710" y="3813600"/>
+            <a:ext cx="9433560" cy="494751"/>
+          </a:xfrm>
+          <a:prstGeom prst="rect">
+            <a:avLst/>
+          </a:prstGeom>
+          <a:noFill/>
+        </p:spPr>
+        <p:txBody>
+          <a:bodyPr wrap="square" rtlCol="0">
+            <a:spAutoFit/>
+          </a:bodyPr>
+          <a:lstStyle/>
+          <a:p>
+            <a:pPr algn="l" fontAlgn="auto">
+              <a:lnSpc>
+                <a:spcPct val="120000"/>
+              </a:lnSpc>
+              <a:spcBef>
+                <a:spcPts val="0"/>
+              </a:spcBef>
+              <a:buClrTx/>
+              <a:buSzTx/>
+              <a:buFontTx/>
+            </a:pPr>
+            <a:r>
+              <a:rPr lang="en-US" sz="2400" b="1" dirty="0" smtClean="0">
+                <a:solidFill>
+                  <a:schemeClr val="accent2">
+                    <a:lumMod val="50000"/>
+                  </a:schemeClr>
+                </a:solidFill>
+                <a:latin typeface="Arial" panose="020B0604020202020204" pitchFamily="34" charset="0"/>
+                <a:ea typeface="Roboto" panose="02000000000000000000" pitchFamily="2" charset="0"/>
+                <a:cs typeface="Arial" panose="020B0604020202020204" pitchFamily="34" charset="0"/>
+              </a:rPr>
+              <a:t>Blockchain có những đặc điểm giải quyết được vấn đề trên</a:t>
+            </a:r>
+            <a:endParaRPr lang="en-US" sz="2400" b="1" dirty="0" smtClean="0">
+              <a:solidFill>
+                <a:schemeClr val="accent2">
+                  <a:lumMod val="50000"/>
+                </a:schemeClr>
+              </a:solidFill>
+              <a:latin typeface="Arial" panose="020B0604020202020204" pitchFamily="34" charset="0"/>
+              <a:ea typeface="Roboto" panose="02000000000000000000" pitchFamily="2" charset="0"/>
+              <a:cs typeface="Arial" panose="020B0604020202020204" pitchFamily="34" charset="0"/>
+            </a:endParaRPr>
+          </a:p>
+        </p:txBody>
+      </p:sp>
+      <p:sp>
+        <p:nvSpPr>
+          <p:cNvPr id="10" name="Text Box 3"/>
+          <p:cNvSpPr txBox="1"/>
+          <p:nvPr/>
+        </p:nvSpPr>
+        <p:spPr>
+          <a:xfrm>
+            <a:off x="1235710" y="4300162"/>
+            <a:ext cx="10075418" cy="1708160"/>
+          </a:xfrm>
+          <a:prstGeom prst="rect">
+            <a:avLst/>
+          </a:prstGeom>
+          <a:noFill/>
+        </p:spPr>
+        <p:txBody>
+          <a:bodyPr wrap="square" rtlCol="0">
+            <a:spAutoFit/>
+          </a:bodyPr>
+          <a:lstStyle/>
+          <a:p>
+            <a:pPr algn="l">
+              <a:lnSpc>
+                <a:spcPct val="150000"/>
+              </a:lnSpc>
+            </a:pPr>
+            <a:r>
+              <a:rPr lang="en-US" sz="1400" dirty="0" smtClean="0">
+                <a:latin typeface="Arial" panose="020B0604020202020204" pitchFamily="34" charset="0"/>
+                <a:cs typeface="Arial" panose="020B0604020202020204" pitchFamily="34" charset="0"/>
+                <a:sym typeface="+mn-ea"/>
+              </a:rPr>
+              <a:t>Trong Blockchain dữ liệu được lưu trữ dưới dạng transaction và block nên việc biết được chi tiết thông tin gửi đi rất đơn giản.</a:t>
+            </a:r>
+          </a:p>
+          <a:p>
+            <a:pPr algn="l">
+              <a:lnSpc>
+                <a:spcPct val="150000"/>
+              </a:lnSpc>
+            </a:pPr>
+            <a:r>
+              <a:rPr lang="en-US" sz="1400" dirty="0" smtClean="0">
+                <a:latin typeface="Arial" panose="020B0604020202020204" pitchFamily="34" charset="0"/>
+                <a:cs typeface="Arial" panose="020B0604020202020204" pitchFamily="34" charset="0"/>
+                <a:sym typeface="+mn-ea"/>
+              </a:rPr>
+              <a:t>Blockchain có tính chất của mạng ngang hàng giúp lưu trữ và cập nhật ngay lập tức khi có thay đổi hợp lệ.</a:t>
+            </a:r>
+          </a:p>
+          <a:p>
+            <a:pPr algn="l">
+              <a:lnSpc>
+                <a:spcPct val="150000"/>
+              </a:lnSpc>
+            </a:pPr>
+            <a:r>
+              <a:rPr lang="en-US" sz="1400" dirty="0" smtClean="0">
+                <a:latin typeface="Arial" panose="020B0604020202020204" pitchFamily="34" charset="0"/>
+                <a:cs typeface="Arial" panose="020B0604020202020204" pitchFamily="34" charset="0"/>
+                <a:sym typeface="+mn-ea"/>
+              </a:rPr>
+              <a:t>Blockchain gần như ít cần sự can thiệp của con người, không cần phí trung gian, hạn chế các thủ tục nhưng vẫn đảm bảo hoạt động an toàn và ổn định.</a:t>
+            </a:r>
+          </a:p>
+          <a:p>
+            <a:pPr algn="l">
+              <a:lnSpc>
+                <a:spcPct val="150000"/>
+              </a:lnSpc>
+            </a:pPr>
+            <a:r>
+              <a:rPr lang="en-US" sz="1400" dirty="0" smtClean="0">
+                <a:latin typeface="Arial" panose="020B0604020202020204" pitchFamily="34" charset="0"/>
+                <a:cs typeface="Arial" panose="020B0604020202020204" pitchFamily="34" charset="0"/>
+                <a:sym typeface="+mn-ea"/>
+              </a:rPr>
+              <a:t>Blockchain cho người dùng quan sát các giao dịch xảy ra mà không cần nắm giữ quyền trong blockchain.</a:t>
+            </a:r>
+          </a:p>
+        </p:txBody>
+      </p:sp>
+    </p:spTree>
+  </p:cSld>
+  <p:clrMapOvr>
+    <a:masterClrMapping/>
+  </p:clrMapOvr>
+  <p:transition spd="slow">
+    <p:push dir="u"/>
+  </p:transition>
+  <p:timing>
+    <p:tnLst>
+      <p:par>
+        <p:cTn id="1" dur="indefinite" restart="never" nodeType="tmRoot">
+          <p:childTnLst>
+            <p:seq concurrent="1" nextAc="seek">
+              <p:cTn id="2" dur="indefinite" nodeType="mainSeq">
+                <p:childTnLst>
+                  <p:par>
+                    <p:cTn id="3" fill="hold">
+                      <p:stCondLst>
+                        <p:cond delay="indefinite"/>
+                        <p:cond evt="onBegin" delay="0">
+                          <p:tn val="2"/>
+                        </p:cond>
+                      </p:stCondLst>
+                      <p:childTnLst>
+                        <p:par>
+                          <p:cTn id="4" fill="hold">
+                            <p:stCondLst>
+                              <p:cond delay="0"/>
+                            </p:stCondLst>
+                            <p:childTnLst>
+                              <p:par>
+                                <p:cTn id="5" presetID="10" presetClass="entr" presetSubtype="0" fill="hold" grpId="0" nodeType="withEffect">
+                                  <p:stCondLst>
+                                    <p:cond delay="0"/>
+                                  </p:stCondLst>
+                                  <p:childTnLst>
+                                    <p:set>
+                                      <p:cBhvr>
+                                        <p:cTn id="6" dur="1" fill="hold">
+                                          <p:stCondLst>
+                                            <p:cond delay="0"/>
+                                          </p:stCondLst>
+                                        </p:cTn>
+                                        <p:tgtEl>
+                                          <p:spTgt spid="2"/>
+                                        </p:tgtEl>
+                                        <p:attrNameLst>
+                                          <p:attrName>style.visibility</p:attrName>
+                                        </p:attrNameLst>
+                                      </p:cBhvr>
+                                      <p:to>
+                                        <p:strVal val="visible"/>
+                                      </p:to>
+                                    </p:set>
+                                    <p:animEffect transition="in" filter="fade">
+                                      <p:cBhvr>
+                                        <p:cTn id="7" dur="500"/>
+                                        <p:tgtEl>
+                                          <p:spTgt spid="2"/>
+                                        </p:tgtEl>
+                                      </p:cBhvr>
+                                    </p:animEffect>
+                                  </p:childTnLst>
+                                </p:cTn>
+                              </p:par>
+                              <p:par>
+                                <p:cTn id="8" presetID="10" presetClass="entr" presetSubtype="0" fill="hold" grpId="0" nodeType="withEffect">
+                                  <p:stCondLst>
+                                    <p:cond delay="0"/>
+                                  </p:stCondLst>
+                                  <p:childTnLst>
+                                    <p:set>
+                                      <p:cBhvr>
+                                        <p:cTn id="9" dur="1" fill="hold">
+                                          <p:stCondLst>
+                                            <p:cond delay="0"/>
+                                          </p:stCondLst>
+                                        </p:cTn>
+                                        <p:tgtEl>
+                                          <p:spTgt spid="6"/>
+                                        </p:tgtEl>
+                                        <p:attrNameLst>
+                                          <p:attrName>style.visibility</p:attrName>
+                                        </p:attrNameLst>
+                                      </p:cBhvr>
+                                      <p:to>
+                                        <p:strVal val="visible"/>
+                                      </p:to>
+                                    </p:set>
+                                    <p:animEffect transition="in" filter="fade">
+                                      <p:cBhvr>
+                                        <p:cTn id="10" dur="500"/>
+                                        <p:tgtEl>
+                                          <p:spTgt spid="6"/>
+                                        </p:tgtEl>
+                                      </p:cBhvr>
+                                    </p:animEffect>
+                                  </p:childTnLst>
+                                </p:cTn>
+                              </p:par>
+                            </p:childTnLst>
+                          </p:cTn>
+                        </p:par>
+                      </p:childTnLst>
+                    </p:cTn>
+                  </p:par>
+                </p:childTnLst>
+              </p:cTn>
+              <p:prevCondLst>
+                <p:cond evt="onPrev" delay="0">
+                  <p:tgtEl>
+                    <p:sldTgt/>
+                  </p:tgtEl>
+                </p:cond>
+              </p:prevCondLst>
+              <p:nextCondLst>
+                <p:cond evt="onNext" delay="0">
+                  <p:tgtEl>
+                    <p:sldTgt/>
+                  </p:tgtEl>
+                </p:cond>
+              </p:nextCondLst>
+            </p:seq>
+          </p:childTnLst>
+        </p:cTn>
+      </p:par>
+    </p:tnLst>
+    <p:bldLst>
+      <p:bldP spid="2" grpId="0"/>
+      <p:bldP spid="6" grpId="0"/>
+    </p:bldLst>
+  </p:timing>
+</p:sld>
+</file>
+
+<file path=ppt/slides/slide6.xml><?xml version="1.0" encoding="utf-8"?>
+<p:sld xmlns:a="http://schemas.openxmlformats.org/drawingml/2006/main" xmlns:r="http://schemas.openxmlformats.org/officeDocument/2006/relationships" xmlns:p="http://schemas.openxmlformats.org/presentationml/2006/main">
+  <p:cSld>
+    <p:spTree>
+      <p:nvGrpSpPr>
+        <p:cNvPr id="1" name=""/>
+        <p:cNvGrpSpPr/>
+        <p:nvPr/>
+      </p:nvGrpSpPr>
+      <p:grpSpPr>
+        <a:xfrm>
+          <a:off x="0" y="0"/>
+          <a:ext cx="0" cy="0"/>
+          <a:chOff x="0" y="0"/>
+          <a:chExt cx="0" cy="0"/>
+        </a:xfrm>
+      </p:grpSpPr>
+      <p:sp>
+        <p:nvSpPr>
+          <p:cNvPr id="2" name="Title 1"/>
+          <p:cNvSpPr>
+            <a:spLocks noGrp="1"/>
+          </p:cNvSpPr>
+          <p:nvPr>
+            <p:ph type="title"/>
+          </p:nvPr>
+        </p:nvSpPr>
+        <p:spPr>
+          <a:xfrm>
+            <a:off x="1060323" y="246508"/>
+            <a:ext cx="10058400" cy="677418"/>
+          </a:xfrm>
+        </p:spPr>
+        <p:txBody>
+          <a:bodyPr>
+            <a:normAutofit/>
+          </a:bodyPr>
+          <a:lstStyle/>
+          <a:p>
+            <a:r>
+              <a:rPr lang="en-US" sz="4000" b="1" spc="50" dirty="0">
+                <a:latin typeface="Times New Roman" panose="02020603050405020304" pitchFamily="18" charset="0"/>
+                <a:cs typeface="Times New Roman" panose="02020603050405020304" pitchFamily="18" charset="0"/>
+              </a:rPr>
+              <a:t>so sánh 2 mô hình</a:t>
+            </a:r>
+          </a:p>
+        </p:txBody>
+      </p:sp>
+      <p:sp>
+        <p:nvSpPr>
+          <p:cNvPr id="6" name="Slide Number Placeholder 5"/>
+          <p:cNvSpPr>
+            <a:spLocks noGrp="1"/>
+          </p:cNvSpPr>
+          <p:nvPr>
+            <p:ph type="sldNum" sz="quarter" idx="12"/>
+          </p:nvPr>
+        </p:nvSpPr>
+        <p:spPr/>
+        <p:txBody>
+          <a:bodyPr/>
+          <a:lstStyle/>
+          <a:p>
+            <a:r>
+              <a:rPr lang="en-US" dirty="0" smtClean="0"/>
+              <a:t>2</a:t>
+            </a:r>
+            <a:endParaRPr lang="en-US" dirty="0"/>
+          </a:p>
+        </p:txBody>
+      </p:sp>
+      <p:sp>
+        <p:nvSpPr>
+          <p:cNvPr id="7" name="Rectangle 6"/>
+          <p:cNvSpPr/>
+          <p:nvPr/>
+        </p:nvSpPr>
+        <p:spPr>
+          <a:xfrm>
+            <a:off x="0" y="0"/>
+            <a:ext cx="427839" cy="6858000"/>
+          </a:xfrm>
+          <a:prstGeom prst="rect">
+            <a:avLst/>
+          </a:prstGeom>
+          <a:solidFill>
+            <a:srgbClr val="CE2127"/>
+          </a:solidFill>
+        </p:spPr>
+        <p:style>
+          <a:lnRef idx="2">
+            <a:schemeClr val="accent1">
+              <a:shade val="50000"/>
+            </a:schemeClr>
+          </a:lnRef>
+          <a:fillRef idx="1">
+            <a:schemeClr val="accent1"/>
+          </a:fillRef>
+          <a:effectRef idx="0">
+            <a:schemeClr val="accent1"/>
+          </a:effectRef>
+          <a:fontRef idx="minor">
+            <a:schemeClr val="lt1"/>
+          </a:fontRef>
+        </p:style>
+        <p:txBody>
+          <a:bodyPr rtlCol="0" anchor="ctr"/>
+          <a:lstStyle/>
+          <a:p>
+            <a:pPr algn="ctr"/>
+            <a:endParaRPr lang="en-US">
+              <a:solidFill>
+                <a:srgbClr val="FF0000"/>
+              </a:solidFill>
+            </a:endParaRPr>
+          </a:p>
+        </p:txBody>
+      </p:sp>
+      <p:cxnSp>
+        <p:nvCxnSpPr>
+          <p:cNvPr id="4" name="Straight Connector 3"/>
+          <p:cNvCxnSpPr/>
+          <p:nvPr/>
+        </p:nvCxnSpPr>
+        <p:spPr>
+          <a:xfrm>
+            <a:off x="993648" y="3543300"/>
+            <a:ext cx="10474452" cy="0"/>
+          </a:xfrm>
+          <a:prstGeom prst="line">
+            <a:avLst/>
+          </a:prstGeom>
+        </p:spPr>
+        <p:style>
+          <a:lnRef idx="1">
+            <a:schemeClr val="accent1"/>
+          </a:lnRef>
+          <a:fillRef idx="0">
+            <a:schemeClr val="accent1"/>
+          </a:fillRef>
+          <a:effectRef idx="0">
+            <a:schemeClr val="accent1"/>
+          </a:effectRef>
+          <a:fontRef idx="minor">
+            <a:schemeClr val="tx1"/>
+          </a:fontRef>
+        </p:style>
+      </p:cxnSp>
+    </p:spTree>
+  </p:cSld>
+  <p:clrMapOvr>
+    <a:masterClrMapping/>
+  </p:clrMapOvr>
+  <p:transition spd="slow">
+    <p:push dir="u"/>
+  </p:transition>
+  <p:timing>
+    <p:tnLst>
+      <p:par>
+        <p:cTn id="1" dur="indefinite" restart="never" nodeType="tmRoot">
+          <p:childTnLst>
+            <p:seq concurrent="1" nextAc="seek">
+              <p:cTn id="2" dur="indefinite" nodeType="mainSeq">
+                <p:childTnLst>
+                  <p:par>
+                    <p:cTn id="3" fill="hold">
+                      <p:stCondLst>
+                        <p:cond delay="indefinite"/>
+                        <p:cond evt="onBegin" delay="0">
+                          <p:tn val="2"/>
+                        </p:cond>
+                      </p:stCondLst>
+                      <p:childTnLst>
+                        <p:par>
+                          <p:cTn id="4" fill="hold">
+                            <p:stCondLst>
+                              <p:cond delay="0"/>
+                            </p:stCondLst>
+                            <p:childTnLst>
+                              <p:par>
+                                <p:cTn id="5" presetID="10" presetClass="entr" presetSubtype="0" fill="hold" grpId="0" nodeType="withEffect">
+                                  <p:stCondLst>
+                                    <p:cond delay="0"/>
+                                  </p:stCondLst>
+                                  <p:childTnLst>
+                                    <p:set>
+                                      <p:cBhvr>
+                                        <p:cTn id="6" dur="1" fill="hold">
+                                          <p:stCondLst>
+                                            <p:cond delay="0"/>
+                                          </p:stCondLst>
+                                        </p:cTn>
+                                        <p:tgtEl>
+                                          <p:spTgt spid="2"/>
+                                        </p:tgtEl>
+                                        <p:attrNameLst>
+                                          <p:attrName>style.visibility</p:attrName>
+                                        </p:attrNameLst>
+                                      </p:cBhvr>
+                                      <p:to>
+                                        <p:strVal val="visible"/>
+                                      </p:to>
+                                    </p:set>
+                                    <p:animEffect transition="in" filter="fade">
+                                      <p:cBhvr>
+                                        <p:cTn id="7" dur="500"/>
+                                        <p:tgtEl>
+                                          <p:spTgt spid="2"/>
+                                        </p:tgtEl>
+                                      </p:cBhvr>
+                                    </p:animEffect>
+                                  </p:childTnLst>
+                                </p:cTn>
+                              </p:par>
+                              <p:par>
+                                <p:cTn id="8" presetID="10" presetClass="entr" presetSubtype="0" fill="hold" grpId="0" nodeType="withEffect">
+                                  <p:stCondLst>
+                                    <p:cond delay="0"/>
+                                  </p:stCondLst>
+                                  <p:childTnLst>
+                                    <p:set>
+                                      <p:cBhvr>
+                                        <p:cTn id="9" dur="1" fill="hold">
+                                          <p:stCondLst>
+                                            <p:cond delay="0"/>
+                                          </p:stCondLst>
+                                        </p:cTn>
+                                        <p:tgtEl>
+                                          <p:spTgt spid="6"/>
+                                        </p:tgtEl>
+                                        <p:attrNameLst>
+                                          <p:attrName>style.visibility</p:attrName>
+                                        </p:attrNameLst>
+                                      </p:cBhvr>
+                                      <p:to>
+                                        <p:strVal val="visible"/>
+                                      </p:to>
+                                    </p:set>
+                                    <p:animEffect transition="in" filter="fade">
+                                      <p:cBhvr>
+                                        <p:cTn id="10" dur="500"/>
+                                        <p:tgtEl>
+                                          <p:spTgt spid="6"/>
+                                        </p:tgtEl>
+                                      </p:cBhvr>
+                                    </p:animEffect>
+                                  </p:childTnLst>
+                                </p:cTn>
+                              </p:par>
+                            </p:childTnLst>
+                          </p:cTn>
+                        </p:par>
+                      </p:childTnLst>
+                    </p:cTn>
+                  </p:par>
+                </p:childTnLst>
+              </p:cTn>
+              <p:prevCondLst>
+                <p:cond evt="onPrev" delay="0">
+                  <p:tgtEl>
+                    <p:sldTgt/>
+                  </p:tgtEl>
+                </p:cond>
+              </p:prevCondLst>
+              <p:nextCondLst>
+                <p:cond evt="onNext" delay="0">
+                  <p:tgtEl>
+                    <p:sldTgt/>
+                  </p:tgtEl>
+                </p:cond>
+              </p:nextCondLst>
+            </p:seq>
+          </p:childTnLst>
+        </p:cTn>
+      </p:par>
+    </p:tnLst>
+    <p:bldLst>
+      <p:bldP spid="2" grpId="0"/>
+      <p:bldP spid="6" grpId="0"/>
+    </p:bldLst>
+  </p:timing>
+</p:sld>
+</file>
+
+<file path=ppt/slides/slide7.xml><?xml version="1.0" encoding="utf-8"?>
 <p:sld xmlns:a="http://schemas.openxmlformats.org/drawingml/2006/main" xmlns:r="http://schemas.openxmlformats.org/officeDocument/2006/relationships" xmlns:p="http://schemas.openxmlformats.org/presentationml/2006/main">
   <p:cSld>
     <p:spTree>
@@ -24723,6 +21167,7 @@
           <a:p>
             <a:fld id="{040DEF24-717E-4741-8753-F7E431A261E5}" type="slidenum">
               <a:rPr lang="en-US" smtClean="0"/>
+              <a:t>7</a:t>
             </a:fld>
             <a:endParaRPr lang="en-US"/>
           </a:p>
@@ -24782,17 +21227,15 @@
           <p:nvPr/>
         </p:nvPicPr>
         <p:blipFill rotWithShape="1">
-          <a:blip r:embed="rId1" cstate="print">
+          <a:blip r:embed="rId2" cstate="print">
             <a:extLst>
               <a:ext uri="{28A0092B-C50C-407E-A947-70E740481C1C}">
                 <a14:useLocalDpi xmlns:a14="http://schemas.microsoft.com/office/drawing/2010/main" val="0"/>
               </a:ext>
             </a:extLst>
           </a:blip>
-          <a:srcRect l="-2540" t="1" r="-3003" b="619"/>
-          <a:stretch>
-            <a:fillRect/>
-          </a:stretch>
+          <a:srcRect l="-2199" t="-979" r="-1986" b="4204"/>
+          <a:stretch/>
         </p:blipFill>
         <p:spPr>
           <a:xfrm>
@@ -24817,7 +21260,7 @@
           <p:nvPr/>
         </p:nvPicPr>
         <p:blipFill>
-          <a:blip r:embed="rId2" cstate="print">
+          <a:blip r:embed="rId3" cstate="print">
             <a:extLst>
               <a:ext uri="{28A0092B-C50C-407E-A947-70E740481C1C}">
                 <a14:useLocalDpi xmlns:a14="http://schemas.microsoft.com/office/drawing/2010/main" val="0"/>
@@ -24880,16 +21323,6 @@
               </a:rPr>
               <a:t>Proof of work và Proof of stake</a:t>
             </a:r>
-            <a:endParaRPr lang="en-US" sz="2400" b="1" dirty="0">
-              <a:solidFill>
-                <a:schemeClr val="accent2">
-                  <a:lumMod val="50000"/>
-                </a:schemeClr>
-              </a:solidFill>
-              <a:latin typeface="Arial" panose="020B0604020202020204" pitchFamily="34" charset="0"/>
-              <a:ea typeface="Roboto" panose="02000000000000000000" pitchFamily="2" charset="0"/>
-              <a:cs typeface="Arial" panose="020B0604020202020204" pitchFamily="34" charset="0"/>
-            </a:endParaRPr>
           </a:p>
         </p:txBody>
       </p:sp>
@@ -25060,10 +21493,6 @@
               </a:rPr>
               <a:t>Khuyết điểm: </a:t>
             </a:r>
-            <a:endParaRPr lang="en-US" sz="1400" dirty="0" smtClean="0">
-              <a:latin typeface="Arial" panose="020B0604020202020204" pitchFamily="34" charset="0"/>
-              <a:cs typeface="Arial" panose="020B0604020202020204" pitchFamily="34" charset="0"/>
-            </a:endParaRPr>
           </a:p>
           <a:p>
             <a:pPr marL="285750" indent="-285750" algn="just">
@@ -25077,10 +21506,6 @@
               </a:rPr>
               <a:t>Dễ bị tấn công 51%</a:t>
             </a:r>
-            <a:endParaRPr lang="en-US" sz="1400" dirty="0" smtClean="0">
-              <a:latin typeface="Arial" panose="020B0604020202020204" pitchFamily="34" charset="0"/>
-              <a:cs typeface="Arial" panose="020B0604020202020204" pitchFamily="34" charset="0"/>
-            </a:endParaRPr>
           </a:p>
           <a:p>
             <a:pPr marL="285750" indent="-285750" algn="just">
@@ -25094,10 +21519,6 @@
               </a:rPr>
               <a:t>Hao tổn nhiều điện năng tiêu thụ</a:t>
             </a:r>
-            <a:endParaRPr lang="en-US" sz="1400" dirty="0" smtClean="0">
-              <a:latin typeface="Arial" panose="020B0604020202020204" pitchFamily="34" charset="0"/>
-              <a:cs typeface="Arial" panose="020B0604020202020204" pitchFamily="34" charset="0"/>
-            </a:endParaRPr>
           </a:p>
         </p:txBody>
       </p:sp>
@@ -25131,10 +21552,6 @@
               </a:rPr>
               <a:t>Khuyết điểm: </a:t>
             </a:r>
-            <a:endParaRPr lang="en-US" sz="1400" dirty="0" smtClean="0">
-              <a:latin typeface="Arial" panose="020B0604020202020204" pitchFamily="34" charset="0"/>
-              <a:cs typeface="Arial" panose="020B0604020202020204" pitchFamily="34" charset="0"/>
-            </a:endParaRPr>
           </a:p>
           <a:p>
             <a:pPr marL="285750" indent="-285750" algn="just">
@@ -25148,10 +21565,6 @@
               </a:rPr>
               <a:t>Khi gặp sự cố không mong muốn, sẽ mất phần đặt cọc ( Vd: mất wifi, cúp điện, ... )</a:t>
             </a:r>
-            <a:endParaRPr lang="en-US" sz="1400" dirty="0" smtClean="0">
-              <a:latin typeface="Arial" panose="020B0604020202020204" pitchFamily="34" charset="0"/>
-              <a:cs typeface="Arial" panose="020B0604020202020204" pitchFamily="34" charset="0"/>
-            </a:endParaRPr>
           </a:p>
         </p:txBody>
       </p:sp>
@@ -25576,7 +21989,7 @@
 </p:sld>
 </file>
 
-<file path=ppt/slides/slide9.xml><?xml version="1.0" encoding="utf-8"?>
+<file path=ppt/slides/slide8.xml><?xml version="1.0" encoding="utf-8"?>
 <p:sld xmlns:a="http://schemas.openxmlformats.org/drawingml/2006/main" xmlns:r="http://schemas.openxmlformats.org/officeDocument/2006/relationships" xmlns:p="http://schemas.openxmlformats.org/presentationml/2006/main">
   <p:cSld>
     <p:spTree>
@@ -25646,6 +22059,7 @@
           <a:p>
             <a:fld id="{040DEF24-717E-4741-8753-F7E431A261E5}" type="slidenum">
               <a:rPr lang="en-US" smtClean="0"/>
+              <a:t>8</a:t>
             </a:fld>
             <a:endParaRPr lang="en-US"/>
           </a:p>
@@ -25737,11 +22151,6 @@
               </a:rPr>
               <a:t>Namecoin</a:t>
             </a:r>
-            <a:endParaRPr lang="en-US" sz="1600" b="1" dirty="0">
-              <a:latin typeface="Times New Roman" panose="02020603050405020304" pitchFamily="18" charset="0"/>
-              <a:ea typeface="Calibri" panose="020F0502020204030204" pitchFamily="34" charset="0"/>
-              <a:cs typeface="Times New Roman" panose="02020603050405020304" pitchFamily="18" charset="0"/>
-            </a:endParaRPr>
           </a:p>
           <a:p>
             <a:pPr marL="342900" lvl="0" indent="-342900" algn="just">
@@ -25762,11 +22171,6 @@
               </a:rPr>
               <a:t>Blockstack</a:t>
             </a:r>
-            <a:endParaRPr lang="en-US" sz="1600" b="1" dirty="0">
-              <a:latin typeface="Times New Roman" panose="02020603050405020304" pitchFamily="18" charset="0"/>
-              <a:ea typeface="Calibri" panose="020F0502020204030204" pitchFamily="34" charset="0"/>
-              <a:cs typeface="Times New Roman" panose="02020603050405020304" pitchFamily="18" charset="0"/>
-            </a:endParaRPr>
           </a:p>
           <a:p>
             <a:pPr marL="342900" lvl="0" indent="-342900" algn="just">
@@ -25820,11 +22224,6 @@
               </a:rPr>
               <a:t>Handshake</a:t>
             </a:r>
-            <a:endParaRPr lang="en-US" sz="1600" b="1" dirty="0">
-              <a:latin typeface="Times New Roman" panose="02020603050405020304" pitchFamily="18" charset="0"/>
-              <a:ea typeface="Calibri" panose="020F0502020204030204" pitchFamily="34" charset="0"/>
-              <a:cs typeface="Times New Roman" panose="02020603050405020304" pitchFamily="18" charset="0"/>
-            </a:endParaRPr>
           </a:p>
           <a:p>
             <a:pPr marL="342900" lvl="0" indent="-342900" algn="just">
@@ -25845,11 +22244,6 @@
               </a:rPr>
               <a:t>Nebulis</a:t>
             </a:r>
-            <a:endParaRPr lang="en-US" sz="1600" b="1" dirty="0">
-              <a:latin typeface="Times New Roman" panose="02020603050405020304" pitchFamily="18" charset="0"/>
-              <a:ea typeface="Calibri" panose="020F0502020204030204" pitchFamily="34" charset="0"/>
-              <a:cs typeface="Times New Roman" panose="02020603050405020304" pitchFamily="18" charset="0"/>
-            </a:endParaRPr>
           </a:p>
           <a:p>
             <a:pPr marL="342900" lvl="0" indent="-342900" algn="just">
@@ -25870,11 +22264,6 @@
               </a:rPr>
               <a:t>Dot BIT</a:t>
             </a:r>
-            <a:endParaRPr lang="en-US" sz="1600" b="1" dirty="0">
-              <a:latin typeface="Times New Roman" panose="02020603050405020304" pitchFamily="18" charset="0"/>
-              <a:ea typeface="Calibri" panose="020F0502020204030204" pitchFamily="34" charset="0"/>
-              <a:cs typeface="Times New Roman" panose="02020603050405020304" pitchFamily="18" charset="0"/>
-            </a:endParaRPr>
           </a:p>
           <a:p>
             <a:pPr marL="342900" lvl="0" indent="-342900" algn="just">
@@ -25895,11 +22284,6 @@
               </a:rPr>
               <a:t>Emercoin DNS</a:t>
             </a:r>
-            <a:endParaRPr lang="en-US" sz="1600" b="1" dirty="0">
-              <a:latin typeface="Times New Roman" panose="02020603050405020304" pitchFamily="18" charset="0"/>
-              <a:ea typeface="Calibri" panose="020F0502020204030204" pitchFamily="34" charset="0"/>
-              <a:cs typeface="Times New Roman" panose="02020603050405020304" pitchFamily="18" charset="0"/>
-            </a:endParaRPr>
           </a:p>
           <a:p>
             <a:pPr marL="342900" lvl="0" indent="-342900" algn="just">
@@ -25920,11 +22304,6 @@
               </a:rPr>
               <a:t>PeerName</a:t>
             </a:r>
-            <a:endParaRPr lang="en-US" sz="1600" b="1" dirty="0">
-              <a:latin typeface="Times New Roman" panose="02020603050405020304" pitchFamily="18" charset="0"/>
-              <a:ea typeface="Calibri" panose="020F0502020204030204" pitchFamily="34" charset="0"/>
-              <a:cs typeface="Times New Roman" panose="02020603050405020304" pitchFamily="18" charset="0"/>
-            </a:endParaRPr>
           </a:p>
           <a:p>
             <a:pPr marL="342900" lvl="0" indent="-342900" algn="just">
@@ -25945,11 +22324,6 @@
               </a:rPr>
               <a:t>Blockchain DNS for Firefox</a:t>
             </a:r>
-            <a:endParaRPr lang="en-US" sz="1600" b="1" dirty="0">
-              <a:latin typeface="Times New Roman" panose="02020603050405020304" pitchFamily="18" charset="0"/>
-              <a:ea typeface="Calibri" panose="020F0502020204030204" pitchFamily="34" charset="0"/>
-              <a:cs typeface="Times New Roman" panose="02020603050405020304" pitchFamily="18" charset="0"/>
-            </a:endParaRPr>
           </a:p>
           <a:p>
             <a:pPr marL="342900" lvl="0" indent="-342900" algn="just">
@@ -25970,11 +22344,6 @@
               </a:rPr>
               <a:t>FrigGate for Chrome and other browsers</a:t>
             </a:r>
-            <a:endParaRPr lang="en-US" sz="1600" b="1" dirty="0">
-              <a:latin typeface="Times New Roman" panose="02020603050405020304" pitchFamily="18" charset="0"/>
-              <a:ea typeface="Calibri" panose="020F0502020204030204" pitchFamily="34" charset="0"/>
-              <a:cs typeface="Times New Roman" panose="02020603050405020304" pitchFamily="18" charset="0"/>
-            </a:endParaRPr>
           </a:p>
           <a:p>
             <a:pPr marL="342900" lvl="0" indent="-342900" algn="just">
@@ -25995,11 +22364,6 @@
               </a:rPr>
               <a:t>NEM Blockchain DNS extension</a:t>
             </a:r>
-            <a:endParaRPr lang="en-US" sz="1600" b="1" dirty="0">
-              <a:latin typeface="Times New Roman" panose="02020603050405020304" pitchFamily="18" charset="0"/>
-              <a:ea typeface="Calibri" panose="020F0502020204030204" pitchFamily="34" charset="0"/>
-              <a:cs typeface="Times New Roman" panose="02020603050405020304" pitchFamily="18" charset="0"/>
-            </a:endParaRPr>
           </a:p>
           <a:p>
             <a:pPr marL="342900" lvl="0" indent="-342900" algn="just">
@@ -26020,11 +22384,6 @@
               </a:rPr>
               <a:t>Unstoppable Domains</a:t>
             </a:r>
-            <a:endParaRPr lang="en-US" sz="1600" b="1" dirty="0">
-              <a:latin typeface="Times New Roman" panose="02020603050405020304" pitchFamily="18" charset="0"/>
-              <a:ea typeface="Calibri" panose="020F0502020204030204" pitchFamily="34" charset="0"/>
-              <a:cs typeface="Times New Roman" panose="02020603050405020304" pitchFamily="18" charset="0"/>
-            </a:endParaRPr>
           </a:p>
           <a:p>
             <a:pPr marL="342900" lvl="0" indent="-342900" algn="just">
@@ -26045,11 +22404,6 @@
               </a:rPr>
               <a:t>Aloaha Blockchain DNS</a:t>
             </a:r>
-            <a:endParaRPr lang="en-US" sz="1600" b="1" dirty="0">
-              <a:latin typeface="Times New Roman" panose="02020603050405020304" pitchFamily="18" charset="0"/>
-              <a:ea typeface="Calibri" panose="020F0502020204030204" pitchFamily="34" charset="0"/>
-              <a:cs typeface="Times New Roman" panose="02020603050405020304" pitchFamily="18" charset="0"/>
-            </a:endParaRPr>
           </a:p>
         </p:txBody>
       </p:sp>
@@ -26097,7 +22451,7 @@
           <p:nvPr/>
         </p:nvPicPr>
         <p:blipFill>
-          <a:blip r:embed="rId1">
+          <a:blip r:embed="rId2">
             <a:extLst>
               <a:ext uri="{28A0092B-C50C-407E-A947-70E740481C1C}">
                 <a14:useLocalDpi xmlns:a14="http://schemas.microsoft.com/office/drawing/2010/main" val="0"/>
@@ -26138,7 +22492,7 @@
           <p:nvPr/>
         </p:nvPicPr>
         <p:blipFill>
-          <a:blip r:embed="rId2" cstate="print">
+          <a:blip r:embed="rId3" cstate="print">
             <a:extLst>
               <a:ext uri="{28A0092B-C50C-407E-A947-70E740481C1C}">
                 <a14:useLocalDpi xmlns:a14="http://schemas.microsoft.com/office/drawing/2010/main" val="0"/>
@@ -26179,7 +22533,7 @@
           <p:nvPr/>
         </p:nvPicPr>
         <p:blipFill>
-          <a:blip r:embed="rId3" cstate="print">
+          <a:blip r:embed="rId4" cstate="print">
             <a:extLst>
               <a:ext uri="{28A0092B-C50C-407E-A947-70E740481C1C}">
                 <a14:useLocalDpi xmlns:a14="http://schemas.microsoft.com/office/drawing/2010/main" val="0"/>
@@ -26296,10 +22650,6 @@
               </a:rPr>
               <a:t>://www.softwaretestinghelp.com/best-blockchain-dns-software/</a:t>
             </a:r>
-            <a:endParaRPr lang="en-US" sz="1100" dirty="0">
-              <a:latin typeface="Arial" panose="020B0604020202020204" pitchFamily="34" charset="0"/>
-              <a:cs typeface="Arial" panose="020B0604020202020204" pitchFamily="34" charset="0"/>
-            </a:endParaRPr>
           </a:p>
         </p:txBody>
       </p:sp>
@@ -26338,16 +22688,6 @@
               </a:rPr>
               <a:t>Danh sách xếp hạng 13 phần mềm DNS Blockchain </a:t>
             </a:r>
-            <a:endParaRPr lang="en-US" sz="2400" b="1" dirty="0">
-              <a:solidFill>
-                <a:schemeClr val="accent2">
-                  <a:lumMod val="50000"/>
-                </a:schemeClr>
-              </a:solidFill>
-              <a:latin typeface="Arial" panose="020B0604020202020204" pitchFamily="34" charset="0"/>
-              <a:ea typeface="Roboto" panose="02000000000000000000" pitchFamily="2" charset="0"/>
-              <a:cs typeface="Arial" panose="020B0604020202020204" pitchFamily="34" charset="0"/>
-            </a:endParaRPr>
           </a:p>
         </p:txBody>
       </p:sp>
@@ -26731,6 +23071,1384 @@
       <p:bldP spid="9" grpId="0"/>
       <p:bldP spid="12" grpId="0"/>
       <p:bldP spid="13" grpId="0"/>
+    </p:bldLst>
+  </p:timing>
+</p:sld>
+</file>
+
+<file path=ppt/slides/slide9.xml><?xml version="1.0" encoding="utf-8"?>
+<p:sld xmlns:a="http://schemas.openxmlformats.org/drawingml/2006/main" xmlns:r="http://schemas.openxmlformats.org/officeDocument/2006/relationships" xmlns:p="http://schemas.openxmlformats.org/presentationml/2006/main">
+  <p:cSld>
+    <p:spTree>
+      <p:nvGrpSpPr>
+        <p:cNvPr id="1" name=""/>
+        <p:cNvGrpSpPr/>
+        <p:nvPr/>
+      </p:nvGrpSpPr>
+      <p:grpSpPr>
+        <a:xfrm>
+          <a:off x="0" y="0"/>
+          <a:ext cx="0" cy="0"/>
+          <a:chOff x="0" y="0"/>
+          <a:chExt cx="0" cy="0"/>
+        </a:xfrm>
+      </p:grpSpPr>
+      <p:sp>
+        <p:nvSpPr>
+          <p:cNvPr id="6" name="Title 1"/>
+          <p:cNvSpPr>
+            <a:spLocks noGrp="1"/>
+          </p:cNvSpPr>
+          <p:nvPr>
+            <p:ph type="title"/>
+          </p:nvPr>
+        </p:nvSpPr>
+        <p:spPr>
+          <a:xfrm>
+            <a:off x="1019175" y="230505"/>
+            <a:ext cx="10058400" cy="657944"/>
+          </a:xfrm>
+        </p:spPr>
+        <p:txBody>
+          <a:bodyPr>
+            <a:normAutofit/>
+          </a:bodyPr>
+          <a:lstStyle/>
+          <a:p>
+            <a:r>
+              <a:rPr lang="en-US" sz="4000" b="1" spc="50" dirty="0" smtClean="0">
+                <a:blipFill>
+                  <a:blip r:embed="rId2">
+                    <a:extLst>
+                      <a:ext uri="{28A0092B-C50C-407E-A947-70E740481C1C}">
+                        <a14:useLocalDpi xmlns:a14="http://schemas.microsoft.com/office/drawing/2010/main" val="0"/>
+                      </a:ext>
+                    </a:extLst>
+                  </a:blip>
+                  <a:tile tx="6350" ty="-127000" sx="65000" sy="64000" flip="none" algn="tl"/>
+                </a:blipFill>
+                <a:latin typeface="Times New Roman" panose="02020603050405020304" pitchFamily="18" charset="0"/>
+                <a:cs typeface="Times New Roman" panose="02020603050405020304" pitchFamily="18" charset="0"/>
+                <a:sym typeface="+mn-ea"/>
+              </a:rPr>
+              <a:t>Cơ chế của DNS BLOCKCHAIN</a:t>
+            </a:r>
+            <a:endParaRPr lang="en-US" sz="4000" dirty="0">
+              <a:latin typeface="Arial" panose="020B0604020202020204" pitchFamily="34" charset="0"/>
+              <a:cs typeface="Arial" panose="020B0604020202020204" pitchFamily="34" charset="0"/>
+            </a:endParaRPr>
+          </a:p>
+        </p:txBody>
+      </p:sp>
+      <p:sp>
+        <p:nvSpPr>
+          <p:cNvPr id="4" name="Slide Number Placeholder 3"/>
+          <p:cNvSpPr>
+            <a:spLocks noGrp="1"/>
+          </p:cNvSpPr>
+          <p:nvPr>
+            <p:ph type="sldNum" sz="quarter" idx="12"/>
+          </p:nvPr>
+        </p:nvSpPr>
+        <p:spPr/>
+        <p:txBody>
+          <a:bodyPr/>
+          <a:lstStyle/>
+          <a:p>
+            <a:fld id="{040DEF24-717E-4741-8753-F7E431A261E5}" type="slidenum">
+              <a:rPr lang="en-US" smtClean="0"/>
+              <a:t>9</a:t>
+            </a:fld>
+            <a:endParaRPr lang="en-US"/>
+          </a:p>
+        </p:txBody>
+      </p:sp>
+      <p:pic>
+        <p:nvPicPr>
+          <p:cNvPr id="5" name="Picture 4"/>
+          <p:cNvPicPr/>
+          <p:nvPr/>
+        </p:nvPicPr>
+        <p:blipFill>
+          <a:blip r:embed="rId3"/>
+          <a:stretch>
+            <a:fillRect/>
+          </a:stretch>
+        </p:blipFill>
+        <p:spPr>
+          <a:xfrm>
+            <a:off x="6089044" y="1042812"/>
+            <a:ext cx="5243554" cy="2562867"/>
+          </a:xfrm>
+          <a:prstGeom prst="rect">
+            <a:avLst/>
+          </a:prstGeom>
+          <a:ln w="12700">
+            <a:solidFill>
+              <a:schemeClr val="tx1"/>
+            </a:solidFill>
+          </a:ln>
+        </p:spPr>
+      </p:pic>
+      <p:sp>
+        <p:nvSpPr>
+          <p:cNvPr id="7" name="Rectangle 6"/>
+          <p:cNvSpPr/>
+          <p:nvPr/>
+        </p:nvSpPr>
+        <p:spPr>
+          <a:xfrm>
+            <a:off x="0" y="0"/>
+            <a:ext cx="427839" cy="6858000"/>
+          </a:xfrm>
+          <a:prstGeom prst="rect">
+            <a:avLst/>
+          </a:prstGeom>
+          <a:solidFill>
+            <a:srgbClr val="CE2127"/>
+          </a:solidFill>
+        </p:spPr>
+        <p:style>
+          <a:lnRef idx="2">
+            <a:schemeClr val="accent1">
+              <a:shade val="50000"/>
+            </a:schemeClr>
+          </a:lnRef>
+          <a:fillRef idx="1">
+            <a:schemeClr val="accent1"/>
+          </a:fillRef>
+          <a:effectRef idx="0">
+            <a:schemeClr val="accent1"/>
+          </a:effectRef>
+          <a:fontRef idx="minor">
+            <a:schemeClr val="lt1"/>
+          </a:fontRef>
+        </p:style>
+        <p:txBody>
+          <a:bodyPr rtlCol="0" anchor="ctr"/>
+          <a:lstStyle/>
+          <a:p>
+            <a:pPr algn="ctr"/>
+            <a:endParaRPr lang="en-US">
+              <a:solidFill>
+                <a:srgbClr val="FF0000"/>
+              </a:solidFill>
+            </a:endParaRPr>
+          </a:p>
+        </p:txBody>
+      </p:sp>
+      <p:sp>
+        <p:nvSpPr>
+          <p:cNvPr id="8" name="TextBox 7"/>
+          <p:cNvSpPr txBox="1"/>
+          <p:nvPr/>
+        </p:nvSpPr>
+        <p:spPr>
+          <a:xfrm>
+            <a:off x="1044448" y="906044"/>
+            <a:ext cx="5019323" cy="461665"/>
+          </a:xfrm>
+          <a:prstGeom prst="rect">
+            <a:avLst/>
+          </a:prstGeom>
+          <a:noFill/>
+        </p:spPr>
+        <p:txBody>
+          <a:bodyPr wrap="none" rtlCol="0">
+            <a:spAutoFit/>
+          </a:bodyPr>
+          <a:lstStyle/>
+          <a:p>
+            <a:r>
+              <a:rPr lang="en-US" sz="2400" b="1" dirty="0" smtClean="0">
+                <a:solidFill>
+                  <a:schemeClr val="accent2">
+                    <a:lumMod val="50000"/>
+                  </a:schemeClr>
+                </a:solidFill>
+                <a:latin typeface="Arial" panose="020B0604020202020204" pitchFamily="34" charset="0"/>
+                <a:ea typeface="Roboto" panose="02000000000000000000" pitchFamily="2" charset="0"/>
+                <a:cs typeface="Arial" panose="020B0604020202020204" pitchFamily="34" charset="0"/>
+              </a:rPr>
+              <a:t>DNS Blockchain hoàn chỉnh gồm</a:t>
+            </a:r>
+            <a:endParaRPr lang="en-US" sz="2400" b="1" dirty="0">
+              <a:solidFill>
+                <a:schemeClr val="accent2">
+                  <a:lumMod val="50000"/>
+                </a:schemeClr>
+              </a:solidFill>
+              <a:latin typeface="Arial" panose="020B0604020202020204" pitchFamily="34" charset="0"/>
+              <a:ea typeface="Roboto" panose="02000000000000000000" pitchFamily="2" charset="0"/>
+              <a:cs typeface="Arial" panose="020B0604020202020204" pitchFamily="34" charset="0"/>
+            </a:endParaRPr>
+          </a:p>
+        </p:txBody>
+      </p:sp>
+      <p:sp>
+        <p:nvSpPr>
+          <p:cNvPr id="9" name="Rectangle 8"/>
+          <p:cNvSpPr/>
+          <p:nvPr/>
+        </p:nvSpPr>
+        <p:spPr>
+          <a:xfrm>
+            <a:off x="1076209" y="2815950"/>
+            <a:ext cx="1446397" cy="415498"/>
+          </a:xfrm>
+          <a:prstGeom prst="rect">
+            <a:avLst/>
+          </a:prstGeom>
+        </p:spPr>
+        <p:txBody>
+          <a:bodyPr wrap="square">
+            <a:spAutoFit/>
+          </a:bodyPr>
+          <a:lstStyle/>
+          <a:p>
+            <a:pPr lvl="0" algn="just">
+              <a:lnSpc>
+                <a:spcPct val="150000"/>
+              </a:lnSpc>
+              <a:spcAft>
+                <a:spcPts val="0"/>
+              </a:spcAft>
+            </a:pPr>
+            <a:r>
+              <a:rPr lang="en-US" sz="1400" b="1" dirty="0" smtClean="0">
+                <a:latin typeface="Arial" panose="020B0604020202020204" pitchFamily="34" charset="0"/>
+                <a:ea typeface="Calibri" panose="020F0502020204030204" pitchFamily="34" charset="0"/>
+                <a:cs typeface="Arial" panose="020B0604020202020204" pitchFamily="34" charset="0"/>
+              </a:rPr>
+              <a:t>Data Access: </a:t>
+            </a:r>
+          </a:p>
+        </p:txBody>
+      </p:sp>
+      <p:sp>
+        <p:nvSpPr>
+          <p:cNvPr id="2" name="Rectangle 1"/>
+          <p:cNvSpPr/>
+          <p:nvPr/>
+        </p:nvSpPr>
+        <p:spPr>
+          <a:xfrm>
+            <a:off x="1044448" y="4002387"/>
+            <a:ext cx="10288150" cy="808555"/>
+          </a:xfrm>
+          <a:prstGeom prst="rect">
+            <a:avLst/>
+          </a:prstGeom>
+          <a:solidFill>
+            <a:schemeClr val="tx2">
+              <a:lumMod val="20000"/>
+              <a:lumOff val="80000"/>
+            </a:schemeClr>
+          </a:solidFill>
+        </p:spPr>
+        <p:txBody>
+          <a:bodyPr wrap="square">
+            <a:spAutoFit/>
+          </a:bodyPr>
+          <a:lstStyle/>
+          <a:p>
+            <a:pPr marL="342900" lvl="0" indent="-342900" algn="just">
+              <a:lnSpc>
+                <a:spcPct val="114000"/>
+              </a:lnSpc>
+              <a:spcAft>
+                <a:spcPts val="0"/>
+              </a:spcAft>
+              <a:buFont typeface="Times New Roman" panose="02020603050405020304" pitchFamily="18" charset="0"/>
+              <a:buChar char="-"/>
+            </a:pPr>
+            <a:r>
+              <a:rPr lang="en-US" sz="1400" dirty="0" smtClean="0">
+                <a:latin typeface="Arial" panose="020B0604020202020204" pitchFamily="34" charset="0"/>
+                <a:ea typeface="Calibri" panose="020F0502020204030204" pitchFamily="34" charset="0"/>
+                <a:cs typeface="Arial" panose="020B0604020202020204" pitchFamily="34" charset="0"/>
+              </a:rPr>
+              <a:t>Domain </a:t>
+            </a:r>
+            <a:r>
+              <a:rPr lang="en-US" sz="1400" dirty="0">
+                <a:latin typeface="Arial" panose="020B0604020202020204" pitchFamily="34" charset="0"/>
+                <a:ea typeface="Calibri" panose="020F0502020204030204" pitchFamily="34" charset="0"/>
+                <a:cs typeface="Arial" panose="020B0604020202020204" pitchFamily="34" charset="0"/>
+              </a:rPr>
+              <a:t>Name Service </a:t>
+            </a:r>
+            <a:r>
+              <a:rPr lang="en-US" sz="1400" dirty="0" smtClean="0">
+                <a:latin typeface="Arial" panose="020B0604020202020204" pitchFamily="34" charset="0"/>
+                <a:ea typeface="Calibri" panose="020F0502020204030204" pitchFamily="34" charset="0"/>
+                <a:cs typeface="Arial" panose="020B0604020202020204" pitchFamily="34" charset="0"/>
+              </a:rPr>
+              <a:t>Center ( DSC ) đóng vai trò hạn chế kiểm tra dữ liệu đầu vào trùng lặp hoặc không hợp lệ</a:t>
+            </a:r>
+          </a:p>
+          <a:p>
+            <a:pPr marL="342900" lvl="0" indent="-342900" algn="just">
+              <a:lnSpc>
+                <a:spcPct val="114000"/>
+              </a:lnSpc>
+              <a:spcAft>
+                <a:spcPts val="0"/>
+              </a:spcAft>
+              <a:buFont typeface="Times New Roman" panose="02020603050405020304" pitchFamily="18" charset="0"/>
+              <a:buChar char="-"/>
+            </a:pPr>
+            <a:r>
+              <a:rPr lang="en-US" sz="1400" dirty="0">
+                <a:latin typeface="Arial" panose="020B0604020202020204" pitchFamily="34" charset="0"/>
+                <a:ea typeface="Calibri" panose="020F0502020204030204" pitchFamily="34" charset="0"/>
+                <a:cs typeface="Arial" panose="020B0604020202020204" pitchFamily="34" charset="0"/>
+              </a:rPr>
+              <a:t>TLD Service Centers</a:t>
+            </a:r>
+            <a:r>
+              <a:rPr lang="en-US" sz="1400" dirty="0" smtClean="0">
+                <a:latin typeface="Arial" panose="020B0604020202020204" pitchFamily="34" charset="0"/>
+                <a:ea typeface="Calibri" panose="020F0502020204030204" pitchFamily="34" charset="0"/>
+                <a:cs typeface="Arial" panose="020B0604020202020204" pitchFamily="34" charset="0"/>
+              </a:rPr>
+              <a:t> ( TSC ) tiếp nhận yêu cầu có </a:t>
+            </a:r>
+            <a:r>
+              <a:rPr lang="en-US" sz="1400" dirty="0">
+                <a:latin typeface="Arial" panose="020B0604020202020204" pitchFamily="34" charset="0"/>
+                <a:ea typeface="Calibri" panose="020F0502020204030204" pitchFamily="34" charset="0"/>
+                <a:cs typeface="Arial" panose="020B0604020202020204" pitchFamily="34" charset="0"/>
+              </a:rPr>
+              <a:t>chỉ định cần phải </a:t>
+            </a:r>
+            <a:r>
+              <a:rPr lang="en-US" sz="1400" dirty="0" smtClean="0">
+                <a:latin typeface="Arial" panose="020B0604020202020204" pitchFamily="34" charset="0"/>
+                <a:ea typeface="Calibri" panose="020F0502020204030204" pitchFamily="34" charset="0"/>
+                <a:cs typeface="Arial" panose="020B0604020202020204" pitchFamily="34" charset="0"/>
+              </a:rPr>
+              <a:t>thêm, sửa </a:t>
+            </a:r>
+            <a:r>
+              <a:rPr lang="en-US" sz="1400" dirty="0">
+                <a:latin typeface="Arial" panose="020B0604020202020204" pitchFamily="34" charset="0"/>
+                <a:ea typeface="Calibri" panose="020F0502020204030204" pitchFamily="34" charset="0"/>
+                <a:cs typeface="Arial" panose="020B0604020202020204" pitchFamily="34" charset="0"/>
+              </a:rPr>
+              <a:t>hoặc hủy bỏ, TSC sẽ tiến hành thực thi tùy theo trường hợp phát </a:t>
+            </a:r>
+            <a:r>
+              <a:rPr lang="en-US" sz="1400" dirty="0" smtClean="0">
+                <a:latin typeface="Arial" panose="020B0604020202020204" pitchFamily="34" charset="0"/>
+                <a:ea typeface="Calibri" panose="020F0502020204030204" pitchFamily="34" charset="0"/>
+                <a:cs typeface="Arial" panose="020B0604020202020204" pitchFamily="34" charset="0"/>
+              </a:rPr>
+              <a:t>sinh. </a:t>
+            </a:r>
+          </a:p>
+        </p:txBody>
+      </p:sp>
+      <p:sp>
+        <p:nvSpPr>
+          <p:cNvPr id="3" name="TextBox 2"/>
+          <p:cNvSpPr txBox="1"/>
+          <p:nvPr/>
+        </p:nvSpPr>
+        <p:spPr>
+          <a:xfrm>
+            <a:off x="2353041" y="1456100"/>
+            <a:ext cx="3431300" cy="738664"/>
+          </a:xfrm>
+          <a:prstGeom prst="rect">
+            <a:avLst/>
+          </a:prstGeom>
+          <a:noFill/>
+        </p:spPr>
+        <p:txBody>
+          <a:bodyPr wrap="square" rtlCol="0">
+            <a:spAutoFit/>
+          </a:bodyPr>
+          <a:lstStyle/>
+          <a:p>
+            <a:pPr lvl="0"/>
+            <a:r>
+              <a:rPr lang="en-US" sz="1400" dirty="0">
+                <a:latin typeface="Arial" panose="020B0604020202020204" pitchFamily="34" charset="0"/>
+                <a:ea typeface="Calibri" panose="020F0502020204030204" pitchFamily="34" charset="0"/>
+                <a:cs typeface="Arial" panose="020B0604020202020204" pitchFamily="34" charset="0"/>
+              </a:rPr>
+              <a:t>Chịu trách nhiệm cho việc upload dữ liệu tên miền và thực thi những yêu cầu với dữ liệu upload</a:t>
+            </a:r>
+            <a:r>
+              <a:rPr lang="en-US" sz="1400" dirty="0" smtClean="0">
+                <a:latin typeface="Arial" panose="020B0604020202020204" pitchFamily="34" charset="0"/>
+                <a:ea typeface="Calibri" panose="020F0502020204030204" pitchFamily="34" charset="0"/>
+                <a:cs typeface="Arial" panose="020B0604020202020204" pitchFamily="34" charset="0"/>
+              </a:rPr>
+              <a:t>.</a:t>
+            </a:r>
+            <a:endParaRPr lang="en-US" sz="1400" dirty="0">
+              <a:latin typeface="Arial" panose="020B0604020202020204" pitchFamily="34" charset="0"/>
+              <a:ea typeface="Calibri" panose="020F0502020204030204" pitchFamily="34" charset="0"/>
+              <a:cs typeface="Arial" panose="020B0604020202020204" pitchFamily="34" charset="0"/>
+            </a:endParaRPr>
+          </a:p>
+        </p:txBody>
+      </p:sp>
+      <p:sp>
+        <p:nvSpPr>
+          <p:cNvPr id="10" name="TextBox 9"/>
+          <p:cNvSpPr txBox="1"/>
+          <p:nvPr/>
+        </p:nvSpPr>
+        <p:spPr>
+          <a:xfrm>
+            <a:off x="2353041" y="2241385"/>
+            <a:ext cx="3431300" cy="587853"/>
+          </a:xfrm>
+          <a:prstGeom prst="rect">
+            <a:avLst/>
+          </a:prstGeom>
+          <a:noFill/>
+        </p:spPr>
+        <p:txBody>
+          <a:bodyPr wrap="square" rtlCol="0">
+            <a:spAutoFit/>
+          </a:bodyPr>
+          <a:lstStyle/>
+          <a:p>
+            <a:pPr lvl="0" algn="just">
+              <a:lnSpc>
+                <a:spcPct val="115000"/>
+              </a:lnSpc>
+              <a:spcBef>
+                <a:spcPts val="300"/>
+              </a:spcBef>
+              <a:spcAft>
+                <a:spcPts val="0"/>
+              </a:spcAft>
+            </a:pPr>
+            <a:r>
+              <a:rPr lang="en-US" sz="1400" dirty="0">
+                <a:latin typeface="Arial" panose="020B0604020202020204" pitchFamily="34" charset="0"/>
+                <a:ea typeface="Calibri" panose="020F0502020204030204" pitchFamily="34" charset="0"/>
+                <a:cs typeface="Arial" panose="020B0604020202020204" pitchFamily="34" charset="0"/>
+              </a:rPr>
+              <a:t>Blockchain lưu trữ những dữ liệu tên miền đã được đồng bộ hóa. </a:t>
+            </a:r>
+          </a:p>
+        </p:txBody>
+      </p:sp>
+      <p:sp>
+        <p:nvSpPr>
+          <p:cNvPr id="12" name="TextBox 11"/>
+          <p:cNvSpPr txBox="1"/>
+          <p:nvPr/>
+        </p:nvSpPr>
+        <p:spPr>
+          <a:xfrm>
+            <a:off x="2353040" y="2890569"/>
+            <a:ext cx="3431301" cy="587853"/>
+          </a:xfrm>
+          <a:prstGeom prst="rect">
+            <a:avLst/>
+          </a:prstGeom>
+          <a:noFill/>
+        </p:spPr>
+        <p:txBody>
+          <a:bodyPr wrap="square" rtlCol="0">
+            <a:spAutoFit/>
+          </a:bodyPr>
+          <a:lstStyle/>
+          <a:p>
+            <a:pPr lvl="0" algn="just">
+              <a:lnSpc>
+                <a:spcPct val="115000"/>
+              </a:lnSpc>
+              <a:spcAft>
+                <a:spcPts val="300"/>
+              </a:spcAft>
+            </a:pPr>
+            <a:r>
+              <a:rPr lang="en-US" sz="1400" dirty="0">
+                <a:latin typeface="Arial" panose="020B0604020202020204" pitchFamily="34" charset="0"/>
+                <a:ea typeface="Calibri" panose="020F0502020204030204" pitchFamily="34" charset="0"/>
+                <a:cs typeface="Arial" panose="020B0604020202020204" pitchFamily="34" charset="0"/>
+              </a:rPr>
+              <a:t>Chịu trách nhiệm nhận yêu cầu và trả kết quả phân giải cho người yêu cầu</a:t>
+            </a:r>
+            <a:r>
+              <a:rPr lang="en-US" sz="1400" dirty="0" smtClean="0">
+                <a:latin typeface="Arial" panose="020B0604020202020204" pitchFamily="34" charset="0"/>
+                <a:ea typeface="Calibri" panose="020F0502020204030204" pitchFamily="34" charset="0"/>
+                <a:cs typeface="Arial" panose="020B0604020202020204" pitchFamily="34" charset="0"/>
+              </a:rPr>
+              <a:t>.</a:t>
+            </a:r>
+            <a:endParaRPr lang="en-US" sz="1400" dirty="0">
+              <a:latin typeface="Arial" panose="020B0604020202020204" pitchFamily="34" charset="0"/>
+              <a:ea typeface="Calibri" panose="020F0502020204030204" pitchFamily="34" charset="0"/>
+              <a:cs typeface="Arial" panose="020B0604020202020204" pitchFamily="34" charset="0"/>
+            </a:endParaRPr>
+          </a:p>
+        </p:txBody>
+      </p:sp>
+      <p:sp>
+        <p:nvSpPr>
+          <p:cNvPr id="13" name="Rectangle 12"/>
+          <p:cNvSpPr/>
+          <p:nvPr/>
+        </p:nvSpPr>
+        <p:spPr>
+          <a:xfrm>
+            <a:off x="1044448" y="3680533"/>
+            <a:ext cx="1782860" cy="318998"/>
+          </a:xfrm>
+          <a:prstGeom prst="rect">
+            <a:avLst/>
+          </a:prstGeom>
+        </p:spPr>
+        <p:txBody>
+          <a:bodyPr wrap="none">
+            <a:spAutoFit/>
+          </a:bodyPr>
+          <a:lstStyle/>
+          <a:p>
+            <a:pPr lvl="0" algn="just">
+              <a:lnSpc>
+                <a:spcPct val="115000"/>
+              </a:lnSpc>
+              <a:spcBef>
+                <a:spcPts val="300"/>
+              </a:spcBef>
+              <a:spcAft>
+                <a:spcPts val="0"/>
+              </a:spcAft>
+            </a:pPr>
+            <a:r>
+              <a:rPr lang="en-US" sz="1400" b="1" dirty="0" smtClean="0">
+                <a:solidFill>
+                  <a:schemeClr val="accent2">
+                    <a:lumMod val="50000"/>
+                  </a:schemeClr>
+                </a:solidFill>
+                <a:latin typeface="Arial" panose="020B0604020202020204" pitchFamily="34" charset="0"/>
+                <a:ea typeface="Roboto" panose="02000000000000000000" pitchFamily="2" charset="0"/>
+                <a:cs typeface="Arial" panose="020B0604020202020204" pitchFamily="34" charset="0"/>
+              </a:rPr>
+              <a:t>Giai đoạn chuẩn bị</a:t>
+            </a:r>
+            <a:endParaRPr lang="en-US" sz="1400" b="1" dirty="0">
+              <a:solidFill>
+                <a:schemeClr val="accent2">
+                  <a:lumMod val="50000"/>
+                </a:schemeClr>
+              </a:solidFill>
+              <a:latin typeface="Arial" panose="020B0604020202020204" pitchFamily="34" charset="0"/>
+              <a:ea typeface="Roboto" panose="02000000000000000000" pitchFamily="2" charset="0"/>
+              <a:cs typeface="Arial" panose="020B0604020202020204" pitchFamily="34" charset="0"/>
+            </a:endParaRPr>
+          </a:p>
+        </p:txBody>
+      </p:sp>
+      <p:sp>
+        <p:nvSpPr>
+          <p:cNvPr id="14" name="Rectangle 13"/>
+          <p:cNvSpPr/>
+          <p:nvPr/>
+        </p:nvSpPr>
+        <p:spPr>
+          <a:xfrm>
+            <a:off x="1044448" y="4878223"/>
+            <a:ext cx="1891865" cy="318998"/>
+          </a:xfrm>
+          <a:prstGeom prst="rect">
+            <a:avLst/>
+          </a:prstGeom>
+        </p:spPr>
+        <p:txBody>
+          <a:bodyPr wrap="none">
+            <a:spAutoFit/>
+          </a:bodyPr>
+          <a:lstStyle/>
+          <a:p>
+            <a:pPr algn="just">
+              <a:lnSpc>
+                <a:spcPct val="115000"/>
+              </a:lnSpc>
+              <a:spcBef>
+                <a:spcPts val="300"/>
+              </a:spcBef>
+            </a:pPr>
+            <a:r>
+              <a:rPr lang="en-US" sz="1400" b="1" dirty="0">
+                <a:solidFill>
+                  <a:schemeClr val="accent2">
+                    <a:lumMod val="50000"/>
+                  </a:schemeClr>
+                </a:solidFill>
+                <a:latin typeface="Arial" panose="020B0604020202020204" pitchFamily="34" charset="0"/>
+                <a:ea typeface="Roboto" panose="02000000000000000000" pitchFamily="2" charset="0"/>
+                <a:cs typeface="Arial" panose="020B0604020202020204" pitchFamily="34" charset="0"/>
+              </a:rPr>
+              <a:t>Giai đoạn tương tác</a:t>
+            </a:r>
+          </a:p>
+        </p:txBody>
+      </p:sp>
+      <p:sp>
+        <p:nvSpPr>
+          <p:cNvPr id="16" name="Rectangle 15"/>
+          <p:cNvSpPr/>
+          <p:nvPr/>
+        </p:nvSpPr>
+        <p:spPr>
+          <a:xfrm>
+            <a:off x="1019175" y="5212969"/>
+            <a:ext cx="10313423" cy="1299715"/>
+          </a:xfrm>
+          <a:prstGeom prst="rect">
+            <a:avLst/>
+          </a:prstGeom>
+          <a:solidFill>
+            <a:schemeClr val="tx2">
+              <a:lumMod val="20000"/>
+              <a:lumOff val="80000"/>
+            </a:schemeClr>
+          </a:solidFill>
+        </p:spPr>
+        <p:txBody>
+          <a:bodyPr wrap="square">
+            <a:spAutoFit/>
+          </a:bodyPr>
+          <a:lstStyle/>
+          <a:p>
+            <a:pPr marL="342900" lvl="0" indent="-342900" algn="just">
+              <a:lnSpc>
+                <a:spcPct val="114000"/>
+              </a:lnSpc>
+              <a:spcBef>
+                <a:spcPts val="300"/>
+              </a:spcBef>
+              <a:spcAft>
+                <a:spcPts val="0"/>
+              </a:spcAft>
+              <a:buFont typeface="Times New Roman" panose="02020603050405020304" pitchFamily="18" charset="0"/>
+              <a:buChar char="-"/>
+            </a:pPr>
+            <a:r>
+              <a:rPr lang="en-US" sz="1400" dirty="0">
+                <a:latin typeface="Arial" panose="020B0604020202020204" pitchFamily="34" charset="0"/>
+                <a:ea typeface="Calibri" panose="020F0502020204030204" pitchFamily="34" charset="0"/>
+                <a:cs typeface="Arial" panose="020B0604020202020204" pitchFamily="34" charset="0"/>
+              </a:rPr>
+              <a:t>Sau khi được khởi tạo và đồng bộ dữ liệu, </a:t>
+            </a:r>
+            <a:r>
+              <a:rPr lang="en-US" sz="1400" dirty="0" smtClean="0">
+                <a:latin typeface="Arial" panose="020B0604020202020204" pitchFamily="34" charset="0"/>
+                <a:ea typeface="Calibri" panose="020F0502020204030204" pitchFamily="34" charset="0"/>
+                <a:cs typeface="Arial" panose="020B0604020202020204" pitchFamily="34" charset="0"/>
+              </a:rPr>
+              <a:t>TLDChain </a:t>
+            </a:r>
+            <a:r>
+              <a:rPr lang="en-US" sz="1400" dirty="0">
+                <a:latin typeface="Arial" panose="020B0604020202020204" pitchFamily="34" charset="0"/>
+                <a:ea typeface="Calibri" panose="020F0502020204030204" pitchFamily="34" charset="0"/>
+                <a:cs typeface="Arial" panose="020B0604020202020204" pitchFamily="34" charset="0"/>
+              </a:rPr>
+              <a:t>hoặc có thể gọi là Blockchain sẽ chia làm 2 chuyên mục : </a:t>
+            </a:r>
+            <a:r>
+              <a:rPr lang="en-US" sz="1400" dirty="0" smtClean="0">
+                <a:latin typeface="Arial" panose="020B0604020202020204" pitchFamily="34" charset="0"/>
+                <a:ea typeface="Calibri" panose="020F0502020204030204" pitchFamily="34" charset="0"/>
+                <a:cs typeface="Arial" panose="020B0604020202020204" pitchFamily="34" charset="0"/>
+              </a:rPr>
+              <a:t>thông thường hoặc </a:t>
+            </a:r>
+            <a:r>
+              <a:rPr lang="en-US" sz="1400" dirty="0">
+                <a:latin typeface="Arial" panose="020B0604020202020204" pitchFamily="34" charset="0"/>
+                <a:ea typeface="Calibri" panose="020F0502020204030204" pitchFamily="34" charset="0"/>
+                <a:cs typeface="Arial" panose="020B0604020202020204" pitchFamily="34" charset="0"/>
+              </a:rPr>
+              <a:t>chỉ định theo một lựa chọn nào đó ( ở ví dụ sẽ là quốc gia ) nhờ đó có thể áp dụng phân quyền tạo nên một Permissioned Blockchain ( kết hợp giữa Public và Private ).</a:t>
+            </a:r>
+          </a:p>
+          <a:p>
+            <a:pPr marL="342900" lvl="0" indent="-342900" algn="just">
+              <a:lnSpc>
+                <a:spcPct val="114000"/>
+              </a:lnSpc>
+              <a:spcAft>
+                <a:spcPts val="300"/>
+              </a:spcAft>
+              <a:buFont typeface="Times New Roman" panose="02020603050405020304" pitchFamily="18" charset="0"/>
+              <a:buChar char="-"/>
+            </a:pPr>
+            <a:r>
+              <a:rPr lang="en-US" sz="1400" dirty="0">
+                <a:latin typeface="Arial" panose="020B0604020202020204" pitchFamily="34" charset="0"/>
+                <a:ea typeface="Calibri" panose="020F0502020204030204" pitchFamily="34" charset="0"/>
+                <a:cs typeface="Arial" panose="020B0604020202020204" pitchFamily="34" charset="0"/>
+              </a:rPr>
+              <a:t>Giai đoạn cuối cùng là Data Access, là nơi tiếp nhận thông tin của các người dùng và trực tiếp trả về kết quả thông qua việc xử lý thông tin ở TLDChain.</a:t>
+            </a:r>
+          </a:p>
+        </p:txBody>
+      </p:sp>
+      <p:sp>
+        <p:nvSpPr>
+          <p:cNvPr id="17" name="Rectangle 16"/>
+          <p:cNvSpPr/>
+          <p:nvPr/>
+        </p:nvSpPr>
+        <p:spPr>
+          <a:xfrm>
+            <a:off x="1044448" y="1377141"/>
+            <a:ext cx="1327608" cy="375552"/>
+          </a:xfrm>
+          <a:prstGeom prst="rect">
+            <a:avLst/>
+          </a:prstGeom>
+        </p:spPr>
+        <p:txBody>
+          <a:bodyPr wrap="none">
+            <a:spAutoFit/>
+          </a:bodyPr>
+          <a:lstStyle/>
+          <a:p>
+            <a:pPr lvl="0">
+              <a:lnSpc>
+                <a:spcPct val="150000"/>
+              </a:lnSpc>
+              <a:spcBef>
+                <a:spcPts val="300"/>
+              </a:spcBef>
+            </a:pPr>
+            <a:r>
+              <a:rPr lang="en-US" sz="1400" b="1" dirty="0">
+                <a:latin typeface="Arial" panose="020B0604020202020204" pitchFamily="34" charset="0"/>
+                <a:ea typeface="Calibri" panose="020F0502020204030204" pitchFamily="34" charset="0"/>
+                <a:cs typeface="Arial" panose="020B0604020202020204" pitchFamily="34" charset="0"/>
+              </a:rPr>
+              <a:t>Data Publish:</a:t>
+            </a:r>
+          </a:p>
+        </p:txBody>
+      </p:sp>
+      <p:sp>
+        <p:nvSpPr>
+          <p:cNvPr id="18" name="TextBox 17"/>
+          <p:cNvSpPr txBox="1"/>
+          <p:nvPr/>
+        </p:nvSpPr>
+        <p:spPr>
+          <a:xfrm>
+            <a:off x="1044448" y="2256321"/>
+            <a:ext cx="1138453" cy="307777"/>
+          </a:xfrm>
+          <a:prstGeom prst="rect">
+            <a:avLst/>
+          </a:prstGeom>
+          <a:noFill/>
+        </p:spPr>
+        <p:txBody>
+          <a:bodyPr wrap="none" rtlCol="0">
+            <a:spAutoFit/>
+          </a:bodyPr>
+          <a:lstStyle/>
+          <a:p>
+            <a:pPr lvl="0"/>
+            <a:r>
+              <a:rPr lang="en-US" sz="1400" b="1" dirty="0">
+                <a:latin typeface="Arial" panose="020B0604020202020204" pitchFamily="34" charset="0"/>
+                <a:ea typeface="Calibri" panose="020F0502020204030204" pitchFamily="34" charset="0"/>
+                <a:cs typeface="Arial" panose="020B0604020202020204" pitchFamily="34" charset="0"/>
+              </a:rPr>
+              <a:t>TLD </a:t>
+            </a:r>
+            <a:r>
+              <a:rPr lang="en-US" sz="1400" b="1" dirty="0" smtClean="0">
+                <a:latin typeface="Arial" panose="020B0604020202020204" pitchFamily="34" charset="0"/>
+                <a:ea typeface="Calibri" panose="020F0502020204030204" pitchFamily="34" charset="0"/>
+                <a:cs typeface="Arial" panose="020B0604020202020204" pitchFamily="34" charset="0"/>
+              </a:rPr>
+              <a:t>Chain:</a:t>
+            </a:r>
+            <a:endParaRPr lang="en-US" sz="1400" b="1" dirty="0">
+              <a:latin typeface="Arial" panose="020B0604020202020204" pitchFamily="34" charset="0"/>
+              <a:ea typeface="Calibri" panose="020F0502020204030204" pitchFamily="34" charset="0"/>
+              <a:cs typeface="Arial" panose="020B0604020202020204" pitchFamily="34" charset="0"/>
+            </a:endParaRPr>
+          </a:p>
+        </p:txBody>
+      </p:sp>
+    </p:spTree>
+  </p:cSld>
+  <p:clrMapOvr>
+    <a:masterClrMapping/>
+  </p:clrMapOvr>
+  <p:transition spd="slow">
+    <p:push dir="u"/>
+  </p:transition>
+  <p:timing>
+    <p:tnLst>
+      <p:par>
+        <p:cTn id="1" dur="indefinite" restart="never" nodeType="tmRoot">
+          <p:childTnLst>
+            <p:seq concurrent="1" nextAc="seek">
+              <p:cTn id="2" dur="indefinite" nodeType="mainSeq">
+                <p:childTnLst>
+                  <p:par>
+                    <p:cTn id="3" fill="hold">
+                      <p:stCondLst>
+                        <p:cond delay="indefinite"/>
+                        <p:cond evt="onBegin" delay="0">
+                          <p:tn val="2"/>
+                        </p:cond>
+                      </p:stCondLst>
+                      <p:childTnLst>
+                        <p:par>
+                          <p:cTn id="4" fill="hold">
+                            <p:stCondLst>
+                              <p:cond delay="0"/>
+                            </p:stCondLst>
+                            <p:childTnLst>
+                              <p:par>
+                                <p:cTn id="5" presetID="10" presetClass="entr" presetSubtype="0" fill="hold" grpId="0" nodeType="withEffect">
+                                  <p:stCondLst>
+                                    <p:cond delay="0"/>
+                                  </p:stCondLst>
+                                  <p:childTnLst>
+                                    <p:set>
+                                      <p:cBhvr>
+                                        <p:cTn id="6" dur="1" fill="hold">
+                                          <p:stCondLst>
+                                            <p:cond delay="0"/>
+                                          </p:stCondLst>
+                                        </p:cTn>
+                                        <p:tgtEl>
+                                          <p:spTgt spid="6"/>
+                                        </p:tgtEl>
+                                        <p:attrNameLst>
+                                          <p:attrName>style.visibility</p:attrName>
+                                        </p:attrNameLst>
+                                      </p:cBhvr>
+                                      <p:to>
+                                        <p:strVal val="visible"/>
+                                      </p:to>
+                                    </p:set>
+                                    <p:animEffect transition="in" filter="fade">
+                                      <p:cBhvr>
+                                        <p:cTn id="7" dur="500"/>
+                                        <p:tgtEl>
+                                          <p:spTgt spid="6"/>
+                                        </p:tgtEl>
+                                      </p:cBhvr>
+                                    </p:animEffect>
+                                  </p:childTnLst>
+                                </p:cTn>
+                              </p:par>
+                              <p:par>
+                                <p:cTn id="8" presetID="10" presetClass="entr" presetSubtype="0" fill="hold" grpId="0" nodeType="withEffect">
+                                  <p:stCondLst>
+                                    <p:cond delay="0"/>
+                                  </p:stCondLst>
+                                  <p:childTnLst>
+                                    <p:set>
+                                      <p:cBhvr>
+                                        <p:cTn id="9" dur="1" fill="hold">
+                                          <p:stCondLst>
+                                            <p:cond delay="0"/>
+                                          </p:stCondLst>
+                                        </p:cTn>
+                                        <p:tgtEl>
+                                          <p:spTgt spid="4"/>
+                                        </p:tgtEl>
+                                        <p:attrNameLst>
+                                          <p:attrName>style.visibility</p:attrName>
+                                        </p:attrNameLst>
+                                      </p:cBhvr>
+                                      <p:to>
+                                        <p:strVal val="visible"/>
+                                      </p:to>
+                                    </p:set>
+                                    <p:animEffect transition="in" filter="fade">
+                                      <p:cBhvr>
+                                        <p:cTn id="10" dur="500"/>
+                                        <p:tgtEl>
+                                          <p:spTgt spid="4"/>
+                                        </p:tgtEl>
+                                      </p:cBhvr>
+                                    </p:animEffect>
+                                  </p:childTnLst>
+                                </p:cTn>
+                              </p:par>
+                              <p:par>
+                                <p:cTn id="11" presetID="10" presetClass="entr" presetSubtype="0" fill="hold" nodeType="withEffect">
+                                  <p:stCondLst>
+                                    <p:cond delay="0"/>
+                                  </p:stCondLst>
+                                  <p:childTnLst>
+                                    <p:set>
+                                      <p:cBhvr>
+                                        <p:cTn id="12" dur="1" fill="hold">
+                                          <p:stCondLst>
+                                            <p:cond delay="0"/>
+                                          </p:stCondLst>
+                                        </p:cTn>
+                                        <p:tgtEl>
+                                          <p:spTgt spid="5"/>
+                                        </p:tgtEl>
+                                        <p:attrNameLst>
+                                          <p:attrName>style.visibility</p:attrName>
+                                        </p:attrNameLst>
+                                      </p:cBhvr>
+                                      <p:to>
+                                        <p:strVal val="visible"/>
+                                      </p:to>
+                                    </p:set>
+                                    <p:animEffect transition="in" filter="fade">
+                                      <p:cBhvr>
+                                        <p:cTn id="13" dur="500"/>
+                                        <p:tgtEl>
+                                          <p:spTgt spid="5"/>
+                                        </p:tgtEl>
+                                      </p:cBhvr>
+                                    </p:animEffect>
+                                  </p:childTnLst>
+                                </p:cTn>
+                              </p:par>
+                              <p:par>
+                                <p:cTn id="14" presetID="10" presetClass="entr" presetSubtype="0" fill="hold" grpId="0" nodeType="withEffect">
+                                  <p:stCondLst>
+                                    <p:cond delay="0"/>
+                                  </p:stCondLst>
+                                  <p:childTnLst>
+                                    <p:set>
+                                      <p:cBhvr>
+                                        <p:cTn id="15" dur="1" fill="hold">
+                                          <p:stCondLst>
+                                            <p:cond delay="0"/>
+                                          </p:stCondLst>
+                                        </p:cTn>
+                                        <p:tgtEl>
+                                          <p:spTgt spid="8"/>
+                                        </p:tgtEl>
+                                        <p:attrNameLst>
+                                          <p:attrName>style.visibility</p:attrName>
+                                        </p:attrNameLst>
+                                      </p:cBhvr>
+                                      <p:to>
+                                        <p:strVal val="visible"/>
+                                      </p:to>
+                                    </p:set>
+                                    <p:animEffect transition="in" filter="fade">
+                                      <p:cBhvr>
+                                        <p:cTn id="16" dur="500"/>
+                                        <p:tgtEl>
+                                          <p:spTgt spid="8"/>
+                                        </p:tgtEl>
+                                      </p:cBhvr>
+                                    </p:animEffect>
+                                  </p:childTnLst>
+                                </p:cTn>
+                              </p:par>
+                              <p:par>
+                                <p:cTn id="17" presetID="10" presetClass="entr" presetSubtype="0" fill="hold" grpId="0" nodeType="withEffect">
+                                  <p:stCondLst>
+                                    <p:cond delay="0"/>
+                                  </p:stCondLst>
+                                  <p:childTnLst>
+                                    <p:set>
+                                      <p:cBhvr>
+                                        <p:cTn id="18" dur="1" fill="hold">
+                                          <p:stCondLst>
+                                            <p:cond delay="0"/>
+                                          </p:stCondLst>
+                                        </p:cTn>
+                                        <p:tgtEl>
+                                          <p:spTgt spid="9"/>
+                                        </p:tgtEl>
+                                        <p:attrNameLst>
+                                          <p:attrName>style.visibility</p:attrName>
+                                        </p:attrNameLst>
+                                      </p:cBhvr>
+                                      <p:to>
+                                        <p:strVal val="visible"/>
+                                      </p:to>
+                                    </p:set>
+                                    <p:animEffect transition="in" filter="fade">
+                                      <p:cBhvr>
+                                        <p:cTn id="19" dur="500"/>
+                                        <p:tgtEl>
+                                          <p:spTgt spid="9"/>
+                                        </p:tgtEl>
+                                      </p:cBhvr>
+                                    </p:animEffect>
+                                  </p:childTnLst>
+                                </p:cTn>
+                              </p:par>
+                              <p:par>
+                                <p:cTn id="20" presetID="10" presetClass="entr" presetSubtype="0" fill="hold" grpId="0" nodeType="withEffect">
+                                  <p:stCondLst>
+                                    <p:cond delay="0"/>
+                                  </p:stCondLst>
+                                  <p:childTnLst>
+                                    <p:set>
+                                      <p:cBhvr>
+                                        <p:cTn id="21" dur="1" fill="hold">
+                                          <p:stCondLst>
+                                            <p:cond delay="0"/>
+                                          </p:stCondLst>
+                                        </p:cTn>
+                                        <p:tgtEl>
+                                          <p:spTgt spid="2"/>
+                                        </p:tgtEl>
+                                        <p:attrNameLst>
+                                          <p:attrName>style.visibility</p:attrName>
+                                        </p:attrNameLst>
+                                      </p:cBhvr>
+                                      <p:to>
+                                        <p:strVal val="visible"/>
+                                      </p:to>
+                                    </p:set>
+                                    <p:animEffect transition="in" filter="fade">
+                                      <p:cBhvr>
+                                        <p:cTn id="22" dur="500"/>
+                                        <p:tgtEl>
+                                          <p:spTgt spid="2"/>
+                                        </p:tgtEl>
+                                      </p:cBhvr>
+                                    </p:animEffect>
+                                  </p:childTnLst>
+                                </p:cTn>
+                              </p:par>
+                              <p:par>
+                                <p:cTn id="23" presetID="10" presetClass="entr" presetSubtype="0" fill="hold" grpId="0" nodeType="withEffect">
+                                  <p:stCondLst>
+                                    <p:cond delay="0"/>
+                                  </p:stCondLst>
+                                  <p:childTnLst>
+                                    <p:set>
+                                      <p:cBhvr>
+                                        <p:cTn id="24" dur="1" fill="hold">
+                                          <p:stCondLst>
+                                            <p:cond delay="0"/>
+                                          </p:stCondLst>
+                                        </p:cTn>
+                                        <p:tgtEl>
+                                          <p:spTgt spid="3"/>
+                                        </p:tgtEl>
+                                        <p:attrNameLst>
+                                          <p:attrName>style.visibility</p:attrName>
+                                        </p:attrNameLst>
+                                      </p:cBhvr>
+                                      <p:to>
+                                        <p:strVal val="visible"/>
+                                      </p:to>
+                                    </p:set>
+                                    <p:animEffect transition="in" filter="fade">
+                                      <p:cBhvr>
+                                        <p:cTn id="25" dur="500"/>
+                                        <p:tgtEl>
+                                          <p:spTgt spid="3"/>
+                                        </p:tgtEl>
+                                      </p:cBhvr>
+                                    </p:animEffect>
+                                  </p:childTnLst>
+                                </p:cTn>
+                              </p:par>
+                              <p:par>
+                                <p:cTn id="26" presetID="10" presetClass="entr" presetSubtype="0" fill="hold" grpId="0" nodeType="withEffect">
+                                  <p:stCondLst>
+                                    <p:cond delay="0"/>
+                                  </p:stCondLst>
+                                  <p:childTnLst>
+                                    <p:set>
+                                      <p:cBhvr>
+                                        <p:cTn id="27" dur="1" fill="hold">
+                                          <p:stCondLst>
+                                            <p:cond delay="0"/>
+                                          </p:stCondLst>
+                                        </p:cTn>
+                                        <p:tgtEl>
+                                          <p:spTgt spid="10"/>
+                                        </p:tgtEl>
+                                        <p:attrNameLst>
+                                          <p:attrName>style.visibility</p:attrName>
+                                        </p:attrNameLst>
+                                      </p:cBhvr>
+                                      <p:to>
+                                        <p:strVal val="visible"/>
+                                      </p:to>
+                                    </p:set>
+                                    <p:animEffect transition="in" filter="fade">
+                                      <p:cBhvr>
+                                        <p:cTn id="28" dur="500"/>
+                                        <p:tgtEl>
+                                          <p:spTgt spid="10"/>
+                                        </p:tgtEl>
+                                      </p:cBhvr>
+                                    </p:animEffect>
+                                  </p:childTnLst>
+                                </p:cTn>
+                              </p:par>
+                              <p:par>
+                                <p:cTn id="29" presetID="10" presetClass="entr" presetSubtype="0" fill="hold" grpId="0" nodeType="withEffect">
+                                  <p:stCondLst>
+                                    <p:cond delay="0"/>
+                                  </p:stCondLst>
+                                  <p:childTnLst>
+                                    <p:set>
+                                      <p:cBhvr>
+                                        <p:cTn id="30" dur="1" fill="hold">
+                                          <p:stCondLst>
+                                            <p:cond delay="0"/>
+                                          </p:stCondLst>
+                                        </p:cTn>
+                                        <p:tgtEl>
+                                          <p:spTgt spid="12"/>
+                                        </p:tgtEl>
+                                        <p:attrNameLst>
+                                          <p:attrName>style.visibility</p:attrName>
+                                        </p:attrNameLst>
+                                      </p:cBhvr>
+                                      <p:to>
+                                        <p:strVal val="visible"/>
+                                      </p:to>
+                                    </p:set>
+                                    <p:animEffect transition="in" filter="fade">
+                                      <p:cBhvr>
+                                        <p:cTn id="31" dur="500"/>
+                                        <p:tgtEl>
+                                          <p:spTgt spid="12"/>
+                                        </p:tgtEl>
+                                      </p:cBhvr>
+                                    </p:animEffect>
+                                  </p:childTnLst>
+                                </p:cTn>
+                              </p:par>
+                              <p:par>
+                                <p:cTn id="32" presetID="10" presetClass="entr" presetSubtype="0" fill="hold" grpId="0" nodeType="withEffect">
+                                  <p:stCondLst>
+                                    <p:cond delay="0"/>
+                                  </p:stCondLst>
+                                  <p:childTnLst>
+                                    <p:set>
+                                      <p:cBhvr>
+                                        <p:cTn id="33" dur="1" fill="hold">
+                                          <p:stCondLst>
+                                            <p:cond delay="0"/>
+                                          </p:stCondLst>
+                                        </p:cTn>
+                                        <p:tgtEl>
+                                          <p:spTgt spid="13"/>
+                                        </p:tgtEl>
+                                        <p:attrNameLst>
+                                          <p:attrName>style.visibility</p:attrName>
+                                        </p:attrNameLst>
+                                      </p:cBhvr>
+                                      <p:to>
+                                        <p:strVal val="visible"/>
+                                      </p:to>
+                                    </p:set>
+                                    <p:animEffect transition="in" filter="fade">
+                                      <p:cBhvr>
+                                        <p:cTn id="34" dur="500"/>
+                                        <p:tgtEl>
+                                          <p:spTgt spid="13"/>
+                                        </p:tgtEl>
+                                      </p:cBhvr>
+                                    </p:animEffect>
+                                  </p:childTnLst>
+                                </p:cTn>
+                              </p:par>
+                              <p:par>
+                                <p:cTn id="35" presetID="10" presetClass="entr" presetSubtype="0" fill="hold" grpId="0" nodeType="withEffect">
+                                  <p:stCondLst>
+                                    <p:cond delay="0"/>
+                                  </p:stCondLst>
+                                  <p:childTnLst>
+                                    <p:set>
+                                      <p:cBhvr>
+                                        <p:cTn id="36" dur="1" fill="hold">
+                                          <p:stCondLst>
+                                            <p:cond delay="0"/>
+                                          </p:stCondLst>
+                                        </p:cTn>
+                                        <p:tgtEl>
+                                          <p:spTgt spid="14"/>
+                                        </p:tgtEl>
+                                        <p:attrNameLst>
+                                          <p:attrName>style.visibility</p:attrName>
+                                        </p:attrNameLst>
+                                      </p:cBhvr>
+                                      <p:to>
+                                        <p:strVal val="visible"/>
+                                      </p:to>
+                                    </p:set>
+                                    <p:animEffect transition="in" filter="fade">
+                                      <p:cBhvr>
+                                        <p:cTn id="37" dur="500"/>
+                                        <p:tgtEl>
+                                          <p:spTgt spid="14"/>
+                                        </p:tgtEl>
+                                      </p:cBhvr>
+                                    </p:animEffect>
+                                  </p:childTnLst>
+                                </p:cTn>
+                              </p:par>
+                              <p:par>
+                                <p:cTn id="38" presetID="10" presetClass="entr" presetSubtype="0" fill="hold" grpId="0" nodeType="withEffect">
+                                  <p:stCondLst>
+                                    <p:cond delay="0"/>
+                                  </p:stCondLst>
+                                  <p:childTnLst>
+                                    <p:set>
+                                      <p:cBhvr>
+                                        <p:cTn id="39" dur="1" fill="hold">
+                                          <p:stCondLst>
+                                            <p:cond delay="0"/>
+                                          </p:stCondLst>
+                                        </p:cTn>
+                                        <p:tgtEl>
+                                          <p:spTgt spid="16"/>
+                                        </p:tgtEl>
+                                        <p:attrNameLst>
+                                          <p:attrName>style.visibility</p:attrName>
+                                        </p:attrNameLst>
+                                      </p:cBhvr>
+                                      <p:to>
+                                        <p:strVal val="visible"/>
+                                      </p:to>
+                                    </p:set>
+                                    <p:animEffect transition="in" filter="fade">
+                                      <p:cBhvr>
+                                        <p:cTn id="40" dur="500"/>
+                                        <p:tgtEl>
+                                          <p:spTgt spid="16"/>
+                                        </p:tgtEl>
+                                      </p:cBhvr>
+                                    </p:animEffect>
+                                  </p:childTnLst>
+                                </p:cTn>
+                              </p:par>
+                              <p:par>
+                                <p:cTn id="41" presetID="10" presetClass="entr" presetSubtype="0" fill="hold" grpId="0" nodeType="withEffect">
+                                  <p:stCondLst>
+                                    <p:cond delay="0"/>
+                                  </p:stCondLst>
+                                  <p:childTnLst>
+                                    <p:set>
+                                      <p:cBhvr>
+                                        <p:cTn id="42" dur="1" fill="hold">
+                                          <p:stCondLst>
+                                            <p:cond delay="0"/>
+                                          </p:stCondLst>
+                                        </p:cTn>
+                                        <p:tgtEl>
+                                          <p:spTgt spid="17"/>
+                                        </p:tgtEl>
+                                        <p:attrNameLst>
+                                          <p:attrName>style.visibility</p:attrName>
+                                        </p:attrNameLst>
+                                      </p:cBhvr>
+                                      <p:to>
+                                        <p:strVal val="visible"/>
+                                      </p:to>
+                                    </p:set>
+                                    <p:animEffect transition="in" filter="fade">
+                                      <p:cBhvr>
+                                        <p:cTn id="43" dur="500"/>
+                                        <p:tgtEl>
+                                          <p:spTgt spid="17"/>
+                                        </p:tgtEl>
+                                      </p:cBhvr>
+                                    </p:animEffect>
+                                  </p:childTnLst>
+                                </p:cTn>
+                              </p:par>
+                              <p:par>
+                                <p:cTn id="44" presetID="10" presetClass="entr" presetSubtype="0" fill="hold" grpId="0" nodeType="withEffect">
+                                  <p:stCondLst>
+                                    <p:cond delay="0"/>
+                                  </p:stCondLst>
+                                  <p:childTnLst>
+                                    <p:set>
+                                      <p:cBhvr>
+                                        <p:cTn id="45" dur="1" fill="hold">
+                                          <p:stCondLst>
+                                            <p:cond delay="0"/>
+                                          </p:stCondLst>
+                                        </p:cTn>
+                                        <p:tgtEl>
+                                          <p:spTgt spid="18"/>
+                                        </p:tgtEl>
+                                        <p:attrNameLst>
+                                          <p:attrName>style.visibility</p:attrName>
+                                        </p:attrNameLst>
+                                      </p:cBhvr>
+                                      <p:to>
+                                        <p:strVal val="visible"/>
+                                      </p:to>
+                                    </p:set>
+                                    <p:animEffect transition="in" filter="fade">
+                                      <p:cBhvr>
+                                        <p:cTn id="46" dur="500"/>
+                                        <p:tgtEl>
+                                          <p:spTgt spid="18"/>
+                                        </p:tgtEl>
+                                      </p:cBhvr>
+                                    </p:animEffect>
+                                  </p:childTnLst>
+                                </p:cTn>
+                              </p:par>
+                            </p:childTnLst>
+                          </p:cTn>
+                        </p:par>
+                      </p:childTnLst>
+                    </p:cTn>
+                  </p:par>
+                </p:childTnLst>
+              </p:cTn>
+              <p:prevCondLst>
+                <p:cond evt="onPrev" delay="0">
+                  <p:tgtEl>
+                    <p:sldTgt/>
+                  </p:tgtEl>
+                </p:cond>
+              </p:prevCondLst>
+              <p:nextCondLst>
+                <p:cond evt="onNext" delay="0">
+                  <p:tgtEl>
+                    <p:sldTgt/>
+                  </p:tgtEl>
+                </p:cond>
+              </p:nextCondLst>
+            </p:seq>
+          </p:childTnLst>
+        </p:cTn>
+      </p:par>
+    </p:tnLst>
+    <p:bldLst>
+      <p:bldP spid="6" grpId="0"/>
+      <p:bldP spid="4" grpId="0"/>
+      <p:bldP spid="8" grpId="0"/>
+      <p:bldP spid="9" grpId="0"/>
+      <p:bldP spid="2" grpId="0" animBg="1"/>
+      <p:bldP spid="3" grpId="0"/>
+      <p:bldP spid="10" grpId="0"/>
+      <p:bldP spid="12" grpId="0"/>
+      <p:bldP spid="13" grpId="0"/>
+      <p:bldP spid="14" grpId="0"/>
+      <p:bldP spid="16" grpId="0" animBg="1"/>
+      <p:bldP spid="17" grpId="0"/>
+      <p:bldP spid="18" grpId="0"/>
     </p:bldLst>
   </p:timing>
 </p:sld>
@@ -26955,6 +24673,8 @@
       </a:bgFillStyleLst>
     </a:fmtScheme>
   </a:themeElements>
+  <a:objectDefaults/>
+  <a:extraClrSchemeLst/>
   <a:extLst>
     <a:ext uri="{05A4C25C-085E-4340-85A3-A5531E510DB2}">
       <thm15:themeFamily xmlns:thm15="http://schemas.microsoft.com/office/thememl/2012/main" name="Office Theme" id="{62F939B6-93AF-4DB8-9C6B-D6C7DFDC589F}" vid="{4A3C46E8-61CC-4603-A589-7422A47A8E4A}"/>
@@ -27214,6 +24934,8 @@
       </a:bgFillStyleLst>
     </a:fmtScheme>
   </a:themeElements>
+  <a:objectDefaults/>
+  <a:extraClrSchemeLst/>
   <a:extLst>
     <a:ext uri="{05A4C25C-085E-4340-85A3-A5531E510DB2}">
       <thm15:themeFamily xmlns:thm15="http://schemas.microsoft.com/office/thememl/2012/main" name="Office Theme" id="{62F939B6-93AF-4DB8-9C6B-D6C7DFDC589F}" vid="{4A3C46E8-61CC-4603-A589-7422A47A8E4A}"/>

--- a/slide/D17CQAT01_PhanDai_N17DCAT013.pptx
+++ b/slide/D17CQAT01_PhanDai_N17DCAT013.pptx
@@ -5,26 +5,26 @@
     <p:sldMasterId id="2147483648" r:id="rId1"/>
   </p:sldMasterIdLst>
   <p:notesMasterIdLst>
-    <p:notesMasterId r:id="rId19"/>
+    <p:notesMasterId r:id="rId20"/>
   </p:notesMasterIdLst>
   <p:sldIdLst>
-    <p:sldId id="256" r:id="rId2"/>
-    <p:sldId id="257" r:id="rId3"/>
-    <p:sldId id="261" r:id="rId4"/>
-    <p:sldId id="272" r:id="rId5"/>
-    <p:sldId id="284" r:id="rId6"/>
-    <p:sldId id="285" r:id="rId7"/>
-    <p:sldId id="266" r:id="rId8"/>
-    <p:sldId id="273" r:id="rId9"/>
-    <p:sldId id="271" r:id="rId10"/>
-    <p:sldId id="274" r:id="rId11"/>
-    <p:sldId id="275" r:id="rId12"/>
-    <p:sldId id="276" r:id="rId13"/>
-    <p:sldId id="277" r:id="rId14"/>
-    <p:sldId id="278" r:id="rId15"/>
-    <p:sldId id="262" r:id="rId16"/>
-    <p:sldId id="259" r:id="rId17"/>
-    <p:sldId id="258" r:id="rId18"/>
+    <p:sldId id="256" r:id="rId3"/>
+    <p:sldId id="257" r:id="rId4"/>
+    <p:sldId id="261" r:id="rId5"/>
+    <p:sldId id="272" r:id="rId6"/>
+    <p:sldId id="284" r:id="rId7"/>
+    <p:sldId id="285" r:id="rId8"/>
+    <p:sldId id="266" r:id="rId9"/>
+    <p:sldId id="273" r:id="rId10"/>
+    <p:sldId id="271" r:id="rId11"/>
+    <p:sldId id="274" r:id="rId12"/>
+    <p:sldId id="275" r:id="rId13"/>
+    <p:sldId id="276" r:id="rId14"/>
+    <p:sldId id="277" r:id="rId15"/>
+    <p:sldId id="278" r:id="rId16"/>
+    <p:sldId id="262" r:id="rId17"/>
+    <p:sldId id="259" r:id="rId18"/>
+    <p:sldId id="258" r:id="rId19"/>
   </p:sldIdLst>
   <p:sldSz cx="12192000" cy="6858000"/>
   <p:notesSz cx="6858000" cy="9144000"/>
@@ -123,11 +123,6 @@
       </a:defRPr>
     </a:lvl9pPr>
   </p:defaultTextStyle>
-  <p:extLst>
-    <p:ext uri="{EFAFB233-063F-42B5-8137-9DF3F51BA10A}">
-      <p15:sldGuideLst xmlns:p15="http://schemas.microsoft.com/office/powerpoint/2012/main"/>
-    </p:ext>
-  </p:extLst>
 </p:presentation>
 </file>
 
@@ -213,7 +208,6 @@
           <a:p>
             <a:fld id="{4D90CDED-DED5-4950-8D8A-00FFCAA83A1B}" type="datetimeFigureOut">
               <a:rPr lang="en-US" smtClean="0"/>
-              <a:t>12/20/2021</a:t>
             </a:fld>
             <a:endParaRPr lang="en-US"/>
           </a:p>
@@ -280,6 +274,7 @@
               <a:rPr lang="en-US" smtClean="0"/>
               <a:t>Edit Master text styles</a:t>
             </a:r>
+            <a:endParaRPr lang="en-US" smtClean="0"/>
           </a:p>
           <a:p>
             <a:pPr lvl="1"/>
@@ -287,6 +282,7 @@
               <a:rPr lang="en-US" smtClean="0"/>
               <a:t>Second level</a:t>
             </a:r>
+            <a:endParaRPr lang="en-US" smtClean="0"/>
           </a:p>
           <a:p>
             <a:pPr lvl="2"/>
@@ -294,6 +290,7 @@
               <a:rPr lang="en-US" smtClean="0"/>
               <a:t>Third level</a:t>
             </a:r>
+            <a:endParaRPr lang="en-US" smtClean="0"/>
           </a:p>
           <a:p>
             <a:pPr lvl="3"/>
@@ -301,6 +298,7 @@
               <a:rPr lang="en-US" smtClean="0"/>
               <a:t>Fourth level</a:t>
             </a:r>
+            <a:endParaRPr lang="en-US" smtClean="0"/>
           </a:p>
           <a:p>
             <a:pPr lvl="4"/>
@@ -372,7 +370,6 @@
           <a:p>
             <a:fld id="{FD20B253-7E6D-4FFF-A48B-C518ADBC2D7F}" type="slidenum">
               <a:rPr lang="en-US" smtClean="0"/>
-              <a:t>‹#›</a:t>
             </a:fld>
             <a:endParaRPr lang="en-US"/>
           </a:p>
@@ -477,7 +474,7 @@
 </file>
 
 <file path=ppt/slideLayouts/slideLayout1.xml><?xml version="1.0" encoding="utf-8"?>
-<p:sldLayout xmlns:a="http://schemas.openxmlformats.org/drawingml/2006/main" xmlns:r="http://schemas.openxmlformats.org/officeDocument/2006/relationships" xmlns:p="http://schemas.openxmlformats.org/presentationml/2006/main" showMasterSp="0" type="title" preserve="1">
+<p:sldLayout xmlns:a="http://schemas.openxmlformats.org/drawingml/2006/main" xmlns:r="http://schemas.openxmlformats.org/officeDocument/2006/relationships" xmlns:p="http://schemas.openxmlformats.org/presentationml/2006/main" type="title" preserve="1" showMasterSp="0">
   <p:cSld name="Title Slide">
     <p:spTree>
       <p:nvGrpSpPr>
@@ -879,7 +876,6 @@
           <a:p>
             <a:fld id="{9CC9E0FF-7D19-4510-9DCE-23D201D9E916}" type="datetime1">
               <a:rPr lang="en-US" smtClean="0"/>
-              <a:t>12/20/2021</a:t>
             </a:fld>
             <a:endParaRPr lang="en-US"/>
           </a:p>
@@ -930,7 +926,6 @@
           <a:p>
             <a:fld id="{040DEF24-717E-4741-8753-F7E431A261E5}" type="slidenum">
               <a:rPr lang="en-US" smtClean="0"/>
-              <a:t>‹#›</a:t>
             </a:fld>
             <a:endParaRPr lang="en-US"/>
           </a:p>
@@ -1004,6 +999,7 @@
               <a:rPr lang="en-US" smtClean="0"/>
               <a:t>Edit Master text styles</a:t>
             </a:r>
+            <a:endParaRPr lang="en-US" smtClean="0"/>
           </a:p>
           <a:p>
             <a:pPr lvl="1"/>
@@ -1011,6 +1007,7 @@
               <a:rPr lang="en-US" smtClean="0"/>
               <a:t>Second level</a:t>
             </a:r>
+            <a:endParaRPr lang="en-US" smtClean="0"/>
           </a:p>
           <a:p>
             <a:pPr lvl="2"/>
@@ -1018,6 +1015,7 @@
               <a:rPr lang="en-US" smtClean="0"/>
               <a:t>Third level</a:t>
             </a:r>
+            <a:endParaRPr lang="en-US" smtClean="0"/>
           </a:p>
           <a:p>
             <a:pPr lvl="3"/>
@@ -1025,6 +1023,7 @@
               <a:rPr lang="en-US" smtClean="0"/>
               <a:t>Fourth level</a:t>
             </a:r>
+            <a:endParaRPr lang="en-US" smtClean="0"/>
           </a:p>
           <a:p>
             <a:pPr lvl="4"/>
@@ -1053,7 +1052,6 @@
           <a:p>
             <a:fld id="{02BE6C0D-AE79-4D98-BA3B-E3751AE5331F}" type="datetime1">
               <a:rPr lang="en-US" smtClean="0"/>
-              <a:t>12/20/2021</a:t>
             </a:fld>
             <a:endParaRPr lang="en-US"/>
           </a:p>
@@ -1095,7 +1093,6 @@
           <a:p>
             <a:fld id="{040DEF24-717E-4741-8753-F7E431A261E5}" type="slidenum">
               <a:rPr lang="en-US" smtClean="0"/>
-              <a:t>‹#›</a:t>
             </a:fld>
             <a:endParaRPr lang="en-US"/>
           </a:p>
@@ -1179,6 +1176,7 @@
               <a:rPr lang="en-US" smtClean="0"/>
               <a:t>Edit Master text styles</a:t>
             </a:r>
+            <a:endParaRPr lang="en-US" smtClean="0"/>
           </a:p>
           <a:p>
             <a:pPr lvl="1"/>
@@ -1186,6 +1184,7 @@
               <a:rPr lang="en-US" smtClean="0"/>
               <a:t>Second level</a:t>
             </a:r>
+            <a:endParaRPr lang="en-US" smtClean="0"/>
           </a:p>
           <a:p>
             <a:pPr lvl="2"/>
@@ -1193,6 +1192,7 @@
               <a:rPr lang="en-US" smtClean="0"/>
               <a:t>Third level</a:t>
             </a:r>
+            <a:endParaRPr lang="en-US" smtClean="0"/>
           </a:p>
           <a:p>
             <a:pPr lvl="3"/>
@@ -1200,6 +1200,7 @@
               <a:rPr lang="en-US" smtClean="0"/>
               <a:t>Fourth level</a:t>
             </a:r>
+            <a:endParaRPr lang="en-US" smtClean="0"/>
           </a:p>
           <a:p>
             <a:pPr lvl="4"/>
@@ -1228,7 +1229,6 @@
           <a:p>
             <a:fld id="{64794B53-B5A7-48E6-89FC-70BEF208D151}" type="datetime1">
               <a:rPr lang="en-US" smtClean="0"/>
-              <a:t>12/20/2021</a:t>
             </a:fld>
             <a:endParaRPr lang="en-US"/>
           </a:p>
@@ -1270,7 +1270,6 @@
           <a:p>
             <a:fld id="{040DEF24-717E-4741-8753-F7E431A261E5}" type="slidenum">
               <a:rPr lang="en-US" smtClean="0"/>
-              <a:t>‹#›</a:t>
             </a:fld>
             <a:endParaRPr lang="en-US"/>
           </a:p>
@@ -1344,6 +1343,7 @@
               <a:rPr lang="en-US" smtClean="0"/>
               <a:t>Edit Master text styles</a:t>
             </a:r>
+            <a:endParaRPr lang="en-US" smtClean="0"/>
           </a:p>
           <a:p>
             <a:pPr lvl="1"/>
@@ -1351,6 +1351,7 @@
               <a:rPr lang="en-US" smtClean="0"/>
               <a:t>Second level</a:t>
             </a:r>
+            <a:endParaRPr lang="en-US" smtClean="0"/>
           </a:p>
           <a:p>
             <a:pPr lvl="2"/>
@@ -1358,6 +1359,7 @@
               <a:rPr lang="en-US" smtClean="0"/>
               <a:t>Third level</a:t>
             </a:r>
+            <a:endParaRPr lang="en-US" smtClean="0"/>
           </a:p>
           <a:p>
             <a:pPr lvl="3"/>
@@ -1365,6 +1367,7 @@
               <a:rPr lang="en-US" smtClean="0"/>
               <a:t>Fourth level</a:t>
             </a:r>
+            <a:endParaRPr lang="en-US" smtClean="0"/>
           </a:p>
           <a:p>
             <a:pPr lvl="4"/>
@@ -1393,7 +1396,6 @@
           <a:p>
             <a:fld id="{E4F4B884-B57B-462C-B739-9A72F1ADE961}" type="datetime1">
               <a:rPr lang="en-US" smtClean="0"/>
-              <a:t>12/20/2021</a:t>
             </a:fld>
             <a:endParaRPr lang="en-US"/>
           </a:p>
@@ -1435,7 +1437,6 @@
           <a:p>
             <a:fld id="{040DEF24-717E-4741-8753-F7E431A261E5}" type="slidenum">
               <a:rPr lang="en-US" smtClean="0"/>
-              <a:t>‹#›</a:t>
             </a:fld>
             <a:endParaRPr lang="en-US"/>
           </a:p>
@@ -1450,7 +1451,7 @@
 </file>
 
 <file path=ppt/slideLayouts/slideLayout3.xml><?xml version="1.0" encoding="utf-8"?>
-<p:sldLayout xmlns:a="http://schemas.openxmlformats.org/drawingml/2006/main" xmlns:r="http://schemas.openxmlformats.org/officeDocument/2006/relationships" xmlns:p="http://schemas.openxmlformats.org/presentationml/2006/main" showMasterSp="0" type="secHead" preserve="1">
+<p:sldLayout xmlns:a="http://schemas.openxmlformats.org/drawingml/2006/main" xmlns:r="http://schemas.openxmlformats.org/officeDocument/2006/relationships" xmlns:p="http://schemas.openxmlformats.org/presentationml/2006/main" type="secHead" preserve="1" showMasterSp="0">
   <p:cSld name="Section Header">
     <p:spTree>
       <p:nvGrpSpPr>
@@ -1676,6 +1677,7 @@
               <a:rPr lang="en-US" smtClean="0"/>
               <a:t>Edit Master text styles</a:t>
             </a:r>
+            <a:endParaRPr lang="en-US" smtClean="0"/>
           </a:p>
         </p:txBody>
       </p:sp>
@@ -1701,7 +1703,6 @@
           <a:p>
             <a:fld id="{B9C8D748-A08B-490E-87AA-BC3835B708B2}" type="datetime1">
               <a:rPr lang="en-US" smtClean="0"/>
-              <a:t>12/20/2021</a:t>
             </a:fld>
             <a:endParaRPr lang="en-US"/>
           </a:p>
@@ -1841,7 +1842,6 @@
           <a:p>
             <a:fld id="{040DEF24-717E-4741-8753-F7E431A261E5}" type="slidenum">
               <a:rPr lang="en-US" smtClean="0"/>
-              <a:t>‹#›</a:t>
             </a:fld>
             <a:endParaRPr lang="en-US"/>
           </a:p>
@@ -1948,6 +1948,7 @@
               <a:rPr lang="en-US" smtClean="0"/>
               <a:t>Edit Master text styles</a:t>
             </a:r>
+            <a:endParaRPr lang="en-US" smtClean="0"/>
           </a:p>
           <a:p>
             <a:pPr lvl="1"/>
@@ -1955,6 +1956,7 @@
               <a:rPr lang="en-US" smtClean="0"/>
               <a:t>Second level</a:t>
             </a:r>
+            <a:endParaRPr lang="en-US" smtClean="0"/>
           </a:p>
           <a:p>
             <a:pPr lvl="2"/>
@@ -1962,6 +1964,7 @@
               <a:rPr lang="en-US" smtClean="0"/>
               <a:t>Third level</a:t>
             </a:r>
+            <a:endParaRPr lang="en-US" smtClean="0"/>
           </a:p>
           <a:p>
             <a:pPr lvl="3"/>
@@ -1969,6 +1972,7 @@
               <a:rPr lang="en-US" smtClean="0"/>
               <a:t>Fourth level</a:t>
             </a:r>
+            <a:endParaRPr lang="en-US" smtClean="0"/>
           </a:p>
           <a:p>
             <a:pPr lvl="4"/>
@@ -2033,6 +2037,7 @@
               <a:rPr lang="en-US" smtClean="0"/>
               <a:t>Edit Master text styles</a:t>
             </a:r>
+            <a:endParaRPr lang="en-US" smtClean="0"/>
           </a:p>
           <a:p>
             <a:pPr lvl="1"/>
@@ -2040,6 +2045,7 @@
               <a:rPr lang="en-US" smtClean="0"/>
               <a:t>Second level</a:t>
             </a:r>
+            <a:endParaRPr lang="en-US" smtClean="0"/>
           </a:p>
           <a:p>
             <a:pPr lvl="2"/>
@@ -2047,6 +2053,7 @@
               <a:rPr lang="en-US" smtClean="0"/>
               <a:t>Third level</a:t>
             </a:r>
+            <a:endParaRPr lang="en-US" smtClean="0"/>
           </a:p>
           <a:p>
             <a:pPr lvl="3"/>
@@ -2054,6 +2061,7 @@
               <a:rPr lang="en-US" smtClean="0"/>
               <a:t>Fourth level</a:t>
             </a:r>
+            <a:endParaRPr lang="en-US" smtClean="0"/>
           </a:p>
           <a:p>
             <a:pPr lvl="4"/>
@@ -2082,7 +2090,6 @@
           <a:p>
             <a:fld id="{0FCBCAE6-D603-4735-B4B0-803AAA3FEC04}" type="datetime1">
               <a:rPr lang="en-US" smtClean="0"/>
-              <a:t>12/20/2021</a:t>
             </a:fld>
             <a:endParaRPr lang="en-US"/>
           </a:p>
@@ -2124,7 +2131,6 @@
           <a:p>
             <a:fld id="{040DEF24-717E-4741-8753-F7E431A261E5}" type="slidenum">
               <a:rPr lang="en-US" smtClean="0"/>
-              <a:t>‹#›</a:t>
             </a:fld>
             <a:endParaRPr lang="en-US"/>
           </a:p>
@@ -2248,6 +2254,7 @@
               <a:rPr lang="en-US" smtClean="0"/>
               <a:t>Edit Master text styles</a:t>
             </a:r>
+            <a:endParaRPr lang="en-US" smtClean="0"/>
           </a:p>
         </p:txBody>
       </p:sp>
@@ -2304,6 +2311,7 @@
               <a:rPr lang="en-US" smtClean="0"/>
               <a:t>Edit Master text styles</a:t>
             </a:r>
+            <a:endParaRPr lang="en-US" smtClean="0"/>
           </a:p>
           <a:p>
             <a:pPr lvl="1"/>
@@ -2311,6 +2319,7 @@
               <a:rPr lang="en-US" smtClean="0"/>
               <a:t>Second level</a:t>
             </a:r>
+            <a:endParaRPr lang="en-US" smtClean="0"/>
           </a:p>
           <a:p>
             <a:pPr lvl="2"/>
@@ -2318,6 +2327,7 @@
               <a:rPr lang="en-US" smtClean="0"/>
               <a:t>Third level</a:t>
             </a:r>
+            <a:endParaRPr lang="en-US" smtClean="0"/>
           </a:p>
           <a:p>
             <a:pPr lvl="3"/>
@@ -2325,6 +2335,7 @@
               <a:rPr lang="en-US" smtClean="0"/>
               <a:t>Fourth level</a:t>
             </a:r>
+            <a:endParaRPr lang="en-US" smtClean="0"/>
           </a:p>
           <a:p>
             <a:pPr lvl="4"/>
@@ -2406,6 +2417,7 @@
               <a:rPr lang="en-US" smtClean="0"/>
               <a:t>Edit Master text styles</a:t>
             </a:r>
+            <a:endParaRPr lang="en-US" smtClean="0"/>
           </a:p>
         </p:txBody>
       </p:sp>
@@ -2462,6 +2474,7 @@
               <a:rPr lang="en-US" smtClean="0"/>
               <a:t>Edit Master text styles</a:t>
             </a:r>
+            <a:endParaRPr lang="en-US" smtClean="0"/>
           </a:p>
           <a:p>
             <a:pPr lvl="1"/>
@@ -2469,6 +2482,7 @@
               <a:rPr lang="en-US" smtClean="0"/>
               <a:t>Second level</a:t>
             </a:r>
+            <a:endParaRPr lang="en-US" smtClean="0"/>
           </a:p>
           <a:p>
             <a:pPr lvl="2"/>
@@ -2476,6 +2490,7 @@
               <a:rPr lang="en-US" smtClean="0"/>
               <a:t>Third level</a:t>
             </a:r>
+            <a:endParaRPr lang="en-US" smtClean="0"/>
           </a:p>
           <a:p>
             <a:pPr lvl="3"/>
@@ -2483,6 +2498,7 @@
               <a:rPr lang="en-US" smtClean="0"/>
               <a:t>Fourth level</a:t>
             </a:r>
+            <a:endParaRPr lang="en-US" smtClean="0"/>
           </a:p>
           <a:p>
             <a:pPr lvl="4"/>
@@ -2511,7 +2527,6 @@
           <a:p>
             <a:fld id="{17C15CAB-E48F-495C-92CD-4CF2B2C1B0ED}" type="datetime1">
               <a:rPr lang="en-US" smtClean="0"/>
-              <a:t>12/20/2021</a:t>
             </a:fld>
             <a:endParaRPr lang="en-US"/>
           </a:p>
@@ -2553,7 +2568,6 @@
           <a:p>
             <a:fld id="{040DEF24-717E-4741-8753-F7E431A261E5}" type="slidenum">
               <a:rPr lang="en-US" smtClean="0"/>
-              <a:t>‹#›</a:t>
             </a:fld>
             <a:endParaRPr lang="en-US"/>
           </a:p>
@@ -2624,7 +2638,6 @@
           <a:p>
             <a:fld id="{5302AA14-F259-4723-9AF0-36DE127C0145}" type="datetime1">
               <a:rPr lang="en-US" smtClean="0"/>
-              <a:t>12/20/2021</a:t>
             </a:fld>
             <a:endParaRPr lang="en-US"/>
           </a:p>
@@ -2666,7 +2679,6 @@
           <a:p>
             <a:fld id="{040DEF24-717E-4741-8753-F7E431A261E5}" type="slidenum">
               <a:rPr lang="en-US" smtClean="0"/>
-              <a:t>‹#›</a:t>
             </a:fld>
             <a:endParaRPr lang="en-US"/>
           </a:p>
@@ -2714,7 +2726,6 @@
           <a:p>
             <a:fld id="{C9349F59-A2E8-4E73-9F17-B6C9798F4358}" type="datetime1">
               <a:rPr lang="en-US" smtClean="0"/>
-              <a:t>12/20/2021</a:t>
             </a:fld>
             <a:endParaRPr lang="en-US"/>
           </a:p>
@@ -2756,7 +2767,6 @@
           <a:p>
             <a:fld id="{040DEF24-717E-4741-8753-F7E431A261E5}" type="slidenum">
               <a:rPr lang="en-US" smtClean="0"/>
-              <a:t>‹#›</a:t>
             </a:fld>
             <a:endParaRPr lang="en-US"/>
           </a:p>
@@ -2771,7 +2781,7 @@
 </file>
 
 <file path=ppt/slideLayouts/slideLayout8.xml><?xml version="1.0" encoding="utf-8"?>
-<p:sldLayout xmlns:a="http://schemas.openxmlformats.org/drawingml/2006/main" xmlns:r="http://schemas.openxmlformats.org/officeDocument/2006/relationships" xmlns:p="http://schemas.openxmlformats.org/presentationml/2006/main" showMasterSp="0" type="objTx" preserve="1">
+<p:sldLayout xmlns:a="http://schemas.openxmlformats.org/drawingml/2006/main" xmlns:r="http://schemas.openxmlformats.org/officeDocument/2006/relationships" xmlns:p="http://schemas.openxmlformats.org/presentationml/2006/main" type="objTx" preserve="1" showMasterSp="0">
   <p:cSld name="Content with Caption">
     <p:spTree>
       <p:nvGrpSpPr>
@@ -2931,6 +2941,7 @@
               <a:rPr lang="en-US" smtClean="0"/>
               <a:t>Edit Master text styles</a:t>
             </a:r>
+            <a:endParaRPr lang="en-US" smtClean="0"/>
           </a:p>
           <a:p>
             <a:pPr lvl="1"/>
@@ -2938,6 +2949,7 @@
               <a:rPr lang="en-US" smtClean="0"/>
               <a:t>Second level</a:t>
             </a:r>
+            <a:endParaRPr lang="en-US" smtClean="0"/>
           </a:p>
           <a:p>
             <a:pPr lvl="2"/>
@@ -2945,6 +2957,7 @@
               <a:rPr lang="en-US" smtClean="0"/>
               <a:t>Third level</a:t>
             </a:r>
+            <a:endParaRPr lang="en-US" smtClean="0"/>
           </a:p>
           <a:p>
             <a:pPr lvl="3"/>
@@ -2952,6 +2965,7 @@
               <a:rPr lang="en-US" smtClean="0"/>
               <a:t>Fourth level</a:t>
             </a:r>
+            <a:endParaRPr lang="en-US" smtClean="0"/>
           </a:p>
           <a:p>
             <a:pPr lvl="4"/>
@@ -3039,6 +3053,7 @@
               <a:rPr lang="en-US" smtClean="0"/>
               <a:t>Edit Master text styles</a:t>
             </a:r>
+            <a:endParaRPr lang="en-US" smtClean="0"/>
           </a:p>
         </p:txBody>
       </p:sp>
@@ -3059,7 +3074,6 @@
           <a:p>
             <a:fld id="{44F06C92-CE98-4B24-91B3-57666E0FED09}" type="datetime1">
               <a:rPr lang="en-US" smtClean="0"/>
-              <a:t>12/20/2021</a:t>
             </a:fld>
             <a:endParaRPr lang="en-US"/>
           </a:p>
@@ -3190,7 +3204,6 @@
           <a:p>
             <a:fld id="{040DEF24-717E-4741-8753-F7E431A261E5}" type="slidenum">
               <a:rPr lang="en-US" smtClean="0"/>
-              <a:t>‹#›</a:t>
             </a:fld>
             <a:endParaRPr lang="en-US"/>
           </a:p>
@@ -3205,7 +3218,7 @@
 </file>
 
 <file path=ppt/slideLayouts/slideLayout9.xml><?xml version="1.0" encoding="utf-8"?>
-<p:sldLayout xmlns:a="http://schemas.openxmlformats.org/drawingml/2006/main" xmlns:r="http://schemas.openxmlformats.org/officeDocument/2006/relationships" xmlns:p="http://schemas.openxmlformats.org/presentationml/2006/main" showMasterSp="0" type="picTx" preserve="1">
+<p:sldLayout xmlns:a="http://schemas.openxmlformats.org/drawingml/2006/main" xmlns:r="http://schemas.openxmlformats.org/officeDocument/2006/relationships" xmlns:p="http://schemas.openxmlformats.org/presentationml/2006/main" type="picTx" preserve="1" showMasterSp="0">
   <p:cSld name="Picture with Caption">
     <p:spTree>
       <p:nvGrpSpPr>
@@ -3459,6 +3472,7 @@
               <a:rPr lang="en-US" smtClean="0"/>
               <a:t>Edit Master text styles</a:t>
             </a:r>
+            <a:endParaRPr lang="en-US" smtClean="0"/>
           </a:p>
         </p:txBody>
       </p:sp>
@@ -3479,7 +3493,6 @@
           <a:p>
             <a:fld id="{15CAC543-8889-4E95-B4AC-6EDFB98064E3}" type="datetime1">
               <a:rPr lang="en-US" smtClean="0"/>
-              <a:t>12/20/2021</a:t>
             </a:fld>
             <a:endParaRPr lang="en-US"/>
           </a:p>
@@ -3591,7 +3604,6 @@
           <a:p>
             <a:fld id="{040DEF24-717E-4741-8753-F7E431A261E5}" type="slidenum">
               <a:rPr lang="en-US" smtClean="0"/>
-              <a:t>‹#›</a:t>
             </a:fld>
             <a:endParaRPr lang="en-US"/>
           </a:p>
@@ -3690,6 +3702,7 @@
               <a:rPr lang="en-US" smtClean="0"/>
               <a:t>Edit Master text styles</a:t>
             </a:r>
+            <a:endParaRPr lang="en-US" smtClean="0"/>
           </a:p>
           <a:p>
             <a:pPr lvl="1"/>
@@ -3697,6 +3710,7 @@
               <a:rPr lang="en-US" smtClean="0"/>
               <a:t>Second level</a:t>
             </a:r>
+            <a:endParaRPr lang="en-US" smtClean="0"/>
           </a:p>
           <a:p>
             <a:pPr lvl="2"/>
@@ -3704,6 +3718,7 @@
               <a:rPr lang="en-US" smtClean="0"/>
               <a:t>Third level</a:t>
             </a:r>
+            <a:endParaRPr lang="en-US" smtClean="0"/>
           </a:p>
           <a:p>
             <a:pPr lvl="3"/>
@@ -3711,6 +3726,7 @@
               <a:rPr lang="en-US" smtClean="0"/>
               <a:t>Fourth level</a:t>
             </a:r>
+            <a:endParaRPr lang="en-US" smtClean="0"/>
           </a:p>
           <a:p>
             <a:pPr lvl="4"/>
@@ -3755,7 +3771,6 @@
           <a:p>
             <a:fld id="{BDFF3CA4-504F-4AB7-961C-755BCE655230}" type="datetime1">
               <a:rPr lang="en-US" smtClean="0"/>
-              <a:t>12/20/2021</a:t>
             </a:fld>
             <a:endParaRPr lang="en-US"/>
           </a:p>
@@ -3827,7 +3842,7 @@
               <a:avLst/>
             </a:prstGeom>
             <a:blipFill dpi="0" rotWithShape="1">
-              <a:blip r:embed="rId13">
+              <a:blip r:embed="rId12">
                 <a:duotone>
                   <a:schemeClr val="accent1">
                     <a:shade val="45000"/>
@@ -3838,7 +3853,7 @@
                 <a:extLst>
                   <a:ext uri="{BEBA8EAE-BF5A-486C-A8C5-ECC9F3942E4B}">
                     <a14:imgProps xmlns:a14="http://schemas.microsoft.com/office/drawing/2010/main">
-                      <a14:imgLayer r:embed="rId14">
+                      <a14:imgLayer r:embed="rId13">
                         <a14:imgEffect>
                           <a14:brightnessContrast bright="-40000" contrast="20000"/>
                         </a14:imgEffect>
@@ -3919,7 +3934,6 @@
           <a:p>
             <a:fld id="{040DEF24-717E-4741-8753-F7E431A261E5}" type="slidenum">
               <a:rPr lang="en-US" smtClean="0"/>
-              <a:t>‹#›</a:t>
             </a:fld>
             <a:endParaRPr lang="en-US"/>
           </a:p>
@@ -3954,7 +3968,7 @@
         <a:buNone/>
         <a:defRPr sz="5400" kern="1200" cap="all" baseline="0">
           <a:blipFill>
-            <a:blip r:embed="rId15">
+            <a:blip r:embed="rId14">
               <a:extLst>
                 <a:ext uri="{28A0092B-C50C-407E-A947-70E740481C1C}">
                   <a14:useLocalDpi xmlns:a14="http://schemas.microsoft.com/office/drawing/2010/main" val="0"/>
@@ -4436,7 +4450,7 @@
           <p:nvPr/>
         </p:nvPicPr>
         <p:blipFill>
-          <a:blip r:embed="rId2" cstate="print">
+          <a:blip r:embed="rId1" cstate="print">
             <a:extLst>
               <a:ext uri="{28A0092B-C50C-407E-A947-70E740481C1C}">
                 <a14:useLocalDpi xmlns:a14="http://schemas.microsoft.com/office/drawing/2010/main" val="0"/>
@@ -4892,6 +4906,10 @@
               </a:rPr>
               <a:t>2</a:t>
             </a:r>
+            <a:endParaRPr lang="en-US" sz="1600" b="1" dirty="0">
+              <a:latin typeface="Arial" panose="020B0604020202020204" pitchFamily="34" charset="0"/>
+              <a:cs typeface="Arial" panose="020B0604020202020204" pitchFamily="34" charset="0"/>
+            </a:endParaRPr>
           </a:p>
         </p:txBody>
       </p:sp>
@@ -4925,6 +4943,10 @@
               </a:rPr>
               <a:t>2017 - 2022 </a:t>
             </a:r>
+            <a:endParaRPr lang="en-US" sz="1600" b="1" dirty="0" smtClean="0">
+              <a:latin typeface="Arial" panose="020B0604020202020204" pitchFamily="34" charset="0"/>
+              <a:cs typeface="Arial" panose="020B0604020202020204" pitchFamily="34" charset="0"/>
+            </a:endParaRPr>
           </a:p>
         </p:txBody>
       </p:sp>
@@ -5507,7 +5529,7 @@
             <a:r>
               <a:rPr lang="en-US" sz="4000" b="1" spc="50" dirty="0" smtClean="0">
                 <a:blipFill>
-                  <a:blip r:embed="rId2">
+                  <a:blip r:embed="rId1">
                     <a:extLst>
                       <a:ext uri="{28A0092B-C50C-407E-A947-70E740481C1C}">
                         <a14:useLocalDpi xmlns:a14="http://schemas.microsoft.com/office/drawing/2010/main" val="0"/>
@@ -5546,7 +5568,6 @@
           <a:p>
             <a:fld id="{040DEF24-717E-4741-8753-F7E431A261E5}" type="slidenum">
               <a:rPr lang="en-US" smtClean="0"/>
-              <a:t>10</a:t>
             </a:fld>
             <a:endParaRPr lang="en-US"/>
           </a:p>
@@ -5606,7 +5627,7 @@
           <p:nvPr/>
         </p:nvPicPr>
         <p:blipFill>
-          <a:blip r:embed="rId3"/>
+          <a:blip r:embed="rId2"/>
           <a:stretch>
             <a:fillRect/>
           </a:stretch>
@@ -5799,6 +5820,10 @@
               </a:rPr>
               <a:t>thống DNS Blockchain trực tiếp kiểm tra dãy Blocks hiện tại có đáp ứng điều kiện hay không theo 2 trường hợp như sau: </a:t>
             </a:r>
+            <a:endParaRPr lang="vi-VN" sz="1400" dirty="0">
+              <a:latin typeface="Arial" panose="020B0604020202020204" pitchFamily="34" charset="0"/>
+              <a:cs typeface="Arial" panose="020B0604020202020204" pitchFamily="34" charset="0"/>
+            </a:endParaRPr>
           </a:p>
           <a:p>
             <a:pPr marL="285750" indent="-285750" algn="l">
@@ -5822,6 +5847,10 @@
               </a:rPr>
               <a:t>( Đ ): Sử dụng các khối Blocks đó để khởi tạo Blockchain và tiếp tục mở rộng nhằm tạo blockchain dài nhất.</a:t>
             </a:r>
+            <a:endParaRPr lang="vi-VN" sz="1400" dirty="0">
+              <a:latin typeface="Arial" panose="020B0604020202020204" pitchFamily="34" charset="0"/>
+              <a:cs typeface="Arial" panose="020B0604020202020204" pitchFamily="34" charset="0"/>
+            </a:endParaRPr>
           </a:p>
           <a:p>
             <a:pPr marL="285750" indent="-285750" algn="l">
@@ -6041,6 +6070,10 @@
               </a:rPr>
               <a:t>sau: </a:t>
             </a:r>
+            <a:endParaRPr lang="vi-VN" sz="1400" dirty="0">
+              <a:latin typeface="Arial" panose="020B0604020202020204" pitchFamily="34" charset="0"/>
+              <a:cs typeface="Arial" panose="020B0604020202020204" pitchFamily="34" charset="0"/>
+            </a:endParaRPr>
           </a:p>
           <a:p>
             <a:pPr marL="285750" indent="-285750" algn="l">
@@ -6057,6 +6090,10 @@
               </a:rPr>
               <a:t>Đúng ( Đ ) : Thêm vào bộ nhớ đệm Transaction và phát động thuật toán Proof of Work cho các nodes tạo số Nonce cho Block mới. </a:t>
             </a:r>
+            <a:endParaRPr lang="vi-VN" sz="1400" dirty="0">
+              <a:latin typeface="Arial" panose="020B0604020202020204" pitchFamily="34" charset="0"/>
+              <a:cs typeface="Arial" panose="020B0604020202020204" pitchFamily="34" charset="0"/>
+            </a:endParaRPr>
           </a:p>
           <a:p>
             <a:pPr marL="285750" indent="-285750" algn="l">
@@ -6170,6 +6207,10 @@
               </a:rPr>
               <a:t>7. Hệ thống trước khi tắt sẽ tính toán blockchain dài nhất, xác thực blockchain và gửi lên cho các nodes để cập nhật. </a:t>
             </a:r>
+            <a:endParaRPr lang="vi-VN" sz="1400" dirty="0">
+              <a:latin typeface="Arial" panose="020B0604020202020204" pitchFamily="34" charset="0"/>
+              <a:cs typeface="Arial" panose="020B0604020202020204" pitchFamily="34" charset="0"/>
+            </a:endParaRPr>
           </a:p>
         </p:txBody>
       </p:sp>
@@ -6674,7 +6715,7 @@
             <a:r>
               <a:rPr lang="en-US" sz="4000" b="1" spc="50" dirty="0" smtClean="0">
                 <a:blipFill>
-                  <a:blip r:embed="rId2">
+                  <a:blip r:embed="rId1">
                     <a:extLst>
                       <a:ext uri="{28A0092B-C50C-407E-A947-70E740481C1C}">
                         <a14:useLocalDpi xmlns:a14="http://schemas.microsoft.com/office/drawing/2010/main" val="0"/>
@@ -6713,7 +6754,6 @@
           <a:p>
             <a:fld id="{040DEF24-717E-4741-8753-F7E431A261E5}" type="slidenum">
               <a:rPr lang="en-US" smtClean="0"/>
-              <a:t>11</a:t>
             </a:fld>
             <a:endParaRPr lang="en-US"/>
           </a:p>
@@ -6811,6 +6851,16 @@
               </a:rPr>
               <a:t>XÂY DỰNG ĐỊNH DẠNG LƯU TRỮ CHUNG TRONG HỆ THỐNG</a:t>
             </a:r>
+            <a:endParaRPr lang="en-US" b="1" dirty="0">
+              <a:solidFill>
+                <a:schemeClr val="accent2">
+                  <a:lumMod val="50000"/>
+                </a:schemeClr>
+              </a:solidFill>
+              <a:latin typeface="Arial" panose="020B0604020202020204" pitchFamily="34" charset="0"/>
+              <a:ea typeface="Roboto" panose="02000000000000000000" pitchFamily="2" charset="0"/>
+              <a:cs typeface="Arial" panose="020B0604020202020204" pitchFamily="34" charset="0"/>
+            </a:endParaRPr>
           </a:p>
         </p:txBody>
       </p:sp>
@@ -6859,6 +6909,16 @@
               </a:rPr>
               <a:t>XÂY DỰNG HỆ THỐNG DNS </a:t>
             </a:r>
+            <a:endParaRPr lang="en-US" b="1" dirty="0">
+              <a:solidFill>
+                <a:schemeClr val="accent2">
+                  <a:lumMod val="50000"/>
+                </a:schemeClr>
+              </a:solidFill>
+              <a:latin typeface="Arial" panose="020B0604020202020204" pitchFamily="34" charset="0"/>
+              <a:ea typeface="Roboto" panose="02000000000000000000" pitchFamily="2" charset="0"/>
+              <a:cs typeface="Arial" panose="020B0604020202020204" pitchFamily="34" charset="0"/>
+            </a:endParaRPr>
           </a:p>
         </p:txBody>
       </p:sp>
@@ -7168,6 +7228,10 @@
               </a:rPr>
               <a:t>Xây dựng quy trình xử lý thông tin đăng kí node và account admin tham gia vào hệ thống Blockchain.</a:t>
             </a:r>
+            <a:endParaRPr lang="en-US" sz="1400" dirty="0" smtClean="0">
+              <a:latin typeface="Arial" panose="020B0604020202020204" pitchFamily="34" charset="0"/>
+              <a:cs typeface="Arial" panose="020B0604020202020204" pitchFamily="34" charset="0"/>
+            </a:endParaRPr>
           </a:p>
         </p:txBody>
       </p:sp>
@@ -7284,6 +7348,10 @@
               </a:rPr>
               <a:t>Xây dựng xử lý phân quyền giữa các loại người dùng khác nhau ( Hoster,  Admin, Client ).</a:t>
             </a:r>
+            <a:endParaRPr lang="en-US" sz="1400" dirty="0" smtClean="0">
+              <a:latin typeface="Arial" panose="020B0604020202020204" pitchFamily="34" charset="0"/>
+              <a:cs typeface="Arial" panose="020B0604020202020204" pitchFamily="34" charset="0"/>
+            </a:endParaRPr>
           </a:p>
         </p:txBody>
       </p:sp>
@@ -7450,6 +7518,10 @@
               </a:rPr>
               <a:t>Viết bằng Python Flask</a:t>
             </a:r>
+            <a:endParaRPr lang="en-US" sz="1400" b="1" dirty="0" smtClean="0">
+              <a:latin typeface="Arial" panose="020B0604020202020204" pitchFamily="34" charset="0"/>
+              <a:cs typeface="Arial" panose="020B0604020202020204" pitchFamily="34" charset="0"/>
+            </a:endParaRPr>
           </a:p>
         </p:txBody>
       </p:sp>
@@ -7482,6 +7554,10 @@
               </a:rPr>
               <a:t>Viết bằng Python Socket</a:t>
             </a:r>
+            <a:endParaRPr lang="en-US" sz="1400" b="1" dirty="0" smtClean="0">
+              <a:latin typeface="Arial" panose="020B0604020202020204" pitchFamily="34" charset="0"/>
+              <a:cs typeface="Arial" panose="020B0604020202020204" pitchFamily="34" charset="0"/>
+            </a:endParaRPr>
           </a:p>
         </p:txBody>
       </p:sp>
@@ -7540,20 +7616,8 @@
                 <a:tableStyleId>{7DF18680-E054-41AD-8BC1-D1AEF772440D}</a:tableStyleId>
               </a:tblPr>
               <a:tblGrid>
-                <a:gridCol w="1666719">
-                  <a:extLst>
-                    <a:ext uri="{9D8B030D-6E8A-4147-A177-3AD203B41FA5}">
-                      <a16:colId xmlns:a16="http://schemas.microsoft.com/office/drawing/2014/main" val="20000"/>
-                    </a:ext>
-                  </a:extLst>
-                </a:gridCol>
-                <a:gridCol w="3791741">
-                  <a:extLst>
-                    <a:ext uri="{9D8B030D-6E8A-4147-A177-3AD203B41FA5}">
-                      <a16:colId xmlns:a16="http://schemas.microsoft.com/office/drawing/2014/main" val="20001"/>
-                    </a:ext>
-                  </a:extLst>
-                </a:gridCol>
+                <a:gridCol w="1666719"/>
+                <a:gridCol w="3791741"/>
               </a:tblGrid>
               <a:tr h="200025">
                 <a:tc>
@@ -7632,11 +7696,6 @@
                   </a:txBody>
                   <a:tcPr marL="28575" marR="28575" marT="19050" marB="19050" anchor="ctr"/>
                 </a:tc>
-                <a:extLst>
-                  <a:ext uri="{0D108BD9-81ED-4DB2-BD59-A6C34878D82A}">
-                    <a16:rowId xmlns:a16="http://schemas.microsoft.com/office/drawing/2014/main" val="10000"/>
-                  </a:ext>
-                </a:extLst>
               </a:tr>
               <a:tr h="200025">
                 <a:tc>
@@ -7731,11 +7790,6 @@
                   </a:txBody>
                   <a:tcPr marL="28575" marR="28575" marT="19050" marB="19050" anchor="ctr"/>
                 </a:tc>
-                <a:extLst>
-                  <a:ext uri="{0D108BD9-81ED-4DB2-BD59-A6C34878D82A}">
-                    <a16:rowId xmlns:a16="http://schemas.microsoft.com/office/drawing/2014/main" val="10001"/>
-                  </a:ext>
-                </a:extLst>
               </a:tr>
               <a:tr h="200025">
                 <a:tc>
@@ -7830,11 +7884,6 @@
                   </a:txBody>
                   <a:tcPr marL="28575" marR="28575" marT="19050" marB="19050" anchor="ctr"/>
                 </a:tc>
-                <a:extLst>
-                  <a:ext uri="{0D108BD9-81ED-4DB2-BD59-A6C34878D82A}">
-                    <a16:rowId xmlns:a16="http://schemas.microsoft.com/office/drawing/2014/main" val="10002"/>
-                  </a:ext>
-                </a:extLst>
               </a:tr>
               <a:tr h="200025">
                 <a:tc>
@@ -7905,11 +7954,6 @@
                   </a:txBody>
                   <a:tcPr marL="28575" marR="28575" marT="19050" marB="19050" anchor="ctr"/>
                 </a:tc>
-                <a:extLst>
-                  <a:ext uri="{0D108BD9-81ED-4DB2-BD59-A6C34878D82A}">
-                    <a16:rowId xmlns:a16="http://schemas.microsoft.com/office/drawing/2014/main" val="10003"/>
-                  </a:ext>
-                </a:extLst>
               </a:tr>
               <a:tr h="200025">
                 <a:tc>
@@ -7980,11 +8024,6 @@
                   </a:txBody>
                   <a:tcPr marL="28575" marR="28575" marT="19050" marB="19050" anchor="ctr"/>
                 </a:tc>
-                <a:extLst>
-                  <a:ext uri="{0D108BD9-81ED-4DB2-BD59-A6C34878D82A}">
-                    <a16:rowId xmlns:a16="http://schemas.microsoft.com/office/drawing/2014/main" val="10004"/>
-                  </a:ext>
-                </a:extLst>
               </a:tr>
             </a:tbl>
           </a:graphicData>
@@ -8916,7 +8955,6 @@
           <a:p>
             <a:fld id="{040DEF24-717E-4741-8753-F7E431A261E5}" type="slidenum">
               <a:rPr lang="en-US" smtClean="0"/>
-              <a:t>12</a:t>
             </a:fld>
             <a:endParaRPr lang="en-US"/>
           </a:p>
@@ -9100,6 +9138,11 @@
               </a:rPr>
               <a:t>node với port bất kì, thực hiện thêm 5 giao dịch tên miền khác và phân giải tên miền thông qua máy chính. </a:t>
             </a:r>
+            <a:endParaRPr lang="en-US" sz="1400" dirty="0">
+              <a:latin typeface="Arial" panose="020B0604020202020204" pitchFamily="34" charset="0"/>
+              <a:ea typeface="Calibri" panose="020F0502020204030204" pitchFamily="34" charset="0"/>
+              <a:cs typeface="Arial" panose="020B0604020202020204" pitchFamily="34" charset="0"/>
+            </a:endParaRPr>
           </a:p>
         </p:txBody>
       </p:sp>
@@ -10266,7 +10309,7 @@
             <a:r>
               <a:rPr lang="en-US" sz="4000" b="1" spc="50" dirty="0" smtClean="0">
                 <a:blipFill>
-                  <a:blip r:embed="rId2">
+                  <a:blip r:embed="rId1">
                     <a:extLst>
                       <a:ext uri="{28A0092B-C50C-407E-A947-70E740481C1C}">
                         <a14:useLocalDpi xmlns:a14="http://schemas.microsoft.com/office/drawing/2010/main" val="0"/>
@@ -10305,7 +10348,6 @@
           <a:p>
             <a:fld id="{040DEF24-717E-4741-8753-F7E431A261E5}" type="slidenum">
               <a:rPr lang="en-US" smtClean="0"/>
-              <a:t>13</a:t>
             </a:fld>
             <a:endParaRPr lang="en-US"/>
           </a:p>
@@ -10413,6 +10455,16 @@
               </a:rPr>
               <a:t>2 </a:t>
             </a:r>
+            <a:endParaRPr lang="en-US" sz="2400" b="1" dirty="0" smtClean="0">
+              <a:solidFill>
+                <a:schemeClr val="accent2">
+                  <a:lumMod val="50000"/>
+                </a:schemeClr>
+              </a:solidFill>
+              <a:latin typeface="Arial" panose="020B0604020202020204" pitchFamily="34" charset="0"/>
+              <a:ea typeface="Roboto" panose="02000000000000000000" pitchFamily="2" charset="0"/>
+              <a:cs typeface="Arial" panose="020B0604020202020204" pitchFamily="34" charset="0"/>
+            </a:endParaRPr>
           </a:p>
           <a:p>
             <a:pPr lvl="0" algn="just">
@@ -10447,6 +10499,11 @@
               </a:rPr>
               <a:t>)</a:t>
             </a:r>
+            <a:endParaRPr lang="en-US" sz="1400" dirty="0" smtClean="0">
+              <a:latin typeface="Arial" panose="020B0604020202020204" pitchFamily="34" charset="0"/>
+              <a:ea typeface="Calibri" panose="020F0502020204030204" pitchFamily="34" charset="0"/>
+              <a:cs typeface="Arial" panose="020B0604020202020204" pitchFamily="34" charset="0"/>
+            </a:endParaRPr>
           </a:p>
           <a:p>
             <a:pPr lvl="0" algn="just">
@@ -10481,6 +10538,11 @@
               </a:rPr>
               <a:t>ảo.</a:t>
             </a:r>
+            <a:endParaRPr lang="en-US" sz="1400" dirty="0" smtClean="0">
+              <a:latin typeface="Arial" panose="020B0604020202020204" pitchFamily="34" charset="0"/>
+              <a:ea typeface="Calibri" panose="020F0502020204030204" pitchFamily="34" charset="0"/>
+              <a:cs typeface="Arial" panose="020B0604020202020204" pitchFamily="34" charset="0"/>
+            </a:endParaRPr>
           </a:p>
           <a:p>
             <a:pPr lvl="0" algn="just">
@@ -10507,6 +10569,11 @@
               </a:rPr>
               <a:t>node với port bất kì, thực hiện thêm 5 giao dịch tên miền khác và phân giải tên miền thông qua một máy ảo. </a:t>
             </a:r>
+            <a:endParaRPr lang="en-US" sz="1400" dirty="0">
+              <a:latin typeface="Arial" panose="020B0604020202020204" pitchFamily="34" charset="0"/>
+              <a:ea typeface="Calibri" panose="020F0502020204030204" pitchFamily="34" charset="0"/>
+              <a:cs typeface="Arial" panose="020B0604020202020204" pitchFamily="34" charset="0"/>
+            </a:endParaRPr>
           </a:p>
         </p:txBody>
       </p:sp>
@@ -11825,7 +11892,7 @@
             <a:r>
               <a:rPr lang="en-US" sz="4000" b="1" spc="50" dirty="0" smtClean="0">
                 <a:blipFill>
-                  <a:blip r:embed="rId2">
+                  <a:blip r:embed="rId1">
                     <a:extLst>
                       <a:ext uri="{28A0092B-C50C-407E-A947-70E740481C1C}">
                         <a14:useLocalDpi xmlns:a14="http://schemas.microsoft.com/office/drawing/2010/main" val="0"/>
@@ -11864,7 +11931,6 @@
           <a:p>
             <a:fld id="{040DEF24-717E-4741-8753-F7E431A261E5}" type="slidenum">
               <a:rPr lang="en-US" smtClean="0"/>
-              <a:t>14</a:t>
             </a:fld>
             <a:endParaRPr lang="en-US"/>
           </a:p>
@@ -12013,6 +12079,11 @@
               </a:rPr>
               <a:t>ảo.</a:t>
             </a:r>
+            <a:endParaRPr lang="en-US" sz="1400" dirty="0" smtClean="0">
+              <a:latin typeface="Arial" panose="020B0604020202020204" pitchFamily="34" charset="0"/>
+              <a:ea typeface="Calibri" panose="020F0502020204030204" pitchFamily="34" charset="0"/>
+              <a:cs typeface="Arial" panose="020B0604020202020204" pitchFamily="34" charset="0"/>
+            </a:endParaRPr>
           </a:p>
           <a:p>
             <a:pPr lvl="0" algn="just">
@@ -12039,6 +12110,11 @@
               </a:rPr>
               <a:t>node có port khác, đăng nhập với vai trò là admin, thực hiện thêm 5 giao dịch tên miền cộng 1 giao dịch có tên miền trỏ vào địa chỉ của web server máy ảo và tiến hành phân giải trên máy ảo.</a:t>
             </a:r>
+            <a:endParaRPr lang="en-US" sz="1400" dirty="0">
+              <a:latin typeface="Arial" panose="020B0604020202020204" pitchFamily="34" charset="0"/>
+              <a:ea typeface="Calibri" panose="020F0502020204030204" pitchFamily="34" charset="0"/>
+              <a:cs typeface="Arial" panose="020B0604020202020204" pitchFamily="34" charset="0"/>
+            </a:endParaRPr>
           </a:p>
         </p:txBody>
       </p:sp>
@@ -13385,7 +13461,6 @@
           <a:p>
             <a:fld id="{040DEF24-717E-4741-8753-F7E431A261E5}" type="slidenum">
               <a:rPr lang="en-US" smtClean="0"/>
-              <a:t>15</a:t>
             </a:fld>
             <a:endParaRPr lang="en-US"/>
           </a:p>
@@ -13444,6 +13519,13 @@
               </a:rPr>
               <a:t>Blockchain là một giải pháp khả thi hiện nay, vừa phần nào giải quyết được bài toán bảo mật, vừa mang lại cơ hội khai thác phát triển triệt để giá trị của tên miền. </a:t>
             </a:r>
+            <a:endParaRPr lang="en-US" sz="1600" b="1" spc="50" dirty="0">
+              <a:solidFill>
+                <a:schemeClr val="accent2"/>
+              </a:solidFill>
+              <a:latin typeface="Arial" panose="020B0604020202020204" pitchFamily="34" charset="0"/>
+              <a:cs typeface="Arial" panose="020B0604020202020204" pitchFamily="34" charset="0"/>
+            </a:endParaRPr>
           </a:p>
         </p:txBody>
       </p:sp>
@@ -13493,6 +13575,16 @@
               </a:rPr>
               <a:t>Tóm tắt những điều mà đề tài đã đạt được:</a:t>
             </a:r>
+            <a:endParaRPr lang="en-US" sz="2400" b="1" dirty="0">
+              <a:solidFill>
+                <a:schemeClr val="accent2">
+                  <a:lumMod val="50000"/>
+                </a:schemeClr>
+              </a:solidFill>
+              <a:latin typeface="Roboto" panose="02000000000000000000" pitchFamily="2" charset="0"/>
+              <a:ea typeface="Roboto" panose="02000000000000000000" pitchFamily="2" charset="0"/>
+              <a:cs typeface="Arial" panose="020B0604020202020204" pitchFamily="34" charset="0"/>
+            </a:endParaRPr>
           </a:p>
           <a:p>
             <a:pPr marL="285750" lvl="0" indent="-285750">
@@ -13515,6 +13607,10 @@
               </a:rPr>
               <a:t>Nêu rõ khái niệm, điểm mạnh và yếu của DNS server và cách DNS server hiện tại hoạt động.</a:t>
             </a:r>
+            <a:endParaRPr lang="en-US" sz="1400" dirty="0">
+              <a:latin typeface="Arial" panose="020B0604020202020204" pitchFamily="34" charset="0"/>
+              <a:cs typeface="Arial" panose="020B0604020202020204" pitchFamily="34" charset="0"/>
+            </a:endParaRPr>
           </a:p>
           <a:p>
             <a:pPr marL="285750" lvl="0" indent="-285750">
@@ -13537,6 +13633,10 @@
               </a:rPr>
               <a:t>Nêu rõ khái niệm, điểm mạnh và yếu của Blockchain và hiểu thêm về giải pháp DNS phát triển bằng công nghệ Blockchain.</a:t>
             </a:r>
+            <a:endParaRPr lang="en-US" sz="1400" dirty="0">
+              <a:latin typeface="Arial" panose="020B0604020202020204" pitchFamily="34" charset="0"/>
+              <a:cs typeface="Arial" panose="020B0604020202020204" pitchFamily="34" charset="0"/>
+            </a:endParaRPr>
           </a:p>
           <a:p>
             <a:pPr marL="285750" lvl="0" indent="-285750">
@@ -13559,6 +13659,10 @@
               </a:rPr>
               <a:t>Xây dựng được và tái hiện hệ thống Blockchain DNS trên máy tính cá nhân. </a:t>
             </a:r>
+            <a:endParaRPr lang="en-US" sz="1400" dirty="0">
+              <a:latin typeface="Arial" panose="020B0604020202020204" pitchFamily="34" charset="0"/>
+              <a:cs typeface="Arial" panose="020B0604020202020204" pitchFamily="34" charset="0"/>
+            </a:endParaRPr>
           </a:p>
           <a:p>
             <a:pPr marL="285750" lvl="0" indent="-285750">
@@ -13607,6 +13711,10 @@
               </a:rPr>
               <a:t>Phần mềm tận dụng những DNS record kiểu cũ giúp việc kế thừa và chuyển hóa công nghệ dễ dàng.</a:t>
             </a:r>
+            <a:endParaRPr lang="en-US" sz="1400" dirty="0" smtClean="0">
+              <a:latin typeface="Arial" panose="020B0604020202020204" pitchFamily="34" charset="0"/>
+              <a:cs typeface="Arial" panose="020B0604020202020204" pitchFamily="34" charset="0"/>
+            </a:endParaRPr>
           </a:p>
           <a:p>
             <a:pPr marL="285750" lvl="0" indent="-285750">
@@ -13629,6 +13737,10 @@
               </a:rPr>
               <a:t>Áp dụng DNS Server cho máy tính cá nhân có hệ điều hành không phải Windows Server.</a:t>
             </a:r>
+            <a:endParaRPr lang="en-US" sz="1400" dirty="0" smtClean="0">
+              <a:latin typeface="Arial" panose="020B0604020202020204" pitchFamily="34" charset="0"/>
+              <a:cs typeface="Arial" panose="020B0604020202020204" pitchFamily="34" charset="0"/>
+            </a:endParaRPr>
           </a:p>
           <a:p>
             <a:pPr marL="285750" lvl="0" indent="-285750">
@@ -14061,7 +14173,6 @@
           <a:p>
             <a:fld id="{040DEF24-717E-4741-8753-F7E431A261E5}" type="slidenum">
               <a:rPr lang="en-US" smtClean="0"/>
-              <a:t>16</a:t>
             </a:fld>
             <a:endParaRPr lang="en-US"/>
           </a:p>
@@ -14120,6 +14231,16 @@
               </a:rPr>
               <a:t>tài còn có những hạn chế nhất định sau đây:</a:t>
             </a:r>
+            <a:endParaRPr lang="en-US" sz="2400" b="1" dirty="0">
+              <a:solidFill>
+                <a:schemeClr val="accent2">
+                  <a:lumMod val="50000"/>
+                </a:schemeClr>
+              </a:solidFill>
+              <a:latin typeface="Roboto" panose="02000000000000000000" pitchFamily="2" charset="0"/>
+              <a:ea typeface="Roboto" panose="02000000000000000000" pitchFamily="2" charset="0"/>
+              <a:cs typeface="Arial" panose="020B0604020202020204" pitchFamily="34" charset="0"/>
+            </a:endParaRPr>
           </a:p>
           <a:p>
             <a:pPr marL="285750" lvl="0" indent="-285750">
@@ -14183,6 +14304,10 @@
               </a:rPr>
               <a:t>wifi. </a:t>
             </a:r>
+            <a:endParaRPr lang="en-US" sz="1400" dirty="0">
+              <a:latin typeface="Arial" panose="020B0604020202020204" pitchFamily="34" charset="0"/>
+              <a:cs typeface="Arial" panose="020B0604020202020204" pitchFamily="34" charset="0"/>
+            </a:endParaRPr>
           </a:p>
           <a:p>
             <a:pPr marL="285750" lvl="0" indent="-285750">
@@ -14246,6 +14371,10 @@
               </a:rPr>
               <a:t>Ở đề tài, mô hình này đã đạt được những điều cơ bản của hệ thống Blockchain thông thường nhưng thiếu một số bước kiểm soát tính chất hợp lệ của giao dịch.</a:t>
             </a:r>
+            <a:endParaRPr lang="en-US" sz="1400" dirty="0">
+              <a:latin typeface="Arial" panose="020B0604020202020204" pitchFamily="34" charset="0"/>
+              <a:cs typeface="Arial" panose="020B0604020202020204" pitchFamily="34" charset="0"/>
+            </a:endParaRPr>
           </a:p>
           <a:p>
             <a:pPr marL="285750" lvl="0" indent="-285750">
@@ -14272,6 +14401,10 @@
               </a:rPr>
               <a:t>.</a:t>
             </a:r>
+            <a:endParaRPr lang="en-US" sz="1400" dirty="0" smtClean="0">
+              <a:latin typeface="Arial" panose="020B0604020202020204" pitchFamily="34" charset="0"/>
+              <a:cs typeface="Arial" panose="020B0604020202020204" pitchFamily="34" charset="0"/>
+            </a:endParaRPr>
           </a:p>
           <a:p>
             <a:pPr lvl="0">
@@ -14306,6 +14439,16 @@
               </a:rPr>
               <a:t>Các hướng mở rộng sẽ phần lớn nhắm vào hạn chế đã nêu trên như sau :</a:t>
             </a:r>
+            <a:endParaRPr lang="en-US" sz="2400" b="1" dirty="0">
+              <a:solidFill>
+                <a:schemeClr val="accent2">
+                  <a:lumMod val="50000"/>
+                </a:schemeClr>
+              </a:solidFill>
+              <a:latin typeface="Roboto" panose="02000000000000000000" pitchFamily="2" charset="0"/>
+              <a:ea typeface="Roboto" panose="02000000000000000000" pitchFamily="2" charset="0"/>
+              <a:cs typeface="Arial" panose="020B0604020202020204" pitchFamily="34" charset="0"/>
+            </a:endParaRPr>
           </a:p>
           <a:p>
             <a:pPr marL="285750" lvl="0" indent="-285750">
@@ -14325,6 +14468,10 @@
               </a:rPr>
               <a:t>Phát triển thêm hệ thống Blockchain về mặt bảo mật giao dịch bằng chữ kí số hay các giải pháp bảo mật khác ở hiện tại.</a:t>
             </a:r>
+            <a:endParaRPr lang="en-US" sz="1400" dirty="0">
+              <a:latin typeface="Arial" panose="020B0604020202020204" pitchFamily="34" charset="0"/>
+              <a:cs typeface="Arial" panose="020B0604020202020204" pitchFamily="34" charset="0"/>
+            </a:endParaRPr>
           </a:p>
           <a:p>
             <a:pPr marL="285750" lvl="0" indent="-285750">
@@ -14344,6 +14491,10 @@
               </a:rPr>
               <a:t>Đưa nhiều lựa chọn hơn trên giao diện giao tiếp người dùng, cho phép nhiều loại người dùng khác nhau trở thành Miner và trả công qua ví điện tử thật.</a:t>
             </a:r>
+            <a:endParaRPr lang="en-US" sz="1400" dirty="0">
+              <a:latin typeface="Arial" panose="020B0604020202020204" pitchFamily="34" charset="0"/>
+              <a:cs typeface="Arial" panose="020B0604020202020204" pitchFamily="34" charset="0"/>
+            </a:endParaRPr>
           </a:p>
           <a:p>
             <a:pPr marL="285750" lvl="0" indent="-285750">
@@ -14363,6 +14514,10 @@
               </a:rPr>
               <a:t>Giao diện và ứng dụng được áp dụng ở nhiều môi trường khác nhau kể cả điện thoại. </a:t>
             </a:r>
+            <a:endParaRPr lang="en-US" sz="1400" dirty="0">
+              <a:latin typeface="Arial" panose="020B0604020202020204" pitchFamily="34" charset="0"/>
+              <a:cs typeface="Arial" panose="020B0604020202020204" pitchFamily="34" charset="0"/>
+            </a:endParaRPr>
           </a:p>
         </p:txBody>
       </p:sp>
@@ -14743,6 +14898,13 @@
                 </a:rPr>
                 <a:t>YOU</a:t>
               </a:r>
+              <a:endParaRPr lang="en-US" sz="7500" i="1" dirty="0">
+                <a:solidFill>
+                  <a:srgbClr val="CE2127"/>
+                </a:solidFill>
+                <a:latin typeface="Roboto Black" panose="02000000000000000000" pitchFamily="2" charset="0"/>
+                <a:ea typeface="Roboto Black" panose="02000000000000000000" pitchFamily="2" charset="0"/>
+              </a:endParaRPr>
             </a:p>
           </p:txBody>
         </p:sp>
@@ -14858,7 +15020,6 @@
           <a:p>
             <a:fld id="{040DEF24-717E-4741-8753-F7E431A261E5}" type="slidenum">
               <a:rPr lang="en-US" smtClean="0"/>
-              <a:t>17</a:t>
             </a:fld>
             <a:endParaRPr lang="en-US"/>
           </a:p>
@@ -15154,6 +15315,16 @@
               </a:rPr>
               <a:t>Lý thuyết</a:t>
             </a:r>
+            <a:endParaRPr lang="en-US" sz="2400" b="1" dirty="0" smtClean="0">
+              <a:solidFill>
+                <a:schemeClr val="accent2">
+                  <a:lumMod val="50000"/>
+                </a:schemeClr>
+              </a:solidFill>
+              <a:latin typeface="Arial" panose="020B0604020202020204" pitchFamily="34" charset="0"/>
+              <a:ea typeface="Roboto" panose="02000000000000000000" pitchFamily="2" charset="0"/>
+              <a:cs typeface="Arial" panose="020B0604020202020204" pitchFamily="34" charset="0"/>
+            </a:endParaRPr>
           </a:p>
           <a:p>
             <a:pPr>
@@ -15438,6 +15609,16 @@
               </a:rPr>
               <a:t>Thực hành</a:t>
             </a:r>
+            <a:endParaRPr lang="en-US" sz="2400" b="1" dirty="0" smtClean="0">
+              <a:solidFill>
+                <a:schemeClr val="accent2">
+                  <a:lumMod val="50000"/>
+                </a:schemeClr>
+              </a:solidFill>
+              <a:latin typeface="Arial" panose="020B0604020202020204" pitchFamily="34" charset="0"/>
+              <a:ea typeface="Roboto" panose="02000000000000000000" pitchFamily="2" charset="0"/>
+              <a:cs typeface="Arial" panose="020B0604020202020204" pitchFamily="34" charset="0"/>
+            </a:endParaRPr>
           </a:p>
           <a:p>
             <a:pPr>
@@ -15930,7 +16111,7 @@
             <a:r>
               <a:rPr lang="en-US" sz="4000" b="1" spc="50" dirty="0" smtClean="0">
                 <a:blipFill>
-                  <a:blip r:embed="rId2">
+                  <a:blip r:embed="rId1">
                     <a:extLst>
                       <a:ext uri="{28A0092B-C50C-407E-A947-70E740481C1C}">
                         <a14:useLocalDpi xmlns:a14="http://schemas.microsoft.com/office/drawing/2010/main" val="0"/>
@@ -16110,7 +16291,7 @@
           <p:nvPr/>
         </p:nvPicPr>
         <p:blipFill>
-          <a:blip r:embed="rId3">
+          <a:blip r:embed="rId2">
             <a:extLst>
               <a:ext uri="{28A0092B-C50C-407E-A947-70E740481C1C}">
                 <a14:useLocalDpi xmlns:a14="http://schemas.microsoft.com/office/drawing/2010/main" val="0"/>
@@ -16189,6 +16370,10 @@
               </a:rPr>
               <a:t>cryptoms.fr </a:t>
             </a:r>
+            <a:endParaRPr lang="en-US" sz="1600" i="1" dirty="0" smtClean="0">
+              <a:latin typeface="Arial" panose="020B0604020202020204" pitchFamily="34" charset="0"/>
+              <a:cs typeface="Arial" panose="020B0604020202020204" pitchFamily="34" charset="0"/>
+            </a:endParaRPr>
           </a:p>
           <a:p>
             <a:pPr marL="342900" indent="-342900" algn="just">
@@ -16211,6 +16396,13 @@
               </a:rPr>
               <a:t>Máy tính trước khi gửi đi,DNS resolver sẽ kiểm tra domain trong Web cache hoặc DNS cache để trả lại kết quả.</a:t>
             </a:r>
+            <a:endParaRPr lang="en-US" sz="1400" dirty="0" smtClean="0">
+              <a:solidFill>
+                <a:srgbClr val="002060"/>
+              </a:solidFill>
+              <a:latin typeface="Arial" panose="020B0604020202020204" pitchFamily="34" charset="0"/>
+              <a:cs typeface="Arial" panose="020B0604020202020204" pitchFamily="34" charset="0"/>
+            </a:endParaRPr>
           </a:p>
           <a:p>
             <a:pPr marL="342900" lvl="0" indent="-342900" algn="just">
@@ -16233,6 +16425,13 @@
               </a:rPr>
               <a:t>Nếu không có kết quả, DR sẽ hỏi tên miền mức ROOT chỉ cho máy chủ tên miền cục bộ địa chỉ mà nó quản lý có đuôi “.fr”. </a:t>
             </a:r>
+            <a:endParaRPr lang="en-US" sz="1400" dirty="0" smtClean="0">
+              <a:solidFill>
+                <a:srgbClr val="002060"/>
+              </a:solidFill>
+              <a:latin typeface="Arial" panose="020B0604020202020204" pitchFamily="34" charset="0"/>
+              <a:cs typeface="Arial" panose="020B0604020202020204" pitchFamily="34" charset="0"/>
+            </a:endParaRPr>
           </a:p>
           <a:p>
             <a:pPr marL="342900" lvl="0" indent="-342900" algn="just">
@@ -16265,6 +16464,13 @@
               </a:rPr>
               <a:t>gửi yêu cầu đến máy chủ quản lý tên miền Pháp “.fr” tìm tên miền cryptoms.fr. </a:t>
             </a:r>
+            <a:endParaRPr lang="en-US" sz="1400" dirty="0">
+              <a:solidFill>
+                <a:srgbClr val="002060"/>
+              </a:solidFill>
+              <a:latin typeface="Arial" panose="020B0604020202020204" pitchFamily="34" charset="0"/>
+              <a:cs typeface="Arial" panose="020B0604020202020204" pitchFamily="34" charset="0"/>
+            </a:endParaRPr>
           </a:p>
           <a:p>
             <a:pPr marL="342900" lvl="0" indent="-342900" algn="just">
@@ -16354,6 +16560,13 @@
               </a:rPr>
               <a:t>dùng sử dụng địa chỉ IP này kết nối đến server chứa website có địa chỉ “cryptoms.fr”.</a:t>
             </a:r>
+            <a:endParaRPr lang="en-US" sz="1400" b="1" dirty="0">
+              <a:solidFill>
+                <a:srgbClr val="002060"/>
+              </a:solidFill>
+              <a:latin typeface="Arial" panose="020B0604020202020204" pitchFamily="34" charset="0"/>
+              <a:cs typeface="Arial" panose="020B0604020202020204" pitchFamily="34" charset="0"/>
+            </a:endParaRPr>
           </a:p>
           <a:p>
             <a:pPr marL="342900" lvl="0" indent="-342900" algn="just">
@@ -16413,6 +16626,10 @@
               </a:rPr>
               <a:t>resolver – DR – Máy chủ phân giải tên miền cục bộ </a:t>
             </a:r>
+            <a:endParaRPr lang="en-US" sz="1200" dirty="0">
+              <a:latin typeface="Arial" panose="020B0604020202020204" pitchFamily="34" charset="0"/>
+              <a:cs typeface="Arial" panose="020B0604020202020204" pitchFamily="34" charset="0"/>
+            </a:endParaRPr>
           </a:p>
         </p:txBody>
       </p:sp>
@@ -16453,7 +16670,7 @@
               <p:nvPr/>
             </p:nvPicPr>
             <p:blipFill>
-              <a:blip r:embed="rId4"/>
+              <a:blip r:embed="rId3"/>
               <a:stretch>
                 <a:fillRect/>
               </a:stretch>
@@ -17289,7 +17506,6 @@
           <a:p>
             <a:fld id="{040DEF24-717E-4741-8753-F7E431A261E5}" type="slidenum">
               <a:rPr lang="en-US" smtClean="0"/>
-              <a:t>4</a:t>
             </a:fld>
             <a:endParaRPr lang="en-US" dirty="0"/>
           </a:p>
@@ -17372,7 +17588,7 @@
               <a:buNone/>
               <a:defRPr sz="5400" kern="1200" cap="all" baseline="0">
                 <a:blipFill>
-                  <a:blip r:embed="rId2">
+                  <a:blip r:embed="rId1">
                     <a:extLst>
                       <a:ext uri="{28A0092B-C50C-407E-A947-70E740481C1C}">
                         <a14:useLocalDpi xmlns:a14="http://schemas.microsoft.com/office/drawing/2010/main" val="0"/>
@@ -17396,7 +17612,7 @@
             <a:r>
               <a:rPr lang="en-US" sz="4000" b="1" spc="50" dirty="0" smtClean="0">
                 <a:blipFill>
-                  <a:blip r:embed="rId2">
+                  <a:blip r:embed="rId1">
                     <a:extLst>
                       <a:ext uri="{28A0092B-C50C-407E-A947-70E740481C1C}">
                         <a14:useLocalDpi xmlns:a14="http://schemas.microsoft.com/office/drawing/2010/main" val="0"/>
@@ -17410,6 +17626,20 @@
               </a:rPr>
               <a:t>Blockchain</a:t>
             </a:r>
+            <a:endParaRPr lang="en-US" sz="4000" b="1" spc="50" dirty="0" smtClean="0">
+              <a:blipFill>
+                <a:blip r:embed="rId1">
+                  <a:extLst>
+                    <a:ext uri="{28A0092B-C50C-407E-A947-70E740481C1C}">
+                      <a14:useLocalDpi xmlns:a14="http://schemas.microsoft.com/office/drawing/2010/main" val="0"/>
+                    </a:ext>
+                  </a:extLst>
+                </a:blip>
+                <a:tile tx="6350" ty="-127000" sx="65000" sy="64000" flip="none" algn="tl"/>
+              </a:blipFill>
+              <a:latin typeface="Times New Roman" panose="02020603050405020304" pitchFamily="18" charset="0"/>
+              <a:cs typeface="Times New Roman" panose="02020603050405020304" pitchFamily="18" charset="0"/>
+            </a:endParaRPr>
           </a:p>
         </p:txBody>
       </p:sp>
@@ -17511,6 +17741,10 @@
               </a:rPr>
               <a:t>block có hash khối hiện tại và khối trước là 0 và dữ liệu là null </a:t>
             </a:r>
+            <a:endParaRPr lang="en-US" sz="1400" dirty="0" smtClean="0">
+              <a:latin typeface="Arial" panose="020B0604020202020204" pitchFamily="34" charset="0"/>
+              <a:cs typeface="Arial" panose="020B0604020202020204" pitchFamily="34" charset="0"/>
+            </a:endParaRPr>
           </a:p>
         </p:txBody>
       </p:sp>
@@ -17523,7 +17757,7 @@
           <p:nvPr/>
         </p:nvPicPr>
         <p:blipFill>
-          <a:blip r:embed="rId3">
+          <a:blip r:embed="rId2">
             <a:extLst>
               <a:ext uri="{28A0092B-C50C-407E-A947-70E740481C1C}">
                 <a14:useLocalDpi xmlns:a14="http://schemas.microsoft.com/office/drawing/2010/main" val="0"/>
@@ -17771,6 +18005,14 @@
               </a:rPr>
               <a:t> </a:t>
             </a:r>
+            <a:endParaRPr lang="en-US" sz="1400" dirty="0">
+              <a:solidFill>
+                <a:schemeClr val="tx1"/>
+              </a:solidFill>
+              <a:latin typeface="Arial" panose="020B0604020202020204" pitchFamily="34" charset="0"/>
+              <a:ea typeface="Calibri" panose="020F0502020204030204" pitchFamily="34" charset="0"/>
+              <a:cs typeface="Arial" panose="020B0604020202020204" pitchFamily="34" charset="0"/>
+            </a:endParaRPr>
           </a:p>
         </p:txBody>
       </p:sp>
@@ -17840,6 +18082,14 @@
               </a:rPr>
               <a:t>chơi</a:t>
             </a:r>
+            <a:endParaRPr lang="en-US" sz="1400" b="1" dirty="0" smtClean="0">
+              <a:solidFill>
+                <a:schemeClr val="tx1"/>
+              </a:solidFill>
+              <a:latin typeface="Arial" panose="020B0604020202020204" pitchFamily="34" charset="0"/>
+              <a:ea typeface="Calibri" panose="020F0502020204030204" pitchFamily="34" charset="0"/>
+              <a:cs typeface="Arial" panose="020B0604020202020204" pitchFamily="34" charset="0"/>
+            </a:endParaRPr>
           </a:p>
           <a:p>
             <a:pPr lvl="0" algn="ctr"/>
@@ -17921,6 +18171,11 @@
               </a:rPr>
               <a:t> Các thông tin, dữ liệu trong Blockchain được phân tán và an toàn tuyệt đối.</a:t>
             </a:r>
+            <a:endParaRPr lang="en-US" sz="1400" dirty="0">
+              <a:latin typeface="Times New Roman" panose="02020603050405020304" pitchFamily="18" charset="0"/>
+              <a:ea typeface="Calibri" panose="020F0502020204030204" pitchFamily="34" charset="0"/>
+              <a:cs typeface="Times New Roman" panose="02020603050405020304" pitchFamily="18" charset="0"/>
+            </a:endParaRPr>
           </a:p>
         </p:txBody>
       </p:sp>
@@ -17975,6 +18230,11 @@
               </a:rPr>
               <a:t> dữ liệu trong Blockchain không thể sửa (có thể sửa nhưng sẽ để lại dấu vết) và sẽ lưu trữ mãi mãi.</a:t>
             </a:r>
+            <a:endParaRPr lang="en-US" sz="1400" dirty="0">
+              <a:latin typeface="Times New Roman" panose="02020603050405020304" pitchFamily="18" charset="0"/>
+              <a:ea typeface="Calibri" panose="020F0502020204030204" pitchFamily="34" charset="0"/>
+              <a:cs typeface="Times New Roman" panose="02020603050405020304" pitchFamily="18" charset="0"/>
+            </a:endParaRPr>
           </a:p>
         </p:txBody>
       </p:sp>
@@ -18026,6 +18286,11 @@
               </a:rPr>
               <a:t> Ai cũng có thể theo dõi dữ liệu Blockchain đi từ địa chỉ này tới địa chỉ khác và có thể thống kê toàn bộ lịch sử trên địa chỉ đó.</a:t>
             </a:r>
+            <a:endParaRPr lang="en-US" sz="1400" dirty="0">
+              <a:latin typeface="Times New Roman" panose="02020603050405020304" pitchFamily="18" charset="0"/>
+              <a:ea typeface="Calibri" panose="020F0502020204030204" pitchFamily="34" charset="0"/>
+              <a:cs typeface="Times New Roman" panose="02020603050405020304" pitchFamily="18" charset="0"/>
+            </a:endParaRPr>
           </a:p>
         </p:txBody>
       </p:sp>
@@ -18077,6 +18342,11 @@
               </a:rPr>
               <a:t> là hợp đồng kỹ thuật số được nhúng vào đoạn code if-this-then-that (IFTTT), cho phép chúng tự thực thi mà không cần bên thứ ba.</a:t>
             </a:r>
+            <a:endParaRPr lang="en-US" sz="1400" dirty="0">
+              <a:latin typeface="Times New Roman" panose="02020603050405020304" pitchFamily="18" charset="0"/>
+              <a:ea typeface="Calibri" panose="020F0502020204030204" pitchFamily="34" charset="0"/>
+              <a:cs typeface="Times New Roman" panose="02020603050405020304" pitchFamily="18" charset="0"/>
+            </a:endParaRPr>
           </a:p>
         </p:txBody>
       </p:sp>
@@ -18180,6 +18450,8 @@
                 <a:solidFill>
                   <a:srgbClr val="2E5585"/>
                 </a:solidFill>
+                <a:latin typeface="Arial" panose="020B0604020202020204" pitchFamily="34" charset="0"/>
+                <a:cs typeface="Arial" panose="020B0604020202020204" pitchFamily="34" charset="0"/>
               </a:endParaRPr>
             </a:p>
           </p:txBody>
@@ -18208,17 +18480,30 @@
             <a:p>
               <a:pPr algn="ctr"/>
               <a:r>
-                <a:rPr lang="en-US" sz="1200" dirty="0" smtClean="0"/>
+                <a:rPr lang="en-US" sz="1200" dirty="0" smtClean="0">
+                  <a:latin typeface="Arial" panose="020B0604020202020204" pitchFamily="34" charset="0"/>
+                  <a:cs typeface="Arial" panose="020B0604020202020204" pitchFamily="34" charset="0"/>
+                </a:rPr>
                 <a:t>Genesis</a:t>
               </a:r>
+              <a:endParaRPr lang="en-US" sz="1200" dirty="0" smtClean="0">
+                <a:latin typeface="Arial" panose="020B0604020202020204" pitchFamily="34" charset="0"/>
+                <a:cs typeface="Arial" panose="020B0604020202020204" pitchFamily="34" charset="0"/>
+              </a:endParaRPr>
             </a:p>
             <a:p>
               <a:pPr algn="ctr"/>
               <a:r>
-                <a:rPr lang="en-US" sz="1200" dirty="0" smtClean="0"/>
+                <a:rPr lang="en-US" sz="1200" dirty="0" smtClean="0">
+                  <a:latin typeface="Arial" panose="020B0604020202020204" pitchFamily="34" charset="0"/>
+                  <a:cs typeface="Arial" panose="020B0604020202020204" pitchFamily="34" charset="0"/>
+                </a:rPr>
                 <a:t>block</a:t>
               </a:r>
-              <a:endParaRPr lang="en-US" sz="1200" dirty="0"/>
+              <a:endParaRPr lang="en-US" sz="1200" dirty="0">
+                <a:latin typeface="Arial" panose="020B0604020202020204" pitchFamily="34" charset="0"/>
+                <a:cs typeface="Arial" panose="020B0604020202020204" pitchFamily="34" charset="0"/>
+              </a:endParaRPr>
             </a:p>
           </p:txBody>
         </p:sp>
@@ -18245,10 +18530,16 @@
             <a:lstStyle/>
             <a:p>
               <a:r>
-                <a:rPr lang="en-US" sz="1100" dirty="0" smtClean="0"/>
+                <a:rPr lang="en-US" sz="1100" dirty="0" smtClean="0">
+                  <a:latin typeface="Arial" panose="020B0604020202020204" pitchFamily="34" charset="0"/>
+                  <a:cs typeface="Arial" panose="020B0604020202020204" pitchFamily="34" charset="0"/>
+                </a:rPr>
                 <a:t>Hash:  0</a:t>
               </a:r>
-              <a:endParaRPr lang="en-US" sz="1100" dirty="0"/>
+              <a:endParaRPr lang="en-US" sz="1100" dirty="0" smtClean="0">
+                <a:latin typeface="Arial" panose="020B0604020202020204" pitchFamily="34" charset="0"/>
+                <a:cs typeface="Arial" panose="020B0604020202020204" pitchFamily="34" charset="0"/>
+              </a:endParaRPr>
             </a:p>
           </p:txBody>
         </p:sp>
@@ -18351,6 +18642,8 @@
                 <a:solidFill>
                   <a:srgbClr val="2E5585"/>
                 </a:solidFill>
+                <a:latin typeface="Arial" panose="020B0604020202020204" pitchFamily="34" charset="0"/>
+                <a:cs typeface="Arial" panose="020B0604020202020204" pitchFamily="34" charset="0"/>
               </a:endParaRPr>
             </a:p>
           </p:txBody>
@@ -18379,10 +18672,16 @@
             <a:p>
               <a:pPr algn="ctr"/>
               <a:r>
-                <a:rPr lang="en-US" sz="1200" dirty="0" smtClean="0"/>
+                <a:rPr lang="en-US" sz="1200" dirty="0" smtClean="0">
+                  <a:latin typeface="Arial" panose="020B0604020202020204" pitchFamily="34" charset="0"/>
+                  <a:cs typeface="Arial" panose="020B0604020202020204" pitchFamily="34" charset="0"/>
+                </a:rPr>
                 <a:t>Block 1</a:t>
               </a:r>
-              <a:endParaRPr lang="en-US" sz="1200" dirty="0"/>
+              <a:endParaRPr lang="en-US" sz="1200" dirty="0" smtClean="0">
+                <a:latin typeface="Arial" panose="020B0604020202020204" pitchFamily="34" charset="0"/>
+                <a:cs typeface="Arial" panose="020B0604020202020204" pitchFamily="34" charset="0"/>
+              </a:endParaRPr>
             </a:p>
           </p:txBody>
         </p:sp>
@@ -18409,10 +18708,16 @@
             <a:lstStyle/>
             <a:p>
               <a:r>
-                <a:rPr lang="en-US" sz="1100" dirty="0" smtClean="0"/>
+                <a:rPr lang="en-US" sz="1100" dirty="0" smtClean="0">
+                  <a:latin typeface="Arial" panose="020B0604020202020204" pitchFamily="34" charset="0"/>
+                  <a:cs typeface="Arial" panose="020B0604020202020204" pitchFamily="34" charset="0"/>
+                </a:rPr>
                 <a:t>Previous Hash:  0</a:t>
               </a:r>
-              <a:endParaRPr lang="en-US" sz="1100" dirty="0"/>
+              <a:endParaRPr lang="en-US" sz="1100" dirty="0" smtClean="0">
+                <a:latin typeface="Arial" panose="020B0604020202020204" pitchFamily="34" charset="0"/>
+                <a:cs typeface="Arial" panose="020B0604020202020204" pitchFamily="34" charset="0"/>
+              </a:endParaRPr>
             </a:p>
           </p:txBody>
         </p:sp>
@@ -18439,10 +18744,16 @@
             <a:lstStyle/>
             <a:p>
               <a:r>
-                <a:rPr lang="en-US" sz="1100" dirty="0" smtClean="0"/>
+                <a:rPr lang="en-US" sz="1100" dirty="0" smtClean="0">
+                  <a:latin typeface="Arial" panose="020B0604020202020204" pitchFamily="34" charset="0"/>
+                  <a:cs typeface="Arial" panose="020B0604020202020204" pitchFamily="34" charset="0"/>
+                </a:rPr>
                 <a:t>Hash:  000xxxxx</a:t>
               </a:r>
-              <a:endParaRPr lang="en-US" sz="1100" dirty="0"/>
+              <a:endParaRPr lang="en-US" sz="1100" dirty="0" smtClean="0">
+                <a:latin typeface="Arial" panose="020B0604020202020204" pitchFamily="34" charset="0"/>
+                <a:cs typeface="Arial" panose="020B0604020202020204" pitchFamily="34" charset="0"/>
+              </a:endParaRPr>
             </a:p>
           </p:txBody>
         </p:sp>
@@ -20371,8 +20682,8 @@
         </p:nvSpPr>
         <p:spPr>
           <a:xfrm>
-            <a:off x="1235710" y="1585972"/>
-            <a:ext cx="10075418" cy="2031325"/>
+            <a:off x="1235710" y="1652905"/>
+            <a:ext cx="10076180" cy="2030095"/>
           </a:xfrm>
           <a:prstGeom prst="rect">
             <a:avLst/>
@@ -20398,6 +20709,11 @@
               </a:rPr>
               <a:t>DNS phụ thuộc vào sự kiểm soát của nhiều tổ chức nên người dùng có thể bị giới hạn quyền hạn do tổ chức đó quy định.</a:t>
             </a:r>
+            <a:endParaRPr lang="en-US" sz="1400" dirty="0" smtClean="0">
+              <a:latin typeface="Arial" panose="020B0604020202020204" pitchFamily="34" charset="0"/>
+              <a:cs typeface="Arial" panose="020B0604020202020204" pitchFamily="34" charset="0"/>
+              <a:sym typeface="+mn-ea"/>
+            </a:endParaRPr>
           </a:p>
           <a:p>
             <a:pPr algn="l">
@@ -20411,8 +20727,13 @@
                 <a:cs typeface="Arial" panose="020B0604020202020204" pitchFamily="34" charset="0"/>
                 <a:sym typeface="+mn-ea"/>
               </a:rPr>
-              <a:t>DNS là ‘bước đệm’ của Internet. Có nhiều hacker nhắm vào DNS nên vấn đề bảo mật phải đáp ứng với công nghệ hiện tại.</a:t>
-            </a:r>
+              <a:t>Nhiều hacker nhắm vào DNS nên vấn đề bảo mật phải đáp ứng với công nghệ hiện tại.</a:t>
+            </a:r>
+            <a:endParaRPr lang="en-US" sz="1400" dirty="0" smtClean="0">
+              <a:latin typeface="Arial" panose="020B0604020202020204" pitchFamily="34" charset="0"/>
+              <a:cs typeface="Arial" panose="020B0604020202020204" pitchFamily="34" charset="0"/>
+              <a:sym typeface="+mn-ea"/>
+            </a:endParaRPr>
           </a:p>
           <a:p>
             <a:pPr algn="l">
@@ -20428,6 +20749,11 @@
               </a:rPr>
               <a:t>DNS queries thường không mang bất kì thông tin về client khởi tạo nó.</a:t>
             </a:r>
+            <a:endParaRPr lang="en-US" sz="1400" dirty="0" smtClean="0">
+              <a:latin typeface="Arial" panose="020B0604020202020204" pitchFamily="34" charset="0"/>
+              <a:cs typeface="Arial" panose="020B0604020202020204" pitchFamily="34" charset="0"/>
+              <a:sym typeface="+mn-ea"/>
+            </a:endParaRPr>
           </a:p>
           <a:p>
             <a:pPr algn="l">
@@ -20464,6 +20790,10 @@
               </a:rPr>
               <a:t>Numbers, thông qua nhiều bước nhiều thủ tục và chịu nhiều mức phí.</a:t>
             </a:r>
+            <a:endParaRPr lang="en-US" sz="1400" dirty="0" smtClean="0">
+              <a:latin typeface="Arial" panose="020B0604020202020204" pitchFamily="34" charset="0"/>
+              <a:cs typeface="Arial" panose="020B0604020202020204" pitchFamily="34" charset="0"/>
+            </a:endParaRPr>
           </a:p>
           <a:p>
             <a:pPr>
@@ -20531,6 +20861,16 @@
               </a:rPr>
               <a:t>Những vấn đề tồn tại ở hệ thống DNS hiện tại</a:t>
             </a:r>
+            <a:endParaRPr lang="en-US" sz="2400" b="1" dirty="0" smtClean="0">
+              <a:solidFill>
+                <a:schemeClr val="accent2">
+                  <a:lumMod val="50000"/>
+                </a:schemeClr>
+              </a:solidFill>
+              <a:latin typeface="Arial" panose="020B0604020202020204" pitchFamily="34" charset="0"/>
+              <a:ea typeface="Roboto" panose="02000000000000000000" pitchFamily="2" charset="0"/>
+              <a:cs typeface="Arial" panose="020B0604020202020204" pitchFamily="34" charset="0"/>
+            </a:endParaRPr>
           </a:p>
         </p:txBody>
       </p:sp>
@@ -20601,8 +20941,8 @@
         </p:nvSpPr>
         <p:spPr>
           <a:xfrm>
-            <a:off x="1235710" y="4300162"/>
-            <a:ext cx="10075418" cy="1708160"/>
+            <a:off x="1235710" y="4300220"/>
+            <a:ext cx="10074910" cy="1706880"/>
           </a:xfrm>
           <a:prstGeom prst="rect">
             <a:avLst/>
@@ -20628,6 +20968,11 @@
               </a:rPr>
               <a:t>Trong Blockchain dữ liệu được lưu trữ dưới dạng transaction và block nên việc biết được chi tiết thông tin gửi đi rất đơn giản.</a:t>
             </a:r>
+            <a:endParaRPr lang="en-US" sz="1400" dirty="0" smtClean="0">
+              <a:latin typeface="Arial" panose="020B0604020202020204" pitchFamily="34" charset="0"/>
+              <a:cs typeface="Arial" panose="020B0604020202020204" pitchFamily="34" charset="0"/>
+              <a:sym typeface="+mn-ea"/>
+            </a:endParaRPr>
           </a:p>
           <a:p>
             <a:pPr algn="l">
@@ -20643,6 +20988,11 @@
               </a:rPr>
               <a:t>Blockchain có tính chất của mạng ngang hàng giúp lưu trữ và cập nhật ngay lập tức khi có thay đổi hợp lệ.</a:t>
             </a:r>
+            <a:endParaRPr lang="en-US" sz="1400" dirty="0" smtClean="0">
+              <a:latin typeface="Arial" panose="020B0604020202020204" pitchFamily="34" charset="0"/>
+              <a:cs typeface="Arial" panose="020B0604020202020204" pitchFamily="34" charset="0"/>
+              <a:sym typeface="+mn-ea"/>
+            </a:endParaRPr>
           </a:p>
           <a:p>
             <a:pPr algn="l">
@@ -20658,6 +21008,11 @@
               </a:rPr>
               <a:t>Blockchain gần như ít cần sự can thiệp của con người, không cần phí trung gian, hạn chế các thủ tục nhưng vẫn đảm bảo hoạt động an toàn và ổn định.</a:t>
             </a:r>
+            <a:endParaRPr lang="en-US" sz="1400" dirty="0" smtClean="0">
+              <a:latin typeface="Arial" panose="020B0604020202020204" pitchFamily="34" charset="0"/>
+              <a:cs typeface="Arial" panose="020B0604020202020204" pitchFamily="34" charset="0"/>
+              <a:sym typeface="+mn-ea"/>
+            </a:endParaRPr>
           </a:p>
           <a:p>
             <a:pPr algn="l">
@@ -20673,6 +21028,11 @@
               </a:rPr>
               <a:t>Blockchain cho người dùng quan sát các giao dịch xảy ra mà không cần nắm giữ quyền trong blockchain.</a:t>
             </a:r>
+            <a:endParaRPr lang="en-US" sz="1400" dirty="0" smtClean="0">
+              <a:latin typeface="Arial" panose="020B0604020202020204" pitchFamily="34" charset="0"/>
+              <a:cs typeface="Arial" panose="020B0604020202020204" pitchFamily="34" charset="0"/>
+              <a:sym typeface="+mn-ea"/>
+            </a:endParaRPr>
           </a:p>
         </p:txBody>
       </p:sp>
@@ -20858,6 +21218,10 @@
               </a:rPr>
               <a:t>so sánh 2 mô hình</a:t>
             </a:r>
+            <a:endParaRPr lang="en-US" sz="4000" b="1" spc="50" dirty="0">
+              <a:latin typeface="Times New Roman" panose="02020603050405020304" pitchFamily="18" charset="0"/>
+              <a:cs typeface="Times New Roman" panose="02020603050405020304" pitchFamily="18" charset="0"/>
+            </a:endParaRPr>
           </a:p>
         </p:txBody>
       </p:sp>
@@ -21167,7 +21531,6 @@
           <a:p>
             <a:fld id="{040DEF24-717E-4741-8753-F7E431A261E5}" type="slidenum">
               <a:rPr lang="en-US" smtClean="0"/>
-              <a:t>7</a:t>
             </a:fld>
             <a:endParaRPr lang="en-US"/>
           </a:p>
@@ -21227,7 +21590,7 @@
           <p:nvPr/>
         </p:nvPicPr>
         <p:blipFill rotWithShape="1">
-          <a:blip r:embed="rId2" cstate="print">
+          <a:blip r:embed="rId1" cstate="print">
             <a:extLst>
               <a:ext uri="{28A0092B-C50C-407E-A947-70E740481C1C}">
                 <a14:useLocalDpi xmlns:a14="http://schemas.microsoft.com/office/drawing/2010/main" val="0"/>
@@ -21235,7 +21598,9 @@
             </a:extLst>
           </a:blip>
           <a:srcRect l="-2199" t="-979" r="-1986" b="4204"/>
-          <a:stretch/>
+          <a:stretch>
+            <a:fillRect/>
+          </a:stretch>
         </p:blipFill>
         <p:spPr>
           <a:xfrm>
@@ -21260,7 +21625,7 @@
           <p:nvPr/>
         </p:nvPicPr>
         <p:blipFill>
-          <a:blip r:embed="rId3" cstate="print">
+          <a:blip r:embed="rId2" cstate="print">
             <a:extLst>
               <a:ext uri="{28A0092B-C50C-407E-A947-70E740481C1C}">
                 <a14:useLocalDpi xmlns:a14="http://schemas.microsoft.com/office/drawing/2010/main" val="0"/>
@@ -21323,6 +21688,16 @@
               </a:rPr>
               <a:t>Proof of work và Proof of stake</a:t>
             </a:r>
+            <a:endParaRPr lang="en-US" sz="2400" b="1" dirty="0">
+              <a:solidFill>
+                <a:schemeClr val="accent2">
+                  <a:lumMod val="50000"/>
+                </a:schemeClr>
+              </a:solidFill>
+              <a:latin typeface="Arial" panose="020B0604020202020204" pitchFamily="34" charset="0"/>
+              <a:ea typeface="Roboto" panose="02000000000000000000" pitchFamily="2" charset="0"/>
+              <a:cs typeface="Arial" panose="020B0604020202020204" pitchFamily="34" charset="0"/>
+            </a:endParaRPr>
           </a:p>
         </p:txBody>
       </p:sp>
@@ -21493,6 +21868,10 @@
               </a:rPr>
               <a:t>Khuyết điểm: </a:t>
             </a:r>
+            <a:endParaRPr lang="en-US" sz="1400" dirty="0" smtClean="0">
+              <a:latin typeface="Arial" panose="020B0604020202020204" pitchFamily="34" charset="0"/>
+              <a:cs typeface="Arial" panose="020B0604020202020204" pitchFamily="34" charset="0"/>
+            </a:endParaRPr>
           </a:p>
           <a:p>
             <a:pPr marL="285750" indent="-285750" algn="just">
@@ -21506,6 +21885,10 @@
               </a:rPr>
               <a:t>Dễ bị tấn công 51%</a:t>
             </a:r>
+            <a:endParaRPr lang="en-US" sz="1400" dirty="0" smtClean="0">
+              <a:latin typeface="Arial" panose="020B0604020202020204" pitchFamily="34" charset="0"/>
+              <a:cs typeface="Arial" panose="020B0604020202020204" pitchFamily="34" charset="0"/>
+            </a:endParaRPr>
           </a:p>
           <a:p>
             <a:pPr marL="285750" indent="-285750" algn="just">
@@ -21519,6 +21902,10 @@
               </a:rPr>
               <a:t>Hao tổn nhiều điện năng tiêu thụ</a:t>
             </a:r>
+            <a:endParaRPr lang="en-US" sz="1400" dirty="0" smtClean="0">
+              <a:latin typeface="Arial" panose="020B0604020202020204" pitchFamily="34" charset="0"/>
+              <a:cs typeface="Arial" panose="020B0604020202020204" pitchFamily="34" charset="0"/>
+            </a:endParaRPr>
           </a:p>
         </p:txBody>
       </p:sp>
@@ -21552,6 +21939,10 @@
               </a:rPr>
               <a:t>Khuyết điểm: </a:t>
             </a:r>
+            <a:endParaRPr lang="en-US" sz="1400" dirty="0" smtClean="0">
+              <a:latin typeface="Arial" panose="020B0604020202020204" pitchFamily="34" charset="0"/>
+              <a:cs typeface="Arial" panose="020B0604020202020204" pitchFamily="34" charset="0"/>
+            </a:endParaRPr>
           </a:p>
           <a:p>
             <a:pPr marL="285750" indent="-285750" algn="just">
@@ -21565,6 +21956,10 @@
               </a:rPr>
               <a:t>Khi gặp sự cố không mong muốn, sẽ mất phần đặt cọc ( Vd: mất wifi, cúp điện, ... )</a:t>
             </a:r>
+            <a:endParaRPr lang="en-US" sz="1400" dirty="0" smtClean="0">
+              <a:latin typeface="Arial" panose="020B0604020202020204" pitchFamily="34" charset="0"/>
+              <a:cs typeface="Arial" panose="020B0604020202020204" pitchFamily="34" charset="0"/>
+            </a:endParaRPr>
           </a:p>
         </p:txBody>
       </p:sp>
@@ -22059,7 +22454,6 @@
           <a:p>
             <a:fld id="{040DEF24-717E-4741-8753-F7E431A261E5}" type="slidenum">
               <a:rPr lang="en-US" smtClean="0"/>
-              <a:t>8</a:t>
             </a:fld>
             <a:endParaRPr lang="en-US"/>
           </a:p>
@@ -22151,6 +22545,11 @@
               </a:rPr>
               <a:t>Namecoin</a:t>
             </a:r>
+            <a:endParaRPr lang="en-US" sz="1600" b="1" dirty="0">
+              <a:latin typeface="Times New Roman" panose="02020603050405020304" pitchFamily="18" charset="0"/>
+              <a:ea typeface="Calibri" panose="020F0502020204030204" pitchFamily="34" charset="0"/>
+              <a:cs typeface="Times New Roman" panose="02020603050405020304" pitchFamily="18" charset="0"/>
+            </a:endParaRPr>
           </a:p>
           <a:p>
             <a:pPr marL="342900" lvl="0" indent="-342900" algn="just">
@@ -22171,6 +22570,11 @@
               </a:rPr>
               <a:t>Blockstack</a:t>
             </a:r>
+            <a:endParaRPr lang="en-US" sz="1600" b="1" dirty="0">
+              <a:latin typeface="Times New Roman" panose="02020603050405020304" pitchFamily="18" charset="0"/>
+              <a:ea typeface="Calibri" panose="020F0502020204030204" pitchFamily="34" charset="0"/>
+              <a:cs typeface="Times New Roman" panose="02020603050405020304" pitchFamily="18" charset="0"/>
+            </a:endParaRPr>
           </a:p>
           <a:p>
             <a:pPr marL="342900" lvl="0" indent="-342900" algn="just">
@@ -22224,6 +22628,11 @@
               </a:rPr>
               <a:t>Handshake</a:t>
             </a:r>
+            <a:endParaRPr lang="en-US" sz="1600" b="1" dirty="0">
+              <a:latin typeface="Times New Roman" panose="02020603050405020304" pitchFamily="18" charset="0"/>
+              <a:ea typeface="Calibri" panose="020F0502020204030204" pitchFamily="34" charset="0"/>
+              <a:cs typeface="Times New Roman" panose="02020603050405020304" pitchFamily="18" charset="0"/>
+            </a:endParaRPr>
           </a:p>
           <a:p>
             <a:pPr marL="342900" lvl="0" indent="-342900" algn="just">
@@ -22244,6 +22653,11 @@
               </a:rPr>
               <a:t>Nebulis</a:t>
             </a:r>
+            <a:endParaRPr lang="en-US" sz="1600" b="1" dirty="0">
+              <a:latin typeface="Times New Roman" panose="02020603050405020304" pitchFamily="18" charset="0"/>
+              <a:ea typeface="Calibri" panose="020F0502020204030204" pitchFamily="34" charset="0"/>
+              <a:cs typeface="Times New Roman" panose="02020603050405020304" pitchFamily="18" charset="0"/>
+            </a:endParaRPr>
           </a:p>
           <a:p>
             <a:pPr marL="342900" lvl="0" indent="-342900" algn="just">
@@ -22264,6 +22678,11 @@
               </a:rPr>
               <a:t>Dot BIT</a:t>
             </a:r>
+            <a:endParaRPr lang="en-US" sz="1600" b="1" dirty="0">
+              <a:latin typeface="Times New Roman" panose="02020603050405020304" pitchFamily="18" charset="0"/>
+              <a:ea typeface="Calibri" panose="020F0502020204030204" pitchFamily="34" charset="0"/>
+              <a:cs typeface="Times New Roman" panose="02020603050405020304" pitchFamily="18" charset="0"/>
+            </a:endParaRPr>
           </a:p>
           <a:p>
             <a:pPr marL="342900" lvl="0" indent="-342900" algn="just">
@@ -22284,6 +22703,11 @@
               </a:rPr>
               <a:t>Emercoin DNS</a:t>
             </a:r>
+            <a:endParaRPr lang="en-US" sz="1600" b="1" dirty="0">
+              <a:latin typeface="Times New Roman" panose="02020603050405020304" pitchFamily="18" charset="0"/>
+              <a:ea typeface="Calibri" panose="020F0502020204030204" pitchFamily="34" charset="0"/>
+              <a:cs typeface="Times New Roman" panose="02020603050405020304" pitchFamily="18" charset="0"/>
+            </a:endParaRPr>
           </a:p>
           <a:p>
             <a:pPr marL="342900" lvl="0" indent="-342900" algn="just">
@@ -22304,6 +22728,11 @@
               </a:rPr>
               <a:t>PeerName</a:t>
             </a:r>
+            <a:endParaRPr lang="en-US" sz="1600" b="1" dirty="0">
+              <a:latin typeface="Times New Roman" panose="02020603050405020304" pitchFamily="18" charset="0"/>
+              <a:ea typeface="Calibri" panose="020F0502020204030204" pitchFamily="34" charset="0"/>
+              <a:cs typeface="Times New Roman" panose="02020603050405020304" pitchFamily="18" charset="0"/>
+            </a:endParaRPr>
           </a:p>
           <a:p>
             <a:pPr marL="342900" lvl="0" indent="-342900" algn="just">
@@ -22324,6 +22753,11 @@
               </a:rPr>
               <a:t>Blockchain DNS for Firefox</a:t>
             </a:r>
+            <a:endParaRPr lang="en-US" sz="1600" b="1" dirty="0">
+              <a:latin typeface="Times New Roman" panose="02020603050405020304" pitchFamily="18" charset="0"/>
+              <a:ea typeface="Calibri" panose="020F0502020204030204" pitchFamily="34" charset="0"/>
+              <a:cs typeface="Times New Roman" panose="02020603050405020304" pitchFamily="18" charset="0"/>
+            </a:endParaRPr>
           </a:p>
           <a:p>
             <a:pPr marL="342900" lvl="0" indent="-342900" algn="just">
@@ -22344,6 +22778,11 @@
               </a:rPr>
               <a:t>FrigGate for Chrome and other browsers</a:t>
             </a:r>
+            <a:endParaRPr lang="en-US" sz="1600" b="1" dirty="0">
+              <a:latin typeface="Times New Roman" panose="02020603050405020304" pitchFamily="18" charset="0"/>
+              <a:ea typeface="Calibri" panose="020F0502020204030204" pitchFamily="34" charset="0"/>
+              <a:cs typeface="Times New Roman" panose="02020603050405020304" pitchFamily="18" charset="0"/>
+            </a:endParaRPr>
           </a:p>
           <a:p>
             <a:pPr marL="342900" lvl="0" indent="-342900" algn="just">
@@ -22364,6 +22803,11 @@
               </a:rPr>
               <a:t>NEM Blockchain DNS extension</a:t>
             </a:r>
+            <a:endParaRPr lang="en-US" sz="1600" b="1" dirty="0">
+              <a:latin typeface="Times New Roman" panose="02020603050405020304" pitchFamily="18" charset="0"/>
+              <a:ea typeface="Calibri" panose="020F0502020204030204" pitchFamily="34" charset="0"/>
+              <a:cs typeface="Times New Roman" panose="02020603050405020304" pitchFamily="18" charset="0"/>
+            </a:endParaRPr>
           </a:p>
           <a:p>
             <a:pPr marL="342900" lvl="0" indent="-342900" algn="just">
@@ -22384,6 +22828,11 @@
               </a:rPr>
               <a:t>Unstoppable Domains</a:t>
             </a:r>
+            <a:endParaRPr lang="en-US" sz="1600" b="1" dirty="0">
+              <a:latin typeface="Times New Roman" panose="02020603050405020304" pitchFamily="18" charset="0"/>
+              <a:ea typeface="Calibri" panose="020F0502020204030204" pitchFamily="34" charset="0"/>
+              <a:cs typeface="Times New Roman" panose="02020603050405020304" pitchFamily="18" charset="0"/>
+            </a:endParaRPr>
           </a:p>
           <a:p>
             <a:pPr marL="342900" lvl="0" indent="-342900" algn="just">
@@ -22404,6 +22853,11 @@
               </a:rPr>
               <a:t>Aloaha Blockchain DNS</a:t>
             </a:r>
+            <a:endParaRPr lang="en-US" sz="1600" b="1" dirty="0">
+              <a:latin typeface="Times New Roman" panose="02020603050405020304" pitchFamily="18" charset="0"/>
+              <a:ea typeface="Calibri" panose="020F0502020204030204" pitchFamily="34" charset="0"/>
+              <a:cs typeface="Times New Roman" panose="02020603050405020304" pitchFamily="18" charset="0"/>
+            </a:endParaRPr>
           </a:p>
         </p:txBody>
       </p:sp>
@@ -22451,7 +22905,7 @@
           <p:nvPr/>
         </p:nvPicPr>
         <p:blipFill>
-          <a:blip r:embed="rId2">
+          <a:blip r:embed="rId1">
             <a:extLst>
               <a:ext uri="{28A0092B-C50C-407E-A947-70E740481C1C}">
                 <a14:useLocalDpi xmlns:a14="http://schemas.microsoft.com/office/drawing/2010/main" val="0"/>
@@ -22492,7 +22946,7 @@
           <p:nvPr/>
         </p:nvPicPr>
         <p:blipFill>
-          <a:blip r:embed="rId3" cstate="print">
+          <a:blip r:embed="rId2" cstate="print">
             <a:extLst>
               <a:ext uri="{28A0092B-C50C-407E-A947-70E740481C1C}">
                 <a14:useLocalDpi xmlns:a14="http://schemas.microsoft.com/office/drawing/2010/main" val="0"/>
@@ -22533,7 +22987,7 @@
           <p:nvPr/>
         </p:nvPicPr>
         <p:blipFill>
-          <a:blip r:embed="rId4" cstate="print">
+          <a:blip r:embed="rId3" cstate="print">
             <a:extLst>
               <a:ext uri="{28A0092B-C50C-407E-A947-70E740481C1C}">
                 <a14:useLocalDpi xmlns:a14="http://schemas.microsoft.com/office/drawing/2010/main" val="0"/>
@@ -22650,6 +23104,10 @@
               </a:rPr>
               <a:t>://www.softwaretestinghelp.com/best-blockchain-dns-software/</a:t>
             </a:r>
+            <a:endParaRPr lang="en-US" sz="1100" dirty="0">
+              <a:latin typeface="Arial" panose="020B0604020202020204" pitchFamily="34" charset="0"/>
+              <a:cs typeface="Arial" panose="020B0604020202020204" pitchFamily="34" charset="0"/>
+            </a:endParaRPr>
           </a:p>
         </p:txBody>
       </p:sp>
@@ -22688,6 +23146,16 @@
               </a:rPr>
               <a:t>Danh sách xếp hạng 13 phần mềm DNS Blockchain </a:t>
             </a:r>
+            <a:endParaRPr lang="en-US" sz="2400" b="1" dirty="0">
+              <a:solidFill>
+                <a:schemeClr val="accent2">
+                  <a:lumMod val="50000"/>
+                </a:schemeClr>
+              </a:solidFill>
+              <a:latin typeface="Arial" panose="020B0604020202020204" pitchFamily="34" charset="0"/>
+              <a:ea typeface="Roboto" panose="02000000000000000000" pitchFamily="2" charset="0"/>
+              <a:cs typeface="Arial" panose="020B0604020202020204" pitchFamily="34" charset="0"/>
+            </a:endParaRPr>
           </a:p>
         </p:txBody>
       </p:sp>
@@ -23118,7 +23586,7 @@
             <a:r>
               <a:rPr lang="en-US" sz="4000" b="1" spc="50" dirty="0" smtClean="0">
                 <a:blipFill>
-                  <a:blip r:embed="rId2">
+                  <a:blip r:embed="rId1">
                     <a:extLst>
                       <a:ext uri="{28A0092B-C50C-407E-A947-70E740481C1C}">
                         <a14:useLocalDpi xmlns:a14="http://schemas.microsoft.com/office/drawing/2010/main" val="0"/>
@@ -23157,7 +23625,6 @@
           <a:p>
             <a:fld id="{040DEF24-717E-4741-8753-F7E431A261E5}" type="slidenum">
               <a:rPr lang="en-US" smtClean="0"/>
-              <a:t>9</a:t>
             </a:fld>
             <a:endParaRPr lang="en-US"/>
           </a:p>
@@ -23170,7 +23637,7 @@
           <p:nvPr/>
         </p:nvPicPr>
         <p:blipFill>
-          <a:blip r:embed="rId3"/>
+          <a:blip r:embed="rId2"/>
           <a:stretch>
             <a:fillRect/>
           </a:stretch>
@@ -23322,6 +23789,11 @@
               </a:rPr>
               <a:t>Data Access: </a:t>
             </a:r>
+            <a:endParaRPr lang="en-US" sz="1400" b="1" dirty="0" smtClean="0">
+              <a:latin typeface="Arial" panose="020B0604020202020204" pitchFamily="34" charset="0"/>
+              <a:ea typeface="Calibri" panose="020F0502020204030204" pitchFamily="34" charset="0"/>
+              <a:cs typeface="Arial" panose="020B0604020202020204" pitchFamily="34" charset="0"/>
+            </a:endParaRPr>
           </a:p>
         </p:txBody>
       </p:sp>
@@ -23386,6 +23858,11 @@
               </a:rPr>
               <a:t>Center ( DSC ) đóng vai trò hạn chế kiểm tra dữ liệu đầu vào trùng lặp hoặc không hợp lệ</a:t>
             </a:r>
+            <a:endParaRPr lang="en-US" sz="1400" dirty="0" smtClean="0">
+              <a:latin typeface="Arial" panose="020B0604020202020204" pitchFamily="34" charset="0"/>
+              <a:ea typeface="Calibri" panose="020F0502020204030204" pitchFamily="34" charset="0"/>
+              <a:cs typeface="Arial" panose="020B0604020202020204" pitchFamily="34" charset="0"/>
+            </a:endParaRPr>
           </a:p>
           <a:p>
             <a:pPr marL="342900" lvl="0" indent="-342900" algn="just">
@@ -23446,6 +23923,11 @@
               </a:rPr>
               <a:t>sinh. </a:t>
             </a:r>
+            <a:endParaRPr lang="en-US" sz="1400" dirty="0" smtClean="0">
+              <a:latin typeface="Arial" panose="020B0604020202020204" pitchFamily="34" charset="0"/>
+              <a:ea typeface="Calibri" panose="020F0502020204030204" pitchFamily="34" charset="0"/>
+              <a:cs typeface="Arial" panose="020B0604020202020204" pitchFamily="34" charset="0"/>
+            </a:endParaRPr>
           </a:p>
         </p:txBody>
       </p:sp>
@@ -23537,6 +24019,11 @@
               </a:rPr>
               <a:t>Blockchain lưu trữ những dữ liệu tên miền đã được đồng bộ hóa. </a:t>
             </a:r>
+            <a:endParaRPr lang="en-US" sz="1400" dirty="0">
+              <a:latin typeface="Arial" panose="020B0604020202020204" pitchFamily="34" charset="0"/>
+              <a:ea typeface="Calibri" panose="020F0502020204030204" pitchFamily="34" charset="0"/>
+              <a:cs typeface="Arial" panose="020B0604020202020204" pitchFamily="34" charset="0"/>
+            </a:endParaRPr>
           </a:p>
         </p:txBody>
       </p:sp>
@@ -23694,6 +24181,16 @@
               </a:rPr>
               <a:t>Giai đoạn tương tác</a:t>
             </a:r>
+            <a:endParaRPr lang="en-US" sz="1400" b="1" dirty="0">
+              <a:solidFill>
+                <a:schemeClr val="accent2">
+                  <a:lumMod val="50000"/>
+                </a:schemeClr>
+              </a:solidFill>
+              <a:latin typeface="Arial" panose="020B0604020202020204" pitchFamily="34" charset="0"/>
+              <a:ea typeface="Roboto" panose="02000000000000000000" pitchFamily="2" charset="0"/>
+              <a:cs typeface="Arial" panose="020B0604020202020204" pitchFamily="34" charset="0"/>
+            </a:endParaRPr>
           </a:p>
         </p:txBody>
       </p:sp>
@@ -23777,6 +24274,11 @@
               </a:rPr>
               <a:t>chỉ định theo một lựa chọn nào đó ( ở ví dụ sẽ là quốc gia ) nhờ đó có thể áp dụng phân quyền tạo nên một Permissioned Blockchain ( kết hợp giữa Public và Private ).</a:t>
             </a:r>
+            <a:endParaRPr lang="en-US" sz="1400" dirty="0">
+              <a:latin typeface="Arial" panose="020B0604020202020204" pitchFamily="34" charset="0"/>
+              <a:ea typeface="Calibri" panose="020F0502020204030204" pitchFamily="34" charset="0"/>
+              <a:cs typeface="Arial" panose="020B0604020202020204" pitchFamily="34" charset="0"/>
+            </a:endParaRPr>
           </a:p>
           <a:p>
             <a:pPr marL="342900" lvl="0" indent="-342900" algn="just">
@@ -23797,6 +24299,11 @@
               </a:rPr>
               <a:t>Giai đoạn cuối cùng là Data Access, là nơi tiếp nhận thông tin của các người dùng và trực tiếp trả về kết quả thông qua việc xử lý thông tin ở TLDChain.</a:t>
             </a:r>
+            <a:endParaRPr lang="en-US" sz="1400" dirty="0">
+              <a:latin typeface="Arial" panose="020B0604020202020204" pitchFamily="34" charset="0"/>
+              <a:ea typeface="Calibri" panose="020F0502020204030204" pitchFamily="34" charset="0"/>
+              <a:cs typeface="Arial" panose="020B0604020202020204" pitchFamily="34" charset="0"/>
+            </a:endParaRPr>
           </a:p>
         </p:txBody>
       </p:sp>
@@ -23837,6 +24344,11 @@
               </a:rPr>
               <a:t>Data Publish:</a:t>
             </a:r>
+            <a:endParaRPr lang="en-US" sz="1400" b="1" dirty="0">
+              <a:latin typeface="Arial" panose="020B0604020202020204" pitchFamily="34" charset="0"/>
+              <a:ea typeface="Calibri" panose="020F0502020204030204" pitchFamily="34" charset="0"/>
+              <a:cs typeface="Arial" panose="020B0604020202020204" pitchFamily="34" charset="0"/>
+            </a:endParaRPr>
           </a:p>
         </p:txBody>
       </p:sp>
@@ -24673,8 +25185,6 @@
       </a:bgFillStyleLst>
     </a:fmtScheme>
   </a:themeElements>
-  <a:objectDefaults/>
-  <a:extraClrSchemeLst/>
   <a:extLst>
     <a:ext uri="{05A4C25C-085E-4340-85A3-A5531E510DB2}">
       <thm15:themeFamily xmlns:thm15="http://schemas.microsoft.com/office/thememl/2012/main" name="Office Theme" id="{62F939B6-93AF-4DB8-9C6B-D6C7DFDC589F}" vid="{4A3C46E8-61CC-4603-A589-7422A47A8E4A}"/>
@@ -24934,8 +25444,6 @@
       </a:bgFillStyleLst>
     </a:fmtScheme>
   </a:themeElements>
-  <a:objectDefaults/>
-  <a:extraClrSchemeLst/>
   <a:extLst>
     <a:ext uri="{05A4C25C-085E-4340-85A3-A5531E510DB2}">
       <thm15:themeFamily xmlns:thm15="http://schemas.microsoft.com/office/thememl/2012/main" name="Office Theme" id="{62F939B6-93AF-4DB8-9C6B-D6C7DFDC589F}" vid="{4A3C46E8-61CC-4603-A589-7422A47A8E4A}"/>

--- a/slide/D17CQAT01_PhanDai_N17DCAT013.pptx
+++ b/slide/D17CQAT01_PhanDai_N17DCAT013.pptx
@@ -8,12 +8,13 @@
     <p:notesMasterId r:id="rId20"/>
   </p:notesMasterIdLst>
   <p:sldIdLst>
-    <p:sldId id="256" r:id="rId3"/>
-    <p:sldId id="257" r:id="rId4"/>
-    <p:sldId id="261" r:id="rId5"/>
-    <p:sldId id="272" r:id="rId6"/>
+    <p:sldId id="256" r:id="rId2"/>
+    <p:sldId id="257" r:id="rId3"/>
+    <p:sldId id="261" r:id="rId4"/>
+    <p:sldId id="272" r:id="rId5"/>
+    <p:sldId id="285" r:id="rId6"/>
     <p:sldId id="284" r:id="rId7"/>
-    <p:sldId id="285" r:id="rId8"/>
+    <p:sldId id="286" r:id="rId8"/>
     <p:sldId id="266" r:id="rId9"/>
     <p:sldId id="273" r:id="rId10"/>
     <p:sldId id="271" r:id="rId11"/>
@@ -123,6 +124,11 @@
       </a:defRPr>
     </a:lvl9pPr>
   </p:defaultTextStyle>
+  <p:extLst>
+    <p:ext uri="{EFAFB233-063F-42B5-8137-9DF3F51BA10A}">
+      <p15:sldGuideLst xmlns:p15="http://schemas.microsoft.com/office/powerpoint/2012/main"/>
+    </p:ext>
+  </p:extLst>
 </p:presentation>
 </file>
 
@@ -208,6 +214,7 @@
           <a:p>
             <a:fld id="{4D90CDED-DED5-4950-8D8A-00FFCAA83A1B}" type="datetimeFigureOut">
               <a:rPr lang="en-US" smtClean="0"/>
+              <a:t>12/21/2021</a:t>
             </a:fld>
             <a:endParaRPr lang="en-US"/>
           </a:p>
@@ -274,7 +281,6 @@
               <a:rPr lang="en-US" smtClean="0"/>
               <a:t>Edit Master text styles</a:t>
             </a:r>
-            <a:endParaRPr lang="en-US" smtClean="0"/>
           </a:p>
           <a:p>
             <a:pPr lvl="1"/>
@@ -282,7 +288,6 @@
               <a:rPr lang="en-US" smtClean="0"/>
               <a:t>Second level</a:t>
             </a:r>
-            <a:endParaRPr lang="en-US" smtClean="0"/>
           </a:p>
           <a:p>
             <a:pPr lvl="2"/>
@@ -290,7 +295,6 @@
               <a:rPr lang="en-US" smtClean="0"/>
               <a:t>Third level</a:t>
             </a:r>
-            <a:endParaRPr lang="en-US" smtClean="0"/>
           </a:p>
           <a:p>
             <a:pPr lvl="3"/>
@@ -298,7 +302,6 @@
               <a:rPr lang="en-US" smtClean="0"/>
               <a:t>Fourth level</a:t>
             </a:r>
-            <a:endParaRPr lang="en-US" smtClean="0"/>
           </a:p>
           <a:p>
             <a:pPr lvl="4"/>
@@ -370,6 +373,7 @@
           <a:p>
             <a:fld id="{FD20B253-7E6D-4FFF-A48B-C518ADBC2D7F}" type="slidenum">
               <a:rPr lang="en-US" smtClean="0"/>
+              <a:t>‹#›</a:t>
             </a:fld>
             <a:endParaRPr lang="en-US"/>
           </a:p>
@@ -474,7 +478,7 @@
 </file>
 
 <file path=ppt/slideLayouts/slideLayout1.xml><?xml version="1.0" encoding="utf-8"?>
-<p:sldLayout xmlns:a="http://schemas.openxmlformats.org/drawingml/2006/main" xmlns:r="http://schemas.openxmlformats.org/officeDocument/2006/relationships" xmlns:p="http://schemas.openxmlformats.org/presentationml/2006/main" type="title" preserve="1" showMasterSp="0">
+<p:sldLayout xmlns:a="http://schemas.openxmlformats.org/drawingml/2006/main" xmlns:r="http://schemas.openxmlformats.org/officeDocument/2006/relationships" xmlns:p="http://schemas.openxmlformats.org/presentationml/2006/main" showMasterSp="0" type="title" preserve="1">
   <p:cSld name="Title Slide">
     <p:spTree>
       <p:nvGrpSpPr>
@@ -876,6 +880,7 @@
           <a:p>
             <a:fld id="{9CC9E0FF-7D19-4510-9DCE-23D201D9E916}" type="datetime1">
               <a:rPr lang="en-US" smtClean="0"/>
+              <a:t>12/21/2021</a:t>
             </a:fld>
             <a:endParaRPr lang="en-US"/>
           </a:p>
@@ -926,6 +931,7 @@
           <a:p>
             <a:fld id="{040DEF24-717E-4741-8753-F7E431A261E5}" type="slidenum">
               <a:rPr lang="en-US" smtClean="0"/>
+              <a:t>‹#›</a:t>
             </a:fld>
             <a:endParaRPr lang="en-US"/>
           </a:p>
@@ -999,7 +1005,6 @@
               <a:rPr lang="en-US" smtClean="0"/>
               <a:t>Edit Master text styles</a:t>
             </a:r>
-            <a:endParaRPr lang="en-US" smtClean="0"/>
           </a:p>
           <a:p>
             <a:pPr lvl="1"/>
@@ -1007,7 +1012,6 @@
               <a:rPr lang="en-US" smtClean="0"/>
               <a:t>Second level</a:t>
             </a:r>
-            <a:endParaRPr lang="en-US" smtClean="0"/>
           </a:p>
           <a:p>
             <a:pPr lvl="2"/>
@@ -1015,7 +1019,6 @@
               <a:rPr lang="en-US" smtClean="0"/>
               <a:t>Third level</a:t>
             </a:r>
-            <a:endParaRPr lang="en-US" smtClean="0"/>
           </a:p>
           <a:p>
             <a:pPr lvl="3"/>
@@ -1023,7 +1026,6 @@
               <a:rPr lang="en-US" smtClean="0"/>
               <a:t>Fourth level</a:t>
             </a:r>
-            <a:endParaRPr lang="en-US" smtClean="0"/>
           </a:p>
           <a:p>
             <a:pPr lvl="4"/>
@@ -1052,6 +1054,7 @@
           <a:p>
             <a:fld id="{02BE6C0D-AE79-4D98-BA3B-E3751AE5331F}" type="datetime1">
               <a:rPr lang="en-US" smtClean="0"/>
+              <a:t>12/21/2021</a:t>
             </a:fld>
             <a:endParaRPr lang="en-US"/>
           </a:p>
@@ -1093,6 +1096,7 @@
           <a:p>
             <a:fld id="{040DEF24-717E-4741-8753-F7E431A261E5}" type="slidenum">
               <a:rPr lang="en-US" smtClean="0"/>
+              <a:t>‹#›</a:t>
             </a:fld>
             <a:endParaRPr lang="en-US"/>
           </a:p>
@@ -1176,7 +1180,6 @@
               <a:rPr lang="en-US" smtClean="0"/>
               <a:t>Edit Master text styles</a:t>
             </a:r>
-            <a:endParaRPr lang="en-US" smtClean="0"/>
           </a:p>
           <a:p>
             <a:pPr lvl="1"/>
@@ -1184,7 +1187,6 @@
               <a:rPr lang="en-US" smtClean="0"/>
               <a:t>Second level</a:t>
             </a:r>
-            <a:endParaRPr lang="en-US" smtClean="0"/>
           </a:p>
           <a:p>
             <a:pPr lvl="2"/>
@@ -1192,7 +1194,6 @@
               <a:rPr lang="en-US" smtClean="0"/>
               <a:t>Third level</a:t>
             </a:r>
-            <a:endParaRPr lang="en-US" smtClean="0"/>
           </a:p>
           <a:p>
             <a:pPr lvl="3"/>
@@ -1200,7 +1201,6 @@
               <a:rPr lang="en-US" smtClean="0"/>
               <a:t>Fourth level</a:t>
             </a:r>
-            <a:endParaRPr lang="en-US" smtClean="0"/>
           </a:p>
           <a:p>
             <a:pPr lvl="4"/>
@@ -1229,6 +1229,7 @@
           <a:p>
             <a:fld id="{64794B53-B5A7-48E6-89FC-70BEF208D151}" type="datetime1">
               <a:rPr lang="en-US" smtClean="0"/>
+              <a:t>12/21/2021</a:t>
             </a:fld>
             <a:endParaRPr lang="en-US"/>
           </a:p>
@@ -1270,6 +1271,7 @@
           <a:p>
             <a:fld id="{040DEF24-717E-4741-8753-F7E431A261E5}" type="slidenum">
               <a:rPr lang="en-US" smtClean="0"/>
+              <a:t>‹#›</a:t>
             </a:fld>
             <a:endParaRPr lang="en-US"/>
           </a:p>
@@ -1343,7 +1345,6 @@
               <a:rPr lang="en-US" smtClean="0"/>
               <a:t>Edit Master text styles</a:t>
             </a:r>
-            <a:endParaRPr lang="en-US" smtClean="0"/>
           </a:p>
           <a:p>
             <a:pPr lvl="1"/>
@@ -1351,7 +1352,6 @@
               <a:rPr lang="en-US" smtClean="0"/>
               <a:t>Second level</a:t>
             </a:r>
-            <a:endParaRPr lang="en-US" smtClean="0"/>
           </a:p>
           <a:p>
             <a:pPr lvl="2"/>
@@ -1359,7 +1359,6 @@
               <a:rPr lang="en-US" smtClean="0"/>
               <a:t>Third level</a:t>
             </a:r>
-            <a:endParaRPr lang="en-US" smtClean="0"/>
           </a:p>
           <a:p>
             <a:pPr lvl="3"/>
@@ -1367,7 +1366,6 @@
               <a:rPr lang="en-US" smtClean="0"/>
               <a:t>Fourth level</a:t>
             </a:r>
-            <a:endParaRPr lang="en-US" smtClean="0"/>
           </a:p>
           <a:p>
             <a:pPr lvl="4"/>
@@ -1396,6 +1394,7 @@
           <a:p>
             <a:fld id="{E4F4B884-B57B-462C-B739-9A72F1ADE961}" type="datetime1">
               <a:rPr lang="en-US" smtClean="0"/>
+              <a:t>12/21/2021</a:t>
             </a:fld>
             <a:endParaRPr lang="en-US"/>
           </a:p>
@@ -1437,6 +1436,7 @@
           <a:p>
             <a:fld id="{040DEF24-717E-4741-8753-F7E431A261E5}" type="slidenum">
               <a:rPr lang="en-US" smtClean="0"/>
+              <a:t>‹#›</a:t>
             </a:fld>
             <a:endParaRPr lang="en-US"/>
           </a:p>
@@ -1451,7 +1451,7 @@
 </file>
 
 <file path=ppt/slideLayouts/slideLayout3.xml><?xml version="1.0" encoding="utf-8"?>
-<p:sldLayout xmlns:a="http://schemas.openxmlformats.org/drawingml/2006/main" xmlns:r="http://schemas.openxmlformats.org/officeDocument/2006/relationships" xmlns:p="http://schemas.openxmlformats.org/presentationml/2006/main" type="secHead" preserve="1" showMasterSp="0">
+<p:sldLayout xmlns:a="http://schemas.openxmlformats.org/drawingml/2006/main" xmlns:r="http://schemas.openxmlformats.org/officeDocument/2006/relationships" xmlns:p="http://schemas.openxmlformats.org/presentationml/2006/main" showMasterSp="0" type="secHead" preserve="1">
   <p:cSld name="Section Header">
     <p:spTree>
       <p:nvGrpSpPr>
@@ -1677,7 +1677,6 @@
               <a:rPr lang="en-US" smtClean="0"/>
               <a:t>Edit Master text styles</a:t>
             </a:r>
-            <a:endParaRPr lang="en-US" smtClean="0"/>
           </a:p>
         </p:txBody>
       </p:sp>
@@ -1703,6 +1702,7 @@
           <a:p>
             <a:fld id="{B9C8D748-A08B-490E-87AA-BC3835B708B2}" type="datetime1">
               <a:rPr lang="en-US" smtClean="0"/>
+              <a:t>12/21/2021</a:t>
             </a:fld>
             <a:endParaRPr lang="en-US"/>
           </a:p>
@@ -1842,6 +1842,7 @@
           <a:p>
             <a:fld id="{040DEF24-717E-4741-8753-F7E431A261E5}" type="slidenum">
               <a:rPr lang="en-US" smtClean="0"/>
+              <a:t>‹#›</a:t>
             </a:fld>
             <a:endParaRPr lang="en-US"/>
           </a:p>
@@ -1948,7 +1949,6 @@
               <a:rPr lang="en-US" smtClean="0"/>
               <a:t>Edit Master text styles</a:t>
             </a:r>
-            <a:endParaRPr lang="en-US" smtClean="0"/>
           </a:p>
           <a:p>
             <a:pPr lvl="1"/>
@@ -1956,7 +1956,6 @@
               <a:rPr lang="en-US" smtClean="0"/>
               <a:t>Second level</a:t>
             </a:r>
-            <a:endParaRPr lang="en-US" smtClean="0"/>
           </a:p>
           <a:p>
             <a:pPr lvl="2"/>
@@ -1964,7 +1963,6 @@
               <a:rPr lang="en-US" smtClean="0"/>
               <a:t>Third level</a:t>
             </a:r>
-            <a:endParaRPr lang="en-US" smtClean="0"/>
           </a:p>
           <a:p>
             <a:pPr lvl="3"/>
@@ -1972,7 +1970,6 @@
               <a:rPr lang="en-US" smtClean="0"/>
               <a:t>Fourth level</a:t>
             </a:r>
-            <a:endParaRPr lang="en-US" smtClean="0"/>
           </a:p>
           <a:p>
             <a:pPr lvl="4"/>
@@ -2037,7 +2034,6 @@
               <a:rPr lang="en-US" smtClean="0"/>
               <a:t>Edit Master text styles</a:t>
             </a:r>
-            <a:endParaRPr lang="en-US" smtClean="0"/>
           </a:p>
           <a:p>
             <a:pPr lvl="1"/>
@@ -2045,7 +2041,6 @@
               <a:rPr lang="en-US" smtClean="0"/>
               <a:t>Second level</a:t>
             </a:r>
-            <a:endParaRPr lang="en-US" smtClean="0"/>
           </a:p>
           <a:p>
             <a:pPr lvl="2"/>
@@ -2053,7 +2048,6 @@
               <a:rPr lang="en-US" smtClean="0"/>
               <a:t>Third level</a:t>
             </a:r>
-            <a:endParaRPr lang="en-US" smtClean="0"/>
           </a:p>
           <a:p>
             <a:pPr lvl="3"/>
@@ -2061,7 +2055,6 @@
               <a:rPr lang="en-US" smtClean="0"/>
               <a:t>Fourth level</a:t>
             </a:r>
-            <a:endParaRPr lang="en-US" smtClean="0"/>
           </a:p>
           <a:p>
             <a:pPr lvl="4"/>
@@ -2090,6 +2083,7 @@
           <a:p>
             <a:fld id="{0FCBCAE6-D603-4735-B4B0-803AAA3FEC04}" type="datetime1">
               <a:rPr lang="en-US" smtClean="0"/>
+              <a:t>12/21/2021</a:t>
             </a:fld>
             <a:endParaRPr lang="en-US"/>
           </a:p>
@@ -2131,6 +2125,7 @@
           <a:p>
             <a:fld id="{040DEF24-717E-4741-8753-F7E431A261E5}" type="slidenum">
               <a:rPr lang="en-US" smtClean="0"/>
+              <a:t>‹#›</a:t>
             </a:fld>
             <a:endParaRPr lang="en-US"/>
           </a:p>
@@ -2254,7 +2249,6 @@
               <a:rPr lang="en-US" smtClean="0"/>
               <a:t>Edit Master text styles</a:t>
             </a:r>
-            <a:endParaRPr lang="en-US" smtClean="0"/>
           </a:p>
         </p:txBody>
       </p:sp>
@@ -2311,7 +2305,6 @@
               <a:rPr lang="en-US" smtClean="0"/>
               <a:t>Edit Master text styles</a:t>
             </a:r>
-            <a:endParaRPr lang="en-US" smtClean="0"/>
           </a:p>
           <a:p>
             <a:pPr lvl="1"/>
@@ -2319,7 +2312,6 @@
               <a:rPr lang="en-US" smtClean="0"/>
               <a:t>Second level</a:t>
             </a:r>
-            <a:endParaRPr lang="en-US" smtClean="0"/>
           </a:p>
           <a:p>
             <a:pPr lvl="2"/>
@@ -2327,7 +2319,6 @@
               <a:rPr lang="en-US" smtClean="0"/>
               <a:t>Third level</a:t>
             </a:r>
-            <a:endParaRPr lang="en-US" smtClean="0"/>
           </a:p>
           <a:p>
             <a:pPr lvl="3"/>
@@ -2335,7 +2326,6 @@
               <a:rPr lang="en-US" smtClean="0"/>
               <a:t>Fourth level</a:t>
             </a:r>
-            <a:endParaRPr lang="en-US" smtClean="0"/>
           </a:p>
           <a:p>
             <a:pPr lvl="4"/>
@@ -2417,7 +2407,6 @@
               <a:rPr lang="en-US" smtClean="0"/>
               <a:t>Edit Master text styles</a:t>
             </a:r>
-            <a:endParaRPr lang="en-US" smtClean="0"/>
           </a:p>
         </p:txBody>
       </p:sp>
@@ -2474,7 +2463,6 @@
               <a:rPr lang="en-US" smtClean="0"/>
               <a:t>Edit Master text styles</a:t>
             </a:r>
-            <a:endParaRPr lang="en-US" smtClean="0"/>
           </a:p>
           <a:p>
             <a:pPr lvl="1"/>
@@ -2482,7 +2470,6 @@
               <a:rPr lang="en-US" smtClean="0"/>
               <a:t>Second level</a:t>
             </a:r>
-            <a:endParaRPr lang="en-US" smtClean="0"/>
           </a:p>
           <a:p>
             <a:pPr lvl="2"/>
@@ -2490,7 +2477,6 @@
               <a:rPr lang="en-US" smtClean="0"/>
               <a:t>Third level</a:t>
             </a:r>
-            <a:endParaRPr lang="en-US" smtClean="0"/>
           </a:p>
           <a:p>
             <a:pPr lvl="3"/>
@@ -2498,7 +2484,6 @@
               <a:rPr lang="en-US" smtClean="0"/>
               <a:t>Fourth level</a:t>
             </a:r>
-            <a:endParaRPr lang="en-US" smtClean="0"/>
           </a:p>
           <a:p>
             <a:pPr lvl="4"/>
@@ -2527,6 +2512,7 @@
           <a:p>
             <a:fld id="{17C15CAB-E48F-495C-92CD-4CF2B2C1B0ED}" type="datetime1">
               <a:rPr lang="en-US" smtClean="0"/>
+              <a:t>12/21/2021</a:t>
             </a:fld>
             <a:endParaRPr lang="en-US"/>
           </a:p>
@@ -2568,6 +2554,7 @@
           <a:p>
             <a:fld id="{040DEF24-717E-4741-8753-F7E431A261E5}" type="slidenum">
               <a:rPr lang="en-US" smtClean="0"/>
+              <a:t>‹#›</a:t>
             </a:fld>
             <a:endParaRPr lang="en-US"/>
           </a:p>
@@ -2638,6 +2625,7 @@
           <a:p>
             <a:fld id="{5302AA14-F259-4723-9AF0-36DE127C0145}" type="datetime1">
               <a:rPr lang="en-US" smtClean="0"/>
+              <a:t>12/21/2021</a:t>
             </a:fld>
             <a:endParaRPr lang="en-US"/>
           </a:p>
@@ -2679,6 +2667,7 @@
           <a:p>
             <a:fld id="{040DEF24-717E-4741-8753-F7E431A261E5}" type="slidenum">
               <a:rPr lang="en-US" smtClean="0"/>
+              <a:t>‹#›</a:t>
             </a:fld>
             <a:endParaRPr lang="en-US"/>
           </a:p>
@@ -2726,6 +2715,7 @@
           <a:p>
             <a:fld id="{C9349F59-A2E8-4E73-9F17-B6C9798F4358}" type="datetime1">
               <a:rPr lang="en-US" smtClean="0"/>
+              <a:t>12/21/2021</a:t>
             </a:fld>
             <a:endParaRPr lang="en-US"/>
           </a:p>
@@ -2767,6 +2757,7 @@
           <a:p>
             <a:fld id="{040DEF24-717E-4741-8753-F7E431A261E5}" type="slidenum">
               <a:rPr lang="en-US" smtClean="0"/>
+              <a:t>‹#›</a:t>
             </a:fld>
             <a:endParaRPr lang="en-US"/>
           </a:p>
@@ -2781,7 +2772,7 @@
 </file>
 
 <file path=ppt/slideLayouts/slideLayout8.xml><?xml version="1.0" encoding="utf-8"?>
-<p:sldLayout xmlns:a="http://schemas.openxmlformats.org/drawingml/2006/main" xmlns:r="http://schemas.openxmlformats.org/officeDocument/2006/relationships" xmlns:p="http://schemas.openxmlformats.org/presentationml/2006/main" type="objTx" preserve="1" showMasterSp="0">
+<p:sldLayout xmlns:a="http://schemas.openxmlformats.org/drawingml/2006/main" xmlns:r="http://schemas.openxmlformats.org/officeDocument/2006/relationships" xmlns:p="http://schemas.openxmlformats.org/presentationml/2006/main" showMasterSp="0" type="objTx" preserve="1">
   <p:cSld name="Content with Caption">
     <p:spTree>
       <p:nvGrpSpPr>
@@ -2941,7 +2932,6 @@
               <a:rPr lang="en-US" smtClean="0"/>
               <a:t>Edit Master text styles</a:t>
             </a:r>
-            <a:endParaRPr lang="en-US" smtClean="0"/>
           </a:p>
           <a:p>
             <a:pPr lvl="1"/>
@@ -2949,7 +2939,6 @@
               <a:rPr lang="en-US" smtClean="0"/>
               <a:t>Second level</a:t>
             </a:r>
-            <a:endParaRPr lang="en-US" smtClean="0"/>
           </a:p>
           <a:p>
             <a:pPr lvl="2"/>
@@ -2957,7 +2946,6 @@
               <a:rPr lang="en-US" smtClean="0"/>
               <a:t>Third level</a:t>
             </a:r>
-            <a:endParaRPr lang="en-US" smtClean="0"/>
           </a:p>
           <a:p>
             <a:pPr lvl="3"/>
@@ -2965,7 +2953,6 @@
               <a:rPr lang="en-US" smtClean="0"/>
               <a:t>Fourth level</a:t>
             </a:r>
-            <a:endParaRPr lang="en-US" smtClean="0"/>
           </a:p>
           <a:p>
             <a:pPr lvl="4"/>
@@ -3053,7 +3040,6 @@
               <a:rPr lang="en-US" smtClean="0"/>
               <a:t>Edit Master text styles</a:t>
             </a:r>
-            <a:endParaRPr lang="en-US" smtClean="0"/>
           </a:p>
         </p:txBody>
       </p:sp>
@@ -3074,6 +3060,7 @@
           <a:p>
             <a:fld id="{44F06C92-CE98-4B24-91B3-57666E0FED09}" type="datetime1">
               <a:rPr lang="en-US" smtClean="0"/>
+              <a:t>12/21/2021</a:t>
             </a:fld>
             <a:endParaRPr lang="en-US"/>
           </a:p>
@@ -3204,6 +3191,7 @@
           <a:p>
             <a:fld id="{040DEF24-717E-4741-8753-F7E431A261E5}" type="slidenum">
               <a:rPr lang="en-US" smtClean="0"/>
+              <a:t>‹#›</a:t>
             </a:fld>
             <a:endParaRPr lang="en-US"/>
           </a:p>
@@ -3218,7 +3206,7 @@
 </file>
 
 <file path=ppt/slideLayouts/slideLayout9.xml><?xml version="1.0" encoding="utf-8"?>
-<p:sldLayout xmlns:a="http://schemas.openxmlformats.org/drawingml/2006/main" xmlns:r="http://schemas.openxmlformats.org/officeDocument/2006/relationships" xmlns:p="http://schemas.openxmlformats.org/presentationml/2006/main" type="picTx" preserve="1" showMasterSp="0">
+<p:sldLayout xmlns:a="http://schemas.openxmlformats.org/drawingml/2006/main" xmlns:r="http://schemas.openxmlformats.org/officeDocument/2006/relationships" xmlns:p="http://schemas.openxmlformats.org/presentationml/2006/main" showMasterSp="0" type="picTx" preserve="1">
   <p:cSld name="Picture with Caption">
     <p:spTree>
       <p:nvGrpSpPr>
@@ -3472,7 +3460,6 @@
               <a:rPr lang="en-US" smtClean="0"/>
               <a:t>Edit Master text styles</a:t>
             </a:r>
-            <a:endParaRPr lang="en-US" smtClean="0"/>
           </a:p>
         </p:txBody>
       </p:sp>
@@ -3493,6 +3480,7 @@
           <a:p>
             <a:fld id="{15CAC543-8889-4E95-B4AC-6EDFB98064E3}" type="datetime1">
               <a:rPr lang="en-US" smtClean="0"/>
+              <a:t>12/21/2021</a:t>
             </a:fld>
             <a:endParaRPr lang="en-US"/>
           </a:p>
@@ -3604,6 +3592,7 @@
           <a:p>
             <a:fld id="{040DEF24-717E-4741-8753-F7E431A261E5}" type="slidenum">
               <a:rPr lang="en-US" smtClean="0"/>
+              <a:t>‹#›</a:t>
             </a:fld>
             <a:endParaRPr lang="en-US"/>
           </a:p>
@@ -3702,7 +3691,6 @@
               <a:rPr lang="en-US" smtClean="0"/>
               <a:t>Edit Master text styles</a:t>
             </a:r>
-            <a:endParaRPr lang="en-US" smtClean="0"/>
           </a:p>
           <a:p>
             <a:pPr lvl="1"/>
@@ -3710,7 +3698,6 @@
               <a:rPr lang="en-US" smtClean="0"/>
               <a:t>Second level</a:t>
             </a:r>
-            <a:endParaRPr lang="en-US" smtClean="0"/>
           </a:p>
           <a:p>
             <a:pPr lvl="2"/>
@@ -3718,7 +3705,6 @@
               <a:rPr lang="en-US" smtClean="0"/>
               <a:t>Third level</a:t>
             </a:r>
-            <a:endParaRPr lang="en-US" smtClean="0"/>
           </a:p>
           <a:p>
             <a:pPr lvl="3"/>
@@ -3726,7 +3712,6 @@
               <a:rPr lang="en-US" smtClean="0"/>
               <a:t>Fourth level</a:t>
             </a:r>
-            <a:endParaRPr lang="en-US" smtClean="0"/>
           </a:p>
           <a:p>
             <a:pPr lvl="4"/>
@@ -3771,6 +3756,7 @@
           <a:p>
             <a:fld id="{BDFF3CA4-504F-4AB7-961C-755BCE655230}" type="datetime1">
               <a:rPr lang="en-US" smtClean="0"/>
+              <a:t>12/21/2021</a:t>
             </a:fld>
             <a:endParaRPr lang="en-US"/>
           </a:p>
@@ -3842,7 +3828,7 @@
               <a:avLst/>
             </a:prstGeom>
             <a:blipFill dpi="0" rotWithShape="1">
-              <a:blip r:embed="rId12">
+              <a:blip r:embed="rId13">
                 <a:duotone>
                   <a:schemeClr val="accent1">
                     <a:shade val="45000"/>
@@ -3853,7 +3839,7 @@
                 <a:extLst>
                   <a:ext uri="{BEBA8EAE-BF5A-486C-A8C5-ECC9F3942E4B}">
                     <a14:imgProps xmlns:a14="http://schemas.microsoft.com/office/drawing/2010/main">
-                      <a14:imgLayer r:embed="rId13">
+                      <a14:imgLayer r:embed="rId14">
                         <a14:imgEffect>
                           <a14:brightnessContrast bright="-40000" contrast="20000"/>
                         </a14:imgEffect>
@@ -3934,6 +3920,7 @@
           <a:p>
             <a:fld id="{040DEF24-717E-4741-8753-F7E431A261E5}" type="slidenum">
               <a:rPr lang="en-US" smtClean="0"/>
+              <a:t>‹#›</a:t>
             </a:fld>
             <a:endParaRPr lang="en-US"/>
           </a:p>
@@ -3968,7 +3955,7 @@
         <a:buNone/>
         <a:defRPr sz="5400" kern="1200" cap="all" baseline="0">
           <a:blipFill>
-            <a:blip r:embed="rId14">
+            <a:blip r:embed="rId15">
               <a:extLst>
                 <a:ext uri="{28A0092B-C50C-407E-A947-70E740481C1C}">
                   <a14:useLocalDpi xmlns:a14="http://schemas.microsoft.com/office/drawing/2010/main" val="0"/>
@@ -4450,7 +4437,7 @@
           <p:nvPr/>
         </p:nvPicPr>
         <p:blipFill>
-          <a:blip r:embed="rId1" cstate="print">
+          <a:blip r:embed="rId2" cstate="print">
             <a:extLst>
               <a:ext uri="{28A0092B-C50C-407E-A947-70E740481C1C}">
                 <a14:useLocalDpi xmlns:a14="http://schemas.microsoft.com/office/drawing/2010/main" val="0"/>
@@ -4906,10 +4893,6 @@
               </a:rPr>
               <a:t>2</a:t>
             </a:r>
-            <a:endParaRPr lang="en-US" sz="1600" b="1" dirty="0">
-              <a:latin typeface="Arial" panose="020B0604020202020204" pitchFamily="34" charset="0"/>
-              <a:cs typeface="Arial" panose="020B0604020202020204" pitchFamily="34" charset="0"/>
-            </a:endParaRPr>
           </a:p>
         </p:txBody>
       </p:sp>
@@ -4943,10 +4926,6 @@
               </a:rPr>
               <a:t>2017 - 2022 </a:t>
             </a:r>
-            <a:endParaRPr lang="en-US" sz="1600" b="1" dirty="0" smtClean="0">
-              <a:latin typeface="Arial" panose="020B0604020202020204" pitchFamily="34" charset="0"/>
-              <a:cs typeface="Arial" panose="020B0604020202020204" pitchFamily="34" charset="0"/>
-            </a:endParaRPr>
           </a:p>
         </p:txBody>
       </p:sp>
@@ -5517,19 +5496,19 @@
         <p:spPr>
           <a:xfrm>
             <a:off x="1019175" y="230505"/>
-            <a:ext cx="10058400" cy="564254"/>
+            <a:ext cx="10058400" cy="657944"/>
           </a:xfrm>
         </p:spPr>
         <p:txBody>
           <a:bodyPr>
-            <a:normAutofit fontScale="90000"/>
+            <a:normAutofit/>
           </a:bodyPr>
           <a:lstStyle/>
           <a:p>
             <a:r>
               <a:rPr lang="en-US" sz="4000" b="1" spc="50" dirty="0" smtClean="0">
                 <a:blipFill>
-                  <a:blip r:embed="rId1">
+                  <a:blip r:embed="rId2">
                     <a:extLst>
                       <a:ext uri="{28A0092B-C50C-407E-A947-70E740481C1C}">
                         <a14:useLocalDpi xmlns:a14="http://schemas.microsoft.com/office/drawing/2010/main" val="0"/>
@@ -5542,7 +5521,7 @@
                 <a:cs typeface="Times New Roman" panose="02020603050405020304" pitchFamily="18" charset="0"/>
                 <a:sym typeface="+mn-ea"/>
               </a:rPr>
-              <a:t>Xây dựng DNS BLOCKCHAIN</a:t>
+              <a:t>Cơ chế của DNS BLOCKCHAIN</a:t>
             </a:r>
             <a:endParaRPr lang="en-US" sz="4000" dirty="0">
               <a:latin typeface="Arial" panose="020B0604020202020204" pitchFamily="34" charset="0"/>
@@ -5568,6 +5547,1385 @@
           <a:p>
             <a:fld id="{040DEF24-717E-4741-8753-F7E431A261E5}" type="slidenum">
               <a:rPr lang="en-US" smtClean="0"/>
+              <a:t>10</a:t>
+            </a:fld>
+            <a:endParaRPr lang="en-US"/>
+          </a:p>
+        </p:txBody>
+      </p:sp>
+      <p:pic>
+        <p:nvPicPr>
+          <p:cNvPr id="5" name="Picture 4"/>
+          <p:cNvPicPr/>
+          <p:nvPr/>
+        </p:nvPicPr>
+        <p:blipFill>
+          <a:blip r:embed="rId3"/>
+          <a:stretch>
+            <a:fillRect/>
+          </a:stretch>
+        </p:blipFill>
+        <p:spPr>
+          <a:xfrm>
+            <a:off x="6089044" y="1042812"/>
+            <a:ext cx="5243554" cy="2562867"/>
+          </a:xfrm>
+          <a:prstGeom prst="rect">
+            <a:avLst/>
+          </a:prstGeom>
+          <a:ln w="12700">
+            <a:solidFill>
+              <a:schemeClr val="tx1"/>
+            </a:solidFill>
+          </a:ln>
+        </p:spPr>
+      </p:pic>
+      <p:sp>
+        <p:nvSpPr>
+          <p:cNvPr id="7" name="Rectangle 6"/>
+          <p:cNvSpPr/>
+          <p:nvPr/>
+        </p:nvSpPr>
+        <p:spPr>
+          <a:xfrm>
+            <a:off x="0" y="0"/>
+            <a:ext cx="427839" cy="6858000"/>
+          </a:xfrm>
+          <a:prstGeom prst="rect">
+            <a:avLst/>
+          </a:prstGeom>
+          <a:solidFill>
+            <a:srgbClr val="CE2127"/>
+          </a:solidFill>
+        </p:spPr>
+        <p:style>
+          <a:lnRef idx="2">
+            <a:schemeClr val="accent1">
+              <a:shade val="50000"/>
+            </a:schemeClr>
+          </a:lnRef>
+          <a:fillRef idx="1">
+            <a:schemeClr val="accent1"/>
+          </a:fillRef>
+          <a:effectRef idx="0">
+            <a:schemeClr val="accent1"/>
+          </a:effectRef>
+          <a:fontRef idx="minor">
+            <a:schemeClr val="lt1"/>
+          </a:fontRef>
+        </p:style>
+        <p:txBody>
+          <a:bodyPr rtlCol="0" anchor="ctr"/>
+          <a:lstStyle/>
+          <a:p>
+            <a:pPr algn="ctr"/>
+            <a:endParaRPr lang="en-US">
+              <a:solidFill>
+                <a:srgbClr val="FF0000"/>
+              </a:solidFill>
+            </a:endParaRPr>
+          </a:p>
+        </p:txBody>
+      </p:sp>
+      <p:sp>
+        <p:nvSpPr>
+          <p:cNvPr id="8" name="TextBox 7"/>
+          <p:cNvSpPr txBox="1"/>
+          <p:nvPr/>
+        </p:nvSpPr>
+        <p:spPr>
+          <a:xfrm>
+            <a:off x="1044448" y="906044"/>
+            <a:ext cx="5019323" cy="461665"/>
+          </a:xfrm>
+          <a:prstGeom prst="rect">
+            <a:avLst/>
+          </a:prstGeom>
+          <a:noFill/>
+        </p:spPr>
+        <p:txBody>
+          <a:bodyPr wrap="none" rtlCol="0">
+            <a:spAutoFit/>
+          </a:bodyPr>
+          <a:lstStyle/>
+          <a:p>
+            <a:r>
+              <a:rPr lang="en-US" sz="2400" b="1" dirty="0" smtClean="0">
+                <a:solidFill>
+                  <a:schemeClr val="accent2">
+                    <a:lumMod val="50000"/>
+                  </a:schemeClr>
+                </a:solidFill>
+                <a:latin typeface="Arial" panose="020B0604020202020204" pitchFamily="34" charset="0"/>
+                <a:ea typeface="Roboto" panose="02000000000000000000" pitchFamily="2" charset="0"/>
+                <a:cs typeface="Arial" panose="020B0604020202020204" pitchFamily="34" charset="0"/>
+              </a:rPr>
+              <a:t>DNS Blockchain hoàn chỉnh gồm</a:t>
+            </a:r>
+            <a:endParaRPr lang="en-US" sz="2400" b="1" dirty="0">
+              <a:solidFill>
+                <a:schemeClr val="accent2">
+                  <a:lumMod val="50000"/>
+                </a:schemeClr>
+              </a:solidFill>
+              <a:latin typeface="Arial" panose="020B0604020202020204" pitchFamily="34" charset="0"/>
+              <a:ea typeface="Roboto" panose="02000000000000000000" pitchFamily="2" charset="0"/>
+              <a:cs typeface="Arial" panose="020B0604020202020204" pitchFamily="34" charset="0"/>
+            </a:endParaRPr>
+          </a:p>
+        </p:txBody>
+      </p:sp>
+      <p:sp>
+        <p:nvSpPr>
+          <p:cNvPr id="9" name="Rectangle 8"/>
+          <p:cNvSpPr/>
+          <p:nvPr/>
+        </p:nvSpPr>
+        <p:spPr>
+          <a:xfrm>
+            <a:off x="1076209" y="2815950"/>
+            <a:ext cx="1446397" cy="415498"/>
+          </a:xfrm>
+          <a:prstGeom prst="rect">
+            <a:avLst/>
+          </a:prstGeom>
+        </p:spPr>
+        <p:txBody>
+          <a:bodyPr wrap="square">
+            <a:spAutoFit/>
+          </a:bodyPr>
+          <a:lstStyle/>
+          <a:p>
+            <a:pPr lvl="0" algn="just">
+              <a:lnSpc>
+                <a:spcPct val="150000"/>
+              </a:lnSpc>
+              <a:spcAft>
+                <a:spcPts val="0"/>
+              </a:spcAft>
+            </a:pPr>
+            <a:r>
+              <a:rPr lang="en-US" sz="1400" b="1" dirty="0" smtClean="0">
+                <a:latin typeface="Arial" panose="020B0604020202020204" pitchFamily="34" charset="0"/>
+                <a:ea typeface="Calibri" panose="020F0502020204030204" pitchFamily="34" charset="0"/>
+                <a:cs typeface="Arial" panose="020B0604020202020204" pitchFamily="34" charset="0"/>
+              </a:rPr>
+              <a:t>Data Access: </a:t>
+            </a:r>
+          </a:p>
+        </p:txBody>
+      </p:sp>
+      <p:sp>
+        <p:nvSpPr>
+          <p:cNvPr id="2" name="Rectangle 1"/>
+          <p:cNvSpPr/>
+          <p:nvPr/>
+        </p:nvSpPr>
+        <p:spPr>
+          <a:xfrm>
+            <a:off x="1044448" y="4002387"/>
+            <a:ext cx="10288150" cy="808555"/>
+          </a:xfrm>
+          <a:prstGeom prst="rect">
+            <a:avLst/>
+          </a:prstGeom>
+          <a:solidFill>
+            <a:schemeClr val="tx2">
+              <a:lumMod val="20000"/>
+              <a:lumOff val="80000"/>
+            </a:schemeClr>
+          </a:solidFill>
+        </p:spPr>
+        <p:txBody>
+          <a:bodyPr wrap="square">
+            <a:spAutoFit/>
+          </a:bodyPr>
+          <a:lstStyle/>
+          <a:p>
+            <a:pPr marL="342900" lvl="0" indent="-342900" algn="just">
+              <a:lnSpc>
+                <a:spcPct val="114000"/>
+              </a:lnSpc>
+              <a:spcAft>
+                <a:spcPts val="0"/>
+              </a:spcAft>
+              <a:buFont typeface="Times New Roman" panose="02020603050405020304" pitchFamily="18" charset="0"/>
+              <a:buChar char="-"/>
+            </a:pPr>
+            <a:r>
+              <a:rPr lang="en-US" sz="1400" dirty="0" smtClean="0">
+                <a:latin typeface="Arial" panose="020B0604020202020204" pitchFamily="34" charset="0"/>
+                <a:ea typeface="Calibri" panose="020F0502020204030204" pitchFamily="34" charset="0"/>
+                <a:cs typeface="Arial" panose="020B0604020202020204" pitchFamily="34" charset="0"/>
+              </a:rPr>
+              <a:t>Domain </a:t>
+            </a:r>
+            <a:r>
+              <a:rPr lang="en-US" sz="1400" dirty="0">
+                <a:latin typeface="Arial" panose="020B0604020202020204" pitchFamily="34" charset="0"/>
+                <a:ea typeface="Calibri" panose="020F0502020204030204" pitchFamily="34" charset="0"/>
+                <a:cs typeface="Arial" panose="020B0604020202020204" pitchFamily="34" charset="0"/>
+              </a:rPr>
+              <a:t>Name Service </a:t>
+            </a:r>
+            <a:r>
+              <a:rPr lang="en-US" sz="1400" dirty="0" smtClean="0">
+                <a:latin typeface="Arial" panose="020B0604020202020204" pitchFamily="34" charset="0"/>
+                <a:ea typeface="Calibri" panose="020F0502020204030204" pitchFamily="34" charset="0"/>
+                <a:cs typeface="Arial" panose="020B0604020202020204" pitchFamily="34" charset="0"/>
+              </a:rPr>
+              <a:t>Center ( DSC ) đóng vai trò hạn chế kiểm tra dữ liệu đầu vào trùng lặp hoặc không hợp lệ</a:t>
+            </a:r>
+          </a:p>
+          <a:p>
+            <a:pPr marL="342900" lvl="0" indent="-342900" algn="just">
+              <a:lnSpc>
+                <a:spcPct val="114000"/>
+              </a:lnSpc>
+              <a:spcAft>
+                <a:spcPts val="0"/>
+              </a:spcAft>
+              <a:buFont typeface="Times New Roman" panose="02020603050405020304" pitchFamily="18" charset="0"/>
+              <a:buChar char="-"/>
+            </a:pPr>
+            <a:r>
+              <a:rPr lang="en-US" sz="1400" dirty="0">
+                <a:latin typeface="Arial" panose="020B0604020202020204" pitchFamily="34" charset="0"/>
+                <a:ea typeface="Calibri" panose="020F0502020204030204" pitchFamily="34" charset="0"/>
+                <a:cs typeface="Arial" panose="020B0604020202020204" pitchFamily="34" charset="0"/>
+              </a:rPr>
+              <a:t>TLD Service Centers</a:t>
+            </a:r>
+            <a:r>
+              <a:rPr lang="en-US" sz="1400" dirty="0" smtClean="0">
+                <a:latin typeface="Arial" panose="020B0604020202020204" pitchFamily="34" charset="0"/>
+                <a:ea typeface="Calibri" panose="020F0502020204030204" pitchFamily="34" charset="0"/>
+                <a:cs typeface="Arial" panose="020B0604020202020204" pitchFamily="34" charset="0"/>
+              </a:rPr>
+              <a:t> ( TSC ) tiếp nhận yêu cầu có </a:t>
+            </a:r>
+            <a:r>
+              <a:rPr lang="en-US" sz="1400" dirty="0">
+                <a:latin typeface="Arial" panose="020B0604020202020204" pitchFamily="34" charset="0"/>
+                <a:ea typeface="Calibri" panose="020F0502020204030204" pitchFamily="34" charset="0"/>
+                <a:cs typeface="Arial" panose="020B0604020202020204" pitchFamily="34" charset="0"/>
+              </a:rPr>
+              <a:t>chỉ định cần phải </a:t>
+            </a:r>
+            <a:r>
+              <a:rPr lang="en-US" sz="1400" dirty="0" smtClean="0">
+                <a:latin typeface="Arial" panose="020B0604020202020204" pitchFamily="34" charset="0"/>
+                <a:ea typeface="Calibri" panose="020F0502020204030204" pitchFamily="34" charset="0"/>
+                <a:cs typeface="Arial" panose="020B0604020202020204" pitchFamily="34" charset="0"/>
+              </a:rPr>
+              <a:t>thêm, sửa </a:t>
+            </a:r>
+            <a:r>
+              <a:rPr lang="en-US" sz="1400" dirty="0">
+                <a:latin typeface="Arial" panose="020B0604020202020204" pitchFamily="34" charset="0"/>
+                <a:ea typeface="Calibri" panose="020F0502020204030204" pitchFamily="34" charset="0"/>
+                <a:cs typeface="Arial" panose="020B0604020202020204" pitchFamily="34" charset="0"/>
+              </a:rPr>
+              <a:t>hoặc hủy bỏ, TSC sẽ tiến hành thực thi tùy theo trường hợp phát </a:t>
+            </a:r>
+            <a:r>
+              <a:rPr lang="en-US" sz="1400" dirty="0" smtClean="0">
+                <a:latin typeface="Arial" panose="020B0604020202020204" pitchFamily="34" charset="0"/>
+                <a:ea typeface="Calibri" panose="020F0502020204030204" pitchFamily="34" charset="0"/>
+                <a:cs typeface="Arial" panose="020B0604020202020204" pitchFamily="34" charset="0"/>
+              </a:rPr>
+              <a:t>sinh. </a:t>
+            </a:r>
+          </a:p>
+        </p:txBody>
+      </p:sp>
+      <p:sp>
+        <p:nvSpPr>
+          <p:cNvPr id="3" name="TextBox 2"/>
+          <p:cNvSpPr txBox="1"/>
+          <p:nvPr/>
+        </p:nvSpPr>
+        <p:spPr>
+          <a:xfrm>
+            <a:off x="2353041" y="1456100"/>
+            <a:ext cx="3431300" cy="738664"/>
+          </a:xfrm>
+          <a:prstGeom prst="rect">
+            <a:avLst/>
+          </a:prstGeom>
+          <a:noFill/>
+        </p:spPr>
+        <p:txBody>
+          <a:bodyPr wrap="square" rtlCol="0">
+            <a:spAutoFit/>
+          </a:bodyPr>
+          <a:lstStyle/>
+          <a:p>
+            <a:pPr lvl="0"/>
+            <a:r>
+              <a:rPr lang="en-US" sz="1400" dirty="0">
+                <a:latin typeface="Arial" panose="020B0604020202020204" pitchFamily="34" charset="0"/>
+                <a:ea typeface="Calibri" panose="020F0502020204030204" pitchFamily="34" charset="0"/>
+                <a:cs typeface="Arial" panose="020B0604020202020204" pitchFamily="34" charset="0"/>
+              </a:rPr>
+              <a:t>Chịu trách nhiệm cho việc upload dữ liệu tên miền và thực thi những yêu cầu với dữ liệu upload</a:t>
+            </a:r>
+            <a:r>
+              <a:rPr lang="en-US" sz="1400" dirty="0" smtClean="0">
+                <a:latin typeface="Arial" panose="020B0604020202020204" pitchFamily="34" charset="0"/>
+                <a:ea typeface="Calibri" panose="020F0502020204030204" pitchFamily="34" charset="0"/>
+                <a:cs typeface="Arial" panose="020B0604020202020204" pitchFamily="34" charset="0"/>
+              </a:rPr>
+              <a:t>.</a:t>
+            </a:r>
+            <a:endParaRPr lang="en-US" sz="1400" dirty="0">
+              <a:latin typeface="Arial" panose="020B0604020202020204" pitchFamily="34" charset="0"/>
+              <a:ea typeface="Calibri" panose="020F0502020204030204" pitchFamily="34" charset="0"/>
+              <a:cs typeface="Arial" panose="020B0604020202020204" pitchFamily="34" charset="0"/>
+            </a:endParaRPr>
+          </a:p>
+        </p:txBody>
+      </p:sp>
+      <p:sp>
+        <p:nvSpPr>
+          <p:cNvPr id="10" name="TextBox 9"/>
+          <p:cNvSpPr txBox="1"/>
+          <p:nvPr/>
+        </p:nvSpPr>
+        <p:spPr>
+          <a:xfrm>
+            <a:off x="2353041" y="2241385"/>
+            <a:ext cx="3431300" cy="587853"/>
+          </a:xfrm>
+          <a:prstGeom prst="rect">
+            <a:avLst/>
+          </a:prstGeom>
+          <a:noFill/>
+        </p:spPr>
+        <p:txBody>
+          <a:bodyPr wrap="square" rtlCol="0">
+            <a:spAutoFit/>
+          </a:bodyPr>
+          <a:lstStyle/>
+          <a:p>
+            <a:pPr lvl="0" algn="just">
+              <a:lnSpc>
+                <a:spcPct val="115000"/>
+              </a:lnSpc>
+              <a:spcBef>
+                <a:spcPts val="300"/>
+              </a:spcBef>
+              <a:spcAft>
+                <a:spcPts val="0"/>
+              </a:spcAft>
+            </a:pPr>
+            <a:r>
+              <a:rPr lang="en-US" sz="1400" dirty="0">
+                <a:latin typeface="Arial" panose="020B0604020202020204" pitchFamily="34" charset="0"/>
+                <a:ea typeface="Calibri" panose="020F0502020204030204" pitchFamily="34" charset="0"/>
+                <a:cs typeface="Arial" panose="020B0604020202020204" pitchFamily="34" charset="0"/>
+              </a:rPr>
+              <a:t>Blockchain lưu trữ những dữ liệu tên miền đã được đồng bộ hóa. </a:t>
+            </a:r>
+          </a:p>
+        </p:txBody>
+      </p:sp>
+      <p:sp>
+        <p:nvSpPr>
+          <p:cNvPr id="12" name="TextBox 11"/>
+          <p:cNvSpPr txBox="1"/>
+          <p:nvPr/>
+        </p:nvSpPr>
+        <p:spPr>
+          <a:xfrm>
+            <a:off x="2353040" y="2890569"/>
+            <a:ext cx="3431301" cy="587853"/>
+          </a:xfrm>
+          <a:prstGeom prst="rect">
+            <a:avLst/>
+          </a:prstGeom>
+          <a:noFill/>
+        </p:spPr>
+        <p:txBody>
+          <a:bodyPr wrap="square" rtlCol="0">
+            <a:spAutoFit/>
+          </a:bodyPr>
+          <a:lstStyle/>
+          <a:p>
+            <a:pPr lvl="0" algn="just">
+              <a:lnSpc>
+                <a:spcPct val="115000"/>
+              </a:lnSpc>
+              <a:spcAft>
+                <a:spcPts val="300"/>
+              </a:spcAft>
+            </a:pPr>
+            <a:r>
+              <a:rPr lang="en-US" sz="1400" dirty="0">
+                <a:latin typeface="Arial" panose="020B0604020202020204" pitchFamily="34" charset="0"/>
+                <a:ea typeface="Calibri" panose="020F0502020204030204" pitchFamily="34" charset="0"/>
+                <a:cs typeface="Arial" panose="020B0604020202020204" pitchFamily="34" charset="0"/>
+              </a:rPr>
+              <a:t>Chịu trách nhiệm nhận yêu cầu và trả kết quả phân giải cho người yêu cầu</a:t>
+            </a:r>
+            <a:r>
+              <a:rPr lang="en-US" sz="1400" dirty="0" smtClean="0">
+                <a:latin typeface="Arial" panose="020B0604020202020204" pitchFamily="34" charset="0"/>
+                <a:ea typeface="Calibri" panose="020F0502020204030204" pitchFamily="34" charset="0"/>
+                <a:cs typeface="Arial" panose="020B0604020202020204" pitchFamily="34" charset="0"/>
+              </a:rPr>
+              <a:t>.</a:t>
+            </a:r>
+            <a:endParaRPr lang="en-US" sz="1400" dirty="0">
+              <a:latin typeface="Arial" panose="020B0604020202020204" pitchFamily="34" charset="0"/>
+              <a:ea typeface="Calibri" panose="020F0502020204030204" pitchFamily="34" charset="0"/>
+              <a:cs typeface="Arial" panose="020B0604020202020204" pitchFamily="34" charset="0"/>
+            </a:endParaRPr>
+          </a:p>
+        </p:txBody>
+      </p:sp>
+      <p:sp>
+        <p:nvSpPr>
+          <p:cNvPr id="13" name="Rectangle 12"/>
+          <p:cNvSpPr/>
+          <p:nvPr/>
+        </p:nvSpPr>
+        <p:spPr>
+          <a:xfrm>
+            <a:off x="1044448" y="3680533"/>
+            <a:ext cx="1782860" cy="318998"/>
+          </a:xfrm>
+          <a:prstGeom prst="rect">
+            <a:avLst/>
+          </a:prstGeom>
+        </p:spPr>
+        <p:txBody>
+          <a:bodyPr wrap="none">
+            <a:spAutoFit/>
+          </a:bodyPr>
+          <a:lstStyle/>
+          <a:p>
+            <a:pPr lvl="0" algn="just">
+              <a:lnSpc>
+                <a:spcPct val="115000"/>
+              </a:lnSpc>
+              <a:spcBef>
+                <a:spcPts val="300"/>
+              </a:spcBef>
+              <a:spcAft>
+                <a:spcPts val="0"/>
+              </a:spcAft>
+            </a:pPr>
+            <a:r>
+              <a:rPr lang="en-US" sz="1400" b="1" dirty="0" smtClean="0">
+                <a:solidFill>
+                  <a:schemeClr val="accent2">
+                    <a:lumMod val="50000"/>
+                  </a:schemeClr>
+                </a:solidFill>
+                <a:latin typeface="Arial" panose="020B0604020202020204" pitchFamily="34" charset="0"/>
+                <a:ea typeface="Roboto" panose="02000000000000000000" pitchFamily="2" charset="0"/>
+                <a:cs typeface="Arial" panose="020B0604020202020204" pitchFamily="34" charset="0"/>
+              </a:rPr>
+              <a:t>Giai đoạn chuẩn bị</a:t>
+            </a:r>
+            <a:endParaRPr lang="en-US" sz="1400" b="1" dirty="0">
+              <a:solidFill>
+                <a:schemeClr val="accent2">
+                  <a:lumMod val="50000"/>
+                </a:schemeClr>
+              </a:solidFill>
+              <a:latin typeface="Arial" panose="020B0604020202020204" pitchFamily="34" charset="0"/>
+              <a:ea typeface="Roboto" panose="02000000000000000000" pitchFamily="2" charset="0"/>
+              <a:cs typeface="Arial" panose="020B0604020202020204" pitchFamily="34" charset="0"/>
+            </a:endParaRPr>
+          </a:p>
+        </p:txBody>
+      </p:sp>
+      <p:sp>
+        <p:nvSpPr>
+          <p:cNvPr id="14" name="Rectangle 13"/>
+          <p:cNvSpPr/>
+          <p:nvPr/>
+        </p:nvSpPr>
+        <p:spPr>
+          <a:xfrm>
+            <a:off x="1044448" y="4878223"/>
+            <a:ext cx="1891865" cy="318998"/>
+          </a:xfrm>
+          <a:prstGeom prst="rect">
+            <a:avLst/>
+          </a:prstGeom>
+        </p:spPr>
+        <p:txBody>
+          <a:bodyPr wrap="none">
+            <a:spAutoFit/>
+          </a:bodyPr>
+          <a:lstStyle/>
+          <a:p>
+            <a:pPr algn="just">
+              <a:lnSpc>
+                <a:spcPct val="115000"/>
+              </a:lnSpc>
+              <a:spcBef>
+                <a:spcPts val="300"/>
+              </a:spcBef>
+            </a:pPr>
+            <a:r>
+              <a:rPr lang="en-US" sz="1400" b="1" dirty="0">
+                <a:solidFill>
+                  <a:schemeClr val="accent2">
+                    <a:lumMod val="50000"/>
+                  </a:schemeClr>
+                </a:solidFill>
+                <a:latin typeface="Arial" panose="020B0604020202020204" pitchFamily="34" charset="0"/>
+                <a:ea typeface="Roboto" panose="02000000000000000000" pitchFamily="2" charset="0"/>
+                <a:cs typeface="Arial" panose="020B0604020202020204" pitchFamily="34" charset="0"/>
+              </a:rPr>
+              <a:t>Giai đoạn tương tác</a:t>
+            </a:r>
+          </a:p>
+        </p:txBody>
+      </p:sp>
+      <p:sp>
+        <p:nvSpPr>
+          <p:cNvPr id="16" name="Rectangle 15"/>
+          <p:cNvSpPr/>
+          <p:nvPr/>
+        </p:nvSpPr>
+        <p:spPr>
+          <a:xfrm>
+            <a:off x="1019175" y="5212969"/>
+            <a:ext cx="10313423" cy="1299715"/>
+          </a:xfrm>
+          <a:prstGeom prst="rect">
+            <a:avLst/>
+          </a:prstGeom>
+          <a:solidFill>
+            <a:schemeClr val="tx2">
+              <a:lumMod val="20000"/>
+              <a:lumOff val="80000"/>
+            </a:schemeClr>
+          </a:solidFill>
+        </p:spPr>
+        <p:txBody>
+          <a:bodyPr wrap="square">
+            <a:spAutoFit/>
+          </a:bodyPr>
+          <a:lstStyle/>
+          <a:p>
+            <a:pPr marL="342900" lvl="0" indent="-342900" algn="just">
+              <a:lnSpc>
+                <a:spcPct val="114000"/>
+              </a:lnSpc>
+              <a:spcBef>
+                <a:spcPts val="300"/>
+              </a:spcBef>
+              <a:spcAft>
+                <a:spcPts val="0"/>
+              </a:spcAft>
+              <a:buFont typeface="Times New Roman" panose="02020603050405020304" pitchFamily="18" charset="0"/>
+              <a:buChar char="-"/>
+            </a:pPr>
+            <a:r>
+              <a:rPr lang="en-US" sz="1400" dirty="0">
+                <a:latin typeface="Arial" panose="020B0604020202020204" pitchFamily="34" charset="0"/>
+                <a:ea typeface="Calibri" panose="020F0502020204030204" pitchFamily="34" charset="0"/>
+                <a:cs typeface="Arial" panose="020B0604020202020204" pitchFamily="34" charset="0"/>
+              </a:rPr>
+              <a:t>Sau khi được khởi tạo và đồng bộ dữ liệu, </a:t>
+            </a:r>
+            <a:r>
+              <a:rPr lang="en-US" sz="1400" dirty="0" smtClean="0">
+                <a:latin typeface="Arial" panose="020B0604020202020204" pitchFamily="34" charset="0"/>
+                <a:ea typeface="Calibri" panose="020F0502020204030204" pitchFamily="34" charset="0"/>
+                <a:cs typeface="Arial" panose="020B0604020202020204" pitchFamily="34" charset="0"/>
+              </a:rPr>
+              <a:t>TLDChain </a:t>
+            </a:r>
+            <a:r>
+              <a:rPr lang="en-US" sz="1400" dirty="0">
+                <a:latin typeface="Arial" panose="020B0604020202020204" pitchFamily="34" charset="0"/>
+                <a:ea typeface="Calibri" panose="020F0502020204030204" pitchFamily="34" charset="0"/>
+                <a:cs typeface="Arial" panose="020B0604020202020204" pitchFamily="34" charset="0"/>
+              </a:rPr>
+              <a:t>hoặc có thể gọi là Blockchain sẽ chia làm 2 chuyên mục : </a:t>
+            </a:r>
+            <a:r>
+              <a:rPr lang="en-US" sz="1400" dirty="0" smtClean="0">
+                <a:latin typeface="Arial" panose="020B0604020202020204" pitchFamily="34" charset="0"/>
+                <a:ea typeface="Calibri" panose="020F0502020204030204" pitchFamily="34" charset="0"/>
+                <a:cs typeface="Arial" panose="020B0604020202020204" pitchFamily="34" charset="0"/>
+              </a:rPr>
+              <a:t>thông thường hoặc </a:t>
+            </a:r>
+            <a:r>
+              <a:rPr lang="en-US" sz="1400" dirty="0">
+                <a:latin typeface="Arial" panose="020B0604020202020204" pitchFamily="34" charset="0"/>
+                <a:ea typeface="Calibri" panose="020F0502020204030204" pitchFamily="34" charset="0"/>
+                <a:cs typeface="Arial" panose="020B0604020202020204" pitchFamily="34" charset="0"/>
+              </a:rPr>
+              <a:t>chỉ định theo một lựa chọn nào đó ( ở ví dụ sẽ là quốc gia ) nhờ đó có thể áp dụng phân quyền tạo nên một Permissioned Blockchain ( kết hợp giữa Public và Private ).</a:t>
+            </a:r>
+          </a:p>
+          <a:p>
+            <a:pPr marL="342900" lvl="0" indent="-342900" algn="just">
+              <a:lnSpc>
+                <a:spcPct val="114000"/>
+              </a:lnSpc>
+              <a:spcAft>
+                <a:spcPts val="300"/>
+              </a:spcAft>
+              <a:buFont typeface="Times New Roman" panose="02020603050405020304" pitchFamily="18" charset="0"/>
+              <a:buChar char="-"/>
+            </a:pPr>
+            <a:r>
+              <a:rPr lang="en-US" sz="1400" dirty="0">
+                <a:latin typeface="Arial" panose="020B0604020202020204" pitchFamily="34" charset="0"/>
+                <a:ea typeface="Calibri" panose="020F0502020204030204" pitchFamily="34" charset="0"/>
+                <a:cs typeface="Arial" panose="020B0604020202020204" pitchFamily="34" charset="0"/>
+              </a:rPr>
+              <a:t>Giai đoạn cuối cùng là Data Access, là nơi tiếp nhận thông tin của các người dùng và trực tiếp trả về kết quả thông qua việc xử lý thông tin ở TLDChain.</a:t>
+            </a:r>
+          </a:p>
+        </p:txBody>
+      </p:sp>
+      <p:sp>
+        <p:nvSpPr>
+          <p:cNvPr id="17" name="Rectangle 16"/>
+          <p:cNvSpPr/>
+          <p:nvPr/>
+        </p:nvSpPr>
+        <p:spPr>
+          <a:xfrm>
+            <a:off x="1044448" y="1377141"/>
+            <a:ext cx="1327608" cy="375552"/>
+          </a:xfrm>
+          <a:prstGeom prst="rect">
+            <a:avLst/>
+          </a:prstGeom>
+        </p:spPr>
+        <p:txBody>
+          <a:bodyPr wrap="none">
+            <a:spAutoFit/>
+          </a:bodyPr>
+          <a:lstStyle/>
+          <a:p>
+            <a:pPr lvl="0">
+              <a:lnSpc>
+                <a:spcPct val="150000"/>
+              </a:lnSpc>
+              <a:spcBef>
+                <a:spcPts val="300"/>
+              </a:spcBef>
+            </a:pPr>
+            <a:r>
+              <a:rPr lang="en-US" sz="1400" b="1" dirty="0">
+                <a:latin typeface="Arial" panose="020B0604020202020204" pitchFamily="34" charset="0"/>
+                <a:ea typeface="Calibri" panose="020F0502020204030204" pitchFamily="34" charset="0"/>
+                <a:cs typeface="Arial" panose="020B0604020202020204" pitchFamily="34" charset="0"/>
+              </a:rPr>
+              <a:t>Data Publish:</a:t>
+            </a:r>
+          </a:p>
+        </p:txBody>
+      </p:sp>
+      <p:sp>
+        <p:nvSpPr>
+          <p:cNvPr id="18" name="TextBox 17"/>
+          <p:cNvSpPr txBox="1"/>
+          <p:nvPr/>
+        </p:nvSpPr>
+        <p:spPr>
+          <a:xfrm>
+            <a:off x="1044448" y="2256321"/>
+            <a:ext cx="1138453" cy="307777"/>
+          </a:xfrm>
+          <a:prstGeom prst="rect">
+            <a:avLst/>
+          </a:prstGeom>
+          <a:noFill/>
+        </p:spPr>
+        <p:txBody>
+          <a:bodyPr wrap="none" rtlCol="0">
+            <a:spAutoFit/>
+          </a:bodyPr>
+          <a:lstStyle/>
+          <a:p>
+            <a:pPr lvl="0"/>
+            <a:r>
+              <a:rPr lang="en-US" sz="1400" b="1" dirty="0">
+                <a:latin typeface="Arial" panose="020B0604020202020204" pitchFamily="34" charset="0"/>
+                <a:ea typeface="Calibri" panose="020F0502020204030204" pitchFamily="34" charset="0"/>
+                <a:cs typeface="Arial" panose="020B0604020202020204" pitchFamily="34" charset="0"/>
+              </a:rPr>
+              <a:t>TLD </a:t>
+            </a:r>
+            <a:r>
+              <a:rPr lang="en-US" sz="1400" b="1" dirty="0" smtClean="0">
+                <a:latin typeface="Arial" panose="020B0604020202020204" pitchFamily="34" charset="0"/>
+                <a:ea typeface="Calibri" panose="020F0502020204030204" pitchFamily="34" charset="0"/>
+                <a:cs typeface="Arial" panose="020B0604020202020204" pitchFamily="34" charset="0"/>
+              </a:rPr>
+              <a:t>Chain:</a:t>
+            </a:r>
+            <a:endParaRPr lang="en-US" sz="1400" b="1" dirty="0">
+              <a:latin typeface="Arial" panose="020B0604020202020204" pitchFamily="34" charset="0"/>
+              <a:ea typeface="Calibri" panose="020F0502020204030204" pitchFamily="34" charset="0"/>
+              <a:cs typeface="Arial" panose="020B0604020202020204" pitchFamily="34" charset="0"/>
+            </a:endParaRPr>
+          </a:p>
+        </p:txBody>
+      </p:sp>
+    </p:spTree>
+  </p:cSld>
+  <p:clrMapOvr>
+    <a:masterClrMapping/>
+  </p:clrMapOvr>
+  <p:transition spd="slow">
+    <p:push dir="u"/>
+  </p:transition>
+  <p:timing>
+    <p:tnLst>
+      <p:par>
+        <p:cTn id="1" dur="indefinite" restart="never" nodeType="tmRoot">
+          <p:childTnLst>
+            <p:seq concurrent="1" nextAc="seek">
+              <p:cTn id="2" dur="indefinite" nodeType="mainSeq">
+                <p:childTnLst>
+                  <p:par>
+                    <p:cTn id="3" fill="hold">
+                      <p:stCondLst>
+                        <p:cond delay="indefinite"/>
+                        <p:cond evt="onBegin" delay="0">
+                          <p:tn val="2"/>
+                        </p:cond>
+                      </p:stCondLst>
+                      <p:childTnLst>
+                        <p:par>
+                          <p:cTn id="4" fill="hold">
+                            <p:stCondLst>
+                              <p:cond delay="0"/>
+                            </p:stCondLst>
+                            <p:childTnLst>
+                              <p:par>
+                                <p:cTn id="5" presetID="10" presetClass="entr" presetSubtype="0" fill="hold" grpId="0" nodeType="withEffect">
+                                  <p:stCondLst>
+                                    <p:cond delay="0"/>
+                                  </p:stCondLst>
+                                  <p:childTnLst>
+                                    <p:set>
+                                      <p:cBhvr>
+                                        <p:cTn id="6" dur="1" fill="hold">
+                                          <p:stCondLst>
+                                            <p:cond delay="0"/>
+                                          </p:stCondLst>
+                                        </p:cTn>
+                                        <p:tgtEl>
+                                          <p:spTgt spid="6"/>
+                                        </p:tgtEl>
+                                        <p:attrNameLst>
+                                          <p:attrName>style.visibility</p:attrName>
+                                        </p:attrNameLst>
+                                      </p:cBhvr>
+                                      <p:to>
+                                        <p:strVal val="visible"/>
+                                      </p:to>
+                                    </p:set>
+                                    <p:animEffect transition="in" filter="fade">
+                                      <p:cBhvr>
+                                        <p:cTn id="7" dur="500"/>
+                                        <p:tgtEl>
+                                          <p:spTgt spid="6"/>
+                                        </p:tgtEl>
+                                      </p:cBhvr>
+                                    </p:animEffect>
+                                  </p:childTnLst>
+                                </p:cTn>
+                              </p:par>
+                              <p:par>
+                                <p:cTn id="8" presetID="10" presetClass="entr" presetSubtype="0" fill="hold" grpId="0" nodeType="withEffect">
+                                  <p:stCondLst>
+                                    <p:cond delay="0"/>
+                                  </p:stCondLst>
+                                  <p:childTnLst>
+                                    <p:set>
+                                      <p:cBhvr>
+                                        <p:cTn id="9" dur="1" fill="hold">
+                                          <p:stCondLst>
+                                            <p:cond delay="0"/>
+                                          </p:stCondLst>
+                                        </p:cTn>
+                                        <p:tgtEl>
+                                          <p:spTgt spid="4"/>
+                                        </p:tgtEl>
+                                        <p:attrNameLst>
+                                          <p:attrName>style.visibility</p:attrName>
+                                        </p:attrNameLst>
+                                      </p:cBhvr>
+                                      <p:to>
+                                        <p:strVal val="visible"/>
+                                      </p:to>
+                                    </p:set>
+                                    <p:animEffect transition="in" filter="fade">
+                                      <p:cBhvr>
+                                        <p:cTn id="10" dur="500"/>
+                                        <p:tgtEl>
+                                          <p:spTgt spid="4"/>
+                                        </p:tgtEl>
+                                      </p:cBhvr>
+                                    </p:animEffect>
+                                  </p:childTnLst>
+                                </p:cTn>
+                              </p:par>
+                              <p:par>
+                                <p:cTn id="11" presetID="10" presetClass="entr" presetSubtype="0" fill="hold" nodeType="withEffect">
+                                  <p:stCondLst>
+                                    <p:cond delay="0"/>
+                                  </p:stCondLst>
+                                  <p:childTnLst>
+                                    <p:set>
+                                      <p:cBhvr>
+                                        <p:cTn id="12" dur="1" fill="hold">
+                                          <p:stCondLst>
+                                            <p:cond delay="0"/>
+                                          </p:stCondLst>
+                                        </p:cTn>
+                                        <p:tgtEl>
+                                          <p:spTgt spid="5"/>
+                                        </p:tgtEl>
+                                        <p:attrNameLst>
+                                          <p:attrName>style.visibility</p:attrName>
+                                        </p:attrNameLst>
+                                      </p:cBhvr>
+                                      <p:to>
+                                        <p:strVal val="visible"/>
+                                      </p:to>
+                                    </p:set>
+                                    <p:animEffect transition="in" filter="fade">
+                                      <p:cBhvr>
+                                        <p:cTn id="13" dur="500"/>
+                                        <p:tgtEl>
+                                          <p:spTgt spid="5"/>
+                                        </p:tgtEl>
+                                      </p:cBhvr>
+                                    </p:animEffect>
+                                  </p:childTnLst>
+                                </p:cTn>
+                              </p:par>
+                              <p:par>
+                                <p:cTn id="14" presetID="10" presetClass="entr" presetSubtype="0" fill="hold" grpId="0" nodeType="withEffect">
+                                  <p:stCondLst>
+                                    <p:cond delay="0"/>
+                                  </p:stCondLst>
+                                  <p:childTnLst>
+                                    <p:set>
+                                      <p:cBhvr>
+                                        <p:cTn id="15" dur="1" fill="hold">
+                                          <p:stCondLst>
+                                            <p:cond delay="0"/>
+                                          </p:stCondLst>
+                                        </p:cTn>
+                                        <p:tgtEl>
+                                          <p:spTgt spid="8"/>
+                                        </p:tgtEl>
+                                        <p:attrNameLst>
+                                          <p:attrName>style.visibility</p:attrName>
+                                        </p:attrNameLst>
+                                      </p:cBhvr>
+                                      <p:to>
+                                        <p:strVal val="visible"/>
+                                      </p:to>
+                                    </p:set>
+                                    <p:animEffect transition="in" filter="fade">
+                                      <p:cBhvr>
+                                        <p:cTn id="16" dur="500"/>
+                                        <p:tgtEl>
+                                          <p:spTgt spid="8"/>
+                                        </p:tgtEl>
+                                      </p:cBhvr>
+                                    </p:animEffect>
+                                  </p:childTnLst>
+                                </p:cTn>
+                              </p:par>
+                              <p:par>
+                                <p:cTn id="17" presetID="10" presetClass="entr" presetSubtype="0" fill="hold" grpId="0" nodeType="withEffect">
+                                  <p:stCondLst>
+                                    <p:cond delay="0"/>
+                                  </p:stCondLst>
+                                  <p:childTnLst>
+                                    <p:set>
+                                      <p:cBhvr>
+                                        <p:cTn id="18" dur="1" fill="hold">
+                                          <p:stCondLst>
+                                            <p:cond delay="0"/>
+                                          </p:stCondLst>
+                                        </p:cTn>
+                                        <p:tgtEl>
+                                          <p:spTgt spid="9"/>
+                                        </p:tgtEl>
+                                        <p:attrNameLst>
+                                          <p:attrName>style.visibility</p:attrName>
+                                        </p:attrNameLst>
+                                      </p:cBhvr>
+                                      <p:to>
+                                        <p:strVal val="visible"/>
+                                      </p:to>
+                                    </p:set>
+                                    <p:animEffect transition="in" filter="fade">
+                                      <p:cBhvr>
+                                        <p:cTn id="19" dur="500"/>
+                                        <p:tgtEl>
+                                          <p:spTgt spid="9"/>
+                                        </p:tgtEl>
+                                      </p:cBhvr>
+                                    </p:animEffect>
+                                  </p:childTnLst>
+                                </p:cTn>
+                              </p:par>
+                              <p:par>
+                                <p:cTn id="20" presetID="10" presetClass="entr" presetSubtype="0" fill="hold" grpId="0" nodeType="withEffect">
+                                  <p:stCondLst>
+                                    <p:cond delay="0"/>
+                                  </p:stCondLst>
+                                  <p:childTnLst>
+                                    <p:set>
+                                      <p:cBhvr>
+                                        <p:cTn id="21" dur="1" fill="hold">
+                                          <p:stCondLst>
+                                            <p:cond delay="0"/>
+                                          </p:stCondLst>
+                                        </p:cTn>
+                                        <p:tgtEl>
+                                          <p:spTgt spid="2"/>
+                                        </p:tgtEl>
+                                        <p:attrNameLst>
+                                          <p:attrName>style.visibility</p:attrName>
+                                        </p:attrNameLst>
+                                      </p:cBhvr>
+                                      <p:to>
+                                        <p:strVal val="visible"/>
+                                      </p:to>
+                                    </p:set>
+                                    <p:animEffect transition="in" filter="fade">
+                                      <p:cBhvr>
+                                        <p:cTn id="22" dur="500"/>
+                                        <p:tgtEl>
+                                          <p:spTgt spid="2"/>
+                                        </p:tgtEl>
+                                      </p:cBhvr>
+                                    </p:animEffect>
+                                  </p:childTnLst>
+                                </p:cTn>
+                              </p:par>
+                              <p:par>
+                                <p:cTn id="23" presetID="10" presetClass="entr" presetSubtype="0" fill="hold" grpId="0" nodeType="withEffect">
+                                  <p:stCondLst>
+                                    <p:cond delay="0"/>
+                                  </p:stCondLst>
+                                  <p:childTnLst>
+                                    <p:set>
+                                      <p:cBhvr>
+                                        <p:cTn id="24" dur="1" fill="hold">
+                                          <p:stCondLst>
+                                            <p:cond delay="0"/>
+                                          </p:stCondLst>
+                                        </p:cTn>
+                                        <p:tgtEl>
+                                          <p:spTgt spid="3"/>
+                                        </p:tgtEl>
+                                        <p:attrNameLst>
+                                          <p:attrName>style.visibility</p:attrName>
+                                        </p:attrNameLst>
+                                      </p:cBhvr>
+                                      <p:to>
+                                        <p:strVal val="visible"/>
+                                      </p:to>
+                                    </p:set>
+                                    <p:animEffect transition="in" filter="fade">
+                                      <p:cBhvr>
+                                        <p:cTn id="25" dur="500"/>
+                                        <p:tgtEl>
+                                          <p:spTgt spid="3"/>
+                                        </p:tgtEl>
+                                      </p:cBhvr>
+                                    </p:animEffect>
+                                  </p:childTnLst>
+                                </p:cTn>
+                              </p:par>
+                              <p:par>
+                                <p:cTn id="26" presetID="10" presetClass="entr" presetSubtype="0" fill="hold" grpId="0" nodeType="withEffect">
+                                  <p:stCondLst>
+                                    <p:cond delay="0"/>
+                                  </p:stCondLst>
+                                  <p:childTnLst>
+                                    <p:set>
+                                      <p:cBhvr>
+                                        <p:cTn id="27" dur="1" fill="hold">
+                                          <p:stCondLst>
+                                            <p:cond delay="0"/>
+                                          </p:stCondLst>
+                                        </p:cTn>
+                                        <p:tgtEl>
+                                          <p:spTgt spid="10"/>
+                                        </p:tgtEl>
+                                        <p:attrNameLst>
+                                          <p:attrName>style.visibility</p:attrName>
+                                        </p:attrNameLst>
+                                      </p:cBhvr>
+                                      <p:to>
+                                        <p:strVal val="visible"/>
+                                      </p:to>
+                                    </p:set>
+                                    <p:animEffect transition="in" filter="fade">
+                                      <p:cBhvr>
+                                        <p:cTn id="28" dur="500"/>
+                                        <p:tgtEl>
+                                          <p:spTgt spid="10"/>
+                                        </p:tgtEl>
+                                      </p:cBhvr>
+                                    </p:animEffect>
+                                  </p:childTnLst>
+                                </p:cTn>
+                              </p:par>
+                              <p:par>
+                                <p:cTn id="29" presetID="10" presetClass="entr" presetSubtype="0" fill="hold" grpId="0" nodeType="withEffect">
+                                  <p:stCondLst>
+                                    <p:cond delay="0"/>
+                                  </p:stCondLst>
+                                  <p:childTnLst>
+                                    <p:set>
+                                      <p:cBhvr>
+                                        <p:cTn id="30" dur="1" fill="hold">
+                                          <p:stCondLst>
+                                            <p:cond delay="0"/>
+                                          </p:stCondLst>
+                                        </p:cTn>
+                                        <p:tgtEl>
+                                          <p:spTgt spid="12"/>
+                                        </p:tgtEl>
+                                        <p:attrNameLst>
+                                          <p:attrName>style.visibility</p:attrName>
+                                        </p:attrNameLst>
+                                      </p:cBhvr>
+                                      <p:to>
+                                        <p:strVal val="visible"/>
+                                      </p:to>
+                                    </p:set>
+                                    <p:animEffect transition="in" filter="fade">
+                                      <p:cBhvr>
+                                        <p:cTn id="31" dur="500"/>
+                                        <p:tgtEl>
+                                          <p:spTgt spid="12"/>
+                                        </p:tgtEl>
+                                      </p:cBhvr>
+                                    </p:animEffect>
+                                  </p:childTnLst>
+                                </p:cTn>
+                              </p:par>
+                              <p:par>
+                                <p:cTn id="32" presetID="10" presetClass="entr" presetSubtype="0" fill="hold" grpId="0" nodeType="withEffect">
+                                  <p:stCondLst>
+                                    <p:cond delay="0"/>
+                                  </p:stCondLst>
+                                  <p:childTnLst>
+                                    <p:set>
+                                      <p:cBhvr>
+                                        <p:cTn id="33" dur="1" fill="hold">
+                                          <p:stCondLst>
+                                            <p:cond delay="0"/>
+                                          </p:stCondLst>
+                                        </p:cTn>
+                                        <p:tgtEl>
+                                          <p:spTgt spid="13"/>
+                                        </p:tgtEl>
+                                        <p:attrNameLst>
+                                          <p:attrName>style.visibility</p:attrName>
+                                        </p:attrNameLst>
+                                      </p:cBhvr>
+                                      <p:to>
+                                        <p:strVal val="visible"/>
+                                      </p:to>
+                                    </p:set>
+                                    <p:animEffect transition="in" filter="fade">
+                                      <p:cBhvr>
+                                        <p:cTn id="34" dur="500"/>
+                                        <p:tgtEl>
+                                          <p:spTgt spid="13"/>
+                                        </p:tgtEl>
+                                      </p:cBhvr>
+                                    </p:animEffect>
+                                  </p:childTnLst>
+                                </p:cTn>
+                              </p:par>
+                              <p:par>
+                                <p:cTn id="35" presetID="10" presetClass="entr" presetSubtype="0" fill="hold" grpId="0" nodeType="withEffect">
+                                  <p:stCondLst>
+                                    <p:cond delay="0"/>
+                                  </p:stCondLst>
+                                  <p:childTnLst>
+                                    <p:set>
+                                      <p:cBhvr>
+                                        <p:cTn id="36" dur="1" fill="hold">
+                                          <p:stCondLst>
+                                            <p:cond delay="0"/>
+                                          </p:stCondLst>
+                                        </p:cTn>
+                                        <p:tgtEl>
+                                          <p:spTgt spid="14"/>
+                                        </p:tgtEl>
+                                        <p:attrNameLst>
+                                          <p:attrName>style.visibility</p:attrName>
+                                        </p:attrNameLst>
+                                      </p:cBhvr>
+                                      <p:to>
+                                        <p:strVal val="visible"/>
+                                      </p:to>
+                                    </p:set>
+                                    <p:animEffect transition="in" filter="fade">
+                                      <p:cBhvr>
+                                        <p:cTn id="37" dur="500"/>
+                                        <p:tgtEl>
+                                          <p:spTgt spid="14"/>
+                                        </p:tgtEl>
+                                      </p:cBhvr>
+                                    </p:animEffect>
+                                  </p:childTnLst>
+                                </p:cTn>
+                              </p:par>
+                              <p:par>
+                                <p:cTn id="38" presetID="10" presetClass="entr" presetSubtype="0" fill="hold" grpId="0" nodeType="withEffect">
+                                  <p:stCondLst>
+                                    <p:cond delay="0"/>
+                                  </p:stCondLst>
+                                  <p:childTnLst>
+                                    <p:set>
+                                      <p:cBhvr>
+                                        <p:cTn id="39" dur="1" fill="hold">
+                                          <p:stCondLst>
+                                            <p:cond delay="0"/>
+                                          </p:stCondLst>
+                                        </p:cTn>
+                                        <p:tgtEl>
+                                          <p:spTgt spid="16"/>
+                                        </p:tgtEl>
+                                        <p:attrNameLst>
+                                          <p:attrName>style.visibility</p:attrName>
+                                        </p:attrNameLst>
+                                      </p:cBhvr>
+                                      <p:to>
+                                        <p:strVal val="visible"/>
+                                      </p:to>
+                                    </p:set>
+                                    <p:animEffect transition="in" filter="fade">
+                                      <p:cBhvr>
+                                        <p:cTn id="40" dur="500"/>
+                                        <p:tgtEl>
+                                          <p:spTgt spid="16"/>
+                                        </p:tgtEl>
+                                      </p:cBhvr>
+                                    </p:animEffect>
+                                  </p:childTnLst>
+                                </p:cTn>
+                              </p:par>
+                              <p:par>
+                                <p:cTn id="41" presetID="10" presetClass="entr" presetSubtype="0" fill="hold" grpId="0" nodeType="withEffect">
+                                  <p:stCondLst>
+                                    <p:cond delay="0"/>
+                                  </p:stCondLst>
+                                  <p:childTnLst>
+                                    <p:set>
+                                      <p:cBhvr>
+                                        <p:cTn id="42" dur="1" fill="hold">
+                                          <p:stCondLst>
+                                            <p:cond delay="0"/>
+                                          </p:stCondLst>
+                                        </p:cTn>
+                                        <p:tgtEl>
+                                          <p:spTgt spid="17"/>
+                                        </p:tgtEl>
+                                        <p:attrNameLst>
+                                          <p:attrName>style.visibility</p:attrName>
+                                        </p:attrNameLst>
+                                      </p:cBhvr>
+                                      <p:to>
+                                        <p:strVal val="visible"/>
+                                      </p:to>
+                                    </p:set>
+                                    <p:animEffect transition="in" filter="fade">
+                                      <p:cBhvr>
+                                        <p:cTn id="43" dur="500"/>
+                                        <p:tgtEl>
+                                          <p:spTgt spid="17"/>
+                                        </p:tgtEl>
+                                      </p:cBhvr>
+                                    </p:animEffect>
+                                  </p:childTnLst>
+                                </p:cTn>
+                              </p:par>
+                              <p:par>
+                                <p:cTn id="44" presetID="10" presetClass="entr" presetSubtype="0" fill="hold" grpId="0" nodeType="withEffect">
+                                  <p:stCondLst>
+                                    <p:cond delay="0"/>
+                                  </p:stCondLst>
+                                  <p:childTnLst>
+                                    <p:set>
+                                      <p:cBhvr>
+                                        <p:cTn id="45" dur="1" fill="hold">
+                                          <p:stCondLst>
+                                            <p:cond delay="0"/>
+                                          </p:stCondLst>
+                                        </p:cTn>
+                                        <p:tgtEl>
+                                          <p:spTgt spid="18"/>
+                                        </p:tgtEl>
+                                        <p:attrNameLst>
+                                          <p:attrName>style.visibility</p:attrName>
+                                        </p:attrNameLst>
+                                      </p:cBhvr>
+                                      <p:to>
+                                        <p:strVal val="visible"/>
+                                      </p:to>
+                                    </p:set>
+                                    <p:animEffect transition="in" filter="fade">
+                                      <p:cBhvr>
+                                        <p:cTn id="46" dur="500"/>
+                                        <p:tgtEl>
+                                          <p:spTgt spid="18"/>
+                                        </p:tgtEl>
+                                      </p:cBhvr>
+                                    </p:animEffect>
+                                  </p:childTnLst>
+                                </p:cTn>
+                              </p:par>
+                            </p:childTnLst>
+                          </p:cTn>
+                        </p:par>
+                      </p:childTnLst>
+                    </p:cTn>
+                  </p:par>
+                </p:childTnLst>
+              </p:cTn>
+              <p:prevCondLst>
+                <p:cond evt="onPrev" delay="0">
+                  <p:tgtEl>
+                    <p:sldTgt/>
+                  </p:tgtEl>
+                </p:cond>
+              </p:prevCondLst>
+              <p:nextCondLst>
+                <p:cond evt="onNext" delay="0">
+                  <p:tgtEl>
+                    <p:sldTgt/>
+                  </p:tgtEl>
+                </p:cond>
+              </p:nextCondLst>
+            </p:seq>
+          </p:childTnLst>
+        </p:cTn>
+      </p:par>
+    </p:tnLst>
+    <p:bldLst>
+      <p:bldP spid="6" grpId="0"/>
+      <p:bldP spid="4" grpId="0"/>
+      <p:bldP spid="8" grpId="0"/>
+      <p:bldP spid="9" grpId="0"/>
+      <p:bldP spid="2" grpId="0" animBg="1"/>
+      <p:bldP spid="3" grpId="0"/>
+      <p:bldP spid="10" grpId="0"/>
+      <p:bldP spid="12" grpId="0"/>
+      <p:bldP spid="13" grpId="0"/>
+      <p:bldP spid="14" grpId="0"/>
+      <p:bldP spid="16" grpId="0" animBg="1"/>
+      <p:bldP spid="17" grpId="0"/>
+      <p:bldP spid="18" grpId="0"/>
+    </p:bldLst>
+  </p:timing>
+</p:sld>
+</file>
+
+<file path=ppt/slides/slide11.xml><?xml version="1.0" encoding="utf-8"?>
+<p:sld xmlns:a="http://schemas.openxmlformats.org/drawingml/2006/main" xmlns:r="http://schemas.openxmlformats.org/officeDocument/2006/relationships" xmlns:p="http://schemas.openxmlformats.org/presentationml/2006/main">
+  <p:cSld>
+    <p:spTree>
+      <p:nvGrpSpPr>
+        <p:cNvPr id="1" name=""/>
+        <p:cNvGrpSpPr/>
+        <p:nvPr/>
+      </p:nvGrpSpPr>
+      <p:grpSpPr>
+        <a:xfrm>
+          <a:off x="0" y="0"/>
+          <a:ext cx="0" cy="0"/>
+          <a:chOff x="0" y="0"/>
+          <a:chExt cx="0" cy="0"/>
+        </a:xfrm>
+      </p:grpSpPr>
+      <p:sp>
+        <p:nvSpPr>
+          <p:cNvPr id="6" name="Title 1"/>
+          <p:cNvSpPr>
+            <a:spLocks noGrp="1"/>
+          </p:cNvSpPr>
+          <p:nvPr>
+            <p:ph type="title"/>
+          </p:nvPr>
+        </p:nvSpPr>
+        <p:spPr>
+          <a:xfrm>
+            <a:off x="1019175" y="230505"/>
+            <a:ext cx="10058400" cy="564254"/>
+          </a:xfrm>
+        </p:spPr>
+        <p:txBody>
+          <a:bodyPr>
+            <a:normAutofit fontScale="90000"/>
+          </a:bodyPr>
+          <a:lstStyle/>
+          <a:p>
+            <a:r>
+              <a:rPr lang="en-US" sz="4000" b="1" spc="50" dirty="0" smtClean="0">
+                <a:blipFill>
+                  <a:blip r:embed="rId2">
+                    <a:extLst>
+                      <a:ext uri="{28A0092B-C50C-407E-A947-70E740481C1C}">
+                        <a14:useLocalDpi xmlns:a14="http://schemas.microsoft.com/office/drawing/2010/main" val="0"/>
+                      </a:ext>
+                    </a:extLst>
+                  </a:blip>
+                  <a:tile tx="6350" ty="-127000" sx="65000" sy="64000" flip="none" algn="tl"/>
+                </a:blipFill>
+                <a:latin typeface="Times New Roman" panose="02020603050405020304" pitchFamily="18" charset="0"/>
+                <a:cs typeface="Times New Roman" panose="02020603050405020304" pitchFamily="18" charset="0"/>
+                <a:sym typeface="+mn-ea"/>
+              </a:rPr>
+              <a:t>Xây dựng DNS BLOCKCHAIN</a:t>
+            </a:r>
+            <a:endParaRPr lang="en-US" sz="4000" dirty="0">
+              <a:latin typeface="Arial" panose="020B0604020202020204" pitchFamily="34" charset="0"/>
+              <a:cs typeface="Arial" panose="020B0604020202020204" pitchFamily="34" charset="0"/>
+            </a:endParaRPr>
+          </a:p>
+        </p:txBody>
+      </p:sp>
+      <p:sp>
+        <p:nvSpPr>
+          <p:cNvPr id="4" name="Slide Number Placeholder 3"/>
+          <p:cNvSpPr>
+            <a:spLocks noGrp="1"/>
+          </p:cNvSpPr>
+          <p:nvPr>
+            <p:ph type="sldNum" sz="quarter" idx="12"/>
+          </p:nvPr>
+        </p:nvSpPr>
+        <p:spPr/>
+        <p:txBody>
+          <a:bodyPr/>
+          <a:lstStyle/>
+          <a:p>
+            <a:fld id="{040DEF24-717E-4741-8753-F7E431A261E5}" type="slidenum">
+              <a:rPr lang="en-US" smtClean="0"/>
+              <a:t>11</a:t>
             </a:fld>
             <a:endParaRPr lang="en-US"/>
           </a:p>
@@ -5627,7 +6985,7 @@
           <p:nvPr/>
         </p:nvPicPr>
         <p:blipFill>
-          <a:blip r:embed="rId2"/>
+          <a:blip r:embed="rId3"/>
           <a:stretch>
             <a:fillRect/>
           </a:stretch>
@@ -5820,10 +7178,6 @@
               </a:rPr>
               <a:t>thống DNS Blockchain trực tiếp kiểm tra dãy Blocks hiện tại có đáp ứng điều kiện hay không theo 2 trường hợp như sau: </a:t>
             </a:r>
-            <a:endParaRPr lang="vi-VN" sz="1400" dirty="0">
-              <a:latin typeface="Arial" panose="020B0604020202020204" pitchFamily="34" charset="0"/>
-              <a:cs typeface="Arial" panose="020B0604020202020204" pitchFamily="34" charset="0"/>
-            </a:endParaRPr>
           </a:p>
           <a:p>
             <a:pPr marL="285750" indent="-285750" algn="l">
@@ -5847,10 +7201,6 @@
               </a:rPr>
               <a:t>( Đ ): Sử dụng các khối Blocks đó để khởi tạo Blockchain và tiếp tục mở rộng nhằm tạo blockchain dài nhất.</a:t>
             </a:r>
-            <a:endParaRPr lang="vi-VN" sz="1400" dirty="0">
-              <a:latin typeface="Arial" panose="020B0604020202020204" pitchFamily="34" charset="0"/>
-              <a:cs typeface="Arial" panose="020B0604020202020204" pitchFamily="34" charset="0"/>
-            </a:endParaRPr>
           </a:p>
           <a:p>
             <a:pPr marL="285750" indent="-285750" algn="l">
@@ -6070,10 +7420,6 @@
               </a:rPr>
               <a:t>sau: </a:t>
             </a:r>
-            <a:endParaRPr lang="vi-VN" sz="1400" dirty="0">
-              <a:latin typeface="Arial" panose="020B0604020202020204" pitchFamily="34" charset="0"/>
-              <a:cs typeface="Arial" panose="020B0604020202020204" pitchFamily="34" charset="0"/>
-            </a:endParaRPr>
           </a:p>
           <a:p>
             <a:pPr marL="285750" indent="-285750" algn="l">
@@ -6090,10 +7436,6 @@
               </a:rPr>
               <a:t>Đúng ( Đ ) : Thêm vào bộ nhớ đệm Transaction và phát động thuật toán Proof of Work cho các nodes tạo số Nonce cho Block mới. </a:t>
             </a:r>
-            <a:endParaRPr lang="vi-VN" sz="1400" dirty="0">
-              <a:latin typeface="Arial" panose="020B0604020202020204" pitchFamily="34" charset="0"/>
-              <a:cs typeface="Arial" panose="020B0604020202020204" pitchFamily="34" charset="0"/>
-            </a:endParaRPr>
           </a:p>
           <a:p>
             <a:pPr marL="285750" indent="-285750" algn="l">
@@ -6207,10 +7549,6 @@
               </a:rPr>
               <a:t>7. Hệ thống trước khi tắt sẽ tính toán blockchain dài nhất, xác thực blockchain và gửi lên cho các nodes để cập nhật. </a:t>
             </a:r>
-            <a:endParaRPr lang="vi-VN" sz="1400" dirty="0">
-              <a:latin typeface="Arial" panose="020B0604020202020204" pitchFamily="34" charset="0"/>
-              <a:cs typeface="Arial" panose="020B0604020202020204" pitchFamily="34" charset="0"/>
-            </a:endParaRPr>
           </a:p>
         </p:txBody>
       </p:sp>
@@ -6673,7 +8011,7 @@
 </p:sld>
 </file>
 
-<file path=ppt/slides/slide11.xml><?xml version="1.0" encoding="utf-8"?>
+<file path=ppt/slides/slide12.xml><?xml version="1.0" encoding="utf-8"?>
 <p:sld xmlns:a="http://schemas.openxmlformats.org/drawingml/2006/main" xmlns:r="http://schemas.openxmlformats.org/officeDocument/2006/relationships" xmlns:p="http://schemas.openxmlformats.org/presentationml/2006/main">
   <p:cSld>
     <p:spTree>
@@ -6715,7 +8053,7 @@
             <a:r>
               <a:rPr lang="en-US" sz="4000" b="1" spc="50" dirty="0" smtClean="0">
                 <a:blipFill>
-                  <a:blip r:embed="rId1">
+                  <a:blip r:embed="rId2">
                     <a:extLst>
                       <a:ext uri="{28A0092B-C50C-407E-A947-70E740481C1C}">
                         <a14:useLocalDpi xmlns:a14="http://schemas.microsoft.com/office/drawing/2010/main" val="0"/>
@@ -6754,6 +8092,7 @@
           <a:p>
             <a:fld id="{040DEF24-717E-4741-8753-F7E431A261E5}" type="slidenum">
               <a:rPr lang="en-US" smtClean="0"/>
+              <a:t>12</a:t>
             </a:fld>
             <a:endParaRPr lang="en-US"/>
           </a:p>
@@ -6851,16 +8190,6 @@
               </a:rPr>
               <a:t>XÂY DỰNG ĐỊNH DẠNG LƯU TRỮ CHUNG TRONG HỆ THỐNG</a:t>
             </a:r>
-            <a:endParaRPr lang="en-US" b="1" dirty="0">
-              <a:solidFill>
-                <a:schemeClr val="accent2">
-                  <a:lumMod val="50000"/>
-                </a:schemeClr>
-              </a:solidFill>
-              <a:latin typeface="Arial" panose="020B0604020202020204" pitchFamily="34" charset="0"/>
-              <a:ea typeface="Roboto" panose="02000000000000000000" pitchFamily="2" charset="0"/>
-              <a:cs typeface="Arial" panose="020B0604020202020204" pitchFamily="34" charset="0"/>
-            </a:endParaRPr>
           </a:p>
         </p:txBody>
       </p:sp>
@@ -6909,16 +8238,6 @@
               </a:rPr>
               <a:t>XÂY DỰNG HỆ THỐNG DNS </a:t>
             </a:r>
-            <a:endParaRPr lang="en-US" b="1" dirty="0">
-              <a:solidFill>
-                <a:schemeClr val="accent2">
-                  <a:lumMod val="50000"/>
-                </a:schemeClr>
-              </a:solidFill>
-              <a:latin typeface="Arial" panose="020B0604020202020204" pitchFamily="34" charset="0"/>
-              <a:ea typeface="Roboto" panose="02000000000000000000" pitchFamily="2" charset="0"/>
-              <a:cs typeface="Arial" panose="020B0604020202020204" pitchFamily="34" charset="0"/>
-            </a:endParaRPr>
           </a:p>
         </p:txBody>
       </p:sp>
@@ -7228,10 +8547,6 @@
               </a:rPr>
               <a:t>Xây dựng quy trình xử lý thông tin đăng kí node và account admin tham gia vào hệ thống Blockchain.</a:t>
             </a:r>
-            <a:endParaRPr lang="en-US" sz="1400" dirty="0" smtClean="0">
-              <a:latin typeface="Arial" panose="020B0604020202020204" pitchFamily="34" charset="0"/>
-              <a:cs typeface="Arial" panose="020B0604020202020204" pitchFamily="34" charset="0"/>
-            </a:endParaRPr>
           </a:p>
         </p:txBody>
       </p:sp>
@@ -7348,10 +8663,6 @@
               </a:rPr>
               <a:t>Xây dựng xử lý phân quyền giữa các loại người dùng khác nhau ( Hoster,  Admin, Client ).</a:t>
             </a:r>
-            <a:endParaRPr lang="en-US" sz="1400" dirty="0" smtClean="0">
-              <a:latin typeface="Arial" panose="020B0604020202020204" pitchFamily="34" charset="0"/>
-              <a:cs typeface="Arial" panose="020B0604020202020204" pitchFamily="34" charset="0"/>
-            </a:endParaRPr>
           </a:p>
         </p:txBody>
       </p:sp>
@@ -7518,10 +8829,6 @@
               </a:rPr>
               <a:t>Viết bằng Python Flask</a:t>
             </a:r>
-            <a:endParaRPr lang="en-US" sz="1400" b="1" dirty="0" smtClean="0">
-              <a:latin typeface="Arial" panose="020B0604020202020204" pitchFamily="34" charset="0"/>
-              <a:cs typeface="Arial" panose="020B0604020202020204" pitchFamily="34" charset="0"/>
-            </a:endParaRPr>
           </a:p>
         </p:txBody>
       </p:sp>
@@ -7554,10 +8861,6 @@
               </a:rPr>
               <a:t>Viết bằng Python Socket</a:t>
             </a:r>
-            <a:endParaRPr lang="en-US" sz="1400" b="1" dirty="0" smtClean="0">
-              <a:latin typeface="Arial" panose="020B0604020202020204" pitchFamily="34" charset="0"/>
-              <a:cs typeface="Arial" panose="020B0604020202020204" pitchFamily="34" charset="0"/>
-            </a:endParaRPr>
           </a:p>
         </p:txBody>
       </p:sp>
@@ -7616,8 +8919,20 @@
                 <a:tableStyleId>{7DF18680-E054-41AD-8BC1-D1AEF772440D}</a:tableStyleId>
               </a:tblPr>
               <a:tblGrid>
-                <a:gridCol w="1666719"/>
-                <a:gridCol w="3791741"/>
+                <a:gridCol w="1666719">
+                  <a:extLst>
+                    <a:ext uri="{9D8B030D-6E8A-4147-A177-3AD203B41FA5}">
+                      <a16:colId xmlns:a16="http://schemas.microsoft.com/office/drawing/2014/main" val="20000"/>
+                    </a:ext>
+                  </a:extLst>
+                </a:gridCol>
+                <a:gridCol w="3791741">
+                  <a:extLst>
+                    <a:ext uri="{9D8B030D-6E8A-4147-A177-3AD203B41FA5}">
+                      <a16:colId xmlns:a16="http://schemas.microsoft.com/office/drawing/2014/main" val="20001"/>
+                    </a:ext>
+                  </a:extLst>
+                </a:gridCol>
               </a:tblGrid>
               <a:tr h="200025">
                 <a:tc>
@@ -7696,6 +9011,11 @@
                   </a:txBody>
                   <a:tcPr marL="28575" marR="28575" marT="19050" marB="19050" anchor="ctr"/>
                 </a:tc>
+                <a:extLst>
+                  <a:ext uri="{0D108BD9-81ED-4DB2-BD59-A6C34878D82A}">
+                    <a16:rowId xmlns:a16="http://schemas.microsoft.com/office/drawing/2014/main" val="10000"/>
+                  </a:ext>
+                </a:extLst>
               </a:tr>
               <a:tr h="200025">
                 <a:tc>
@@ -7790,6 +9110,11 @@
                   </a:txBody>
                   <a:tcPr marL="28575" marR="28575" marT="19050" marB="19050" anchor="ctr"/>
                 </a:tc>
+                <a:extLst>
+                  <a:ext uri="{0D108BD9-81ED-4DB2-BD59-A6C34878D82A}">
+                    <a16:rowId xmlns:a16="http://schemas.microsoft.com/office/drawing/2014/main" val="10001"/>
+                  </a:ext>
+                </a:extLst>
               </a:tr>
               <a:tr h="200025">
                 <a:tc>
@@ -7884,6 +9209,11 @@
                   </a:txBody>
                   <a:tcPr marL="28575" marR="28575" marT="19050" marB="19050" anchor="ctr"/>
                 </a:tc>
+                <a:extLst>
+                  <a:ext uri="{0D108BD9-81ED-4DB2-BD59-A6C34878D82A}">
+                    <a16:rowId xmlns:a16="http://schemas.microsoft.com/office/drawing/2014/main" val="10002"/>
+                  </a:ext>
+                </a:extLst>
               </a:tr>
               <a:tr h="200025">
                 <a:tc>
@@ -7954,6 +9284,11 @@
                   </a:txBody>
                   <a:tcPr marL="28575" marR="28575" marT="19050" marB="19050" anchor="ctr"/>
                 </a:tc>
+                <a:extLst>
+                  <a:ext uri="{0D108BD9-81ED-4DB2-BD59-A6C34878D82A}">
+                    <a16:rowId xmlns:a16="http://schemas.microsoft.com/office/drawing/2014/main" val="10003"/>
+                  </a:ext>
+                </a:extLst>
               </a:tr>
               <a:tr h="200025">
                 <a:tc>
@@ -8024,6 +9359,11 @@
                   </a:txBody>
                   <a:tcPr marL="28575" marR="28575" marT="19050" marB="19050" anchor="ctr"/>
                 </a:tc>
+                <a:extLst>
+                  <a:ext uri="{0D108BD9-81ED-4DB2-BD59-A6C34878D82A}">
+                    <a16:rowId xmlns:a16="http://schemas.microsoft.com/office/drawing/2014/main" val="10004"/>
+                  </a:ext>
+                </a:extLst>
               </a:tr>
             </a:tbl>
           </a:graphicData>
@@ -8884,7 +10224,7 @@
 </p:sld>
 </file>
 
-<file path=ppt/slides/slide12.xml><?xml version="1.0" encoding="utf-8"?>
+<file path=ppt/slides/slide13.xml><?xml version="1.0" encoding="utf-8"?>
 <p:sld xmlns:a="http://schemas.openxmlformats.org/drawingml/2006/main" xmlns:r="http://schemas.openxmlformats.org/officeDocument/2006/relationships" xmlns:p="http://schemas.openxmlformats.org/presentationml/2006/main">
   <p:cSld>
     <p:spTree>
@@ -8955,6 +10295,7 @@
           <a:p>
             <a:fld id="{040DEF24-717E-4741-8753-F7E431A261E5}" type="slidenum">
               <a:rPr lang="en-US" smtClean="0"/>
+              <a:t>13</a:t>
             </a:fld>
             <a:endParaRPr lang="en-US"/>
           </a:p>
@@ -9138,11 +10479,6 @@
               </a:rPr>
               <a:t>node với port bất kì, thực hiện thêm 5 giao dịch tên miền khác và phân giải tên miền thông qua máy chính. </a:t>
             </a:r>
-            <a:endParaRPr lang="en-US" sz="1400" dirty="0">
-              <a:latin typeface="Arial" panose="020B0604020202020204" pitchFamily="34" charset="0"/>
-              <a:ea typeface="Calibri" panose="020F0502020204030204" pitchFamily="34" charset="0"/>
-              <a:cs typeface="Arial" panose="020B0604020202020204" pitchFamily="34" charset="0"/>
-            </a:endParaRPr>
           </a:p>
         </p:txBody>
       </p:sp>
@@ -10267,7 +11603,7 @@
 </p:sld>
 </file>
 
-<file path=ppt/slides/slide13.xml><?xml version="1.0" encoding="utf-8"?>
+<file path=ppt/slides/slide14.xml><?xml version="1.0" encoding="utf-8"?>
 <p:sld xmlns:a="http://schemas.openxmlformats.org/drawingml/2006/main" xmlns:r="http://schemas.openxmlformats.org/officeDocument/2006/relationships" xmlns:p="http://schemas.openxmlformats.org/presentationml/2006/main">
   <p:cSld>
     <p:spTree>
@@ -10309,7 +11645,7 @@
             <a:r>
               <a:rPr lang="en-US" sz="4000" b="1" spc="50" dirty="0" smtClean="0">
                 <a:blipFill>
-                  <a:blip r:embed="rId1">
+                  <a:blip r:embed="rId2">
                     <a:extLst>
                       <a:ext uri="{28A0092B-C50C-407E-A947-70E740481C1C}">
                         <a14:useLocalDpi xmlns:a14="http://schemas.microsoft.com/office/drawing/2010/main" val="0"/>
@@ -10348,6 +11684,7 @@
           <a:p>
             <a:fld id="{040DEF24-717E-4741-8753-F7E431A261E5}" type="slidenum">
               <a:rPr lang="en-US" smtClean="0"/>
+              <a:t>14</a:t>
             </a:fld>
             <a:endParaRPr lang="en-US"/>
           </a:p>
@@ -10455,16 +11792,6 @@
               </a:rPr>
               <a:t>2 </a:t>
             </a:r>
-            <a:endParaRPr lang="en-US" sz="2400" b="1" dirty="0" smtClean="0">
-              <a:solidFill>
-                <a:schemeClr val="accent2">
-                  <a:lumMod val="50000"/>
-                </a:schemeClr>
-              </a:solidFill>
-              <a:latin typeface="Arial" panose="020B0604020202020204" pitchFamily="34" charset="0"/>
-              <a:ea typeface="Roboto" panose="02000000000000000000" pitchFamily="2" charset="0"/>
-              <a:cs typeface="Arial" panose="020B0604020202020204" pitchFamily="34" charset="0"/>
-            </a:endParaRPr>
           </a:p>
           <a:p>
             <a:pPr lvl="0" algn="just">
@@ -10499,11 +11826,6 @@
               </a:rPr>
               <a:t>)</a:t>
             </a:r>
-            <a:endParaRPr lang="en-US" sz="1400" dirty="0" smtClean="0">
-              <a:latin typeface="Arial" panose="020B0604020202020204" pitchFamily="34" charset="0"/>
-              <a:ea typeface="Calibri" panose="020F0502020204030204" pitchFamily="34" charset="0"/>
-              <a:cs typeface="Arial" panose="020B0604020202020204" pitchFamily="34" charset="0"/>
-            </a:endParaRPr>
           </a:p>
           <a:p>
             <a:pPr lvl="0" algn="just">
@@ -10538,11 +11860,6 @@
               </a:rPr>
               <a:t>ảo.</a:t>
             </a:r>
-            <a:endParaRPr lang="en-US" sz="1400" dirty="0" smtClean="0">
-              <a:latin typeface="Arial" panose="020B0604020202020204" pitchFamily="34" charset="0"/>
-              <a:ea typeface="Calibri" panose="020F0502020204030204" pitchFamily="34" charset="0"/>
-              <a:cs typeface="Arial" panose="020B0604020202020204" pitchFamily="34" charset="0"/>
-            </a:endParaRPr>
           </a:p>
           <a:p>
             <a:pPr lvl="0" algn="just">
@@ -10569,11 +11886,6 @@
               </a:rPr>
               <a:t>node với port bất kì, thực hiện thêm 5 giao dịch tên miền khác và phân giải tên miền thông qua một máy ảo. </a:t>
             </a:r>
-            <a:endParaRPr lang="en-US" sz="1400" dirty="0">
-              <a:latin typeface="Arial" panose="020B0604020202020204" pitchFamily="34" charset="0"/>
-              <a:ea typeface="Calibri" panose="020F0502020204030204" pitchFamily="34" charset="0"/>
-              <a:cs typeface="Arial" panose="020B0604020202020204" pitchFamily="34" charset="0"/>
-            </a:endParaRPr>
           </a:p>
         </p:txBody>
       </p:sp>
@@ -11850,7 +13162,7 @@
 </p:sld>
 </file>
 
-<file path=ppt/slides/slide14.xml><?xml version="1.0" encoding="utf-8"?>
+<file path=ppt/slides/slide15.xml><?xml version="1.0" encoding="utf-8"?>
 <p:sld xmlns:a="http://schemas.openxmlformats.org/drawingml/2006/main" xmlns:r="http://schemas.openxmlformats.org/officeDocument/2006/relationships" xmlns:p="http://schemas.openxmlformats.org/presentationml/2006/main">
   <p:cSld>
     <p:spTree>
@@ -11892,7 +13204,7 @@
             <a:r>
               <a:rPr lang="en-US" sz="4000" b="1" spc="50" dirty="0" smtClean="0">
                 <a:blipFill>
-                  <a:blip r:embed="rId1">
+                  <a:blip r:embed="rId2">
                     <a:extLst>
                       <a:ext uri="{28A0092B-C50C-407E-A947-70E740481C1C}">
                         <a14:useLocalDpi xmlns:a14="http://schemas.microsoft.com/office/drawing/2010/main" val="0"/>
@@ -11931,6 +13243,7 @@
           <a:p>
             <a:fld id="{040DEF24-717E-4741-8753-F7E431A261E5}" type="slidenum">
               <a:rPr lang="en-US" smtClean="0"/>
+              <a:t>15</a:t>
             </a:fld>
             <a:endParaRPr lang="en-US"/>
           </a:p>
@@ -12079,11 +13392,6 @@
               </a:rPr>
               <a:t>ảo.</a:t>
             </a:r>
-            <a:endParaRPr lang="en-US" sz="1400" dirty="0" smtClean="0">
-              <a:latin typeface="Arial" panose="020B0604020202020204" pitchFamily="34" charset="0"/>
-              <a:ea typeface="Calibri" panose="020F0502020204030204" pitchFamily="34" charset="0"/>
-              <a:cs typeface="Arial" panose="020B0604020202020204" pitchFamily="34" charset="0"/>
-            </a:endParaRPr>
           </a:p>
           <a:p>
             <a:pPr lvl="0" algn="just">
@@ -12110,11 +13418,6 @@
               </a:rPr>
               <a:t>node có port khác, đăng nhập với vai trò là admin, thực hiện thêm 5 giao dịch tên miền cộng 1 giao dịch có tên miền trỏ vào địa chỉ của web server máy ảo và tiến hành phân giải trên máy ảo.</a:t>
             </a:r>
-            <a:endParaRPr lang="en-US" sz="1400" dirty="0">
-              <a:latin typeface="Arial" panose="020B0604020202020204" pitchFamily="34" charset="0"/>
-              <a:ea typeface="Calibri" panose="020F0502020204030204" pitchFamily="34" charset="0"/>
-              <a:cs typeface="Arial" panose="020B0604020202020204" pitchFamily="34" charset="0"/>
-            </a:endParaRPr>
           </a:p>
         </p:txBody>
       </p:sp>
@@ -13391,7 +14694,7 @@
 </p:sld>
 </file>
 
-<file path=ppt/slides/slide15.xml><?xml version="1.0" encoding="utf-8"?>
+<file path=ppt/slides/slide16.xml><?xml version="1.0" encoding="utf-8"?>
 <p:sld xmlns:a="http://schemas.openxmlformats.org/drawingml/2006/main" xmlns:r="http://schemas.openxmlformats.org/officeDocument/2006/relationships" xmlns:p="http://schemas.openxmlformats.org/presentationml/2006/main">
   <p:cSld>
     <p:spTree>
@@ -13461,6 +14764,7 @@
           <a:p>
             <a:fld id="{040DEF24-717E-4741-8753-F7E431A261E5}" type="slidenum">
               <a:rPr lang="en-US" smtClean="0"/>
+              <a:t>16</a:t>
             </a:fld>
             <a:endParaRPr lang="en-US"/>
           </a:p>
@@ -13519,13 +14823,6 @@
               </a:rPr>
               <a:t>Blockchain là một giải pháp khả thi hiện nay, vừa phần nào giải quyết được bài toán bảo mật, vừa mang lại cơ hội khai thác phát triển triệt để giá trị của tên miền. </a:t>
             </a:r>
-            <a:endParaRPr lang="en-US" sz="1600" b="1" spc="50" dirty="0">
-              <a:solidFill>
-                <a:schemeClr val="accent2"/>
-              </a:solidFill>
-              <a:latin typeface="Arial" panose="020B0604020202020204" pitchFamily="34" charset="0"/>
-              <a:cs typeface="Arial" panose="020B0604020202020204" pitchFamily="34" charset="0"/>
-            </a:endParaRPr>
           </a:p>
         </p:txBody>
       </p:sp>
@@ -13575,16 +14872,6 @@
               </a:rPr>
               <a:t>Tóm tắt những điều mà đề tài đã đạt được:</a:t>
             </a:r>
-            <a:endParaRPr lang="en-US" sz="2400" b="1" dirty="0">
-              <a:solidFill>
-                <a:schemeClr val="accent2">
-                  <a:lumMod val="50000"/>
-                </a:schemeClr>
-              </a:solidFill>
-              <a:latin typeface="Roboto" panose="02000000000000000000" pitchFamily="2" charset="0"/>
-              <a:ea typeface="Roboto" panose="02000000000000000000" pitchFamily="2" charset="0"/>
-              <a:cs typeface="Arial" panose="020B0604020202020204" pitchFamily="34" charset="0"/>
-            </a:endParaRPr>
           </a:p>
           <a:p>
             <a:pPr marL="285750" lvl="0" indent="-285750">
@@ -13607,10 +14894,6 @@
               </a:rPr>
               <a:t>Nêu rõ khái niệm, điểm mạnh và yếu của DNS server và cách DNS server hiện tại hoạt động.</a:t>
             </a:r>
-            <a:endParaRPr lang="en-US" sz="1400" dirty="0">
-              <a:latin typeface="Arial" panose="020B0604020202020204" pitchFamily="34" charset="0"/>
-              <a:cs typeface="Arial" panose="020B0604020202020204" pitchFamily="34" charset="0"/>
-            </a:endParaRPr>
           </a:p>
           <a:p>
             <a:pPr marL="285750" lvl="0" indent="-285750">
@@ -13633,10 +14916,6 @@
               </a:rPr>
               <a:t>Nêu rõ khái niệm, điểm mạnh và yếu của Blockchain và hiểu thêm về giải pháp DNS phát triển bằng công nghệ Blockchain.</a:t>
             </a:r>
-            <a:endParaRPr lang="en-US" sz="1400" dirty="0">
-              <a:latin typeface="Arial" panose="020B0604020202020204" pitchFamily="34" charset="0"/>
-              <a:cs typeface="Arial" panose="020B0604020202020204" pitchFamily="34" charset="0"/>
-            </a:endParaRPr>
           </a:p>
           <a:p>
             <a:pPr marL="285750" lvl="0" indent="-285750">
@@ -13659,10 +14938,6 @@
               </a:rPr>
               <a:t>Xây dựng được và tái hiện hệ thống Blockchain DNS trên máy tính cá nhân. </a:t>
             </a:r>
-            <a:endParaRPr lang="en-US" sz="1400" dirty="0">
-              <a:latin typeface="Arial" panose="020B0604020202020204" pitchFamily="34" charset="0"/>
-              <a:cs typeface="Arial" panose="020B0604020202020204" pitchFamily="34" charset="0"/>
-            </a:endParaRPr>
           </a:p>
           <a:p>
             <a:pPr marL="285750" lvl="0" indent="-285750">
@@ -13711,10 +14986,6 @@
               </a:rPr>
               <a:t>Phần mềm tận dụng những DNS record kiểu cũ giúp việc kế thừa và chuyển hóa công nghệ dễ dàng.</a:t>
             </a:r>
-            <a:endParaRPr lang="en-US" sz="1400" dirty="0" smtClean="0">
-              <a:latin typeface="Arial" panose="020B0604020202020204" pitchFamily="34" charset="0"/>
-              <a:cs typeface="Arial" panose="020B0604020202020204" pitchFamily="34" charset="0"/>
-            </a:endParaRPr>
           </a:p>
           <a:p>
             <a:pPr marL="285750" lvl="0" indent="-285750">
@@ -13737,10 +15008,6 @@
               </a:rPr>
               <a:t>Áp dụng DNS Server cho máy tính cá nhân có hệ điều hành không phải Windows Server.</a:t>
             </a:r>
-            <a:endParaRPr lang="en-US" sz="1400" dirty="0" smtClean="0">
-              <a:latin typeface="Arial" panose="020B0604020202020204" pitchFamily="34" charset="0"/>
-              <a:cs typeface="Arial" panose="020B0604020202020204" pitchFamily="34" charset="0"/>
-            </a:endParaRPr>
           </a:p>
           <a:p>
             <a:pPr marL="285750" lvl="0" indent="-285750">
@@ -14103,7 +15370,7 @@
 </p:sld>
 </file>
 
-<file path=ppt/slides/slide16.xml><?xml version="1.0" encoding="utf-8"?>
+<file path=ppt/slides/slide17.xml><?xml version="1.0" encoding="utf-8"?>
 <p:sld xmlns:a="http://schemas.openxmlformats.org/drawingml/2006/main" xmlns:r="http://schemas.openxmlformats.org/officeDocument/2006/relationships" xmlns:p="http://schemas.openxmlformats.org/presentationml/2006/main">
   <p:cSld>
     <p:spTree>
@@ -14173,6 +15440,7 @@
           <a:p>
             <a:fld id="{040DEF24-717E-4741-8753-F7E431A261E5}" type="slidenum">
               <a:rPr lang="en-US" smtClean="0"/>
+              <a:t>17</a:t>
             </a:fld>
             <a:endParaRPr lang="en-US"/>
           </a:p>
@@ -14231,16 +15499,6 @@
               </a:rPr>
               <a:t>tài còn có những hạn chế nhất định sau đây:</a:t>
             </a:r>
-            <a:endParaRPr lang="en-US" sz="2400" b="1" dirty="0">
-              <a:solidFill>
-                <a:schemeClr val="accent2">
-                  <a:lumMod val="50000"/>
-                </a:schemeClr>
-              </a:solidFill>
-              <a:latin typeface="Roboto" panose="02000000000000000000" pitchFamily="2" charset="0"/>
-              <a:ea typeface="Roboto" panose="02000000000000000000" pitchFamily="2" charset="0"/>
-              <a:cs typeface="Arial" panose="020B0604020202020204" pitchFamily="34" charset="0"/>
-            </a:endParaRPr>
           </a:p>
           <a:p>
             <a:pPr marL="285750" lvl="0" indent="-285750">
@@ -14304,10 +15562,6 @@
               </a:rPr>
               <a:t>wifi. </a:t>
             </a:r>
-            <a:endParaRPr lang="en-US" sz="1400" dirty="0">
-              <a:latin typeface="Arial" panose="020B0604020202020204" pitchFamily="34" charset="0"/>
-              <a:cs typeface="Arial" panose="020B0604020202020204" pitchFamily="34" charset="0"/>
-            </a:endParaRPr>
           </a:p>
           <a:p>
             <a:pPr marL="285750" lvl="0" indent="-285750">
@@ -14371,10 +15625,6 @@
               </a:rPr>
               <a:t>Ở đề tài, mô hình này đã đạt được những điều cơ bản của hệ thống Blockchain thông thường nhưng thiếu một số bước kiểm soát tính chất hợp lệ của giao dịch.</a:t>
             </a:r>
-            <a:endParaRPr lang="en-US" sz="1400" dirty="0">
-              <a:latin typeface="Arial" panose="020B0604020202020204" pitchFamily="34" charset="0"/>
-              <a:cs typeface="Arial" panose="020B0604020202020204" pitchFamily="34" charset="0"/>
-            </a:endParaRPr>
           </a:p>
           <a:p>
             <a:pPr marL="285750" lvl="0" indent="-285750">
@@ -14401,10 +15651,6 @@
               </a:rPr>
               <a:t>.</a:t>
             </a:r>
-            <a:endParaRPr lang="en-US" sz="1400" dirty="0" smtClean="0">
-              <a:latin typeface="Arial" panose="020B0604020202020204" pitchFamily="34" charset="0"/>
-              <a:cs typeface="Arial" panose="020B0604020202020204" pitchFamily="34" charset="0"/>
-            </a:endParaRPr>
           </a:p>
           <a:p>
             <a:pPr lvl="0">
@@ -14439,16 +15685,6 @@
               </a:rPr>
               <a:t>Các hướng mở rộng sẽ phần lớn nhắm vào hạn chế đã nêu trên như sau :</a:t>
             </a:r>
-            <a:endParaRPr lang="en-US" sz="2400" b="1" dirty="0">
-              <a:solidFill>
-                <a:schemeClr val="accent2">
-                  <a:lumMod val="50000"/>
-                </a:schemeClr>
-              </a:solidFill>
-              <a:latin typeface="Roboto" panose="02000000000000000000" pitchFamily="2" charset="0"/>
-              <a:ea typeface="Roboto" panose="02000000000000000000" pitchFamily="2" charset="0"/>
-              <a:cs typeface="Arial" panose="020B0604020202020204" pitchFamily="34" charset="0"/>
-            </a:endParaRPr>
           </a:p>
           <a:p>
             <a:pPr marL="285750" lvl="0" indent="-285750">
@@ -14468,10 +15704,6 @@
               </a:rPr>
               <a:t>Phát triển thêm hệ thống Blockchain về mặt bảo mật giao dịch bằng chữ kí số hay các giải pháp bảo mật khác ở hiện tại.</a:t>
             </a:r>
-            <a:endParaRPr lang="en-US" sz="1400" dirty="0">
-              <a:latin typeface="Arial" panose="020B0604020202020204" pitchFamily="34" charset="0"/>
-              <a:cs typeface="Arial" panose="020B0604020202020204" pitchFamily="34" charset="0"/>
-            </a:endParaRPr>
           </a:p>
           <a:p>
             <a:pPr marL="285750" lvl="0" indent="-285750">
@@ -14491,10 +15723,6 @@
               </a:rPr>
               <a:t>Đưa nhiều lựa chọn hơn trên giao diện giao tiếp người dùng, cho phép nhiều loại người dùng khác nhau trở thành Miner và trả công qua ví điện tử thật.</a:t>
             </a:r>
-            <a:endParaRPr lang="en-US" sz="1400" dirty="0">
-              <a:latin typeface="Arial" panose="020B0604020202020204" pitchFamily="34" charset="0"/>
-              <a:cs typeface="Arial" panose="020B0604020202020204" pitchFamily="34" charset="0"/>
-            </a:endParaRPr>
           </a:p>
           <a:p>
             <a:pPr marL="285750" lvl="0" indent="-285750">
@@ -14514,10 +15742,6 @@
               </a:rPr>
               <a:t>Giao diện và ứng dụng được áp dụng ở nhiều môi trường khác nhau kể cả điện thoại. </a:t>
             </a:r>
-            <a:endParaRPr lang="en-US" sz="1400" dirty="0">
-              <a:latin typeface="Arial" panose="020B0604020202020204" pitchFamily="34" charset="0"/>
-              <a:cs typeface="Arial" panose="020B0604020202020204" pitchFamily="34" charset="0"/>
-            </a:endParaRPr>
           </a:p>
         </p:txBody>
       </p:sp>
@@ -14740,7 +15964,7 @@
 </p:sld>
 </file>
 
-<file path=ppt/slides/slide17.xml><?xml version="1.0" encoding="utf-8"?>
+<file path=ppt/slides/slide18.xml><?xml version="1.0" encoding="utf-8"?>
 <p:sld xmlns:a="http://schemas.openxmlformats.org/drawingml/2006/main" xmlns:r="http://schemas.openxmlformats.org/officeDocument/2006/relationships" xmlns:p="http://schemas.openxmlformats.org/presentationml/2006/main">
   <p:cSld>
     <p:spTree>
@@ -14898,13 +16122,6 @@
                 </a:rPr>
                 <a:t>YOU</a:t>
               </a:r>
-              <a:endParaRPr lang="en-US" sz="7500" i="1" dirty="0">
-                <a:solidFill>
-                  <a:srgbClr val="CE2127"/>
-                </a:solidFill>
-                <a:latin typeface="Roboto Black" panose="02000000000000000000" pitchFamily="2" charset="0"/>
-                <a:ea typeface="Roboto Black" panose="02000000000000000000" pitchFamily="2" charset="0"/>
-              </a:endParaRPr>
             </a:p>
           </p:txBody>
         </p:sp>
@@ -15020,6 +16237,7 @@
           <a:p>
             <a:fld id="{040DEF24-717E-4741-8753-F7E431A261E5}" type="slidenum">
               <a:rPr lang="en-US" smtClean="0"/>
+              <a:t>18</a:t>
             </a:fld>
             <a:endParaRPr lang="en-US"/>
           </a:p>
@@ -15315,16 +16533,6 @@
               </a:rPr>
               <a:t>Lý thuyết</a:t>
             </a:r>
-            <a:endParaRPr lang="en-US" sz="2400" b="1" dirty="0" smtClean="0">
-              <a:solidFill>
-                <a:schemeClr val="accent2">
-                  <a:lumMod val="50000"/>
-                </a:schemeClr>
-              </a:solidFill>
-              <a:latin typeface="Arial" panose="020B0604020202020204" pitchFamily="34" charset="0"/>
-              <a:ea typeface="Roboto" panose="02000000000000000000" pitchFamily="2" charset="0"/>
-              <a:cs typeface="Arial" panose="020B0604020202020204" pitchFamily="34" charset="0"/>
-            </a:endParaRPr>
           </a:p>
           <a:p>
             <a:pPr>
@@ -15609,16 +16817,6 @@
               </a:rPr>
               <a:t>Thực hành</a:t>
             </a:r>
-            <a:endParaRPr lang="en-US" sz="2400" b="1" dirty="0" smtClean="0">
-              <a:solidFill>
-                <a:schemeClr val="accent2">
-                  <a:lumMod val="50000"/>
-                </a:schemeClr>
-              </a:solidFill>
-              <a:latin typeface="Arial" panose="020B0604020202020204" pitchFamily="34" charset="0"/>
-              <a:ea typeface="Roboto" panose="02000000000000000000" pitchFamily="2" charset="0"/>
-              <a:cs typeface="Arial" panose="020B0604020202020204" pitchFamily="34" charset="0"/>
-            </a:endParaRPr>
           </a:p>
           <a:p>
             <a:pPr>
@@ -16111,7 +17309,7 @@
             <a:r>
               <a:rPr lang="en-US" sz="4000" b="1" spc="50" dirty="0" smtClean="0">
                 <a:blipFill>
-                  <a:blip r:embed="rId1">
+                  <a:blip r:embed="rId2">
                     <a:extLst>
                       <a:ext uri="{28A0092B-C50C-407E-A947-70E740481C1C}">
                         <a14:useLocalDpi xmlns:a14="http://schemas.microsoft.com/office/drawing/2010/main" val="0"/>
@@ -16291,7 +17489,7 @@
           <p:nvPr/>
         </p:nvPicPr>
         <p:blipFill>
-          <a:blip r:embed="rId2">
+          <a:blip r:embed="rId3">
             <a:extLst>
               <a:ext uri="{28A0092B-C50C-407E-A947-70E740481C1C}">
                 <a14:useLocalDpi xmlns:a14="http://schemas.microsoft.com/office/drawing/2010/main" val="0"/>
@@ -16370,10 +17568,6 @@
               </a:rPr>
               <a:t>cryptoms.fr </a:t>
             </a:r>
-            <a:endParaRPr lang="en-US" sz="1600" i="1" dirty="0" smtClean="0">
-              <a:latin typeface="Arial" panose="020B0604020202020204" pitchFamily="34" charset="0"/>
-              <a:cs typeface="Arial" panose="020B0604020202020204" pitchFamily="34" charset="0"/>
-            </a:endParaRPr>
           </a:p>
           <a:p>
             <a:pPr marL="342900" indent="-342900" algn="just">
@@ -16396,13 +17590,6 @@
               </a:rPr>
               <a:t>Máy tính trước khi gửi đi,DNS resolver sẽ kiểm tra domain trong Web cache hoặc DNS cache để trả lại kết quả.</a:t>
             </a:r>
-            <a:endParaRPr lang="en-US" sz="1400" dirty="0" smtClean="0">
-              <a:solidFill>
-                <a:srgbClr val="002060"/>
-              </a:solidFill>
-              <a:latin typeface="Arial" panose="020B0604020202020204" pitchFamily="34" charset="0"/>
-              <a:cs typeface="Arial" panose="020B0604020202020204" pitchFamily="34" charset="0"/>
-            </a:endParaRPr>
           </a:p>
           <a:p>
             <a:pPr marL="342900" lvl="0" indent="-342900" algn="just">
@@ -16425,13 +17612,6 @@
               </a:rPr>
               <a:t>Nếu không có kết quả, DR sẽ hỏi tên miền mức ROOT chỉ cho máy chủ tên miền cục bộ địa chỉ mà nó quản lý có đuôi “.fr”. </a:t>
             </a:r>
-            <a:endParaRPr lang="en-US" sz="1400" dirty="0" smtClean="0">
-              <a:solidFill>
-                <a:srgbClr val="002060"/>
-              </a:solidFill>
-              <a:latin typeface="Arial" panose="020B0604020202020204" pitchFamily="34" charset="0"/>
-              <a:cs typeface="Arial" panose="020B0604020202020204" pitchFamily="34" charset="0"/>
-            </a:endParaRPr>
           </a:p>
           <a:p>
             <a:pPr marL="342900" lvl="0" indent="-342900" algn="just">
@@ -16464,13 +17644,6 @@
               </a:rPr>
               <a:t>gửi yêu cầu đến máy chủ quản lý tên miền Pháp “.fr” tìm tên miền cryptoms.fr. </a:t>
             </a:r>
-            <a:endParaRPr lang="en-US" sz="1400" dirty="0">
-              <a:solidFill>
-                <a:srgbClr val="002060"/>
-              </a:solidFill>
-              <a:latin typeface="Arial" panose="020B0604020202020204" pitchFamily="34" charset="0"/>
-              <a:cs typeface="Arial" panose="020B0604020202020204" pitchFamily="34" charset="0"/>
-            </a:endParaRPr>
           </a:p>
           <a:p>
             <a:pPr marL="342900" lvl="0" indent="-342900" algn="just">
@@ -16560,13 +17733,6 @@
               </a:rPr>
               <a:t>dùng sử dụng địa chỉ IP này kết nối đến server chứa website có địa chỉ “cryptoms.fr”.</a:t>
             </a:r>
-            <a:endParaRPr lang="en-US" sz="1400" b="1" dirty="0">
-              <a:solidFill>
-                <a:srgbClr val="002060"/>
-              </a:solidFill>
-              <a:latin typeface="Arial" panose="020B0604020202020204" pitchFamily="34" charset="0"/>
-              <a:cs typeface="Arial" panose="020B0604020202020204" pitchFamily="34" charset="0"/>
-            </a:endParaRPr>
           </a:p>
           <a:p>
             <a:pPr marL="342900" lvl="0" indent="-342900" algn="just">
@@ -16626,10 +17792,6 @@
               </a:rPr>
               <a:t>resolver – DR – Máy chủ phân giải tên miền cục bộ </a:t>
             </a:r>
-            <a:endParaRPr lang="en-US" sz="1200" dirty="0">
-              <a:latin typeface="Arial" panose="020B0604020202020204" pitchFamily="34" charset="0"/>
-              <a:cs typeface="Arial" panose="020B0604020202020204" pitchFamily="34" charset="0"/>
-            </a:endParaRPr>
           </a:p>
         </p:txBody>
       </p:sp>
@@ -16670,7 +17832,7 @@
               <p:nvPr/>
             </p:nvPicPr>
             <p:blipFill>
-              <a:blip r:embed="rId3"/>
+              <a:blip r:embed="rId4"/>
               <a:stretch>
                 <a:fillRect/>
               </a:stretch>
@@ -17506,6 +18668,7 @@
           <a:p>
             <a:fld id="{040DEF24-717E-4741-8753-F7E431A261E5}" type="slidenum">
               <a:rPr lang="en-US" smtClean="0"/>
+              <a:t>4</a:t>
             </a:fld>
             <a:endParaRPr lang="en-US" dirty="0"/>
           </a:p>
@@ -17588,7 +18751,7 @@
               <a:buNone/>
               <a:defRPr sz="5400" kern="1200" cap="all" baseline="0">
                 <a:blipFill>
-                  <a:blip r:embed="rId1">
+                  <a:blip r:embed="rId2">
                     <a:extLst>
                       <a:ext uri="{28A0092B-C50C-407E-A947-70E740481C1C}">
                         <a14:useLocalDpi xmlns:a14="http://schemas.microsoft.com/office/drawing/2010/main" val="0"/>
@@ -17612,7 +18775,7 @@
             <a:r>
               <a:rPr lang="en-US" sz="4000" b="1" spc="50" dirty="0" smtClean="0">
                 <a:blipFill>
-                  <a:blip r:embed="rId1">
+                  <a:blip r:embed="rId2">
                     <a:extLst>
                       <a:ext uri="{28A0092B-C50C-407E-A947-70E740481C1C}">
                         <a14:useLocalDpi xmlns:a14="http://schemas.microsoft.com/office/drawing/2010/main" val="0"/>
@@ -17626,20 +18789,6 @@
               </a:rPr>
               <a:t>Blockchain</a:t>
             </a:r>
-            <a:endParaRPr lang="en-US" sz="4000" b="1" spc="50" dirty="0" smtClean="0">
-              <a:blipFill>
-                <a:blip r:embed="rId1">
-                  <a:extLst>
-                    <a:ext uri="{28A0092B-C50C-407E-A947-70E740481C1C}">
-                      <a14:useLocalDpi xmlns:a14="http://schemas.microsoft.com/office/drawing/2010/main" val="0"/>
-                    </a:ext>
-                  </a:extLst>
-                </a:blip>
-                <a:tile tx="6350" ty="-127000" sx="65000" sy="64000" flip="none" algn="tl"/>
-              </a:blipFill>
-              <a:latin typeface="Times New Roman" panose="02020603050405020304" pitchFamily="18" charset="0"/>
-              <a:cs typeface="Times New Roman" panose="02020603050405020304" pitchFamily="18" charset="0"/>
-            </a:endParaRPr>
           </a:p>
         </p:txBody>
       </p:sp>
@@ -17741,10 +18890,6 @@
               </a:rPr>
               <a:t>block có hash khối hiện tại và khối trước là 0 và dữ liệu là null </a:t>
             </a:r>
-            <a:endParaRPr lang="en-US" sz="1400" dirty="0" smtClean="0">
-              <a:latin typeface="Arial" panose="020B0604020202020204" pitchFamily="34" charset="0"/>
-              <a:cs typeface="Arial" panose="020B0604020202020204" pitchFamily="34" charset="0"/>
-            </a:endParaRPr>
           </a:p>
         </p:txBody>
       </p:sp>
@@ -17757,7 +18902,7 @@
           <p:nvPr/>
         </p:nvPicPr>
         <p:blipFill>
-          <a:blip r:embed="rId2">
+          <a:blip r:embed="rId3">
             <a:extLst>
               <a:ext uri="{28A0092B-C50C-407E-A947-70E740481C1C}">
                 <a14:useLocalDpi xmlns:a14="http://schemas.microsoft.com/office/drawing/2010/main" val="0"/>
@@ -18005,14 +19150,6 @@
               </a:rPr>
               <a:t> </a:t>
             </a:r>
-            <a:endParaRPr lang="en-US" sz="1400" dirty="0">
-              <a:solidFill>
-                <a:schemeClr val="tx1"/>
-              </a:solidFill>
-              <a:latin typeface="Arial" panose="020B0604020202020204" pitchFamily="34" charset="0"/>
-              <a:ea typeface="Calibri" panose="020F0502020204030204" pitchFamily="34" charset="0"/>
-              <a:cs typeface="Arial" panose="020B0604020202020204" pitchFamily="34" charset="0"/>
-            </a:endParaRPr>
           </a:p>
         </p:txBody>
       </p:sp>
@@ -18082,14 +19219,6 @@
               </a:rPr>
               <a:t>chơi</a:t>
             </a:r>
-            <a:endParaRPr lang="en-US" sz="1400" b="1" dirty="0" smtClean="0">
-              <a:solidFill>
-                <a:schemeClr val="tx1"/>
-              </a:solidFill>
-              <a:latin typeface="Arial" panose="020B0604020202020204" pitchFamily="34" charset="0"/>
-              <a:ea typeface="Calibri" panose="020F0502020204030204" pitchFamily="34" charset="0"/>
-              <a:cs typeface="Arial" panose="020B0604020202020204" pitchFamily="34" charset="0"/>
-            </a:endParaRPr>
           </a:p>
           <a:p>
             <a:pPr lvl="0" algn="ctr"/>
@@ -18171,11 +19300,6 @@
               </a:rPr>
               <a:t> Các thông tin, dữ liệu trong Blockchain được phân tán và an toàn tuyệt đối.</a:t>
             </a:r>
-            <a:endParaRPr lang="en-US" sz="1400" dirty="0">
-              <a:latin typeface="Times New Roman" panose="02020603050405020304" pitchFamily="18" charset="0"/>
-              <a:ea typeface="Calibri" panose="020F0502020204030204" pitchFamily="34" charset="0"/>
-              <a:cs typeface="Times New Roman" panose="02020603050405020304" pitchFamily="18" charset="0"/>
-            </a:endParaRPr>
           </a:p>
         </p:txBody>
       </p:sp>
@@ -18230,11 +19354,6 @@
               </a:rPr>
               <a:t> dữ liệu trong Blockchain không thể sửa (có thể sửa nhưng sẽ để lại dấu vết) và sẽ lưu trữ mãi mãi.</a:t>
             </a:r>
-            <a:endParaRPr lang="en-US" sz="1400" dirty="0">
-              <a:latin typeface="Times New Roman" panose="02020603050405020304" pitchFamily="18" charset="0"/>
-              <a:ea typeface="Calibri" panose="020F0502020204030204" pitchFamily="34" charset="0"/>
-              <a:cs typeface="Times New Roman" panose="02020603050405020304" pitchFamily="18" charset="0"/>
-            </a:endParaRPr>
           </a:p>
         </p:txBody>
       </p:sp>
@@ -18286,11 +19405,6 @@
               </a:rPr>
               <a:t> Ai cũng có thể theo dõi dữ liệu Blockchain đi từ địa chỉ này tới địa chỉ khác và có thể thống kê toàn bộ lịch sử trên địa chỉ đó.</a:t>
             </a:r>
-            <a:endParaRPr lang="en-US" sz="1400" dirty="0">
-              <a:latin typeface="Times New Roman" panose="02020603050405020304" pitchFamily="18" charset="0"/>
-              <a:ea typeface="Calibri" panose="020F0502020204030204" pitchFamily="34" charset="0"/>
-              <a:cs typeface="Times New Roman" panose="02020603050405020304" pitchFamily="18" charset="0"/>
-            </a:endParaRPr>
           </a:p>
         </p:txBody>
       </p:sp>
@@ -18342,11 +19456,6 @@
               </a:rPr>
               <a:t> là hợp đồng kỹ thuật số được nhúng vào đoạn code if-this-then-that (IFTTT), cho phép chúng tự thực thi mà không cần bên thứ ba.</a:t>
             </a:r>
-            <a:endParaRPr lang="en-US" sz="1400" dirty="0">
-              <a:latin typeface="Times New Roman" panose="02020603050405020304" pitchFamily="18" charset="0"/>
-              <a:ea typeface="Calibri" panose="020F0502020204030204" pitchFamily="34" charset="0"/>
-              <a:cs typeface="Times New Roman" panose="02020603050405020304" pitchFamily="18" charset="0"/>
-            </a:endParaRPr>
           </a:p>
         </p:txBody>
       </p:sp>
@@ -18486,10 +19595,6 @@
                 </a:rPr>
                 <a:t>Genesis</a:t>
               </a:r>
-              <a:endParaRPr lang="en-US" sz="1200" dirty="0" smtClean="0">
-                <a:latin typeface="Arial" panose="020B0604020202020204" pitchFamily="34" charset="0"/>
-                <a:cs typeface="Arial" panose="020B0604020202020204" pitchFamily="34" charset="0"/>
-              </a:endParaRPr>
             </a:p>
             <a:p>
               <a:pPr algn="ctr"/>
@@ -18536,10 +19641,6 @@
                 </a:rPr>
                 <a:t>Hash:  0</a:t>
               </a:r>
-              <a:endParaRPr lang="en-US" sz="1100" dirty="0" smtClean="0">
-                <a:latin typeface="Arial" panose="020B0604020202020204" pitchFamily="34" charset="0"/>
-                <a:cs typeface="Arial" panose="020B0604020202020204" pitchFamily="34" charset="0"/>
-              </a:endParaRPr>
             </a:p>
           </p:txBody>
         </p:sp>
@@ -18678,10 +19779,6 @@
                 </a:rPr>
                 <a:t>Block 1</a:t>
               </a:r>
-              <a:endParaRPr lang="en-US" sz="1200" dirty="0" smtClean="0">
-                <a:latin typeface="Arial" panose="020B0604020202020204" pitchFamily="34" charset="0"/>
-                <a:cs typeface="Arial" panose="020B0604020202020204" pitchFamily="34" charset="0"/>
-              </a:endParaRPr>
             </a:p>
           </p:txBody>
         </p:sp>
@@ -18714,10 +19811,6 @@
                 </a:rPr>
                 <a:t>Previous Hash:  0</a:t>
               </a:r>
-              <a:endParaRPr lang="en-US" sz="1100" dirty="0" smtClean="0">
-                <a:latin typeface="Arial" panose="020B0604020202020204" pitchFamily="34" charset="0"/>
-                <a:cs typeface="Arial" panose="020B0604020202020204" pitchFamily="34" charset="0"/>
-              </a:endParaRPr>
             </a:p>
           </p:txBody>
         </p:sp>
@@ -18750,10 +19843,6 @@
                 </a:rPr>
                 <a:t>Hash:  000xxxxx</a:t>
               </a:r>
-              <a:endParaRPr lang="en-US" sz="1100" dirty="0" smtClean="0">
-                <a:latin typeface="Arial" panose="020B0604020202020204" pitchFamily="34" charset="0"/>
-                <a:cs typeface="Arial" panose="020B0604020202020204" pitchFamily="34" charset="0"/>
-              </a:endParaRPr>
             </a:p>
           </p:txBody>
         </p:sp>
@@ -20580,7 +21669,7 @@
         </p:nvSpPr>
         <p:spPr>
           <a:xfrm>
-            <a:off x="923290" y="283616"/>
+            <a:off x="1068869" y="224588"/>
             <a:ext cx="10058400" cy="677418"/>
           </a:xfrm>
         </p:spPr>
@@ -20591,16 +21680,12 @@
           <a:lstStyle/>
           <a:p>
             <a:r>
-              <a:rPr lang="en-US" sz="4000" b="1" spc="50" dirty="0" smtClean="0">
+              <a:rPr lang="en-US" sz="4000" b="1" spc="50" dirty="0">
                 <a:latin typeface="Times New Roman" panose="02020603050405020304" pitchFamily="18" charset="0"/>
                 <a:cs typeface="Times New Roman" panose="02020603050405020304" pitchFamily="18" charset="0"/>
               </a:rPr>
-              <a:t>TẠI SAO LÀ BLOCKCHAIN DNS ?</a:t>
-            </a:r>
-            <a:endParaRPr lang="en-US" sz="4000" b="1" spc="50" dirty="0">
-              <a:latin typeface="Times New Roman" panose="02020603050405020304" pitchFamily="18" charset="0"/>
-              <a:cs typeface="Times New Roman" panose="02020603050405020304" pitchFamily="18" charset="0"/>
-            </a:endParaRPr>
+              <a:t>so sánh 2 mô hình</a:t>
+            </a:r>
           </a:p>
         </p:txBody>
       </p:sp>
@@ -20674,368 +21759,89 @@
           </a:p>
         </p:txBody>
       </p:sp>
-      <p:sp>
-        <p:nvSpPr>
-          <p:cNvPr id="4" name="Text Box 3"/>
-          <p:cNvSpPr txBox="1"/>
+      <p:cxnSp>
+        <p:nvCxnSpPr>
+          <p:cNvPr id="4" name="Straight Connector 3"/>
+          <p:cNvCxnSpPr/>
           <p:nvPr/>
-        </p:nvSpPr>
+        </p:nvCxnSpPr>
         <p:spPr>
           <a:xfrm>
-            <a:off x="1235710" y="1652905"/>
-            <a:ext cx="10076180" cy="2030095"/>
+            <a:off x="993648" y="3936406"/>
+            <a:ext cx="10474452" cy="0"/>
+          </a:xfrm>
+          <a:prstGeom prst="line">
+            <a:avLst/>
+          </a:prstGeom>
+          <a:ln w="28575">
+            <a:solidFill>
+              <a:schemeClr val="tx1"/>
+            </a:solidFill>
+          </a:ln>
+        </p:spPr>
+        <p:style>
+          <a:lnRef idx="1">
+            <a:schemeClr val="accent1"/>
+          </a:lnRef>
+          <a:fillRef idx="0">
+            <a:schemeClr val="accent1"/>
+          </a:fillRef>
+          <a:effectRef idx="0">
+            <a:schemeClr val="accent1"/>
+          </a:effectRef>
+          <a:fontRef idx="minor">
+            <a:schemeClr val="tx1"/>
+          </a:fontRef>
+        </p:style>
+      </p:cxnSp>
+      <p:pic>
+        <p:nvPicPr>
+          <p:cNvPr id="10" name="Picture 9"/>
+          <p:cNvPicPr>
+            <a:picLocks noChangeAspect="1"/>
+          </p:cNvPicPr>
+          <p:nvPr/>
+        </p:nvPicPr>
+        <p:blipFill>
+          <a:blip r:embed="rId2"/>
+          <a:stretch>
+            <a:fillRect/>
+          </a:stretch>
+        </p:blipFill>
+        <p:spPr>
+          <a:xfrm>
+            <a:off x="1747390" y="4159791"/>
+            <a:ext cx="8701358" cy="2232633"/>
           </a:xfrm>
           <a:prstGeom prst="rect">
             <a:avLst/>
           </a:prstGeom>
-          <a:noFill/>
         </p:spPr>
-        <p:txBody>
-          <a:bodyPr wrap="square" rtlCol="0">
-            <a:spAutoFit/>
-          </a:bodyPr>
-          <a:lstStyle/>
-          <a:p>
-            <a:pPr algn="l">
-              <a:lnSpc>
-                <a:spcPct val="150000"/>
-              </a:lnSpc>
-            </a:pPr>
-            <a:r>
-              <a:rPr lang="en-US" sz="1400" dirty="0" smtClean="0">
-                <a:latin typeface="Arial" panose="020B0604020202020204" pitchFamily="34" charset="0"/>
-                <a:cs typeface="Arial" panose="020B0604020202020204" pitchFamily="34" charset="0"/>
-                <a:sym typeface="+mn-ea"/>
-              </a:rPr>
-              <a:t>DNS phụ thuộc vào sự kiểm soát của nhiều tổ chức nên người dùng có thể bị giới hạn quyền hạn do tổ chức đó quy định.</a:t>
-            </a:r>
-            <a:endParaRPr lang="en-US" sz="1400" dirty="0" smtClean="0">
-              <a:latin typeface="Arial" panose="020B0604020202020204" pitchFamily="34" charset="0"/>
-              <a:cs typeface="Arial" panose="020B0604020202020204" pitchFamily="34" charset="0"/>
-              <a:sym typeface="+mn-ea"/>
-            </a:endParaRPr>
-          </a:p>
-          <a:p>
-            <a:pPr algn="l">
-              <a:lnSpc>
-                <a:spcPct val="150000"/>
-              </a:lnSpc>
-            </a:pPr>
-            <a:r>
-              <a:rPr lang="en-US" sz="1400" dirty="0" smtClean="0">
-                <a:latin typeface="Arial" panose="020B0604020202020204" pitchFamily="34" charset="0"/>
-                <a:cs typeface="Arial" panose="020B0604020202020204" pitchFamily="34" charset="0"/>
-                <a:sym typeface="+mn-ea"/>
-              </a:rPr>
-              <a:t>Nhiều hacker nhắm vào DNS nên vấn đề bảo mật phải đáp ứng với công nghệ hiện tại.</a:t>
-            </a:r>
-            <a:endParaRPr lang="en-US" sz="1400" dirty="0" smtClean="0">
-              <a:latin typeface="Arial" panose="020B0604020202020204" pitchFamily="34" charset="0"/>
-              <a:cs typeface="Arial" panose="020B0604020202020204" pitchFamily="34" charset="0"/>
-              <a:sym typeface="+mn-ea"/>
-            </a:endParaRPr>
-          </a:p>
-          <a:p>
-            <a:pPr algn="l">
-              <a:lnSpc>
-                <a:spcPct val="150000"/>
-              </a:lnSpc>
-            </a:pPr>
-            <a:r>
-              <a:rPr lang="en-US" sz="1400" dirty="0" smtClean="0">
-                <a:latin typeface="Arial" panose="020B0604020202020204" pitchFamily="34" charset="0"/>
-                <a:cs typeface="Arial" panose="020B0604020202020204" pitchFamily="34" charset="0"/>
-                <a:sym typeface="+mn-ea"/>
-              </a:rPr>
-              <a:t>DNS queries thường không mang bất kì thông tin về client khởi tạo nó.</a:t>
-            </a:r>
-            <a:endParaRPr lang="en-US" sz="1400" dirty="0" smtClean="0">
-              <a:latin typeface="Arial" panose="020B0604020202020204" pitchFamily="34" charset="0"/>
-              <a:cs typeface="Arial" panose="020B0604020202020204" pitchFamily="34" charset="0"/>
-              <a:sym typeface="+mn-ea"/>
-            </a:endParaRPr>
-          </a:p>
-          <a:p>
-            <a:pPr algn="l">
-              <a:lnSpc>
-                <a:spcPct val="150000"/>
-              </a:lnSpc>
-            </a:pPr>
-            <a:r>
-              <a:rPr lang="en-US" sz="1400" dirty="0" smtClean="0">
-                <a:latin typeface="Arial" panose="020B0604020202020204" pitchFamily="34" charset="0"/>
-                <a:cs typeface="Arial" panose="020B0604020202020204" pitchFamily="34" charset="0"/>
-                <a:sym typeface="+mn-ea"/>
-              </a:rPr>
-              <a:t>Root Server tự chủ nhưng muốn cập nhật phải được chấp thuận bởi tổ chức phi lợi nhuận ICANN - </a:t>
-            </a:r>
-            <a:r>
-              <a:rPr lang="en-US" sz="1400" dirty="0">
-                <a:latin typeface="Arial" panose="020B0604020202020204" pitchFamily="34" charset="0"/>
-                <a:cs typeface="Arial" panose="020B0604020202020204" pitchFamily="34" charset="0"/>
-              </a:rPr>
-              <a:t>Internet </a:t>
-            </a:r>
-            <a:r>
-              <a:rPr lang="en-US" sz="1400" dirty="0">
-                <a:latin typeface="Arial" panose="020B0604020202020204" pitchFamily="34" charset="0"/>
-                <a:cs typeface="Arial" panose="020B0604020202020204" pitchFamily="34" charset="0"/>
-              </a:rPr>
-              <a:t>Corporation for Assigned Names and </a:t>
-            </a:r>
-            <a:r>
-              <a:rPr lang="en-US" sz="1400" dirty="0" smtClean="0">
-                <a:latin typeface="Arial" panose="020B0604020202020204" pitchFamily="34" charset="0"/>
-                <a:cs typeface="Arial" panose="020B0604020202020204" pitchFamily="34" charset="0"/>
-              </a:rPr>
-              <a:t>Numbers, thông qua nhiều bước nhiều thủ tục và chịu nhiều mức phí.</a:t>
-            </a:r>
-            <a:endParaRPr lang="en-US" sz="1400" dirty="0" smtClean="0">
-              <a:latin typeface="Arial" panose="020B0604020202020204" pitchFamily="34" charset="0"/>
-              <a:cs typeface="Arial" panose="020B0604020202020204" pitchFamily="34" charset="0"/>
-            </a:endParaRPr>
-          </a:p>
-          <a:p>
-            <a:pPr>
-              <a:lnSpc>
-                <a:spcPct val="150000"/>
-              </a:lnSpc>
-            </a:pPr>
-            <a:r>
-              <a:rPr lang="en-US" sz="1400" dirty="0" smtClean="0">
-                <a:latin typeface="Arial" panose="020B0604020202020204" pitchFamily="34" charset="0"/>
-                <a:cs typeface="Arial" panose="020B0604020202020204" pitchFamily="34" charset="0"/>
-              </a:rPr>
-              <a:t>Khi một Root Server hư hại, kĩ thuật anycast sẽ được áp dụng để duy trì kết nối nhưng sẽ ảnh hưởng đến quyền lợi truy cập.</a:t>
-            </a:r>
-            <a:endParaRPr lang="en-US" sz="1400" dirty="0">
-              <a:latin typeface="Arial" panose="020B0604020202020204" pitchFamily="34" charset="0"/>
-              <a:cs typeface="Arial" panose="020B0604020202020204" pitchFamily="34" charset="0"/>
-            </a:endParaRPr>
-          </a:p>
-        </p:txBody>
-      </p:sp>
-      <p:sp>
-        <p:nvSpPr>
-          <p:cNvPr id="8" name="Text Box 7"/>
-          <p:cNvSpPr txBox="1"/>
+      </p:pic>
+      <p:pic>
+        <p:nvPicPr>
+          <p:cNvPr id="12" name="Picture 11"/>
+          <p:cNvPicPr>
+            <a:picLocks noChangeAspect="1"/>
+          </p:cNvPicPr>
           <p:nvPr/>
-        </p:nvSpPr>
+        </p:nvPicPr>
+        <p:blipFill>
+          <a:blip r:embed="rId3"/>
+          <a:stretch>
+            <a:fillRect/>
+          </a:stretch>
+        </p:blipFill>
         <p:spPr>
           <a:xfrm>
-            <a:off x="1235710" y="1118829"/>
-            <a:ext cx="9433560" cy="534035"/>
+            <a:off x="2040560" y="829728"/>
+            <a:ext cx="8115018" cy="2994986"/>
           </a:xfrm>
           <a:prstGeom prst="rect">
             <a:avLst/>
           </a:prstGeom>
-          <a:noFill/>
         </p:spPr>
-        <p:txBody>
-          <a:bodyPr wrap="square" rtlCol="0">
-            <a:spAutoFit/>
-          </a:bodyPr>
-          <a:lstStyle/>
-          <a:p>
-            <a:pPr algn="l" fontAlgn="auto">
-              <a:lnSpc>
-                <a:spcPct val="120000"/>
-              </a:lnSpc>
-              <a:spcBef>
-                <a:spcPts val="0"/>
-              </a:spcBef>
-              <a:buClrTx/>
-              <a:buSzTx/>
-              <a:buFontTx/>
-            </a:pPr>
-            <a:r>
-              <a:rPr lang="en-US" sz="2400" b="1" dirty="0" smtClean="0">
-                <a:solidFill>
-                  <a:schemeClr val="accent2">
-                    <a:lumMod val="50000"/>
-                  </a:schemeClr>
-                </a:solidFill>
-                <a:latin typeface="Arial" panose="020B0604020202020204" pitchFamily="34" charset="0"/>
-                <a:ea typeface="Roboto" panose="02000000000000000000" pitchFamily="2" charset="0"/>
-                <a:cs typeface="Arial" panose="020B0604020202020204" pitchFamily="34" charset="0"/>
-              </a:rPr>
-              <a:t>Những vấn đề tồn tại ở hệ thống DNS hiện tại</a:t>
-            </a:r>
-            <a:endParaRPr lang="en-US" sz="2400" b="1" dirty="0" smtClean="0">
-              <a:solidFill>
-                <a:schemeClr val="accent2">
-                  <a:lumMod val="50000"/>
-                </a:schemeClr>
-              </a:solidFill>
-              <a:latin typeface="Arial" panose="020B0604020202020204" pitchFamily="34" charset="0"/>
-              <a:ea typeface="Roboto" panose="02000000000000000000" pitchFamily="2" charset="0"/>
-              <a:cs typeface="Arial" panose="020B0604020202020204" pitchFamily="34" charset="0"/>
-            </a:endParaRPr>
-          </a:p>
-        </p:txBody>
-      </p:sp>
-      <p:sp>
-        <p:nvSpPr>
-          <p:cNvPr id="9" name="Text Box 7"/>
-          <p:cNvSpPr txBox="1"/>
-          <p:nvPr/>
-        </p:nvSpPr>
-        <p:spPr>
-          <a:xfrm>
-            <a:off x="1235710" y="3813600"/>
-            <a:ext cx="9433560" cy="494751"/>
-          </a:xfrm>
-          <a:prstGeom prst="rect">
-            <a:avLst/>
-          </a:prstGeom>
-          <a:noFill/>
-        </p:spPr>
-        <p:txBody>
-          <a:bodyPr wrap="square" rtlCol="0">
-            <a:spAutoFit/>
-          </a:bodyPr>
-          <a:lstStyle/>
-          <a:p>
-            <a:pPr algn="l" fontAlgn="auto">
-              <a:lnSpc>
-                <a:spcPct val="120000"/>
-              </a:lnSpc>
-              <a:spcBef>
-                <a:spcPts val="0"/>
-              </a:spcBef>
-              <a:buClrTx/>
-              <a:buSzTx/>
-              <a:buFontTx/>
-            </a:pPr>
-            <a:r>
-              <a:rPr lang="en-US" sz="2400" b="1" dirty="0" smtClean="0">
-                <a:solidFill>
-                  <a:schemeClr val="accent2">
-                    <a:lumMod val="50000"/>
-                  </a:schemeClr>
-                </a:solidFill>
-                <a:latin typeface="Arial" panose="020B0604020202020204" pitchFamily="34" charset="0"/>
-                <a:ea typeface="Roboto" panose="02000000000000000000" pitchFamily="2" charset="0"/>
-                <a:cs typeface="Arial" panose="020B0604020202020204" pitchFamily="34" charset="0"/>
-              </a:rPr>
-              <a:t>Blockchain có những đặc điểm giải quyết được vấn đề trên</a:t>
-            </a:r>
-            <a:endParaRPr lang="en-US" sz="2400" b="1" dirty="0" smtClean="0">
-              <a:solidFill>
-                <a:schemeClr val="accent2">
-                  <a:lumMod val="50000"/>
-                </a:schemeClr>
-              </a:solidFill>
-              <a:latin typeface="Arial" panose="020B0604020202020204" pitchFamily="34" charset="0"/>
-              <a:ea typeface="Roboto" panose="02000000000000000000" pitchFamily="2" charset="0"/>
-              <a:cs typeface="Arial" panose="020B0604020202020204" pitchFamily="34" charset="0"/>
-            </a:endParaRPr>
-          </a:p>
-        </p:txBody>
-      </p:sp>
-      <p:sp>
-        <p:nvSpPr>
-          <p:cNvPr id="10" name="Text Box 3"/>
-          <p:cNvSpPr txBox="1"/>
-          <p:nvPr/>
-        </p:nvSpPr>
-        <p:spPr>
-          <a:xfrm>
-            <a:off x="1235710" y="4300220"/>
-            <a:ext cx="10074910" cy="1706880"/>
-          </a:xfrm>
-          <a:prstGeom prst="rect">
-            <a:avLst/>
-          </a:prstGeom>
-          <a:noFill/>
-        </p:spPr>
-        <p:txBody>
-          <a:bodyPr wrap="square" rtlCol="0">
-            <a:spAutoFit/>
-          </a:bodyPr>
-          <a:lstStyle/>
-          <a:p>
-            <a:pPr algn="l">
-              <a:lnSpc>
-                <a:spcPct val="150000"/>
-              </a:lnSpc>
-            </a:pPr>
-            <a:r>
-              <a:rPr lang="en-US" sz="1400" dirty="0" smtClean="0">
-                <a:latin typeface="Arial" panose="020B0604020202020204" pitchFamily="34" charset="0"/>
-                <a:cs typeface="Arial" panose="020B0604020202020204" pitchFamily="34" charset="0"/>
-                <a:sym typeface="+mn-ea"/>
-              </a:rPr>
-              <a:t>Trong Blockchain dữ liệu được lưu trữ dưới dạng transaction và block nên việc biết được chi tiết thông tin gửi đi rất đơn giản.</a:t>
-            </a:r>
-            <a:endParaRPr lang="en-US" sz="1400" dirty="0" smtClean="0">
-              <a:latin typeface="Arial" panose="020B0604020202020204" pitchFamily="34" charset="0"/>
-              <a:cs typeface="Arial" panose="020B0604020202020204" pitchFamily="34" charset="0"/>
-              <a:sym typeface="+mn-ea"/>
-            </a:endParaRPr>
-          </a:p>
-          <a:p>
-            <a:pPr algn="l">
-              <a:lnSpc>
-                <a:spcPct val="150000"/>
-              </a:lnSpc>
-            </a:pPr>
-            <a:r>
-              <a:rPr lang="en-US" sz="1400" dirty="0" smtClean="0">
-                <a:latin typeface="Arial" panose="020B0604020202020204" pitchFamily="34" charset="0"/>
-                <a:cs typeface="Arial" panose="020B0604020202020204" pitchFamily="34" charset="0"/>
-                <a:sym typeface="+mn-ea"/>
-              </a:rPr>
-              <a:t>Blockchain có tính chất của mạng ngang hàng giúp lưu trữ và cập nhật ngay lập tức khi có thay đổi hợp lệ.</a:t>
-            </a:r>
-            <a:endParaRPr lang="en-US" sz="1400" dirty="0" smtClean="0">
-              <a:latin typeface="Arial" panose="020B0604020202020204" pitchFamily="34" charset="0"/>
-              <a:cs typeface="Arial" panose="020B0604020202020204" pitchFamily="34" charset="0"/>
-              <a:sym typeface="+mn-ea"/>
-            </a:endParaRPr>
-          </a:p>
-          <a:p>
-            <a:pPr algn="l">
-              <a:lnSpc>
-                <a:spcPct val="150000"/>
-              </a:lnSpc>
-            </a:pPr>
-            <a:r>
-              <a:rPr lang="en-US" sz="1400" dirty="0" smtClean="0">
-                <a:latin typeface="Arial" panose="020B0604020202020204" pitchFamily="34" charset="0"/>
-                <a:cs typeface="Arial" panose="020B0604020202020204" pitchFamily="34" charset="0"/>
-                <a:sym typeface="+mn-ea"/>
-              </a:rPr>
-              <a:t>Blockchain gần như ít cần sự can thiệp của con người, không cần phí trung gian, hạn chế các thủ tục nhưng vẫn đảm bảo hoạt động an toàn và ổn định.</a:t>
-            </a:r>
-            <a:endParaRPr lang="en-US" sz="1400" dirty="0" smtClean="0">
-              <a:latin typeface="Arial" panose="020B0604020202020204" pitchFamily="34" charset="0"/>
-              <a:cs typeface="Arial" panose="020B0604020202020204" pitchFamily="34" charset="0"/>
-              <a:sym typeface="+mn-ea"/>
-            </a:endParaRPr>
-          </a:p>
-          <a:p>
-            <a:pPr algn="l">
-              <a:lnSpc>
-                <a:spcPct val="150000"/>
-              </a:lnSpc>
-            </a:pPr>
-            <a:r>
-              <a:rPr lang="en-US" sz="1400" dirty="0" smtClean="0">
-                <a:latin typeface="Arial" panose="020B0604020202020204" pitchFamily="34" charset="0"/>
-                <a:cs typeface="Arial" panose="020B0604020202020204" pitchFamily="34" charset="0"/>
-                <a:sym typeface="+mn-ea"/>
-              </a:rPr>
-              <a:t>Blockchain cho người dùng quan sát các giao dịch xảy ra mà không cần nắm giữ quyền trong blockchain.</a:t>
-            </a:r>
-            <a:endParaRPr lang="en-US" sz="1400" dirty="0" smtClean="0">
-              <a:latin typeface="Arial" panose="020B0604020202020204" pitchFamily="34" charset="0"/>
-              <a:cs typeface="Arial" panose="020B0604020202020204" pitchFamily="34" charset="0"/>
-              <a:sym typeface="+mn-ea"/>
-            </a:endParaRPr>
-          </a:p>
-        </p:txBody>
-      </p:sp>
+      </p:pic>
     </p:spTree>
   </p:cSld>
   <p:clrMapOvr>
@@ -21201,7 +22007,7 @@
         </p:nvSpPr>
         <p:spPr>
           <a:xfrm>
-            <a:off x="1060323" y="246508"/>
+            <a:off x="923290" y="283616"/>
             <a:ext cx="10058400" cy="677418"/>
           </a:xfrm>
         </p:spPr>
@@ -21212,11 +22018,11 @@
           <a:lstStyle/>
           <a:p>
             <a:r>
-              <a:rPr lang="en-US" sz="4000" b="1" spc="50" dirty="0">
+              <a:rPr lang="en-US" sz="4000" b="1" spc="50" dirty="0" smtClean="0">
                 <a:latin typeface="Times New Roman" panose="02020603050405020304" pitchFamily="18" charset="0"/>
                 <a:cs typeface="Times New Roman" panose="02020603050405020304" pitchFamily="18" charset="0"/>
               </a:rPr>
-              <a:t>so sánh 2 mô hình</a:t>
+              <a:t>TẠI SAO LÀ BLOCKCHAIN DNS ?</a:t>
             </a:r>
             <a:endParaRPr lang="en-US" sz="4000" b="1" spc="50" dirty="0">
               <a:latin typeface="Times New Roman" panose="02020603050405020304" pitchFamily="18" charset="0"/>
@@ -21295,36 +22101,302 @@
           </a:p>
         </p:txBody>
       </p:sp>
-      <p:cxnSp>
-        <p:nvCxnSpPr>
-          <p:cNvPr id="4" name="Straight Connector 3"/>
-          <p:cNvCxnSpPr/>
+      <p:sp>
+        <p:nvSpPr>
+          <p:cNvPr id="4" name="Text Box 3"/>
+          <p:cNvSpPr txBox="1"/>
           <p:nvPr/>
-        </p:nvCxnSpPr>
+        </p:nvSpPr>
         <p:spPr>
           <a:xfrm>
-            <a:off x="993648" y="3543300"/>
-            <a:ext cx="10474452" cy="0"/>
+            <a:off x="1235710" y="1652905"/>
+            <a:ext cx="10076180" cy="2030095"/>
           </a:xfrm>
-          <a:prstGeom prst="line">
+          <a:prstGeom prst="rect">
             <a:avLst/>
           </a:prstGeom>
+          <a:noFill/>
         </p:spPr>
-        <p:style>
-          <a:lnRef idx="1">
-            <a:schemeClr val="accent1"/>
-          </a:lnRef>
-          <a:fillRef idx="0">
-            <a:schemeClr val="accent1"/>
-          </a:fillRef>
-          <a:effectRef idx="0">
-            <a:schemeClr val="accent1"/>
-          </a:effectRef>
-          <a:fontRef idx="minor">
-            <a:schemeClr val="tx1"/>
-          </a:fontRef>
-        </p:style>
-      </p:cxnSp>
+        <p:txBody>
+          <a:bodyPr wrap="square" rtlCol="0">
+            <a:spAutoFit/>
+          </a:bodyPr>
+          <a:lstStyle/>
+          <a:p>
+            <a:pPr algn="l">
+              <a:lnSpc>
+                <a:spcPct val="150000"/>
+              </a:lnSpc>
+            </a:pPr>
+            <a:r>
+              <a:rPr lang="en-US" sz="1400" dirty="0" smtClean="0">
+                <a:latin typeface="Arial" panose="020B0604020202020204" pitchFamily="34" charset="0"/>
+                <a:cs typeface="Arial" panose="020B0604020202020204" pitchFamily="34" charset="0"/>
+                <a:sym typeface="+mn-ea"/>
+              </a:rPr>
+              <a:t>DNS phụ thuộc vào sự kiểm soát của nhiều tổ chức nên người dùng có thể bị giới hạn quyền hạn do tổ chức đó quy định.</a:t>
+            </a:r>
+          </a:p>
+          <a:p>
+            <a:pPr algn="l">
+              <a:lnSpc>
+                <a:spcPct val="150000"/>
+              </a:lnSpc>
+            </a:pPr>
+            <a:r>
+              <a:rPr lang="en-US" sz="1400" dirty="0" smtClean="0">
+                <a:latin typeface="Arial" panose="020B0604020202020204" pitchFamily="34" charset="0"/>
+                <a:cs typeface="Arial" panose="020B0604020202020204" pitchFamily="34" charset="0"/>
+                <a:sym typeface="+mn-ea"/>
+              </a:rPr>
+              <a:t>Nhiều hacker nhắm vào DNS nên vấn đề bảo mật phải đáp ứng với công nghệ hiện tại.</a:t>
+            </a:r>
+          </a:p>
+          <a:p>
+            <a:pPr algn="l">
+              <a:lnSpc>
+                <a:spcPct val="150000"/>
+              </a:lnSpc>
+            </a:pPr>
+            <a:r>
+              <a:rPr lang="en-US" sz="1400" dirty="0" smtClean="0">
+                <a:latin typeface="Arial" panose="020B0604020202020204" pitchFamily="34" charset="0"/>
+                <a:cs typeface="Arial" panose="020B0604020202020204" pitchFamily="34" charset="0"/>
+                <a:sym typeface="+mn-ea"/>
+              </a:rPr>
+              <a:t>DNS queries thường không mang bất kì thông tin về client khởi tạo nó.</a:t>
+            </a:r>
+          </a:p>
+          <a:p>
+            <a:pPr algn="l">
+              <a:lnSpc>
+                <a:spcPct val="150000"/>
+              </a:lnSpc>
+            </a:pPr>
+            <a:r>
+              <a:rPr lang="en-US" sz="1400" dirty="0" smtClean="0">
+                <a:latin typeface="Arial" panose="020B0604020202020204" pitchFamily="34" charset="0"/>
+                <a:cs typeface="Arial" panose="020B0604020202020204" pitchFamily="34" charset="0"/>
+                <a:sym typeface="+mn-ea"/>
+              </a:rPr>
+              <a:t>Root Server tự chủ nhưng muốn cập nhật phải được chấp thuận bởi tổ chức phi lợi nhuận ICANN - </a:t>
+            </a:r>
+            <a:r>
+              <a:rPr lang="en-US" sz="1400" dirty="0">
+                <a:latin typeface="Arial" panose="020B0604020202020204" pitchFamily="34" charset="0"/>
+                <a:cs typeface="Arial" panose="020B0604020202020204" pitchFamily="34" charset="0"/>
+              </a:rPr>
+              <a:t>Internet Corporation for Assigned Names and </a:t>
+            </a:r>
+            <a:r>
+              <a:rPr lang="en-US" sz="1400" dirty="0" smtClean="0">
+                <a:latin typeface="Arial" panose="020B0604020202020204" pitchFamily="34" charset="0"/>
+                <a:cs typeface="Arial" panose="020B0604020202020204" pitchFamily="34" charset="0"/>
+              </a:rPr>
+              <a:t>Numbers, thông qua nhiều bước nhiều thủ tục và chịu nhiều mức phí.</a:t>
+            </a:r>
+          </a:p>
+          <a:p>
+            <a:pPr>
+              <a:lnSpc>
+                <a:spcPct val="150000"/>
+              </a:lnSpc>
+            </a:pPr>
+            <a:r>
+              <a:rPr lang="en-US" sz="1400" dirty="0" smtClean="0">
+                <a:latin typeface="Arial" panose="020B0604020202020204" pitchFamily="34" charset="0"/>
+                <a:cs typeface="Arial" panose="020B0604020202020204" pitchFamily="34" charset="0"/>
+              </a:rPr>
+              <a:t>Khi một Root Server hư hại, kĩ thuật anycast sẽ được áp dụng để duy trì kết nối nhưng sẽ ảnh hưởng đến quyền lợi truy cập.</a:t>
+            </a:r>
+            <a:endParaRPr lang="en-US" sz="1400" dirty="0">
+              <a:latin typeface="Arial" panose="020B0604020202020204" pitchFamily="34" charset="0"/>
+              <a:cs typeface="Arial" panose="020B0604020202020204" pitchFamily="34" charset="0"/>
+            </a:endParaRPr>
+          </a:p>
+        </p:txBody>
+      </p:sp>
+      <p:sp>
+        <p:nvSpPr>
+          <p:cNvPr id="8" name="Text Box 7"/>
+          <p:cNvSpPr txBox="1"/>
+          <p:nvPr/>
+        </p:nvSpPr>
+        <p:spPr>
+          <a:xfrm>
+            <a:off x="1235710" y="1118829"/>
+            <a:ext cx="9433560" cy="534035"/>
+          </a:xfrm>
+          <a:prstGeom prst="rect">
+            <a:avLst/>
+          </a:prstGeom>
+          <a:noFill/>
+        </p:spPr>
+        <p:txBody>
+          <a:bodyPr wrap="square" rtlCol="0">
+            <a:spAutoFit/>
+          </a:bodyPr>
+          <a:lstStyle/>
+          <a:p>
+            <a:pPr algn="l" fontAlgn="auto">
+              <a:lnSpc>
+                <a:spcPct val="120000"/>
+              </a:lnSpc>
+              <a:spcBef>
+                <a:spcPts val="0"/>
+              </a:spcBef>
+              <a:buClrTx/>
+              <a:buSzTx/>
+              <a:buFontTx/>
+            </a:pPr>
+            <a:r>
+              <a:rPr lang="en-US" sz="2400" b="1" dirty="0" smtClean="0">
+                <a:solidFill>
+                  <a:schemeClr val="accent2">
+                    <a:lumMod val="50000"/>
+                  </a:schemeClr>
+                </a:solidFill>
+                <a:latin typeface="Arial" panose="020B0604020202020204" pitchFamily="34" charset="0"/>
+                <a:ea typeface="Roboto" panose="02000000000000000000" pitchFamily="2" charset="0"/>
+                <a:cs typeface="Arial" panose="020B0604020202020204" pitchFamily="34" charset="0"/>
+              </a:rPr>
+              <a:t>Những vấn đề tồn tại ở hệ thống DNS hiện tại</a:t>
+            </a:r>
+          </a:p>
+        </p:txBody>
+      </p:sp>
+      <p:sp>
+        <p:nvSpPr>
+          <p:cNvPr id="9" name="Text Box 7"/>
+          <p:cNvSpPr txBox="1"/>
+          <p:nvPr/>
+        </p:nvSpPr>
+        <p:spPr>
+          <a:xfrm>
+            <a:off x="1235710" y="3813600"/>
+            <a:ext cx="9433560" cy="494751"/>
+          </a:xfrm>
+          <a:prstGeom prst="rect">
+            <a:avLst/>
+          </a:prstGeom>
+          <a:noFill/>
+        </p:spPr>
+        <p:txBody>
+          <a:bodyPr wrap="square" rtlCol="0">
+            <a:spAutoFit/>
+          </a:bodyPr>
+          <a:lstStyle/>
+          <a:p>
+            <a:pPr algn="l" fontAlgn="auto">
+              <a:lnSpc>
+                <a:spcPct val="120000"/>
+              </a:lnSpc>
+              <a:spcBef>
+                <a:spcPts val="0"/>
+              </a:spcBef>
+              <a:buClrTx/>
+              <a:buSzTx/>
+              <a:buFontTx/>
+            </a:pPr>
+            <a:r>
+              <a:rPr lang="en-US" sz="2400" b="1" dirty="0" smtClean="0">
+                <a:solidFill>
+                  <a:schemeClr val="accent2">
+                    <a:lumMod val="50000"/>
+                  </a:schemeClr>
+                </a:solidFill>
+                <a:latin typeface="Arial" panose="020B0604020202020204" pitchFamily="34" charset="0"/>
+                <a:ea typeface="Roboto" panose="02000000000000000000" pitchFamily="2" charset="0"/>
+                <a:cs typeface="Arial" panose="020B0604020202020204" pitchFamily="34" charset="0"/>
+              </a:rPr>
+              <a:t>Blockchain có những đặc điểm giải quyết được vấn đề trên</a:t>
+            </a:r>
+          </a:p>
+        </p:txBody>
+      </p:sp>
+      <p:sp>
+        <p:nvSpPr>
+          <p:cNvPr id="10" name="Text Box 3"/>
+          <p:cNvSpPr txBox="1"/>
+          <p:nvPr/>
+        </p:nvSpPr>
+        <p:spPr>
+          <a:xfrm>
+            <a:off x="1235710" y="4300220"/>
+            <a:ext cx="10074910" cy="1706880"/>
+          </a:xfrm>
+          <a:prstGeom prst="rect">
+            <a:avLst/>
+          </a:prstGeom>
+          <a:noFill/>
+        </p:spPr>
+        <p:txBody>
+          <a:bodyPr wrap="square" rtlCol="0">
+            <a:spAutoFit/>
+          </a:bodyPr>
+          <a:lstStyle/>
+          <a:p>
+            <a:pPr algn="l">
+              <a:lnSpc>
+                <a:spcPct val="150000"/>
+              </a:lnSpc>
+            </a:pPr>
+            <a:r>
+              <a:rPr lang="en-US" sz="1400" dirty="0" smtClean="0">
+                <a:latin typeface="Arial" panose="020B0604020202020204" pitchFamily="34" charset="0"/>
+                <a:cs typeface="Arial" panose="020B0604020202020204" pitchFamily="34" charset="0"/>
+                <a:sym typeface="+mn-ea"/>
+              </a:rPr>
+              <a:t>Trong Blockchain dữ liệu được lưu trữ dưới dạng transaction và block nên việc biết được chi tiết thông tin gửi đi rất đơn giản.</a:t>
+            </a:r>
+          </a:p>
+          <a:p>
+            <a:pPr algn="l">
+              <a:lnSpc>
+                <a:spcPct val="150000"/>
+              </a:lnSpc>
+            </a:pPr>
+            <a:r>
+              <a:rPr lang="en-US" sz="1400" dirty="0" smtClean="0">
+                <a:latin typeface="Arial" panose="020B0604020202020204" pitchFamily="34" charset="0"/>
+                <a:cs typeface="Arial" panose="020B0604020202020204" pitchFamily="34" charset="0"/>
+                <a:sym typeface="+mn-ea"/>
+              </a:rPr>
+              <a:t>Blockchain có tính chất của mạng ngang hàng giúp lưu trữ và cập nhật ngay lập tức khi có thay đổi hợp lệ.</a:t>
+            </a:r>
+          </a:p>
+          <a:p>
+            <a:pPr algn="l">
+              <a:lnSpc>
+                <a:spcPct val="150000"/>
+              </a:lnSpc>
+            </a:pPr>
+            <a:r>
+              <a:rPr lang="en-US" sz="1400" dirty="0" smtClean="0">
+                <a:latin typeface="Arial" panose="020B0604020202020204" pitchFamily="34" charset="0"/>
+                <a:cs typeface="Arial" panose="020B0604020202020204" pitchFamily="34" charset="0"/>
+                <a:sym typeface="+mn-ea"/>
+              </a:rPr>
+              <a:t>Blockchain gần như ít cần sự can thiệp của con người, không cần phí trung gian, hạn chế các thủ tục nhưng vẫn đảm bảo hoạt động an toàn và ổn định.</a:t>
+            </a:r>
+          </a:p>
+          <a:p>
+            <a:pPr algn="l">
+              <a:lnSpc>
+                <a:spcPct val="150000"/>
+              </a:lnSpc>
+            </a:pPr>
+            <a:r>
+              <a:rPr lang="en-US" sz="1400" dirty="0" smtClean="0">
+                <a:latin typeface="Arial" panose="020B0604020202020204" pitchFamily="34" charset="0"/>
+                <a:cs typeface="Arial" panose="020B0604020202020204" pitchFamily="34" charset="0"/>
+                <a:sym typeface="+mn-ea"/>
+              </a:rPr>
+              <a:t>Blockchain cho người dùng quan sát các giao dịch xảy ra mà không cần nắm giữ quyền trong blockchain.</a:t>
+            </a:r>
+          </a:p>
+        </p:txBody>
+      </p:sp>
     </p:spTree>
   </p:cSld>
   <p:clrMapOvr>
@@ -21480,6 +22552,741 @@
       </p:grpSpPr>
       <p:sp>
         <p:nvSpPr>
+          <p:cNvPr id="2" name="Title 1"/>
+          <p:cNvSpPr>
+            <a:spLocks noGrp="1"/>
+          </p:cNvSpPr>
+          <p:nvPr>
+            <p:ph type="title"/>
+          </p:nvPr>
+        </p:nvSpPr>
+        <p:spPr>
+          <a:xfrm>
+            <a:off x="923290" y="283616"/>
+            <a:ext cx="10058400" cy="677418"/>
+          </a:xfrm>
+        </p:spPr>
+        <p:txBody>
+          <a:bodyPr>
+            <a:normAutofit/>
+          </a:bodyPr>
+          <a:lstStyle/>
+          <a:p>
+            <a:r>
+              <a:rPr lang="en-US" sz="4000" b="1" spc="50" dirty="0" smtClean="0">
+                <a:latin typeface="Times New Roman" panose="02020603050405020304" pitchFamily="18" charset="0"/>
+                <a:cs typeface="Times New Roman" panose="02020603050405020304" pitchFamily="18" charset="0"/>
+              </a:rPr>
+              <a:t>TẠI SAO LÀ BLOCKCHAIN DNS ?</a:t>
+            </a:r>
+            <a:endParaRPr lang="en-US" sz="4000" b="1" spc="50" dirty="0">
+              <a:latin typeface="Times New Roman" panose="02020603050405020304" pitchFamily="18" charset="0"/>
+              <a:cs typeface="Times New Roman" panose="02020603050405020304" pitchFamily="18" charset="0"/>
+            </a:endParaRPr>
+          </a:p>
+        </p:txBody>
+      </p:sp>
+      <p:sp>
+        <p:nvSpPr>
+          <p:cNvPr id="6" name="Slide Number Placeholder 5"/>
+          <p:cNvSpPr>
+            <a:spLocks noGrp="1"/>
+          </p:cNvSpPr>
+          <p:nvPr>
+            <p:ph type="sldNum" sz="quarter" idx="12"/>
+          </p:nvPr>
+        </p:nvSpPr>
+        <p:spPr/>
+        <p:txBody>
+          <a:bodyPr/>
+          <a:lstStyle/>
+          <a:p>
+            <a:r>
+              <a:rPr lang="en-US" dirty="0" smtClean="0"/>
+              <a:t>2</a:t>
+            </a:r>
+            <a:endParaRPr lang="en-US" dirty="0"/>
+          </a:p>
+        </p:txBody>
+      </p:sp>
+      <p:sp>
+        <p:nvSpPr>
+          <p:cNvPr id="7" name="Rectangle 6"/>
+          <p:cNvSpPr/>
+          <p:nvPr/>
+        </p:nvSpPr>
+        <p:spPr>
+          <a:xfrm>
+            <a:off x="0" y="0"/>
+            <a:ext cx="427839" cy="6858000"/>
+          </a:xfrm>
+          <a:prstGeom prst="rect">
+            <a:avLst/>
+          </a:prstGeom>
+          <a:solidFill>
+            <a:srgbClr val="CE2127"/>
+          </a:solidFill>
+        </p:spPr>
+        <p:style>
+          <a:lnRef idx="2">
+            <a:schemeClr val="accent1">
+              <a:shade val="50000"/>
+            </a:schemeClr>
+          </a:lnRef>
+          <a:fillRef idx="1">
+            <a:schemeClr val="accent1"/>
+          </a:fillRef>
+          <a:effectRef idx="0">
+            <a:schemeClr val="accent1"/>
+          </a:effectRef>
+          <a:fontRef idx="minor">
+            <a:schemeClr val="lt1"/>
+          </a:fontRef>
+        </p:style>
+        <p:txBody>
+          <a:bodyPr rtlCol="0" anchor="ctr"/>
+          <a:lstStyle/>
+          <a:p>
+            <a:pPr algn="ctr"/>
+            <a:endParaRPr lang="en-US">
+              <a:solidFill>
+                <a:srgbClr val="FF0000"/>
+              </a:solidFill>
+            </a:endParaRPr>
+          </a:p>
+        </p:txBody>
+      </p:sp>
+      <p:sp>
+        <p:nvSpPr>
+          <p:cNvPr id="8" name="Text Box 7"/>
+          <p:cNvSpPr txBox="1"/>
+          <p:nvPr/>
+        </p:nvSpPr>
+        <p:spPr>
+          <a:xfrm>
+            <a:off x="1235710" y="1118829"/>
+            <a:ext cx="9433560" cy="494751"/>
+          </a:xfrm>
+          <a:prstGeom prst="rect">
+            <a:avLst/>
+          </a:prstGeom>
+          <a:noFill/>
+        </p:spPr>
+        <p:txBody>
+          <a:bodyPr wrap="square" rtlCol="0">
+            <a:spAutoFit/>
+          </a:bodyPr>
+          <a:lstStyle/>
+          <a:p>
+            <a:pPr algn="l" fontAlgn="auto">
+              <a:lnSpc>
+                <a:spcPct val="120000"/>
+              </a:lnSpc>
+              <a:spcBef>
+                <a:spcPts val="0"/>
+              </a:spcBef>
+              <a:buClrTx/>
+              <a:buSzTx/>
+              <a:buFontTx/>
+            </a:pPr>
+            <a:r>
+              <a:rPr lang="en-US" sz="2400" b="1" dirty="0" smtClean="0">
+                <a:solidFill>
+                  <a:schemeClr val="accent2">
+                    <a:lumMod val="50000"/>
+                  </a:schemeClr>
+                </a:solidFill>
+                <a:latin typeface="Arial" panose="020B0604020202020204" pitchFamily="34" charset="0"/>
+                <a:ea typeface="Roboto" panose="02000000000000000000" pitchFamily="2" charset="0"/>
+                <a:cs typeface="Arial" panose="020B0604020202020204" pitchFamily="34" charset="0"/>
+              </a:rPr>
+              <a:t>Điểm mạnh và điểm yếu của hai hệ thống</a:t>
+            </a:r>
+            <a:endParaRPr lang="en-US" sz="2400" b="1" dirty="0" smtClean="0">
+              <a:solidFill>
+                <a:schemeClr val="accent2">
+                  <a:lumMod val="50000"/>
+                </a:schemeClr>
+              </a:solidFill>
+              <a:latin typeface="Arial" panose="020B0604020202020204" pitchFamily="34" charset="0"/>
+              <a:ea typeface="Roboto" panose="02000000000000000000" pitchFamily="2" charset="0"/>
+              <a:cs typeface="Arial" panose="020B0604020202020204" pitchFamily="34" charset="0"/>
+            </a:endParaRPr>
+          </a:p>
+        </p:txBody>
+      </p:sp>
+      <p:graphicFrame>
+        <p:nvGraphicFramePr>
+          <p:cNvPr id="3" name="Table 2"/>
+          <p:cNvGraphicFramePr>
+            <a:graphicFrameLocks noGrp="1"/>
+          </p:cNvGraphicFramePr>
+          <p:nvPr>
+            <p:extLst>
+              <p:ext uri="{D42A27DB-BD31-4B8C-83A1-F6EECF244321}">
+                <p14:modId xmlns:p14="http://schemas.microsoft.com/office/powerpoint/2010/main" val="3732461967"/>
+              </p:ext>
+            </p:extLst>
+          </p:nvPr>
+        </p:nvGraphicFramePr>
+        <p:xfrm>
+          <a:off x="1235708" y="1771375"/>
+          <a:ext cx="9942190" cy="2225040"/>
+        </p:xfrm>
+        <a:graphic>
+          <a:graphicData uri="http://schemas.openxmlformats.org/drawingml/2006/table">
+            <a:tbl>
+              <a:tblPr firstRow="1" bandRow="1">
+                <a:tableStyleId>{5C22544A-7EE6-4342-B048-85BDC9FD1C3A}</a:tableStyleId>
+              </a:tblPr>
+              <a:tblGrid>
+                <a:gridCol w="4971095">
+                  <a:extLst>
+                    <a:ext uri="{9D8B030D-6E8A-4147-A177-3AD203B41FA5}">
+                      <a16:colId xmlns:a16="http://schemas.microsoft.com/office/drawing/2014/main" val="2368906484"/>
+                    </a:ext>
+                  </a:extLst>
+                </a:gridCol>
+                <a:gridCol w="4971095">
+                  <a:extLst>
+                    <a:ext uri="{9D8B030D-6E8A-4147-A177-3AD203B41FA5}">
+                      <a16:colId xmlns:a16="http://schemas.microsoft.com/office/drawing/2014/main" val="1134031330"/>
+                    </a:ext>
+                  </a:extLst>
+                </a:gridCol>
+              </a:tblGrid>
+              <a:tr h="370840">
+                <a:tc>
+                  <a:txBody>
+                    <a:bodyPr/>
+                    <a:lstStyle/>
+                    <a:p>
+                      <a:endParaRPr lang="en-US" dirty="0"/>
+                    </a:p>
+                  </a:txBody>
+                  <a:tcPr/>
+                </a:tc>
+                <a:tc>
+                  <a:txBody>
+                    <a:bodyPr/>
+                    <a:lstStyle/>
+                    <a:p>
+                      <a:endParaRPr lang="en-US"/>
+                    </a:p>
+                  </a:txBody>
+                  <a:tcPr/>
+                </a:tc>
+                <a:extLst>
+                  <a:ext uri="{0D108BD9-81ED-4DB2-BD59-A6C34878D82A}">
+                    <a16:rowId xmlns:a16="http://schemas.microsoft.com/office/drawing/2014/main" val="650878333"/>
+                  </a:ext>
+                </a:extLst>
+              </a:tr>
+              <a:tr h="370840">
+                <a:tc>
+                  <a:txBody>
+                    <a:bodyPr/>
+                    <a:lstStyle/>
+                    <a:p>
+                      <a:endParaRPr lang="en-US" dirty="0"/>
+                    </a:p>
+                  </a:txBody>
+                  <a:tcPr/>
+                </a:tc>
+                <a:tc>
+                  <a:txBody>
+                    <a:bodyPr/>
+                    <a:lstStyle/>
+                    <a:p>
+                      <a:endParaRPr lang="en-US"/>
+                    </a:p>
+                  </a:txBody>
+                  <a:tcPr/>
+                </a:tc>
+                <a:extLst>
+                  <a:ext uri="{0D108BD9-81ED-4DB2-BD59-A6C34878D82A}">
+                    <a16:rowId xmlns:a16="http://schemas.microsoft.com/office/drawing/2014/main" val="4259471897"/>
+                  </a:ext>
+                </a:extLst>
+              </a:tr>
+              <a:tr h="370840">
+                <a:tc>
+                  <a:txBody>
+                    <a:bodyPr/>
+                    <a:lstStyle/>
+                    <a:p>
+                      <a:endParaRPr lang="en-US"/>
+                    </a:p>
+                  </a:txBody>
+                  <a:tcPr/>
+                </a:tc>
+                <a:tc>
+                  <a:txBody>
+                    <a:bodyPr/>
+                    <a:lstStyle/>
+                    <a:p>
+                      <a:endParaRPr lang="en-US"/>
+                    </a:p>
+                  </a:txBody>
+                  <a:tcPr/>
+                </a:tc>
+                <a:extLst>
+                  <a:ext uri="{0D108BD9-81ED-4DB2-BD59-A6C34878D82A}">
+                    <a16:rowId xmlns:a16="http://schemas.microsoft.com/office/drawing/2014/main" val="2967965510"/>
+                  </a:ext>
+                </a:extLst>
+              </a:tr>
+              <a:tr h="370840">
+                <a:tc>
+                  <a:txBody>
+                    <a:bodyPr/>
+                    <a:lstStyle/>
+                    <a:p>
+                      <a:endParaRPr lang="en-US"/>
+                    </a:p>
+                  </a:txBody>
+                  <a:tcPr/>
+                </a:tc>
+                <a:tc>
+                  <a:txBody>
+                    <a:bodyPr/>
+                    <a:lstStyle/>
+                    <a:p>
+                      <a:endParaRPr lang="en-US"/>
+                    </a:p>
+                  </a:txBody>
+                  <a:tcPr/>
+                </a:tc>
+                <a:extLst>
+                  <a:ext uri="{0D108BD9-81ED-4DB2-BD59-A6C34878D82A}">
+                    <a16:rowId xmlns:a16="http://schemas.microsoft.com/office/drawing/2014/main" val="2845317717"/>
+                  </a:ext>
+                </a:extLst>
+              </a:tr>
+              <a:tr h="370840">
+                <a:tc>
+                  <a:txBody>
+                    <a:bodyPr/>
+                    <a:lstStyle/>
+                    <a:p>
+                      <a:endParaRPr lang="en-US"/>
+                    </a:p>
+                  </a:txBody>
+                  <a:tcPr/>
+                </a:tc>
+                <a:tc>
+                  <a:txBody>
+                    <a:bodyPr/>
+                    <a:lstStyle/>
+                    <a:p>
+                      <a:endParaRPr lang="en-US"/>
+                    </a:p>
+                  </a:txBody>
+                  <a:tcPr/>
+                </a:tc>
+                <a:extLst>
+                  <a:ext uri="{0D108BD9-81ED-4DB2-BD59-A6C34878D82A}">
+                    <a16:rowId xmlns:a16="http://schemas.microsoft.com/office/drawing/2014/main" val="2589628938"/>
+                  </a:ext>
+                </a:extLst>
+              </a:tr>
+              <a:tr h="370840">
+                <a:tc>
+                  <a:txBody>
+                    <a:bodyPr/>
+                    <a:lstStyle/>
+                    <a:p>
+                      <a:endParaRPr lang="en-US"/>
+                    </a:p>
+                  </a:txBody>
+                  <a:tcPr/>
+                </a:tc>
+                <a:tc>
+                  <a:txBody>
+                    <a:bodyPr/>
+                    <a:lstStyle/>
+                    <a:p>
+                      <a:endParaRPr lang="en-US" dirty="0"/>
+                    </a:p>
+                  </a:txBody>
+                  <a:tcPr/>
+                </a:tc>
+                <a:extLst>
+                  <a:ext uri="{0D108BD9-81ED-4DB2-BD59-A6C34878D82A}">
+                    <a16:rowId xmlns:a16="http://schemas.microsoft.com/office/drawing/2014/main" val="4222946045"/>
+                  </a:ext>
+                </a:extLst>
+              </a:tr>
+            </a:tbl>
+          </a:graphicData>
+        </a:graphic>
+      </p:graphicFrame>
+      <p:graphicFrame>
+        <p:nvGraphicFramePr>
+          <p:cNvPr id="11" name="Table 10"/>
+          <p:cNvGraphicFramePr>
+            <a:graphicFrameLocks noGrp="1"/>
+          </p:cNvGraphicFramePr>
+          <p:nvPr>
+            <p:extLst>
+              <p:ext uri="{D42A27DB-BD31-4B8C-83A1-F6EECF244321}">
+                <p14:modId xmlns:p14="http://schemas.microsoft.com/office/powerpoint/2010/main" val="3466424554"/>
+              </p:ext>
+            </p:extLst>
+          </p:nvPr>
+        </p:nvGraphicFramePr>
+        <p:xfrm>
+          <a:off x="1235708" y="4230306"/>
+          <a:ext cx="9942190" cy="2225040"/>
+        </p:xfrm>
+        <a:graphic>
+          <a:graphicData uri="http://schemas.openxmlformats.org/drawingml/2006/table">
+            <a:tbl>
+              <a:tblPr firstRow="1" bandRow="1">
+                <a:tableStyleId>{5C22544A-7EE6-4342-B048-85BDC9FD1C3A}</a:tableStyleId>
+              </a:tblPr>
+              <a:tblGrid>
+                <a:gridCol w="4971095">
+                  <a:extLst>
+                    <a:ext uri="{9D8B030D-6E8A-4147-A177-3AD203B41FA5}">
+                      <a16:colId xmlns:a16="http://schemas.microsoft.com/office/drawing/2014/main" val="2368906484"/>
+                    </a:ext>
+                  </a:extLst>
+                </a:gridCol>
+                <a:gridCol w="4971095">
+                  <a:extLst>
+                    <a:ext uri="{9D8B030D-6E8A-4147-A177-3AD203B41FA5}">
+                      <a16:colId xmlns:a16="http://schemas.microsoft.com/office/drawing/2014/main" val="1134031330"/>
+                    </a:ext>
+                  </a:extLst>
+                </a:gridCol>
+              </a:tblGrid>
+              <a:tr h="370840">
+                <a:tc>
+                  <a:txBody>
+                    <a:bodyPr/>
+                    <a:lstStyle/>
+                    <a:p>
+                      <a:endParaRPr lang="en-US" dirty="0"/>
+                    </a:p>
+                  </a:txBody>
+                  <a:tcPr/>
+                </a:tc>
+                <a:tc>
+                  <a:txBody>
+                    <a:bodyPr/>
+                    <a:lstStyle/>
+                    <a:p>
+                      <a:endParaRPr lang="en-US"/>
+                    </a:p>
+                  </a:txBody>
+                  <a:tcPr/>
+                </a:tc>
+                <a:extLst>
+                  <a:ext uri="{0D108BD9-81ED-4DB2-BD59-A6C34878D82A}">
+                    <a16:rowId xmlns:a16="http://schemas.microsoft.com/office/drawing/2014/main" val="650878333"/>
+                  </a:ext>
+                </a:extLst>
+              </a:tr>
+              <a:tr h="370840">
+                <a:tc>
+                  <a:txBody>
+                    <a:bodyPr/>
+                    <a:lstStyle/>
+                    <a:p>
+                      <a:endParaRPr lang="en-US" dirty="0"/>
+                    </a:p>
+                  </a:txBody>
+                  <a:tcPr/>
+                </a:tc>
+                <a:tc>
+                  <a:txBody>
+                    <a:bodyPr/>
+                    <a:lstStyle/>
+                    <a:p>
+                      <a:endParaRPr lang="en-US"/>
+                    </a:p>
+                  </a:txBody>
+                  <a:tcPr/>
+                </a:tc>
+                <a:extLst>
+                  <a:ext uri="{0D108BD9-81ED-4DB2-BD59-A6C34878D82A}">
+                    <a16:rowId xmlns:a16="http://schemas.microsoft.com/office/drawing/2014/main" val="4259471897"/>
+                  </a:ext>
+                </a:extLst>
+              </a:tr>
+              <a:tr h="370840">
+                <a:tc>
+                  <a:txBody>
+                    <a:bodyPr/>
+                    <a:lstStyle/>
+                    <a:p>
+                      <a:endParaRPr lang="en-US"/>
+                    </a:p>
+                  </a:txBody>
+                  <a:tcPr/>
+                </a:tc>
+                <a:tc>
+                  <a:txBody>
+                    <a:bodyPr/>
+                    <a:lstStyle/>
+                    <a:p>
+                      <a:endParaRPr lang="en-US"/>
+                    </a:p>
+                  </a:txBody>
+                  <a:tcPr/>
+                </a:tc>
+                <a:extLst>
+                  <a:ext uri="{0D108BD9-81ED-4DB2-BD59-A6C34878D82A}">
+                    <a16:rowId xmlns:a16="http://schemas.microsoft.com/office/drawing/2014/main" val="2967965510"/>
+                  </a:ext>
+                </a:extLst>
+              </a:tr>
+              <a:tr h="370840">
+                <a:tc>
+                  <a:txBody>
+                    <a:bodyPr/>
+                    <a:lstStyle/>
+                    <a:p>
+                      <a:endParaRPr lang="en-US"/>
+                    </a:p>
+                  </a:txBody>
+                  <a:tcPr/>
+                </a:tc>
+                <a:tc>
+                  <a:txBody>
+                    <a:bodyPr/>
+                    <a:lstStyle/>
+                    <a:p>
+                      <a:endParaRPr lang="en-US"/>
+                    </a:p>
+                  </a:txBody>
+                  <a:tcPr/>
+                </a:tc>
+                <a:extLst>
+                  <a:ext uri="{0D108BD9-81ED-4DB2-BD59-A6C34878D82A}">
+                    <a16:rowId xmlns:a16="http://schemas.microsoft.com/office/drawing/2014/main" val="2845317717"/>
+                  </a:ext>
+                </a:extLst>
+              </a:tr>
+              <a:tr h="370840">
+                <a:tc>
+                  <a:txBody>
+                    <a:bodyPr/>
+                    <a:lstStyle/>
+                    <a:p>
+                      <a:endParaRPr lang="en-US"/>
+                    </a:p>
+                  </a:txBody>
+                  <a:tcPr/>
+                </a:tc>
+                <a:tc>
+                  <a:txBody>
+                    <a:bodyPr/>
+                    <a:lstStyle/>
+                    <a:p>
+                      <a:endParaRPr lang="en-US"/>
+                    </a:p>
+                  </a:txBody>
+                  <a:tcPr/>
+                </a:tc>
+                <a:extLst>
+                  <a:ext uri="{0D108BD9-81ED-4DB2-BD59-A6C34878D82A}">
+                    <a16:rowId xmlns:a16="http://schemas.microsoft.com/office/drawing/2014/main" val="2589628938"/>
+                  </a:ext>
+                </a:extLst>
+              </a:tr>
+              <a:tr h="370840">
+                <a:tc>
+                  <a:txBody>
+                    <a:bodyPr/>
+                    <a:lstStyle/>
+                    <a:p>
+                      <a:endParaRPr lang="en-US"/>
+                    </a:p>
+                  </a:txBody>
+                  <a:tcPr/>
+                </a:tc>
+                <a:tc>
+                  <a:txBody>
+                    <a:bodyPr/>
+                    <a:lstStyle/>
+                    <a:p>
+                      <a:endParaRPr lang="en-US" dirty="0"/>
+                    </a:p>
+                  </a:txBody>
+                  <a:tcPr/>
+                </a:tc>
+                <a:extLst>
+                  <a:ext uri="{0D108BD9-81ED-4DB2-BD59-A6C34878D82A}">
+                    <a16:rowId xmlns:a16="http://schemas.microsoft.com/office/drawing/2014/main" val="4222946045"/>
+                  </a:ext>
+                </a:extLst>
+              </a:tr>
+            </a:tbl>
+          </a:graphicData>
+        </a:graphic>
+      </p:graphicFrame>
+    </p:spTree>
+    <p:extLst>
+      <p:ext uri="{BB962C8B-B14F-4D97-AF65-F5344CB8AC3E}">
+        <p14:creationId xmlns:p14="http://schemas.microsoft.com/office/powerpoint/2010/main" val="1603343642"/>
+      </p:ext>
+    </p:extLst>
+  </p:cSld>
+  <p:clrMapOvr>
+    <a:masterClrMapping/>
+  </p:clrMapOvr>
+  <p:transition spd="slow">
+    <p:push dir="u"/>
+  </p:transition>
+  <p:timing>
+    <p:tnLst>
+      <p:par>
+        <p:cTn id="1" dur="indefinite" restart="never" nodeType="tmRoot">
+          <p:childTnLst>
+            <p:seq concurrent="1" nextAc="seek">
+              <p:cTn id="2" dur="indefinite" nodeType="mainSeq">
+                <p:childTnLst>
+                  <p:par>
+                    <p:cTn id="3" fill="hold">
+                      <p:stCondLst>
+                        <p:cond delay="indefinite"/>
+                        <p:cond evt="onBegin" delay="0">
+                          <p:tn val="2"/>
+                        </p:cond>
+                      </p:stCondLst>
+                      <p:childTnLst>
+                        <p:par>
+                          <p:cTn id="4" fill="hold">
+                            <p:stCondLst>
+                              <p:cond delay="0"/>
+                            </p:stCondLst>
+                            <p:childTnLst>
+                              <p:par>
+                                <p:cTn id="5" presetID="10" presetClass="entr" presetSubtype="0" fill="hold" grpId="0" nodeType="withEffect">
+                                  <p:stCondLst>
+                                    <p:cond delay="0"/>
+                                  </p:stCondLst>
+                                  <p:childTnLst>
+                                    <p:set>
+                                      <p:cBhvr>
+                                        <p:cTn id="6" dur="1" fill="hold">
+                                          <p:stCondLst>
+                                            <p:cond delay="0"/>
+                                          </p:stCondLst>
+                                        </p:cTn>
+                                        <p:tgtEl>
+                                          <p:spTgt spid="2"/>
+                                        </p:tgtEl>
+                                        <p:attrNameLst>
+                                          <p:attrName>style.visibility</p:attrName>
+                                        </p:attrNameLst>
+                                      </p:cBhvr>
+                                      <p:to>
+                                        <p:strVal val="visible"/>
+                                      </p:to>
+                                    </p:set>
+                                    <p:animEffect transition="in" filter="fade">
+                                      <p:cBhvr>
+                                        <p:cTn id="7" dur="500"/>
+                                        <p:tgtEl>
+                                          <p:spTgt spid="2"/>
+                                        </p:tgtEl>
+                                      </p:cBhvr>
+                                    </p:animEffect>
+                                  </p:childTnLst>
+                                </p:cTn>
+                              </p:par>
+                              <p:par>
+                                <p:cTn id="8" presetID="10" presetClass="entr" presetSubtype="0" fill="hold" grpId="0" nodeType="withEffect">
+                                  <p:stCondLst>
+                                    <p:cond delay="0"/>
+                                  </p:stCondLst>
+                                  <p:childTnLst>
+                                    <p:set>
+                                      <p:cBhvr>
+                                        <p:cTn id="9" dur="1" fill="hold">
+                                          <p:stCondLst>
+                                            <p:cond delay="0"/>
+                                          </p:stCondLst>
+                                        </p:cTn>
+                                        <p:tgtEl>
+                                          <p:spTgt spid="6"/>
+                                        </p:tgtEl>
+                                        <p:attrNameLst>
+                                          <p:attrName>style.visibility</p:attrName>
+                                        </p:attrNameLst>
+                                      </p:cBhvr>
+                                      <p:to>
+                                        <p:strVal val="visible"/>
+                                      </p:to>
+                                    </p:set>
+                                    <p:animEffect transition="in" filter="fade">
+                                      <p:cBhvr>
+                                        <p:cTn id="10" dur="500"/>
+                                        <p:tgtEl>
+                                          <p:spTgt spid="6"/>
+                                        </p:tgtEl>
+                                      </p:cBhvr>
+                                    </p:animEffect>
+                                  </p:childTnLst>
+                                </p:cTn>
+                              </p:par>
+                            </p:childTnLst>
+                          </p:cTn>
+                        </p:par>
+                      </p:childTnLst>
+                    </p:cTn>
+                  </p:par>
+                </p:childTnLst>
+              </p:cTn>
+              <p:prevCondLst>
+                <p:cond evt="onPrev" delay="0">
+                  <p:tgtEl>
+                    <p:sldTgt/>
+                  </p:tgtEl>
+                </p:cond>
+              </p:prevCondLst>
+              <p:nextCondLst>
+                <p:cond evt="onNext" delay="0">
+                  <p:tgtEl>
+                    <p:sldTgt/>
+                  </p:tgtEl>
+                </p:cond>
+              </p:nextCondLst>
+            </p:seq>
+          </p:childTnLst>
+        </p:cTn>
+      </p:par>
+    </p:tnLst>
+    <p:bldLst>
+      <p:bldP spid="2" grpId="0"/>
+      <p:bldP spid="6" grpId="0"/>
+    </p:bldLst>
+  </p:timing>
+</p:sld>
+</file>
+
+<file path=ppt/slides/slide8.xml><?xml version="1.0" encoding="utf-8"?>
+<p:sld xmlns:a="http://schemas.openxmlformats.org/drawingml/2006/main" xmlns:r="http://schemas.openxmlformats.org/officeDocument/2006/relationships" xmlns:p="http://schemas.openxmlformats.org/presentationml/2006/main">
+  <p:cSld>
+    <p:spTree>
+      <p:nvGrpSpPr>
+        <p:cNvPr id="1" name=""/>
+        <p:cNvGrpSpPr/>
+        <p:nvPr/>
+      </p:nvGrpSpPr>
+      <p:grpSpPr>
+        <a:xfrm>
+          <a:off x="0" y="0"/>
+          <a:ext cx="0" cy="0"/>
+          <a:chOff x="0" y="0"/>
+          <a:chExt cx="0" cy="0"/>
+        </a:xfrm>
+      </p:grpSpPr>
+      <p:sp>
+        <p:nvSpPr>
           <p:cNvPr id="6" name="Title 1"/>
           <p:cNvSpPr>
             <a:spLocks noGrp="1"/>
@@ -21531,6 +23338,7 @@
           <a:p>
             <a:fld id="{040DEF24-717E-4741-8753-F7E431A261E5}" type="slidenum">
               <a:rPr lang="en-US" smtClean="0"/>
+              <a:t>8</a:t>
             </a:fld>
             <a:endParaRPr lang="en-US"/>
           </a:p>
@@ -21590,7 +23398,7 @@
           <p:nvPr/>
         </p:nvPicPr>
         <p:blipFill rotWithShape="1">
-          <a:blip r:embed="rId1" cstate="print">
+          <a:blip r:embed="rId2" cstate="print">
             <a:extLst>
               <a:ext uri="{28A0092B-C50C-407E-A947-70E740481C1C}">
                 <a14:useLocalDpi xmlns:a14="http://schemas.microsoft.com/office/drawing/2010/main" val="0"/>
@@ -21625,7 +23433,7 @@
           <p:nvPr/>
         </p:nvPicPr>
         <p:blipFill>
-          <a:blip r:embed="rId2" cstate="print">
+          <a:blip r:embed="rId3" cstate="print">
             <a:extLst>
               <a:ext uri="{28A0092B-C50C-407E-A947-70E740481C1C}">
                 <a14:useLocalDpi xmlns:a14="http://schemas.microsoft.com/office/drawing/2010/main" val="0"/>
@@ -21688,16 +23496,6 @@
               </a:rPr>
               <a:t>Proof of work và Proof of stake</a:t>
             </a:r>
-            <a:endParaRPr lang="en-US" sz="2400" b="1" dirty="0">
-              <a:solidFill>
-                <a:schemeClr val="accent2">
-                  <a:lumMod val="50000"/>
-                </a:schemeClr>
-              </a:solidFill>
-              <a:latin typeface="Arial" panose="020B0604020202020204" pitchFamily="34" charset="0"/>
-              <a:ea typeface="Roboto" panose="02000000000000000000" pitchFamily="2" charset="0"/>
-              <a:cs typeface="Arial" panose="020B0604020202020204" pitchFamily="34" charset="0"/>
-            </a:endParaRPr>
           </a:p>
         </p:txBody>
       </p:sp>
@@ -21868,10 +23666,6 @@
               </a:rPr>
               <a:t>Khuyết điểm: </a:t>
             </a:r>
-            <a:endParaRPr lang="en-US" sz="1400" dirty="0" smtClean="0">
-              <a:latin typeface="Arial" panose="020B0604020202020204" pitchFamily="34" charset="0"/>
-              <a:cs typeface="Arial" panose="020B0604020202020204" pitchFamily="34" charset="0"/>
-            </a:endParaRPr>
           </a:p>
           <a:p>
             <a:pPr marL="285750" indent="-285750" algn="just">
@@ -21885,10 +23679,6 @@
               </a:rPr>
               <a:t>Dễ bị tấn công 51%</a:t>
             </a:r>
-            <a:endParaRPr lang="en-US" sz="1400" dirty="0" smtClean="0">
-              <a:latin typeface="Arial" panose="020B0604020202020204" pitchFamily="34" charset="0"/>
-              <a:cs typeface="Arial" panose="020B0604020202020204" pitchFamily="34" charset="0"/>
-            </a:endParaRPr>
           </a:p>
           <a:p>
             <a:pPr marL="285750" indent="-285750" algn="just">
@@ -21902,10 +23692,6 @@
               </a:rPr>
               <a:t>Hao tổn nhiều điện năng tiêu thụ</a:t>
             </a:r>
-            <a:endParaRPr lang="en-US" sz="1400" dirty="0" smtClean="0">
-              <a:latin typeface="Arial" panose="020B0604020202020204" pitchFamily="34" charset="0"/>
-              <a:cs typeface="Arial" panose="020B0604020202020204" pitchFamily="34" charset="0"/>
-            </a:endParaRPr>
           </a:p>
         </p:txBody>
       </p:sp>
@@ -21939,10 +23725,6 @@
               </a:rPr>
               <a:t>Khuyết điểm: </a:t>
             </a:r>
-            <a:endParaRPr lang="en-US" sz="1400" dirty="0" smtClean="0">
-              <a:latin typeface="Arial" panose="020B0604020202020204" pitchFamily="34" charset="0"/>
-              <a:cs typeface="Arial" panose="020B0604020202020204" pitchFamily="34" charset="0"/>
-            </a:endParaRPr>
           </a:p>
           <a:p>
             <a:pPr marL="285750" indent="-285750" algn="just">
@@ -21956,10 +23738,6 @@
               </a:rPr>
               <a:t>Khi gặp sự cố không mong muốn, sẽ mất phần đặt cọc ( Vd: mất wifi, cúp điện, ... )</a:t>
             </a:r>
-            <a:endParaRPr lang="en-US" sz="1400" dirty="0" smtClean="0">
-              <a:latin typeface="Arial" panose="020B0604020202020204" pitchFamily="34" charset="0"/>
-              <a:cs typeface="Arial" panose="020B0604020202020204" pitchFamily="34" charset="0"/>
-            </a:endParaRPr>
           </a:p>
         </p:txBody>
       </p:sp>
@@ -22384,7 +24162,7 @@
 </p:sld>
 </file>
 
-<file path=ppt/slides/slide8.xml><?xml version="1.0" encoding="utf-8"?>
+<file path=ppt/slides/slide9.xml><?xml version="1.0" encoding="utf-8"?>
 <p:sld xmlns:a="http://schemas.openxmlformats.org/drawingml/2006/main" xmlns:r="http://schemas.openxmlformats.org/officeDocument/2006/relationships" xmlns:p="http://schemas.openxmlformats.org/presentationml/2006/main">
   <p:cSld>
     <p:spTree>
@@ -22454,6 +24232,7 @@
           <a:p>
             <a:fld id="{040DEF24-717E-4741-8753-F7E431A261E5}" type="slidenum">
               <a:rPr lang="en-US" smtClean="0"/>
+              <a:t>9</a:t>
             </a:fld>
             <a:endParaRPr lang="en-US"/>
           </a:p>
@@ -22545,11 +24324,6 @@
               </a:rPr>
               <a:t>Namecoin</a:t>
             </a:r>
-            <a:endParaRPr lang="en-US" sz="1600" b="1" dirty="0">
-              <a:latin typeface="Times New Roman" panose="02020603050405020304" pitchFamily="18" charset="0"/>
-              <a:ea typeface="Calibri" panose="020F0502020204030204" pitchFamily="34" charset="0"/>
-              <a:cs typeface="Times New Roman" panose="02020603050405020304" pitchFamily="18" charset="0"/>
-            </a:endParaRPr>
           </a:p>
           <a:p>
             <a:pPr marL="342900" lvl="0" indent="-342900" algn="just">
@@ -22570,11 +24344,6 @@
               </a:rPr>
               <a:t>Blockstack</a:t>
             </a:r>
-            <a:endParaRPr lang="en-US" sz="1600" b="1" dirty="0">
-              <a:latin typeface="Times New Roman" panose="02020603050405020304" pitchFamily="18" charset="0"/>
-              <a:ea typeface="Calibri" panose="020F0502020204030204" pitchFamily="34" charset="0"/>
-              <a:cs typeface="Times New Roman" panose="02020603050405020304" pitchFamily="18" charset="0"/>
-            </a:endParaRPr>
           </a:p>
           <a:p>
             <a:pPr marL="342900" lvl="0" indent="-342900" algn="just">
@@ -22628,11 +24397,6 @@
               </a:rPr>
               <a:t>Handshake</a:t>
             </a:r>
-            <a:endParaRPr lang="en-US" sz="1600" b="1" dirty="0">
-              <a:latin typeface="Times New Roman" panose="02020603050405020304" pitchFamily="18" charset="0"/>
-              <a:ea typeface="Calibri" panose="020F0502020204030204" pitchFamily="34" charset="0"/>
-              <a:cs typeface="Times New Roman" panose="02020603050405020304" pitchFamily="18" charset="0"/>
-            </a:endParaRPr>
           </a:p>
           <a:p>
             <a:pPr marL="342900" lvl="0" indent="-342900" algn="just">
@@ -22653,11 +24417,6 @@
               </a:rPr>
               <a:t>Nebulis</a:t>
             </a:r>
-            <a:endParaRPr lang="en-US" sz="1600" b="1" dirty="0">
-              <a:latin typeface="Times New Roman" panose="02020603050405020304" pitchFamily="18" charset="0"/>
-              <a:ea typeface="Calibri" panose="020F0502020204030204" pitchFamily="34" charset="0"/>
-              <a:cs typeface="Times New Roman" panose="02020603050405020304" pitchFamily="18" charset="0"/>
-            </a:endParaRPr>
           </a:p>
           <a:p>
             <a:pPr marL="342900" lvl="0" indent="-342900" algn="just">
@@ -22678,11 +24437,6 @@
               </a:rPr>
               <a:t>Dot BIT</a:t>
             </a:r>
-            <a:endParaRPr lang="en-US" sz="1600" b="1" dirty="0">
-              <a:latin typeface="Times New Roman" panose="02020603050405020304" pitchFamily="18" charset="0"/>
-              <a:ea typeface="Calibri" panose="020F0502020204030204" pitchFamily="34" charset="0"/>
-              <a:cs typeface="Times New Roman" panose="02020603050405020304" pitchFamily="18" charset="0"/>
-            </a:endParaRPr>
           </a:p>
           <a:p>
             <a:pPr marL="342900" lvl="0" indent="-342900" algn="just">
@@ -22703,11 +24457,6 @@
               </a:rPr>
               <a:t>Emercoin DNS</a:t>
             </a:r>
-            <a:endParaRPr lang="en-US" sz="1600" b="1" dirty="0">
-              <a:latin typeface="Times New Roman" panose="02020603050405020304" pitchFamily="18" charset="0"/>
-              <a:ea typeface="Calibri" panose="020F0502020204030204" pitchFamily="34" charset="0"/>
-              <a:cs typeface="Times New Roman" panose="02020603050405020304" pitchFamily="18" charset="0"/>
-            </a:endParaRPr>
           </a:p>
           <a:p>
             <a:pPr marL="342900" lvl="0" indent="-342900" algn="just">
@@ -22728,11 +24477,6 @@
               </a:rPr>
               <a:t>PeerName</a:t>
             </a:r>
-            <a:endParaRPr lang="en-US" sz="1600" b="1" dirty="0">
-              <a:latin typeface="Times New Roman" panose="02020603050405020304" pitchFamily="18" charset="0"/>
-              <a:ea typeface="Calibri" panose="020F0502020204030204" pitchFamily="34" charset="0"/>
-              <a:cs typeface="Times New Roman" panose="02020603050405020304" pitchFamily="18" charset="0"/>
-            </a:endParaRPr>
           </a:p>
           <a:p>
             <a:pPr marL="342900" lvl="0" indent="-342900" algn="just">
@@ -22753,11 +24497,6 @@
               </a:rPr>
               <a:t>Blockchain DNS for Firefox</a:t>
             </a:r>
-            <a:endParaRPr lang="en-US" sz="1600" b="1" dirty="0">
-              <a:latin typeface="Times New Roman" panose="02020603050405020304" pitchFamily="18" charset="0"/>
-              <a:ea typeface="Calibri" panose="020F0502020204030204" pitchFamily="34" charset="0"/>
-              <a:cs typeface="Times New Roman" panose="02020603050405020304" pitchFamily="18" charset="0"/>
-            </a:endParaRPr>
           </a:p>
           <a:p>
             <a:pPr marL="342900" lvl="0" indent="-342900" algn="just">
@@ -22778,11 +24517,6 @@
               </a:rPr>
               <a:t>FrigGate for Chrome and other browsers</a:t>
             </a:r>
-            <a:endParaRPr lang="en-US" sz="1600" b="1" dirty="0">
-              <a:latin typeface="Times New Roman" panose="02020603050405020304" pitchFamily="18" charset="0"/>
-              <a:ea typeface="Calibri" panose="020F0502020204030204" pitchFamily="34" charset="0"/>
-              <a:cs typeface="Times New Roman" panose="02020603050405020304" pitchFamily="18" charset="0"/>
-            </a:endParaRPr>
           </a:p>
           <a:p>
             <a:pPr marL="342900" lvl="0" indent="-342900" algn="just">
@@ -22803,11 +24537,6 @@
               </a:rPr>
               <a:t>NEM Blockchain DNS extension</a:t>
             </a:r>
-            <a:endParaRPr lang="en-US" sz="1600" b="1" dirty="0">
-              <a:latin typeface="Times New Roman" panose="02020603050405020304" pitchFamily="18" charset="0"/>
-              <a:ea typeface="Calibri" panose="020F0502020204030204" pitchFamily="34" charset="0"/>
-              <a:cs typeface="Times New Roman" panose="02020603050405020304" pitchFamily="18" charset="0"/>
-            </a:endParaRPr>
           </a:p>
           <a:p>
             <a:pPr marL="342900" lvl="0" indent="-342900" algn="just">
@@ -22828,11 +24557,6 @@
               </a:rPr>
               <a:t>Unstoppable Domains</a:t>
             </a:r>
-            <a:endParaRPr lang="en-US" sz="1600" b="1" dirty="0">
-              <a:latin typeface="Times New Roman" panose="02020603050405020304" pitchFamily="18" charset="0"/>
-              <a:ea typeface="Calibri" panose="020F0502020204030204" pitchFamily="34" charset="0"/>
-              <a:cs typeface="Times New Roman" panose="02020603050405020304" pitchFamily="18" charset="0"/>
-            </a:endParaRPr>
           </a:p>
           <a:p>
             <a:pPr marL="342900" lvl="0" indent="-342900" algn="just">
@@ -22853,11 +24577,6 @@
               </a:rPr>
               <a:t>Aloaha Blockchain DNS</a:t>
             </a:r>
-            <a:endParaRPr lang="en-US" sz="1600" b="1" dirty="0">
-              <a:latin typeface="Times New Roman" panose="02020603050405020304" pitchFamily="18" charset="0"/>
-              <a:ea typeface="Calibri" panose="020F0502020204030204" pitchFamily="34" charset="0"/>
-              <a:cs typeface="Times New Roman" panose="02020603050405020304" pitchFamily="18" charset="0"/>
-            </a:endParaRPr>
           </a:p>
         </p:txBody>
       </p:sp>
@@ -22905,7 +24624,7 @@
           <p:nvPr/>
         </p:nvPicPr>
         <p:blipFill>
-          <a:blip r:embed="rId1">
+          <a:blip r:embed="rId2">
             <a:extLst>
               <a:ext uri="{28A0092B-C50C-407E-A947-70E740481C1C}">
                 <a14:useLocalDpi xmlns:a14="http://schemas.microsoft.com/office/drawing/2010/main" val="0"/>
@@ -22946,7 +24665,7 @@
           <p:nvPr/>
         </p:nvPicPr>
         <p:blipFill>
-          <a:blip r:embed="rId2" cstate="print">
+          <a:blip r:embed="rId3" cstate="print">
             <a:extLst>
               <a:ext uri="{28A0092B-C50C-407E-A947-70E740481C1C}">
                 <a14:useLocalDpi xmlns:a14="http://schemas.microsoft.com/office/drawing/2010/main" val="0"/>
@@ -22987,7 +24706,7 @@
           <p:nvPr/>
         </p:nvPicPr>
         <p:blipFill>
-          <a:blip r:embed="rId3" cstate="print">
+          <a:blip r:embed="rId4" cstate="print">
             <a:extLst>
               <a:ext uri="{28A0092B-C50C-407E-A947-70E740481C1C}">
                 <a14:useLocalDpi xmlns:a14="http://schemas.microsoft.com/office/drawing/2010/main" val="0"/>
@@ -23104,10 +24823,6 @@
               </a:rPr>
               <a:t>://www.softwaretestinghelp.com/best-blockchain-dns-software/</a:t>
             </a:r>
-            <a:endParaRPr lang="en-US" sz="1100" dirty="0">
-              <a:latin typeface="Arial" panose="020B0604020202020204" pitchFamily="34" charset="0"/>
-              <a:cs typeface="Arial" panose="020B0604020202020204" pitchFamily="34" charset="0"/>
-            </a:endParaRPr>
           </a:p>
         </p:txBody>
       </p:sp>
@@ -23146,16 +24861,6 @@
               </a:rPr>
               <a:t>Danh sách xếp hạng 13 phần mềm DNS Blockchain </a:t>
             </a:r>
-            <a:endParaRPr lang="en-US" sz="2400" b="1" dirty="0">
-              <a:solidFill>
-                <a:schemeClr val="accent2">
-                  <a:lumMod val="50000"/>
-                </a:schemeClr>
-              </a:solidFill>
-              <a:latin typeface="Arial" panose="020B0604020202020204" pitchFamily="34" charset="0"/>
-              <a:ea typeface="Roboto" panose="02000000000000000000" pitchFamily="2" charset="0"/>
-              <a:cs typeface="Arial" panose="020B0604020202020204" pitchFamily="34" charset="0"/>
-            </a:endParaRPr>
           </a:p>
         </p:txBody>
       </p:sp>
@@ -23539,1428 +25244,6 @@
       <p:bldP spid="9" grpId="0"/>
       <p:bldP spid="12" grpId="0"/>
       <p:bldP spid="13" grpId="0"/>
-    </p:bldLst>
-  </p:timing>
-</p:sld>
-</file>
-
-<file path=ppt/slides/slide9.xml><?xml version="1.0" encoding="utf-8"?>
-<p:sld xmlns:a="http://schemas.openxmlformats.org/drawingml/2006/main" xmlns:r="http://schemas.openxmlformats.org/officeDocument/2006/relationships" xmlns:p="http://schemas.openxmlformats.org/presentationml/2006/main">
-  <p:cSld>
-    <p:spTree>
-      <p:nvGrpSpPr>
-        <p:cNvPr id="1" name=""/>
-        <p:cNvGrpSpPr/>
-        <p:nvPr/>
-      </p:nvGrpSpPr>
-      <p:grpSpPr>
-        <a:xfrm>
-          <a:off x="0" y="0"/>
-          <a:ext cx="0" cy="0"/>
-          <a:chOff x="0" y="0"/>
-          <a:chExt cx="0" cy="0"/>
-        </a:xfrm>
-      </p:grpSpPr>
-      <p:sp>
-        <p:nvSpPr>
-          <p:cNvPr id="6" name="Title 1"/>
-          <p:cNvSpPr>
-            <a:spLocks noGrp="1"/>
-          </p:cNvSpPr>
-          <p:nvPr>
-            <p:ph type="title"/>
-          </p:nvPr>
-        </p:nvSpPr>
-        <p:spPr>
-          <a:xfrm>
-            <a:off x="1019175" y="230505"/>
-            <a:ext cx="10058400" cy="657944"/>
-          </a:xfrm>
-        </p:spPr>
-        <p:txBody>
-          <a:bodyPr>
-            <a:normAutofit/>
-          </a:bodyPr>
-          <a:lstStyle/>
-          <a:p>
-            <a:r>
-              <a:rPr lang="en-US" sz="4000" b="1" spc="50" dirty="0" smtClean="0">
-                <a:blipFill>
-                  <a:blip r:embed="rId1">
-                    <a:extLst>
-                      <a:ext uri="{28A0092B-C50C-407E-A947-70E740481C1C}">
-                        <a14:useLocalDpi xmlns:a14="http://schemas.microsoft.com/office/drawing/2010/main" val="0"/>
-                      </a:ext>
-                    </a:extLst>
-                  </a:blip>
-                  <a:tile tx="6350" ty="-127000" sx="65000" sy="64000" flip="none" algn="tl"/>
-                </a:blipFill>
-                <a:latin typeface="Times New Roman" panose="02020603050405020304" pitchFamily="18" charset="0"/>
-                <a:cs typeface="Times New Roman" panose="02020603050405020304" pitchFamily="18" charset="0"/>
-                <a:sym typeface="+mn-ea"/>
-              </a:rPr>
-              <a:t>Cơ chế của DNS BLOCKCHAIN</a:t>
-            </a:r>
-            <a:endParaRPr lang="en-US" sz="4000" dirty="0">
-              <a:latin typeface="Arial" panose="020B0604020202020204" pitchFamily="34" charset="0"/>
-              <a:cs typeface="Arial" panose="020B0604020202020204" pitchFamily="34" charset="0"/>
-            </a:endParaRPr>
-          </a:p>
-        </p:txBody>
-      </p:sp>
-      <p:sp>
-        <p:nvSpPr>
-          <p:cNvPr id="4" name="Slide Number Placeholder 3"/>
-          <p:cNvSpPr>
-            <a:spLocks noGrp="1"/>
-          </p:cNvSpPr>
-          <p:nvPr>
-            <p:ph type="sldNum" sz="quarter" idx="12"/>
-          </p:nvPr>
-        </p:nvSpPr>
-        <p:spPr/>
-        <p:txBody>
-          <a:bodyPr/>
-          <a:lstStyle/>
-          <a:p>
-            <a:fld id="{040DEF24-717E-4741-8753-F7E431A261E5}" type="slidenum">
-              <a:rPr lang="en-US" smtClean="0"/>
-            </a:fld>
-            <a:endParaRPr lang="en-US"/>
-          </a:p>
-        </p:txBody>
-      </p:sp>
-      <p:pic>
-        <p:nvPicPr>
-          <p:cNvPr id="5" name="Picture 4"/>
-          <p:cNvPicPr/>
-          <p:nvPr/>
-        </p:nvPicPr>
-        <p:blipFill>
-          <a:blip r:embed="rId2"/>
-          <a:stretch>
-            <a:fillRect/>
-          </a:stretch>
-        </p:blipFill>
-        <p:spPr>
-          <a:xfrm>
-            <a:off x="6089044" y="1042812"/>
-            <a:ext cx="5243554" cy="2562867"/>
-          </a:xfrm>
-          <a:prstGeom prst="rect">
-            <a:avLst/>
-          </a:prstGeom>
-          <a:ln w="12700">
-            <a:solidFill>
-              <a:schemeClr val="tx1"/>
-            </a:solidFill>
-          </a:ln>
-        </p:spPr>
-      </p:pic>
-      <p:sp>
-        <p:nvSpPr>
-          <p:cNvPr id="7" name="Rectangle 6"/>
-          <p:cNvSpPr/>
-          <p:nvPr/>
-        </p:nvSpPr>
-        <p:spPr>
-          <a:xfrm>
-            <a:off x="0" y="0"/>
-            <a:ext cx="427839" cy="6858000"/>
-          </a:xfrm>
-          <a:prstGeom prst="rect">
-            <a:avLst/>
-          </a:prstGeom>
-          <a:solidFill>
-            <a:srgbClr val="CE2127"/>
-          </a:solidFill>
-        </p:spPr>
-        <p:style>
-          <a:lnRef idx="2">
-            <a:schemeClr val="accent1">
-              <a:shade val="50000"/>
-            </a:schemeClr>
-          </a:lnRef>
-          <a:fillRef idx="1">
-            <a:schemeClr val="accent1"/>
-          </a:fillRef>
-          <a:effectRef idx="0">
-            <a:schemeClr val="accent1"/>
-          </a:effectRef>
-          <a:fontRef idx="minor">
-            <a:schemeClr val="lt1"/>
-          </a:fontRef>
-        </p:style>
-        <p:txBody>
-          <a:bodyPr rtlCol="0" anchor="ctr"/>
-          <a:lstStyle/>
-          <a:p>
-            <a:pPr algn="ctr"/>
-            <a:endParaRPr lang="en-US">
-              <a:solidFill>
-                <a:srgbClr val="FF0000"/>
-              </a:solidFill>
-            </a:endParaRPr>
-          </a:p>
-        </p:txBody>
-      </p:sp>
-      <p:sp>
-        <p:nvSpPr>
-          <p:cNvPr id="8" name="TextBox 7"/>
-          <p:cNvSpPr txBox="1"/>
-          <p:nvPr/>
-        </p:nvSpPr>
-        <p:spPr>
-          <a:xfrm>
-            <a:off x="1044448" y="906044"/>
-            <a:ext cx="5019323" cy="461665"/>
-          </a:xfrm>
-          <a:prstGeom prst="rect">
-            <a:avLst/>
-          </a:prstGeom>
-          <a:noFill/>
-        </p:spPr>
-        <p:txBody>
-          <a:bodyPr wrap="none" rtlCol="0">
-            <a:spAutoFit/>
-          </a:bodyPr>
-          <a:lstStyle/>
-          <a:p>
-            <a:r>
-              <a:rPr lang="en-US" sz="2400" b="1" dirty="0" smtClean="0">
-                <a:solidFill>
-                  <a:schemeClr val="accent2">
-                    <a:lumMod val="50000"/>
-                  </a:schemeClr>
-                </a:solidFill>
-                <a:latin typeface="Arial" panose="020B0604020202020204" pitchFamily="34" charset="0"/>
-                <a:ea typeface="Roboto" panose="02000000000000000000" pitchFamily="2" charset="0"/>
-                <a:cs typeface="Arial" panose="020B0604020202020204" pitchFamily="34" charset="0"/>
-              </a:rPr>
-              <a:t>DNS Blockchain hoàn chỉnh gồm</a:t>
-            </a:r>
-            <a:endParaRPr lang="en-US" sz="2400" b="1" dirty="0">
-              <a:solidFill>
-                <a:schemeClr val="accent2">
-                  <a:lumMod val="50000"/>
-                </a:schemeClr>
-              </a:solidFill>
-              <a:latin typeface="Arial" panose="020B0604020202020204" pitchFamily="34" charset="0"/>
-              <a:ea typeface="Roboto" panose="02000000000000000000" pitchFamily="2" charset="0"/>
-              <a:cs typeface="Arial" panose="020B0604020202020204" pitchFamily="34" charset="0"/>
-            </a:endParaRPr>
-          </a:p>
-        </p:txBody>
-      </p:sp>
-      <p:sp>
-        <p:nvSpPr>
-          <p:cNvPr id="9" name="Rectangle 8"/>
-          <p:cNvSpPr/>
-          <p:nvPr/>
-        </p:nvSpPr>
-        <p:spPr>
-          <a:xfrm>
-            <a:off x="1076209" y="2815950"/>
-            <a:ext cx="1446397" cy="415498"/>
-          </a:xfrm>
-          <a:prstGeom prst="rect">
-            <a:avLst/>
-          </a:prstGeom>
-        </p:spPr>
-        <p:txBody>
-          <a:bodyPr wrap="square">
-            <a:spAutoFit/>
-          </a:bodyPr>
-          <a:lstStyle/>
-          <a:p>
-            <a:pPr lvl="0" algn="just">
-              <a:lnSpc>
-                <a:spcPct val="150000"/>
-              </a:lnSpc>
-              <a:spcAft>
-                <a:spcPts val="0"/>
-              </a:spcAft>
-            </a:pPr>
-            <a:r>
-              <a:rPr lang="en-US" sz="1400" b="1" dirty="0" smtClean="0">
-                <a:latin typeface="Arial" panose="020B0604020202020204" pitchFamily="34" charset="0"/>
-                <a:ea typeface="Calibri" panose="020F0502020204030204" pitchFamily="34" charset="0"/>
-                <a:cs typeface="Arial" panose="020B0604020202020204" pitchFamily="34" charset="0"/>
-              </a:rPr>
-              <a:t>Data Access: </a:t>
-            </a:r>
-            <a:endParaRPr lang="en-US" sz="1400" b="1" dirty="0" smtClean="0">
-              <a:latin typeface="Arial" panose="020B0604020202020204" pitchFamily="34" charset="0"/>
-              <a:ea typeface="Calibri" panose="020F0502020204030204" pitchFamily="34" charset="0"/>
-              <a:cs typeface="Arial" panose="020B0604020202020204" pitchFamily="34" charset="0"/>
-            </a:endParaRPr>
-          </a:p>
-        </p:txBody>
-      </p:sp>
-      <p:sp>
-        <p:nvSpPr>
-          <p:cNvPr id="2" name="Rectangle 1"/>
-          <p:cNvSpPr/>
-          <p:nvPr/>
-        </p:nvSpPr>
-        <p:spPr>
-          <a:xfrm>
-            <a:off x="1044448" y="4002387"/>
-            <a:ext cx="10288150" cy="808555"/>
-          </a:xfrm>
-          <a:prstGeom prst="rect">
-            <a:avLst/>
-          </a:prstGeom>
-          <a:solidFill>
-            <a:schemeClr val="tx2">
-              <a:lumMod val="20000"/>
-              <a:lumOff val="80000"/>
-            </a:schemeClr>
-          </a:solidFill>
-        </p:spPr>
-        <p:txBody>
-          <a:bodyPr wrap="square">
-            <a:spAutoFit/>
-          </a:bodyPr>
-          <a:lstStyle/>
-          <a:p>
-            <a:pPr marL="342900" lvl="0" indent="-342900" algn="just">
-              <a:lnSpc>
-                <a:spcPct val="114000"/>
-              </a:lnSpc>
-              <a:spcAft>
-                <a:spcPts val="0"/>
-              </a:spcAft>
-              <a:buFont typeface="Times New Roman" panose="02020603050405020304" pitchFamily="18" charset="0"/>
-              <a:buChar char="-"/>
-            </a:pPr>
-            <a:r>
-              <a:rPr lang="en-US" sz="1400" dirty="0" smtClean="0">
-                <a:latin typeface="Arial" panose="020B0604020202020204" pitchFamily="34" charset="0"/>
-                <a:ea typeface="Calibri" panose="020F0502020204030204" pitchFamily="34" charset="0"/>
-                <a:cs typeface="Arial" panose="020B0604020202020204" pitchFamily="34" charset="0"/>
-              </a:rPr>
-              <a:t>Domain </a:t>
-            </a:r>
-            <a:r>
-              <a:rPr lang="en-US" sz="1400" dirty="0">
-                <a:latin typeface="Arial" panose="020B0604020202020204" pitchFamily="34" charset="0"/>
-                <a:ea typeface="Calibri" panose="020F0502020204030204" pitchFamily="34" charset="0"/>
-                <a:cs typeface="Arial" panose="020B0604020202020204" pitchFamily="34" charset="0"/>
-              </a:rPr>
-              <a:t>Name Service </a:t>
-            </a:r>
-            <a:r>
-              <a:rPr lang="en-US" sz="1400" dirty="0" smtClean="0">
-                <a:latin typeface="Arial" panose="020B0604020202020204" pitchFamily="34" charset="0"/>
-                <a:ea typeface="Calibri" panose="020F0502020204030204" pitchFamily="34" charset="0"/>
-                <a:cs typeface="Arial" panose="020B0604020202020204" pitchFamily="34" charset="0"/>
-              </a:rPr>
-              <a:t>Center ( DSC ) đóng vai trò hạn chế kiểm tra dữ liệu đầu vào trùng lặp hoặc không hợp lệ</a:t>
-            </a:r>
-            <a:endParaRPr lang="en-US" sz="1400" dirty="0" smtClean="0">
-              <a:latin typeface="Arial" panose="020B0604020202020204" pitchFamily="34" charset="0"/>
-              <a:ea typeface="Calibri" panose="020F0502020204030204" pitchFamily="34" charset="0"/>
-              <a:cs typeface="Arial" panose="020B0604020202020204" pitchFamily="34" charset="0"/>
-            </a:endParaRPr>
-          </a:p>
-          <a:p>
-            <a:pPr marL="342900" lvl="0" indent="-342900" algn="just">
-              <a:lnSpc>
-                <a:spcPct val="114000"/>
-              </a:lnSpc>
-              <a:spcAft>
-                <a:spcPts val="0"/>
-              </a:spcAft>
-              <a:buFont typeface="Times New Roman" panose="02020603050405020304" pitchFamily="18" charset="0"/>
-              <a:buChar char="-"/>
-            </a:pPr>
-            <a:r>
-              <a:rPr lang="en-US" sz="1400" dirty="0">
-                <a:latin typeface="Arial" panose="020B0604020202020204" pitchFamily="34" charset="0"/>
-                <a:ea typeface="Calibri" panose="020F0502020204030204" pitchFamily="34" charset="0"/>
-                <a:cs typeface="Arial" panose="020B0604020202020204" pitchFamily="34" charset="0"/>
-              </a:rPr>
-              <a:t>TLD Service Centers</a:t>
-            </a:r>
-            <a:r>
-              <a:rPr lang="en-US" sz="1400" dirty="0" smtClean="0">
-                <a:latin typeface="Arial" panose="020B0604020202020204" pitchFamily="34" charset="0"/>
-                <a:ea typeface="Calibri" panose="020F0502020204030204" pitchFamily="34" charset="0"/>
-                <a:cs typeface="Arial" panose="020B0604020202020204" pitchFamily="34" charset="0"/>
-              </a:rPr>
-              <a:t> ( TSC ) tiếp nhận yêu cầu có </a:t>
-            </a:r>
-            <a:r>
-              <a:rPr lang="en-US" sz="1400" dirty="0">
-                <a:latin typeface="Arial" panose="020B0604020202020204" pitchFamily="34" charset="0"/>
-                <a:ea typeface="Calibri" panose="020F0502020204030204" pitchFamily="34" charset="0"/>
-                <a:cs typeface="Arial" panose="020B0604020202020204" pitchFamily="34" charset="0"/>
-              </a:rPr>
-              <a:t>chỉ định cần phải </a:t>
-            </a:r>
-            <a:r>
-              <a:rPr lang="en-US" sz="1400" dirty="0" smtClean="0">
-                <a:latin typeface="Arial" panose="020B0604020202020204" pitchFamily="34" charset="0"/>
-                <a:ea typeface="Calibri" panose="020F0502020204030204" pitchFamily="34" charset="0"/>
-                <a:cs typeface="Arial" panose="020B0604020202020204" pitchFamily="34" charset="0"/>
-              </a:rPr>
-              <a:t>thêm, sửa </a:t>
-            </a:r>
-            <a:r>
-              <a:rPr lang="en-US" sz="1400" dirty="0">
-                <a:latin typeface="Arial" panose="020B0604020202020204" pitchFamily="34" charset="0"/>
-                <a:ea typeface="Calibri" panose="020F0502020204030204" pitchFamily="34" charset="0"/>
-                <a:cs typeface="Arial" panose="020B0604020202020204" pitchFamily="34" charset="0"/>
-              </a:rPr>
-              <a:t>hoặc hủy bỏ, TSC sẽ tiến hành thực thi tùy theo trường hợp phát </a:t>
-            </a:r>
-            <a:r>
-              <a:rPr lang="en-US" sz="1400" dirty="0" smtClean="0">
-                <a:latin typeface="Arial" panose="020B0604020202020204" pitchFamily="34" charset="0"/>
-                <a:ea typeface="Calibri" panose="020F0502020204030204" pitchFamily="34" charset="0"/>
-                <a:cs typeface="Arial" panose="020B0604020202020204" pitchFamily="34" charset="0"/>
-              </a:rPr>
-              <a:t>sinh. </a:t>
-            </a:r>
-            <a:endParaRPr lang="en-US" sz="1400" dirty="0" smtClean="0">
-              <a:latin typeface="Arial" panose="020B0604020202020204" pitchFamily="34" charset="0"/>
-              <a:ea typeface="Calibri" panose="020F0502020204030204" pitchFamily="34" charset="0"/>
-              <a:cs typeface="Arial" panose="020B0604020202020204" pitchFamily="34" charset="0"/>
-            </a:endParaRPr>
-          </a:p>
-        </p:txBody>
-      </p:sp>
-      <p:sp>
-        <p:nvSpPr>
-          <p:cNvPr id="3" name="TextBox 2"/>
-          <p:cNvSpPr txBox="1"/>
-          <p:nvPr/>
-        </p:nvSpPr>
-        <p:spPr>
-          <a:xfrm>
-            <a:off x="2353041" y="1456100"/>
-            <a:ext cx="3431300" cy="738664"/>
-          </a:xfrm>
-          <a:prstGeom prst="rect">
-            <a:avLst/>
-          </a:prstGeom>
-          <a:noFill/>
-        </p:spPr>
-        <p:txBody>
-          <a:bodyPr wrap="square" rtlCol="0">
-            <a:spAutoFit/>
-          </a:bodyPr>
-          <a:lstStyle/>
-          <a:p>
-            <a:pPr lvl="0"/>
-            <a:r>
-              <a:rPr lang="en-US" sz="1400" dirty="0">
-                <a:latin typeface="Arial" panose="020B0604020202020204" pitchFamily="34" charset="0"/>
-                <a:ea typeface="Calibri" panose="020F0502020204030204" pitchFamily="34" charset="0"/>
-                <a:cs typeface="Arial" panose="020B0604020202020204" pitchFamily="34" charset="0"/>
-              </a:rPr>
-              <a:t>Chịu trách nhiệm cho việc upload dữ liệu tên miền và thực thi những yêu cầu với dữ liệu upload</a:t>
-            </a:r>
-            <a:r>
-              <a:rPr lang="en-US" sz="1400" dirty="0" smtClean="0">
-                <a:latin typeface="Arial" panose="020B0604020202020204" pitchFamily="34" charset="0"/>
-                <a:ea typeface="Calibri" panose="020F0502020204030204" pitchFamily="34" charset="0"/>
-                <a:cs typeface="Arial" panose="020B0604020202020204" pitchFamily="34" charset="0"/>
-              </a:rPr>
-              <a:t>.</a:t>
-            </a:r>
-            <a:endParaRPr lang="en-US" sz="1400" dirty="0">
-              <a:latin typeface="Arial" panose="020B0604020202020204" pitchFamily="34" charset="0"/>
-              <a:ea typeface="Calibri" panose="020F0502020204030204" pitchFamily="34" charset="0"/>
-              <a:cs typeface="Arial" panose="020B0604020202020204" pitchFamily="34" charset="0"/>
-            </a:endParaRPr>
-          </a:p>
-        </p:txBody>
-      </p:sp>
-      <p:sp>
-        <p:nvSpPr>
-          <p:cNvPr id="10" name="TextBox 9"/>
-          <p:cNvSpPr txBox="1"/>
-          <p:nvPr/>
-        </p:nvSpPr>
-        <p:spPr>
-          <a:xfrm>
-            <a:off x="2353041" y="2241385"/>
-            <a:ext cx="3431300" cy="587853"/>
-          </a:xfrm>
-          <a:prstGeom prst="rect">
-            <a:avLst/>
-          </a:prstGeom>
-          <a:noFill/>
-        </p:spPr>
-        <p:txBody>
-          <a:bodyPr wrap="square" rtlCol="0">
-            <a:spAutoFit/>
-          </a:bodyPr>
-          <a:lstStyle/>
-          <a:p>
-            <a:pPr lvl="0" algn="just">
-              <a:lnSpc>
-                <a:spcPct val="115000"/>
-              </a:lnSpc>
-              <a:spcBef>
-                <a:spcPts val="300"/>
-              </a:spcBef>
-              <a:spcAft>
-                <a:spcPts val="0"/>
-              </a:spcAft>
-            </a:pPr>
-            <a:r>
-              <a:rPr lang="en-US" sz="1400" dirty="0">
-                <a:latin typeface="Arial" panose="020B0604020202020204" pitchFamily="34" charset="0"/>
-                <a:ea typeface="Calibri" panose="020F0502020204030204" pitchFamily="34" charset="0"/>
-                <a:cs typeface="Arial" panose="020B0604020202020204" pitchFamily="34" charset="0"/>
-              </a:rPr>
-              <a:t>Blockchain lưu trữ những dữ liệu tên miền đã được đồng bộ hóa. </a:t>
-            </a:r>
-            <a:endParaRPr lang="en-US" sz="1400" dirty="0">
-              <a:latin typeface="Arial" panose="020B0604020202020204" pitchFamily="34" charset="0"/>
-              <a:ea typeface="Calibri" panose="020F0502020204030204" pitchFamily="34" charset="0"/>
-              <a:cs typeface="Arial" panose="020B0604020202020204" pitchFamily="34" charset="0"/>
-            </a:endParaRPr>
-          </a:p>
-        </p:txBody>
-      </p:sp>
-      <p:sp>
-        <p:nvSpPr>
-          <p:cNvPr id="12" name="TextBox 11"/>
-          <p:cNvSpPr txBox="1"/>
-          <p:nvPr/>
-        </p:nvSpPr>
-        <p:spPr>
-          <a:xfrm>
-            <a:off x="2353040" y="2890569"/>
-            <a:ext cx="3431301" cy="587853"/>
-          </a:xfrm>
-          <a:prstGeom prst="rect">
-            <a:avLst/>
-          </a:prstGeom>
-          <a:noFill/>
-        </p:spPr>
-        <p:txBody>
-          <a:bodyPr wrap="square" rtlCol="0">
-            <a:spAutoFit/>
-          </a:bodyPr>
-          <a:lstStyle/>
-          <a:p>
-            <a:pPr lvl="0" algn="just">
-              <a:lnSpc>
-                <a:spcPct val="115000"/>
-              </a:lnSpc>
-              <a:spcAft>
-                <a:spcPts val="300"/>
-              </a:spcAft>
-            </a:pPr>
-            <a:r>
-              <a:rPr lang="en-US" sz="1400" dirty="0">
-                <a:latin typeface="Arial" panose="020B0604020202020204" pitchFamily="34" charset="0"/>
-                <a:ea typeface="Calibri" panose="020F0502020204030204" pitchFamily="34" charset="0"/>
-                <a:cs typeface="Arial" panose="020B0604020202020204" pitchFamily="34" charset="0"/>
-              </a:rPr>
-              <a:t>Chịu trách nhiệm nhận yêu cầu và trả kết quả phân giải cho người yêu cầu</a:t>
-            </a:r>
-            <a:r>
-              <a:rPr lang="en-US" sz="1400" dirty="0" smtClean="0">
-                <a:latin typeface="Arial" panose="020B0604020202020204" pitchFamily="34" charset="0"/>
-                <a:ea typeface="Calibri" panose="020F0502020204030204" pitchFamily="34" charset="0"/>
-                <a:cs typeface="Arial" panose="020B0604020202020204" pitchFamily="34" charset="0"/>
-              </a:rPr>
-              <a:t>.</a:t>
-            </a:r>
-            <a:endParaRPr lang="en-US" sz="1400" dirty="0">
-              <a:latin typeface="Arial" panose="020B0604020202020204" pitchFamily="34" charset="0"/>
-              <a:ea typeface="Calibri" panose="020F0502020204030204" pitchFamily="34" charset="0"/>
-              <a:cs typeface="Arial" panose="020B0604020202020204" pitchFamily="34" charset="0"/>
-            </a:endParaRPr>
-          </a:p>
-        </p:txBody>
-      </p:sp>
-      <p:sp>
-        <p:nvSpPr>
-          <p:cNvPr id="13" name="Rectangle 12"/>
-          <p:cNvSpPr/>
-          <p:nvPr/>
-        </p:nvSpPr>
-        <p:spPr>
-          <a:xfrm>
-            <a:off x="1044448" y="3680533"/>
-            <a:ext cx="1782860" cy="318998"/>
-          </a:xfrm>
-          <a:prstGeom prst="rect">
-            <a:avLst/>
-          </a:prstGeom>
-        </p:spPr>
-        <p:txBody>
-          <a:bodyPr wrap="none">
-            <a:spAutoFit/>
-          </a:bodyPr>
-          <a:lstStyle/>
-          <a:p>
-            <a:pPr lvl="0" algn="just">
-              <a:lnSpc>
-                <a:spcPct val="115000"/>
-              </a:lnSpc>
-              <a:spcBef>
-                <a:spcPts val="300"/>
-              </a:spcBef>
-              <a:spcAft>
-                <a:spcPts val="0"/>
-              </a:spcAft>
-            </a:pPr>
-            <a:r>
-              <a:rPr lang="en-US" sz="1400" b="1" dirty="0" smtClean="0">
-                <a:solidFill>
-                  <a:schemeClr val="accent2">
-                    <a:lumMod val="50000"/>
-                  </a:schemeClr>
-                </a:solidFill>
-                <a:latin typeface="Arial" panose="020B0604020202020204" pitchFamily="34" charset="0"/>
-                <a:ea typeface="Roboto" panose="02000000000000000000" pitchFamily="2" charset="0"/>
-                <a:cs typeface="Arial" panose="020B0604020202020204" pitchFamily="34" charset="0"/>
-              </a:rPr>
-              <a:t>Giai đoạn chuẩn bị</a:t>
-            </a:r>
-            <a:endParaRPr lang="en-US" sz="1400" b="1" dirty="0">
-              <a:solidFill>
-                <a:schemeClr val="accent2">
-                  <a:lumMod val="50000"/>
-                </a:schemeClr>
-              </a:solidFill>
-              <a:latin typeface="Arial" panose="020B0604020202020204" pitchFamily="34" charset="0"/>
-              <a:ea typeface="Roboto" panose="02000000000000000000" pitchFamily="2" charset="0"/>
-              <a:cs typeface="Arial" panose="020B0604020202020204" pitchFamily="34" charset="0"/>
-            </a:endParaRPr>
-          </a:p>
-        </p:txBody>
-      </p:sp>
-      <p:sp>
-        <p:nvSpPr>
-          <p:cNvPr id="14" name="Rectangle 13"/>
-          <p:cNvSpPr/>
-          <p:nvPr/>
-        </p:nvSpPr>
-        <p:spPr>
-          <a:xfrm>
-            <a:off x="1044448" y="4878223"/>
-            <a:ext cx="1891865" cy="318998"/>
-          </a:xfrm>
-          <a:prstGeom prst="rect">
-            <a:avLst/>
-          </a:prstGeom>
-        </p:spPr>
-        <p:txBody>
-          <a:bodyPr wrap="none">
-            <a:spAutoFit/>
-          </a:bodyPr>
-          <a:lstStyle/>
-          <a:p>
-            <a:pPr algn="just">
-              <a:lnSpc>
-                <a:spcPct val="115000"/>
-              </a:lnSpc>
-              <a:spcBef>
-                <a:spcPts val="300"/>
-              </a:spcBef>
-            </a:pPr>
-            <a:r>
-              <a:rPr lang="en-US" sz="1400" b="1" dirty="0">
-                <a:solidFill>
-                  <a:schemeClr val="accent2">
-                    <a:lumMod val="50000"/>
-                  </a:schemeClr>
-                </a:solidFill>
-                <a:latin typeface="Arial" panose="020B0604020202020204" pitchFamily="34" charset="0"/>
-                <a:ea typeface="Roboto" panose="02000000000000000000" pitchFamily="2" charset="0"/>
-                <a:cs typeface="Arial" panose="020B0604020202020204" pitchFamily="34" charset="0"/>
-              </a:rPr>
-              <a:t>Giai đoạn tương tác</a:t>
-            </a:r>
-            <a:endParaRPr lang="en-US" sz="1400" b="1" dirty="0">
-              <a:solidFill>
-                <a:schemeClr val="accent2">
-                  <a:lumMod val="50000"/>
-                </a:schemeClr>
-              </a:solidFill>
-              <a:latin typeface="Arial" panose="020B0604020202020204" pitchFamily="34" charset="0"/>
-              <a:ea typeface="Roboto" panose="02000000000000000000" pitchFamily="2" charset="0"/>
-              <a:cs typeface="Arial" panose="020B0604020202020204" pitchFamily="34" charset="0"/>
-            </a:endParaRPr>
-          </a:p>
-        </p:txBody>
-      </p:sp>
-      <p:sp>
-        <p:nvSpPr>
-          <p:cNvPr id="16" name="Rectangle 15"/>
-          <p:cNvSpPr/>
-          <p:nvPr/>
-        </p:nvSpPr>
-        <p:spPr>
-          <a:xfrm>
-            <a:off x="1019175" y="5212969"/>
-            <a:ext cx="10313423" cy="1299715"/>
-          </a:xfrm>
-          <a:prstGeom prst="rect">
-            <a:avLst/>
-          </a:prstGeom>
-          <a:solidFill>
-            <a:schemeClr val="tx2">
-              <a:lumMod val="20000"/>
-              <a:lumOff val="80000"/>
-            </a:schemeClr>
-          </a:solidFill>
-        </p:spPr>
-        <p:txBody>
-          <a:bodyPr wrap="square">
-            <a:spAutoFit/>
-          </a:bodyPr>
-          <a:lstStyle/>
-          <a:p>
-            <a:pPr marL="342900" lvl="0" indent="-342900" algn="just">
-              <a:lnSpc>
-                <a:spcPct val="114000"/>
-              </a:lnSpc>
-              <a:spcBef>
-                <a:spcPts val="300"/>
-              </a:spcBef>
-              <a:spcAft>
-                <a:spcPts val="0"/>
-              </a:spcAft>
-              <a:buFont typeface="Times New Roman" panose="02020603050405020304" pitchFamily="18" charset="0"/>
-              <a:buChar char="-"/>
-            </a:pPr>
-            <a:r>
-              <a:rPr lang="en-US" sz="1400" dirty="0">
-                <a:latin typeface="Arial" panose="020B0604020202020204" pitchFamily="34" charset="0"/>
-                <a:ea typeface="Calibri" panose="020F0502020204030204" pitchFamily="34" charset="0"/>
-                <a:cs typeface="Arial" panose="020B0604020202020204" pitchFamily="34" charset="0"/>
-              </a:rPr>
-              <a:t>Sau khi được khởi tạo và đồng bộ dữ liệu, </a:t>
-            </a:r>
-            <a:r>
-              <a:rPr lang="en-US" sz="1400" dirty="0" smtClean="0">
-                <a:latin typeface="Arial" panose="020B0604020202020204" pitchFamily="34" charset="0"/>
-                <a:ea typeface="Calibri" panose="020F0502020204030204" pitchFamily="34" charset="0"/>
-                <a:cs typeface="Arial" panose="020B0604020202020204" pitchFamily="34" charset="0"/>
-              </a:rPr>
-              <a:t>TLDChain </a:t>
-            </a:r>
-            <a:r>
-              <a:rPr lang="en-US" sz="1400" dirty="0">
-                <a:latin typeface="Arial" panose="020B0604020202020204" pitchFamily="34" charset="0"/>
-                <a:ea typeface="Calibri" panose="020F0502020204030204" pitchFamily="34" charset="0"/>
-                <a:cs typeface="Arial" panose="020B0604020202020204" pitchFamily="34" charset="0"/>
-              </a:rPr>
-              <a:t>hoặc có thể gọi là Blockchain sẽ chia làm 2 chuyên mục : </a:t>
-            </a:r>
-            <a:r>
-              <a:rPr lang="en-US" sz="1400" dirty="0" smtClean="0">
-                <a:latin typeface="Arial" panose="020B0604020202020204" pitchFamily="34" charset="0"/>
-                <a:ea typeface="Calibri" panose="020F0502020204030204" pitchFamily="34" charset="0"/>
-                <a:cs typeface="Arial" panose="020B0604020202020204" pitchFamily="34" charset="0"/>
-              </a:rPr>
-              <a:t>thông thường hoặc </a:t>
-            </a:r>
-            <a:r>
-              <a:rPr lang="en-US" sz="1400" dirty="0">
-                <a:latin typeface="Arial" panose="020B0604020202020204" pitchFamily="34" charset="0"/>
-                <a:ea typeface="Calibri" panose="020F0502020204030204" pitchFamily="34" charset="0"/>
-                <a:cs typeface="Arial" panose="020B0604020202020204" pitchFamily="34" charset="0"/>
-              </a:rPr>
-              <a:t>chỉ định theo một lựa chọn nào đó ( ở ví dụ sẽ là quốc gia ) nhờ đó có thể áp dụng phân quyền tạo nên một Permissioned Blockchain ( kết hợp giữa Public và Private ).</a:t>
-            </a:r>
-            <a:endParaRPr lang="en-US" sz="1400" dirty="0">
-              <a:latin typeface="Arial" panose="020B0604020202020204" pitchFamily="34" charset="0"/>
-              <a:ea typeface="Calibri" panose="020F0502020204030204" pitchFamily="34" charset="0"/>
-              <a:cs typeface="Arial" panose="020B0604020202020204" pitchFamily="34" charset="0"/>
-            </a:endParaRPr>
-          </a:p>
-          <a:p>
-            <a:pPr marL="342900" lvl="0" indent="-342900" algn="just">
-              <a:lnSpc>
-                <a:spcPct val="114000"/>
-              </a:lnSpc>
-              <a:spcAft>
-                <a:spcPts val="300"/>
-              </a:spcAft>
-              <a:buFont typeface="Times New Roman" panose="02020603050405020304" pitchFamily="18" charset="0"/>
-              <a:buChar char="-"/>
-            </a:pPr>
-            <a:r>
-              <a:rPr lang="en-US" sz="1400" dirty="0">
-                <a:latin typeface="Arial" panose="020B0604020202020204" pitchFamily="34" charset="0"/>
-                <a:ea typeface="Calibri" panose="020F0502020204030204" pitchFamily="34" charset="0"/>
-                <a:cs typeface="Arial" panose="020B0604020202020204" pitchFamily="34" charset="0"/>
-              </a:rPr>
-              <a:t>Giai đoạn cuối cùng là Data Access, là nơi tiếp nhận thông tin của các người dùng và trực tiếp trả về kết quả thông qua việc xử lý thông tin ở TLDChain.</a:t>
-            </a:r>
-            <a:endParaRPr lang="en-US" sz="1400" dirty="0">
-              <a:latin typeface="Arial" panose="020B0604020202020204" pitchFamily="34" charset="0"/>
-              <a:ea typeface="Calibri" panose="020F0502020204030204" pitchFamily="34" charset="0"/>
-              <a:cs typeface="Arial" panose="020B0604020202020204" pitchFamily="34" charset="0"/>
-            </a:endParaRPr>
-          </a:p>
-        </p:txBody>
-      </p:sp>
-      <p:sp>
-        <p:nvSpPr>
-          <p:cNvPr id="17" name="Rectangle 16"/>
-          <p:cNvSpPr/>
-          <p:nvPr/>
-        </p:nvSpPr>
-        <p:spPr>
-          <a:xfrm>
-            <a:off x="1044448" y="1377141"/>
-            <a:ext cx="1327608" cy="375552"/>
-          </a:xfrm>
-          <a:prstGeom prst="rect">
-            <a:avLst/>
-          </a:prstGeom>
-        </p:spPr>
-        <p:txBody>
-          <a:bodyPr wrap="none">
-            <a:spAutoFit/>
-          </a:bodyPr>
-          <a:lstStyle/>
-          <a:p>
-            <a:pPr lvl="0">
-              <a:lnSpc>
-                <a:spcPct val="150000"/>
-              </a:lnSpc>
-              <a:spcBef>
-                <a:spcPts val="300"/>
-              </a:spcBef>
-            </a:pPr>
-            <a:r>
-              <a:rPr lang="en-US" sz="1400" b="1" dirty="0">
-                <a:latin typeface="Arial" panose="020B0604020202020204" pitchFamily="34" charset="0"/>
-                <a:ea typeface="Calibri" panose="020F0502020204030204" pitchFamily="34" charset="0"/>
-                <a:cs typeface="Arial" panose="020B0604020202020204" pitchFamily="34" charset="0"/>
-              </a:rPr>
-              <a:t>Data Publish:</a:t>
-            </a:r>
-            <a:endParaRPr lang="en-US" sz="1400" b="1" dirty="0">
-              <a:latin typeface="Arial" panose="020B0604020202020204" pitchFamily="34" charset="0"/>
-              <a:ea typeface="Calibri" panose="020F0502020204030204" pitchFamily="34" charset="0"/>
-              <a:cs typeface="Arial" panose="020B0604020202020204" pitchFamily="34" charset="0"/>
-            </a:endParaRPr>
-          </a:p>
-        </p:txBody>
-      </p:sp>
-      <p:sp>
-        <p:nvSpPr>
-          <p:cNvPr id="18" name="TextBox 17"/>
-          <p:cNvSpPr txBox="1"/>
-          <p:nvPr/>
-        </p:nvSpPr>
-        <p:spPr>
-          <a:xfrm>
-            <a:off x="1044448" y="2256321"/>
-            <a:ext cx="1138453" cy="307777"/>
-          </a:xfrm>
-          <a:prstGeom prst="rect">
-            <a:avLst/>
-          </a:prstGeom>
-          <a:noFill/>
-        </p:spPr>
-        <p:txBody>
-          <a:bodyPr wrap="none" rtlCol="0">
-            <a:spAutoFit/>
-          </a:bodyPr>
-          <a:lstStyle/>
-          <a:p>
-            <a:pPr lvl="0"/>
-            <a:r>
-              <a:rPr lang="en-US" sz="1400" b="1" dirty="0">
-                <a:latin typeface="Arial" panose="020B0604020202020204" pitchFamily="34" charset="0"/>
-                <a:ea typeface="Calibri" panose="020F0502020204030204" pitchFamily="34" charset="0"/>
-                <a:cs typeface="Arial" panose="020B0604020202020204" pitchFamily="34" charset="0"/>
-              </a:rPr>
-              <a:t>TLD </a:t>
-            </a:r>
-            <a:r>
-              <a:rPr lang="en-US" sz="1400" b="1" dirty="0" smtClean="0">
-                <a:latin typeface="Arial" panose="020B0604020202020204" pitchFamily="34" charset="0"/>
-                <a:ea typeface="Calibri" panose="020F0502020204030204" pitchFamily="34" charset="0"/>
-                <a:cs typeface="Arial" panose="020B0604020202020204" pitchFamily="34" charset="0"/>
-              </a:rPr>
-              <a:t>Chain:</a:t>
-            </a:r>
-            <a:endParaRPr lang="en-US" sz="1400" b="1" dirty="0">
-              <a:latin typeface="Arial" panose="020B0604020202020204" pitchFamily="34" charset="0"/>
-              <a:ea typeface="Calibri" panose="020F0502020204030204" pitchFamily="34" charset="0"/>
-              <a:cs typeface="Arial" panose="020B0604020202020204" pitchFamily="34" charset="0"/>
-            </a:endParaRPr>
-          </a:p>
-        </p:txBody>
-      </p:sp>
-    </p:spTree>
-  </p:cSld>
-  <p:clrMapOvr>
-    <a:masterClrMapping/>
-  </p:clrMapOvr>
-  <p:transition spd="slow">
-    <p:push dir="u"/>
-  </p:transition>
-  <p:timing>
-    <p:tnLst>
-      <p:par>
-        <p:cTn id="1" dur="indefinite" restart="never" nodeType="tmRoot">
-          <p:childTnLst>
-            <p:seq concurrent="1" nextAc="seek">
-              <p:cTn id="2" dur="indefinite" nodeType="mainSeq">
-                <p:childTnLst>
-                  <p:par>
-                    <p:cTn id="3" fill="hold">
-                      <p:stCondLst>
-                        <p:cond delay="indefinite"/>
-                        <p:cond evt="onBegin" delay="0">
-                          <p:tn val="2"/>
-                        </p:cond>
-                      </p:stCondLst>
-                      <p:childTnLst>
-                        <p:par>
-                          <p:cTn id="4" fill="hold">
-                            <p:stCondLst>
-                              <p:cond delay="0"/>
-                            </p:stCondLst>
-                            <p:childTnLst>
-                              <p:par>
-                                <p:cTn id="5" presetID="10" presetClass="entr" presetSubtype="0" fill="hold" grpId="0" nodeType="withEffect">
-                                  <p:stCondLst>
-                                    <p:cond delay="0"/>
-                                  </p:stCondLst>
-                                  <p:childTnLst>
-                                    <p:set>
-                                      <p:cBhvr>
-                                        <p:cTn id="6" dur="1" fill="hold">
-                                          <p:stCondLst>
-                                            <p:cond delay="0"/>
-                                          </p:stCondLst>
-                                        </p:cTn>
-                                        <p:tgtEl>
-                                          <p:spTgt spid="6"/>
-                                        </p:tgtEl>
-                                        <p:attrNameLst>
-                                          <p:attrName>style.visibility</p:attrName>
-                                        </p:attrNameLst>
-                                      </p:cBhvr>
-                                      <p:to>
-                                        <p:strVal val="visible"/>
-                                      </p:to>
-                                    </p:set>
-                                    <p:animEffect transition="in" filter="fade">
-                                      <p:cBhvr>
-                                        <p:cTn id="7" dur="500"/>
-                                        <p:tgtEl>
-                                          <p:spTgt spid="6"/>
-                                        </p:tgtEl>
-                                      </p:cBhvr>
-                                    </p:animEffect>
-                                  </p:childTnLst>
-                                </p:cTn>
-                              </p:par>
-                              <p:par>
-                                <p:cTn id="8" presetID="10" presetClass="entr" presetSubtype="0" fill="hold" grpId="0" nodeType="withEffect">
-                                  <p:stCondLst>
-                                    <p:cond delay="0"/>
-                                  </p:stCondLst>
-                                  <p:childTnLst>
-                                    <p:set>
-                                      <p:cBhvr>
-                                        <p:cTn id="9" dur="1" fill="hold">
-                                          <p:stCondLst>
-                                            <p:cond delay="0"/>
-                                          </p:stCondLst>
-                                        </p:cTn>
-                                        <p:tgtEl>
-                                          <p:spTgt spid="4"/>
-                                        </p:tgtEl>
-                                        <p:attrNameLst>
-                                          <p:attrName>style.visibility</p:attrName>
-                                        </p:attrNameLst>
-                                      </p:cBhvr>
-                                      <p:to>
-                                        <p:strVal val="visible"/>
-                                      </p:to>
-                                    </p:set>
-                                    <p:animEffect transition="in" filter="fade">
-                                      <p:cBhvr>
-                                        <p:cTn id="10" dur="500"/>
-                                        <p:tgtEl>
-                                          <p:spTgt spid="4"/>
-                                        </p:tgtEl>
-                                      </p:cBhvr>
-                                    </p:animEffect>
-                                  </p:childTnLst>
-                                </p:cTn>
-                              </p:par>
-                              <p:par>
-                                <p:cTn id="11" presetID="10" presetClass="entr" presetSubtype="0" fill="hold" nodeType="withEffect">
-                                  <p:stCondLst>
-                                    <p:cond delay="0"/>
-                                  </p:stCondLst>
-                                  <p:childTnLst>
-                                    <p:set>
-                                      <p:cBhvr>
-                                        <p:cTn id="12" dur="1" fill="hold">
-                                          <p:stCondLst>
-                                            <p:cond delay="0"/>
-                                          </p:stCondLst>
-                                        </p:cTn>
-                                        <p:tgtEl>
-                                          <p:spTgt spid="5"/>
-                                        </p:tgtEl>
-                                        <p:attrNameLst>
-                                          <p:attrName>style.visibility</p:attrName>
-                                        </p:attrNameLst>
-                                      </p:cBhvr>
-                                      <p:to>
-                                        <p:strVal val="visible"/>
-                                      </p:to>
-                                    </p:set>
-                                    <p:animEffect transition="in" filter="fade">
-                                      <p:cBhvr>
-                                        <p:cTn id="13" dur="500"/>
-                                        <p:tgtEl>
-                                          <p:spTgt spid="5"/>
-                                        </p:tgtEl>
-                                      </p:cBhvr>
-                                    </p:animEffect>
-                                  </p:childTnLst>
-                                </p:cTn>
-                              </p:par>
-                              <p:par>
-                                <p:cTn id="14" presetID="10" presetClass="entr" presetSubtype="0" fill="hold" grpId="0" nodeType="withEffect">
-                                  <p:stCondLst>
-                                    <p:cond delay="0"/>
-                                  </p:stCondLst>
-                                  <p:childTnLst>
-                                    <p:set>
-                                      <p:cBhvr>
-                                        <p:cTn id="15" dur="1" fill="hold">
-                                          <p:stCondLst>
-                                            <p:cond delay="0"/>
-                                          </p:stCondLst>
-                                        </p:cTn>
-                                        <p:tgtEl>
-                                          <p:spTgt spid="8"/>
-                                        </p:tgtEl>
-                                        <p:attrNameLst>
-                                          <p:attrName>style.visibility</p:attrName>
-                                        </p:attrNameLst>
-                                      </p:cBhvr>
-                                      <p:to>
-                                        <p:strVal val="visible"/>
-                                      </p:to>
-                                    </p:set>
-                                    <p:animEffect transition="in" filter="fade">
-                                      <p:cBhvr>
-                                        <p:cTn id="16" dur="500"/>
-                                        <p:tgtEl>
-                                          <p:spTgt spid="8"/>
-                                        </p:tgtEl>
-                                      </p:cBhvr>
-                                    </p:animEffect>
-                                  </p:childTnLst>
-                                </p:cTn>
-                              </p:par>
-                              <p:par>
-                                <p:cTn id="17" presetID="10" presetClass="entr" presetSubtype="0" fill="hold" grpId="0" nodeType="withEffect">
-                                  <p:stCondLst>
-                                    <p:cond delay="0"/>
-                                  </p:stCondLst>
-                                  <p:childTnLst>
-                                    <p:set>
-                                      <p:cBhvr>
-                                        <p:cTn id="18" dur="1" fill="hold">
-                                          <p:stCondLst>
-                                            <p:cond delay="0"/>
-                                          </p:stCondLst>
-                                        </p:cTn>
-                                        <p:tgtEl>
-                                          <p:spTgt spid="9"/>
-                                        </p:tgtEl>
-                                        <p:attrNameLst>
-                                          <p:attrName>style.visibility</p:attrName>
-                                        </p:attrNameLst>
-                                      </p:cBhvr>
-                                      <p:to>
-                                        <p:strVal val="visible"/>
-                                      </p:to>
-                                    </p:set>
-                                    <p:animEffect transition="in" filter="fade">
-                                      <p:cBhvr>
-                                        <p:cTn id="19" dur="500"/>
-                                        <p:tgtEl>
-                                          <p:spTgt spid="9"/>
-                                        </p:tgtEl>
-                                      </p:cBhvr>
-                                    </p:animEffect>
-                                  </p:childTnLst>
-                                </p:cTn>
-                              </p:par>
-                              <p:par>
-                                <p:cTn id="20" presetID="10" presetClass="entr" presetSubtype="0" fill="hold" grpId="0" nodeType="withEffect">
-                                  <p:stCondLst>
-                                    <p:cond delay="0"/>
-                                  </p:stCondLst>
-                                  <p:childTnLst>
-                                    <p:set>
-                                      <p:cBhvr>
-                                        <p:cTn id="21" dur="1" fill="hold">
-                                          <p:stCondLst>
-                                            <p:cond delay="0"/>
-                                          </p:stCondLst>
-                                        </p:cTn>
-                                        <p:tgtEl>
-                                          <p:spTgt spid="2"/>
-                                        </p:tgtEl>
-                                        <p:attrNameLst>
-                                          <p:attrName>style.visibility</p:attrName>
-                                        </p:attrNameLst>
-                                      </p:cBhvr>
-                                      <p:to>
-                                        <p:strVal val="visible"/>
-                                      </p:to>
-                                    </p:set>
-                                    <p:animEffect transition="in" filter="fade">
-                                      <p:cBhvr>
-                                        <p:cTn id="22" dur="500"/>
-                                        <p:tgtEl>
-                                          <p:spTgt spid="2"/>
-                                        </p:tgtEl>
-                                      </p:cBhvr>
-                                    </p:animEffect>
-                                  </p:childTnLst>
-                                </p:cTn>
-                              </p:par>
-                              <p:par>
-                                <p:cTn id="23" presetID="10" presetClass="entr" presetSubtype="0" fill="hold" grpId="0" nodeType="withEffect">
-                                  <p:stCondLst>
-                                    <p:cond delay="0"/>
-                                  </p:stCondLst>
-                                  <p:childTnLst>
-                                    <p:set>
-                                      <p:cBhvr>
-                                        <p:cTn id="24" dur="1" fill="hold">
-                                          <p:stCondLst>
-                                            <p:cond delay="0"/>
-                                          </p:stCondLst>
-                                        </p:cTn>
-                                        <p:tgtEl>
-                                          <p:spTgt spid="3"/>
-                                        </p:tgtEl>
-                                        <p:attrNameLst>
-                                          <p:attrName>style.visibility</p:attrName>
-                                        </p:attrNameLst>
-                                      </p:cBhvr>
-                                      <p:to>
-                                        <p:strVal val="visible"/>
-                                      </p:to>
-                                    </p:set>
-                                    <p:animEffect transition="in" filter="fade">
-                                      <p:cBhvr>
-                                        <p:cTn id="25" dur="500"/>
-                                        <p:tgtEl>
-                                          <p:spTgt spid="3"/>
-                                        </p:tgtEl>
-                                      </p:cBhvr>
-                                    </p:animEffect>
-                                  </p:childTnLst>
-                                </p:cTn>
-                              </p:par>
-                              <p:par>
-                                <p:cTn id="26" presetID="10" presetClass="entr" presetSubtype="0" fill="hold" grpId="0" nodeType="withEffect">
-                                  <p:stCondLst>
-                                    <p:cond delay="0"/>
-                                  </p:stCondLst>
-                                  <p:childTnLst>
-                                    <p:set>
-                                      <p:cBhvr>
-                                        <p:cTn id="27" dur="1" fill="hold">
-                                          <p:stCondLst>
-                                            <p:cond delay="0"/>
-                                          </p:stCondLst>
-                                        </p:cTn>
-                                        <p:tgtEl>
-                                          <p:spTgt spid="10"/>
-                                        </p:tgtEl>
-                                        <p:attrNameLst>
-                                          <p:attrName>style.visibility</p:attrName>
-                                        </p:attrNameLst>
-                                      </p:cBhvr>
-                                      <p:to>
-                                        <p:strVal val="visible"/>
-                                      </p:to>
-                                    </p:set>
-                                    <p:animEffect transition="in" filter="fade">
-                                      <p:cBhvr>
-                                        <p:cTn id="28" dur="500"/>
-                                        <p:tgtEl>
-                                          <p:spTgt spid="10"/>
-                                        </p:tgtEl>
-                                      </p:cBhvr>
-                                    </p:animEffect>
-                                  </p:childTnLst>
-                                </p:cTn>
-                              </p:par>
-                              <p:par>
-                                <p:cTn id="29" presetID="10" presetClass="entr" presetSubtype="0" fill="hold" grpId="0" nodeType="withEffect">
-                                  <p:stCondLst>
-                                    <p:cond delay="0"/>
-                                  </p:stCondLst>
-                                  <p:childTnLst>
-                                    <p:set>
-                                      <p:cBhvr>
-                                        <p:cTn id="30" dur="1" fill="hold">
-                                          <p:stCondLst>
-                                            <p:cond delay="0"/>
-                                          </p:stCondLst>
-                                        </p:cTn>
-                                        <p:tgtEl>
-                                          <p:spTgt spid="12"/>
-                                        </p:tgtEl>
-                                        <p:attrNameLst>
-                                          <p:attrName>style.visibility</p:attrName>
-                                        </p:attrNameLst>
-                                      </p:cBhvr>
-                                      <p:to>
-                                        <p:strVal val="visible"/>
-                                      </p:to>
-                                    </p:set>
-                                    <p:animEffect transition="in" filter="fade">
-                                      <p:cBhvr>
-                                        <p:cTn id="31" dur="500"/>
-                                        <p:tgtEl>
-                                          <p:spTgt spid="12"/>
-                                        </p:tgtEl>
-                                      </p:cBhvr>
-                                    </p:animEffect>
-                                  </p:childTnLst>
-                                </p:cTn>
-                              </p:par>
-                              <p:par>
-                                <p:cTn id="32" presetID="10" presetClass="entr" presetSubtype="0" fill="hold" grpId="0" nodeType="withEffect">
-                                  <p:stCondLst>
-                                    <p:cond delay="0"/>
-                                  </p:stCondLst>
-                                  <p:childTnLst>
-                                    <p:set>
-                                      <p:cBhvr>
-                                        <p:cTn id="33" dur="1" fill="hold">
-                                          <p:stCondLst>
-                                            <p:cond delay="0"/>
-                                          </p:stCondLst>
-                                        </p:cTn>
-                                        <p:tgtEl>
-                                          <p:spTgt spid="13"/>
-                                        </p:tgtEl>
-                                        <p:attrNameLst>
-                                          <p:attrName>style.visibility</p:attrName>
-                                        </p:attrNameLst>
-                                      </p:cBhvr>
-                                      <p:to>
-                                        <p:strVal val="visible"/>
-                                      </p:to>
-                                    </p:set>
-                                    <p:animEffect transition="in" filter="fade">
-                                      <p:cBhvr>
-                                        <p:cTn id="34" dur="500"/>
-                                        <p:tgtEl>
-                                          <p:spTgt spid="13"/>
-                                        </p:tgtEl>
-                                      </p:cBhvr>
-                                    </p:animEffect>
-                                  </p:childTnLst>
-                                </p:cTn>
-                              </p:par>
-                              <p:par>
-                                <p:cTn id="35" presetID="10" presetClass="entr" presetSubtype="0" fill="hold" grpId="0" nodeType="withEffect">
-                                  <p:stCondLst>
-                                    <p:cond delay="0"/>
-                                  </p:stCondLst>
-                                  <p:childTnLst>
-                                    <p:set>
-                                      <p:cBhvr>
-                                        <p:cTn id="36" dur="1" fill="hold">
-                                          <p:stCondLst>
-                                            <p:cond delay="0"/>
-                                          </p:stCondLst>
-                                        </p:cTn>
-                                        <p:tgtEl>
-                                          <p:spTgt spid="14"/>
-                                        </p:tgtEl>
-                                        <p:attrNameLst>
-                                          <p:attrName>style.visibility</p:attrName>
-                                        </p:attrNameLst>
-                                      </p:cBhvr>
-                                      <p:to>
-                                        <p:strVal val="visible"/>
-                                      </p:to>
-                                    </p:set>
-                                    <p:animEffect transition="in" filter="fade">
-                                      <p:cBhvr>
-                                        <p:cTn id="37" dur="500"/>
-                                        <p:tgtEl>
-                                          <p:spTgt spid="14"/>
-                                        </p:tgtEl>
-                                      </p:cBhvr>
-                                    </p:animEffect>
-                                  </p:childTnLst>
-                                </p:cTn>
-                              </p:par>
-                              <p:par>
-                                <p:cTn id="38" presetID="10" presetClass="entr" presetSubtype="0" fill="hold" grpId="0" nodeType="withEffect">
-                                  <p:stCondLst>
-                                    <p:cond delay="0"/>
-                                  </p:stCondLst>
-                                  <p:childTnLst>
-                                    <p:set>
-                                      <p:cBhvr>
-                                        <p:cTn id="39" dur="1" fill="hold">
-                                          <p:stCondLst>
-                                            <p:cond delay="0"/>
-                                          </p:stCondLst>
-                                        </p:cTn>
-                                        <p:tgtEl>
-                                          <p:spTgt spid="16"/>
-                                        </p:tgtEl>
-                                        <p:attrNameLst>
-                                          <p:attrName>style.visibility</p:attrName>
-                                        </p:attrNameLst>
-                                      </p:cBhvr>
-                                      <p:to>
-                                        <p:strVal val="visible"/>
-                                      </p:to>
-                                    </p:set>
-                                    <p:animEffect transition="in" filter="fade">
-                                      <p:cBhvr>
-                                        <p:cTn id="40" dur="500"/>
-                                        <p:tgtEl>
-                                          <p:spTgt spid="16"/>
-                                        </p:tgtEl>
-                                      </p:cBhvr>
-                                    </p:animEffect>
-                                  </p:childTnLst>
-                                </p:cTn>
-                              </p:par>
-                              <p:par>
-                                <p:cTn id="41" presetID="10" presetClass="entr" presetSubtype="0" fill="hold" grpId="0" nodeType="withEffect">
-                                  <p:stCondLst>
-                                    <p:cond delay="0"/>
-                                  </p:stCondLst>
-                                  <p:childTnLst>
-                                    <p:set>
-                                      <p:cBhvr>
-                                        <p:cTn id="42" dur="1" fill="hold">
-                                          <p:stCondLst>
-                                            <p:cond delay="0"/>
-                                          </p:stCondLst>
-                                        </p:cTn>
-                                        <p:tgtEl>
-                                          <p:spTgt spid="17"/>
-                                        </p:tgtEl>
-                                        <p:attrNameLst>
-                                          <p:attrName>style.visibility</p:attrName>
-                                        </p:attrNameLst>
-                                      </p:cBhvr>
-                                      <p:to>
-                                        <p:strVal val="visible"/>
-                                      </p:to>
-                                    </p:set>
-                                    <p:animEffect transition="in" filter="fade">
-                                      <p:cBhvr>
-                                        <p:cTn id="43" dur="500"/>
-                                        <p:tgtEl>
-                                          <p:spTgt spid="17"/>
-                                        </p:tgtEl>
-                                      </p:cBhvr>
-                                    </p:animEffect>
-                                  </p:childTnLst>
-                                </p:cTn>
-                              </p:par>
-                              <p:par>
-                                <p:cTn id="44" presetID="10" presetClass="entr" presetSubtype="0" fill="hold" grpId="0" nodeType="withEffect">
-                                  <p:stCondLst>
-                                    <p:cond delay="0"/>
-                                  </p:stCondLst>
-                                  <p:childTnLst>
-                                    <p:set>
-                                      <p:cBhvr>
-                                        <p:cTn id="45" dur="1" fill="hold">
-                                          <p:stCondLst>
-                                            <p:cond delay="0"/>
-                                          </p:stCondLst>
-                                        </p:cTn>
-                                        <p:tgtEl>
-                                          <p:spTgt spid="18"/>
-                                        </p:tgtEl>
-                                        <p:attrNameLst>
-                                          <p:attrName>style.visibility</p:attrName>
-                                        </p:attrNameLst>
-                                      </p:cBhvr>
-                                      <p:to>
-                                        <p:strVal val="visible"/>
-                                      </p:to>
-                                    </p:set>
-                                    <p:animEffect transition="in" filter="fade">
-                                      <p:cBhvr>
-                                        <p:cTn id="46" dur="500"/>
-                                        <p:tgtEl>
-                                          <p:spTgt spid="18"/>
-                                        </p:tgtEl>
-                                      </p:cBhvr>
-                                    </p:animEffect>
-                                  </p:childTnLst>
-                                </p:cTn>
-                              </p:par>
-                            </p:childTnLst>
-                          </p:cTn>
-                        </p:par>
-                      </p:childTnLst>
-                    </p:cTn>
-                  </p:par>
-                </p:childTnLst>
-              </p:cTn>
-              <p:prevCondLst>
-                <p:cond evt="onPrev" delay="0">
-                  <p:tgtEl>
-                    <p:sldTgt/>
-                  </p:tgtEl>
-                </p:cond>
-              </p:prevCondLst>
-              <p:nextCondLst>
-                <p:cond evt="onNext" delay="0">
-                  <p:tgtEl>
-                    <p:sldTgt/>
-                  </p:tgtEl>
-                </p:cond>
-              </p:nextCondLst>
-            </p:seq>
-          </p:childTnLst>
-        </p:cTn>
-      </p:par>
-    </p:tnLst>
-    <p:bldLst>
-      <p:bldP spid="6" grpId="0"/>
-      <p:bldP spid="4" grpId="0"/>
-      <p:bldP spid="8" grpId="0"/>
-      <p:bldP spid="9" grpId="0"/>
-      <p:bldP spid="2" grpId="0" animBg="1"/>
-      <p:bldP spid="3" grpId="0"/>
-      <p:bldP spid="10" grpId="0"/>
-      <p:bldP spid="12" grpId="0"/>
-      <p:bldP spid="13" grpId="0"/>
-      <p:bldP spid="14" grpId="0"/>
-      <p:bldP spid="16" grpId="0" animBg="1"/>
-      <p:bldP spid="17" grpId="0"/>
-      <p:bldP spid="18" grpId="0"/>
     </p:bldLst>
   </p:timing>
 </p:sld>
@@ -25185,6 +25468,8 @@
       </a:bgFillStyleLst>
     </a:fmtScheme>
   </a:themeElements>
+  <a:objectDefaults/>
+  <a:extraClrSchemeLst/>
   <a:extLst>
     <a:ext uri="{05A4C25C-085E-4340-85A3-A5531E510DB2}">
       <thm15:themeFamily xmlns:thm15="http://schemas.microsoft.com/office/thememl/2012/main" name="Office Theme" id="{62F939B6-93AF-4DB8-9C6B-D6C7DFDC589F}" vid="{4A3C46E8-61CC-4603-A589-7422A47A8E4A}"/>
@@ -25444,6 +25729,8 @@
       </a:bgFillStyleLst>
     </a:fmtScheme>
   </a:themeElements>
+  <a:objectDefaults/>
+  <a:extraClrSchemeLst/>
   <a:extLst>
     <a:ext uri="{05A4C25C-085E-4340-85A3-A5531E510DB2}">
       <thm15:themeFamily xmlns:thm15="http://schemas.microsoft.com/office/thememl/2012/main" name="Office Theme" id="{62F939B6-93AF-4DB8-9C6B-D6C7DFDC589F}" vid="{4A3C46E8-61CC-4603-A589-7422A47A8E4A}"/>

--- a/slide/D17CQAT01_PhanDai_N17DCAT013.pptx
+++ b/slide/D17CQAT01_PhanDai_N17DCAT013.pptx
@@ -8,12 +8,11 @@
     <p:notesMasterId r:id="rId20"/>
   </p:notesMasterIdLst>
   <p:sldIdLst>
-    <p:sldId id="256" r:id="rId2"/>
-    <p:sldId id="257" r:id="rId3"/>
-    <p:sldId id="261" r:id="rId4"/>
-    <p:sldId id="272" r:id="rId5"/>
-    <p:sldId id="285" r:id="rId6"/>
-    <p:sldId id="284" r:id="rId7"/>
+    <p:sldId id="256" r:id="rId3"/>
+    <p:sldId id="257" r:id="rId4"/>
+    <p:sldId id="261" r:id="rId5"/>
+    <p:sldId id="272" r:id="rId6"/>
+    <p:sldId id="285" r:id="rId7"/>
     <p:sldId id="286" r:id="rId8"/>
     <p:sldId id="266" r:id="rId9"/>
     <p:sldId id="273" r:id="rId10"/>
@@ -124,11 +123,6 @@
       </a:defRPr>
     </a:lvl9pPr>
   </p:defaultTextStyle>
-  <p:extLst>
-    <p:ext uri="{EFAFB233-063F-42B5-8137-9DF3F51BA10A}">
-      <p15:sldGuideLst xmlns:p15="http://schemas.microsoft.com/office/powerpoint/2012/main"/>
-    </p:ext>
-  </p:extLst>
 </p:presentation>
 </file>
 
@@ -214,7 +208,6 @@
           <a:p>
             <a:fld id="{4D90CDED-DED5-4950-8D8A-00FFCAA83A1B}" type="datetimeFigureOut">
               <a:rPr lang="en-US" smtClean="0"/>
-              <a:t>12/21/2021</a:t>
             </a:fld>
             <a:endParaRPr lang="en-US"/>
           </a:p>
@@ -281,6 +274,7 @@
               <a:rPr lang="en-US" smtClean="0"/>
               <a:t>Edit Master text styles</a:t>
             </a:r>
+            <a:endParaRPr lang="en-US" smtClean="0"/>
           </a:p>
           <a:p>
             <a:pPr lvl="1"/>
@@ -288,6 +282,7 @@
               <a:rPr lang="en-US" smtClean="0"/>
               <a:t>Second level</a:t>
             </a:r>
+            <a:endParaRPr lang="en-US" smtClean="0"/>
           </a:p>
           <a:p>
             <a:pPr lvl="2"/>
@@ -295,6 +290,7 @@
               <a:rPr lang="en-US" smtClean="0"/>
               <a:t>Third level</a:t>
             </a:r>
+            <a:endParaRPr lang="en-US" smtClean="0"/>
           </a:p>
           <a:p>
             <a:pPr lvl="3"/>
@@ -302,6 +298,7 @@
               <a:rPr lang="en-US" smtClean="0"/>
               <a:t>Fourth level</a:t>
             </a:r>
+            <a:endParaRPr lang="en-US" smtClean="0"/>
           </a:p>
           <a:p>
             <a:pPr lvl="4"/>
@@ -373,7 +370,6 @@
           <a:p>
             <a:fld id="{FD20B253-7E6D-4FFF-A48B-C518ADBC2D7F}" type="slidenum">
               <a:rPr lang="en-US" smtClean="0"/>
-              <a:t>‹#›</a:t>
             </a:fld>
             <a:endParaRPr lang="en-US"/>
           </a:p>
@@ -478,7 +474,7 @@
 </file>
 
 <file path=ppt/slideLayouts/slideLayout1.xml><?xml version="1.0" encoding="utf-8"?>
-<p:sldLayout xmlns:a="http://schemas.openxmlformats.org/drawingml/2006/main" xmlns:r="http://schemas.openxmlformats.org/officeDocument/2006/relationships" xmlns:p="http://schemas.openxmlformats.org/presentationml/2006/main" showMasterSp="0" type="title" preserve="1">
+<p:sldLayout xmlns:a="http://schemas.openxmlformats.org/drawingml/2006/main" xmlns:r="http://schemas.openxmlformats.org/officeDocument/2006/relationships" xmlns:p="http://schemas.openxmlformats.org/presentationml/2006/main" type="title" preserve="1" showMasterSp="0">
   <p:cSld name="Title Slide">
     <p:spTree>
       <p:nvGrpSpPr>
@@ -880,7 +876,6 @@
           <a:p>
             <a:fld id="{9CC9E0FF-7D19-4510-9DCE-23D201D9E916}" type="datetime1">
               <a:rPr lang="en-US" smtClean="0"/>
-              <a:t>12/21/2021</a:t>
             </a:fld>
             <a:endParaRPr lang="en-US"/>
           </a:p>
@@ -931,7 +926,6 @@
           <a:p>
             <a:fld id="{040DEF24-717E-4741-8753-F7E431A261E5}" type="slidenum">
               <a:rPr lang="en-US" smtClean="0"/>
-              <a:t>‹#›</a:t>
             </a:fld>
             <a:endParaRPr lang="en-US"/>
           </a:p>
@@ -942,6 +936,7 @@
   <p:clrMapOvr>
     <a:masterClrMapping/>
   </p:clrMapOvr>
+  <p:hf hdr="0" ftr="0" dt="0"/>
 </p:sldLayout>
 </file>
 
@@ -1005,6 +1000,7 @@
               <a:rPr lang="en-US" smtClean="0"/>
               <a:t>Edit Master text styles</a:t>
             </a:r>
+            <a:endParaRPr lang="en-US" smtClean="0"/>
           </a:p>
           <a:p>
             <a:pPr lvl="1"/>
@@ -1012,6 +1008,7 @@
               <a:rPr lang="en-US" smtClean="0"/>
               <a:t>Second level</a:t>
             </a:r>
+            <a:endParaRPr lang="en-US" smtClean="0"/>
           </a:p>
           <a:p>
             <a:pPr lvl="2"/>
@@ -1019,6 +1016,7 @@
               <a:rPr lang="en-US" smtClean="0"/>
               <a:t>Third level</a:t>
             </a:r>
+            <a:endParaRPr lang="en-US" smtClean="0"/>
           </a:p>
           <a:p>
             <a:pPr lvl="3"/>
@@ -1026,6 +1024,7 @@
               <a:rPr lang="en-US" smtClean="0"/>
               <a:t>Fourth level</a:t>
             </a:r>
+            <a:endParaRPr lang="en-US" smtClean="0"/>
           </a:p>
           <a:p>
             <a:pPr lvl="4"/>
@@ -1054,7 +1053,6 @@
           <a:p>
             <a:fld id="{02BE6C0D-AE79-4D98-BA3B-E3751AE5331F}" type="datetime1">
               <a:rPr lang="en-US" smtClean="0"/>
-              <a:t>12/21/2021</a:t>
             </a:fld>
             <a:endParaRPr lang="en-US"/>
           </a:p>
@@ -1096,7 +1094,6 @@
           <a:p>
             <a:fld id="{040DEF24-717E-4741-8753-F7E431A261E5}" type="slidenum">
               <a:rPr lang="en-US" smtClean="0"/>
-              <a:t>‹#›</a:t>
             </a:fld>
             <a:endParaRPr lang="en-US"/>
           </a:p>
@@ -1107,6 +1104,7 @@
   <p:clrMapOvr>
     <a:masterClrMapping/>
   </p:clrMapOvr>
+  <p:hf hdr="0" ftr="0" dt="0"/>
 </p:sldLayout>
 </file>
 
@@ -1180,6 +1178,7 @@
               <a:rPr lang="en-US" smtClean="0"/>
               <a:t>Edit Master text styles</a:t>
             </a:r>
+            <a:endParaRPr lang="en-US" smtClean="0"/>
           </a:p>
           <a:p>
             <a:pPr lvl="1"/>
@@ -1187,6 +1186,7 @@
               <a:rPr lang="en-US" smtClean="0"/>
               <a:t>Second level</a:t>
             </a:r>
+            <a:endParaRPr lang="en-US" smtClean="0"/>
           </a:p>
           <a:p>
             <a:pPr lvl="2"/>
@@ -1194,6 +1194,7 @@
               <a:rPr lang="en-US" smtClean="0"/>
               <a:t>Third level</a:t>
             </a:r>
+            <a:endParaRPr lang="en-US" smtClean="0"/>
           </a:p>
           <a:p>
             <a:pPr lvl="3"/>
@@ -1201,6 +1202,7 @@
               <a:rPr lang="en-US" smtClean="0"/>
               <a:t>Fourth level</a:t>
             </a:r>
+            <a:endParaRPr lang="en-US" smtClean="0"/>
           </a:p>
           <a:p>
             <a:pPr lvl="4"/>
@@ -1229,7 +1231,6 @@
           <a:p>
             <a:fld id="{64794B53-B5A7-48E6-89FC-70BEF208D151}" type="datetime1">
               <a:rPr lang="en-US" smtClean="0"/>
-              <a:t>12/21/2021</a:t>
             </a:fld>
             <a:endParaRPr lang="en-US"/>
           </a:p>
@@ -1271,7 +1272,6 @@
           <a:p>
             <a:fld id="{040DEF24-717E-4741-8753-F7E431A261E5}" type="slidenum">
               <a:rPr lang="en-US" smtClean="0"/>
-              <a:t>‹#›</a:t>
             </a:fld>
             <a:endParaRPr lang="en-US"/>
           </a:p>
@@ -1282,6 +1282,7 @@
   <p:clrMapOvr>
     <a:masterClrMapping/>
   </p:clrMapOvr>
+  <p:hf hdr="0" ftr="0" dt="0"/>
 </p:sldLayout>
 </file>
 
@@ -1345,6 +1346,7 @@
               <a:rPr lang="en-US" smtClean="0"/>
               <a:t>Edit Master text styles</a:t>
             </a:r>
+            <a:endParaRPr lang="en-US" smtClean="0"/>
           </a:p>
           <a:p>
             <a:pPr lvl="1"/>
@@ -1352,6 +1354,7 @@
               <a:rPr lang="en-US" smtClean="0"/>
               <a:t>Second level</a:t>
             </a:r>
+            <a:endParaRPr lang="en-US" smtClean="0"/>
           </a:p>
           <a:p>
             <a:pPr lvl="2"/>
@@ -1359,6 +1362,7 @@
               <a:rPr lang="en-US" smtClean="0"/>
               <a:t>Third level</a:t>
             </a:r>
+            <a:endParaRPr lang="en-US" smtClean="0"/>
           </a:p>
           <a:p>
             <a:pPr lvl="3"/>
@@ -1366,6 +1370,7 @@
               <a:rPr lang="en-US" smtClean="0"/>
               <a:t>Fourth level</a:t>
             </a:r>
+            <a:endParaRPr lang="en-US" smtClean="0"/>
           </a:p>
           <a:p>
             <a:pPr lvl="4"/>
@@ -1394,7 +1399,6 @@
           <a:p>
             <a:fld id="{E4F4B884-B57B-462C-B739-9A72F1ADE961}" type="datetime1">
               <a:rPr lang="en-US" smtClean="0"/>
-              <a:t>12/21/2021</a:t>
             </a:fld>
             <a:endParaRPr lang="en-US"/>
           </a:p>
@@ -1436,7 +1440,6 @@
           <a:p>
             <a:fld id="{040DEF24-717E-4741-8753-F7E431A261E5}" type="slidenum">
               <a:rPr lang="en-US" smtClean="0"/>
-              <a:t>‹#›</a:t>
             </a:fld>
             <a:endParaRPr lang="en-US"/>
           </a:p>
@@ -1447,11 +1450,12 @@
   <p:clrMapOvr>
     <a:masterClrMapping/>
   </p:clrMapOvr>
+  <p:hf hdr="0" ftr="0" dt="0"/>
 </p:sldLayout>
 </file>
 
 <file path=ppt/slideLayouts/slideLayout3.xml><?xml version="1.0" encoding="utf-8"?>
-<p:sldLayout xmlns:a="http://schemas.openxmlformats.org/drawingml/2006/main" xmlns:r="http://schemas.openxmlformats.org/officeDocument/2006/relationships" xmlns:p="http://schemas.openxmlformats.org/presentationml/2006/main" showMasterSp="0" type="secHead" preserve="1">
+<p:sldLayout xmlns:a="http://schemas.openxmlformats.org/drawingml/2006/main" xmlns:r="http://schemas.openxmlformats.org/officeDocument/2006/relationships" xmlns:p="http://schemas.openxmlformats.org/presentationml/2006/main" type="secHead" preserve="1" showMasterSp="0">
   <p:cSld name="Section Header">
     <p:spTree>
       <p:nvGrpSpPr>
@@ -1677,6 +1681,7 @@
               <a:rPr lang="en-US" smtClean="0"/>
               <a:t>Edit Master text styles</a:t>
             </a:r>
+            <a:endParaRPr lang="en-US" smtClean="0"/>
           </a:p>
         </p:txBody>
       </p:sp>
@@ -1702,7 +1707,6 @@
           <a:p>
             <a:fld id="{B9C8D748-A08B-490E-87AA-BC3835B708B2}" type="datetime1">
               <a:rPr lang="en-US" smtClean="0"/>
-              <a:t>12/21/2021</a:t>
             </a:fld>
             <a:endParaRPr lang="en-US"/>
           </a:p>
@@ -1842,7 +1846,6 @@
           <a:p>
             <a:fld id="{040DEF24-717E-4741-8753-F7E431A261E5}" type="slidenum">
               <a:rPr lang="en-US" smtClean="0"/>
-              <a:t>‹#›</a:t>
             </a:fld>
             <a:endParaRPr lang="en-US"/>
           </a:p>
@@ -1853,6 +1856,7 @@
   <p:clrMapOvr>
     <a:masterClrMapping/>
   </p:clrMapOvr>
+  <p:hf hdr="0" ftr="0" dt="0"/>
 </p:sldLayout>
 </file>
 
@@ -1949,6 +1953,7 @@
               <a:rPr lang="en-US" smtClean="0"/>
               <a:t>Edit Master text styles</a:t>
             </a:r>
+            <a:endParaRPr lang="en-US" smtClean="0"/>
           </a:p>
           <a:p>
             <a:pPr lvl="1"/>
@@ -1956,6 +1961,7 @@
               <a:rPr lang="en-US" smtClean="0"/>
               <a:t>Second level</a:t>
             </a:r>
+            <a:endParaRPr lang="en-US" smtClean="0"/>
           </a:p>
           <a:p>
             <a:pPr lvl="2"/>
@@ -1963,6 +1969,7 @@
               <a:rPr lang="en-US" smtClean="0"/>
               <a:t>Third level</a:t>
             </a:r>
+            <a:endParaRPr lang="en-US" smtClean="0"/>
           </a:p>
           <a:p>
             <a:pPr lvl="3"/>
@@ -1970,6 +1977,7 @@
               <a:rPr lang="en-US" smtClean="0"/>
               <a:t>Fourth level</a:t>
             </a:r>
+            <a:endParaRPr lang="en-US" smtClean="0"/>
           </a:p>
           <a:p>
             <a:pPr lvl="4"/>
@@ -2034,6 +2042,7 @@
               <a:rPr lang="en-US" smtClean="0"/>
               <a:t>Edit Master text styles</a:t>
             </a:r>
+            <a:endParaRPr lang="en-US" smtClean="0"/>
           </a:p>
           <a:p>
             <a:pPr lvl="1"/>
@@ -2041,6 +2050,7 @@
               <a:rPr lang="en-US" smtClean="0"/>
               <a:t>Second level</a:t>
             </a:r>
+            <a:endParaRPr lang="en-US" smtClean="0"/>
           </a:p>
           <a:p>
             <a:pPr lvl="2"/>
@@ -2048,6 +2058,7 @@
               <a:rPr lang="en-US" smtClean="0"/>
               <a:t>Third level</a:t>
             </a:r>
+            <a:endParaRPr lang="en-US" smtClean="0"/>
           </a:p>
           <a:p>
             <a:pPr lvl="3"/>
@@ -2055,6 +2066,7 @@
               <a:rPr lang="en-US" smtClean="0"/>
               <a:t>Fourth level</a:t>
             </a:r>
+            <a:endParaRPr lang="en-US" smtClean="0"/>
           </a:p>
           <a:p>
             <a:pPr lvl="4"/>
@@ -2083,7 +2095,6 @@
           <a:p>
             <a:fld id="{0FCBCAE6-D603-4735-B4B0-803AAA3FEC04}" type="datetime1">
               <a:rPr lang="en-US" smtClean="0"/>
-              <a:t>12/21/2021</a:t>
             </a:fld>
             <a:endParaRPr lang="en-US"/>
           </a:p>
@@ -2125,7 +2136,6 @@
           <a:p>
             <a:fld id="{040DEF24-717E-4741-8753-F7E431A261E5}" type="slidenum">
               <a:rPr lang="en-US" smtClean="0"/>
-              <a:t>‹#›</a:t>
             </a:fld>
             <a:endParaRPr lang="en-US"/>
           </a:p>
@@ -2136,6 +2146,7 @@
   <p:clrMapOvr>
     <a:masterClrMapping/>
   </p:clrMapOvr>
+  <p:hf hdr="0" ftr="0" dt="0"/>
 </p:sldLayout>
 </file>
 
@@ -2249,6 +2260,7 @@
               <a:rPr lang="en-US" smtClean="0"/>
               <a:t>Edit Master text styles</a:t>
             </a:r>
+            <a:endParaRPr lang="en-US" smtClean="0"/>
           </a:p>
         </p:txBody>
       </p:sp>
@@ -2305,6 +2317,7 @@
               <a:rPr lang="en-US" smtClean="0"/>
               <a:t>Edit Master text styles</a:t>
             </a:r>
+            <a:endParaRPr lang="en-US" smtClean="0"/>
           </a:p>
           <a:p>
             <a:pPr lvl="1"/>
@@ -2312,6 +2325,7 @@
               <a:rPr lang="en-US" smtClean="0"/>
               <a:t>Second level</a:t>
             </a:r>
+            <a:endParaRPr lang="en-US" smtClean="0"/>
           </a:p>
           <a:p>
             <a:pPr lvl="2"/>
@@ -2319,6 +2333,7 @@
               <a:rPr lang="en-US" smtClean="0"/>
               <a:t>Third level</a:t>
             </a:r>
+            <a:endParaRPr lang="en-US" smtClean="0"/>
           </a:p>
           <a:p>
             <a:pPr lvl="3"/>
@@ -2326,6 +2341,7 @@
               <a:rPr lang="en-US" smtClean="0"/>
               <a:t>Fourth level</a:t>
             </a:r>
+            <a:endParaRPr lang="en-US" smtClean="0"/>
           </a:p>
           <a:p>
             <a:pPr lvl="4"/>
@@ -2407,6 +2423,7 @@
               <a:rPr lang="en-US" smtClean="0"/>
               <a:t>Edit Master text styles</a:t>
             </a:r>
+            <a:endParaRPr lang="en-US" smtClean="0"/>
           </a:p>
         </p:txBody>
       </p:sp>
@@ -2463,6 +2480,7 @@
               <a:rPr lang="en-US" smtClean="0"/>
               <a:t>Edit Master text styles</a:t>
             </a:r>
+            <a:endParaRPr lang="en-US" smtClean="0"/>
           </a:p>
           <a:p>
             <a:pPr lvl="1"/>
@@ -2470,6 +2488,7 @@
               <a:rPr lang="en-US" smtClean="0"/>
               <a:t>Second level</a:t>
             </a:r>
+            <a:endParaRPr lang="en-US" smtClean="0"/>
           </a:p>
           <a:p>
             <a:pPr lvl="2"/>
@@ -2477,6 +2496,7 @@
               <a:rPr lang="en-US" smtClean="0"/>
               <a:t>Third level</a:t>
             </a:r>
+            <a:endParaRPr lang="en-US" smtClean="0"/>
           </a:p>
           <a:p>
             <a:pPr lvl="3"/>
@@ -2484,6 +2504,7 @@
               <a:rPr lang="en-US" smtClean="0"/>
               <a:t>Fourth level</a:t>
             </a:r>
+            <a:endParaRPr lang="en-US" smtClean="0"/>
           </a:p>
           <a:p>
             <a:pPr lvl="4"/>
@@ -2512,7 +2533,6 @@
           <a:p>
             <a:fld id="{17C15CAB-E48F-495C-92CD-4CF2B2C1B0ED}" type="datetime1">
               <a:rPr lang="en-US" smtClean="0"/>
-              <a:t>12/21/2021</a:t>
             </a:fld>
             <a:endParaRPr lang="en-US"/>
           </a:p>
@@ -2554,7 +2574,6 @@
           <a:p>
             <a:fld id="{040DEF24-717E-4741-8753-F7E431A261E5}" type="slidenum">
               <a:rPr lang="en-US" smtClean="0"/>
-              <a:t>‹#›</a:t>
             </a:fld>
             <a:endParaRPr lang="en-US"/>
           </a:p>
@@ -2565,6 +2584,7 @@
   <p:clrMapOvr>
     <a:masterClrMapping/>
   </p:clrMapOvr>
+  <p:hf hdr="0" ftr="0" dt="0"/>
 </p:sldLayout>
 </file>
 
@@ -2625,7 +2645,6 @@
           <a:p>
             <a:fld id="{5302AA14-F259-4723-9AF0-36DE127C0145}" type="datetime1">
               <a:rPr lang="en-US" smtClean="0"/>
-              <a:t>12/21/2021</a:t>
             </a:fld>
             <a:endParaRPr lang="en-US"/>
           </a:p>
@@ -2667,7 +2686,6 @@
           <a:p>
             <a:fld id="{040DEF24-717E-4741-8753-F7E431A261E5}" type="slidenum">
               <a:rPr lang="en-US" smtClean="0"/>
-              <a:t>‹#›</a:t>
             </a:fld>
             <a:endParaRPr lang="en-US"/>
           </a:p>
@@ -2678,6 +2696,7 @@
   <p:clrMapOvr>
     <a:masterClrMapping/>
   </p:clrMapOvr>
+  <p:hf hdr="0" ftr="0" dt="0"/>
 </p:sldLayout>
 </file>
 
@@ -2715,7 +2734,6 @@
           <a:p>
             <a:fld id="{C9349F59-A2E8-4E73-9F17-B6C9798F4358}" type="datetime1">
               <a:rPr lang="en-US" smtClean="0"/>
-              <a:t>12/21/2021</a:t>
             </a:fld>
             <a:endParaRPr lang="en-US"/>
           </a:p>
@@ -2757,7 +2775,6 @@
           <a:p>
             <a:fld id="{040DEF24-717E-4741-8753-F7E431A261E5}" type="slidenum">
               <a:rPr lang="en-US" smtClean="0"/>
-              <a:t>‹#›</a:t>
             </a:fld>
             <a:endParaRPr lang="en-US"/>
           </a:p>
@@ -2768,11 +2785,12 @@
   <p:clrMapOvr>
     <a:masterClrMapping/>
   </p:clrMapOvr>
+  <p:hf hdr="0" ftr="0" dt="0"/>
 </p:sldLayout>
 </file>
 
 <file path=ppt/slideLayouts/slideLayout8.xml><?xml version="1.0" encoding="utf-8"?>
-<p:sldLayout xmlns:a="http://schemas.openxmlformats.org/drawingml/2006/main" xmlns:r="http://schemas.openxmlformats.org/officeDocument/2006/relationships" xmlns:p="http://schemas.openxmlformats.org/presentationml/2006/main" showMasterSp="0" type="objTx" preserve="1">
+<p:sldLayout xmlns:a="http://schemas.openxmlformats.org/drawingml/2006/main" xmlns:r="http://schemas.openxmlformats.org/officeDocument/2006/relationships" xmlns:p="http://schemas.openxmlformats.org/presentationml/2006/main" type="objTx" preserve="1" showMasterSp="0">
   <p:cSld name="Content with Caption">
     <p:spTree>
       <p:nvGrpSpPr>
@@ -2932,6 +2950,7 @@
               <a:rPr lang="en-US" smtClean="0"/>
               <a:t>Edit Master text styles</a:t>
             </a:r>
+            <a:endParaRPr lang="en-US" smtClean="0"/>
           </a:p>
           <a:p>
             <a:pPr lvl="1"/>
@@ -2939,6 +2958,7 @@
               <a:rPr lang="en-US" smtClean="0"/>
               <a:t>Second level</a:t>
             </a:r>
+            <a:endParaRPr lang="en-US" smtClean="0"/>
           </a:p>
           <a:p>
             <a:pPr lvl="2"/>
@@ -2946,6 +2966,7 @@
               <a:rPr lang="en-US" smtClean="0"/>
               <a:t>Third level</a:t>
             </a:r>
+            <a:endParaRPr lang="en-US" smtClean="0"/>
           </a:p>
           <a:p>
             <a:pPr lvl="3"/>
@@ -2953,6 +2974,7 @@
               <a:rPr lang="en-US" smtClean="0"/>
               <a:t>Fourth level</a:t>
             </a:r>
+            <a:endParaRPr lang="en-US" smtClean="0"/>
           </a:p>
           <a:p>
             <a:pPr lvl="4"/>
@@ -3040,6 +3062,7 @@
               <a:rPr lang="en-US" smtClean="0"/>
               <a:t>Edit Master text styles</a:t>
             </a:r>
+            <a:endParaRPr lang="en-US" smtClean="0"/>
           </a:p>
         </p:txBody>
       </p:sp>
@@ -3060,7 +3083,6 @@
           <a:p>
             <a:fld id="{44F06C92-CE98-4B24-91B3-57666E0FED09}" type="datetime1">
               <a:rPr lang="en-US" smtClean="0"/>
-              <a:t>12/21/2021</a:t>
             </a:fld>
             <a:endParaRPr lang="en-US"/>
           </a:p>
@@ -3191,7 +3213,6 @@
           <a:p>
             <a:fld id="{040DEF24-717E-4741-8753-F7E431A261E5}" type="slidenum">
               <a:rPr lang="en-US" smtClean="0"/>
-              <a:t>‹#›</a:t>
             </a:fld>
             <a:endParaRPr lang="en-US"/>
           </a:p>
@@ -3202,11 +3223,12 @@
   <p:clrMapOvr>
     <a:masterClrMapping/>
   </p:clrMapOvr>
+  <p:hf hdr="0" ftr="0" dt="0"/>
 </p:sldLayout>
 </file>
 
 <file path=ppt/slideLayouts/slideLayout9.xml><?xml version="1.0" encoding="utf-8"?>
-<p:sldLayout xmlns:a="http://schemas.openxmlformats.org/drawingml/2006/main" xmlns:r="http://schemas.openxmlformats.org/officeDocument/2006/relationships" xmlns:p="http://schemas.openxmlformats.org/presentationml/2006/main" showMasterSp="0" type="picTx" preserve="1">
+<p:sldLayout xmlns:a="http://schemas.openxmlformats.org/drawingml/2006/main" xmlns:r="http://schemas.openxmlformats.org/officeDocument/2006/relationships" xmlns:p="http://schemas.openxmlformats.org/presentationml/2006/main" type="picTx" preserve="1" showMasterSp="0">
   <p:cSld name="Picture with Caption">
     <p:spTree>
       <p:nvGrpSpPr>
@@ -3460,6 +3482,7 @@
               <a:rPr lang="en-US" smtClean="0"/>
               <a:t>Edit Master text styles</a:t>
             </a:r>
+            <a:endParaRPr lang="en-US" smtClean="0"/>
           </a:p>
         </p:txBody>
       </p:sp>
@@ -3480,7 +3503,6 @@
           <a:p>
             <a:fld id="{15CAC543-8889-4E95-B4AC-6EDFB98064E3}" type="datetime1">
               <a:rPr lang="en-US" smtClean="0"/>
-              <a:t>12/21/2021</a:t>
             </a:fld>
             <a:endParaRPr lang="en-US"/>
           </a:p>
@@ -3592,7 +3614,6 @@
           <a:p>
             <a:fld id="{040DEF24-717E-4741-8753-F7E431A261E5}" type="slidenum">
               <a:rPr lang="en-US" smtClean="0"/>
-              <a:t>‹#›</a:t>
             </a:fld>
             <a:endParaRPr lang="en-US"/>
           </a:p>
@@ -3603,6 +3624,7 @@
   <p:clrMapOvr>
     <a:masterClrMapping/>
   </p:clrMapOvr>
+  <p:hf hdr="0" ftr="0" dt="0"/>
 </p:sldLayout>
 </file>
 
@@ -3691,6 +3713,7 @@
               <a:rPr lang="en-US" smtClean="0"/>
               <a:t>Edit Master text styles</a:t>
             </a:r>
+            <a:endParaRPr lang="en-US" smtClean="0"/>
           </a:p>
           <a:p>
             <a:pPr lvl="1"/>
@@ -3698,6 +3721,7 @@
               <a:rPr lang="en-US" smtClean="0"/>
               <a:t>Second level</a:t>
             </a:r>
+            <a:endParaRPr lang="en-US" smtClean="0"/>
           </a:p>
           <a:p>
             <a:pPr lvl="2"/>
@@ -3705,6 +3729,7 @@
               <a:rPr lang="en-US" smtClean="0"/>
               <a:t>Third level</a:t>
             </a:r>
+            <a:endParaRPr lang="en-US" smtClean="0"/>
           </a:p>
           <a:p>
             <a:pPr lvl="3"/>
@@ -3712,6 +3737,7 @@
               <a:rPr lang="en-US" smtClean="0"/>
               <a:t>Fourth level</a:t>
             </a:r>
+            <a:endParaRPr lang="en-US" smtClean="0"/>
           </a:p>
           <a:p>
             <a:pPr lvl="4"/>
@@ -3756,7 +3782,6 @@
           <a:p>
             <a:fld id="{BDFF3CA4-504F-4AB7-961C-755BCE655230}" type="datetime1">
               <a:rPr lang="en-US" smtClean="0"/>
-              <a:t>12/21/2021</a:t>
             </a:fld>
             <a:endParaRPr lang="en-US"/>
           </a:p>
@@ -3828,7 +3853,7 @@
               <a:avLst/>
             </a:prstGeom>
             <a:blipFill dpi="0" rotWithShape="1">
-              <a:blip r:embed="rId13">
+              <a:blip r:embed="rId12">
                 <a:duotone>
                   <a:schemeClr val="accent1">
                     <a:shade val="45000"/>
@@ -3839,7 +3864,7 @@
                 <a:extLst>
                   <a:ext uri="{BEBA8EAE-BF5A-486C-A8C5-ECC9F3942E4B}">
                     <a14:imgProps xmlns:a14="http://schemas.microsoft.com/office/drawing/2010/main">
-                      <a14:imgLayer r:embed="rId14">
+                      <a14:imgLayer r:embed="rId13">
                         <a14:imgEffect>
                           <a14:brightnessContrast bright="-40000" contrast="20000"/>
                         </a14:imgEffect>
@@ -3920,7 +3945,6 @@
           <a:p>
             <a:fld id="{040DEF24-717E-4741-8753-F7E431A261E5}" type="slidenum">
               <a:rPr lang="en-US" smtClean="0"/>
-              <a:t>‹#›</a:t>
             </a:fld>
             <a:endParaRPr lang="en-US"/>
           </a:p>
@@ -3955,7 +3979,7 @@
         <a:buNone/>
         <a:defRPr sz="5400" kern="1200" cap="all" baseline="0">
           <a:blipFill>
-            <a:blip r:embed="rId15">
+            <a:blip r:embed="rId14">
               <a:extLst>
                 <a:ext uri="{28A0092B-C50C-407E-A947-70E740481C1C}">
                   <a14:useLocalDpi xmlns:a14="http://schemas.microsoft.com/office/drawing/2010/main" val="0"/>
@@ -4437,7 +4461,7 @@
           <p:nvPr/>
         </p:nvPicPr>
         <p:blipFill>
-          <a:blip r:embed="rId2" cstate="print">
+          <a:blip r:embed="rId1" cstate="print">
             <a:extLst>
               <a:ext uri="{28A0092B-C50C-407E-A947-70E740481C1C}">
                 <a14:useLocalDpi xmlns:a14="http://schemas.microsoft.com/office/drawing/2010/main" val="0"/>
@@ -4893,6 +4917,10 @@
               </a:rPr>
               <a:t>2</a:t>
             </a:r>
+            <a:endParaRPr lang="en-US" sz="1600" b="1" dirty="0">
+              <a:latin typeface="Arial" panose="020B0604020202020204" pitchFamily="34" charset="0"/>
+              <a:cs typeface="Arial" panose="020B0604020202020204" pitchFamily="34" charset="0"/>
+            </a:endParaRPr>
           </a:p>
         </p:txBody>
       </p:sp>
@@ -4926,6 +4954,10 @@
               </a:rPr>
               <a:t>2017 - 2022 </a:t>
             </a:r>
+            <a:endParaRPr lang="en-US" sz="1600" b="1" dirty="0" smtClean="0">
+              <a:latin typeface="Arial" panose="020B0604020202020204" pitchFamily="34" charset="0"/>
+              <a:cs typeface="Arial" panose="020B0604020202020204" pitchFamily="34" charset="0"/>
+            </a:endParaRPr>
           </a:p>
         </p:txBody>
       </p:sp>
@@ -5496,19 +5528,19 @@
         <p:spPr>
           <a:xfrm>
             <a:off x="1019175" y="230505"/>
-            <a:ext cx="10058400" cy="657944"/>
+            <a:ext cx="10058400" cy="564254"/>
           </a:xfrm>
         </p:spPr>
         <p:txBody>
           <a:bodyPr>
-            <a:normAutofit/>
+            <a:normAutofit fontScale="90000"/>
           </a:bodyPr>
           <a:lstStyle/>
           <a:p>
             <a:r>
               <a:rPr lang="en-US" sz="4000" b="1" spc="50" dirty="0" smtClean="0">
                 <a:blipFill>
-                  <a:blip r:embed="rId2">
+                  <a:blip r:embed="rId1">
                     <a:extLst>
                       <a:ext uri="{28A0092B-C50C-407E-A947-70E740481C1C}">
                         <a14:useLocalDpi xmlns:a14="http://schemas.microsoft.com/office/drawing/2010/main" val="0"/>
@@ -5521,7 +5553,7 @@
                 <a:cs typeface="Times New Roman" panose="02020603050405020304" pitchFamily="18" charset="0"/>
                 <a:sym typeface="+mn-ea"/>
               </a:rPr>
-              <a:t>Cơ chế của DNS BLOCKCHAIN</a:t>
+              <a:t>Xây dựng DNS BLOCKCHAIN</a:t>
             </a:r>
             <a:endParaRPr lang="en-US" sz="4000" dirty="0">
               <a:latin typeface="Arial" panose="020B0604020202020204" pitchFamily="34" charset="0"/>
@@ -5547,1385 +5579,6 @@
           <a:p>
             <a:fld id="{040DEF24-717E-4741-8753-F7E431A261E5}" type="slidenum">
               <a:rPr lang="en-US" smtClean="0"/>
-              <a:t>10</a:t>
-            </a:fld>
-            <a:endParaRPr lang="en-US"/>
-          </a:p>
-        </p:txBody>
-      </p:sp>
-      <p:pic>
-        <p:nvPicPr>
-          <p:cNvPr id="5" name="Picture 4"/>
-          <p:cNvPicPr/>
-          <p:nvPr/>
-        </p:nvPicPr>
-        <p:blipFill>
-          <a:blip r:embed="rId3"/>
-          <a:stretch>
-            <a:fillRect/>
-          </a:stretch>
-        </p:blipFill>
-        <p:spPr>
-          <a:xfrm>
-            <a:off x="6089044" y="1042812"/>
-            <a:ext cx="5243554" cy="2562867"/>
-          </a:xfrm>
-          <a:prstGeom prst="rect">
-            <a:avLst/>
-          </a:prstGeom>
-          <a:ln w="12700">
-            <a:solidFill>
-              <a:schemeClr val="tx1"/>
-            </a:solidFill>
-          </a:ln>
-        </p:spPr>
-      </p:pic>
-      <p:sp>
-        <p:nvSpPr>
-          <p:cNvPr id="7" name="Rectangle 6"/>
-          <p:cNvSpPr/>
-          <p:nvPr/>
-        </p:nvSpPr>
-        <p:spPr>
-          <a:xfrm>
-            <a:off x="0" y="0"/>
-            <a:ext cx="427839" cy="6858000"/>
-          </a:xfrm>
-          <a:prstGeom prst="rect">
-            <a:avLst/>
-          </a:prstGeom>
-          <a:solidFill>
-            <a:srgbClr val="CE2127"/>
-          </a:solidFill>
-        </p:spPr>
-        <p:style>
-          <a:lnRef idx="2">
-            <a:schemeClr val="accent1">
-              <a:shade val="50000"/>
-            </a:schemeClr>
-          </a:lnRef>
-          <a:fillRef idx="1">
-            <a:schemeClr val="accent1"/>
-          </a:fillRef>
-          <a:effectRef idx="0">
-            <a:schemeClr val="accent1"/>
-          </a:effectRef>
-          <a:fontRef idx="minor">
-            <a:schemeClr val="lt1"/>
-          </a:fontRef>
-        </p:style>
-        <p:txBody>
-          <a:bodyPr rtlCol="0" anchor="ctr"/>
-          <a:lstStyle/>
-          <a:p>
-            <a:pPr algn="ctr"/>
-            <a:endParaRPr lang="en-US">
-              <a:solidFill>
-                <a:srgbClr val="FF0000"/>
-              </a:solidFill>
-            </a:endParaRPr>
-          </a:p>
-        </p:txBody>
-      </p:sp>
-      <p:sp>
-        <p:nvSpPr>
-          <p:cNvPr id="8" name="TextBox 7"/>
-          <p:cNvSpPr txBox="1"/>
-          <p:nvPr/>
-        </p:nvSpPr>
-        <p:spPr>
-          <a:xfrm>
-            <a:off x="1044448" y="906044"/>
-            <a:ext cx="5019323" cy="461665"/>
-          </a:xfrm>
-          <a:prstGeom prst="rect">
-            <a:avLst/>
-          </a:prstGeom>
-          <a:noFill/>
-        </p:spPr>
-        <p:txBody>
-          <a:bodyPr wrap="none" rtlCol="0">
-            <a:spAutoFit/>
-          </a:bodyPr>
-          <a:lstStyle/>
-          <a:p>
-            <a:r>
-              <a:rPr lang="en-US" sz="2400" b="1" dirty="0" smtClean="0">
-                <a:solidFill>
-                  <a:schemeClr val="accent2">
-                    <a:lumMod val="50000"/>
-                  </a:schemeClr>
-                </a:solidFill>
-                <a:latin typeface="Arial" panose="020B0604020202020204" pitchFamily="34" charset="0"/>
-                <a:ea typeface="Roboto" panose="02000000000000000000" pitchFamily="2" charset="0"/>
-                <a:cs typeface="Arial" panose="020B0604020202020204" pitchFamily="34" charset="0"/>
-              </a:rPr>
-              <a:t>DNS Blockchain hoàn chỉnh gồm</a:t>
-            </a:r>
-            <a:endParaRPr lang="en-US" sz="2400" b="1" dirty="0">
-              <a:solidFill>
-                <a:schemeClr val="accent2">
-                  <a:lumMod val="50000"/>
-                </a:schemeClr>
-              </a:solidFill>
-              <a:latin typeface="Arial" panose="020B0604020202020204" pitchFamily="34" charset="0"/>
-              <a:ea typeface="Roboto" panose="02000000000000000000" pitchFamily="2" charset="0"/>
-              <a:cs typeface="Arial" panose="020B0604020202020204" pitchFamily="34" charset="0"/>
-            </a:endParaRPr>
-          </a:p>
-        </p:txBody>
-      </p:sp>
-      <p:sp>
-        <p:nvSpPr>
-          <p:cNvPr id="9" name="Rectangle 8"/>
-          <p:cNvSpPr/>
-          <p:nvPr/>
-        </p:nvSpPr>
-        <p:spPr>
-          <a:xfrm>
-            <a:off x="1076209" y="2815950"/>
-            <a:ext cx="1446397" cy="415498"/>
-          </a:xfrm>
-          <a:prstGeom prst="rect">
-            <a:avLst/>
-          </a:prstGeom>
-        </p:spPr>
-        <p:txBody>
-          <a:bodyPr wrap="square">
-            <a:spAutoFit/>
-          </a:bodyPr>
-          <a:lstStyle/>
-          <a:p>
-            <a:pPr lvl="0" algn="just">
-              <a:lnSpc>
-                <a:spcPct val="150000"/>
-              </a:lnSpc>
-              <a:spcAft>
-                <a:spcPts val="0"/>
-              </a:spcAft>
-            </a:pPr>
-            <a:r>
-              <a:rPr lang="en-US" sz="1400" b="1" dirty="0" smtClean="0">
-                <a:latin typeface="Arial" panose="020B0604020202020204" pitchFamily="34" charset="0"/>
-                <a:ea typeface="Calibri" panose="020F0502020204030204" pitchFamily="34" charset="0"/>
-                <a:cs typeface="Arial" panose="020B0604020202020204" pitchFamily="34" charset="0"/>
-              </a:rPr>
-              <a:t>Data Access: </a:t>
-            </a:r>
-          </a:p>
-        </p:txBody>
-      </p:sp>
-      <p:sp>
-        <p:nvSpPr>
-          <p:cNvPr id="2" name="Rectangle 1"/>
-          <p:cNvSpPr/>
-          <p:nvPr/>
-        </p:nvSpPr>
-        <p:spPr>
-          <a:xfrm>
-            <a:off x="1044448" y="4002387"/>
-            <a:ext cx="10288150" cy="808555"/>
-          </a:xfrm>
-          <a:prstGeom prst="rect">
-            <a:avLst/>
-          </a:prstGeom>
-          <a:solidFill>
-            <a:schemeClr val="tx2">
-              <a:lumMod val="20000"/>
-              <a:lumOff val="80000"/>
-            </a:schemeClr>
-          </a:solidFill>
-        </p:spPr>
-        <p:txBody>
-          <a:bodyPr wrap="square">
-            <a:spAutoFit/>
-          </a:bodyPr>
-          <a:lstStyle/>
-          <a:p>
-            <a:pPr marL="342900" lvl="0" indent="-342900" algn="just">
-              <a:lnSpc>
-                <a:spcPct val="114000"/>
-              </a:lnSpc>
-              <a:spcAft>
-                <a:spcPts val="0"/>
-              </a:spcAft>
-              <a:buFont typeface="Times New Roman" panose="02020603050405020304" pitchFamily="18" charset="0"/>
-              <a:buChar char="-"/>
-            </a:pPr>
-            <a:r>
-              <a:rPr lang="en-US" sz="1400" dirty="0" smtClean="0">
-                <a:latin typeface="Arial" panose="020B0604020202020204" pitchFamily="34" charset="0"/>
-                <a:ea typeface="Calibri" panose="020F0502020204030204" pitchFamily="34" charset="0"/>
-                <a:cs typeface="Arial" panose="020B0604020202020204" pitchFamily="34" charset="0"/>
-              </a:rPr>
-              <a:t>Domain </a:t>
-            </a:r>
-            <a:r>
-              <a:rPr lang="en-US" sz="1400" dirty="0">
-                <a:latin typeface="Arial" panose="020B0604020202020204" pitchFamily="34" charset="0"/>
-                <a:ea typeface="Calibri" panose="020F0502020204030204" pitchFamily="34" charset="0"/>
-                <a:cs typeface="Arial" panose="020B0604020202020204" pitchFamily="34" charset="0"/>
-              </a:rPr>
-              <a:t>Name Service </a:t>
-            </a:r>
-            <a:r>
-              <a:rPr lang="en-US" sz="1400" dirty="0" smtClean="0">
-                <a:latin typeface="Arial" panose="020B0604020202020204" pitchFamily="34" charset="0"/>
-                <a:ea typeface="Calibri" panose="020F0502020204030204" pitchFamily="34" charset="0"/>
-                <a:cs typeface="Arial" panose="020B0604020202020204" pitchFamily="34" charset="0"/>
-              </a:rPr>
-              <a:t>Center ( DSC ) đóng vai trò hạn chế kiểm tra dữ liệu đầu vào trùng lặp hoặc không hợp lệ</a:t>
-            </a:r>
-          </a:p>
-          <a:p>
-            <a:pPr marL="342900" lvl="0" indent="-342900" algn="just">
-              <a:lnSpc>
-                <a:spcPct val="114000"/>
-              </a:lnSpc>
-              <a:spcAft>
-                <a:spcPts val="0"/>
-              </a:spcAft>
-              <a:buFont typeface="Times New Roman" panose="02020603050405020304" pitchFamily="18" charset="0"/>
-              <a:buChar char="-"/>
-            </a:pPr>
-            <a:r>
-              <a:rPr lang="en-US" sz="1400" dirty="0">
-                <a:latin typeface="Arial" panose="020B0604020202020204" pitchFamily="34" charset="0"/>
-                <a:ea typeface="Calibri" panose="020F0502020204030204" pitchFamily="34" charset="0"/>
-                <a:cs typeface="Arial" panose="020B0604020202020204" pitchFamily="34" charset="0"/>
-              </a:rPr>
-              <a:t>TLD Service Centers</a:t>
-            </a:r>
-            <a:r>
-              <a:rPr lang="en-US" sz="1400" dirty="0" smtClean="0">
-                <a:latin typeface="Arial" panose="020B0604020202020204" pitchFamily="34" charset="0"/>
-                <a:ea typeface="Calibri" panose="020F0502020204030204" pitchFamily="34" charset="0"/>
-                <a:cs typeface="Arial" panose="020B0604020202020204" pitchFamily="34" charset="0"/>
-              </a:rPr>
-              <a:t> ( TSC ) tiếp nhận yêu cầu có </a:t>
-            </a:r>
-            <a:r>
-              <a:rPr lang="en-US" sz="1400" dirty="0">
-                <a:latin typeface="Arial" panose="020B0604020202020204" pitchFamily="34" charset="0"/>
-                <a:ea typeface="Calibri" panose="020F0502020204030204" pitchFamily="34" charset="0"/>
-                <a:cs typeface="Arial" panose="020B0604020202020204" pitchFamily="34" charset="0"/>
-              </a:rPr>
-              <a:t>chỉ định cần phải </a:t>
-            </a:r>
-            <a:r>
-              <a:rPr lang="en-US" sz="1400" dirty="0" smtClean="0">
-                <a:latin typeface="Arial" panose="020B0604020202020204" pitchFamily="34" charset="0"/>
-                <a:ea typeface="Calibri" panose="020F0502020204030204" pitchFamily="34" charset="0"/>
-                <a:cs typeface="Arial" panose="020B0604020202020204" pitchFamily="34" charset="0"/>
-              </a:rPr>
-              <a:t>thêm, sửa </a:t>
-            </a:r>
-            <a:r>
-              <a:rPr lang="en-US" sz="1400" dirty="0">
-                <a:latin typeface="Arial" panose="020B0604020202020204" pitchFamily="34" charset="0"/>
-                <a:ea typeface="Calibri" panose="020F0502020204030204" pitchFamily="34" charset="0"/>
-                <a:cs typeface="Arial" panose="020B0604020202020204" pitchFamily="34" charset="0"/>
-              </a:rPr>
-              <a:t>hoặc hủy bỏ, TSC sẽ tiến hành thực thi tùy theo trường hợp phát </a:t>
-            </a:r>
-            <a:r>
-              <a:rPr lang="en-US" sz="1400" dirty="0" smtClean="0">
-                <a:latin typeface="Arial" panose="020B0604020202020204" pitchFamily="34" charset="0"/>
-                <a:ea typeface="Calibri" panose="020F0502020204030204" pitchFamily="34" charset="0"/>
-                <a:cs typeface="Arial" panose="020B0604020202020204" pitchFamily="34" charset="0"/>
-              </a:rPr>
-              <a:t>sinh. </a:t>
-            </a:r>
-          </a:p>
-        </p:txBody>
-      </p:sp>
-      <p:sp>
-        <p:nvSpPr>
-          <p:cNvPr id="3" name="TextBox 2"/>
-          <p:cNvSpPr txBox="1"/>
-          <p:nvPr/>
-        </p:nvSpPr>
-        <p:spPr>
-          <a:xfrm>
-            <a:off x="2353041" y="1456100"/>
-            <a:ext cx="3431300" cy="738664"/>
-          </a:xfrm>
-          <a:prstGeom prst="rect">
-            <a:avLst/>
-          </a:prstGeom>
-          <a:noFill/>
-        </p:spPr>
-        <p:txBody>
-          <a:bodyPr wrap="square" rtlCol="0">
-            <a:spAutoFit/>
-          </a:bodyPr>
-          <a:lstStyle/>
-          <a:p>
-            <a:pPr lvl="0"/>
-            <a:r>
-              <a:rPr lang="en-US" sz="1400" dirty="0">
-                <a:latin typeface="Arial" panose="020B0604020202020204" pitchFamily="34" charset="0"/>
-                <a:ea typeface="Calibri" panose="020F0502020204030204" pitchFamily="34" charset="0"/>
-                <a:cs typeface="Arial" panose="020B0604020202020204" pitchFamily="34" charset="0"/>
-              </a:rPr>
-              <a:t>Chịu trách nhiệm cho việc upload dữ liệu tên miền và thực thi những yêu cầu với dữ liệu upload</a:t>
-            </a:r>
-            <a:r>
-              <a:rPr lang="en-US" sz="1400" dirty="0" smtClean="0">
-                <a:latin typeface="Arial" panose="020B0604020202020204" pitchFamily="34" charset="0"/>
-                <a:ea typeface="Calibri" panose="020F0502020204030204" pitchFamily="34" charset="0"/>
-                <a:cs typeface="Arial" panose="020B0604020202020204" pitchFamily="34" charset="0"/>
-              </a:rPr>
-              <a:t>.</a:t>
-            </a:r>
-            <a:endParaRPr lang="en-US" sz="1400" dirty="0">
-              <a:latin typeface="Arial" panose="020B0604020202020204" pitchFamily="34" charset="0"/>
-              <a:ea typeface="Calibri" panose="020F0502020204030204" pitchFamily="34" charset="0"/>
-              <a:cs typeface="Arial" panose="020B0604020202020204" pitchFamily="34" charset="0"/>
-            </a:endParaRPr>
-          </a:p>
-        </p:txBody>
-      </p:sp>
-      <p:sp>
-        <p:nvSpPr>
-          <p:cNvPr id="10" name="TextBox 9"/>
-          <p:cNvSpPr txBox="1"/>
-          <p:nvPr/>
-        </p:nvSpPr>
-        <p:spPr>
-          <a:xfrm>
-            <a:off x="2353041" y="2241385"/>
-            <a:ext cx="3431300" cy="587853"/>
-          </a:xfrm>
-          <a:prstGeom prst="rect">
-            <a:avLst/>
-          </a:prstGeom>
-          <a:noFill/>
-        </p:spPr>
-        <p:txBody>
-          <a:bodyPr wrap="square" rtlCol="0">
-            <a:spAutoFit/>
-          </a:bodyPr>
-          <a:lstStyle/>
-          <a:p>
-            <a:pPr lvl="0" algn="just">
-              <a:lnSpc>
-                <a:spcPct val="115000"/>
-              </a:lnSpc>
-              <a:spcBef>
-                <a:spcPts val="300"/>
-              </a:spcBef>
-              <a:spcAft>
-                <a:spcPts val="0"/>
-              </a:spcAft>
-            </a:pPr>
-            <a:r>
-              <a:rPr lang="en-US" sz="1400" dirty="0">
-                <a:latin typeface="Arial" panose="020B0604020202020204" pitchFamily="34" charset="0"/>
-                <a:ea typeface="Calibri" panose="020F0502020204030204" pitchFamily="34" charset="0"/>
-                <a:cs typeface="Arial" panose="020B0604020202020204" pitchFamily="34" charset="0"/>
-              </a:rPr>
-              <a:t>Blockchain lưu trữ những dữ liệu tên miền đã được đồng bộ hóa. </a:t>
-            </a:r>
-          </a:p>
-        </p:txBody>
-      </p:sp>
-      <p:sp>
-        <p:nvSpPr>
-          <p:cNvPr id="12" name="TextBox 11"/>
-          <p:cNvSpPr txBox="1"/>
-          <p:nvPr/>
-        </p:nvSpPr>
-        <p:spPr>
-          <a:xfrm>
-            <a:off x="2353040" y="2890569"/>
-            <a:ext cx="3431301" cy="587853"/>
-          </a:xfrm>
-          <a:prstGeom prst="rect">
-            <a:avLst/>
-          </a:prstGeom>
-          <a:noFill/>
-        </p:spPr>
-        <p:txBody>
-          <a:bodyPr wrap="square" rtlCol="0">
-            <a:spAutoFit/>
-          </a:bodyPr>
-          <a:lstStyle/>
-          <a:p>
-            <a:pPr lvl="0" algn="just">
-              <a:lnSpc>
-                <a:spcPct val="115000"/>
-              </a:lnSpc>
-              <a:spcAft>
-                <a:spcPts val="300"/>
-              </a:spcAft>
-            </a:pPr>
-            <a:r>
-              <a:rPr lang="en-US" sz="1400" dirty="0">
-                <a:latin typeface="Arial" panose="020B0604020202020204" pitchFamily="34" charset="0"/>
-                <a:ea typeface="Calibri" panose="020F0502020204030204" pitchFamily="34" charset="0"/>
-                <a:cs typeface="Arial" panose="020B0604020202020204" pitchFamily="34" charset="0"/>
-              </a:rPr>
-              <a:t>Chịu trách nhiệm nhận yêu cầu và trả kết quả phân giải cho người yêu cầu</a:t>
-            </a:r>
-            <a:r>
-              <a:rPr lang="en-US" sz="1400" dirty="0" smtClean="0">
-                <a:latin typeface="Arial" panose="020B0604020202020204" pitchFamily="34" charset="0"/>
-                <a:ea typeface="Calibri" panose="020F0502020204030204" pitchFamily="34" charset="0"/>
-                <a:cs typeface="Arial" panose="020B0604020202020204" pitchFamily="34" charset="0"/>
-              </a:rPr>
-              <a:t>.</a:t>
-            </a:r>
-            <a:endParaRPr lang="en-US" sz="1400" dirty="0">
-              <a:latin typeface="Arial" panose="020B0604020202020204" pitchFamily="34" charset="0"/>
-              <a:ea typeface="Calibri" panose="020F0502020204030204" pitchFamily="34" charset="0"/>
-              <a:cs typeface="Arial" panose="020B0604020202020204" pitchFamily="34" charset="0"/>
-            </a:endParaRPr>
-          </a:p>
-        </p:txBody>
-      </p:sp>
-      <p:sp>
-        <p:nvSpPr>
-          <p:cNvPr id="13" name="Rectangle 12"/>
-          <p:cNvSpPr/>
-          <p:nvPr/>
-        </p:nvSpPr>
-        <p:spPr>
-          <a:xfrm>
-            <a:off x="1044448" y="3680533"/>
-            <a:ext cx="1782860" cy="318998"/>
-          </a:xfrm>
-          <a:prstGeom prst="rect">
-            <a:avLst/>
-          </a:prstGeom>
-        </p:spPr>
-        <p:txBody>
-          <a:bodyPr wrap="none">
-            <a:spAutoFit/>
-          </a:bodyPr>
-          <a:lstStyle/>
-          <a:p>
-            <a:pPr lvl="0" algn="just">
-              <a:lnSpc>
-                <a:spcPct val="115000"/>
-              </a:lnSpc>
-              <a:spcBef>
-                <a:spcPts val="300"/>
-              </a:spcBef>
-              <a:spcAft>
-                <a:spcPts val="0"/>
-              </a:spcAft>
-            </a:pPr>
-            <a:r>
-              <a:rPr lang="en-US" sz="1400" b="1" dirty="0" smtClean="0">
-                <a:solidFill>
-                  <a:schemeClr val="accent2">
-                    <a:lumMod val="50000"/>
-                  </a:schemeClr>
-                </a:solidFill>
-                <a:latin typeface="Arial" panose="020B0604020202020204" pitchFamily="34" charset="0"/>
-                <a:ea typeface="Roboto" panose="02000000000000000000" pitchFamily="2" charset="0"/>
-                <a:cs typeface="Arial" panose="020B0604020202020204" pitchFamily="34" charset="0"/>
-              </a:rPr>
-              <a:t>Giai đoạn chuẩn bị</a:t>
-            </a:r>
-            <a:endParaRPr lang="en-US" sz="1400" b="1" dirty="0">
-              <a:solidFill>
-                <a:schemeClr val="accent2">
-                  <a:lumMod val="50000"/>
-                </a:schemeClr>
-              </a:solidFill>
-              <a:latin typeface="Arial" panose="020B0604020202020204" pitchFamily="34" charset="0"/>
-              <a:ea typeface="Roboto" panose="02000000000000000000" pitchFamily="2" charset="0"/>
-              <a:cs typeface="Arial" panose="020B0604020202020204" pitchFamily="34" charset="0"/>
-            </a:endParaRPr>
-          </a:p>
-        </p:txBody>
-      </p:sp>
-      <p:sp>
-        <p:nvSpPr>
-          <p:cNvPr id="14" name="Rectangle 13"/>
-          <p:cNvSpPr/>
-          <p:nvPr/>
-        </p:nvSpPr>
-        <p:spPr>
-          <a:xfrm>
-            <a:off x="1044448" y="4878223"/>
-            <a:ext cx="1891865" cy="318998"/>
-          </a:xfrm>
-          <a:prstGeom prst="rect">
-            <a:avLst/>
-          </a:prstGeom>
-        </p:spPr>
-        <p:txBody>
-          <a:bodyPr wrap="none">
-            <a:spAutoFit/>
-          </a:bodyPr>
-          <a:lstStyle/>
-          <a:p>
-            <a:pPr algn="just">
-              <a:lnSpc>
-                <a:spcPct val="115000"/>
-              </a:lnSpc>
-              <a:spcBef>
-                <a:spcPts val="300"/>
-              </a:spcBef>
-            </a:pPr>
-            <a:r>
-              <a:rPr lang="en-US" sz="1400" b="1" dirty="0">
-                <a:solidFill>
-                  <a:schemeClr val="accent2">
-                    <a:lumMod val="50000"/>
-                  </a:schemeClr>
-                </a:solidFill>
-                <a:latin typeface="Arial" panose="020B0604020202020204" pitchFamily="34" charset="0"/>
-                <a:ea typeface="Roboto" panose="02000000000000000000" pitchFamily="2" charset="0"/>
-                <a:cs typeface="Arial" panose="020B0604020202020204" pitchFamily="34" charset="0"/>
-              </a:rPr>
-              <a:t>Giai đoạn tương tác</a:t>
-            </a:r>
-          </a:p>
-        </p:txBody>
-      </p:sp>
-      <p:sp>
-        <p:nvSpPr>
-          <p:cNvPr id="16" name="Rectangle 15"/>
-          <p:cNvSpPr/>
-          <p:nvPr/>
-        </p:nvSpPr>
-        <p:spPr>
-          <a:xfrm>
-            <a:off x="1019175" y="5212969"/>
-            <a:ext cx="10313423" cy="1299715"/>
-          </a:xfrm>
-          <a:prstGeom prst="rect">
-            <a:avLst/>
-          </a:prstGeom>
-          <a:solidFill>
-            <a:schemeClr val="tx2">
-              <a:lumMod val="20000"/>
-              <a:lumOff val="80000"/>
-            </a:schemeClr>
-          </a:solidFill>
-        </p:spPr>
-        <p:txBody>
-          <a:bodyPr wrap="square">
-            <a:spAutoFit/>
-          </a:bodyPr>
-          <a:lstStyle/>
-          <a:p>
-            <a:pPr marL="342900" lvl="0" indent="-342900" algn="just">
-              <a:lnSpc>
-                <a:spcPct val="114000"/>
-              </a:lnSpc>
-              <a:spcBef>
-                <a:spcPts val="300"/>
-              </a:spcBef>
-              <a:spcAft>
-                <a:spcPts val="0"/>
-              </a:spcAft>
-              <a:buFont typeface="Times New Roman" panose="02020603050405020304" pitchFamily="18" charset="0"/>
-              <a:buChar char="-"/>
-            </a:pPr>
-            <a:r>
-              <a:rPr lang="en-US" sz="1400" dirty="0">
-                <a:latin typeface="Arial" panose="020B0604020202020204" pitchFamily="34" charset="0"/>
-                <a:ea typeface="Calibri" panose="020F0502020204030204" pitchFamily="34" charset="0"/>
-                <a:cs typeface="Arial" panose="020B0604020202020204" pitchFamily="34" charset="0"/>
-              </a:rPr>
-              <a:t>Sau khi được khởi tạo và đồng bộ dữ liệu, </a:t>
-            </a:r>
-            <a:r>
-              <a:rPr lang="en-US" sz="1400" dirty="0" smtClean="0">
-                <a:latin typeface="Arial" panose="020B0604020202020204" pitchFamily="34" charset="0"/>
-                <a:ea typeface="Calibri" panose="020F0502020204030204" pitchFamily="34" charset="0"/>
-                <a:cs typeface="Arial" panose="020B0604020202020204" pitchFamily="34" charset="0"/>
-              </a:rPr>
-              <a:t>TLDChain </a:t>
-            </a:r>
-            <a:r>
-              <a:rPr lang="en-US" sz="1400" dirty="0">
-                <a:latin typeface="Arial" panose="020B0604020202020204" pitchFamily="34" charset="0"/>
-                <a:ea typeface="Calibri" panose="020F0502020204030204" pitchFamily="34" charset="0"/>
-                <a:cs typeface="Arial" panose="020B0604020202020204" pitchFamily="34" charset="0"/>
-              </a:rPr>
-              <a:t>hoặc có thể gọi là Blockchain sẽ chia làm 2 chuyên mục : </a:t>
-            </a:r>
-            <a:r>
-              <a:rPr lang="en-US" sz="1400" dirty="0" smtClean="0">
-                <a:latin typeface="Arial" panose="020B0604020202020204" pitchFamily="34" charset="0"/>
-                <a:ea typeface="Calibri" panose="020F0502020204030204" pitchFamily="34" charset="0"/>
-                <a:cs typeface="Arial" panose="020B0604020202020204" pitchFamily="34" charset="0"/>
-              </a:rPr>
-              <a:t>thông thường hoặc </a:t>
-            </a:r>
-            <a:r>
-              <a:rPr lang="en-US" sz="1400" dirty="0">
-                <a:latin typeface="Arial" panose="020B0604020202020204" pitchFamily="34" charset="0"/>
-                <a:ea typeface="Calibri" panose="020F0502020204030204" pitchFamily="34" charset="0"/>
-                <a:cs typeface="Arial" panose="020B0604020202020204" pitchFamily="34" charset="0"/>
-              </a:rPr>
-              <a:t>chỉ định theo một lựa chọn nào đó ( ở ví dụ sẽ là quốc gia ) nhờ đó có thể áp dụng phân quyền tạo nên một Permissioned Blockchain ( kết hợp giữa Public và Private ).</a:t>
-            </a:r>
-          </a:p>
-          <a:p>
-            <a:pPr marL="342900" lvl="0" indent="-342900" algn="just">
-              <a:lnSpc>
-                <a:spcPct val="114000"/>
-              </a:lnSpc>
-              <a:spcAft>
-                <a:spcPts val="300"/>
-              </a:spcAft>
-              <a:buFont typeface="Times New Roman" panose="02020603050405020304" pitchFamily="18" charset="0"/>
-              <a:buChar char="-"/>
-            </a:pPr>
-            <a:r>
-              <a:rPr lang="en-US" sz="1400" dirty="0">
-                <a:latin typeface="Arial" panose="020B0604020202020204" pitchFamily="34" charset="0"/>
-                <a:ea typeface="Calibri" panose="020F0502020204030204" pitchFamily="34" charset="0"/>
-                <a:cs typeface="Arial" panose="020B0604020202020204" pitchFamily="34" charset="0"/>
-              </a:rPr>
-              <a:t>Giai đoạn cuối cùng là Data Access, là nơi tiếp nhận thông tin của các người dùng và trực tiếp trả về kết quả thông qua việc xử lý thông tin ở TLDChain.</a:t>
-            </a:r>
-          </a:p>
-        </p:txBody>
-      </p:sp>
-      <p:sp>
-        <p:nvSpPr>
-          <p:cNvPr id="17" name="Rectangle 16"/>
-          <p:cNvSpPr/>
-          <p:nvPr/>
-        </p:nvSpPr>
-        <p:spPr>
-          <a:xfrm>
-            <a:off x="1044448" y="1377141"/>
-            <a:ext cx="1327608" cy="375552"/>
-          </a:xfrm>
-          <a:prstGeom prst="rect">
-            <a:avLst/>
-          </a:prstGeom>
-        </p:spPr>
-        <p:txBody>
-          <a:bodyPr wrap="none">
-            <a:spAutoFit/>
-          </a:bodyPr>
-          <a:lstStyle/>
-          <a:p>
-            <a:pPr lvl="0">
-              <a:lnSpc>
-                <a:spcPct val="150000"/>
-              </a:lnSpc>
-              <a:spcBef>
-                <a:spcPts val="300"/>
-              </a:spcBef>
-            </a:pPr>
-            <a:r>
-              <a:rPr lang="en-US" sz="1400" b="1" dirty="0">
-                <a:latin typeface="Arial" panose="020B0604020202020204" pitchFamily="34" charset="0"/>
-                <a:ea typeface="Calibri" panose="020F0502020204030204" pitchFamily="34" charset="0"/>
-                <a:cs typeface="Arial" panose="020B0604020202020204" pitchFamily="34" charset="0"/>
-              </a:rPr>
-              <a:t>Data Publish:</a:t>
-            </a:r>
-          </a:p>
-        </p:txBody>
-      </p:sp>
-      <p:sp>
-        <p:nvSpPr>
-          <p:cNvPr id="18" name="TextBox 17"/>
-          <p:cNvSpPr txBox="1"/>
-          <p:nvPr/>
-        </p:nvSpPr>
-        <p:spPr>
-          <a:xfrm>
-            <a:off x="1044448" y="2256321"/>
-            <a:ext cx="1138453" cy="307777"/>
-          </a:xfrm>
-          <a:prstGeom prst="rect">
-            <a:avLst/>
-          </a:prstGeom>
-          <a:noFill/>
-        </p:spPr>
-        <p:txBody>
-          <a:bodyPr wrap="none" rtlCol="0">
-            <a:spAutoFit/>
-          </a:bodyPr>
-          <a:lstStyle/>
-          <a:p>
-            <a:pPr lvl="0"/>
-            <a:r>
-              <a:rPr lang="en-US" sz="1400" b="1" dirty="0">
-                <a:latin typeface="Arial" panose="020B0604020202020204" pitchFamily="34" charset="0"/>
-                <a:ea typeface="Calibri" panose="020F0502020204030204" pitchFamily="34" charset="0"/>
-                <a:cs typeface="Arial" panose="020B0604020202020204" pitchFamily="34" charset="0"/>
-              </a:rPr>
-              <a:t>TLD </a:t>
-            </a:r>
-            <a:r>
-              <a:rPr lang="en-US" sz="1400" b="1" dirty="0" smtClean="0">
-                <a:latin typeface="Arial" panose="020B0604020202020204" pitchFamily="34" charset="0"/>
-                <a:ea typeface="Calibri" panose="020F0502020204030204" pitchFamily="34" charset="0"/>
-                <a:cs typeface="Arial" panose="020B0604020202020204" pitchFamily="34" charset="0"/>
-              </a:rPr>
-              <a:t>Chain:</a:t>
-            </a:r>
-            <a:endParaRPr lang="en-US" sz="1400" b="1" dirty="0">
-              <a:latin typeface="Arial" panose="020B0604020202020204" pitchFamily="34" charset="0"/>
-              <a:ea typeface="Calibri" panose="020F0502020204030204" pitchFamily="34" charset="0"/>
-              <a:cs typeface="Arial" panose="020B0604020202020204" pitchFamily="34" charset="0"/>
-            </a:endParaRPr>
-          </a:p>
-        </p:txBody>
-      </p:sp>
-    </p:spTree>
-  </p:cSld>
-  <p:clrMapOvr>
-    <a:masterClrMapping/>
-  </p:clrMapOvr>
-  <p:transition spd="slow">
-    <p:push dir="u"/>
-  </p:transition>
-  <p:timing>
-    <p:tnLst>
-      <p:par>
-        <p:cTn id="1" dur="indefinite" restart="never" nodeType="tmRoot">
-          <p:childTnLst>
-            <p:seq concurrent="1" nextAc="seek">
-              <p:cTn id="2" dur="indefinite" nodeType="mainSeq">
-                <p:childTnLst>
-                  <p:par>
-                    <p:cTn id="3" fill="hold">
-                      <p:stCondLst>
-                        <p:cond delay="indefinite"/>
-                        <p:cond evt="onBegin" delay="0">
-                          <p:tn val="2"/>
-                        </p:cond>
-                      </p:stCondLst>
-                      <p:childTnLst>
-                        <p:par>
-                          <p:cTn id="4" fill="hold">
-                            <p:stCondLst>
-                              <p:cond delay="0"/>
-                            </p:stCondLst>
-                            <p:childTnLst>
-                              <p:par>
-                                <p:cTn id="5" presetID="10" presetClass="entr" presetSubtype="0" fill="hold" grpId="0" nodeType="withEffect">
-                                  <p:stCondLst>
-                                    <p:cond delay="0"/>
-                                  </p:stCondLst>
-                                  <p:childTnLst>
-                                    <p:set>
-                                      <p:cBhvr>
-                                        <p:cTn id="6" dur="1" fill="hold">
-                                          <p:stCondLst>
-                                            <p:cond delay="0"/>
-                                          </p:stCondLst>
-                                        </p:cTn>
-                                        <p:tgtEl>
-                                          <p:spTgt spid="6"/>
-                                        </p:tgtEl>
-                                        <p:attrNameLst>
-                                          <p:attrName>style.visibility</p:attrName>
-                                        </p:attrNameLst>
-                                      </p:cBhvr>
-                                      <p:to>
-                                        <p:strVal val="visible"/>
-                                      </p:to>
-                                    </p:set>
-                                    <p:animEffect transition="in" filter="fade">
-                                      <p:cBhvr>
-                                        <p:cTn id="7" dur="500"/>
-                                        <p:tgtEl>
-                                          <p:spTgt spid="6"/>
-                                        </p:tgtEl>
-                                      </p:cBhvr>
-                                    </p:animEffect>
-                                  </p:childTnLst>
-                                </p:cTn>
-                              </p:par>
-                              <p:par>
-                                <p:cTn id="8" presetID="10" presetClass="entr" presetSubtype="0" fill="hold" grpId="0" nodeType="withEffect">
-                                  <p:stCondLst>
-                                    <p:cond delay="0"/>
-                                  </p:stCondLst>
-                                  <p:childTnLst>
-                                    <p:set>
-                                      <p:cBhvr>
-                                        <p:cTn id="9" dur="1" fill="hold">
-                                          <p:stCondLst>
-                                            <p:cond delay="0"/>
-                                          </p:stCondLst>
-                                        </p:cTn>
-                                        <p:tgtEl>
-                                          <p:spTgt spid="4"/>
-                                        </p:tgtEl>
-                                        <p:attrNameLst>
-                                          <p:attrName>style.visibility</p:attrName>
-                                        </p:attrNameLst>
-                                      </p:cBhvr>
-                                      <p:to>
-                                        <p:strVal val="visible"/>
-                                      </p:to>
-                                    </p:set>
-                                    <p:animEffect transition="in" filter="fade">
-                                      <p:cBhvr>
-                                        <p:cTn id="10" dur="500"/>
-                                        <p:tgtEl>
-                                          <p:spTgt spid="4"/>
-                                        </p:tgtEl>
-                                      </p:cBhvr>
-                                    </p:animEffect>
-                                  </p:childTnLst>
-                                </p:cTn>
-                              </p:par>
-                              <p:par>
-                                <p:cTn id="11" presetID="10" presetClass="entr" presetSubtype="0" fill="hold" nodeType="withEffect">
-                                  <p:stCondLst>
-                                    <p:cond delay="0"/>
-                                  </p:stCondLst>
-                                  <p:childTnLst>
-                                    <p:set>
-                                      <p:cBhvr>
-                                        <p:cTn id="12" dur="1" fill="hold">
-                                          <p:stCondLst>
-                                            <p:cond delay="0"/>
-                                          </p:stCondLst>
-                                        </p:cTn>
-                                        <p:tgtEl>
-                                          <p:spTgt spid="5"/>
-                                        </p:tgtEl>
-                                        <p:attrNameLst>
-                                          <p:attrName>style.visibility</p:attrName>
-                                        </p:attrNameLst>
-                                      </p:cBhvr>
-                                      <p:to>
-                                        <p:strVal val="visible"/>
-                                      </p:to>
-                                    </p:set>
-                                    <p:animEffect transition="in" filter="fade">
-                                      <p:cBhvr>
-                                        <p:cTn id="13" dur="500"/>
-                                        <p:tgtEl>
-                                          <p:spTgt spid="5"/>
-                                        </p:tgtEl>
-                                      </p:cBhvr>
-                                    </p:animEffect>
-                                  </p:childTnLst>
-                                </p:cTn>
-                              </p:par>
-                              <p:par>
-                                <p:cTn id="14" presetID="10" presetClass="entr" presetSubtype="0" fill="hold" grpId="0" nodeType="withEffect">
-                                  <p:stCondLst>
-                                    <p:cond delay="0"/>
-                                  </p:stCondLst>
-                                  <p:childTnLst>
-                                    <p:set>
-                                      <p:cBhvr>
-                                        <p:cTn id="15" dur="1" fill="hold">
-                                          <p:stCondLst>
-                                            <p:cond delay="0"/>
-                                          </p:stCondLst>
-                                        </p:cTn>
-                                        <p:tgtEl>
-                                          <p:spTgt spid="8"/>
-                                        </p:tgtEl>
-                                        <p:attrNameLst>
-                                          <p:attrName>style.visibility</p:attrName>
-                                        </p:attrNameLst>
-                                      </p:cBhvr>
-                                      <p:to>
-                                        <p:strVal val="visible"/>
-                                      </p:to>
-                                    </p:set>
-                                    <p:animEffect transition="in" filter="fade">
-                                      <p:cBhvr>
-                                        <p:cTn id="16" dur="500"/>
-                                        <p:tgtEl>
-                                          <p:spTgt spid="8"/>
-                                        </p:tgtEl>
-                                      </p:cBhvr>
-                                    </p:animEffect>
-                                  </p:childTnLst>
-                                </p:cTn>
-                              </p:par>
-                              <p:par>
-                                <p:cTn id="17" presetID="10" presetClass="entr" presetSubtype="0" fill="hold" grpId="0" nodeType="withEffect">
-                                  <p:stCondLst>
-                                    <p:cond delay="0"/>
-                                  </p:stCondLst>
-                                  <p:childTnLst>
-                                    <p:set>
-                                      <p:cBhvr>
-                                        <p:cTn id="18" dur="1" fill="hold">
-                                          <p:stCondLst>
-                                            <p:cond delay="0"/>
-                                          </p:stCondLst>
-                                        </p:cTn>
-                                        <p:tgtEl>
-                                          <p:spTgt spid="9"/>
-                                        </p:tgtEl>
-                                        <p:attrNameLst>
-                                          <p:attrName>style.visibility</p:attrName>
-                                        </p:attrNameLst>
-                                      </p:cBhvr>
-                                      <p:to>
-                                        <p:strVal val="visible"/>
-                                      </p:to>
-                                    </p:set>
-                                    <p:animEffect transition="in" filter="fade">
-                                      <p:cBhvr>
-                                        <p:cTn id="19" dur="500"/>
-                                        <p:tgtEl>
-                                          <p:spTgt spid="9"/>
-                                        </p:tgtEl>
-                                      </p:cBhvr>
-                                    </p:animEffect>
-                                  </p:childTnLst>
-                                </p:cTn>
-                              </p:par>
-                              <p:par>
-                                <p:cTn id="20" presetID="10" presetClass="entr" presetSubtype="0" fill="hold" grpId="0" nodeType="withEffect">
-                                  <p:stCondLst>
-                                    <p:cond delay="0"/>
-                                  </p:stCondLst>
-                                  <p:childTnLst>
-                                    <p:set>
-                                      <p:cBhvr>
-                                        <p:cTn id="21" dur="1" fill="hold">
-                                          <p:stCondLst>
-                                            <p:cond delay="0"/>
-                                          </p:stCondLst>
-                                        </p:cTn>
-                                        <p:tgtEl>
-                                          <p:spTgt spid="2"/>
-                                        </p:tgtEl>
-                                        <p:attrNameLst>
-                                          <p:attrName>style.visibility</p:attrName>
-                                        </p:attrNameLst>
-                                      </p:cBhvr>
-                                      <p:to>
-                                        <p:strVal val="visible"/>
-                                      </p:to>
-                                    </p:set>
-                                    <p:animEffect transition="in" filter="fade">
-                                      <p:cBhvr>
-                                        <p:cTn id="22" dur="500"/>
-                                        <p:tgtEl>
-                                          <p:spTgt spid="2"/>
-                                        </p:tgtEl>
-                                      </p:cBhvr>
-                                    </p:animEffect>
-                                  </p:childTnLst>
-                                </p:cTn>
-                              </p:par>
-                              <p:par>
-                                <p:cTn id="23" presetID="10" presetClass="entr" presetSubtype="0" fill="hold" grpId="0" nodeType="withEffect">
-                                  <p:stCondLst>
-                                    <p:cond delay="0"/>
-                                  </p:stCondLst>
-                                  <p:childTnLst>
-                                    <p:set>
-                                      <p:cBhvr>
-                                        <p:cTn id="24" dur="1" fill="hold">
-                                          <p:stCondLst>
-                                            <p:cond delay="0"/>
-                                          </p:stCondLst>
-                                        </p:cTn>
-                                        <p:tgtEl>
-                                          <p:spTgt spid="3"/>
-                                        </p:tgtEl>
-                                        <p:attrNameLst>
-                                          <p:attrName>style.visibility</p:attrName>
-                                        </p:attrNameLst>
-                                      </p:cBhvr>
-                                      <p:to>
-                                        <p:strVal val="visible"/>
-                                      </p:to>
-                                    </p:set>
-                                    <p:animEffect transition="in" filter="fade">
-                                      <p:cBhvr>
-                                        <p:cTn id="25" dur="500"/>
-                                        <p:tgtEl>
-                                          <p:spTgt spid="3"/>
-                                        </p:tgtEl>
-                                      </p:cBhvr>
-                                    </p:animEffect>
-                                  </p:childTnLst>
-                                </p:cTn>
-                              </p:par>
-                              <p:par>
-                                <p:cTn id="26" presetID="10" presetClass="entr" presetSubtype="0" fill="hold" grpId="0" nodeType="withEffect">
-                                  <p:stCondLst>
-                                    <p:cond delay="0"/>
-                                  </p:stCondLst>
-                                  <p:childTnLst>
-                                    <p:set>
-                                      <p:cBhvr>
-                                        <p:cTn id="27" dur="1" fill="hold">
-                                          <p:stCondLst>
-                                            <p:cond delay="0"/>
-                                          </p:stCondLst>
-                                        </p:cTn>
-                                        <p:tgtEl>
-                                          <p:spTgt spid="10"/>
-                                        </p:tgtEl>
-                                        <p:attrNameLst>
-                                          <p:attrName>style.visibility</p:attrName>
-                                        </p:attrNameLst>
-                                      </p:cBhvr>
-                                      <p:to>
-                                        <p:strVal val="visible"/>
-                                      </p:to>
-                                    </p:set>
-                                    <p:animEffect transition="in" filter="fade">
-                                      <p:cBhvr>
-                                        <p:cTn id="28" dur="500"/>
-                                        <p:tgtEl>
-                                          <p:spTgt spid="10"/>
-                                        </p:tgtEl>
-                                      </p:cBhvr>
-                                    </p:animEffect>
-                                  </p:childTnLst>
-                                </p:cTn>
-                              </p:par>
-                              <p:par>
-                                <p:cTn id="29" presetID="10" presetClass="entr" presetSubtype="0" fill="hold" grpId="0" nodeType="withEffect">
-                                  <p:stCondLst>
-                                    <p:cond delay="0"/>
-                                  </p:stCondLst>
-                                  <p:childTnLst>
-                                    <p:set>
-                                      <p:cBhvr>
-                                        <p:cTn id="30" dur="1" fill="hold">
-                                          <p:stCondLst>
-                                            <p:cond delay="0"/>
-                                          </p:stCondLst>
-                                        </p:cTn>
-                                        <p:tgtEl>
-                                          <p:spTgt spid="12"/>
-                                        </p:tgtEl>
-                                        <p:attrNameLst>
-                                          <p:attrName>style.visibility</p:attrName>
-                                        </p:attrNameLst>
-                                      </p:cBhvr>
-                                      <p:to>
-                                        <p:strVal val="visible"/>
-                                      </p:to>
-                                    </p:set>
-                                    <p:animEffect transition="in" filter="fade">
-                                      <p:cBhvr>
-                                        <p:cTn id="31" dur="500"/>
-                                        <p:tgtEl>
-                                          <p:spTgt spid="12"/>
-                                        </p:tgtEl>
-                                      </p:cBhvr>
-                                    </p:animEffect>
-                                  </p:childTnLst>
-                                </p:cTn>
-                              </p:par>
-                              <p:par>
-                                <p:cTn id="32" presetID="10" presetClass="entr" presetSubtype="0" fill="hold" grpId="0" nodeType="withEffect">
-                                  <p:stCondLst>
-                                    <p:cond delay="0"/>
-                                  </p:stCondLst>
-                                  <p:childTnLst>
-                                    <p:set>
-                                      <p:cBhvr>
-                                        <p:cTn id="33" dur="1" fill="hold">
-                                          <p:stCondLst>
-                                            <p:cond delay="0"/>
-                                          </p:stCondLst>
-                                        </p:cTn>
-                                        <p:tgtEl>
-                                          <p:spTgt spid="13"/>
-                                        </p:tgtEl>
-                                        <p:attrNameLst>
-                                          <p:attrName>style.visibility</p:attrName>
-                                        </p:attrNameLst>
-                                      </p:cBhvr>
-                                      <p:to>
-                                        <p:strVal val="visible"/>
-                                      </p:to>
-                                    </p:set>
-                                    <p:animEffect transition="in" filter="fade">
-                                      <p:cBhvr>
-                                        <p:cTn id="34" dur="500"/>
-                                        <p:tgtEl>
-                                          <p:spTgt spid="13"/>
-                                        </p:tgtEl>
-                                      </p:cBhvr>
-                                    </p:animEffect>
-                                  </p:childTnLst>
-                                </p:cTn>
-                              </p:par>
-                              <p:par>
-                                <p:cTn id="35" presetID="10" presetClass="entr" presetSubtype="0" fill="hold" grpId="0" nodeType="withEffect">
-                                  <p:stCondLst>
-                                    <p:cond delay="0"/>
-                                  </p:stCondLst>
-                                  <p:childTnLst>
-                                    <p:set>
-                                      <p:cBhvr>
-                                        <p:cTn id="36" dur="1" fill="hold">
-                                          <p:stCondLst>
-                                            <p:cond delay="0"/>
-                                          </p:stCondLst>
-                                        </p:cTn>
-                                        <p:tgtEl>
-                                          <p:spTgt spid="14"/>
-                                        </p:tgtEl>
-                                        <p:attrNameLst>
-                                          <p:attrName>style.visibility</p:attrName>
-                                        </p:attrNameLst>
-                                      </p:cBhvr>
-                                      <p:to>
-                                        <p:strVal val="visible"/>
-                                      </p:to>
-                                    </p:set>
-                                    <p:animEffect transition="in" filter="fade">
-                                      <p:cBhvr>
-                                        <p:cTn id="37" dur="500"/>
-                                        <p:tgtEl>
-                                          <p:spTgt spid="14"/>
-                                        </p:tgtEl>
-                                      </p:cBhvr>
-                                    </p:animEffect>
-                                  </p:childTnLst>
-                                </p:cTn>
-                              </p:par>
-                              <p:par>
-                                <p:cTn id="38" presetID="10" presetClass="entr" presetSubtype="0" fill="hold" grpId="0" nodeType="withEffect">
-                                  <p:stCondLst>
-                                    <p:cond delay="0"/>
-                                  </p:stCondLst>
-                                  <p:childTnLst>
-                                    <p:set>
-                                      <p:cBhvr>
-                                        <p:cTn id="39" dur="1" fill="hold">
-                                          <p:stCondLst>
-                                            <p:cond delay="0"/>
-                                          </p:stCondLst>
-                                        </p:cTn>
-                                        <p:tgtEl>
-                                          <p:spTgt spid="16"/>
-                                        </p:tgtEl>
-                                        <p:attrNameLst>
-                                          <p:attrName>style.visibility</p:attrName>
-                                        </p:attrNameLst>
-                                      </p:cBhvr>
-                                      <p:to>
-                                        <p:strVal val="visible"/>
-                                      </p:to>
-                                    </p:set>
-                                    <p:animEffect transition="in" filter="fade">
-                                      <p:cBhvr>
-                                        <p:cTn id="40" dur="500"/>
-                                        <p:tgtEl>
-                                          <p:spTgt spid="16"/>
-                                        </p:tgtEl>
-                                      </p:cBhvr>
-                                    </p:animEffect>
-                                  </p:childTnLst>
-                                </p:cTn>
-                              </p:par>
-                              <p:par>
-                                <p:cTn id="41" presetID="10" presetClass="entr" presetSubtype="0" fill="hold" grpId="0" nodeType="withEffect">
-                                  <p:stCondLst>
-                                    <p:cond delay="0"/>
-                                  </p:stCondLst>
-                                  <p:childTnLst>
-                                    <p:set>
-                                      <p:cBhvr>
-                                        <p:cTn id="42" dur="1" fill="hold">
-                                          <p:stCondLst>
-                                            <p:cond delay="0"/>
-                                          </p:stCondLst>
-                                        </p:cTn>
-                                        <p:tgtEl>
-                                          <p:spTgt spid="17"/>
-                                        </p:tgtEl>
-                                        <p:attrNameLst>
-                                          <p:attrName>style.visibility</p:attrName>
-                                        </p:attrNameLst>
-                                      </p:cBhvr>
-                                      <p:to>
-                                        <p:strVal val="visible"/>
-                                      </p:to>
-                                    </p:set>
-                                    <p:animEffect transition="in" filter="fade">
-                                      <p:cBhvr>
-                                        <p:cTn id="43" dur="500"/>
-                                        <p:tgtEl>
-                                          <p:spTgt spid="17"/>
-                                        </p:tgtEl>
-                                      </p:cBhvr>
-                                    </p:animEffect>
-                                  </p:childTnLst>
-                                </p:cTn>
-                              </p:par>
-                              <p:par>
-                                <p:cTn id="44" presetID="10" presetClass="entr" presetSubtype="0" fill="hold" grpId="0" nodeType="withEffect">
-                                  <p:stCondLst>
-                                    <p:cond delay="0"/>
-                                  </p:stCondLst>
-                                  <p:childTnLst>
-                                    <p:set>
-                                      <p:cBhvr>
-                                        <p:cTn id="45" dur="1" fill="hold">
-                                          <p:stCondLst>
-                                            <p:cond delay="0"/>
-                                          </p:stCondLst>
-                                        </p:cTn>
-                                        <p:tgtEl>
-                                          <p:spTgt spid="18"/>
-                                        </p:tgtEl>
-                                        <p:attrNameLst>
-                                          <p:attrName>style.visibility</p:attrName>
-                                        </p:attrNameLst>
-                                      </p:cBhvr>
-                                      <p:to>
-                                        <p:strVal val="visible"/>
-                                      </p:to>
-                                    </p:set>
-                                    <p:animEffect transition="in" filter="fade">
-                                      <p:cBhvr>
-                                        <p:cTn id="46" dur="500"/>
-                                        <p:tgtEl>
-                                          <p:spTgt spid="18"/>
-                                        </p:tgtEl>
-                                      </p:cBhvr>
-                                    </p:animEffect>
-                                  </p:childTnLst>
-                                </p:cTn>
-                              </p:par>
-                            </p:childTnLst>
-                          </p:cTn>
-                        </p:par>
-                      </p:childTnLst>
-                    </p:cTn>
-                  </p:par>
-                </p:childTnLst>
-              </p:cTn>
-              <p:prevCondLst>
-                <p:cond evt="onPrev" delay="0">
-                  <p:tgtEl>
-                    <p:sldTgt/>
-                  </p:tgtEl>
-                </p:cond>
-              </p:prevCondLst>
-              <p:nextCondLst>
-                <p:cond evt="onNext" delay="0">
-                  <p:tgtEl>
-                    <p:sldTgt/>
-                  </p:tgtEl>
-                </p:cond>
-              </p:nextCondLst>
-            </p:seq>
-          </p:childTnLst>
-        </p:cTn>
-      </p:par>
-    </p:tnLst>
-    <p:bldLst>
-      <p:bldP spid="6" grpId="0"/>
-      <p:bldP spid="4" grpId="0"/>
-      <p:bldP spid="8" grpId="0"/>
-      <p:bldP spid="9" grpId="0"/>
-      <p:bldP spid="2" grpId="0" animBg="1"/>
-      <p:bldP spid="3" grpId="0"/>
-      <p:bldP spid="10" grpId="0"/>
-      <p:bldP spid="12" grpId="0"/>
-      <p:bldP spid="13" grpId="0"/>
-      <p:bldP spid="14" grpId="0"/>
-      <p:bldP spid="16" grpId="0" animBg="1"/>
-      <p:bldP spid="17" grpId="0"/>
-      <p:bldP spid="18" grpId="0"/>
-    </p:bldLst>
-  </p:timing>
-</p:sld>
-</file>
-
-<file path=ppt/slides/slide11.xml><?xml version="1.0" encoding="utf-8"?>
-<p:sld xmlns:a="http://schemas.openxmlformats.org/drawingml/2006/main" xmlns:r="http://schemas.openxmlformats.org/officeDocument/2006/relationships" xmlns:p="http://schemas.openxmlformats.org/presentationml/2006/main">
-  <p:cSld>
-    <p:spTree>
-      <p:nvGrpSpPr>
-        <p:cNvPr id="1" name=""/>
-        <p:cNvGrpSpPr/>
-        <p:nvPr/>
-      </p:nvGrpSpPr>
-      <p:grpSpPr>
-        <a:xfrm>
-          <a:off x="0" y="0"/>
-          <a:ext cx="0" cy="0"/>
-          <a:chOff x="0" y="0"/>
-          <a:chExt cx="0" cy="0"/>
-        </a:xfrm>
-      </p:grpSpPr>
-      <p:sp>
-        <p:nvSpPr>
-          <p:cNvPr id="6" name="Title 1"/>
-          <p:cNvSpPr>
-            <a:spLocks noGrp="1"/>
-          </p:cNvSpPr>
-          <p:nvPr>
-            <p:ph type="title"/>
-          </p:nvPr>
-        </p:nvSpPr>
-        <p:spPr>
-          <a:xfrm>
-            <a:off x="1019175" y="230505"/>
-            <a:ext cx="10058400" cy="564254"/>
-          </a:xfrm>
-        </p:spPr>
-        <p:txBody>
-          <a:bodyPr>
-            <a:normAutofit fontScale="90000"/>
-          </a:bodyPr>
-          <a:lstStyle/>
-          <a:p>
-            <a:r>
-              <a:rPr lang="en-US" sz="4000" b="1" spc="50" dirty="0" smtClean="0">
-                <a:blipFill>
-                  <a:blip r:embed="rId2">
-                    <a:extLst>
-                      <a:ext uri="{28A0092B-C50C-407E-A947-70E740481C1C}">
-                        <a14:useLocalDpi xmlns:a14="http://schemas.microsoft.com/office/drawing/2010/main" val="0"/>
-                      </a:ext>
-                    </a:extLst>
-                  </a:blip>
-                  <a:tile tx="6350" ty="-127000" sx="65000" sy="64000" flip="none" algn="tl"/>
-                </a:blipFill>
-                <a:latin typeface="Times New Roman" panose="02020603050405020304" pitchFamily="18" charset="0"/>
-                <a:cs typeface="Times New Roman" panose="02020603050405020304" pitchFamily="18" charset="0"/>
-                <a:sym typeface="+mn-ea"/>
-              </a:rPr>
-              <a:t>Xây dựng DNS BLOCKCHAIN</a:t>
-            </a:r>
-            <a:endParaRPr lang="en-US" sz="4000" dirty="0">
-              <a:latin typeface="Arial" panose="020B0604020202020204" pitchFamily="34" charset="0"/>
-              <a:cs typeface="Arial" panose="020B0604020202020204" pitchFamily="34" charset="0"/>
-            </a:endParaRPr>
-          </a:p>
-        </p:txBody>
-      </p:sp>
-      <p:sp>
-        <p:nvSpPr>
-          <p:cNvPr id="4" name="Slide Number Placeholder 3"/>
-          <p:cNvSpPr>
-            <a:spLocks noGrp="1"/>
-          </p:cNvSpPr>
-          <p:nvPr>
-            <p:ph type="sldNum" sz="quarter" idx="12"/>
-          </p:nvPr>
-        </p:nvSpPr>
-        <p:spPr/>
-        <p:txBody>
-          <a:bodyPr/>
-          <a:lstStyle/>
-          <a:p>
-            <a:fld id="{040DEF24-717E-4741-8753-F7E431A261E5}" type="slidenum">
-              <a:rPr lang="en-US" smtClean="0"/>
-              <a:t>11</a:t>
             </a:fld>
             <a:endParaRPr lang="en-US"/>
           </a:p>
@@ -6985,7 +5638,7 @@
           <p:nvPr/>
         </p:nvPicPr>
         <p:blipFill>
-          <a:blip r:embed="rId3"/>
+          <a:blip r:embed="rId2"/>
           <a:stretch>
             <a:fillRect/>
           </a:stretch>
@@ -7178,6 +5831,10 @@
               </a:rPr>
               <a:t>thống DNS Blockchain trực tiếp kiểm tra dãy Blocks hiện tại có đáp ứng điều kiện hay không theo 2 trường hợp như sau: </a:t>
             </a:r>
+            <a:endParaRPr lang="vi-VN" sz="1400" dirty="0">
+              <a:latin typeface="Arial" panose="020B0604020202020204" pitchFamily="34" charset="0"/>
+              <a:cs typeface="Arial" panose="020B0604020202020204" pitchFamily="34" charset="0"/>
+            </a:endParaRPr>
           </a:p>
           <a:p>
             <a:pPr marL="285750" indent="-285750" algn="l">
@@ -7201,6 +5858,10 @@
               </a:rPr>
               <a:t>( Đ ): Sử dụng các khối Blocks đó để khởi tạo Blockchain và tiếp tục mở rộng nhằm tạo blockchain dài nhất.</a:t>
             </a:r>
+            <a:endParaRPr lang="vi-VN" sz="1400" dirty="0">
+              <a:latin typeface="Arial" panose="020B0604020202020204" pitchFamily="34" charset="0"/>
+              <a:cs typeface="Arial" panose="020B0604020202020204" pitchFamily="34" charset="0"/>
+            </a:endParaRPr>
           </a:p>
           <a:p>
             <a:pPr marL="285750" indent="-285750" algn="l">
@@ -7420,6 +6081,10 @@
               </a:rPr>
               <a:t>sau: </a:t>
             </a:r>
+            <a:endParaRPr lang="vi-VN" sz="1400" dirty="0">
+              <a:latin typeface="Arial" panose="020B0604020202020204" pitchFamily="34" charset="0"/>
+              <a:cs typeface="Arial" panose="020B0604020202020204" pitchFamily="34" charset="0"/>
+            </a:endParaRPr>
           </a:p>
           <a:p>
             <a:pPr marL="285750" indent="-285750" algn="l">
@@ -7436,6 +6101,10 @@
               </a:rPr>
               <a:t>Đúng ( Đ ) : Thêm vào bộ nhớ đệm Transaction và phát động thuật toán Proof of Work cho các nodes tạo số Nonce cho Block mới. </a:t>
             </a:r>
+            <a:endParaRPr lang="vi-VN" sz="1400" dirty="0">
+              <a:latin typeface="Arial" panose="020B0604020202020204" pitchFamily="34" charset="0"/>
+              <a:cs typeface="Arial" panose="020B0604020202020204" pitchFamily="34" charset="0"/>
+            </a:endParaRPr>
           </a:p>
           <a:p>
             <a:pPr marL="285750" indent="-285750" algn="l">
@@ -7549,6 +6218,10 @@
               </a:rPr>
               <a:t>7. Hệ thống trước khi tắt sẽ tính toán blockchain dài nhất, xác thực blockchain và gửi lên cho các nodes để cập nhật. </a:t>
             </a:r>
+            <a:endParaRPr lang="vi-VN" sz="1400" dirty="0">
+              <a:latin typeface="Arial" panose="020B0604020202020204" pitchFamily="34" charset="0"/>
+              <a:cs typeface="Arial" panose="020B0604020202020204" pitchFamily="34" charset="0"/>
+            </a:endParaRPr>
           </a:p>
         </p:txBody>
       </p:sp>
@@ -8011,7 +6684,7 @@
 </p:sld>
 </file>
 
-<file path=ppt/slides/slide12.xml><?xml version="1.0" encoding="utf-8"?>
+<file path=ppt/slides/slide11.xml><?xml version="1.0" encoding="utf-8"?>
 <p:sld xmlns:a="http://schemas.openxmlformats.org/drawingml/2006/main" xmlns:r="http://schemas.openxmlformats.org/officeDocument/2006/relationships" xmlns:p="http://schemas.openxmlformats.org/presentationml/2006/main">
   <p:cSld>
     <p:spTree>
@@ -8053,7 +6726,7 @@
             <a:r>
               <a:rPr lang="en-US" sz="4000" b="1" spc="50" dirty="0" smtClean="0">
                 <a:blipFill>
-                  <a:blip r:embed="rId2">
+                  <a:blip r:embed="rId1">
                     <a:extLst>
                       <a:ext uri="{28A0092B-C50C-407E-A947-70E740481C1C}">
                         <a14:useLocalDpi xmlns:a14="http://schemas.microsoft.com/office/drawing/2010/main" val="0"/>
@@ -8092,7 +6765,6 @@
           <a:p>
             <a:fld id="{040DEF24-717E-4741-8753-F7E431A261E5}" type="slidenum">
               <a:rPr lang="en-US" smtClean="0"/>
-              <a:t>12</a:t>
             </a:fld>
             <a:endParaRPr lang="en-US"/>
           </a:p>
@@ -8190,6 +6862,16 @@
               </a:rPr>
               <a:t>XÂY DỰNG ĐỊNH DẠNG LƯU TRỮ CHUNG TRONG HỆ THỐNG</a:t>
             </a:r>
+            <a:endParaRPr lang="en-US" b="1" dirty="0">
+              <a:solidFill>
+                <a:schemeClr val="accent2">
+                  <a:lumMod val="50000"/>
+                </a:schemeClr>
+              </a:solidFill>
+              <a:latin typeface="Arial" panose="020B0604020202020204" pitchFamily="34" charset="0"/>
+              <a:ea typeface="Roboto" panose="02000000000000000000" pitchFamily="2" charset="0"/>
+              <a:cs typeface="Arial" panose="020B0604020202020204" pitchFamily="34" charset="0"/>
+            </a:endParaRPr>
           </a:p>
         </p:txBody>
       </p:sp>
@@ -8238,6 +6920,16 @@
               </a:rPr>
               <a:t>XÂY DỰNG HỆ THỐNG DNS </a:t>
             </a:r>
+            <a:endParaRPr lang="en-US" b="1" dirty="0">
+              <a:solidFill>
+                <a:schemeClr val="accent2">
+                  <a:lumMod val="50000"/>
+                </a:schemeClr>
+              </a:solidFill>
+              <a:latin typeface="Arial" panose="020B0604020202020204" pitchFamily="34" charset="0"/>
+              <a:ea typeface="Roboto" panose="02000000000000000000" pitchFamily="2" charset="0"/>
+              <a:cs typeface="Arial" panose="020B0604020202020204" pitchFamily="34" charset="0"/>
+            </a:endParaRPr>
           </a:p>
         </p:txBody>
       </p:sp>
@@ -8547,6 +7239,10 @@
               </a:rPr>
               <a:t>Xây dựng quy trình xử lý thông tin đăng kí node và account admin tham gia vào hệ thống Blockchain.</a:t>
             </a:r>
+            <a:endParaRPr lang="en-US" sz="1400" dirty="0" smtClean="0">
+              <a:latin typeface="Arial" panose="020B0604020202020204" pitchFamily="34" charset="0"/>
+              <a:cs typeface="Arial" panose="020B0604020202020204" pitchFamily="34" charset="0"/>
+            </a:endParaRPr>
           </a:p>
         </p:txBody>
       </p:sp>
@@ -8663,6 +7359,10 @@
               </a:rPr>
               <a:t>Xây dựng xử lý phân quyền giữa các loại người dùng khác nhau ( Hoster,  Admin, Client ).</a:t>
             </a:r>
+            <a:endParaRPr lang="en-US" sz="1400" dirty="0" smtClean="0">
+              <a:latin typeface="Arial" panose="020B0604020202020204" pitchFamily="34" charset="0"/>
+              <a:cs typeface="Arial" panose="020B0604020202020204" pitchFamily="34" charset="0"/>
+            </a:endParaRPr>
           </a:p>
         </p:txBody>
       </p:sp>
@@ -8829,6 +7529,10 @@
               </a:rPr>
               <a:t>Viết bằng Python Flask</a:t>
             </a:r>
+            <a:endParaRPr lang="en-US" sz="1400" b="1" dirty="0" smtClean="0">
+              <a:latin typeface="Arial" panose="020B0604020202020204" pitchFamily="34" charset="0"/>
+              <a:cs typeface="Arial" panose="020B0604020202020204" pitchFamily="34" charset="0"/>
+            </a:endParaRPr>
           </a:p>
         </p:txBody>
       </p:sp>
@@ -8861,6 +7565,10 @@
               </a:rPr>
               <a:t>Viết bằng Python Socket</a:t>
             </a:r>
+            <a:endParaRPr lang="en-US" sz="1400" b="1" dirty="0" smtClean="0">
+              <a:latin typeface="Arial" panose="020B0604020202020204" pitchFamily="34" charset="0"/>
+              <a:cs typeface="Arial" panose="020B0604020202020204" pitchFamily="34" charset="0"/>
+            </a:endParaRPr>
           </a:p>
         </p:txBody>
       </p:sp>
@@ -8919,20 +7627,8 @@
                 <a:tableStyleId>{7DF18680-E054-41AD-8BC1-D1AEF772440D}</a:tableStyleId>
               </a:tblPr>
               <a:tblGrid>
-                <a:gridCol w="1666719">
-                  <a:extLst>
-                    <a:ext uri="{9D8B030D-6E8A-4147-A177-3AD203B41FA5}">
-                      <a16:colId xmlns:a16="http://schemas.microsoft.com/office/drawing/2014/main" val="20000"/>
-                    </a:ext>
-                  </a:extLst>
-                </a:gridCol>
-                <a:gridCol w="3791741">
-                  <a:extLst>
-                    <a:ext uri="{9D8B030D-6E8A-4147-A177-3AD203B41FA5}">
-                      <a16:colId xmlns:a16="http://schemas.microsoft.com/office/drawing/2014/main" val="20001"/>
-                    </a:ext>
-                  </a:extLst>
-                </a:gridCol>
+                <a:gridCol w="1666719"/>
+                <a:gridCol w="3791741"/>
               </a:tblGrid>
               <a:tr h="200025">
                 <a:tc>
@@ -9011,11 +7707,6 @@
                   </a:txBody>
                   <a:tcPr marL="28575" marR="28575" marT="19050" marB="19050" anchor="ctr"/>
                 </a:tc>
-                <a:extLst>
-                  <a:ext uri="{0D108BD9-81ED-4DB2-BD59-A6C34878D82A}">
-                    <a16:rowId xmlns:a16="http://schemas.microsoft.com/office/drawing/2014/main" val="10000"/>
-                  </a:ext>
-                </a:extLst>
               </a:tr>
               <a:tr h="200025">
                 <a:tc>
@@ -9110,11 +7801,6 @@
                   </a:txBody>
                   <a:tcPr marL="28575" marR="28575" marT="19050" marB="19050" anchor="ctr"/>
                 </a:tc>
-                <a:extLst>
-                  <a:ext uri="{0D108BD9-81ED-4DB2-BD59-A6C34878D82A}">
-                    <a16:rowId xmlns:a16="http://schemas.microsoft.com/office/drawing/2014/main" val="10001"/>
-                  </a:ext>
-                </a:extLst>
               </a:tr>
               <a:tr h="200025">
                 <a:tc>
@@ -9209,11 +7895,6 @@
                   </a:txBody>
                   <a:tcPr marL="28575" marR="28575" marT="19050" marB="19050" anchor="ctr"/>
                 </a:tc>
-                <a:extLst>
-                  <a:ext uri="{0D108BD9-81ED-4DB2-BD59-A6C34878D82A}">
-                    <a16:rowId xmlns:a16="http://schemas.microsoft.com/office/drawing/2014/main" val="10002"/>
-                  </a:ext>
-                </a:extLst>
               </a:tr>
               <a:tr h="200025">
                 <a:tc>
@@ -9284,11 +7965,6 @@
                   </a:txBody>
                   <a:tcPr marL="28575" marR="28575" marT="19050" marB="19050" anchor="ctr"/>
                 </a:tc>
-                <a:extLst>
-                  <a:ext uri="{0D108BD9-81ED-4DB2-BD59-A6C34878D82A}">
-                    <a16:rowId xmlns:a16="http://schemas.microsoft.com/office/drawing/2014/main" val="10003"/>
-                  </a:ext>
-                </a:extLst>
               </a:tr>
               <a:tr h="200025">
                 <a:tc>
@@ -9359,11 +8035,6 @@
                   </a:txBody>
                   <a:tcPr marL="28575" marR="28575" marT="19050" marB="19050" anchor="ctr"/>
                 </a:tc>
-                <a:extLst>
-                  <a:ext uri="{0D108BD9-81ED-4DB2-BD59-A6C34878D82A}">
-                    <a16:rowId xmlns:a16="http://schemas.microsoft.com/office/drawing/2014/main" val="10004"/>
-                  </a:ext>
-                </a:extLst>
               </a:tr>
             </a:tbl>
           </a:graphicData>
@@ -10224,7 +8895,7 @@
 </p:sld>
 </file>
 
-<file path=ppt/slides/slide13.xml><?xml version="1.0" encoding="utf-8"?>
+<file path=ppt/slides/slide12.xml><?xml version="1.0" encoding="utf-8"?>
 <p:sld xmlns:a="http://schemas.openxmlformats.org/drawingml/2006/main" xmlns:r="http://schemas.openxmlformats.org/officeDocument/2006/relationships" xmlns:p="http://schemas.openxmlformats.org/presentationml/2006/main">
   <p:cSld>
     <p:spTree>
@@ -10295,7 +8966,6 @@
           <a:p>
             <a:fld id="{040DEF24-717E-4741-8753-F7E431A261E5}" type="slidenum">
               <a:rPr lang="en-US" smtClean="0"/>
-              <a:t>13</a:t>
             </a:fld>
             <a:endParaRPr lang="en-US"/>
           </a:p>
@@ -10479,6 +9149,11 @@
               </a:rPr>
               <a:t>node với port bất kì, thực hiện thêm 5 giao dịch tên miền khác và phân giải tên miền thông qua máy chính. </a:t>
             </a:r>
+            <a:endParaRPr lang="en-US" sz="1400" dirty="0">
+              <a:latin typeface="Arial" panose="020B0604020202020204" pitchFamily="34" charset="0"/>
+              <a:ea typeface="Calibri" panose="020F0502020204030204" pitchFamily="34" charset="0"/>
+              <a:cs typeface="Arial" panose="020B0604020202020204" pitchFamily="34" charset="0"/>
+            </a:endParaRPr>
           </a:p>
         </p:txBody>
       </p:sp>
@@ -11603,7 +10278,7 @@
 </p:sld>
 </file>
 
-<file path=ppt/slides/slide14.xml><?xml version="1.0" encoding="utf-8"?>
+<file path=ppt/slides/slide13.xml><?xml version="1.0" encoding="utf-8"?>
 <p:sld xmlns:a="http://schemas.openxmlformats.org/drawingml/2006/main" xmlns:r="http://schemas.openxmlformats.org/officeDocument/2006/relationships" xmlns:p="http://schemas.openxmlformats.org/presentationml/2006/main">
   <p:cSld>
     <p:spTree>
@@ -11645,7 +10320,7 @@
             <a:r>
               <a:rPr lang="en-US" sz="4000" b="1" spc="50" dirty="0" smtClean="0">
                 <a:blipFill>
-                  <a:blip r:embed="rId2">
+                  <a:blip r:embed="rId1">
                     <a:extLst>
                       <a:ext uri="{28A0092B-C50C-407E-A947-70E740481C1C}">
                         <a14:useLocalDpi xmlns:a14="http://schemas.microsoft.com/office/drawing/2010/main" val="0"/>
@@ -11684,7 +10359,6 @@
           <a:p>
             <a:fld id="{040DEF24-717E-4741-8753-F7E431A261E5}" type="slidenum">
               <a:rPr lang="en-US" smtClean="0"/>
-              <a:t>14</a:t>
             </a:fld>
             <a:endParaRPr lang="en-US"/>
           </a:p>
@@ -11792,6 +10466,16 @@
               </a:rPr>
               <a:t>2 </a:t>
             </a:r>
+            <a:endParaRPr lang="en-US" sz="2400" b="1" dirty="0" smtClean="0">
+              <a:solidFill>
+                <a:schemeClr val="accent2">
+                  <a:lumMod val="50000"/>
+                </a:schemeClr>
+              </a:solidFill>
+              <a:latin typeface="Arial" panose="020B0604020202020204" pitchFamily="34" charset="0"/>
+              <a:ea typeface="Roboto" panose="02000000000000000000" pitchFamily="2" charset="0"/>
+              <a:cs typeface="Arial" panose="020B0604020202020204" pitchFamily="34" charset="0"/>
+            </a:endParaRPr>
           </a:p>
           <a:p>
             <a:pPr lvl="0" algn="just">
@@ -11826,6 +10510,11 @@
               </a:rPr>
               <a:t>)</a:t>
             </a:r>
+            <a:endParaRPr lang="en-US" sz="1400" dirty="0" smtClean="0">
+              <a:latin typeface="Arial" panose="020B0604020202020204" pitchFamily="34" charset="0"/>
+              <a:ea typeface="Calibri" panose="020F0502020204030204" pitchFamily="34" charset="0"/>
+              <a:cs typeface="Arial" panose="020B0604020202020204" pitchFamily="34" charset="0"/>
+            </a:endParaRPr>
           </a:p>
           <a:p>
             <a:pPr lvl="0" algn="just">
@@ -11860,6 +10549,11 @@
               </a:rPr>
               <a:t>ảo.</a:t>
             </a:r>
+            <a:endParaRPr lang="en-US" sz="1400" dirty="0" smtClean="0">
+              <a:latin typeface="Arial" panose="020B0604020202020204" pitchFamily="34" charset="0"/>
+              <a:ea typeface="Calibri" panose="020F0502020204030204" pitchFamily="34" charset="0"/>
+              <a:cs typeface="Arial" panose="020B0604020202020204" pitchFamily="34" charset="0"/>
+            </a:endParaRPr>
           </a:p>
           <a:p>
             <a:pPr lvl="0" algn="just">
@@ -11886,6 +10580,11 @@
               </a:rPr>
               <a:t>node với port bất kì, thực hiện thêm 5 giao dịch tên miền khác và phân giải tên miền thông qua một máy ảo. </a:t>
             </a:r>
+            <a:endParaRPr lang="en-US" sz="1400" dirty="0">
+              <a:latin typeface="Arial" panose="020B0604020202020204" pitchFamily="34" charset="0"/>
+              <a:ea typeface="Calibri" panose="020F0502020204030204" pitchFamily="34" charset="0"/>
+              <a:cs typeface="Arial" panose="020B0604020202020204" pitchFamily="34" charset="0"/>
+            </a:endParaRPr>
           </a:p>
         </p:txBody>
       </p:sp>
@@ -13162,7 +11861,7 @@
 </p:sld>
 </file>
 
-<file path=ppt/slides/slide15.xml><?xml version="1.0" encoding="utf-8"?>
+<file path=ppt/slides/slide14.xml><?xml version="1.0" encoding="utf-8"?>
 <p:sld xmlns:a="http://schemas.openxmlformats.org/drawingml/2006/main" xmlns:r="http://schemas.openxmlformats.org/officeDocument/2006/relationships" xmlns:p="http://schemas.openxmlformats.org/presentationml/2006/main">
   <p:cSld>
     <p:spTree>
@@ -13204,7 +11903,7 @@
             <a:r>
               <a:rPr lang="en-US" sz="4000" b="1" spc="50" dirty="0" smtClean="0">
                 <a:blipFill>
-                  <a:blip r:embed="rId2">
+                  <a:blip r:embed="rId1">
                     <a:extLst>
                       <a:ext uri="{28A0092B-C50C-407E-A947-70E740481C1C}">
                         <a14:useLocalDpi xmlns:a14="http://schemas.microsoft.com/office/drawing/2010/main" val="0"/>
@@ -13243,7 +11942,6 @@
           <a:p>
             <a:fld id="{040DEF24-717E-4741-8753-F7E431A261E5}" type="slidenum">
               <a:rPr lang="en-US" smtClean="0"/>
-              <a:t>15</a:t>
             </a:fld>
             <a:endParaRPr lang="en-US"/>
           </a:p>
@@ -13392,6 +12090,11 @@
               </a:rPr>
               <a:t>ảo.</a:t>
             </a:r>
+            <a:endParaRPr lang="en-US" sz="1400" dirty="0" smtClean="0">
+              <a:latin typeface="Arial" panose="020B0604020202020204" pitchFamily="34" charset="0"/>
+              <a:ea typeface="Calibri" panose="020F0502020204030204" pitchFamily="34" charset="0"/>
+              <a:cs typeface="Arial" panose="020B0604020202020204" pitchFamily="34" charset="0"/>
+            </a:endParaRPr>
           </a:p>
           <a:p>
             <a:pPr lvl="0" algn="just">
@@ -13418,6 +12121,11 @@
               </a:rPr>
               <a:t>node có port khác, đăng nhập với vai trò là admin, thực hiện thêm 5 giao dịch tên miền cộng 1 giao dịch có tên miền trỏ vào địa chỉ của web server máy ảo và tiến hành phân giải trên máy ảo.</a:t>
             </a:r>
+            <a:endParaRPr lang="en-US" sz="1400" dirty="0">
+              <a:latin typeface="Arial" panose="020B0604020202020204" pitchFamily="34" charset="0"/>
+              <a:ea typeface="Calibri" panose="020F0502020204030204" pitchFamily="34" charset="0"/>
+              <a:cs typeface="Arial" panose="020B0604020202020204" pitchFamily="34" charset="0"/>
+            </a:endParaRPr>
           </a:p>
         </p:txBody>
       </p:sp>
@@ -14694,7 +13402,7 @@
 </p:sld>
 </file>
 
-<file path=ppt/slides/slide16.xml><?xml version="1.0" encoding="utf-8"?>
+<file path=ppt/slides/slide15.xml><?xml version="1.0" encoding="utf-8"?>
 <p:sld xmlns:a="http://schemas.openxmlformats.org/drawingml/2006/main" xmlns:r="http://schemas.openxmlformats.org/officeDocument/2006/relationships" xmlns:p="http://schemas.openxmlformats.org/presentationml/2006/main">
   <p:cSld>
     <p:spTree>
@@ -14764,7 +13472,6 @@
           <a:p>
             <a:fld id="{040DEF24-717E-4741-8753-F7E431A261E5}" type="slidenum">
               <a:rPr lang="en-US" smtClean="0"/>
-              <a:t>16</a:t>
             </a:fld>
             <a:endParaRPr lang="en-US"/>
           </a:p>
@@ -14823,6 +13530,13 @@
               </a:rPr>
               <a:t>Blockchain là một giải pháp khả thi hiện nay, vừa phần nào giải quyết được bài toán bảo mật, vừa mang lại cơ hội khai thác phát triển triệt để giá trị của tên miền. </a:t>
             </a:r>
+            <a:endParaRPr lang="en-US" sz="1600" b="1" spc="50" dirty="0">
+              <a:solidFill>
+                <a:schemeClr val="accent2"/>
+              </a:solidFill>
+              <a:latin typeface="Arial" panose="020B0604020202020204" pitchFamily="34" charset="0"/>
+              <a:cs typeface="Arial" panose="020B0604020202020204" pitchFamily="34" charset="0"/>
+            </a:endParaRPr>
           </a:p>
         </p:txBody>
       </p:sp>
@@ -14872,6 +13586,16 @@
               </a:rPr>
               <a:t>Tóm tắt những điều mà đề tài đã đạt được:</a:t>
             </a:r>
+            <a:endParaRPr lang="en-US" sz="2400" b="1" dirty="0">
+              <a:solidFill>
+                <a:schemeClr val="accent2">
+                  <a:lumMod val="50000"/>
+                </a:schemeClr>
+              </a:solidFill>
+              <a:latin typeface="Roboto" panose="02000000000000000000" pitchFamily="2" charset="0"/>
+              <a:ea typeface="Roboto" panose="02000000000000000000" pitchFamily="2" charset="0"/>
+              <a:cs typeface="Arial" panose="020B0604020202020204" pitchFamily="34" charset="0"/>
+            </a:endParaRPr>
           </a:p>
           <a:p>
             <a:pPr marL="285750" lvl="0" indent="-285750">
@@ -14894,6 +13618,10 @@
               </a:rPr>
               <a:t>Nêu rõ khái niệm, điểm mạnh và yếu của DNS server và cách DNS server hiện tại hoạt động.</a:t>
             </a:r>
+            <a:endParaRPr lang="en-US" sz="1400" dirty="0">
+              <a:latin typeface="Arial" panose="020B0604020202020204" pitchFamily="34" charset="0"/>
+              <a:cs typeface="Arial" panose="020B0604020202020204" pitchFamily="34" charset="0"/>
+            </a:endParaRPr>
           </a:p>
           <a:p>
             <a:pPr marL="285750" lvl="0" indent="-285750">
@@ -14916,6 +13644,10 @@
               </a:rPr>
               <a:t>Nêu rõ khái niệm, điểm mạnh và yếu của Blockchain và hiểu thêm về giải pháp DNS phát triển bằng công nghệ Blockchain.</a:t>
             </a:r>
+            <a:endParaRPr lang="en-US" sz="1400" dirty="0">
+              <a:latin typeface="Arial" panose="020B0604020202020204" pitchFamily="34" charset="0"/>
+              <a:cs typeface="Arial" panose="020B0604020202020204" pitchFamily="34" charset="0"/>
+            </a:endParaRPr>
           </a:p>
           <a:p>
             <a:pPr marL="285750" lvl="0" indent="-285750">
@@ -14938,6 +13670,10 @@
               </a:rPr>
               <a:t>Xây dựng được và tái hiện hệ thống Blockchain DNS trên máy tính cá nhân. </a:t>
             </a:r>
+            <a:endParaRPr lang="en-US" sz="1400" dirty="0">
+              <a:latin typeface="Arial" panose="020B0604020202020204" pitchFamily="34" charset="0"/>
+              <a:cs typeface="Arial" panose="020B0604020202020204" pitchFamily="34" charset="0"/>
+            </a:endParaRPr>
           </a:p>
           <a:p>
             <a:pPr marL="285750" lvl="0" indent="-285750">
@@ -14986,6 +13722,10 @@
               </a:rPr>
               <a:t>Phần mềm tận dụng những DNS record kiểu cũ giúp việc kế thừa và chuyển hóa công nghệ dễ dàng.</a:t>
             </a:r>
+            <a:endParaRPr lang="en-US" sz="1400" dirty="0" smtClean="0">
+              <a:latin typeface="Arial" panose="020B0604020202020204" pitchFamily="34" charset="0"/>
+              <a:cs typeface="Arial" panose="020B0604020202020204" pitchFamily="34" charset="0"/>
+            </a:endParaRPr>
           </a:p>
           <a:p>
             <a:pPr marL="285750" lvl="0" indent="-285750">
@@ -15008,6 +13748,10 @@
               </a:rPr>
               <a:t>Áp dụng DNS Server cho máy tính cá nhân có hệ điều hành không phải Windows Server.</a:t>
             </a:r>
+            <a:endParaRPr lang="en-US" sz="1400" dirty="0" smtClean="0">
+              <a:latin typeface="Arial" panose="020B0604020202020204" pitchFamily="34" charset="0"/>
+              <a:cs typeface="Arial" panose="020B0604020202020204" pitchFamily="34" charset="0"/>
+            </a:endParaRPr>
           </a:p>
           <a:p>
             <a:pPr marL="285750" lvl="0" indent="-285750">
@@ -15370,7 +14114,7 @@
 </p:sld>
 </file>
 
-<file path=ppt/slides/slide17.xml><?xml version="1.0" encoding="utf-8"?>
+<file path=ppt/slides/slide16.xml><?xml version="1.0" encoding="utf-8"?>
 <p:sld xmlns:a="http://schemas.openxmlformats.org/drawingml/2006/main" xmlns:r="http://schemas.openxmlformats.org/officeDocument/2006/relationships" xmlns:p="http://schemas.openxmlformats.org/presentationml/2006/main">
   <p:cSld>
     <p:spTree>
@@ -15440,7 +14184,6 @@
           <a:p>
             <a:fld id="{040DEF24-717E-4741-8753-F7E431A261E5}" type="slidenum">
               <a:rPr lang="en-US" smtClean="0"/>
-              <a:t>17</a:t>
             </a:fld>
             <a:endParaRPr lang="en-US"/>
           </a:p>
@@ -15499,6 +14242,16 @@
               </a:rPr>
               <a:t>tài còn có những hạn chế nhất định sau đây:</a:t>
             </a:r>
+            <a:endParaRPr lang="en-US" sz="2400" b="1" dirty="0">
+              <a:solidFill>
+                <a:schemeClr val="accent2">
+                  <a:lumMod val="50000"/>
+                </a:schemeClr>
+              </a:solidFill>
+              <a:latin typeface="Roboto" panose="02000000000000000000" pitchFamily="2" charset="0"/>
+              <a:ea typeface="Roboto" panose="02000000000000000000" pitchFamily="2" charset="0"/>
+              <a:cs typeface="Arial" panose="020B0604020202020204" pitchFamily="34" charset="0"/>
+            </a:endParaRPr>
           </a:p>
           <a:p>
             <a:pPr marL="285750" lvl="0" indent="-285750">
@@ -15562,6 +14315,10 @@
               </a:rPr>
               <a:t>wifi. </a:t>
             </a:r>
+            <a:endParaRPr lang="en-US" sz="1400" dirty="0">
+              <a:latin typeface="Arial" panose="020B0604020202020204" pitchFamily="34" charset="0"/>
+              <a:cs typeface="Arial" panose="020B0604020202020204" pitchFamily="34" charset="0"/>
+            </a:endParaRPr>
           </a:p>
           <a:p>
             <a:pPr marL="285750" lvl="0" indent="-285750">
@@ -15625,6 +14382,10 @@
               </a:rPr>
               <a:t>Ở đề tài, mô hình này đã đạt được những điều cơ bản của hệ thống Blockchain thông thường nhưng thiếu một số bước kiểm soát tính chất hợp lệ của giao dịch.</a:t>
             </a:r>
+            <a:endParaRPr lang="en-US" sz="1400" dirty="0">
+              <a:latin typeface="Arial" panose="020B0604020202020204" pitchFamily="34" charset="0"/>
+              <a:cs typeface="Arial" panose="020B0604020202020204" pitchFamily="34" charset="0"/>
+            </a:endParaRPr>
           </a:p>
           <a:p>
             <a:pPr marL="285750" lvl="0" indent="-285750">
@@ -15651,6 +14412,10 @@
               </a:rPr>
               <a:t>.</a:t>
             </a:r>
+            <a:endParaRPr lang="en-US" sz="1400" dirty="0" smtClean="0">
+              <a:latin typeface="Arial" panose="020B0604020202020204" pitchFamily="34" charset="0"/>
+              <a:cs typeface="Arial" panose="020B0604020202020204" pitchFamily="34" charset="0"/>
+            </a:endParaRPr>
           </a:p>
           <a:p>
             <a:pPr lvl="0">
@@ -15685,6 +14450,16 @@
               </a:rPr>
               <a:t>Các hướng mở rộng sẽ phần lớn nhắm vào hạn chế đã nêu trên như sau :</a:t>
             </a:r>
+            <a:endParaRPr lang="en-US" sz="2400" b="1" dirty="0">
+              <a:solidFill>
+                <a:schemeClr val="accent2">
+                  <a:lumMod val="50000"/>
+                </a:schemeClr>
+              </a:solidFill>
+              <a:latin typeface="Roboto" panose="02000000000000000000" pitchFamily="2" charset="0"/>
+              <a:ea typeface="Roboto" panose="02000000000000000000" pitchFamily="2" charset="0"/>
+              <a:cs typeface="Arial" panose="020B0604020202020204" pitchFamily="34" charset="0"/>
+            </a:endParaRPr>
           </a:p>
           <a:p>
             <a:pPr marL="285750" lvl="0" indent="-285750">
@@ -15704,6 +14479,10 @@
               </a:rPr>
               <a:t>Phát triển thêm hệ thống Blockchain về mặt bảo mật giao dịch bằng chữ kí số hay các giải pháp bảo mật khác ở hiện tại.</a:t>
             </a:r>
+            <a:endParaRPr lang="en-US" sz="1400" dirty="0">
+              <a:latin typeface="Arial" panose="020B0604020202020204" pitchFamily="34" charset="0"/>
+              <a:cs typeface="Arial" panose="020B0604020202020204" pitchFamily="34" charset="0"/>
+            </a:endParaRPr>
           </a:p>
           <a:p>
             <a:pPr marL="285750" lvl="0" indent="-285750">
@@ -15723,6 +14502,10 @@
               </a:rPr>
               <a:t>Đưa nhiều lựa chọn hơn trên giao diện giao tiếp người dùng, cho phép nhiều loại người dùng khác nhau trở thành Miner và trả công qua ví điện tử thật.</a:t>
             </a:r>
+            <a:endParaRPr lang="en-US" sz="1400" dirty="0">
+              <a:latin typeface="Arial" panose="020B0604020202020204" pitchFamily="34" charset="0"/>
+              <a:cs typeface="Arial" panose="020B0604020202020204" pitchFamily="34" charset="0"/>
+            </a:endParaRPr>
           </a:p>
           <a:p>
             <a:pPr marL="285750" lvl="0" indent="-285750">
@@ -15742,6 +14525,10 @@
               </a:rPr>
               <a:t>Giao diện và ứng dụng được áp dụng ở nhiều môi trường khác nhau kể cả điện thoại. </a:t>
             </a:r>
+            <a:endParaRPr lang="en-US" sz="1400" dirty="0">
+              <a:latin typeface="Arial" panose="020B0604020202020204" pitchFamily="34" charset="0"/>
+              <a:cs typeface="Arial" panose="020B0604020202020204" pitchFamily="34" charset="0"/>
+            </a:endParaRPr>
           </a:p>
         </p:txBody>
       </p:sp>
@@ -15964,7 +14751,7 @@
 </p:sld>
 </file>
 
-<file path=ppt/slides/slide18.xml><?xml version="1.0" encoding="utf-8"?>
+<file path=ppt/slides/slide17.xml><?xml version="1.0" encoding="utf-8"?>
 <p:sld xmlns:a="http://schemas.openxmlformats.org/drawingml/2006/main" xmlns:r="http://schemas.openxmlformats.org/officeDocument/2006/relationships" xmlns:p="http://schemas.openxmlformats.org/presentationml/2006/main">
   <p:cSld>
     <p:spTree>
@@ -16122,6 +14909,13 @@
                 </a:rPr>
                 <a:t>YOU</a:t>
               </a:r>
+              <a:endParaRPr lang="en-US" sz="7500" i="1" dirty="0">
+                <a:solidFill>
+                  <a:srgbClr val="CE2127"/>
+                </a:solidFill>
+                <a:latin typeface="Roboto Black" panose="02000000000000000000" pitchFamily="2" charset="0"/>
+                <a:ea typeface="Roboto Black" panose="02000000000000000000" pitchFamily="2" charset="0"/>
+              </a:endParaRPr>
             </a:p>
           </p:txBody>
         </p:sp>
@@ -16237,7 +15031,6 @@
           <a:p>
             <a:fld id="{040DEF24-717E-4741-8753-F7E431A261E5}" type="slidenum">
               <a:rPr lang="en-US" smtClean="0"/>
-              <a:t>18</a:t>
             </a:fld>
             <a:endParaRPr lang="en-US"/>
           </a:p>
@@ -16533,6 +15326,16 @@
               </a:rPr>
               <a:t>Lý thuyết</a:t>
             </a:r>
+            <a:endParaRPr lang="en-US" sz="2400" b="1" dirty="0" smtClean="0">
+              <a:solidFill>
+                <a:schemeClr val="accent2">
+                  <a:lumMod val="50000"/>
+                </a:schemeClr>
+              </a:solidFill>
+              <a:latin typeface="Arial" panose="020B0604020202020204" pitchFamily="34" charset="0"/>
+              <a:ea typeface="Roboto" panose="02000000000000000000" pitchFamily="2" charset="0"/>
+              <a:cs typeface="Arial" panose="020B0604020202020204" pitchFamily="34" charset="0"/>
+            </a:endParaRPr>
           </a:p>
           <a:p>
             <a:pPr>
@@ -16817,6 +15620,16 @@
               </a:rPr>
               <a:t>Thực hành</a:t>
             </a:r>
+            <a:endParaRPr lang="en-US" sz="2400" b="1" dirty="0" smtClean="0">
+              <a:solidFill>
+                <a:schemeClr val="accent2">
+                  <a:lumMod val="50000"/>
+                </a:schemeClr>
+              </a:solidFill>
+              <a:latin typeface="Arial" panose="020B0604020202020204" pitchFamily="34" charset="0"/>
+              <a:ea typeface="Roboto" panose="02000000000000000000" pitchFamily="2" charset="0"/>
+              <a:cs typeface="Arial" panose="020B0604020202020204" pitchFamily="34" charset="0"/>
+            </a:endParaRPr>
           </a:p>
           <a:p>
             <a:pPr>
@@ -17309,7 +16122,7 @@
             <a:r>
               <a:rPr lang="en-US" sz="4000" b="1" spc="50" dirty="0" smtClean="0">
                 <a:blipFill>
-                  <a:blip r:embed="rId2">
+                  <a:blip r:embed="rId1">
                     <a:extLst>
                       <a:ext uri="{28A0092B-C50C-407E-A947-70E740481C1C}">
                         <a14:useLocalDpi xmlns:a14="http://schemas.microsoft.com/office/drawing/2010/main" val="0"/>
@@ -17489,7 +16302,7 @@
           <p:nvPr/>
         </p:nvPicPr>
         <p:blipFill>
-          <a:blip r:embed="rId3">
+          <a:blip r:embed="rId2">
             <a:extLst>
               <a:ext uri="{28A0092B-C50C-407E-A947-70E740481C1C}">
                 <a14:useLocalDpi xmlns:a14="http://schemas.microsoft.com/office/drawing/2010/main" val="0"/>
@@ -17568,6 +16381,10 @@
               </a:rPr>
               <a:t>cryptoms.fr </a:t>
             </a:r>
+            <a:endParaRPr lang="en-US" sz="1600" i="1" dirty="0" smtClean="0">
+              <a:latin typeface="Arial" panose="020B0604020202020204" pitchFamily="34" charset="0"/>
+              <a:cs typeface="Arial" panose="020B0604020202020204" pitchFamily="34" charset="0"/>
+            </a:endParaRPr>
           </a:p>
           <a:p>
             <a:pPr marL="342900" indent="-342900" algn="just">
@@ -17590,6 +16407,13 @@
               </a:rPr>
               <a:t>Máy tính trước khi gửi đi,DNS resolver sẽ kiểm tra domain trong Web cache hoặc DNS cache để trả lại kết quả.</a:t>
             </a:r>
+            <a:endParaRPr lang="en-US" sz="1400" dirty="0" smtClean="0">
+              <a:solidFill>
+                <a:srgbClr val="002060"/>
+              </a:solidFill>
+              <a:latin typeface="Arial" panose="020B0604020202020204" pitchFamily="34" charset="0"/>
+              <a:cs typeface="Arial" panose="020B0604020202020204" pitchFamily="34" charset="0"/>
+            </a:endParaRPr>
           </a:p>
           <a:p>
             <a:pPr marL="342900" lvl="0" indent="-342900" algn="just">
@@ -17612,6 +16436,13 @@
               </a:rPr>
               <a:t>Nếu không có kết quả, DR sẽ hỏi tên miền mức ROOT chỉ cho máy chủ tên miền cục bộ địa chỉ mà nó quản lý có đuôi “.fr”. </a:t>
             </a:r>
+            <a:endParaRPr lang="en-US" sz="1400" dirty="0" smtClean="0">
+              <a:solidFill>
+                <a:srgbClr val="002060"/>
+              </a:solidFill>
+              <a:latin typeface="Arial" panose="020B0604020202020204" pitchFamily="34" charset="0"/>
+              <a:cs typeface="Arial" panose="020B0604020202020204" pitchFamily="34" charset="0"/>
+            </a:endParaRPr>
           </a:p>
           <a:p>
             <a:pPr marL="342900" lvl="0" indent="-342900" algn="just">
@@ -17644,6 +16475,13 @@
               </a:rPr>
               <a:t>gửi yêu cầu đến máy chủ quản lý tên miền Pháp “.fr” tìm tên miền cryptoms.fr. </a:t>
             </a:r>
+            <a:endParaRPr lang="en-US" sz="1400" dirty="0">
+              <a:solidFill>
+                <a:srgbClr val="002060"/>
+              </a:solidFill>
+              <a:latin typeface="Arial" panose="020B0604020202020204" pitchFamily="34" charset="0"/>
+              <a:cs typeface="Arial" panose="020B0604020202020204" pitchFamily="34" charset="0"/>
+            </a:endParaRPr>
           </a:p>
           <a:p>
             <a:pPr marL="342900" lvl="0" indent="-342900" algn="just">
@@ -17733,6 +16571,13 @@
               </a:rPr>
               <a:t>dùng sử dụng địa chỉ IP này kết nối đến server chứa website có địa chỉ “cryptoms.fr”.</a:t>
             </a:r>
+            <a:endParaRPr lang="en-US" sz="1400" b="1" dirty="0">
+              <a:solidFill>
+                <a:srgbClr val="002060"/>
+              </a:solidFill>
+              <a:latin typeface="Arial" panose="020B0604020202020204" pitchFamily="34" charset="0"/>
+              <a:cs typeface="Arial" panose="020B0604020202020204" pitchFamily="34" charset="0"/>
+            </a:endParaRPr>
           </a:p>
           <a:p>
             <a:pPr marL="342900" lvl="0" indent="-342900" algn="just">
@@ -17792,6 +16637,10 @@
               </a:rPr>
               <a:t>resolver – DR – Máy chủ phân giải tên miền cục bộ </a:t>
             </a:r>
+            <a:endParaRPr lang="en-US" sz="1200" dirty="0">
+              <a:latin typeface="Arial" panose="020B0604020202020204" pitchFamily="34" charset="0"/>
+              <a:cs typeface="Arial" panose="020B0604020202020204" pitchFamily="34" charset="0"/>
+            </a:endParaRPr>
           </a:p>
         </p:txBody>
       </p:sp>
@@ -17832,7 +16681,7 @@
               <p:nvPr/>
             </p:nvPicPr>
             <p:blipFill>
-              <a:blip r:embed="rId4"/>
+              <a:blip r:embed="rId3"/>
               <a:stretch>
                 <a:fillRect/>
               </a:stretch>
@@ -18668,7 +17517,6 @@
           <a:p>
             <a:fld id="{040DEF24-717E-4741-8753-F7E431A261E5}" type="slidenum">
               <a:rPr lang="en-US" smtClean="0"/>
-              <a:t>4</a:t>
             </a:fld>
             <a:endParaRPr lang="en-US" dirty="0"/>
           </a:p>
@@ -18751,7 +17599,7 @@
               <a:buNone/>
               <a:defRPr sz="5400" kern="1200" cap="all" baseline="0">
                 <a:blipFill>
-                  <a:blip r:embed="rId2">
+                  <a:blip r:embed="rId1">
                     <a:extLst>
                       <a:ext uri="{28A0092B-C50C-407E-A947-70E740481C1C}">
                         <a14:useLocalDpi xmlns:a14="http://schemas.microsoft.com/office/drawing/2010/main" val="0"/>
@@ -18775,7 +17623,7 @@
             <a:r>
               <a:rPr lang="en-US" sz="4000" b="1" spc="50" dirty="0" smtClean="0">
                 <a:blipFill>
-                  <a:blip r:embed="rId2">
+                  <a:blip r:embed="rId1">
                     <a:extLst>
                       <a:ext uri="{28A0092B-C50C-407E-A947-70E740481C1C}">
                         <a14:useLocalDpi xmlns:a14="http://schemas.microsoft.com/office/drawing/2010/main" val="0"/>
@@ -18789,6 +17637,20 @@
               </a:rPr>
               <a:t>Blockchain</a:t>
             </a:r>
+            <a:endParaRPr lang="en-US" sz="4000" b="1" spc="50" dirty="0" smtClean="0">
+              <a:blipFill>
+                <a:blip r:embed="rId1">
+                  <a:extLst>
+                    <a:ext uri="{28A0092B-C50C-407E-A947-70E740481C1C}">
+                      <a14:useLocalDpi xmlns:a14="http://schemas.microsoft.com/office/drawing/2010/main" val="0"/>
+                    </a:ext>
+                  </a:extLst>
+                </a:blip>
+                <a:tile tx="6350" ty="-127000" sx="65000" sy="64000" flip="none" algn="tl"/>
+              </a:blipFill>
+              <a:latin typeface="Times New Roman" panose="02020603050405020304" pitchFamily="18" charset="0"/>
+              <a:cs typeface="Times New Roman" panose="02020603050405020304" pitchFamily="18" charset="0"/>
+            </a:endParaRPr>
           </a:p>
         </p:txBody>
       </p:sp>
@@ -18890,6 +17752,10 @@
               </a:rPr>
               <a:t>block có hash khối hiện tại và khối trước là 0 và dữ liệu là null </a:t>
             </a:r>
+            <a:endParaRPr lang="en-US" sz="1400" dirty="0" smtClean="0">
+              <a:latin typeface="Arial" panose="020B0604020202020204" pitchFamily="34" charset="0"/>
+              <a:cs typeface="Arial" panose="020B0604020202020204" pitchFamily="34" charset="0"/>
+            </a:endParaRPr>
           </a:p>
         </p:txBody>
       </p:sp>
@@ -18902,7 +17768,7 @@
           <p:nvPr/>
         </p:nvPicPr>
         <p:blipFill>
-          <a:blip r:embed="rId3">
+          <a:blip r:embed="rId2">
             <a:extLst>
               <a:ext uri="{28A0092B-C50C-407E-A947-70E740481C1C}">
                 <a14:useLocalDpi xmlns:a14="http://schemas.microsoft.com/office/drawing/2010/main" val="0"/>
@@ -19150,6 +18016,14 @@
               </a:rPr>
               <a:t> </a:t>
             </a:r>
+            <a:endParaRPr lang="en-US" sz="1400" dirty="0">
+              <a:solidFill>
+                <a:schemeClr val="tx1"/>
+              </a:solidFill>
+              <a:latin typeface="Arial" panose="020B0604020202020204" pitchFamily="34" charset="0"/>
+              <a:ea typeface="Calibri" panose="020F0502020204030204" pitchFamily="34" charset="0"/>
+              <a:cs typeface="Arial" panose="020B0604020202020204" pitchFamily="34" charset="0"/>
+            </a:endParaRPr>
           </a:p>
         </p:txBody>
       </p:sp>
@@ -19219,6 +18093,14 @@
               </a:rPr>
               <a:t>chơi</a:t>
             </a:r>
+            <a:endParaRPr lang="en-US" sz="1400" b="1" dirty="0" smtClean="0">
+              <a:solidFill>
+                <a:schemeClr val="tx1"/>
+              </a:solidFill>
+              <a:latin typeface="Arial" panose="020B0604020202020204" pitchFamily="34" charset="0"/>
+              <a:ea typeface="Calibri" panose="020F0502020204030204" pitchFamily="34" charset="0"/>
+              <a:cs typeface="Arial" panose="020B0604020202020204" pitchFamily="34" charset="0"/>
+            </a:endParaRPr>
           </a:p>
           <a:p>
             <a:pPr lvl="0" algn="ctr"/>
@@ -19300,6 +18182,11 @@
               </a:rPr>
               <a:t> Các thông tin, dữ liệu trong Blockchain được phân tán và an toàn tuyệt đối.</a:t>
             </a:r>
+            <a:endParaRPr lang="en-US" sz="1400" dirty="0">
+              <a:latin typeface="Times New Roman" panose="02020603050405020304" pitchFamily="18" charset="0"/>
+              <a:ea typeface="Calibri" panose="020F0502020204030204" pitchFamily="34" charset="0"/>
+              <a:cs typeface="Times New Roman" panose="02020603050405020304" pitchFamily="18" charset="0"/>
+            </a:endParaRPr>
           </a:p>
         </p:txBody>
       </p:sp>
@@ -19354,6 +18241,11 @@
               </a:rPr>
               <a:t> dữ liệu trong Blockchain không thể sửa (có thể sửa nhưng sẽ để lại dấu vết) và sẽ lưu trữ mãi mãi.</a:t>
             </a:r>
+            <a:endParaRPr lang="en-US" sz="1400" dirty="0">
+              <a:latin typeface="Times New Roman" panose="02020603050405020304" pitchFamily="18" charset="0"/>
+              <a:ea typeface="Calibri" panose="020F0502020204030204" pitchFamily="34" charset="0"/>
+              <a:cs typeface="Times New Roman" panose="02020603050405020304" pitchFamily="18" charset="0"/>
+            </a:endParaRPr>
           </a:p>
         </p:txBody>
       </p:sp>
@@ -19405,6 +18297,11 @@
               </a:rPr>
               <a:t> Ai cũng có thể theo dõi dữ liệu Blockchain đi từ địa chỉ này tới địa chỉ khác và có thể thống kê toàn bộ lịch sử trên địa chỉ đó.</a:t>
             </a:r>
+            <a:endParaRPr lang="en-US" sz="1400" dirty="0">
+              <a:latin typeface="Times New Roman" panose="02020603050405020304" pitchFamily="18" charset="0"/>
+              <a:ea typeface="Calibri" panose="020F0502020204030204" pitchFamily="34" charset="0"/>
+              <a:cs typeface="Times New Roman" panose="02020603050405020304" pitchFamily="18" charset="0"/>
+            </a:endParaRPr>
           </a:p>
         </p:txBody>
       </p:sp>
@@ -19456,6 +18353,11 @@
               </a:rPr>
               <a:t> là hợp đồng kỹ thuật số được nhúng vào đoạn code if-this-then-that (IFTTT), cho phép chúng tự thực thi mà không cần bên thứ ba.</a:t>
             </a:r>
+            <a:endParaRPr lang="en-US" sz="1400" dirty="0">
+              <a:latin typeface="Times New Roman" panose="02020603050405020304" pitchFamily="18" charset="0"/>
+              <a:ea typeface="Calibri" panose="020F0502020204030204" pitchFamily="34" charset="0"/>
+              <a:cs typeface="Times New Roman" panose="02020603050405020304" pitchFamily="18" charset="0"/>
+            </a:endParaRPr>
           </a:p>
         </p:txBody>
       </p:sp>
@@ -19595,6 +18497,10 @@
                 </a:rPr>
                 <a:t>Genesis</a:t>
               </a:r>
+              <a:endParaRPr lang="en-US" sz="1200" dirty="0" smtClean="0">
+                <a:latin typeface="Arial" panose="020B0604020202020204" pitchFamily="34" charset="0"/>
+                <a:cs typeface="Arial" panose="020B0604020202020204" pitchFamily="34" charset="0"/>
+              </a:endParaRPr>
             </a:p>
             <a:p>
               <a:pPr algn="ctr"/>
@@ -19641,6 +18547,10 @@
                 </a:rPr>
                 <a:t>Hash:  0</a:t>
               </a:r>
+              <a:endParaRPr lang="en-US" sz="1100" dirty="0" smtClean="0">
+                <a:latin typeface="Arial" panose="020B0604020202020204" pitchFamily="34" charset="0"/>
+                <a:cs typeface="Arial" panose="020B0604020202020204" pitchFamily="34" charset="0"/>
+              </a:endParaRPr>
             </a:p>
           </p:txBody>
         </p:sp>
@@ -19779,6 +18689,10 @@
                 </a:rPr>
                 <a:t>Block 1</a:t>
               </a:r>
+              <a:endParaRPr lang="en-US" sz="1200" dirty="0" smtClean="0">
+                <a:latin typeface="Arial" panose="020B0604020202020204" pitchFamily="34" charset="0"/>
+                <a:cs typeface="Arial" panose="020B0604020202020204" pitchFamily="34" charset="0"/>
+              </a:endParaRPr>
             </a:p>
           </p:txBody>
         </p:sp>
@@ -19811,6 +18725,10 @@
                 </a:rPr>
                 <a:t>Previous Hash:  0</a:t>
               </a:r>
+              <a:endParaRPr lang="en-US" sz="1100" dirty="0" smtClean="0">
+                <a:latin typeface="Arial" panose="020B0604020202020204" pitchFamily="34" charset="0"/>
+                <a:cs typeface="Arial" panose="020B0604020202020204" pitchFamily="34" charset="0"/>
+              </a:endParaRPr>
             </a:p>
           </p:txBody>
         </p:sp>
@@ -19843,6 +18761,10 @@
                 </a:rPr>
                 <a:t>Hash:  000xxxxx</a:t>
               </a:r>
+              <a:endParaRPr lang="en-US" sz="1100" dirty="0" smtClean="0">
+                <a:latin typeface="Arial" panose="020B0604020202020204" pitchFamily="34" charset="0"/>
+                <a:cs typeface="Arial" panose="020B0604020202020204" pitchFamily="34" charset="0"/>
+              </a:endParaRPr>
             </a:p>
           </p:txBody>
         </p:sp>
@@ -21669,8 +20591,8 @@
         </p:nvSpPr>
         <p:spPr>
           <a:xfrm>
-            <a:off x="1068869" y="224588"/>
-            <a:ext cx="10058400" cy="677418"/>
+            <a:off x="1066800" y="232410"/>
+            <a:ext cx="10058400" cy="742315"/>
           </a:xfrm>
         </p:spPr>
         <p:txBody>
@@ -21686,6 +20608,10 @@
               </a:rPr>
               <a:t>so sánh 2 mô hình</a:t>
             </a:r>
+            <a:endParaRPr lang="en-US" sz="4000" b="1" spc="50" dirty="0">
+              <a:latin typeface="Times New Roman" panose="02020603050405020304" pitchFamily="18" charset="0"/>
+              <a:cs typeface="Times New Roman" panose="02020603050405020304" pitchFamily="18" charset="0"/>
+            </a:endParaRPr>
           </a:p>
         </p:txBody>
       </p:sp>
@@ -21767,7 +20693,7 @@
         </p:nvCxnSpPr>
         <p:spPr>
           <a:xfrm>
-            <a:off x="993648" y="3936406"/>
+            <a:off x="940943" y="4060866"/>
             <a:ext cx="10474452" cy="0"/>
           </a:xfrm>
           <a:prstGeom prst="line">
@@ -21796,7 +20722,33 @@
       </p:cxnSp>
       <p:pic>
         <p:nvPicPr>
-          <p:cNvPr id="10" name="Picture 9"/>
+          <p:cNvPr id="3" name="Content Placeholder 2"/>
+          <p:cNvPicPr>
+            <a:picLocks noChangeAspect="1"/>
+          </p:cNvPicPr>
+          <p:nvPr>
+            <p:ph idx="1"/>
+          </p:nvPr>
+        </p:nvPicPr>
+        <p:blipFill>
+          <a:blip r:embed="rId1"/>
+          <a:stretch>
+            <a:fillRect/>
+          </a:stretch>
+        </p:blipFill>
+        <p:spPr>
+          <a:xfrm>
+            <a:off x="1595755" y="4239260"/>
+            <a:ext cx="8740140" cy="2171065"/>
+          </a:xfrm>
+          <a:prstGeom prst="rect">
+            <a:avLst/>
+          </a:prstGeom>
+        </p:spPr>
+      </p:pic>
+      <p:pic>
+        <p:nvPicPr>
+          <p:cNvPr id="5" name="Picture 4"/>
           <p:cNvPicPr>
             <a:picLocks noChangeAspect="1"/>
           </p:cNvPicPr>
@@ -21810,32 +20762,8 @@
         </p:blipFill>
         <p:spPr>
           <a:xfrm>
-            <a:off x="1747390" y="4159791"/>
-            <a:ext cx="8701358" cy="2232633"/>
-          </a:xfrm>
-          <a:prstGeom prst="rect">
-            <a:avLst/>
-          </a:prstGeom>
-        </p:spPr>
-      </p:pic>
-      <p:pic>
-        <p:nvPicPr>
-          <p:cNvPr id="12" name="Picture 11"/>
-          <p:cNvPicPr>
-            <a:picLocks noChangeAspect="1"/>
-          </p:cNvPicPr>
-          <p:nvPr/>
-        </p:nvPicPr>
-        <p:blipFill>
-          <a:blip r:embed="rId3"/>
-          <a:stretch>
-            <a:fillRect/>
-          </a:stretch>
-        </p:blipFill>
-        <p:spPr>
-          <a:xfrm>
-            <a:off x="2040560" y="829728"/>
-            <a:ext cx="8115018" cy="2994986"/>
+            <a:off x="2157095" y="824230"/>
+            <a:ext cx="7877810" cy="3128010"/>
           </a:xfrm>
           <a:prstGeom prst="rect">
             <a:avLst/>
@@ -22101,16 +21029,1153 @@
           </a:p>
         </p:txBody>
       </p:sp>
+      <p:graphicFrame>
+        <p:nvGraphicFramePr>
+          <p:cNvPr id="3" name="Table 2"/>
+          <p:cNvGraphicFramePr>
+            <a:graphicFrameLocks noGrp="1"/>
+          </p:cNvGraphicFramePr>
+          <p:nvPr/>
+        </p:nvGraphicFramePr>
+        <p:xfrm>
+          <a:off x="1235708" y="1083670"/>
+          <a:ext cx="9942195" cy="2453640"/>
+        </p:xfrm>
+        <a:graphic>
+          <a:graphicData uri="http://schemas.openxmlformats.org/drawingml/2006/table">
+            <a:tbl>
+              <a:tblPr firstRow="1">
+                <a:tableStyleId>{0660B408-B3CF-4A94-85FC-2B1E0A45F4A2}</a:tableStyleId>
+              </a:tblPr>
+              <a:tblGrid>
+                <a:gridCol w="4970780"/>
+                <a:gridCol w="4971410"/>
+              </a:tblGrid>
+              <a:tr h="370840">
+                <a:tc>
+                  <a:txBody>
+                    <a:bodyPr/>
+                    <a:lstStyle/>
+                    <a:p>
+                      <a:pPr algn="ctr"/>
+                      <a:r>
+                        <a:rPr lang="en-US" sz="1400" dirty="0">
+                          <a:latin typeface="Arial" panose="020B0604020202020204" pitchFamily="34" charset="0"/>
+                          <a:cs typeface="Arial" panose="020B0604020202020204" pitchFamily="34" charset="0"/>
+                        </a:rPr>
+                        <a:t>Điểm mạnh của DNS truyền thống</a:t>
+                      </a:r>
+                      <a:endParaRPr lang="en-US" sz="1400" dirty="0">
+                        <a:latin typeface="Arial" panose="020B0604020202020204" pitchFamily="34" charset="0"/>
+                        <a:cs typeface="Arial" panose="020B0604020202020204" pitchFamily="34" charset="0"/>
+                      </a:endParaRPr>
+                    </a:p>
+                  </a:txBody>
+                  <a:tcPr>
+                    <a:lnL w="12700">
+                      <a:solidFill>
+                        <a:schemeClr val="tx1"/>
+                      </a:solidFill>
+                      <a:prstDash val="solid"/>
+                    </a:lnL>
+                    <a:lnR w="12700">
+                      <a:solidFill>
+                        <a:schemeClr val="tx1"/>
+                      </a:solidFill>
+                      <a:prstDash val="solid"/>
+                    </a:lnR>
+                    <a:lnT w="12700">
+                      <a:solidFill>
+                        <a:schemeClr val="tx1"/>
+                      </a:solidFill>
+                      <a:prstDash val="solid"/>
+                    </a:lnT>
+                    <a:lnB w="12700">
+                      <a:solidFill>
+                        <a:schemeClr val="tx1"/>
+                      </a:solidFill>
+                      <a:prstDash val="solid"/>
+                    </a:lnB>
+                    <a:lnTlToBr>
+                      <a:noFill/>
+                    </a:lnTlToBr>
+                    <a:lnBlToTr>
+                      <a:noFill/>
+                    </a:lnBlToTr>
+                  </a:tcPr>
+                </a:tc>
+                <a:tc>
+                  <a:txBody>
+                    <a:bodyPr/>
+                    <a:lstStyle/>
+                    <a:p>
+                      <a:pPr algn="ctr"/>
+                      <a:r>
+                        <a:rPr lang="en-US" sz="1400">
+                          <a:latin typeface="Arial" panose="020B0604020202020204" pitchFamily="34" charset="0"/>
+                          <a:cs typeface="Arial" panose="020B0604020202020204" pitchFamily="34" charset="0"/>
+                        </a:rPr>
+                        <a:t>Điểm mạnh của Blockchain DNS</a:t>
+                      </a:r>
+                      <a:endParaRPr lang="en-US" sz="1400">
+                        <a:latin typeface="Arial" panose="020B0604020202020204" pitchFamily="34" charset="0"/>
+                        <a:cs typeface="Arial" panose="020B0604020202020204" pitchFamily="34" charset="0"/>
+                      </a:endParaRPr>
+                    </a:p>
+                  </a:txBody>
+                  <a:tcPr>
+                    <a:lnL w="12700">
+                      <a:solidFill>
+                        <a:schemeClr val="tx1"/>
+                      </a:solidFill>
+                      <a:prstDash val="solid"/>
+                    </a:lnL>
+                    <a:lnR w="12700">
+                      <a:solidFill>
+                        <a:schemeClr val="tx1"/>
+                      </a:solidFill>
+                      <a:prstDash val="solid"/>
+                    </a:lnR>
+                    <a:lnT w="12700">
+                      <a:solidFill>
+                        <a:schemeClr val="tx1"/>
+                      </a:solidFill>
+                      <a:prstDash val="solid"/>
+                    </a:lnT>
+                    <a:lnB w="12700">
+                      <a:solidFill>
+                        <a:schemeClr val="tx1"/>
+                      </a:solidFill>
+                      <a:prstDash val="solid"/>
+                    </a:lnB>
+                    <a:lnTlToBr>
+                      <a:noFill/>
+                    </a:lnTlToBr>
+                    <a:lnBlToTr>
+                      <a:noFill/>
+                    </a:lnBlToTr>
+                  </a:tcPr>
+                </a:tc>
+              </a:tr>
+              <a:tr h="304800">
+                <a:tc>
+                  <a:txBody>
+                    <a:bodyPr/>
+                    <a:lstStyle/>
+                    <a:p>
+                      <a:pPr algn="l"/>
+                      <a:r>
+                        <a:rPr lang="en-US" sz="1400" dirty="0">
+                          <a:latin typeface="Arial" panose="020B0604020202020204" pitchFamily="34" charset="0"/>
+                          <a:cs typeface="Arial" panose="020B0604020202020204" pitchFamily="34" charset="0"/>
+                        </a:rPr>
+                        <a:t>Hệ thống quản lý dữ liệu quy mô vừa và lớn hiệu quả.</a:t>
+                      </a:r>
+                      <a:endParaRPr lang="en-US" sz="1400" dirty="0">
+                        <a:latin typeface="Arial" panose="020B0604020202020204" pitchFamily="34" charset="0"/>
+                        <a:cs typeface="Arial" panose="020B0604020202020204" pitchFamily="34" charset="0"/>
+                      </a:endParaRPr>
+                    </a:p>
+                  </a:txBody>
+                  <a:tcPr>
+                    <a:lnL w="12700">
+                      <a:solidFill>
+                        <a:schemeClr val="tx1"/>
+                      </a:solidFill>
+                      <a:prstDash val="solid"/>
+                    </a:lnL>
+                    <a:lnR w="12700">
+                      <a:solidFill>
+                        <a:schemeClr val="tx1"/>
+                      </a:solidFill>
+                      <a:prstDash val="solid"/>
+                    </a:lnR>
+                    <a:lnT w="12700">
+                      <a:solidFill>
+                        <a:schemeClr val="tx1"/>
+                      </a:solidFill>
+                      <a:prstDash val="solid"/>
+                    </a:lnT>
+                    <a:lnB w="12700">
+                      <a:solidFill>
+                        <a:schemeClr val="tx1"/>
+                      </a:solidFill>
+                      <a:prstDash val="solid"/>
+                    </a:lnB>
+                    <a:lnTlToBr>
+                      <a:noFill/>
+                    </a:lnTlToBr>
+                    <a:lnBlToTr>
+                      <a:noFill/>
+                    </a:lnBlToTr>
+                  </a:tcPr>
+                </a:tc>
+                <a:tc>
+                  <a:txBody>
+                    <a:bodyPr/>
+                    <a:lstStyle/>
+                    <a:p>
+                      <a:pPr algn="l"/>
+                      <a:r>
+                        <a:rPr lang="en-US" sz="1400">
+                          <a:latin typeface="Arial" panose="020B0604020202020204" pitchFamily="34" charset="0"/>
+                          <a:cs typeface="Arial" panose="020B0604020202020204" pitchFamily="34" charset="0"/>
+                        </a:rPr>
+                        <a:t>Hệ thống quản lý có thể </a:t>
+                      </a:r>
+                      <a:r>
+                        <a:rPr lang="en-US" sz="1400">
+                          <a:latin typeface="Arial" panose="020B0604020202020204" pitchFamily="34" charset="0"/>
+                          <a:cs typeface="Arial" panose="020B0604020202020204" pitchFamily="34" charset="0"/>
+                          <a:sym typeface="+mn-ea"/>
+                        </a:rPr>
+                        <a:t>tự hoạt động </a:t>
+                      </a:r>
+                      <a:r>
+                        <a:rPr lang="en-US" sz="1400">
+                          <a:latin typeface="Arial" panose="020B0604020202020204" pitchFamily="34" charset="0"/>
+                          <a:cs typeface="Arial" panose="020B0604020202020204" pitchFamily="34" charset="0"/>
+                        </a:rPr>
+                        <a:t>ổn định quy mô lớn.</a:t>
+                      </a:r>
+                      <a:endParaRPr lang="en-US" sz="1400">
+                        <a:latin typeface="Arial" panose="020B0604020202020204" pitchFamily="34" charset="0"/>
+                        <a:cs typeface="Arial" panose="020B0604020202020204" pitchFamily="34" charset="0"/>
+                      </a:endParaRPr>
+                    </a:p>
+                  </a:txBody>
+                  <a:tcPr>
+                    <a:lnL w="12700">
+                      <a:solidFill>
+                        <a:schemeClr val="tx1"/>
+                      </a:solidFill>
+                      <a:prstDash val="solid"/>
+                    </a:lnL>
+                    <a:lnR w="12700">
+                      <a:solidFill>
+                        <a:schemeClr val="tx1"/>
+                      </a:solidFill>
+                      <a:prstDash val="solid"/>
+                    </a:lnR>
+                    <a:lnT w="12700">
+                      <a:solidFill>
+                        <a:schemeClr val="tx1"/>
+                      </a:solidFill>
+                      <a:prstDash val="solid"/>
+                    </a:lnT>
+                    <a:lnB w="12700">
+                      <a:solidFill>
+                        <a:schemeClr val="tx1"/>
+                      </a:solidFill>
+                      <a:prstDash val="solid"/>
+                    </a:lnB>
+                    <a:lnTlToBr>
+                      <a:noFill/>
+                    </a:lnTlToBr>
+                    <a:lnBlToTr>
+                      <a:noFill/>
+                    </a:lnBlToTr>
+                  </a:tcPr>
+                </a:tc>
+              </a:tr>
+              <a:tr h="518160">
+                <a:tc>
+                  <a:txBody>
+                    <a:bodyPr/>
+                    <a:lstStyle/>
+                    <a:p>
+                      <a:pPr algn="l"/>
+                      <a:r>
+                        <a:rPr lang="en-US" sz="1400">
+                          <a:latin typeface="Arial" panose="020B0604020202020204" pitchFamily="34" charset="0"/>
+                          <a:cs typeface="Arial" panose="020B0604020202020204" pitchFamily="34" charset="0"/>
+                        </a:rPr>
+                        <a:t>Linh hoạt và nhất quán về hệ thống phân loại bản ghi tên miền ( </a:t>
+                      </a:r>
+                      <a:r>
+                        <a:rPr lang="en-US" sz="1400" b="1">
+                          <a:latin typeface="Arial" panose="020B0604020202020204" pitchFamily="34" charset="0"/>
+                          <a:cs typeface="Arial" panose="020B0604020202020204" pitchFamily="34" charset="0"/>
+                          <a:sym typeface="+mn-ea"/>
+                        </a:rPr>
+                        <a:t> NS, SOA, </a:t>
+                      </a:r>
+                      <a:r>
+                        <a:rPr lang="en-US" sz="1400" b="1">
+                          <a:latin typeface="Arial" panose="020B0604020202020204" pitchFamily="34" charset="0"/>
+                          <a:cs typeface="Arial" panose="020B0604020202020204" pitchFamily="34" charset="0"/>
+                        </a:rPr>
+                        <a:t>A, CNAME, AAAA,</a:t>
+                      </a:r>
+                      <a:r>
+                        <a:rPr lang="en-US" sz="1400">
+                          <a:latin typeface="Arial" panose="020B0604020202020204" pitchFamily="34" charset="0"/>
+                          <a:cs typeface="Arial" panose="020B0604020202020204" pitchFamily="34" charset="0"/>
+                        </a:rPr>
+                        <a:t>... ).</a:t>
+                      </a:r>
+                      <a:endParaRPr lang="en-US" sz="1400">
+                        <a:latin typeface="Arial" panose="020B0604020202020204" pitchFamily="34" charset="0"/>
+                        <a:cs typeface="Arial" panose="020B0604020202020204" pitchFamily="34" charset="0"/>
+                      </a:endParaRPr>
+                    </a:p>
+                  </a:txBody>
+                  <a:tcPr>
+                    <a:lnL w="12700">
+                      <a:solidFill>
+                        <a:schemeClr val="tx1"/>
+                      </a:solidFill>
+                      <a:prstDash val="solid"/>
+                    </a:lnL>
+                    <a:lnR w="12700">
+                      <a:solidFill>
+                        <a:schemeClr val="tx1"/>
+                      </a:solidFill>
+                      <a:prstDash val="solid"/>
+                    </a:lnR>
+                    <a:lnT w="12700">
+                      <a:solidFill>
+                        <a:schemeClr val="tx1"/>
+                      </a:solidFill>
+                      <a:prstDash val="solid"/>
+                    </a:lnT>
+                    <a:lnB w="12700">
+                      <a:solidFill>
+                        <a:schemeClr val="tx1"/>
+                      </a:solidFill>
+                      <a:prstDash val="solid"/>
+                    </a:lnB>
+                    <a:lnTlToBr>
+                      <a:noFill/>
+                    </a:lnTlToBr>
+                    <a:lnBlToTr>
+                      <a:noFill/>
+                    </a:lnBlToTr>
+                  </a:tcPr>
+                </a:tc>
+                <a:tc>
+                  <a:txBody>
+                    <a:bodyPr/>
+                    <a:lstStyle/>
+                    <a:p>
+                      <a:pPr algn="l"/>
+                      <a:r>
+                        <a:rPr lang="en-US" sz="1400">
+                          <a:latin typeface="Arial" panose="020B0604020202020204" pitchFamily="34" charset="0"/>
+                          <a:cs typeface="Arial" panose="020B0604020202020204" pitchFamily="34" charset="0"/>
+                        </a:rPr>
+                        <a:t>Hệ thống phi tập trung giúp nâng cao quyền lợi cho người dùng và không cần bộ phậntrung gian.</a:t>
+                      </a:r>
+                      <a:endParaRPr lang="en-US" sz="1400">
+                        <a:latin typeface="Arial" panose="020B0604020202020204" pitchFamily="34" charset="0"/>
+                        <a:cs typeface="Arial" panose="020B0604020202020204" pitchFamily="34" charset="0"/>
+                      </a:endParaRPr>
+                    </a:p>
+                  </a:txBody>
+                  <a:tcPr>
+                    <a:lnL w="12700">
+                      <a:solidFill>
+                        <a:schemeClr val="tx1"/>
+                      </a:solidFill>
+                      <a:prstDash val="solid"/>
+                    </a:lnL>
+                    <a:lnR w="12700">
+                      <a:solidFill>
+                        <a:schemeClr val="tx1"/>
+                      </a:solidFill>
+                      <a:prstDash val="solid"/>
+                    </a:lnR>
+                    <a:lnT w="12700">
+                      <a:solidFill>
+                        <a:schemeClr val="tx1"/>
+                      </a:solidFill>
+                      <a:prstDash val="solid"/>
+                    </a:lnT>
+                    <a:lnB w="12700">
+                      <a:solidFill>
+                        <a:schemeClr val="tx1"/>
+                      </a:solidFill>
+                      <a:prstDash val="solid"/>
+                    </a:lnB>
+                    <a:lnTlToBr>
+                      <a:noFill/>
+                    </a:lnTlToBr>
+                    <a:lnBlToTr>
+                      <a:noFill/>
+                    </a:lnBlToTr>
+                  </a:tcPr>
+                </a:tc>
+              </a:tr>
+              <a:tr h="518160">
+                <a:tc>
+                  <a:txBody>
+                    <a:bodyPr/>
+                    <a:lstStyle/>
+                    <a:p>
+                      <a:pPr algn="l"/>
+                      <a:r>
+                        <a:rPr lang="en-US" sz="1400">
+                          <a:latin typeface="Arial" panose="020B0604020202020204" pitchFamily="34" charset="0"/>
+                          <a:cs typeface="Arial" panose="020B0604020202020204" pitchFamily="34" charset="0"/>
+                        </a:rPr>
+                        <a:t>Phân giải IP nhanh và hiệu quả do kết nối liên tục giữa DNS và Web Server.</a:t>
+                      </a:r>
+                      <a:endParaRPr lang="en-US" sz="1400">
+                        <a:latin typeface="Arial" panose="020B0604020202020204" pitchFamily="34" charset="0"/>
+                        <a:cs typeface="Arial" panose="020B0604020202020204" pitchFamily="34" charset="0"/>
+                      </a:endParaRPr>
+                    </a:p>
+                  </a:txBody>
+                  <a:tcPr>
+                    <a:lnL w="12700">
+                      <a:solidFill>
+                        <a:schemeClr val="tx1"/>
+                      </a:solidFill>
+                      <a:prstDash val="solid"/>
+                    </a:lnL>
+                    <a:lnR w="12700">
+                      <a:solidFill>
+                        <a:schemeClr val="tx1"/>
+                      </a:solidFill>
+                      <a:prstDash val="solid"/>
+                    </a:lnR>
+                    <a:lnT w="12700">
+                      <a:solidFill>
+                        <a:schemeClr val="tx1"/>
+                      </a:solidFill>
+                      <a:prstDash val="solid"/>
+                    </a:lnT>
+                    <a:lnB w="12700">
+                      <a:solidFill>
+                        <a:schemeClr val="tx1"/>
+                      </a:solidFill>
+                      <a:prstDash val="solid"/>
+                    </a:lnB>
+                    <a:lnTlToBr>
+                      <a:noFill/>
+                    </a:lnTlToBr>
+                    <a:lnBlToTr>
+                      <a:noFill/>
+                    </a:lnBlToTr>
+                  </a:tcPr>
+                </a:tc>
+                <a:tc>
+                  <a:txBody>
+                    <a:bodyPr/>
+                    <a:lstStyle/>
+                    <a:p>
+                      <a:pPr algn="l"/>
+                      <a:r>
+                        <a:rPr lang="en-US" sz="1400">
+                          <a:latin typeface="Arial" panose="020B0604020202020204" pitchFamily="34" charset="0"/>
+                          <a:cs typeface="Arial" panose="020B0604020202020204" pitchFamily="34" charset="0"/>
+                        </a:rPr>
+                        <a:t>Khi tồn tại hoặc phát sinh lỗi trong dữ liệu thì có thể tìm được với ít công sức và thời gian hơn hệ thống khác.</a:t>
+                      </a:r>
+                      <a:endParaRPr lang="en-US" sz="1400">
+                        <a:latin typeface="Arial" panose="020B0604020202020204" pitchFamily="34" charset="0"/>
+                        <a:cs typeface="Arial" panose="020B0604020202020204" pitchFamily="34" charset="0"/>
+                      </a:endParaRPr>
+                    </a:p>
+                  </a:txBody>
+                  <a:tcPr>
+                    <a:lnL w="12700">
+                      <a:solidFill>
+                        <a:schemeClr val="tx1"/>
+                      </a:solidFill>
+                      <a:prstDash val="solid"/>
+                    </a:lnL>
+                    <a:lnR w="12700">
+                      <a:solidFill>
+                        <a:schemeClr val="tx1"/>
+                      </a:solidFill>
+                      <a:prstDash val="solid"/>
+                    </a:lnR>
+                    <a:lnT w="12700">
+                      <a:solidFill>
+                        <a:schemeClr val="tx1"/>
+                      </a:solidFill>
+                      <a:prstDash val="solid"/>
+                    </a:lnT>
+                    <a:lnB w="12700">
+                      <a:solidFill>
+                        <a:schemeClr val="tx1"/>
+                      </a:solidFill>
+                      <a:prstDash val="solid"/>
+                    </a:lnB>
+                    <a:lnTlToBr>
+                      <a:noFill/>
+                    </a:lnTlToBr>
+                    <a:lnBlToTr>
+                      <a:noFill/>
+                    </a:lnBlToTr>
+                  </a:tcPr>
+                </a:tc>
+              </a:tr>
+              <a:tr h="370840">
+                <a:tc>
+                  <a:txBody>
+                    <a:bodyPr/>
+                    <a:lstStyle/>
+                    <a:p>
+                      <a:pPr algn="l"/>
+                      <a:r>
+                        <a:rPr lang="en-US" sz="1400" dirty="0">
+                          <a:latin typeface="Arial" panose="020B0604020202020204" pitchFamily="34" charset="0"/>
+                          <a:cs typeface="Arial" panose="020B0604020202020204" pitchFamily="34" charset="0"/>
+                          <a:sym typeface="+mn-ea"/>
+                        </a:rPr>
+                        <a:t>Có tổ chức phi lợi nhuận ICANN</a:t>
+                      </a:r>
+                      <a:r>
+                        <a:rPr lang="en-US" sz="1400" baseline="30000" dirty="0">
+                          <a:solidFill>
+                            <a:schemeClr val="tx1"/>
+                          </a:solidFill>
+                          <a:uFillTx/>
+                          <a:latin typeface="Arial" panose="020B0604020202020204" pitchFamily="34" charset="0"/>
+                          <a:cs typeface="Arial" panose="020B0604020202020204" pitchFamily="34" charset="0"/>
+                          <a:sym typeface="+mn-ea"/>
+                        </a:rPr>
+                        <a:t>[1]</a:t>
+                      </a:r>
+                      <a:r>
+                        <a:rPr lang="en-US" sz="1400" dirty="0">
+                          <a:latin typeface="Arial" panose="020B0604020202020204" pitchFamily="34" charset="0"/>
+                          <a:cs typeface="Arial" panose="020B0604020202020204" pitchFamily="34" charset="0"/>
+                          <a:sym typeface="+mn-ea"/>
+                        </a:rPr>
+                        <a:t> kiểm tra tính hợp lệ sẵn.</a:t>
+                      </a:r>
+                      <a:endParaRPr lang="en-US" sz="1400">
+                        <a:latin typeface="Arial" panose="020B0604020202020204" pitchFamily="34" charset="0"/>
+                        <a:cs typeface="Arial" panose="020B0604020202020204" pitchFamily="34" charset="0"/>
+                      </a:endParaRPr>
+                    </a:p>
+                  </a:txBody>
+                  <a:tcPr>
+                    <a:lnL w="12700">
+                      <a:solidFill>
+                        <a:schemeClr val="tx1"/>
+                      </a:solidFill>
+                      <a:prstDash val="solid"/>
+                    </a:lnL>
+                    <a:lnR w="12700">
+                      <a:solidFill>
+                        <a:schemeClr val="tx1"/>
+                      </a:solidFill>
+                      <a:prstDash val="solid"/>
+                    </a:lnR>
+                    <a:lnT w="12700">
+                      <a:solidFill>
+                        <a:schemeClr val="tx1"/>
+                      </a:solidFill>
+                      <a:prstDash val="solid"/>
+                    </a:lnT>
+                    <a:lnB w="12700">
+                      <a:solidFill>
+                        <a:schemeClr val="tx1"/>
+                      </a:solidFill>
+                      <a:prstDash val="solid"/>
+                    </a:lnB>
+                    <a:lnTlToBr>
+                      <a:noFill/>
+                    </a:lnTlToBr>
+                    <a:lnBlToTr>
+                      <a:noFill/>
+                    </a:lnBlToTr>
+                  </a:tcPr>
+                </a:tc>
+                <a:tc>
+                  <a:txBody>
+                    <a:bodyPr/>
+                    <a:lstStyle/>
+                    <a:p>
+                      <a:pPr algn="l"/>
+                      <a:r>
+                        <a:rPr lang="en-US" sz="1400" dirty="0">
+                          <a:latin typeface="Arial" panose="020B0604020202020204" pitchFamily="34" charset="0"/>
+                          <a:cs typeface="Arial" panose="020B0604020202020204" pitchFamily="34" charset="0"/>
+                        </a:rPr>
+                        <a:t>Có tiềm năng phát triển theo nhiều hướng khác nhau.</a:t>
+                      </a:r>
+                      <a:endParaRPr lang="en-US" sz="1400" dirty="0">
+                        <a:latin typeface="Arial" panose="020B0604020202020204" pitchFamily="34" charset="0"/>
+                        <a:cs typeface="Arial" panose="020B0604020202020204" pitchFamily="34" charset="0"/>
+                      </a:endParaRPr>
+                    </a:p>
+                  </a:txBody>
+                  <a:tcPr>
+                    <a:lnL w="12700">
+                      <a:solidFill>
+                        <a:schemeClr val="tx1"/>
+                      </a:solidFill>
+                      <a:prstDash val="solid"/>
+                    </a:lnL>
+                    <a:lnR w="12700">
+                      <a:solidFill>
+                        <a:schemeClr val="tx1"/>
+                      </a:solidFill>
+                      <a:prstDash val="solid"/>
+                    </a:lnR>
+                    <a:lnT w="12700">
+                      <a:solidFill>
+                        <a:schemeClr val="tx1"/>
+                      </a:solidFill>
+                      <a:prstDash val="solid"/>
+                    </a:lnT>
+                    <a:lnB w="12700">
+                      <a:solidFill>
+                        <a:schemeClr val="tx1"/>
+                      </a:solidFill>
+                      <a:prstDash val="solid"/>
+                    </a:lnB>
+                    <a:lnTlToBr>
+                      <a:noFill/>
+                    </a:lnTlToBr>
+                    <a:lnBlToTr>
+                      <a:noFill/>
+                    </a:lnBlToTr>
+                  </a:tcPr>
+                </a:tc>
+              </a:tr>
+            </a:tbl>
+          </a:graphicData>
+        </a:graphic>
+      </p:graphicFrame>
+      <p:graphicFrame>
+        <p:nvGraphicFramePr>
+          <p:cNvPr id="4" name="Table 3"/>
+          <p:cNvGraphicFramePr>
+            <a:graphicFrameLocks noGrp="1"/>
+          </p:cNvGraphicFramePr>
+          <p:nvPr/>
+        </p:nvGraphicFramePr>
+        <p:xfrm>
+          <a:off x="1235708" y="3438250"/>
+          <a:ext cx="9942195" cy="2296160"/>
+        </p:xfrm>
+        <a:graphic>
+          <a:graphicData uri="http://schemas.openxmlformats.org/drawingml/2006/table">
+            <a:tbl>
+              <a:tblPr firstRow="1">
+                <a:tableStyleId>{0660B408-B3CF-4A94-85FC-2B1E0A45F4A2}</a:tableStyleId>
+              </a:tblPr>
+              <a:tblGrid>
+                <a:gridCol w="4971095"/>
+                <a:gridCol w="4971095"/>
+              </a:tblGrid>
+              <a:tr h="370840">
+                <a:tc>
+                  <a:txBody>
+                    <a:bodyPr/>
+                    <a:p>
+                      <a:pPr algn="ctr"/>
+                      <a:r>
+                        <a:rPr lang="en-US" sz="1400" dirty="0">
+                          <a:latin typeface="Arial" panose="020B0604020202020204" pitchFamily="34" charset="0"/>
+                          <a:cs typeface="Arial" panose="020B0604020202020204" pitchFamily="34" charset="0"/>
+                        </a:rPr>
+                        <a:t>Điểm yếu của DNS truyền thống</a:t>
+                      </a:r>
+                      <a:endParaRPr lang="en-US" sz="1400" dirty="0">
+                        <a:latin typeface="Arial" panose="020B0604020202020204" pitchFamily="34" charset="0"/>
+                        <a:cs typeface="Arial" panose="020B0604020202020204" pitchFamily="34" charset="0"/>
+                      </a:endParaRPr>
+                    </a:p>
+                  </a:txBody>
+                  <a:tcPr>
+                    <a:lnL w="12700">
+                      <a:solidFill>
+                        <a:schemeClr val="tx1"/>
+                      </a:solidFill>
+                      <a:prstDash val="solid"/>
+                    </a:lnL>
+                    <a:lnR w="12700">
+                      <a:solidFill>
+                        <a:schemeClr val="tx1"/>
+                      </a:solidFill>
+                      <a:prstDash val="solid"/>
+                    </a:lnR>
+                    <a:lnT w="12700">
+                      <a:solidFill>
+                        <a:schemeClr val="tx1"/>
+                      </a:solidFill>
+                      <a:prstDash val="solid"/>
+                    </a:lnT>
+                    <a:lnB w="12700">
+                      <a:solidFill>
+                        <a:schemeClr val="tx1"/>
+                      </a:solidFill>
+                      <a:prstDash val="solid"/>
+                    </a:lnB>
+                  </a:tcPr>
+                </a:tc>
+                <a:tc>
+                  <a:txBody>
+                    <a:bodyPr/>
+                    <a:p>
+                      <a:pPr algn="ctr"/>
+                      <a:r>
+                        <a:rPr lang="en-US" sz="1400">
+                          <a:latin typeface="Arial" panose="020B0604020202020204" pitchFamily="34" charset="0"/>
+                          <a:cs typeface="Arial" panose="020B0604020202020204" pitchFamily="34" charset="0"/>
+                        </a:rPr>
+                        <a:t>Điểm yếu của Blockchain DNS</a:t>
+                      </a:r>
+                      <a:endParaRPr lang="en-US" sz="1400">
+                        <a:latin typeface="Arial" panose="020B0604020202020204" pitchFamily="34" charset="0"/>
+                        <a:cs typeface="Arial" panose="020B0604020202020204" pitchFamily="34" charset="0"/>
+                      </a:endParaRPr>
+                    </a:p>
+                  </a:txBody>
+                  <a:tcPr>
+                    <a:lnL w="12700">
+                      <a:solidFill>
+                        <a:schemeClr val="tx1"/>
+                      </a:solidFill>
+                      <a:prstDash val="solid"/>
+                    </a:lnL>
+                    <a:lnR w="12700">
+                      <a:solidFill>
+                        <a:schemeClr val="tx1"/>
+                      </a:solidFill>
+                      <a:prstDash val="solid"/>
+                    </a:lnR>
+                    <a:lnT w="12700">
+                      <a:solidFill>
+                        <a:schemeClr val="tx1"/>
+                      </a:solidFill>
+                      <a:prstDash val="solid"/>
+                    </a:lnT>
+                    <a:lnB w="12700">
+                      <a:solidFill>
+                        <a:schemeClr val="tx1"/>
+                      </a:solidFill>
+                      <a:prstDash val="solid"/>
+                    </a:lnB>
+                  </a:tcPr>
+                </a:tc>
+              </a:tr>
+              <a:tr h="518160">
+                <a:tc>
+                  <a:txBody>
+                    <a:bodyPr/>
+                    <a:p>
+                      <a:pPr algn="l"/>
+                      <a:r>
+                        <a:rPr lang="en-US" sz="1400">
+                          <a:latin typeface="Arial" panose="020B0604020202020204" pitchFamily="34" charset="0"/>
+                          <a:cs typeface="Arial" panose="020B0604020202020204" pitchFamily="34" charset="0"/>
+                        </a:rPr>
+                        <a:t>DNS là mục tiêu mà các hacker nhắm vào vì cơ chế hoạt động còn nhiều lỗ hổng. ( 72% theo Help Net Security </a:t>
+                      </a:r>
+                      <a:r>
+                        <a:rPr lang="en-US" sz="1400" baseline="30000">
+                          <a:solidFill>
+                            <a:schemeClr val="tx1"/>
+                          </a:solidFill>
+                          <a:uFillTx/>
+                          <a:latin typeface="Arial" panose="020B0604020202020204" pitchFamily="34" charset="0"/>
+                          <a:cs typeface="Arial" panose="020B0604020202020204" pitchFamily="34" charset="0"/>
+                          <a:sym typeface="+mn-ea"/>
+                        </a:rPr>
+                        <a:t>[2] </a:t>
+                      </a:r>
+                      <a:r>
+                        <a:rPr lang="en-US" sz="1400">
+                          <a:latin typeface="Arial" panose="020B0604020202020204" pitchFamily="34" charset="0"/>
+                          <a:cs typeface="Arial" panose="020B0604020202020204" pitchFamily="34" charset="0"/>
+                        </a:rPr>
+                        <a:t>).</a:t>
+                      </a:r>
+                      <a:endParaRPr lang="en-US" sz="1400">
+                        <a:latin typeface="Arial" panose="020B0604020202020204" pitchFamily="34" charset="0"/>
+                        <a:cs typeface="Arial" panose="020B0604020202020204" pitchFamily="34" charset="0"/>
+                      </a:endParaRPr>
+                    </a:p>
+                  </a:txBody>
+                  <a:tcPr>
+                    <a:lnL w="12700">
+                      <a:solidFill>
+                        <a:schemeClr val="tx1"/>
+                      </a:solidFill>
+                      <a:prstDash val="solid"/>
+                    </a:lnL>
+                    <a:lnR w="12700">
+                      <a:solidFill>
+                        <a:schemeClr val="tx1"/>
+                      </a:solidFill>
+                      <a:prstDash val="solid"/>
+                    </a:lnR>
+                    <a:lnT w="12700">
+                      <a:solidFill>
+                        <a:schemeClr val="tx1"/>
+                      </a:solidFill>
+                      <a:prstDash val="solid"/>
+                    </a:lnT>
+                    <a:lnB w="12700">
+                      <a:solidFill>
+                        <a:schemeClr val="tx1"/>
+                      </a:solidFill>
+                      <a:prstDash val="solid"/>
+                    </a:lnB>
+                  </a:tcPr>
+                </a:tc>
+                <a:tc>
+                  <a:txBody>
+                    <a:bodyPr/>
+                    <a:p>
+                      <a:pPr algn="l"/>
+                      <a:r>
+                        <a:rPr lang="en-US" sz="1400">
+                          <a:latin typeface="Arial" panose="020B0604020202020204" pitchFamily="34" charset="0"/>
+                          <a:cs typeface="Arial" panose="020B0604020202020204" pitchFamily="34" charset="0"/>
+                        </a:rPr>
+                        <a:t>Hệ thống vẫn tiềm ẩn khả năng bị tấn công ( nghe lén, phá hoại, </a:t>
+                      </a:r>
+                      <a:r>
+                        <a:rPr lang="en-US" sz="1400" b="1">
+                          <a:latin typeface="Arial" panose="020B0604020202020204" pitchFamily="34" charset="0"/>
+                          <a:cs typeface="Arial" panose="020B0604020202020204" pitchFamily="34" charset="0"/>
+                        </a:rPr>
+                        <a:t>tấn công 51%</a:t>
+                      </a:r>
+                      <a:r>
+                        <a:rPr lang="en-US" sz="1400">
+                          <a:latin typeface="Arial" panose="020B0604020202020204" pitchFamily="34" charset="0"/>
+                          <a:cs typeface="Arial" panose="020B0604020202020204" pitchFamily="34" charset="0"/>
+                        </a:rPr>
+                        <a:t> ... ).</a:t>
+                      </a:r>
+                      <a:endParaRPr lang="en-US" sz="1400">
+                        <a:latin typeface="Arial" panose="020B0604020202020204" pitchFamily="34" charset="0"/>
+                        <a:cs typeface="Arial" panose="020B0604020202020204" pitchFamily="34" charset="0"/>
+                      </a:endParaRPr>
+                    </a:p>
+                  </a:txBody>
+                  <a:tcPr>
+                    <a:lnL w="12700">
+                      <a:solidFill>
+                        <a:schemeClr val="tx1"/>
+                      </a:solidFill>
+                      <a:prstDash val="solid"/>
+                    </a:lnL>
+                    <a:lnR w="12700">
+                      <a:solidFill>
+                        <a:schemeClr val="tx1"/>
+                      </a:solidFill>
+                      <a:prstDash val="solid"/>
+                    </a:lnR>
+                    <a:lnT w="12700">
+                      <a:solidFill>
+                        <a:schemeClr val="tx1"/>
+                      </a:solidFill>
+                      <a:prstDash val="solid"/>
+                    </a:lnT>
+                    <a:lnB w="12700">
+                      <a:solidFill>
+                        <a:schemeClr val="tx1"/>
+                      </a:solidFill>
+                      <a:prstDash val="solid"/>
+                    </a:lnB>
+                  </a:tcPr>
+                </a:tc>
+              </a:tr>
+              <a:tr h="518160">
+                <a:tc>
+                  <a:txBody>
+                    <a:bodyPr/>
+                    <a:p>
+                      <a:pPr algn="l"/>
+                      <a:r>
+                        <a:rPr lang="en-US" sz="1400">
+                          <a:latin typeface="Arial" panose="020B0604020202020204" pitchFamily="34" charset="0"/>
+                          <a:cs typeface="Arial" panose="020B0604020202020204" pitchFamily="34" charset="0"/>
+                        </a:rPr>
+                        <a:t>Nhiều bước trung gian, người dùng có nguy cơ bị phát tán thông tin.</a:t>
+                      </a:r>
+                      <a:endParaRPr lang="en-US" sz="1400">
+                        <a:latin typeface="Arial" panose="020B0604020202020204" pitchFamily="34" charset="0"/>
+                        <a:cs typeface="Arial" panose="020B0604020202020204" pitchFamily="34" charset="0"/>
+                      </a:endParaRPr>
+                    </a:p>
+                  </a:txBody>
+                  <a:tcPr>
+                    <a:lnL w="12700">
+                      <a:solidFill>
+                        <a:schemeClr val="tx1"/>
+                      </a:solidFill>
+                      <a:prstDash val="solid"/>
+                    </a:lnL>
+                    <a:lnR w="12700">
+                      <a:solidFill>
+                        <a:schemeClr val="tx1"/>
+                      </a:solidFill>
+                      <a:prstDash val="solid"/>
+                    </a:lnR>
+                    <a:lnT w="12700">
+                      <a:solidFill>
+                        <a:schemeClr val="tx1"/>
+                      </a:solidFill>
+                      <a:prstDash val="solid"/>
+                    </a:lnT>
+                    <a:lnB w="12700">
+                      <a:solidFill>
+                        <a:schemeClr val="tx1"/>
+                      </a:solidFill>
+                      <a:prstDash val="solid"/>
+                    </a:lnB>
+                  </a:tcPr>
+                </a:tc>
+                <a:tc>
+                  <a:txBody>
+                    <a:bodyPr/>
+                    <a:p>
+                      <a:pPr algn="l"/>
+                      <a:r>
+                        <a:rPr lang="en-US" sz="1400">
+                          <a:latin typeface="Arial" panose="020B0604020202020204" pitchFamily="34" charset="0"/>
+                          <a:cs typeface="Arial" panose="020B0604020202020204" pitchFamily="34" charset="0"/>
+                        </a:rPr>
+                        <a:t>Chi phí vận hành khá cao ( chi phí về thiết bị, mạng,.. ), phát triển thêm cần nhiều thời gian để tìm hiểu cơ chế.</a:t>
+                      </a:r>
+                      <a:endParaRPr lang="en-US" sz="1400">
+                        <a:latin typeface="Arial" panose="020B0604020202020204" pitchFamily="34" charset="0"/>
+                        <a:cs typeface="Arial" panose="020B0604020202020204" pitchFamily="34" charset="0"/>
+                      </a:endParaRPr>
+                    </a:p>
+                  </a:txBody>
+                  <a:tcPr>
+                    <a:lnL w="12700">
+                      <a:solidFill>
+                        <a:schemeClr val="tx1"/>
+                      </a:solidFill>
+                      <a:prstDash val="solid"/>
+                    </a:lnL>
+                    <a:lnR w="12700">
+                      <a:solidFill>
+                        <a:schemeClr val="tx1"/>
+                      </a:solidFill>
+                      <a:prstDash val="solid"/>
+                    </a:lnR>
+                    <a:lnT w="12700">
+                      <a:solidFill>
+                        <a:schemeClr val="tx1"/>
+                      </a:solidFill>
+                      <a:prstDash val="solid"/>
+                    </a:lnT>
+                    <a:lnB w="12700">
+                      <a:solidFill>
+                        <a:schemeClr val="tx1"/>
+                      </a:solidFill>
+                      <a:prstDash val="solid"/>
+                    </a:lnB>
+                  </a:tcPr>
+                </a:tc>
+              </a:tr>
+              <a:tr h="518160">
+                <a:tc>
+                  <a:txBody>
+                    <a:bodyPr/>
+                    <a:p>
+                      <a:pPr algn="l"/>
+                      <a:r>
+                        <a:rPr lang="en-US" sz="1400">
+                          <a:latin typeface="Arial" panose="020B0604020202020204" pitchFamily="34" charset="0"/>
+                          <a:cs typeface="Arial" panose="020B0604020202020204" pitchFamily="34" charset="0"/>
+                        </a:rPr>
+                        <a:t>Root Server được nắm bởi tổ chức nên có nguy cơ bị thao túng.</a:t>
+                      </a:r>
+                      <a:endParaRPr lang="en-US" sz="1400">
+                        <a:latin typeface="Arial" panose="020B0604020202020204" pitchFamily="34" charset="0"/>
+                        <a:cs typeface="Arial" panose="020B0604020202020204" pitchFamily="34" charset="0"/>
+                      </a:endParaRPr>
+                    </a:p>
+                  </a:txBody>
+                  <a:tcPr>
+                    <a:lnL w="12700">
+                      <a:solidFill>
+                        <a:schemeClr val="tx1"/>
+                      </a:solidFill>
+                      <a:prstDash val="solid"/>
+                    </a:lnL>
+                    <a:lnR w="12700">
+                      <a:solidFill>
+                        <a:schemeClr val="tx1"/>
+                      </a:solidFill>
+                      <a:prstDash val="solid"/>
+                    </a:lnR>
+                    <a:lnT w="12700">
+                      <a:solidFill>
+                        <a:schemeClr val="tx1"/>
+                      </a:solidFill>
+                      <a:prstDash val="solid"/>
+                    </a:lnT>
+                    <a:lnB w="12700">
+                      <a:solidFill>
+                        <a:schemeClr val="tx1"/>
+                      </a:solidFill>
+                      <a:prstDash val="solid"/>
+                    </a:lnB>
+                  </a:tcPr>
+                </a:tc>
+                <a:tc>
+                  <a:txBody>
+                    <a:bodyPr/>
+                    <a:p>
+                      <a:pPr algn="l"/>
+                      <a:r>
+                        <a:rPr lang="en-US" sz="1400">
+                          <a:latin typeface="Arial" panose="020B0604020202020204" pitchFamily="34" charset="0"/>
+                          <a:cs typeface="Arial" panose="020B0604020202020204" pitchFamily="34" charset="0"/>
+                        </a:rPr>
+                        <a:t>Tùy theo quy mô mạng càng lớn, thời gian cập nhật giữa các node ( máy chủ ) trong mạng càng lâu.</a:t>
+                      </a:r>
+                      <a:endParaRPr lang="en-US" sz="1400">
+                        <a:latin typeface="Arial" panose="020B0604020202020204" pitchFamily="34" charset="0"/>
+                        <a:cs typeface="Arial" panose="020B0604020202020204" pitchFamily="34" charset="0"/>
+                      </a:endParaRPr>
+                    </a:p>
+                  </a:txBody>
+                  <a:tcPr>
+                    <a:lnL w="12700">
+                      <a:solidFill>
+                        <a:schemeClr val="tx1"/>
+                      </a:solidFill>
+                      <a:prstDash val="solid"/>
+                    </a:lnL>
+                    <a:lnR w="12700">
+                      <a:solidFill>
+                        <a:schemeClr val="tx1"/>
+                      </a:solidFill>
+                      <a:prstDash val="solid"/>
+                    </a:lnR>
+                    <a:lnT w="12700">
+                      <a:solidFill>
+                        <a:schemeClr val="tx1"/>
+                      </a:solidFill>
+                      <a:prstDash val="solid"/>
+                    </a:lnT>
+                    <a:lnB w="12700">
+                      <a:solidFill>
+                        <a:schemeClr val="tx1"/>
+                      </a:solidFill>
+                      <a:prstDash val="solid"/>
+                    </a:lnB>
+                  </a:tcPr>
+                </a:tc>
+              </a:tr>
+              <a:tr h="370840">
+                <a:tc>
+                  <a:txBody>
+                    <a:bodyPr/>
+                    <a:p>
+                      <a:pPr algn="l">
+                        <a:buNone/>
+                      </a:pPr>
+                      <a:r>
+                        <a:rPr lang="en-US" sz="1400">
+                          <a:latin typeface="Arial" panose="020B0604020202020204" pitchFamily="34" charset="0"/>
+                          <a:cs typeface="Arial" panose="020B0604020202020204" pitchFamily="34" charset="0"/>
+                        </a:rPr>
+                        <a:t>Nếu có lỗi dữ liệu trong hệ thống thì khó tìm ra và cần phải nhờ chuyên gia.</a:t>
+                      </a:r>
+                      <a:endParaRPr lang="en-US" sz="1400">
+                        <a:latin typeface="Arial" panose="020B0604020202020204" pitchFamily="34" charset="0"/>
+                        <a:cs typeface="Arial" panose="020B0604020202020204" pitchFamily="34" charset="0"/>
+                      </a:endParaRPr>
+                    </a:p>
+                  </a:txBody>
+                  <a:tcPr>
+                    <a:lnL w="12700">
+                      <a:solidFill>
+                        <a:schemeClr val="tx1"/>
+                      </a:solidFill>
+                      <a:prstDash val="solid"/>
+                    </a:lnL>
+                    <a:lnR w="12700">
+                      <a:solidFill>
+                        <a:schemeClr val="tx1"/>
+                      </a:solidFill>
+                      <a:prstDash val="solid"/>
+                    </a:lnR>
+                    <a:lnT w="12700">
+                      <a:solidFill>
+                        <a:schemeClr val="tx1"/>
+                      </a:solidFill>
+                      <a:prstDash val="solid"/>
+                    </a:lnT>
+                    <a:lnB w="12700">
+                      <a:solidFill>
+                        <a:schemeClr val="tx1"/>
+                      </a:solidFill>
+                      <a:prstDash val="solid"/>
+                    </a:lnB>
+                  </a:tcPr>
+                </a:tc>
+                <a:tc>
+                  <a:txBody>
+                    <a:bodyPr/>
+                    <a:p>
+                      <a:pPr algn="l">
+                        <a:buNone/>
+                      </a:pPr>
+                      <a:r>
+                        <a:rPr lang="en-US" sz="1400">
+                          <a:latin typeface="Arial" panose="020B0604020202020204" pitchFamily="34" charset="0"/>
+                          <a:cs typeface="Arial" panose="020B0604020202020204" pitchFamily="34" charset="0"/>
+                        </a:rPr>
+                        <a:t>Không thể lấy lại password được vì password không bao giờ được chia sẻ lên mạng phi tập trung.</a:t>
+                      </a:r>
+                      <a:endParaRPr lang="en-US" sz="1400">
+                        <a:latin typeface="Arial" panose="020B0604020202020204" pitchFamily="34" charset="0"/>
+                        <a:cs typeface="Arial" panose="020B0604020202020204" pitchFamily="34" charset="0"/>
+                      </a:endParaRPr>
+                    </a:p>
+                  </a:txBody>
+                  <a:tcPr>
+                    <a:lnL w="12700">
+                      <a:solidFill>
+                        <a:schemeClr val="tx1"/>
+                      </a:solidFill>
+                      <a:prstDash val="solid"/>
+                    </a:lnL>
+                    <a:lnR w="12700">
+                      <a:solidFill>
+                        <a:schemeClr val="tx1"/>
+                      </a:solidFill>
+                      <a:prstDash val="solid"/>
+                    </a:lnR>
+                    <a:lnT w="12700">
+                      <a:solidFill>
+                        <a:schemeClr val="tx1"/>
+                      </a:solidFill>
+                      <a:prstDash val="solid"/>
+                    </a:lnT>
+                    <a:lnB w="12700">
+                      <a:solidFill>
+                        <a:schemeClr val="tx1"/>
+                      </a:solidFill>
+                      <a:prstDash val="solid"/>
+                    </a:lnB>
+                  </a:tcPr>
+                </a:tc>
+              </a:tr>
+            </a:tbl>
+          </a:graphicData>
+        </a:graphic>
+      </p:graphicFrame>
       <p:sp>
         <p:nvSpPr>
-          <p:cNvPr id="4" name="Text Box 3"/>
+          <p:cNvPr id="5" name="Text Box 4"/>
           <p:cNvSpPr txBox="1"/>
           <p:nvPr/>
         </p:nvSpPr>
         <p:spPr>
           <a:xfrm>
-            <a:off x="1235710" y="1652905"/>
-            <a:ext cx="10076180" cy="2030095"/>
+            <a:off x="5532755" y="6272530"/>
+            <a:ext cx="5778500" cy="429895"/>
           </a:xfrm>
           <a:prstGeom prst="rect">
             <a:avLst/>
@@ -22118,98 +22183,54 @@
           <a:noFill/>
         </p:spPr>
         <p:txBody>
-          <a:bodyPr wrap="square" rtlCol="0">
+          <a:bodyPr wrap="none" rtlCol="0">
             <a:spAutoFit/>
           </a:bodyPr>
-          <a:lstStyle/>
-          <a:p>
-            <a:pPr algn="l">
-              <a:lnSpc>
-                <a:spcPct val="150000"/>
-              </a:lnSpc>
-            </a:pPr>
-            <a:r>
-              <a:rPr lang="en-US" sz="1400" dirty="0" smtClean="0">
+          <a:p>
+            <a:pPr algn="l"/>
+            <a:r>
+              <a:rPr lang="en-US" sz="1100" baseline="30000">
+                <a:solidFill>
+                  <a:schemeClr val="tx1"/>
+                </a:solidFill>
+                <a:uFillTx/>
+                <a:latin typeface="Arial" panose="020B0604020202020204" pitchFamily="34" charset="0"/>
+                <a:cs typeface="Arial" panose="020B0604020202020204" pitchFamily="34" charset="0"/>
+              </a:rPr>
+              <a:t>[1]</a:t>
+            </a:r>
+            <a:r>
+              <a:rPr lang="en-US" sz="1100">
+                <a:latin typeface="Arial" panose="020B0604020202020204" pitchFamily="34" charset="0"/>
+                <a:cs typeface="Arial" panose="020B0604020202020204" pitchFamily="34" charset="0"/>
+              </a:rPr>
+              <a:t>: Internet Corporation for Assigned Names and Numbers ( Tập đoàn cấp tên miền và số )</a:t>
+            </a:r>
+            <a:endParaRPr lang="en-US" sz="1100">
+              <a:latin typeface="Arial" panose="020B0604020202020204" pitchFamily="34" charset="0"/>
+              <a:cs typeface="Arial" panose="020B0604020202020204" pitchFamily="34" charset="0"/>
+            </a:endParaRPr>
+          </a:p>
+          <a:p>
+            <a:pPr algn="r"/>
+            <a:r>
+              <a:rPr lang="en-US" sz="1100" baseline="30000">
+                <a:uFillTx/>
                 <a:latin typeface="Arial" panose="020B0604020202020204" pitchFamily="34" charset="0"/>
                 <a:cs typeface="Arial" panose="020B0604020202020204" pitchFamily="34" charset="0"/>
                 <a:sym typeface="+mn-ea"/>
               </a:rPr>
-              <a:t>DNS phụ thuộc vào sự kiểm soát của nhiều tổ chức nên người dùng có thể bị giới hạn quyền hạn do tổ chức đó quy định.</a:t>
-            </a:r>
-          </a:p>
-          <a:p>
-            <a:pPr algn="l">
-              <a:lnSpc>
-                <a:spcPct val="150000"/>
-              </a:lnSpc>
-            </a:pPr>
-            <a:r>
-              <a:rPr lang="en-US" sz="1400" dirty="0" smtClean="0">
+              <a:t>[2]</a:t>
+            </a:r>
+            <a:r>
+              <a:rPr lang="en-US" sz="1100">
                 <a:latin typeface="Arial" panose="020B0604020202020204" pitchFamily="34" charset="0"/>
                 <a:cs typeface="Arial" panose="020B0604020202020204" pitchFamily="34" charset="0"/>
                 <a:sym typeface="+mn-ea"/>
               </a:rPr>
-              <a:t>Nhiều hacker nhắm vào DNS nên vấn đề bảo mật phải đáp ứng với công nghệ hiện tại.</a:t>
-            </a:r>
-          </a:p>
-          <a:p>
-            <a:pPr algn="l">
-              <a:lnSpc>
-                <a:spcPct val="150000"/>
-              </a:lnSpc>
-            </a:pPr>
-            <a:r>
-              <a:rPr lang="en-US" sz="1400" dirty="0" smtClean="0">
-                <a:latin typeface="Arial" panose="020B0604020202020204" pitchFamily="34" charset="0"/>
-                <a:cs typeface="Arial" panose="020B0604020202020204" pitchFamily="34" charset="0"/>
-                <a:sym typeface="+mn-ea"/>
-              </a:rPr>
-              <a:t>DNS queries thường không mang bất kì thông tin về client khởi tạo nó.</a:t>
-            </a:r>
-          </a:p>
-          <a:p>
-            <a:pPr algn="l">
-              <a:lnSpc>
-                <a:spcPct val="150000"/>
-              </a:lnSpc>
-            </a:pPr>
-            <a:r>
-              <a:rPr lang="en-US" sz="1400" dirty="0" smtClean="0">
-                <a:latin typeface="Arial" panose="020B0604020202020204" pitchFamily="34" charset="0"/>
-                <a:cs typeface="Arial" panose="020B0604020202020204" pitchFamily="34" charset="0"/>
-                <a:sym typeface="+mn-ea"/>
-              </a:rPr>
-              <a:t>Root Server tự chủ nhưng muốn cập nhật phải được chấp thuận bởi tổ chức phi lợi nhuận ICANN - </a:t>
-            </a:r>
-            <a:r>
-              <a:rPr lang="en-US" sz="1400" dirty="0">
-                <a:latin typeface="Arial" panose="020B0604020202020204" pitchFamily="34" charset="0"/>
-                <a:cs typeface="Arial" panose="020B0604020202020204" pitchFamily="34" charset="0"/>
-              </a:rPr>
-              <a:t>Internet Corporation for Assigned Names and </a:t>
-            </a:r>
-            <a:r>
-              <a:rPr lang="en-US" sz="1400" dirty="0" smtClean="0">
-                <a:latin typeface="Arial" panose="020B0604020202020204" pitchFamily="34" charset="0"/>
-                <a:cs typeface="Arial" panose="020B0604020202020204" pitchFamily="34" charset="0"/>
-              </a:rPr>
-              <a:t>Numbers, thông qua nhiều bước nhiều thủ tục và chịu nhiều mức phí.</a:t>
-            </a:r>
-          </a:p>
-          <a:p>
-            <a:pPr>
-              <a:lnSpc>
-                <a:spcPct val="150000"/>
-              </a:lnSpc>
-            </a:pPr>
-            <a:r>
-              <a:rPr lang="en-US" sz="1400" dirty="0" smtClean="0">
-                <a:latin typeface="Arial" panose="020B0604020202020204" pitchFamily="34" charset="0"/>
-                <a:cs typeface="Arial" panose="020B0604020202020204" pitchFamily="34" charset="0"/>
-              </a:rPr>
-              <a:t>Khi một Root Server hư hại, kĩ thuật anycast sẽ được áp dụng để duy trì kết nối nhưng sẽ ảnh hưởng đến quyền lợi truy cập.</a:t>
-            </a:r>
-            <a:endParaRPr lang="en-US" sz="1400" dirty="0">
+              <a:t>: https://www.helpnetsecurity.com/2021/10/26/organizations-dns-attacks/</a:t>
+            </a:r>
+            <a:endParaRPr lang="en-US" sz="1100">
               <a:latin typeface="Arial" panose="020B0604020202020204" pitchFamily="34" charset="0"/>
               <a:cs typeface="Arial" panose="020B0604020202020204" pitchFamily="34" charset="0"/>
             </a:endParaRPr>
@@ -22218,14 +22239,14 @@
       </p:sp>
       <p:sp>
         <p:nvSpPr>
-          <p:cNvPr id="8" name="Text Box 7"/>
+          <p:cNvPr id="10" name="Text Box 9"/>
           <p:cNvSpPr txBox="1"/>
           <p:nvPr/>
         </p:nvSpPr>
         <p:spPr>
           <a:xfrm>
-            <a:off x="1235710" y="1118829"/>
-            <a:ext cx="9433560" cy="534035"/>
+            <a:off x="997585" y="6442075"/>
+            <a:ext cx="4675505" cy="260350"/>
           </a:xfrm>
           <a:prstGeom prst="rect">
             <a:avLst/>
@@ -22233,167 +22254,21 @@
           <a:noFill/>
         </p:spPr>
         <p:txBody>
-          <a:bodyPr wrap="square" rtlCol="0">
+          <a:bodyPr wrap="square" rtlCol="0" anchor="t">
             <a:spAutoFit/>
           </a:bodyPr>
-          <a:lstStyle/>
-          <a:p>
-            <a:pPr algn="l" fontAlgn="auto">
-              <a:lnSpc>
-                <a:spcPct val="120000"/>
-              </a:lnSpc>
-              <a:spcBef>
-                <a:spcPts val="0"/>
-              </a:spcBef>
-              <a:buClrTx/>
-              <a:buSzTx/>
-              <a:buFontTx/>
-            </a:pPr>
-            <a:r>
-              <a:rPr lang="en-US" sz="2400" b="1" dirty="0" smtClean="0">
-                <a:solidFill>
-                  <a:schemeClr val="accent2">
-                    <a:lumMod val="50000"/>
-                  </a:schemeClr>
-                </a:solidFill>
-                <a:latin typeface="Arial" panose="020B0604020202020204" pitchFamily="34" charset="0"/>
-                <a:ea typeface="Roboto" panose="02000000000000000000" pitchFamily="2" charset="0"/>
-                <a:cs typeface="Arial" panose="020B0604020202020204" pitchFamily="34" charset="0"/>
-              </a:rPr>
-              <a:t>Những vấn đề tồn tại ở hệ thống DNS hiện tại</a:t>
-            </a:r>
-          </a:p>
-        </p:txBody>
-      </p:sp>
-      <p:sp>
-        <p:nvSpPr>
-          <p:cNvPr id="9" name="Text Box 7"/>
-          <p:cNvSpPr txBox="1"/>
-          <p:nvPr/>
-        </p:nvSpPr>
-        <p:spPr>
-          <a:xfrm>
-            <a:off x="1235710" y="3813600"/>
-            <a:ext cx="9433560" cy="494751"/>
-          </a:xfrm>
-          <a:prstGeom prst="rect">
-            <a:avLst/>
-          </a:prstGeom>
-          <a:noFill/>
-        </p:spPr>
-        <p:txBody>
-          <a:bodyPr wrap="square" rtlCol="0">
-            <a:spAutoFit/>
-          </a:bodyPr>
-          <a:lstStyle/>
-          <a:p>
-            <a:pPr algn="l" fontAlgn="auto">
-              <a:lnSpc>
-                <a:spcPct val="120000"/>
-              </a:lnSpc>
-              <a:spcBef>
-                <a:spcPts val="0"/>
-              </a:spcBef>
-              <a:buClrTx/>
-              <a:buSzTx/>
-              <a:buFontTx/>
-            </a:pPr>
-            <a:r>
-              <a:rPr lang="en-US" sz="2400" b="1" dirty="0" smtClean="0">
-                <a:solidFill>
-                  <a:schemeClr val="accent2">
-                    <a:lumMod val="50000"/>
-                  </a:schemeClr>
-                </a:solidFill>
-                <a:latin typeface="Arial" panose="020B0604020202020204" pitchFamily="34" charset="0"/>
-                <a:ea typeface="Roboto" panose="02000000000000000000" pitchFamily="2" charset="0"/>
-                <a:cs typeface="Arial" panose="020B0604020202020204" pitchFamily="34" charset="0"/>
-              </a:rPr>
-              <a:t>Blockchain có những đặc điểm giải quyết được vấn đề trên</a:t>
-            </a:r>
-          </a:p>
-        </p:txBody>
-      </p:sp>
-      <p:sp>
-        <p:nvSpPr>
-          <p:cNvPr id="10" name="Text Box 3"/>
-          <p:cNvSpPr txBox="1"/>
-          <p:nvPr/>
-        </p:nvSpPr>
-        <p:spPr>
-          <a:xfrm>
-            <a:off x="1235710" y="4300220"/>
-            <a:ext cx="10074910" cy="1706880"/>
-          </a:xfrm>
-          <a:prstGeom prst="rect">
-            <a:avLst/>
-          </a:prstGeom>
-          <a:noFill/>
-        </p:spPr>
-        <p:txBody>
-          <a:bodyPr wrap="square" rtlCol="0">
-            <a:spAutoFit/>
-          </a:bodyPr>
-          <a:lstStyle/>
-          <a:p>
-            <a:pPr algn="l">
-              <a:lnSpc>
-                <a:spcPct val="150000"/>
-              </a:lnSpc>
-            </a:pPr>
-            <a:r>
-              <a:rPr lang="en-US" sz="1400" dirty="0" smtClean="0">
-                <a:latin typeface="Arial" panose="020B0604020202020204" pitchFamily="34" charset="0"/>
-                <a:cs typeface="Arial" panose="020B0604020202020204" pitchFamily="34" charset="0"/>
-                <a:sym typeface="+mn-ea"/>
-              </a:rPr>
-              <a:t>Trong Blockchain dữ liệu được lưu trữ dưới dạng transaction và block nên việc biết được chi tiết thông tin gửi đi rất đơn giản.</a:t>
-            </a:r>
-          </a:p>
-          <a:p>
-            <a:pPr algn="l">
-              <a:lnSpc>
-                <a:spcPct val="150000"/>
-              </a:lnSpc>
-            </a:pPr>
-            <a:r>
-              <a:rPr lang="en-US" sz="1400" dirty="0" smtClean="0">
-                <a:latin typeface="Arial" panose="020B0604020202020204" pitchFamily="34" charset="0"/>
-                <a:cs typeface="Arial" panose="020B0604020202020204" pitchFamily="34" charset="0"/>
-                <a:sym typeface="+mn-ea"/>
-              </a:rPr>
-              <a:t>Blockchain có tính chất của mạng ngang hàng giúp lưu trữ và cập nhật ngay lập tức khi có thay đổi hợp lệ.</a:t>
-            </a:r>
-          </a:p>
-          <a:p>
-            <a:pPr algn="l">
-              <a:lnSpc>
-                <a:spcPct val="150000"/>
-              </a:lnSpc>
-            </a:pPr>
-            <a:r>
-              <a:rPr lang="en-US" sz="1400" dirty="0" smtClean="0">
-                <a:latin typeface="Arial" panose="020B0604020202020204" pitchFamily="34" charset="0"/>
-                <a:cs typeface="Arial" panose="020B0604020202020204" pitchFamily="34" charset="0"/>
-                <a:sym typeface="+mn-ea"/>
-              </a:rPr>
-              <a:t>Blockchain gần như ít cần sự can thiệp của con người, không cần phí trung gian, hạn chế các thủ tục nhưng vẫn đảm bảo hoạt động an toàn và ổn định.</a:t>
-            </a:r>
-          </a:p>
-          <a:p>
-            <a:pPr algn="l">
-              <a:lnSpc>
-                <a:spcPct val="150000"/>
-              </a:lnSpc>
-            </a:pPr>
-            <a:r>
-              <a:rPr lang="en-US" sz="1400" dirty="0" smtClean="0">
-                <a:latin typeface="Arial" panose="020B0604020202020204" pitchFamily="34" charset="0"/>
-                <a:cs typeface="Arial" panose="020B0604020202020204" pitchFamily="34" charset="0"/>
-                <a:sym typeface="+mn-ea"/>
-              </a:rPr>
-              <a:t>Blockchain cho người dùng quan sát các giao dịch xảy ra mà không cần nắm giữ quyền trong blockchain.</a:t>
-            </a:r>
+          <a:p>
+            <a:r>
+              <a:rPr lang="en-US" sz="1100">
+                <a:latin typeface="Arial" panose="020B0604020202020204" pitchFamily="34" charset="0"/>
+                <a:cs typeface="Arial" panose="020B0604020202020204" pitchFamily="34" charset="0"/>
+              </a:rPr>
+              <a:t>https://101blockchains.com/disadvantages-of-blockchain/</a:t>
+            </a:r>
+            <a:endParaRPr lang="en-US" sz="1100">
+              <a:latin typeface="Arial" panose="020B0604020202020204" pitchFamily="34" charset="0"/>
+              <a:cs typeface="Arial" panose="020B0604020202020204" pitchFamily="34" charset="0"/>
+            </a:endParaRPr>
           </a:p>
         </p:txBody>
       </p:sp>
@@ -22552,741 +22427,6 @@
       </p:grpSpPr>
       <p:sp>
         <p:nvSpPr>
-          <p:cNvPr id="2" name="Title 1"/>
-          <p:cNvSpPr>
-            <a:spLocks noGrp="1"/>
-          </p:cNvSpPr>
-          <p:nvPr>
-            <p:ph type="title"/>
-          </p:nvPr>
-        </p:nvSpPr>
-        <p:spPr>
-          <a:xfrm>
-            <a:off x="923290" y="283616"/>
-            <a:ext cx="10058400" cy="677418"/>
-          </a:xfrm>
-        </p:spPr>
-        <p:txBody>
-          <a:bodyPr>
-            <a:normAutofit/>
-          </a:bodyPr>
-          <a:lstStyle/>
-          <a:p>
-            <a:r>
-              <a:rPr lang="en-US" sz="4000" b="1" spc="50" dirty="0" smtClean="0">
-                <a:latin typeface="Times New Roman" panose="02020603050405020304" pitchFamily="18" charset="0"/>
-                <a:cs typeface="Times New Roman" panose="02020603050405020304" pitchFamily="18" charset="0"/>
-              </a:rPr>
-              <a:t>TẠI SAO LÀ BLOCKCHAIN DNS ?</a:t>
-            </a:r>
-            <a:endParaRPr lang="en-US" sz="4000" b="1" spc="50" dirty="0">
-              <a:latin typeface="Times New Roman" panose="02020603050405020304" pitchFamily="18" charset="0"/>
-              <a:cs typeface="Times New Roman" panose="02020603050405020304" pitchFamily="18" charset="0"/>
-            </a:endParaRPr>
-          </a:p>
-        </p:txBody>
-      </p:sp>
-      <p:sp>
-        <p:nvSpPr>
-          <p:cNvPr id="6" name="Slide Number Placeholder 5"/>
-          <p:cNvSpPr>
-            <a:spLocks noGrp="1"/>
-          </p:cNvSpPr>
-          <p:nvPr>
-            <p:ph type="sldNum" sz="quarter" idx="12"/>
-          </p:nvPr>
-        </p:nvSpPr>
-        <p:spPr/>
-        <p:txBody>
-          <a:bodyPr/>
-          <a:lstStyle/>
-          <a:p>
-            <a:r>
-              <a:rPr lang="en-US" dirty="0" smtClean="0"/>
-              <a:t>2</a:t>
-            </a:r>
-            <a:endParaRPr lang="en-US" dirty="0"/>
-          </a:p>
-        </p:txBody>
-      </p:sp>
-      <p:sp>
-        <p:nvSpPr>
-          <p:cNvPr id="7" name="Rectangle 6"/>
-          <p:cNvSpPr/>
-          <p:nvPr/>
-        </p:nvSpPr>
-        <p:spPr>
-          <a:xfrm>
-            <a:off x="0" y="0"/>
-            <a:ext cx="427839" cy="6858000"/>
-          </a:xfrm>
-          <a:prstGeom prst="rect">
-            <a:avLst/>
-          </a:prstGeom>
-          <a:solidFill>
-            <a:srgbClr val="CE2127"/>
-          </a:solidFill>
-        </p:spPr>
-        <p:style>
-          <a:lnRef idx="2">
-            <a:schemeClr val="accent1">
-              <a:shade val="50000"/>
-            </a:schemeClr>
-          </a:lnRef>
-          <a:fillRef idx="1">
-            <a:schemeClr val="accent1"/>
-          </a:fillRef>
-          <a:effectRef idx="0">
-            <a:schemeClr val="accent1"/>
-          </a:effectRef>
-          <a:fontRef idx="minor">
-            <a:schemeClr val="lt1"/>
-          </a:fontRef>
-        </p:style>
-        <p:txBody>
-          <a:bodyPr rtlCol="0" anchor="ctr"/>
-          <a:lstStyle/>
-          <a:p>
-            <a:pPr algn="ctr"/>
-            <a:endParaRPr lang="en-US">
-              <a:solidFill>
-                <a:srgbClr val="FF0000"/>
-              </a:solidFill>
-            </a:endParaRPr>
-          </a:p>
-        </p:txBody>
-      </p:sp>
-      <p:sp>
-        <p:nvSpPr>
-          <p:cNvPr id="8" name="Text Box 7"/>
-          <p:cNvSpPr txBox="1"/>
-          <p:nvPr/>
-        </p:nvSpPr>
-        <p:spPr>
-          <a:xfrm>
-            <a:off x="1235710" y="1118829"/>
-            <a:ext cx="9433560" cy="494751"/>
-          </a:xfrm>
-          <a:prstGeom prst="rect">
-            <a:avLst/>
-          </a:prstGeom>
-          <a:noFill/>
-        </p:spPr>
-        <p:txBody>
-          <a:bodyPr wrap="square" rtlCol="0">
-            <a:spAutoFit/>
-          </a:bodyPr>
-          <a:lstStyle/>
-          <a:p>
-            <a:pPr algn="l" fontAlgn="auto">
-              <a:lnSpc>
-                <a:spcPct val="120000"/>
-              </a:lnSpc>
-              <a:spcBef>
-                <a:spcPts val="0"/>
-              </a:spcBef>
-              <a:buClrTx/>
-              <a:buSzTx/>
-              <a:buFontTx/>
-            </a:pPr>
-            <a:r>
-              <a:rPr lang="en-US" sz="2400" b="1" dirty="0" smtClean="0">
-                <a:solidFill>
-                  <a:schemeClr val="accent2">
-                    <a:lumMod val="50000"/>
-                  </a:schemeClr>
-                </a:solidFill>
-                <a:latin typeface="Arial" panose="020B0604020202020204" pitchFamily="34" charset="0"/>
-                <a:ea typeface="Roboto" panose="02000000000000000000" pitchFamily="2" charset="0"/>
-                <a:cs typeface="Arial" panose="020B0604020202020204" pitchFamily="34" charset="0"/>
-              </a:rPr>
-              <a:t>Điểm mạnh và điểm yếu của hai hệ thống</a:t>
-            </a:r>
-            <a:endParaRPr lang="en-US" sz="2400" b="1" dirty="0" smtClean="0">
-              <a:solidFill>
-                <a:schemeClr val="accent2">
-                  <a:lumMod val="50000"/>
-                </a:schemeClr>
-              </a:solidFill>
-              <a:latin typeface="Arial" panose="020B0604020202020204" pitchFamily="34" charset="0"/>
-              <a:ea typeface="Roboto" panose="02000000000000000000" pitchFamily="2" charset="0"/>
-              <a:cs typeface="Arial" panose="020B0604020202020204" pitchFamily="34" charset="0"/>
-            </a:endParaRPr>
-          </a:p>
-        </p:txBody>
-      </p:sp>
-      <p:graphicFrame>
-        <p:nvGraphicFramePr>
-          <p:cNvPr id="3" name="Table 2"/>
-          <p:cNvGraphicFramePr>
-            <a:graphicFrameLocks noGrp="1"/>
-          </p:cNvGraphicFramePr>
-          <p:nvPr>
-            <p:extLst>
-              <p:ext uri="{D42A27DB-BD31-4B8C-83A1-F6EECF244321}">
-                <p14:modId xmlns:p14="http://schemas.microsoft.com/office/powerpoint/2010/main" val="3732461967"/>
-              </p:ext>
-            </p:extLst>
-          </p:nvPr>
-        </p:nvGraphicFramePr>
-        <p:xfrm>
-          <a:off x="1235708" y="1771375"/>
-          <a:ext cx="9942190" cy="2225040"/>
-        </p:xfrm>
-        <a:graphic>
-          <a:graphicData uri="http://schemas.openxmlformats.org/drawingml/2006/table">
-            <a:tbl>
-              <a:tblPr firstRow="1" bandRow="1">
-                <a:tableStyleId>{5C22544A-7EE6-4342-B048-85BDC9FD1C3A}</a:tableStyleId>
-              </a:tblPr>
-              <a:tblGrid>
-                <a:gridCol w="4971095">
-                  <a:extLst>
-                    <a:ext uri="{9D8B030D-6E8A-4147-A177-3AD203B41FA5}">
-                      <a16:colId xmlns:a16="http://schemas.microsoft.com/office/drawing/2014/main" val="2368906484"/>
-                    </a:ext>
-                  </a:extLst>
-                </a:gridCol>
-                <a:gridCol w="4971095">
-                  <a:extLst>
-                    <a:ext uri="{9D8B030D-6E8A-4147-A177-3AD203B41FA5}">
-                      <a16:colId xmlns:a16="http://schemas.microsoft.com/office/drawing/2014/main" val="1134031330"/>
-                    </a:ext>
-                  </a:extLst>
-                </a:gridCol>
-              </a:tblGrid>
-              <a:tr h="370840">
-                <a:tc>
-                  <a:txBody>
-                    <a:bodyPr/>
-                    <a:lstStyle/>
-                    <a:p>
-                      <a:endParaRPr lang="en-US" dirty="0"/>
-                    </a:p>
-                  </a:txBody>
-                  <a:tcPr/>
-                </a:tc>
-                <a:tc>
-                  <a:txBody>
-                    <a:bodyPr/>
-                    <a:lstStyle/>
-                    <a:p>
-                      <a:endParaRPr lang="en-US"/>
-                    </a:p>
-                  </a:txBody>
-                  <a:tcPr/>
-                </a:tc>
-                <a:extLst>
-                  <a:ext uri="{0D108BD9-81ED-4DB2-BD59-A6C34878D82A}">
-                    <a16:rowId xmlns:a16="http://schemas.microsoft.com/office/drawing/2014/main" val="650878333"/>
-                  </a:ext>
-                </a:extLst>
-              </a:tr>
-              <a:tr h="370840">
-                <a:tc>
-                  <a:txBody>
-                    <a:bodyPr/>
-                    <a:lstStyle/>
-                    <a:p>
-                      <a:endParaRPr lang="en-US" dirty="0"/>
-                    </a:p>
-                  </a:txBody>
-                  <a:tcPr/>
-                </a:tc>
-                <a:tc>
-                  <a:txBody>
-                    <a:bodyPr/>
-                    <a:lstStyle/>
-                    <a:p>
-                      <a:endParaRPr lang="en-US"/>
-                    </a:p>
-                  </a:txBody>
-                  <a:tcPr/>
-                </a:tc>
-                <a:extLst>
-                  <a:ext uri="{0D108BD9-81ED-4DB2-BD59-A6C34878D82A}">
-                    <a16:rowId xmlns:a16="http://schemas.microsoft.com/office/drawing/2014/main" val="4259471897"/>
-                  </a:ext>
-                </a:extLst>
-              </a:tr>
-              <a:tr h="370840">
-                <a:tc>
-                  <a:txBody>
-                    <a:bodyPr/>
-                    <a:lstStyle/>
-                    <a:p>
-                      <a:endParaRPr lang="en-US"/>
-                    </a:p>
-                  </a:txBody>
-                  <a:tcPr/>
-                </a:tc>
-                <a:tc>
-                  <a:txBody>
-                    <a:bodyPr/>
-                    <a:lstStyle/>
-                    <a:p>
-                      <a:endParaRPr lang="en-US"/>
-                    </a:p>
-                  </a:txBody>
-                  <a:tcPr/>
-                </a:tc>
-                <a:extLst>
-                  <a:ext uri="{0D108BD9-81ED-4DB2-BD59-A6C34878D82A}">
-                    <a16:rowId xmlns:a16="http://schemas.microsoft.com/office/drawing/2014/main" val="2967965510"/>
-                  </a:ext>
-                </a:extLst>
-              </a:tr>
-              <a:tr h="370840">
-                <a:tc>
-                  <a:txBody>
-                    <a:bodyPr/>
-                    <a:lstStyle/>
-                    <a:p>
-                      <a:endParaRPr lang="en-US"/>
-                    </a:p>
-                  </a:txBody>
-                  <a:tcPr/>
-                </a:tc>
-                <a:tc>
-                  <a:txBody>
-                    <a:bodyPr/>
-                    <a:lstStyle/>
-                    <a:p>
-                      <a:endParaRPr lang="en-US"/>
-                    </a:p>
-                  </a:txBody>
-                  <a:tcPr/>
-                </a:tc>
-                <a:extLst>
-                  <a:ext uri="{0D108BD9-81ED-4DB2-BD59-A6C34878D82A}">
-                    <a16:rowId xmlns:a16="http://schemas.microsoft.com/office/drawing/2014/main" val="2845317717"/>
-                  </a:ext>
-                </a:extLst>
-              </a:tr>
-              <a:tr h="370840">
-                <a:tc>
-                  <a:txBody>
-                    <a:bodyPr/>
-                    <a:lstStyle/>
-                    <a:p>
-                      <a:endParaRPr lang="en-US"/>
-                    </a:p>
-                  </a:txBody>
-                  <a:tcPr/>
-                </a:tc>
-                <a:tc>
-                  <a:txBody>
-                    <a:bodyPr/>
-                    <a:lstStyle/>
-                    <a:p>
-                      <a:endParaRPr lang="en-US"/>
-                    </a:p>
-                  </a:txBody>
-                  <a:tcPr/>
-                </a:tc>
-                <a:extLst>
-                  <a:ext uri="{0D108BD9-81ED-4DB2-BD59-A6C34878D82A}">
-                    <a16:rowId xmlns:a16="http://schemas.microsoft.com/office/drawing/2014/main" val="2589628938"/>
-                  </a:ext>
-                </a:extLst>
-              </a:tr>
-              <a:tr h="370840">
-                <a:tc>
-                  <a:txBody>
-                    <a:bodyPr/>
-                    <a:lstStyle/>
-                    <a:p>
-                      <a:endParaRPr lang="en-US"/>
-                    </a:p>
-                  </a:txBody>
-                  <a:tcPr/>
-                </a:tc>
-                <a:tc>
-                  <a:txBody>
-                    <a:bodyPr/>
-                    <a:lstStyle/>
-                    <a:p>
-                      <a:endParaRPr lang="en-US" dirty="0"/>
-                    </a:p>
-                  </a:txBody>
-                  <a:tcPr/>
-                </a:tc>
-                <a:extLst>
-                  <a:ext uri="{0D108BD9-81ED-4DB2-BD59-A6C34878D82A}">
-                    <a16:rowId xmlns:a16="http://schemas.microsoft.com/office/drawing/2014/main" val="4222946045"/>
-                  </a:ext>
-                </a:extLst>
-              </a:tr>
-            </a:tbl>
-          </a:graphicData>
-        </a:graphic>
-      </p:graphicFrame>
-      <p:graphicFrame>
-        <p:nvGraphicFramePr>
-          <p:cNvPr id="11" name="Table 10"/>
-          <p:cNvGraphicFramePr>
-            <a:graphicFrameLocks noGrp="1"/>
-          </p:cNvGraphicFramePr>
-          <p:nvPr>
-            <p:extLst>
-              <p:ext uri="{D42A27DB-BD31-4B8C-83A1-F6EECF244321}">
-                <p14:modId xmlns:p14="http://schemas.microsoft.com/office/powerpoint/2010/main" val="3466424554"/>
-              </p:ext>
-            </p:extLst>
-          </p:nvPr>
-        </p:nvGraphicFramePr>
-        <p:xfrm>
-          <a:off x="1235708" y="4230306"/>
-          <a:ext cx="9942190" cy="2225040"/>
-        </p:xfrm>
-        <a:graphic>
-          <a:graphicData uri="http://schemas.openxmlformats.org/drawingml/2006/table">
-            <a:tbl>
-              <a:tblPr firstRow="1" bandRow="1">
-                <a:tableStyleId>{5C22544A-7EE6-4342-B048-85BDC9FD1C3A}</a:tableStyleId>
-              </a:tblPr>
-              <a:tblGrid>
-                <a:gridCol w="4971095">
-                  <a:extLst>
-                    <a:ext uri="{9D8B030D-6E8A-4147-A177-3AD203B41FA5}">
-                      <a16:colId xmlns:a16="http://schemas.microsoft.com/office/drawing/2014/main" val="2368906484"/>
-                    </a:ext>
-                  </a:extLst>
-                </a:gridCol>
-                <a:gridCol w="4971095">
-                  <a:extLst>
-                    <a:ext uri="{9D8B030D-6E8A-4147-A177-3AD203B41FA5}">
-                      <a16:colId xmlns:a16="http://schemas.microsoft.com/office/drawing/2014/main" val="1134031330"/>
-                    </a:ext>
-                  </a:extLst>
-                </a:gridCol>
-              </a:tblGrid>
-              <a:tr h="370840">
-                <a:tc>
-                  <a:txBody>
-                    <a:bodyPr/>
-                    <a:lstStyle/>
-                    <a:p>
-                      <a:endParaRPr lang="en-US" dirty="0"/>
-                    </a:p>
-                  </a:txBody>
-                  <a:tcPr/>
-                </a:tc>
-                <a:tc>
-                  <a:txBody>
-                    <a:bodyPr/>
-                    <a:lstStyle/>
-                    <a:p>
-                      <a:endParaRPr lang="en-US"/>
-                    </a:p>
-                  </a:txBody>
-                  <a:tcPr/>
-                </a:tc>
-                <a:extLst>
-                  <a:ext uri="{0D108BD9-81ED-4DB2-BD59-A6C34878D82A}">
-                    <a16:rowId xmlns:a16="http://schemas.microsoft.com/office/drawing/2014/main" val="650878333"/>
-                  </a:ext>
-                </a:extLst>
-              </a:tr>
-              <a:tr h="370840">
-                <a:tc>
-                  <a:txBody>
-                    <a:bodyPr/>
-                    <a:lstStyle/>
-                    <a:p>
-                      <a:endParaRPr lang="en-US" dirty="0"/>
-                    </a:p>
-                  </a:txBody>
-                  <a:tcPr/>
-                </a:tc>
-                <a:tc>
-                  <a:txBody>
-                    <a:bodyPr/>
-                    <a:lstStyle/>
-                    <a:p>
-                      <a:endParaRPr lang="en-US"/>
-                    </a:p>
-                  </a:txBody>
-                  <a:tcPr/>
-                </a:tc>
-                <a:extLst>
-                  <a:ext uri="{0D108BD9-81ED-4DB2-BD59-A6C34878D82A}">
-                    <a16:rowId xmlns:a16="http://schemas.microsoft.com/office/drawing/2014/main" val="4259471897"/>
-                  </a:ext>
-                </a:extLst>
-              </a:tr>
-              <a:tr h="370840">
-                <a:tc>
-                  <a:txBody>
-                    <a:bodyPr/>
-                    <a:lstStyle/>
-                    <a:p>
-                      <a:endParaRPr lang="en-US"/>
-                    </a:p>
-                  </a:txBody>
-                  <a:tcPr/>
-                </a:tc>
-                <a:tc>
-                  <a:txBody>
-                    <a:bodyPr/>
-                    <a:lstStyle/>
-                    <a:p>
-                      <a:endParaRPr lang="en-US"/>
-                    </a:p>
-                  </a:txBody>
-                  <a:tcPr/>
-                </a:tc>
-                <a:extLst>
-                  <a:ext uri="{0D108BD9-81ED-4DB2-BD59-A6C34878D82A}">
-                    <a16:rowId xmlns:a16="http://schemas.microsoft.com/office/drawing/2014/main" val="2967965510"/>
-                  </a:ext>
-                </a:extLst>
-              </a:tr>
-              <a:tr h="370840">
-                <a:tc>
-                  <a:txBody>
-                    <a:bodyPr/>
-                    <a:lstStyle/>
-                    <a:p>
-                      <a:endParaRPr lang="en-US"/>
-                    </a:p>
-                  </a:txBody>
-                  <a:tcPr/>
-                </a:tc>
-                <a:tc>
-                  <a:txBody>
-                    <a:bodyPr/>
-                    <a:lstStyle/>
-                    <a:p>
-                      <a:endParaRPr lang="en-US"/>
-                    </a:p>
-                  </a:txBody>
-                  <a:tcPr/>
-                </a:tc>
-                <a:extLst>
-                  <a:ext uri="{0D108BD9-81ED-4DB2-BD59-A6C34878D82A}">
-                    <a16:rowId xmlns:a16="http://schemas.microsoft.com/office/drawing/2014/main" val="2845317717"/>
-                  </a:ext>
-                </a:extLst>
-              </a:tr>
-              <a:tr h="370840">
-                <a:tc>
-                  <a:txBody>
-                    <a:bodyPr/>
-                    <a:lstStyle/>
-                    <a:p>
-                      <a:endParaRPr lang="en-US"/>
-                    </a:p>
-                  </a:txBody>
-                  <a:tcPr/>
-                </a:tc>
-                <a:tc>
-                  <a:txBody>
-                    <a:bodyPr/>
-                    <a:lstStyle/>
-                    <a:p>
-                      <a:endParaRPr lang="en-US"/>
-                    </a:p>
-                  </a:txBody>
-                  <a:tcPr/>
-                </a:tc>
-                <a:extLst>
-                  <a:ext uri="{0D108BD9-81ED-4DB2-BD59-A6C34878D82A}">
-                    <a16:rowId xmlns:a16="http://schemas.microsoft.com/office/drawing/2014/main" val="2589628938"/>
-                  </a:ext>
-                </a:extLst>
-              </a:tr>
-              <a:tr h="370840">
-                <a:tc>
-                  <a:txBody>
-                    <a:bodyPr/>
-                    <a:lstStyle/>
-                    <a:p>
-                      <a:endParaRPr lang="en-US"/>
-                    </a:p>
-                  </a:txBody>
-                  <a:tcPr/>
-                </a:tc>
-                <a:tc>
-                  <a:txBody>
-                    <a:bodyPr/>
-                    <a:lstStyle/>
-                    <a:p>
-                      <a:endParaRPr lang="en-US" dirty="0"/>
-                    </a:p>
-                  </a:txBody>
-                  <a:tcPr/>
-                </a:tc>
-                <a:extLst>
-                  <a:ext uri="{0D108BD9-81ED-4DB2-BD59-A6C34878D82A}">
-                    <a16:rowId xmlns:a16="http://schemas.microsoft.com/office/drawing/2014/main" val="4222946045"/>
-                  </a:ext>
-                </a:extLst>
-              </a:tr>
-            </a:tbl>
-          </a:graphicData>
-        </a:graphic>
-      </p:graphicFrame>
-    </p:spTree>
-    <p:extLst>
-      <p:ext uri="{BB962C8B-B14F-4D97-AF65-F5344CB8AC3E}">
-        <p14:creationId xmlns:p14="http://schemas.microsoft.com/office/powerpoint/2010/main" val="1603343642"/>
-      </p:ext>
-    </p:extLst>
-  </p:cSld>
-  <p:clrMapOvr>
-    <a:masterClrMapping/>
-  </p:clrMapOvr>
-  <p:transition spd="slow">
-    <p:push dir="u"/>
-  </p:transition>
-  <p:timing>
-    <p:tnLst>
-      <p:par>
-        <p:cTn id="1" dur="indefinite" restart="never" nodeType="tmRoot">
-          <p:childTnLst>
-            <p:seq concurrent="1" nextAc="seek">
-              <p:cTn id="2" dur="indefinite" nodeType="mainSeq">
-                <p:childTnLst>
-                  <p:par>
-                    <p:cTn id="3" fill="hold">
-                      <p:stCondLst>
-                        <p:cond delay="indefinite"/>
-                        <p:cond evt="onBegin" delay="0">
-                          <p:tn val="2"/>
-                        </p:cond>
-                      </p:stCondLst>
-                      <p:childTnLst>
-                        <p:par>
-                          <p:cTn id="4" fill="hold">
-                            <p:stCondLst>
-                              <p:cond delay="0"/>
-                            </p:stCondLst>
-                            <p:childTnLst>
-                              <p:par>
-                                <p:cTn id="5" presetID="10" presetClass="entr" presetSubtype="0" fill="hold" grpId="0" nodeType="withEffect">
-                                  <p:stCondLst>
-                                    <p:cond delay="0"/>
-                                  </p:stCondLst>
-                                  <p:childTnLst>
-                                    <p:set>
-                                      <p:cBhvr>
-                                        <p:cTn id="6" dur="1" fill="hold">
-                                          <p:stCondLst>
-                                            <p:cond delay="0"/>
-                                          </p:stCondLst>
-                                        </p:cTn>
-                                        <p:tgtEl>
-                                          <p:spTgt spid="2"/>
-                                        </p:tgtEl>
-                                        <p:attrNameLst>
-                                          <p:attrName>style.visibility</p:attrName>
-                                        </p:attrNameLst>
-                                      </p:cBhvr>
-                                      <p:to>
-                                        <p:strVal val="visible"/>
-                                      </p:to>
-                                    </p:set>
-                                    <p:animEffect transition="in" filter="fade">
-                                      <p:cBhvr>
-                                        <p:cTn id="7" dur="500"/>
-                                        <p:tgtEl>
-                                          <p:spTgt spid="2"/>
-                                        </p:tgtEl>
-                                      </p:cBhvr>
-                                    </p:animEffect>
-                                  </p:childTnLst>
-                                </p:cTn>
-                              </p:par>
-                              <p:par>
-                                <p:cTn id="8" presetID="10" presetClass="entr" presetSubtype="0" fill="hold" grpId="0" nodeType="withEffect">
-                                  <p:stCondLst>
-                                    <p:cond delay="0"/>
-                                  </p:stCondLst>
-                                  <p:childTnLst>
-                                    <p:set>
-                                      <p:cBhvr>
-                                        <p:cTn id="9" dur="1" fill="hold">
-                                          <p:stCondLst>
-                                            <p:cond delay="0"/>
-                                          </p:stCondLst>
-                                        </p:cTn>
-                                        <p:tgtEl>
-                                          <p:spTgt spid="6"/>
-                                        </p:tgtEl>
-                                        <p:attrNameLst>
-                                          <p:attrName>style.visibility</p:attrName>
-                                        </p:attrNameLst>
-                                      </p:cBhvr>
-                                      <p:to>
-                                        <p:strVal val="visible"/>
-                                      </p:to>
-                                    </p:set>
-                                    <p:animEffect transition="in" filter="fade">
-                                      <p:cBhvr>
-                                        <p:cTn id="10" dur="500"/>
-                                        <p:tgtEl>
-                                          <p:spTgt spid="6"/>
-                                        </p:tgtEl>
-                                      </p:cBhvr>
-                                    </p:animEffect>
-                                  </p:childTnLst>
-                                </p:cTn>
-                              </p:par>
-                            </p:childTnLst>
-                          </p:cTn>
-                        </p:par>
-                      </p:childTnLst>
-                    </p:cTn>
-                  </p:par>
-                </p:childTnLst>
-              </p:cTn>
-              <p:prevCondLst>
-                <p:cond evt="onPrev" delay="0">
-                  <p:tgtEl>
-                    <p:sldTgt/>
-                  </p:tgtEl>
-                </p:cond>
-              </p:prevCondLst>
-              <p:nextCondLst>
-                <p:cond evt="onNext" delay="0">
-                  <p:tgtEl>
-                    <p:sldTgt/>
-                  </p:tgtEl>
-                </p:cond>
-              </p:nextCondLst>
-            </p:seq>
-          </p:childTnLst>
-        </p:cTn>
-      </p:par>
-    </p:tnLst>
-    <p:bldLst>
-      <p:bldP spid="2" grpId="0"/>
-      <p:bldP spid="6" grpId="0"/>
-    </p:bldLst>
-  </p:timing>
-</p:sld>
-</file>
-
-<file path=ppt/slides/slide8.xml><?xml version="1.0" encoding="utf-8"?>
-<p:sld xmlns:a="http://schemas.openxmlformats.org/drawingml/2006/main" xmlns:r="http://schemas.openxmlformats.org/officeDocument/2006/relationships" xmlns:p="http://schemas.openxmlformats.org/presentationml/2006/main">
-  <p:cSld>
-    <p:spTree>
-      <p:nvGrpSpPr>
-        <p:cNvPr id="1" name=""/>
-        <p:cNvGrpSpPr/>
-        <p:nvPr/>
-      </p:nvGrpSpPr>
-      <p:grpSpPr>
-        <a:xfrm>
-          <a:off x="0" y="0"/>
-          <a:ext cx="0" cy="0"/>
-          <a:chOff x="0" y="0"/>
-          <a:chExt cx="0" cy="0"/>
-        </a:xfrm>
-      </p:grpSpPr>
-      <p:sp>
-        <p:nvSpPr>
           <p:cNvPr id="6" name="Title 1"/>
           <p:cNvSpPr>
             <a:spLocks noGrp="1"/>
@@ -23338,7 +22478,6 @@
           <a:p>
             <a:fld id="{040DEF24-717E-4741-8753-F7E431A261E5}" type="slidenum">
               <a:rPr lang="en-US" smtClean="0"/>
-              <a:t>8</a:t>
             </a:fld>
             <a:endParaRPr lang="en-US"/>
           </a:p>
@@ -23398,7 +22537,7 @@
           <p:nvPr/>
         </p:nvPicPr>
         <p:blipFill rotWithShape="1">
-          <a:blip r:embed="rId2" cstate="print">
+          <a:blip r:embed="rId1" cstate="print">
             <a:extLst>
               <a:ext uri="{28A0092B-C50C-407E-A947-70E740481C1C}">
                 <a14:useLocalDpi xmlns:a14="http://schemas.microsoft.com/office/drawing/2010/main" val="0"/>
@@ -23433,7 +22572,7 @@
           <p:nvPr/>
         </p:nvPicPr>
         <p:blipFill>
-          <a:blip r:embed="rId3" cstate="print">
+          <a:blip r:embed="rId2" cstate="print">
             <a:extLst>
               <a:ext uri="{28A0092B-C50C-407E-A947-70E740481C1C}">
                 <a14:useLocalDpi xmlns:a14="http://schemas.microsoft.com/office/drawing/2010/main" val="0"/>
@@ -23496,6 +22635,16 @@
               </a:rPr>
               <a:t>Proof of work và Proof of stake</a:t>
             </a:r>
+            <a:endParaRPr lang="en-US" sz="2400" b="1" dirty="0">
+              <a:solidFill>
+                <a:schemeClr val="accent2">
+                  <a:lumMod val="50000"/>
+                </a:schemeClr>
+              </a:solidFill>
+              <a:latin typeface="Arial" panose="020B0604020202020204" pitchFamily="34" charset="0"/>
+              <a:ea typeface="Roboto" panose="02000000000000000000" pitchFamily="2" charset="0"/>
+              <a:cs typeface="Arial" panose="020B0604020202020204" pitchFamily="34" charset="0"/>
+            </a:endParaRPr>
           </a:p>
         </p:txBody>
       </p:sp>
@@ -23666,6 +22815,10 @@
               </a:rPr>
               <a:t>Khuyết điểm: </a:t>
             </a:r>
+            <a:endParaRPr lang="en-US" sz="1400" dirty="0" smtClean="0">
+              <a:latin typeface="Arial" panose="020B0604020202020204" pitchFamily="34" charset="0"/>
+              <a:cs typeface="Arial" panose="020B0604020202020204" pitchFamily="34" charset="0"/>
+            </a:endParaRPr>
           </a:p>
           <a:p>
             <a:pPr marL="285750" indent="-285750" algn="just">
@@ -23679,6 +22832,10 @@
               </a:rPr>
               <a:t>Dễ bị tấn công 51%</a:t>
             </a:r>
+            <a:endParaRPr lang="en-US" sz="1400" dirty="0" smtClean="0">
+              <a:latin typeface="Arial" panose="020B0604020202020204" pitchFamily="34" charset="0"/>
+              <a:cs typeface="Arial" panose="020B0604020202020204" pitchFamily="34" charset="0"/>
+            </a:endParaRPr>
           </a:p>
           <a:p>
             <a:pPr marL="285750" indent="-285750" algn="just">
@@ -23692,6 +22849,10 @@
               </a:rPr>
               <a:t>Hao tổn nhiều điện năng tiêu thụ</a:t>
             </a:r>
+            <a:endParaRPr lang="en-US" sz="1400" dirty="0" smtClean="0">
+              <a:latin typeface="Arial" panose="020B0604020202020204" pitchFamily="34" charset="0"/>
+              <a:cs typeface="Arial" panose="020B0604020202020204" pitchFamily="34" charset="0"/>
+            </a:endParaRPr>
           </a:p>
         </p:txBody>
       </p:sp>
@@ -23725,6 +22886,10 @@
               </a:rPr>
               <a:t>Khuyết điểm: </a:t>
             </a:r>
+            <a:endParaRPr lang="en-US" sz="1400" dirty="0" smtClean="0">
+              <a:latin typeface="Arial" panose="020B0604020202020204" pitchFamily="34" charset="0"/>
+              <a:cs typeface="Arial" panose="020B0604020202020204" pitchFamily="34" charset="0"/>
+            </a:endParaRPr>
           </a:p>
           <a:p>
             <a:pPr marL="285750" indent="-285750" algn="just">
@@ -23738,6 +22903,10 @@
               </a:rPr>
               <a:t>Khi gặp sự cố không mong muốn, sẽ mất phần đặt cọc ( Vd: mất wifi, cúp điện, ... )</a:t>
             </a:r>
+            <a:endParaRPr lang="en-US" sz="1400" dirty="0" smtClean="0">
+              <a:latin typeface="Arial" panose="020B0604020202020204" pitchFamily="34" charset="0"/>
+              <a:cs typeface="Arial" panose="020B0604020202020204" pitchFamily="34" charset="0"/>
+            </a:endParaRPr>
           </a:p>
         </p:txBody>
       </p:sp>
@@ -24162,7 +23331,7 @@
 </p:sld>
 </file>
 
-<file path=ppt/slides/slide9.xml><?xml version="1.0" encoding="utf-8"?>
+<file path=ppt/slides/slide8.xml><?xml version="1.0" encoding="utf-8"?>
 <p:sld xmlns:a="http://schemas.openxmlformats.org/drawingml/2006/main" xmlns:r="http://schemas.openxmlformats.org/officeDocument/2006/relationships" xmlns:p="http://schemas.openxmlformats.org/presentationml/2006/main">
   <p:cSld>
     <p:spTree>
@@ -24232,7 +23401,6 @@
           <a:p>
             <a:fld id="{040DEF24-717E-4741-8753-F7E431A261E5}" type="slidenum">
               <a:rPr lang="en-US" smtClean="0"/>
-              <a:t>9</a:t>
             </a:fld>
             <a:endParaRPr lang="en-US"/>
           </a:p>
@@ -24324,6 +23492,11 @@
               </a:rPr>
               <a:t>Namecoin</a:t>
             </a:r>
+            <a:endParaRPr lang="en-US" sz="1600" b="1" dirty="0">
+              <a:latin typeface="Times New Roman" panose="02020603050405020304" pitchFamily="18" charset="0"/>
+              <a:ea typeface="Calibri" panose="020F0502020204030204" pitchFamily="34" charset="0"/>
+              <a:cs typeface="Times New Roman" panose="02020603050405020304" pitchFamily="18" charset="0"/>
+            </a:endParaRPr>
           </a:p>
           <a:p>
             <a:pPr marL="342900" lvl="0" indent="-342900" algn="just">
@@ -24344,6 +23517,11 @@
               </a:rPr>
               <a:t>Blockstack</a:t>
             </a:r>
+            <a:endParaRPr lang="en-US" sz="1600" b="1" dirty="0">
+              <a:latin typeface="Times New Roman" panose="02020603050405020304" pitchFamily="18" charset="0"/>
+              <a:ea typeface="Calibri" panose="020F0502020204030204" pitchFamily="34" charset="0"/>
+              <a:cs typeface="Times New Roman" panose="02020603050405020304" pitchFamily="18" charset="0"/>
+            </a:endParaRPr>
           </a:p>
           <a:p>
             <a:pPr marL="342900" lvl="0" indent="-342900" algn="just">
@@ -24397,6 +23575,11 @@
               </a:rPr>
               <a:t>Handshake</a:t>
             </a:r>
+            <a:endParaRPr lang="en-US" sz="1600" b="1" dirty="0">
+              <a:latin typeface="Times New Roman" panose="02020603050405020304" pitchFamily="18" charset="0"/>
+              <a:ea typeface="Calibri" panose="020F0502020204030204" pitchFamily="34" charset="0"/>
+              <a:cs typeface="Times New Roman" panose="02020603050405020304" pitchFamily="18" charset="0"/>
+            </a:endParaRPr>
           </a:p>
           <a:p>
             <a:pPr marL="342900" lvl="0" indent="-342900" algn="just">
@@ -24417,6 +23600,11 @@
               </a:rPr>
               <a:t>Nebulis</a:t>
             </a:r>
+            <a:endParaRPr lang="en-US" sz="1600" b="1" dirty="0">
+              <a:latin typeface="Times New Roman" panose="02020603050405020304" pitchFamily="18" charset="0"/>
+              <a:ea typeface="Calibri" panose="020F0502020204030204" pitchFamily="34" charset="0"/>
+              <a:cs typeface="Times New Roman" panose="02020603050405020304" pitchFamily="18" charset="0"/>
+            </a:endParaRPr>
           </a:p>
           <a:p>
             <a:pPr marL="342900" lvl="0" indent="-342900" algn="just">
@@ -24437,6 +23625,11 @@
               </a:rPr>
               <a:t>Dot BIT</a:t>
             </a:r>
+            <a:endParaRPr lang="en-US" sz="1600" b="1" dirty="0">
+              <a:latin typeface="Times New Roman" panose="02020603050405020304" pitchFamily="18" charset="0"/>
+              <a:ea typeface="Calibri" panose="020F0502020204030204" pitchFamily="34" charset="0"/>
+              <a:cs typeface="Times New Roman" panose="02020603050405020304" pitchFamily="18" charset="0"/>
+            </a:endParaRPr>
           </a:p>
           <a:p>
             <a:pPr marL="342900" lvl="0" indent="-342900" algn="just">
@@ -24457,6 +23650,11 @@
               </a:rPr>
               <a:t>Emercoin DNS</a:t>
             </a:r>
+            <a:endParaRPr lang="en-US" sz="1600" b="1" dirty="0">
+              <a:latin typeface="Times New Roman" panose="02020603050405020304" pitchFamily="18" charset="0"/>
+              <a:ea typeface="Calibri" panose="020F0502020204030204" pitchFamily="34" charset="0"/>
+              <a:cs typeface="Times New Roman" panose="02020603050405020304" pitchFamily="18" charset="0"/>
+            </a:endParaRPr>
           </a:p>
           <a:p>
             <a:pPr marL="342900" lvl="0" indent="-342900" algn="just">
@@ -24477,6 +23675,11 @@
               </a:rPr>
               <a:t>PeerName</a:t>
             </a:r>
+            <a:endParaRPr lang="en-US" sz="1600" b="1" dirty="0">
+              <a:latin typeface="Times New Roman" panose="02020603050405020304" pitchFamily="18" charset="0"/>
+              <a:ea typeface="Calibri" panose="020F0502020204030204" pitchFamily="34" charset="0"/>
+              <a:cs typeface="Times New Roman" panose="02020603050405020304" pitchFamily="18" charset="0"/>
+            </a:endParaRPr>
           </a:p>
           <a:p>
             <a:pPr marL="342900" lvl="0" indent="-342900" algn="just">
@@ -24497,6 +23700,11 @@
               </a:rPr>
               <a:t>Blockchain DNS for Firefox</a:t>
             </a:r>
+            <a:endParaRPr lang="en-US" sz="1600" b="1" dirty="0">
+              <a:latin typeface="Times New Roman" panose="02020603050405020304" pitchFamily="18" charset="0"/>
+              <a:ea typeface="Calibri" panose="020F0502020204030204" pitchFamily="34" charset="0"/>
+              <a:cs typeface="Times New Roman" panose="02020603050405020304" pitchFamily="18" charset="0"/>
+            </a:endParaRPr>
           </a:p>
           <a:p>
             <a:pPr marL="342900" lvl="0" indent="-342900" algn="just">
@@ -24517,6 +23725,11 @@
               </a:rPr>
               <a:t>FrigGate for Chrome and other browsers</a:t>
             </a:r>
+            <a:endParaRPr lang="en-US" sz="1600" b="1" dirty="0">
+              <a:latin typeface="Times New Roman" panose="02020603050405020304" pitchFamily="18" charset="0"/>
+              <a:ea typeface="Calibri" panose="020F0502020204030204" pitchFamily="34" charset="0"/>
+              <a:cs typeface="Times New Roman" panose="02020603050405020304" pitchFamily="18" charset="0"/>
+            </a:endParaRPr>
           </a:p>
           <a:p>
             <a:pPr marL="342900" lvl="0" indent="-342900" algn="just">
@@ -24537,6 +23750,11 @@
               </a:rPr>
               <a:t>NEM Blockchain DNS extension</a:t>
             </a:r>
+            <a:endParaRPr lang="en-US" sz="1600" b="1" dirty="0">
+              <a:latin typeface="Times New Roman" panose="02020603050405020304" pitchFamily="18" charset="0"/>
+              <a:ea typeface="Calibri" panose="020F0502020204030204" pitchFamily="34" charset="0"/>
+              <a:cs typeface="Times New Roman" panose="02020603050405020304" pitchFamily="18" charset="0"/>
+            </a:endParaRPr>
           </a:p>
           <a:p>
             <a:pPr marL="342900" lvl="0" indent="-342900" algn="just">
@@ -24557,6 +23775,11 @@
               </a:rPr>
               <a:t>Unstoppable Domains</a:t>
             </a:r>
+            <a:endParaRPr lang="en-US" sz="1600" b="1" dirty="0">
+              <a:latin typeface="Times New Roman" panose="02020603050405020304" pitchFamily="18" charset="0"/>
+              <a:ea typeface="Calibri" panose="020F0502020204030204" pitchFamily="34" charset="0"/>
+              <a:cs typeface="Times New Roman" panose="02020603050405020304" pitchFamily="18" charset="0"/>
+            </a:endParaRPr>
           </a:p>
           <a:p>
             <a:pPr marL="342900" lvl="0" indent="-342900" algn="just">
@@ -24577,6 +23800,11 @@
               </a:rPr>
               <a:t>Aloaha Blockchain DNS</a:t>
             </a:r>
+            <a:endParaRPr lang="en-US" sz="1600" b="1" dirty="0">
+              <a:latin typeface="Times New Roman" panose="02020603050405020304" pitchFamily="18" charset="0"/>
+              <a:ea typeface="Calibri" panose="020F0502020204030204" pitchFamily="34" charset="0"/>
+              <a:cs typeface="Times New Roman" panose="02020603050405020304" pitchFamily="18" charset="0"/>
+            </a:endParaRPr>
           </a:p>
         </p:txBody>
       </p:sp>
@@ -24624,7 +23852,7 @@
           <p:nvPr/>
         </p:nvPicPr>
         <p:blipFill>
-          <a:blip r:embed="rId2">
+          <a:blip r:embed="rId1">
             <a:extLst>
               <a:ext uri="{28A0092B-C50C-407E-A947-70E740481C1C}">
                 <a14:useLocalDpi xmlns:a14="http://schemas.microsoft.com/office/drawing/2010/main" val="0"/>
@@ -24665,7 +23893,7 @@
           <p:nvPr/>
         </p:nvPicPr>
         <p:blipFill>
-          <a:blip r:embed="rId3" cstate="print">
+          <a:blip r:embed="rId2" cstate="print">
             <a:extLst>
               <a:ext uri="{28A0092B-C50C-407E-A947-70E740481C1C}">
                 <a14:useLocalDpi xmlns:a14="http://schemas.microsoft.com/office/drawing/2010/main" val="0"/>
@@ -24706,7 +23934,7 @@
           <p:nvPr/>
         </p:nvPicPr>
         <p:blipFill>
-          <a:blip r:embed="rId4" cstate="print">
+          <a:blip r:embed="rId3" cstate="print">
             <a:extLst>
               <a:ext uri="{28A0092B-C50C-407E-A947-70E740481C1C}">
                 <a14:useLocalDpi xmlns:a14="http://schemas.microsoft.com/office/drawing/2010/main" val="0"/>
@@ -24823,6 +24051,10 @@
               </a:rPr>
               <a:t>://www.softwaretestinghelp.com/best-blockchain-dns-software/</a:t>
             </a:r>
+            <a:endParaRPr lang="en-US" sz="1100" dirty="0">
+              <a:latin typeface="Arial" panose="020B0604020202020204" pitchFamily="34" charset="0"/>
+              <a:cs typeface="Arial" panose="020B0604020202020204" pitchFamily="34" charset="0"/>
+            </a:endParaRPr>
           </a:p>
         </p:txBody>
       </p:sp>
@@ -24861,6 +24093,16 @@
               </a:rPr>
               <a:t>Danh sách xếp hạng 13 phần mềm DNS Blockchain </a:t>
             </a:r>
+            <a:endParaRPr lang="en-US" sz="2400" b="1" dirty="0">
+              <a:solidFill>
+                <a:schemeClr val="accent2">
+                  <a:lumMod val="50000"/>
+                </a:schemeClr>
+              </a:solidFill>
+              <a:latin typeface="Arial" panose="020B0604020202020204" pitchFamily="34" charset="0"/>
+              <a:ea typeface="Roboto" panose="02000000000000000000" pitchFamily="2" charset="0"/>
+              <a:cs typeface="Arial" panose="020B0604020202020204" pitchFamily="34" charset="0"/>
+            </a:endParaRPr>
           </a:p>
         </p:txBody>
       </p:sp>
@@ -25244,6 +24486,925 @@
       <p:bldP spid="9" grpId="0"/>
       <p:bldP spid="12" grpId="0"/>
       <p:bldP spid="13" grpId="0"/>
+    </p:bldLst>
+  </p:timing>
+</p:sld>
+</file>
+
+<file path=ppt/slides/slide9.xml><?xml version="1.0" encoding="utf-8"?>
+<p:sld xmlns:a="http://schemas.openxmlformats.org/drawingml/2006/main" xmlns:r="http://schemas.openxmlformats.org/officeDocument/2006/relationships" xmlns:p="http://schemas.openxmlformats.org/presentationml/2006/main">
+  <p:cSld>
+    <p:spTree>
+      <p:nvGrpSpPr>
+        <p:cNvPr id="1" name=""/>
+        <p:cNvGrpSpPr/>
+        <p:nvPr/>
+      </p:nvGrpSpPr>
+      <p:grpSpPr>
+        <a:xfrm>
+          <a:off x="0" y="0"/>
+          <a:ext cx="0" cy="0"/>
+          <a:chOff x="0" y="0"/>
+          <a:chExt cx="0" cy="0"/>
+        </a:xfrm>
+      </p:grpSpPr>
+      <p:sp>
+        <p:nvSpPr>
+          <p:cNvPr id="6" name="Title 1"/>
+          <p:cNvSpPr>
+            <a:spLocks noGrp="1"/>
+          </p:cNvSpPr>
+          <p:nvPr>
+            <p:ph type="title"/>
+          </p:nvPr>
+        </p:nvSpPr>
+        <p:spPr>
+          <a:xfrm>
+            <a:off x="1019175" y="230505"/>
+            <a:ext cx="10058400" cy="657944"/>
+          </a:xfrm>
+        </p:spPr>
+        <p:txBody>
+          <a:bodyPr>
+            <a:normAutofit/>
+          </a:bodyPr>
+          <a:lstStyle/>
+          <a:p>
+            <a:r>
+              <a:rPr lang="en-US" sz="4000" b="1" spc="50" dirty="0" smtClean="0">
+                <a:blipFill>
+                  <a:blip r:embed="rId1">
+                    <a:extLst>
+                      <a:ext uri="{28A0092B-C50C-407E-A947-70E740481C1C}">
+                        <a14:useLocalDpi xmlns:a14="http://schemas.microsoft.com/office/drawing/2010/main" val="0"/>
+                      </a:ext>
+                    </a:extLst>
+                  </a:blip>
+                  <a:tile tx="6350" ty="-127000" sx="65000" sy="64000" flip="none" algn="tl"/>
+                </a:blipFill>
+                <a:latin typeface="Times New Roman" panose="02020603050405020304" pitchFamily="18" charset="0"/>
+                <a:cs typeface="Times New Roman" panose="02020603050405020304" pitchFamily="18" charset="0"/>
+                <a:sym typeface="+mn-ea"/>
+              </a:rPr>
+              <a:t>Cơ chế của DNS BLOCKCHAIN</a:t>
+            </a:r>
+            <a:endParaRPr lang="en-US" sz="4000" dirty="0">
+              <a:latin typeface="Arial" panose="020B0604020202020204" pitchFamily="34" charset="0"/>
+              <a:cs typeface="Arial" panose="020B0604020202020204" pitchFamily="34" charset="0"/>
+            </a:endParaRPr>
+          </a:p>
+        </p:txBody>
+      </p:sp>
+      <p:sp>
+        <p:nvSpPr>
+          <p:cNvPr id="4" name="Slide Number Placeholder 3"/>
+          <p:cNvSpPr>
+            <a:spLocks noGrp="1"/>
+          </p:cNvSpPr>
+          <p:nvPr>
+            <p:ph type="sldNum" sz="quarter" idx="12"/>
+          </p:nvPr>
+        </p:nvSpPr>
+        <p:spPr/>
+        <p:txBody>
+          <a:bodyPr/>
+          <a:lstStyle/>
+          <a:p>
+            <a:fld id="{040DEF24-717E-4741-8753-F7E431A261E5}" type="slidenum">
+              <a:rPr lang="en-US" smtClean="0"/>
+            </a:fld>
+            <a:endParaRPr lang="en-US"/>
+          </a:p>
+        </p:txBody>
+      </p:sp>
+      <p:pic>
+        <p:nvPicPr>
+          <p:cNvPr id="5" name="Picture 4"/>
+          <p:cNvPicPr/>
+          <p:nvPr/>
+        </p:nvPicPr>
+        <p:blipFill>
+          <a:blip r:embed="rId2"/>
+          <a:stretch>
+            <a:fillRect/>
+          </a:stretch>
+        </p:blipFill>
+        <p:spPr>
+          <a:xfrm>
+            <a:off x="2080895" y="2553335"/>
+            <a:ext cx="8282305" cy="3968750"/>
+          </a:xfrm>
+          <a:prstGeom prst="rect">
+            <a:avLst/>
+          </a:prstGeom>
+          <a:ln w="12700">
+            <a:noFill/>
+          </a:ln>
+        </p:spPr>
+      </p:pic>
+      <p:sp>
+        <p:nvSpPr>
+          <p:cNvPr id="7" name="Rectangle 6"/>
+          <p:cNvSpPr/>
+          <p:nvPr/>
+        </p:nvSpPr>
+        <p:spPr>
+          <a:xfrm>
+            <a:off x="0" y="0"/>
+            <a:ext cx="427839" cy="6858000"/>
+          </a:xfrm>
+          <a:prstGeom prst="rect">
+            <a:avLst/>
+          </a:prstGeom>
+          <a:solidFill>
+            <a:srgbClr val="CE2127"/>
+          </a:solidFill>
+        </p:spPr>
+        <p:style>
+          <a:lnRef idx="2">
+            <a:schemeClr val="accent1">
+              <a:shade val="50000"/>
+            </a:schemeClr>
+          </a:lnRef>
+          <a:fillRef idx="1">
+            <a:schemeClr val="accent1"/>
+          </a:fillRef>
+          <a:effectRef idx="0">
+            <a:schemeClr val="accent1"/>
+          </a:effectRef>
+          <a:fontRef idx="minor">
+            <a:schemeClr val="lt1"/>
+          </a:fontRef>
+        </p:style>
+        <p:txBody>
+          <a:bodyPr rtlCol="0" anchor="ctr"/>
+          <a:lstStyle/>
+          <a:p>
+            <a:pPr algn="ctr"/>
+            <a:endParaRPr lang="en-US">
+              <a:solidFill>
+                <a:srgbClr val="FF0000"/>
+              </a:solidFill>
+            </a:endParaRPr>
+          </a:p>
+        </p:txBody>
+      </p:sp>
+      <p:sp>
+        <p:nvSpPr>
+          <p:cNvPr id="8" name="TextBox 7"/>
+          <p:cNvSpPr txBox="1"/>
+          <p:nvPr/>
+        </p:nvSpPr>
+        <p:spPr>
+          <a:xfrm>
+            <a:off x="1044448" y="906044"/>
+            <a:ext cx="5019323" cy="461665"/>
+          </a:xfrm>
+          <a:prstGeom prst="rect">
+            <a:avLst/>
+          </a:prstGeom>
+          <a:noFill/>
+        </p:spPr>
+        <p:txBody>
+          <a:bodyPr wrap="none" rtlCol="0">
+            <a:spAutoFit/>
+          </a:bodyPr>
+          <a:lstStyle/>
+          <a:p>
+            <a:r>
+              <a:rPr lang="en-US" sz="2400" b="1" dirty="0" smtClean="0">
+                <a:solidFill>
+                  <a:schemeClr val="accent2">
+                    <a:lumMod val="50000"/>
+                  </a:schemeClr>
+                </a:solidFill>
+                <a:latin typeface="Arial" panose="020B0604020202020204" pitchFamily="34" charset="0"/>
+                <a:ea typeface="Roboto" panose="02000000000000000000" pitchFamily="2" charset="0"/>
+                <a:cs typeface="Arial" panose="020B0604020202020204" pitchFamily="34" charset="0"/>
+              </a:rPr>
+              <a:t>DNS Blockchain hoàn chỉnh gồm</a:t>
+            </a:r>
+            <a:endParaRPr lang="en-US" sz="2400" b="1" dirty="0">
+              <a:solidFill>
+                <a:schemeClr val="accent2">
+                  <a:lumMod val="50000"/>
+                </a:schemeClr>
+              </a:solidFill>
+              <a:latin typeface="Arial" panose="020B0604020202020204" pitchFamily="34" charset="0"/>
+              <a:ea typeface="Roboto" panose="02000000000000000000" pitchFamily="2" charset="0"/>
+              <a:cs typeface="Arial" panose="020B0604020202020204" pitchFamily="34" charset="0"/>
+            </a:endParaRPr>
+          </a:p>
+        </p:txBody>
+      </p:sp>
+      <p:sp>
+        <p:nvSpPr>
+          <p:cNvPr id="9" name="Rectangle 8"/>
+          <p:cNvSpPr/>
+          <p:nvPr/>
+        </p:nvSpPr>
+        <p:spPr>
+          <a:xfrm>
+            <a:off x="1306079" y="2062840"/>
+            <a:ext cx="1446397" cy="415498"/>
+          </a:xfrm>
+          <a:prstGeom prst="rect">
+            <a:avLst/>
+          </a:prstGeom>
+        </p:spPr>
+        <p:txBody>
+          <a:bodyPr wrap="square">
+            <a:spAutoFit/>
+          </a:bodyPr>
+          <a:lstStyle/>
+          <a:p>
+            <a:pPr lvl="0" algn="just">
+              <a:lnSpc>
+                <a:spcPct val="150000"/>
+              </a:lnSpc>
+              <a:spcAft>
+                <a:spcPts val="0"/>
+              </a:spcAft>
+            </a:pPr>
+            <a:r>
+              <a:rPr lang="en-US" sz="1400" b="1" dirty="0" smtClean="0">
+                <a:latin typeface="Arial" panose="020B0604020202020204" pitchFamily="34" charset="0"/>
+                <a:ea typeface="Calibri" panose="020F0502020204030204" pitchFamily="34" charset="0"/>
+                <a:cs typeface="Arial" panose="020B0604020202020204" pitchFamily="34" charset="0"/>
+              </a:rPr>
+              <a:t>Data Access: </a:t>
+            </a:r>
+            <a:endParaRPr lang="en-US" sz="1400" b="1" dirty="0" smtClean="0">
+              <a:latin typeface="Arial" panose="020B0604020202020204" pitchFamily="34" charset="0"/>
+              <a:ea typeface="Calibri" panose="020F0502020204030204" pitchFamily="34" charset="0"/>
+              <a:cs typeface="Arial" panose="020B0604020202020204" pitchFamily="34" charset="0"/>
+            </a:endParaRPr>
+          </a:p>
+        </p:txBody>
+      </p:sp>
+      <p:sp>
+        <p:nvSpPr>
+          <p:cNvPr id="3" name="TextBox 2"/>
+          <p:cNvSpPr txBox="1"/>
+          <p:nvPr/>
+        </p:nvSpPr>
+        <p:spPr>
+          <a:xfrm>
+            <a:off x="2675890" y="1474470"/>
+            <a:ext cx="8635365" cy="306705"/>
+          </a:xfrm>
+          <a:prstGeom prst="rect">
+            <a:avLst/>
+          </a:prstGeom>
+          <a:noFill/>
+          <a:ln>
+            <a:noFill/>
+          </a:ln>
+        </p:spPr>
+        <p:txBody>
+          <a:bodyPr wrap="square" rtlCol="0">
+            <a:spAutoFit/>
+          </a:bodyPr>
+          <a:lstStyle/>
+          <a:p>
+            <a:pPr lvl="0"/>
+            <a:r>
+              <a:rPr lang="en-US" sz="1400" dirty="0">
+                <a:latin typeface="Arial" panose="020B0604020202020204" pitchFamily="34" charset="0"/>
+                <a:ea typeface="Calibri" panose="020F0502020204030204" pitchFamily="34" charset="0"/>
+                <a:cs typeface="Arial" panose="020B0604020202020204" pitchFamily="34" charset="0"/>
+              </a:rPr>
+              <a:t>Chịu trách nhiệm cho việc upload dữ liệu tên miền và thực thi những yêu cầu với dữ liệu upload</a:t>
+            </a:r>
+            <a:r>
+              <a:rPr lang="en-US" sz="1400" dirty="0" smtClean="0">
+                <a:latin typeface="Arial" panose="020B0604020202020204" pitchFamily="34" charset="0"/>
+                <a:ea typeface="Calibri" panose="020F0502020204030204" pitchFamily="34" charset="0"/>
+                <a:cs typeface="Arial" panose="020B0604020202020204" pitchFamily="34" charset="0"/>
+              </a:rPr>
+              <a:t>.</a:t>
+            </a:r>
+            <a:endParaRPr lang="en-US" sz="1400" dirty="0">
+              <a:latin typeface="Arial" panose="020B0604020202020204" pitchFamily="34" charset="0"/>
+              <a:ea typeface="Calibri" panose="020F0502020204030204" pitchFamily="34" charset="0"/>
+              <a:cs typeface="Arial" panose="020B0604020202020204" pitchFamily="34" charset="0"/>
+            </a:endParaRPr>
+          </a:p>
+        </p:txBody>
+      </p:sp>
+      <p:sp>
+        <p:nvSpPr>
+          <p:cNvPr id="10" name="TextBox 9"/>
+          <p:cNvSpPr txBox="1"/>
+          <p:nvPr/>
+        </p:nvSpPr>
+        <p:spPr>
+          <a:xfrm>
+            <a:off x="2675890" y="1791335"/>
+            <a:ext cx="8635365" cy="338455"/>
+          </a:xfrm>
+          <a:prstGeom prst="rect">
+            <a:avLst/>
+          </a:prstGeom>
+          <a:noFill/>
+        </p:spPr>
+        <p:txBody>
+          <a:bodyPr wrap="square" rtlCol="0">
+            <a:spAutoFit/>
+          </a:bodyPr>
+          <a:lstStyle/>
+          <a:p>
+            <a:pPr lvl="0" algn="just">
+              <a:lnSpc>
+                <a:spcPct val="115000"/>
+              </a:lnSpc>
+              <a:spcBef>
+                <a:spcPts val="300"/>
+              </a:spcBef>
+              <a:spcAft>
+                <a:spcPts val="0"/>
+              </a:spcAft>
+            </a:pPr>
+            <a:r>
+              <a:rPr lang="en-US" sz="1400" dirty="0">
+                <a:latin typeface="Arial" panose="020B0604020202020204" pitchFamily="34" charset="0"/>
+                <a:ea typeface="Calibri" panose="020F0502020204030204" pitchFamily="34" charset="0"/>
+                <a:cs typeface="Arial" panose="020B0604020202020204" pitchFamily="34" charset="0"/>
+              </a:rPr>
+              <a:t>Blockchain lưu trữ những dữ liệu tên miền đã được đồng bộ hóa. </a:t>
+            </a:r>
+            <a:endParaRPr lang="en-US" sz="1400" dirty="0">
+              <a:latin typeface="Arial" panose="020B0604020202020204" pitchFamily="34" charset="0"/>
+              <a:ea typeface="Calibri" panose="020F0502020204030204" pitchFamily="34" charset="0"/>
+              <a:cs typeface="Arial" panose="020B0604020202020204" pitchFamily="34" charset="0"/>
+            </a:endParaRPr>
+          </a:p>
+        </p:txBody>
+      </p:sp>
+      <p:sp>
+        <p:nvSpPr>
+          <p:cNvPr id="12" name="TextBox 11"/>
+          <p:cNvSpPr txBox="1"/>
+          <p:nvPr/>
+        </p:nvSpPr>
+        <p:spPr>
+          <a:xfrm>
+            <a:off x="2676525" y="2139950"/>
+            <a:ext cx="8634095" cy="338455"/>
+          </a:xfrm>
+          <a:prstGeom prst="rect">
+            <a:avLst/>
+          </a:prstGeom>
+          <a:noFill/>
+        </p:spPr>
+        <p:txBody>
+          <a:bodyPr wrap="square" rtlCol="0">
+            <a:spAutoFit/>
+          </a:bodyPr>
+          <a:lstStyle/>
+          <a:p>
+            <a:pPr lvl="0" algn="just">
+              <a:lnSpc>
+                <a:spcPct val="115000"/>
+              </a:lnSpc>
+              <a:spcAft>
+                <a:spcPts val="300"/>
+              </a:spcAft>
+            </a:pPr>
+            <a:r>
+              <a:rPr lang="en-US" sz="1400" dirty="0">
+                <a:latin typeface="Arial" panose="020B0604020202020204" pitchFamily="34" charset="0"/>
+                <a:ea typeface="Calibri" panose="020F0502020204030204" pitchFamily="34" charset="0"/>
+                <a:cs typeface="Arial" panose="020B0604020202020204" pitchFamily="34" charset="0"/>
+              </a:rPr>
+              <a:t>Chịu trách nhiệm nhận yêu cầu và trả kết quả phân giải cho người yêu cầu</a:t>
+            </a:r>
+            <a:r>
+              <a:rPr lang="en-US" sz="1400" dirty="0" smtClean="0">
+                <a:latin typeface="Arial" panose="020B0604020202020204" pitchFamily="34" charset="0"/>
+                <a:ea typeface="Calibri" panose="020F0502020204030204" pitchFamily="34" charset="0"/>
+                <a:cs typeface="Arial" panose="020B0604020202020204" pitchFamily="34" charset="0"/>
+              </a:rPr>
+              <a:t>.</a:t>
+            </a:r>
+            <a:endParaRPr lang="en-US" sz="1400" dirty="0">
+              <a:latin typeface="Arial" panose="020B0604020202020204" pitchFamily="34" charset="0"/>
+              <a:ea typeface="Calibri" panose="020F0502020204030204" pitchFamily="34" charset="0"/>
+              <a:cs typeface="Arial" panose="020B0604020202020204" pitchFamily="34" charset="0"/>
+            </a:endParaRPr>
+          </a:p>
+        </p:txBody>
+      </p:sp>
+      <p:sp>
+        <p:nvSpPr>
+          <p:cNvPr id="17" name="Rectangle 16"/>
+          <p:cNvSpPr/>
+          <p:nvPr/>
+        </p:nvSpPr>
+        <p:spPr>
+          <a:xfrm>
+            <a:off x="1306068" y="1367616"/>
+            <a:ext cx="1327608" cy="375552"/>
+          </a:xfrm>
+          <a:prstGeom prst="rect">
+            <a:avLst/>
+          </a:prstGeom>
+        </p:spPr>
+        <p:txBody>
+          <a:bodyPr wrap="none">
+            <a:spAutoFit/>
+          </a:bodyPr>
+          <a:lstStyle/>
+          <a:p>
+            <a:pPr lvl="0">
+              <a:lnSpc>
+                <a:spcPct val="150000"/>
+              </a:lnSpc>
+              <a:spcBef>
+                <a:spcPts val="300"/>
+              </a:spcBef>
+            </a:pPr>
+            <a:r>
+              <a:rPr lang="en-US" sz="1400" b="1" dirty="0">
+                <a:latin typeface="Arial" panose="020B0604020202020204" pitchFamily="34" charset="0"/>
+                <a:ea typeface="Calibri" panose="020F0502020204030204" pitchFamily="34" charset="0"/>
+                <a:cs typeface="Arial" panose="020B0604020202020204" pitchFamily="34" charset="0"/>
+              </a:rPr>
+              <a:t>Data Publish:</a:t>
+            </a:r>
+            <a:endParaRPr lang="en-US" sz="1400" b="1" dirty="0">
+              <a:latin typeface="Arial" panose="020B0604020202020204" pitchFamily="34" charset="0"/>
+              <a:ea typeface="Calibri" panose="020F0502020204030204" pitchFamily="34" charset="0"/>
+              <a:cs typeface="Arial" panose="020B0604020202020204" pitchFamily="34" charset="0"/>
+            </a:endParaRPr>
+          </a:p>
+        </p:txBody>
+      </p:sp>
+      <p:sp>
+        <p:nvSpPr>
+          <p:cNvPr id="18" name="TextBox 17"/>
+          <p:cNvSpPr txBox="1"/>
+          <p:nvPr/>
+        </p:nvSpPr>
+        <p:spPr>
+          <a:xfrm>
+            <a:off x="1306068" y="1806741"/>
+            <a:ext cx="1138453" cy="307777"/>
+          </a:xfrm>
+          <a:prstGeom prst="rect">
+            <a:avLst/>
+          </a:prstGeom>
+          <a:noFill/>
+        </p:spPr>
+        <p:txBody>
+          <a:bodyPr wrap="none" rtlCol="0">
+            <a:spAutoFit/>
+          </a:bodyPr>
+          <a:lstStyle/>
+          <a:p>
+            <a:pPr lvl="0"/>
+            <a:r>
+              <a:rPr lang="en-US" sz="1400" b="1" dirty="0">
+                <a:latin typeface="Arial" panose="020B0604020202020204" pitchFamily="34" charset="0"/>
+                <a:ea typeface="Calibri" panose="020F0502020204030204" pitchFamily="34" charset="0"/>
+                <a:cs typeface="Arial" panose="020B0604020202020204" pitchFamily="34" charset="0"/>
+              </a:rPr>
+              <a:t>TLD </a:t>
+            </a:r>
+            <a:r>
+              <a:rPr lang="en-US" sz="1400" b="1" dirty="0" smtClean="0">
+                <a:latin typeface="Arial" panose="020B0604020202020204" pitchFamily="34" charset="0"/>
+                <a:ea typeface="Calibri" panose="020F0502020204030204" pitchFamily="34" charset="0"/>
+                <a:cs typeface="Arial" panose="020B0604020202020204" pitchFamily="34" charset="0"/>
+              </a:rPr>
+              <a:t>Chain:</a:t>
+            </a:r>
+            <a:endParaRPr lang="en-US" sz="1400" b="1" dirty="0">
+              <a:latin typeface="Arial" panose="020B0604020202020204" pitchFamily="34" charset="0"/>
+              <a:ea typeface="Calibri" panose="020F0502020204030204" pitchFamily="34" charset="0"/>
+              <a:cs typeface="Arial" panose="020B0604020202020204" pitchFamily="34" charset="0"/>
+            </a:endParaRPr>
+          </a:p>
+        </p:txBody>
+      </p:sp>
+    </p:spTree>
+  </p:cSld>
+  <p:clrMapOvr>
+    <a:masterClrMapping/>
+  </p:clrMapOvr>
+  <p:transition spd="slow">
+    <p:push dir="u"/>
+  </p:transition>
+  <p:timing>
+    <p:tnLst>
+      <p:par>
+        <p:cTn id="1" dur="indefinite" restart="never" nodeType="tmRoot">
+          <p:childTnLst>
+            <p:seq concurrent="1" nextAc="seek">
+              <p:cTn id="2" dur="indefinite" nodeType="mainSeq">
+                <p:childTnLst>
+                  <p:par>
+                    <p:cTn id="3" fill="hold">
+                      <p:stCondLst>
+                        <p:cond delay="indefinite"/>
+                        <p:cond evt="onBegin" delay="0">
+                          <p:tn val="2"/>
+                        </p:cond>
+                      </p:stCondLst>
+                      <p:childTnLst>
+                        <p:par>
+                          <p:cTn id="4" fill="hold">
+                            <p:stCondLst>
+                              <p:cond delay="0"/>
+                            </p:stCondLst>
+                            <p:childTnLst>
+                              <p:par>
+                                <p:cTn id="5" presetID="10" presetClass="entr" presetSubtype="0" fill="hold" grp